--- a/lectures3/Pythonlearn-01-Intro.pptx
+++ b/lectures3/Pythonlearn-01-Intro.pptx
@@ -24548,9 +24548,9 @@
                 <a:solidFill>
                   <a:srgbClr val="FFFF00"/>
                 </a:solidFill>
-                <a:latin typeface="Cabin"/>
-                <a:ea typeface="Cabin"/>
-                <a:cs typeface="Cabin"/>
+                <a:latin typeface="Arial" charset="0"/>
+                <a:ea typeface="Arial" charset="0"/>
+                <a:cs typeface="Arial" charset="0"/>
                 <a:sym typeface="Cabin"/>
               </a:rPr>
               <a:t>Why Program?</a:t>
@@ -24609,9 +24609,9 @@
                 <a:solidFill>
                   <a:schemeClr val="lt1"/>
                 </a:solidFill>
-                <a:latin typeface="Cabin"/>
-                <a:ea typeface="Cabin"/>
-                <a:cs typeface="Cabin"/>
+                <a:latin typeface="Arial" charset="0"/>
+                <a:ea typeface="Arial" charset="0"/>
+                <a:cs typeface="Arial" charset="0"/>
                 <a:sym typeface="Cabin"/>
               </a:rPr>
               <a:t>Chapter 1</a:t>
@@ -24662,13 +24662,13 @@
               <a:buNone/>
             </a:pPr>
             <a:r>
-              <a:rPr lang="en-US" sz="3200" b="0" i="0" u="none" strike="noStrike" cap="none">
+              <a:rPr lang="en-US" sz="3200" u="none" strike="noStrike" cap="none">
                 <a:solidFill>
                   <a:srgbClr val="FFFF00"/>
                 </a:solidFill>
-                <a:latin typeface="Cabin"/>
-                <a:ea typeface="Cabin"/>
-                <a:cs typeface="Cabin"/>
+                <a:latin typeface="Arial" charset="0"/>
+                <a:ea typeface="Arial" charset="0"/>
+                <a:cs typeface="Arial" charset="0"/>
                 <a:sym typeface="Cabin"/>
               </a:rPr>
               <a:t>Python for Informatics: Exploring Information</a:t>
@@ -24693,13 +24693,13 @@
               <a:buNone/>
             </a:pPr>
             <a:r>
-              <a:rPr lang="en-US" sz="3200" b="0" i="0" u="sng" strike="noStrike" cap="none">
+              <a:rPr lang="en-US" sz="3200" u="sng" strike="noStrike" cap="none">
                 <a:solidFill>
                   <a:srgbClr val="FFFF00"/>
                 </a:solidFill>
-                <a:latin typeface="Cabin"/>
-                <a:ea typeface="Cabin"/>
-                <a:cs typeface="Cabin"/>
+                <a:latin typeface="Arial" charset="0"/>
+                <a:ea typeface="Arial" charset="0"/>
+                <a:cs typeface="Arial" charset="0"/>
                 <a:sym typeface="Cabin"/>
                 <a:hlinkClick r:id="rId3"/>
               </a:rPr>
@@ -24834,13 +24834,13 @@
               <a:buNone/>
             </a:pPr>
             <a:r>
-              <a:rPr lang="en-US" sz="7600" b="0" i="0" u="none" strike="noStrike" cap="none">
+              <a:rPr lang="en-US" sz="7600" u="none" strike="noStrike" cap="none">
                 <a:solidFill>
                   <a:srgbClr val="FFFF00"/>
                 </a:solidFill>
-                <a:latin typeface="Cabin"/>
-                <a:ea typeface="Cabin"/>
-                <a:cs typeface="Cabin"/>
+                <a:latin typeface="Arial" charset="0"/>
+                <a:ea typeface="Arial" charset="0"/>
+                <a:cs typeface="Arial" charset="0"/>
                 <a:sym typeface="Cabin"/>
               </a:rPr>
               <a:t>Programs for Humans...</a:t>
@@ -24891,13 +24891,13 @@
               <a:buNone/>
             </a:pPr>
             <a:r>
-              <a:rPr lang="en-US" sz="3200" b="0" i="0" u="none" strike="noStrike" cap="none">
+              <a:rPr lang="en-US" sz="3200" u="none" strike="noStrike" cap="none">
                 <a:solidFill>
                   <a:schemeClr val="lt1"/>
                 </a:solidFill>
-                <a:latin typeface="Cabin"/>
-                <a:ea typeface="Cabin"/>
-                <a:cs typeface="Cabin"/>
+                <a:latin typeface="Arial" charset="0"/>
+                <a:ea typeface="Arial" charset="0"/>
+                <a:cs typeface="Arial" charset="0"/>
                 <a:sym typeface="Cabin"/>
               </a:rPr>
               <a:t>while music is playing:</a:t>
@@ -24922,13 +24922,13 @@
               <a:buNone/>
             </a:pPr>
             <a:r>
-              <a:rPr lang="en-US" sz="3200" b="0" i="0" u="none" strike="noStrike" cap="none">
+              <a:rPr lang="en-US" sz="3200" u="none" strike="noStrike" cap="none">
                 <a:solidFill>
                   <a:schemeClr val="lt1"/>
                 </a:solidFill>
-                <a:latin typeface="Cabin"/>
-                <a:ea typeface="Cabin"/>
-                <a:cs typeface="Cabin"/>
+                <a:latin typeface="Arial" charset="0"/>
+                <a:ea typeface="Arial" charset="0"/>
+                <a:cs typeface="Arial" charset="0"/>
                 <a:sym typeface="Cabin"/>
               </a:rPr>
               <a:t>Left hand out and up</a:t>
@@ -24953,13 +24953,13 @@
               <a:buNone/>
             </a:pPr>
             <a:r>
-              <a:rPr lang="en-US" sz="3200" b="0" i="0" u="none" strike="noStrike" cap="none">
+              <a:rPr lang="en-US" sz="3200" u="none" strike="noStrike" cap="none">
                 <a:solidFill>
                   <a:schemeClr val="lt1"/>
                 </a:solidFill>
-                <a:latin typeface="Cabin"/>
-                <a:ea typeface="Cabin"/>
-                <a:cs typeface="Cabin"/>
+                <a:latin typeface="Arial" charset="0"/>
+                <a:ea typeface="Arial" charset="0"/>
+                <a:cs typeface="Arial" charset="0"/>
                 <a:sym typeface="Cabin"/>
               </a:rPr>
               <a:t>Right hand out and up</a:t>
@@ -24984,13 +24984,13 @@
               <a:buNone/>
             </a:pPr>
             <a:r>
-              <a:rPr lang="en-US" sz="3200" b="0" i="0" u="none" strike="noStrike" cap="none">
+              <a:rPr lang="en-US" sz="3200" u="none" strike="noStrike" cap="none">
                 <a:solidFill>
                   <a:schemeClr val="lt1"/>
                 </a:solidFill>
-                <a:latin typeface="Cabin"/>
-                <a:ea typeface="Cabin"/>
-                <a:cs typeface="Cabin"/>
+                <a:latin typeface="Arial" charset="0"/>
+                <a:ea typeface="Arial" charset="0"/>
+                <a:cs typeface="Arial" charset="0"/>
                 <a:sym typeface="Cabin"/>
               </a:rPr>
               <a:t>Flip Left hand</a:t>
@@ -25015,13 +25015,13 @@
               <a:buNone/>
             </a:pPr>
             <a:r>
-              <a:rPr lang="en-US" sz="3200" b="0" i="0" u="none" strike="noStrike" cap="none">
+              <a:rPr lang="en-US" sz="3200" u="none" strike="noStrike" cap="none">
                 <a:solidFill>
                   <a:schemeClr val="lt1"/>
                 </a:solidFill>
-                <a:latin typeface="Cabin"/>
-                <a:ea typeface="Cabin"/>
-                <a:cs typeface="Cabin"/>
+                <a:latin typeface="Arial" charset="0"/>
+                <a:ea typeface="Arial" charset="0"/>
+                <a:cs typeface="Arial" charset="0"/>
                 <a:sym typeface="Cabin"/>
               </a:rPr>
               <a:t>Flip Right hand</a:t>
@@ -25046,13 +25046,13 @@
               <a:buNone/>
             </a:pPr>
             <a:r>
-              <a:rPr lang="en-US" sz="3200" b="0" i="0" u="none" strike="noStrike" cap="none">
+              <a:rPr lang="en-US" sz="3200" u="none" strike="noStrike" cap="none">
                 <a:solidFill>
                   <a:schemeClr val="lt1"/>
                 </a:solidFill>
-                <a:latin typeface="Cabin"/>
-                <a:ea typeface="Cabin"/>
-                <a:cs typeface="Cabin"/>
+                <a:latin typeface="Arial" charset="0"/>
+                <a:ea typeface="Arial" charset="0"/>
+                <a:cs typeface="Arial" charset="0"/>
                 <a:sym typeface="Cabin"/>
               </a:rPr>
               <a:t>Left hand to right shoulder</a:t>
@@ -25077,13 +25077,13 @@
               <a:buNone/>
             </a:pPr>
             <a:r>
-              <a:rPr lang="en-US" sz="3200" b="0" i="0" u="none" strike="noStrike" cap="none">
+              <a:rPr lang="en-US" sz="3200" u="none" strike="noStrike" cap="none">
                 <a:solidFill>
                   <a:schemeClr val="lt1"/>
                 </a:solidFill>
-                <a:latin typeface="Cabin"/>
-                <a:ea typeface="Cabin"/>
-                <a:cs typeface="Cabin"/>
+                <a:latin typeface="Arial" charset="0"/>
+                <a:ea typeface="Arial" charset="0"/>
+                <a:cs typeface="Arial" charset="0"/>
                 <a:sym typeface="Cabin"/>
               </a:rPr>
               <a:t>Right hand to left shoulder</a:t>
@@ -25108,13 +25108,13 @@
               <a:buNone/>
             </a:pPr>
             <a:r>
-              <a:rPr lang="en-US" sz="3200" b="0" i="0" u="none" strike="noStrike" cap="none">
+              <a:rPr lang="en-US" sz="3200" u="none" strike="noStrike" cap="none">
                 <a:solidFill>
                   <a:schemeClr val="lt1"/>
                 </a:solidFill>
-                <a:latin typeface="Cabin"/>
-                <a:ea typeface="Cabin"/>
-                <a:cs typeface="Cabin"/>
+                <a:latin typeface="Arial" charset="0"/>
+                <a:ea typeface="Arial" charset="0"/>
+                <a:cs typeface="Arial" charset="0"/>
                 <a:sym typeface="Cabin"/>
               </a:rPr>
               <a:t>Left hand to back of head</a:t>
@@ -25139,37 +25139,37 @@
               <a:buNone/>
             </a:pPr>
             <a:r>
-              <a:rPr lang="en-US" sz="3200" b="0" i="0" u="none" strike="noStrike" cap="none">
+              <a:rPr lang="en-US" sz="3200" u="none" strike="noStrike" cap="none">
                 <a:solidFill>
                   <a:schemeClr val="lt1"/>
                 </a:solidFill>
-                <a:latin typeface="Cabin"/>
-                <a:ea typeface="Cabin"/>
-                <a:cs typeface="Cabin"/>
+                <a:latin typeface="Arial" charset="0"/>
+                <a:ea typeface="Arial" charset="0"/>
+                <a:cs typeface="Arial" charset="0"/>
                 <a:sym typeface="Cabin"/>
               </a:rPr>
               <a:t>Right </a:t>
             </a:r>
             <a:r>
-              <a:rPr lang="en-US" sz="3200" b="0" i="0" u="none" strike="noStrike" cap="none">
+              <a:rPr lang="en-US" sz="3200" u="none" strike="noStrike" cap="none">
                 <a:solidFill>
                   <a:srgbClr val="FFFF00"/>
                 </a:solidFill>
-                <a:latin typeface="Cabin"/>
-                <a:ea typeface="Cabin"/>
-                <a:cs typeface="Cabin"/>
+                <a:latin typeface="Arial" charset="0"/>
+                <a:ea typeface="Arial" charset="0"/>
+                <a:cs typeface="Arial" charset="0"/>
                 <a:sym typeface="Cabin"/>
               </a:rPr>
               <a:t>ham</a:t>
             </a:r>
             <a:r>
-              <a:rPr lang="en-US" sz="3200" b="0" i="0" u="none" strike="noStrike" cap="none">
+              <a:rPr lang="en-US" sz="3200" u="none" strike="noStrike" cap="none">
                 <a:solidFill>
                   <a:schemeClr val="lt1"/>
                 </a:solidFill>
-                <a:latin typeface="Cabin"/>
-                <a:ea typeface="Cabin"/>
-                <a:cs typeface="Cabin"/>
+                <a:latin typeface="Arial" charset="0"/>
+                <a:ea typeface="Arial" charset="0"/>
+                <a:cs typeface="Arial" charset="0"/>
                 <a:sym typeface="Cabin"/>
               </a:rPr>
               <a:t> to back of head</a:t>
@@ -25194,25 +25194,25 @@
               <a:buNone/>
             </a:pPr>
             <a:r>
-              <a:rPr lang="en-US" sz="3200" b="0" i="0" u="none" strike="noStrike" cap="none">
+              <a:rPr lang="en-US" sz="3200" u="none" strike="noStrike" cap="none">
                 <a:solidFill>
                   <a:schemeClr val="lt1"/>
                 </a:solidFill>
-                <a:latin typeface="Cabin"/>
-                <a:ea typeface="Cabin"/>
-                <a:cs typeface="Cabin"/>
+                <a:latin typeface="Arial" charset="0"/>
+                <a:ea typeface="Arial" charset="0"/>
+                <a:cs typeface="Arial" charset="0"/>
                 <a:sym typeface="Cabin"/>
               </a:rPr>
               <a:t>Left hand to right </a:t>
             </a:r>
             <a:r>
-              <a:rPr lang="en-US" sz="3200" b="0" i="0" u="none" strike="noStrike" cap="none">
+              <a:rPr lang="en-US" sz="3200" u="none" strike="noStrike" cap="none">
                 <a:solidFill>
                   <a:srgbClr val="FFFF00"/>
                 </a:solidFill>
-                <a:latin typeface="Cabin"/>
-                <a:ea typeface="Cabin"/>
-                <a:cs typeface="Cabin"/>
+                <a:latin typeface="Arial" charset="0"/>
+                <a:ea typeface="Arial" charset="0"/>
+                <a:cs typeface="Arial" charset="0"/>
                 <a:sym typeface="Cabin"/>
               </a:rPr>
               <a:t>hit</a:t>
@@ -25237,25 +25237,25 @@
               <a:buNone/>
             </a:pPr>
             <a:r>
-              <a:rPr lang="en-US" sz="3200" b="0" i="0" u="none" strike="noStrike" cap="none">
+              <a:rPr lang="en-US" sz="3200" u="none" strike="noStrike" cap="none">
                 <a:solidFill>
                   <a:schemeClr val="lt1"/>
                 </a:solidFill>
-                <a:latin typeface="Cabin"/>
-                <a:ea typeface="Cabin"/>
-                <a:cs typeface="Cabin"/>
+                <a:latin typeface="Arial" charset="0"/>
+                <a:ea typeface="Arial" charset="0"/>
+                <a:cs typeface="Arial" charset="0"/>
                 <a:sym typeface="Cabin"/>
               </a:rPr>
               <a:t>Right hand to left </a:t>
             </a:r>
             <a:r>
-              <a:rPr lang="en-US" sz="3200" b="0" i="0" u="none" strike="noStrike" cap="none">
+              <a:rPr lang="en-US" sz="3200" u="none" strike="noStrike" cap="none">
                 <a:solidFill>
                   <a:srgbClr val="FFFF00"/>
                 </a:solidFill>
-                <a:latin typeface="Cabin"/>
-                <a:ea typeface="Cabin"/>
-                <a:cs typeface="Cabin"/>
+                <a:latin typeface="Arial" charset="0"/>
+                <a:ea typeface="Arial" charset="0"/>
+                <a:cs typeface="Arial" charset="0"/>
                 <a:sym typeface="Cabin"/>
               </a:rPr>
               <a:t>hit</a:t>
@@ -25280,13 +25280,13 @@
               <a:buNone/>
             </a:pPr>
             <a:r>
-              <a:rPr lang="en-US" sz="3200" b="0" i="0" u="none" strike="noStrike" cap="none">
+              <a:rPr lang="en-US" sz="3200" u="none" strike="noStrike" cap="none">
                 <a:solidFill>
                   <a:schemeClr val="lt1"/>
                 </a:solidFill>
-                <a:latin typeface="Cabin"/>
-                <a:ea typeface="Cabin"/>
-                <a:cs typeface="Cabin"/>
+                <a:latin typeface="Arial" charset="0"/>
+                <a:ea typeface="Arial" charset="0"/>
+                <a:cs typeface="Arial" charset="0"/>
                 <a:sym typeface="Cabin"/>
               </a:rPr>
               <a:t>Left hand on left bottom</a:t>
@@ -25311,13 +25311,13 @@
               <a:buNone/>
             </a:pPr>
             <a:r>
-              <a:rPr lang="en-US" sz="3200" b="0" i="0" u="none" strike="noStrike" cap="none">
+              <a:rPr lang="en-US" sz="3200" u="none" strike="noStrike" cap="none">
                 <a:solidFill>
                   <a:schemeClr val="lt1"/>
                 </a:solidFill>
-                <a:latin typeface="Cabin"/>
-                <a:ea typeface="Cabin"/>
-                <a:cs typeface="Cabin"/>
+                <a:latin typeface="Arial" charset="0"/>
+                <a:ea typeface="Arial" charset="0"/>
+                <a:cs typeface="Arial" charset="0"/>
                 <a:sym typeface="Cabin"/>
               </a:rPr>
               <a:t>Right hand on right bottom</a:t>
@@ -25342,13 +25342,13 @@
               <a:buNone/>
             </a:pPr>
             <a:r>
-              <a:rPr lang="en-US" sz="3200" b="0" i="0" u="none" strike="noStrike" cap="none">
+              <a:rPr lang="en-US" sz="3200" u="none" strike="noStrike" cap="none">
                 <a:solidFill>
                   <a:schemeClr val="lt1"/>
                 </a:solidFill>
-                <a:latin typeface="Cabin"/>
-                <a:ea typeface="Cabin"/>
-                <a:cs typeface="Cabin"/>
+                <a:latin typeface="Arial" charset="0"/>
+                <a:ea typeface="Arial" charset="0"/>
+                <a:cs typeface="Arial" charset="0"/>
                 <a:sym typeface="Cabin"/>
               </a:rPr>
               <a:t>Wiggle</a:t>
@@ -25373,13 +25373,13 @@
               <a:buNone/>
             </a:pPr>
             <a:r>
-              <a:rPr lang="en-US" sz="3200" b="0" i="0" u="none" strike="noStrike" cap="none">
+              <a:rPr lang="en-US" sz="3200" u="none" strike="noStrike" cap="none">
                 <a:solidFill>
                   <a:schemeClr val="lt1"/>
                 </a:solidFill>
-                <a:latin typeface="Cabin"/>
-                <a:ea typeface="Cabin"/>
-                <a:cs typeface="Cabin"/>
+                <a:latin typeface="Arial" charset="0"/>
+                <a:ea typeface="Arial" charset="0"/>
+                <a:cs typeface="Arial" charset="0"/>
                 <a:sym typeface="Cabin"/>
               </a:rPr>
               <a:t>Wiggle</a:t>
@@ -25404,13 +25404,13 @@
               <a:buNone/>
             </a:pPr>
             <a:r>
-              <a:rPr lang="en-US" sz="3200" b="0" i="0" u="none" strike="noStrike" cap="none">
+              <a:rPr lang="en-US" sz="3200" u="none" strike="noStrike" cap="none">
                 <a:solidFill>
                   <a:schemeClr val="lt1"/>
                 </a:solidFill>
-                <a:latin typeface="Cabin"/>
-                <a:ea typeface="Cabin"/>
-                <a:cs typeface="Cabin"/>
+                <a:latin typeface="Arial" charset="0"/>
+                <a:ea typeface="Arial" charset="0"/>
+                <a:cs typeface="Arial" charset="0"/>
                 <a:sym typeface="Cabin"/>
               </a:rPr>
               <a:t>Jump</a:t>
@@ -25492,9 +25492,9 @@
                 <a:solidFill>
                   <a:srgbClr val="FFFF00"/>
                 </a:solidFill>
-                <a:latin typeface="Cabin"/>
-                <a:ea typeface="Cabin"/>
-                <a:cs typeface="Cabin"/>
+                <a:latin typeface="Arial" charset="0"/>
+                <a:ea typeface="Arial" charset="0"/>
+                <a:cs typeface="Arial" charset="0"/>
                 <a:sym typeface="Cabin"/>
                 <a:hlinkClick r:id="rId4"/>
               </a:rPr>
@@ -25575,13 +25575,13 @@
               <a:buNone/>
             </a:pPr>
             <a:r>
-              <a:rPr lang="en-US" sz="7600" b="0" i="0" u="none" strike="noStrike" cap="none">
+              <a:rPr lang="en-US" sz="7600" u="none" strike="noStrike" cap="none">
                 <a:solidFill>
                   <a:srgbClr val="FFFF00"/>
                 </a:solidFill>
-                <a:latin typeface="Cabin"/>
-                <a:ea typeface="Cabin"/>
-                <a:cs typeface="Cabin"/>
+                <a:latin typeface="Arial" charset="0"/>
+                <a:ea typeface="Arial" charset="0"/>
+                <a:cs typeface="Arial" charset="0"/>
                 <a:sym typeface="Cabin"/>
               </a:rPr>
               <a:t>Programs for Humans...</a:t>
@@ -25632,13 +25632,13 @@
               <a:buNone/>
             </a:pPr>
             <a:r>
-              <a:rPr lang="en-US" sz="3200" b="0" i="0" u="none" strike="noStrike" cap="none">
+              <a:rPr lang="en-US" sz="3200" u="none" strike="noStrike" cap="none">
                 <a:solidFill>
                   <a:schemeClr val="lt1"/>
                 </a:solidFill>
-                <a:latin typeface="Cabin"/>
-                <a:ea typeface="Cabin"/>
-                <a:cs typeface="Cabin"/>
+                <a:latin typeface="Arial" charset="0"/>
+                <a:ea typeface="Arial" charset="0"/>
+                <a:cs typeface="Arial" charset="0"/>
                 <a:sym typeface="Cabin"/>
               </a:rPr>
               <a:t>while music is playing:</a:t>
@@ -25663,13 +25663,13 @@
               <a:buNone/>
             </a:pPr>
             <a:r>
-              <a:rPr lang="en-US" sz="3200" b="0" i="0" u="none" strike="noStrike" cap="none">
+              <a:rPr lang="en-US" sz="3200" u="none" strike="noStrike" cap="none">
                 <a:solidFill>
                   <a:schemeClr val="lt1"/>
                 </a:solidFill>
-                <a:latin typeface="Cabin"/>
-                <a:ea typeface="Cabin"/>
-                <a:cs typeface="Cabin"/>
+                <a:latin typeface="Arial" charset="0"/>
+                <a:ea typeface="Arial" charset="0"/>
+                <a:cs typeface="Arial" charset="0"/>
                 <a:sym typeface="Cabin"/>
               </a:rPr>
               <a:t>Left hand out and up</a:t>
@@ -25694,13 +25694,13 @@
               <a:buNone/>
             </a:pPr>
             <a:r>
-              <a:rPr lang="en-US" sz="3200" b="0" i="0" u="none" strike="noStrike" cap="none">
+              <a:rPr lang="en-US" sz="3200" u="none" strike="noStrike" cap="none">
                 <a:solidFill>
                   <a:schemeClr val="lt1"/>
                 </a:solidFill>
-                <a:latin typeface="Cabin"/>
-                <a:ea typeface="Cabin"/>
-                <a:cs typeface="Cabin"/>
+                <a:latin typeface="Arial" charset="0"/>
+                <a:ea typeface="Arial" charset="0"/>
+                <a:cs typeface="Arial" charset="0"/>
                 <a:sym typeface="Cabin"/>
               </a:rPr>
               <a:t>Right hand out and up</a:t>
@@ -25725,13 +25725,13 @@
               <a:buNone/>
             </a:pPr>
             <a:r>
-              <a:rPr lang="en-US" sz="3200" b="0" i="0" u="none" strike="noStrike" cap="none">
+              <a:rPr lang="en-US" sz="3200" u="none" strike="noStrike" cap="none">
                 <a:solidFill>
                   <a:schemeClr val="lt1"/>
                 </a:solidFill>
-                <a:latin typeface="Cabin"/>
-                <a:ea typeface="Cabin"/>
-                <a:cs typeface="Cabin"/>
+                <a:latin typeface="Arial" charset="0"/>
+                <a:ea typeface="Arial" charset="0"/>
+                <a:cs typeface="Arial" charset="0"/>
                 <a:sym typeface="Cabin"/>
               </a:rPr>
               <a:t>Flip Left hand</a:t>
@@ -25756,13 +25756,13 @@
               <a:buNone/>
             </a:pPr>
             <a:r>
-              <a:rPr lang="en-US" sz="3200" b="0" i="0" u="none" strike="noStrike" cap="none">
+              <a:rPr lang="en-US" sz="3200" u="none" strike="noStrike" cap="none">
                 <a:solidFill>
                   <a:schemeClr val="lt1"/>
                 </a:solidFill>
-                <a:latin typeface="Cabin"/>
-                <a:ea typeface="Cabin"/>
-                <a:cs typeface="Cabin"/>
+                <a:latin typeface="Arial" charset="0"/>
+                <a:ea typeface="Arial" charset="0"/>
+                <a:cs typeface="Arial" charset="0"/>
                 <a:sym typeface="Cabin"/>
               </a:rPr>
               <a:t>Flip Right hand</a:t>
@@ -25787,13 +25787,13 @@
               <a:buNone/>
             </a:pPr>
             <a:r>
-              <a:rPr lang="en-US" sz="3200" b="0" i="0" u="none" strike="noStrike" cap="none">
+              <a:rPr lang="en-US" sz="3200" u="none" strike="noStrike" cap="none">
                 <a:solidFill>
                   <a:schemeClr val="lt1"/>
                 </a:solidFill>
-                <a:latin typeface="Cabin"/>
-                <a:ea typeface="Cabin"/>
-                <a:cs typeface="Cabin"/>
+                <a:latin typeface="Arial" charset="0"/>
+                <a:ea typeface="Arial" charset="0"/>
+                <a:cs typeface="Arial" charset="0"/>
                 <a:sym typeface="Cabin"/>
               </a:rPr>
               <a:t>Left hand to right shoulder</a:t>
@@ -25818,13 +25818,13 @@
               <a:buNone/>
             </a:pPr>
             <a:r>
-              <a:rPr lang="en-US" sz="3200" b="0" i="0" u="none" strike="noStrike" cap="none">
+              <a:rPr lang="en-US" sz="3200" u="none" strike="noStrike" cap="none">
                 <a:solidFill>
                   <a:schemeClr val="lt1"/>
                 </a:solidFill>
-                <a:latin typeface="Cabin"/>
-                <a:ea typeface="Cabin"/>
-                <a:cs typeface="Cabin"/>
+                <a:latin typeface="Arial" charset="0"/>
+                <a:ea typeface="Arial" charset="0"/>
+                <a:cs typeface="Arial" charset="0"/>
                 <a:sym typeface="Cabin"/>
               </a:rPr>
               <a:t>Right hand to left shoulder</a:t>
@@ -25849,13 +25849,13 @@
               <a:buNone/>
             </a:pPr>
             <a:r>
-              <a:rPr lang="en-US" sz="3200" b="0" i="0" u="none" strike="noStrike" cap="none">
+              <a:rPr lang="en-US" sz="3200" u="none" strike="noStrike" cap="none">
                 <a:solidFill>
                   <a:schemeClr val="lt1"/>
                 </a:solidFill>
-                <a:latin typeface="Cabin"/>
-                <a:ea typeface="Cabin"/>
-                <a:cs typeface="Cabin"/>
+                <a:latin typeface="Arial" charset="0"/>
+                <a:ea typeface="Arial" charset="0"/>
+                <a:cs typeface="Arial" charset="0"/>
                 <a:sym typeface="Cabin"/>
               </a:rPr>
               <a:t>Left hand to back of head</a:t>
@@ -25880,37 +25880,37 @@
               <a:buNone/>
             </a:pPr>
             <a:r>
-              <a:rPr lang="en-US" sz="3200" b="0" i="0" u="none" strike="noStrike" cap="none">
+              <a:rPr lang="en-US" sz="3200" u="none" strike="noStrike" cap="none">
                 <a:solidFill>
                   <a:schemeClr val="lt1"/>
                 </a:solidFill>
-                <a:latin typeface="Cabin"/>
-                <a:ea typeface="Cabin"/>
-                <a:cs typeface="Cabin"/>
+                <a:latin typeface="Arial" charset="0"/>
+                <a:ea typeface="Arial" charset="0"/>
+                <a:cs typeface="Arial" charset="0"/>
                 <a:sym typeface="Cabin"/>
               </a:rPr>
               <a:t>Right </a:t>
             </a:r>
             <a:r>
-              <a:rPr lang="en-US" sz="3200" b="0" i="0" u="none" strike="noStrike" cap="none">
+              <a:rPr lang="en-US" sz="3200" u="none" strike="noStrike" cap="none">
                 <a:solidFill>
                   <a:srgbClr val="00FF00"/>
                 </a:solidFill>
-                <a:latin typeface="Cabin"/>
-                <a:ea typeface="Cabin"/>
-                <a:cs typeface="Cabin"/>
+                <a:latin typeface="Arial" charset="0"/>
+                <a:ea typeface="Arial" charset="0"/>
+                <a:cs typeface="Arial" charset="0"/>
                 <a:sym typeface="Cabin"/>
               </a:rPr>
               <a:t>hand</a:t>
             </a:r>
             <a:r>
-              <a:rPr lang="en-US" sz="3200" b="0" i="0" u="none" strike="noStrike" cap="none">
+              <a:rPr lang="en-US" sz="3200" u="none" strike="noStrike" cap="none">
                 <a:solidFill>
                   <a:schemeClr val="lt1"/>
                 </a:solidFill>
-                <a:latin typeface="Cabin"/>
-                <a:ea typeface="Cabin"/>
-                <a:cs typeface="Cabin"/>
+                <a:latin typeface="Arial" charset="0"/>
+                <a:ea typeface="Arial" charset="0"/>
+                <a:cs typeface="Arial" charset="0"/>
                 <a:sym typeface="Cabin"/>
               </a:rPr>
               <a:t> to back of head</a:t>
@@ -25935,25 +25935,25 @@
               <a:buNone/>
             </a:pPr>
             <a:r>
-              <a:rPr lang="en-US" sz="3200" b="0" i="0" u="none" strike="noStrike" cap="none">
+              <a:rPr lang="en-US" sz="3200" u="none" strike="noStrike" cap="none">
                 <a:solidFill>
                   <a:schemeClr val="lt1"/>
                 </a:solidFill>
-                <a:latin typeface="Cabin"/>
-                <a:ea typeface="Cabin"/>
-                <a:cs typeface="Cabin"/>
+                <a:latin typeface="Arial" charset="0"/>
+                <a:ea typeface="Arial" charset="0"/>
+                <a:cs typeface="Arial" charset="0"/>
                 <a:sym typeface="Cabin"/>
               </a:rPr>
               <a:t>Left hand to right </a:t>
             </a:r>
             <a:r>
-              <a:rPr lang="en-US" sz="3200" b="0" i="0" u="none" strike="noStrike" cap="none">
+              <a:rPr lang="en-US" sz="3200" u="none" strike="noStrike" cap="none">
                 <a:solidFill>
                   <a:srgbClr val="00FF00"/>
                 </a:solidFill>
-                <a:latin typeface="Cabin"/>
-                <a:ea typeface="Cabin"/>
-                <a:cs typeface="Cabin"/>
+                <a:latin typeface="Arial" charset="0"/>
+                <a:ea typeface="Arial" charset="0"/>
+                <a:cs typeface="Arial" charset="0"/>
                 <a:sym typeface="Cabin"/>
               </a:rPr>
               <a:t>hip</a:t>
@@ -25978,25 +25978,25 @@
               <a:buNone/>
             </a:pPr>
             <a:r>
-              <a:rPr lang="en-US" sz="3200" b="0" i="0" u="none" strike="noStrike" cap="none">
+              <a:rPr lang="en-US" sz="3200" u="none" strike="noStrike" cap="none">
                 <a:solidFill>
                   <a:schemeClr val="lt1"/>
                 </a:solidFill>
-                <a:latin typeface="Cabin"/>
-                <a:ea typeface="Cabin"/>
-                <a:cs typeface="Cabin"/>
+                <a:latin typeface="Arial" charset="0"/>
+                <a:ea typeface="Arial" charset="0"/>
+                <a:cs typeface="Arial" charset="0"/>
                 <a:sym typeface="Cabin"/>
               </a:rPr>
               <a:t>Right hand to left </a:t>
             </a:r>
             <a:r>
-              <a:rPr lang="en-US" sz="3200" b="0" i="0" u="none" strike="noStrike" cap="none">
+              <a:rPr lang="en-US" sz="3200" u="none" strike="noStrike" cap="none">
                 <a:solidFill>
                   <a:srgbClr val="00FF00"/>
                 </a:solidFill>
-                <a:latin typeface="Cabin"/>
-                <a:ea typeface="Cabin"/>
-                <a:cs typeface="Cabin"/>
+                <a:latin typeface="Arial" charset="0"/>
+                <a:ea typeface="Arial" charset="0"/>
+                <a:cs typeface="Arial" charset="0"/>
                 <a:sym typeface="Cabin"/>
               </a:rPr>
               <a:t>hip</a:t>
@@ -26021,13 +26021,13 @@
               <a:buNone/>
             </a:pPr>
             <a:r>
-              <a:rPr lang="en-US" sz="3200" b="0" i="0" u="none" strike="noStrike" cap="none">
+              <a:rPr lang="en-US" sz="3200" u="none" strike="noStrike" cap="none">
                 <a:solidFill>
                   <a:schemeClr val="lt1"/>
                 </a:solidFill>
-                <a:latin typeface="Cabin"/>
-                <a:ea typeface="Cabin"/>
-                <a:cs typeface="Cabin"/>
+                <a:latin typeface="Arial" charset="0"/>
+                <a:ea typeface="Arial" charset="0"/>
+                <a:cs typeface="Arial" charset="0"/>
                 <a:sym typeface="Cabin"/>
               </a:rPr>
               <a:t>Left hand on left bottom</a:t>
@@ -26052,13 +26052,13 @@
               <a:buNone/>
             </a:pPr>
             <a:r>
-              <a:rPr lang="en-US" sz="3200" b="0" i="0" u="none" strike="noStrike" cap="none">
+              <a:rPr lang="en-US" sz="3200" u="none" strike="noStrike" cap="none">
                 <a:solidFill>
                   <a:schemeClr val="lt1"/>
                 </a:solidFill>
-                <a:latin typeface="Cabin"/>
-                <a:ea typeface="Cabin"/>
-                <a:cs typeface="Cabin"/>
+                <a:latin typeface="Arial" charset="0"/>
+                <a:ea typeface="Arial" charset="0"/>
+                <a:cs typeface="Arial" charset="0"/>
                 <a:sym typeface="Cabin"/>
               </a:rPr>
               <a:t>Right hand on right bottom</a:t>
@@ -26083,13 +26083,13 @@
               <a:buNone/>
             </a:pPr>
             <a:r>
-              <a:rPr lang="en-US" sz="3200" b="0" i="0" u="none" strike="noStrike" cap="none">
+              <a:rPr lang="en-US" sz="3200" u="none" strike="noStrike" cap="none">
                 <a:solidFill>
                   <a:schemeClr val="lt1"/>
                 </a:solidFill>
-                <a:latin typeface="Cabin"/>
-                <a:ea typeface="Cabin"/>
-                <a:cs typeface="Cabin"/>
+                <a:latin typeface="Arial" charset="0"/>
+                <a:ea typeface="Arial" charset="0"/>
+                <a:cs typeface="Arial" charset="0"/>
                 <a:sym typeface="Cabin"/>
               </a:rPr>
               <a:t>Wiggle</a:t>
@@ -26114,13 +26114,13 @@
               <a:buNone/>
             </a:pPr>
             <a:r>
-              <a:rPr lang="en-US" sz="3200" b="0" i="0" u="none" strike="noStrike" cap="none">
+              <a:rPr lang="en-US" sz="3200" u="none" strike="noStrike" cap="none">
                 <a:solidFill>
                   <a:schemeClr val="lt1"/>
                 </a:solidFill>
-                <a:latin typeface="Cabin"/>
-                <a:ea typeface="Cabin"/>
-                <a:cs typeface="Cabin"/>
+                <a:latin typeface="Arial" charset="0"/>
+                <a:ea typeface="Arial" charset="0"/>
+                <a:cs typeface="Arial" charset="0"/>
                 <a:sym typeface="Cabin"/>
               </a:rPr>
               <a:t>Wiggle</a:t>
@@ -26145,13 +26145,13 @@
               <a:buNone/>
             </a:pPr>
             <a:r>
-              <a:rPr lang="en-US" sz="3200" b="0" i="0" u="none" strike="noStrike" cap="none">
+              <a:rPr lang="en-US" sz="3200" u="none" strike="noStrike" cap="none">
                 <a:solidFill>
                   <a:schemeClr val="lt1"/>
                 </a:solidFill>
-                <a:latin typeface="Cabin"/>
-                <a:ea typeface="Cabin"/>
-                <a:cs typeface="Cabin"/>
+                <a:latin typeface="Arial" charset="0"/>
+                <a:ea typeface="Arial" charset="0"/>
+                <a:cs typeface="Arial" charset="0"/>
                 <a:sym typeface="Cabin"/>
               </a:rPr>
               <a:t>Jump</a:t>
@@ -26233,9 +26233,9 @@
                 <a:solidFill>
                   <a:srgbClr val="FFFF00"/>
                 </a:solidFill>
-                <a:latin typeface="Cabin"/>
-                <a:ea typeface="Cabin"/>
-                <a:cs typeface="Cabin"/>
+                <a:latin typeface="Arial" charset="0"/>
+                <a:ea typeface="Arial" charset="0"/>
+                <a:cs typeface="Arial" charset="0"/>
                 <a:sym typeface="Cabin"/>
                 <a:hlinkClick r:id="rId4"/>
               </a:rPr>
@@ -26312,13 +26312,13 @@
               <a:buNone/>
             </a:pPr>
             <a:r>
-              <a:rPr lang="en-US" sz="3600" b="0" i="0" u="none" strike="noStrike" cap="none">
+              <a:rPr lang="en-US" sz="3600" u="none" strike="noStrike" cap="none">
                 <a:solidFill>
                   <a:schemeClr val="lt1"/>
                 </a:solidFill>
-                <a:latin typeface="Cabin"/>
-                <a:ea typeface="Cabin"/>
-                <a:cs typeface="Cabin"/>
+                <a:latin typeface="Arial" charset="0"/>
+                <a:ea typeface="Arial" charset="0"/>
+                <a:cs typeface="Arial" charset="0"/>
                 <a:sym typeface="Cabin"/>
               </a:rPr>
               <a:t>the clown ran after the car and the car ran into the tent and the tent fell down on the clown and the car </a:t>
@@ -26400,13 +26400,13 @@
               <a:buNone/>
             </a:pPr>
             <a:r>
-              <a:rPr lang="en-US" sz="7600" b="0" i="0" u="none" strike="noStrike" cap="none">
+              <a:rPr lang="en-US" sz="7600" u="none" strike="noStrike" cap="none">
                 <a:solidFill>
                   <a:srgbClr val="FFFF00"/>
                 </a:solidFill>
-                <a:latin typeface="Cabin"/>
-                <a:ea typeface="Cabin"/>
-                <a:cs typeface="Cabin"/>
+                <a:latin typeface="Arial" charset="0"/>
+                <a:ea typeface="Arial" charset="0"/>
+                <a:cs typeface="Arial" charset="0"/>
                 <a:sym typeface="Cabin"/>
               </a:rPr>
               <a:t>Programs for Python...</a:t>
@@ -26781,13 +26781,13 @@
               <a:buNone/>
             </a:pPr>
             <a:r>
-              <a:rPr lang="en-US" sz="7600" b="0" i="0" u="none" strike="noStrike" cap="none">
+              <a:rPr lang="en-US" sz="7600" u="none" strike="noStrike" cap="none">
                 <a:solidFill>
                   <a:srgbClr val="FFFF00"/>
                 </a:solidFill>
-                <a:latin typeface="Cabin"/>
-                <a:ea typeface="Cabin"/>
-                <a:cs typeface="Cabin"/>
+                <a:latin typeface="Arial" charset="0"/>
+                <a:ea typeface="Arial" charset="0"/>
+                <a:cs typeface="Arial" charset="0"/>
                 <a:sym typeface="Cabin"/>
               </a:rPr>
               <a:t>Programs for Python...</a:t>
@@ -27486,21 +27486,21 @@
                 <a:solidFill>
                   <a:srgbClr val="FFFF00"/>
                 </a:solidFill>
-                <a:latin typeface="Cabin"/>
-                <a:ea typeface="Cabin"/>
-                <a:cs typeface="Cabin"/>
+                <a:latin typeface="Arial" charset="0"/>
+                <a:ea typeface="Arial" charset="0"/>
+                <a:cs typeface="Arial" charset="0"/>
                 <a:sym typeface="Cabin"/>
               </a:rPr>
               <a:t> </a:t>
             </a:r>
             <a:r>
-              <a:rPr lang="en-US" sz="3600" b="0" i="0" u="none" strike="noStrike" cap="none">
+              <a:rPr lang="en-US" sz="3600" u="none" strike="noStrike" cap="none">
                 <a:solidFill>
                   <a:srgbClr val="FFFF00"/>
                 </a:solidFill>
-                <a:latin typeface="Cabin"/>
-                <a:ea typeface="Cabin"/>
-                <a:cs typeface="Cabin"/>
+                <a:latin typeface="Arial" charset="0"/>
+                <a:ea typeface="Arial" charset="0"/>
+                <a:cs typeface="Arial" charset="0"/>
                 <a:sym typeface="Cabin"/>
               </a:rPr>
               <a:t>python words.py </a:t>
@@ -27529,33 +27529,33 @@
                 <a:solidFill>
                   <a:srgbClr val="FFFF00"/>
                 </a:solidFill>
-                <a:latin typeface="Cabin"/>
-                <a:ea typeface="Cabin"/>
-                <a:cs typeface="Cabin"/>
+                <a:latin typeface="Arial" charset="0"/>
+                <a:ea typeface="Arial" charset="0"/>
+                <a:cs typeface="Arial" charset="0"/>
                 <a:sym typeface="Cabin"/>
               </a:rPr>
               <a:t> </a:t>
             </a:r>
             <a:r>
-              <a:rPr lang="en-US" sz="3600" b="0" i="0" u="none" strike="noStrike" cap="none">
+              <a:rPr lang="en-US" sz="3600" u="none" strike="noStrike" cap="none">
                 <a:solidFill>
                   <a:srgbClr val="FFFF00"/>
                 </a:solidFill>
-                <a:latin typeface="Cabin"/>
-                <a:ea typeface="Cabin"/>
-                <a:cs typeface="Cabin"/>
+                <a:latin typeface="Arial" charset="0"/>
+                <a:ea typeface="Arial" charset="0"/>
+                <a:cs typeface="Arial" charset="0"/>
                 <a:sym typeface="Cabin"/>
               </a:rPr>
               <a:t>Enter file: </a:t>
             </a:r>
             <a:r>
-              <a:rPr lang="en-US" sz="3600" b="0" i="0" u="none" strike="noStrike" cap="none">
+              <a:rPr lang="en-US" sz="3600" u="none" strike="noStrike" cap="none">
                 <a:solidFill>
                   <a:schemeClr val="lt1"/>
                 </a:solidFill>
-                <a:latin typeface="Cabin"/>
-                <a:ea typeface="Cabin"/>
-                <a:cs typeface="Cabin"/>
+                <a:latin typeface="Arial" charset="0"/>
+                <a:ea typeface="Arial" charset="0"/>
+                <a:cs typeface="Arial" charset="0"/>
                 <a:sym typeface="Cabin"/>
               </a:rPr>
               <a:t>words.txt</a:t>
@@ -27584,21 +27584,21 @@
                 <a:solidFill>
                   <a:srgbClr val="FFFF00"/>
                 </a:solidFill>
-                <a:latin typeface="Cabin"/>
-                <a:ea typeface="Cabin"/>
-                <a:cs typeface="Cabin"/>
+                <a:latin typeface="Arial" charset="0"/>
+                <a:ea typeface="Arial" charset="0"/>
+                <a:cs typeface="Arial" charset="0"/>
                 <a:sym typeface="Cabin"/>
               </a:rPr>
               <a:t> </a:t>
             </a:r>
             <a:r>
-              <a:rPr lang="en-US" sz="3600" b="0" i="0" u="none" strike="noStrike" cap="none">
+              <a:rPr lang="en-US" sz="3600" u="none" strike="noStrike" cap="none">
                 <a:solidFill>
                   <a:srgbClr val="FFFF00"/>
                 </a:solidFill>
-                <a:latin typeface="Cabin"/>
-                <a:ea typeface="Cabin"/>
-                <a:cs typeface="Cabin"/>
+                <a:latin typeface="Arial" charset="0"/>
+                <a:ea typeface="Arial" charset="0"/>
+                <a:cs typeface="Arial" charset="0"/>
                 <a:sym typeface="Cabin"/>
               </a:rPr>
               <a:t>to 16</a:t>
@@ -27659,21 +27659,21 @@
                 <a:solidFill>
                   <a:srgbClr val="FFFF00"/>
                 </a:solidFill>
-                <a:latin typeface="Cabin"/>
-                <a:ea typeface="Cabin"/>
-                <a:cs typeface="Cabin"/>
+                <a:latin typeface="Arial" charset="0"/>
+                <a:ea typeface="Arial" charset="0"/>
+                <a:cs typeface="Arial" charset="0"/>
                 <a:sym typeface="Cabin"/>
               </a:rPr>
               <a:t> </a:t>
             </a:r>
             <a:r>
-              <a:rPr lang="en-US" sz="3600" b="0" i="0" u="none" strike="noStrike" cap="none">
+              <a:rPr lang="en-US" sz="3600" u="none" strike="noStrike" cap="none">
                 <a:solidFill>
                   <a:srgbClr val="FFFF00"/>
                 </a:solidFill>
-                <a:latin typeface="Cabin"/>
-                <a:ea typeface="Cabin"/>
-                <a:cs typeface="Cabin"/>
+                <a:latin typeface="Arial" charset="0"/>
+                <a:ea typeface="Arial" charset="0"/>
+                <a:cs typeface="Arial" charset="0"/>
                 <a:sym typeface="Cabin"/>
               </a:rPr>
               <a:t>python words.py </a:t>
@@ -27702,33 +27702,33 @@
                 <a:solidFill>
                   <a:srgbClr val="FFFF00"/>
                 </a:solidFill>
-                <a:latin typeface="Cabin"/>
-                <a:ea typeface="Cabin"/>
-                <a:cs typeface="Cabin"/>
+                <a:latin typeface="Arial" charset="0"/>
+                <a:ea typeface="Arial" charset="0"/>
+                <a:cs typeface="Arial" charset="0"/>
                 <a:sym typeface="Cabin"/>
               </a:rPr>
               <a:t> </a:t>
             </a:r>
             <a:r>
-              <a:rPr lang="en-US" sz="3600" b="0" i="0" u="none" strike="noStrike" cap="none">
+              <a:rPr lang="en-US" sz="3600" u="none" strike="noStrike" cap="none">
                 <a:solidFill>
                   <a:srgbClr val="FFFF00"/>
                 </a:solidFill>
-                <a:latin typeface="Cabin"/>
-                <a:ea typeface="Cabin"/>
-                <a:cs typeface="Cabin"/>
+                <a:latin typeface="Arial" charset="0"/>
+                <a:ea typeface="Arial" charset="0"/>
+                <a:cs typeface="Arial" charset="0"/>
                 <a:sym typeface="Cabin"/>
               </a:rPr>
               <a:t>Enter file: </a:t>
             </a:r>
             <a:r>
-              <a:rPr lang="en-US" sz="3600" b="0" i="0" u="none" strike="noStrike" cap="none">
+              <a:rPr lang="en-US" sz="3600" u="none" strike="noStrike" cap="none">
                 <a:solidFill>
                   <a:schemeClr val="lt1"/>
                 </a:solidFill>
-                <a:latin typeface="Cabin"/>
-                <a:ea typeface="Cabin"/>
-                <a:cs typeface="Cabin"/>
+                <a:latin typeface="Arial" charset="0"/>
+                <a:ea typeface="Arial" charset="0"/>
+                <a:cs typeface="Arial" charset="0"/>
                 <a:sym typeface="Cabin"/>
               </a:rPr>
               <a:t>clown.txt</a:t>
@@ -27757,21 +27757,21 @@
                 <a:solidFill>
                   <a:srgbClr val="FFFF00"/>
                 </a:solidFill>
-                <a:latin typeface="Cabin"/>
-                <a:ea typeface="Cabin"/>
-                <a:cs typeface="Cabin"/>
+                <a:latin typeface="Arial" charset="0"/>
+                <a:ea typeface="Arial" charset="0"/>
+                <a:cs typeface="Arial" charset="0"/>
                 <a:sym typeface="Cabin"/>
               </a:rPr>
               <a:t> </a:t>
             </a:r>
             <a:r>
-              <a:rPr lang="en-US" sz="3600" b="0" i="0" u="none" strike="noStrike" cap="none">
+              <a:rPr lang="en-US" sz="3600" u="none" strike="noStrike" cap="none">
                 <a:solidFill>
                   <a:srgbClr val="FFFF00"/>
                 </a:solidFill>
-                <a:latin typeface="Cabin"/>
-                <a:ea typeface="Cabin"/>
-                <a:cs typeface="Cabin"/>
+                <a:latin typeface="Arial" charset="0"/>
+                <a:ea typeface="Arial" charset="0"/>
+                <a:cs typeface="Arial" charset="0"/>
                 <a:sym typeface="Cabin"/>
               </a:rPr>
               <a:t>the 7</a:t>
@@ -27851,13 +27851,13 @@
               <a:buNone/>
             </a:pPr>
             <a:r>
-              <a:rPr lang="en-US" sz="7600" b="0" i="0" u="none" strike="noStrike" cap="none">
+              <a:rPr lang="en-US" sz="7600" u="none" strike="noStrike" cap="none">
                 <a:solidFill>
                   <a:srgbClr val="FFFF00"/>
                 </a:solidFill>
-                <a:latin typeface="Cabin"/>
-                <a:ea typeface="Cabin"/>
-                <a:cs typeface="Cabin"/>
+                <a:latin typeface="Arial" charset="0"/>
+                <a:ea typeface="Arial" charset="0"/>
+                <a:cs typeface="Arial" charset="0"/>
                 <a:sym typeface="Cabin"/>
               </a:rPr>
               <a:t>Hardware Architecture</a:t>
@@ -27933,13 +27933,13 @@
               <a:buNone/>
             </a:pPr>
             <a:r>
-              <a:rPr lang="en-US" sz="3000" b="0" i="0" u="sng" strike="noStrike" cap="none">
+              <a:rPr lang="en-US" sz="3000" u="sng" strike="noStrike" cap="none">
                 <a:solidFill>
                   <a:srgbClr val="FFFF00"/>
                 </a:solidFill>
-                <a:latin typeface="Cabin"/>
-                <a:ea typeface="Cabin"/>
-                <a:cs typeface="Cabin"/>
+                <a:latin typeface="Arial" charset="0"/>
+                <a:ea typeface="Arial" charset="0"/>
+                <a:cs typeface="Arial" charset="0"/>
                 <a:sym typeface="Cabin"/>
                 <a:hlinkClick r:id="rId3"/>
               </a:rPr>
@@ -28049,25 +28049,25 @@
               <a:buNone/>
             </a:pPr>
             <a:r>
-              <a:rPr lang="en-US" sz="3200" b="0" i="0" u="none" strike="noStrike" cap="none">
+              <a:rPr lang="en-US" sz="3200" u="none" strike="noStrike" cap="none">
                 <a:solidFill>
                   <a:srgbClr val="FF00FF"/>
                 </a:solidFill>
-                <a:latin typeface="Cabin"/>
-                <a:ea typeface="Cabin"/>
-                <a:cs typeface="Cabin"/>
+                <a:latin typeface="Arial" charset="0"/>
+                <a:ea typeface="Arial" charset="0"/>
+                <a:cs typeface="Arial" charset="0"/>
                 <a:sym typeface="Cabin"/>
               </a:rPr>
               <a:t>  </a:t>
             </a:r>
             <a:r>
-              <a:rPr lang="en-US" sz="3200" b="0" i="0" u="none" strike="noStrike" cap="none">
+              <a:rPr lang="en-US" sz="3200" u="none" strike="noStrike" cap="none">
                 <a:solidFill>
                   <a:srgbClr val="00FFFF"/>
                 </a:solidFill>
-                <a:latin typeface="Cabin"/>
-                <a:ea typeface="Cabin"/>
-                <a:cs typeface="Cabin"/>
+                <a:latin typeface="Arial" charset="0"/>
+                <a:ea typeface="Arial" charset="0"/>
+                <a:cs typeface="Arial" charset="0"/>
                 <a:sym typeface="Cabin"/>
               </a:rPr>
               <a:t>Software</a:t>
@@ -28124,13 +28124,13 @@
               <a:buNone/>
             </a:pPr>
             <a:r>
-              <a:rPr lang="en-US" sz="3200" b="0" i="0" u="none" strike="noStrike" cap="none">
+              <a:rPr lang="en-US" sz="3200" u="none" strike="noStrike" cap="none">
                 <a:solidFill>
                   <a:schemeClr val="lt1"/>
                 </a:solidFill>
-                <a:latin typeface="Cabin"/>
-                <a:ea typeface="Cabin"/>
-                <a:cs typeface="Cabin"/>
+                <a:latin typeface="Arial" charset="0"/>
+                <a:ea typeface="Arial" charset="0"/>
+                <a:cs typeface="Arial" charset="0"/>
                 <a:sym typeface="Cabin"/>
               </a:rPr>
               <a:t>Input</a:t>
@@ -28155,13 +28155,13 @@
               <a:buNone/>
             </a:pPr>
             <a:r>
-              <a:rPr lang="en-US" sz="3200" b="0" i="0" u="none" strike="noStrike" cap="none">
+              <a:rPr lang="en-US" sz="3200" u="none" strike="noStrike" cap="none">
                 <a:solidFill>
                   <a:schemeClr val="lt1"/>
                 </a:solidFill>
-                <a:latin typeface="Cabin"/>
-                <a:ea typeface="Cabin"/>
-                <a:cs typeface="Cabin"/>
+                <a:latin typeface="Arial" charset="0"/>
+                <a:ea typeface="Arial" charset="0"/>
+                <a:cs typeface="Arial" charset="0"/>
                 <a:sym typeface="Cabin"/>
               </a:rPr>
               <a:t>and Output</a:t>
@@ -28186,13 +28186,13 @@
               <a:buNone/>
             </a:pPr>
             <a:r>
-              <a:rPr lang="en-US" sz="3200" b="0" i="0" u="none" strike="noStrike" cap="none">
+              <a:rPr lang="en-US" sz="3200" u="none" strike="noStrike" cap="none">
                 <a:solidFill>
                   <a:schemeClr val="lt1"/>
                 </a:solidFill>
-                <a:latin typeface="Cabin"/>
-                <a:ea typeface="Cabin"/>
-                <a:cs typeface="Cabin"/>
+                <a:latin typeface="Arial" charset="0"/>
+                <a:ea typeface="Arial" charset="0"/>
+                <a:cs typeface="Arial" charset="0"/>
                 <a:sym typeface="Cabin"/>
               </a:rPr>
               <a:t>Devices</a:t>
@@ -28249,13 +28249,13 @@
               <a:buNone/>
             </a:pPr>
             <a:r>
-              <a:rPr lang="en-US" sz="3200" b="0" i="0" u="none" strike="noStrike" cap="none">
+              <a:rPr lang="en-US" sz="3200" u="none" strike="noStrike" cap="none">
                 <a:solidFill>
                   <a:schemeClr val="lt1"/>
                 </a:solidFill>
-                <a:latin typeface="Cabin"/>
-                <a:ea typeface="Cabin"/>
-                <a:cs typeface="Cabin"/>
+                <a:latin typeface="Arial" charset="0"/>
+                <a:ea typeface="Arial" charset="0"/>
+                <a:cs typeface="Arial" charset="0"/>
                 <a:sym typeface="Cabin"/>
               </a:rPr>
               <a:t>Central</a:t>
@@ -28280,13 +28280,13 @@
               <a:buNone/>
             </a:pPr>
             <a:r>
-              <a:rPr lang="en-US" sz="3200" b="0" i="0" u="none" strike="noStrike" cap="none">
+              <a:rPr lang="en-US" sz="3200" u="none" strike="noStrike" cap="none">
                 <a:solidFill>
                   <a:schemeClr val="lt1"/>
                 </a:solidFill>
-                <a:latin typeface="Cabin"/>
-                <a:ea typeface="Cabin"/>
-                <a:cs typeface="Cabin"/>
+                <a:latin typeface="Arial" charset="0"/>
+                <a:ea typeface="Arial" charset="0"/>
+                <a:cs typeface="Arial" charset="0"/>
                 <a:sym typeface="Cabin"/>
               </a:rPr>
               <a:t>Processing</a:t>
@@ -28311,13 +28311,13 @@
               <a:buNone/>
             </a:pPr>
             <a:r>
-              <a:rPr lang="en-US" sz="3200" b="0" i="0" u="none" strike="noStrike" cap="none">
+              <a:rPr lang="en-US" sz="3200" u="none" strike="noStrike" cap="none">
                 <a:solidFill>
                   <a:schemeClr val="lt1"/>
                 </a:solidFill>
-                <a:latin typeface="Cabin"/>
-                <a:ea typeface="Cabin"/>
-                <a:cs typeface="Cabin"/>
+                <a:latin typeface="Arial" charset="0"/>
+                <a:ea typeface="Arial" charset="0"/>
+                <a:cs typeface="Arial" charset="0"/>
                 <a:sym typeface="Cabin"/>
               </a:rPr>
               <a:t>Unit</a:t>
@@ -28374,13 +28374,13 @@
               <a:buNone/>
             </a:pPr>
             <a:r>
-              <a:rPr lang="en-US" sz="3200" b="0" i="0" u="none" strike="noStrike" cap="none">
+              <a:rPr lang="en-US" sz="3200" u="none" strike="noStrike" cap="none">
                 <a:solidFill>
                   <a:schemeClr val="lt1"/>
                 </a:solidFill>
-                <a:latin typeface="Cabin"/>
-                <a:ea typeface="Cabin"/>
-                <a:cs typeface="Cabin"/>
+                <a:latin typeface="Arial" charset="0"/>
+                <a:ea typeface="Arial" charset="0"/>
+                <a:cs typeface="Arial" charset="0"/>
                 <a:sym typeface="Cabin"/>
               </a:rPr>
               <a:t>Main</a:t>
@@ -28405,13 +28405,13 @@
               <a:buNone/>
             </a:pPr>
             <a:r>
-              <a:rPr lang="en-US" sz="3200" b="0" i="0" u="none" strike="noStrike" cap="none">
+              <a:rPr lang="en-US" sz="3200" u="none" strike="noStrike" cap="none">
                 <a:solidFill>
                   <a:schemeClr val="lt1"/>
                 </a:solidFill>
-                <a:latin typeface="Cabin"/>
-                <a:ea typeface="Cabin"/>
-                <a:cs typeface="Cabin"/>
+                <a:latin typeface="Arial" charset="0"/>
+                <a:ea typeface="Arial" charset="0"/>
+                <a:cs typeface="Arial" charset="0"/>
                 <a:sym typeface="Cabin"/>
               </a:rPr>
               <a:t>Memory</a:t>
@@ -28468,13 +28468,13 @@
               <a:buNone/>
             </a:pPr>
             <a:r>
-              <a:rPr lang="en-US" sz="3200" b="0" i="0" u="none" strike="noStrike" cap="none">
+              <a:rPr lang="en-US" sz="3200" u="none" strike="noStrike" cap="none">
                 <a:solidFill>
                   <a:schemeClr val="lt1"/>
                 </a:solidFill>
-                <a:latin typeface="Cabin"/>
-                <a:ea typeface="Cabin"/>
-                <a:cs typeface="Cabin"/>
+                <a:latin typeface="Arial" charset="0"/>
+                <a:ea typeface="Arial" charset="0"/>
+                <a:cs typeface="Arial" charset="0"/>
                 <a:sym typeface="Cabin"/>
               </a:rPr>
               <a:t>Secondary</a:t>
@@ -28499,13 +28499,13 @@
               <a:buNone/>
             </a:pPr>
             <a:r>
-              <a:rPr lang="en-US" sz="3200" b="0" i="0" u="none" strike="noStrike" cap="none">
+              <a:rPr lang="en-US" sz="3200" u="none" strike="noStrike" cap="none">
                 <a:solidFill>
                   <a:schemeClr val="lt1"/>
                 </a:solidFill>
-                <a:latin typeface="Cabin"/>
-                <a:ea typeface="Cabin"/>
-                <a:cs typeface="Cabin"/>
+                <a:latin typeface="Arial" charset="0"/>
+                <a:ea typeface="Arial" charset="0"/>
+                <a:cs typeface="Arial" charset="0"/>
                 <a:sym typeface="Cabin"/>
               </a:rPr>
               <a:t>Memory</a:t>
@@ -28686,13 +28686,13 @@
               <a:buNone/>
             </a:pPr>
             <a:r>
-              <a:rPr lang="en-US" sz="3600" b="0" i="0" u="none" strike="noStrike" cap="none">
+              <a:rPr lang="en-US" sz="3600" u="none" strike="noStrike" cap="none">
                 <a:solidFill>
                   <a:schemeClr val="lt1"/>
                 </a:solidFill>
-                <a:latin typeface="Cabin"/>
-                <a:ea typeface="Cabin"/>
-                <a:cs typeface="Cabin"/>
+                <a:latin typeface="Arial" charset="0"/>
+                <a:ea typeface="Arial" charset="0"/>
+                <a:cs typeface="Arial" charset="0"/>
                 <a:sym typeface="Cabin"/>
               </a:rPr>
               <a:t>Generic</a:t>
@@ -28717,13 +28717,13 @@
               <a:buNone/>
             </a:pPr>
             <a:r>
-              <a:rPr lang="en-US" sz="3600" b="0" i="0" u="none" strike="noStrike" cap="none">
+              <a:rPr lang="en-US" sz="3600" u="none" strike="noStrike" cap="none">
                 <a:solidFill>
                   <a:schemeClr val="lt1"/>
                 </a:solidFill>
-                <a:latin typeface="Cabin"/>
-                <a:ea typeface="Cabin"/>
-                <a:cs typeface="Cabin"/>
+                <a:latin typeface="Arial" charset="0"/>
+                <a:ea typeface="Arial" charset="0"/>
+                <a:cs typeface="Arial" charset="0"/>
                 <a:sym typeface="Cabin"/>
               </a:rPr>
               <a:t>Computer</a:t>
@@ -28782,13 +28782,13 @@
               <a:buNone/>
             </a:pPr>
             <a:r>
-              <a:rPr lang="en-US" sz="2600" b="0" i="0" u="none" strike="noStrike" cap="none">
+              <a:rPr lang="en-US" sz="2600" u="none" strike="noStrike" cap="none">
                 <a:solidFill>
                   <a:srgbClr val="000000"/>
                 </a:solidFill>
-                <a:latin typeface="Cabin"/>
-                <a:ea typeface="Cabin"/>
-                <a:cs typeface="Cabin"/>
+                <a:latin typeface="Arial" charset="0"/>
+                <a:ea typeface="Arial" charset="0"/>
+                <a:cs typeface="Arial" charset="0"/>
                 <a:sym typeface="Cabin"/>
               </a:rPr>
               <a:t>What</a:t>
@@ -28813,13 +28813,13 @@
               <a:buNone/>
             </a:pPr>
             <a:r>
-              <a:rPr lang="en-US" sz="2600" b="0" i="0" u="none" strike="noStrike" cap="none">
+              <a:rPr lang="en-US" sz="2600" u="none" strike="noStrike" cap="none">
                 <a:solidFill>
                   <a:srgbClr val="000000"/>
                 </a:solidFill>
-                <a:latin typeface="Cabin"/>
-                <a:ea typeface="Cabin"/>
-                <a:cs typeface="Cabin"/>
+                <a:latin typeface="Arial" charset="0"/>
+                <a:ea typeface="Arial" charset="0"/>
+                <a:cs typeface="Arial" charset="0"/>
                 <a:sym typeface="Cabin"/>
               </a:rPr>
               <a:t>Next?</a:t>
@@ -28899,13 +28899,13 @@
               <a:buNone/>
             </a:pPr>
             <a:r>
-              <a:rPr lang="en-US" sz="7400" b="0" i="0" u="none" strike="noStrike" cap="none">
+              <a:rPr lang="en-US" sz="7400" u="none" strike="noStrike" cap="none">
                 <a:solidFill>
                   <a:srgbClr val="FFFF00"/>
                 </a:solidFill>
-                <a:latin typeface="Cabin"/>
-                <a:ea typeface="Cabin"/>
-                <a:cs typeface="Cabin"/>
+                <a:latin typeface="Arial" charset="0"/>
+                <a:ea typeface="Arial" charset="0"/>
+                <a:cs typeface="Arial" charset="0"/>
                 <a:sym typeface="Cabin"/>
               </a:rPr>
               <a:t>Definitions</a:t>
@@ -28960,48 +28960,48 @@
               <a:buChar char="•"/>
             </a:pPr>
             <a:r>
-              <a:rPr lang="en-US" sz="3000" b="0" i="0" u="none" strike="noStrike" cap="none">
+              <a:rPr lang="en-US" sz="3000" u="none" strike="noStrike" cap="none">
                 <a:solidFill>
                   <a:srgbClr val="FFFF00"/>
                 </a:solidFill>
-                <a:latin typeface="Cabin"/>
-                <a:ea typeface="Cabin"/>
-                <a:cs typeface="Cabin"/>
+                <a:latin typeface="Arial" charset="0"/>
+                <a:ea typeface="Arial" charset="0"/>
+                <a:cs typeface="Arial" charset="0"/>
                 <a:sym typeface="Cabin"/>
               </a:rPr>
               <a:t>Central Processing Unit:</a:t>
             </a:r>
             <a:r>
-              <a:rPr lang="en-US" sz="3000" b="0" i="0" u="none" strike="noStrike" cap="none">
+              <a:rPr lang="en-US" sz="3000" u="none" strike="noStrike" cap="none">
                 <a:solidFill>
                   <a:srgbClr val="FFFFFF"/>
                 </a:solidFill>
-                <a:latin typeface="Cabin"/>
-                <a:ea typeface="Cabin"/>
-                <a:cs typeface="Cabin"/>
+                <a:latin typeface="Arial" charset="0"/>
+                <a:ea typeface="Arial" charset="0"/>
+                <a:cs typeface="Arial" charset="0"/>
                 <a:sym typeface="Cabin"/>
               </a:rPr>
               <a:t>  Runs the Program - The CPU is </a:t>
             </a:r>
             <a:br>
-              <a:rPr lang="en-US" sz="3000" b="0" i="0" u="none" strike="noStrike" cap="none">
+              <a:rPr lang="en-US" sz="3000" u="none" strike="noStrike" cap="none">
                 <a:solidFill>
                   <a:srgbClr val="FFFFFF"/>
                 </a:solidFill>
-                <a:latin typeface="Cabin"/>
-                <a:ea typeface="Cabin"/>
-                <a:cs typeface="Cabin"/>
+                <a:latin typeface="Arial" charset="0"/>
+                <a:ea typeface="Arial" charset="0"/>
+                <a:cs typeface="Arial" charset="0"/>
                 <a:sym typeface="Cabin"/>
               </a:rPr>
             </a:br>
             <a:r>
-              <a:rPr lang="en-US" sz="3000" b="0" i="0" u="none" strike="noStrike" cap="none">
+              <a:rPr lang="en-US" sz="3000" u="none" strike="noStrike" cap="none">
                 <a:solidFill>
                   <a:srgbClr val="FFFFFF"/>
                 </a:solidFill>
-                <a:latin typeface="Cabin"/>
-                <a:ea typeface="Cabin"/>
-                <a:cs typeface="Cabin"/>
+                <a:latin typeface="Arial" charset="0"/>
+                <a:ea typeface="Arial" charset="0"/>
+                <a:cs typeface="Arial" charset="0"/>
                 <a:sym typeface="Cabin"/>
               </a:rPr>
               <a:t>always wondering </a:t>
@@ -29019,13 +29019,13 @@
               <a:t>“</a:t>
             </a:r>
             <a:r>
-              <a:rPr lang="en-US" sz="3000" b="0" i="0" u="none" strike="noStrike" cap="none">
+              <a:rPr lang="en-US" sz="3000" u="none" strike="noStrike" cap="none">
                 <a:solidFill>
                   <a:srgbClr val="FFFFFF"/>
                 </a:solidFill>
-                <a:latin typeface="Cabin"/>
-                <a:ea typeface="Cabin"/>
-                <a:cs typeface="Cabin"/>
+                <a:latin typeface="Arial" charset="0"/>
+                <a:ea typeface="Arial" charset="0"/>
+                <a:cs typeface="Arial" charset="0"/>
                 <a:sym typeface="Cabin"/>
               </a:rPr>
               <a:t>what to do next</a:t>
@@ -29043,36 +29043,36 @@
               <a:t>”</a:t>
             </a:r>
             <a:r>
-              <a:rPr lang="en-US" sz="3000" b="0" i="0" u="none" strike="noStrike" cap="none">
+              <a:rPr lang="en-US" sz="3000" u="none" strike="noStrike" cap="none">
                 <a:solidFill>
                   <a:srgbClr val="FFFFFF"/>
                 </a:solidFill>
-                <a:latin typeface="Cabin"/>
-                <a:ea typeface="Cabin"/>
-                <a:cs typeface="Cabin"/>
+                <a:latin typeface="Arial" charset="0"/>
+                <a:ea typeface="Arial" charset="0"/>
+                <a:cs typeface="Arial" charset="0"/>
                 <a:sym typeface="Cabin"/>
               </a:rPr>
               <a:t>?  Not the brains </a:t>
             </a:r>
             <a:br>
-              <a:rPr lang="en-US" sz="3000" b="0" i="0" u="none" strike="noStrike" cap="none">
+              <a:rPr lang="en-US" sz="3000" u="none" strike="noStrike" cap="none">
                 <a:solidFill>
                   <a:srgbClr val="FFFFFF"/>
                 </a:solidFill>
-                <a:latin typeface="Cabin"/>
-                <a:ea typeface="Cabin"/>
-                <a:cs typeface="Cabin"/>
+                <a:latin typeface="Arial" charset="0"/>
+                <a:ea typeface="Arial" charset="0"/>
+                <a:cs typeface="Arial" charset="0"/>
                 <a:sym typeface="Cabin"/>
               </a:rPr>
             </a:br>
             <a:r>
-              <a:rPr lang="en-US" sz="3000" b="0" i="0" u="none" strike="noStrike" cap="none">
+              <a:rPr lang="en-US" sz="3000" u="none" strike="noStrike" cap="none">
                 <a:solidFill>
                   <a:srgbClr val="FFFFFF"/>
                 </a:solidFill>
-                <a:latin typeface="Cabin"/>
-                <a:ea typeface="Cabin"/>
-                <a:cs typeface="Cabin"/>
+                <a:latin typeface="Arial" charset="0"/>
+                <a:ea typeface="Arial" charset="0"/>
+                <a:cs typeface="Arial" charset="0"/>
                 <a:sym typeface="Cabin"/>
               </a:rPr>
               <a:t>exactly - very dumb but very very fast</a:t>
@@ -29097,25 +29097,25 @@
               <a:buChar char="•"/>
             </a:pPr>
             <a:r>
-              <a:rPr lang="en-US" sz="3000" b="0" i="0" u="none" strike="noStrike" cap="none">
+              <a:rPr lang="en-US" sz="3000" u="none" strike="noStrike" cap="none">
                 <a:solidFill>
                   <a:srgbClr val="FFFF00"/>
                 </a:solidFill>
-                <a:latin typeface="Cabin"/>
-                <a:ea typeface="Cabin"/>
-                <a:cs typeface="Cabin"/>
+                <a:latin typeface="Arial" charset="0"/>
+                <a:ea typeface="Arial" charset="0"/>
+                <a:cs typeface="Arial" charset="0"/>
                 <a:sym typeface="Cabin"/>
               </a:rPr>
               <a:t>Input Devices:</a:t>
             </a:r>
             <a:r>
-              <a:rPr lang="en-US" sz="3000" b="0" i="0" u="none" strike="noStrike" cap="none">
+              <a:rPr lang="en-US" sz="3000" u="none" strike="noStrike" cap="none">
                 <a:solidFill>
                   <a:srgbClr val="FFFFFF"/>
                 </a:solidFill>
-                <a:latin typeface="Cabin"/>
-                <a:ea typeface="Cabin"/>
-                <a:cs typeface="Cabin"/>
+                <a:latin typeface="Arial" charset="0"/>
+                <a:ea typeface="Arial" charset="0"/>
+                <a:cs typeface="Arial" charset="0"/>
                 <a:sym typeface="Cabin"/>
               </a:rPr>
               <a:t>  Keyboard, Mouse, Touch Screen</a:t>
@@ -29140,25 +29140,25 @@
               <a:buChar char="•"/>
             </a:pPr>
             <a:r>
-              <a:rPr lang="en-US" sz="3000" b="0" i="0" u="none" strike="noStrike" cap="none">
+              <a:rPr lang="en-US" sz="3000" u="none" strike="noStrike" cap="none">
                 <a:solidFill>
                   <a:srgbClr val="FFFF00"/>
                 </a:solidFill>
-                <a:latin typeface="Cabin"/>
-                <a:ea typeface="Cabin"/>
-                <a:cs typeface="Cabin"/>
+                <a:latin typeface="Arial" charset="0"/>
+                <a:ea typeface="Arial" charset="0"/>
+                <a:cs typeface="Arial" charset="0"/>
                 <a:sym typeface="Cabin"/>
               </a:rPr>
               <a:t>Output Devices: </a:t>
             </a:r>
             <a:r>
-              <a:rPr lang="en-US" sz="3000" b="0" i="0" u="none" strike="noStrike" cap="none">
+              <a:rPr lang="en-US" sz="3000" u="none" strike="noStrike" cap="none">
                 <a:solidFill>
                   <a:srgbClr val="FFFFFF"/>
                 </a:solidFill>
-                <a:latin typeface="Cabin"/>
-                <a:ea typeface="Cabin"/>
-                <a:cs typeface="Cabin"/>
+                <a:latin typeface="Arial" charset="0"/>
+                <a:ea typeface="Arial" charset="0"/>
+                <a:cs typeface="Arial" charset="0"/>
                 <a:sym typeface="Cabin"/>
               </a:rPr>
               <a:t> Screen, Speakers, Printer, DVD Burner</a:t>
@@ -29183,25 +29183,25 @@
               <a:buChar char="•"/>
             </a:pPr>
             <a:r>
-              <a:rPr lang="en-US" sz="3000" b="0" i="0" u="none" strike="noStrike" cap="none">
+              <a:rPr lang="en-US" sz="3000" u="none" strike="noStrike" cap="none">
                 <a:solidFill>
                   <a:srgbClr val="FFFF00"/>
                 </a:solidFill>
-                <a:latin typeface="Cabin"/>
-                <a:ea typeface="Cabin"/>
-                <a:cs typeface="Cabin"/>
+                <a:latin typeface="Arial" charset="0"/>
+                <a:ea typeface="Arial" charset="0"/>
+                <a:cs typeface="Arial" charset="0"/>
                 <a:sym typeface="Cabin"/>
               </a:rPr>
               <a:t>Main Memory: </a:t>
             </a:r>
             <a:r>
-              <a:rPr lang="en-US" sz="3000" b="0" i="0" u="none" strike="noStrike" cap="none">
+              <a:rPr lang="en-US" sz="3000" u="none" strike="noStrike" cap="none">
                 <a:solidFill>
                   <a:srgbClr val="FFFFFF"/>
                 </a:solidFill>
-                <a:latin typeface="Cabin"/>
-                <a:ea typeface="Cabin"/>
-                <a:cs typeface="Cabin"/>
+                <a:latin typeface="Arial" charset="0"/>
+                <a:ea typeface="Arial" charset="0"/>
+                <a:cs typeface="Arial" charset="0"/>
                 <a:sym typeface="Cabin"/>
               </a:rPr>
               <a:t> Fast small temporary storage - lost on reboot - aka RAM</a:t>
@@ -29226,25 +29226,25 @@
               <a:buChar char="•"/>
             </a:pPr>
             <a:r>
-              <a:rPr lang="en-US" sz="3000" b="0" i="0" u="none" strike="noStrike" cap="none">
+              <a:rPr lang="en-US" sz="3000" u="none" strike="noStrike" cap="none">
                 <a:solidFill>
                   <a:srgbClr val="FFFF00"/>
                 </a:solidFill>
-                <a:latin typeface="Cabin"/>
-                <a:ea typeface="Cabin"/>
-                <a:cs typeface="Cabin"/>
+                <a:latin typeface="Arial" charset="0"/>
+                <a:ea typeface="Arial" charset="0"/>
+                <a:cs typeface="Arial" charset="0"/>
                 <a:sym typeface="Cabin"/>
               </a:rPr>
               <a:t>Secondary Memory:</a:t>
             </a:r>
             <a:r>
-              <a:rPr lang="en-US" sz="3000" b="0" i="0" u="none" strike="noStrike" cap="none">
+              <a:rPr lang="en-US" sz="3000" u="none" strike="noStrike" cap="none">
                 <a:solidFill>
                   <a:srgbClr val="FFFFFF"/>
                 </a:solidFill>
-                <a:latin typeface="Cabin"/>
-                <a:ea typeface="Cabin"/>
-                <a:cs typeface="Cabin"/>
+                <a:latin typeface="Arial" charset="0"/>
+                <a:ea typeface="Arial" charset="0"/>
+                <a:cs typeface="Arial" charset="0"/>
                 <a:sym typeface="Cabin"/>
               </a:rPr>
               <a:t>  Slower large permanent storage - lasts until deleted - disk drive / memory stick</a:t>
@@ -29330,13 +29330,13 @@
               <a:buNone/>
             </a:pPr>
             <a:r>
-              <a:rPr lang="en-US" sz="2600" b="0" i="0" u="none" strike="noStrike" cap="none">
+              <a:rPr lang="en-US" sz="2600" u="none" strike="noStrike" cap="none">
                 <a:solidFill>
                   <a:srgbClr val="000000"/>
                 </a:solidFill>
-                <a:latin typeface="Cabin"/>
-                <a:ea typeface="Cabin"/>
-                <a:cs typeface="Cabin"/>
+                <a:latin typeface="Arial" charset="0"/>
+                <a:ea typeface="Arial" charset="0"/>
+                <a:cs typeface="Arial" charset="0"/>
                 <a:sym typeface="Cabin"/>
               </a:rPr>
               <a:t>What</a:t>
@@ -29361,13 +29361,13 @@
               <a:buNone/>
             </a:pPr>
             <a:r>
-              <a:rPr lang="en-US" sz="2600" b="0" i="0" u="none" strike="noStrike" cap="none">
+              <a:rPr lang="en-US" sz="2600" u="none" strike="noStrike" cap="none">
                 <a:solidFill>
                   <a:srgbClr val="000000"/>
                 </a:solidFill>
-                <a:latin typeface="Cabin"/>
-                <a:ea typeface="Cabin"/>
-                <a:cs typeface="Cabin"/>
+                <a:latin typeface="Arial" charset="0"/>
+                <a:ea typeface="Arial" charset="0"/>
+                <a:cs typeface="Arial" charset="0"/>
                 <a:sym typeface="Cabin"/>
               </a:rPr>
               <a:t>Next?</a:t>
@@ -29449,13 +29449,13 @@
               <a:buNone/>
             </a:pPr>
             <a:r>
-              <a:rPr lang="en-US" sz="3200" b="0" i="0" u="none" strike="noStrike" cap="none">
+              <a:rPr lang="en-US" sz="3200" u="none" strike="noStrike" cap="none">
                 <a:solidFill>
                   <a:srgbClr val="00FFFF"/>
                 </a:solidFill>
-                <a:latin typeface="Cabin"/>
-                <a:ea typeface="Cabin"/>
-                <a:cs typeface="Cabin"/>
+                <a:latin typeface="Arial" charset="0"/>
+                <a:ea typeface="Arial" charset="0"/>
+                <a:cs typeface="Arial" charset="0"/>
                 <a:sym typeface="Cabin"/>
               </a:rPr>
               <a:t>  Software</a:t>
@@ -29512,13 +29512,13 @@
               <a:buNone/>
             </a:pPr>
             <a:r>
-              <a:rPr lang="en-US" sz="3200" b="0" i="0" u="none" strike="noStrike" cap="none">
+              <a:rPr lang="en-US" sz="3200" u="none" strike="noStrike" cap="none">
                 <a:solidFill>
                   <a:schemeClr val="lt1"/>
                 </a:solidFill>
-                <a:latin typeface="Cabin"/>
-                <a:ea typeface="Cabin"/>
-                <a:cs typeface="Cabin"/>
+                <a:latin typeface="Arial" charset="0"/>
+                <a:ea typeface="Arial" charset="0"/>
+                <a:cs typeface="Arial" charset="0"/>
                 <a:sym typeface="Cabin"/>
               </a:rPr>
               <a:t>Input</a:t>
@@ -29543,13 +29543,13 @@
               <a:buNone/>
             </a:pPr>
             <a:r>
-              <a:rPr lang="en-US" sz="3200" b="0" i="0" u="none" strike="noStrike" cap="none">
+              <a:rPr lang="en-US" sz="3200" u="none" strike="noStrike" cap="none">
                 <a:solidFill>
                   <a:schemeClr val="lt1"/>
                 </a:solidFill>
-                <a:latin typeface="Cabin"/>
-                <a:ea typeface="Cabin"/>
-                <a:cs typeface="Cabin"/>
+                <a:latin typeface="Arial" charset="0"/>
+                <a:ea typeface="Arial" charset="0"/>
+                <a:cs typeface="Arial" charset="0"/>
                 <a:sym typeface="Cabin"/>
               </a:rPr>
               <a:t>and Output</a:t>
@@ -29574,13 +29574,13 @@
               <a:buNone/>
             </a:pPr>
             <a:r>
-              <a:rPr lang="en-US" sz="3200" b="0" i="0" u="none" strike="noStrike" cap="none">
+              <a:rPr lang="en-US" sz="3200" u="none" strike="noStrike" cap="none">
                 <a:solidFill>
                   <a:schemeClr val="lt1"/>
                 </a:solidFill>
-                <a:latin typeface="Cabin"/>
-                <a:ea typeface="Cabin"/>
-                <a:cs typeface="Cabin"/>
+                <a:latin typeface="Arial" charset="0"/>
+                <a:ea typeface="Arial" charset="0"/>
+                <a:cs typeface="Arial" charset="0"/>
                 <a:sym typeface="Cabin"/>
               </a:rPr>
               <a:t>Devices</a:t>
@@ -29637,13 +29637,13 @@
               <a:buNone/>
             </a:pPr>
             <a:r>
-              <a:rPr lang="en-US" sz="3200" b="0" i="0" u="none" strike="noStrike" cap="none">
+              <a:rPr lang="en-US" sz="3200" u="none" strike="noStrike" cap="none">
                 <a:solidFill>
                   <a:schemeClr val="lt1"/>
                 </a:solidFill>
-                <a:latin typeface="Cabin"/>
-                <a:ea typeface="Cabin"/>
-                <a:cs typeface="Cabin"/>
+                <a:latin typeface="Arial" charset="0"/>
+                <a:ea typeface="Arial" charset="0"/>
+                <a:cs typeface="Arial" charset="0"/>
                 <a:sym typeface="Cabin"/>
               </a:rPr>
               <a:t>Central</a:t>
@@ -29668,13 +29668,13 @@
               <a:buNone/>
             </a:pPr>
             <a:r>
-              <a:rPr lang="en-US" sz="3200" b="0" i="0" u="none" strike="noStrike" cap="none">
+              <a:rPr lang="en-US" sz="3200" u="none" strike="noStrike" cap="none">
                 <a:solidFill>
                   <a:schemeClr val="lt1"/>
                 </a:solidFill>
-                <a:latin typeface="Cabin"/>
-                <a:ea typeface="Cabin"/>
-                <a:cs typeface="Cabin"/>
+                <a:latin typeface="Arial" charset="0"/>
+                <a:ea typeface="Arial" charset="0"/>
+                <a:cs typeface="Arial" charset="0"/>
                 <a:sym typeface="Cabin"/>
               </a:rPr>
               <a:t>Processing</a:t>
@@ -29699,13 +29699,13 @@
               <a:buNone/>
             </a:pPr>
             <a:r>
-              <a:rPr lang="en-US" sz="3200" b="0" i="0" u="none" strike="noStrike" cap="none">
+              <a:rPr lang="en-US" sz="3200" u="none" strike="noStrike" cap="none">
                 <a:solidFill>
                   <a:schemeClr val="lt1"/>
                 </a:solidFill>
-                <a:latin typeface="Cabin"/>
-                <a:ea typeface="Cabin"/>
-                <a:cs typeface="Cabin"/>
+                <a:latin typeface="Arial" charset="0"/>
+                <a:ea typeface="Arial" charset="0"/>
+                <a:cs typeface="Arial" charset="0"/>
                 <a:sym typeface="Cabin"/>
               </a:rPr>
               <a:t>Unit</a:t>
@@ -29762,13 +29762,13 @@
               <a:buNone/>
             </a:pPr>
             <a:r>
-              <a:rPr lang="en-US" sz="3200" b="0" i="0" u="none" strike="noStrike" cap="none">
+              <a:rPr lang="en-US" sz="3200" u="none" strike="noStrike" cap="none">
                 <a:solidFill>
                   <a:schemeClr val="lt1"/>
                 </a:solidFill>
-                <a:latin typeface="Cabin"/>
-                <a:ea typeface="Cabin"/>
-                <a:cs typeface="Cabin"/>
+                <a:latin typeface="Arial" charset="0"/>
+                <a:ea typeface="Arial" charset="0"/>
+                <a:cs typeface="Arial" charset="0"/>
                 <a:sym typeface="Cabin"/>
               </a:rPr>
               <a:t>Main</a:t>
@@ -29793,13 +29793,13 @@
               <a:buNone/>
             </a:pPr>
             <a:r>
-              <a:rPr lang="en-US" sz="3200" b="0" i="0" u="none" strike="noStrike" cap="none">
+              <a:rPr lang="en-US" sz="3200" u="none" strike="noStrike" cap="none">
                 <a:solidFill>
                   <a:schemeClr val="lt1"/>
                 </a:solidFill>
-                <a:latin typeface="Cabin"/>
-                <a:ea typeface="Cabin"/>
-                <a:cs typeface="Cabin"/>
+                <a:latin typeface="Arial" charset="0"/>
+                <a:ea typeface="Arial" charset="0"/>
+                <a:cs typeface="Arial" charset="0"/>
                 <a:sym typeface="Cabin"/>
               </a:rPr>
               <a:t>Memory</a:t>
@@ -29856,13 +29856,13 @@
               <a:buNone/>
             </a:pPr>
             <a:r>
-              <a:rPr lang="en-US" sz="3200" b="0" i="0" u="none" strike="noStrike" cap="none">
+              <a:rPr lang="en-US" sz="3200" u="none" strike="noStrike" cap="none">
                 <a:solidFill>
                   <a:schemeClr val="lt1"/>
                 </a:solidFill>
-                <a:latin typeface="Cabin"/>
-                <a:ea typeface="Cabin"/>
-                <a:cs typeface="Cabin"/>
+                <a:latin typeface="Arial" charset="0"/>
+                <a:ea typeface="Arial" charset="0"/>
+                <a:cs typeface="Arial" charset="0"/>
                 <a:sym typeface="Cabin"/>
               </a:rPr>
               <a:t>Secondary</a:t>
@@ -29887,13 +29887,13 @@
               <a:buNone/>
             </a:pPr>
             <a:r>
-              <a:rPr lang="en-US" sz="3200" b="0" i="0" u="none" strike="noStrike" cap="none">
+              <a:rPr lang="en-US" sz="3200" u="none" strike="noStrike" cap="none">
                 <a:solidFill>
                   <a:schemeClr val="lt1"/>
                 </a:solidFill>
-                <a:latin typeface="Cabin"/>
-                <a:ea typeface="Cabin"/>
-                <a:cs typeface="Cabin"/>
+                <a:latin typeface="Arial" charset="0"/>
+                <a:ea typeface="Arial" charset="0"/>
+                <a:cs typeface="Arial" charset="0"/>
                 <a:sym typeface="Cabin"/>
               </a:rPr>
               <a:t>Memory</a:t>
@@ -30074,13 +30074,13 @@
               <a:buNone/>
             </a:pPr>
             <a:r>
-              <a:rPr lang="en-US" sz="3600" b="0" i="0" u="none" strike="noStrike" cap="none">
+              <a:rPr lang="en-US" sz="3600" u="none" strike="noStrike" cap="none">
                 <a:solidFill>
                   <a:schemeClr val="lt1"/>
                 </a:solidFill>
-                <a:latin typeface="Cabin"/>
-                <a:ea typeface="Cabin"/>
-                <a:cs typeface="Cabin"/>
+                <a:latin typeface="Arial" charset="0"/>
+                <a:ea typeface="Arial" charset="0"/>
+                <a:cs typeface="Arial" charset="0"/>
                 <a:sym typeface="Cabin"/>
               </a:rPr>
               <a:t>Generic</a:t>
@@ -30105,13 +30105,13 @@
               <a:buNone/>
             </a:pPr>
             <a:r>
-              <a:rPr lang="en-US" sz="3600" b="0" i="0" u="none" strike="noStrike" cap="none">
+              <a:rPr lang="en-US" sz="3600" u="none" strike="noStrike" cap="none">
                 <a:solidFill>
                   <a:schemeClr val="lt1"/>
                 </a:solidFill>
-                <a:latin typeface="Cabin"/>
-                <a:ea typeface="Cabin"/>
-                <a:cs typeface="Cabin"/>
+                <a:latin typeface="Arial" charset="0"/>
+                <a:ea typeface="Arial" charset="0"/>
+                <a:cs typeface="Arial" charset="0"/>
                 <a:sym typeface="Cabin"/>
               </a:rPr>
               <a:t>Computer</a:t>
@@ -30170,13 +30170,13 @@
               <a:buNone/>
             </a:pPr>
             <a:r>
-              <a:rPr lang="en-US" sz="2600" b="0" i="0" u="none" strike="noStrike" cap="none">
+              <a:rPr lang="en-US" sz="2600" u="none" strike="noStrike" cap="none">
                 <a:solidFill>
                   <a:srgbClr val="000000"/>
                 </a:solidFill>
-                <a:latin typeface="Cabin"/>
-                <a:ea typeface="Cabin"/>
-                <a:cs typeface="Cabin"/>
+                <a:latin typeface="Arial" charset="0"/>
+                <a:ea typeface="Arial" charset="0"/>
+                <a:cs typeface="Arial" charset="0"/>
                 <a:sym typeface="Cabin"/>
               </a:rPr>
               <a:t>What</a:t>
@@ -30201,13 +30201,13 @@
               <a:buNone/>
             </a:pPr>
             <a:r>
-              <a:rPr lang="en-US" sz="2600" b="0" i="0" u="none" strike="noStrike" cap="none">
+              <a:rPr lang="en-US" sz="2600" u="none" strike="noStrike" cap="none">
                 <a:solidFill>
                   <a:srgbClr val="000000"/>
                 </a:solidFill>
-                <a:latin typeface="Cabin"/>
-                <a:ea typeface="Cabin"/>
-                <a:cs typeface="Cabin"/>
+                <a:latin typeface="Arial" charset="0"/>
+                <a:ea typeface="Arial" charset="0"/>
+                <a:cs typeface="Arial" charset="0"/>
                 <a:sym typeface="Cabin"/>
               </a:rPr>
               <a:t>Next?</a:t>
@@ -30296,13 +30296,13 @@
               <a:buNone/>
             </a:pPr>
             <a:r>
-              <a:rPr lang="en-US" sz="2600" b="0" i="0" u="none" strike="noStrike" cap="none">
+              <a:rPr lang="en-US" sz="2600" u="none" strike="noStrike" cap="none">
                 <a:solidFill>
                   <a:srgbClr val="00FF00"/>
                 </a:solidFill>
-                <a:latin typeface="Cabin"/>
-                <a:ea typeface="Cabin"/>
-                <a:cs typeface="Cabin"/>
+                <a:latin typeface="Arial" charset="0"/>
+                <a:ea typeface="Arial" charset="0"/>
+                <a:cs typeface="Arial" charset="0"/>
                 <a:sym typeface="Cabin"/>
               </a:rPr>
               <a:t>if x&lt; 3: print</a:t>
@@ -30382,13 +30382,13 @@
               <a:buNone/>
             </a:pPr>
             <a:r>
-              <a:rPr lang="en-US" sz="7600" b="0" i="0" u="none" strike="noStrike" cap="none">
+              <a:rPr lang="en-US" sz="7600" u="none" strike="noStrike" cap="none">
                 <a:solidFill>
                   <a:srgbClr val="FFFF00"/>
                 </a:solidFill>
-                <a:latin typeface="Cabin"/>
-                <a:ea typeface="Cabin"/>
-                <a:cs typeface="Cabin"/>
+                <a:latin typeface="Arial" charset="0"/>
+                <a:ea typeface="Arial" charset="0"/>
+                <a:cs typeface="Arial" charset="0"/>
                 <a:sym typeface="Cabin"/>
               </a:rPr>
               <a:t>Computers want to be helpful...</a:t>
@@ -30443,13 +30443,13 @@
               <a:buChar char="•"/>
             </a:pPr>
             <a:r>
-              <a:rPr lang="en-US" sz="3200" b="0" i="0" u="none" strike="noStrike" cap="none">
+              <a:rPr lang="en-US" sz="3200" u="none" strike="noStrike" cap="none">
                 <a:solidFill>
                   <a:schemeClr val="lt1"/>
                 </a:solidFill>
-                <a:latin typeface="Cabin"/>
-                <a:ea typeface="Cabin"/>
-                <a:cs typeface="Cabin"/>
+                <a:latin typeface="Arial" charset="0"/>
+                <a:ea typeface="Arial" charset="0"/>
+                <a:cs typeface="Arial" charset="0"/>
                 <a:sym typeface="Cabin"/>
               </a:rPr>
               <a:t>Computers are built for one purpose - to do things for us</a:t>
@@ -30474,13 +30474,13 @@
               <a:buChar char="•"/>
             </a:pPr>
             <a:r>
-              <a:rPr lang="en-US" sz="3200" b="0" i="0" u="none" strike="noStrike" cap="none">
+              <a:rPr lang="en-US" sz="3200" u="none" strike="noStrike" cap="none">
                 <a:solidFill>
                   <a:schemeClr val="lt1"/>
                 </a:solidFill>
-                <a:latin typeface="Cabin"/>
-                <a:ea typeface="Cabin"/>
-                <a:cs typeface="Cabin"/>
+                <a:latin typeface="Arial" charset="0"/>
+                <a:ea typeface="Arial" charset="0"/>
+                <a:cs typeface="Arial" charset="0"/>
                 <a:sym typeface="Cabin"/>
               </a:rPr>
               <a:t>But we need to speak their language to describe what we want done</a:t>
@@ -30505,13 +30505,13 @@
               <a:buChar char="•"/>
             </a:pPr>
             <a:r>
-              <a:rPr lang="en-US" sz="3200" b="0" i="0" u="none" strike="noStrike" cap="none">
+              <a:rPr lang="en-US" sz="3200" u="none" strike="noStrike" cap="none">
                 <a:solidFill>
                   <a:schemeClr val="lt1"/>
                 </a:solidFill>
-                <a:latin typeface="Cabin"/>
-                <a:ea typeface="Cabin"/>
-                <a:cs typeface="Cabin"/>
+                <a:latin typeface="Arial" charset="0"/>
+                <a:ea typeface="Arial" charset="0"/>
+                <a:cs typeface="Arial" charset="0"/>
                 <a:sym typeface="Cabin"/>
               </a:rPr>
               <a:t>Users have it easy - someone already put many different programs (instructions) into the computer and users just pick the ones we want to use</a:t>
@@ -30613,13 +30613,13 @@
               <a:buNone/>
             </a:pPr>
             <a:r>
-              <a:rPr lang="en-US" sz="2600" b="0" i="0" u="none" strike="noStrike" cap="none">
+              <a:rPr lang="en-US" sz="2600" u="none" strike="noStrike" cap="none">
                 <a:solidFill>
                   <a:srgbClr val="000000"/>
                 </a:solidFill>
-                <a:latin typeface="Cabin"/>
-                <a:ea typeface="Cabin"/>
-                <a:cs typeface="Cabin"/>
+                <a:latin typeface="Arial" charset="0"/>
+                <a:ea typeface="Arial" charset="0"/>
+                <a:cs typeface="Arial" charset="0"/>
                 <a:sym typeface="Cabin"/>
               </a:rPr>
               <a:t>What</a:t>
@@ -30644,13 +30644,13 @@
               <a:buNone/>
             </a:pPr>
             <a:r>
-              <a:rPr lang="en-US" sz="2600" b="0" i="0" u="none" strike="noStrike" cap="none">
+              <a:rPr lang="en-US" sz="2600" u="none" strike="noStrike" cap="none">
                 <a:solidFill>
                   <a:srgbClr val="000000"/>
                 </a:solidFill>
-                <a:latin typeface="Cabin"/>
-                <a:ea typeface="Cabin"/>
-                <a:cs typeface="Cabin"/>
+                <a:latin typeface="Arial" charset="0"/>
+                <a:ea typeface="Arial" charset="0"/>
+                <a:cs typeface="Arial" charset="0"/>
                 <a:sym typeface="Cabin"/>
               </a:rPr>
               <a:t>Next?</a:t>
@@ -30705,13 +30705,13 @@
               <a:buNone/>
             </a:pPr>
             <a:r>
-              <a:rPr lang="en-US" sz="2600" b="0" i="0" u="none" strike="noStrike" cap="none">
+              <a:rPr lang="en-US" sz="2600" u="none" strike="noStrike" cap="none">
                 <a:solidFill>
                   <a:srgbClr val="000000"/>
                 </a:solidFill>
-                <a:latin typeface="Cabin"/>
-                <a:ea typeface="Cabin"/>
-                <a:cs typeface="Cabin"/>
+                <a:latin typeface="Arial" charset="0"/>
+                <a:ea typeface="Arial" charset="0"/>
+                <a:cs typeface="Arial" charset="0"/>
                 <a:sym typeface="Cabin"/>
               </a:rPr>
               <a:t>What</a:t>
@@ -30736,13 +30736,13 @@
               <a:buNone/>
             </a:pPr>
             <a:r>
-              <a:rPr lang="en-US" sz="2600" b="0" i="0" u="none" strike="noStrike" cap="none">
+              <a:rPr lang="en-US" sz="2600" u="none" strike="noStrike" cap="none">
                 <a:solidFill>
                   <a:srgbClr val="000000"/>
                 </a:solidFill>
-                <a:latin typeface="Cabin"/>
-                <a:ea typeface="Cabin"/>
-                <a:cs typeface="Cabin"/>
+                <a:latin typeface="Arial" charset="0"/>
+                <a:ea typeface="Arial" charset="0"/>
+                <a:cs typeface="Arial" charset="0"/>
                 <a:sym typeface="Cabin"/>
               </a:rPr>
               <a:t>Next?</a:t>
@@ -30797,13 +30797,13 @@
               <a:buNone/>
             </a:pPr>
             <a:r>
-              <a:rPr lang="en-US" sz="2600" b="0" i="0" u="none" strike="noStrike" cap="none">
+              <a:rPr lang="en-US" sz="2600" u="none" strike="noStrike" cap="none">
                 <a:solidFill>
                   <a:srgbClr val="000000"/>
                 </a:solidFill>
-                <a:latin typeface="Cabin"/>
-                <a:ea typeface="Cabin"/>
-                <a:cs typeface="Cabin"/>
+                <a:latin typeface="Arial" charset="0"/>
+                <a:ea typeface="Arial" charset="0"/>
+                <a:cs typeface="Arial" charset="0"/>
                 <a:sym typeface="Cabin"/>
               </a:rPr>
               <a:t>What</a:t>
@@ -30828,13 +30828,13 @@
               <a:buNone/>
             </a:pPr>
             <a:r>
-              <a:rPr lang="en-US" sz="2600" b="0" i="0" u="none" strike="noStrike" cap="none">
+              <a:rPr lang="en-US" sz="2600" u="none" strike="noStrike" cap="none">
                 <a:solidFill>
                   <a:srgbClr val="000000"/>
                 </a:solidFill>
-                <a:latin typeface="Cabin"/>
-                <a:ea typeface="Cabin"/>
-                <a:cs typeface="Cabin"/>
+                <a:latin typeface="Arial" charset="0"/>
+                <a:ea typeface="Arial" charset="0"/>
+                <a:cs typeface="Arial" charset="0"/>
                 <a:sym typeface="Cabin"/>
               </a:rPr>
               <a:t>Next?</a:t>
@@ -30889,13 +30889,13 @@
               <a:buNone/>
             </a:pPr>
             <a:r>
-              <a:rPr lang="en-US" sz="2600" b="0" i="0" u="none" strike="noStrike" cap="none">
+              <a:rPr lang="en-US" sz="2600" u="none" strike="noStrike" cap="none">
                 <a:solidFill>
                   <a:srgbClr val="000000"/>
                 </a:solidFill>
-                <a:latin typeface="Cabin"/>
-                <a:ea typeface="Cabin"/>
-                <a:cs typeface="Cabin"/>
+                <a:latin typeface="Arial" charset="0"/>
+                <a:ea typeface="Arial" charset="0"/>
+                <a:cs typeface="Arial" charset="0"/>
                 <a:sym typeface="Cabin"/>
               </a:rPr>
               <a:t>What</a:t>
@@ -30920,13 +30920,13 @@
               <a:buNone/>
             </a:pPr>
             <a:r>
-              <a:rPr lang="en-US" sz="2600" b="0" i="0" u="none" strike="noStrike" cap="none">
+              <a:rPr lang="en-US" sz="2600" u="none" strike="noStrike" cap="none">
                 <a:solidFill>
                   <a:srgbClr val="000000"/>
                 </a:solidFill>
-                <a:latin typeface="Cabin"/>
-                <a:ea typeface="Cabin"/>
-                <a:cs typeface="Cabin"/>
+                <a:latin typeface="Arial" charset="0"/>
+                <a:ea typeface="Arial" charset="0"/>
+                <a:cs typeface="Arial" charset="0"/>
                 <a:sym typeface="Cabin"/>
               </a:rPr>
               <a:t>Next?</a:t>
@@ -30981,13 +30981,13 @@
               <a:buNone/>
             </a:pPr>
             <a:r>
-              <a:rPr lang="en-US" sz="2600" b="0" i="0" u="none" strike="noStrike" cap="none">
+              <a:rPr lang="en-US" sz="2600" u="none" strike="noStrike" cap="none">
                 <a:solidFill>
                   <a:srgbClr val="000000"/>
                 </a:solidFill>
-                <a:latin typeface="Cabin"/>
-                <a:ea typeface="Cabin"/>
-                <a:cs typeface="Cabin"/>
+                <a:latin typeface="Arial" charset="0"/>
+                <a:ea typeface="Arial" charset="0"/>
+                <a:cs typeface="Arial" charset="0"/>
                 <a:sym typeface="Cabin"/>
               </a:rPr>
               <a:t>What</a:t>
@@ -31012,13 +31012,13 @@
               <a:buNone/>
             </a:pPr>
             <a:r>
-              <a:rPr lang="en-US" sz="2600" b="0" i="0" u="none" strike="noStrike" cap="none">
+              <a:rPr lang="en-US" sz="2600" u="none" strike="noStrike" cap="none">
                 <a:solidFill>
                   <a:srgbClr val="000000"/>
                 </a:solidFill>
-                <a:latin typeface="Cabin"/>
-                <a:ea typeface="Cabin"/>
-                <a:cs typeface="Cabin"/>
+                <a:latin typeface="Arial" charset="0"/>
+                <a:ea typeface="Arial" charset="0"/>
+                <a:cs typeface="Arial" charset="0"/>
                 <a:sym typeface="Cabin"/>
               </a:rPr>
               <a:t>Next?</a:t>
@@ -31073,13 +31073,13 @@
               <a:buNone/>
             </a:pPr>
             <a:r>
-              <a:rPr lang="en-US" sz="2600" b="0" i="0" u="none" strike="noStrike" cap="none">
+              <a:rPr lang="en-US" sz="2600" u="none" strike="noStrike" cap="none">
                 <a:solidFill>
                   <a:srgbClr val="000000"/>
                 </a:solidFill>
-                <a:latin typeface="Cabin"/>
-                <a:ea typeface="Cabin"/>
-                <a:cs typeface="Cabin"/>
+                <a:latin typeface="Arial" charset="0"/>
+                <a:ea typeface="Arial" charset="0"/>
+                <a:cs typeface="Arial" charset="0"/>
                 <a:sym typeface="Cabin"/>
               </a:rPr>
               <a:t>What</a:t>
@@ -31104,13 +31104,13 @@
               <a:buNone/>
             </a:pPr>
             <a:r>
-              <a:rPr lang="en-US" sz="2600" b="0" i="0" u="none" strike="noStrike" cap="none">
+              <a:rPr lang="en-US" sz="2600" u="none" strike="noStrike" cap="none">
                 <a:solidFill>
                   <a:srgbClr val="000000"/>
                 </a:solidFill>
-                <a:latin typeface="Cabin"/>
-                <a:ea typeface="Cabin"/>
-                <a:cs typeface="Cabin"/>
+                <a:latin typeface="Arial" charset="0"/>
+                <a:ea typeface="Arial" charset="0"/>
+                <a:cs typeface="Arial" charset="0"/>
                 <a:sym typeface="Cabin"/>
               </a:rPr>
               <a:t>Next?</a:t>
@@ -31244,13 +31244,13 @@
               <a:buNone/>
             </a:pPr>
             <a:r>
-              <a:rPr lang="en-US" sz="2600" b="0" i="0" u="none" strike="noStrike" cap="none">
+              <a:rPr lang="en-US" sz="2600" u="none" strike="noStrike" cap="none">
                 <a:solidFill>
                   <a:srgbClr val="000000"/>
                 </a:solidFill>
-                <a:latin typeface="Cabin"/>
-                <a:ea typeface="Cabin"/>
-                <a:cs typeface="Cabin"/>
+                <a:latin typeface="Arial" charset="0"/>
+                <a:ea typeface="Arial" charset="0"/>
+                <a:cs typeface="Arial" charset="0"/>
                 <a:sym typeface="Cabin"/>
               </a:rPr>
               <a:t>What</a:t>
@@ -31275,13 +31275,13 @@
               <a:buNone/>
             </a:pPr>
             <a:r>
-              <a:rPr lang="en-US" sz="2600" b="0" i="0" u="none" strike="noStrike" cap="none">
+              <a:rPr lang="en-US" sz="2600" u="none" strike="noStrike" cap="none">
                 <a:solidFill>
                   <a:srgbClr val="000000"/>
                 </a:solidFill>
-                <a:latin typeface="Cabin"/>
-                <a:ea typeface="Cabin"/>
-                <a:cs typeface="Cabin"/>
+                <a:latin typeface="Arial" charset="0"/>
+                <a:ea typeface="Arial" charset="0"/>
+                <a:cs typeface="Arial" charset="0"/>
                 <a:sym typeface="Cabin"/>
               </a:rPr>
               <a:t>Next?</a:t>
@@ -31363,25 +31363,25 @@
               <a:buNone/>
             </a:pPr>
             <a:r>
-              <a:rPr lang="en-US" sz="3200" b="0" i="0" u="none" strike="noStrike" cap="none">
+              <a:rPr lang="en-US" sz="3200" u="none" strike="noStrike" cap="none">
                 <a:solidFill>
                   <a:srgbClr val="FFFF00"/>
                 </a:solidFill>
-                <a:latin typeface="Cabin"/>
-                <a:ea typeface="Cabin"/>
-                <a:cs typeface="Cabin"/>
+                <a:latin typeface="Arial" charset="0"/>
+                <a:ea typeface="Arial" charset="0"/>
+                <a:cs typeface="Arial" charset="0"/>
                 <a:sym typeface="Cabin"/>
               </a:rPr>
               <a:t>  </a:t>
             </a:r>
             <a:r>
-              <a:rPr lang="en-US" sz="3200" b="0" i="0" u="none" strike="noStrike" cap="none">
+              <a:rPr lang="en-US" sz="3200" u="none" strike="noStrike" cap="none">
                 <a:solidFill>
                   <a:srgbClr val="00FFFF"/>
                 </a:solidFill>
-                <a:latin typeface="Cabin"/>
-                <a:ea typeface="Cabin"/>
-                <a:cs typeface="Cabin"/>
+                <a:latin typeface="Arial" charset="0"/>
+                <a:ea typeface="Arial" charset="0"/>
+                <a:cs typeface="Arial" charset="0"/>
                 <a:sym typeface="Cabin"/>
               </a:rPr>
               <a:t>Software</a:t>
@@ -31438,13 +31438,13 @@
               <a:buNone/>
             </a:pPr>
             <a:r>
-              <a:rPr lang="en-US" sz="3200" b="0" i="0" u="none" strike="noStrike" cap="none">
+              <a:rPr lang="en-US" sz="3200" u="none" strike="noStrike" cap="none">
                 <a:solidFill>
                   <a:schemeClr val="lt1"/>
                 </a:solidFill>
-                <a:latin typeface="Cabin"/>
-                <a:ea typeface="Cabin"/>
-                <a:cs typeface="Cabin"/>
+                <a:latin typeface="Arial" charset="0"/>
+                <a:ea typeface="Arial" charset="0"/>
+                <a:cs typeface="Arial" charset="0"/>
                 <a:sym typeface="Cabin"/>
               </a:rPr>
               <a:t>Input</a:t>
@@ -31469,13 +31469,13 @@
               <a:buNone/>
             </a:pPr>
             <a:r>
-              <a:rPr lang="en-US" sz="3200" b="0" i="0" u="none" strike="noStrike" cap="none">
+              <a:rPr lang="en-US" sz="3200" u="none" strike="noStrike" cap="none">
                 <a:solidFill>
                   <a:schemeClr val="lt1"/>
                 </a:solidFill>
-                <a:latin typeface="Cabin"/>
-                <a:ea typeface="Cabin"/>
-                <a:cs typeface="Cabin"/>
+                <a:latin typeface="Arial" charset="0"/>
+                <a:ea typeface="Arial" charset="0"/>
+                <a:cs typeface="Arial" charset="0"/>
                 <a:sym typeface="Cabin"/>
               </a:rPr>
               <a:t>and Output</a:t>
@@ -31500,13 +31500,13 @@
               <a:buNone/>
             </a:pPr>
             <a:r>
-              <a:rPr lang="en-US" sz="3200" b="0" i="0" u="none" strike="noStrike" cap="none">
+              <a:rPr lang="en-US" sz="3200" u="none" strike="noStrike" cap="none">
                 <a:solidFill>
                   <a:schemeClr val="lt1"/>
                 </a:solidFill>
-                <a:latin typeface="Cabin"/>
-                <a:ea typeface="Cabin"/>
-                <a:cs typeface="Cabin"/>
+                <a:latin typeface="Arial" charset="0"/>
+                <a:ea typeface="Arial" charset="0"/>
+                <a:cs typeface="Arial" charset="0"/>
                 <a:sym typeface="Cabin"/>
               </a:rPr>
               <a:t>Devices</a:t>
@@ -31563,13 +31563,13 @@
               <a:buNone/>
             </a:pPr>
             <a:r>
-              <a:rPr lang="en-US" sz="3200" b="0" i="0" u="none" strike="noStrike" cap="none">
+              <a:rPr lang="en-US" sz="3200" u="none" strike="noStrike" cap="none">
                 <a:solidFill>
                   <a:schemeClr val="lt1"/>
                 </a:solidFill>
-                <a:latin typeface="Cabin"/>
-                <a:ea typeface="Cabin"/>
-                <a:cs typeface="Cabin"/>
+                <a:latin typeface="Arial" charset="0"/>
+                <a:ea typeface="Arial" charset="0"/>
+                <a:cs typeface="Arial" charset="0"/>
                 <a:sym typeface="Cabin"/>
               </a:rPr>
               <a:t>Central</a:t>
@@ -31594,13 +31594,13 @@
               <a:buNone/>
             </a:pPr>
             <a:r>
-              <a:rPr lang="en-US" sz="3200" b="0" i="0" u="none" strike="noStrike" cap="none">
+              <a:rPr lang="en-US" sz="3200" u="none" strike="noStrike" cap="none">
                 <a:solidFill>
                   <a:schemeClr val="lt1"/>
                 </a:solidFill>
-                <a:latin typeface="Cabin"/>
-                <a:ea typeface="Cabin"/>
-                <a:cs typeface="Cabin"/>
+                <a:latin typeface="Arial" charset="0"/>
+                <a:ea typeface="Arial" charset="0"/>
+                <a:cs typeface="Arial" charset="0"/>
                 <a:sym typeface="Cabin"/>
               </a:rPr>
               <a:t>Processing</a:t>
@@ -31625,13 +31625,13 @@
               <a:buNone/>
             </a:pPr>
             <a:r>
-              <a:rPr lang="en-US" sz="3200" b="0" i="0" u="none" strike="noStrike" cap="none">
+              <a:rPr lang="en-US" sz="3200" u="none" strike="noStrike" cap="none">
                 <a:solidFill>
                   <a:schemeClr val="lt1"/>
                 </a:solidFill>
-                <a:latin typeface="Cabin"/>
-                <a:ea typeface="Cabin"/>
-                <a:cs typeface="Cabin"/>
+                <a:latin typeface="Arial" charset="0"/>
+                <a:ea typeface="Arial" charset="0"/>
+                <a:cs typeface="Arial" charset="0"/>
                 <a:sym typeface="Cabin"/>
               </a:rPr>
               <a:t>Unit</a:t>
@@ -31688,13 +31688,13 @@
               <a:buNone/>
             </a:pPr>
             <a:r>
-              <a:rPr lang="en-US" sz="3200" b="0" i="0" u="none" strike="noStrike" cap="none">
+              <a:rPr lang="en-US" sz="3200" u="none" strike="noStrike" cap="none">
                 <a:solidFill>
                   <a:schemeClr val="lt1"/>
                 </a:solidFill>
-                <a:latin typeface="Cabin"/>
-                <a:ea typeface="Cabin"/>
-                <a:cs typeface="Cabin"/>
+                <a:latin typeface="Arial" charset="0"/>
+                <a:ea typeface="Arial" charset="0"/>
+                <a:cs typeface="Arial" charset="0"/>
                 <a:sym typeface="Cabin"/>
               </a:rPr>
               <a:t>Main</a:t>
@@ -31719,13 +31719,13 @@
               <a:buNone/>
             </a:pPr>
             <a:r>
-              <a:rPr lang="en-US" sz="3200" b="0" i="0" u="none" strike="noStrike" cap="none">
+              <a:rPr lang="en-US" sz="3200" u="none" strike="noStrike" cap="none">
                 <a:solidFill>
                   <a:schemeClr val="lt1"/>
                 </a:solidFill>
-                <a:latin typeface="Cabin"/>
-                <a:ea typeface="Cabin"/>
-                <a:cs typeface="Cabin"/>
+                <a:latin typeface="Arial" charset="0"/>
+                <a:ea typeface="Arial" charset="0"/>
+                <a:cs typeface="Arial" charset="0"/>
                 <a:sym typeface="Cabin"/>
               </a:rPr>
               <a:t>Memory</a:t>
@@ -31782,13 +31782,13 @@
               <a:buNone/>
             </a:pPr>
             <a:r>
-              <a:rPr lang="en-US" sz="3200" b="0" i="0" u="none" strike="noStrike" cap="none">
+              <a:rPr lang="en-US" sz="3200" u="none" strike="noStrike" cap="none">
                 <a:solidFill>
                   <a:schemeClr val="lt1"/>
                 </a:solidFill>
-                <a:latin typeface="Cabin"/>
-                <a:ea typeface="Cabin"/>
-                <a:cs typeface="Cabin"/>
+                <a:latin typeface="Arial" charset="0"/>
+                <a:ea typeface="Arial" charset="0"/>
+                <a:cs typeface="Arial" charset="0"/>
                 <a:sym typeface="Cabin"/>
               </a:rPr>
               <a:t>Secondary</a:t>
@@ -31813,13 +31813,13 @@
               <a:buNone/>
             </a:pPr>
             <a:r>
-              <a:rPr lang="en-US" sz="3200" b="0" i="0" u="none" strike="noStrike" cap="none">
+              <a:rPr lang="en-US" sz="3200" u="none" strike="noStrike" cap="none">
                 <a:solidFill>
                   <a:schemeClr val="lt1"/>
                 </a:solidFill>
-                <a:latin typeface="Cabin"/>
-                <a:ea typeface="Cabin"/>
-                <a:cs typeface="Cabin"/>
+                <a:latin typeface="Arial" charset="0"/>
+                <a:ea typeface="Arial" charset="0"/>
+                <a:cs typeface="Arial" charset="0"/>
                 <a:sym typeface="Cabin"/>
               </a:rPr>
               <a:t>Memory</a:t>
@@ -32000,13 +32000,13 @@
               <a:buNone/>
             </a:pPr>
             <a:r>
-              <a:rPr lang="en-US" sz="3600" b="0" i="0" u="none" strike="noStrike" cap="none">
+              <a:rPr lang="en-US" sz="3600" u="none" strike="noStrike" cap="none">
                 <a:solidFill>
                   <a:schemeClr val="accent4"/>
                 </a:solidFill>
-                <a:latin typeface="Cabin"/>
-                <a:ea typeface="Cabin"/>
-                <a:cs typeface="Cabin"/>
+                <a:latin typeface="Arial" charset="0"/>
+                <a:ea typeface="Arial" charset="0"/>
+                <a:cs typeface="Arial" charset="0"/>
                 <a:sym typeface="Cabin"/>
               </a:rPr>
               <a:t>Machine</a:t>
@@ -32031,13 +32031,13 @@
               <a:buNone/>
             </a:pPr>
             <a:r>
-              <a:rPr lang="en-US" sz="3600" b="0" i="0" u="none" strike="noStrike" cap="none">
+              <a:rPr lang="en-US" sz="3600" u="none" strike="noStrike" cap="none">
                 <a:solidFill>
                   <a:schemeClr val="accent4"/>
                 </a:solidFill>
-                <a:latin typeface="Cabin"/>
-                <a:ea typeface="Cabin"/>
-                <a:cs typeface="Cabin"/>
+                <a:latin typeface="Arial" charset="0"/>
+                <a:ea typeface="Arial" charset="0"/>
+                <a:cs typeface="Arial" charset="0"/>
                 <a:sym typeface="Cabin"/>
               </a:rPr>
               <a:t>Language</a:t>
@@ -32096,13 +32096,13 @@
               <a:buNone/>
             </a:pPr>
             <a:r>
-              <a:rPr lang="en-US" sz="2600" b="0" i="0" u="none" strike="noStrike" cap="none">
+              <a:rPr lang="en-US" sz="2600" u="none" strike="noStrike" cap="none">
                 <a:solidFill>
                   <a:srgbClr val="000000"/>
                 </a:solidFill>
-                <a:latin typeface="Cabin"/>
-                <a:ea typeface="Cabin"/>
-                <a:cs typeface="Cabin"/>
+                <a:latin typeface="Arial" charset="0"/>
+                <a:ea typeface="Arial" charset="0"/>
+                <a:cs typeface="Arial" charset="0"/>
                 <a:sym typeface="Cabin"/>
               </a:rPr>
               <a:t>What</a:t>
@@ -32127,13 +32127,13 @@
               <a:buNone/>
             </a:pPr>
             <a:r>
-              <a:rPr lang="en-US" sz="2600" b="0" i="0" u="none" strike="noStrike" cap="none">
+              <a:rPr lang="en-US" sz="2600" u="none" strike="noStrike" cap="none">
                 <a:solidFill>
                   <a:srgbClr val="000000"/>
                 </a:solidFill>
-                <a:latin typeface="Cabin"/>
-                <a:ea typeface="Cabin"/>
-                <a:cs typeface="Cabin"/>
+                <a:latin typeface="Arial" charset="0"/>
+                <a:ea typeface="Arial" charset="0"/>
+                <a:cs typeface="Arial" charset="0"/>
                 <a:sym typeface="Cabin"/>
               </a:rPr>
               <a:t>Next?</a:t>
@@ -32339,13 +32339,13 @@
               <a:buNone/>
             </a:pPr>
             <a:r>
-              <a:rPr lang="en-US" sz="7400" b="0" i="0" u="none" strike="noStrike" cap="none">
+              <a:rPr lang="en-US" sz="7400" u="none" strike="noStrike" cap="none">
                 <a:solidFill>
                   <a:srgbClr val="FFFF00"/>
                 </a:solidFill>
-                <a:latin typeface="Cabin"/>
-                <a:ea typeface="Cabin"/>
-                <a:cs typeface="Cabin"/>
+                <a:latin typeface="Arial" charset="0"/>
+                <a:ea typeface="Arial" charset="0"/>
+                <a:cs typeface="Arial" charset="0"/>
                 <a:sym typeface="Cabin"/>
               </a:rPr>
               <a:t>Totally Hot CPU</a:t>
@@ -32396,13 +32396,13 @@
               <a:buNone/>
             </a:pPr>
             <a:r>
-              <a:rPr lang="en-US" sz="3000" b="0" i="0" u="sng" strike="noStrike" cap="none">
+              <a:rPr lang="en-US" sz="3000" u="sng" strike="noStrike" cap="none">
                 <a:solidFill>
                   <a:srgbClr val="FFFF00"/>
                 </a:solidFill>
-                <a:latin typeface="Cabin"/>
-                <a:ea typeface="Cabin"/>
-                <a:cs typeface="Cabin"/>
+                <a:latin typeface="Arial" charset="0"/>
+                <a:ea typeface="Arial" charset="0"/>
+                <a:cs typeface="Arial" charset="0"/>
                 <a:sym typeface="Cabin"/>
                 <a:hlinkClick r:id="rId3"/>
               </a:rPr>
@@ -32489,13 +32489,13 @@
               <a:buNone/>
             </a:pPr>
             <a:r>
-              <a:rPr lang="en-US" sz="2600" b="0" i="0" u="none" strike="noStrike" cap="none">
+              <a:rPr lang="en-US" sz="2600" u="none" strike="noStrike" cap="none">
                 <a:solidFill>
                   <a:srgbClr val="000000"/>
                 </a:solidFill>
-                <a:latin typeface="Cabin"/>
-                <a:ea typeface="Cabin"/>
-                <a:cs typeface="Cabin"/>
+                <a:latin typeface="Arial" charset="0"/>
+                <a:ea typeface="Arial" charset="0"/>
+                <a:cs typeface="Arial" charset="0"/>
                 <a:sym typeface="Cabin"/>
               </a:rPr>
               <a:t>What</a:t>
@@ -32520,13 +32520,13 @@
               <a:buNone/>
             </a:pPr>
             <a:r>
-              <a:rPr lang="en-US" sz="2600" b="0" i="0" u="none" strike="noStrike" cap="none">
+              <a:rPr lang="en-US" sz="2600" u="none" strike="noStrike" cap="none">
                 <a:solidFill>
                   <a:srgbClr val="000000"/>
                 </a:solidFill>
-                <a:latin typeface="Cabin"/>
-                <a:ea typeface="Cabin"/>
-                <a:cs typeface="Cabin"/>
+                <a:latin typeface="Arial" charset="0"/>
+                <a:ea typeface="Arial" charset="0"/>
+                <a:cs typeface="Arial" charset="0"/>
                 <a:sym typeface="Cabin"/>
               </a:rPr>
               <a:t>Next?</a:t>
@@ -32606,13 +32606,13 @@
               <a:buNone/>
             </a:pPr>
             <a:r>
-              <a:rPr lang="en-US" sz="7400" b="0" i="0" u="none" strike="noStrike" cap="none">
+              <a:rPr lang="en-US" sz="7400" u="none" strike="noStrike" cap="none">
                 <a:solidFill>
                   <a:srgbClr val="FFFF00"/>
                 </a:solidFill>
-                <a:latin typeface="Cabin"/>
-                <a:ea typeface="Cabin"/>
-                <a:cs typeface="Cabin"/>
+                <a:latin typeface="Arial" charset="0"/>
+                <a:ea typeface="Arial" charset="0"/>
+                <a:cs typeface="Arial" charset="0"/>
                 <a:sym typeface="Cabin"/>
               </a:rPr>
               <a:t>Hard Disk in Action</a:t>
@@ -32690,13 +32690,13 @@
               <a:buNone/>
             </a:pPr>
             <a:r>
-              <a:rPr lang="en-US" sz="3000" b="0" i="0" u="sng" strike="noStrike" cap="none">
+              <a:rPr lang="en-US" sz="3000" u="sng" strike="noStrike" cap="none">
                 <a:solidFill>
                   <a:srgbClr val="FFFF00"/>
                 </a:solidFill>
-                <a:latin typeface="Cabin"/>
-                <a:ea typeface="Cabin"/>
-                <a:cs typeface="Cabin"/>
+                <a:latin typeface="Arial" charset="0"/>
+                <a:ea typeface="Arial" charset="0"/>
+                <a:cs typeface="Arial" charset="0"/>
                 <a:sym typeface="Cabin"/>
                 <a:hlinkClick r:id="rId4"/>
               </a:rPr>
@@ -32777,13 +32777,13 @@
               <a:buNone/>
             </a:pPr>
             <a:r>
-              <a:rPr lang="en-US" sz="7600" b="0" i="0" u="none" strike="noStrike" cap="none">
+              <a:rPr lang="en-US" sz="7600" u="none" strike="noStrike" cap="none">
                 <a:solidFill>
                   <a:srgbClr val="FFFF00"/>
                 </a:solidFill>
-                <a:latin typeface="Cabin"/>
-                <a:ea typeface="Cabin"/>
-                <a:cs typeface="Cabin"/>
+                <a:latin typeface="Arial" charset="0"/>
+                <a:ea typeface="Arial" charset="0"/>
+                <a:cs typeface="Arial" charset="0"/>
                 <a:sym typeface="Cabin"/>
               </a:rPr>
               <a:t>Python as a Language</a:t>
@@ -32859,13 +32859,13 @@
               <a:buNone/>
             </a:pPr>
             <a:r>
-              <a:rPr lang="en-US" sz="3000" b="0" i="0" u="sng" strike="noStrike" cap="none">
+              <a:rPr lang="en-US" sz="3000" u="sng" strike="noStrike" cap="none">
                 <a:solidFill>
                   <a:srgbClr val="FFFF00"/>
                 </a:solidFill>
-                <a:latin typeface="Cabin"/>
-                <a:ea typeface="Cabin"/>
-                <a:cs typeface="Cabin"/>
+                <a:latin typeface="Arial" charset="0"/>
+                <a:ea typeface="Arial" charset="0"/>
+                <a:cs typeface="Arial" charset="0"/>
                 <a:sym typeface="Cabin"/>
                 <a:hlinkClick r:id="rId3"/>
               </a:rPr>
@@ -32917,158 +32917,158 @@
               <a:buNone/>
             </a:pPr>
             <a:r>
-              <a:rPr lang="en-US" sz="4200" b="0" i="0" u="none" strike="noStrike" cap="none">
+              <a:rPr lang="en-US" sz="4200" u="none" strike="noStrike" cap="none">
                 <a:solidFill>
                   <a:srgbClr val="FFFF00"/>
                 </a:solidFill>
-                <a:latin typeface="Cabin"/>
-                <a:ea typeface="Cabin"/>
-                <a:cs typeface="Cabin"/>
+                <a:latin typeface="Arial" charset="0"/>
+                <a:ea typeface="Arial" charset="0"/>
+                <a:cs typeface="Arial" charset="0"/>
                 <a:sym typeface="Cabin"/>
               </a:rPr>
               <a:t>Parseltongue </a:t>
             </a:r>
             <a:r>
-              <a:rPr lang="en-US" sz="4200" b="0" i="0" u="none" strike="noStrike" cap="none">
+              <a:rPr lang="en-US" sz="4200" u="none" strike="noStrike" cap="none">
                 <a:solidFill>
                   <a:srgbClr val="FFFFFF"/>
                 </a:solidFill>
-                <a:latin typeface="Cabin"/>
-                <a:ea typeface="Cabin"/>
-                <a:cs typeface="Cabin"/>
+                <a:latin typeface="Arial" charset="0"/>
+                <a:ea typeface="Arial" charset="0"/>
+                <a:cs typeface="Arial" charset="0"/>
                 <a:sym typeface="Cabin"/>
               </a:rPr>
               <a:t>is the language of serpents and those who can converse with them.  An individual who can speak </a:t>
             </a:r>
             <a:r>
-              <a:rPr lang="en-US" sz="4200" b="0" i="0" u="none" strike="noStrike" cap="none">
+              <a:rPr lang="en-US" sz="4200" u="none" strike="noStrike" cap="none">
                 <a:solidFill>
                   <a:srgbClr val="FFFF00"/>
                 </a:solidFill>
-                <a:latin typeface="Cabin"/>
-                <a:ea typeface="Cabin"/>
-                <a:cs typeface="Cabin"/>
+                <a:latin typeface="Arial" charset="0"/>
+                <a:ea typeface="Arial" charset="0"/>
+                <a:cs typeface="Arial" charset="0"/>
                 <a:sym typeface="Cabin"/>
               </a:rPr>
               <a:t>Parseltongue </a:t>
             </a:r>
             <a:r>
-              <a:rPr lang="en-US" sz="4200" b="0" i="0" u="none" strike="noStrike" cap="none">
+              <a:rPr lang="en-US" sz="4200" u="none" strike="noStrike" cap="none">
                 <a:solidFill>
                   <a:srgbClr val="F3F3F3"/>
                 </a:solidFill>
-                <a:latin typeface="Cabin"/>
-                <a:ea typeface="Cabin"/>
-                <a:cs typeface="Cabin"/>
+                <a:latin typeface="Arial" charset="0"/>
+                <a:ea typeface="Arial" charset="0"/>
+                <a:cs typeface="Arial" charset="0"/>
                 <a:sym typeface="Cabin"/>
               </a:rPr>
               <a:t>is known as a</a:t>
             </a:r>
             <a:r>
-              <a:rPr lang="en-US" sz="4200" b="0" i="0" u="none" strike="noStrike" cap="none">
+              <a:rPr lang="en-US" sz="4200" u="none" strike="noStrike" cap="none">
                 <a:solidFill>
                   <a:srgbClr val="FFFF00"/>
                 </a:solidFill>
-                <a:latin typeface="Cabin"/>
-                <a:ea typeface="Cabin"/>
-                <a:cs typeface="Cabin"/>
+                <a:latin typeface="Arial" charset="0"/>
+                <a:ea typeface="Arial" charset="0"/>
+                <a:cs typeface="Arial" charset="0"/>
                 <a:sym typeface="Cabin"/>
               </a:rPr>
               <a:t> </a:t>
             </a:r>
             <a:r>
-              <a:rPr lang="en-US" sz="4200" b="0" i="0" u="none" strike="noStrike" cap="none">
+              <a:rPr lang="en-US" sz="4200" u="none" strike="noStrike" cap="none">
                 <a:solidFill>
                   <a:srgbClr val="00FF00"/>
                 </a:solidFill>
-                <a:latin typeface="Cabin"/>
-                <a:ea typeface="Cabin"/>
-                <a:cs typeface="Cabin"/>
+                <a:latin typeface="Arial" charset="0"/>
+                <a:ea typeface="Arial" charset="0"/>
+                <a:cs typeface="Arial" charset="0"/>
                 <a:sym typeface="Cabin"/>
               </a:rPr>
               <a:t>Parselmouth</a:t>
             </a:r>
             <a:r>
-              <a:rPr lang="en-US" sz="4200" b="0" i="0" u="none" strike="noStrike" cap="none">
+              <a:rPr lang="en-US" sz="4200" u="none" strike="noStrike" cap="none">
                 <a:solidFill>
                   <a:srgbClr val="FFFFFF"/>
                 </a:solidFill>
-                <a:latin typeface="Cabin"/>
-                <a:ea typeface="Cabin"/>
-                <a:cs typeface="Cabin"/>
+                <a:latin typeface="Arial" charset="0"/>
+                <a:ea typeface="Arial" charset="0"/>
+                <a:cs typeface="Arial" charset="0"/>
                 <a:sym typeface="Cabin"/>
               </a:rPr>
               <a:t>. It is a very uncommon skill, and may be hereditary. Nearly all known</a:t>
             </a:r>
             <a:r>
-              <a:rPr lang="en-US" sz="4200" b="0" i="0" u="none" strike="noStrike" cap="none">
+              <a:rPr lang="en-US" sz="4200" u="none" strike="noStrike" cap="none">
                 <a:solidFill>
                   <a:srgbClr val="FFFF00"/>
                 </a:solidFill>
-                <a:latin typeface="Cabin"/>
-                <a:ea typeface="Cabin"/>
-                <a:cs typeface="Cabin"/>
+                <a:latin typeface="Arial" charset="0"/>
+                <a:ea typeface="Arial" charset="0"/>
+                <a:cs typeface="Arial" charset="0"/>
                 <a:sym typeface="Cabin"/>
               </a:rPr>
               <a:t> </a:t>
             </a:r>
             <a:r>
-              <a:rPr lang="en-US" sz="4200" b="0" i="0" u="none" strike="noStrike" cap="none">
+              <a:rPr lang="en-US" sz="4200" u="none" strike="noStrike" cap="none">
                 <a:solidFill>
                   <a:srgbClr val="00FF00"/>
                 </a:solidFill>
-                <a:latin typeface="Cabin"/>
-                <a:ea typeface="Cabin"/>
-                <a:cs typeface="Cabin"/>
+                <a:latin typeface="Arial" charset="0"/>
+                <a:ea typeface="Arial" charset="0"/>
+                <a:cs typeface="Arial" charset="0"/>
                 <a:sym typeface="Cabin"/>
               </a:rPr>
               <a:t>Parselmouths</a:t>
             </a:r>
             <a:r>
-              <a:rPr lang="en-US" sz="4200" b="0" i="0" u="none" strike="noStrike" cap="none">
+              <a:rPr lang="en-US" sz="4200" u="none" strike="noStrike" cap="none">
                 <a:solidFill>
                   <a:srgbClr val="FFFFFF"/>
                 </a:solidFill>
-                <a:latin typeface="Cabin"/>
-                <a:ea typeface="Cabin"/>
-                <a:cs typeface="Cabin"/>
+                <a:latin typeface="Arial" charset="0"/>
+                <a:ea typeface="Arial" charset="0"/>
+                <a:cs typeface="Arial" charset="0"/>
                 <a:sym typeface="Cabin"/>
               </a:rPr>
               <a:t> are descended from</a:t>
             </a:r>
             <a:r>
-              <a:rPr lang="en-US" sz="4200" b="0" i="0" u="none" strike="noStrike" cap="none">
+              <a:rPr lang="en-US" sz="4200" u="none" strike="noStrike" cap="none">
                 <a:solidFill>
                   <a:srgbClr val="FFFF00"/>
                 </a:solidFill>
-                <a:latin typeface="Cabin"/>
-                <a:ea typeface="Cabin"/>
-                <a:cs typeface="Cabin"/>
+                <a:latin typeface="Arial" charset="0"/>
+                <a:ea typeface="Arial" charset="0"/>
+                <a:cs typeface="Arial" charset="0"/>
                 <a:sym typeface="Cabin"/>
               </a:rPr>
               <a:t> </a:t>
             </a:r>
             <a:r>
-              <a:rPr lang="en-US" sz="4200" b="0" i="0" u="sng" strike="noStrike" cap="none">
+              <a:rPr lang="en-US" sz="4200" u="sng" strike="noStrike" cap="none">
                 <a:solidFill>
                   <a:srgbClr val="F6B26B"/>
                 </a:solidFill>
-                <a:latin typeface="Cabin"/>
-                <a:ea typeface="Cabin"/>
-                <a:cs typeface="Cabin"/>
+                <a:latin typeface="Arial" charset="0"/>
+                <a:ea typeface="Arial" charset="0"/>
+                <a:cs typeface="Arial" charset="0"/>
                 <a:sym typeface="Cabin"/>
                 <a:hlinkClick r:id="rId4"/>
               </a:rPr>
               <a:t>Salazar Slytherin</a:t>
             </a:r>
             <a:r>
-              <a:rPr lang="en-US" sz="4200" b="0" i="0" u="none" strike="noStrike" cap="none">
+              <a:rPr lang="en-US" sz="4200" u="none" strike="noStrike" cap="none">
                 <a:solidFill>
                   <a:srgbClr val="F6B26B"/>
                 </a:solidFill>
-                <a:latin typeface="Cabin"/>
-                <a:ea typeface="Cabin"/>
-                <a:cs typeface="Cabin"/>
+                <a:latin typeface="Arial" charset="0"/>
+                <a:ea typeface="Arial" charset="0"/>
+                <a:cs typeface="Arial" charset="0"/>
                 <a:sym typeface="Cabin"/>
               </a:rPr>
               <a:t>.</a:t>
@@ -33219,97 +33219,97 @@
               <a:buNone/>
             </a:pPr>
             <a:r>
-              <a:rPr lang="en-US" sz="4200" b="0" i="0" u="none" strike="noStrike" cap="none">
+              <a:rPr lang="en-US" sz="4200" u="none" strike="noStrike" cap="none">
                 <a:solidFill>
                   <a:srgbClr val="FFFF00"/>
                 </a:solidFill>
-                <a:latin typeface="Cabin"/>
-                <a:ea typeface="Cabin"/>
-                <a:cs typeface="Cabin"/>
+                <a:latin typeface="Arial" charset="0"/>
+                <a:ea typeface="Arial" charset="0"/>
+                <a:cs typeface="Arial" charset="0"/>
                 <a:sym typeface="Cabin"/>
               </a:rPr>
               <a:t>Python</a:t>
             </a:r>
             <a:r>
-              <a:rPr lang="en-US" sz="4200" b="0" i="0" u="none" strike="noStrike" cap="none">
+              <a:rPr lang="en-US" sz="4200" u="none" strike="noStrike" cap="none">
                 <a:solidFill>
                   <a:srgbClr val="FFFFFF"/>
                 </a:solidFill>
-                <a:latin typeface="Cabin"/>
-                <a:ea typeface="Cabin"/>
-                <a:cs typeface="Cabin"/>
+                <a:latin typeface="Arial" charset="0"/>
+                <a:ea typeface="Arial" charset="0"/>
+                <a:cs typeface="Arial" charset="0"/>
                 <a:sym typeface="Cabin"/>
               </a:rPr>
               <a:t> is the language of the Python Interpreter and those who can converse with it. An individual who can speak </a:t>
             </a:r>
             <a:r>
-              <a:rPr lang="en-US" sz="4200" b="0" i="0" u="none" strike="noStrike" cap="none">
+              <a:rPr lang="en-US" sz="4200" u="none" strike="noStrike" cap="none">
                 <a:solidFill>
                   <a:srgbClr val="FFFF00"/>
                 </a:solidFill>
-                <a:latin typeface="Cabin"/>
-                <a:ea typeface="Cabin"/>
-                <a:cs typeface="Cabin"/>
+                <a:latin typeface="Arial" charset="0"/>
+                <a:ea typeface="Arial" charset="0"/>
+                <a:cs typeface="Arial" charset="0"/>
                 <a:sym typeface="Cabin"/>
               </a:rPr>
               <a:t>Python</a:t>
             </a:r>
             <a:r>
-              <a:rPr lang="en-US" sz="4200" b="0" i="0" u="none" strike="noStrike" cap="none">
+              <a:rPr lang="en-US" sz="4200" u="none" strike="noStrike" cap="none">
                 <a:solidFill>
                   <a:srgbClr val="FFFFFF"/>
                 </a:solidFill>
-                <a:latin typeface="Cabin"/>
-                <a:ea typeface="Cabin"/>
-                <a:cs typeface="Cabin"/>
+                <a:latin typeface="Arial" charset="0"/>
+                <a:ea typeface="Arial" charset="0"/>
+                <a:cs typeface="Arial" charset="0"/>
                 <a:sym typeface="Cabin"/>
               </a:rPr>
               <a:t> is known as a </a:t>
             </a:r>
             <a:r>
-              <a:rPr lang="en-US" sz="4200" b="0" i="0" u="none" strike="noStrike" cap="none">
+              <a:rPr lang="en-US" sz="4200" u="none" strike="noStrike" cap="none">
                 <a:solidFill>
                   <a:srgbClr val="00FF00"/>
                 </a:solidFill>
-                <a:latin typeface="Cabin"/>
-                <a:ea typeface="Cabin"/>
-                <a:cs typeface="Cabin"/>
+                <a:latin typeface="Arial" charset="0"/>
+                <a:ea typeface="Arial" charset="0"/>
+                <a:cs typeface="Arial" charset="0"/>
                 <a:sym typeface="Cabin"/>
               </a:rPr>
               <a:t>Pythonista</a:t>
             </a:r>
             <a:r>
-              <a:rPr lang="en-US" sz="4200" b="0" i="0" u="none" strike="noStrike" cap="none">
+              <a:rPr lang="en-US" sz="4200" u="none" strike="noStrike" cap="none">
                 <a:solidFill>
                   <a:srgbClr val="FFFFFF"/>
                 </a:solidFill>
-                <a:latin typeface="Cabin"/>
-                <a:ea typeface="Cabin"/>
-                <a:cs typeface="Cabin"/>
+                <a:latin typeface="Arial" charset="0"/>
+                <a:ea typeface="Arial" charset="0"/>
+                <a:cs typeface="Arial" charset="0"/>
                 <a:sym typeface="Cabin"/>
               </a:rPr>
               <a:t>. It is a very uncommon skill, and may be hereditary. Nearly all known </a:t>
             </a:r>
             <a:r>
-              <a:rPr lang="en-US" sz="4200" b="0" i="0" u="none" strike="noStrike" cap="none">
+              <a:rPr lang="en-US" sz="4200" u="none" strike="noStrike" cap="none">
                 <a:solidFill>
                   <a:srgbClr val="00FF00"/>
                 </a:solidFill>
-                <a:latin typeface="Cabin"/>
-                <a:ea typeface="Cabin"/>
-                <a:cs typeface="Cabin"/>
+                <a:latin typeface="Arial" charset="0"/>
+                <a:ea typeface="Arial" charset="0"/>
+                <a:cs typeface="Arial" charset="0"/>
                 <a:sym typeface="Cabin"/>
               </a:rPr>
               <a:t>Pythonistas</a:t>
             </a:r>
             <a:r>
-              <a:rPr lang="en-US" sz="4200" b="0" i="0" u="none" strike="noStrike" cap="none">
+              <a:rPr lang="en-US" sz="4200" u="none" strike="noStrike" cap="none">
                 <a:solidFill>
                   <a:srgbClr val="FFFFFF"/>
                 </a:solidFill>
-                <a:latin typeface="Cabin"/>
-                <a:ea typeface="Cabin"/>
-                <a:cs typeface="Cabin"/>
+                <a:latin typeface="Arial" charset="0"/>
+                <a:ea typeface="Arial" charset="0"/>
+                <a:cs typeface="Arial" charset="0"/>
                 <a:sym typeface="Cabin"/>
               </a:rPr>
               <a:t> use software </a:t>
@@ -33319,33 +33319,33 @@
                 <a:solidFill>
                   <a:srgbClr val="FFFFFF"/>
                 </a:solidFill>
-                <a:latin typeface="Cabin"/>
-                <a:ea typeface="Cabin"/>
-                <a:cs typeface="Cabin"/>
+                <a:latin typeface="Arial" charset="0"/>
+                <a:ea typeface="Arial" charset="0"/>
+                <a:cs typeface="Arial" charset="0"/>
                 <a:sym typeface="Cabin"/>
               </a:rPr>
               <a:t>initially</a:t>
             </a:r>
             <a:r>
-              <a:rPr lang="en-US" sz="4200" b="0" i="0" u="none" strike="noStrike" cap="none">
+              <a:rPr lang="en-US" sz="4200" u="none" strike="noStrike" cap="none">
                 <a:solidFill>
                   <a:srgbClr val="FFFFFF"/>
                 </a:solidFill>
-                <a:latin typeface="Cabin"/>
-                <a:ea typeface="Cabin"/>
-                <a:cs typeface="Cabin"/>
+                <a:latin typeface="Arial" charset="0"/>
+                <a:ea typeface="Arial" charset="0"/>
+                <a:cs typeface="Arial" charset="0"/>
                 <a:sym typeface="Cabin"/>
               </a:rPr>
               <a:t> developed by </a:t>
             </a:r>
             <a:r>
-              <a:rPr lang="en-US" sz="4200" b="0" i="0" u="none" strike="noStrike" cap="none">
+              <a:rPr lang="en-US" sz="4200" u="none" strike="noStrike" cap="none">
                 <a:solidFill>
                   <a:srgbClr val="F6B26B"/>
                 </a:solidFill>
-                <a:latin typeface="Cabin"/>
-                <a:ea typeface="Cabin"/>
-                <a:cs typeface="Cabin"/>
+                <a:latin typeface="Arial" charset="0"/>
+                <a:ea typeface="Arial" charset="0"/>
+                <a:cs typeface="Arial" charset="0"/>
                 <a:sym typeface="Cabin"/>
               </a:rPr>
               <a:t>Guido van Rossum.</a:t>
@@ -33506,25 +33506,25 @@
               <a:buNone/>
             </a:pPr>
             <a:r>
-              <a:rPr lang="en-US" sz="7400" b="0" i="0" u="none" strike="noStrike" cap="none">
+              <a:rPr lang="en-US" sz="7400" u="none" strike="noStrike" cap="none">
                 <a:solidFill>
                   <a:srgbClr val="FFFF00"/>
                 </a:solidFill>
-                <a:latin typeface="Cabin"/>
-                <a:ea typeface="Cabin"/>
-                <a:cs typeface="Cabin"/>
+                <a:latin typeface="Arial" charset="0"/>
+                <a:ea typeface="Arial" charset="0"/>
+                <a:cs typeface="Arial" charset="0"/>
                 <a:sym typeface="Cabin"/>
               </a:rPr>
               <a:t>Early Learner: </a:t>
             </a:r>
             <a:r>
-              <a:rPr lang="en-US" sz="7400" b="0" i="0" u="none" strike="noStrike" cap="none">
+              <a:rPr lang="en-US" sz="7400" u="none" strike="noStrike" cap="none">
                 <a:solidFill>
                   <a:srgbClr val="E06666"/>
                 </a:solidFill>
-                <a:latin typeface="Cabin"/>
-                <a:ea typeface="Cabin"/>
-                <a:cs typeface="Cabin"/>
+                <a:latin typeface="Arial" charset="0"/>
+                <a:ea typeface="Arial" charset="0"/>
+                <a:cs typeface="Arial" charset="0"/>
                 <a:sym typeface="Cabin"/>
               </a:rPr>
               <a:t>Syntax Errors</a:t>
@@ -33579,37 +33579,37 @@
               <a:buChar char="•"/>
             </a:pPr>
             <a:r>
-              <a:rPr lang="en-US" sz="3000" b="0" i="0" u="none" strike="noStrike" cap="none">
+              <a:rPr lang="en-US" sz="3000" u="none" strike="noStrike" cap="none">
                 <a:solidFill>
                   <a:schemeClr val="lt1"/>
                 </a:solidFill>
-                <a:latin typeface="Cabin"/>
-                <a:ea typeface="Cabin"/>
-                <a:cs typeface="Cabin"/>
+                <a:latin typeface="Arial" charset="0"/>
+                <a:ea typeface="Arial" charset="0"/>
+                <a:cs typeface="Arial" charset="0"/>
                 <a:sym typeface="Cabin"/>
               </a:rPr>
               <a:t>We need to learn the </a:t>
             </a:r>
             <a:r>
-              <a:rPr lang="en-US" sz="3000" b="0" i="0" u="none" strike="noStrike" cap="none">
+              <a:rPr lang="en-US" sz="3000" u="none" strike="noStrike" cap="none">
                 <a:solidFill>
                   <a:srgbClr val="FFFF00"/>
                 </a:solidFill>
-                <a:latin typeface="Cabin"/>
-                <a:ea typeface="Cabin"/>
-                <a:cs typeface="Cabin"/>
+                <a:latin typeface="Arial" charset="0"/>
+                <a:ea typeface="Arial" charset="0"/>
+                <a:cs typeface="Arial" charset="0"/>
                 <a:sym typeface="Cabin"/>
               </a:rPr>
               <a:t>Python language </a:t>
             </a:r>
             <a:r>
-              <a:rPr lang="en-US" sz="3000" b="0" i="0" u="none" strike="noStrike" cap="none">
+              <a:rPr lang="en-US" sz="3000" u="none" strike="noStrike" cap="none">
                 <a:solidFill>
                   <a:schemeClr val="lt1"/>
                 </a:solidFill>
-                <a:latin typeface="Cabin"/>
-                <a:ea typeface="Cabin"/>
-                <a:cs typeface="Cabin"/>
+                <a:latin typeface="Arial" charset="0"/>
+                <a:ea typeface="Arial" charset="0"/>
+                <a:cs typeface="Arial" charset="0"/>
                 <a:sym typeface="Cabin"/>
               </a:rPr>
               <a:t>so we can communicate our instructions to Python.  In the beginning we will make lots of mistakes and speak gibberish like small children.</a:t>
@@ -33634,13 +33634,13 @@
               <a:buChar char="•"/>
             </a:pPr>
             <a:r>
-              <a:rPr lang="en-US" sz="3000" b="0" i="0" u="none" strike="noStrike" cap="none">
+              <a:rPr lang="en-US" sz="3000" u="none" strike="noStrike" cap="none">
                 <a:solidFill>
                   <a:schemeClr val="lt1"/>
                 </a:solidFill>
-                <a:latin typeface="Cabin"/>
-                <a:ea typeface="Cabin"/>
-                <a:cs typeface="Cabin"/>
+                <a:latin typeface="Arial" charset="0"/>
+                <a:ea typeface="Arial" charset="0"/>
+                <a:cs typeface="Arial" charset="0"/>
                 <a:sym typeface="Cabin"/>
               </a:rPr>
               <a:t>When you make a mistake, the computer does not think you are </a:t>
@@ -33658,13 +33658,13 @@
               <a:t>“</a:t>
             </a:r>
             <a:r>
-              <a:rPr lang="en-US" sz="3000" b="0" i="0" u="none" strike="noStrike" cap="none">
+              <a:rPr lang="en-US" sz="3000" u="none" strike="noStrike" cap="none">
                 <a:solidFill>
                   <a:schemeClr val="lt1"/>
                 </a:solidFill>
-                <a:latin typeface="Cabin"/>
-                <a:ea typeface="Cabin"/>
-                <a:cs typeface="Cabin"/>
+                <a:latin typeface="Arial" charset="0"/>
+                <a:ea typeface="Arial" charset="0"/>
+                <a:cs typeface="Arial" charset="0"/>
                 <a:sym typeface="Cabin"/>
               </a:rPr>
               <a:t>cute</a:t>
@@ -33682,13 +33682,13 @@
               <a:t>”</a:t>
             </a:r>
             <a:r>
-              <a:rPr lang="en-US" sz="3000" b="0" i="0" u="none" strike="noStrike" cap="none">
+              <a:rPr lang="en-US" sz="3000" u="none" strike="noStrike" cap="none">
                 <a:solidFill>
                   <a:schemeClr val="lt1"/>
                 </a:solidFill>
-                <a:latin typeface="Cabin"/>
-                <a:ea typeface="Cabin"/>
-                <a:cs typeface="Cabin"/>
+                <a:latin typeface="Arial" charset="0"/>
+                <a:ea typeface="Arial" charset="0"/>
+                <a:cs typeface="Arial" charset="0"/>
                 <a:sym typeface="Cabin"/>
               </a:rPr>
               <a:t>.  It says </a:t>
@@ -33706,13 +33706,13 @@
               <a:t>“</a:t>
             </a:r>
             <a:r>
-              <a:rPr lang="en-US" sz="3000" b="0" i="0" u="none" strike="noStrike" cap="none">
+              <a:rPr lang="en-US" sz="3000" u="none" strike="noStrike" cap="none">
                 <a:solidFill>
                   <a:srgbClr val="E06666"/>
                 </a:solidFill>
-                <a:latin typeface="Cabin"/>
-                <a:ea typeface="Cabin"/>
-                <a:cs typeface="Cabin"/>
+                <a:latin typeface="Arial" charset="0"/>
+                <a:ea typeface="Arial" charset="0"/>
+                <a:cs typeface="Arial" charset="0"/>
                 <a:sym typeface="Cabin"/>
               </a:rPr>
               <a:t>syntax error</a:t>
@@ -33730,64 +33730,40 @@
               <a:t>”</a:t>
             </a:r>
             <a:r>
-              <a:rPr lang="en-US" sz="3000" b="0" i="0" u="none" strike="noStrike" cap="none">
+              <a:rPr lang="en-US" sz="3000" u="none" strike="noStrike" cap="none">
                 <a:solidFill>
                   <a:schemeClr val="lt1"/>
                 </a:solidFill>
-                <a:latin typeface="Cabin"/>
-                <a:ea typeface="Cabin"/>
-                <a:cs typeface="Cabin"/>
+                <a:latin typeface="Arial" charset="0"/>
+                <a:ea typeface="Arial" charset="0"/>
+                <a:cs typeface="Arial" charset="0"/>
                 <a:sym typeface="Cabin"/>
               </a:rPr>
               <a:t> </a:t>
             </a:r>
             <a:r>
-              <a:rPr lang="en-US" sz="3000" b="0" i="0" u="none" strike="noStrike" cap="none">
+              <a:rPr lang="en-US" sz="3000" u="none" strike="noStrike" cap="none">
                 <a:solidFill>
                   <a:srgbClr val="FFFFFF"/>
                 </a:solidFill>
-                <a:latin typeface="Cabin"/>
-                <a:ea typeface="Cabin"/>
-                <a:cs typeface="Cabin"/>
+                <a:latin typeface="Arial" charset="0"/>
+                <a:ea typeface="Arial" charset="0"/>
+                <a:cs typeface="Arial" charset="0"/>
                 <a:sym typeface="Cabin"/>
               </a:rPr>
               <a:t>-</a:t>
             </a:r>
             <a:r>
-              <a:rPr lang="en-US" sz="3000" b="0" i="0" u="none" strike="noStrike" cap="none">
+              <a:rPr lang="en-US" sz="3000" u="none" strike="noStrike" cap="none">
                 <a:solidFill>
                   <a:schemeClr val="lt1"/>
                 </a:solidFill>
-                <a:latin typeface="Cabin"/>
-                <a:ea typeface="Cabin"/>
-                <a:cs typeface="Cabin"/>
+                <a:latin typeface="Arial" charset="0"/>
+                <a:ea typeface="Arial" charset="0"/>
+                <a:cs typeface="Arial" charset="0"/>
                 <a:sym typeface="Cabin"/>
               </a:rPr>
-              <a:t> given that it </a:t>
-            </a:r>
-            <a:r>
-              <a:rPr lang="en-US" sz="3000" b="0" i="1" u="none" strike="noStrike" cap="none">
-                <a:solidFill>
-                  <a:schemeClr val="lt1"/>
-                </a:solidFill>
-                <a:latin typeface="Cabin"/>
-                <a:ea typeface="Cabin"/>
-                <a:cs typeface="Cabin"/>
-                <a:sym typeface="Cabin"/>
-              </a:rPr>
-              <a:t>knows</a:t>
-            </a:r>
-            <a:r>
-              <a:rPr lang="en-US" sz="3000" b="0" i="0" u="none" strike="noStrike" cap="none">
-                <a:solidFill>
-                  <a:schemeClr val="lt1"/>
-                </a:solidFill>
-                <a:latin typeface="Cabin"/>
-                <a:ea typeface="Cabin"/>
-                <a:cs typeface="Cabin"/>
-                <a:sym typeface="Cabin"/>
-              </a:rPr>
-              <a:t> the language and you are just learning it.  It seems like Python is cruel and unfeeling.</a:t>
+              <a:t> given that it knows the language and you are just learning it.  It seems like Python is cruel and unfeeling.</a:t>
             </a:r>
           </a:p>
           <a:p>
@@ -33809,169 +33785,133 @@
               <a:buChar char="•"/>
             </a:pPr>
             <a:r>
-              <a:rPr lang="en-US" sz="3000" b="0" i="0" u="none" strike="noStrike" cap="none">
+              <a:rPr lang="en-US" sz="3000" u="none" strike="noStrike" cap="none">
                 <a:solidFill>
                   <a:schemeClr val="lt1"/>
                 </a:solidFill>
-                <a:latin typeface="Cabin"/>
-                <a:ea typeface="Cabin"/>
-                <a:cs typeface="Cabin"/>
+                <a:latin typeface="Arial" charset="0"/>
+                <a:ea typeface="Arial" charset="0"/>
+                <a:cs typeface="Arial" charset="0"/>
                 <a:sym typeface="Cabin"/>
               </a:rPr>
-              <a:t>You must remember that </a:t>
-            </a:r>
-            <a:r>
-              <a:rPr lang="en-US" sz="3000" b="0" i="1" u="none" strike="noStrike" cap="none">
+              <a:t>You must remember that you are intelligent and</a:t>
+            </a:r>
+            <a:r>
+              <a:rPr lang="en-US" sz="3000">
                 <a:solidFill>
                   <a:schemeClr val="lt1"/>
                 </a:solidFill>
-                <a:latin typeface="Cabin"/>
-                <a:ea typeface="Cabin"/>
-                <a:cs typeface="Cabin"/>
+                <a:latin typeface="Arial" charset="0"/>
+                <a:ea typeface="Arial" charset="0"/>
+                <a:cs typeface="Arial" charset="0"/>
                 <a:sym typeface="Cabin"/>
               </a:rPr>
-              <a:t>you</a:t>
-            </a:r>
-            <a:r>
-              <a:rPr lang="en-US" sz="3000" b="0" i="0" u="none" strike="noStrike" cap="none">
+              <a:t> </a:t>
+            </a:r>
+            <a:r>
+              <a:rPr lang="en-US" sz="3000" u="none" strike="noStrike" cap="none">
                 <a:solidFill>
                   <a:schemeClr val="lt1"/>
                 </a:solidFill>
-                <a:latin typeface="Cabin"/>
-                <a:ea typeface="Cabin"/>
-                <a:cs typeface="Cabin"/>
+                <a:latin typeface="Arial" charset="0"/>
+                <a:ea typeface="Arial" charset="0"/>
+                <a:cs typeface="Arial" charset="0"/>
                 <a:sym typeface="Cabin"/>
               </a:rPr>
-              <a:t> are intelligent and</a:t>
+              <a:t>can learn</a:t>
             </a:r>
             <a:r>
               <a:rPr lang="en-US" sz="3000">
                 <a:solidFill>
                   <a:schemeClr val="lt1"/>
                 </a:solidFill>
-                <a:latin typeface="Cabin"/>
-                <a:ea typeface="Cabin"/>
-                <a:cs typeface="Cabin"/>
+                <a:latin typeface="Arial" charset="0"/>
+                <a:ea typeface="Arial" charset="0"/>
+                <a:cs typeface="Arial" charset="0"/>
                 <a:sym typeface="Cabin"/>
               </a:rPr>
-              <a:t> </a:t>
-            </a:r>
-            <a:r>
-              <a:rPr lang="en-US" sz="3000" b="0" i="1" u="none" strike="noStrike" cap="none">
+              <a:t>. T</a:t>
+            </a:r>
+            <a:r>
+              <a:rPr lang="en-US" sz="3000" u="none" strike="noStrike" cap="none">
                 <a:solidFill>
                   <a:schemeClr val="lt1"/>
                 </a:solidFill>
-                <a:latin typeface="Cabin"/>
-                <a:ea typeface="Cabin"/>
-                <a:cs typeface="Cabin"/>
+                <a:latin typeface="Arial" charset="0"/>
+                <a:ea typeface="Arial" charset="0"/>
+                <a:cs typeface="Arial" charset="0"/>
                 <a:sym typeface="Cabin"/>
               </a:rPr>
-              <a:t>can</a:t>
-            </a:r>
-            <a:r>
-              <a:rPr lang="en-US" sz="3000" b="0" i="0" u="none" strike="noStrike" cap="none">
+              <a:t>he computer is simple and very fast</a:t>
+            </a:r>
+            <a:r>
+              <a:rPr lang="en-US" sz="3000">
                 <a:solidFill>
                   <a:schemeClr val="lt1"/>
                 </a:solidFill>
-                <a:latin typeface="Cabin"/>
-                <a:ea typeface="Cabin"/>
-                <a:cs typeface="Cabin"/>
+                <a:latin typeface="Arial" charset="0"/>
+                <a:ea typeface="Arial" charset="0"/>
+                <a:cs typeface="Arial" charset="0"/>
                 <a:sym typeface="Cabin"/>
               </a:rPr>
-              <a:t> learn</a:t>
+              <a:t>,</a:t>
+            </a:r>
+            <a:r>
+              <a:rPr lang="en-US" sz="3000" u="none" strike="noStrike" cap="none">
+                <a:solidFill>
+                  <a:schemeClr val="lt1"/>
+                </a:solidFill>
+                <a:latin typeface="Arial" charset="0"/>
+                <a:ea typeface="Arial" charset="0"/>
+                <a:cs typeface="Arial" charset="0"/>
+                <a:sym typeface="Cabin"/>
+              </a:rPr>
+              <a:t> but cannot learn.</a:t>
             </a:r>
             <a:r>
               <a:rPr lang="en-US" sz="3000">
                 <a:solidFill>
                   <a:schemeClr val="lt1"/>
                 </a:solidFill>
-                <a:latin typeface="Cabin"/>
-                <a:ea typeface="Cabin"/>
-                <a:cs typeface="Cabin"/>
+                <a:latin typeface="Arial" charset="0"/>
+                <a:ea typeface="Arial" charset="0"/>
+                <a:cs typeface="Arial" charset="0"/>
                 <a:sym typeface="Cabin"/>
               </a:rPr>
-              <a:t>. T</a:t>
-            </a:r>
-            <a:r>
-              <a:rPr lang="en-US" sz="3000" b="0" i="0" u="none" strike="noStrike" cap="none">
+              <a:t> S</a:t>
+            </a:r>
+            <a:r>
+              <a:rPr lang="en-US" sz="3000" u="none" strike="noStrike" cap="none">
                 <a:solidFill>
                   <a:schemeClr val="lt1"/>
                 </a:solidFill>
-                <a:latin typeface="Cabin"/>
-                <a:ea typeface="Cabin"/>
-                <a:cs typeface="Cabin"/>
+                <a:latin typeface="Arial" charset="0"/>
+                <a:ea typeface="Arial" charset="0"/>
+                <a:cs typeface="Arial" charset="0"/>
                 <a:sym typeface="Cabin"/>
               </a:rPr>
-              <a:t>he computer is simple and very fast</a:t>
-            </a:r>
-            <a:r>
-              <a:rPr lang="en-US" sz="3000">
+              <a:t>o </a:t>
+            </a:r>
+            <a:r>
+              <a:rPr lang="en-US" sz="3000" u="none" strike="noStrike" cap="none">
+                <a:solidFill>
+                  <a:srgbClr val="FFFF00"/>
+                </a:solidFill>
+                <a:latin typeface="Arial" charset="0"/>
+                <a:ea typeface="Arial" charset="0"/>
+                <a:cs typeface="Arial" charset="0"/>
+                <a:sym typeface="Cabin"/>
+              </a:rPr>
+              <a:t>it is easier for you to learn Python than for the computer to learn English</a:t>
+            </a:r>
+            <a:r>
+              <a:rPr lang="en-US" sz="3000" u="none" strike="noStrike" cap="none">
                 <a:solidFill>
                   <a:schemeClr val="lt1"/>
                 </a:solidFill>
-                <a:latin typeface="Cabin"/>
-                <a:ea typeface="Cabin"/>
-                <a:cs typeface="Cabin"/>
-                <a:sym typeface="Cabin"/>
-              </a:rPr>
-              <a:t>,</a:t>
-            </a:r>
-            <a:r>
-              <a:rPr lang="en-US" sz="3000" b="0" i="0" u="none" strike="noStrike" cap="none">
-                <a:solidFill>
-                  <a:schemeClr val="lt1"/>
-                </a:solidFill>
-                <a:latin typeface="Cabin"/>
-                <a:ea typeface="Cabin"/>
-                <a:cs typeface="Cabin"/>
-                <a:sym typeface="Cabin"/>
-              </a:rPr>
-              <a:t> but cannot learn.</a:t>
-            </a:r>
-            <a:r>
-              <a:rPr lang="en-US" sz="3000">
-                <a:solidFill>
-                  <a:schemeClr val="lt1"/>
-                </a:solidFill>
-                <a:latin typeface="Cabin"/>
-                <a:ea typeface="Cabin"/>
-                <a:cs typeface="Cabin"/>
-                <a:sym typeface="Cabin"/>
-              </a:rPr>
-              <a:t> S</a:t>
-            </a:r>
-            <a:r>
-              <a:rPr lang="en-US" sz="3000" b="0" i="0" u="none" strike="noStrike" cap="none">
-                <a:solidFill>
-                  <a:schemeClr val="lt1"/>
-                </a:solidFill>
-                <a:latin typeface="Cabin"/>
-                <a:ea typeface="Cabin"/>
-                <a:cs typeface="Cabin"/>
-                <a:sym typeface="Cabin"/>
-              </a:rPr>
-              <a:t>o </a:t>
-            </a:r>
-            <a:r>
-              <a:rPr lang="en-US" sz="3000" b="0" i="0" u="none" strike="noStrike" cap="none">
-                <a:solidFill>
-                  <a:srgbClr val="FFFF00"/>
-                </a:solidFill>
-                <a:latin typeface="Cabin"/>
-                <a:ea typeface="Cabin"/>
-                <a:cs typeface="Cabin"/>
-                <a:sym typeface="Cabin"/>
-              </a:rPr>
-              <a:t>it is easier for you to learn Python than for the computer to learn English</a:t>
-            </a:r>
-            <a:r>
-              <a:rPr lang="en-US" sz="3000" b="0" i="0" u="none" strike="noStrike" cap="none">
-                <a:solidFill>
-                  <a:schemeClr val="lt1"/>
-                </a:solidFill>
-                <a:latin typeface="Cabin"/>
-                <a:ea typeface="Cabin"/>
-                <a:cs typeface="Cabin"/>
+                <a:latin typeface="Arial" charset="0"/>
+                <a:ea typeface="Arial" charset="0"/>
+                <a:cs typeface="Arial" charset="0"/>
                 <a:sym typeface="Cabin"/>
               </a:rPr>
               <a:t>...</a:t>
@@ -34051,13 +33991,13 @@
               <a:buNone/>
             </a:pPr>
             <a:r>
-              <a:rPr lang="en-US" sz="7600" b="0" i="0" u="none" strike="noStrike" cap="none">
+              <a:rPr lang="en-US" sz="7600" u="none" strike="noStrike" cap="none">
                 <a:solidFill>
                   <a:srgbClr val="FFFF00"/>
                 </a:solidFill>
-                <a:latin typeface="Cabin"/>
-                <a:ea typeface="Cabin"/>
-                <a:cs typeface="Cabin"/>
+                <a:latin typeface="Arial" charset="0"/>
+                <a:ea typeface="Arial" charset="0"/>
+                <a:cs typeface="Arial" charset="0"/>
                 <a:sym typeface="Cabin"/>
               </a:rPr>
               <a:t>Talking to Python</a:t>
@@ -34133,25 +34073,25 @@
               <a:buNone/>
             </a:pPr>
             <a:r>
-              <a:rPr lang="en-US" sz="3600" b="0" i="0" u="none" strike="noStrike" cap="none">
+              <a:rPr lang="en-US" sz="3600" u="none" strike="noStrike" cap="none">
                 <a:solidFill>
                   <a:schemeClr val="lt1"/>
                 </a:solidFill>
-                <a:latin typeface="Cabin"/>
-                <a:ea typeface="Cabin"/>
-                <a:cs typeface="Cabin"/>
+                <a:latin typeface="Arial" charset="0"/>
+                <a:ea typeface="Arial" charset="0"/>
+                <a:cs typeface="Arial" charset="0"/>
                 <a:sym typeface="Cabin"/>
               </a:rPr>
               <a:t>csev$ </a:t>
             </a:r>
             <a:r>
-              <a:rPr lang="en-US" sz="3600" b="0" i="0" u="none" strike="noStrike" cap="none">
+              <a:rPr lang="en-US" sz="3600" u="none" strike="noStrike" cap="none">
                 <a:solidFill>
                   <a:srgbClr val="FFFF00"/>
                 </a:solidFill>
-                <a:latin typeface="Cabin"/>
-                <a:ea typeface="Cabin"/>
-                <a:cs typeface="Cabin"/>
+                <a:latin typeface="Arial" charset="0"/>
+                <a:ea typeface="Arial" charset="0"/>
+                <a:cs typeface="Arial" charset="0"/>
                 <a:sym typeface="Cabin"/>
               </a:rPr>
               <a:t>python</a:t>
@@ -34176,13 +34116,13 @@
               <a:buNone/>
             </a:pPr>
             <a:r>
-              <a:rPr lang="en-US" sz="3600" b="0" i="0" u="none" strike="noStrike" cap="none">
+              <a:rPr lang="en-US" sz="3600" u="none" strike="noStrike" cap="none">
                 <a:solidFill>
                   <a:schemeClr val="lt1"/>
                 </a:solidFill>
-                <a:latin typeface="Cabin"/>
-                <a:ea typeface="Cabin"/>
-                <a:cs typeface="Cabin"/>
+                <a:latin typeface="Arial" charset="0"/>
+                <a:ea typeface="Arial" charset="0"/>
+                <a:cs typeface="Arial" charset="0"/>
                 <a:sym typeface="Cabin"/>
               </a:rPr>
               <a:t>Python 2.5 (r25:51918, Sep 19 2006, 08:49:13) </a:t>
@@ -34207,13 +34147,13 @@
               <a:buNone/>
             </a:pPr>
             <a:r>
-              <a:rPr lang="en-US" sz="3600" b="0" i="0" u="none" strike="noStrike" cap="none">
+              <a:rPr lang="en-US" sz="3600" u="none" strike="noStrike" cap="none">
                 <a:solidFill>
                   <a:schemeClr val="lt1"/>
                 </a:solidFill>
-                <a:latin typeface="Cabin"/>
-                <a:ea typeface="Cabin"/>
-                <a:cs typeface="Cabin"/>
+                <a:latin typeface="Arial" charset="0"/>
+                <a:ea typeface="Arial" charset="0"/>
+                <a:cs typeface="Arial" charset="0"/>
                 <a:sym typeface="Cabin"/>
               </a:rPr>
               <a:t>[GCC 4.0.1 (Apple Computer, Inc. build 5341)] on darwin</a:t>
@@ -34238,13 +34178,13 @@
               <a:buNone/>
             </a:pPr>
             <a:r>
-              <a:rPr lang="en-US" sz="3600" b="0" i="0" u="none" strike="noStrike" cap="none">
+              <a:rPr lang="en-US" sz="3600" u="none" strike="noStrike" cap="none">
                 <a:solidFill>
                   <a:schemeClr val="lt1"/>
                 </a:solidFill>
-                <a:latin typeface="Cabin"/>
-                <a:ea typeface="Cabin"/>
-                <a:cs typeface="Cabin"/>
+                <a:latin typeface="Arial" charset="0"/>
+                <a:ea typeface="Arial" charset="0"/>
+                <a:cs typeface="Arial" charset="0"/>
                 <a:sym typeface="Cabin"/>
               </a:rPr>
               <a:t>Type "help", "copyright", "credits" or "license" for more information.</a:t>
@@ -34269,13 +34209,13 @@
               <a:buNone/>
             </a:pPr>
             <a:r>
-              <a:rPr lang="en-US" sz="3600" b="0" i="0" u="none" strike="noStrike" cap="none">
+              <a:rPr lang="en-US" sz="3600" u="none" strike="noStrike" cap="none">
                 <a:solidFill>
                   <a:schemeClr val="lt1"/>
                 </a:solidFill>
-                <a:latin typeface="Cabin"/>
-                <a:ea typeface="Cabin"/>
-                <a:cs typeface="Cabin"/>
+                <a:latin typeface="Arial" charset="0"/>
+                <a:ea typeface="Arial" charset="0"/>
+                <a:cs typeface="Arial" charset="0"/>
                 <a:sym typeface="Cabin"/>
               </a:rPr>
               <a:t>&gt;&gt;&gt; </a:t>
@@ -34340,13 +34280,13 @@
                 <a:buNone/>
               </a:pPr>
               <a:r>
-                <a:rPr lang="en-US" sz="3600" b="0" i="0" u="none" strike="noStrike" cap="none">
+                <a:rPr lang="en-US" sz="3600" u="none" strike="noStrike" cap="none">
                   <a:solidFill>
                     <a:srgbClr val="FFFF00"/>
                   </a:solidFill>
-                  <a:latin typeface="Cabin"/>
-                  <a:ea typeface="Cabin"/>
-                  <a:cs typeface="Cabin"/>
+                  <a:latin typeface="Arial" charset="0"/>
+                  <a:ea typeface="Arial" charset="0"/>
+                  <a:cs typeface="Arial" charset="0"/>
                   <a:sym typeface="Cabin"/>
                 </a:rPr>
                 <a:t>What next?</a:t>
@@ -34449,25 +34389,25 @@
               <a:buNone/>
             </a:pPr>
             <a:r>
-              <a:rPr lang="en-US" sz="3600" b="0" i="0" u="none" strike="noStrike" cap="none">
+              <a:rPr lang="en-US" sz="3600" u="none" strike="noStrike" cap="none">
                 <a:solidFill>
                   <a:schemeClr val="lt1"/>
                 </a:solidFill>
-                <a:latin typeface="Cabin"/>
-                <a:ea typeface="Cabin"/>
-                <a:cs typeface="Cabin"/>
+                <a:latin typeface="Arial" charset="0"/>
+                <a:ea typeface="Arial" charset="0"/>
+                <a:cs typeface="Arial" charset="0"/>
                 <a:sym typeface="Cabin"/>
               </a:rPr>
               <a:t>csev$ </a:t>
             </a:r>
             <a:r>
-              <a:rPr lang="en-US" sz="3600" b="0" i="0" u="none" strike="noStrike" cap="none">
+              <a:rPr lang="en-US" sz="3600" u="none" strike="noStrike" cap="none">
                 <a:solidFill>
                   <a:srgbClr val="FFFF00"/>
                 </a:solidFill>
-                <a:latin typeface="Cabin"/>
-                <a:ea typeface="Cabin"/>
-                <a:cs typeface="Cabin"/>
+                <a:latin typeface="Arial" charset="0"/>
+                <a:ea typeface="Arial" charset="0"/>
+                <a:cs typeface="Arial" charset="0"/>
                 <a:sym typeface="Cabin"/>
               </a:rPr>
               <a:t>python</a:t>
@@ -34492,13 +34432,13 @@
               <a:buNone/>
             </a:pPr>
             <a:r>
-              <a:rPr lang="en-US" sz="3600" b="0" i="0" u="none" strike="noStrike" cap="none">
+              <a:rPr lang="en-US" sz="3600" u="none" strike="noStrike" cap="none">
                 <a:solidFill>
                   <a:schemeClr val="lt1"/>
                 </a:solidFill>
-                <a:latin typeface="Cabin"/>
-                <a:ea typeface="Cabin"/>
-                <a:cs typeface="Cabin"/>
+                <a:latin typeface="Arial" charset="0"/>
+                <a:ea typeface="Arial" charset="0"/>
+                <a:cs typeface="Arial" charset="0"/>
                 <a:sym typeface="Cabin"/>
               </a:rPr>
               <a:t>Python 2.5 (r25:51918, Sep 19 2006, 08:49:13) </a:t>
@@ -34523,13 +34463,13 @@
               <a:buNone/>
             </a:pPr>
             <a:r>
-              <a:rPr lang="en-US" sz="3600" b="0" i="0" u="none" strike="noStrike" cap="none">
+              <a:rPr lang="en-US" sz="3600" u="none" strike="noStrike" cap="none">
                 <a:solidFill>
                   <a:schemeClr val="lt1"/>
                 </a:solidFill>
-                <a:latin typeface="Cabin"/>
-                <a:ea typeface="Cabin"/>
-                <a:cs typeface="Cabin"/>
+                <a:latin typeface="Arial" charset="0"/>
+                <a:ea typeface="Arial" charset="0"/>
+                <a:cs typeface="Arial" charset="0"/>
                 <a:sym typeface="Cabin"/>
               </a:rPr>
               <a:t>[GCC 4.0.1 (Apple Computer, Inc. build 5341)] on darwin</a:t>
@@ -34554,13 +34494,13 @@
               <a:buNone/>
             </a:pPr>
             <a:r>
-              <a:rPr lang="en-US" sz="3600" b="0" i="0" u="none" strike="noStrike" cap="none">
+              <a:rPr lang="en-US" sz="3600" u="none" strike="noStrike" cap="none">
                 <a:solidFill>
                   <a:schemeClr val="lt1"/>
                 </a:solidFill>
-                <a:latin typeface="Cabin"/>
-                <a:ea typeface="Cabin"/>
-                <a:cs typeface="Cabin"/>
+                <a:latin typeface="Arial" charset="0"/>
+                <a:ea typeface="Arial" charset="0"/>
+                <a:cs typeface="Arial" charset="0"/>
                 <a:sym typeface="Cabin"/>
               </a:rPr>
               <a:t>Type "help", "copyright", "credits" or "license" for more information.</a:t>
@@ -34585,25 +34525,25 @@
               <a:buNone/>
             </a:pPr>
             <a:r>
-              <a:rPr lang="en-US" sz="3600" b="0" i="0" u="none" strike="noStrike" cap="none">
+              <a:rPr lang="en-US" sz="3600" u="none" strike="noStrike" cap="none">
                 <a:solidFill>
                   <a:schemeClr val="lt1"/>
                 </a:solidFill>
-                <a:latin typeface="Cabin"/>
-                <a:ea typeface="Cabin"/>
-                <a:cs typeface="Cabin"/>
+                <a:latin typeface="Arial" charset="0"/>
+                <a:ea typeface="Arial" charset="0"/>
+                <a:cs typeface="Arial" charset="0"/>
                 <a:sym typeface="Cabin"/>
               </a:rPr>
               <a:t>&gt;&gt;&gt; </a:t>
             </a:r>
             <a:r>
-              <a:rPr lang="en-US" sz="3600" b="0" i="0" u="none" strike="noStrike" cap="none">
+              <a:rPr lang="en-US" sz="3600" u="none" strike="noStrike" cap="none">
                 <a:solidFill>
                   <a:srgbClr val="FFFF00"/>
                 </a:solidFill>
-                <a:latin typeface="Cabin"/>
-                <a:ea typeface="Cabin"/>
-                <a:cs typeface="Cabin"/>
+                <a:latin typeface="Arial" charset="0"/>
+                <a:ea typeface="Arial" charset="0"/>
+                <a:cs typeface="Arial" charset="0"/>
                 <a:sym typeface="Cabin"/>
               </a:rPr>
               <a:t>x = 1</a:t>
@@ -34628,25 +34568,25 @@
               <a:buNone/>
             </a:pPr>
             <a:r>
-              <a:rPr lang="en-US" sz="3600" b="0" i="0" u="none" strike="noStrike" cap="none">
+              <a:rPr lang="en-US" sz="3600" u="none" strike="noStrike" cap="none">
                 <a:solidFill>
                   <a:schemeClr val="lt1"/>
                 </a:solidFill>
-                <a:latin typeface="Cabin"/>
-                <a:ea typeface="Cabin"/>
-                <a:cs typeface="Cabin"/>
+                <a:latin typeface="Arial" charset="0"/>
+                <a:ea typeface="Arial" charset="0"/>
+                <a:cs typeface="Arial" charset="0"/>
                 <a:sym typeface="Cabin"/>
               </a:rPr>
               <a:t>&gt;&gt;&gt; </a:t>
             </a:r>
             <a:r>
-              <a:rPr lang="en-US" sz="3600" b="0" i="0" u="none" strike="noStrike" cap="none">
+              <a:rPr lang="en-US" sz="3600" u="none" strike="noStrike" cap="none">
                 <a:solidFill>
                   <a:srgbClr val="FFFF00"/>
                 </a:solidFill>
-                <a:latin typeface="Cabin"/>
-                <a:ea typeface="Cabin"/>
-                <a:cs typeface="Cabin"/>
+                <a:latin typeface="Arial" charset="0"/>
+                <a:ea typeface="Arial" charset="0"/>
+                <a:cs typeface="Arial" charset="0"/>
                 <a:sym typeface="Cabin"/>
               </a:rPr>
               <a:t>print x</a:t>
@@ -34671,13 +34611,13 @@
               <a:buNone/>
             </a:pPr>
             <a:r>
-              <a:rPr lang="en-US" sz="3600" b="0" i="0" u="none" strike="noStrike" cap="none">
+              <a:rPr lang="en-US" sz="3600" u="none" strike="noStrike" cap="none">
                 <a:solidFill>
                   <a:schemeClr val="lt1"/>
                 </a:solidFill>
-                <a:latin typeface="Cabin"/>
-                <a:ea typeface="Cabin"/>
-                <a:cs typeface="Cabin"/>
+                <a:latin typeface="Arial" charset="0"/>
+                <a:ea typeface="Arial" charset="0"/>
+                <a:cs typeface="Arial" charset="0"/>
                 <a:sym typeface="Cabin"/>
               </a:rPr>
               <a:t>1</a:t>
@@ -34702,25 +34642,25 @@
               <a:buNone/>
             </a:pPr>
             <a:r>
-              <a:rPr lang="en-US" sz="3600" b="0" i="0" u="none" strike="noStrike" cap="none">
+              <a:rPr lang="en-US" sz="3600" u="none" strike="noStrike" cap="none">
                 <a:solidFill>
                   <a:schemeClr val="lt1"/>
                 </a:solidFill>
-                <a:latin typeface="Cabin"/>
-                <a:ea typeface="Cabin"/>
-                <a:cs typeface="Cabin"/>
+                <a:latin typeface="Arial" charset="0"/>
+                <a:ea typeface="Arial" charset="0"/>
+                <a:cs typeface="Arial" charset="0"/>
                 <a:sym typeface="Cabin"/>
               </a:rPr>
               <a:t>&gt;&gt;&gt; </a:t>
             </a:r>
             <a:r>
-              <a:rPr lang="en-US" sz="3600" b="0" i="0" u="none" strike="noStrike" cap="none">
+              <a:rPr lang="en-US" sz="3600" u="none" strike="noStrike" cap="none">
                 <a:solidFill>
                   <a:srgbClr val="FFFF00"/>
                 </a:solidFill>
-                <a:latin typeface="Cabin"/>
-                <a:ea typeface="Cabin"/>
-                <a:cs typeface="Cabin"/>
+                <a:latin typeface="Arial" charset="0"/>
+                <a:ea typeface="Arial" charset="0"/>
+                <a:cs typeface="Arial" charset="0"/>
                 <a:sym typeface="Cabin"/>
               </a:rPr>
               <a:t>x = x + 1</a:t>
@@ -34745,37 +34685,37 @@
               <a:buNone/>
             </a:pPr>
             <a:r>
-              <a:rPr lang="en-US" sz="3600" b="0" i="0" u="none" strike="noStrike" cap="none">
+              <a:rPr lang="en-US" sz="3600" u="none" strike="noStrike" cap="none">
                 <a:solidFill>
                   <a:schemeClr val="lt1"/>
                 </a:solidFill>
-                <a:latin typeface="Cabin"/>
-                <a:ea typeface="Cabin"/>
-                <a:cs typeface="Cabin"/>
+                <a:latin typeface="Arial" charset="0"/>
+                <a:ea typeface="Arial" charset="0"/>
+                <a:cs typeface="Arial" charset="0"/>
                 <a:sym typeface="Cabin"/>
               </a:rPr>
               <a:t>&gt;&gt;&gt;</a:t>
             </a:r>
             <a:r>
-              <a:rPr lang="en-US" sz="3600" b="0" i="0" u="none" strike="noStrike" cap="none">
+              <a:rPr lang="en-US" sz="3600" u="none" strike="noStrike" cap="none">
                 <a:solidFill>
                   <a:srgbClr val="FF7F00"/>
                 </a:solidFill>
-                <a:latin typeface="Cabin"/>
-                <a:ea typeface="Cabin"/>
-                <a:cs typeface="Cabin"/>
+                <a:latin typeface="Arial" charset="0"/>
+                <a:ea typeface="Arial" charset="0"/>
+                <a:cs typeface="Arial" charset="0"/>
                 <a:sym typeface="Cabin"/>
               </a:rPr>
               <a:t> </a:t>
             </a:r>
             <a:r>
-              <a:rPr lang="en-US" sz="3600" b="0" i="0" u="none" strike="noStrike" cap="none">
+              <a:rPr lang="en-US" sz="3600" u="none" strike="noStrike" cap="none">
                 <a:solidFill>
                   <a:srgbClr val="FFFF00"/>
                 </a:solidFill>
-                <a:latin typeface="Cabin"/>
-                <a:ea typeface="Cabin"/>
-                <a:cs typeface="Cabin"/>
+                <a:latin typeface="Arial" charset="0"/>
+                <a:ea typeface="Arial" charset="0"/>
+                <a:cs typeface="Arial" charset="0"/>
                 <a:sym typeface="Cabin"/>
               </a:rPr>
               <a:t>print x</a:t>
@@ -34800,13 +34740,13 @@
               <a:buNone/>
             </a:pPr>
             <a:r>
-              <a:rPr lang="en-US" sz="3600" b="0" i="0" u="none" strike="noStrike" cap="none">
+              <a:rPr lang="en-US" sz="3600" u="none" strike="noStrike" cap="none">
                 <a:solidFill>
                   <a:schemeClr val="lt1"/>
                 </a:solidFill>
-                <a:latin typeface="Cabin"/>
-                <a:ea typeface="Cabin"/>
-                <a:cs typeface="Cabin"/>
+                <a:latin typeface="Arial" charset="0"/>
+                <a:ea typeface="Arial" charset="0"/>
+                <a:cs typeface="Arial" charset="0"/>
                 <a:sym typeface="Cabin"/>
               </a:rPr>
               <a:t>2</a:t>
@@ -34831,25 +34771,25 @@
               <a:buNone/>
             </a:pPr>
             <a:r>
-              <a:rPr lang="en-US" sz="3600" b="0" i="0" u="none" strike="noStrike" cap="none">
+              <a:rPr lang="en-US" sz="3600" u="none" strike="noStrike" cap="none">
                 <a:solidFill>
                   <a:schemeClr val="lt1"/>
                 </a:solidFill>
-                <a:latin typeface="Cabin"/>
-                <a:ea typeface="Cabin"/>
-                <a:cs typeface="Cabin"/>
+                <a:latin typeface="Arial" charset="0"/>
+                <a:ea typeface="Arial" charset="0"/>
+                <a:cs typeface="Arial" charset="0"/>
                 <a:sym typeface="Cabin"/>
               </a:rPr>
               <a:t>&gt;&gt;&gt; </a:t>
             </a:r>
             <a:r>
-              <a:rPr lang="en-US" sz="3600" b="0" i="0" u="none" strike="noStrike" cap="none">
+              <a:rPr lang="en-US" sz="3600" u="none" strike="noStrike" cap="none">
                 <a:solidFill>
                   <a:srgbClr val="FFFF00"/>
                 </a:solidFill>
-                <a:latin typeface="Cabin"/>
-                <a:ea typeface="Cabin"/>
-                <a:cs typeface="Cabin"/>
+                <a:latin typeface="Arial" charset="0"/>
+                <a:ea typeface="Arial" charset="0"/>
+                <a:cs typeface="Arial" charset="0"/>
                 <a:sym typeface="Cabin"/>
               </a:rPr>
               <a:t>exit()</a:t>
@@ -34900,13 +34840,13 @@
               <a:buNone/>
             </a:pPr>
             <a:r>
-              <a:rPr lang="en-US" sz="3600" i="0" u="none" strike="noStrike" cap="none">
+              <a:rPr lang="en-US" sz="3600" u="none" strike="noStrike" cap="none">
                 <a:solidFill>
                   <a:srgbClr val="FFFF00"/>
                 </a:solidFill>
-                <a:latin typeface="Cabin"/>
-                <a:ea typeface="Cabin"/>
-                <a:cs typeface="Cabin"/>
+                <a:latin typeface="Arial" charset="0"/>
+                <a:ea typeface="Arial" charset="0"/>
+                <a:cs typeface="Arial" charset="0"/>
                 <a:sym typeface="Cabin"/>
               </a:rPr>
               <a:t>This is a good test to make sure that you have Python correctly installed.  Note that quit() also works to end the interactive session.</a:t>
@@ -34986,13 +34926,13 @@
               <a:buNone/>
             </a:pPr>
             <a:r>
-              <a:rPr lang="en-US" sz="7200" b="0" i="0" u="none" strike="noStrike" cap="none">
+              <a:rPr lang="en-US" sz="7200" u="none" strike="noStrike" cap="none">
                 <a:solidFill>
                   <a:srgbClr val="FFFF00"/>
                 </a:solidFill>
-                <a:latin typeface="Cabin"/>
-                <a:ea typeface="Cabin"/>
-                <a:cs typeface="Cabin"/>
+                <a:latin typeface="Arial" charset="0"/>
+                <a:ea typeface="Arial" charset="0"/>
+                <a:cs typeface="Arial" charset="0"/>
                 <a:sym typeface="Cabin"/>
               </a:rPr>
               <a:t>Programmers Anticipate Needs</a:t>
@@ -35047,13 +34987,13 @@
               <a:buChar char="•"/>
             </a:pPr>
             <a:r>
-              <a:rPr lang="en-US" sz="3200" b="0" i="0" u="none" strike="noStrike" cap="none">
+              <a:rPr lang="en-US" sz="3200" u="none" strike="noStrike" cap="none">
                 <a:solidFill>
                   <a:schemeClr val="lt1"/>
                 </a:solidFill>
-                <a:latin typeface="Cabin"/>
-                <a:ea typeface="Cabin"/>
-                <a:cs typeface="Cabin"/>
+                <a:latin typeface="Arial" charset="0"/>
+                <a:ea typeface="Arial" charset="0"/>
+                <a:cs typeface="Arial" charset="0"/>
                 <a:sym typeface="Cabin"/>
               </a:rPr>
               <a:t>iPhone Applications are a market</a:t>
@@ -35078,13 +35018,13 @@
               <a:buChar char="•"/>
             </a:pPr>
             <a:r>
-              <a:rPr lang="en-US" sz="3200" b="0" i="0" u="none" strike="noStrike" cap="none">
+              <a:rPr lang="en-US" sz="3200" u="none" strike="noStrike" cap="none">
                 <a:solidFill>
                   <a:schemeClr val="lt1"/>
                 </a:solidFill>
-                <a:latin typeface="Cabin"/>
-                <a:ea typeface="Cabin"/>
-                <a:cs typeface="Cabin"/>
+                <a:latin typeface="Arial" charset="0"/>
+                <a:ea typeface="Arial" charset="0"/>
+                <a:cs typeface="Arial" charset="0"/>
                 <a:sym typeface="Cabin"/>
               </a:rPr>
               <a:t>iPhone Applications have over 3 Billion downloads</a:t>
@@ -35109,13 +35049,13 @@
               <a:buChar char="•"/>
             </a:pPr>
             <a:r>
-              <a:rPr lang="en-US" sz="3200" b="0" i="0" u="none" strike="noStrike" cap="none">
+              <a:rPr lang="en-US" sz="3200" u="none" strike="noStrike" cap="none">
                 <a:solidFill>
                   <a:schemeClr val="lt1"/>
                 </a:solidFill>
-                <a:latin typeface="Cabin"/>
-                <a:ea typeface="Cabin"/>
-                <a:cs typeface="Cabin"/>
+                <a:latin typeface="Arial" charset="0"/>
+                <a:ea typeface="Arial" charset="0"/>
+                <a:cs typeface="Arial" charset="0"/>
                 <a:sym typeface="Cabin"/>
               </a:rPr>
               <a:t>Programmers have left their jobs to be full-time iPhone developers</a:t>
@@ -35140,25 +35080,25 @@
               <a:buChar char="•"/>
             </a:pPr>
             <a:r>
-              <a:rPr lang="en-US" sz="3200" b="0" i="0" u="none" strike="noStrike" cap="none">
+              <a:rPr lang="en-US" sz="3200" u="none" strike="noStrike" cap="none">
                 <a:solidFill>
                   <a:schemeClr val="lt1"/>
                 </a:solidFill>
-                <a:latin typeface="Cabin"/>
-                <a:ea typeface="Cabin"/>
-                <a:cs typeface="Cabin"/>
+                <a:latin typeface="Arial" charset="0"/>
+                <a:ea typeface="Arial" charset="0"/>
+                <a:cs typeface="Arial" charset="0"/>
                 <a:sym typeface="Cabin"/>
               </a:rPr>
               <a:t>Programmers know the </a:t>
             </a:r>
             <a:r>
-              <a:rPr lang="en-US" sz="3200" b="0" i="0" u="none" strike="noStrike" cap="none">
+              <a:rPr lang="en-US" sz="3200" u="none" strike="noStrike" cap="none">
                 <a:solidFill>
                   <a:srgbClr val="00FF00"/>
                 </a:solidFill>
-                <a:latin typeface="Cabin"/>
-                <a:ea typeface="Cabin"/>
-                <a:cs typeface="Cabin"/>
+                <a:latin typeface="Arial" charset="0"/>
+                <a:ea typeface="Arial" charset="0"/>
+                <a:cs typeface="Arial" charset="0"/>
                 <a:sym typeface="Cabin"/>
               </a:rPr>
               <a:t>ways of the program</a:t>
@@ -35260,13 +35200,13 @@
               <a:buNone/>
             </a:pPr>
             <a:r>
-              <a:rPr lang="en-US" sz="2600" b="0" i="0" u="none" strike="noStrike" cap="none">
+              <a:rPr lang="en-US" sz="2600" u="none" strike="noStrike" cap="none">
                 <a:solidFill>
                   <a:srgbClr val="000000"/>
                 </a:solidFill>
-                <a:latin typeface="Cabin"/>
-                <a:ea typeface="Cabin"/>
-                <a:cs typeface="Cabin"/>
+                <a:latin typeface="Arial" charset="0"/>
+                <a:ea typeface="Arial" charset="0"/>
+                <a:cs typeface="Arial" charset="0"/>
                 <a:sym typeface="Cabin"/>
               </a:rPr>
               <a:t>Pick</a:t>
@@ -35291,13 +35231,13 @@
               <a:buNone/>
             </a:pPr>
             <a:r>
-              <a:rPr lang="en-US" sz="2600" b="0" i="0" u="none" strike="noStrike" cap="none">
+              <a:rPr lang="en-US" sz="2600" u="none" strike="noStrike" cap="none">
                 <a:solidFill>
                   <a:srgbClr val="000000"/>
                 </a:solidFill>
-                <a:latin typeface="Cabin"/>
-                <a:ea typeface="Cabin"/>
-                <a:cs typeface="Cabin"/>
+                <a:latin typeface="Arial" charset="0"/>
+                <a:ea typeface="Arial" charset="0"/>
+                <a:cs typeface="Arial" charset="0"/>
                 <a:sym typeface="Cabin"/>
               </a:rPr>
               <a:t>Me!</a:t>
@@ -35352,13 +35292,13 @@
               <a:buNone/>
             </a:pPr>
             <a:r>
-              <a:rPr lang="en-US" sz="2600" b="0" i="0" u="none" strike="noStrike" cap="none">
+              <a:rPr lang="en-US" sz="2600" u="none" strike="noStrike" cap="none">
                 <a:solidFill>
                   <a:srgbClr val="000000"/>
                 </a:solidFill>
-                <a:latin typeface="Cabin"/>
-                <a:ea typeface="Cabin"/>
-                <a:cs typeface="Cabin"/>
+                <a:latin typeface="Arial" charset="0"/>
+                <a:ea typeface="Arial" charset="0"/>
+                <a:cs typeface="Arial" charset="0"/>
                 <a:sym typeface="Cabin"/>
               </a:rPr>
               <a:t>Pick</a:t>
@@ -35383,13 +35323,13 @@
               <a:buNone/>
             </a:pPr>
             <a:r>
-              <a:rPr lang="en-US" sz="2600" b="0" i="0" u="none" strike="noStrike" cap="none">
+              <a:rPr lang="en-US" sz="2600" u="none" strike="noStrike" cap="none">
                 <a:solidFill>
                   <a:srgbClr val="000000"/>
                 </a:solidFill>
-                <a:latin typeface="Cabin"/>
-                <a:ea typeface="Cabin"/>
-                <a:cs typeface="Cabin"/>
+                <a:latin typeface="Arial" charset="0"/>
+                <a:ea typeface="Arial" charset="0"/>
+                <a:cs typeface="Arial" charset="0"/>
                 <a:sym typeface="Cabin"/>
               </a:rPr>
               <a:t>Me!</a:t>
@@ -35444,13 +35384,13 @@
               <a:buNone/>
             </a:pPr>
             <a:r>
-              <a:rPr lang="en-US" sz="2600" b="0" i="0" u="none" strike="noStrike" cap="none">
+              <a:rPr lang="en-US" sz="2600" u="none" strike="noStrike" cap="none">
                 <a:solidFill>
                   <a:srgbClr val="000000"/>
                 </a:solidFill>
-                <a:latin typeface="Cabin"/>
-                <a:ea typeface="Cabin"/>
-                <a:cs typeface="Cabin"/>
+                <a:latin typeface="Arial" charset="0"/>
+                <a:ea typeface="Arial" charset="0"/>
+                <a:cs typeface="Arial" charset="0"/>
                 <a:sym typeface="Cabin"/>
               </a:rPr>
               <a:t>Pick</a:t>
@@ -35475,13 +35415,13 @@
               <a:buNone/>
             </a:pPr>
             <a:r>
-              <a:rPr lang="en-US" sz="2600" b="0" i="0" u="none" strike="noStrike" cap="none">
+              <a:rPr lang="en-US" sz="2600" u="none" strike="noStrike" cap="none">
                 <a:solidFill>
                   <a:srgbClr val="000000"/>
                 </a:solidFill>
-                <a:latin typeface="Cabin"/>
-                <a:ea typeface="Cabin"/>
-                <a:cs typeface="Cabin"/>
+                <a:latin typeface="Arial" charset="0"/>
+                <a:ea typeface="Arial" charset="0"/>
+                <a:cs typeface="Arial" charset="0"/>
                 <a:sym typeface="Cabin"/>
               </a:rPr>
               <a:t>Me!</a:t>
@@ -35536,13 +35476,13 @@
               <a:buNone/>
             </a:pPr>
             <a:r>
-              <a:rPr lang="en-US" sz="2600" b="0" i="0" u="none" strike="noStrike" cap="none">
+              <a:rPr lang="en-US" sz="2600" u="none" strike="noStrike" cap="none">
                 <a:solidFill>
                   <a:srgbClr val="000000"/>
                 </a:solidFill>
-                <a:latin typeface="Cabin"/>
-                <a:ea typeface="Cabin"/>
-                <a:cs typeface="Cabin"/>
+                <a:latin typeface="Arial" charset="0"/>
+                <a:ea typeface="Arial" charset="0"/>
+                <a:cs typeface="Arial" charset="0"/>
                 <a:sym typeface="Cabin"/>
               </a:rPr>
               <a:t>Pick</a:t>
@@ -35567,13 +35507,13 @@
               <a:buNone/>
             </a:pPr>
             <a:r>
-              <a:rPr lang="en-US" sz="2600" b="0" i="0" u="none" strike="noStrike" cap="none">
+              <a:rPr lang="en-US" sz="2600" u="none" strike="noStrike" cap="none">
                 <a:solidFill>
                   <a:srgbClr val="000000"/>
                 </a:solidFill>
-                <a:latin typeface="Cabin"/>
-                <a:ea typeface="Cabin"/>
-                <a:cs typeface="Cabin"/>
+                <a:latin typeface="Arial" charset="0"/>
+                <a:ea typeface="Arial" charset="0"/>
+                <a:cs typeface="Arial" charset="0"/>
                 <a:sym typeface="Cabin"/>
               </a:rPr>
               <a:t>Me!</a:t>
@@ -35628,13 +35568,13 @@
               <a:buNone/>
             </a:pPr>
             <a:r>
-              <a:rPr lang="en-US" sz="2600" b="0" i="0" u="none" strike="noStrike" cap="none">
+              <a:rPr lang="en-US" sz="2600" u="none" strike="noStrike" cap="none">
                 <a:solidFill>
                   <a:srgbClr val="000000"/>
                 </a:solidFill>
-                <a:latin typeface="Cabin"/>
-                <a:ea typeface="Cabin"/>
-                <a:cs typeface="Cabin"/>
+                <a:latin typeface="Arial" charset="0"/>
+                <a:ea typeface="Arial" charset="0"/>
+                <a:cs typeface="Arial" charset="0"/>
                 <a:sym typeface="Cabin"/>
               </a:rPr>
               <a:t>Pay</a:t>
@@ -35659,13 +35599,13 @@
               <a:buNone/>
             </a:pPr>
             <a:r>
-              <a:rPr lang="en-US" sz="2600" b="0" i="0" u="none" strike="noStrike" cap="none">
+              <a:rPr lang="en-US" sz="2600" u="none" strike="noStrike" cap="none">
                 <a:solidFill>
                   <a:srgbClr val="000000"/>
                 </a:solidFill>
-                <a:latin typeface="Cabin"/>
-                <a:ea typeface="Cabin"/>
-                <a:cs typeface="Cabin"/>
+                <a:latin typeface="Arial" charset="0"/>
+                <a:ea typeface="Arial" charset="0"/>
+                <a:cs typeface="Arial" charset="0"/>
                 <a:sym typeface="Cabin"/>
               </a:rPr>
               <a:t>Me!</a:t>
@@ -35720,13 +35660,13 @@
               <a:buNone/>
             </a:pPr>
             <a:r>
-              <a:rPr lang="en-US" sz="2600" b="0" i="0" u="none" strike="noStrike" cap="none">
+              <a:rPr lang="en-US" sz="2600" u="none" strike="noStrike" cap="none">
                 <a:solidFill>
                   <a:srgbClr val="000000"/>
                 </a:solidFill>
-                <a:latin typeface="Cabin"/>
-                <a:ea typeface="Cabin"/>
-                <a:cs typeface="Cabin"/>
+                <a:latin typeface="Arial" charset="0"/>
+                <a:ea typeface="Arial" charset="0"/>
+                <a:cs typeface="Arial" charset="0"/>
                 <a:sym typeface="Cabin"/>
               </a:rPr>
               <a:t>Pick</a:t>
@@ -35751,13 +35691,13 @@
               <a:buNone/>
             </a:pPr>
             <a:r>
-              <a:rPr lang="en-US" sz="2600" b="0" i="0" u="none" strike="noStrike" cap="none">
+              <a:rPr lang="en-US" sz="2600" u="none" strike="noStrike" cap="none">
                 <a:solidFill>
                   <a:srgbClr val="000000"/>
                 </a:solidFill>
-                <a:latin typeface="Cabin"/>
-                <a:ea typeface="Cabin"/>
-                <a:cs typeface="Cabin"/>
+                <a:latin typeface="Arial" charset="0"/>
+                <a:ea typeface="Arial" charset="0"/>
+                <a:cs typeface="Arial" charset="0"/>
                 <a:sym typeface="Cabin"/>
               </a:rPr>
               <a:t>Me!</a:t>
@@ -36022,13 +35962,13 @@
               <a:buNone/>
             </a:pPr>
             <a:r>
-              <a:rPr lang="en-US" sz="7400" b="0" i="0" u="none" strike="noStrike" cap="none">
+              <a:rPr lang="en-US" sz="7400" u="none" strike="noStrike" cap="none">
                 <a:solidFill>
                   <a:srgbClr val="FFFF00"/>
                 </a:solidFill>
-                <a:latin typeface="Cabin"/>
-                <a:ea typeface="Cabin"/>
-                <a:cs typeface="Cabin"/>
+                <a:latin typeface="Arial" charset="0"/>
+                <a:ea typeface="Arial" charset="0"/>
+                <a:cs typeface="Arial" charset="0"/>
                 <a:sym typeface="Cabin"/>
               </a:rPr>
               <a:t>Let</a:t>
@@ -36038,21 +35978,21 @@
                 <a:solidFill>
                   <a:srgbClr val="FFFF00"/>
                 </a:solidFill>
-                <a:latin typeface="Cabin"/>
-                <a:ea typeface="Cabin"/>
-                <a:cs typeface="Cabin"/>
+                <a:latin typeface="Arial" charset="0"/>
+                <a:ea typeface="Arial" charset="0"/>
+                <a:cs typeface="Arial" charset="0"/>
                 <a:sym typeface="Cabin"/>
               </a:rPr>
               <a:t>’</a:t>
             </a:r>
             <a:r>
-              <a:rPr lang="en-US" sz="7400" b="0" i="0" u="none" strike="noStrike" cap="none">
+              <a:rPr lang="en-US" sz="7400" u="none" strike="noStrike" cap="none">
                 <a:solidFill>
                   <a:srgbClr val="FFFF00"/>
                 </a:solidFill>
-                <a:latin typeface="Cabin"/>
-                <a:ea typeface="Cabin"/>
-                <a:cs typeface="Cabin"/>
+                <a:latin typeface="Arial" charset="0"/>
+                <a:ea typeface="Arial" charset="0"/>
+                <a:cs typeface="Arial" charset="0"/>
                 <a:sym typeface="Cabin"/>
               </a:rPr>
               <a:t>s Talk to Python...</a:t>
@@ -36186,13 +36126,13 @@
               <a:buNone/>
             </a:pPr>
             <a:r>
-              <a:rPr lang="en-US" sz="7600" b="0" i="0" u="none" strike="noStrike" cap="none">
+              <a:rPr lang="en-US" sz="7600" u="none" strike="noStrike" cap="none">
                 <a:solidFill>
                   <a:srgbClr val="FFFF00"/>
                 </a:solidFill>
-                <a:latin typeface="Cabin"/>
-                <a:ea typeface="Cabin"/>
-                <a:cs typeface="Cabin"/>
+                <a:latin typeface="Arial" charset="0"/>
+                <a:ea typeface="Arial" charset="0"/>
+                <a:cs typeface="Arial" charset="0"/>
                 <a:sym typeface="Cabin"/>
               </a:rPr>
               <a:t>What </a:t>
@@ -36202,21 +36142,21 @@
                 <a:solidFill>
                   <a:srgbClr val="FFFF00"/>
                 </a:solidFill>
-                <a:latin typeface="Cabin"/>
-                <a:ea typeface="Cabin"/>
-                <a:cs typeface="Cabin"/>
+                <a:latin typeface="Arial" charset="0"/>
+                <a:ea typeface="Arial" charset="0"/>
+                <a:cs typeface="Arial" charset="0"/>
                 <a:sym typeface="Cabin"/>
               </a:rPr>
               <a:t>D</a:t>
             </a:r>
             <a:r>
-              <a:rPr lang="en-US" sz="7600" b="0" i="0" u="none" strike="noStrike" cap="none">
+              <a:rPr lang="en-US" sz="7600" u="none" strike="noStrike" cap="none">
                 <a:solidFill>
                   <a:srgbClr val="FFFF00"/>
                 </a:solidFill>
-                <a:latin typeface="Cabin"/>
-                <a:ea typeface="Cabin"/>
-                <a:cs typeface="Cabin"/>
+                <a:latin typeface="Arial" charset="0"/>
+                <a:ea typeface="Arial" charset="0"/>
+                <a:cs typeface="Arial" charset="0"/>
                 <a:sym typeface="Cabin"/>
               </a:rPr>
               <a:t>o </a:t>
@@ -36226,21 +36166,21 @@
                 <a:solidFill>
                   <a:srgbClr val="FFFF00"/>
                 </a:solidFill>
-                <a:latin typeface="Cabin"/>
-                <a:ea typeface="Cabin"/>
-                <a:cs typeface="Cabin"/>
+                <a:latin typeface="Arial" charset="0"/>
+                <a:ea typeface="Arial" charset="0"/>
+                <a:cs typeface="Arial" charset="0"/>
                 <a:sym typeface="Cabin"/>
               </a:rPr>
               <a:t>W</a:t>
             </a:r>
             <a:r>
-              <a:rPr lang="en-US" sz="7600" b="0" i="0" u="none" strike="noStrike" cap="none">
+              <a:rPr lang="en-US" sz="7600" u="none" strike="noStrike" cap="none">
                 <a:solidFill>
                   <a:srgbClr val="FFFF00"/>
                 </a:solidFill>
-                <a:latin typeface="Cabin"/>
-                <a:ea typeface="Cabin"/>
-                <a:cs typeface="Cabin"/>
+                <a:latin typeface="Arial" charset="0"/>
+                <a:ea typeface="Arial" charset="0"/>
+                <a:cs typeface="Arial" charset="0"/>
                 <a:sym typeface="Cabin"/>
               </a:rPr>
               <a:t>e Say?</a:t>
@@ -36320,13 +36260,13 @@
               <a:buNone/>
             </a:pPr>
             <a:r>
-              <a:rPr lang="en-US" sz="7600" b="0" i="0" u="none" strike="noStrike" cap="none">
+              <a:rPr lang="en-US" sz="7600" u="none" strike="noStrike" cap="none">
                 <a:solidFill>
                   <a:srgbClr val="FFFF00"/>
                 </a:solidFill>
-                <a:latin typeface="Cabin"/>
-                <a:ea typeface="Cabin"/>
-                <a:cs typeface="Cabin"/>
+                <a:latin typeface="Arial" charset="0"/>
+                <a:ea typeface="Arial" charset="0"/>
+                <a:cs typeface="Arial" charset="0"/>
                 <a:sym typeface="Cabin"/>
               </a:rPr>
               <a:t>Elements of Python</a:t>
@@ -36381,25 +36321,25 @@
               <a:buChar char="•"/>
             </a:pPr>
             <a:r>
-              <a:rPr lang="en-US" sz="3600" b="0" i="0" u="none" strike="noStrike" cap="none">
+              <a:rPr lang="en-US" sz="3600" u="none" strike="noStrike" cap="none">
                 <a:solidFill>
                   <a:srgbClr val="FFFF00"/>
                 </a:solidFill>
-                <a:latin typeface="Cabin"/>
-                <a:ea typeface="Cabin"/>
-                <a:cs typeface="Cabin"/>
+                <a:latin typeface="Arial" charset="0"/>
+                <a:ea typeface="Arial" charset="0"/>
+                <a:cs typeface="Arial" charset="0"/>
                 <a:sym typeface="Cabin"/>
               </a:rPr>
               <a:t>Vocabulary / Words</a:t>
             </a:r>
             <a:r>
-              <a:rPr lang="en-US" sz="3600" b="0" i="0" u="none" strike="noStrike" cap="none">
+              <a:rPr lang="en-US" sz="3600" u="none" strike="noStrike" cap="none">
                 <a:solidFill>
                   <a:schemeClr val="lt1"/>
                 </a:solidFill>
-                <a:latin typeface="Cabin"/>
-                <a:ea typeface="Cabin"/>
-                <a:cs typeface="Cabin"/>
+                <a:latin typeface="Arial" charset="0"/>
+                <a:ea typeface="Arial" charset="0"/>
+                <a:cs typeface="Arial" charset="0"/>
                 <a:sym typeface="Cabin"/>
               </a:rPr>
               <a:t> - Variables and Reserved words (Chapter 2)</a:t>
@@ -36424,25 +36364,25 @@
               <a:buChar char="•"/>
             </a:pPr>
             <a:r>
-              <a:rPr lang="en-US" sz="3600" b="0" i="0" u="none" strike="noStrike" cap="none">
+              <a:rPr lang="en-US" sz="3600" u="none" strike="noStrike" cap="none">
                 <a:solidFill>
                   <a:srgbClr val="FFFF00"/>
                 </a:solidFill>
-                <a:latin typeface="Cabin"/>
-                <a:ea typeface="Cabin"/>
-                <a:cs typeface="Cabin"/>
+                <a:latin typeface="Arial" charset="0"/>
+                <a:ea typeface="Arial" charset="0"/>
+                <a:cs typeface="Arial" charset="0"/>
                 <a:sym typeface="Cabin"/>
               </a:rPr>
               <a:t>Sentence structure</a:t>
             </a:r>
             <a:r>
-              <a:rPr lang="en-US" sz="3600" b="0" i="0" u="none" strike="noStrike" cap="none">
+              <a:rPr lang="en-US" sz="3600" u="none" strike="noStrike" cap="none">
                 <a:solidFill>
                   <a:schemeClr val="lt1"/>
                 </a:solidFill>
-                <a:latin typeface="Cabin"/>
-                <a:ea typeface="Cabin"/>
-                <a:cs typeface="Cabin"/>
+                <a:latin typeface="Arial" charset="0"/>
+                <a:ea typeface="Arial" charset="0"/>
+                <a:cs typeface="Arial" charset="0"/>
                 <a:sym typeface="Cabin"/>
               </a:rPr>
               <a:t> - valid syntax patterns (Chapters 3-5)</a:t>
@@ -36467,25 +36407,25 @@
               <a:buChar char="•"/>
             </a:pPr>
             <a:r>
-              <a:rPr lang="en-US" sz="3600" b="0" i="0" u="none" strike="noStrike" cap="none">
+              <a:rPr lang="en-US" sz="3600" u="none" strike="noStrike" cap="none">
                 <a:solidFill>
                   <a:srgbClr val="FFFF00"/>
                 </a:solidFill>
-                <a:latin typeface="Cabin"/>
-                <a:ea typeface="Cabin"/>
-                <a:cs typeface="Cabin"/>
+                <a:latin typeface="Arial" charset="0"/>
+                <a:ea typeface="Arial" charset="0"/>
+                <a:cs typeface="Arial" charset="0"/>
                 <a:sym typeface="Cabin"/>
               </a:rPr>
               <a:t>Story structure</a:t>
             </a:r>
             <a:r>
-              <a:rPr lang="en-US" sz="3600" b="0" i="0" u="none" strike="noStrike" cap="none">
+              <a:rPr lang="en-US" sz="3600" u="none" strike="noStrike" cap="none">
                 <a:solidFill>
                   <a:schemeClr val="lt1"/>
                 </a:solidFill>
-                <a:latin typeface="Cabin"/>
-                <a:ea typeface="Cabin"/>
-                <a:cs typeface="Cabin"/>
+                <a:latin typeface="Arial" charset="0"/>
+                <a:ea typeface="Arial" charset="0"/>
+                <a:cs typeface="Arial" charset="0"/>
                 <a:sym typeface="Cabin"/>
               </a:rPr>
               <a:t> - constructing a program for a purpose</a:t>
@@ -37077,21 +37017,21 @@
                 <a:solidFill>
                   <a:srgbClr val="FFFF00"/>
                 </a:solidFill>
-                <a:latin typeface="Cabin"/>
-                <a:ea typeface="Cabin"/>
-                <a:cs typeface="Cabin"/>
+                <a:latin typeface="Arial" charset="0"/>
+                <a:ea typeface="Arial" charset="0"/>
+                <a:cs typeface="Arial" charset="0"/>
                 <a:sym typeface="Cabin"/>
               </a:rPr>
               <a:t> </a:t>
             </a:r>
             <a:r>
-              <a:rPr lang="en-US" sz="3600" b="0" i="0" u="none" strike="noStrike" cap="none">
+              <a:rPr lang="en-US" sz="3600" u="none" strike="noStrike" cap="none">
                 <a:solidFill>
                   <a:srgbClr val="FFFF00"/>
                 </a:solidFill>
-                <a:latin typeface="Cabin"/>
-                <a:ea typeface="Cabin"/>
-                <a:cs typeface="Cabin"/>
+                <a:latin typeface="Arial" charset="0"/>
+                <a:ea typeface="Arial" charset="0"/>
+                <a:cs typeface="Arial" charset="0"/>
                 <a:sym typeface="Cabin"/>
               </a:rPr>
               <a:t>python words.py </a:t>
@@ -37120,21 +37060,21 @@
                 <a:solidFill>
                   <a:srgbClr val="FFFF00"/>
                 </a:solidFill>
-                <a:latin typeface="Cabin"/>
-                <a:ea typeface="Cabin"/>
-                <a:cs typeface="Cabin"/>
+                <a:latin typeface="Arial" charset="0"/>
+                <a:ea typeface="Arial" charset="0"/>
+                <a:cs typeface="Arial" charset="0"/>
                 <a:sym typeface="Cabin"/>
               </a:rPr>
               <a:t> </a:t>
             </a:r>
             <a:r>
-              <a:rPr lang="en-US" sz="3600" b="0" i="0" u="none" strike="noStrike" cap="none">
+              <a:rPr lang="en-US" sz="3600" u="none" strike="noStrike" cap="none">
                 <a:solidFill>
                   <a:srgbClr val="FFFF00"/>
                 </a:solidFill>
-                <a:latin typeface="Cabin"/>
-                <a:ea typeface="Cabin"/>
-                <a:cs typeface="Cabin"/>
+                <a:latin typeface="Arial" charset="0"/>
+                <a:ea typeface="Arial" charset="0"/>
+                <a:cs typeface="Arial" charset="0"/>
                 <a:sym typeface="Cabin"/>
               </a:rPr>
               <a:t>Enter file: words.txt</a:t>
@@ -37163,21 +37103,21 @@
                 <a:solidFill>
                   <a:srgbClr val="FFFF00"/>
                 </a:solidFill>
-                <a:latin typeface="Cabin"/>
-                <a:ea typeface="Cabin"/>
-                <a:cs typeface="Cabin"/>
+                <a:latin typeface="Arial" charset="0"/>
+                <a:ea typeface="Arial" charset="0"/>
+                <a:cs typeface="Arial" charset="0"/>
                 <a:sym typeface="Cabin"/>
               </a:rPr>
               <a:t> </a:t>
             </a:r>
             <a:r>
-              <a:rPr lang="en-US" sz="3600" b="0" i="0" u="none" strike="noStrike" cap="none">
+              <a:rPr lang="en-US" sz="3600" u="none" strike="noStrike" cap="none">
                 <a:solidFill>
                   <a:srgbClr val="FFFF00"/>
                 </a:solidFill>
-                <a:latin typeface="Cabin"/>
-                <a:ea typeface="Cabin"/>
-                <a:cs typeface="Cabin"/>
+                <a:latin typeface="Arial" charset="0"/>
+                <a:ea typeface="Arial" charset="0"/>
+                <a:cs typeface="Arial" charset="0"/>
                 <a:sym typeface="Cabin"/>
               </a:rPr>
               <a:t>to 16</a:t>
@@ -37228,13 +37168,13 @@
               <a:buNone/>
             </a:pPr>
             <a:r>
-              <a:rPr lang="en-US" sz="4300" b="0" i="0" u="none" strike="noStrike" cap="none">
+              <a:rPr lang="en-US" sz="4300" u="none" strike="noStrike" cap="none">
                 <a:solidFill>
                   <a:schemeClr val="lt1"/>
                 </a:solidFill>
-                <a:latin typeface="Cabin"/>
-                <a:ea typeface="Cabin"/>
-                <a:cs typeface="Cabin"/>
+                <a:latin typeface="Arial" charset="0"/>
+                <a:ea typeface="Arial" charset="0"/>
+                <a:cs typeface="Arial" charset="0"/>
                 <a:sym typeface="Cabin"/>
               </a:rPr>
               <a:t>A short </a:t>
@@ -37256,21 +37196,21 @@
                 <a:solidFill>
                   <a:schemeClr val="lt1"/>
                 </a:solidFill>
-                <a:latin typeface="Cabin"/>
-                <a:ea typeface="Cabin"/>
-                <a:cs typeface="Cabin"/>
+                <a:latin typeface="Arial" charset="0"/>
+                <a:ea typeface="Arial" charset="0"/>
+                <a:cs typeface="Arial" charset="0"/>
                 <a:sym typeface="Cabin"/>
               </a:rPr>
               <a:t>s</a:t>
             </a:r>
             <a:r>
-              <a:rPr lang="en-US" sz="4300" b="0" i="0" u="none" strike="noStrike" cap="none">
+              <a:rPr lang="en-US" sz="4300" u="none" strike="noStrike" cap="none">
                 <a:solidFill>
                   <a:schemeClr val="lt1"/>
                 </a:solidFill>
-                <a:latin typeface="Cabin"/>
-                <a:ea typeface="Cabin"/>
-                <a:cs typeface="Cabin"/>
+                <a:latin typeface="Arial" charset="0"/>
+                <a:ea typeface="Arial" charset="0"/>
+                <a:cs typeface="Arial" charset="0"/>
                 <a:sym typeface="Cabin"/>
               </a:rPr>
               <a:t>tory</a:t>
@@ -37288,13 +37228,13 @@
               <a:t>”</a:t>
             </a:r>
             <a:r>
-              <a:rPr lang="en-US" sz="4300" b="0" i="0" u="none" strike="noStrike" cap="none">
+              <a:rPr lang="en-US" sz="4300" u="none" strike="noStrike" cap="none">
                 <a:solidFill>
                   <a:schemeClr val="lt1"/>
                 </a:solidFill>
-                <a:latin typeface="Cabin"/>
-                <a:ea typeface="Cabin"/>
-                <a:cs typeface="Cabin"/>
+                <a:latin typeface="Arial" charset="0"/>
+                <a:ea typeface="Arial" charset="0"/>
+                <a:cs typeface="Arial" charset="0"/>
                 <a:sym typeface="Cabin"/>
               </a:rPr>
               <a:t> about how to count words in a file in Python</a:t>
@@ -37374,13 +37314,13 @@
               <a:buNone/>
             </a:pPr>
             <a:r>
-              <a:rPr lang="en-US" sz="7600" b="0" i="0" u="none" strike="noStrike" cap="none">
+              <a:rPr lang="en-US" sz="7600" u="none" strike="noStrike" cap="none">
                 <a:solidFill>
                   <a:srgbClr val="FFFF00"/>
                 </a:solidFill>
-                <a:latin typeface="Cabin"/>
-                <a:ea typeface="Cabin"/>
-                <a:cs typeface="Cabin"/>
+                <a:latin typeface="Arial" charset="0"/>
+                <a:ea typeface="Arial" charset="0"/>
+                <a:cs typeface="Arial" charset="0"/>
                 <a:sym typeface="Cabin"/>
               </a:rPr>
               <a:t>Reserved Words</a:t>
@@ -37435,85 +37375,85 @@
               <a:buChar char="•"/>
             </a:pPr>
             <a:r>
-              <a:rPr lang="en-US" sz="3600" b="0" i="0" u="none" strike="noStrike" cap="none">
+              <a:rPr lang="en-US" sz="3600" u="none" strike="noStrike" cap="none">
                 <a:solidFill>
                   <a:schemeClr val="lt1"/>
                 </a:solidFill>
-                <a:latin typeface="Cabin"/>
-                <a:ea typeface="Cabin"/>
-                <a:cs typeface="Cabin"/>
+                <a:latin typeface="Arial" charset="0"/>
+                <a:ea typeface="Arial" charset="0"/>
+                <a:cs typeface="Arial" charset="0"/>
                 <a:sym typeface="Cabin"/>
               </a:rPr>
               <a:t>You</a:t>
             </a:r>
             <a:r>
-              <a:rPr lang="en-US" sz="3600" b="0" i="0" u="none" strike="noStrike" cap="none">
+              <a:rPr lang="en-US" sz="3600" u="none" strike="noStrike" cap="none">
                 <a:solidFill>
                   <a:srgbClr val="FFFF00"/>
                 </a:solidFill>
-                <a:latin typeface="Cabin"/>
-                <a:ea typeface="Cabin"/>
-                <a:cs typeface="Cabin"/>
+                <a:latin typeface="Arial" charset="0"/>
+                <a:ea typeface="Arial" charset="0"/>
+                <a:cs typeface="Arial" charset="0"/>
                 <a:sym typeface="Cabin"/>
               </a:rPr>
               <a:t> </a:t>
             </a:r>
             <a:r>
-              <a:rPr lang="en-US" sz="3600" b="0" i="0" u="none" strike="noStrike" cap="none">
+              <a:rPr lang="en-US" sz="3600" u="none" strike="noStrike" cap="none">
                 <a:solidFill>
                   <a:schemeClr val="lt1"/>
                 </a:solidFill>
-                <a:latin typeface="Cabin"/>
-                <a:ea typeface="Cabin"/>
-                <a:cs typeface="Cabin"/>
+                <a:latin typeface="Arial" charset="0"/>
+                <a:ea typeface="Arial" charset="0"/>
+                <a:cs typeface="Arial" charset="0"/>
                 <a:sym typeface="Cabin"/>
               </a:rPr>
               <a:t>cannot</a:t>
             </a:r>
             <a:r>
-              <a:rPr lang="en-US" sz="3600" b="0" i="0" u="none" strike="noStrike" cap="none">
+              <a:rPr lang="en-US" sz="3600" u="none" strike="noStrike" cap="none">
                 <a:solidFill>
                   <a:srgbClr val="FFFF00"/>
                 </a:solidFill>
-                <a:latin typeface="Cabin"/>
-                <a:ea typeface="Cabin"/>
-                <a:cs typeface="Cabin"/>
+                <a:latin typeface="Arial" charset="0"/>
+                <a:ea typeface="Arial" charset="0"/>
+                <a:cs typeface="Arial" charset="0"/>
                 <a:sym typeface="Cabin"/>
               </a:rPr>
               <a:t> </a:t>
             </a:r>
             <a:r>
-              <a:rPr lang="en-US" sz="3600" b="0" i="0" u="none" strike="noStrike" cap="none">
+              <a:rPr lang="en-US" sz="3600" u="none" strike="noStrike" cap="none">
                 <a:solidFill>
                   <a:schemeClr val="lt1"/>
                 </a:solidFill>
-                <a:latin typeface="Cabin"/>
-                <a:ea typeface="Cabin"/>
-                <a:cs typeface="Cabin"/>
+                <a:latin typeface="Arial" charset="0"/>
+                <a:ea typeface="Arial" charset="0"/>
+                <a:cs typeface="Arial" charset="0"/>
                 <a:sym typeface="Cabin"/>
               </a:rPr>
               <a:t>use </a:t>
             </a:r>
             <a:r>
-              <a:rPr lang="en-US" sz="3600" b="0" i="0" u="none" strike="noStrike" cap="none">
+              <a:rPr lang="en-US" sz="3600" u="none" strike="noStrike" cap="none">
                 <a:solidFill>
                   <a:srgbClr val="FFFF00"/>
                 </a:solidFill>
-                <a:latin typeface="Cabin"/>
-                <a:ea typeface="Cabin"/>
-                <a:cs typeface="Cabin"/>
+                <a:latin typeface="Arial" charset="0"/>
+                <a:ea typeface="Arial" charset="0"/>
+                <a:cs typeface="Arial" charset="0"/>
                 <a:sym typeface="Cabin"/>
               </a:rPr>
               <a:t>reserved words</a:t>
             </a:r>
             <a:r>
-              <a:rPr lang="en-US" sz="3600" b="0" i="0" u="none" strike="noStrike" cap="none">
+              <a:rPr lang="en-US" sz="3600" u="none" strike="noStrike" cap="none">
                 <a:solidFill>
                   <a:schemeClr val="lt1"/>
                 </a:solidFill>
-                <a:latin typeface="Cabin"/>
-                <a:ea typeface="Cabin"/>
-                <a:cs typeface="Cabin"/>
+                <a:latin typeface="Arial" charset="0"/>
+                <a:ea typeface="Arial" charset="0"/>
+                <a:cs typeface="Arial" charset="0"/>
                 <a:sym typeface="Cabin"/>
               </a:rPr>
               <a:t> as variable names / identifiers</a:t>
@@ -37564,13 +37504,13 @@
               <a:buNone/>
             </a:pPr>
             <a:r>
-              <a:rPr lang="en-US" sz="4200" b="0" i="0" u="none" strike="noStrike" cap="none">
+              <a:rPr lang="en-US" sz="4200" u="none" strike="noStrike" cap="none">
                 <a:solidFill>
                   <a:srgbClr val="FFFF00"/>
                 </a:solidFill>
-                <a:latin typeface="Cabin"/>
-                <a:ea typeface="Cabin"/>
-                <a:cs typeface="Cabin"/>
+                <a:latin typeface="Arial" charset="0"/>
+                <a:ea typeface="Arial" charset="0"/>
+                <a:cs typeface="Arial" charset="0"/>
                 <a:sym typeface="Cabin"/>
               </a:rPr>
               <a:t>and   del   for   is   raise assert   elif   from   lambda   return   break   else   global   not   try   class   except   if   or   while   continue   exec   import   pass   yield   def   ﬁnally   in   print   as   with</a:t>
@@ -37650,13 +37590,13 @@
               <a:buNone/>
             </a:pPr>
             <a:r>
-              <a:rPr lang="en-US" sz="7600" b="0" i="0" u="none" strike="noStrike" cap="none">
+              <a:rPr lang="en-US" sz="7600" u="none" strike="noStrike" cap="none">
                 <a:solidFill>
                   <a:srgbClr val="FFFF00"/>
                 </a:solidFill>
-                <a:latin typeface="Cabin"/>
-                <a:ea typeface="Cabin"/>
-                <a:cs typeface="Cabin"/>
+                <a:latin typeface="Arial" charset="0"/>
+                <a:ea typeface="Arial" charset="0"/>
+                <a:cs typeface="Arial" charset="0"/>
                 <a:sym typeface="Cabin"/>
               </a:rPr>
               <a:t>Sentences or Lines</a:t>
@@ -37994,13 +37934,13 @@
               <a:buNone/>
             </a:pPr>
             <a:r>
-              <a:rPr lang="en-US" sz="4200" b="0" i="0" u="none" strike="noStrike" cap="none">
+              <a:rPr lang="en-US" sz="4200" u="none" strike="noStrike" cap="none">
                 <a:solidFill>
                   <a:srgbClr val="FF9900"/>
                 </a:solidFill>
-                <a:latin typeface="Cabin"/>
-                <a:ea typeface="Cabin"/>
-                <a:cs typeface="Cabin"/>
+                <a:latin typeface="Arial" charset="0"/>
+                <a:ea typeface="Arial" charset="0"/>
+                <a:cs typeface="Arial" charset="0"/>
                 <a:sym typeface="Cabin"/>
               </a:rPr>
               <a:t>Variable</a:t>
@@ -38051,13 +37991,13 @@
               <a:buNone/>
             </a:pPr>
             <a:r>
-              <a:rPr lang="en-US" sz="4200" b="0" i="0" u="none" strike="noStrike" cap="none">
+              <a:rPr lang="en-US" sz="4200" u="none" strike="noStrike" cap="none">
                 <a:solidFill>
                   <a:srgbClr val="FFFFFF"/>
                 </a:solidFill>
-                <a:latin typeface="Cabin"/>
-                <a:ea typeface="Cabin"/>
-                <a:cs typeface="Cabin"/>
+                <a:latin typeface="Arial" charset="0"/>
+                <a:ea typeface="Arial" charset="0"/>
+                <a:cs typeface="Arial" charset="0"/>
                 <a:sym typeface="Cabin"/>
               </a:rPr>
               <a:t>Operator</a:t>
@@ -38108,13 +38048,13 @@
               <a:buNone/>
             </a:pPr>
             <a:r>
-              <a:rPr lang="en-US" sz="4200" b="0" i="0" u="none" strike="noStrike" cap="none">
+              <a:rPr lang="en-US" sz="4200" u="none" strike="noStrike" cap="none">
                 <a:solidFill>
                   <a:srgbClr val="00FFFF"/>
                 </a:solidFill>
-                <a:latin typeface="Cabin"/>
-                <a:ea typeface="Cabin"/>
-                <a:cs typeface="Cabin"/>
+                <a:latin typeface="Arial" charset="0"/>
+                <a:ea typeface="Arial" charset="0"/>
+                <a:cs typeface="Arial" charset="0"/>
                 <a:sym typeface="Cabin"/>
               </a:rPr>
               <a:t>Constant</a:t>
@@ -38165,13 +38105,13 @@
               <a:buNone/>
             </a:pPr>
             <a:r>
-              <a:rPr lang="en-US" sz="4200" b="0" i="0" u="none" strike="noStrike" cap="none">
+              <a:rPr lang="en-US" sz="4200" u="none" strike="noStrike" cap="none">
                 <a:solidFill>
                   <a:srgbClr val="FFFF00"/>
                 </a:solidFill>
-                <a:latin typeface="Cabin"/>
-                <a:ea typeface="Cabin"/>
-                <a:cs typeface="Cabin"/>
+                <a:latin typeface="Arial" charset="0"/>
+                <a:ea typeface="Arial" charset="0"/>
+                <a:cs typeface="Arial" charset="0"/>
                 <a:sym typeface="Cabin"/>
               </a:rPr>
               <a:t>Reserved Word</a:t>
@@ -38222,13 +38162,13 @@
               <a:buNone/>
             </a:pPr>
             <a:r>
-              <a:rPr lang="en-US" sz="5400" b="0" i="0" u="none" strike="noStrike" cap="none">
+              <a:rPr lang="en-US" sz="5400" u="none" strike="noStrike" cap="none">
                 <a:solidFill>
                   <a:schemeClr val="lt1"/>
                 </a:solidFill>
-                <a:latin typeface="Cabin"/>
-                <a:ea typeface="Cabin"/>
-                <a:cs typeface="Cabin"/>
+                <a:latin typeface="Arial" charset="0"/>
+                <a:ea typeface="Arial" charset="0"/>
+                <a:cs typeface="Arial" charset="0"/>
                 <a:sym typeface="Cabin"/>
               </a:rPr>
               <a:t>Assignment </a:t>
@@ -38238,21 +38178,21 @@
                 <a:solidFill>
                   <a:schemeClr val="lt1"/>
                 </a:solidFill>
-                <a:latin typeface="Cabin"/>
-                <a:ea typeface="Cabin"/>
-                <a:cs typeface="Cabin"/>
+                <a:latin typeface="Arial" charset="0"/>
+                <a:ea typeface="Arial" charset="0"/>
+                <a:cs typeface="Arial" charset="0"/>
                 <a:sym typeface="Cabin"/>
               </a:rPr>
               <a:t>s</a:t>
             </a:r>
             <a:r>
-              <a:rPr lang="en-US" sz="5400" b="0" i="0" u="none" strike="noStrike" cap="none">
+              <a:rPr lang="en-US" sz="5400" u="none" strike="noStrike" cap="none">
                 <a:solidFill>
                   <a:schemeClr val="lt1"/>
                 </a:solidFill>
-                <a:latin typeface="Cabin"/>
-                <a:ea typeface="Cabin"/>
-                <a:cs typeface="Cabin"/>
+                <a:latin typeface="Arial" charset="0"/>
+                <a:ea typeface="Arial" charset="0"/>
+                <a:cs typeface="Arial" charset="0"/>
                 <a:sym typeface="Cabin"/>
               </a:rPr>
               <a:t>tatement</a:t>
@@ -38277,13 +38217,13 @@
               <a:buNone/>
             </a:pPr>
             <a:r>
-              <a:rPr lang="en-US" sz="5400" b="0" i="0" u="none" strike="noStrike" cap="none">
+              <a:rPr lang="en-US" sz="5400" u="none" strike="noStrike" cap="none">
                 <a:solidFill>
                   <a:schemeClr val="lt1"/>
                 </a:solidFill>
-                <a:latin typeface="Cabin"/>
-                <a:ea typeface="Cabin"/>
-                <a:cs typeface="Cabin"/>
+                <a:latin typeface="Arial" charset="0"/>
+                <a:ea typeface="Arial" charset="0"/>
+                <a:cs typeface="Arial" charset="0"/>
                 <a:sym typeface="Cabin"/>
               </a:rPr>
               <a:t>Assignment with expression</a:t>
@@ -38308,13 +38248,13 @@
               <a:buNone/>
             </a:pPr>
             <a:r>
-              <a:rPr lang="en-US" sz="5400" b="0" i="0" u="none" strike="noStrike" cap="none">
+              <a:rPr lang="en-US" sz="5400" u="none" strike="noStrike" cap="none">
                 <a:solidFill>
                   <a:schemeClr val="lt1"/>
                 </a:solidFill>
-                <a:latin typeface="Cabin"/>
-                <a:ea typeface="Cabin"/>
-                <a:cs typeface="Cabin"/>
+                <a:latin typeface="Arial" charset="0"/>
+                <a:ea typeface="Arial" charset="0"/>
+                <a:cs typeface="Arial" charset="0"/>
                 <a:sym typeface="Cabin"/>
               </a:rPr>
               <a:t>Print statement</a:t>
@@ -38472,13 +38412,13 @@
               <a:buNone/>
             </a:pPr>
             <a:r>
-              <a:rPr lang="en-US" sz="7600" b="0" i="0" u="none" strike="noStrike" cap="none">
+              <a:rPr lang="en-US" sz="7600" u="none" strike="noStrike" cap="none">
                 <a:solidFill>
                   <a:srgbClr val="FFFF00"/>
                 </a:solidFill>
-                <a:latin typeface="Cabin"/>
-                <a:ea typeface="Cabin"/>
-                <a:cs typeface="Cabin"/>
+                <a:latin typeface="Arial" charset="0"/>
+                <a:ea typeface="Arial" charset="0"/>
+                <a:cs typeface="Arial" charset="0"/>
                 <a:sym typeface="Cabin"/>
               </a:rPr>
               <a:t>Programming Paragraphs</a:t>
@@ -38558,13 +38498,13 @@
               <a:buNone/>
             </a:pPr>
             <a:r>
-              <a:rPr lang="en-US" sz="7400" b="0" i="0" u="none" strike="noStrike" cap="none">
+              <a:rPr lang="en-US" sz="7400" u="none" strike="noStrike" cap="none">
                 <a:solidFill>
                   <a:srgbClr val="FFFF00"/>
                 </a:solidFill>
-                <a:latin typeface="Cabin"/>
-                <a:ea typeface="Cabin"/>
-                <a:cs typeface="Cabin"/>
+                <a:latin typeface="Arial" charset="0"/>
+                <a:ea typeface="Arial" charset="0"/>
+                <a:cs typeface="Arial" charset="0"/>
                 <a:sym typeface="Cabin"/>
               </a:rPr>
               <a:t>Python Scripts</a:t>
@@ -38619,13 +38559,13 @@
               <a:buChar char="•"/>
             </a:pPr>
             <a:r>
-              <a:rPr lang="en-US" sz="3400" b="0" i="0" u="none" strike="noStrike" cap="none">
+              <a:rPr lang="en-US" sz="3400" u="none" strike="noStrike" cap="none">
                 <a:solidFill>
                   <a:schemeClr val="lt1"/>
                 </a:solidFill>
-                <a:latin typeface="Cabin"/>
-                <a:ea typeface="Cabin"/>
-                <a:cs typeface="Cabin"/>
+                <a:latin typeface="Arial" charset="0"/>
+                <a:ea typeface="Arial" charset="0"/>
+                <a:cs typeface="Arial" charset="0"/>
                 <a:sym typeface="Cabin"/>
               </a:rPr>
               <a:t>Interactive Python is good for experiments and programs of 3-4 lines long.</a:t>
@@ -38654,21 +38594,21 @@
                 <a:solidFill>
                   <a:schemeClr val="lt1"/>
                 </a:solidFill>
-                <a:latin typeface="Cabin"/>
-                <a:ea typeface="Cabin"/>
-                <a:cs typeface="Cabin"/>
+                <a:latin typeface="Arial" charset="0"/>
+                <a:ea typeface="Arial" charset="0"/>
+                <a:cs typeface="Arial" charset="0"/>
                 <a:sym typeface="Cabin"/>
               </a:rPr>
               <a:t>M</a:t>
             </a:r>
             <a:r>
-              <a:rPr lang="en-US" sz="3400" b="0" i="0" u="none" strike="noStrike" cap="none">
+              <a:rPr lang="en-US" sz="3400" u="none" strike="noStrike" cap="none">
                 <a:solidFill>
                   <a:schemeClr val="lt1"/>
                 </a:solidFill>
-                <a:latin typeface="Cabin"/>
-                <a:ea typeface="Cabin"/>
-                <a:cs typeface="Cabin"/>
+                <a:latin typeface="Arial" charset="0"/>
+                <a:ea typeface="Arial" charset="0"/>
+                <a:cs typeface="Arial" charset="0"/>
                 <a:sym typeface="Cabin"/>
               </a:rPr>
               <a:t>ost programs are much longer, so we type them into a file and tell </a:t>
@@ -38678,21 +38618,21 @@
                 <a:solidFill>
                   <a:schemeClr val="lt1"/>
                 </a:solidFill>
-                <a:latin typeface="Cabin"/>
-                <a:ea typeface="Cabin"/>
-                <a:cs typeface="Cabin"/>
+                <a:latin typeface="Arial" charset="0"/>
+                <a:ea typeface="Arial" charset="0"/>
+                <a:cs typeface="Arial" charset="0"/>
                 <a:sym typeface="Cabin"/>
               </a:rPr>
               <a:t>P</a:t>
             </a:r>
             <a:r>
-              <a:rPr lang="en-US" sz="3400" b="0" i="0" u="none" strike="noStrike" cap="none">
+              <a:rPr lang="en-US" sz="3400" u="none" strike="noStrike" cap="none">
                 <a:solidFill>
                   <a:schemeClr val="lt1"/>
                 </a:solidFill>
-                <a:latin typeface="Cabin"/>
-                <a:ea typeface="Cabin"/>
-                <a:cs typeface="Cabin"/>
+                <a:latin typeface="Arial" charset="0"/>
+                <a:ea typeface="Arial" charset="0"/>
+                <a:cs typeface="Arial" charset="0"/>
                 <a:sym typeface="Cabin"/>
               </a:rPr>
               <a:t>ython to run the commands in the file.</a:t>
@@ -38717,13 +38657,13 @@
               <a:buChar char="•"/>
             </a:pPr>
             <a:r>
-              <a:rPr lang="en-US" sz="3400" b="0" i="0" u="none" strike="noStrike" cap="none">
+              <a:rPr lang="en-US" sz="3400" u="none" strike="noStrike" cap="none">
                 <a:solidFill>
                   <a:schemeClr val="lt1"/>
                 </a:solidFill>
-                <a:latin typeface="Cabin"/>
-                <a:ea typeface="Cabin"/>
-                <a:cs typeface="Cabin"/>
+                <a:latin typeface="Arial" charset="0"/>
+                <a:ea typeface="Arial" charset="0"/>
+                <a:cs typeface="Arial" charset="0"/>
                 <a:sym typeface="Cabin"/>
               </a:rPr>
               <a:t>In a sense, we are </a:t>
@@ -38741,13 +38681,13 @@
               <a:t>“</a:t>
             </a:r>
             <a:r>
-              <a:rPr lang="en-US" sz="3400" b="0" i="0" u="none" strike="noStrike" cap="none">
+              <a:rPr lang="en-US" sz="3400" u="none" strike="noStrike" cap="none">
                 <a:solidFill>
                   <a:schemeClr val="lt1"/>
                 </a:solidFill>
-                <a:latin typeface="Cabin"/>
-                <a:ea typeface="Cabin"/>
-                <a:cs typeface="Cabin"/>
+                <a:latin typeface="Arial" charset="0"/>
+                <a:ea typeface="Arial" charset="0"/>
+                <a:cs typeface="Arial" charset="0"/>
                 <a:sym typeface="Cabin"/>
               </a:rPr>
               <a:t>giving Python a script</a:t>
@@ -38784,13 +38724,13 @@
               <a:buChar char="•"/>
             </a:pPr>
             <a:r>
-              <a:rPr lang="en-US" sz="3400" b="0" i="0" u="none" strike="noStrike" cap="none">
+              <a:rPr lang="en-US" sz="3400" u="none" strike="noStrike" cap="none">
                 <a:solidFill>
                   <a:schemeClr val="lt1"/>
                 </a:solidFill>
-                <a:latin typeface="Cabin"/>
-                <a:ea typeface="Cabin"/>
-                <a:cs typeface="Cabin"/>
+                <a:latin typeface="Arial" charset="0"/>
+                <a:ea typeface="Arial" charset="0"/>
+                <a:cs typeface="Arial" charset="0"/>
                 <a:sym typeface="Cabin"/>
               </a:rPr>
               <a:t>As a convention, we add </a:t>
@@ -38808,13 +38748,13 @@
               <a:t>“</a:t>
             </a:r>
             <a:r>
-              <a:rPr lang="en-US" sz="3400" b="0" i="0" u="none" strike="noStrike" cap="none">
+              <a:rPr lang="en-US" sz="3400" u="none" strike="noStrike" cap="none">
                 <a:solidFill>
                   <a:schemeClr val="lt1"/>
                 </a:solidFill>
-                <a:latin typeface="Cabin"/>
-                <a:ea typeface="Cabin"/>
-                <a:cs typeface="Cabin"/>
+                <a:latin typeface="Arial" charset="0"/>
+                <a:ea typeface="Arial" charset="0"/>
+                <a:cs typeface="Arial" charset="0"/>
                 <a:sym typeface="Cabin"/>
               </a:rPr>
               <a:t>.py</a:t>
@@ -38832,13 +38772,13 @@
               <a:t>”</a:t>
             </a:r>
             <a:r>
-              <a:rPr lang="en-US" sz="3400" b="0" i="0" u="none" strike="noStrike" cap="none">
+              <a:rPr lang="en-US" sz="3400" u="none" strike="noStrike" cap="none">
                 <a:solidFill>
                   <a:schemeClr val="lt1"/>
                 </a:solidFill>
-                <a:latin typeface="Cabin"/>
-                <a:ea typeface="Cabin"/>
-                <a:cs typeface="Cabin"/>
+                <a:latin typeface="Arial" charset="0"/>
+                <a:ea typeface="Arial" charset="0"/>
+                <a:cs typeface="Arial" charset="0"/>
                 <a:sym typeface="Cabin"/>
               </a:rPr>
               <a:t> as the suffix on the end of these files to indicate they contain Python.</a:t>
@@ -38918,13 +38858,13 @@
               <a:buNone/>
             </a:pPr>
             <a:r>
-              <a:rPr lang="en-US" sz="7600" b="0" i="0" u="none" strike="noStrike" cap="none">
+              <a:rPr lang="en-US" sz="7600" u="none" strike="noStrike" cap="none">
                 <a:solidFill>
                   <a:srgbClr val="FFFF00"/>
                 </a:solidFill>
-                <a:latin typeface="Cabin"/>
-                <a:ea typeface="Cabin"/>
-                <a:cs typeface="Cabin"/>
+                <a:latin typeface="Arial" charset="0"/>
+                <a:ea typeface="Arial" charset="0"/>
+                <a:cs typeface="Arial" charset="0"/>
                 <a:sym typeface="Cabin"/>
               </a:rPr>
               <a:t>Writing a Simple Program</a:t>
@@ -39004,13 +38944,13 @@
               <a:buNone/>
             </a:pPr>
             <a:r>
-              <a:rPr lang="en-US" sz="7400" b="0" i="0" u="none" strike="noStrike" cap="none">
+              <a:rPr lang="en-US" sz="7400" u="none" strike="noStrike" cap="none">
                 <a:solidFill>
                   <a:srgbClr val="FFFF00"/>
                 </a:solidFill>
-                <a:latin typeface="Cabin"/>
-                <a:ea typeface="Cabin"/>
-                <a:cs typeface="Cabin"/>
+                <a:latin typeface="Arial" charset="0"/>
+                <a:ea typeface="Arial" charset="0"/>
+                <a:cs typeface="Arial" charset="0"/>
                 <a:sym typeface="Cabin"/>
               </a:rPr>
               <a:t>Interactive versus Script</a:t>
@@ -39065,13 +39005,13 @@
               <a:buChar char="•"/>
             </a:pPr>
             <a:r>
-              <a:rPr lang="en-US" sz="3400" b="0" i="0" u="none" strike="noStrike" cap="none">
+              <a:rPr lang="en-US" sz="3400" u="none" strike="noStrike" cap="none">
                 <a:solidFill>
                   <a:srgbClr val="FFFF00"/>
                 </a:solidFill>
-                <a:latin typeface="Cabin"/>
-                <a:ea typeface="Cabin"/>
-                <a:cs typeface="Cabin"/>
+                <a:latin typeface="Arial" charset="0"/>
+                <a:ea typeface="Arial" charset="0"/>
+                <a:cs typeface="Arial" charset="0"/>
                 <a:sym typeface="Cabin"/>
               </a:rPr>
               <a:t>Interactive</a:t>
@@ -39095,13 +39035,13 @@
               <a:buFont typeface="Cabin"/>
             </a:pPr>
             <a:r>
-              <a:rPr lang="en-US" sz="3400" b="0" i="0" u="none" strike="noStrike" cap="none">
+              <a:rPr lang="en-US" sz="3400" u="none" strike="noStrike" cap="none">
                 <a:solidFill>
                   <a:schemeClr val="lt1"/>
                 </a:solidFill>
-                <a:latin typeface="Cabin"/>
-                <a:ea typeface="Cabin"/>
-                <a:cs typeface="Cabin"/>
+                <a:latin typeface="Arial" charset="0"/>
+                <a:ea typeface="Arial" charset="0"/>
+                <a:cs typeface="Arial" charset="0"/>
                 <a:sym typeface="Cabin"/>
               </a:rPr>
               <a:t>You type directly to Python one line at a time and it responds</a:t>
@@ -39126,13 +39066,13 @@
               <a:buChar char="•"/>
             </a:pPr>
             <a:r>
-              <a:rPr lang="en-US" sz="3400" b="0" i="0" u="none" strike="noStrike" cap="none">
+              <a:rPr lang="en-US" sz="3400" u="none" strike="noStrike" cap="none">
                 <a:solidFill>
                   <a:srgbClr val="FFFF00"/>
                 </a:solidFill>
-                <a:latin typeface="Cabin"/>
-                <a:ea typeface="Cabin"/>
-                <a:cs typeface="Cabin"/>
+                <a:latin typeface="Arial" charset="0"/>
+                <a:ea typeface="Arial" charset="0"/>
+                <a:cs typeface="Arial" charset="0"/>
                 <a:sym typeface="Cabin"/>
               </a:rPr>
               <a:t>Script</a:t>
@@ -39156,13 +39096,13 @@
               <a:buFont typeface="Cabin"/>
             </a:pPr>
             <a:r>
-              <a:rPr lang="en-US" sz="3400" b="0" i="0" u="none" strike="noStrike" cap="none">
+              <a:rPr lang="en-US" sz="3400" u="none" strike="noStrike" cap="none">
                 <a:solidFill>
                   <a:schemeClr val="lt1"/>
                 </a:solidFill>
-                <a:latin typeface="Cabin"/>
-                <a:ea typeface="Cabin"/>
-                <a:cs typeface="Cabin"/>
+                <a:latin typeface="Arial" charset="0"/>
+                <a:ea typeface="Arial" charset="0"/>
+                <a:cs typeface="Arial" charset="0"/>
                 <a:sym typeface="Cabin"/>
               </a:rPr>
               <a:t>You enter a sequence of statements (lines) into a file using a text editor and tell Python to execute the statements in the file</a:t>
@@ -39242,13 +39182,13 @@
               <a:buNone/>
             </a:pPr>
             <a:r>
-              <a:rPr lang="en-US" sz="7600" b="0" i="0" u="none" strike="noStrike" cap="none">
+              <a:rPr lang="en-US" sz="7600" u="none" strike="noStrike" cap="none">
                 <a:solidFill>
                   <a:srgbClr val="FFFF00"/>
                 </a:solidFill>
-                <a:latin typeface="Cabin"/>
-                <a:ea typeface="Cabin"/>
-                <a:cs typeface="Cabin"/>
+                <a:latin typeface="Arial" charset="0"/>
+                <a:ea typeface="Arial" charset="0"/>
+                <a:cs typeface="Arial" charset="0"/>
                 <a:sym typeface="Cabin"/>
               </a:rPr>
               <a:t>Users</a:t>
@@ -39258,21 +39198,21 @@
                 <a:solidFill>
                   <a:srgbClr val="FFFF00"/>
                 </a:solidFill>
-                <a:latin typeface="Cabin"/>
-                <a:ea typeface="Cabin"/>
-                <a:cs typeface="Cabin"/>
+                <a:latin typeface="Arial" charset="0"/>
+                <a:ea typeface="Arial" charset="0"/>
+                <a:cs typeface="Arial" charset="0"/>
                 <a:sym typeface="Cabin"/>
               </a:rPr>
               <a:t> </a:t>
             </a:r>
             <a:r>
-              <a:rPr lang="en-US" sz="7600" b="0" i="0" u="none" strike="noStrike" cap="none">
+              <a:rPr lang="en-US" sz="7600" u="none" strike="noStrike" cap="none">
                 <a:solidFill>
                   <a:srgbClr val="FFFF00"/>
                 </a:solidFill>
-                <a:latin typeface="Cabin"/>
-                <a:ea typeface="Cabin"/>
-                <a:cs typeface="Cabin"/>
+                <a:latin typeface="Arial" charset="0"/>
+                <a:ea typeface="Arial" charset="0"/>
+                <a:cs typeface="Arial" charset="0"/>
                 <a:sym typeface="Cabin"/>
               </a:rPr>
               <a:t>vs. Programmers</a:t>
@@ -39327,13 +39267,13 @@
               <a:buChar char="•"/>
             </a:pPr>
             <a:r>
-              <a:rPr lang="en-US" sz="3200" b="0" i="0" u="none" strike="noStrike" cap="none">
+              <a:rPr lang="en-US" sz="3200" u="none" strike="noStrike" cap="none">
                 <a:solidFill>
                   <a:schemeClr val="lt1"/>
                 </a:solidFill>
-                <a:latin typeface="Cabin"/>
-                <a:ea typeface="Cabin"/>
-                <a:cs typeface="Cabin"/>
+                <a:latin typeface="Arial" charset="0"/>
+                <a:ea typeface="Arial" charset="0"/>
+                <a:cs typeface="Arial" charset="0"/>
                 <a:sym typeface="Cabin"/>
               </a:rPr>
               <a:t>Users see computers as a set of tools - word processor, spreadsheet, map, todo list, etc.</a:t>
@@ -39358,13 +39298,13 @@
               <a:buChar char="•"/>
             </a:pPr>
             <a:r>
-              <a:rPr lang="en-US" sz="3200" b="0" i="0" u="none" strike="noStrike" cap="none">
+              <a:rPr lang="en-US" sz="3200" u="none" strike="noStrike" cap="none">
                 <a:solidFill>
                   <a:schemeClr val="lt1"/>
                 </a:solidFill>
-                <a:latin typeface="Cabin"/>
-                <a:ea typeface="Cabin"/>
-                <a:cs typeface="Cabin"/>
+                <a:latin typeface="Arial" charset="0"/>
+                <a:ea typeface="Arial" charset="0"/>
+                <a:cs typeface="Arial" charset="0"/>
                 <a:sym typeface="Cabin"/>
               </a:rPr>
               <a:t>Programmers learn the computer </a:t>
@@ -39382,13 +39322,13 @@
               <a:t>“</a:t>
             </a:r>
             <a:r>
-              <a:rPr lang="en-US" sz="3200" b="0" i="0" u="none" strike="noStrike" cap="none">
+              <a:rPr lang="en-US" sz="3200" u="none" strike="noStrike" cap="none">
                 <a:solidFill>
                   <a:schemeClr val="lt1"/>
                 </a:solidFill>
-                <a:latin typeface="Cabin"/>
-                <a:ea typeface="Cabin"/>
-                <a:cs typeface="Cabin"/>
+                <a:latin typeface="Arial" charset="0"/>
+                <a:ea typeface="Arial" charset="0"/>
+                <a:cs typeface="Arial" charset="0"/>
                 <a:sym typeface="Cabin"/>
               </a:rPr>
               <a:t>ways</a:t>
@@ -39406,13 +39346,13 @@
               <a:t>”</a:t>
             </a:r>
             <a:r>
-              <a:rPr lang="en-US" sz="3200" b="0" i="0" u="none" strike="noStrike" cap="none">
+              <a:rPr lang="en-US" sz="3200" u="none" strike="noStrike" cap="none">
                 <a:solidFill>
                   <a:schemeClr val="lt1"/>
                 </a:solidFill>
-                <a:latin typeface="Cabin"/>
-                <a:ea typeface="Cabin"/>
-                <a:cs typeface="Cabin"/>
+                <a:latin typeface="Arial" charset="0"/>
+                <a:ea typeface="Arial" charset="0"/>
+                <a:cs typeface="Arial" charset="0"/>
                 <a:sym typeface="Cabin"/>
               </a:rPr>
               <a:t> and the computer language</a:t>
@@ -39437,13 +39377,13 @@
               <a:buChar char="•"/>
             </a:pPr>
             <a:r>
-              <a:rPr lang="en-US" sz="3200" b="0" i="0" u="none" strike="noStrike" cap="none">
+              <a:rPr lang="en-US" sz="3200" u="none" strike="noStrike" cap="none">
                 <a:solidFill>
                   <a:schemeClr val="lt1"/>
                 </a:solidFill>
-                <a:latin typeface="Cabin"/>
-                <a:ea typeface="Cabin"/>
-                <a:cs typeface="Cabin"/>
+                <a:latin typeface="Arial" charset="0"/>
+                <a:ea typeface="Arial" charset="0"/>
+                <a:cs typeface="Arial" charset="0"/>
                 <a:sym typeface="Cabin"/>
               </a:rPr>
               <a:t>Programmers have some tools that allow them to build new tools</a:t>
@@ -39468,13 +39408,13 @@
               <a:buChar char="•"/>
             </a:pPr>
             <a:r>
-              <a:rPr lang="en-US" sz="3200" b="0" i="0" u="none" strike="noStrike" cap="none">
+              <a:rPr lang="en-US" sz="3200" u="none" strike="noStrike" cap="none">
                 <a:solidFill>
                   <a:schemeClr val="lt1"/>
                 </a:solidFill>
-                <a:latin typeface="Cabin"/>
-                <a:ea typeface="Cabin"/>
-                <a:cs typeface="Cabin"/>
+                <a:latin typeface="Arial" charset="0"/>
+                <a:ea typeface="Arial" charset="0"/>
+                <a:cs typeface="Arial" charset="0"/>
                 <a:sym typeface="Cabin"/>
               </a:rPr>
               <a:t>Programmers sometimes write tools for lots of users and sometimes programmers write little </a:t>
@@ -39492,13 +39432,13 @@
               <a:t>“</a:t>
             </a:r>
             <a:r>
-              <a:rPr lang="en-US" sz="3200" b="0" i="0" u="none" strike="noStrike" cap="none">
+              <a:rPr lang="en-US" sz="3200" u="none" strike="noStrike" cap="none">
                 <a:solidFill>
                   <a:schemeClr val="lt1"/>
                 </a:solidFill>
-                <a:latin typeface="Cabin"/>
-                <a:ea typeface="Cabin"/>
-                <a:cs typeface="Cabin"/>
+                <a:latin typeface="Arial" charset="0"/>
+                <a:ea typeface="Arial" charset="0"/>
+                <a:cs typeface="Arial" charset="0"/>
                 <a:sym typeface="Cabin"/>
               </a:rPr>
               <a:t>helpers</a:t>
@@ -39516,13 +39456,13 @@
               <a:t>”</a:t>
             </a:r>
             <a:r>
-              <a:rPr lang="en-US" sz="3200" b="0" i="0" u="none" strike="noStrike" cap="none">
+              <a:rPr lang="en-US" sz="3200" u="none" strike="noStrike" cap="none">
                 <a:solidFill>
                   <a:schemeClr val="lt1"/>
                 </a:solidFill>
-                <a:latin typeface="Cabin"/>
-                <a:ea typeface="Cabin"/>
-                <a:cs typeface="Cabin"/>
+                <a:latin typeface="Arial" charset="0"/>
+                <a:ea typeface="Arial" charset="0"/>
+                <a:cs typeface="Arial" charset="0"/>
                 <a:sym typeface="Cabin"/>
               </a:rPr>
               <a:t> for themselves to automate a task</a:t>
@@ -39602,13 +39542,13 @@
               <a:buNone/>
             </a:pPr>
             <a:r>
-              <a:rPr lang="en-US" sz="7600" b="0" i="0" u="none" strike="noStrike" cap="none">
+              <a:rPr lang="en-US" sz="7600" u="none" strike="noStrike" cap="none">
                 <a:solidFill>
                   <a:srgbClr val="FFFF00"/>
                 </a:solidFill>
-                <a:latin typeface="Cabin"/>
-                <a:ea typeface="Cabin"/>
-                <a:cs typeface="Cabin"/>
+                <a:latin typeface="Arial" charset="0"/>
+                <a:ea typeface="Arial" charset="0"/>
+                <a:cs typeface="Arial" charset="0"/>
                 <a:sym typeface="Cabin"/>
               </a:rPr>
               <a:t>Program Steps or Program Flow</a:t>
@@ -39663,37 +39603,37 @@
               <a:buChar char="•"/>
             </a:pPr>
             <a:r>
-              <a:rPr lang="en-US" sz="3600" b="0" i="0" u="none" strike="noStrike" cap="none">
+              <a:rPr lang="en-US" sz="3600" u="none" strike="noStrike" cap="none">
                 <a:solidFill>
                   <a:schemeClr val="lt1"/>
                 </a:solidFill>
-                <a:latin typeface="Cabin"/>
-                <a:ea typeface="Cabin"/>
-                <a:cs typeface="Cabin"/>
+                <a:latin typeface="Arial" charset="0"/>
+                <a:ea typeface="Arial" charset="0"/>
+                <a:cs typeface="Arial" charset="0"/>
                 <a:sym typeface="Cabin"/>
               </a:rPr>
               <a:t>Like a recipe or installation instructions, a program is a </a:t>
             </a:r>
             <a:r>
-              <a:rPr lang="en-US" sz="3600" b="0" i="0" u="none" strike="noStrike" cap="none">
+              <a:rPr lang="en-US" sz="3600" u="none" strike="noStrike" cap="none">
                 <a:solidFill>
                   <a:srgbClr val="FFFF00"/>
                 </a:solidFill>
-                <a:latin typeface="Cabin"/>
-                <a:ea typeface="Cabin"/>
-                <a:cs typeface="Cabin"/>
+                <a:latin typeface="Arial" charset="0"/>
+                <a:ea typeface="Arial" charset="0"/>
+                <a:cs typeface="Arial" charset="0"/>
                 <a:sym typeface="Cabin"/>
               </a:rPr>
               <a:t>sequence</a:t>
             </a:r>
             <a:r>
-              <a:rPr lang="en-US" sz="3600" b="0" i="0" u="none" strike="noStrike" cap="none">
+              <a:rPr lang="en-US" sz="3600" u="none" strike="noStrike" cap="none">
                 <a:solidFill>
                   <a:schemeClr val="lt1"/>
                 </a:solidFill>
-                <a:latin typeface="Cabin"/>
-                <a:ea typeface="Cabin"/>
-                <a:cs typeface="Cabin"/>
+                <a:latin typeface="Arial" charset="0"/>
+                <a:ea typeface="Arial" charset="0"/>
+                <a:cs typeface="Arial" charset="0"/>
                 <a:sym typeface="Cabin"/>
               </a:rPr>
               <a:t> of steps to be done in order.</a:t>
@@ -39718,37 +39658,37 @@
               <a:buChar char="•"/>
             </a:pPr>
             <a:r>
-              <a:rPr lang="en-US" sz="3600" b="0" i="0" u="none" strike="noStrike" cap="none">
+              <a:rPr lang="en-US" sz="3600" u="none" strike="noStrike" cap="none">
                 <a:solidFill>
                   <a:schemeClr val="lt1"/>
                 </a:solidFill>
-                <a:latin typeface="Cabin"/>
-                <a:ea typeface="Cabin"/>
-                <a:cs typeface="Cabin"/>
+                <a:latin typeface="Arial" charset="0"/>
+                <a:ea typeface="Arial" charset="0"/>
+                <a:cs typeface="Arial" charset="0"/>
                 <a:sym typeface="Cabin"/>
               </a:rPr>
               <a:t>Some steps are </a:t>
             </a:r>
             <a:r>
-              <a:rPr lang="en-US" sz="3600" b="0" i="0" u="none" strike="noStrike" cap="none">
+              <a:rPr lang="en-US" sz="3600" u="none" strike="noStrike" cap="none">
                 <a:solidFill>
                   <a:srgbClr val="FFFF00"/>
                 </a:solidFill>
-                <a:latin typeface="Cabin"/>
-                <a:ea typeface="Cabin"/>
-                <a:cs typeface="Cabin"/>
+                <a:latin typeface="Arial" charset="0"/>
+                <a:ea typeface="Arial" charset="0"/>
+                <a:cs typeface="Arial" charset="0"/>
                 <a:sym typeface="Cabin"/>
               </a:rPr>
               <a:t>conditional</a:t>
             </a:r>
             <a:r>
-              <a:rPr lang="en-US" sz="3600" b="0" i="0" u="none" strike="noStrike" cap="none">
+              <a:rPr lang="en-US" sz="3600" u="none" strike="noStrike" cap="none">
                 <a:solidFill>
                   <a:schemeClr val="lt1"/>
                 </a:solidFill>
-                <a:latin typeface="Cabin"/>
-                <a:ea typeface="Cabin"/>
-                <a:cs typeface="Cabin"/>
+                <a:latin typeface="Arial" charset="0"/>
+                <a:ea typeface="Arial" charset="0"/>
+                <a:cs typeface="Arial" charset="0"/>
                 <a:sym typeface="Cabin"/>
               </a:rPr>
               <a:t> - they may be skipped.</a:t>
@@ -39773,37 +39713,37 @@
               <a:buChar char="•"/>
             </a:pPr>
             <a:r>
-              <a:rPr lang="en-US" sz="3600" b="0" i="0" u="none" strike="noStrike" cap="none">
+              <a:rPr lang="en-US" sz="3600" u="none" strike="noStrike" cap="none">
                 <a:solidFill>
                   <a:schemeClr val="lt1"/>
                 </a:solidFill>
-                <a:latin typeface="Cabin"/>
-                <a:ea typeface="Cabin"/>
-                <a:cs typeface="Cabin"/>
+                <a:latin typeface="Arial" charset="0"/>
+                <a:ea typeface="Arial" charset="0"/>
+                <a:cs typeface="Arial" charset="0"/>
                 <a:sym typeface="Cabin"/>
               </a:rPr>
               <a:t>Sometimes a step or group of steps are to be </a:t>
             </a:r>
             <a:r>
-              <a:rPr lang="en-US" sz="3600" b="0" i="0" u="none" strike="noStrike" cap="none">
+              <a:rPr lang="en-US" sz="3600" u="none" strike="noStrike" cap="none">
                 <a:solidFill>
                   <a:srgbClr val="FFFF00"/>
                 </a:solidFill>
-                <a:latin typeface="Cabin"/>
-                <a:ea typeface="Cabin"/>
-                <a:cs typeface="Cabin"/>
+                <a:latin typeface="Arial" charset="0"/>
+                <a:ea typeface="Arial" charset="0"/>
+                <a:cs typeface="Arial" charset="0"/>
                 <a:sym typeface="Cabin"/>
               </a:rPr>
               <a:t>repeated</a:t>
             </a:r>
             <a:r>
-              <a:rPr lang="en-US" sz="3600" b="0" i="0" u="none" strike="noStrike" cap="none">
+              <a:rPr lang="en-US" sz="3600" u="none" strike="noStrike" cap="none">
                 <a:solidFill>
                   <a:schemeClr val="lt1"/>
                 </a:solidFill>
-                <a:latin typeface="Cabin"/>
-                <a:ea typeface="Cabin"/>
-                <a:cs typeface="Cabin"/>
+                <a:latin typeface="Arial" charset="0"/>
+                <a:ea typeface="Arial" charset="0"/>
+                <a:cs typeface="Arial" charset="0"/>
                 <a:sym typeface="Cabin"/>
               </a:rPr>
               <a:t>.</a:t>
@@ -39828,13 +39768,13 @@
               <a:buChar char="•"/>
             </a:pPr>
             <a:r>
-              <a:rPr lang="en-US" sz="3600" b="0" i="0" u="none" strike="noStrike" cap="none">
+              <a:rPr lang="en-US" sz="3600" u="none" strike="noStrike" cap="none">
                 <a:solidFill>
                   <a:schemeClr val="lt1"/>
                 </a:solidFill>
-                <a:latin typeface="Cabin"/>
-                <a:ea typeface="Cabin"/>
-                <a:cs typeface="Cabin"/>
+                <a:latin typeface="Arial" charset="0"/>
+                <a:ea typeface="Arial" charset="0"/>
+                <a:cs typeface="Arial" charset="0"/>
                 <a:sym typeface="Cabin"/>
               </a:rPr>
               <a:t>Sometimes we store a set of steps to be used over and over as needed several places throughout the program (Chapter 4).</a:t>
@@ -39914,13 +39854,13 @@
               <a:buNone/>
             </a:pPr>
             <a:r>
-              <a:rPr lang="en-US" sz="7600" b="0" i="0" u="none" strike="noStrike" cap="none">
+              <a:rPr lang="en-US" sz="7600" u="none" strike="noStrike" cap="none">
                 <a:solidFill>
                   <a:srgbClr val="FFFF00"/>
                 </a:solidFill>
-                <a:latin typeface="Cabin"/>
-                <a:ea typeface="Cabin"/>
-                <a:cs typeface="Cabin"/>
+                <a:latin typeface="Arial" charset="0"/>
+                <a:ea typeface="Arial" charset="0"/>
+                <a:cs typeface="Arial" charset="0"/>
                 <a:sym typeface="Cabin"/>
               </a:rPr>
               <a:t>Sequential Steps</a:t>
@@ -39971,13 +39911,13 @@
               <a:buNone/>
             </a:pPr>
             <a:r>
-              <a:rPr lang="en-US" sz="3600" b="0" i="0" u="none" strike="noStrike" cap="none">
+              <a:rPr lang="en-US" sz="3600" u="none" strike="noStrike" cap="none">
                 <a:solidFill>
                   <a:schemeClr val="lt1"/>
                 </a:solidFill>
-                <a:latin typeface="Cabin"/>
-                <a:ea typeface="Cabin"/>
-                <a:cs typeface="Cabin"/>
+                <a:latin typeface="Arial" charset="0"/>
+                <a:ea typeface="Arial" charset="0"/>
+                <a:cs typeface="Arial" charset="0"/>
                 <a:sym typeface="Cabin"/>
               </a:rPr>
               <a:t>Program:</a:t>
@@ -39996,13 +39936,13 @@
               </a:spcAft>
               <a:buNone/>
             </a:pPr>
-            <a:endParaRPr sz="3600" b="0" i="0" u="none" strike="noStrike" cap="none">
+            <a:endParaRPr sz="3600" u="none" strike="noStrike" cap="none">
               <a:solidFill>
                 <a:srgbClr val="FF7F00"/>
               </a:solidFill>
-              <a:latin typeface="Cabin"/>
-              <a:ea typeface="Cabin"/>
-              <a:cs typeface="Cabin"/>
+              <a:latin typeface="Arial" charset="0"/>
+              <a:ea typeface="Arial" charset="0"/>
+              <a:cs typeface="Arial" charset="0"/>
               <a:sym typeface="Cabin"/>
             </a:endParaRPr>
           </a:p>
@@ -40025,13 +39965,13 @@
               <a:buNone/>
             </a:pPr>
             <a:r>
-              <a:rPr lang="en-US" sz="3600" b="0" i="0" u="none" strike="noStrike" cap="none">
+              <a:rPr lang="en-US" sz="3600" u="none" strike="noStrike" cap="none">
                 <a:solidFill>
                   <a:srgbClr val="00FF00"/>
                 </a:solidFill>
-                <a:latin typeface="Cabin"/>
-                <a:ea typeface="Cabin"/>
-                <a:cs typeface="Cabin"/>
+                <a:latin typeface="Arial" charset="0"/>
+                <a:ea typeface="Arial" charset="0"/>
+                <a:cs typeface="Arial" charset="0"/>
                 <a:sym typeface="Cabin"/>
               </a:rPr>
               <a:t>x = 2</a:t>
@@ -40056,37 +39996,37 @@
               <a:buNone/>
             </a:pPr>
             <a:r>
-              <a:rPr lang="en-US" sz="3600" b="0" i="0" u="none" strike="noStrike" cap="none">
+              <a:rPr lang="en-US" sz="3600" u="none" strike="noStrike" cap="none">
                 <a:solidFill>
                   <a:srgbClr val="FFFF00"/>
                 </a:solidFill>
-                <a:latin typeface="Cabin"/>
-                <a:ea typeface="Cabin"/>
-                <a:cs typeface="Cabin"/>
+                <a:latin typeface="Arial" charset="0"/>
+                <a:ea typeface="Arial" charset="0"/>
+                <a:cs typeface="Arial" charset="0"/>
                 <a:sym typeface="Cabin"/>
               </a:rPr>
               <a:t>print</a:t>
             </a:r>
             <a:r>
-              <a:rPr lang="en-US" sz="3600" b="0" i="0" u="none" strike="noStrike" cap="none">
+              <a:rPr lang="en-US" sz="3600" u="none" strike="noStrike" cap="none">
                 <a:solidFill>
                   <a:srgbClr val="FF7F00"/>
                 </a:solidFill>
-                <a:latin typeface="Cabin"/>
-                <a:ea typeface="Cabin"/>
-                <a:cs typeface="Cabin"/>
+                <a:latin typeface="Arial" charset="0"/>
+                <a:ea typeface="Arial" charset="0"/>
+                <a:cs typeface="Arial" charset="0"/>
                 <a:sym typeface="Cabin"/>
               </a:rPr>
               <a:t> </a:t>
             </a:r>
             <a:r>
-              <a:rPr lang="en-US" sz="3600" b="0" i="0" u="none" strike="noStrike" cap="none">
+              <a:rPr lang="en-US" sz="3600" u="none" strike="noStrike" cap="none">
                 <a:solidFill>
                   <a:srgbClr val="00FF00"/>
                 </a:solidFill>
-                <a:latin typeface="Cabin"/>
-                <a:ea typeface="Cabin"/>
-                <a:cs typeface="Cabin"/>
+                <a:latin typeface="Arial" charset="0"/>
+                <a:ea typeface="Arial" charset="0"/>
+                <a:cs typeface="Arial" charset="0"/>
                 <a:sym typeface="Cabin"/>
               </a:rPr>
               <a:t>x</a:t>
@@ -40111,13 +40051,13 @@
               <a:buNone/>
             </a:pPr>
             <a:r>
-              <a:rPr lang="en-US" sz="3600" b="0" i="0" u="none" strike="noStrike" cap="none">
+              <a:rPr lang="en-US" sz="3600" u="none" strike="noStrike" cap="none">
                 <a:solidFill>
                   <a:srgbClr val="00FF00"/>
                 </a:solidFill>
-                <a:latin typeface="Cabin"/>
-                <a:ea typeface="Cabin"/>
-                <a:cs typeface="Cabin"/>
+                <a:latin typeface="Arial" charset="0"/>
+                <a:ea typeface="Arial" charset="0"/>
+                <a:cs typeface="Arial" charset="0"/>
                 <a:sym typeface="Cabin"/>
               </a:rPr>
               <a:t>x = x + 2</a:t>
@@ -40142,37 +40082,37 @@
               <a:buNone/>
             </a:pPr>
             <a:r>
-              <a:rPr lang="en-US" sz="3600" b="0" i="0" u="none" strike="noStrike" cap="none">
+              <a:rPr lang="en-US" sz="3600" u="none" strike="noStrike" cap="none">
                 <a:solidFill>
                   <a:srgbClr val="FFFF00"/>
                 </a:solidFill>
-                <a:latin typeface="Cabin"/>
-                <a:ea typeface="Cabin"/>
-                <a:cs typeface="Cabin"/>
+                <a:latin typeface="Arial" charset="0"/>
+                <a:ea typeface="Arial" charset="0"/>
+                <a:cs typeface="Arial" charset="0"/>
                 <a:sym typeface="Cabin"/>
               </a:rPr>
               <a:t>print</a:t>
             </a:r>
             <a:r>
-              <a:rPr lang="en-US" sz="3600" b="0" i="0" u="none" strike="noStrike" cap="none">
+              <a:rPr lang="en-US" sz="3600" u="none" strike="noStrike" cap="none">
                 <a:solidFill>
                   <a:srgbClr val="FF7F00"/>
                 </a:solidFill>
-                <a:latin typeface="Cabin"/>
-                <a:ea typeface="Cabin"/>
-                <a:cs typeface="Cabin"/>
+                <a:latin typeface="Arial" charset="0"/>
+                <a:ea typeface="Arial" charset="0"/>
+                <a:cs typeface="Arial" charset="0"/>
                 <a:sym typeface="Cabin"/>
               </a:rPr>
               <a:t> </a:t>
             </a:r>
             <a:r>
-              <a:rPr lang="en-US" sz="3600" b="0" i="0" u="none" strike="noStrike" cap="none">
+              <a:rPr lang="en-US" sz="3600" u="none" strike="noStrike" cap="none">
                 <a:solidFill>
                   <a:srgbClr val="00FF00"/>
                 </a:solidFill>
-                <a:latin typeface="Cabin"/>
-                <a:ea typeface="Cabin"/>
-                <a:cs typeface="Cabin"/>
+                <a:latin typeface="Arial" charset="0"/>
+                <a:ea typeface="Arial" charset="0"/>
+                <a:cs typeface="Arial" charset="0"/>
                 <a:sym typeface="Cabin"/>
               </a:rPr>
               <a:t>x</a:t>
@@ -40223,13 +40163,13 @@
               <a:buNone/>
             </a:pPr>
             <a:r>
-              <a:rPr lang="en-US" sz="3600" b="0" i="0" u="none" strike="noStrike" cap="none">
+              <a:rPr lang="en-US" sz="3600" u="none" strike="noStrike" cap="none">
                 <a:solidFill>
                   <a:schemeClr val="lt1"/>
                 </a:solidFill>
-                <a:latin typeface="Cabin"/>
-                <a:ea typeface="Cabin"/>
-                <a:cs typeface="Cabin"/>
+                <a:latin typeface="Arial" charset="0"/>
+                <a:ea typeface="Arial" charset="0"/>
+                <a:cs typeface="Arial" charset="0"/>
                 <a:sym typeface="Cabin"/>
               </a:rPr>
               <a:t>Output:</a:t>
@@ -40248,13 +40188,13 @@
               </a:spcAft>
               <a:buNone/>
             </a:pPr>
-            <a:endParaRPr sz="3600" b="0" i="0" u="none" strike="noStrike" cap="none">
+            <a:endParaRPr sz="3600" u="none" strike="noStrike" cap="none">
               <a:solidFill>
                 <a:schemeClr val="lt1"/>
               </a:solidFill>
-              <a:latin typeface="Cabin"/>
-              <a:ea typeface="Cabin"/>
-              <a:cs typeface="Cabin"/>
+              <a:latin typeface="Arial" charset="0"/>
+              <a:ea typeface="Arial" charset="0"/>
+              <a:cs typeface="Arial" charset="0"/>
               <a:sym typeface="Cabin"/>
             </a:endParaRPr>
           </a:p>
@@ -40277,13 +40217,13 @@
               <a:buNone/>
             </a:pPr>
             <a:r>
-              <a:rPr lang="en-US" sz="3600" b="0" i="0" u="none" strike="noStrike" cap="none">
+              <a:rPr lang="en-US" sz="3600" u="none" strike="noStrike" cap="none">
                 <a:solidFill>
                   <a:srgbClr val="FFFF00"/>
                 </a:solidFill>
-                <a:latin typeface="Cabin"/>
-                <a:ea typeface="Cabin"/>
-                <a:cs typeface="Cabin"/>
+                <a:latin typeface="Arial" charset="0"/>
+                <a:ea typeface="Arial" charset="0"/>
+                <a:cs typeface="Arial" charset="0"/>
                 <a:sym typeface="Cabin"/>
               </a:rPr>
               <a:t>2</a:t>
@@ -40308,13 +40248,13 @@
               <a:buNone/>
             </a:pPr>
             <a:r>
-              <a:rPr lang="en-US" sz="3600" b="0" i="0" u="none" strike="noStrike" cap="none">
+              <a:rPr lang="en-US" sz="3600" u="none" strike="noStrike" cap="none">
                 <a:solidFill>
                   <a:srgbClr val="FFFF00"/>
                 </a:solidFill>
-                <a:latin typeface="Cabin"/>
-                <a:ea typeface="Cabin"/>
-                <a:cs typeface="Cabin"/>
+                <a:latin typeface="Arial" charset="0"/>
+                <a:ea typeface="Arial" charset="0"/>
+                <a:cs typeface="Arial" charset="0"/>
                 <a:sym typeface="Cabin"/>
               </a:rPr>
               <a:t>4</a:t>
@@ -40371,13 +40311,13 @@
               <a:buNone/>
             </a:pPr>
             <a:r>
-              <a:rPr lang="en-US" sz="3500" b="0" i="0" u="none" strike="noStrike" cap="none">
+              <a:rPr lang="en-US" sz="3500" u="none" strike="noStrike" cap="none">
                 <a:solidFill>
                   <a:schemeClr val="lt1"/>
                 </a:solidFill>
-                <a:latin typeface="Cabin"/>
-                <a:ea typeface="Cabin"/>
-                <a:cs typeface="Cabin"/>
+                <a:latin typeface="Arial" charset="0"/>
+                <a:ea typeface="Arial" charset="0"/>
+                <a:cs typeface="Arial" charset="0"/>
                 <a:sym typeface="Cabin"/>
               </a:rPr>
               <a:t>x = 2</a:t>
@@ -40434,13 +40374,13 @@
               <a:buNone/>
             </a:pPr>
             <a:r>
-              <a:rPr lang="en-US" sz="3500" b="0" i="0" u="none" strike="noStrike" cap="none">
+              <a:rPr lang="en-US" sz="3500" u="none" strike="noStrike" cap="none">
                 <a:solidFill>
                   <a:schemeClr val="lt1"/>
                 </a:solidFill>
-                <a:latin typeface="Cabin"/>
-                <a:ea typeface="Cabin"/>
-                <a:cs typeface="Cabin"/>
+                <a:latin typeface="Arial" charset="0"/>
+                <a:ea typeface="Arial" charset="0"/>
+                <a:cs typeface="Arial" charset="0"/>
                 <a:sym typeface="Cabin"/>
               </a:rPr>
               <a:t>print x</a:t>
@@ -40523,13 +40463,13 @@
               <a:buNone/>
             </a:pPr>
             <a:r>
-              <a:rPr lang="en-US" sz="3500" b="0" i="0" u="none" strike="noStrike" cap="none">
+              <a:rPr lang="en-US" sz="3500" u="none" strike="noStrike" cap="none">
                 <a:solidFill>
                   <a:schemeClr val="lt1"/>
                 </a:solidFill>
-                <a:latin typeface="Cabin"/>
-                <a:ea typeface="Cabin"/>
-                <a:cs typeface="Cabin"/>
+                <a:latin typeface="Arial" charset="0"/>
+                <a:ea typeface="Arial" charset="0"/>
+                <a:cs typeface="Arial" charset="0"/>
                 <a:sym typeface="Cabin"/>
               </a:rPr>
               <a:t>x = x + 2</a:t>
@@ -40612,13 +40552,13 @@
               <a:buNone/>
             </a:pPr>
             <a:r>
-              <a:rPr lang="en-US" sz="3500" b="0" i="0" u="none" strike="noStrike" cap="none">
+              <a:rPr lang="en-US" sz="3500" u="none" strike="noStrike" cap="none">
                 <a:solidFill>
                   <a:schemeClr val="lt1"/>
                 </a:solidFill>
-                <a:latin typeface="Cabin"/>
-                <a:ea typeface="Cabin"/>
-                <a:cs typeface="Cabin"/>
+                <a:latin typeface="Arial" charset="0"/>
+                <a:ea typeface="Arial" charset="0"/>
+                <a:cs typeface="Arial" charset="0"/>
                 <a:sym typeface="Cabin"/>
               </a:rPr>
               <a:t>print x</a:t>
@@ -40747,13 +40687,13 @@
               <a:buNone/>
             </a:pPr>
             <a:r>
-              <a:rPr lang="en-US" sz="3300" b="0" i="0" u="none" strike="noStrike" cap="none">
+              <a:rPr lang="en-US" sz="3300" u="none" strike="noStrike" cap="none">
                 <a:solidFill>
                   <a:schemeClr val="lt1"/>
                 </a:solidFill>
-                <a:latin typeface="Cabin"/>
-                <a:ea typeface="Cabin"/>
-                <a:cs typeface="Cabin"/>
+                <a:latin typeface="Arial" charset="0"/>
+                <a:ea typeface="Arial" charset="0"/>
+                <a:cs typeface="Arial" charset="0"/>
                 <a:sym typeface="Cabin"/>
               </a:rPr>
               <a:t>When a program is running, it flows from one step to the next.  </a:t>
@@ -40763,21 +40703,21 @@
                 <a:solidFill>
                   <a:schemeClr val="lt1"/>
                 </a:solidFill>
-                <a:latin typeface="Cabin"/>
-                <a:ea typeface="Cabin"/>
-                <a:cs typeface="Cabin"/>
+                <a:latin typeface="Arial" charset="0"/>
+                <a:ea typeface="Arial" charset="0"/>
+                <a:cs typeface="Arial" charset="0"/>
                 <a:sym typeface="Cabin"/>
               </a:rPr>
               <a:t>A</a:t>
             </a:r>
             <a:r>
-              <a:rPr lang="en-US" sz="3300" b="0" i="0" u="none" strike="noStrike" cap="none">
+              <a:rPr lang="en-US" sz="3300" u="none" strike="noStrike" cap="none">
                 <a:solidFill>
                   <a:schemeClr val="lt1"/>
                 </a:solidFill>
-                <a:latin typeface="Cabin"/>
-                <a:ea typeface="Cabin"/>
-                <a:cs typeface="Cabin"/>
+                <a:latin typeface="Arial" charset="0"/>
+                <a:ea typeface="Arial" charset="0"/>
+                <a:cs typeface="Arial" charset="0"/>
                 <a:sym typeface="Cabin"/>
               </a:rPr>
               <a:t>s programmers, we set up </a:t>
@@ -40795,13 +40735,13 @@
               <a:t>“</a:t>
             </a:r>
             <a:r>
-              <a:rPr lang="en-US" sz="3300" b="0" i="0" u="none" strike="noStrike" cap="none">
+              <a:rPr lang="en-US" sz="3300" u="none" strike="noStrike" cap="none">
                 <a:solidFill>
                   <a:schemeClr val="lt1"/>
                 </a:solidFill>
-                <a:latin typeface="Cabin"/>
-                <a:ea typeface="Cabin"/>
-                <a:cs typeface="Cabin"/>
+                <a:latin typeface="Arial" charset="0"/>
+                <a:ea typeface="Arial" charset="0"/>
+                <a:cs typeface="Arial" charset="0"/>
                 <a:sym typeface="Cabin"/>
               </a:rPr>
               <a:t>paths</a:t>
@@ -40819,13 +40759,13 @@
               <a:t>”</a:t>
             </a:r>
             <a:r>
-              <a:rPr lang="en-US" sz="3300" b="0" i="0" u="none" strike="noStrike" cap="none">
+              <a:rPr lang="en-US" sz="3300" u="none" strike="noStrike" cap="none">
                 <a:solidFill>
                   <a:schemeClr val="lt1"/>
                 </a:solidFill>
-                <a:latin typeface="Cabin"/>
-                <a:ea typeface="Cabin"/>
-                <a:cs typeface="Cabin"/>
+                <a:latin typeface="Arial" charset="0"/>
+                <a:ea typeface="Arial" charset="0"/>
+                <a:cs typeface="Arial" charset="0"/>
                 <a:sym typeface="Cabin"/>
               </a:rPr>
               <a:t> for the program to follow.</a:t>
@@ -40905,13 +40845,13 @@
               <a:buNone/>
             </a:pPr>
             <a:r>
-              <a:rPr lang="en-US" sz="7600" b="0" i="0" u="none" strike="noStrike" cap="none">
+              <a:rPr lang="en-US" sz="7600" u="none" strike="noStrike" cap="none">
                 <a:solidFill>
                   <a:srgbClr val="FFFF00"/>
                 </a:solidFill>
-                <a:latin typeface="Cabin"/>
-                <a:ea typeface="Cabin"/>
-                <a:cs typeface="Cabin"/>
+                <a:latin typeface="Arial" charset="0"/>
+                <a:ea typeface="Arial" charset="0"/>
+                <a:cs typeface="Arial" charset="0"/>
                 <a:sym typeface="Cabin"/>
               </a:rPr>
               <a:t>Conditional Steps</a:t>
@@ -40962,13 +40902,13 @@
               <a:buNone/>
             </a:pPr>
             <a:r>
-              <a:rPr lang="en-US" sz="3600" b="0" i="0" u="none" strike="noStrike" cap="none">
+              <a:rPr lang="en-US" sz="3600" u="none" strike="noStrike" cap="none">
                 <a:solidFill>
                   <a:schemeClr val="lt1"/>
                 </a:solidFill>
-                <a:latin typeface="Cabin"/>
-                <a:ea typeface="Cabin"/>
-                <a:cs typeface="Cabin"/>
+                <a:latin typeface="Arial" charset="0"/>
+                <a:ea typeface="Arial" charset="0"/>
+                <a:cs typeface="Arial" charset="0"/>
                 <a:sym typeface="Cabin"/>
               </a:rPr>
               <a:t>Output:</a:t>
@@ -40987,13 +40927,13 @@
               </a:spcAft>
               <a:buNone/>
             </a:pPr>
-            <a:endParaRPr sz="3600" b="0" i="0" u="none" strike="noStrike" cap="none">
+            <a:endParaRPr sz="3600" u="none" strike="noStrike" cap="none">
               <a:solidFill>
                 <a:schemeClr val="lt1"/>
               </a:solidFill>
-              <a:latin typeface="Cabin"/>
-              <a:ea typeface="Cabin"/>
-              <a:cs typeface="Cabin"/>
+              <a:latin typeface="Arial" charset="0"/>
+              <a:ea typeface="Arial" charset="0"/>
+              <a:cs typeface="Arial" charset="0"/>
               <a:sym typeface="Cabin"/>
             </a:endParaRPr>
           </a:p>
@@ -41016,13 +40956,13 @@
               <a:buNone/>
             </a:pPr>
             <a:r>
-              <a:rPr lang="en-US" sz="3600" b="0" i="0" u="none" strike="noStrike" cap="none">
+              <a:rPr lang="en-US" sz="3600" u="none" strike="noStrike" cap="none">
                 <a:solidFill>
                   <a:srgbClr val="FFFF00"/>
                 </a:solidFill>
-                <a:latin typeface="Cabin"/>
-                <a:ea typeface="Cabin"/>
-                <a:cs typeface="Cabin"/>
+                <a:latin typeface="Arial" charset="0"/>
+                <a:ea typeface="Arial" charset="0"/>
+                <a:cs typeface="Arial" charset="0"/>
                 <a:sym typeface="Cabin"/>
               </a:rPr>
               <a:t>Smaller</a:t>
@@ -41047,13 +40987,13 @@
               <a:buNone/>
             </a:pPr>
             <a:r>
-              <a:rPr lang="en-US" sz="3600" b="0" i="0" u="none" strike="noStrike" cap="none">
+              <a:rPr lang="en-US" sz="3600" u="none" strike="noStrike" cap="none">
                 <a:solidFill>
                   <a:srgbClr val="FFFF00"/>
                 </a:solidFill>
-                <a:latin typeface="Cabin"/>
-                <a:ea typeface="Cabin"/>
-                <a:cs typeface="Cabin"/>
+                <a:latin typeface="Arial" charset="0"/>
+                <a:ea typeface="Arial" charset="0"/>
+                <a:cs typeface="Arial" charset="0"/>
                 <a:sym typeface="Cabin"/>
               </a:rPr>
               <a:t>Finis</a:t>
@@ -41104,13 +41044,13 @@
               <a:buNone/>
             </a:pPr>
             <a:r>
-              <a:rPr lang="en-US" sz="3600" b="0" i="0" u="none" strike="noStrike" cap="none">
+              <a:rPr lang="en-US" sz="3600" u="none" strike="noStrike" cap="none">
                 <a:solidFill>
                   <a:schemeClr val="lt1"/>
                 </a:solidFill>
-                <a:latin typeface="Cabin"/>
-                <a:ea typeface="Cabin"/>
-                <a:cs typeface="Cabin"/>
+                <a:latin typeface="Arial" charset="0"/>
+                <a:ea typeface="Arial" charset="0"/>
+                <a:cs typeface="Arial" charset="0"/>
                 <a:sym typeface="Cabin"/>
               </a:rPr>
               <a:t>Program:</a:t>
@@ -41129,13 +41069,13 @@
               </a:spcAft>
               <a:buNone/>
             </a:pPr>
-            <a:endParaRPr sz="3600" b="0" i="0" u="none" strike="noStrike" cap="none">
+            <a:endParaRPr sz="3600" u="none" strike="noStrike" cap="none">
               <a:solidFill>
                 <a:srgbClr val="FF7F00"/>
               </a:solidFill>
-              <a:latin typeface="Cabin"/>
-              <a:ea typeface="Cabin"/>
-              <a:cs typeface="Cabin"/>
+              <a:latin typeface="Arial" charset="0"/>
+              <a:ea typeface="Arial" charset="0"/>
+              <a:cs typeface="Arial" charset="0"/>
               <a:sym typeface="Cabin"/>
             </a:endParaRPr>
           </a:p>
@@ -41158,13 +41098,13 @@
               <a:buNone/>
             </a:pPr>
             <a:r>
-              <a:rPr lang="en-US" sz="3600" b="0" i="0" u="none" strike="noStrike" cap="none">
+              <a:rPr lang="en-US" sz="3600" u="none" strike="noStrike" cap="none">
                 <a:solidFill>
                   <a:srgbClr val="00FF00"/>
                 </a:solidFill>
-                <a:latin typeface="Cabin"/>
-                <a:ea typeface="Cabin"/>
-                <a:cs typeface="Cabin"/>
+                <a:latin typeface="Arial" charset="0"/>
+                <a:ea typeface="Arial" charset="0"/>
+                <a:cs typeface="Arial" charset="0"/>
                 <a:sym typeface="Cabin"/>
               </a:rPr>
               <a:t>x = 5</a:t>
@@ -41189,37 +41129,37 @@
               <a:buNone/>
             </a:pPr>
             <a:r>
-              <a:rPr lang="en-US" sz="3600" b="0" i="0" u="none" strike="noStrike" cap="none">
+              <a:rPr lang="en-US" sz="3600" u="none" strike="noStrike" cap="none">
                 <a:solidFill>
                   <a:srgbClr val="FFFF00"/>
                 </a:solidFill>
-                <a:latin typeface="Cabin"/>
-                <a:ea typeface="Cabin"/>
-                <a:cs typeface="Cabin"/>
+                <a:latin typeface="Arial" charset="0"/>
+                <a:ea typeface="Arial" charset="0"/>
+                <a:cs typeface="Arial" charset="0"/>
                 <a:sym typeface="Cabin"/>
               </a:rPr>
               <a:t>if</a:t>
             </a:r>
             <a:r>
-              <a:rPr lang="en-US" sz="3600" b="0" i="0" u="none" strike="noStrike" cap="none">
+              <a:rPr lang="en-US" sz="3600" u="none" strike="noStrike" cap="none">
                 <a:solidFill>
                   <a:srgbClr val="FF7F00"/>
                 </a:solidFill>
-                <a:latin typeface="Cabin"/>
-                <a:ea typeface="Cabin"/>
-                <a:cs typeface="Cabin"/>
+                <a:latin typeface="Arial" charset="0"/>
+                <a:ea typeface="Arial" charset="0"/>
+                <a:cs typeface="Arial" charset="0"/>
                 <a:sym typeface="Cabin"/>
               </a:rPr>
               <a:t> </a:t>
             </a:r>
             <a:r>
-              <a:rPr lang="en-US" sz="3600" b="0" i="0" u="none" strike="noStrike" cap="none">
+              <a:rPr lang="en-US" sz="3600" u="none" strike="noStrike" cap="none">
                 <a:solidFill>
                   <a:srgbClr val="00FF00"/>
                 </a:solidFill>
-                <a:latin typeface="Cabin"/>
-                <a:ea typeface="Cabin"/>
-                <a:cs typeface="Cabin"/>
+                <a:latin typeface="Arial" charset="0"/>
+                <a:ea typeface="Arial" charset="0"/>
+                <a:cs typeface="Arial" charset="0"/>
                 <a:sym typeface="Cabin"/>
               </a:rPr>
               <a:t>x &lt; 10:</a:t>
@@ -41244,49 +41184,49 @@
               <a:buNone/>
             </a:pPr>
             <a:r>
-              <a:rPr lang="en-US" sz="3600" b="0" i="0" u="none" strike="noStrike" cap="none">
+              <a:rPr lang="en-US" sz="3600" u="none" strike="noStrike" cap="none">
                 <a:solidFill>
                   <a:srgbClr val="FF7F00"/>
                 </a:solidFill>
-                <a:latin typeface="Cabin"/>
-                <a:ea typeface="Cabin"/>
-                <a:cs typeface="Cabin"/>
+                <a:latin typeface="Arial" charset="0"/>
+                <a:ea typeface="Arial" charset="0"/>
+                <a:cs typeface="Arial" charset="0"/>
                 <a:sym typeface="Cabin"/>
               </a:rPr>
               <a:t>    </a:t>
             </a:r>
             <a:r>
-              <a:rPr lang="en-US" sz="3600" b="0" i="0" u="none" strike="noStrike" cap="none">
+              <a:rPr lang="en-US" sz="3600" u="none" strike="noStrike" cap="none">
                 <a:solidFill>
                   <a:srgbClr val="FFFF00"/>
                 </a:solidFill>
-                <a:latin typeface="Cabin"/>
-                <a:ea typeface="Cabin"/>
-                <a:cs typeface="Cabin"/>
+                <a:latin typeface="Arial" charset="0"/>
+                <a:ea typeface="Arial" charset="0"/>
+                <a:cs typeface="Arial" charset="0"/>
                 <a:sym typeface="Cabin"/>
               </a:rPr>
               <a:t>print</a:t>
             </a:r>
             <a:r>
-              <a:rPr lang="en-US" sz="3600" b="0" i="0" u="none" strike="noStrike" cap="none">
+              <a:rPr lang="en-US" sz="3600" u="none" strike="noStrike" cap="none">
                 <a:solidFill>
                   <a:srgbClr val="FF7F00"/>
                 </a:solidFill>
-                <a:latin typeface="Cabin"/>
-                <a:ea typeface="Cabin"/>
-                <a:cs typeface="Cabin"/>
+                <a:latin typeface="Arial" charset="0"/>
+                <a:ea typeface="Arial" charset="0"/>
+                <a:cs typeface="Arial" charset="0"/>
                 <a:sym typeface="Cabin"/>
               </a:rPr>
               <a:t> </a:t>
             </a:r>
             <a:r>
-              <a:rPr lang="en-US" sz="3600" b="0" i="0" u="none" strike="noStrike" cap="none">
+              <a:rPr lang="en-US" sz="3600" u="none" strike="noStrike" cap="none">
                 <a:solidFill>
                   <a:srgbClr val="00FF00"/>
                 </a:solidFill>
-                <a:latin typeface="Cabin"/>
-                <a:ea typeface="Cabin"/>
-                <a:cs typeface="Cabin"/>
+                <a:latin typeface="Arial" charset="0"/>
+                <a:ea typeface="Arial" charset="0"/>
+                <a:cs typeface="Arial" charset="0"/>
                 <a:sym typeface="Cabin"/>
               </a:rPr>
               <a:t>'Smaller’</a:t>
@@ -41311,37 +41251,37 @@
               <a:buNone/>
             </a:pPr>
             <a:r>
-              <a:rPr lang="en-US" sz="3600" b="0" i="0" u="none" strike="noStrike" cap="none">
+              <a:rPr lang="en-US" sz="3600" u="none" strike="noStrike" cap="none">
                 <a:solidFill>
                   <a:srgbClr val="FFFF00"/>
                 </a:solidFill>
-                <a:latin typeface="Cabin"/>
-                <a:ea typeface="Cabin"/>
-                <a:cs typeface="Cabin"/>
+                <a:latin typeface="Arial" charset="0"/>
+                <a:ea typeface="Arial" charset="0"/>
+                <a:cs typeface="Arial" charset="0"/>
                 <a:sym typeface="Cabin"/>
               </a:rPr>
               <a:t>if</a:t>
             </a:r>
             <a:r>
-              <a:rPr lang="en-US" sz="3600" b="0" i="0" u="none" strike="noStrike" cap="none">
+              <a:rPr lang="en-US" sz="3600" u="none" strike="noStrike" cap="none">
                 <a:solidFill>
                   <a:srgbClr val="FF7F00"/>
                 </a:solidFill>
-                <a:latin typeface="Cabin"/>
-                <a:ea typeface="Cabin"/>
-                <a:cs typeface="Cabin"/>
+                <a:latin typeface="Arial" charset="0"/>
+                <a:ea typeface="Arial" charset="0"/>
+                <a:cs typeface="Arial" charset="0"/>
                 <a:sym typeface="Cabin"/>
               </a:rPr>
               <a:t> </a:t>
             </a:r>
             <a:r>
-              <a:rPr lang="en-US" sz="3600" b="0" i="0" u="none" strike="noStrike" cap="none">
+              <a:rPr lang="en-US" sz="3600" u="none" strike="noStrike" cap="none">
                 <a:solidFill>
                   <a:srgbClr val="00FF00"/>
                 </a:solidFill>
-                <a:latin typeface="Cabin"/>
-                <a:ea typeface="Cabin"/>
-                <a:cs typeface="Cabin"/>
+                <a:latin typeface="Arial" charset="0"/>
+                <a:ea typeface="Arial" charset="0"/>
+                <a:cs typeface="Arial" charset="0"/>
                 <a:sym typeface="Cabin"/>
               </a:rPr>
               <a:t>x &gt; 20:</a:t>
@@ -41366,49 +41306,49 @@
               <a:buNone/>
             </a:pPr>
             <a:r>
-              <a:rPr lang="en-US" sz="3600" b="0" i="0" u="none" strike="noStrike" cap="none">
+              <a:rPr lang="en-US" sz="3600" u="none" strike="noStrike" cap="none">
                 <a:solidFill>
                   <a:srgbClr val="FF7F00"/>
                 </a:solidFill>
-                <a:latin typeface="Cabin"/>
-                <a:ea typeface="Cabin"/>
-                <a:cs typeface="Cabin"/>
+                <a:latin typeface="Arial" charset="0"/>
+                <a:ea typeface="Arial" charset="0"/>
+                <a:cs typeface="Arial" charset="0"/>
                 <a:sym typeface="Cabin"/>
               </a:rPr>
               <a:t>     </a:t>
             </a:r>
             <a:r>
-              <a:rPr lang="en-US" sz="3600" b="0" i="0" u="none" strike="noStrike" cap="none">
+              <a:rPr lang="en-US" sz="3600" u="none" strike="noStrike" cap="none">
                 <a:solidFill>
                   <a:srgbClr val="FFFF00"/>
                 </a:solidFill>
-                <a:latin typeface="Cabin"/>
-                <a:ea typeface="Cabin"/>
-                <a:cs typeface="Cabin"/>
+                <a:latin typeface="Arial" charset="0"/>
+                <a:ea typeface="Arial" charset="0"/>
+                <a:cs typeface="Arial" charset="0"/>
                 <a:sym typeface="Cabin"/>
               </a:rPr>
               <a:t>print</a:t>
             </a:r>
             <a:r>
-              <a:rPr lang="en-US" sz="3600" b="0" i="0" u="none" strike="noStrike" cap="none">
+              <a:rPr lang="en-US" sz="3600" u="none" strike="noStrike" cap="none">
                 <a:solidFill>
                   <a:srgbClr val="FF7F00"/>
                 </a:solidFill>
-                <a:latin typeface="Cabin"/>
-                <a:ea typeface="Cabin"/>
-                <a:cs typeface="Cabin"/>
+                <a:latin typeface="Arial" charset="0"/>
+                <a:ea typeface="Arial" charset="0"/>
+                <a:cs typeface="Arial" charset="0"/>
                 <a:sym typeface="Cabin"/>
               </a:rPr>
               <a:t> </a:t>
             </a:r>
             <a:r>
-              <a:rPr lang="en-US" sz="3600" b="0" i="0" u="none" strike="noStrike" cap="none">
+              <a:rPr lang="en-US" sz="3600" u="none" strike="noStrike" cap="none">
                 <a:solidFill>
                   <a:srgbClr val="00FF00"/>
                 </a:solidFill>
-                <a:latin typeface="Cabin"/>
-                <a:ea typeface="Cabin"/>
-                <a:cs typeface="Cabin"/>
+                <a:latin typeface="Arial" charset="0"/>
+                <a:ea typeface="Arial" charset="0"/>
+                <a:cs typeface="Arial" charset="0"/>
                 <a:sym typeface="Cabin"/>
               </a:rPr>
               <a:t>'Bigger'</a:t>
@@ -41427,13 +41367,13 @@
               </a:spcAft>
               <a:buNone/>
             </a:pPr>
-            <a:endParaRPr sz="3600" b="0" i="0" u="none" strike="noStrike" cap="none">
+            <a:endParaRPr sz="3600" u="none" strike="noStrike" cap="none">
               <a:solidFill>
                 <a:srgbClr val="00FF00"/>
               </a:solidFill>
-              <a:latin typeface="Cabin"/>
-              <a:ea typeface="Cabin"/>
-              <a:cs typeface="Cabin"/>
+              <a:latin typeface="Arial" charset="0"/>
+              <a:ea typeface="Arial" charset="0"/>
+              <a:cs typeface="Arial" charset="0"/>
               <a:sym typeface="Cabin"/>
             </a:endParaRPr>
           </a:p>
@@ -41456,37 +41396,37 @@
               <a:buNone/>
             </a:pPr>
             <a:r>
-              <a:rPr lang="en-US" sz="3600" b="0" i="0" u="none" strike="noStrike" cap="none">
+              <a:rPr lang="en-US" sz="3600" u="none" strike="noStrike" cap="none">
                 <a:solidFill>
                   <a:srgbClr val="FFFF00"/>
                 </a:solidFill>
-                <a:latin typeface="Cabin"/>
-                <a:ea typeface="Cabin"/>
-                <a:cs typeface="Cabin"/>
+                <a:latin typeface="Arial" charset="0"/>
+                <a:ea typeface="Arial" charset="0"/>
+                <a:cs typeface="Arial" charset="0"/>
                 <a:sym typeface="Cabin"/>
               </a:rPr>
               <a:t>print</a:t>
             </a:r>
             <a:r>
-              <a:rPr lang="en-US" sz="3600" b="0" i="0" u="none" strike="noStrike" cap="none">
+              <a:rPr lang="en-US" sz="3600" u="none" strike="noStrike" cap="none">
                 <a:solidFill>
                   <a:srgbClr val="FF7F00"/>
                 </a:solidFill>
-                <a:latin typeface="Cabin"/>
-                <a:ea typeface="Cabin"/>
-                <a:cs typeface="Cabin"/>
+                <a:latin typeface="Arial" charset="0"/>
+                <a:ea typeface="Arial" charset="0"/>
+                <a:cs typeface="Arial" charset="0"/>
                 <a:sym typeface="Cabin"/>
               </a:rPr>
               <a:t> </a:t>
             </a:r>
             <a:r>
-              <a:rPr lang="en-US" sz="3600" b="0" i="0" u="none" strike="noStrike" cap="none">
+              <a:rPr lang="en-US" sz="3600" u="none" strike="noStrike" cap="none">
                 <a:solidFill>
                   <a:srgbClr val="00FF00"/>
                 </a:solidFill>
-                <a:latin typeface="Cabin"/>
-                <a:ea typeface="Cabin"/>
-                <a:cs typeface="Cabin"/>
+                <a:latin typeface="Arial" charset="0"/>
+                <a:ea typeface="Arial" charset="0"/>
+                <a:cs typeface="Arial" charset="0"/>
                 <a:sym typeface="Cabin"/>
               </a:rPr>
               <a:t>'Finis'</a:t>
@@ -41543,13 +41483,13 @@
               <a:buNone/>
             </a:pPr>
             <a:r>
-              <a:rPr lang="en-US" sz="3000" b="0" i="0" u="none" strike="noStrike" cap="none">
+              <a:rPr lang="en-US" sz="3000" u="none" strike="noStrike" cap="none">
                 <a:solidFill>
                   <a:schemeClr val="lt1"/>
                 </a:solidFill>
-                <a:latin typeface="Cabin"/>
-                <a:ea typeface="Cabin"/>
-                <a:cs typeface="Cabin"/>
+                <a:latin typeface="Arial" charset="0"/>
+                <a:ea typeface="Arial" charset="0"/>
+                <a:cs typeface="Arial" charset="0"/>
                 <a:sym typeface="Cabin"/>
               </a:rPr>
               <a:t>x = 5</a:t>
@@ -41664,21 +41604,21 @@
                 <a:solidFill>
                   <a:schemeClr val="lt1"/>
                 </a:solidFill>
-                <a:latin typeface="Cabin"/>
-                <a:ea typeface="Cabin"/>
-                <a:cs typeface="Cabin"/>
+                <a:latin typeface="Arial" charset="0"/>
+                <a:ea typeface="Arial" charset="0"/>
+                <a:cs typeface="Arial" charset="0"/>
                 <a:sym typeface="Cabin"/>
               </a:rPr>
               <a:t>x</a:t>
             </a:r>
             <a:r>
-              <a:rPr lang="en-US" sz="3000" b="0" i="0" u="none" strike="noStrike" cap="none">
+              <a:rPr lang="en-US" sz="3000" u="none" strike="noStrike" cap="none">
                 <a:solidFill>
                   <a:schemeClr val="lt1"/>
                 </a:solidFill>
-                <a:latin typeface="Cabin"/>
-                <a:ea typeface="Cabin"/>
-                <a:cs typeface="Cabin"/>
+                <a:latin typeface="Arial" charset="0"/>
+                <a:ea typeface="Arial" charset="0"/>
+                <a:cs typeface="Arial" charset="0"/>
                 <a:sym typeface="Cabin"/>
               </a:rPr>
               <a:t> &lt; 10 ?</a:t>
@@ -41761,13 +41701,13 @@
               <a:buNone/>
             </a:pPr>
             <a:r>
-              <a:rPr lang="en-US" sz="3000" i="0" u="none" strike="noStrike" cap="none">
+              <a:rPr lang="en-US" sz="3000" u="none" strike="noStrike" cap="none">
                 <a:solidFill>
                   <a:schemeClr val="lt1"/>
                 </a:solidFill>
-                <a:latin typeface="Cabin"/>
-                <a:ea typeface="Cabin"/>
-                <a:cs typeface="Cabin"/>
+                <a:latin typeface="Arial" charset="0"/>
+                <a:ea typeface="Arial" charset="0"/>
+                <a:cs typeface="Arial" charset="0"/>
                 <a:sym typeface="Cabin"/>
               </a:rPr>
               <a:t>print 'Smaller'</a:t>
@@ -41932,21 +41872,21 @@
                 <a:solidFill>
                   <a:schemeClr val="lt1"/>
                 </a:solidFill>
-                <a:latin typeface="Cabin"/>
-                <a:ea typeface="Cabin"/>
-                <a:cs typeface="Cabin"/>
+                <a:latin typeface="Arial" charset="0"/>
+                <a:ea typeface="Arial" charset="0"/>
+                <a:cs typeface="Arial" charset="0"/>
                 <a:sym typeface="Cabin"/>
               </a:rPr>
               <a:t>x</a:t>
             </a:r>
             <a:r>
-              <a:rPr lang="en-US" sz="3000" b="0" i="0" u="none" strike="noStrike" cap="none">
+              <a:rPr lang="en-US" sz="3000" u="none" strike="noStrike" cap="none">
                 <a:solidFill>
                   <a:schemeClr val="lt1"/>
                 </a:solidFill>
-                <a:latin typeface="Cabin"/>
-                <a:ea typeface="Cabin"/>
-                <a:cs typeface="Cabin"/>
+                <a:latin typeface="Arial" charset="0"/>
+                <a:ea typeface="Arial" charset="0"/>
+                <a:cs typeface="Arial" charset="0"/>
                 <a:sym typeface="Cabin"/>
               </a:rPr>
               <a:t> &gt; 20 ?</a:t>
@@ -42029,13 +41969,13 @@
               <a:buNone/>
             </a:pPr>
             <a:r>
-              <a:rPr lang="en-US" sz="3000" b="0" i="0" u="none" strike="noStrike" cap="none">
+              <a:rPr lang="en-US" sz="3000" u="none" strike="noStrike" cap="none">
                 <a:solidFill>
                   <a:schemeClr val="lt1"/>
                 </a:solidFill>
-                <a:latin typeface="Cabin"/>
-                <a:ea typeface="Cabin"/>
-                <a:cs typeface="Cabin"/>
+                <a:latin typeface="Arial" charset="0"/>
+                <a:ea typeface="Arial" charset="0"/>
+                <a:cs typeface="Arial" charset="0"/>
                 <a:sym typeface="Cabin"/>
               </a:rPr>
               <a:t>print 'Bigger'</a:t>
@@ -42222,13 +42162,13 @@
               <a:buNone/>
             </a:pPr>
             <a:r>
-              <a:rPr lang="en-US" sz="3000" b="0" i="0" u="none" strike="noStrike" cap="none">
+              <a:rPr lang="en-US" sz="3000" u="none" strike="noStrike" cap="none">
                 <a:solidFill>
                   <a:schemeClr val="lt1"/>
                 </a:solidFill>
-                <a:latin typeface="Cabin"/>
-                <a:ea typeface="Cabin"/>
-                <a:cs typeface="Cabin"/>
+                <a:latin typeface="Arial" charset="0"/>
+                <a:ea typeface="Arial" charset="0"/>
+                <a:cs typeface="Arial" charset="0"/>
                 <a:sym typeface="Cabin"/>
               </a:rPr>
               <a:t>print 'Finis'</a:t>
@@ -42285,13 +42225,13 @@
               <a:buNone/>
             </a:pPr>
             <a:r>
-              <a:rPr lang="en-US" sz="3000" b="0" i="0" u="none" strike="noStrike" cap="none">
+              <a:rPr lang="en-US" sz="3000" u="none" strike="noStrike" cap="none">
                 <a:solidFill>
                   <a:srgbClr val="FFFFFF"/>
                 </a:solidFill>
-                <a:latin typeface="Cabin"/>
-                <a:ea typeface="Cabin"/>
-                <a:cs typeface="Cabin"/>
+                <a:latin typeface="Arial" charset="0"/>
+                <a:ea typeface="Arial" charset="0"/>
+                <a:cs typeface="Arial" charset="0"/>
                 <a:sym typeface="Cabin"/>
               </a:rPr>
               <a:t>Yes</a:t>
@@ -42387,9 +42327,9 @@
                 <a:solidFill>
                   <a:srgbClr val="FFFFFF"/>
                 </a:solidFill>
-                <a:latin typeface="Cabin"/>
-                <a:ea typeface="Cabin"/>
-                <a:cs typeface="Cabin"/>
+                <a:latin typeface="Arial" charset="0"/>
+                <a:ea typeface="Arial" charset="0"/>
+                <a:cs typeface="Arial" charset="0"/>
                 <a:sym typeface="Cabin"/>
               </a:rPr>
               <a:t>No</a:t>
@@ -42469,13 +42409,13 @@
               <a:buNone/>
             </a:pPr>
             <a:r>
-              <a:rPr lang="en-US" sz="7600" b="0" i="0" u="none" strike="noStrike" cap="none">
+              <a:rPr lang="en-US" sz="7600" u="none" strike="noStrike" cap="none">
                 <a:solidFill>
                   <a:srgbClr val="FFFF00"/>
                 </a:solidFill>
-                <a:latin typeface="Cabin"/>
-                <a:ea typeface="Cabin"/>
-                <a:cs typeface="Cabin"/>
+                <a:latin typeface="Arial" charset="0"/>
+                <a:ea typeface="Arial" charset="0"/>
+                <a:cs typeface="Arial" charset="0"/>
                 <a:sym typeface="Cabin"/>
               </a:rPr>
               <a:t>Repeated Steps</a:t>
@@ -42526,13 +42466,13 @@
               <a:buNone/>
             </a:pPr>
             <a:r>
-              <a:rPr lang="en-US" sz="3600" b="0" i="0" u="none" strike="noStrike" cap="none">
+              <a:rPr lang="en-US" sz="3600" u="none" strike="noStrike" cap="none">
                 <a:solidFill>
                   <a:schemeClr val="lt1"/>
                 </a:solidFill>
-                <a:latin typeface="Cabin"/>
-                <a:ea typeface="Cabin"/>
-                <a:cs typeface="Cabin"/>
+                <a:latin typeface="Arial" charset="0"/>
+                <a:ea typeface="Arial" charset="0"/>
+                <a:cs typeface="Arial" charset="0"/>
                 <a:sym typeface="Cabin"/>
               </a:rPr>
               <a:t>Output:</a:t>
@@ -42551,13 +42491,13 @@
               </a:spcAft>
               <a:buNone/>
             </a:pPr>
-            <a:endParaRPr sz="3600" b="0" i="0" u="none" strike="noStrike" cap="none">
+            <a:endParaRPr sz="3600" u="none" strike="noStrike" cap="none">
               <a:solidFill>
                 <a:srgbClr val="FF00FF"/>
               </a:solidFill>
-              <a:latin typeface="Cabin"/>
-              <a:ea typeface="Cabin"/>
-              <a:cs typeface="Cabin"/>
+              <a:latin typeface="Arial" charset="0"/>
+              <a:ea typeface="Arial" charset="0"/>
+              <a:cs typeface="Arial" charset="0"/>
               <a:sym typeface="Cabin"/>
             </a:endParaRPr>
           </a:p>
@@ -42580,13 +42520,13 @@
               <a:buNone/>
             </a:pPr>
             <a:r>
-              <a:rPr lang="en-US" sz="3600" b="0" i="0" u="none" strike="noStrike" cap="none">
+              <a:rPr lang="en-US" sz="3600" u="none" strike="noStrike" cap="none">
                 <a:solidFill>
                   <a:srgbClr val="FFFF00"/>
                 </a:solidFill>
-                <a:latin typeface="Cabin"/>
-                <a:ea typeface="Cabin"/>
-                <a:cs typeface="Cabin"/>
+                <a:latin typeface="Arial" charset="0"/>
+                <a:ea typeface="Arial" charset="0"/>
+                <a:cs typeface="Arial" charset="0"/>
                 <a:sym typeface="Cabin"/>
               </a:rPr>
               <a:t>5</a:t>
@@ -42611,13 +42551,13 @@
               <a:buNone/>
             </a:pPr>
             <a:r>
-              <a:rPr lang="en-US" sz="3600" b="0" i="0" u="none" strike="noStrike" cap="none">
+              <a:rPr lang="en-US" sz="3600" u="none" strike="noStrike" cap="none">
                 <a:solidFill>
                   <a:srgbClr val="FFFF00"/>
                 </a:solidFill>
-                <a:latin typeface="Cabin"/>
-                <a:ea typeface="Cabin"/>
-                <a:cs typeface="Cabin"/>
+                <a:latin typeface="Arial" charset="0"/>
+                <a:ea typeface="Arial" charset="0"/>
+                <a:cs typeface="Arial" charset="0"/>
                 <a:sym typeface="Cabin"/>
               </a:rPr>
               <a:t>4</a:t>
@@ -42642,13 +42582,13 @@
               <a:buNone/>
             </a:pPr>
             <a:r>
-              <a:rPr lang="en-US" sz="3600" b="0" i="0" u="none" strike="noStrike" cap="none">
+              <a:rPr lang="en-US" sz="3600" u="none" strike="noStrike" cap="none">
                 <a:solidFill>
                   <a:srgbClr val="FFFF00"/>
                 </a:solidFill>
-                <a:latin typeface="Cabin"/>
-                <a:ea typeface="Cabin"/>
-                <a:cs typeface="Cabin"/>
+                <a:latin typeface="Arial" charset="0"/>
+                <a:ea typeface="Arial" charset="0"/>
+                <a:cs typeface="Arial" charset="0"/>
                 <a:sym typeface="Cabin"/>
               </a:rPr>
               <a:t>3</a:t>
@@ -42673,13 +42613,13 @@
               <a:buNone/>
             </a:pPr>
             <a:r>
-              <a:rPr lang="en-US" sz="3600" b="0" i="0" u="none" strike="noStrike" cap="none">
+              <a:rPr lang="en-US" sz="3600" u="none" strike="noStrike" cap="none">
                 <a:solidFill>
                   <a:srgbClr val="FFFF00"/>
                 </a:solidFill>
-                <a:latin typeface="Cabin"/>
-                <a:ea typeface="Cabin"/>
-                <a:cs typeface="Cabin"/>
+                <a:latin typeface="Arial" charset="0"/>
+                <a:ea typeface="Arial" charset="0"/>
+                <a:cs typeface="Arial" charset="0"/>
                 <a:sym typeface="Cabin"/>
               </a:rPr>
               <a:t>2</a:t>
@@ -42704,13 +42644,13 @@
               <a:buNone/>
             </a:pPr>
             <a:r>
-              <a:rPr lang="en-US" sz="3600" b="0" i="0" u="none" strike="noStrike" cap="none">
+              <a:rPr lang="en-US" sz="3600" u="none" strike="noStrike" cap="none">
                 <a:solidFill>
                   <a:srgbClr val="FFFF00"/>
                 </a:solidFill>
-                <a:latin typeface="Cabin"/>
-                <a:ea typeface="Cabin"/>
-                <a:cs typeface="Cabin"/>
+                <a:latin typeface="Arial" charset="0"/>
+                <a:ea typeface="Arial" charset="0"/>
+                <a:cs typeface="Arial" charset="0"/>
                 <a:sym typeface="Cabin"/>
               </a:rPr>
               <a:t>1</a:t>
@@ -42735,13 +42675,13 @@
               <a:buNone/>
             </a:pPr>
             <a:r>
-              <a:rPr lang="en-US" sz="3600" b="0" i="0" u="none" strike="noStrike" cap="none">
+              <a:rPr lang="en-US" sz="3600" u="none" strike="noStrike" cap="none">
                 <a:solidFill>
                   <a:srgbClr val="FFFF00"/>
                 </a:solidFill>
-                <a:latin typeface="Cabin"/>
-                <a:ea typeface="Cabin"/>
-                <a:cs typeface="Cabin"/>
+                <a:latin typeface="Arial" charset="0"/>
+                <a:ea typeface="Arial" charset="0"/>
+                <a:cs typeface="Arial" charset="0"/>
                 <a:sym typeface="Cabin"/>
               </a:rPr>
               <a:t>Blastoff!</a:t>
@@ -42792,13 +42732,13 @@
               <a:buNone/>
             </a:pPr>
             <a:r>
-              <a:rPr lang="en-US" sz="3600" b="0" i="0" u="none" strike="noStrike" cap="none">
+              <a:rPr lang="en-US" sz="3600" u="none" strike="noStrike" cap="none">
                 <a:solidFill>
                   <a:schemeClr val="lt1"/>
                 </a:solidFill>
-                <a:latin typeface="Cabin"/>
-                <a:ea typeface="Cabin"/>
-                <a:cs typeface="Cabin"/>
+                <a:latin typeface="Arial" charset="0"/>
+                <a:ea typeface="Arial" charset="0"/>
+                <a:cs typeface="Arial" charset="0"/>
                 <a:sym typeface="Cabin"/>
               </a:rPr>
               <a:t>Program:</a:t>
@@ -42817,13 +42757,13 @@
               </a:spcAft>
               <a:buNone/>
             </a:pPr>
-            <a:endParaRPr sz="3600" b="0" i="0" u="none" strike="noStrike" cap="none">
+            <a:endParaRPr sz="3600" u="none" strike="noStrike" cap="none">
               <a:solidFill>
                 <a:srgbClr val="FF7F00"/>
               </a:solidFill>
-              <a:latin typeface="Cabin"/>
-              <a:ea typeface="Cabin"/>
-              <a:cs typeface="Cabin"/>
+              <a:latin typeface="Arial" charset="0"/>
+              <a:ea typeface="Arial" charset="0"/>
+              <a:cs typeface="Arial" charset="0"/>
               <a:sym typeface="Cabin"/>
             </a:endParaRPr>
           </a:p>
@@ -42846,13 +42786,13 @@
               <a:buNone/>
             </a:pPr>
             <a:r>
-              <a:rPr lang="en-US" sz="3600" b="0" i="0" u="none" strike="noStrike" cap="none">
+              <a:rPr lang="en-US" sz="3600" u="none" strike="noStrike" cap="none">
                 <a:solidFill>
                   <a:srgbClr val="00FF00"/>
                 </a:solidFill>
-                <a:latin typeface="Cabin"/>
-                <a:ea typeface="Cabin"/>
-                <a:cs typeface="Cabin"/>
+                <a:latin typeface="Arial" charset="0"/>
+                <a:ea typeface="Arial" charset="0"/>
+                <a:cs typeface="Arial" charset="0"/>
                 <a:sym typeface="Cabin"/>
               </a:rPr>
               <a:t>n = 5</a:t>
@@ -42877,37 +42817,37 @@
               <a:buNone/>
             </a:pPr>
             <a:r>
-              <a:rPr lang="en-US" sz="3600" b="0" i="0" u="none" strike="noStrike" cap="none">
+              <a:rPr lang="en-US" sz="3600" u="none" strike="noStrike" cap="none">
                 <a:solidFill>
                   <a:srgbClr val="FFFF00"/>
                 </a:solidFill>
-                <a:latin typeface="Cabin"/>
-                <a:ea typeface="Cabin"/>
-                <a:cs typeface="Cabin"/>
+                <a:latin typeface="Arial" charset="0"/>
+                <a:ea typeface="Arial" charset="0"/>
+                <a:cs typeface="Arial" charset="0"/>
                 <a:sym typeface="Cabin"/>
               </a:rPr>
               <a:t>while</a:t>
             </a:r>
             <a:r>
-              <a:rPr lang="en-US" sz="3600" b="0" i="0" u="none" strike="noStrike" cap="none">
+              <a:rPr lang="en-US" sz="3600" u="none" strike="noStrike" cap="none">
                 <a:solidFill>
                   <a:srgbClr val="00FF00"/>
                 </a:solidFill>
-                <a:latin typeface="Cabin"/>
-                <a:ea typeface="Cabin"/>
-                <a:cs typeface="Cabin"/>
+                <a:latin typeface="Arial" charset="0"/>
+                <a:ea typeface="Arial" charset="0"/>
+                <a:cs typeface="Arial" charset="0"/>
                 <a:sym typeface="Cabin"/>
               </a:rPr>
               <a:t> n &gt; 0</a:t>
             </a:r>
             <a:r>
-              <a:rPr lang="en-US" sz="3600" b="0" i="0" u="none" strike="noStrike" cap="none">
+              <a:rPr lang="en-US" sz="3600" u="none" strike="noStrike" cap="none">
                 <a:solidFill>
                   <a:srgbClr val="FFFF00"/>
                 </a:solidFill>
-                <a:latin typeface="Cabin"/>
-                <a:ea typeface="Cabin"/>
-                <a:cs typeface="Cabin"/>
+                <a:latin typeface="Arial" charset="0"/>
+                <a:ea typeface="Arial" charset="0"/>
+                <a:cs typeface="Arial" charset="0"/>
                 <a:sym typeface="Cabin"/>
               </a:rPr>
               <a:t> :</a:t>
@@ -42932,25 +42872,25 @@
               <a:buNone/>
             </a:pPr>
             <a:r>
-              <a:rPr lang="en-US" sz="3600" b="0" i="0" u="none" strike="noStrike" cap="none">
+              <a:rPr lang="en-US" sz="3600" u="none" strike="noStrike" cap="none">
                 <a:solidFill>
                   <a:srgbClr val="FFFF00"/>
                 </a:solidFill>
-                <a:latin typeface="Cabin"/>
-                <a:ea typeface="Cabin"/>
-                <a:cs typeface="Cabin"/>
+                <a:latin typeface="Arial" charset="0"/>
+                <a:ea typeface="Arial" charset="0"/>
+                <a:cs typeface="Arial" charset="0"/>
                 <a:sym typeface="Cabin"/>
               </a:rPr>
               <a:t>    print </a:t>
             </a:r>
             <a:r>
-              <a:rPr lang="en-US" sz="3600" b="0" i="0" u="none" strike="noStrike" cap="none">
+              <a:rPr lang="en-US" sz="3600" u="none" strike="noStrike" cap="none">
                 <a:solidFill>
                   <a:srgbClr val="00FF00"/>
                 </a:solidFill>
-                <a:latin typeface="Cabin"/>
-                <a:ea typeface="Cabin"/>
-                <a:cs typeface="Cabin"/>
+                <a:latin typeface="Arial" charset="0"/>
+                <a:ea typeface="Arial" charset="0"/>
+                <a:cs typeface="Arial" charset="0"/>
                 <a:sym typeface="Cabin"/>
               </a:rPr>
               <a:t>n</a:t>
@@ -42975,25 +42915,25 @@
               <a:buNone/>
             </a:pPr>
             <a:r>
-              <a:rPr lang="en-US" sz="3600" b="0" i="0" u="none" strike="noStrike" cap="none">
+              <a:rPr lang="en-US" sz="3600" u="none" strike="noStrike" cap="none">
                 <a:solidFill>
                   <a:srgbClr val="FFFF00"/>
                 </a:solidFill>
-                <a:latin typeface="Cabin"/>
-                <a:ea typeface="Cabin"/>
-                <a:cs typeface="Cabin"/>
+                <a:latin typeface="Arial" charset="0"/>
+                <a:ea typeface="Arial" charset="0"/>
+                <a:cs typeface="Arial" charset="0"/>
                 <a:sym typeface="Cabin"/>
               </a:rPr>
               <a:t>    </a:t>
             </a:r>
             <a:r>
-              <a:rPr lang="en-US" sz="3600" b="0" i="0" u="none" strike="noStrike" cap="none">
+              <a:rPr lang="en-US" sz="3600" u="none" strike="noStrike" cap="none">
                 <a:solidFill>
                   <a:srgbClr val="00FF00"/>
                 </a:solidFill>
-                <a:latin typeface="Cabin"/>
-                <a:ea typeface="Cabin"/>
-                <a:cs typeface="Cabin"/>
+                <a:latin typeface="Arial" charset="0"/>
+                <a:ea typeface="Arial" charset="0"/>
+                <a:cs typeface="Arial" charset="0"/>
                 <a:sym typeface="Cabin"/>
               </a:rPr>
               <a:t>n = n – 1</a:t>
@@ -43018,25 +42958,25 @@
               <a:buNone/>
             </a:pPr>
             <a:r>
-              <a:rPr lang="en-US" sz="3600" b="0" i="0" u="none" strike="noStrike" cap="none">
+              <a:rPr lang="en-US" sz="3600" u="none" strike="noStrike" cap="none">
                 <a:solidFill>
                   <a:srgbClr val="FFFF00"/>
                 </a:solidFill>
-                <a:latin typeface="Cabin"/>
-                <a:ea typeface="Cabin"/>
-                <a:cs typeface="Cabin"/>
+                <a:latin typeface="Arial" charset="0"/>
+                <a:ea typeface="Arial" charset="0"/>
+                <a:cs typeface="Arial" charset="0"/>
                 <a:sym typeface="Cabin"/>
               </a:rPr>
               <a:t>print </a:t>
             </a:r>
             <a:r>
-              <a:rPr lang="en-US" sz="3600" b="0" i="0" u="none" strike="noStrike" cap="none">
+              <a:rPr lang="en-US" sz="3600" u="none" strike="noStrike" cap="none">
                 <a:solidFill>
                   <a:srgbClr val="00FF00"/>
                 </a:solidFill>
-                <a:latin typeface="Cabin"/>
-                <a:ea typeface="Cabin"/>
-                <a:cs typeface="Cabin"/>
+                <a:latin typeface="Arial" charset="0"/>
+                <a:ea typeface="Arial" charset="0"/>
+                <a:cs typeface="Arial" charset="0"/>
                 <a:sym typeface="Cabin"/>
               </a:rPr>
               <a:t>'Blastoff!'</a:t>
@@ -43145,13 +43085,13 @@
               <a:buNone/>
             </a:pPr>
             <a:r>
-              <a:rPr lang="en-US" sz="3600" b="0" i="0" u="none" strike="noStrike" cap="none">
+              <a:rPr lang="en-US" sz="3600" u="none" strike="noStrike" cap="none">
                 <a:solidFill>
                   <a:srgbClr val="FFFFFF"/>
                 </a:solidFill>
-                <a:latin typeface="Cabin"/>
-                <a:ea typeface="Cabin"/>
-                <a:cs typeface="Cabin"/>
+                <a:latin typeface="Arial" charset="0"/>
+                <a:ea typeface="Arial" charset="0"/>
+                <a:cs typeface="Arial" charset="0"/>
                 <a:sym typeface="Cabin"/>
               </a:rPr>
               <a:t>n &gt; 0 ?</a:t>
@@ -43464,73 +43404,73 @@
               <a:buNone/>
             </a:pPr>
             <a:r>
-              <a:rPr lang="en-US" sz="3600" b="0" i="0" u="none" strike="noStrike" cap="none">
+              <a:rPr lang="en-US" sz="3600" u="none" strike="noStrike" cap="none">
                 <a:solidFill>
                   <a:schemeClr val="lt1"/>
                 </a:solidFill>
-                <a:latin typeface="Cabin"/>
-                <a:ea typeface="Cabin"/>
-                <a:cs typeface="Cabin"/>
+                <a:latin typeface="Arial" charset="0"/>
+                <a:ea typeface="Arial" charset="0"/>
+                <a:cs typeface="Arial" charset="0"/>
                 <a:sym typeface="Cabin"/>
               </a:rPr>
               <a:t>Loops (repeated steps) have </a:t>
             </a:r>
             <a:r>
-              <a:rPr lang="en-US" sz="3600" b="0" i="0" u="none" strike="noStrike" cap="none">
+              <a:rPr lang="en-US" sz="3600" u="none" strike="noStrike" cap="none">
                 <a:solidFill>
                   <a:srgbClr val="00FF00"/>
                 </a:solidFill>
-                <a:latin typeface="Cabin"/>
-                <a:ea typeface="Cabin"/>
-                <a:cs typeface="Cabin"/>
+                <a:latin typeface="Arial" charset="0"/>
+                <a:ea typeface="Arial" charset="0"/>
+                <a:cs typeface="Arial" charset="0"/>
                 <a:sym typeface="Cabin"/>
               </a:rPr>
               <a:t>iteration variables</a:t>
             </a:r>
             <a:r>
-              <a:rPr lang="en-US" sz="3600" b="0" i="0" u="none" strike="noStrike" cap="none">
+              <a:rPr lang="en-US" sz="3600" u="none" strike="noStrike" cap="none">
                 <a:solidFill>
                   <a:srgbClr val="FF0000"/>
                 </a:solidFill>
-                <a:latin typeface="Cabin"/>
-                <a:ea typeface="Cabin"/>
-                <a:cs typeface="Cabin"/>
+                <a:latin typeface="Arial" charset="0"/>
+                <a:ea typeface="Arial" charset="0"/>
+                <a:cs typeface="Arial" charset="0"/>
                 <a:sym typeface="Cabin"/>
               </a:rPr>
               <a:t> </a:t>
             </a:r>
             <a:r>
-              <a:rPr lang="en-US" sz="3600" b="0" i="0" u="none" strike="noStrike" cap="none">
+              <a:rPr lang="en-US" sz="3600" u="none" strike="noStrike" cap="none">
                 <a:solidFill>
                   <a:schemeClr val="lt1"/>
                 </a:solidFill>
-                <a:latin typeface="Cabin"/>
-                <a:ea typeface="Cabin"/>
-                <a:cs typeface="Cabin"/>
+                <a:latin typeface="Arial" charset="0"/>
+                <a:ea typeface="Arial" charset="0"/>
+                <a:cs typeface="Arial" charset="0"/>
                 <a:sym typeface="Cabin"/>
               </a:rPr>
               <a:t>that change each time through a loop.  Often these </a:t>
             </a:r>
             <a:r>
-              <a:rPr lang="en-US" sz="3600" b="0" i="0" u="none" strike="noStrike" cap="none">
+              <a:rPr lang="en-US" sz="3600" u="none" strike="noStrike" cap="none">
                 <a:solidFill>
                   <a:srgbClr val="00FF00"/>
                 </a:solidFill>
-                <a:latin typeface="Cabin"/>
-                <a:ea typeface="Cabin"/>
-                <a:cs typeface="Cabin"/>
+                <a:latin typeface="Arial" charset="0"/>
+                <a:ea typeface="Arial" charset="0"/>
+                <a:cs typeface="Arial" charset="0"/>
                 <a:sym typeface="Cabin"/>
               </a:rPr>
               <a:t>iteration variables</a:t>
             </a:r>
             <a:r>
-              <a:rPr lang="en-US" sz="3600" b="0" i="0" u="none" strike="noStrike" cap="none">
+              <a:rPr lang="en-US" sz="3600" u="none" strike="noStrike" cap="none">
                 <a:solidFill>
                   <a:schemeClr val="lt1"/>
                 </a:solidFill>
-                <a:latin typeface="Cabin"/>
-                <a:ea typeface="Cabin"/>
-                <a:cs typeface="Cabin"/>
+                <a:latin typeface="Arial" charset="0"/>
+                <a:ea typeface="Arial" charset="0"/>
+                <a:cs typeface="Arial" charset="0"/>
                 <a:sym typeface="Cabin"/>
               </a:rPr>
               <a:t> go through a sequence of numbers.</a:t>
@@ -43587,13 +43527,13 @@
               <a:buNone/>
             </a:pPr>
             <a:r>
-              <a:rPr lang="en-US" sz="3600" b="0" i="0" u="none" strike="noStrike" cap="none">
+              <a:rPr lang="en-US" sz="3600" u="none" strike="noStrike" cap="none">
                 <a:solidFill>
                   <a:srgbClr val="FFFFFF"/>
                 </a:solidFill>
-                <a:latin typeface="Cabin"/>
-                <a:ea typeface="Cabin"/>
-                <a:cs typeface="Cabin"/>
+                <a:latin typeface="Arial" charset="0"/>
+                <a:ea typeface="Arial" charset="0"/>
+                <a:cs typeface="Arial" charset="0"/>
                 <a:sym typeface="Cabin"/>
               </a:rPr>
               <a:t>No</a:t>
@@ -43650,13 +43590,13 @@
               <a:buNone/>
             </a:pPr>
             <a:r>
-              <a:rPr lang="en-US" sz="3500" b="0" i="0" u="none" strike="noStrike" cap="none">
+              <a:rPr lang="en-US" sz="3500" u="none" strike="noStrike" cap="none">
                 <a:solidFill>
                   <a:schemeClr val="lt1"/>
                 </a:solidFill>
-                <a:latin typeface="Cabin"/>
-                <a:ea typeface="Cabin"/>
-                <a:cs typeface="Cabin"/>
+                <a:latin typeface="Arial" charset="0"/>
+                <a:ea typeface="Arial" charset="0"/>
+                <a:cs typeface="Arial" charset="0"/>
                 <a:sym typeface="Cabin"/>
               </a:rPr>
               <a:t>print 'Blastoff'</a:t>
@@ -43713,13 +43653,13 @@
               <a:buNone/>
             </a:pPr>
             <a:r>
-              <a:rPr lang="en-US" sz="3600" b="0" i="0" u="none" strike="noStrike" cap="none">
+              <a:rPr lang="en-US" sz="3600" u="none" strike="noStrike" cap="none">
                 <a:solidFill>
                   <a:srgbClr val="FFFFFF"/>
                 </a:solidFill>
-                <a:latin typeface="Cabin"/>
-                <a:ea typeface="Cabin"/>
-                <a:cs typeface="Cabin"/>
+                <a:latin typeface="Arial" charset="0"/>
+                <a:ea typeface="Arial" charset="0"/>
+                <a:cs typeface="Arial" charset="0"/>
                 <a:sym typeface="Cabin"/>
               </a:rPr>
               <a:t>Yes</a:t>
@@ -43776,13 +43716,13 @@
               <a:buNone/>
             </a:pPr>
             <a:r>
-              <a:rPr lang="en-US" sz="3500" b="0" i="0" u="none" strike="noStrike" cap="none">
+              <a:rPr lang="en-US" sz="3500" u="none" strike="noStrike" cap="none">
                 <a:solidFill>
                   <a:schemeClr val="lt1"/>
                 </a:solidFill>
-                <a:latin typeface="Cabin"/>
-                <a:ea typeface="Cabin"/>
-                <a:cs typeface="Cabin"/>
+                <a:latin typeface="Arial" charset="0"/>
+                <a:ea typeface="Arial" charset="0"/>
+                <a:cs typeface="Arial" charset="0"/>
                 <a:sym typeface="Cabin"/>
               </a:rPr>
               <a:t>n = 5</a:t>
@@ -43839,25 +43779,25 @@
               <a:buNone/>
             </a:pPr>
             <a:r>
-              <a:rPr lang="en-US" sz="3500" b="0" i="0" u="none" strike="noStrike" cap="none">
+              <a:rPr lang="en-US" sz="3500" u="none" strike="noStrike" cap="none">
                 <a:solidFill>
                   <a:schemeClr val="lt1"/>
                 </a:solidFill>
-                <a:latin typeface="Cabin"/>
-                <a:ea typeface="Cabin"/>
-                <a:cs typeface="Cabin"/>
+                <a:latin typeface="Arial" charset="0"/>
+                <a:ea typeface="Arial" charset="0"/>
+                <a:cs typeface="Arial" charset="0"/>
                 <a:sym typeface="Cabin"/>
               </a:rPr>
               <a:t>print </a:t>
             </a:r>
             <a:r>
-              <a:rPr lang="en-US" sz="3500" b="0" i="0" u="none" strike="noStrike" cap="none">
+              <a:rPr lang="en-US" sz="3500" u="none" strike="noStrike" cap="none">
                 <a:solidFill>
                   <a:srgbClr val="FFFFFF"/>
                 </a:solidFill>
-                <a:latin typeface="Cabin"/>
-                <a:ea typeface="Cabin"/>
-                <a:cs typeface="Cabin"/>
+                <a:latin typeface="Arial" charset="0"/>
+                <a:ea typeface="Arial" charset="0"/>
+                <a:cs typeface="Arial" charset="0"/>
                 <a:sym typeface="Cabin"/>
               </a:rPr>
               <a:t>n</a:t>
@@ -43944,21 +43884,21 @@
                 <a:solidFill>
                   <a:schemeClr val="lt1"/>
                 </a:solidFill>
-                <a:latin typeface="Cabin"/>
-                <a:ea typeface="Cabin"/>
-                <a:cs typeface="Cabin"/>
+                <a:latin typeface="Arial" charset="0"/>
+                <a:ea typeface="Arial" charset="0"/>
+                <a:cs typeface="Arial" charset="0"/>
                 <a:sym typeface="Cabin"/>
               </a:rPr>
               <a:t> </a:t>
             </a:r>
             <a:r>
-              <a:rPr lang="en-US" sz="3500" b="0" i="0" u="none" strike="noStrike" cap="none">
+              <a:rPr lang="en-US" sz="3500" u="none" strike="noStrike" cap="none">
                 <a:solidFill>
                   <a:schemeClr val="lt1"/>
                 </a:solidFill>
-                <a:latin typeface="Cabin"/>
-                <a:ea typeface="Cabin"/>
-                <a:cs typeface="Cabin"/>
+                <a:latin typeface="Arial" charset="0"/>
+                <a:ea typeface="Arial" charset="0"/>
+                <a:cs typeface="Arial" charset="0"/>
                 <a:sym typeface="Cabin"/>
               </a:rPr>
               <a:t>n = n -1</a:t>
@@ -44623,9 +44563,9 @@
                 <a:solidFill>
                   <a:srgbClr val="FFFF00"/>
                 </a:solidFill>
-                <a:latin typeface="Cabin"/>
-                <a:ea typeface="Cabin"/>
-                <a:cs typeface="Cabin"/>
+                <a:latin typeface="Arial" charset="0"/>
+                <a:ea typeface="Arial" charset="0"/>
+                <a:cs typeface="Arial" charset="0"/>
                 <a:sym typeface="Cabin"/>
               </a:rPr>
               <a:t>Sequential</a:t>
@@ -44654,9 +44594,9 @@
                 <a:solidFill>
                   <a:srgbClr val="00FF00"/>
                 </a:solidFill>
-                <a:latin typeface="Cabin"/>
-                <a:ea typeface="Cabin"/>
-                <a:cs typeface="Cabin"/>
+                <a:latin typeface="Arial" charset="0"/>
+                <a:ea typeface="Arial" charset="0"/>
+                <a:cs typeface="Arial" charset="0"/>
                 <a:sym typeface="Cabin"/>
               </a:rPr>
               <a:t>Repeated</a:t>
@@ -44685,9 +44625,9 @@
                 <a:solidFill>
                   <a:srgbClr val="FF9900"/>
                 </a:solidFill>
-                <a:latin typeface="Cabin"/>
-                <a:ea typeface="Cabin"/>
-                <a:cs typeface="Cabin"/>
+                <a:latin typeface="Arial" charset="0"/>
+                <a:ea typeface="Arial" charset="0"/>
+                <a:cs typeface="Arial" charset="0"/>
                 <a:sym typeface="Cabin"/>
               </a:rPr>
               <a:t>Conditional</a:t>
@@ -45335,9 +45275,9 @@
                 <a:solidFill>
                   <a:srgbClr val="00FF00"/>
                 </a:solidFill>
-                <a:latin typeface="Cabin"/>
-                <a:ea typeface="Cabin"/>
-                <a:cs typeface="Cabin"/>
+                <a:latin typeface="Arial" charset="0"/>
+                <a:ea typeface="Arial" charset="0"/>
+                <a:cs typeface="Arial" charset="0"/>
                 <a:sym typeface="Cabin"/>
               </a:rPr>
               <a:t>A short Python “Story” about how to count words in a file</a:t>
@@ -45364,9 +45304,9 @@
               <a:solidFill>
                 <a:srgbClr val="00FF00"/>
               </a:solidFill>
-              <a:latin typeface="Cabin"/>
-              <a:ea typeface="Cabin"/>
-              <a:cs typeface="Cabin"/>
+              <a:latin typeface="Arial" charset="0"/>
+              <a:ea typeface="Arial" charset="0"/>
+              <a:cs typeface="Arial" charset="0"/>
               <a:sym typeface="Cabin"/>
             </a:endParaRPr>
           </a:p>
@@ -45393,9 +45333,9 @@
                 <a:solidFill>
                   <a:srgbClr val="FFFFFF"/>
                 </a:solidFill>
-                <a:latin typeface="Cabin"/>
-                <a:ea typeface="Cabin"/>
-                <a:cs typeface="Cabin"/>
+                <a:latin typeface="Arial" charset="0"/>
+                <a:ea typeface="Arial" charset="0"/>
+                <a:cs typeface="Arial" charset="0"/>
                 <a:sym typeface="Cabin"/>
               </a:rPr>
               <a:t>A word used to read data from a user </a:t>
@@ -45422,9 +45362,9 @@
               <a:solidFill>
                 <a:srgbClr val="00FFFF"/>
               </a:solidFill>
-              <a:latin typeface="Cabin"/>
-              <a:ea typeface="Cabin"/>
-              <a:cs typeface="Cabin"/>
+              <a:latin typeface="Arial" charset="0"/>
+              <a:ea typeface="Arial" charset="0"/>
+              <a:cs typeface="Arial" charset="0"/>
               <a:sym typeface="Cabin"/>
             </a:endParaRPr>
           </a:p>
@@ -45451,9 +45391,9 @@
                 <a:solidFill>
                   <a:srgbClr val="FFFF00"/>
                 </a:solidFill>
-                <a:latin typeface="Cabin"/>
-                <a:ea typeface="Cabin"/>
-                <a:cs typeface="Cabin"/>
+                <a:latin typeface="Arial" charset="0"/>
+                <a:ea typeface="Arial" charset="0"/>
+                <a:cs typeface="Arial" charset="0"/>
                 <a:sym typeface="Cabin"/>
               </a:rPr>
               <a:t>A sentence about updating one of the many counts</a:t>
@@ -45480,9 +45420,9 @@
               <a:solidFill>
                 <a:srgbClr val="FF00FF"/>
               </a:solidFill>
-              <a:latin typeface="Cabin"/>
-              <a:ea typeface="Cabin"/>
-              <a:cs typeface="Cabin"/>
+              <a:latin typeface="Arial" charset="0"/>
+              <a:ea typeface="Arial" charset="0"/>
+              <a:cs typeface="Arial" charset="0"/>
               <a:sym typeface="Cabin"/>
             </a:endParaRPr>
           </a:p>
@@ -45509,9 +45449,9 @@
                 <a:solidFill>
                   <a:srgbClr val="FF9900"/>
                 </a:solidFill>
-                <a:latin typeface="Cabin"/>
-                <a:ea typeface="Cabin"/>
-                <a:cs typeface="Cabin"/>
+                <a:latin typeface="Arial" charset="0"/>
+                <a:ea typeface="Arial" charset="0"/>
+                <a:cs typeface="Arial" charset="0"/>
                 <a:sym typeface="Cabin"/>
               </a:rPr>
               <a:t>A paragraph about how  to find the largest item in a list</a:t>
@@ -45669,13 +45609,13 @@
               <a:buNone/>
             </a:pPr>
             <a:r>
-              <a:rPr lang="en-US" sz="7600" b="0" i="0" u="none" strike="noStrike" cap="none">
+              <a:rPr lang="en-US" sz="7600" u="none" strike="noStrike" cap="none">
                 <a:solidFill>
                   <a:srgbClr val="FFFF00"/>
                 </a:solidFill>
-                <a:latin typeface="Cabin"/>
-                <a:ea typeface="Cabin"/>
-                <a:cs typeface="Cabin"/>
+                <a:latin typeface="Arial" charset="0"/>
+                <a:ea typeface="Arial" charset="0"/>
+                <a:cs typeface="Arial" charset="0"/>
                 <a:sym typeface="Cabin"/>
               </a:rPr>
               <a:t>Summary</a:t>
@@ -45730,25 +45670,25 @@
               <a:buChar char="•"/>
             </a:pPr>
             <a:r>
-              <a:rPr lang="en-US" sz="3600" b="0" i="0" u="none" strike="noStrike" cap="none">
+              <a:rPr lang="en-US" sz="3600" u="none" strike="noStrike" cap="none">
                 <a:solidFill>
                   <a:schemeClr val="lt1"/>
                 </a:solidFill>
-                <a:latin typeface="Cabin"/>
-                <a:ea typeface="Cabin"/>
-                <a:cs typeface="Cabin"/>
+                <a:latin typeface="Arial" charset="0"/>
+                <a:ea typeface="Arial" charset="0"/>
+                <a:cs typeface="Arial" charset="0"/>
                 <a:sym typeface="Cabin"/>
               </a:rPr>
               <a:t>This is a quick overview of </a:t>
             </a:r>
             <a:r>
-              <a:rPr lang="en-US" sz="3600" b="0" i="0" u="none" strike="noStrike" cap="none">
+              <a:rPr lang="en-US" sz="3600" u="none" strike="noStrike" cap="none">
                 <a:solidFill>
                   <a:srgbClr val="FFFF00"/>
                 </a:solidFill>
-                <a:latin typeface="Cabin"/>
-                <a:ea typeface="Cabin"/>
-                <a:cs typeface="Cabin"/>
+                <a:latin typeface="Arial" charset="0"/>
+                <a:ea typeface="Arial" charset="0"/>
+                <a:cs typeface="Arial" charset="0"/>
                 <a:sym typeface="Cabin"/>
               </a:rPr>
               <a:t>Chapter 1</a:t>
@@ -45773,13 +45713,13 @@
               <a:buChar char="•"/>
             </a:pPr>
             <a:r>
-              <a:rPr lang="en-US" sz="3600" b="0" i="0" u="none" strike="noStrike" cap="none">
+              <a:rPr lang="en-US" sz="3600" u="none" strike="noStrike" cap="none">
                 <a:solidFill>
                   <a:schemeClr val="lt1"/>
                 </a:solidFill>
-                <a:latin typeface="Cabin"/>
-                <a:ea typeface="Cabin"/>
-                <a:cs typeface="Cabin"/>
+                <a:latin typeface="Arial" charset="0"/>
+                <a:ea typeface="Arial" charset="0"/>
+                <a:cs typeface="Arial" charset="0"/>
                 <a:sym typeface="Cabin"/>
               </a:rPr>
               <a:t>We will revisit these concepts throughout the course</a:t>
@@ -45804,13 +45744,13 @@
               <a:buChar char="•"/>
             </a:pPr>
             <a:r>
-              <a:rPr lang="en-US" sz="3600" b="0" i="0" u="none" strike="noStrike" cap="none">
+              <a:rPr lang="en-US" sz="3600" u="none" strike="noStrike" cap="none">
                 <a:solidFill>
                   <a:schemeClr val="lt1"/>
                 </a:solidFill>
-                <a:latin typeface="Cabin"/>
-                <a:ea typeface="Cabin"/>
-                <a:cs typeface="Cabin"/>
+                <a:latin typeface="Arial" charset="0"/>
+                <a:ea typeface="Arial" charset="0"/>
+                <a:cs typeface="Arial" charset="0"/>
                 <a:sym typeface="Cabin"/>
               </a:rPr>
               <a:t>Focus on the big picture</a:t>
@@ -46598,13 +46538,13 @@
               <a:buNone/>
             </a:pPr>
             <a:r>
-              <a:rPr lang="en-US" sz="2800" b="0" i="0" u="none" strike="noStrike" cap="none">
+              <a:rPr lang="en-US" sz="2800" u="none" strike="noStrike" cap="none">
                 <a:solidFill>
                   <a:schemeClr val="lt1"/>
                 </a:solidFill>
-                <a:latin typeface="Cabin"/>
-                <a:ea typeface="Cabin"/>
-                <a:cs typeface="Cabin"/>
+                <a:latin typeface="Arial" charset="0"/>
+                <a:ea typeface="Arial" charset="0"/>
+                <a:cs typeface="Arial" charset="0"/>
                 <a:sym typeface="Cabin"/>
               </a:rPr>
               <a:t>From a software creator’s point of view, we build the software. The end users (stakeholders/actors) are our masters - who we want to please - often they pay us money when they are pleased.  But the data, information, and networks are our problem to solve on their behalf.  The hardware and software are our friends and allies in this quest.</a:t>
@@ -46799,13 +46739,13 @@
               <a:buNone/>
             </a:pPr>
             <a:r>
-              <a:rPr lang="en-US" sz="3800" b="0" i="0" u="none" strike="noStrike" cap="none">
+              <a:rPr lang="en-US" sz="3800" u="none" strike="noStrike" cap="none">
                 <a:solidFill>
                   <a:schemeClr val="lt1"/>
                 </a:solidFill>
-                <a:latin typeface="Cabin"/>
-                <a:ea typeface="Cabin"/>
-                <a:cs typeface="Cabin"/>
+                <a:latin typeface="Arial" charset="0"/>
+                <a:ea typeface="Arial" charset="0"/>
+                <a:cs typeface="Arial" charset="0"/>
                 <a:sym typeface="Cabin"/>
               </a:rPr>
               <a:t>User</a:t>
@@ -46897,13 +46837,13 @@
                 <a:buNone/>
               </a:pPr>
               <a:r>
-                <a:rPr lang="en-US" sz="3800" b="0" i="0" u="none" strike="noStrike" cap="none">
+                <a:rPr lang="en-US" sz="3800" u="none" strike="noStrike" cap="none">
                   <a:solidFill>
                     <a:schemeClr val="lt1"/>
                   </a:solidFill>
-                  <a:latin typeface="Cabin"/>
-                  <a:ea typeface="Cabin"/>
-                  <a:cs typeface="Cabin"/>
+                  <a:latin typeface="Arial" charset="0"/>
+                  <a:ea typeface="Arial" charset="0"/>
+                  <a:cs typeface="Arial" charset="0"/>
                   <a:sym typeface="Cabin"/>
                 </a:rPr>
                 <a:t>Programmer</a:t>
@@ -47010,13 +46950,13 @@
               <a:buNone/>
             </a:pPr>
             <a:r>
-              <a:rPr lang="en-US" sz="7600" b="0" i="0" u="none" strike="noStrike" cap="none">
+              <a:rPr lang="en-US" sz="7600" u="none" strike="noStrike" cap="none">
                 <a:solidFill>
                   <a:srgbClr val="FFFF00"/>
                 </a:solidFill>
-                <a:latin typeface="Cabin"/>
-                <a:ea typeface="Cabin"/>
-                <a:cs typeface="Cabin"/>
+                <a:latin typeface="Arial" charset="0"/>
+                <a:ea typeface="Arial" charset="0"/>
+                <a:cs typeface="Arial" charset="0"/>
                 <a:sym typeface="Cabin"/>
               </a:rPr>
               <a:t>Why be a programmer?</a:t>
@@ -47071,13 +47011,13 @@
               <a:buChar char="•"/>
             </a:pPr>
             <a:r>
-              <a:rPr lang="en-US" sz="3600" b="0" i="0" u="none" strike="noStrike" cap="none">
+              <a:rPr lang="en-US" sz="3600" u="none" strike="noStrike" cap="none">
                 <a:solidFill>
                   <a:srgbClr val="FFFF00"/>
                 </a:solidFill>
-                <a:latin typeface="Cabin"/>
-                <a:ea typeface="Cabin"/>
-                <a:cs typeface="Cabin"/>
+                <a:latin typeface="Arial" charset="0"/>
+                <a:ea typeface="Arial" charset="0"/>
+                <a:cs typeface="Arial" charset="0"/>
                 <a:sym typeface="Cabin"/>
               </a:rPr>
               <a:t>To get some task done - we are the user and programmer</a:t>
@@ -47105,21 +47045,21 @@
                 <a:solidFill>
                   <a:schemeClr val="lt1"/>
                 </a:solidFill>
-                <a:latin typeface="Cabin"/>
-                <a:ea typeface="Cabin"/>
-                <a:cs typeface="Cabin"/>
+                <a:latin typeface="Arial" charset="0"/>
+                <a:ea typeface="Arial" charset="0"/>
+                <a:cs typeface="Arial" charset="0"/>
                 <a:sym typeface="Cabin"/>
               </a:rPr>
               <a:t> </a:t>
             </a:r>
             <a:r>
-              <a:rPr lang="en-US" sz="3600" b="0" i="0" u="none" strike="noStrike" cap="none">
+              <a:rPr lang="en-US" sz="3600" u="none" strike="noStrike" cap="none">
                 <a:solidFill>
                   <a:schemeClr val="lt1"/>
                 </a:solidFill>
-                <a:latin typeface="Cabin"/>
-                <a:ea typeface="Cabin"/>
-                <a:cs typeface="Cabin"/>
+                <a:latin typeface="Arial" charset="0"/>
+                <a:ea typeface="Arial" charset="0"/>
+                <a:cs typeface="Arial" charset="0"/>
                 <a:sym typeface="Cabin"/>
               </a:rPr>
               <a:t>Clean up survey data</a:t>
@@ -47144,13 +47084,13 @@
               <a:buChar char="•"/>
             </a:pPr>
             <a:r>
-              <a:rPr lang="en-US" sz="3600" b="0" i="0" u="none" strike="noStrike" cap="none">
+              <a:rPr lang="en-US" sz="3600" u="none" strike="noStrike" cap="none">
                 <a:solidFill>
                   <a:srgbClr val="FFFF00"/>
                 </a:solidFill>
-                <a:latin typeface="Cabin"/>
-                <a:ea typeface="Cabin"/>
-                <a:cs typeface="Cabin"/>
+                <a:latin typeface="Arial" charset="0"/>
+                <a:ea typeface="Arial" charset="0"/>
+                <a:cs typeface="Arial" charset="0"/>
                 <a:sym typeface="Cabin"/>
               </a:rPr>
               <a:t>To produce something for others to use - a programming job</a:t>
@@ -47178,21 +47118,21 @@
                 <a:solidFill>
                   <a:schemeClr val="lt1"/>
                 </a:solidFill>
-                <a:latin typeface="Cabin"/>
-                <a:ea typeface="Cabin"/>
-                <a:cs typeface="Cabin"/>
+                <a:latin typeface="Arial" charset="0"/>
+                <a:ea typeface="Arial" charset="0"/>
+                <a:cs typeface="Arial" charset="0"/>
                 <a:sym typeface="Cabin"/>
               </a:rPr>
               <a:t> </a:t>
             </a:r>
             <a:r>
-              <a:rPr lang="en-US" sz="3600" b="0" i="0" u="none" strike="noStrike" cap="none">
+              <a:rPr lang="en-US" sz="3600" u="none" strike="noStrike" cap="none">
                 <a:solidFill>
                   <a:schemeClr val="lt1"/>
                 </a:solidFill>
-                <a:latin typeface="Cabin"/>
-                <a:ea typeface="Cabin"/>
-                <a:cs typeface="Cabin"/>
+                <a:latin typeface="Arial" charset="0"/>
+                <a:ea typeface="Arial" charset="0"/>
+                <a:cs typeface="Arial" charset="0"/>
                 <a:sym typeface="Cabin"/>
               </a:rPr>
               <a:t>Fix a performance problem in the Sakai software</a:t>
@@ -47220,21 +47160,21 @@
                 <a:solidFill>
                   <a:schemeClr val="lt1"/>
                 </a:solidFill>
-                <a:latin typeface="Cabin"/>
-                <a:ea typeface="Cabin"/>
-                <a:cs typeface="Cabin"/>
+                <a:latin typeface="Arial" charset="0"/>
+                <a:ea typeface="Arial" charset="0"/>
+                <a:cs typeface="Arial" charset="0"/>
                 <a:sym typeface="Cabin"/>
               </a:rPr>
               <a:t> </a:t>
             </a:r>
             <a:r>
-              <a:rPr lang="en-US" sz="3600" b="0" i="0" u="none" strike="noStrike" cap="none">
+              <a:rPr lang="en-US" sz="3600" u="none" strike="noStrike" cap="none">
                 <a:solidFill>
                   <a:schemeClr val="lt1"/>
                 </a:solidFill>
-                <a:latin typeface="Cabin"/>
-                <a:ea typeface="Cabin"/>
-                <a:cs typeface="Cabin"/>
+                <a:latin typeface="Arial" charset="0"/>
+                <a:ea typeface="Arial" charset="0"/>
+                <a:cs typeface="Arial" charset="0"/>
                 <a:sym typeface="Cabin"/>
               </a:rPr>
               <a:t>Add  guestbook to a web site</a:t>
@@ -47314,36 +47254,36 @@
               <a:buNone/>
             </a:pPr>
             <a:r>
-              <a:rPr lang="en-US" sz="7600" b="0" i="0" u="none" strike="noStrike" cap="none">
+              <a:rPr lang="en-US" sz="7600" u="none" strike="noStrike" cap="none">
                 <a:solidFill>
                   <a:srgbClr val="FFFF00"/>
                 </a:solidFill>
-                <a:latin typeface="Cabin"/>
-                <a:ea typeface="Cabin"/>
-                <a:cs typeface="Cabin"/>
+                <a:latin typeface="Arial" charset="0"/>
+                <a:ea typeface="Arial" charset="0"/>
+                <a:cs typeface="Arial" charset="0"/>
                 <a:sym typeface="Cabin"/>
               </a:rPr>
               <a:t>What is Code?  Software?  </a:t>
             </a:r>
             <a:br>
-              <a:rPr lang="en-US" sz="7600" b="0" i="0" u="none" strike="noStrike" cap="none">
+              <a:rPr lang="en-US" sz="7600" u="none" strike="noStrike" cap="none">
                 <a:solidFill>
                   <a:srgbClr val="FFFF00"/>
                 </a:solidFill>
-                <a:latin typeface="Cabin"/>
-                <a:ea typeface="Cabin"/>
-                <a:cs typeface="Cabin"/>
+                <a:latin typeface="Arial" charset="0"/>
+                <a:ea typeface="Arial" charset="0"/>
+                <a:cs typeface="Arial" charset="0"/>
                 <a:sym typeface="Cabin"/>
               </a:rPr>
             </a:br>
             <a:r>
-              <a:rPr lang="en-US" sz="7600" b="0" i="0" u="none" strike="noStrike" cap="none">
+              <a:rPr lang="en-US" sz="7600" u="none" strike="noStrike" cap="none">
                 <a:solidFill>
                   <a:srgbClr val="FFFF00"/>
                 </a:solidFill>
-                <a:latin typeface="Cabin"/>
-                <a:ea typeface="Cabin"/>
-                <a:cs typeface="Cabin"/>
+                <a:latin typeface="Arial" charset="0"/>
+                <a:ea typeface="Arial" charset="0"/>
+                <a:cs typeface="Arial" charset="0"/>
                 <a:sym typeface="Cabin"/>
               </a:rPr>
               <a:t>A Program?</a:t>
@@ -47398,13 +47338,13 @@
               <a:buChar char="•"/>
             </a:pPr>
             <a:r>
-              <a:rPr lang="en-US" sz="3200" b="0" i="0" u="none" strike="noStrike" cap="none">
+              <a:rPr lang="en-US" sz="3200" u="none" strike="noStrike" cap="none">
                 <a:solidFill>
                   <a:srgbClr val="FFFF00"/>
                 </a:solidFill>
-                <a:latin typeface="Cabin"/>
-                <a:ea typeface="Cabin"/>
-                <a:cs typeface="Cabin"/>
+                <a:latin typeface="Arial" charset="0"/>
+                <a:ea typeface="Arial" charset="0"/>
+                <a:cs typeface="Arial" charset="0"/>
                 <a:sym typeface="Cabin"/>
               </a:rPr>
               <a:t>A sequence of stored instructions </a:t>
@@ -47428,13 +47368,13 @@
               <a:buFont typeface="Cabin"/>
             </a:pPr>
             <a:r>
-              <a:rPr lang="en-US" sz="3200" b="0" i="0" u="none" strike="noStrike" cap="none">
+              <a:rPr lang="en-US" sz="3200" u="none" strike="noStrike" cap="none">
                 <a:solidFill>
                   <a:schemeClr val="lt1"/>
                 </a:solidFill>
-                <a:latin typeface="Cabin"/>
-                <a:ea typeface="Cabin"/>
-                <a:cs typeface="Cabin"/>
+                <a:latin typeface="Arial" charset="0"/>
+                <a:ea typeface="Arial" charset="0"/>
+                <a:cs typeface="Arial" charset="0"/>
                 <a:sym typeface="Cabin"/>
               </a:rPr>
               <a:t>It is a little piece of our intelligence in the computer</a:t>
@@ -47458,13 +47398,13 @@
               <a:buFont typeface="Cabin"/>
             </a:pPr>
             <a:r>
-              <a:rPr lang="en-US" sz="3200" b="0" i="0" u="none" strike="noStrike" cap="none">
+              <a:rPr lang="en-US" sz="3200" u="none" strike="noStrike" cap="none">
                 <a:solidFill>
                   <a:schemeClr val="lt1"/>
                 </a:solidFill>
-                <a:latin typeface="Cabin"/>
-                <a:ea typeface="Cabin"/>
-                <a:cs typeface="Cabin"/>
+                <a:latin typeface="Arial" charset="0"/>
+                <a:ea typeface="Arial" charset="0"/>
+                <a:cs typeface="Arial" charset="0"/>
                 <a:sym typeface="Cabin"/>
               </a:rPr>
               <a:t>It is a little piece of our intelligence we can give to others - we figure something out and then we encode it and then give it to someone else to save them the time and energy of figuring it out</a:t>
@@ -47489,25 +47429,25 @@
               <a:buChar char="•"/>
             </a:pPr>
             <a:r>
-              <a:rPr lang="en-US" sz="3200" b="0" i="0" u="none" strike="noStrike" cap="none">
+              <a:rPr lang="en-US" sz="3200" u="none" strike="noStrike" cap="none">
                 <a:solidFill>
                   <a:srgbClr val="FFFF00"/>
                 </a:solidFill>
-                <a:latin typeface="Cabin"/>
-                <a:ea typeface="Cabin"/>
-                <a:cs typeface="Cabin"/>
+                <a:latin typeface="Arial" charset="0"/>
+                <a:ea typeface="Arial" charset="0"/>
+                <a:cs typeface="Arial" charset="0"/>
                 <a:sym typeface="Cabin"/>
               </a:rPr>
               <a:t>A piece of creative art</a:t>
             </a:r>
             <a:r>
-              <a:rPr lang="en-US" sz="3200" b="0" i="0" u="none" strike="noStrike" cap="none">
+              <a:rPr lang="en-US" sz="3200" u="none" strike="noStrike" cap="none">
                 <a:solidFill>
                   <a:schemeClr val="lt1"/>
                 </a:solidFill>
-                <a:latin typeface="Cabin"/>
-                <a:ea typeface="Cabin"/>
-                <a:cs typeface="Cabin"/>
+                <a:latin typeface="Arial" charset="0"/>
+                <a:ea typeface="Arial" charset="0"/>
+                <a:cs typeface="Arial" charset="0"/>
                 <a:sym typeface="Cabin"/>
               </a:rPr>
               <a:t> - particularly when we do a good job on user experience</a:t>
@@ -47587,13 +47527,13 @@
               <a:buNone/>
             </a:pPr>
             <a:r>
-              <a:rPr lang="en-US" sz="7600" b="0" i="0" u="none" strike="noStrike" cap="none">
+              <a:rPr lang="en-US" sz="7600" u="none" strike="noStrike" cap="none">
                 <a:solidFill>
                   <a:srgbClr val="FFFF00"/>
                 </a:solidFill>
-                <a:latin typeface="Cabin"/>
-                <a:ea typeface="Cabin"/>
-                <a:cs typeface="Cabin"/>
+                <a:latin typeface="Arial" charset="0"/>
+                <a:ea typeface="Arial" charset="0"/>
+                <a:cs typeface="Arial" charset="0"/>
                 <a:sym typeface="Cabin"/>
               </a:rPr>
               <a:t>Programs for Humans...</a:t>
@@ -47648,9 +47588,9 @@
                 <a:solidFill>
                   <a:srgbClr val="FFFF00"/>
                 </a:solidFill>
-                <a:latin typeface="Cabin"/>
-                <a:ea typeface="Cabin"/>
-                <a:cs typeface="Cabin"/>
+                <a:latin typeface="Arial" charset="0"/>
+                <a:ea typeface="Arial" charset="0"/>
+                <a:cs typeface="Arial" charset="0"/>
                 <a:sym typeface="Cabin"/>
                 <a:hlinkClick r:id="rId3"/>
               </a:rPr>
@@ -47758,13 +47698,13 @@
               <a:buNone/>
             </a:pPr>
             <a:r>
-              <a:rPr lang="en-US" sz="7600" b="0" i="0" u="none" strike="noStrike" cap="none">
+              <a:rPr lang="en-US" sz="7600" u="none" strike="noStrike" cap="none">
                 <a:solidFill>
                   <a:srgbClr val="FFFF00"/>
                 </a:solidFill>
-                <a:latin typeface="Cabin"/>
-                <a:ea typeface="Cabin"/>
-                <a:cs typeface="Cabin"/>
+                <a:latin typeface="Arial" charset="0"/>
+                <a:ea typeface="Arial" charset="0"/>
+                <a:cs typeface="Arial" charset="0"/>
                 <a:sym typeface="Cabin"/>
               </a:rPr>
               <a:t>Programs for Humans...</a:t>
@@ -47815,13 +47755,13 @@
               <a:buNone/>
             </a:pPr>
             <a:r>
-              <a:rPr lang="en-US" sz="3200" b="0" i="0" u="none" strike="noStrike" cap="none">
+              <a:rPr lang="en-US" sz="3200" u="none" strike="noStrike" cap="none">
                 <a:solidFill>
                   <a:schemeClr val="lt1"/>
                 </a:solidFill>
-                <a:latin typeface="Cabin"/>
-                <a:ea typeface="Cabin"/>
-                <a:cs typeface="Cabin"/>
+                <a:latin typeface="Arial" charset="0"/>
+                <a:ea typeface="Arial" charset="0"/>
+                <a:cs typeface="Arial" charset="0"/>
                 <a:sym typeface="Cabin"/>
               </a:rPr>
               <a:t>while music is playing:</a:t>
@@ -47846,13 +47786,13 @@
               <a:buNone/>
             </a:pPr>
             <a:r>
-              <a:rPr lang="en-US" sz="3200" b="0" i="0" u="none" strike="noStrike" cap="none">
+              <a:rPr lang="en-US" sz="3200" u="none" strike="noStrike" cap="none">
                 <a:solidFill>
                   <a:schemeClr val="lt1"/>
                 </a:solidFill>
-                <a:latin typeface="Cabin"/>
-                <a:ea typeface="Cabin"/>
-                <a:cs typeface="Cabin"/>
+                <a:latin typeface="Arial" charset="0"/>
+                <a:ea typeface="Arial" charset="0"/>
+                <a:cs typeface="Arial" charset="0"/>
                 <a:sym typeface="Cabin"/>
               </a:rPr>
               <a:t>Left hand out and up</a:t>
@@ -47877,13 +47817,13 @@
               <a:buNone/>
             </a:pPr>
             <a:r>
-              <a:rPr lang="en-US" sz="3200" b="0" i="0" u="none" strike="noStrike" cap="none">
+              <a:rPr lang="en-US" sz="3200" u="none" strike="noStrike" cap="none">
                 <a:solidFill>
                   <a:schemeClr val="lt1"/>
                 </a:solidFill>
-                <a:latin typeface="Cabin"/>
-                <a:ea typeface="Cabin"/>
-                <a:cs typeface="Cabin"/>
+                <a:latin typeface="Arial" charset="0"/>
+                <a:ea typeface="Arial" charset="0"/>
+                <a:cs typeface="Arial" charset="0"/>
                 <a:sym typeface="Cabin"/>
               </a:rPr>
               <a:t>Right hand out and up</a:t>
@@ -47908,13 +47848,13 @@
               <a:buNone/>
             </a:pPr>
             <a:r>
-              <a:rPr lang="en-US" sz="3200" b="0" i="0" u="none" strike="noStrike" cap="none">
+              <a:rPr lang="en-US" sz="3200" u="none" strike="noStrike" cap="none">
                 <a:solidFill>
                   <a:schemeClr val="lt1"/>
                 </a:solidFill>
-                <a:latin typeface="Cabin"/>
-                <a:ea typeface="Cabin"/>
-                <a:cs typeface="Cabin"/>
+                <a:latin typeface="Arial" charset="0"/>
+                <a:ea typeface="Arial" charset="0"/>
+                <a:cs typeface="Arial" charset="0"/>
                 <a:sym typeface="Cabin"/>
               </a:rPr>
               <a:t>Flip Left hand</a:t>
@@ -47939,13 +47879,13 @@
               <a:buNone/>
             </a:pPr>
             <a:r>
-              <a:rPr lang="en-US" sz="3200" b="0" i="0" u="none" strike="noStrike" cap="none">
+              <a:rPr lang="en-US" sz="3200" u="none" strike="noStrike" cap="none">
                 <a:solidFill>
                   <a:schemeClr val="lt1"/>
                 </a:solidFill>
-                <a:latin typeface="Cabin"/>
-                <a:ea typeface="Cabin"/>
-                <a:cs typeface="Cabin"/>
+                <a:latin typeface="Arial" charset="0"/>
+                <a:ea typeface="Arial" charset="0"/>
+                <a:cs typeface="Arial" charset="0"/>
                 <a:sym typeface="Cabin"/>
               </a:rPr>
               <a:t>Flip Right hand</a:t>
@@ -47970,13 +47910,13 @@
               <a:buNone/>
             </a:pPr>
             <a:r>
-              <a:rPr lang="en-US" sz="3200" b="0" i="0" u="none" strike="noStrike" cap="none">
+              <a:rPr lang="en-US" sz="3200" u="none" strike="noStrike" cap="none">
                 <a:solidFill>
                   <a:schemeClr val="lt1"/>
                 </a:solidFill>
-                <a:latin typeface="Cabin"/>
-                <a:ea typeface="Cabin"/>
-                <a:cs typeface="Cabin"/>
+                <a:latin typeface="Arial" charset="0"/>
+                <a:ea typeface="Arial" charset="0"/>
+                <a:cs typeface="Arial" charset="0"/>
                 <a:sym typeface="Cabin"/>
               </a:rPr>
               <a:t>Left hand to right shoulder</a:t>
@@ -48001,13 +47941,13 @@
               <a:buNone/>
             </a:pPr>
             <a:r>
-              <a:rPr lang="en-US" sz="3200" b="0" i="0" u="none" strike="noStrike" cap="none">
+              <a:rPr lang="en-US" sz="3200" u="none" strike="noStrike" cap="none">
                 <a:solidFill>
                   <a:schemeClr val="lt1"/>
                 </a:solidFill>
-                <a:latin typeface="Cabin"/>
-                <a:ea typeface="Cabin"/>
-                <a:cs typeface="Cabin"/>
+                <a:latin typeface="Arial" charset="0"/>
+                <a:ea typeface="Arial" charset="0"/>
+                <a:cs typeface="Arial" charset="0"/>
                 <a:sym typeface="Cabin"/>
               </a:rPr>
               <a:t>Right hand to left shoulder</a:t>
@@ -48032,13 +47972,13 @@
               <a:buNone/>
             </a:pPr>
             <a:r>
-              <a:rPr lang="en-US" sz="3200" b="0" i="0" u="none" strike="noStrike" cap="none">
+              <a:rPr lang="en-US" sz="3200" u="none" strike="noStrike" cap="none">
                 <a:solidFill>
                   <a:schemeClr val="lt1"/>
                 </a:solidFill>
-                <a:latin typeface="Cabin"/>
-                <a:ea typeface="Cabin"/>
-                <a:cs typeface="Cabin"/>
+                <a:latin typeface="Arial" charset="0"/>
+                <a:ea typeface="Arial" charset="0"/>
+                <a:cs typeface="Arial" charset="0"/>
                 <a:sym typeface="Cabin"/>
               </a:rPr>
               <a:t>Left hand to back of head</a:t>
@@ -48063,13 +48003,13 @@
               <a:buNone/>
             </a:pPr>
             <a:r>
-              <a:rPr lang="en-US" sz="3200" b="0" i="0" u="none" strike="noStrike" cap="none">
+              <a:rPr lang="en-US" sz="3200" u="none" strike="noStrike" cap="none">
                 <a:solidFill>
                   <a:schemeClr val="lt1"/>
                 </a:solidFill>
-                <a:latin typeface="Cabin"/>
-                <a:ea typeface="Cabin"/>
-                <a:cs typeface="Cabin"/>
+                <a:latin typeface="Arial" charset="0"/>
+                <a:ea typeface="Arial" charset="0"/>
+                <a:cs typeface="Arial" charset="0"/>
                 <a:sym typeface="Cabin"/>
               </a:rPr>
               <a:t>Right ham to back of head</a:t>
@@ -48094,13 +48034,13 @@
               <a:buNone/>
             </a:pPr>
             <a:r>
-              <a:rPr lang="en-US" sz="3200" b="0" i="0" u="none" strike="noStrike" cap="none">
+              <a:rPr lang="en-US" sz="3200" u="none" strike="noStrike" cap="none">
                 <a:solidFill>
                   <a:schemeClr val="lt1"/>
                 </a:solidFill>
-                <a:latin typeface="Cabin"/>
-                <a:ea typeface="Cabin"/>
-                <a:cs typeface="Cabin"/>
+                <a:latin typeface="Arial" charset="0"/>
+                <a:ea typeface="Arial" charset="0"/>
+                <a:cs typeface="Arial" charset="0"/>
                 <a:sym typeface="Cabin"/>
               </a:rPr>
               <a:t>Left hand to right hit</a:t>
@@ -48125,13 +48065,13 @@
               <a:buNone/>
             </a:pPr>
             <a:r>
-              <a:rPr lang="en-US" sz="3200" b="0" i="0" u="none" strike="noStrike" cap="none">
+              <a:rPr lang="en-US" sz="3200" u="none" strike="noStrike" cap="none">
                 <a:solidFill>
                   <a:schemeClr val="lt1"/>
                 </a:solidFill>
-                <a:latin typeface="Cabin"/>
-                <a:ea typeface="Cabin"/>
-                <a:cs typeface="Cabin"/>
+                <a:latin typeface="Arial" charset="0"/>
+                <a:ea typeface="Arial" charset="0"/>
+                <a:cs typeface="Arial" charset="0"/>
                 <a:sym typeface="Cabin"/>
               </a:rPr>
               <a:t>Right hand to left hit</a:t>
@@ -48156,13 +48096,13 @@
               <a:buNone/>
             </a:pPr>
             <a:r>
-              <a:rPr lang="en-US" sz="3200" b="0" i="0" u="none" strike="noStrike" cap="none">
+              <a:rPr lang="en-US" sz="3200" u="none" strike="noStrike" cap="none">
                 <a:solidFill>
                   <a:schemeClr val="lt1"/>
                 </a:solidFill>
-                <a:latin typeface="Cabin"/>
-                <a:ea typeface="Cabin"/>
-                <a:cs typeface="Cabin"/>
+                <a:latin typeface="Arial" charset="0"/>
+                <a:ea typeface="Arial" charset="0"/>
+                <a:cs typeface="Arial" charset="0"/>
                 <a:sym typeface="Cabin"/>
               </a:rPr>
               <a:t>Left hand on left bottom</a:t>
@@ -48187,13 +48127,13 @@
               <a:buNone/>
             </a:pPr>
             <a:r>
-              <a:rPr lang="en-US" sz="3200" b="0" i="0" u="none" strike="noStrike" cap="none">
+              <a:rPr lang="en-US" sz="3200" u="none" strike="noStrike" cap="none">
                 <a:solidFill>
                   <a:schemeClr val="lt1"/>
                 </a:solidFill>
-                <a:latin typeface="Cabin"/>
-                <a:ea typeface="Cabin"/>
-                <a:cs typeface="Cabin"/>
+                <a:latin typeface="Arial" charset="0"/>
+                <a:ea typeface="Arial" charset="0"/>
+                <a:cs typeface="Arial" charset="0"/>
                 <a:sym typeface="Cabin"/>
               </a:rPr>
               <a:t>Right hand on right bottom</a:t>
@@ -48218,13 +48158,13 @@
               <a:buNone/>
             </a:pPr>
             <a:r>
-              <a:rPr lang="en-US" sz="3200" b="0" i="0" u="none" strike="noStrike" cap="none">
+              <a:rPr lang="en-US" sz="3200" u="none" strike="noStrike" cap="none">
                 <a:solidFill>
                   <a:schemeClr val="lt1"/>
                 </a:solidFill>
-                <a:latin typeface="Cabin"/>
-                <a:ea typeface="Cabin"/>
-                <a:cs typeface="Cabin"/>
+                <a:latin typeface="Arial" charset="0"/>
+                <a:ea typeface="Arial" charset="0"/>
+                <a:cs typeface="Arial" charset="0"/>
                 <a:sym typeface="Cabin"/>
               </a:rPr>
               <a:t>Wiggle</a:t>
@@ -48249,13 +48189,13 @@
               <a:buNone/>
             </a:pPr>
             <a:r>
-              <a:rPr lang="en-US" sz="3200" b="0" i="0" u="none" strike="noStrike" cap="none">
+              <a:rPr lang="en-US" sz="3200" u="none" strike="noStrike" cap="none">
                 <a:solidFill>
                   <a:schemeClr val="lt1"/>
                 </a:solidFill>
-                <a:latin typeface="Cabin"/>
-                <a:ea typeface="Cabin"/>
-                <a:cs typeface="Cabin"/>
+                <a:latin typeface="Arial" charset="0"/>
+                <a:ea typeface="Arial" charset="0"/>
+                <a:cs typeface="Arial" charset="0"/>
                 <a:sym typeface="Cabin"/>
               </a:rPr>
               <a:t>Wiggle</a:t>
@@ -48280,13 +48220,13 @@
               <a:buNone/>
             </a:pPr>
             <a:r>
-              <a:rPr lang="en-US" sz="3200" b="0" i="0" u="none" strike="noStrike" cap="none">
+              <a:rPr lang="en-US" sz="3200" u="none" strike="noStrike" cap="none">
                 <a:solidFill>
                   <a:schemeClr val="lt1"/>
                 </a:solidFill>
-                <a:latin typeface="Cabin"/>
-                <a:ea typeface="Cabin"/>
-                <a:cs typeface="Cabin"/>
+                <a:latin typeface="Arial" charset="0"/>
+                <a:ea typeface="Arial" charset="0"/>
+                <a:cs typeface="Arial" charset="0"/>
                 <a:sym typeface="Cabin"/>
               </a:rPr>
               <a:t>Jump</a:t>
@@ -48364,13 +48304,13 @@
               <a:buNone/>
             </a:pPr>
             <a:r>
-              <a:rPr lang="en-US" sz="3600" b="0" i="0" u="sng" strike="noStrike" cap="none">
+              <a:rPr lang="en-US" sz="3600" u="sng" strike="noStrike" cap="none">
                 <a:solidFill>
                   <a:srgbClr val="FFFF00"/>
                 </a:solidFill>
-                <a:latin typeface="Cabin"/>
-                <a:ea typeface="Cabin"/>
-                <a:cs typeface="Cabin"/>
+                <a:latin typeface="Arial" charset="0"/>
+                <a:ea typeface="Arial" charset="0"/>
+                <a:cs typeface="Arial" charset="0"/>
                 <a:sym typeface="Cabin"/>
                 <a:hlinkClick r:id="rId4"/>
               </a:rPr>

--- a/lectures3/Pythonlearn-01-Intro.pptx
+++ b/lectures3/Pythonlearn-01-Intro.pptx
@@ -38014,7 +38014,7 @@
         <p:spPr>
           <a:xfrm>
             <a:off x="7750175" y="7924800"/>
-            <a:ext cx="2108100" cy="723900"/>
+            <a:ext cx="2336800" cy="723900"/>
           </a:xfrm>
           <a:prstGeom prst="rect">
             <a:avLst/>
@@ -41010,7 +41010,7 @@
         <p:spPr>
           <a:xfrm>
             <a:off x="7799386" y="2873375"/>
-            <a:ext cx="3098800" cy="4984749"/>
+            <a:ext cx="3757614" cy="4984749"/>
           </a:xfrm>
           <a:prstGeom prst="rect">
             <a:avLst/>
@@ -41069,7 +41069,7 @@
               </a:spcAft>
               <a:buNone/>
             </a:pPr>
-            <a:endParaRPr sz="3600" u="none" strike="noStrike" cap="none">
+            <a:endParaRPr sz="3600" u="none" strike="noStrike" cap="none" dirty="0">
               <a:solidFill>
                 <a:srgbClr val="FF7F00"/>
               </a:solidFill>
@@ -41098,7 +41098,7 @@
               <a:buNone/>
             </a:pPr>
             <a:r>
-              <a:rPr lang="en-US" sz="3600" u="none" strike="noStrike" cap="none">
+              <a:rPr lang="en-US" sz="3600" u="none" strike="noStrike" cap="none" dirty="0">
                 <a:solidFill>
                   <a:srgbClr val="00FF00"/>
                 </a:solidFill>
@@ -41129,7 +41129,7 @@
               <a:buNone/>
             </a:pPr>
             <a:r>
-              <a:rPr lang="en-US" sz="3600" u="none" strike="noStrike" cap="none">
+              <a:rPr lang="en-US" sz="3600" u="none" strike="noStrike" cap="none" dirty="0">
                 <a:solidFill>
                   <a:srgbClr val="FFFF00"/>
                 </a:solidFill>
@@ -41141,7 +41141,7 @@
               <a:t>if</a:t>
             </a:r>
             <a:r>
-              <a:rPr lang="en-US" sz="3600" u="none" strike="noStrike" cap="none">
+              <a:rPr lang="en-US" sz="3600" u="none" strike="noStrike" cap="none" dirty="0">
                 <a:solidFill>
                   <a:srgbClr val="FF7F00"/>
                 </a:solidFill>
@@ -41153,7 +41153,7 @@
               <a:t> </a:t>
             </a:r>
             <a:r>
-              <a:rPr lang="en-US" sz="3600" u="none" strike="noStrike" cap="none">
+              <a:rPr lang="en-US" sz="3600" u="none" strike="noStrike" cap="none" dirty="0">
                 <a:solidFill>
                   <a:srgbClr val="00FF00"/>
                 </a:solidFill>
@@ -41184,7 +41184,7 @@
               <a:buNone/>
             </a:pPr>
             <a:r>
-              <a:rPr lang="en-US" sz="3600" u="none" strike="noStrike" cap="none">
+              <a:rPr lang="en-US" sz="3600" u="none" strike="noStrike" cap="none" dirty="0">
                 <a:solidFill>
                   <a:srgbClr val="FF7F00"/>
                 </a:solidFill>
@@ -41196,7 +41196,7 @@
               <a:t>    </a:t>
             </a:r>
             <a:r>
-              <a:rPr lang="en-US" sz="3600" u="none" strike="noStrike" cap="none">
+              <a:rPr lang="en-US" sz="3600" u="none" strike="noStrike" cap="none" dirty="0">
                 <a:solidFill>
                   <a:srgbClr val="FFFF00"/>
                 </a:solidFill>
@@ -41208,7 +41208,7 @@
               <a:t>print</a:t>
             </a:r>
             <a:r>
-              <a:rPr lang="en-US" sz="3600" u="none" strike="noStrike" cap="none">
+              <a:rPr lang="en-US" sz="3600" u="none" strike="noStrike" cap="none" dirty="0">
                 <a:solidFill>
                   <a:srgbClr val="FF7F00"/>
                 </a:solidFill>
@@ -41220,7 +41220,7 @@
               <a:t> </a:t>
             </a:r>
             <a:r>
-              <a:rPr lang="en-US" sz="3600" u="none" strike="noStrike" cap="none">
+              <a:rPr lang="en-US" sz="3600" u="none" strike="noStrike" cap="none" dirty="0">
                 <a:solidFill>
                   <a:srgbClr val="00FF00"/>
                 </a:solidFill>
@@ -41251,7 +41251,7 @@
               <a:buNone/>
             </a:pPr>
             <a:r>
-              <a:rPr lang="en-US" sz="3600" u="none" strike="noStrike" cap="none">
+              <a:rPr lang="en-US" sz="3600" u="none" strike="noStrike" cap="none" dirty="0">
                 <a:solidFill>
                   <a:srgbClr val="FFFF00"/>
                 </a:solidFill>
@@ -41263,7 +41263,7 @@
               <a:t>if</a:t>
             </a:r>
             <a:r>
-              <a:rPr lang="en-US" sz="3600" u="none" strike="noStrike" cap="none">
+              <a:rPr lang="en-US" sz="3600" u="none" strike="noStrike" cap="none" dirty="0">
                 <a:solidFill>
                   <a:srgbClr val="FF7F00"/>
                 </a:solidFill>
@@ -41275,7 +41275,7 @@
               <a:t> </a:t>
             </a:r>
             <a:r>
-              <a:rPr lang="en-US" sz="3600" u="none" strike="noStrike" cap="none">
+              <a:rPr lang="en-US" sz="3600" u="none" strike="noStrike" cap="none" dirty="0">
                 <a:solidFill>
                   <a:srgbClr val="00FF00"/>
                 </a:solidFill>
@@ -41306,7 +41306,7 @@
               <a:buNone/>
             </a:pPr>
             <a:r>
-              <a:rPr lang="en-US" sz="3600" u="none" strike="noStrike" cap="none">
+              <a:rPr lang="en-US" sz="3600" u="none" strike="noStrike" cap="none" dirty="0">
                 <a:solidFill>
                   <a:srgbClr val="FF7F00"/>
                 </a:solidFill>
@@ -41318,7 +41318,7 @@
               <a:t>     </a:t>
             </a:r>
             <a:r>
-              <a:rPr lang="en-US" sz="3600" u="none" strike="noStrike" cap="none">
+              <a:rPr lang="en-US" sz="3600" u="none" strike="noStrike" cap="none" dirty="0">
                 <a:solidFill>
                   <a:srgbClr val="FFFF00"/>
                 </a:solidFill>
@@ -41330,7 +41330,7 @@
               <a:t>print</a:t>
             </a:r>
             <a:r>
-              <a:rPr lang="en-US" sz="3600" u="none" strike="noStrike" cap="none">
+              <a:rPr lang="en-US" sz="3600" u="none" strike="noStrike" cap="none" dirty="0">
                 <a:solidFill>
                   <a:srgbClr val="FF7F00"/>
                 </a:solidFill>
@@ -41342,7 +41342,7 @@
               <a:t> </a:t>
             </a:r>
             <a:r>
-              <a:rPr lang="en-US" sz="3600" u="none" strike="noStrike" cap="none">
+              <a:rPr lang="en-US" sz="3600" u="none" strike="noStrike" cap="none" dirty="0">
                 <a:solidFill>
                   <a:srgbClr val="00FF00"/>
                 </a:solidFill>
@@ -41367,7 +41367,7 @@
               </a:spcAft>
               <a:buNone/>
             </a:pPr>
-            <a:endParaRPr sz="3600" u="none" strike="noStrike" cap="none">
+            <a:endParaRPr sz="3600" u="none" strike="noStrike" cap="none" dirty="0">
               <a:solidFill>
                 <a:srgbClr val="00FF00"/>
               </a:solidFill>
@@ -41396,7 +41396,7 @@
               <a:buNone/>
             </a:pPr>
             <a:r>
-              <a:rPr lang="en-US" sz="3600" u="none" strike="noStrike" cap="none">
+              <a:rPr lang="en-US" sz="3600" u="none" strike="noStrike" cap="none" dirty="0">
                 <a:solidFill>
                   <a:srgbClr val="FFFF00"/>
                 </a:solidFill>
@@ -41408,7 +41408,7 @@
               <a:t>print</a:t>
             </a:r>
             <a:r>
-              <a:rPr lang="en-US" sz="3600" u="none" strike="noStrike" cap="none">
+              <a:rPr lang="en-US" sz="3600" u="none" strike="noStrike" cap="none" dirty="0">
                 <a:solidFill>
                   <a:srgbClr val="FF7F00"/>
                 </a:solidFill>
@@ -41420,7 +41420,7 @@
               <a:t> </a:t>
             </a:r>
             <a:r>
-              <a:rPr lang="en-US" sz="3600" u="none" strike="noStrike" cap="none">
+              <a:rPr lang="en-US" sz="3600" u="none" strike="noStrike" cap="none" dirty="0">
                 <a:solidFill>
                   <a:srgbClr val="00FF00"/>
                 </a:solidFill>
@@ -41533,8 +41533,8 @@
         </p:nvCxnSpPr>
         <p:spPr>
           <a:xfrm flipH="1">
-            <a:off x="10898186" y="4941849"/>
-            <a:ext cx="2217600" cy="423900"/>
+            <a:off x="11557000" y="4941849"/>
+            <a:ext cx="1558786" cy="423901"/>
           </a:xfrm>
           <a:prstGeom prst="straightConnector1">
             <a:avLst/>
@@ -42225,7 +42225,7 @@
               <a:buNone/>
             </a:pPr>
             <a:r>
-              <a:rPr lang="en-US" sz="3000" u="none" strike="noStrike" cap="none">
+              <a:rPr lang="en-US" sz="3000" u="none" strike="noStrike" cap="none" dirty="0">
                 <a:solidFill>
                   <a:srgbClr val="FFFFFF"/>
                 </a:solidFill>
@@ -42697,8 +42697,8 @@
         </p:nvSpPr>
         <p:spPr>
           <a:xfrm>
-            <a:off x="7558071" y="2309800"/>
-            <a:ext cx="3672600" cy="3876599"/>
+            <a:off x="7486442" y="2309799"/>
+            <a:ext cx="3900696" cy="3876599"/>
           </a:xfrm>
           <a:prstGeom prst="rect">
             <a:avLst/>
@@ -42732,7 +42732,7 @@
               <a:buNone/>
             </a:pPr>
             <a:r>
-              <a:rPr lang="en-US" sz="3600" u="none" strike="noStrike" cap="none">
+              <a:rPr lang="en-US" sz="3600" u="none" strike="noStrike" cap="none" dirty="0">
                 <a:solidFill>
                   <a:schemeClr val="lt1"/>
                 </a:solidFill>
@@ -42757,7 +42757,7 @@
               </a:spcAft>
               <a:buNone/>
             </a:pPr>
-            <a:endParaRPr sz="3600" u="none" strike="noStrike" cap="none">
+            <a:endParaRPr sz="3600" u="none" strike="noStrike" cap="none" dirty="0">
               <a:solidFill>
                 <a:srgbClr val="FF7F00"/>
               </a:solidFill>
@@ -42786,13 +42786,13 @@
               <a:buNone/>
             </a:pPr>
             <a:r>
-              <a:rPr lang="en-US" sz="3600" u="none" strike="noStrike" cap="none">
+              <a:rPr lang="en-US" sz="2800" u="none" strike="noStrike" cap="none" dirty="0">
                 <a:solidFill>
                   <a:srgbClr val="00FF00"/>
                 </a:solidFill>
-                <a:latin typeface="Arial" charset="0"/>
-                <a:ea typeface="Arial" charset="0"/>
-                <a:cs typeface="Arial" charset="0"/>
+                <a:latin typeface="Courier" charset="0"/>
+                <a:ea typeface="Courier" charset="0"/>
+                <a:cs typeface="Courier" charset="0"/>
                 <a:sym typeface="Cabin"/>
               </a:rPr>
               <a:t>n = 5</a:t>
@@ -42817,37 +42817,37 @@
               <a:buNone/>
             </a:pPr>
             <a:r>
-              <a:rPr lang="en-US" sz="3600" u="none" strike="noStrike" cap="none">
+              <a:rPr lang="en-US" sz="2800" u="none" strike="noStrike" cap="none" dirty="0">
                 <a:solidFill>
                   <a:srgbClr val="FFFF00"/>
                 </a:solidFill>
-                <a:latin typeface="Arial" charset="0"/>
-                <a:ea typeface="Arial" charset="0"/>
-                <a:cs typeface="Arial" charset="0"/>
+                <a:latin typeface="Courier" charset="0"/>
+                <a:ea typeface="Courier" charset="0"/>
+                <a:cs typeface="Courier" charset="0"/>
                 <a:sym typeface="Cabin"/>
               </a:rPr>
               <a:t>while</a:t>
             </a:r>
             <a:r>
-              <a:rPr lang="en-US" sz="3600" u="none" strike="noStrike" cap="none">
+              <a:rPr lang="en-US" sz="2800" u="none" strike="noStrike" cap="none" dirty="0">
                 <a:solidFill>
                   <a:srgbClr val="00FF00"/>
                 </a:solidFill>
-                <a:latin typeface="Arial" charset="0"/>
-                <a:ea typeface="Arial" charset="0"/>
-                <a:cs typeface="Arial" charset="0"/>
+                <a:latin typeface="Courier" charset="0"/>
+                <a:ea typeface="Courier" charset="0"/>
+                <a:cs typeface="Courier" charset="0"/>
                 <a:sym typeface="Cabin"/>
               </a:rPr>
               <a:t> n &gt; 0</a:t>
             </a:r>
             <a:r>
-              <a:rPr lang="en-US" sz="3600" u="none" strike="noStrike" cap="none">
+              <a:rPr lang="en-US" sz="2800" u="none" strike="noStrike" cap="none" dirty="0">
                 <a:solidFill>
                   <a:srgbClr val="FFFF00"/>
                 </a:solidFill>
-                <a:latin typeface="Arial" charset="0"/>
-                <a:ea typeface="Arial" charset="0"/>
-                <a:cs typeface="Arial" charset="0"/>
+                <a:latin typeface="Courier" charset="0"/>
+                <a:ea typeface="Courier" charset="0"/>
+                <a:cs typeface="Courier" charset="0"/>
                 <a:sym typeface="Cabin"/>
               </a:rPr>
               <a:t> :</a:t>
@@ -42872,29 +42872,62 @@
               <a:buNone/>
             </a:pPr>
             <a:r>
-              <a:rPr lang="en-US" sz="3600" u="none" strike="noStrike" cap="none">
+              <a:rPr lang="en-US" sz="2800" u="none" strike="noStrike" cap="none" dirty="0">
                 <a:solidFill>
                   <a:srgbClr val="FFFF00"/>
                 </a:solidFill>
-                <a:latin typeface="Arial" charset="0"/>
-                <a:ea typeface="Arial" charset="0"/>
-                <a:cs typeface="Arial" charset="0"/>
+                <a:latin typeface="Courier" charset="0"/>
+                <a:ea typeface="Courier" charset="0"/>
+                <a:cs typeface="Courier" charset="0"/>
                 <a:sym typeface="Cabin"/>
               </a:rPr>
-              <a:t>    print </a:t>
-            </a:r>
-            <a:r>
-              <a:rPr lang="en-US" sz="3600" u="none" strike="noStrike" cap="none">
+              <a:t>    </a:t>
+            </a:r>
+            <a:r>
+              <a:rPr lang="en-US" sz="2800" u="none" strike="noStrike" cap="none" dirty="0" smtClean="0">
+                <a:solidFill>
+                  <a:srgbClr val="FFFF00"/>
+                </a:solidFill>
+                <a:latin typeface="Courier" charset="0"/>
+                <a:ea typeface="Courier" charset="0"/>
+                <a:cs typeface="Courier" charset="0"/>
+                <a:sym typeface="Cabin"/>
+              </a:rPr>
+              <a:t>print(</a:t>
+            </a:r>
+            <a:r>
+              <a:rPr lang="en-US" sz="2800" u="none" strike="noStrike" cap="none" dirty="0" smtClean="0">
                 <a:solidFill>
                   <a:srgbClr val="00FF00"/>
                 </a:solidFill>
-                <a:latin typeface="Arial" charset="0"/>
-                <a:ea typeface="Arial" charset="0"/>
-                <a:cs typeface="Arial" charset="0"/>
+                <a:latin typeface="Courier" charset="0"/>
+                <a:ea typeface="Courier" charset="0"/>
+                <a:cs typeface="Courier" charset="0"/>
                 <a:sym typeface="Cabin"/>
               </a:rPr>
               <a:t>n</a:t>
             </a:r>
+            <a:r>
+              <a:rPr lang="en-US" sz="2800" u="none" strike="noStrike" cap="none" dirty="0" smtClean="0">
+                <a:solidFill>
+                  <a:srgbClr val="FFFF00"/>
+                </a:solidFill>
+                <a:latin typeface="Courier" charset="0"/>
+                <a:ea typeface="Courier" charset="0"/>
+                <a:cs typeface="Courier" charset="0"/>
+                <a:sym typeface="Cabin"/>
+              </a:rPr>
+              <a:t>)</a:t>
+            </a:r>
+            <a:endParaRPr lang="en-US" sz="2800" u="none" strike="noStrike" cap="none" dirty="0">
+              <a:solidFill>
+                <a:srgbClr val="FFFF00"/>
+              </a:solidFill>
+              <a:latin typeface="Courier" charset="0"/>
+              <a:ea typeface="Courier" charset="0"/>
+              <a:cs typeface="Courier" charset="0"/>
+              <a:sym typeface="Cabin"/>
+            </a:endParaRPr>
           </a:p>
           <a:p>
             <a:pPr marL="0" marR="0" lvl="0" indent="0" algn="l" rtl="0">
@@ -42915,25 +42948,25 @@
               <a:buNone/>
             </a:pPr>
             <a:r>
-              <a:rPr lang="en-US" sz="3600" u="none" strike="noStrike" cap="none">
+              <a:rPr lang="en-US" sz="2800" u="none" strike="noStrike" cap="none" dirty="0">
                 <a:solidFill>
                   <a:srgbClr val="FFFF00"/>
                 </a:solidFill>
-                <a:latin typeface="Arial" charset="0"/>
-                <a:ea typeface="Arial" charset="0"/>
-                <a:cs typeface="Arial" charset="0"/>
+                <a:latin typeface="Courier" charset="0"/>
+                <a:ea typeface="Courier" charset="0"/>
+                <a:cs typeface="Courier" charset="0"/>
                 <a:sym typeface="Cabin"/>
               </a:rPr>
               <a:t>    </a:t>
             </a:r>
             <a:r>
-              <a:rPr lang="en-US" sz="3600" u="none" strike="noStrike" cap="none">
+              <a:rPr lang="en-US" sz="2800" u="none" strike="noStrike" cap="none" dirty="0">
                 <a:solidFill>
                   <a:srgbClr val="00FF00"/>
                 </a:solidFill>
-                <a:latin typeface="Arial" charset="0"/>
-                <a:ea typeface="Arial" charset="0"/>
-                <a:cs typeface="Arial" charset="0"/>
+                <a:latin typeface="Courier" charset="0"/>
+                <a:ea typeface="Courier" charset="0"/>
+                <a:cs typeface="Courier" charset="0"/>
                 <a:sym typeface="Cabin"/>
               </a:rPr>
               <a:t>n = n – 1</a:t>
@@ -42958,29 +42991,62 @@
               <a:buNone/>
             </a:pPr>
             <a:r>
-              <a:rPr lang="en-US" sz="3600" u="none" strike="noStrike" cap="none">
+              <a:rPr lang="en-US" sz="2800" dirty="0">
                 <a:solidFill>
                   <a:srgbClr val="FFFF00"/>
                 </a:solidFill>
-                <a:latin typeface="Arial" charset="0"/>
-                <a:ea typeface="Arial" charset="0"/>
-                <a:cs typeface="Arial" charset="0"/>
+                <a:latin typeface="Courier" charset="0"/>
+                <a:ea typeface="Courier" charset="0"/>
+                <a:cs typeface="Courier" charset="0"/>
                 <a:sym typeface="Cabin"/>
               </a:rPr>
-              <a:t>print </a:t>
-            </a:r>
-            <a:r>
-              <a:rPr lang="en-US" sz="3600" u="none" strike="noStrike" cap="none">
+              <a:t>p</a:t>
+            </a:r>
+            <a:r>
+              <a:rPr lang="en-US" sz="2800" u="none" strike="noStrike" cap="none" dirty="0" smtClean="0">
+                <a:solidFill>
+                  <a:srgbClr val="FFFF00"/>
+                </a:solidFill>
+                <a:latin typeface="Courier" charset="0"/>
+                <a:ea typeface="Courier" charset="0"/>
+                <a:cs typeface="Courier" charset="0"/>
+                <a:sym typeface="Cabin"/>
+              </a:rPr>
+              <a:t>rint(</a:t>
+            </a:r>
+            <a:r>
+              <a:rPr lang="en-US" sz="2800" u="none" strike="noStrike" cap="none" dirty="0" smtClean="0">
                 <a:solidFill>
                   <a:srgbClr val="00FF00"/>
                 </a:solidFill>
-                <a:latin typeface="Arial" charset="0"/>
-                <a:ea typeface="Arial" charset="0"/>
-                <a:cs typeface="Arial" charset="0"/>
+                <a:latin typeface="Courier" charset="0"/>
+                <a:ea typeface="Courier" charset="0"/>
+                <a:cs typeface="Courier" charset="0"/>
                 <a:sym typeface="Cabin"/>
               </a:rPr>
-              <a:t>'Blastoff!'</a:t>
-            </a:r>
+              <a:t>'Blastoff!’</a:t>
+            </a:r>
+            <a:r>
+              <a:rPr lang="en-US" sz="2800" u="none" strike="noStrike" cap="none" dirty="0" smtClean="0">
+                <a:solidFill>
+                  <a:srgbClr val="FFFF00"/>
+                </a:solidFill>
+                <a:latin typeface="Courier" charset="0"/>
+                <a:ea typeface="Courier" charset="0"/>
+                <a:cs typeface="Courier" charset="0"/>
+                <a:sym typeface="Cabin"/>
+              </a:rPr>
+              <a:t>)</a:t>
+            </a:r>
+            <a:endParaRPr lang="en-US" sz="2800" u="none" strike="noStrike" cap="none" dirty="0">
+              <a:solidFill>
+                <a:srgbClr val="FFFF00"/>
+              </a:solidFill>
+              <a:latin typeface="Courier" charset="0"/>
+              <a:ea typeface="Courier" charset="0"/>
+              <a:cs typeface="Courier" charset="0"/>
+              <a:sym typeface="Cabin"/>
+            </a:endParaRPr>
           </a:p>
         </p:txBody>
       </p:sp>
@@ -43018,8 +43084,8 @@
         </p:nvCxnSpPr>
         <p:spPr>
           <a:xfrm flipH="1">
-            <a:off x="9923411" y="3554412"/>
-            <a:ext cx="2927399" cy="1255799"/>
+            <a:off x="10129838" y="3554412"/>
+            <a:ext cx="2720973" cy="1231901"/>
           </a:xfrm>
           <a:prstGeom prst="straightConnector1">
             <a:avLst/>
@@ -43549,8 +43615,8 @@
         </p:nvSpPr>
         <p:spPr>
           <a:xfrm>
-            <a:off x="1397000" y="6553200"/>
-            <a:ext cx="2921099" cy="749399"/>
+            <a:off x="1338266" y="6553200"/>
+            <a:ext cx="3051274" cy="749399"/>
           </a:xfrm>
           <a:prstGeom prst="rect">
             <a:avLst/>
@@ -43590,7 +43656,7 @@
               <a:buNone/>
             </a:pPr>
             <a:r>
-              <a:rPr lang="en-US" sz="3500" u="none" strike="noStrike" cap="none">
+              <a:rPr lang="en-US" sz="3500" u="none" strike="noStrike" cap="none" smtClean="0">
                 <a:solidFill>
                   <a:schemeClr val="lt1"/>
                 </a:solidFill>
@@ -43599,8 +43665,17 @@
                 <a:cs typeface="Arial" charset="0"/>
                 <a:sym typeface="Cabin"/>
               </a:rPr>
-              <a:t>print 'Blastoff'</a:t>
-            </a:r>
+              <a:t>print('Blastoff’)</a:t>
+            </a:r>
+            <a:endParaRPr lang="en-US" sz="3500" u="none" strike="noStrike" cap="none">
+              <a:solidFill>
+                <a:schemeClr val="lt1"/>
+              </a:solidFill>
+              <a:latin typeface="Arial" charset="0"/>
+              <a:ea typeface="Arial" charset="0"/>
+              <a:cs typeface="Arial" charset="0"/>
+              <a:sym typeface="Cabin"/>
+            </a:endParaRPr>
           </a:p>
         </p:txBody>
       </p:sp>
@@ -43612,8 +43687,8 @@
         </p:nvSpPr>
         <p:spPr>
           <a:xfrm>
-            <a:off x="4659312" y="1790700"/>
-            <a:ext cx="725486" cy="622299"/>
+            <a:off x="4659311" y="1790700"/>
+            <a:ext cx="997649" cy="622299"/>
           </a:xfrm>
           <a:prstGeom prst="rect">
             <a:avLst/>
@@ -43779,7 +43854,7 @@
               <a:buNone/>
             </a:pPr>
             <a:r>
-              <a:rPr lang="en-US" sz="3500" u="none" strike="noStrike" cap="none">
+              <a:rPr lang="en-US" sz="3500" u="none" strike="noStrike" cap="none" dirty="0" smtClean="0">
                 <a:solidFill>
                   <a:schemeClr val="lt1"/>
                 </a:solidFill>
@@ -43788,10 +43863,10 @@
                 <a:cs typeface="Arial" charset="0"/>
                 <a:sym typeface="Cabin"/>
               </a:rPr>
-              <a:t>print </a:t>
-            </a:r>
-            <a:r>
-              <a:rPr lang="en-US" sz="3500" u="none" strike="noStrike" cap="none">
+              <a:t>print(</a:t>
+            </a:r>
+            <a:r>
+              <a:rPr lang="en-US" sz="3500" u="none" strike="noStrike" cap="none" dirty="0" smtClean="0">
                 <a:solidFill>
                   <a:srgbClr val="FFFFFF"/>
                 </a:solidFill>
@@ -43800,8 +43875,17 @@
                 <a:cs typeface="Arial" charset="0"/>
                 <a:sym typeface="Cabin"/>
               </a:rPr>
-              <a:t>n</a:t>
-            </a:r>
+              <a:t>n)</a:t>
+            </a:r>
+            <a:endParaRPr lang="en-US" sz="3500" u="none" strike="noStrike" cap="none" dirty="0">
+              <a:solidFill>
+                <a:srgbClr val="FFFFFF"/>
+              </a:solidFill>
+              <a:latin typeface="Arial" charset="0"/>
+              <a:ea typeface="Arial" charset="0"/>
+              <a:cs typeface="Arial" charset="0"/>
+              <a:sym typeface="Cabin"/>
+            </a:endParaRPr>
           </a:p>
         </p:txBody>
       </p:sp>
@@ -43812,9 +43896,9 @@
           <p:nvPr/>
         </p:nvCxnSpPr>
         <p:spPr>
-          <a:xfrm rot="10800000">
-            <a:off x="9885399" y="4829087"/>
-            <a:ext cx="3043200" cy="722399"/>
+          <a:xfrm flipH="1" flipV="1">
+            <a:off x="10129838" y="4914900"/>
+            <a:ext cx="2798761" cy="636587"/>
           </a:xfrm>
           <a:prstGeom prst="straightConnector1">
             <a:avLst/>
@@ -44669,7 +44753,7 @@
         <p:spPr>
           <a:xfrm>
             <a:off x="769725" y="139650"/>
-            <a:ext cx="9221999" cy="8864700"/>
+            <a:ext cx="10417400" cy="8864700"/>
           </a:xfrm>
           <a:prstGeom prst="rect">
             <a:avLst/>
@@ -44703,7 +44787,7 @@
               <a:buNone/>
             </a:pPr>
             <a:r>
-              <a:rPr lang="en-US" sz="3000" b="0" i="0" u="none" strike="noStrike" cap="none">
+              <a:rPr lang="en-US" sz="3000" b="0" i="0" u="none" strike="noStrike" cap="none" dirty="0">
                 <a:solidFill>
                   <a:srgbClr val="00FF00"/>
                 </a:solidFill>
@@ -44715,7 +44799,7 @@
               <a:t>name = </a:t>
             </a:r>
             <a:r>
-              <a:rPr lang="en-US" sz="3000" b="0" i="0" u="none" strike="noStrike" cap="none">
+              <a:rPr lang="en-US" sz="3000" b="0" i="0" u="none" strike="noStrike" cap="none" dirty="0" smtClean="0">
                 <a:solidFill>
                   <a:srgbClr val="FFFFFF"/>
                 </a:solidFill>
@@ -44724,10 +44808,10 @@
                 <a:cs typeface="Courier New"/>
                 <a:sym typeface="Courier New"/>
               </a:rPr>
-              <a:t>raw_input</a:t>
-            </a:r>
-            <a:r>
-              <a:rPr lang="en-US" sz="3000" b="0" i="0" u="none" strike="noStrike" cap="none">
+              <a:t>input</a:t>
+            </a:r>
+            <a:r>
+              <a:rPr lang="en-US" sz="3000" b="0" i="0" u="none" strike="noStrike" cap="none" dirty="0">
                 <a:solidFill>
                   <a:srgbClr val="00FF00"/>
                 </a:solidFill>
@@ -44758,7 +44842,7 @@
               <a:buNone/>
             </a:pPr>
             <a:r>
-              <a:rPr lang="en-US" sz="3000" b="0" i="0" u="none" strike="noStrike" cap="none">
+              <a:rPr lang="en-US" sz="3000" b="0" i="0" u="none" strike="noStrike" cap="none" dirty="0">
                 <a:solidFill>
                   <a:srgbClr val="00FF00"/>
                 </a:solidFill>
@@ -44789,7 +44873,7 @@
               <a:buNone/>
             </a:pPr>
             <a:r>
-              <a:rPr lang="en-US" sz="3000" b="0" i="0" u="none" strike="noStrike" cap="none">
+              <a:rPr lang="en-US" sz="3000" b="0" i="0" u="none" strike="noStrike" cap="none" dirty="0">
                 <a:solidFill>
                   <a:srgbClr val="00FF00"/>
                 </a:solidFill>
@@ -44798,7 +44882,31 @@
                 <a:cs typeface="Courier New"/>
                 <a:sym typeface="Courier New"/>
               </a:rPr>
-              <a:t>text = handle.read()</a:t>
+              <a:t>text = </a:t>
+            </a:r>
+            <a:r>
+              <a:rPr lang="en-US" sz="3000" b="0" i="0" u="none" strike="noStrike" cap="none" dirty="0" err="1">
+                <a:solidFill>
+                  <a:srgbClr val="00FF00"/>
+                </a:solidFill>
+                <a:latin typeface="Courier New"/>
+                <a:ea typeface="Courier New"/>
+                <a:cs typeface="Courier New"/>
+                <a:sym typeface="Courier New"/>
+              </a:rPr>
+              <a:t>handle.read</a:t>
+            </a:r>
+            <a:r>
+              <a:rPr lang="en-US" sz="3000" b="0" i="0" u="none" strike="noStrike" cap="none" dirty="0">
+                <a:solidFill>
+                  <a:srgbClr val="00FF00"/>
+                </a:solidFill>
+                <a:latin typeface="Courier New"/>
+                <a:ea typeface="Courier New"/>
+                <a:cs typeface="Courier New"/>
+                <a:sym typeface="Courier New"/>
+              </a:rPr>
+              <a:t>()</a:t>
             </a:r>
           </a:p>
           <a:p>
@@ -44820,7 +44928,7 @@
               <a:buNone/>
             </a:pPr>
             <a:r>
-              <a:rPr lang="en-US" sz="3000" b="0" i="0" u="none" strike="noStrike" cap="none">
+              <a:rPr lang="en-US" sz="3000" b="0" i="0" u="none" strike="noStrike" cap="none" dirty="0">
                 <a:solidFill>
                   <a:srgbClr val="00FF00"/>
                 </a:solidFill>
@@ -44829,7 +44937,31 @@
                 <a:cs typeface="Courier New"/>
                 <a:sym typeface="Courier New"/>
               </a:rPr>
-              <a:t>words = text.split()</a:t>
+              <a:t>words = </a:t>
+            </a:r>
+            <a:r>
+              <a:rPr lang="en-US" sz="3000" b="0" i="0" u="none" strike="noStrike" cap="none" dirty="0" err="1">
+                <a:solidFill>
+                  <a:srgbClr val="00FF00"/>
+                </a:solidFill>
+                <a:latin typeface="Courier New"/>
+                <a:ea typeface="Courier New"/>
+                <a:cs typeface="Courier New"/>
+                <a:sym typeface="Courier New"/>
+              </a:rPr>
+              <a:t>text.split</a:t>
+            </a:r>
+            <a:r>
+              <a:rPr lang="en-US" sz="3000" b="0" i="0" u="none" strike="noStrike" cap="none" dirty="0">
+                <a:solidFill>
+                  <a:srgbClr val="00FF00"/>
+                </a:solidFill>
+                <a:latin typeface="Courier New"/>
+                <a:ea typeface="Courier New"/>
+                <a:cs typeface="Courier New"/>
+                <a:sym typeface="Courier New"/>
+              </a:rPr>
+              <a:t>()</a:t>
             </a:r>
           </a:p>
           <a:p>
@@ -44851,7 +44983,7 @@
               <a:buNone/>
             </a:pPr>
             <a:r>
-              <a:rPr lang="en-US" sz="3000" b="0" i="0" u="none" strike="noStrike" cap="none">
+              <a:rPr lang="en-US" sz="3000" b="0" i="0" u="none" strike="noStrike" cap="none" dirty="0">
                 <a:solidFill>
                   <a:srgbClr val="00FF00"/>
                 </a:solidFill>
@@ -44860,7 +44992,31 @@
                 <a:cs typeface="Courier New"/>
                 <a:sym typeface="Courier New"/>
               </a:rPr>
-              <a:t>counts = dict()</a:t>
+              <a:t>counts = </a:t>
+            </a:r>
+            <a:r>
+              <a:rPr lang="en-US" sz="3000" b="0" i="0" u="none" strike="noStrike" cap="none" dirty="0" err="1">
+                <a:solidFill>
+                  <a:srgbClr val="00FF00"/>
+                </a:solidFill>
+                <a:latin typeface="Courier New"/>
+                <a:ea typeface="Courier New"/>
+                <a:cs typeface="Courier New"/>
+                <a:sym typeface="Courier New"/>
+              </a:rPr>
+              <a:t>dict</a:t>
+            </a:r>
+            <a:r>
+              <a:rPr lang="en-US" sz="3000" b="0" i="0" u="none" strike="noStrike" cap="none" dirty="0">
+                <a:solidFill>
+                  <a:srgbClr val="00FF00"/>
+                </a:solidFill>
+                <a:latin typeface="Courier New"/>
+                <a:ea typeface="Courier New"/>
+                <a:cs typeface="Courier New"/>
+                <a:sym typeface="Courier New"/>
+              </a:rPr>
+              <a:t>()</a:t>
             </a:r>
           </a:p>
           <a:p>
@@ -44882,7 +45038,7 @@
               <a:buNone/>
             </a:pPr>
             <a:r>
-              <a:rPr lang="en-US" sz="3000" b="0" i="0" u="none" strike="noStrike" cap="none">
+              <a:rPr lang="en-US" sz="3000" b="0" i="0" u="none" strike="noStrike" cap="none" dirty="0">
                 <a:solidFill>
                   <a:srgbClr val="00FF00"/>
                 </a:solidFill>
@@ -44913,7 +45069,7 @@
               <a:buNone/>
             </a:pPr>
             <a:r>
-              <a:rPr lang="en-US" sz="3000" b="0" i="0" u="none" strike="noStrike" cap="none">
+              <a:rPr lang="en-US" sz="3000" b="0" i="0" u="none" strike="noStrike" cap="none" dirty="0">
                 <a:solidFill>
                   <a:srgbClr val="00FF00"/>
                 </a:solidFill>
@@ -44925,7 +45081,7 @@
               <a:t>   </a:t>
             </a:r>
             <a:r>
-              <a:rPr lang="en-US" sz="3000" b="0" i="0" u="none" strike="noStrike" cap="none">
+              <a:rPr lang="en-US" sz="3000" b="0" i="0" u="none" strike="noStrike" cap="none" dirty="0">
                 <a:solidFill>
                   <a:srgbClr val="FFFF00"/>
                 </a:solidFill>
@@ -44934,7 +45090,31 @@
                 <a:cs typeface="Courier New"/>
                 <a:sym typeface="Courier New"/>
               </a:rPr>
-              <a:t>counts[word] = counts.get(word,0) + 1</a:t>
+              <a:t>counts[word] = </a:t>
+            </a:r>
+            <a:r>
+              <a:rPr lang="en-US" sz="3000" b="0" i="0" u="none" strike="noStrike" cap="none" dirty="0" err="1">
+                <a:solidFill>
+                  <a:srgbClr val="FFFF00"/>
+                </a:solidFill>
+                <a:latin typeface="Courier New"/>
+                <a:ea typeface="Courier New"/>
+                <a:cs typeface="Courier New"/>
+                <a:sym typeface="Courier New"/>
+              </a:rPr>
+              <a:t>counts.get</a:t>
+            </a:r>
+            <a:r>
+              <a:rPr lang="en-US" sz="3000" b="0" i="0" u="none" strike="noStrike" cap="none" dirty="0">
+                <a:solidFill>
+                  <a:srgbClr val="FFFF00"/>
+                </a:solidFill>
+                <a:latin typeface="Courier New"/>
+                <a:ea typeface="Courier New"/>
+                <a:cs typeface="Courier New"/>
+                <a:sym typeface="Courier New"/>
+              </a:rPr>
+              <a:t>(word,0) + 1</a:t>
             </a:r>
           </a:p>
           <a:p>
@@ -44954,7 +45134,7 @@
               <a:buFont typeface="Cabin"/>
               <a:buNone/>
             </a:pPr>
-            <a:endParaRPr sz="3000">
+            <a:endParaRPr sz="3000" dirty="0">
               <a:solidFill>
                 <a:srgbClr val="FFFF00"/>
               </a:solidFill>
@@ -44983,7 +45163,7 @@
               <a:buNone/>
             </a:pPr>
             <a:r>
-              <a:rPr lang="en-US" sz="3000" b="0" i="0" u="none" strike="noStrike" cap="none">
+              <a:rPr lang="en-US" sz="3000" b="0" i="0" u="none" strike="noStrike" cap="none" dirty="0" err="1">
                 <a:solidFill>
                   <a:srgbClr val="00FF00"/>
                 </a:solidFill>
@@ -44992,7 +45172,19 @@
                 <a:cs typeface="Courier New"/>
                 <a:sym typeface="Courier New"/>
               </a:rPr>
-              <a:t>bigcount = None</a:t>
+              <a:t>bigcount</a:t>
+            </a:r>
+            <a:r>
+              <a:rPr lang="en-US" sz="3000" b="0" i="0" u="none" strike="noStrike" cap="none" dirty="0">
+                <a:solidFill>
+                  <a:srgbClr val="00FF00"/>
+                </a:solidFill>
+                <a:latin typeface="Courier New"/>
+                <a:ea typeface="Courier New"/>
+                <a:cs typeface="Courier New"/>
+                <a:sym typeface="Courier New"/>
+              </a:rPr>
+              <a:t> = None</a:t>
             </a:r>
           </a:p>
           <a:p>
@@ -45014,7 +45206,7 @@
               <a:buNone/>
             </a:pPr>
             <a:r>
-              <a:rPr lang="en-US" sz="3000" b="0" i="0" u="none" strike="noStrike" cap="none">
+              <a:rPr lang="en-US" sz="3000" b="0" i="0" u="none" strike="noStrike" cap="none" dirty="0" err="1">
                 <a:solidFill>
                   <a:srgbClr val="00FF00"/>
                 </a:solidFill>
@@ -45023,7 +45215,19 @@
                 <a:cs typeface="Courier New"/>
                 <a:sym typeface="Courier New"/>
               </a:rPr>
-              <a:t>bigword = None</a:t>
+              <a:t>bigword</a:t>
+            </a:r>
+            <a:r>
+              <a:rPr lang="en-US" sz="3000" b="0" i="0" u="none" strike="noStrike" cap="none" dirty="0">
+                <a:solidFill>
+                  <a:srgbClr val="00FF00"/>
+                </a:solidFill>
+                <a:latin typeface="Courier New"/>
+                <a:ea typeface="Courier New"/>
+                <a:cs typeface="Courier New"/>
+                <a:sym typeface="Courier New"/>
+              </a:rPr>
+              <a:t> = None</a:t>
             </a:r>
           </a:p>
           <a:p>
@@ -45045,7 +45249,7 @@
               <a:buNone/>
             </a:pPr>
             <a:r>
-              <a:rPr lang="en-US" sz="3000" b="0" i="0" u="none" strike="noStrike" cap="none">
+              <a:rPr lang="en-US" sz="3000" b="0" i="0" u="none" strike="noStrike" cap="none" dirty="0">
                 <a:solidFill>
                   <a:srgbClr val="00FF00"/>
                 </a:solidFill>
@@ -45054,7 +45258,55 @@
                 <a:cs typeface="Courier New"/>
                 <a:sym typeface="Courier New"/>
               </a:rPr>
-              <a:t>for word,count in counts.items():</a:t>
+              <a:t>for </a:t>
+            </a:r>
+            <a:r>
+              <a:rPr lang="en-US" sz="3000" b="0" i="0" u="none" strike="noStrike" cap="none" dirty="0" err="1">
+                <a:solidFill>
+                  <a:srgbClr val="00FF00"/>
+                </a:solidFill>
+                <a:latin typeface="Courier New"/>
+                <a:ea typeface="Courier New"/>
+                <a:cs typeface="Courier New"/>
+                <a:sym typeface="Courier New"/>
+              </a:rPr>
+              <a:t>word,count</a:t>
+            </a:r>
+            <a:r>
+              <a:rPr lang="en-US" sz="3000" b="0" i="0" u="none" strike="noStrike" cap="none" dirty="0">
+                <a:solidFill>
+                  <a:srgbClr val="00FF00"/>
+                </a:solidFill>
+                <a:latin typeface="Courier New"/>
+                <a:ea typeface="Courier New"/>
+                <a:cs typeface="Courier New"/>
+                <a:sym typeface="Courier New"/>
+              </a:rPr>
+              <a:t> in </a:t>
+            </a:r>
+            <a:r>
+              <a:rPr lang="en-US" sz="3000" b="0" i="0" u="none" strike="noStrike" cap="none" dirty="0" err="1">
+                <a:solidFill>
+                  <a:srgbClr val="00FF00"/>
+                </a:solidFill>
+                <a:latin typeface="Courier New"/>
+                <a:ea typeface="Courier New"/>
+                <a:cs typeface="Courier New"/>
+                <a:sym typeface="Courier New"/>
+              </a:rPr>
+              <a:t>counts.items</a:t>
+            </a:r>
+            <a:r>
+              <a:rPr lang="en-US" sz="3000" b="0" i="0" u="none" strike="noStrike" cap="none" dirty="0">
+                <a:solidFill>
+                  <a:srgbClr val="00FF00"/>
+                </a:solidFill>
+                <a:latin typeface="Courier New"/>
+                <a:ea typeface="Courier New"/>
+                <a:cs typeface="Courier New"/>
+                <a:sym typeface="Courier New"/>
+              </a:rPr>
+              <a:t>():</a:t>
             </a:r>
           </a:p>
           <a:p>
@@ -45076,7 +45328,7 @@
               <a:buNone/>
             </a:pPr>
             <a:r>
-              <a:rPr lang="en-US" sz="3000" b="0" i="0" u="none" strike="noStrike" cap="none">
+              <a:rPr lang="en-US" sz="3000" b="0" i="0" u="none" strike="noStrike" cap="none" dirty="0">
                 <a:solidFill>
                   <a:srgbClr val="FF00FF"/>
                 </a:solidFill>
@@ -45088,7 +45340,7 @@
               <a:t>    </a:t>
             </a:r>
             <a:r>
-              <a:rPr lang="en-US" sz="3000" b="0" i="0" u="none" strike="noStrike" cap="none">
+              <a:rPr lang="en-US" sz="3000" b="0" i="0" u="none" strike="noStrike" cap="none" dirty="0">
                 <a:solidFill>
                   <a:srgbClr val="FF9900"/>
                 </a:solidFill>
@@ -45097,7 +45349,55 @@
                 <a:cs typeface="Courier New"/>
                 <a:sym typeface="Courier New"/>
               </a:rPr>
-              <a:t>if bigcount is None or count &gt; bigcount:</a:t>
+              <a:t>if </a:t>
+            </a:r>
+            <a:r>
+              <a:rPr lang="en-US" sz="3000" b="0" i="0" u="none" strike="noStrike" cap="none" dirty="0" err="1">
+                <a:solidFill>
+                  <a:srgbClr val="FF9900"/>
+                </a:solidFill>
+                <a:latin typeface="Courier New"/>
+                <a:ea typeface="Courier New"/>
+                <a:cs typeface="Courier New"/>
+                <a:sym typeface="Courier New"/>
+              </a:rPr>
+              <a:t>bigcount</a:t>
+            </a:r>
+            <a:r>
+              <a:rPr lang="en-US" sz="3000" b="0" i="0" u="none" strike="noStrike" cap="none" dirty="0">
+                <a:solidFill>
+                  <a:srgbClr val="FF9900"/>
+                </a:solidFill>
+                <a:latin typeface="Courier New"/>
+                <a:ea typeface="Courier New"/>
+                <a:cs typeface="Courier New"/>
+                <a:sym typeface="Courier New"/>
+              </a:rPr>
+              <a:t> is None or count &gt; </a:t>
+            </a:r>
+            <a:r>
+              <a:rPr lang="en-US" sz="3000" b="0" i="0" u="none" strike="noStrike" cap="none" dirty="0" err="1">
+                <a:solidFill>
+                  <a:srgbClr val="FF9900"/>
+                </a:solidFill>
+                <a:latin typeface="Courier New"/>
+                <a:ea typeface="Courier New"/>
+                <a:cs typeface="Courier New"/>
+                <a:sym typeface="Courier New"/>
+              </a:rPr>
+              <a:t>bigcount</a:t>
+            </a:r>
+            <a:r>
+              <a:rPr lang="en-US" sz="3000" b="0" i="0" u="none" strike="noStrike" cap="none" dirty="0">
+                <a:solidFill>
+                  <a:srgbClr val="FF9900"/>
+                </a:solidFill>
+                <a:latin typeface="Courier New"/>
+                <a:ea typeface="Courier New"/>
+                <a:cs typeface="Courier New"/>
+                <a:sym typeface="Courier New"/>
+              </a:rPr>
+              <a:t>:</a:t>
             </a:r>
           </a:p>
           <a:p>
@@ -45119,7 +45419,7 @@
               <a:buNone/>
             </a:pPr>
             <a:r>
-              <a:rPr lang="en-US" sz="3000" b="0" i="0" u="none" strike="noStrike" cap="none">
+              <a:rPr lang="en-US" sz="3000" b="0" i="0" u="none" strike="noStrike" cap="none" dirty="0">
                 <a:solidFill>
                   <a:srgbClr val="FF9900"/>
                 </a:solidFill>
@@ -45128,7 +45428,31 @@
                 <a:cs typeface="Courier New"/>
                 <a:sym typeface="Courier New"/>
               </a:rPr>
-              <a:t>        bigword = word</a:t>
+              <a:t>        </a:t>
+            </a:r>
+            <a:r>
+              <a:rPr lang="en-US" sz="3000" b="0" i="0" u="none" strike="noStrike" cap="none" dirty="0" err="1">
+                <a:solidFill>
+                  <a:srgbClr val="FF9900"/>
+                </a:solidFill>
+                <a:latin typeface="Courier New"/>
+                <a:ea typeface="Courier New"/>
+                <a:cs typeface="Courier New"/>
+                <a:sym typeface="Courier New"/>
+              </a:rPr>
+              <a:t>bigword</a:t>
+            </a:r>
+            <a:r>
+              <a:rPr lang="en-US" sz="3000" b="0" i="0" u="none" strike="noStrike" cap="none" dirty="0">
+                <a:solidFill>
+                  <a:srgbClr val="FF9900"/>
+                </a:solidFill>
+                <a:latin typeface="Courier New"/>
+                <a:ea typeface="Courier New"/>
+                <a:cs typeface="Courier New"/>
+                <a:sym typeface="Courier New"/>
+              </a:rPr>
+              <a:t> = word</a:t>
             </a:r>
           </a:p>
           <a:p>
@@ -45150,7 +45474,7 @@
               <a:buNone/>
             </a:pPr>
             <a:r>
-              <a:rPr lang="en-US" sz="3000" b="0" i="0" u="none" strike="noStrike" cap="none">
+              <a:rPr lang="en-US" sz="3000" b="0" i="0" u="none" strike="noStrike" cap="none" dirty="0">
                 <a:solidFill>
                   <a:srgbClr val="FF9900"/>
                 </a:solidFill>
@@ -45159,7 +45483,31 @@
                 <a:cs typeface="Courier New"/>
                 <a:sym typeface="Courier New"/>
               </a:rPr>
-              <a:t>        bigcount = count</a:t>
+              <a:t>        </a:t>
+            </a:r>
+            <a:r>
+              <a:rPr lang="en-US" sz="3000" b="0" i="0" u="none" strike="noStrike" cap="none" dirty="0" err="1">
+                <a:solidFill>
+                  <a:srgbClr val="FF9900"/>
+                </a:solidFill>
+                <a:latin typeface="Courier New"/>
+                <a:ea typeface="Courier New"/>
+                <a:cs typeface="Courier New"/>
+                <a:sym typeface="Courier New"/>
+              </a:rPr>
+              <a:t>bigcount</a:t>
+            </a:r>
+            <a:r>
+              <a:rPr lang="en-US" sz="3000" b="0" i="0" u="none" strike="noStrike" cap="none" dirty="0">
+                <a:solidFill>
+                  <a:srgbClr val="FF9900"/>
+                </a:solidFill>
+                <a:latin typeface="Courier New"/>
+                <a:ea typeface="Courier New"/>
+                <a:cs typeface="Courier New"/>
+                <a:sym typeface="Courier New"/>
+              </a:rPr>
+              <a:t> = count</a:t>
             </a:r>
           </a:p>
           <a:p>
@@ -45179,7 +45527,7 @@
               <a:buFont typeface="Cabin"/>
               <a:buNone/>
             </a:pPr>
-            <a:endParaRPr sz="3000">
+            <a:endParaRPr sz="3000" dirty="0">
               <a:solidFill>
                 <a:srgbClr val="00FF00"/>
               </a:solidFill>
@@ -45208,7 +45556,7 @@
               <a:buNone/>
             </a:pPr>
             <a:r>
-              <a:rPr lang="en-US" sz="3000" b="0" i="0" u="none" strike="noStrike" cap="none">
+              <a:rPr lang="en-US" sz="3000" b="0" i="0" u="none" strike="noStrike" cap="none" dirty="0">
                 <a:solidFill>
                   <a:srgbClr val="00FF00"/>
                 </a:solidFill>
@@ -45217,8 +45565,77 @@
                 <a:cs typeface="Courier New"/>
                 <a:sym typeface="Courier New"/>
               </a:rPr>
-              <a:t>print bigword, bigcount</a:t>
-            </a:r>
+              <a:t>print </a:t>
+            </a:r>
+            <a:r>
+              <a:rPr lang="en-US" sz="3000" dirty="0">
+                <a:solidFill>
+                  <a:srgbClr val="00FF00"/>
+                </a:solidFill>
+                <a:latin typeface="Courier New"/>
+                <a:ea typeface="Courier New"/>
+                <a:cs typeface="Courier New"/>
+                <a:sym typeface="Courier New"/>
+              </a:rPr>
+              <a:t>(</a:t>
+            </a:r>
+            <a:r>
+              <a:rPr lang="en-US" sz="3000" b="0" i="0" u="none" strike="noStrike" cap="none" dirty="0" err="1" smtClean="0">
+                <a:solidFill>
+                  <a:srgbClr val="00FF00"/>
+                </a:solidFill>
+                <a:latin typeface="Courier New"/>
+                <a:ea typeface="Courier New"/>
+                <a:cs typeface="Courier New"/>
+                <a:sym typeface="Courier New"/>
+              </a:rPr>
+              <a:t>bigword</a:t>
+            </a:r>
+            <a:r>
+              <a:rPr lang="en-US" sz="3000" b="0" i="0" u="none" strike="noStrike" cap="none" dirty="0">
+                <a:solidFill>
+                  <a:srgbClr val="00FF00"/>
+                </a:solidFill>
+                <a:latin typeface="Courier New"/>
+                <a:ea typeface="Courier New"/>
+                <a:cs typeface="Courier New"/>
+                <a:sym typeface="Courier New"/>
+              </a:rPr>
+              <a:t>, </a:t>
+            </a:r>
+            <a:r>
+              <a:rPr lang="en-US" sz="3000" b="0" i="0" u="none" strike="noStrike" cap="none" dirty="0" err="1" smtClean="0">
+                <a:solidFill>
+                  <a:srgbClr val="00FF00"/>
+                </a:solidFill>
+                <a:latin typeface="Courier New"/>
+                <a:ea typeface="Courier New"/>
+                <a:cs typeface="Courier New"/>
+                <a:sym typeface="Courier New"/>
+              </a:rPr>
+              <a:t>bigcount</a:t>
+            </a:r>
+            <a:r>
+              <a:rPr lang="en-US" sz="3000" b="0" i="0" u="none" strike="noStrike" cap="none" smtClean="0">
+                <a:solidFill>
+                  <a:srgbClr val="00FF00"/>
+                </a:solidFill>
+                <a:latin typeface="Courier New"/>
+                <a:ea typeface="Courier New"/>
+                <a:cs typeface="Courier New"/>
+                <a:sym typeface="Courier New"/>
+              </a:rPr>
+              <a:t>)</a:t>
+            </a:r>
+            <a:endParaRPr lang="en-US" sz="3000" b="0" i="0" u="none" strike="noStrike" cap="none" dirty="0">
+              <a:solidFill>
+                <a:srgbClr val="00FF00"/>
+              </a:solidFill>
+              <a:latin typeface="Courier New"/>
+              <a:ea typeface="Courier New"/>
+              <a:cs typeface="Courier New"/>
+              <a:sym typeface="Courier New"/>
+            </a:endParaRPr>
           </a:p>
         </p:txBody>
       </p:sp>
@@ -45467,8 +45884,8 @@
         </p:nvCxnSpPr>
         <p:spPr>
           <a:xfrm>
-            <a:off x="4398300" y="1165125"/>
-            <a:ext cx="6599699" cy="1955100"/>
+            <a:off x="6986588" y="1100138"/>
+            <a:ext cx="4011411" cy="2020087"/>
           </a:xfrm>
           <a:prstGeom prst="straightConnector1">
             <a:avLst/>
@@ -45493,8 +45910,8 @@
         </p:nvCxnSpPr>
         <p:spPr>
           <a:xfrm>
-            <a:off x="9849450" y="3958000"/>
-            <a:ext cx="1756800" cy="1108199"/>
+            <a:off x="9972675" y="3971925"/>
+            <a:ext cx="1633575" cy="1094274"/>
           </a:xfrm>
           <a:prstGeom prst="straightConnector1">
             <a:avLst/>
@@ -45519,8 +45936,8 @@
         </p:nvCxnSpPr>
         <p:spPr>
           <a:xfrm>
-            <a:off x="8579225" y="5998450"/>
-            <a:ext cx="2607900" cy="959399"/>
+            <a:off x="7558088" y="6643688"/>
+            <a:ext cx="3629037" cy="314161"/>
           </a:xfrm>
           <a:prstGeom prst="straightConnector1">
             <a:avLst/>

--- a/lectures3/Pythonlearn-01-Intro.pptx
+++ b/lectures3/Pythonlearn-01-Intro.pptx
@@ -5,7 +5,7 @@
     <p:sldMasterId id="2147483704" r:id="rId1"/>
   </p:sldMasterIdLst>
   <p:notesMasterIdLst>
-    <p:notesMasterId r:id="rId48"/>
+    <p:notesMasterId r:id="rId47"/>
   </p:notesMasterIdLst>
   <p:sldIdLst>
     <p:sldId id="256" r:id="rId2"/>
@@ -44,16 +44,15 @@
     <p:sldId id="290" r:id="rId35"/>
     <p:sldId id="291" r:id="rId36"/>
     <p:sldId id="292" r:id="rId37"/>
-    <p:sldId id="293" r:id="rId38"/>
-    <p:sldId id="294" r:id="rId39"/>
-    <p:sldId id="295" r:id="rId40"/>
-    <p:sldId id="296" r:id="rId41"/>
-    <p:sldId id="297" r:id="rId42"/>
-    <p:sldId id="298" r:id="rId43"/>
-    <p:sldId id="299" r:id="rId44"/>
-    <p:sldId id="300" r:id="rId45"/>
-    <p:sldId id="301" r:id="rId46"/>
-    <p:sldId id="302" r:id="rId47"/>
+    <p:sldId id="294" r:id="rId38"/>
+    <p:sldId id="295" r:id="rId39"/>
+    <p:sldId id="296" r:id="rId40"/>
+    <p:sldId id="297" r:id="rId41"/>
+    <p:sldId id="298" r:id="rId42"/>
+    <p:sldId id="299" r:id="rId43"/>
+    <p:sldId id="300" r:id="rId44"/>
+    <p:sldId id="301" r:id="rId45"/>
+    <p:sldId id="302" r:id="rId46"/>
   </p:sldIdLst>
   <p:sldSz cx="16256000" cy="9144000"/>
   <p:notesSz cx="6858000" cy="9144000"/>
@@ -4084,7 +4083,7 @@
   <p:cSld>
     <p:spTree>
       <p:nvGrpSpPr>
-        <p:cNvPr id="1" name="Shape 529"/>
+        <p:cNvPr id="1" name="Shape 534"/>
         <p:cNvGrpSpPr/>
         <p:nvPr/>
       </p:nvGrpSpPr>
@@ -4098,7 +4097,7 @@
       </p:grpSpPr>
       <p:sp>
         <p:nvSpPr>
-          <p:cNvPr id="530" name="Shape 530"/>
+          <p:cNvPr id="535" name="Shape 535"/>
           <p:cNvSpPr txBox="1">
             <a:spLocks noGrp="1"/>
           </p:cNvSpPr>
@@ -4133,7 +4132,7 @@
       </p:sp>
       <p:sp>
         <p:nvSpPr>
-          <p:cNvPr id="531" name="Shape 531"/>
+          <p:cNvPr id="536" name="Shape 536"/>
           <p:cNvSpPr>
             <a:spLocks noGrp="1" noRot="1" noChangeAspect="1"/>
           </p:cNvSpPr>
@@ -4175,7 +4174,7 @@
     </p:spTree>
     <p:extLst>
       <p:ext uri="{BB962C8B-B14F-4D97-AF65-F5344CB8AC3E}">
-        <p14:creationId xmlns:p14="http://schemas.microsoft.com/office/powerpoint/2010/main" val="2032617197"/>
+        <p14:creationId xmlns:p14="http://schemas.microsoft.com/office/powerpoint/2010/main" val="27373503"/>
       </p:ext>
     </p:extLst>
   </p:cSld>
@@ -4190,7 +4189,7 @@
   <p:cSld>
     <p:spTree>
       <p:nvGrpSpPr>
-        <p:cNvPr id="1" name="Shape 534"/>
+        <p:cNvPr id="1" name="Shape 540"/>
         <p:cNvGrpSpPr/>
         <p:nvPr/>
       </p:nvGrpSpPr>
@@ -4204,7 +4203,7 @@
       </p:grpSpPr>
       <p:sp>
         <p:nvSpPr>
-          <p:cNvPr id="535" name="Shape 535"/>
+          <p:cNvPr id="541" name="Shape 541"/>
           <p:cNvSpPr txBox="1">
             <a:spLocks noGrp="1"/>
           </p:cNvSpPr>
@@ -4239,7 +4238,7 @@
       </p:sp>
       <p:sp>
         <p:nvSpPr>
-          <p:cNvPr id="536" name="Shape 536"/>
+          <p:cNvPr id="542" name="Shape 542"/>
           <p:cNvSpPr>
             <a:spLocks noGrp="1" noRot="1" noChangeAspect="1"/>
           </p:cNvSpPr>
@@ -4281,7 +4280,7 @@
     </p:spTree>
     <p:extLst>
       <p:ext uri="{BB962C8B-B14F-4D97-AF65-F5344CB8AC3E}">
-        <p14:creationId xmlns:p14="http://schemas.microsoft.com/office/powerpoint/2010/main" val="27373503"/>
+        <p14:creationId xmlns:p14="http://schemas.microsoft.com/office/powerpoint/2010/main" val="504964463"/>
       </p:ext>
     </p:extLst>
   </p:cSld>
@@ -4296,7 +4295,7 @@
   <p:cSld>
     <p:spTree>
       <p:nvGrpSpPr>
-        <p:cNvPr id="1" name="Shape 540"/>
+        <p:cNvPr id="1" name="Shape 546"/>
         <p:cNvGrpSpPr/>
         <p:nvPr/>
       </p:nvGrpSpPr>
@@ -4310,7 +4309,7 @@
       </p:grpSpPr>
       <p:sp>
         <p:nvSpPr>
-          <p:cNvPr id="541" name="Shape 541"/>
+          <p:cNvPr id="547" name="Shape 547"/>
           <p:cNvSpPr txBox="1">
             <a:spLocks noGrp="1"/>
           </p:cNvSpPr>
@@ -4345,7 +4344,7 @@
       </p:sp>
       <p:sp>
         <p:nvSpPr>
-          <p:cNvPr id="542" name="Shape 542"/>
+          <p:cNvPr id="548" name="Shape 548"/>
           <p:cNvSpPr>
             <a:spLocks noGrp="1" noRot="1" noChangeAspect="1"/>
           </p:cNvSpPr>
@@ -4387,7 +4386,7 @@
     </p:spTree>
     <p:extLst>
       <p:ext uri="{BB962C8B-B14F-4D97-AF65-F5344CB8AC3E}">
-        <p14:creationId xmlns:p14="http://schemas.microsoft.com/office/powerpoint/2010/main" val="504964463"/>
+        <p14:creationId xmlns:p14="http://schemas.microsoft.com/office/powerpoint/2010/main" val="82356697"/>
       </p:ext>
     </p:extLst>
   </p:cSld>
@@ -4508,7 +4507,7 @@
   <p:cSld>
     <p:spTree>
       <p:nvGrpSpPr>
-        <p:cNvPr id="1" name="Shape 546"/>
+        <p:cNvPr id="1" name="Shape 563"/>
         <p:cNvGrpSpPr/>
         <p:nvPr/>
       </p:nvGrpSpPr>
@@ -4522,7 +4521,7 @@
       </p:grpSpPr>
       <p:sp>
         <p:nvSpPr>
-          <p:cNvPr id="547" name="Shape 547"/>
+          <p:cNvPr id="564" name="Shape 564"/>
           <p:cNvSpPr txBox="1">
             <a:spLocks noGrp="1"/>
           </p:cNvSpPr>
@@ -4557,7 +4556,7 @@
       </p:sp>
       <p:sp>
         <p:nvSpPr>
-          <p:cNvPr id="548" name="Shape 548"/>
+          <p:cNvPr id="565" name="Shape 565"/>
           <p:cNvSpPr>
             <a:spLocks noGrp="1" noRot="1" noChangeAspect="1"/>
           </p:cNvSpPr>
@@ -4599,7 +4598,7 @@
     </p:spTree>
     <p:extLst>
       <p:ext uri="{BB962C8B-B14F-4D97-AF65-F5344CB8AC3E}">
-        <p14:creationId xmlns:p14="http://schemas.microsoft.com/office/powerpoint/2010/main" val="82356697"/>
+        <p14:creationId xmlns:p14="http://schemas.microsoft.com/office/powerpoint/2010/main" val="1189537811"/>
       </p:ext>
     </p:extLst>
   </p:cSld>
@@ -4614,7 +4613,7 @@
   <p:cSld>
     <p:spTree>
       <p:nvGrpSpPr>
-        <p:cNvPr id="1" name="Shape 563"/>
+        <p:cNvPr id="1" name="Shape 592"/>
         <p:cNvGrpSpPr/>
         <p:nvPr/>
       </p:nvGrpSpPr>
@@ -4628,7 +4627,7 @@
       </p:grpSpPr>
       <p:sp>
         <p:nvSpPr>
-          <p:cNvPr id="564" name="Shape 564"/>
+          <p:cNvPr id="593" name="Shape 593"/>
           <p:cNvSpPr txBox="1">
             <a:spLocks noGrp="1"/>
           </p:cNvSpPr>
@@ -4663,7 +4662,7 @@
       </p:sp>
       <p:sp>
         <p:nvSpPr>
-          <p:cNvPr id="565" name="Shape 565"/>
+          <p:cNvPr id="594" name="Shape 594"/>
           <p:cNvSpPr>
             <a:spLocks noGrp="1" noRot="1" noChangeAspect="1"/>
           </p:cNvSpPr>
@@ -4705,7 +4704,7 @@
     </p:spTree>
     <p:extLst>
       <p:ext uri="{BB962C8B-B14F-4D97-AF65-F5344CB8AC3E}">
-        <p14:creationId xmlns:p14="http://schemas.microsoft.com/office/powerpoint/2010/main" val="1189537811"/>
+        <p14:creationId xmlns:p14="http://schemas.microsoft.com/office/powerpoint/2010/main" val="1636719554"/>
       </p:ext>
     </p:extLst>
   </p:cSld>
@@ -4720,7 +4719,7 @@
   <p:cSld>
     <p:spTree>
       <p:nvGrpSpPr>
-        <p:cNvPr id="1" name="Shape 592"/>
+        <p:cNvPr id="1" name="Shape 621"/>
         <p:cNvGrpSpPr/>
         <p:nvPr/>
       </p:nvGrpSpPr>
@@ -4734,42 +4733,7 @@
       </p:grpSpPr>
       <p:sp>
         <p:nvSpPr>
-          <p:cNvPr id="593" name="Shape 593"/>
-          <p:cNvSpPr txBox="1">
-            <a:spLocks noGrp="1"/>
-          </p:cNvSpPr>
-          <p:nvPr>
-            <p:ph type="body" idx="1"/>
-          </p:nvPr>
-        </p:nvSpPr>
-        <p:spPr>
-          <a:xfrm>
-            <a:off x="685800" y="4343400"/>
-            <a:ext cx="5486399" cy="4114800"/>
-          </a:xfrm>
-          <a:prstGeom prst="rect">
-            <a:avLst/>
-          </a:prstGeom>
-        </p:spPr>
-        <p:txBody>
-          <a:bodyPr lIns="91425" tIns="91425" rIns="91425" bIns="91425" anchor="ctr" anchorCtr="0">
-            <a:noAutofit/>
-          </a:bodyPr>
-          <a:lstStyle/>
-          <a:p>
-            <a:pPr lvl="0">
-              <a:spcBef>
-                <a:spcPts val="0"/>
-              </a:spcBef>
-              <a:buNone/>
-            </a:pPr>
-            <a:endParaRPr/>
-          </a:p>
-        </p:txBody>
-      </p:sp>
-      <p:sp>
-        <p:nvSpPr>
-          <p:cNvPr id="594" name="Shape 594"/>
+          <p:cNvPr id="622" name="Shape 622"/>
           <p:cNvSpPr>
             <a:spLocks noGrp="1" noRot="1" noChangeAspect="1"/>
           </p:cNvSpPr>
@@ -4808,10 +4772,45 @@
           </a:custGeom>
         </p:spPr>
       </p:sp>
+      <p:sp>
+        <p:nvSpPr>
+          <p:cNvPr id="623" name="Shape 623"/>
+          <p:cNvSpPr txBox="1">
+            <a:spLocks noGrp="1"/>
+          </p:cNvSpPr>
+          <p:nvPr>
+            <p:ph type="body" idx="1"/>
+          </p:nvPr>
+        </p:nvSpPr>
+        <p:spPr>
+          <a:xfrm>
+            <a:off x="685800" y="4343400"/>
+            <a:ext cx="5486399" cy="4114800"/>
+          </a:xfrm>
+          <a:prstGeom prst="rect">
+            <a:avLst/>
+          </a:prstGeom>
+        </p:spPr>
+        <p:txBody>
+          <a:bodyPr lIns="91425" tIns="91425" rIns="91425" bIns="91425" anchor="ctr" anchorCtr="0">
+            <a:noAutofit/>
+          </a:bodyPr>
+          <a:lstStyle/>
+          <a:p>
+            <a:pPr lvl="0">
+              <a:spcBef>
+                <a:spcPts val="0"/>
+              </a:spcBef>
+              <a:buNone/>
+            </a:pPr>
+            <a:endParaRPr/>
+          </a:p>
+        </p:txBody>
+      </p:sp>
     </p:spTree>
     <p:extLst>
       <p:ext uri="{BB962C8B-B14F-4D97-AF65-F5344CB8AC3E}">
-        <p14:creationId xmlns:p14="http://schemas.microsoft.com/office/powerpoint/2010/main" val="1636719554"/>
+        <p14:creationId xmlns:p14="http://schemas.microsoft.com/office/powerpoint/2010/main" val="1227509655"/>
       </p:ext>
     </p:extLst>
   </p:cSld>
@@ -4826,7 +4825,7 @@
   <p:cSld>
     <p:spTree>
       <p:nvGrpSpPr>
-        <p:cNvPr id="1" name="Shape 621"/>
+        <p:cNvPr id="1" name="Shape 627"/>
         <p:cNvGrpSpPr/>
         <p:nvPr/>
       </p:nvGrpSpPr>
@@ -4840,7 +4839,7 @@
       </p:grpSpPr>
       <p:sp>
         <p:nvSpPr>
-          <p:cNvPr id="622" name="Shape 622"/>
+          <p:cNvPr id="628" name="Shape 628"/>
           <p:cNvSpPr>
             <a:spLocks noGrp="1" noRot="1" noChangeAspect="1"/>
           </p:cNvSpPr>
@@ -4881,7 +4880,7 @@
       </p:sp>
       <p:sp>
         <p:nvSpPr>
-          <p:cNvPr id="623" name="Shape 623"/>
+          <p:cNvPr id="629" name="Shape 629"/>
           <p:cNvSpPr txBox="1">
             <a:spLocks noGrp="1"/>
           </p:cNvSpPr>
@@ -4917,7 +4916,7 @@
     </p:spTree>
     <p:extLst>
       <p:ext uri="{BB962C8B-B14F-4D97-AF65-F5344CB8AC3E}">
-        <p14:creationId xmlns:p14="http://schemas.microsoft.com/office/powerpoint/2010/main" val="1227509655"/>
+        <p14:creationId xmlns:p14="http://schemas.microsoft.com/office/powerpoint/2010/main" val="2026858503"/>
       </p:ext>
     </p:extLst>
   </p:cSld>
@@ -4932,7 +4931,7 @@
   <p:cSld>
     <p:spTree>
       <p:nvGrpSpPr>
-        <p:cNvPr id="1" name="Shape 627"/>
+        <p:cNvPr id="1" name="Shape 636"/>
         <p:cNvGrpSpPr/>
         <p:nvPr/>
       </p:nvGrpSpPr>
@@ -4946,7 +4945,42 @@
       </p:grpSpPr>
       <p:sp>
         <p:nvSpPr>
-          <p:cNvPr id="628" name="Shape 628"/>
+          <p:cNvPr id="637" name="Shape 637"/>
+          <p:cNvSpPr txBox="1">
+            <a:spLocks noGrp="1"/>
+          </p:cNvSpPr>
+          <p:nvPr>
+            <p:ph type="body" idx="1"/>
+          </p:nvPr>
+        </p:nvSpPr>
+        <p:spPr>
+          <a:xfrm>
+            <a:off x="685800" y="4343400"/>
+            <a:ext cx="5486399" cy="4114800"/>
+          </a:xfrm>
+          <a:prstGeom prst="rect">
+            <a:avLst/>
+          </a:prstGeom>
+        </p:spPr>
+        <p:txBody>
+          <a:bodyPr lIns="91425" tIns="91425" rIns="91425" bIns="91425" anchor="ctr" anchorCtr="0">
+            <a:noAutofit/>
+          </a:bodyPr>
+          <a:lstStyle/>
+          <a:p>
+            <a:pPr lvl="0">
+              <a:spcBef>
+                <a:spcPts val="0"/>
+              </a:spcBef>
+              <a:buNone/>
+            </a:pPr>
+            <a:endParaRPr/>
+          </a:p>
+        </p:txBody>
+      </p:sp>
+      <p:sp>
+        <p:nvSpPr>
+          <p:cNvPr id="638" name="Shape 638"/>
           <p:cNvSpPr>
             <a:spLocks noGrp="1" noRot="1" noChangeAspect="1"/>
           </p:cNvSpPr>
@@ -4985,147 +5019,6 @@
           </a:custGeom>
         </p:spPr>
       </p:sp>
-      <p:sp>
-        <p:nvSpPr>
-          <p:cNvPr id="629" name="Shape 629"/>
-          <p:cNvSpPr txBox="1">
-            <a:spLocks noGrp="1"/>
-          </p:cNvSpPr>
-          <p:nvPr>
-            <p:ph type="body" idx="1"/>
-          </p:nvPr>
-        </p:nvSpPr>
-        <p:spPr>
-          <a:xfrm>
-            <a:off x="685800" y="4343400"/>
-            <a:ext cx="5486399" cy="4114800"/>
-          </a:xfrm>
-          <a:prstGeom prst="rect">
-            <a:avLst/>
-          </a:prstGeom>
-        </p:spPr>
-        <p:txBody>
-          <a:bodyPr lIns="91425" tIns="91425" rIns="91425" bIns="91425" anchor="ctr" anchorCtr="0">
-            <a:noAutofit/>
-          </a:bodyPr>
-          <a:lstStyle/>
-          <a:p>
-            <a:pPr lvl="0">
-              <a:spcBef>
-                <a:spcPts val="0"/>
-              </a:spcBef>
-              <a:buNone/>
-            </a:pPr>
-            <a:endParaRPr/>
-          </a:p>
-        </p:txBody>
-      </p:sp>
-    </p:spTree>
-    <p:extLst>
-      <p:ext uri="{BB962C8B-B14F-4D97-AF65-F5344CB8AC3E}">
-        <p14:creationId xmlns:p14="http://schemas.microsoft.com/office/powerpoint/2010/main" val="2026858503"/>
-      </p:ext>
-    </p:extLst>
-  </p:cSld>
-  <p:clrMapOvr>
-    <a:masterClrMapping/>
-  </p:clrMapOvr>
-</p:notes>
-</file>
-
-<file path=ppt/notesSlides/notesSlide45.xml><?xml version="1.0" encoding="utf-8"?>
-<p:notes xmlns:a="http://schemas.openxmlformats.org/drawingml/2006/main" xmlns:r="http://schemas.openxmlformats.org/officeDocument/2006/relationships" xmlns:p="http://schemas.openxmlformats.org/presentationml/2006/main" showMasterSp="0" showMasterPhAnim="0">
-  <p:cSld>
-    <p:spTree>
-      <p:nvGrpSpPr>
-        <p:cNvPr id="1" name="Shape 636"/>
-        <p:cNvGrpSpPr/>
-        <p:nvPr/>
-      </p:nvGrpSpPr>
-      <p:grpSpPr>
-        <a:xfrm>
-          <a:off x="0" y="0"/>
-          <a:ext cx="0" cy="0"/>
-          <a:chOff x="0" y="0"/>
-          <a:chExt cx="0" cy="0"/>
-        </a:xfrm>
-      </p:grpSpPr>
-      <p:sp>
-        <p:nvSpPr>
-          <p:cNvPr id="637" name="Shape 637"/>
-          <p:cNvSpPr txBox="1">
-            <a:spLocks noGrp="1"/>
-          </p:cNvSpPr>
-          <p:nvPr>
-            <p:ph type="body" idx="1"/>
-          </p:nvPr>
-        </p:nvSpPr>
-        <p:spPr>
-          <a:xfrm>
-            <a:off x="685800" y="4343400"/>
-            <a:ext cx="5486399" cy="4114800"/>
-          </a:xfrm>
-          <a:prstGeom prst="rect">
-            <a:avLst/>
-          </a:prstGeom>
-        </p:spPr>
-        <p:txBody>
-          <a:bodyPr lIns="91425" tIns="91425" rIns="91425" bIns="91425" anchor="ctr" anchorCtr="0">
-            <a:noAutofit/>
-          </a:bodyPr>
-          <a:lstStyle/>
-          <a:p>
-            <a:pPr lvl="0">
-              <a:spcBef>
-                <a:spcPts val="0"/>
-              </a:spcBef>
-              <a:buNone/>
-            </a:pPr>
-            <a:endParaRPr/>
-          </a:p>
-        </p:txBody>
-      </p:sp>
-      <p:sp>
-        <p:nvSpPr>
-          <p:cNvPr id="638" name="Shape 638"/>
-          <p:cNvSpPr>
-            <a:spLocks noGrp="1" noRot="1" noChangeAspect="1"/>
-          </p:cNvSpPr>
-          <p:nvPr>
-            <p:ph type="sldImg" idx="2"/>
-          </p:nvPr>
-        </p:nvSpPr>
-        <p:spPr>
-          <a:xfrm>
-            <a:off x="381000" y="685800"/>
-            <a:ext cx="6096000" cy="3429000"/>
-          </a:xfrm>
-          <a:custGeom>
-            <a:avLst/>
-            <a:gdLst/>
-            <a:ahLst/>
-            <a:cxnLst/>
-            <a:rect l="0" t="0" r="0" b="0"/>
-            <a:pathLst>
-              <a:path w="120000" h="120000" extrusionOk="0">
-                <a:moveTo>
-                  <a:pt x="0" y="0"/>
-                </a:moveTo>
-                <a:lnTo>
-                  <a:pt x="120000" y="0"/>
-                </a:lnTo>
-                <a:lnTo>
-                  <a:pt x="120000" y="120000"/>
-                </a:lnTo>
-                <a:lnTo>
-                  <a:pt x="0" y="120000"/>
-                </a:lnTo>
-                <a:close/>
-              </a:path>
-            </a:pathLst>
-          </a:custGeom>
-        </p:spPr>
-      </p:sp>
     </p:spTree>
     <p:extLst>
       <p:ext uri="{BB962C8B-B14F-4D97-AF65-F5344CB8AC3E}">
@@ -5139,7 +5032,7 @@
 </p:notes>
 </file>
 
-<file path=ppt/notesSlides/notesSlide46.xml><?xml version="1.0" encoding="utf-8"?>
+<file path=ppt/notesSlides/notesSlide45.xml><?xml version="1.0" encoding="utf-8"?>
 <p:notes xmlns:a="http://schemas.openxmlformats.org/drawingml/2006/main" xmlns:r="http://schemas.openxmlformats.org/officeDocument/2006/relationships" xmlns:p="http://schemas.openxmlformats.org/presentationml/2006/main" showMasterSp="0" showMasterPhAnim="0">
   <p:cSld>
     <p:spTree>
@@ -21262,8 +21155,8 @@
         </p:nvSpPr>
         <p:spPr>
           <a:xfrm>
-            <a:off x="2704289" y="3463049"/>
-            <a:ext cx="10369686" cy="4435186"/>
+            <a:off x="3346315" y="3482501"/>
+            <a:ext cx="10369686" cy="4182269"/>
           </a:xfrm>
           <a:prstGeom prst="rect">
             <a:avLst/>
@@ -21279,14 +21172,14 @@
           </a:bodyPr>
           <a:lstStyle/>
           <a:p>
-            <a:pPr lvl="0" algn="ctr">
+            <a:pPr lvl="0">
               <a:buClr>
                 <a:srgbClr val="FFFF00"/>
               </a:buClr>
               <a:buSzPct val="25000"/>
             </a:pPr>
             <a:r>
-              <a:rPr lang="de-DE" sz="2800" b="1" dirty="0" err="1" smtClean="0">
+              <a:rPr lang="de-DE" sz="3200" b="1" dirty="0" err="1" smtClean="0">
                 <a:solidFill>
                   <a:srgbClr val="FFFF00"/>
                 </a:solidFill>
@@ -21298,7 +21191,7 @@
               <a:t>False</a:t>
             </a:r>
             <a:r>
-              <a:rPr lang="de-DE" sz="2800" b="1" dirty="0" smtClean="0">
+              <a:rPr lang="de-DE" sz="3200" b="1" dirty="0" smtClean="0">
                 <a:solidFill>
                   <a:srgbClr val="FFFF00"/>
                 </a:solidFill>
@@ -21307,10 +21200,10 @@
                 <a:cs typeface="Courier" charset="0"/>
                 <a:sym typeface="Cabin"/>
               </a:rPr>
-              <a:t> </a:t>
-            </a:r>
-            <a:r>
-              <a:rPr lang="de-DE" sz="2800" b="1" dirty="0" err="1" smtClean="0">
+              <a:t> 	</a:t>
+            </a:r>
+            <a:r>
+              <a:rPr lang="de-DE" sz="3200" b="1" dirty="0" err="1" smtClean="0">
                 <a:solidFill>
                   <a:srgbClr val="FFFF00"/>
                 </a:solidFill>
@@ -21322,7 +21215,7 @@
               <a:t>class</a:t>
             </a:r>
             <a:r>
-              <a:rPr lang="de-DE" sz="2800" b="1" dirty="0">
+              <a:rPr lang="de-DE" sz="3200" b="1" dirty="0" smtClean="0">
                 <a:solidFill>
                   <a:srgbClr val="FFFF00"/>
                 </a:solidFill>
@@ -21331,10 +21224,10 @@
                 <a:cs typeface="Courier" charset="0"/>
                 <a:sym typeface="Cabin"/>
               </a:rPr>
-              <a:t> </a:t>
-            </a:r>
-            <a:r>
-              <a:rPr lang="de-DE" sz="2800" b="1" dirty="0" err="1" smtClean="0">
+              <a:t> 	</a:t>
+            </a:r>
+            <a:r>
+              <a:rPr lang="de-DE" sz="3200" b="1" dirty="0" err="1" smtClean="0">
                 <a:solidFill>
                   <a:srgbClr val="FFFF00"/>
                 </a:solidFill>
@@ -21343,10 +21236,10 @@
                 <a:cs typeface="Courier" charset="0"/>
                 <a:sym typeface="Cabin"/>
               </a:rPr>
-              <a:t>finally</a:t>
-            </a:r>
-            <a:r>
-              <a:rPr lang="de-DE" sz="2800" b="1" dirty="0" smtClean="0">
+              <a:t>return</a:t>
+            </a:r>
+            <a:r>
+              <a:rPr lang="de-DE" sz="3200" b="1" dirty="0" smtClean="0">
                 <a:solidFill>
                   <a:srgbClr val="FFFF00"/>
                 </a:solidFill>
@@ -21355,10 +21248,10 @@
                 <a:cs typeface="Courier" charset="0"/>
                 <a:sym typeface="Cabin"/>
               </a:rPr>
-              <a:t> </a:t>
-            </a:r>
-            <a:r>
-              <a:rPr lang="de-DE" sz="2800" b="1" dirty="0" err="1" smtClean="0">
+              <a:t>	</a:t>
+            </a:r>
+            <a:r>
+              <a:rPr lang="de-DE" sz="3200" b="1" dirty="0" err="1" smtClean="0">
                 <a:solidFill>
                   <a:srgbClr val="FFFF00"/>
                 </a:solidFill>
@@ -21370,7 +21263,7 @@
               <a:t>is</a:t>
             </a:r>
             <a:r>
-              <a:rPr lang="de-DE" sz="2800" b="1" dirty="0" smtClean="0">
+              <a:rPr lang="de-DE" sz="3200" b="1" dirty="0" smtClean="0">
                 <a:solidFill>
                   <a:srgbClr val="FFFF00"/>
                 </a:solidFill>
@@ -21379,10 +21272,10 @@
                 <a:cs typeface="Courier" charset="0"/>
                 <a:sym typeface="Cabin"/>
               </a:rPr>
-              <a:t> </a:t>
-            </a:r>
-            <a:r>
-              <a:rPr lang="de-DE" sz="2800" b="1" dirty="0" err="1" smtClean="0">
+              <a:t> 		</a:t>
+            </a:r>
+            <a:r>
+              <a:rPr lang="de-DE" sz="3200" b="1" dirty="0" err="1" smtClean="0">
                 <a:solidFill>
                   <a:srgbClr val="FFFF00"/>
                 </a:solidFill>
@@ -21391,9 +21284,241 @@
                 <a:cs typeface="Courier" charset="0"/>
                 <a:sym typeface="Cabin"/>
               </a:rPr>
-              <a:t>return</a:t>
-            </a:r>
-            <a:endParaRPr lang="de-DE" sz="2800" b="1" dirty="0" smtClean="0">
+              <a:t>finally</a:t>
+            </a:r>
+            <a:r>
+              <a:rPr lang="de-DE" sz="3200" b="1" dirty="0" smtClean="0">
+                <a:solidFill>
+                  <a:srgbClr val="FFFF00"/>
+                </a:solidFill>
+                <a:latin typeface="Courier" charset="0"/>
+                <a:ea typeface="Courier" charset="0"/>
+                <a:cs typeface="Courier" charset="0"/>
+                <a:sym typeface="Cabin"/>
+              </a:rPr>
+              <a:t> </a:t>
+            </a:r>
+          </a:p>
+          <a:p>
+            <a:pPr lvl="0">
+              <a:buClr>
+                <a:srgbClr val="FFFF00"/>
+              </a:buClr>
+              <a:buSzPct val="25000"/>
+            </a:pPr>
+            <a:r>
+              <a:rPr lang="de-DE" sz="3200" b="1" dirty="0" smtClean="0">
+                <a:solidFill>
+                  <a:srgbClr val="FFFF00"/>
+                </a:solidFill>
+                <a:latin typeface="Courier" charset="0"/>
+                <a:ea typeface="Courier" charset="0"/>
+                <a:cs typeface="Courier" charset="0"/>
+                <a:sym typeface="Cabin"/>
+              </a:rPr>
+              <a:t>None 	</a:t>
+            </a:r>
+            <a:r>
+              <a:rPr lang="de-DE" sz="3200" b="1" dirty="0" err="1" smtClean="0">
+                <a:solidFill>
+                  <a:srgbClr val="FFFF00"/>
+                </a:solidFill>
+                <a:latin typeface="Courier" charset="0"/>
+                <a:ea typeface="Courier" charset="0"/>
+                <a:cs typeface="Courier" charset="0"/>
+                <a:sym typeface="Cabin"/>
+              </a:rPr>
+              <a:t>if</a:t>
+            </a:r>
+            <a:r>
+              <a:rPr lang="de-DE" sz="3200" b="1" dirty="0" smtClean="0">
+                <a:solidFill>
+                  <a:srgbClr val="FFFF00"/>
+                </a:solidFill>
+                <a:latin typeface="Courier" charset="0"/>
+                <a:ea typeface="Courier" charset="0"/>
+                <a:cs typeface="Courier" charset="0"/>
+                <a:sym typeface="Cabin"/>
+              </a:rPr>
+              <a:t>		</a:t>
+            </a:r>
+            <a:r>
+              <a:rPr lang="de-DE" sz="3200" b="1" dirty="0" err="1" smtClean="0">
+                <a:solidFill>
+                  <a:srgbClr val="FFFF00"/>
+                </a:solidFill>
+                <a:latin typeface="Courier" charset="0"/>
+                <a:ea typeface="Courier" charset="0"/>
+                <a:cs typeface="Courier" charset="0"/>
+                <a:sym typeface="Cabin"/>
+              </a:rPr>
+              <a:t>for</a:t>
+            </a:r>
+            <a:r>
+              <a:rPr lang="de-DE" sz="3200" b="1" dirty="0" smtClean="0">
+                <a:solidFill>
+                  <a:srgbClr val="FFFF00"/>
+                </a:solidFill>
+                <a:latin typeface="Courier" charset="0"/>
+                <a:ea typeface="Courier" charset="0"/>
+                <a:cs typeface="Courier" charset="0"/>
+                <a:sym typeface="Cabin"/>
+              </a:rPr>
+              <a:t> 	</a:t>
+            </a:r>
+            <a:r>
+              <a:rPr lang="de-DE" sz="3200" b="1" dirty="0" err="1" smtClean="0">
+                <a:solidFill>
+                  <a:srgbClr val="FFFF00"/>
+                </a:solidFill>
+                <a:latin typeface="Courier" charset="0"/>
+                <a:ea typeface="Courier" charset="0"/>
+                <a:cs typeface="Courier" charset="0"/>
+                <a:sym typeface="Cabin"/>
+              </a:rPr>
+              <a:t>lambda</a:t>
+            </a:r>
+            <a:r>
+              <a:rPr lang="de-DE" sz="3200" b="1" dirty="0" smtClean="0">
+                <a:solidFill>
+                  <a:srgbClr val="FFFF00"/>
+                </a:solidFill>
+                <a:latin typeface="Courier" charset="0"/>
+                <a:ea typeface="Courier" charset="0"/>
+                <a:cs typeface="Courier" charset="0"/>
+                <a:sym typeface="Cabin"/>
+              </a:rPr>
+              <a:t> 	</a:t>
+            </a:r>
+            <a:r>
+              <a:rPr lang="de-DE" sz="3200" b="1" dirty="0" err="1" smtClean="0">
+                <a:solidFill>
+                  <a:srgbClr val="FFFF00"/>
+                </a:solidFill>
+                <a:latin typeface="Courier" charset="0"/>
+                <a:ea typeface="Courier" charset="0"/>
+                <a:cs typeface="Courier" charset="0"/>
+                <a:sym typeface="Cabin"/>
+              </a:rPr>
+              <a:t>continue</a:t>
+            </a:r>
+            <a:r>
+              <a:rPr lang="de-DE" sz="3200" b="1" dirty="0" smtClean="0">
+                <a:solidFill>
+                  <a:srgbClr val="FFFF00"/>
+                </a:solidFill>
+                <a:latin typeface="Courier" charset="0"/>
+                <a:ea typeface="Courier" charset="0"/>
+                <a:cs typeface="Courier" charset="0"/>
+                <a:sym typeface="Cabin"/>
+              </a:rPr>
+              <a:t> </a:t>
+            </a:r>
+          </a:p>
+          <a:p>
+            <a:pPr lvl="0">
+              <a:buClr>
+                <a:srgbClr val="FFFF00"/>
+              </a:buClr>
+              <a:buSzPct val="25000"/>
+            </a:pPr>
+            <a:r>
+              <a:rPr lang="de-DE" sz="3200" b="1" dirty="0" smtClean="0">
+                <a:solidFill>
+                  <a:srgbClr val="FFFF00"/>
+                </a:solidFill>
+                <a:latin typeface="Courier" charset="0"/>
+                <a:ea typeface="Courier" charset="0"/>
+                <a:cs typeface="Courier" charset="0"/>
+                <a:sym typeface="Cabin"/>
+              </a:rPr>
+              <a:t>True 	</a:t>
+            </a:r>
+            <a:r>
+              <a:rPr lang="de-DE" sz="3200" b="1" dirty="0" err="1" smtClean="0">
+                <a:solidFill>
+                  <a:srgbClr val="FFFF00"/>
+                </a:solidFill>
+                <a:latin typeface="Courier" charset="0"/>
+                <a:ea typeface="Courier" charset="0"/>
+                <a:cs typeface="Courier" charset="0"/>
+                <a:sym typeface="Cabin"/>
+              </a:rPr>
+              <a:t>def</a:t>
+            </a:r>
+            <a:r>
+              <a:rPr lang="de-DE" sz="3200" b="1" dirty="0" smtClean="0">
+                <a:solidFill>
+                  <a:srgbClr val="FFFF00"/>
+                </a:solidFill>
+                <a:latin typeface="Courier" charset="0"/>
+                <a:ea typeface="Courier" charset="0"/>
+                <a:cs typeface="Courier" charset="0"/>
+                <a:sym typeface="Cabin"/>
+              </a:rPr>
+              <a:t> 	</a:t>
+            </a:r>
+            <a:r>
+              <a:rPr lang="de-DE" sz="3200" b="1" dirty="0" err="1" smtClean="0">
+                <a:solidFill>
+                  <a:srgbClr val="FFFF00"/>
+                </a:solidFill>
+                <a:latin typeface="Courier" charset="0"/>
+                <a:ea typeface="Courier" charset="0"/>
+                <a:cs typeface="Courier" charset="0"/>
+                <a:sym typeface="Cabin"/>
+              </a:rPr>
+              <a:t>from</a:t>
+            </a:r>
+            <a:r>
+              <a:rPr lang="de-DE" sz="3200" b="1" dirty="0" smtClean="0">
+                <a:solidFill>
+                  <a:srgbClr val="FFFF00"/>
+                </a:solidFill>
+                <a:latin typeface="Courier" charset="0"/>
+                <a:ea typeface="Courier" charset="0"/>
+                <a:cs typeface="Courier" charset="0"/>
+                <a:sym typeface="Cabin"/>
+              </a:rPr>
+              <a:t> 	</a:t>
+            </a:r>
+            <a:r>
+              <a:rPr lang="de-DE" sz="3200" b="1" dirty="0" err="1" smtClean="0">
+                <a:solidFill>
+                  <a:srgbClr val="FFFF00"/>
+                </a:solidFill>
+                <a:latin typeface="Courier" charset="0"/>
+                <a:ea typeface="Courier" charset="0"/>
+                <a:cs typeface="Courier" charset="0"/>
+                <a:sym typeface="Cabin"/>
+              </a:rPr>
+              <a:t>while</a:t>
+            </a:r>
+            <a:r>
+              <a:rPr lang="de-DE" sz="3200" b="1" dirty="0" smtClean="0">
+                <a:solidFill>
+                  <a:srgbClr val="FFFF00"/>
+                </a:solidFill>
+                <a:latin typeface="Courier" charset="0"/>
+                <a:ea typeface="Courier" charset="0"/>
+                <a:cs typeface="Courier" charset="0"/>
+                <a:sym typeface="Cabin"/>
+              </a:rPr>
+              <a:t>	</a:t>
+            </a:r>
+            <a:r>
+              <a:rPr lang="de-DE" sz="3200" b="1" dirty="0" err="1" smtClean="0">
+                <a:solidFill>
+                  <a:srgbClr val="FFFF00"/>
+                </a:solidFill>
+                <a:latin typeface="Courier" charset="0"/>
+                <a:ea typeface="Courier" charset="0"/>
+                <a:cs typeface="Courier" charset="0"/>
+                <a:sym typeface="Cabin"/>
+              </a:rPr>
+              <a:t>nonlocal</a:t>
+            </a:r>
+            <a:endParaRPr lang="de-DE" sz="3200" b="1" dirty="0" smtClean="0">
               <a:solidFill>
                 <a:srgbClr val="FFFF00"/>
               </a:solidFill>
@@ -21404,14 +21529,14 @@
             </a:endParaRPr>
           </a:p>
           <a:p>
-            <a:pPr lvl="0" algn="ctr">
+            <a:pPr lvl="0">
               <a:buClr>
                 <a:srgbClr val="FFFF00"/>
               </a:buClr>
               <a:buSzPct val="25000"/>
             </a:pPr>
             <a:r>
-              <a:rPr lang="de-DE" sz="2800" b="1" dirty="0" smtClean="0">
+              <a:rPr lang="de-DE" sz="3200" b="1" dirty="0" err="1" smtClean="0">
                 <a:solidFill>
                   <a:srgbClr val="FFFF00"/>
                 </a:solidFill>
@@ -21420,10 +21545,10 @@
                 <a:cs typeface="Courier" charset="0"/>
                 <a:sym typeface="Cabin"/>
               </a:rPr>
-              <a:t>None </a:t>
-            </a:r>
-            <a:r>
-              <a:rPr lang="de-DE" sz="2800" b="1" dirty="0" err="1" smtClean="0">
+              <a:t>and</a:t>
+            </a:r>
+            <a:r>
+              <a:rPr lang="de-DE" sz="3200" b="1" dirty="0" smtClean="0">
                 <a:solidFill>
                   <a:srgbClr val="FFFF00"/>
                 </a:solidFill>
@@ -21432,10 +21557,10 @@
                 <a:cs typeface="Courier" charset="0"/>
                 <a:sym typeface="Cabin"/>
               </a:rPr>
-              <a:t>continue</a:t>
-            </a:r>
-            <a:r>
-              <a:rPr lang="de-DE" sz="2800" b="1" dirty="0">
+              <a:t> 	del 	global 	not 	</a:t>
+            </a:r>
+            <a:r>
+              <a:rPr lang="de-DE" sz="3200" b="1" dirty="0" err="1" smtClean="0">
                 <a:solidFill>
                   <a:srgbClr val="FFFF00"/>
                 </a:solidFill>
@@ -21444,57 +21569,9 @@
                 <a:cs typeface="Courier" charset="0"/>
                 <a:sym typeface="Cabin"/>
               </a:rPr>
-              <a:t> </a:t>
-            </a:r>
-            <a:r>
-              <a:rPr lang="de-DE" sz="2800" b="1" dirty="0" err="1" smtClean="0">
-                <a:solidFill>
-                  <a:srgbClr val="FFFF00"/>
-                </a:solidFill>
-                <a:latin typeface="Courier" charset="0"/>
-                <a:ea typeface="Courier" charset="0"/>
-                <a:cs typeface="Courier" charset="0"/>
-                <a:sym typeface="Cabin"/>
-              </a:rPr>
-              <a:t>for</a:t>
-            </a:r>
-            <a:r>
-              <a:rPr lang="de-DE" sz="2800" b="1" smtClean="0">
-                <a:solidFill>
-                  <a:srgbClr val="FFFF00"/>
-                </a:solidFill>
-                <a:latin typeface="Courier" charset="0"/>
-                <a:ea typeface="Courier" charset="0"/>
-                <a:cs typeface="Courier" charset="0"/>
-                <a:sym typeface="Cabin"/>
-              </a:rPr>
-              <a:t> lambda</a:t>
-            </a:r>
-            <a:r>
-              <a:rPr lang="de-DE" sz="2800" b="1" dirty="0" smtClean="0">
-                <a:solidFill>
-                  <a:srgbClr val="FFFF00"/>
-                </a:solidFill>
-                <a:latin typeface="Courier" charset="0"/>
-                <a:ea typeface="Courier" charset="0"/>
-                <a:cs typeface="Courier" charset="0"/>
-                <a:sym typeface="Cabin"/>
-              </a:rPr>
-              <a:t>     </a:t>
-            </a:r>
-            <a:r>
-              <a:rPr lang="de-DE" sz="2800" b="1" dirty="0" err="1" smtClean="0">
-                <a:solidFill>
-                  <a:srgbClr val="FFFF00"/>
-                </a:solidFill>
-                <a:latin typeface="Courier" charset="0"/>
-                <a:ea typeface="Courier" charset="0"/>
-                <a:cs typeface="Courier" charset="0"/>
-                <a:sym typeface="Cabin"/>
-              </a:rPr>
-              <a:t>try</a:t>
-            </a:r>
-            <a:endParaRPr lang="de-DE" sz="2800" b="1" dirty="0" smtClean="0">
+              <a:t>with</a:t>
+            </a:r>
+            <a:endParaRPr lang="de-DE" sz="3200" b="1" dirty="0" smtClean="0">
               <a:solidFill>
                 <a:srgbClr val="FFFF00"/>
               </a:solidFill>
@@ -21505,14 +21582,14 @@
             </a:endParaRPr>
           </a:p>
           <a:p>
-            <a:pPr lvl="0" algn="ctr">
+            <a:pPr lvl="0">
               <a:buClr>
                 <a:srgbClr val="FFFF00"/>
               </a:buClr>
               <a:buSzPct val="25000"/>
             </a:pPr>
             <a:r>
-              <a:rPr lang="de-DE" sz="2800" b="1" dirty="0" smtClean="0">
+              <a:rPr lang="de-DE" sz="3200" b="1" dirty="0" err="1" smtClean="0">
                 <a:solidFill>
                   <a:srgbClr val="FFFF00"/>
                 </a:solidFill>
@@ -21521,10 +21598,10 @@
                 <a:cs typeface="Courier" charset="0"/>
                 <a:sym typeface="Cabin"/>
               </a:rPr>
-              <a:t>True       </a:t>
-            </a:r>
-            <a:r>
-              <a:rPr lang="de-DE" sz="2800" b="1" dirty="0" err="1">
+              <a:t>as</a:t>
+            </a:r>
+            <a:r>
+              <a:rPr lang="de-DE" sz="3200" b="1" dirty="0" smtClean="0">
                 <a:solidFill>
                   <a:srgbClr val="FFFF00"/>
                 </a:solidFill>
@@ -21533,10 +21610,10 @@
                 <a:cs typeface="Courier" charset="0"/>
                 <a:sym typeface="Cabin"/>
               </a:rPr>
-              <a:t>def</a:t>
-            </a:r>
-            <a:r>
-              <a:rPr lang="de-DE" sz="2800" b="1" dirty="0">
+              <a:t>  	</a:t>
+            </a:r>
+            <a:r>
+              <a:rPr lang="de-DE" sz="3200" b="1" dirty="0" err="1" smtClean="0">
                 <a:solidFill>
                   <a:srgbClr val="FFFF00"/>
                 </a:solidFill>
@@ -21545,10 +21622,10 @@
                 <a:cs typeface="Courier" charset="0"/>
                 <a:sym typeface="Cabin"/>
               </a:rPr>
-              <a:t>        </a:t>
-            </a:r>
-            <a:r>
-              <a:rPr lang="de-DE" sz="2800" b="1" dirty="0" err="1">
+              <a:t>elif</a:t>
+            </a:r>
+            <a:r>
+              <a:rPr lang="de-DE" sz="3200" b="1" dirty="0" smtClean="0">
                 <a:solidFill>
                   <a:srgbClr val="FFFF00"/>
                 </a:solidFill>
@@ -21557,10 +21634,10 @@
                 <a:cs typeface="Courier" charset="0"/>
                 <a:sym typeface="Cabin"/>
               </a:rPr>
-              <a:t>from</a:t>
-            </a:r>
-            <a:r>
-              <a:rPr lang="de-DE" sz="2800" b="1" dirty="0">
+              <a:t> 	</a:t>
+            </a:r>
+            <a:r>
+              <a:rPr lang="de-DE" sz="3200" b="1" dirty="0" err="1" smtClean="0">
                 <a:solidFill>
                   <a:srgbClr val="FFFF00"/>
                 </a:solidFill>
@@ -21569,10 +21646,10 @@
                 <a:cs typeface="Courier" charset="0"/>
                 <a:sym typeface="Cabin"/>
               </a:rPr>
-              <a:t>       </a:t>
-            </a:r>
-            <a:r>
-              <a:rPr lang="de-DE" sz="2800" b="1" dirty="0" err="1">
+              <a:t>try</a:t>
+            </a:r>
+            <a:r>
+              <a:rPr lang="de-DE" sz="3200" b="1" dirty="0" smtClean="0">
                 <a:solidFill>
                   <a:srgbClr val="FFFF00"/>
                 </a:solidFill>
@@ -21581,10 +21658,10 @@
                 <a:cs typeface="Courier" charset="0"/>
                 <a:sym typeface="Cabin"/>
               </a:rPr>
-              <a:t>nonlocal</a:t>
-            </a:r>
-            <a:r>
-              <a:rPr lang="de-DE" sz="2800" b="1" dirty="0">
+              <a:t>		</a:t>
+            </a:r>
+            <a:r>
+              <a:rPr lang="de-DE" sz="3200" b="1" dirty="0" err="1" smtClean="0">
                 <a:solidFill>
                   <a:srgbClr val="FFFF00"/>
                 </a:solidFill>
@@ -21593,10 +21670,10 @@
                 <a:cs typeface="Courier" charset="0"/>
                 <a:sym typeface="Cabin"/>
               </a:rPr>
-              <a:t>   </a:t>
-            </a:r>
-            <a:r>
-              <a:rPr lang="de-DE" sz="2800" b="1" dirty="0" err="1" smtClean="0">
+              <a:t>or</a:t>
+            </a:r>
+            <a:r>
+              <a:rPr lang="de-DE" sz="3200" b="1" dirty="0" smtClean="0">
                 <a:solidFill>
                   <a:srgbClr val="FFFF00"/>
                 </a:solidFill>
@@ -21605,9 +21682,21 @@
                 <a:cs typeface="Courier" charset="0"/>
                 <a:sym typeface="Cabin"/>
               </a:rPr>
-              <a:t>while</a:t>
-            </a:r>
-            <a:endParaRPr lang="de-DE" sz="2800" b="1" dirty="0" smtClean="0">
+              <a:t> 		</a:t>
+            </a:r>
+            <a:r>
+              <a:rPr lang="de-DE" sz="3200" b="1" dirty="0" err="1" smtClean="0">
+                <a:solidFill>
+                  <a:srgbClr val="FFFF00"/>
+                </a:solidFill>
+                <a:latin typeface="Courier" charset="0"/>
+                <a:ea typeface="Courier" charset="0"/>
+                <a:cs typeface="Courier" charset="0"/>
+                <a:sym typeface="Cabin"/>
+              </a:rPr>
+              <a:t>yield</a:t>
+            </a:r>
+            <a:endParaRPr lang="de-DE" sz="3200" b="1" dirty="0" smtClean="0">
               <a:solidFill>
                 <a:srgbClr val="FFFF00"/>
               </a:solidFill>
@@ -21618,14 +21707,14 @@
             </a:endParaRPr>
           </a:p>
           <a:p>
-            <a:pPr lvl="0" algn="ctr">
+            <a:pPr lvl="0">
               <a:buClr>
                 <a:srgbClr val="FFFF00"/>
               </a:buClr>
               <a:buSzPct val="25000"/>
             </a:pPr>
             <a:r>
-              <a:rPr lang="de-DE" sz="2800" b="1" dirty="0" err="1" smtClean="0">
+              <a:rPr lang="de-DE" sz="3200" b="1" dirty="0" err="1" smtClean="0">
                 <a:solidFill>
                   <a:srgbClr val="FFFF00"/>
                 </a:solidFill>
@@ -21634,10 +21723,10 @@
                 <a:cs typeface="Courier" charset="0"/>
                 <a:sym typeface="Cabin"/>
               </a:rPr>
-              <a:t>and</a:t>
-            </a:r>
-            <a:r>
-              <a:rPr lang="de-DE" sz="2800" b="1" dirty="0" smtClean="0">
+              <a:t>assert</a:t>
+            </a:r>
+            <a:r>
+              <a:rPr lang="de-DE" sz="3200" b="1" dirty="0" smtClean="0">
                 <a:solidFill>
                   <a:srgbClr val="FFFF00"/>
                 </a:solidFill>
@@ -21646,10 +21735,10 @@
                 <a:cs typeface="Courier" charset="0"/>
                 <a:sym typeface="Cabin"/>
               </a:rPr>
-              <a:t>        </a:t>
-            </a:r>
-            <a:r>
-              <a:rPr lang="de-DE" sz="2800" b="1" dirty="0">
+              <a:t> 	</a:t>
+            </a:r>
+            <a:r>
+              <a:rPr lang="de-DE" sz="3200" b="1" dirty="0" err="1" smtClean="0">
                 <a:solidFill>
                   <a:srgbClr val="FFFF00"/>
                 </a:solidFill>
@@ -21658,10 +21747,10 @@
                 <a:cs typeface="Courier" charset="0"/>
                 <a:sym typeface="Cabin"/>
               </a:rPr>
-              <a:t>del        global     not        </a:t>
-            </a:r>
-            <a:r>
-              <a:rPr lang="de-DE" sz="2800" b="1" dirty="0" err="1" smtClean="0">
+              <a:t>else</a:t>
+            </a:r>
+            <a:r>
+              <a:rPr lang="de-DE" sz="3200" b="1" dirty="0" smtClean="0">
                 <a:solidFill>
                   <a:srgbClr val="FFFF00"/>
                 </a:solidFill>
@@ -21670,27 +21759,10 @@
                 <a:cs typeface="Courier" charset="0"/>
                 <a:sym typeface="Cabin"/>
               </a:rPr>
-              <a:t>with</a:t>
-            </a:r>
-            <a:endParaRPr lang="de-DE" sz="2800" b="1" dirty="0" smtClean="0">
-              <a:solidFill>
-                <a:srgbClr val="FFFF00"/>
-              </a:solidFill>
-              <a:latin typeface="Courier" charset="0"/>
-              <a:ea typeface="Courier" charset="0"/>
-              <a:cs typeface="Courier" charset="0"/>
-              <a:sym typeface="Cabin"/>
-            </a:endParaRPr>
-          </a:p>
-          <a:p>
-            <a:pPr lvl="0" algn="ctr">
-              <a:buClr>
-                <a:srgbClr val="FFFF00"/>
-              </a:buClr>
-              <a:buSzPct val="25000"/>
-            </a:pPr>
-            <a:r>
-              <a:rPr lang="de-DE" sz="2800" b="1" dirty="0" err="1" smtClean="0">
+              <a:t> 	</a:t>
+            </a:r>
+            <a:r>
+              <a:rPr lang="de-DE" sz="3200" b="1" dirty="0" err="1" smtClean="0">
                 <a:solidFill>
                   <a:srgbClr val="FFFF00"/>
                 </a:solidFill>
@@ -21699,10 +21771,10 @@
                 <a:cs typeface="Courier" charset="0"/>
                 <a:sym typeface="Cabin"/>
               </a:rPr>
-              <a:t>as</a:t>
-            </a:r>
-            <a:r>
-              <a:rPr lang="de-DE" sz="2800" b="1" dirty="0" smtClean="0">
+              <a:t>import</a:t>
+            </a:r>
+            <a:r>
+              <a:rPr lang="de-DE" sz="3200" b="1" dirty="0" smtClean="0">
                 <a:solidFill>
                   <a:srgbClr val="FFFF00"/>
                 </a:solidFill>
@@ -21711,10 +21783,18 @@
                 <a:cs typeface="Courier" charset="0"/>
                 <a:sym typeface="Cabin"/>
               </a:rPr>
-              <a:t>         </a:t>
-            </a:r>
-            <a:r>
-              <a:rPr lang="de-DE" sz="2800" b="1" dirty="0" err="1">
+              <a:t> 	pass</a:t>
+            </a:r>
+          </a:p>
+          <a:p>
+            <a:pPr lvl="0">
+              <a:buClr>
+                <a:srgbClr val="FFFF00"/>
+              </a:buClr>
+              <a:buSzPct val="25000"/>
+            </a:pPr>
+            <a:r>
+              <a:rPr lang="de-DE" sz="3200" b="1" dirty="0" smtClean="0">
                 <a:solidFill>
                   <a:srgbClr val="FFFF00"/>
                 </a:solidFill>
@@ -21723,10 +21803,10 @@
                 <a:cs typeface="Courier" charset="0"/>
                 <a:sym typeface="Cabin"/>
               </a:rPr>
-              <a:t>elif</a:t>
-            </a:r>
-            <a:r>
-              <a:rPr lang="de-DE" sz="2800" b="1" dirty="0">
+              <a:t>break 	</a:t>
+            </a:r>
+            <a:r>
+              <a:rPr lang="de-DE" sz="3200" b="1" dirty="0" err="1" smtClean="0">
                 <a:solidFill>
                   <a:srgbClr val="FFFF00"/>
                 </a:solidFill>
@@ -21735,10 +21815,10 @@
                 <a:cs typeface="Courier" charset="0"/>
                 <a:sym typeface="Cabin"/>
               </a:rPr>
-              <a:t>       </a:t>
-            </a:r>
-            <a:r>
-              <a:rPr lang="de-DE" sz="2800" b="1" dirty="0" err="1">
+              <a:t>except</a:t>
+            </a:r>
+            <a:r>
+              <a:rPr lang="de-DE" sz="3200" b="1" dirty="0" smtClean="0">
                 <a:solidFill>
                   <a:srgbClr val="FFFF00"/>
                 </a:solidFill>
@@ -21747,10 +21827,10 @@
                 <a:cs typeface="Courier" charset="0"/>
                 <a:sym typeface="Cabin"/>
               </a:rPr>
-              <a:t>if</a:t>
-            </a:r>
-            <a:r>
-              <a:rPr lang="de-DE" sz="2800" b="1" dirty="0">
+              <a:t> 	in 		</a:t>
+            </a:r>
+            <a:r>
+              <a:rPr lang="de-DE" sz="3200" b="1" dirty="0" err="1" smtClean="0">
                 <a:solidFill>
                   <a:srgbClr val="FFFF00"/>
                 </a:solidFill>
@@ -21759,202 +21839,9 @@
                 <a:cs typeface="Courier" charset="0"/>
                 <a:sym typeface="Cabin"/>
               </a:rPr>
-              <a:t>         </a:t>
-            </a:r>
-            <a:r>
-              <a:rPr lang="de-DE" sz="2800" b="1" dirty="0" err="1">
-                <a:solidFill>
-                  <a:srgbClr val="FFFF00"/>
-                </a:solidFill>
-                <a:latin typeface="Courier" charset="0"/>
-                <a:ea typeface="Courier" charset="0"/>
-                <a:cs typeface="Courier" charset="0"/>
-                <a:sym typeface="Cabin"/>
-              </a:rPr>
-              <a:t>or</a:t>
-            </a:r>
-            <a:r>
-              <a:rPr lang="de-DE" sz="2800" b="1" dirty="0">
-                <a:solidFill>
-                  <a:srgbClr val="FFFF00"/>
-                </a:solidFill>
-                <a:latin typeface="Courier" charset="0"/>
-                <a:ea typeface="Courier" charset="0"/>
-                <a:cs typeface="Courier" charset="0"/>
-                <a:sym typeface="Cabin"/>
-              </a:rPr>
-              <a:t>         </a:t>
-            </a:r>
-            <a:r>
-              <a:rPr lang="de-DE" sz="2800" b="1" dirty="0" err="1" smtClean="0">
-                <a:solidFill>
-                  <a:srgbClr val="FFFF00"/>
-                </a:solidFill>
-                <a:latin typeface="Courier" charset="0"/>
-                <a:ea typeface="Courier" charset="0"/>
-                <a:cs typeface="Courier" charset="0"/>
-                <a:sym typeface="Cabin"/>
-              </a:rPr>
-              <a:t>yield</a:t>
-            </a:r>
-            <a:endParaRPr lang="de-DE" sz="2800" b="1" dirty="0" smtClean="0">
-              <a:solidFill>
-                <a:srgbClr val="FFFF00"/>
-              </a:solidFill>
-              <a:latin typeface="Courier" charset="0"/>
-              <a:ea typeface="Courier" charset="0"/>
-              <a:cs typeface="Courier" charset="0"/>
-              <a:sym typeface="Cabin"/>
-            </a:endParaRPr>
-          </a:p>
-          <a:p>
-            <a:pPr lvl="0" algn="ctr">
-              <a:buClr>
-                <a:srgbClr val="FFFF00"/>
-              </a:buClr>
-              <a:buSzPct val="25000"/>
-            </a:pPr>
-            <a:r>
-              <a:rPr lang="de-DE" sz="2800" b="1" dirty="0" err="1" smtClean="0">
-                <a:solidFill>
-                  <a:srgbClr val="FFFF00"/>
-                </a:solidFill>
-                <a:latin typeface="Courier" charset="0"/>
-                <a:ea typeface="Courier" charset="0"/>
-                <a:cs typeface="Courier" charset="0"/>
-                <a:sym typeface="Cabin"/>
-              </a:rPr>
-              <a:t>assert</a:t>
-            </a:r>
-            <a:r>
-              <a:rPr lang="de-DE" sz="2800" b="1" dirty="0" smtClean="0">
-                <a:solidFill>
-                  <a:srgbClr val="FFFF00"/>
-                </a:solidFill>
-                <a:latin typeface="Courier" charset="0"/>
-                <a:ea typeface="Courier" charset="0"/>
-                <a:cs typeface="Courier" charset="0"/>
-                <a:sym typeface="Cabin"/>
-              </a:rPr>
-              <a:t>     </a:t>
-            </a:r>
-            <a:r>
-              <a:rPr lang="de-DE" sz="2800" b="1" dirty="0" err="1">
-                <a:solidFill>
-                  <a:srgbClr val="FFFF00"/>
-                </a:solidFill>
-                <a:latin typeface="Courier" charset="0"/>
-                <a:ea typeface="Courier" charset="0"/>
-                <a:cs typeface="Courier" charset="0"/>
-                <a:sym typeface="Cabin"/>
-              </a:rPr>
-              <a:t>else</a:t>
-            </a:r>
-            <a:r>
-              <a:rPr lang="de-DE" sz="2800" b="1" dirty="0">
-                <a:solidFill>
-                  <a:srgbClr val="FFFF00"/>
-                </a:solidFill>
-                <a:latin typeface="Courier" charset="0"/>
-                <a:ea typeface="Courier" charset="0"/>
-                <a:cs typeface="Courier" charset="0"/>
-                <a:sym typeface="Cabin"/>
-              </a:rPr>
-              <a:t>       </a:t>
-            </a:r>
-            <a:r>
-              <a:rPr lang="de-DE" sz="2800" b="1" dirty="0" err="1">
-                <a:solidFill>
-                  <a:srgbClr val="FFFF00"/>
-                </a:solidFill>
-                <a:latin typeface="Courier" charset="0"/>
-                <a:ea typeface="Courier" charset="0"/>
-                <a:cs typeface="Courier" charset="0"/>
-                <a:sym typeface="Cabin"/>
-              </a:rPr>
-              <a:t>import</a:t>
-            </a:r>
-            <a:r>
-              <a:rPr lang="de-DE" sz="2800" b="1" dirty="0">
-                <a:solidFill>
-                  <a:srgbClr val="FFFF00"/>
-                </a:solidFill>
-                <a:latin typeface="Courier" charset="0"/>
-                <a:ea typeface="Courier" charset="0"/>
-                <a:cs typeface="Courier" charset="0"/>
-                <a:sym typeface="Cabin"/>
-              </a:rPr>
-              <a:t>     </a:t>
-            </a:r>
-            <a:r>
-              <a:rPr lang="de-DE" sz="2800" b="1" dirty="0" smtClean="0">
-                <a:solidFill>
-                  <a:srgbClr val="FFFF00"/>
-                </a:solidFill>
-                <a:latin typeface="Courier" charset="0"/>
-                <a:ea typeface="Courier" charset="0"/>
-                <a:cs typeface="Courier" charset="0"/>
-                <a:sym typeface="Cabin"/>
-              </a:rPr>
-              <a:t>pass</a:t>
-            </a:r>
-          </a:p>
-          <a:p>
-            <a:pPr lvl="0" algn="ctr">
-              <a:buClr>
-                <a:srgbClr val="FFFF00"/>
-              </a:buClr>
-              <a:buSzPct val="25000"/>
-            </a:pPr>
-            <a:r>
-              <a:rPr lang="de-DE" sz="2800" b="1" dirty="0" smtClean="0">
-                <a:solidFill>
-                  <a:srgbClr val="FFFF00"/>
-                </a:solidFill>
-                <a:latin typeface="Courier" charset="0"/>
-                <a:ea typeface="Courier" charset="0"/>
-                <a:cs typeface="Courier" charset="0"/>
-                <a:sym typeface="Cabin"/>
-              </a:rPr>
-              <a:t>break      </a:t>
-            </a:r>
-            <a:r>
-              <a:rPr lang="de-DE" sz="2800" b="1" dirty="0" err="1">
-                <a:solidFill>
-                  <a:srgbClr val="FFFF00"/>
-                </a:solidFill>
-                <a:latin typeface="Courier" charset="0"/>
-                <a:ea typeface="Courier" charset="0"/>
-                <a:cs typeface="Courier" charset="0"/>
-                <a:sym typeface="Cabin"/>
-              </a:rPr>
-              <a:t>except</a:t>
-            </a:r>
-            <a:r>
-              <a:rPr lang="de-DE" sz="2800" b="1" dirty="0">
-                <a:solidFill>
-                  <a:srgbClr val="FFFF00"/>
-                </a:solidFill>
-                <a:latin typeface="Courier" charset="0"/>
-                <a:ea typeface="Courier" charset="0"/>
-                <a:cs typeface="Courier" charset="0"/>
-                <a:sym typeface="Cabin"/>
-              </a:rPr>
-              <a:t>     in         </a:t>
-            </a:r>
-            <a:r>
-              <a:rPr lang="de-DE" sz="2800" b="1" dirty="0" err="1">
-                <a:solidFill>
-                  <a:srgbClr val="FFFF00"/>
-                </a:solidFill>
-                <a:latin typeface="Courier" charset="0"/>
-                <a:ea typeface="Courier" charset="0"/>
-                <a:cs typeface="Courier" charset="0"/>
-                <a:sym typeface="Cabin"/>
-              </a:rPr>
               <a:t>raise</a:t>
             </a:r>
-            <a:endParaRPr lang="en-US" sz="2800" b="1" u="none" strike="noStrike" cap="none" dirty="0">
+            <a:endParaRPr lang="en-US" sz="3200" b="1" u="none" strike="noStrike" cap="none" dirty="0">
               <a:solidFill>
                 <a:srgbClr val="FFFF00"/>
               </a:solidFill>
@@ -22868,7 +22755,7 @@
       </p:sp>
       <p:sp>
         <p:nvSpPr>
-          <p:cNvPr id="2" name="Text Placeholder 1"/>
+          <p:cNvPr id="3" name="Text Placeholder 2"/>
           <p:cNvSpPr>
             <a:spLocks noGrp="1"/>
           </p:cNvSpPr>
@@ -23250,107 +23137,6 @@
   <p:cSld>
     <p:spTree>
       <p:nvGrpSpPr>
-        <p:cNvPr id="1" name="Shape 532"/>
-        <p:cNvGrpSpPr/>
-        <p:nvPr/>
-      </p:nvGrpSpPr>
-      <p:grpSpPr>
-        <a:xfrm>
-          <a:off x="0" y="0"/>
-          <a:ext cx="0" cy="0"/>
-          <a:chOff x="0" y="0"/>
-          <a:chExt cx="0" cy="0"/>
-        </a:xfrm>
-      </p:grpSpPr>
-      <p:sp>
-        <p:nvSpPr>
-          <p:cNvPr id="533" name="Shape 533"/>
-          <p:cNvSpPr txBox="1">
-            <a:spLocks noGrp="1"/>
-          </p:cNvSpPr>
-          <p:nvPr>
-            <p:ph type="title"/>
-          </p:nvPr>
-        </p:nvSpPr>
-        <p:spPr>
-          <a:prstGeom prst="rect">
-            <a:avLst/>
-          </a:prstGeom>
-          <a:noFill/>
-          <a:ln>
-            <a:noFill/>
-          </a:ln>
-        </p:spPr>
-        <p:txBody>
-          <a:bodyPr lIns="38100" tIns="38100" rIns="38100" bIns="38100" anchor="b" anchorCtr="0">
-            <a:noAutofit/>
-          </a:bodyPr>
-          <a:lstStyle/>
-          <a:p>
-            <a:pPr marL="0" marR="0" lvl="0" indent="0" algn="ctr" rtl="0">
-              <a:lnSpc>
-                <a:spcPct val="100000"/>
-              </a:lnSpc>
-              <a:spcBef>
-                <a:spcPts val="0"/>
-              </a:spcBef>
-              <a:spcAft>
-                <a:spcPts val="0"/>
-              </a:spcAft>
-              <a:buClr>
-                <a:srgbClr val="00FF00"/>
-              </a:buClr>
-              <a:buSzPct val="25000"/>
-              <a:buFont typeface="Cabin"/>
-              <a:buNone/>
-            </a:pPr>
-            <a:r>
-              <a:rPr lang="en-US" sz="7600" u="none" strike="noStrike" cap="none">
-                <a:solidFill>
-                  <a:srgbClr val="FFFF00"/>
-                </a:solidFill>
-                <a:latin typeface="Arial" charset="0"/>
-                <a:ea typeface="Arial" charset="0"/>
-                <a:cs typeface="Arial" charset="0"/>
-                <a:sym typeface="Cabin"/>
-              </a:rPr>
-              <a:t>Writing a Simple Program</a:t>
-            </a:r>
-          </a:p>
-        </p:txBody>
-      </p:sp>
-      <p:sp>
-        <p:nvSpPr>
-          <p:cNvPr id="2" name="Text Placeholder 1"/>
-          <p:cNvSpPr>
-            <a:spLocks noGrp="1"/>
-          </p:cNvSpPr>
-          <p:nvPr>
-            <p:ph type="body" idx="1"/>
-          </p:nvPr>
-        </p:nvSpPr>
-        <p:spPr/>
-        <p:txBody>
-          <a:bodyPr/>
-          <a:lstStyle/>
-          <a:p>
-            <a:endParaRPr lang="en-US"/>
-          </a:p>
-        </p:txBody>
-      </p:sp>
-    </p:spTree>
-  </p:cSld>
-  <p:clrMapOvr>
-    <a:masterClrMapping/>
-  </p:clrMapOvr>
-</p:sld>
-</file>
-
-<file path=ppt/slides/slide38.xml><?xml version="1.0" encoding="utf-8"?>
-<p:sld xmlns:a="http://schemas.openxmlformats.org/drawingml/2006/main" xmlns:r="http://schemas.openxmlformats.org/officeDocument/2006/relationships" xmlns:p="http://schemas.openxmlformats.org/presentationml/2006/main">
-  <p:cSld>
-    <p:spTree>
-      <p:nvGrpSpPr>
         <p:cNvPr id="1" name="Shape 537"/>
         <p:cNvGrpSpPr/>
         <p:nvPr/>
@@ -23576,7 +23362,7 @@
 </p:sld>
 </file>
 
-<file path=ppt/slides/slide39.xml><?xml version="1.0" encoding="utf-8"?>
+<file path=ppt/slides/slide38.xml><?xml version="1.0" encoding="utf-8"?>
 <p:sld xmlns:a="http://schemas.openxmlformats.org/drawingml/2006/main" xmlns:r="http://schemas.openxmlformats.org/officeDocument/2006/relationships" xmlns:p="http://schemas.openxmlformats.org/presentationml/2006/main">
   <p:cSld>
     <p:spTree>
@@ -23868,6 +23654,993 @@
                 <a:sym typeface="Cabin"/>
               </a:rPr>
               <a:t>Sometimes we store a set of steps to be used over and over as needed several places throughout the program (Chapter 4).</a:t>
+            </a:r>
+          </a:p>
+        </p:txBody>
+      </p:sp>
+    </p:spTree>
+  </p:cSld>
+  <p:clrMapOvr>
+    <a:masterClrMapping/>
+  </p:clrMapOvr>
+</p:sld>
+</file>
+
+<file path=ppt/slides/slide39.xml><?xml version="1.0" encoding="utf-8"?>
+<p:sld xmlns:a="http://schemas.openxmlformats.org/drawingml/2006/main" xmlns:r="http://schemas.openxmlformats.org/officeDocument/2006/relationships" xmlns:p="http://schemas.openxmlformats.org/presentationml/2006/main">
+  <p:cSld>
+    <p:spTree>
+      <p:nvGrpSpPr>
+        <p:cNvPr id="1" name="Shape 549"/>
+        <p:cNvGrpSpPr/>
+        <p:nvPr/>
+      </p:nvGrpSpPr>
+      <p:grpSpPr>
+        <a:xfrm>
+          <a:off x="0" y="0"/>
+          <a:ext cx="0" cy="0"/>
+          <a:chOff x="0" y="0"/>
+          <a:chExt cx="0" cy="0"/>
+        </a:xfrm>
+      </p:grpSpPr>
+      <p:sp>
+        <p:nvSpPr>
+          <p:cNvPr id="550" name="Shape 550"/>
+          <p:cNvSpPr txBox="1">
+            <a:spLocks noGrp="1"/>
+          </p:cNvSpPr>
+          <p:nvPr>
+            <p:ph type="title"/>
+          </p:nvPr>
+        </p:nvSpPr>
+        <p:spPr>
+          <a:prstGeom prst="rect">
+            <a:avLst/>
+          </a:prstGeom>
+          <a:noFill/>
+          <a:ln>
+            <a:noFill/>
+          </a:ln>
+        </p:spPr>
+        <p:txBody>
+          <a:bodyPr lIns="38100" tIns="38100" rIns="38100" bIns="38100" anchor="ctr" anchorCtr="0">
+            <a:noAutofit/>
+          </a:bodyPr>
+          <a:lstStyle/>
+          <a:p>
+            <a:pPr marL="0" marR="0" lvl="0" indent="0" algn="ctr" rtl="0">
+              <a:lnSpc>
+                <a:spcPct val="100000"/>
+              </a:lnSpc>
+              <a:spcBef>
+                <a:spcPts val="0"/>
+              </a:spcBef>
+              <a:spcAft>
+                <a:spcPts val="0"/>
+              </a:spcAft>
+              <a:buClr>
+                <a:schemeClr val="lt1"/>
+              </a:buClr>
+              <a:buSzPct val="25000"/>
+              <a:buFont typeface="Cabin"/>
+              <a:buNone/>
+            </a:pPr>
+            <a:r>
+              <a:rPr lang="en-US" sz="7600" u="none" strike="noStrike" cap="none">
+                <a:solidFill>
+                  <a:srgbClr val="FFFF00"/>
+                </a:solidFill>
+                <a:latin typeface="Arial" charset="0"/>
+                <a:ea typeface="Arial" charset="0"/>
+                <a:cs typeface="Arial" charset="0"/>
+                <a:sym typeface="Cabin"/>
+              </a:rPr>
+              <a:t>Sequential Steps</a:t>
+            </a:r>
+          </a:p>
+        </p:txBody>
+      </p:sp>
+      <p:sp>
+        <p:nvSpPr>
+          <p:cNvPr id="551" name="Shape 551"/>
+          <p:cNvSpPr txBox="1"/>
+          <p:nvPr/>
+        </p:nvSpPr>
+        <p:spPr>
+          <a:xfrm>
+            <a:off x="6859571" y="2742665"/>
+            <a:ext cx="2177699" cy="3268799"/>
+          </a:xfrm>
+          <a:prstGeom prst="rect">
+            <a:avLst/>
+          </a:prstGeom>
+          <a:noFill/>
+          <a:ln>
+            <a:noFill/>
+          </a:ln>
+        </p:spPr>
+        <p:txBody>
+          <a:bodyPr lIns="0" tIns="0" rIns="0" bIns="0" anchor="ctr" anchorCtr="0">
+            <a:noAutofit/>
+          </a:bodyPr>
+          <a:lstStyle/>
+          <a:p>
+            <a:pPr marL="0" marR="0" lvl="0" indent="0" algn="l" rtl="0">
+              <a:lnSpc>
+                <a:spcPct val="100000"/>
+              </a:lnSpc>
+              <a:spcBef>
+                <a:spcPts val="0"/>
+              </a:spcBef>
+              <a:spcAft>
+                <a:spcPts val="0"/>
+              </a:spcAft>
+              <a:buClr>
+                <a:schemeClr val="lt1"/>
+              </a:buClr>
+              <a:buSzPct val="25000"/>
+              <a:buFont typeface="Cabin"/>
+              <a:buNone/>
+            </a:pPr>
+            <a:r>
+              <a:rPr lang="en-US" sz="3600" u="none" strike="noStrike" cap="none">
+                <a:solidFill>
+                  <a:schemeClr val="lt1"/>
+                </a:solidFill>
+                <a:latin typeface="Arial" charset="0"/>
+                <a:ea typeface="Arial" charset="0"/>
+                <a:cs typeface="Arial" charset="0"/>
+                <a:sym typeface="Cabin"/>
+              </a:rPr>
+              <a:t>Program:</a:t>
+            </a:r>
+          </a:p>
+          <a:p>
+            <a:pPr marL="0" marR="0" lvl="0" indent="0" algn="ctr" rtl="0">
+              <a:lnSpc>
+                <a:spcPct val="100000"/>
+              </a:lnSpc>
+              <a:spcBef>
+                <a:spcPts val="0"/>
+              </a:spcBef>
+              <a:spcAft>
+                <a:spcPts val="0"/>
+              </a:spcAft>
+              <a:buNone/>
+            </a:pPr>
+            <a:endParaRPr sz="3600" u="none" strike="noStrike" cap="none">
+              <a:solidFill>
+                <a:srgbClr val="FF7F00"/>
+              </a:solidFill>
+              <a:latin typeface="Arial" charset="0"/>
+              <a:ea typeface="Arial" charset="0"/>
+              <a:cs typeface="Arial" charset="0"/>
+              <a:sym typeface="Cabin"/>
+            </a:endParaRPr>
+          </a:p>
+          <a:p>
+            <a:pPr marL="0" marR="0" lvl="0" indent="0" algn="l" rtl="0">
+              <a:lnSpc>
+                <a:spcPct val="100000"/>
+              </a:lnSpc>
+              <a:spcBef>
+                <a:spcPts val="0"/>
+              </a:spcBef>
+              <a:spcAft>
+                <a:spcPts val="0"/>
+              </a:spcAft>
+              <a:buClr>
+                <a:srgbClr val="FF7F00"/>
+              </a:buClr>
+              <a:buSzPct val="25000"/>
+              <a:buFont typeface="Cabin"/>
+              <a:buNone/>
+            </a:pPr>
+            <a:r>
+              <a:rPr lang="en-US" sz="3600" u="none" strike="noStrike" cap="none">
+                <a:solidFill>
+                  <a:srgbClr val="00FF00"/>
+                </a:solidFill>
+                <a:latin typeface="Arial" charset="0"/>
+                <a:ea typeface="Arial" charset="0"/>
+                <a:cs typeface="Arial" charset="0"/>
+                <a:sym typeface="Cabin"/>
+              </a:rPr>
+              <a:t>x = 2</a:t>
+            </a:r>
+          </a:p>
+          <a:p>
+            <a:pPr marL="0" marR="0" lvl="0" indent="0" algn="l" rtl="0">
+              <a:lnSpc>
+                <a:spcPct val="100000"/>
+              </a:lnSpc>
+              <a:spcBef>
+                <a:spcPts val="0"/>
+              </a:spcBef>
+              <a:spcAft>
+                <a:spcPts val="0"/>
+              </a:spcAft>
+              <a:buClr>
+                <a:srgbClr val="FFFF00"/>
+              </a:buClr>
+              <a:buSzPct val="25000"/>
+              <a:buFont typeface="Cabin"/>
+              <a:buNone/>
+            </a:pPr>
+            <a:r>
+              <a:rPr lang="en-US" sz="3600" u="none" strike="noStrike" cap="none">
+                <a:solidFill>
+                  <a:srgbClr val="FFFF00"/>
+                </a:solidFill>
+                <a:latin typeface="Arial" charset="0"/>
+                <a:ea typeface="Arial" charset="0"/>
+                <a:cs typeface="Arial" charset="0"/>
+                <a:sym typeface="Cabin"/>
+              </a:rPr>
+              <a:t>print</a:t>
+            </a:r>
+            <a:r>
+              <a:rPr lang="en-US" sz="3600" u="none" strike="noStrike" cap="none">
+                <a:solidFill>
+                  <a:srgbClr val="FF7F00"/>
+                </a:solidFill>
+                <a:latin typeface="Arial" charset="0"/>
+                <a:ea typeface="Arial" charset="0"/>
+                <a:cs typeface="Arial" charset="0"/>
+                <a:sym typeface="Cabin"/>
+              </a:rPr>
+              <a:t> </a:t>
+            </a:r>
+            <a:r>
+              <a:rPr lang="en-US" sz="3600" u="none" strike="noStrike" cap="none">
+                <a:solidFill>
+                  <a:srgbClr val="00FF00"/>
+                </a:solidFill>
+                <a:latin typeface="Arial" charset="0"/>
+                <a:ea typeface="Arial" charset="0"/>
+                <a:cs typeface="Arial" charset="0"/>
+                <a:sym typeface="Cabin"/>
+              </a:rPr>
+              <a:t>x</a:t>
+            </a:r>
+          </a:p>
+          <a:p>
+            <a:pPr marL="0" marR="0" lvl="0" indent="0" algn="l" rtl="0">
+              <a:lnSpc>
+                <a:spcPct val="100000"/>
+              </a:lnSpc>
+              <a:spcBef>
+                <a:spcPts val="0"/>
+              </a:spcBef>
+              <a:spcAft>
+                <a:spcPts val="0"/>
+              </a:spcAft>
+              <a:buClr>
+                <a:srgbClr val="FF7F00"/>
+              </a:buClr>
+              <a:buSzPct val="25000"/>
+              <a:buFont typeface="Cabin"/>
+              <a:buNone/>
+            </a:pPr>
+            <a:r>
+              <a:rPr lang="en-US" sz="3600" u="none" strike="noStrike" cap="none">
+                <a:solidFill>
+                  <a:srgbClr val="00FF00"/>
+                </a:solidFill>
+                <a:latin typeface="Arial" charset="0"/>
+                <a:ea typeface="Arial" charset="0"/>
+                <a:cs typeface="Arial" charset="0"/>
+                <a:sym typeface="Cabin"/>
+              </a:rPr>
+              <a:t>x = x + 2</a:t>
+            </a:r>
+          </a:p>
+          <a:p>
+            <a:pPr marL="0" marR="0" lvl="0" indent="0" algn="l" rtl="0">
+              <a:lnSpc>
+                <a:spcPct val="100000"/>
+              </a:lnSpc>
+              <a:spcBef>
+                <a:spcPts val="0"/>
+              </a:spcBef>
+              <a:spcAft>
+                <a:spcPts val="0"/>
+              </a:spcAft>
+              <a:buClr>
+                <a:srgbClr val="FFFF00"/>
+              </a:buClr>
+              <a:buSzPct val="25000"/>
+              <a:buFont typeface="Cabin"/>
+              <a:buNone/>
+            </a:pPr>
+            <a:r>
+              <a:rPr lang="en-US" sz="3600" u="none" strike="noStrike" cap="none">
+                <a:solidFill>
+                  <a:srgbClr val="FFFF00"/>
+                </a:solidFill>
+                <a:latin typeface="Arial" charset="0"/>
+                <a:ea typeface="Arial" charset="0"/>
+                <a:cs typeface="Arial" charset="0"/>
+                <a:sym typeface="Cabin"/>
+              </a:rPr>
+              <a:t>print</a:t>
+            </a:r>
+            <a:r>
+              <a:rPr lang="en-US" sz="3600" u="none" strike="noStrike" cap="none">
+                <a:solidFill>
+                  <a:srgbClr val="FF7F00"/>
+                </a:solidFill>
+                <a:latin typeface="Arial" charset="0"/>
+                <a:ea typeface="Arial" charset="0"/>
+                <a:cs typeface="Arial" charset="0"/>
+                <a:sym typeface="Cabin"/>
+              </a:rPr>
+              <a:t> </a:t>
+            </a:r>
+            <a:r>
+              <a:rPr lang="en-US" sz="3600" u="none" strike="noStrike" cap="none">
+                <a:solidFill>
+                  <a:srgbClr val="00FF00"/>
+                </a:solidFill>
+                <a:latin typeface="Arial" charset="0"/>
+                <a:ea typeface="Arial" charset="0"/>
+                <a:cs typeface="Arial" charset="0"/>
+                <a:sym typeface="Cabin"/>
+              </a:rPr>
+              <a:t>x</a:t>
+            </a:r>
+          </a:p>
+        </p:txBody>
+      </p:sp>
+      <p:sp>
+        <p:nvSpPr>
+          <p:cNvPr id="552" name="Shape 552"/>
+          <p:cNvSpPr txBox="1"/>
+          <p:nvPr/>
+        </p:nvSpPr>
+        <p:spPr>
+          <a:xfrm>
+            <a:off x="11812570" y="3325265"/>
+            <a:ext cx="1993800" cy="2132099"/>
+          </a:xfrm>
+          <a:prstGeom prst="rect">
+            <a:avLst/>
+          </a:prstGeom>
+          <a:noFill/>
+          <a:ln>
+            <a:noFill/>
+          </a:ln>
+        </p:spPr>
+        <p:txBody>
+          <a:bodyPr lIns="0" tIns="0" rIns="0" bIns="0" anchor="ctr" anchorCtr="0">
+            <a:noAutofit/>
+          </a:bodyPr>
+          <a:lstStyle/>
+          <a:p>
+            <a:pPr marL="0" marR="0" lvl="0" indent="0" algn="l" rtl="0">
+              <a:lnSpc>
+                <a:spcPct val="100000"/>
+              </a:lnSpc>
+              <a:spcBef>
+                <a:spcPts val="0"/>
+              </a:spcBef>
+              <a:spcAft>
+                <a:spcPts val="0"/>
+              </a:spcAft>
+              <a:buClr>
+                <a:schemeClr val="lt1"/>
+              </a:buClr>
+              <a:buSzPct val="25000"/>
+              <a:buFont typeface="Cabin"/>
+              <a:buNone/>
+            </a:pPr>
+            <a:r>
+              <a:rPr lang="en-US" sz="3600" u="none" strike="noStrike" cap="none">
+                <a:solidFill>
+                  <a:schemeClr val="lt1"/>
+                </a:solidFill>
+                <a:latin typeface="Arial" charset="0"/>
+                <a:ea typeface="Arial" charset="0"/>
+                <a:cs typeface="Arial" charset="0"/>
+                <a:sym typeface="Cabin"/>
+              </a:rPr>
+              <a:t>Output:</a:t>
+            </a:r>
+          </a:p>
+          <a:p>
+            <a:pPr marL="0" marR="0" lvl="0" indent="0" algn="ctr" rtl="0">
+              <a:lnSpc>
+                <a:spcPct val="100000"/>
+              </a:lnSpc>
+              <a:spcBef>
+                <a:spcPts val="0"/>
+              </a:spcBef>
+              <a:spcAft>
+                <a:spcPts val="0"/>
+              </a:spcAft>
+              <a:buNone/>
+            </a:pPr>
+            <a:endParaRPr sz="3600" u="none" strike="noStrike" cap="none">
+              <a:solidFill>
+                <a:schemeClr val="lt1"/>
+              </a:solidFill>
+              <a:latin typeface="Arial" charset="0"/>
+              <a:ea typeface="Arial" charset="0"/>
+              <a:cs typeface="Arial" charset="0"/>
+              <a:sym typeface="Cabin"/>
+            </a:endParaRPr>
+          </a:p>
+          <a:p>
+            <a:pPr marL="0" marR="0" lvl="0" indent="0" algn="l" rtl="0">
+              <a:lnSpc>
+                <a:spcPct val="100000"/>
+              </a:lnSpc>
+              <a:spcBef>
+                <a:spcPts val="0"/>
+              </a:spcBef>
+              <a:spcAft>
+                <a:spcPts val="0"/>
+              </a:spcAft>
+              <a:buClr>
+                <a:srgbClr val="FF00FF"/>
+              </a:buClr>
+              <a:buSzPct val="25000"/>
+              <a:buFont typeface="Cabin"/>
+              <a:buNone/>
+            </a:pPr>
+            <a:r>
+              <a:rPr lang="en-US" sz="3600" u="none" strike="noStrike" cap="none">
+                <a:solidFill>
+                  <a:srgbClr val="FFFF00"/>
+                </a:solidFill>
+                <a:latin typeface="Arial" charset="0"/>
+                <a:ea typeface="Arial" charset="0"/>
+                <a:cs typeface="Arial" charset="0"/>
+                <a:sym typeface="Cabin"/>
+              </a:rPr>
+              <a:t>2</a:t>
+            </a:r>
+          </a:p>
+          <a:p>
+            <a:pPr marL="0" marR="0" lvl="0" indent="0" algn="l" rtl="0">
+              <a:lnSpc>
+                <a:spcPct val="100000"/>
+              </a:lnSpc>
+              <a:spcBef>
+                <a:spcPts val="0"/>
+              </a:spcBef>
+              <a:spcAft>
+                <a:spcPts val="0"/>
+              </a:spcAft>
+              <a:buClr>
+                <a:srgbClr val="FF00FF"/>
+              </a:buClr>
+              <a:buSzPct val="25000"/>
+              <a:buFont typeface="Cabin"/>
+              <a:buNone/>
+            </a:pPr>
+            <a:r>
+              <a:rPr lang="en-US" sz="3600" u="none" strike="noStrike" cap="none">
+                <a:solidFill>
+                  <a:srgbClr val="FFFF00"/>
+                </a:solidFill>
+                <a:latin typeface="Arial" charset="0"/>
+                <a:ea typeface="Arial" charset="0"/>
+                <a:cs typeface="Arial" charset="0"/>
+                <a:sym typeface="Cabin"/>
+              </a:rPr>
+              <a:t>4</a:t>
+            </a:r>
+          </a:p>
+        </p:txBody>
+      </p:sp>
+      <p:sp>
+        <p:nvSpPr>
+          <p:cNvPr id="553" name="Shape 553"/>
+          <p:cNvSpPr txBox="1"/>
+          <p:nvPr/>
+        </p:nvSpPr>
+        <p:spPr>
+          <a:xfrm>
+            <a:off x="1587500" y="2742665"/>
+            <a:ext cx="2743199" cy="596900"/>
+          </a:xfrm>
+          <a:prstGeom prst="rect">
+            <a:avLst/>
+          </a:prstGeom>
+          <a:noFill/>
+          <a:ln w="76200" cap="flat" cmpd="sng">
+            <a:solidFill>
+              <a:srgbClr val="00FFFF"/>
+            </a:solidFill>
+            <a:prstDash val="solid"/>
+            <a:round/>
+            <a:headEnd type="none" w="med" len="med"/>
+            <a:tailEnd type="none" w="med" len="med"/>
+          </a:ln>
+        </p:spPr>
+        <p:txBody>
+          <a:bodyPr lIns="0" tIns="0" rIns="0" bIns="0" anchor="ctr" anchorCtr="0">
+            <a:noAutofit/>
+          </a:bodyPr>
+          <a:lstStyle/>
+          <a:p>
+            <a:pPr marL="0" marR="0" lvl="0" indent="0" algn="ctr" rtl="0">
+              <a:lnSpc>
+                <a:spcPct val="100000"/>
+              </a:lnSpc>
+              <a:spcBef>
+                <a:spcPts val="0"/>
+              </a:spcBef>
+              <a:spcAft>
+                <a:spcPts val="0"/>
+              </a:spcAft>
+              <a:buClr>
+                <a:schemeClr val="lt1"/>
+              </a:buClr>
+              <a:buSzPct val="25000"/>
+              <a:buFont typeface="Cabin"/>
+              <a:buNone/>
+            </a:pPr>
+            <a:r>
+              <a:rPr lang="en-US" sz="3500" u="none" strike="noStrike" cap="none">
+                <a:solidFill>
+                  <a:schemeClr val="lt1"/>
+                </a:solidFill>
+                <a:latin typeface="Arial" charset="0"/>
+                <a:ea typeface="Arial" charset="0"/>
+                <a:cs typeface="Arial" charset="0"/>
+                <a:sym typeface="Cabin"/>
+              </a:rPr>
+              <a:t>x = 2</a:t>
+            </a:r>
+          </a:p>
+        </p:txBody>
+      </p:sp>
+      <p:sp>
+        <p:nvSpPr>
+          <p:cNvPr id="554" name="Shape 554"/>
+          <p:cNvSpPr txBox="1"/>
+          <p:nvPr/>
+        </p:nvSpPr>
+        <p:spPr>
+          <a:xfrm>
+            <a:off x="1587500" y="3847565"/>
+            <a:ext cx="2743199" cy="596900"/>
+          </a:xfrm>
+          <a:prstGeom prst="rect">
+            <a:avLst/>
+          </a:prstGeom>
+          <a:noFill/>
+          <a:ln w="76200" cap="flat" cmpd="sng">
+            <a:solidFill>
+              <a:srgbClr val="00FFFF"/>
+            </a:solidFill>
+            <a:prstDash val="solid"/>
+            <a:round/>
+            <a:headEnd type="none" w="med" len="med"/>
+            <a:tailEnd type="none" w="med" len="med"/>
+          </a:ln>
+        </p:spPr>
+        <p:txBody>
+          <a:bodyPr lIns="0" tIns="0" rIns="0" bIns="0" anchor="ctr" anchorCtr="0">
+            <a:noAutofit/>
+          </a:bodyPr>
+          <a:lstStyle/>
+          <a:p>
+            <a:pPr marL="0" marR="0" lvl="0" indent="0" algn="ctr" rtl="0">
+              <a:lnSpc>
+                <a:spcPct val="100000"/>
+              </a:lnSpc>
+              <a:spcBef>
+                <a:spcPts val="0"/>
+              </a:spcBef>
+              <a:spcAft>
+                <a:spcPts val="0"/>
+              </a:spcAft>
+              <a:buClr>
+                <a:schemeClr val="lt1"/>
+              </a:buClr>
+              <a:buSzPct val="25000"/>
+              <a:buFont typeface="Cabin"/>
+              <a:buNone/>
+            </a:pPr>
+            <a:r>
+              <a:rPr lang="en-US" sz="3500" u="none" strike="noStrike" cap="none">
+                <a:solidFill>
+                  <a:schemeClr val="lt1"/>
+                </a:solidFill>
+                <a:latin typeface="Arial" charset="0"/>
+                <a:ea typeface="Arial" charset="0"/>
+                <a:cs typeface="Arial" charset="0"/>
+                <a:sym typeface="Cabin"/>
+              </a:rPr>
+              <a:t>print x</a:t>
+            </a:r>
+          </a:p>
+        </p:txBody>
+      </p:sp>
+      <p:cxnSp>
+        <p:nvCxnSpPr>
+          <p:cNvPr id="555" name="Shape 555"/>
+          <p:cNvCxnSpPr/>
+          <p:nvPr/>
+        </p:nvCxnSpPr>
+        <p:spPr>
+          <a:xfrm rot="10800000">
+            <a:off x="2940049" y="3325276"/>
+            <a:ext cx="14287" cy="566736"/>
+          </a:xfrm>
+          <a:prstGeom prst="straightConnector1">
+            <a:avLst/>
+          </a:prstGeom>
+          <a:noFill/>
+          <a:ln w="76200" cap="rnd" cmpd="sng">
+            <a:solidFill>
+              <a:srgbClr val="00FFFF"/>
+            </a:solidFill>
+            <a:prstDash val="solid"/>
+            <a:miter/>
+            <a:headEnd type="stealth" w="med" len="med"/>
+            <a:tailEnd type="none" w="med" len="med"/>
+          </a:ln>
+        </p:spPr>
+      </p:cxnSp>
+      <p:sp>
+        <p:nvSpPr>
+          <p:cNvPr id="556" name="Shape 556"/>
+          <p:cNvSpPr txBox="1"/>
+          <p:nvPr/>
+        </p:nvSpPr>
+        <p:spPr>
+          <a:xfrm>
+            <a:off x="1587500" y="4914365"/>
+            <a:ext cx="2743199" cy="596900"/>
+          </a:xfrm>
+          <a:prstGeom prst="rect">
+            <a:avLst/>
+          </a:prstGeom>
+          <a:noFill/>
+          <a:ln w="76200" cap="flat" cmpd="sng">
+            <a:solidFill>
+              <a:srgbClr val="00FFFF"/>
+            </a:solidFill>
+            <a:prstDash val="solid"/>
+            <a:round/>
+            <a:headEnd type="none" w="med" len="med"/>
+            <a:tailEnd type="none" w="med" len="med"/>
+          </a:ln>
+        </p:spPr>
+        <p:txBody>
+          <a:bodyPr lIns="0" tIns="0" rIns="0" bIns="0" anchor="ctr" anchorCtr="0">
+            <a:noAutofit/>
+          </a:bodyPr>
+          <a:lstStyle/>
+          <a:p>
+            <a:pPr marL="0" marR="0" lvl="0" indent="0" algn="ctr" rtl="0">
+              <a:lnSpc>
+                <a:spcPct val="100000"/>
+              </a:lnSpc>
+              <a:spcBef>
+                <a:spcPts val="0"/>
+              </a:spcBef>
+              <a:spcAft>
+                <a:spcPts val="0"/>
+              </a:spcAft>
+              <a:buClr>
+                <a:schemeClr val="lt1"/>
+              </a:buClr>
+              <a:buSzPct val="25000"/>
+              <a:buFont typeface="Cabin"/>
+              <a:buNone/>
+            </a:pPr>
+            <a:r>
+              <a:rPr lang="en-US" sz="3500" u="none" strike="noStrike" cap="none">
+                <a:solidFill>
+                  <a:schemeClr val="lt1"/>
+                </a:solidFill>
+                <a:latin typeface="Arial" charset="0"/>
+                <a:ea typeface="Arial" charset="0"/>
+                <a:cs typeface="Arial" charset="0"/>
+                <a:sym typeface="Cabin"/>
+              </a:rPr>
+              <a:t>x = x + 2</a:t>
+            </a:r>
+          </a:p>
+        </p:txBody>
+      </p:sp>
+      <p:cxnSp>
+        <p:nvCxnSpPr>
+          <p:cNvPr id="557" name="Shape 557"/>
+          <p:cNvCxnSpPr/>
+          <p:nvPr/>
+        </p:nvCxnSpPr>
+        <p:spPr>
+          <a:xfrm rot="10800000">
+            <a:off x="2940049" y="4392076"/>
+            <a:ext cx="14287" cy="566736"/>
+          </a:xfrm>
+          <a:prstGeom prst="straightConnector1">
+            <a:avLst/>
+          </a:prstGeom>
+          <a:noFill/>
+          <a:ln w="76200" cap="rnd" cmpd="sng">
+            <a:solidFill>
+              <a:srgbClr val="00FFFF"/>
+            </a:solidFill>
+            <a:prstDash val="solid"/>
+            <a:miter/>
+            <a:headEnd type="stealth" w="med" len="med"/>
+            <a:tailEnd type="none" w="med" len="med"/>
+          </a:ln>
+        </p:spPr>
+      </p:cxnSp>
+      <p:sp>
+        <p:nvSpPr>
+          <p:cNvPr id="558" name="Shape 558"/>
+          <p:cNvSpPr txBox="1"/>
+          <p:nvPr/>
+        </p:nvSpPr>
+        <p:spPr>
+          <a:xfrm>
+            <a:off x="1587500" y="6031965"/>
+            <a:ext cx="2743199" cy="596900"/>
+          </a:xfrm>
+          <a:prstGeom prst="rect">
+            <a:avLst/>
+          </a:prstGeom>
+          <a:noFill/>
+          <a:ln w="76200" cap="flat" cmpd="sng">
+            <a:solidFill>
+              <a:srgbClr val="00FFFF"/>
+            </a:solidFill>
+            <a:prstDash val="solid"/>
+            <a:round/>
+            <a:headEnd type="none" w="med" len="med"/>
+            <a:tailEnd type="none" w="med" len="med"/>
+          </a:ln>
+        </p:spPr>
+        <p:txBody>
+          <a:bodyPr lIns="0" tIns="0" rIns="0" bIns="0" anchor="ctr" anchorCtr="0">
+            <a:noAutofit/>
+          </a:bodyPr>
+          <a:lstStyle/>
+          <a:p>
+            <a:pPr marL="0" marR="0" lvl="0" indent="0" algn="ctr" rtl="0">
+              <a:lnSpc>
+                <a:spcPct val="100000"/>
+              </a:lnSpc>
+              <a:spcBef>
+                <a:spcPts val="0"/>
+              </a:spcBef>
+              <a:spcAft>
+                <a:spcPts val="0"/>
+              </a:spcAft>
+              <a:buClr>
+                <a:schemeClr val="lt1"/>
+              </a:buClr>
+              <a:buSzPct val="25000"/>
+              <a:buFont typeface="Cabin"/>
+              <a:buNone/>
+            </a:pPr>
+            <a:r>
+              <a:rPr lang="en-US" sz="3500" u="none" strike="noStrike" cap="none">
+                <a:solidFill>
+                  <a:schemeClr val="lt1"/>
+                </a:solidFill>
+                <a:latin typeface="Arial" charset="0"/>
+                <a:ea typeface="Arial" charset="0"/>
+                <a:cs typeface="Arial" charset="0"/>
+                <a:sym typeface="Cabin"/>
+              </a:rPr>
+              <a:t>print x</a:t>
+            </a:r>
+          </a:p>
+        </p:txBody>
+      </p:sp>
+      <p:cxnSp>
+        <p:nvCxnSpPr>
+          <p:cNvPr id="559" name="Shape 559"/>
+          <p:cNvCxnSpPr/>
+          <p:nvPr/>
+        </p:nvCxnSpPr>
+        <p:spPr>
+          <a:xfrm rot="10800000">
+            <a:off x="2940049" y="5509676"/>
+            <a:ext cx="14287" cy="566736"/>
+          </a:xfrm>
+          <a:prstGeom prst="straightConnector1">
+            <a:avLst/>
+          </a:prstGeom>
+          <a:noFill/>
+          <a:ln w="76200" cap="rnd" cmpd="sng">
+            <a:solidFill>
+              <a:srgbClr val="00FFFF"/>
+            </a:solidFill>
+            <a:prstDash val="solid"/>
+            <a:miter/>
+            <a:headEnd type="stealth" w="med" len="med"/>
+            <a:tailEnd type="none" w="med" len="med"/>
+          </a:ln>
+        </p:spPr>
+      </p:cxnSp>
+      <p:cxnSp>
+        <p:nvCxnSpPr>
+          <p:cNvPr id="560" name="Shape 560"/>
+          <p:cNvCxnSpPr/>
+          <p:nvPr/>
+        </p:nvCxnSpPr>
+        <p:spPr>
+          <a:xfrm rot="10800000">
+            <a:off x="8515349" y="4661789"/>
+            <a:ext cx="3190200" cy="59100"/>
+          </a:xfrm>
+          <a:prstGeom prst="straightConnector1">
+            <a:avLst/>
+          </a:prstGeom>
+          <a:noFill/>
+          <a:ln w="50800" cap="rnd" cmpd="sng">
+            <a:solidFill>
+              <a:srgbClr val="FFFFFF"/>
+            </a:solidFill>
+            <a:prstDash val="solid"/>
+            <a:miter/>
+            <a:headEnd type="stealth" w="med" len="med"/>
+            <a:tailEnd type="none" w="med" len="med"/>
+          </a:ln>
+        </p:spPr>
+      </p:cxnSp>
+      <p:cxnSp>
+        <p:nvCxnSpPr>
+          <p:cNvPr id="561" name="Shape 561"/>
+          <p:cNvCxnSpPr/>
+          <p:nvPr/>
+        </p:nvCxnSpPr>
+        <p:spPr>
+          <a:xfrm flipH="1">
+            <a:off x="8450400" y="5278965"/>
+            <a:ext cx="3326699" cy="475199"/>
+          </a:xfrm>
+          <a:prstGeom prst="straightConnector1">
+            <a:avLst/>
+          </a:prstGeom>
+          <a:noFill/>
+          <a:ln w="50800" cap="rnd" cmpd="sng">
+            <a:solidFill>
+              <a:srgbClr val="FFFFFF"/>
+            </a:solidFill>
+            <a:prstDash val="solid"/>
+            <a:miter/>
+            <a:headEnd type="stealth" w="med" len="med"/>
+            <a:tailEnd type="none" w="med" len="med"/>
+          </a:ln>
+        </p:spPr>
+      </p:cxnSp>
+      <p:sp>
+        <p:nvSpPr>
+          <p:cNvPr id="562" name="Shape 562"/>
+          <p:cNvSpPr txBox="1"/>
+          <p:nvPr/>
+        </p:nvSpPr>
+        <p:spPr>
+          <a:xfrm>
+            <a:off x="2054200" y="7227515"/>
+            <a:ext cx="12401102" cy="1066799"/>
+          </a:xfrm>
+          <a:prstGeom prst="rect">
+            <a:avLst/>
+          </a:prstGeom>
+          <a:noFill/>
+          <a:ln>
+            <a:noFill/>
+          </a:ln>
+        </p:spPr>
+        <p:txBody>
+          <a:bodyPr lIns="0" tIns="0" rIns="0" bIns="0" anchor="ctr" anchorCtr="0">
+            <a:noAutofit/>
+          </a:bodyPr>
+          <a:lstStyle/>
+          <a:p>
+            <a:pPr marL="0" marR="0" lvl="0" indent="0" algn="ctr" rtl="0">
+              <a:lnSpc>
+                <a:spcPct val="100000"/>
+              </a:lnSpc>
+              <a:spcBef>
+                <a:spcPts val="0"/>
+              </a:spcBef>
+              <a:spcAft>
+                <a:spcPts val="0"/>
+              </a:spcAft>
+              <a:buClr>
+                <a:schemeClr val="lt1"/>
+              </a:buClr>
+              <a:buSzPct val="25000"/>
+              <a:buFont typeface="Cabin"/>
+              <a:buNone/>
+            </a:pPr>
+            <a:r>
+              <a:rPr lang="en-US" sz="3300" u="none" strike="noStrike" cap="none" dirty="0">
+                <a:solidFill>
+                  <a:schemeClr val="lt1"/>
+                </a:solidFill>
+                <a:latin typeface="Arial" charset="0"/>
+                <a:ea typeface="Arial" charset="0"/>
+                <a:cs typeface="Arial" charset="0"/>
+                <a:sym typeface="Cabin"/>
+              </a:rPr>
+              <a:t>When a program is running, it flows from one step to the next.  </a:t>
+            </a:r>
+            <a:r>
+              <a:rPr lang="en-US" sz="3300" dirty="0">
+                <a:solidFill>
+                  <a:schemeClr val="lt1"/>
+                </a:solidFill>
+                <a:latin typeface="Arial" charset="0"/>
+                <a:ea typeface="Arial" charset="0"/>
+                <a:cs typeface="Arial" charset="0"/>
+                <a:sym typeface="Cabin"/>
+              </a:rPr>
+              <a:t>A</a:t>
+            </a:r>
+            <a:r>
+              <a:rPr lang="en-US" sz="3300" u="none" strike="noStrike" cap="none" dirty="0">
+                <a:solidFill>
+                  <a:schemeClr val="lt1"/>
+                </a:solidFill>
+                <a:latin typeface="Arial" charset="0"/>
+                <a:ea typeface="Arial" charset="0"/>
+                <a:cs typeface="Arial" charset="0"/>
+                <a:sym typeface="Cabin"/>
+              </a:rPr>
+              <a:t>s programmers, we set up </a:t>
+            </a:r>
+            <a:r>
+              <a:rPr lang="en-US" sz="3300" b="0" i="0" u="none" strike="noStrike" cap="none" dirty="0">
+                <a:solidFill>
+                  <a:schemeClr val="lt1"/>
+                </a:solidFill>
+                <a:latin typeface="Arial"/>
+                <a:ea typeface="Arial"/>
+                <a:cs typeface="Arial"/>
+                <a:sym typeface="Arial"/>
+              </a:rPr>
+              <a:t>“</a:t>
+            </a:r>
+            <a:r>
+              <a:rPr lang="en-US" sz="3300" u="none" strike="noStrike" cap="none" dirty="0">
+                <a:solidFill>
+                  <a:schemeClr val="lt1"/>
+                </a:solidFill>
+                <a:latin typeface="Arial" charset="0"/>
+                <a:ea typeface="Arial" charset="0"/>
+                <a:cs typeface="Arial" charset="0"/>
+                <a:sym typeface="Cabin"/>
+              </a:rPr>
+              <a:t>paths</a:t>
+            </a:r>
+            <a:r>
+              <a:rPr lang="en-US" sz="3300" b="0" i="0" u="none" strike="noStrike" cap="none" dirty="0">
+                <a:solidFill>
+                  <a:schemeClr val="lt1"/>
+                </a:solidFill>
+                <a:latin typeface="Arial"/>
+                <a:ea typeface="Arial"/>
+                <a:cs typeface="Arial"/>
+                <a:sym typeface="Arial"/>
+              </a:rPr>
+              <a:t>”</a:t>
+            </a:r>
+            <a:r>
+              <a:rPr lang="en-US" sz="3300" u="none" strike="noStrike" cap="none" dirty="0">
+                <a:solidFill>
+                  <a:schemeClr val="lt1"/>
+                </a:solidFill>
+                <a:latin typeface="Arial" charset="0"/>
+                <a:ea typeface="Arial" charset="0"/>
+                <a:cs typeface="Arial" charset="0"/>
+                <a:sym typeface="Cabin"/>
+              </a:rPr>
+              <a:t> for the program to follow.</a:t>
             </a:r>
           </a:p>
         </p:txBody>
@@ -24237,1012 +25010,6 @@
   <p:cSld>
     <p:spTree>
       <p:nvGrpSpPr>
-        <p:cNvPr id="1" name="Shape 549"/>
-        <p:cNvGrpSpPr/>
-        <p:nvPr/>
-      </p:nvGrpSpPr>
-      <p:grpSpPr>
-        <a:xfrm>
-          <a:off x="0" y="0"/>
-          <a:ext cx="0" cy="0"/>
-          <a:chOff x="0" y="0"/>
-          <a:chExt cx="0" cy="0"/>
-        </a:xfrm>
-      </p:grpSpPr>
-      <p:sp>
-        <p:nvSpPr>
-          <p:cNvPr id="550" name="Shape 550"/>
-          <p:cNvSpPr txBox="1">
-            <a:spLocks noGrp="1"/>
-          </p:cNvSpPr>
-          <p:nvPr>
-            <p:ph type="title"/>
-          </p:nvPr>
-        </p:nvSpPr>
-        <p:spPr>
-          <a:prstGeom prst="rect">
-            <a:avLst/>
-          </a:prstGeom>
-          <a:noFill/>
-          <a:ln>
-            <a:noFill/>
-          </a:ln>
-        </p:spPr>
-        <p:txBody>
-          <a:bodyPr lIns="38100" tIns="38100" rIns="38100" bIns="38100" anchor="ctr" anchorCtr="0">
-            <a:noAutofit/>
-          </a:bodyPr>
-          <a:lstStyle/>
-          <a:p>
-            <a:pPr marL="0" marR="0" lvl="0" indent="0" algn="ctr" rtl="0">
-              <a:lnSpc>
-                <a:spcPct val="100000"/>
-              </a:lnSpc>
-              <a:spcBef>
-                <a:spcPts val="0"/>
-              </a:spcBef>
-              <a:spcAft>
-                <a:spcPts val="0"/>
-              </a:spcAft>
-              <a:buClr>
-                <a:schemeClr val="lt1"/>
-              </a:buClr>
-              <a:buSzPct val="25000"/>
-              <a:buFont typeface="Cabin"/>
-              <a:buNone/>
-            </a:pPr>
-            <a:r>
-              <a:rPr lang="en-US" sz="7600" u="none" strike="noStrike" cap="none">
-                <a:solidFill>
-                  <a:srgbClr val="FFFF00"/>
-                </a:solidFill>
-                <a:latin typeface="Arial" charset="0"/>
-                <a:ea typeface="Arial" charset="0"/>
-                <a:cs typeface="Arial" charset="0"/>
-                <a:sym typeface="Cabin"/>
-              </a:rPr>
-              <a:t>Sequential Steps</a:t>
-            </a:r>
-          </a:p>
-        </p:txBody>
-      </p:sp>
-      <p:sp>
-        <p:nvSpPr>
-          <p:cNvPr id="2" name="Text Placeholder 1"/>
-          <p:cNvSpPr>
-            <a:spLocks noGrp="1"/>
-          </p:cNvSpPr>
-          <p:nvPr>
-            <p:ph type="body" idx="1"/>
-          </p:nvPr>
-        </p:nvSpPr>
-        <p:spPr/>
-        <p:txBody>
-          <a:bodyPr/>
-          <a:lstStyle/>
-          <a:p>
-            <a:endParaRPr lang="en-US"/>
-          </a:p>
-        </p:txBody>
-      </p:sp>
-      <p:sp>
-        <p:nvSpPr>
-          <p:cNvPr id="551" name="Shape 551"/>
-          <p:cNvSpPr txBox="1"/>
-          <p:nvPr/>
-        </p:nvSpPr>
-        <p:spPr>
-          <a:xfrm>
-            <a:off x="6859571" y="3073400"/>
-            <a:ext cx="2177699" cy="3268799"/>
-          </a:xfrm>
-          <a:prstGeom prst="rect">
-            <a:avLst/>
-          </a:prstGeom>
-          <a:noFill/>
-          <a:ln>
-            <a:noFill/>
-          </a:ln>
-        </p:spPr>
-        <p:txBody>
-          <a:bodyPr lIns="0" tIns="0" rIns="0" bIns="0" anchor="ctr" anchorCtr="0">
-            <a:noAutofit/>
-          </a:bodyPr>
-          <a:lstStyle/>
-          <a:p>
-            <a:pPr marL="0" marR="0" lvl="0" indent="0" algn="l" rtl="0">
-              <a:lnSpc>
-                <a:spcPct val="100000"/>
-              </a:lnSpc>
-              <a:spcBef>
-                <a:spcPts val="0"/>
-              </a:spcBef>
-              <a:spcAft>
-                <a:spcPts val="0"/>
-              </a:spcAft>
-              <a:buClr>
-                <a:schemeClr val="lt1"/>
-              </a:buClr>
-              <a:buSzPct val="25000"/>
-              <a:buFont typeface="Cabin"/>
-              <a:buNone/>
-            </a:pPr>
-            <a:r>
-              <a:rPr lang="en-US" sz="3600" u="none" strike="noStrike" cap="none">
-                <a:solidFill>
-                  <a:schemeClr val="lt1"/>
-                </a:solidFill>
-                <a:latin typeface="Arial" charset="0"/>
-                <a:ea typeface="Arial" charset="0"/>
-                <a:cs typeface="Arial" charset="0"/>
-                <a:sym typeface="Cabin"/>
-              </a:rPr>
-              <a:t>Program:</a:t>
-            </a:r>
-          </a:p>
-          <a:p>
-            <a:pPr marL="0" marR="0" lvl="0" indent="0" algn="ctr" rtl="0">
-              <a:lnSpc>
-                <a:spcPct val="100000"/>
-              </a:lnSpc>
-              <a:spcBef>
-                <a:spcPts val="0"/>
-              </a:spcBef>
-              <a:spcAft>
-                <a:spcPts val="0"/>
-              </a:spcAft>
-              <a:buNone/>
-            </a:pPr>
-            <a:endParaRPr sz="3600" u="none" strike="noStrike" cap="none">
-              <a:solidFill>
-                <a:srgbClr val="FF7F00"/>
-              </a:solidFill>
-              <a:latin typeface="Arial" charset="0"/>
-              <a:ea typeface="Arial" charset="0"/>
-              <a:cs typeface="Arial" charset="0"/>
-              <a:sym typeface="Cabin"/>
-            </a:endParaRPr>
-          </a:p>
-          <a:p>
-            <a:pPr marL="0" marR="0" lvl="0" indent="0" algn="l" rtl="0">
-              <a:lnSpc>
-                <a:spcPct val="100000"/>
-              </a:lnSpc>
-              <a:spcBef>
-                <a:spcPts val="0"/>
-              </a:spcBef>
-              <a:spcAft>
-                <a:spcPts val="0"/>
-              </a:spcAft>
-              <a:buClr>
-                <a:srgbClr val="FF7F00"/>
-              </a:buClr>
-              <a:buSzPct val="25000"/>
-              <a:buFont typeface="Cabin"/>
-              <a:buNone/>
-            </a:pPr>
-            <a:r>
-              <a:rPr lang="en-US" sz="3600" u="none" strike="noStrike" cap="none">
-                <a:solidFill>
-                  <a:srgbClr val="00FF00"/>
-                </a:solidFill>
-                <a:latin typeface="Arial" charset="0"/>
-                <a:ea typeface="Arial" charset="0"/>
-                <a:cs typeface="Arial" charset="0"/>
-                <a:sym typeface="Cabin"/>
-              </a:rPr>
-              <a:t>x = 2</a:t>
-            </a:r>
-          </a:p>
-          <a:p>
-            <a:pPr marL="0" marR="0" lvl="0" indent="0" algn="l" rtl="0">
-              <a:lnSpc>
-                <a:spcPct val="100000"/>
-              </a:lnSpc>
-              <a:spcBef>
-                <a:spcPts val="0"/>
-              </a:spcBef>
-              <a:spcAft>
-                <a:spcPts val="0"/>
-              </a:spcAft>
-              <a:buClr>
-                <a:srgbClr val="FFFF00"/>
-              </a:buClr>
-              <a:buSzPct val="25000"/>
-              <a:buFont typeface="Cabin"/>
-              <a:buNone/>
-            </a:pPr>
-            <a:r>
-              <a:rPr lang="en-US" sz="3600" u="none" strike="noStrike" cap="none">
-                <a:solidFill>
-                  <a:srgbClr val="FFFF00"/>
-                </a:solidFill>
-                <a:latin typeface="Arial" charset="0"/>
-                <a:ea typeface="Arial" charset="0"/>
-                <a:cs typeface="Arial" charset="0"/>
-                <a:sym typeface="Cabin"/>
-              </a:rPr>
-              <a:t>print</a:t>
-            </a:r>
-            <a:r>
-              <a:rPr lang="en-US" sz="3600" u="none" strike="noStrike" cap="none">
-                <a:solidFill>
-                  <a:srgbClr val="FF7F00"/>
-                </a:solidFill>
-                <a:latin typeface="Arial" charset="0"/>
-                <a:ea typeface="Arial" charset="0"/>
-                <a:cs typeface="Arial" charset="0"/>
-                <a:sym typeface="Cabin"/>
-              </a:rPr>
-              <a:t> </a:t>
-            </a:r>
-            <a:r>
-              <a:rPr lang="en-US" sz="3600" u="none" strike="noStrike" cap="none">
-                <a:solidFill>
-                  <a:srgbClr val="00FF00"/>
-                </a:solidFill>
-                <a:latin typeface="Arial" charset="0"/>
-                <a:ea typeface="Arial" charset="0"/>
-                <a:cs typeface="Arial" charset="0"/>
-                <a:sym typeface="Cabin"/>
-              </a:rPr>
-              <a:t>x</a:t>
-            </a:r>
-          </a:p>
-          <a:p>
-            <a:pPr marL="0" marR="0" lvl="0" indent="0" algn="l" rtl="0">
-              <a:lnSpc>
-                <a:spcPct val="100000"/>
-              </a:lnSpc>
-              <a:spcBef>
-                <a:spcPts val="0"/>
-              </a:spcBef>
-              <a:spcAft>
-                <a:spcPts val="0"/>
-              </a:spcAft>
-              <a:buClr>
-                <a:srgbClr val="FF7F00"/>
-              </a:buClr>
-              <a:buSzPct val="25000"/>
-              <a:buFont typeface="Cabin"/>
-              <a:buNone/>
-            </a:pPr>
-            <a:r>
-              <a:rPr lang="en-US" sz="3600" u="none" strike="noStrike" cap="none">
-                <a:solidFill>
-                  <a:srgbClr val="00FF00"/>
-                </a:solidFill>
-                <a:latin typeface="Arial" charset="0"/>
-                <a:ea typeface="Arial" charset="0"/>
-                <a:cs typeface="Arial" charset="0"/>
-                <a:sym typeface="Cabin"/>
-              </a:rPr>
-              <a:t>x = x + 2</a:t>
-            </a:r>
-          </a:p>
-          <a:p>
-            <a:pPr marL="0" marR="0" lvl="0" indent="0" algn="l" rtl="0">
-              <a:lnSpc>
-                <a:spcPct val="100000"/>
-              </a:lnSpc>
-              <a:spcBef>
-                <a:spcPts val="0"/>
-              </a:spcBef>
-              <a:spcAft>
-                <a:spcPts val="0"/>
-              </a:spcAft>
-              <a:buClr>
-                <a:srgbClr val="FFFF00"/>
-              </a:buClr>
-              <a:buSzPct val="25000"/>
-              <a:buFont typeface="Cabin"/>
-              <a:buNone/>
-            </a:pPr>
-            <a:r>
-              <a:rPr lang="en-US" sz="3600" u="none" strike="noStrike" cap="none">
-                <a:solidFill>
-                  <a:srgbClr val="FFFF00"/>
-                </a:solidFill>
-                <a:latin typeface="Arial" charset="0"/>
-                <a:ea typeface="Arial" charset="0"/>
-                <a:cs typeface="Arial" charset="0"/>
-                <a:sym typeface="Cabin"/>
-              </a:rPr>
-              <a:t>print</a:t>
-            </a:r>
-            <a:r>
-              <a:rPr lang="en-US" sz="3600" u="none" strike="noStrike" cap="none">
-                <a:solidFill>
-                  <a:srgbClr val="FF7F00"/>
-                </a:solidFill>
-                <a:latin typeface="Arial" charset="0"/>
-                <a:ea typeface="Arial" charset="0"/>
-                <a:cs typeface="Arial" charset="0"/>
-                <a:sym typeface="Cabin"/>
-              </a:rPr>
-              <a:t> </a:t>
-            </a:r>
-            <a:r>
-              <a:rPr lang="en-US" sz="3600" u="none" strike="noStrike" cap="none">
-                <a:solidFill>
-                  <a:srgbClr val="00FF00"/>
-                </a:solidFill>
-                <a:latin typeface="Arial" charset="0"/>
-                <a:ea typeface="Arial" charset="0"/>
-                <a:cs typeface="Arial" charset="0"/>
-                <a:sym typeface="Cabin"/>
-              </a:rPr>
-              <a:t>x</a:t>
-            </a:r>
-          </a:p>
-        </p:txBody>
-      </p:sp>
-      <p:sp>
-        <p:nvSpPr>
-          <p:cNvPr id="552" name="Shape 552"/>
-          <p:cNvSpPr txBox="1"/>
-          <p:nvPr/>
-        </p:nvSpPr>
-        <p:spPr>
-          <a:xfrm>
-            <a:off x="11812570" y="3656000"/>
-            <a:ext cx="1993800" cy="2132099"/>
-          </a:xfrm>
-          <a:prstGeom prst="rect">
-            <a:avLst/>
-          </a:prstGeom>
-          <a:noFill/>
-          <a:ln>
-            <a:noFill/>
-          </a:ln>
-        </p:spPr>
-        <p:txBody>
-          <a:bodyPr lIns="0" tIns="0" rIns="0" bIns="0" anchor="ctr" anchorCtr="0">
-            <a:noAutofit/>
-          </a:bodyPr>
-          <a:lstStyle/>
-          <a:p>
-            <a:pPr marL="0" marR="0" lvl="0" indent="0" algn="l" rtl="0">
-              <a:lnSpc>
-                <a:spcPct val="100000"/>
-              </a:lnSpc>
-              <a:spcBef>
-                <a:spcPts val="0"/>
-              </a:spcBef>
-              <a:spcAft>
-                <a:spcPts val="0"/>
-              </a:spcAft>
-              <a:buClr>
-                <a:schemeClr val="lt1"/>
-              </a:buClr>
-              <a:buSzPct val="25000"/>
-              <a:buFont typeface="Cabin"/>
-              <a:buNone/>
-            </a:pPr>
-            <a:r>
-              <a:rPr lang="en-US" sz="3600" u="none" strike="noStrike" cap="none">
-                <a:solidFill>
-                  <a:schemeClr val="lt1"/>
-                </a:solidFill>
-                <a:latin typeface="Arial" charset="0"/>
-                <a:ea typeface="Arial" charset="0"/>
-                <a:cs typeface="Arial" charset="0"/>
-                <a:sym typeface="Cabin"/>
-              </a:rPr>
-              <a:t>Output:</a:t>
-            </a:r>
-          </a:p>
-          <a:p>
-            <a:pPr marL="0" marR="0" lvl="0" indent="0" algn="ctr" rtl="0">
-              <a:lnSpc>
-                <a:spcPct val="100000"/>
-              </a:lnSpc>
-              <a:spcBef>
-                <a:spcPts val="0"/>
-              </a:spcBef>
-              <a:spcAft>
-                <a:spcPts val="0"/>
-              </a:spcAft>
-              <a:buNone/>
-            </a:pPr>
-            <a:endParaRPr sz="3600" u="none" strike="noStrike" cap="none">
-              <a:solidFill>
-                <a:schemeClr val="lt1"/>
-              </a:solidFill>
-              <a:latin typeface="Arial" charset="0"/>
-              <a:ea typeface="Arial" charset="0"/>
-              <a:cs typeface="Arial" charset="0"/>
-              <a:sym typeface="Cabin"/>
-            </a:endParaRPr>
-          </a:p>
-          <a:p>
-            <a:pPr marL="0" marR="0" lvl="0" indent="0" algn="l" rtl="0">
-              <a:lnSpc>
-                <a:spcPct val="100000"/>
-              </a:lnSpc>
-              <a:spcBef>
-                <a:spcPts val="0"/>
-              </a:spcBef>
-              <a:spcAft>
-                <a:spcPts val="0"/>
-              </a:spcAft>
-              <a:buClr>
-                <a:srgbClr val="FF00FF"/>
-              </a:buClr>
-              <a:buSzPct val="25000"/>
-              <a:buFont typeface="Cabin"/>
-              <a:buNone/>
-            </a:pPr>
-            <a:r>
-              <a:rPr lang="en-US" sz="3600" u="none" strike="noStrike" cap="none">
-                <a:solidFill>
-                  <a:srgbClr val="FFFF00"/>
-                </a:solidFill>
-                <a:latin typeface="Arial" charset="0"/>
-                <a:ea typeface="Arial" charset="0"/>
-                <a:cs typeface="Arial" charset="0"/>
-                <a:sym typeface="Cabin"/>
-              </a:rPr>
-              <a:t>2</a:t>
-            </a:r>
-          </a:p>
-          <a:p>
-            <a:pPr marL="0" marR="0" lvl="0" indent="0" algn="l" rtl="0">
-              <a:lnSpc>
-                <a:spcPct val="100000"/>
-              </a:lnSpc>
-              <a:spcBef>
-                <a:spcPts val="0"/>
-              </a:spcBef>
-              <a:spcAft>
-                <a:spcPts val="0"/>
-              </a:spcAft>
-              <a:buClr>
-                <a:srgbClr val="FF00FF"/>
-              </a:buClr>
-              <a:buSzPct val="25000"/>
-              <a:buFont typeface="Cabin"/>
-              <a:buNone/>
-            </a:pPr>
-            <a:r>
-              <a:rPr lang="en-US" sz="3600" u="none" strike="noStrike" cap="none">
-                <a:solidFill>
-                  <a:srgbClr val="FFFF00"/>
-                </a:solidFill>
-                <a:latin typeface="Arial" charset="0"/>
-                <a:ea typeface="Arial" charset="0"/>
-                <a:cs typeface="Arial" charset="0"/>
-                <a:sym typeface="Cabin"/>
-              </a:rPr>
-              <a:t>4</a:t>
-            </a:r>
-          </a:p>
-        </p:txBody>
-      </p:sp>
-      <p:sp>
-        <p:nvSpPr>
-          <p:cNvPr id="553" name="Shape 553"/>
-          <p:cNvSpPr txBox="1"/>
-          <p:nvPr/>
-        </p:nvSpPr>
-        <p:spPr>
-          <a:xfrm>
-            <a:off x="1587500" y="3073400"/>
-            <a:ext cx="2743199" cy="596900"/>
-          </a:xfrm>
-          <a:prstGeom prst="rect">
-            <a:avLst/>
-          </a:prstGeom>
-          <a:noFill/>
-          <a:ln w="76200" cap="flat" cmpd="sng">
-            <a:solidFill>
-              <a:srgbClr val="00FFFF"/>
-            </a:solidFill>
-            <a:prstDash val="solid"/>
-            <a:round/>
-            <a:headEnd type="none" w="med" len="med"/>
-            <a:tailEnd type="none" w="med" len="med"/>
-          </a:ln>
-        </p:spPr>
-        <p:txBody>
-          <a:bodyPr lIns="0" tIns="0" rIns="0" bIns="0" anchor="ctr" anchorCtr="0">
-            <a:noAutofit/>
-          </a:bodyPr>
-          <a:lstStyle/>
-          <a:p>
-            <a:pPr marL="0" marR="0" lvl="0" indent="0" algn="ctr" rtl="0">
-              <a:lnSpc>
-                <a:spcPct val="100000"/>
-              </a:lnSpc>
-              <a:spcBef>
-                <a:spcPts val="0"/>
-              </a:spcBef>
-              <a:spcAft>
-                <a:spcPts val="0"/>
-              </a:spcAft>
-              <a:buClr>
-                <a:schemeClr val="lt1"/>
-              </a:buClr>
-              <a:buSzPct val="25000"/>
-              <a:buFont typeface="Cabin"/>
-              <a:buNone/>
-            </a:pPr>
-            <a:r>
-              <a:rPr lang="en-US" sz="3500" u="none" strike="noStrike" cap="none">
-                <a:solidFill>
-                  <a:schemeClr val="lt1"/>
-                </a:solidFill>
-                <a:latin typeface="Arial" charset="0"/>
-                <a:ea typeface="Arial" charset="0"/>
-                <a:cs typeface="Arial" charset="0"/>
-                <a:sym typeface="Cabin"/>
-              </a:rPr>
-              <a:t>x = 2</a:t>
-            </a:r>
-          </a:p>
-        </p:txBody>
-      </p:sp>
-      <p:sp>
-        <p:nvSpPr>
-          <p:cNvPr id="554" name="Shape 554"/>
-          <p:cNvSpPr txBox="1"/>
-          <p:nvPr/>
-        </p:nvSpPr>
-        <p:spPr>
-          <a:xfrm>
-            <a:off x="1587500" y="4178300"/>
-            <a:ext cx="2743199" cy="596900"/>
-          </a:xfrm>
-          <a:prstGeom prst="rect">
-            <a:avLst/>
-          </a:prstGeom>
-          <a:noFill/>
-          <a:ln w="76200" cap="flat" cmpd="sng">
-            <a:solidFill>
-              <a:srgbClr val="00FFFF"/>
-            </a:solidFill>
-            <a:prstDash val="solid"/>
-            <a:round/>
-            <a:headEnd type="none" w="med" len="med"/>
-            <a:tailEnd type="none" w="med" len="med"/>
-          </a:ln>
-        </p:spPr>
-        <p:txBody>
-          <a:bodyPr lIns="0" tIns="0" rIns="0" bIns="0" anchor="ctr" anchorCtr="0">
-            <a:noAutofit/>
-          </a:bodyPr>
-          <a:lstStyle/>
-          <a:p>
-            <a:pPr marL="0" marR="0" lvl="0" indent="0" algn="ctr" rtl="0">
-              <a:lnSpc>
-                <a:spcPct val="100000"/>
-              </a:lnSpc>
-              <a:spcBef>
-                <a:spcPts val="0"/>
-              </a:spcBef>
-              <a:spcAft>
-                <a:spcPts val="0"/>
-              </a:spcAft>
-              <a:buClr>
-                <a:schemeClr val="lt1"/>
-              </a:buClr>
-              <a:buSzPct val="25000"/>
-              <a:buFont typeface="Cabin"/>
-              <a:buNone/>
-            </a:pPr>
-            <a:r>
-              <a:rPr lang="en-US" sz="3500" u="none" strike="noStrike" cap="none">
-                <a:solidFill>
-                  <a:schemeClr val="lt1"/>
-                </a:solidFill>
-                <a:latin typeface="Arial" charset="0"/>
-                <a:ea typeface="Arial" charset="0"/>
-                <a:cs typeface="Arial" charset="0"/>
-                <a:sym typeface="Cabin"/>
-              </a:rPr>
-              <a:t>print x</a:t>
-            </a:r>
-          </a:p>
-        </p:txBody>
-      </p:sp>
-      <p:cxnSp>
-        <p:nvCxnSpPr>
-          <p:cNvPr id="555" name="Shape 555"/>
-          <p:cNvCxnSpPr/>
-          <p:nvPr/>
-        </p:nvCxnSpPr>
-        <p:spPr>
-          <a:xfrm rot="10800000">
-            <a:off x="2940049" y="3656011"/>
-            <a:ext cx="14287" cy="566736"/>
-          </a:xfrm>
-          <a:prstGeom prst="straightConnector1">
-            <a:avLst/>
-          </a:prstGeom>
-          <a:noFill/>
-          <a:ln w="76200" cap="rnd" cmpd="sng">
-            <a:solidFill>
-              <a:srgbClr val="00FFFF"/>
-            </a:solidFill>
-            <a:prstDash val="solid"/>
-            <a:miter/>
-            <a:headEnd type="stealth" w="med" len="med"/>
-            <a:tailEnd type="none" w="med" len="med"/>
-          </a:ln>
-        </p:spPr>
-      </p:cxnSp>
-      <p:sp>
-        <p:nvSpPr>
-          <p:cNvPr id="556" name="Shape 556"/>
-          <p:cNvSpPr txBox="1"/>
-          <p:nvPr/>
-        </p:nvSpPr>
-        <p:spPr>
-          <a:xfrm>
-            <a:off x="1587500" y="5245100"/>
-            <a:ext cx="2743199" cy="596900"/>
-          </a:xfrm>
-          <a:prstGeom prst="rect">
-            <a:avLst/>
-          </a:prstGeom>
-          <a:noFill/>
-          <a:ln w="76200" cap="flat" cmpd="sng">
-            <a:solidFill>
-              <a:srgbClr val="00FFFF"/>
-            </a:solidFill>
-            <a:prstDash val="solid"/>
-            <a:round/>
-            <a:headEnd type="none" w="med" len="med"/>
-            <a:tailEnd type="none" w="med" len="med"/>
-          </a:ln>
-        </p:spPr>
-        <p:txBody>
-          <a:bodyPr lIns="0" tIns="0" rIns="0" bIns="0" anchor="ctr" anchorCtr="0">
-            <a:noAutofit/>
-          </a:bodyPr>
-          <a:lstStyle/>
-          <a:p>
-            <a:pPr marL="0" marR="0" lvl="0" indent="0" algn="ctr" rtl="0">
-              <a:lnSpc>
-                <a:spcPct val="100000"/>
-              </a:lnSpc>
-              <a:spcBef>
-                <a:spcPts val="0"/>
-              </a:spcBef>
-              <a:spcAft>
-                <a:spcPts val="0"/>
-              </a:spcAft>
-              <a:buClr>
-                <a:schemeClr val="lt1"/>
-              </a:buClr>
-              <a:buSzPct val="25000"/>
-              <a:buFont typeface="Cabin"/>
-              <a:buNone/>
-            </a:pPr>
-            <a:r>
-              <a:rPr lang="en-US" sz="3500" u="none" strike="noStrike" cap="none">
-                <a:solidFill>
-                  <a:schemeClr val="lt1"/>
-                </a:solidFill>
-                <a:latin typeface="Arial" charset="0"/>
-                <a:ea typeface="Arial" charset="0"/>
-                <a:cs typeface="Arial" charset="0"/>
-                <a:sym typeface="Cabin"/>
-              </a:rPr>
-              <a:t>x = x + 2</a:t>
-            </a:r>
-          </a:p>
-        </p:txBody>
-      </p:sp>
-      <p:cxnSp>
-        <p:nvCxnSpPr>
-          <p:cNvPr id="557" name="Shape 557"/>
-          <p:cNvCxnSpPr/>
-          <p:nvPr/>
-        </p:nvCxnSpPr>
-        <p:spPr>
-          <a:xfrm rot="10800000">
-            <a:off x="2940049" y="4722811"/>
-            <a:ext cx="14287" cy="566736"/>
-          </a:xfrm>
-          <a:prstGeom prst="straightConnector1">
-            <a:avLst/>
-          </a:prstGeom>
-          <a:noFill/>
-          <a:ln w="76200" cap="rnd" cmpd="sng">
-            <a:solidFill>
-              <a:srgbClr val="00FFFF"/>
-            </a:solidFill>
-            <a:prstDash val="solid"/>
-            <a:miter/>
-            <a:headEnd type="stealth" w="med" len="med"/>
-            <a:tailEnd type="none" w="med" len="med"/>
-          </a:ln>
-        </p:spPr>
-      </p:cxnSp>
-      <p:sp>
-        <p:nvSpPr>
-          <p:cNvPr id="558" name="Shape 558"/>
-          <p:cNvSpPr txBox="1"/>
-          <p:nvPr/>
-        </p:nvSpPr>
-        <p:spPr>
-          <a:xfrm>
-            <a:off x="1587500" y="6362700"/>
-            <a:ext cx="2743199" cy="596900"/>
-          </a:xfrm>
-          <a:prstGeom prst="rect">
-            <a:avLst/>
-          </a:prstGeom>
-          <a:noFill/>
-          <a:ln w="76200" cap="flat" cmpd="sng">
-            <a:solidFill>
-              <a:srgbClr val="00FFFF"/>
-            </a:solidFill>
-            <a:prstDash val="solid"/>
-            <a:round/>
-            <a:headEnd type="none" w="med" len="med"/>
-            <a:tailEnd type="none" w="med" len="med"/>
-          </a:ln>
-        </p:spPr>
-        <p:txBody>
-          <a:bodyPr lIns="0" tIns="0" rIns="0" bIns="0" anchor="ctr" anchorCtr="0">
-            <a:noAutofit/>
-          </a:bodyPr>
-          <a:lstStyle/>
-          <a:p>
-            <a:pPr marL="0" marR="0" lvl="0" indent="0" algn="ctr" rtl="0">
-              <a:lnSpc>
-                <a:spcPct val="100000"/>
-              </a:lnSpc>
-              <a:spcBef>
-                <a:spcPts val="0"/>
-              </a:spcBef>
-              <a:spcAft>
-                <a:spcPts val="0"/>
-              </a:spcAft>
-              <a:buClr>
-                <a:schemeClr val="lt1"/>
-              </a:buClr>
-              <a:buSzPct val="25000"/>
-              <a:buFont typeface="Cabin"/>
-              <a:buNone/>
-            </a:pPr>
-            <a:r>
-              <a:rPr lang="en-US" sz="3500" u="none" strike="noStrike" cap="none">
-                <a:solidFill>
-                  <a:schemeClr val="lt1"/>
-                </a:solidFill>
-                <a:latin typeface="Arial" charset="0"/>
-                <a:ea typeface="Arial" charset="0"/>
-                <a:cs typeface="Arial" charset="0"/>
-                <a:sym typeface="Cabin"/>
-              </a:rPr>
-              <a:t>print x</a:t>
-            </a:r>
-          </a:p>
-        </p:txBody>
-      </p:sp>
-      <p:cxnSp>
-        <p:nvCxnSpPr>
-          <p:cNvPr id="559" name="Shape 559"/>
-          <p:cNvCxnSpPr/>
-          <p:nvPr/>
-        </p:nvCxnSpPr>
-        <p:spPr>
-          <a:xfrm rot="10800000">
-            <a:off x="2940049" y="5840411"/>
-            <a:ext cx="14287" cy="566736"/>
-          </a:xfrm>
-          <a:prstGeom prst="straightConnector1">
-            <a:avLst/>
-          </a:prstGeom>
-          <a:noFill/>
-          <a:ln w="76200" cap="rnd" cmpd="sng">
-            <a:solidFill>
-              <a:srgbClr val="00FFFF"/>
-            </a:solidFill>
-            <a:prstDash val="solid"/>
-            <a:miter/>
-            <a:headEnd type="stealth" w="med" len="med"/>
-            <a:tailEnd type="none" w="med" len="med"/>
-          </a:ln>
-        </p:spPr>
-      </p:cxnSp>
-      <p:cxnSp>
-        <p:nvCxnSpPr>
-          <p:cNvPr id="560" name="Shape 560"/>
-          <p:cNvCxnSpPr/>
-          <p:nvPr/>
-        </p:nvCxnSpPr>
-        <p:spPr>
-          <a:xfrm rot="10800000">
-            <a:off x="8515349" y="4992524"/>
-            <a:ext cx="3190200" cy="59100"/>
-          </a:xfrm>
-          <a:prstGeom prst="straightConnector1">
-            <a:avLst/>
-          </a:prstGeom>
-          <a:noFill/>
-          <a:ln w="50800" cap="rnd" cmpd="sng">
-            <a:solidFill>
-              <a:srgbClr val="FFFFFF"/>
-            </a:solidFill>
-            <a:prstDash val="solid"/>
-            <a:miter/>
-            <a:headEnd type="stealth" w="med" len="med"/>
-            <a:tailEnd type="none" w="med" len="med"/>
-          </a:ln>
-        </p:spPr>
-      </p:cxnSp>
-      <p:cxnSp>
-        <p:nvCxnSpPr>
-          <p:cNvPr id="561" name="Shape 561"/>
-          <p:cNvCxnSpPr/>
-          <p:nvPr/>
-        </p:nvCxnSpPr>
-        <p:spPr>
-          <a:xfrm flipH="1">
-            <a:off x="8450400" y="5609700"/>
-            <a:ext cx="3326699" cy="475199"/>
-          </a:xfrm>
-          <a:prstGeom prst="straightConnector1">
-            <a:avLst/>
-          </a:prstGeom>
-          <a:noFill/>
-          <a:ln w="50800" cap="rnd" cmpd="sng">
-            <a:solidFill>
-              <a:srgbClr val="FFFFFF"/>
-            </a:solidFill>
-            <a:prstDash val="solid"/>
-            <a:miter/>
-            <a:headEnd type="stealth" w="med" len="med"/>
-            <a:tailEnd type="none" w="med" len="med"/>
-          </a:ln>
-        </p:spPr>
-      </p:cxnSp>
-      <p:sp>
-        <p:nvSpPr>
-          <p:cNvPr id="562" name="Shape 562"/>
-          <p:cNvSpPr txBox="1"/>
-          <p:nvPr/>
-        </p:nvSpPr>
-        <p:spPr>
-          <a:xfrm>
-            <a:off x="2054200" y="7558250"/>
-            <a:ext cx="11079900" cy="1066799"/>
-          </a:xfrm>
-          <a:prstGeom prst="rect">
-            <a:avLst/>
-          </a:prstGeom>
-          <a:noFill/>
-          <a:ln>
-            <a:noFill/>
-          </a:ln>
-        </p:spPr>
-        <p:txBody>
-          <a:bodyPr lIns="0" tIns="0" rIns="0" bIns="0" anchor="ctr" anchorCtr="0">
-            <a:noAutofit/>
-          </a:bodyPr>
-          <a:lstStyle/>
-          <a:p>
-            <a:pPr marL="0" marR="0" lvl="0" indent="0" algn="ctr" rtl="0">
-              <a:lnSpc>
-                <a:spcPct val="100000"/>
-              </a:lnSpc>
-              <a:spcBef>
-                <a:spcPts val="0"/>
-              </a:spcBef>
-              <a:spcAft>
-                <a:spcPts val="0"/>
-              </a:spcAft>
-              <a:buClr>
-                <a:schemeClr val="lt1"/>
-              </a:buClr>
-              <a:buSzPct val="25000"/>
-              <a:buFont typeface="Cabin"/>
-              <a:buNone/>
-            </a:pPr>
-            <a:r>
-              <a:rPr lang="en-US" sz="3300" u="none" strike="noStrike" cap="none">
-                <a:solidFill>
-                  <a:schemeClr val="lt1"/>
-                </a:solidFill>
-                <a:latin typeface="Arial" charset="0"/>
-                <a:ea typeface="Arial" charset="0"/>
-                <a:cs typeface="Arial" charset="0"/>
-                <a:sym typeface="Cabin"/>
-              </a:rPr>
-              <a:t>When a program is running, it flows from one step to the next.  </a:t>
-            </a:r>
-            <a:r>
-              <a:rPr lang="en-US" sz="3300">
-                <a:solidFill>
-                  <a:schemeClr val="lt1"/>
-                </a:solidFill>
-                <a:latin typeface="Arial" charset="0"/>
-                <a:ea typeface="Arial" charset="0"/>
-                <a:cs typeface="Arial" charset="0"/>
-                <a:sym typeface="Cabin"/>
-              </a:rPr>
-              <a:t>A</a:t>
-            </a:r>
-            <a:r>
-              <a:rPr lang="en-US" sz="3300" u="none" strike="noStrike" cap="none">
-                <a:solidFill>
-                  <a:schemeClr val="lt1"/>
-                </a:solidFill>
-                <a:latin typeface="Arial" charset="0"/>
-                <a:ea typeface="Arial" charset="0"/>
-                <a:cs typeface="Arial" charset="0"/>
-                <a:sym typeface="Cabin"/>
-              </a:rPr>
-              <a:t>s programmers, we set up </a:t>
-            </a:r>
-            <a:r>
-              <a:rPr lang="en-US" sz="3300" b="0" i="0" u="none" strike="noStrike" cap="none">
-                <a:solidFill>
-                  <a:schemeClr val="lt1"/>
-                </a:solidFill>
-                <a:latin typeface="Arial"/>
-                <a:ea typeface="Arial"/>
-                <a:cs typeface="Arial"/>
-                <a:sym typeface="Arial"/>
-              </a:rPr>
-              <a:t>“</a:t>
-            </a:r>
-            <a:r>
-              <a:rPr lang="en-US" sz="3300" u="none" strike="noStrike" cap="none">
-                <a:solidFill>
-                  <a:schemeClr val="lt1"/>
-                </a:solidFill>
-                <a:latin typeface="Arial" charset="0"/>
-                <a:ea typeface="Arial" charset="0"/>
-                <a:cs typeface="Arial" charset="0"/>
-                <a:sym typeface="Cabin"/>
-              </a:rPr>
-              <a:t>paths</a:t>
-            </a:r>
-            <a:r>
-              <a:rPr lang="en-US" sz="3300" b="0" i="0" u="none" strike="noStrike" cap="none">
-                <a:solidFill>
-                  <a:schemeClr val="lt1"/>
-                </a:solidFill>
-                <a:latin typeface="Arial"/>
-                <a:ea typeface="Arial"/>
-                <a:cs typeface="Arial"/>
-                <a:sym typeface="Arial"/>
-              </a:rPr>
-              <a:t>”</a:t>
-            </a:r>
-            <a:r>
-              <a:rPr lang="en-US" sz="3300" u="none" strike="noStrike" cap="none">
-                <a:solidFill>
-                  <a:schemeClr val="lt1"/>
-                </a:solidFill>
-                <a:latin typeface="Arial" charset="0"/>
-                <a:ea typeface="Arial" charset="0"/>
-                <a:cs typeface="Arial" charset="0"/>
-                <a:sym typeface="Cabin"/>
-              </a:rPr>
-              <a:t> for the program to follow.</a:t>
-            </a:r>
-          </a:p>
-        </p:txBody>
-      </p:sp>
-    </p:spTree>
-  </p:cSld>
-  <p:clrMapOvr>
-    <a:masterClrMapping/>
-  </p:clrMapOvr>
-</p:sld>
-</file>
-
-<file path=ppt/slides/slide41.xml><?xml version="1.0" encoding="utf-8"?>
-<p:sld xmlns:a="http://schemas.openxmlformats.org/drawingml/2006/main" xmlns:r="http://schemas.openxmlformats.org/officeDocument/2006/relationships" xmlns:p="http://schemas.openxmlformats.org/presentationml/2006/main">
-  <p:cSld>
-    <p:spTree>
-      <p:nvGrpSpPr>
         <p:cNvPr id="1" name="Shape 566"/>
         <p:cNvGrpSpPr/>
         <p:nvPr/>
@@ -25266,6 +25033,10 @@
           </p:nvPr>
         </p:nvSpPr>
         <p:spPr>
+          <a:xfrm>
+            <a:off x="5854700" y="768096"/>
+            <a:ext cx="9588499" cy="1365504"/>
+          </a:xfrm>
           <a:prstGeom prst="rect">
             <a:avLst/>
           </a:prstGeom>
@@ -25309,25 +25080,6 @@
               </a:rPr>
               <a:t>Conditional Steps</a:t>
             </a:r>
-          </a:p>
-        </p:txBody>
-      </p:sp>
-      <p:sp>
-        <p:nvSpPr>
-          <p:cNvPr id="2" name="Text Placeholder 1"/>
-          <p:cNvSpPr>
-            <a:spLocks noGrp="1"/>
-          </p:cNvSpPr>
-          <p:nvPr>
-            <p:ph type="body" idx="1"/>
-          </p:nvPr>
-        </p:nvSpPr>
-        <p:spPr/>
-        <p:txBody>
-          <a:bodyPr/>
-          <a:lstStyle/>
-          <a:p>
-            <a:endParaRPr lang="en-US"/>
           </a:p>
         </p:txBody>
       </p:sp>
@@ -26664,9 +26416,7 @@
           </a:prstGeom>
           <a:noFill/>
           <a:ln w="9525" cap="flat" cmpd="sng">
-            <a:solidFill>
-              <a:srgbClr val="00FFFF"/>
-            </a:solidFill>
+            <a:noFill/>
             <a:prstDash val="solid"/>
             <a:round/>
             <a:headEnd type="none" w="med" len="med"/>
@@ -26762,9 +26512,7 @@
           </a:prstGeom>
           <a:noFill/>
           <a:ln w="9525" cap="flat" cmpd="sng">
-            <a:solidFill>
-              <a:srgbClr val="0000FF"/>
-            </a:solidFill>
+            <a:noFill/>
             <a:prstDash val="solid"/>
             <a:round/>
             <a:headEnd type="none" w="med" len="med"/>
@@ -26817,7 +26565,7 @@
 </p:sld>
 </file>
 
-<file path=ppt/slides/slide42.xml><?xml version="1.0" encoding="utf-8"?>
+<file path=ppt/slides/slide41.xml><?xml version="1.0" encoding="utf-8"?>
 <p:sld xmlns:a="http://schemas.openxmlformats.org/drawingml/2006/main" xmlns:r="http://schemas.openxmlformats.org/officeDocument/2006/relationships" xmlns:p="http://schemas.openxmlformats.org/presentationml/2006/main">
   <p:cSld>
     <p:spTree>
@@ -26845,6 +26593,10 @@
           </p:nvPr>
         </p:nvSpPr>
         <p:spPr>
+          <a:xfrm>
+            <a:off x="5889608" y="768096"/>
+            <a:ext cx="9553591" cy="1365504"/>
+          </a:xfrm>
           <a:prstGeom prst="rect">
             <a:avLst/>
           </a:prstGeom>
@@ -26888,25 +26640,6 @@
               </a:rPr>
               <a:t>Repeated Steps</a:t>
             </a:r>
-          </a:p>
-        </p:txBody>
-      </p:sp>
-      <p:sp>
-        <p:nvSpPr>
-          <p:cNvPr id="2" name="Text Placeholder 1"/>
-          <p:cNvSpPr>
-            <a:spLocks noGrp="1"/>
-          </p:cNvSpPr>
-          <p:nvPr>
-            <p:ph type="body" idx="1"/>
-          </p:nvPr>
-        </p:nvSpPr>
-        <p:spPr/>
-        <p:txBody>
-          <a:bodyPr/>
-          <a:lstStyle/>
-          <a:p>
-            <a:endParaRPr lang="en-US"/>
           </a:p>
         </p:txBody>
       </p:sp>
@@ -26918,7 +26651,7 @@
         </p:nvSpPr>
         <p:spPr>
           <a:xfrm>
-            <a:off x="13337271" y="2114500"/>
+            <a:off x="13337271" y="2406332"/>
             <a:ext cx="1993800" cy="4267199"/>
           </a:xfrm>
           <a:prstGeom prst="rect">
@@ -27184,7 +26917,7 @@
         </p:nvSpPr>
         <p:spPr>
           <a:xfrm>
-            <a:off x="7486442" y="2309799"/>
+            <a:off x="7486442" y="2601631"/>
             <a:ext cx="3900696" cy="3876599"/>
           </a:xfrm>
           <a:prstGeom prst="rect">
@@ -27273,7 +27006,7 @@
               <a:buNone/>
             </a:pPr>
             <a:r>
-              <a:rPr lang="en-US" sz="2800" u="none" strike="noStrike" cap="none" dirty="0">
+              <a:rPr lang="en-US" sz="2800" b="1" u="none" strike="noStrike" cap="none" dirty="0">
                 <a:solidFill>
                   <a:srgbClr val="00FF00"/>
                 </a:solidFill>
@@ -27304,7 +27037,7 @@
               <a:buNone/>
             </a:pPr>
             <a:r>
-              <a:rPr lang="en-US" sz="2800" u="none" strike="noStrike" cap="none" dirty="0">
+              <a:rPr lang="en-US" sz="2800" b="1" u="none" strike="noStrike" cap="none" dirty="0">
                 <a:solidFill>
                   <a:srgbClr val="FFFF00"/>
                 </a:solidFill>
@@ -27316,7 +27049,7 @@
               <a:t>while</a:t>
             </a:r>
             <a:r>
-              <a:rPr lang="en-US" sz="2800" u="none" strike="noStrike" cap="none" dirty="0">
+              <a:rPr lang="en-US" sz="2800" b="1" u="none" strike="noStrike" cap="none" dirty="0">
                 <a:solidFill>
                   <a:srgbClr val="00FF00"/>
                 </a:solidFill>
@@ -27328,7 +27061,7 @@
               <a:t> n &gt; 0</a:t>
             </a:r>
             <a:r>
-              <a:rPr lang="en-US" sz="2800" u="none" strike="noStrike" cap="none" dirty="0">
+              <a:rPr lang="en-US" sz="2800" b="1" u="none" strike="noStrike" cap="none" dirty="0">
                 <a:solidFill>
                   <a:srgbClr val="FFFF00"/>
                 </a:solidFill>
@@ -27359,7 +27092,7 @@
               <a:buNone/>
             </a:pPr>
             <a:r>
-              <a:rPr lang="en-US" sz="2800" u="none" strike="noStrike" cap="none" dirty="0">
+              <a:rPr lang="en-US" sz="2800" b="1" u="none" strike="noStrike" cap="none" dirty="0">
                 <a:solidFill>
                   <a:srgbClr val="FFFF00"/>
                 </a:solidFill>
@@ -27371,7 +27104,7 @@
               <a:t>    </a:t>
             </a:r>
             <a:r>
-              <a:rPr lang="en-US" sz="2800" u="none" strike="noStrike" cap="none" dirty="0" smtClean="0">
+              <a:rPr lang="en-US" sz="2800" b="1" u="none" strike="noStrike" cap="none" dirty="0" smtClean="0">
                 <a:solidFill>
                   <a:srgbClr val="FFFF00"/>
                 </a:solidFill>
@@ -27383,7 +27116,7 @@
               <a:t>print(</a:t>
             </a:r>
             <a:r>
-              <a:rPr lang="en-US" sz="2800" u="none" strike="noStrike" cap="none" dirty="0" smtClean="0">
+              <a:rPr lang="en-US" sz="2800" b="1" u="none" strike="noStrike" cap="none" dirty="0" smtClean="0">
                 <a:solidFill>
                   <a:srgbClr val="00FF00"/>
                 </a:solidFill>
@@ -27395,7 +27128,7 @@
               <a:t>n</a:t>
             </a:r>
             <a:r>
-              <a:rPr lang="en-US" sz="2800" u="none" strike="noStrike" cap="none" dirty="0" smtClean="0">
+              <a:rPr lang="en-US" sz="2800" b="1" u="none" strike="noStrike" cap="none" dirty="0" smtClean="0">
                 <a:solidFill>
                   <a:srgbClr val="FFFF00"/>
                 </a:solidFill>
@@ -27406,7 +27139,7 @@
               </a:rPr>
               <a:t>)</a:t>
             </a:r>
-            <a:endParaRPr lang="en-US" sz="2800" u="none" strike="noStrike" cap="none" dirty="0">
+            <a:endParaRPr lang="en-US" sz="2800" b="1" u="none" strike="noStrike" cap="none" dirty="0">
               <a:solidFill>
                 <a:srgbClr val="FFFF00"/>
               </a:solidFill>
@@ -27435,7 +27168,7 @@
               <a:buNone/>
             </a:pPr>
             <a:r>
-              <a:rPr lang="en-US" sz="2800" u="none" strike="noStrike" cap="none" dirty="0">
+              <a:rPr lang="en-US" sz="2800" b="1" u="none" strike="noStrike" cap="none" dirty="0">
                 <a:solidFill>
                   <a:srgbClr val="FFFF00"/>
                 </a:solidFill>
@@ -27447,7 +27180,7 @@
               <a:t>    </a:t>
             </a:r>
             <a:r>
-              <a:rPr lang="en-US" sz="2800" u="none" strike="noStrike" cap="none" dirty="0">
+              <a:rPr lang="en-US" sz="2800" b="1" u="none" strike="noStrike" cap="none" dirty="0">
                 <a:solidFill>
                   <a:srgbClr val="00FF00"/>
                 </a:solidFill>
@@ -27478,7 +27211,7 @@
               <a:buNone/>
             </a:pPr>
             <a:r>
-              <a:rPr lang="en-US" sz="2800" dirty="0">
+              <a:rPr lang="en-US" sz="2800" b="1" dirty="0">
                 <a:solidFill>
                   <a:srgbClr val="FFFF00"/>
                 </a:solidFill>
@@ -27490,7 +27223,7 @@
               <a:t>p</a:t>
             </a:r>
             <a:r>
-              <a:rPr lang="en-US" sz="2800" u="none" strike="noStrike" cap="none" dirty="0" smtClean="0">
+              <a:rPr lang="en-US" sz="2800" b="1" u="none" strike="noStrike" cap="none" dirty="0" smtClean="0">
                 <a:solidFill>
                   <a:srgbClr val="FFFF00"/>
                 </a:solidFill>
@@ -27502,7 +27235,7 @@
               <a:t>rint(</a:t>
             </a:r>
             <a:r>
-              <a:rPr lang="en-US" sz="2800" u="none" strike="noStrike" cap="none" dirty="0" smtClean="0">
+              <a:rPr lang="en-US" sz="2800" b="1" u="none" strike="noStrike" cap="none" dirty="0" smtClean="0">
                 <a:solidFill>
                   <a:srgbClr val="00FF00"/>
                 </a:solidFill>
@@ -27514,7 +27247,7 @@
               <a:t>'Blastoff!’</a:t>
             </a:r>
             <a:r>
-              <a:rPr lang="en-US" sz="2800" u="none" strike="noStrike" cap="none" dirty="0" smtClean="0">
+              <a:rPr lang="en-US" sz="2800" b="1" u="none" strike="noStrike" cap="none" dirty="0" smtClean="0">
                 <a:solidFill>
                   <a:srgbClr val="FFFF00"/>
                 </a:solidFill>
@@ -27525,7 +27258,7 @@
               </a:rPr>
               <a:t>)</a:t>
             </a:r>
-            <a:endParaRPr lang="en-US" sz="2800" u="none" strike="noStrike" cap="none" dirty="0">
+            <a:endParaRPr lang="en-US" sz="2800" b="1" u="none" strike="noStrike" cap="none" dirty="0">
               <a:solidFill>
                 <a:srgbClr val="FFFF00"/>
               </a:solidFill>
@@ -27545,7 +27278,7 @@
         </p:nvCxnSpPr>
         <p:spPr>
           <a:xfrm rot="10800000">
-            <a:off x="2838336" y="1344649"/>
+            <a:off x="2838336" y="1967216"/>
             <a:ext cx="14400" cy="566699"/>
           </a:xfrm>
           <a:prstGeom prst="straightConnector1">
@@ -27571,7 +27304,7 @@
         </p:nvCxnSpPr>
         <p:spPr>
           <a:xfrm flipH="1">
-            <a:off x="10129838" y="3554412"/>
+            <a:off x="10129838" y="3846244"/>
             <a:ext cx="2720973" cy="1231901"/>
           </a:xfrm>
           <a:prstGeom prst="straightConnector1">
@@ -27597,7 +27330,7 @@
         </p:nvSpPr>
         <p:spPr>
           <a:xfrm>
-            <a:off x="1422400" y="1905000"/>
+            <a:off x="1422400" y="2527567"/>
             <a:ext cx="2870100" cy="1269899"/>
           </a:xfrm>
           <a:prstGeom prst="diamond">
@@ -27660,7 +27393,7 @@
         </p:nvCxnSpPr>
         <p:spPr>
           <a:xfrm rot="10800000" flipH="1">
-            <a:off x="2836861" y="3174950"/>
+            <a:off x="2836861" y="3797517"/>
             <a:ext cx="20699" cy="2317799"/>
           </a:xfrm>
           <a:prstGeom prst="straightConnector1">
@@ -27686,7 +27419,7 @@
         </p:nvCxnSpPr>
         <p:spPr>
           <a:xfrm rot="10800000">
-            <a:off x="4279899" y="2533649"/>
+            <a:off x="4279899" y="3156216"/>
             <a:ext cx="777875" cy="15875"/>
           </a:xfrm>
           <a:prstGeom prst="straightConnector1">
@@ -27712,7 +27445,7 @@
         </p:nvCxnSpPr>
         <p:spPr>
           <a:xfrm rot="10800000" flipH="1">
-            <a:off x="5024437" y="2533650"/>
+            <a:off x="5024437" y="3156217"/>
             <a:ext cx="15875" cy="644524"/>
           </a:xfrm>
           <a:prstGeom prst="straightConnector1">
@@ -27740,7 +27473,7 @@
         </p:nvCxnSpPr>
         <p:spPr>
           <a:xfrm flipH="1">
-            <a:off x="5024449" y="5156299"/>
+            <a:off x="5024449" y="5778866"/>
             <a:ext cx="4800" cy="300000"/>
           </a:xfrm>
           <a:prstGeom prst="straightConnector1">
@@ -27766,7 +27499,7 @@
         </p:nvCxnSpPr>
         <p:spPr>
           <a:xfrm>
-            <a:off x="2852736" y="5459412"/>
+            <a:off x="2852736" y="6081979"/>
             <a:ext cx="2187600" cy="14400"/>
           </a:xfrm>
           <a:prstGeom prst="straightConnector1">
@@ -27792,7 +27525,7 @@
         </p:nvCxnSpPr>
         <p:spPr>
           <a:xfrm flipH="1">
-            <a:off x="1066800" y="2549525"/>
+            <a:off x="1066800" y="3172092"/>
             <a:ext cx="396874" cy="3174"/>
           </a:xfrm>
           <a:prstGeom prst="straightConnector1">
@@ -27818,7 +27551,7 @@
         </p:nvCxnSpPr>
         <p:spPr>
           <a:xfrm rot="10800000" flipH="1">
-            <a:off x="2840036" y="5937374"/>
+            <a:off x="2840036" y="6559941"/>
             <a:ext cx="15899" cy="644400"/>
           </a:xfrm>
           <a:prstGeom prst="straightConnector1">
@@ -27844,7 +27577,7 @@
         </p:nvCxnSpPr>
         <p:spPr>
           <a:xfrm rot="10800000">
-            <a:off x="1063625" y="2520950"/>
+            <a:off x="1063625" y="3143517"/>
             <a:ext cx="36512" cy="3433761"/>
           </a:xfrm>
           <a:prstGeom prst="straightConnector1">
@@ -27870,7 +27603,7 @@
         </p:nvCxnSpPr>
         <p:spPr>
           <a:xfrm>
-            <a:off x="1084262" y="5954712"/>
+            <a:off x="1084262" y="6577279"/>
             <a:ext cx="1752600" cy="0"/>
           </a:xfrm>
           <a:prstGeom prst="straightConnector1">
@@ -27896,7 +27629,7 @@
         </p:nvCxnSpPr>
         <p:spPr>
           <a:xfrm rot="10800000">
-            <a:off x="10490199" y="5943600"/>
+            <a:off x="10490199" y="6235432"/>
             <a:ext cx="2589212" cy="215899"/>
           </a:xfrm>
           <a:prstGeom prst="straightConnector1">
@@ -27922,8 +27655,8 @@
         </p:nvSpPr>
         <p:spPr>
           <a:xfrm>
-            <a:off x="5057775" y="7048500"/>
-            <a:ext cx="10585500" cy="1663800"/>
+            <a:off x="5158135" y="6997697"/>
+            <a:ext cx="10585500" cy="1193177"/>
           </a:xfrm>
           <a:prstGeom prst="rect">
             <a:avLst/>
@@ -27957,7 +27690,7 @@
               <a:buNone/>
             </a:pPr>
             <a:r>
-              <a:rPr lang="en-US" sz="3600" u="none" strike="noStrike" cap="none">
+              <a:rPr lang="en-US" sz="3200" u="none" strike="noStrike" cap="none" dirty="0">
                 <a:solidFill>
                   <a:schemeClr val="lt1"/>
                 </a:solidFill>
@@ -27969,7 +27702,7 @@
               <a:t>Loops (repeated steps) have </a:t>
             </a:r>
             <a:r>
-              <a:rPr lang="en-US" sz="3600" u="none" strike="noStrike" cap="none">
+              <a:rPr lang="en-US" sz="3200" u="none" strike="noStrike" cap="none" dirty="0">
                 <a:solidFill>
                   <a:srgbClr val="00FF00"/>
                 </a:solidFill>
@@ -27981,7 +27714,7 @@
               <a:t>iteration variables</a:t>
             </a:r>
             <a:r>
-              <a:rPr lang="en-US" sz="3600" u="none" strike="noStrike" cap="none">
+              <a:rPr lang="en-US" sz="3200" u="none" strike="noStrike" cap="none" dirty="0">
                 <a:solidFill>
                   <a:srgbClr val="FF0000"/>
                 </a:solidFill>
@@ -27993,7 +27726,7 @@
               <a:t> </a:t>
             </a:r>
             <a:r>
-              <a:rPr lang="en-US" sz="3600" u="none" strike="noStrike" cap="none">
+              <a:rPr lang="en-US" sz="3200" u="none" strike="noStrike" cap="none" dirty="0">
                 <a:solidFill>
                   <a:schemeClr val="lt1"/>
                 </a:solidFill>
@@ -28002,22 +27735,10 @@
                 <a:cs typeface="Arial" charset="0"/>
                 <a:sym typeface="Cabin"/>
               </a:rPr>
-              <a:t>that change each time through a loop.  Often these </a:t>
-            </a:r>
-            <a:r>
-              <a:rPr lang="en-US" sz="3600" u="none" strike="noStrike" cap="none">
-                <a:solidFill>
-                  <a:srgbClr val="00FF00"/>
-                </a:solidFill>
-                <a:latin typeface="Arial" charset="0"/>
-                <a:ea typeface="Arial" charset="0"/>
-                <a:cs typeface="Arial" charset="0"/>
-                <a:sym typeface="Cabin"/>
-              </a:rPr>
-              <a:t>iteration variables</a:t>
-            </a:r>
-            <a:r>
-              <a:rPr lang="en-US" sz="3600" u="none" strike="noStrike" cap="none">
+              <a:t>that change each time through </a:t>
+            </a:r>
+            <a:r>
+              <a:rPr lang="en-US" sz="3200" u="none" strike="noStrike" cap="none">
                 <a:solidFill>
                   <a:schemeClr val="lt1"/>
                 </a:solidFill>
@@ -28026,8 +27747,29 @@
                 <a:cs typeface="Arial" charset="0"/>
                 <a:sym typeface="Cabin"/>
               </a:rPr>
-              <a:t> go through a sequence of numbers.</a:t>
-            </a:r>
+              <a:t>a </a:t>
+            </a:r>
+            <a:r>
+              <a:rPr lang="en-US" sz="3200" u="none" strike="noStrike" cap="none" smtClean="0">
+                <a:solidFill>
+                  <a:schemeClr val="lt1"/>
+                </a:solidFill>
+                <a:latin typeface="Arial" charset="0"/>
+                <a:ea typeface="Arial" charset="0"/>
+                <a:cs typeface="Arial" charset="0"/>
+                <a:sym typeface="Cabin"/>
+              </a:rPr>
+              <a:t>loop.</a:t>
+            </a:r>
+            <a:endParaRPr lang="en-US" sz="3200" u="none" strike="noStrike" cap="none" dirty="0">
+              <a:solidFill>
+                <a:schemeClr val="lt1"/>
+              </a:solidFill>
+              <a:latin typeface="Arial" charset="0"/>
+              <a:ea typeface="Arial" charset="0"/>
+              <a:cs typeface="Arial" charset="0"/>
+              <a:sym typeface="Cabin"/>
+            </a:endParaRPr>
           </a:p>
         </p:txBody>
       </p:sp>
@@ -28039,7 +27781,7 @@
         </p:nvSpPr>
         <p:spPr>
           <a:xfrm>
-            <a:off x="542925" y="1790700"/>
+            <a:off x="542925" y="2413267"/>
             <a:ext cx="723900" cy="622299"/>
           </a:xfrm>
           <a:prstGeom prst="rect">
@@ -28047,9 +27789,7 @@
           </a:prstGeom>
           <a:noFill/>
           <a:ln w="9525" cap="flat" cmpd="sng">
-            <a:solidFill>
-              <a:srgbClr val="0000FF"/>
-            </a:solidFill>
+            <a:noFill/>
             <a:prstDash val="solid"/>
             <a:round/>
             <a:headEnd type="none" w="med" len="med"/>
@@ -28102,7 +27842,7 @@
         </p:nvSpPr>
         <p:spPr>
           <a:xfrm>
-            <a:off x="1338266" y="6553200"/>
+            <a:off x="1338266" y="7175767"/>
             <a:ext cx="3051274" cy="749399"/>
           </a:xfrm>
           <a:prstGeom prst="rect">
@@ -28174,7 +27914,7 @@
         </p:nvSpPr>
         <p:spPr>
           <a:xfrm>
-            <a:off x="4659311" y="1790700"/>
+            <a:off x="4659311" y="2413267"/>
             <a:ext cx="997649" cy="622299"/>
           </a:xfrm>
           <a:prstGeom prst="rect">
@@ -28182,9 +27922,7 @@
           </a:prstGeom>
           <a:noFill/>
           <a:ln w="9525" cap="flat" cmpd="sng">
-            <a:solidFill>
-              <a:srgbClr val="0000FF"/>
-            </a:solidFill>
+            <a:noFill/>
             <a:prstDash val="solid"/>
             <a:round/>
             <a:headEnd type="none" w="med" len="med"/>
@@ -28237,7 +27975,7 @@
         </p:nvSpPr>
         <p:spPr>
           <a:xfrm>
-            <a:off x="1397000" y="609600"/>
+            <a:off x="1397000" y="1232167"/>
             <a:ext cx="2921099" cy="749399"/>
           </a:xfrm>
           <a:prstGeom prst="rect">
@@ -28300,7 +28038,7 @@
         </p:nvSpPr>
         <p:spPr>
           <a:xfrm>
-            <a:off x="3581400" y="3187700"/>
+            <a:off x="3581400" y="3810267"/>
             <a:ext cx="2921099" cy="749399"/>
           </a:xfrm>
           <a:prstGeom prst="rect">
@@ -28384,7 +28122,7 @@
         </p:nvCxnSpPr>
         <p:spPr>
           <a:xfrm flipH="1" flipV="1">
-            <a:off x="10129838" y="4914900"/>
+            <a:off x="10129838" y="5206732"/>
             <a:ext cx="2798761" cy="636587"/>
           </a:xfrm>
           <a:prstGeom prst="straightConnector1">
@@ -28410,7 +28148,7 @@
         </p:nvSpPr>
         <p:spPr>
           <a:xfrm>
-            <a:off x="3568700" y="4406900"/>
+            <a:off x="3568700" y="5029467"/>
             <a:ext cx="2921099" cy="749399"/>
           </a:xfrm>
           <a:prstGeom prst="rect">
@@ -28487,7 +28225,7 @@
         </p:nvCxnSpPr>
         <p:spPr>
           <a:xfrm rot="10800000" flipH="1">
-            <a:off x="5011349" y="3937099"/>
+            <a:off x="5011349" y="4559666"/>
             <a:ext cx="30600" cy="473700"/>
           </a:xfrm>
           <a:prstGeom prst="straightConnector1">
@@ -28513,7 +28251,7 @@
 </p:sld>
 </file>
 
-<file path=ppt/slides/slide43.xml><?xml version="1.0" encoding="utf-8"?>
+<file path=ppt/slides/slide42.xml><?xml version="1.0" encoding="utf-8"?>
 <p:sld xmlns:a="http://schemas.openxmlformats.org/drawingml/2006/main" xmlns:r="http://schemas.openxmlformats.org/officeDocument/2006/relationships" xmlns:p="http://schemas.openxmlformats.org/presentationml/2006/main">
   <p:cSld>
     <p:spTree>
@@ -28538,8 +28276,8 @@
         </p:nvSpPr>
         <p:spPr>
           <a:xfrm>
-            <a:off x="998325" y="139650"/>
-            <a:ext cx="10035299" cy="8864700"/>
+            <a:off x="998325" y="778213"/>
+            <a:ext cx="10035299" cy="7548664"/>
           </a:xfrm>
           <a:prstGeom prst="rect">
             <a:avLst/>
@@ -28573,7 +28311,7 @@
               <a:buNone/>
             </a:pPr>
             <a:r>
-              <a:rPr lang="en-US" sz="3000" b="0" i="0" u="none" strike="noStrike" cap="none">
+              <a:rPr lang="en-US" sz="2800" b="1" i="0" u="none" strike="noStrike" cap="none" dirty="0">
                 <a:solidFill>
                   <a:srgbClr val="FFFF00"/>
                 </a:solidFill>
@@ -28582,60 +28320,22 @@
                 <a:cs typeface="Courier New"/>
                 <a:sym typeface="Courier New"/>
               </a:rPr>
-              <a:t>name = raw_input('Enter file:')</a:t>
-            </a:r>
-          </a:p>
-          <a:p>
-            <a:pPr marL="0" marR="0" lvl="0" indent="0" algn="l" rtl="0">
-              <a:lnSpc>
-                <a:spcPct val="100000"/>
-              </a:lnSpc>
-              <a:spcBef>
-                <a:spcPts val="0"/>
-              </a:spcBef>
-              <a:spcAft>
-                <a:spcPts val="0"/>
-              </a:spcAft>
-              <a:buClr>
-                <a:srgbClr val="00FF00"/>
-              </a:buClr>
-              <a:buSzPct val="25000"/>
-              <a:buFont typeface="Cabin"/>
-              <a:buNone/>
-            </a:pPr>
-            <a:r>
-              <a:rPr lang="en-US" sz="3000" b="0" i="0" u="none" strike="noStrike" cap="none">
-                <a:solidFill>
-                  <a:srgbClr val="FFFF00"/>
+              <a:t>name = </a:t>
+            </a:r>
+            <a:r>
+              <a:rPr lang="en-US" sz="2800" b="1" i="0" u="none" strike="noStrike" cap="none" dirty="0" smtClean="0">
+                <a:solidFill>
+                  <a:schemeClr val="bg1"/>
                 </a:solidFill>
                 <a:latin typeface="Courier New"/>
                 <a:ea typeface="Courier New"/>
                 <a:cs typeface="Courier New"/>
                 <a:sym typeface="Courier New"/>
               </a:rPr>
-              <a:t>handle = open(name, 'r')</a:t>
-            </a:r>
-          </a:p>
-          <a:p>
-            <a:pPr marL="0" marR="0" lvl="0" indent="0" algn="l" rtl="0">
-              <a:lnSpc>
-                <a:spcPct val="100000"/>
-              </a:lnSpc>
-              <a:spcBef>
-                <a:spcPts val="0"/>
-              </a:spcBef>
-              <a:spcAft>
-                <a:spcPts val="0"/>
-              </a:spcAft>
-              <a:buClr>
-                <a:srgbClr val="00FF00"/>
-              </a:buClr>
-              <a:buSzPct val="25000"/>
-              <a:buFont typeface="Cabin"/>
-              <a:buNone/>
-            </a:pPr>
-            <a:r>
-              <a:rPr lang="en-US" sz="3000" b="0" i="0" u="none" strike="noStrike" cap="none">
+              <a:t>input</a:t>
+            </a:r>
+            <a:r>
+              <a:rPr lang="en-US" sz="2800" b="1" i="0" u="none" strike="noStrike" cap="none" dirty="0">
                 <a:solidFill>
                   <a:srgbClr val="FFFF00"/>
                 </a:solidFill>
@@ -28644,7 +28344,7 @@
                 <a:cs typeface="Courier New"/>
                 <a:sym typeface="Courier New"/>
               </a:rPr>
-              <a:t>text = handle.read()</a:t>
+              <a:t>('Enter file:')</a:t>
             </a:r>
           </a:p>
           <a:p>
@@ -28666,7 +28366,7 @@
               <a:buNone/>
             </a:pPr>
             <a:r>
-              <a:rPr lang="en-US" sz="3000" b="0" i="0" u="none" strike="noStrike" cap="none">
+              <a:rPr lang="en-US" sz="2800" b="1" i="0" u="none" strike="noStrike" cap="none" dirty="0">
                 <a:solidFill>
                   <a:srgbClr val="FFFF00"/>
                 </a:solidFill>
@@ -28675,7 +28375,117 @@
                 <a:cs typeface="Courier New"/>
                 <a:sym typeface="Courier New"/>
               </a:rPr>
-              <a:t>words = text.split()</a:t>
+              <a:t>handle = open(name, 'r')</a:t>
+            </a:r>
+          </a:p>
+          <a:p>
+            <a:pPr marL="0" marR="0" lvl="0" indent="0" algn="l" rtl="0">
+              <a:lnSpc>
+                <a:spcPct val="100000"/>
+              </a:lnSpc>
+              <a:spcBef>
+                <a:spcPts val="0"/>
+              </a:spcBef>
+              <a:spcAft>
+                <a:spcPts val="0"/>
+              </a:spcAft>
+              <a:buClr>
+                <a:srgbClr val="00FF00"/>
+              </a:buClr>
+              <a:buSzPct val="25000"/>
+              <a:buFont typeface="Cabin"/>
+              <a:buNone/>
+            </a:pPr>
+            <a:r>
+              <a:rPr lang="en-US" sz="2800" b="1" i="0" u="none" strike="noStrike" cap="none" dirty="0">
+                <a:solidFill>
+                  <a:srgbClr val="FFFF00"/>
+                </a:solidFill>
+                <a:latin typeface="Courier New"/>
+                <a:ea typeface="Courier New"/>
+                <a:cs typeface="Courier New"/>
+                <a:sym typeface="Courier New"/>
+              </a:rPr>
+              <a:t>text = </a:t>
+            </a:r>
+            <a:r>
+              <a:rPr lang="en-US" sz="2800" b="1" i="0" u="none" strike="noStrike" cap="none" dirty="0" err="1">
+                <a:solidFill>
+                  <a:srgbClr val="FFFF00"/>
+                </a:solidFill>
+                <a:latin typeface="Courier New"/>
+                <a:ea typeface="Courier New"/>
+                <a:cs typeface="Courier New"/>
+                <a:sym typeface="Courier New"/>
+              </a:rPr>
+              <a:t>handle.read</a:t>
+            </a:r>
+            <a:r>
+              <a:rPr lang="en-US" sz="2800" b="1" i="0" u="none" strike="noStrike" cap="none" dirty="0">
+                <a:solidFill>
+                  <a:srgbClr val="FFFF00"/>
+                </a:solidFill>
+                <a:latin typeface="Courier New"/>
+                <a:ea typeface="Courier New"/>
+                <a:cs typeface="Courier New"/>
+                <a:sym typeface="Courier New"/>
+              </a:rPr>
+              <a:t>()</a:t>
+            </a:r>
+          </a:p>
+          <a:p>
+            <a:pPr marL="0" marR="0" lvl="0" indent="0" algn="l" rtl="0">
+              <a:lnSpc>
+                <a:spcPct val="100000"/>
+              </a:lnSpc>
+              <a:spcBef>
+                <a:spcPts val="0"/>
+              </a:spcBef>
+              <a:spcAft>
+                <a:spcPts val="0"/>
+              </a:spcAft>
+              <a:buClr>
+                <a:srgbClr val="00FF00"/>
+              </a:buClr>
+              <a:buSzPct val="25000"/>
+              <a:buFont typeface="Cabin"/>
+              <a:buNone/>
+            </a:pPr>
+            <a:r>
+              <a:rPr lang="en-US" sz="2800" b="1" i="0" u="none" strike="noStrike" cap="none" dirty="0">
+                <a:solidFill>
+                  <a:srgbClr val="FFFF00"/>
+                </a:solidFill>
+                <a:latin typeface="Courier New"/>
+                <a:ea typeface="Courier New"/>
+                <a:cs typeface="Courier New"/>
+                <a:sym typeface="Courier New"/>
+              </a:rPr>
+              <a:t>words = </a:t>
+            </a:r>
+            <a:r>
+              <a:rPr lang="en-US" sz="2800" b="1" i="0" u="none" strike="noStrike" cap="none" dirty="0" err="1">
+                <a:solidFill>
+                  <a:srgbClr val="FFFF00"/>
+                </a:solidFill>
+                <a:latin typeface="Courier New"/>
+                <a:ea typeface="Courier New"/>
+                <a:cs typeface="Courier New"/>
+                <a:sym typeface="Courier New"/>
+              </a:rPr>
+              <a:t>text.split</a:t>
+            </a:r>
+            <a:r>
+              <a:rPr lang="en-US" sz="2800" b="1" i="0" u="none" strike="noStrike" cap="none" dirty="0">
+                <a:solidFill>
+                  <a:srgbClr val="FFFF00"/>
+                </a:solidFill>
+                <a:latin typeface="Courier New"/>
+                <a:ea typeface="Courier New"/>
+                <a:cs typeface="Courier New"/>
+                <a:sym typeface="Courier New"/>
+              </a:rPr>
+              <a:t>()</a:t>
             </a:r>
           </a:p>
           <a:p>
@@ -28691,7 +28501,7 @@
               </a:spcAft>
               <a:buNone/>
             </a:pPr>
-            <a:endParaRPr sz="3000" b="0" i="0" u="none" strike="noStrike" cap="none">
+            <a:endParaRPr sz="2800" b="1" i="0" u="none" strike="noStrike" cap="none" dirty="0">
               <a:solidFill>
                 <a:srgbClr val="00FF00"/>
               </a:solidFill>
@@ -28720,7 +28530,7 @@
               <a:buNone/>
             </a:pPr>
             <a:r>
-              <a:rPr lang="en-US" sz="3000" b="0" i="0" u="none" strike="noStrike" cap="none">
+              <a:rPr lang="en-US" sz="2800" b="1" i="0" u="none" strike="noStrike" cap="none" dirty="0">
                 <a:solidFill>
                   <a:srgbClr val="FFFF00"/>
                 </a:solidFill>
@@ -28729,69 +28539,31 @@
                 <a:cs typeface="Courier New"/>
                 <a:sym typeface="Courier New"/>
               </a:rPr>
-              <a:t>counts = dict()</a:t>
-            </a:r>
-          </a:p>
-          <a:p>
-            <a:pPr marL="0" marR="0" lvl="0" indent="0" algn="l" rtl="0">
-              <a:lnSpc>
-                <a:spcPct val="100000"/>
-              </a:lnSpc>
-              <a:spcBef>
-                <a:spcPts val="0"/>
-              </a:spcBef>
-              <a:spcAft>
-                <a:spcPts val="0"/>
-              </a:spcAft>
-              <a:buClr>
-                <a:srgbClr val="00FF00"/>
-              </a:buClr>
-              <a:buSzPct val="25000"/>
-              <a:buFont typeface="Cabin"/>
-              <a:buNone/>
-            </a:pPr>
-            <a:r>
-              <a:rPr lang="en-US" sz="3000" b="0" i="0" u="none" strike="noStrike" cap="none">
-                <a:solidFill>
-                  <a:srgbClr val="00FF00"/>
+              <a:t>counts = </a:t>
+            </a:r>
+            <a:r>
+              <a:rPr lang="en-US" sz="2800" b="1" i="0" u="none" strike="noStrike" cap="none" dirty="0" err="1">
+                <a:solidFill>
+                  <a:srgbClr val="FFFF00"/>
                 </a:solidFill>
                 <a:latin typeface="Courier New"/>
                 <a:ea typeface="Courier New"/>
                 <a:cs typeface="Courier New"/>
                 <a:sym typeface="Courier New"/>
               </a:rPr>
-              <a:t>for word in words:</a:t>
-            </a:r>
-          </a:p>
-          <a:p>
-            <a:pPr marL="0" marR="0" lvl="0" indent="0" algn="l" rtl="0">
-              <a:lnSpc>
-                <a:spcPct val="100000"/>
-              </a:lnSpc>
-              <a:spcBef>
-                <a:spcPts val="0"/>
-              </a:spcBef>
-              <a:spcAft>
-                <a:spcPts val="0"/>
-              </a:spcAft>
-              <a:buClr>
-                <a:srgbClr val="00FF00"/>
-              </a:buClr>
-              <a:buSzPct val="25000"/>
-              <a:buFont typeface="Cabin"/>
-              <a:buNone/>
-            </a:pPr>
-            <a:r>
-              <a:rPr lang="en-US" sz="3000" b="0" i="0" u="none" strike="noStrike" cap="none">
-                <a:solidFill>
-                  <a:srgbClr val="00FF00"/>
+              <a:t>dict</a:t>
+            </a:r>
+            <a:r>
+              <a:rPr lang="en-US" sz="2800" b="1" i="0" u="none" strike="noStrike" cap="none" dirty="0">
+                <a:solidFill>
+                  <a:srgbClr val="FFFF00"/>
                 </a:solidFill>
                 <a:latin typeface="Courier New"/>
                 <a:ea typeface="Courier New"/>
                 <a:cs typeface="Courier New"/>
                 <a:sym typeface="Courier New"/>
               </a:rPr>
-              <a:t>   counts[word] = counts.get(word,0) + 1</a:t>
+              <a:t>()</a:t>
             </a:r>
           </a:p>
           <a:p>
@@ -28813,16 +28585,16 @@
               <a:buNone/>
             </a:pPr>
             <a:r>
-              <a:rPr lang="en-US" sz="3000" b="0" i="0" u="none" strike="noStrike" cap="none">
-                <a:solidFill>
-                  <a:srgbClr val="FFFF00"/>
+              <a:rPr lang="en-US" sz="2800" b="1" i="0" u="none" strike="noStrike" cap="none" dirty="0">
+                <a:solidFill>
+                  <a:srgbClr val="00FF00"/>
                 </a:solidFill>
                 <a:latin typeface="Courier New"/>
                 <a:ea typeface="Courier New"/>
                 <a:cs typeface="Courier New"/>
                 <a:sym typeface="Courier New"/>
               </a:rPr>
-              <a:t>bigcount = None</a:t>
+              <a:t>for word in words:</a:t>
             </a:r>
           </a:p>
           <a:p>
@@ -28844,16 +28616,126 @@
               <a:buNone/>
             </a:pPr>
             <a:r>
-              <a:rPr lang="en-US" sz="3000" b="0" i="0" u="none" strike="noStrike" cap="none">
-                <a:solidFill>
-                  <a:srgbClr val="FFFF00"/>
+              <a:rPr lang="en-US" sz="2800" b="1" i="0" u="none" strike="noStrike" cap="none" dirty="0">
+                <a:solidFill>
+                  <a:srgbClr val="00FF00"/>
                 </a:solidFill>
                 <a:latin typeface="Courier New"/>
                 <a:ea typeface="Courier New"/>
                 <a:cs typeface="Courier New"/>
                 <a:sym typeface="Courier New"/>
               </a:rPr>
-              <a:t>bigword = None</a:t>
+              <a:t>   counts[word] = </a:t>
+            </a:r>
+            <a:r>
+              <a:rPr lang="en-US" sz="2800" b="1" i="0" u="none" strike="noStrike" cap="none" dirty="0" err="1">
+                <a:solidFill>
+                  <a:srgbClr val="00FF00"/>
+                </a:solidFill>
+                <a:latin typeface="Courier New"/>
+                <a:ea typeface="Courier New"/>
+                <a:cs typeface="Courier New"/>
+                <a:sym typeface="Courier New"/>
+              </a:rPr>
+              <a:t>counts.get</a:t>
+            </a:r>
+            <a:r>
+              <a:rPr lang="en-US" sz="2800" b="1" i="0" u="none" strike="noStrike" cap="none" dirty="0">
+                <a:solidFill>
+                  <a:srgbClr val="00FF00"/>
+                </a:solidFill>
+                <a:latin typeface="Courier New"/>
+                <a:ea typeface="Courier New"/>
+                <a:cs typeface="Courier New"/>
+                <a:sym typeface="Courier New"/>
+              </a:rPr>
+              <a:t>(word,0) + 1</a:t>
+            </a:r>
+          </a:p>
+          <a:p>
+            <a:pPr marL="0" marR="0" lvl="0" indent="0" algn="l" rtl="0">
+              <a:lnSpc>
+                <a:spcPct val="100000"/>
+              </a:lnSpc>
+              <a:spcBef>
+                <a:spcPts val="0"/>
+              </a:spcBef>
+              <a:spcAft>
+                <a:spcPts val="0"/>
+              </a:spcAft>
+              <a:buClr>
+                <a:srgbClr val="00FF00"/>
+              </a:buClr>
+              <a:buSzPct val="25000"/>
+              <a:buFont typeface="Cabin"/>
+              <a:buNone/>
+            </a:pPr>
+            <a:r>
+              <a:rPr lang="en-US" sz="2800" b="1" i="0" u="none" strike="noStrike" cap="none" dirty="0" err="1">
+                <a:solidFill>
+                  <a:srgbClr val="FFFF00"/>
+                </a:solidFill>
+                <a:latin typeface="Courier New"/>
+                <a:ea typeface="Courier New"/>
+                <a:cs typeface="Courier New"/>
+                <a:sym typeface="Courier New"/>
+              </a:rPr>
+              <a:t>bigcount</a:t>
+            </a:r>
+            <a:r>
+              <a:rPr lang="en-US" sz="2800" b="1" i="0" u="none" strike="noStrike" cap="none" dirty="0">
+                <a:solidFill>
+                  <a:srgbClr val="FFFF00"/>
+                </a:solidFill>
+                <a:latin typeface="Courier New"/>
+                <a:ea typeface="Courier New"/>
+                <a:cs typeface="Courier New"/>
+                <a:sym typeface="Courier New"/>
+              </a:rPr>
+              <a:t> = None</a:t>
+            </a:r>
+          </a:p>
+          <a:p>
+            <a:pPr marL="0" marR="0" lvl="0" indent="0" algn="l" rtl="0">
+              <a:lnSpc>
+                <a:spcPct val="100000"/>
+              </a:lnSpc>
+              <a:spcBef>
+                <a:spcPts val="0"/>
+              </a:spcBef>
+              <a:spcAft>
+                <a:spcPts val="0"/>
+              </a:spcAft>
+              <a:buClr>
+                <a:srgbClr val="00FF00"/>
+              </a:buClr>
+              <a:buSzPct val="25000"/>
+              <a:buFont typeface="Cabin"/>
+              <a:buNone/>
+            </a:pPr>
+            <a:r>
+              <a:rPr lang="en-US" sz="2800" b="1" i="0" u="none" strike="noStrike" cap="none" dirty="0" err="1">
+                <a:solidFill>
+                  <a:srgbClr val="FFFF00"/>
+                </a:solidFill>
+                <a:latin typeface="Courier New"/>
+                <a:ea typeface="Courier New"/>
+                <a:cs typeface="Courier New"/>
+                <a:sym typeface="Courier New"/>
+              </a:rPr>
+              <a:t>bigword</a:t>
+            </a:r>
+            <a:r>
+              <a:rPr lang="en-US" sz="2800" b="1" i="0" u="none" strike="noStrike" cap="none" dirty="0">
+                <a:solidFill>
+                  <a:srgbClr val="FFFF00"/>
+                </a:solidFill>
+                <a:latin typeface="Courier New"/>
+                <a:ea typeface="Courier New"/>
+                <a:cs typeface="Courier New"/>
+                <a:sym typeface="Courier New"/>
+              </a:rPr>
+              <a:t> = None</a:t>
             </a:r>
           </a:p>
           <a:p>
@@ -28869,7 +28751,7 @@
               </a:spcAft>
               <a:buNone/>
             </a:pPr>
-            <a:endParaRPr sz="3000" b="0" i="0" u="none" strike="noStrike" cap="none">
+            <a:endParaRPr sz="2800" b="1" i="0" u="none" strike="noStrike" cap="none" dirty="0">
               <a:solidFill>
                 <a:srgbClr val="00FF00"/>
               </a:solidFill>
@@ -28898,7 +28780,7 @@
               <a:buNone/>
             </a:pPr>
             <a:r>
-              <a:rPr lang="en-US" sz="3000" b="0" i="0" u="none" strike="noStrike" cap="none">
+              <a:rPr lang="en-US" sz="2800" b="1" i="0" u="none" strike="noStrike" cap="none" dirty="0">
                 <a:solidFill>
                   <a:srgbClr val="00FF00"/>
                 </a:solidFill>
@@ -28907,93 +28789,55 @@
                 <a:cs typeface="Courier New"/>
                 <a:sym typeface="Courier New"/>
               </a:rPr>
-              <a:t>for word,count in counts.items():</a:t>
-            </a:r>
-          </a:p>
-          <a:p>
-            <a:pPr marL="0" marR="0" lvl="0" indent="0" algn="l" rtl="0">
-              <a:lnSpc>
-                <a:spcPct val="100000"/>
-              </a:lnSpc>
-              <a:spcBef>
-                <a:spcPts val="0"/>
-              </a:spcBef>
-              <a:spcAft>
-                <a:spcPts val="0"/>
-              </a:spcAft>
-              <a:buClr>
-                <a:srgbClr val="00FF00"/>
-              </a:buClr>
-              <a:buSzPct val="25000"/>
-              <a:buFont typeface="Cabin"/>
-              <a:buNone/>
-            </a:pPr>
-            <a:r>
-              <a:rPr lang="en-US" sz="3000" b="0" i="0" u="none" strike="noStrike" cap="none">
-                <a:solidFill>
-                  <a:srgbClr val="FF00FF"/>
+              <a:t>for </a:t>
+            </a:r>
+            <a:r>
+              <a:rPr lang="en-US" sz="2800" b="1" i="0" u="none" strike="noStrike" cap="none" dirty="0" err="1">
+                <a:solidFill>
+                  <a:srgbClr val="00FF00"/>
                 </a:solidFill>
                 <a:latin typeface="Courier New"/>
                 <a:ea typeface="Courier New"/>
                 <a:cs typeface="Courier New"/>
                 <a:sym typeface="Courier New"/>
               </a:rPr>
-              <a:t>  </a:t>
-            </a:r>
-            <a:r>
-              <a:rPr lang="en-US" sz="3000" b="0" i="0" u="none" strike="noStrike" cap="none">
-                <a:solidFill>
-                  <a:srgbClr val="FF7F00"/>
+              <a:t>word,count</a:t>
+            </a:r>
+            <a:r>
+              <a:rPr lang="en-US" sz="2800" b="1" i="0" u="none" strike="noStrike" cap="none" dirty="0">
+                <a:solidFill>
+                  <a:srgbClr val="00FF00"/>
                 </a:solidFill>
                 <a:latin typeface="Courier New"/>
                 <a:ea typeface="Courier New"/>
                 <a:cs typeface="Courier New"/>
                 <a:sym typeface="Courier New"/>
               </a:rPr>
-              <a:t>  </a:t>
-            </a:r>
-            <a:r>
-              <a:rPr lang="en-US" sz="3000" b="0" i="0" u="none" strike="noStrike" cap="none">
-                <a:solidFill>
-                  <a:srgbClr val="FF9900"/>
+              <a:t> in </a:t>
+            </a:r>
+            <a:r>
+              <a:rPr lang="en-US" sz="2800" b="1" i="0" u="none" strike="noStrike" cap="none" dirty="0" err="1">
+                <a:solidFill>
+                  <a:srgbClr val="00FF00"/>
                 </a:solidFill>
                 <a:latin typeface="Courier New"/>
                 <a:ea typeface="Courier New"/>
                 <a:cs typeface="Courier New"/>
                 <a:sym typeface="Courier New"/>
               </a:rPr>
-              <a:t>if bigcount is None or count &gt; bigcount:</a:t>
-            </a:r>
-          </a:p>
-          <a:p>
-            <a:pPr marL="0" marR="0" lvl="0" indent="0" algn="l" rtl="0">
-              <a:lnSpc>
-                <a:spcPct val="100000"/>
-              </a:lnSpc>
-              <a:spcBef>
-                <a:spcPts val="0"/>
-              </a:spcBef>
-              <a:spcAft>
-                <a:spcPts val="0"/>
-              </a:spcAft>
-              <a:buClr>
-                <a:srgbClr val="00FF00"/>
-              </a:buClr>
-              <a:buSzPct val="25000"/>
-              <a:buFont typeface="Cabin"/>
-              <a:buNone/>
-            </a:pPr>
-            <a:r>
-              <a:rPr lang="en-US" sz="3000" b="0" i="0" u="none" strike="noStrike" cap="none">
-                <a:solidFill>
-                  <a:srgbClr val="FF9900"/>
+              <a:t>counts.items</a:t>
+            </a:r>
+            <a:r>
+              <a:rPr lang="en-US" sz="2800" b="1" i="0" u="none" strike="noStrike" cap="none" dirty="0">
+                <a:solidFill>
+                  <a:srgbClr val="00FF00"/>
                 </a:solidFill>
                 <a:latin typeface="Courier New"/>
                 <a:ea typeface="Courier New"/>
                 <a:cs typeface="Courier New"/>
                 <a:sym typeface="Courier New"/>
               </a:rPr>
-              <a:t>        bigword = word</a:t>
+              <a:t>():</a:t>
             </a:r>
           </a:p>
           <a:p>
@@ -29015,16 +28859,88 @@
               <a:buNone/>
             </a:pPr>
             <a:r>
-              <a:rPr lang="en-US" sz="3000" b="0" i="0" u="none" strike="noStrike" cap="none">
-                <a:solidFill>
-                  <a:srgbClr val="FF9900"/>
+              <a:rPr lang="en-US" sz="2800" b="1" i="0" u="none" strike="noStrike" cap="none" dirty="0">
+                <a:solidFill>
+                  <a:srgbClr val="FF00FF"/>
                 </a:solidFill>
                 <a:latin typeface="Courier New"/>
                 <a:ea typeface="Courier New"/>
                 <a:cs typeface="Courier New"/>
                 <a:sym typeface="Courier New"/>
               </a:rPr>
-              <a:t>        bigcount = count</a:t>
+              <a:t>  </a:t>
+            </a:r>
+            <a:r>
+              <a:rPr lang="en-US" sz="2800" b="1" i="0" u="none" strike="noStrike" cap="none" dirty="0">
+                <a:solidFill>
+                  <a:srgbClr val="FF7F00"/>
+                </a:solidFill>
+                <a:latin typeface="Courier New"/>
+                <a:ea typeface="Courier New"/>
+                <a:cs typeface="Courier New"/>
+                <a:sym typeface="Courier New"/>
+              </a:rPr>
+              <a:t>  </a:t>
+            </a:r>
+            <a:r>
+              <a:rPr lang="en-US" sz="2800" b="1" i="0" u="none" strike="noStrike" cap="none" dirty="0">
+                <a:solidFill>
+                  <a:srgbClr val="FF9900"/>
+                </a:solidFill>
+                <a:latin typeface="Courier New"/>
+                <a:ea typeface="Courier New"/>
+                <a:cs typeface="Courier New"/>
+                <a:sym typeface="Courier New"/>
+              </a:rPr>
+              <a:t>if </a:t>
+            </a:r>
+            <a:r>
+              <a:rPr lang="en-US" sz="2800" b="1" i="0" u="none" strike="noStrike" cap="none" dirty="0" err="1">
+                <a:solidFill>
+                  <a:srgbClr val="FF9900"/>
+                </a:solidFill>
+                <a:latin typeface="Courier New"/>
+                <a:ea typeface="Courier New"/>
+                <a:cs typeface="Courier New"/>
+                <a:sym typeface="Courier New"/>
+              </a:rPr>
+              <a:t>bigcount</a:t>
+            </a:r>
+            <a:r>
+              <a:rPr lang="en-US" sz="2800" b="1" i="0" u="none" strike="noStrike" cap="none" dirty="0">
+                <a:solidFill>
+                  <a:srgbClr val="FF9900"/>
+                </a:solidFill>
+                <a:latin typeface="Courier New"/>
+                <a:ea typeface="Courier New"/>
+                <a:cs typeface="Courier New"/>
+                <a:sym typeface="Courier New"/>
+              </a:rPr>
+              <a:t> is None or count &gt; </a:t>
+            </a:r>
+            <a:r>
+              <a:rPr lang="en-US" sz="2800" b="1" i="0" u="none" strike="noStrike" cap="none" dirty="0" err="1">
+                <a:solidFill>
+                  <a:srgbClr val="FF9900"/>
+                </a:solidFill>
+                <a:latin typeface="Courier New"/>
+                <a:ea typeface="Courier New"/>
+                <a:cs typeface="Courier New"/>
+                <a:sym typeface="Courier New"/>
+              </a:rPr>
+              <a:t>bigcount</a:t>
+            </a:r>
+            <a:r>
+              <a:rPr lang="en-US" sz="2800" b="1" i="0" u="none" strike="noStrike" cap="none" dirty="0">
+                <a:solidFill>
+                  <a:srgbClr val="FF9900"/>
+                </a:solidFill>
+                <a:latin typeface="Courier New"/>
+                <a:ea typeface="Courier New"/>
+                <a:cs typeface="Courier New"/>
+                <a:sym typeface="Courier New"/>
+              </a:rPr>
+              <a:t>:</a:t>
             </a:r>
           </a:p>
           <a:p>
@@ -29041,10 +28957,120 @@
               <a:buClr>
                 <a:srgbClr val="00FF00"/>
               </a:buClr>
-              <a:buFont typeface="Cabin"/>
-              <a:buNone/>
-            </a:pPr>
-            <a:endParaRPr sz="3000">
+              <a:buSzPct val="25000"/>
+              <a:buFont typeface="Cabin"/>
+              <a:buNone/>
+            </a:pPr>
+            <a:r>
+              <a:rPr lang="en-US" sz="2800" b="1" i="0" u="none" strike="noStrike" cap="none" dirty="0">
+                <a:solidFill>
+                  <a:srgbClr val="FF9900"/>
+                </a:solidFill>
+                <a:latin typeface="Courier New"/>
+                <a:ea typeface="Courier New"/>
+                <a:cs typeface="Courier New"/>
+                <a:sym typeface="Courier New"/>
+              </a:rPr>
+              <a:t>        </a:t>
+            </a:r>
+            <a:r>
+              <a:rPr lang="en-US" sz="2800" b="1" i="0" u="none" strike="noStrike" cap="none" dirty="0" err="1">
+                <a:solidFill>
+                  <a:srgbClr val="FF9900"/>
+                </a:solidFill>
+                <a:latin typeface="Courier New"/>
+                <a:ea typeface="Courier New"/>
+                <a:cs typeface="Courier New"/>
+                <a:sym typeface="Courier New"/>
+              </a:rPr>
+              <a:t>bigword</a:t>
+            </a:r>
+            <a:r>
+              <a:rPr lang="en-US" sz="2800" b="1" i="0" u="none" strike="noStrike" cap="none" dirty="0">
+                <a:solidFill>
+                  <a:srgbClr val="FF9900"/>
+                </a:solidFill>
+                <a:latin typeface="Courier New"/>
+                <a:ea typeface="Courier New"/>
+                <a:cs typeface="Courier New"/>
+                <a:sym typeface="Courier New"/>
+              </a:rPr>
+              <a:t> = word</a:t>
+            </a:r>
+          </a:p>
+          <a:p>
+            <a:pPr marL="0" marR="0" lvl="0" indent="0" algn="l" rtl="0">
+              <a:lnSpc>
+                <a:spcPct val="100000"/>
+              </a:lnSpc>
+              <a:spcBef>
+                <a:spcPts val="0"/>
+              </a:spcBef>
+              <a:spcAft>
+                <a:spcPts val="0"/>
+              </a:spcAft>
+              <a:buClr>
+                <a:srgbClr val="00FF00"/>
+              </a:buClr>
+              <a:buSzPct val="25000"/>
+              <a:buFont typeface="Cabin"/>
+              <a:buNone/>
+            </a:pPr>
+            <a:r>
+              <a:rPr lang="en-US" sz="2800" b="1" i="0" u="none" strike="noStrike" cap="none" dirty="0">
+                <a:solidFill>
+                  <a:srgbClr val="FF9900"/>
+                </a:solidFill>
+                <a:latin typeface="Courier New"/>
+                <a:ea typeface="Courier New"/>
+                <a:cs typeface="Courier New"/>
+                <a:sym typeface="Courier New"/>
+              </a:rPr>
+              <a:t>        </a:t>
+            </a:r>
+            <a:r>
+              <a:rPr lang="en-US" sz="2800" b="1" i="0" u="none" strike="noStrike" cap="none" dirty="0" err="1">
+                <a:solidFill>
+                  <a:srgbClr val="FF9900"/>
+                </a:solidFill>
+                <a:latin typeface="Courier New"/>
+                <a:ea typeface="Courier New"/>
+                <a:cs typeface="Courier New"/>
+                <a:sym typeface="Courier New"/>
+              </a:rPr>
+              <a:t>bigcount</a:t>
+            </a:r>
+            <a:r>
+              <a:rPr lang="en-US" sz="2800" b="1" i="0" u="none" strike="noStrike" cap="none" dirty="0">
+                <a:solidFill>
+                  <a:srgbClr val="FF9900"/>
+                </a:solidFill>
+                <a:latin typeface="Courier New"/>
+                <a:ea typeface="Courier New"/>
+                <a:cs typeface="Courier New"/>
+                <a:sym typeface="Courier New"/>
+              </a:rPr>
+              <a:t> = count</a:t>
+            </a:r>
+          </a:p>
+          <a:p>
+            <a:pPr marL="0" marR="0" lvl="0" indent="0" algn="l" rtl="0">
+              <a:lnSpc>
+                <a:spcPct val="100000"/>
+              </a:lnSpc>
+              <a:spcBef>
+                <a:spcPts val="0"/>
+              </a:spcBef>
+              <a:spcAft>
+                <a:spcPts val="0"/>
+              </a:spcAft>
+              <a:buClr>
+                <a:srgbClr val="00FF00"/>
+              </a:buClr>
+              <a:buFont typeface="Cabin"/>
+              <a:buNone/>
+            </a:pPr>
+            <a:endParaRPr sz="2800" b="1" dirty="0">
               <a:solidFill>
                 <a:srgbClr val="00FF00"/>
               </a:solidFill>
@@ -29073,7 +29099,7 @@
               <a:buNone/>
             </a:pPr>
             <a:r>
-              <a:rPr lang="en-US" sz="3000" b="0" i="0" u="none" strike="noStrike" cap="none">
+              <a:rPr lang="en-US" sz="2800" b="1" i="0" u="none" strike="noStrike" cap="none" dirty="0" smtClean="0">
                 <a:solidFill>
                   <a:srgbClr val="FFFF00"/>
                 </a:solidFill>
@@ -29082,8 +29108,65 @@
                 <a:cs typeface="Courier New"/>
                 <a:sym typeface="Courier New"/>
               </a:rPr>
-              <a:t>print bigword, bigcount</a:t>
-            </a:r>
+              <a:t>print(</a:t>
+            </a:r>
+            <a:r>
+              <a:rPr lang="en-US" sz="2800" b="1" i="0" u="none" strike="noStrike" cap="none" dirty="0" err="1" smtClean="0">
+                <a:solidFill>
+                  <a:srgbClr val="FFFF00"/>
+                </a:solidFill>
+                <a:latin typeface="Courier New"/>
+                <a:ea typeface="Courier New"/>
+                <a:cs typeface="Courier New"/>
+                <a:sym typeface="Courier New"/>
+              </a:rPr>
+              <a:t>bigword</a:t>
+            </a:r>
+            <a:r>
+              <a:rPr lang="en-US" sz="2800" b="1" i="0" u="none" strike="noStrike" cap="none" dirty="0">
+                <a:solidFill>
+                  <a:srgbClr val="FFFF00"/>
+                </a:solidFill>
+                <a:latin typeface="Courier New"/>
+                <a:ea typeface="Courier New"/>
+                <a:cs typeface="Courier New"/>
+                <a:sym typeface="Courier New"/>
+              </a:rPr>
+              <a:t>, </a:t>
+            </a:r>
+            <a:r>
+              <a:rPr lang="en-US" sz="2800" b="1" i="0" u="none" strike="noStrike" cap="none" dirty="0" err="1" smtClean="0">
+                <a:solidFill>
+                  <a:srgbClr val="FFFF00"/>
+                </a:solidFill>
+                <a:latin typeface="Courier New"/>
+                <a:ea typeface="Courier New"/>
+                <a:cs typeface="Courier New"/>
+                <a:sym typeface="Courier New"/>
+              </a:rPr>
+              <a:t>bigcount</a:t>
+            </a:r>
+            <a:r>
+              <a:rPr lang="en-US" sz="2800" b="1" i="0" u="none" strike="noStrike" cap="none" dirty="0" smtClean="0">
+                <a:solidFill>
+                  <a:srgbClr val="FFFF00"/>
+                </a:solidFill>
+                <a:latin typeface="Courier New"/>
+                <a:ea typeface="Courier New"/>
+                <a:cs typeface="Courier New"/>
+                <a:sym typeface="Courier New"/>
+              </a:rPr>
+              <a:t>)</a:t>
+            </a:r>
+            <a:endParaRPr lang="en-US" sz="2800" b="1" i="0" u="none" strike="noStrike" cap="none" dirty="0">
+              <a:solidFill>
+                <a:srgbClr val="FFFF00"/>
+              </a:solidFill>
+              <a:latin typeface="Courier New"/>
+              <a:ea typeface="Courier New"/>
+              <a:cs typeface="Courier New"/>
+              <a:sym typeface="Courier New"/>
+            </a:endParaRPr>
           </a:p>
         </p:txBody>
       </p:sp>
@@ -29206,44 +29289,6 @@
           </a:p>
         </p:txBody>
       </p:sp>
-      <p:sp>
-        <p:nvSpPr>
-          <p:cNvPr id="2" name="Title 1"/>
-          <p:cNvSpPr>
-            <a:spLocks noGrp="1"/>
-          </p:cNvSpPr>
-          <p:nvPr>
-            <p:ph type="title"/>
-          </p:nvPr>
-        </p:nvSpPr>
-        <p:spPr/>
-        <p:txBody>
-          <a:bodyPr/>
-          <a:lstStyle/>
-          <a:p>
-            <a:endParaRPr lang="en-US"/>
-          </a:p>
-        </p:txBody>
-      </p:sp>
-      <p:sp>
-        <p:nvSpPr>
-          <p:cNvPr id="3" name="Text Placeholder 2"/>
-          <p:cNvSpPr>
-            <a:spLocks noGrp="1"/>
-          </p:cNvSpPr>
-          <p:nvPr>
-            <p:ph type="body" idx="1"/>
-          </p:nvPr>
-        </p:nvSpPr>
-        <p:spPr/>
-        <p:txBody>
-          <a:bodyPr/>
-          <a:lstStyle/>
-          <a:p>
-            <a:endParaRPr lang="en-US"/>
-          </a:p>
-        </p:txBody>
-      </p:sp>
     </p:spTree>
   </p:cSld>
   <p:clrMapOvr>
@@ -29252,7 +29297,7 @@
 </p:sld>
 </file>
 
-<file path=ppt/slides/slide44.xml><?xml version="1.0" encoding="utf-8"?>
+<file path=ppt/slides/slide43.xml><?xml version="1.0" encoding="utf-8"?>
 <p:sld xmlns:a="http://schemas.openxmlformats.org/drawingml/2006/main" xmlns:r="http://schemas.openxmlformats.org/officeDocument/2006/relationships" xmlns:p="http://schemas.openxmlformats.org/presentationml/2006/main">
   <p:cSld>
     <p:spTree>
@@ -29271,901 +29316,6 @@
       </p:grpSpPr>
       <p:sp>
         <p:nvSpPr>
-          <p:cNvPr id="631" name="Shape 631"/>
-          <p:cNvSpPr txBox="1"/>
-          <p:nvPr/>
-        </p:nvSpPr>
-        <p:spPr>
-          <a:xfrm>
-            <a:off x="769725" y="139650"/>
-            <a:ext cx="10417400" cy="8864700"/>
-          </a:xfrm>
-          <a:prstGeom prst="rect">
-            <a:avLst/>
-          </a:prstGeom>
-          <a:noFill/>
-          <a:ln>
-            <a:noFill/>
-          </a:ln>
-        </p:spPr>
-        <p:txBody>
-          <a:bodyPr lIns="0" tIns="0" rIns="0" bIns="0" anchor="ctr" anchorCtr="0">
-            <a:noAutofit/>
-          </a:bodyPr>
-          <a:lstStyle/>
-          <a:p>
-            <a:pPr marL="0" marR="0" lvl="0" indent="0" algn="l" rtl="0">
-              <a:lnSpc>
-                <a:spcPct val="100000"/>
-              </a:lnSpc>
-              <a:spcBef>
-                <a:spcPts val="0"/>
-              </a:spcBef>
-              <a:spcAft>
-                <a:spcPts val="0"/>
-              </a:spcAft>
-              <a:buClr>
-                <a:srgbClr val="00FF00"/>
-              </a:buClr>
-              <a:buSzPct val="25000"/>
-              <a:buFont typeface="Cabin"/>
-              <a:buNone/>
-            </a:pPr>
-            <a:r>
-              <a:rPr lang="en-US" sz="3000" b="0" i="0" u="none" strike="noStrike" cap="none" dirty="0">
-                <a:solidFill>
-                  <a:srgbClr val="00FF00"/>
-                </a:solidFill>
-                <a:latin typeface="Courier New"/>
-                <a:ea typeface="Courier New"/>
-                <a:cs typeface="Courier New"/>
-                <a:sym typeface="Courier New"/>
-              </a:rPr>
-              <a:t>name = </a:t>
-            </a:r>
-            <a:r>
-              <a:rPr lang="en-US" sz="3000" b="0" i="0" u="none" strike="noStrike" cap="none" dirty="0" smtClean="0">
-                <a:solidFill>
-                  <a:srgbClr val="FFFFFF"/>
-                </a:solidFill>
-                <a:latin typeface="Courier New"/>
-                <a:ea typeface="Courier New"/>
-                <a:cs typeface="Courier New"/>
-                <a:sym typeface="Courier New"/>
-              </a:rPr>
-              <a:t>input</a:t>
-            </a:r>
-            <a:r>
-              <a:rPr lang="en-US" sz="3000" b="0" i="0" u="none" strike="noStrike" cap="none" dirty="0">
-                <a:solidFill>
-                  <a:srgbClr val="00FF00"/>
-                </a:solidFill>
-                <a:latin typeface="Courier New"/>
-                <a:ea typeface="Courier New"/>
-                <a:cs typeface="Courier New"/>
-                <a:sym typeface="Courier New"/>
-              </a:rPr>
-              <a:t>('Enter file:')</a:t>
-            </a:r>
-          </a:p>
-          <a:p>
-            <a:pPr marL="0" marR="0" lvl="0" indent="0" algn="l" rtl="0">
-              <a:lnSpc>
-                <a:spcPct val="100000"/>
-              </a:lnSpc>
-              <a:spcBef>
-                <a:spcPts val="0"/>
-              </a:spcBef>
-              <a:spcAft>
-                <a:spcPts val="0"/>
-              </a:spcAft>
-              <a:buClr>
-                <a:srgbClr val="00FF00"/>
-              </a:buClr>
-              <a:buSzPct val="25000"/>
-              <a:buFont typeface="Cabin"/>
-              <a:buNone/>
-            </a:pPr>
-            <a:r>
-              <a:rPr lang="en-US" sz="3000" b="0" i="0" u="none" strike="noStrike" cap="none" dirty="0">
-                <a:solidFill>
-                  <a:srgbClr val="00FF00"/>
-                </a:solidFill>
-                <a:latin typeface="Courier New"/>
-                <a:ea typeface="Courier New"/>
-                <a:cs typeface="Courier New"/>
-                <a:sym typeface="Courier New"/>
-              </a:rPr>
-              <a:t>handle = open(name, 'r')</a:t>
-            </a:r>
-          </a:p>
-          <a:p>
-            <a:pPr marL="0" marR="0" lvl="0" indent="0" algn="l" rtl="0">
-              <a:lnSpc>
-                <a:spcPct val="100000"/>
-              </a:lnSpc>
-              <a:spcBef>
-                <a:spcPts val="0"/>
-              </a:spcBef>
-              <a:spcAft>
-                <a:spcPts val="0"/>
-              </a:spcAft>
-              <a:buClr>
-                <a:srgbClr val="00FF00"/>
-              </a:buClr>
-              <a:buSzPct val="25000"/>
-              <a:buFont typeface="Cabin"/>
-              <a:buNone/>
-            </a:pPr>
-            <a:r>
-              <a:rPr lang="en-US" sz="3000" b="0" i="0" u="none" strike="noStrike" cap="none" dirty="0">
-                <a:solidFill>
-                  <a:srgbClr val="00FF00"/>
-                </a:solidFill>
-                <a:latin typeface="Courier New"/>
-                <a:ea typeface="Courier New"/>
-                <a:cs typeface="Courier New"/>
-                <a:sym typeface="Courier New"/>
-              </a:rPr>
-              <a:t>text = </a:t>
-            </a:r>
-            <a:r>
-              <a:rPr lang="en-US" sz="3000" b="0" i="0" u="none" strike="noStrike" cap="none" dirty="0" err="1">
-                <a:solidFill>
-                  <a:srgbClr val="00FF00"/>
-                </a:solidFill>
-                <a:latin typeface="Courier New"/>
-                <a:ea typeface="Courier New"/>
-                <a:cs typeface="Courier New"/>
-                <a:sym typeface="Courier New"/>
-              </a:rPr>
-              <a:t>handle.read</a:t>
-            </a:r>
-            <a:r>
-              <a:rPr lang="en-US" sz="3000" b="0" i="0" u="none" strike="noStrike" cap="none" dirty="0">
-                <a:solidFill>
-                  <a:srgbClr val="00FF00"/>
-                </a:solidFill>
-                <a:latin typeface="Courier New"/>
-                <a:ea typeface="Courier New"/>
-                <a:cs typeface="Courier New"/>
-                <a:sym typeface="Courier New"/>
-              </a:rPr>
-              <a:t>()</a:t>
-            </a:r>
-          </a:p>
-          <a:p>
-            <a:pPr marL="0" marR="0" lvl="0" indent="0" algn="l" rtl="0">
-              <a:lnSpc>
-                <a:spcPct val="100000"/>
-              </a:lnSpc>
-              <a:spcBef>
-                <a:spcPts val="0"/>
-              </a:spcBef>
-              <a:spcAft>
-                <a:spcPts val="0"/>
-              </a:spcAft>
-              <a:buClr>
-                <a:srgbClr val="00FF00"/>
-              </a:buClr>
-              <a:buSzPct val="25000"/>
-              <a:buFont typeface="Cabin"/>
-              <a:buNone/>
-            </a:pPr>
-            <a:r>
-              <a:rPr lang="en-US" sz="3000" b="0" i="0" u="none" strike="noStrike" cap="none" dirty="0">
-                <a:solidFill>
-                  <a:srgbClr val="00FF00"/>
-                </a:solidFill>
-                <a:latin typeface="Courier New"/>
-                <a:ea typeface="Courier New"/>
-                <a:cs typeface="Courier New"/>
-                <a:sym typeface="Courier New"/>
-              </a:rPr>
-              <a:t>words = </a:t>
-            </a:r>
-            <a:r>
-              <a:rPr lang="en-US" sz="3000" b="0" i="0" u="none" strike="noStrike" cap="none" dirty="0" err="1">
-                <a:solidFill>
-                  <a:srgbClr val="00FF00"/>
-                </a:solidFill>
-                <a:latin typeface="Courier New"/>
-                <a:ea typeface="Courier New"/>
-                <a:cs typeface="Courier New"/>
-                <a:sym typeface="Courier New"/>
-              </a:rPr>
-              <a:t>text.split</a:t>
-            </a:r>
-            <a:r>
-              <a:rPr lang="en-US" sz="3000" b="0" i="0" u="none" strike="noStrike" cap="none" dirty="0">
-                <a:solidFill>
-                  <a:srgbClr val="00FF00"/>
-                </a:solidFill>
-                <a:latin typeface="Courier New"/>
-                <a:ea typeface="Courier New"/>
-                <a:cs typeface="Courier New"/>
-                <a:sym typeface="Courier New"/>
-              </a:rPr>
-              <a:t>()</a:t>
-            </a:r>
-          </a:p>
-          <a:p>
-            <a:pPr marL="0" marR="0" lvl="0" indent="0" algn="l" rtl="0">
-              <a:lnSpc>
-                <a:spcPct val="100000"/>
-              </a:lnSpc>
-              <a:spcBef>
-                <a:spcPts val="0"/>
-              </a:spcBef>
-              <a:spcAft>
-                <a:spcPts val="0"/>
-              </a:spcAft>
-              <a:buClr>
-                <a:srgbClr val="00FF00"/>
-              </a:buClr>
-              <a:buSzPct val="25000"/>
-              <a:buFont typeface="Cabin"/>
-              <a:buNone/>
-            </a:pPr>
-            <a:r>
-              <a:rPr lang="en-US" sz="3000" b="0" i="0" u="none" strike="noStrike" cap="none" dirty="0">
-                <a:solidFill>
-                  <a:srgbClr val="00FF00"/>
-                </a:solidFill>
-                <a:latin typeface="Courier New"/>
-                <a:ea typeface="Courier New"/>
-                <a:cs typeface="Courier New"/>
-                <a:sym typeface="Courier New"/>
-              </a:rPr>
-              <a:t>counts = </a:t>
-            </a:r>
-            <a:r>
-              <a:rPr lang="en-US" sz="3000" b="0" i="0" u="none" strike="noStrike" cap="none" dirty="0" err="1">
-                <a:solidFill>
-                  <a:srgbClr val="00FF00"/>
-                </a:solidFill>
-                <a:latin typeface="Courier New"/>
-                <a:ea typeface="Courier New"/>
-                <a:cs typeface="Courier New"/>
-                <a:sym typeface="Courier New"/>
-              </a:rPr>
-              <a:t>dict</a:t>
-            </a:r>
-            <a:r>
-              <a:rPr lang="en-US" sz="3000" b="0" i="0" u="none" strike="noStrike" cap="none" dirty="0">
-                <a:solidFill>
-                  <a:srgbClr val="00FF00"/>
-                </a:solidFill>
-                <a:latin typeface="Courier New"/>
-                <a:ea typeface="Courier New"/>
-                <a:cs typeface="Courier New"/>
-                <a:sym typeface="Courier New"/>
-              </a:rPr>
-              <a:t>()</a:t>
-            </a:r>
-          </a:p>
-          <a:p>
-            <a:pPr marL="0" marR="0" lvl="0" indent="0" algn="l" rtl="0">
-              <a:lnSpc>
-                <a:spcPct val="100000"/>
-              </a:lnSpc>
-              <a:spcBef>
-                <a:spcPts val="0"/>
-              </a:spcBef>
-              <a:spcAft>
-                <a:spcPts val="0"/>
-              </a:spcAft>
-              <a:buClr>
-                <a:srgbClr val="00FF00"/>
-              </a:buClr>
-              <a:buSzPct val="25000"/>
-              <a:buFont typeface="Cabin"/>
-              <a:buNone/>
-            </a:pPr>
-            <a:r>
-              <a:rPr lang="en-US" sz="3000" b="0" i="0" u="none" strike="noStrike" cap="none" dirty="0">
-                <a:solidFill>
-                  <a:srgbClr val="00FF00"/>
-                </a:solidFill>
-                <a:latin typeface="Courier New"/>
-                <a:ea typeface="Courier New"/>
-                <a:cs typeface="Courier New"/>
-                <a:sym typeface="Courier New"/>
-              </a:rPr>
-              <a:t>for word in words:</a:t>
-            </a:r>
-          </a:p>
-          <a:p>
-            <a:pPr marL="0" marR="0" lvl="0" indent="0" algn="l" rtl="0">
-              <a:lnSpc>
-                <a:spcPct val="100000"/>
-              </a:lnSpc>
-              <a:spcBef>
-                <a:spcPts val="0"/>
-              </a:spcBef>
-              <a:spcAft>
-                <a:spcPts val="0"/>
-              </a:spcAft>
-              <a:buClr>
-                <a:srgbClr val="00FF00"/>
-              </a:buClr>
-              <a:buSzPct val="25000"/>
-              <a:buFont typeface="Cabin"/>
-              <a:buNone/>
-            </a:pPr>
-            <a:r>
-              <a:rPr lang="en-US" sz="3000" b="0" i="0" u="none" strike="noStrike" cap="none" dirty="0">
-                <a:solidFill>
-                  <a:srgbClr val="00FF00"/>
-                </a:solidFill>
-                <a:latin typeface="Courier New"/>
-                <a:ea typeface="Courier New"/>
-                <a:cs typeface="Courier New"/>
-                <a:sym typeface="Courier New"/>
-              </a:rPr>
-              <a:t>   </a:t>
-            </a:r>
-            <a:r>
-              <a:rPr lang="en-US" sz="3000" b="0" i="0" u="none" strike="noStrike" cap="none" dirty="0">
-                <a:solidFill>
-                  <a:srgbClr val="FFFF00"/>
-                </a:solidFill>
-                <a:latin typeface="Courier New"/>
-                <a:ea typeface="Courier New"/>
-                <a:cs typeface="Courier New"/>
-                <a:sym typeface="Courier New"/>
-              </a:rPr>
-              <a:t>counts[word] = </a:t>
-            </a:r>
-            <a:r>
-              <a:rPr lang="en-US" sz="3000" b="0" i="0" u="none" strike="noStrike" cap="none" dirty="0" err="1">
-                <a:solidFill>
-                  <a:srgbClr val="FFFF00"/>
-                </a:solidFill>
-                <a:latin typeface="Courier New"/>
-                <a:ea typeface="Courier New"/>
-                <a:cs typeface="Courier New"/>
-                <a:sym typeface="Courier New"/>
-              </a:rPr>
-              <a:t>counts.get</a:t>
-            </a:r>
-            <a:r>
-              <a:rPr lang="en-US" sz="3000" b="0" i="0" u="none" strike="noStrike" cap="none" dirty="0">
-                <a:solidFill>
-                  <a:srgbClr val="FFFF00"/>
-                </a:solidFill>
-                <a:latin typeface="Courier New"/>
-                <a:ea typeface="Courier New"/>
-                <a:cs typeface="Courier New"/>
-                <a:sym typeface="Courier New"/>
-              </a:rPr>
-              <a:t>(word,0) + 1</a:t>
-            </a:r>
-          </a:p>
-          <a:p>
-            <a:pPr marL="0" marR="0" lvl="0" indent="0" algn="l" rtl="0">
-              <a:lnSpc>
-                <a:spcPct val="100000"/>
-              </a:lnSpc>
-              <a:spcBef>
-                <a:spcPts val="0"/>
-              </a:spcBef>
-              <a:spcAft>
-                <a:spcPts val="0"/>
-              </a:spcAft>
-              <a:buClr>
-                <a:srgbClr val="00FF00"/>
-              </a:buClr>
-              <a:buFont typeface="Cabin"/>
-              <a:buNone/>
-            </a:pPr>
-            <a:endParaRPr sz="3000" dirty="0">
-              <a:solidFill>
-                <a:srgbClr val="FFFF00"/>
-              </a:solidFill>
-              <a:latin typeface="Courier New"/>
-              <a:ea typeface="Courier New"/>
-              <a:cs typeface="Courier New"/>
-              <a:sym typeface="Courier New"/>
-            </a:endParaRPr>
-          </a:p>
-          <a:p>
-            <a:pPr marL="0" marR="0" lvl="0" indent="0" algn="l" rtl="0">
-              <a:lnSpc>
-                <a:spcPct val="100000"/>
-              </a:lnSpc>
-              <a:spcBef>
-                <a:spcPts val="0"/>
-              </a:spcBef>
-              <a:spcAft>
-                <a:spcPts val="0"/>
-              </a:spcAft>
-              <a:buClr>
-                <a:srgbClr val="00FF00"/>
-              </a:buClr>
-              <a:buSzPct val="25000"/>
-              <a:buFont typeface="Cabin"/>
-              <a:buNone/>
-            </a:pPr>
-            <a:r>
-              <a:rPr lang="en-US" sz="3000" b="0" i="0" u="none" strike="noStrike" cap="none" dirty="0" err="1">
-                <a:solidFill>
-                  <a:srgbClr val="00FF00"/>
-                </a:solidFill>
-                <a:latin typeface="Courier New"/>
-                <a:ea typeface="Courier New"/>
-                <a:cs typeface="Courier New"/>
-                <a:sym typeface="Courier New"/>
-              </a:rPr>
-              <a:t>bigcount</a:t>
-            </a:r>
-            <a:r>
-              <a:rPr lang="en-US" sz="3000" b="0" i="0" u="none" strike="noStrike" cap="none" dirty="0">
-                <a:solidFill>
-                  <a:srgbClr val="00FF00"/>
-                </a:solidFill>
-                <a:latin typeface="Courier New"/>
-                <a:ea typeface="Courier New"/>
-                <a:cs typeface="Courier New"/>
-                <a:sym typeface="Courier New"/>
-              </a:rPr>
-              <a:t> = None</a:t>
-            </a:r>
-          </a:p>
-          <a:p>
-            <a:pPr marL="0" marR="0" lvl="0" indent="0" algn="l" rtl="0">
-              <a:lnSpc>
-                <a:spcPct val="100000"/>
-              </a:lnSpc>
-              <a:spcBef>
-                <a:spcPts val="0"/>
-              </a:spcBef>
-              <a:spcAft>
-                <a:spcPts val="0"/>
-              </a:spcAft>
-              <a:buClr>
-                <a:srgbClr val="00FF00"/>
-              </a:buClr>
-              <a:buSzPct val="25000"/>
-              <a:buFont typeface="Cabin"/>
-              <a:buNone/>
-            </a:pPr>
-            <a:r>
-              <a:rPr lang="en-US" sz="3000" b="0" i="0" u="none" strike="noStrike" cap="none" dirty="0" err="1">
-                <a:solidFill>
-                  <a:srgbClr val="00FF00"/>
-                </a:solidFill>
-                <a:latin typeface="Courier New"/>
-                <a:ea typeface="Courier New"/>
-                <a:cs typeface="Courier New"/>
-                <a:sym typeface="Courier New"/>
-              </a:rPr>
-              <a:t>bigword</a:t>
-            </a:r>
-            <a:r>
-              <a:rPr lang="en-US" sz="3000" b="0" i="0" u="none" strike="noStrike" cap="none" dirty="0">
-                <a:solidFill>
-                  <a:srgbClr val="00FF00"/>
-                </a:solidFill>
-                <a:latin typeface="Courier New"/>
-                <a:ea typeface="Courier New"/>
-                <a:cs typeface="Courier New"/>
-                <a:sym typeface="Courier New"/>
-              </a:rPr>
-              <a:t> = None</a:t>
-            </a:r>
-          </a:p>
-          <a:p>
-            <a:pPr marL="0" marR="0" lvl="0" indent="0" algn="l" rtl="0">
-              <a:lnSpc>
-                <a:spcPct val="100000"/>
-              </a:lnSpc>
-              <a:spcBef>
-                <a:spcPts val="0"/>
-              </a:spcBef>
-              <a:spcAft>
-                <a:spcPts val="0"/>
-              </a:spcAft>
-              <a:buClr>
-                <a:srgbClr val="00FF00"/>
-              </a:buClr>
-              <a:buSzPct val="25000"/>
-              <a:buFont typeface="Cabin"/>
-              <a:buNone/>
-            </a:pPr>
-            <a:r>
-              <a:rPr lang="en-US" sz="3000" b="0" i="0" u="none" strike="noStrike" cap="none" dirty="0">
-                <a:solidFill>
-                  <a:srgbClr val="00FF00"/>
-                </a:solidFill>
-                <a:latin typeface="Courier New"/>
-                <a:ea typeface="Courier New"/>
-                <a:cs typeface="Courier New"/>
-                <a:sym typeface="Courier New"/>
-              </a:rPr>
-              <a:t>for </a:t>
-            </a:r>
-            <a:r>
-              <a:rPr lang="en-US" sz="3000" b="0" i="0" u="none" strike="noStrike" cap="none" dirty="0" err="1">
-                <a:solidFill>
-                  <a:srgbClr val="00FF00"/>
-                </a:solidFill>
-                <a:latin typeface="Courier New"/>
-                <a:ea typeface="Courier New"/>
-                <a:cs typeface="Courier New"/>
-                <a:sym typeface="Courier New"/>
-              </a:rPr>
-              <a:t>word,count</a:t>
-            </a:r>
-            <a:r>
-              <a:rPr lang="en-US" sz="3000" b="0" i="0" u="none" strike="noStrike" cap="none" dirty="0">
-                <a:solidFill>
-                  <a:srgbClr val="00FF00"/>
-                </a:solidFill>
-                <a:latin typeface="Courier New"/>
-                <a:ea typeface="Courier New"/>
-                <a:cs typeface="Courier New"/>
-                <a:sym typeface="Courier New"/>
-              </a:rPr>
-              <a:t> in </a:t>
-            </a:r>
-            <a:r>
-              <a:rPr lang="en-US" sz="3000" b="0" i="0" u="none" strike="noStrike" cap="none" dirty="0" err="1">
-                <a:solidFill>
-                  <a:srgbClr val="00FF00"/>
-                </a:solidFill>
-                <a:latin typeface="Courier New"/>
-                <a:ea typeface="Courier New"/>
-                <a:cs typeface="Courier New"/>
-                <a:sym typeface="Courier New"/>
-              </a:rPr>
-              <a:t>counts.items</a:t>
-            </a:r>
-            <a:r>
-              <a:rPr lang="en-US" sz="3000" b="0" i="0" u="none" strike="noStrike" cap="none" dirty="0">
-                <a:solidFill>
-                  <a:srgbClr val="00FF00"/>
-                </a:solidFill>
-                <a:latin typeface="Courier New"/>
-                <a:ea typeface="Courier New"/>
-                <a:cs typeface="Courier New"/>
-                <a:sym typeface="Courier New"/>
-              </a:rPr>
-              <a:t>():</a:t>
-            </a:r>
-          </a:p>
-          <a:p>
-            <a:pPr marL="0" marR="0" lvl="0" indent="0" algn="l" rtl="0">
-              <a:lnSpc>
-                <a:spcPct val="100000"/>
-              </a:lnSpc>
-              <a:spcBef>
-                <a:spcPts val="0"/>
-              </a:spcBef>
-              <a:spcAft>
-                <a:spcPts val="0"/>
-              </a:spcAft>
-              <a:buClr>
-                <a:srgbClr val="00FF00"/>
-              </a:buClr>
-              <a:buSzPct val="25000"/>
-              <a:buFont typeface="Cabin"/>
-              <a:buNone/>
-            </a:pPr>
-            <a:r>
-              <a:rPr lang="en-US" sz="3000" b="0" i="0" u="none" strike="noStrike" cap="none" dirty="0">
-                <a:solidFill>
-                  <a:srgbClr val="FF00FF"/>
-                </a:solidFill>
-                <a:latin typeface="Courier New"/>
-                <a:ea typeface="Courier New"/>
-                <a:cs typeface="Courier New"/>
-                <a:sym typeface="Courier New"/>
-              </a:rPr>
-              <a:t>    </a:t>
-            </a:r>
-            <a:r>
-              <a:rPr lang="en-US" sz="3000" b="0" i="0" u="none" strike="noStrike" cap="none" dirty="0">
-                <a:solidFill>
-                  <a:srgbClr val="FF9900"/>
-                </a:solidFill>
-                <a:latin typeface="Courier New"/>
-                <a:ea typeface="Courier New"/>
-                <a:cs typeface="Courier New"/>
-                <a:sym typeface="Courier New"/>
-              </a:rPr>
-              <a:t>if </a:t>
-            </a:r>
-            <a:r>
-              <a:rPr lang="en-US" sz="3000" b="0" i="0" u="none" strike="noStrike" cap="none" dirty="0" err="1">
-                <a:solidFill>
-                  <a:srgbClr val="FF9900"/>
-                </a:solidFill>
-                <a:latin typeface="Courier New"/>
-                <a:ea typeface="Courier New"/>
-                <a:cs typeface="Courier New"/>
-                <a:sym typeface="Courier New"/>
-              </a:rPr>
-              <a:t>bigcount</a:t>
-            </a:r>
-            <a:r>
-              <a:rPr lang="en-US" sz="3000" b="0" i="0" u="none" strike="noStrike" cap="none" dirty="0">
-                <a:solidFill>
-                  <a:srgbClr val="FF9900"/>
-                </a:solidFill>
-                <a:latin typeface="Courier New"/>
-                <a:ea typeface="Courier New"/>
-                <a:cs typeface="Courier New"/>
-                <a:sym typeface="Courier New"/>
-              </a:rPr>
-              <a:t> is None or count &gt; </a:t>
-            </a:r>
-            <a:r>
-              <a:rPr lang="en-US" sz="3000" b="0" i="0" u="none" strike="noStrike" cap="none" dirty="0" err="1">
-                <a:solidFill>
-                  <a:srgbClr val="FF9900"/>
-                </a:solidFill>
-                <a:latin typeface="Courier New"/>
-                <a:ea typeface="Courier New"/>
-                <a:cs typeface="Courier New"/>
-                <a:sym typeface="Courier New"/>
-              </a:rPr>
-              <a:t>bigcount</a:t>
-            </a:r>
-            <a:r>
-              <a:rPr lang="en-US" sz="3000" b="0" i="0" u="none" strike="noStrike" cap="none" dirty="0">
-                <a:solidFill>
-                  <a:srgbClr val="FF9900"/>
-                </a:solidFill>
-                <a:latin typeface="Courier New"/>
-                <a:ea typeface="Courier New"/>
-                <a:cs typeface="Courier New"/>
-                <a:sym typeface="Courier New"/>
-              </a:rPr>
-              <a:t>:</a:t>
-            </a:r>
-          </a:p>
-          <a:p>
-            <a:pPr marL="0" marR="0" lvl="0" indent="0" algn="l" rtl="0">
-              <a:lnSpc>
-                <a:spcPct val="100000"/>
-              </a:lnSpc>
-              <a:spcBef>
-                <a:spcPts val="0"/>
-              </a:spcBef>
-              <a:spcAft>
-                <a:spcPts val="0"/>
-              </a:spcAft>
-              <a:buClr>
-                <a:srgbClr val="00FF00"/>
-              </a:buClr>
-              <a:buSzPct val="25000"/>
-              <a:buFont typeface="Cabin"/>
-              <a:buNone/>
-            </a:pPr>
-            <a:r>
-              <a:rPr lang="en-US" sz="3000" b="0" i="0" u="none" strike="noStrike" cap="none" dirty="0">
-                <a:solidFill>
-                  <a:srgbClr val="FF9900"/>
-                </a:solidFill>
-                <a:latin typeface="Courier New"/>
-                <a:ea typeface="Courier New"/>
-                <a:cs typeface="Courier New"/>
-                <a:sym typeface="Courier New"/>
-              </a:rPr>
-              <a:t>        </a:t>
-            </a:r>
-            <a:r>
-              <a:rPr lang="en-US" sz="3000" b="0" i="0" u="none" strike="noStrike" cap="none" dirty="0" err="1">
-                <a:solidFill>
-                  <a:srgbClr val="FF9900"/>
-                </a:solidFill>
-                <a:latin typeface="Courier New"/>
-                <a:ea typeface="Courier New"/>
-                <a:cs typeface="Courier New"/>
-                <a:sym typeface="Courier New"/>
-              </a:rPr>
-              <a:t>bigword</a:t>
-            </a:r>
-            <a:r>
-              <a:rPr lang="en-US" sz="3000" b="0" i="0" u="none" strike="noStrike" cap="none" dirty="0">
-                <a:solidFill>
-                  <a:srgbClr val="FF9900"/>
-                </a:solidFill>
-                <a:latin typeface="Courier New"/>
-                <a:ea typeface="Courier New"/>
-                <a:cs typeface="Courier New"/>
-                <a:sym typeface="Courier New"/>
-              </a:rPr>
-              <a:t> = word</a:t>
-            </a:r>
-          </a:p>
-          <a:p>
-            <a:pPr marL="0" marR="0" lvl="0" indent="0" algn="l" rtl="0">
-              <a:lnSpc>
-                <a:spcPct val="100000"/>
-              </a:lnSpc>
-              <a:spcBef>
-                <a:spcPts val="0"/>
-              </a:spcBef>
-              <a:spcAft>
-                <a:spcPts val="0"/>
-              </a:spcAft>
-              <a:buClr>
-                <a:srgbClr val="00FF00"/>
-              </a:buClr>
-              <a:buSzPct val="25000"/>
-              <a:buFont typeface="Cabin"/>
-              <a:buNone/>
-            </a:pPr>
-            <a:r>
-              <a:rPr lang="en-US" sz="3000" b="0" i="0" u="none" strike="noStrike" cap="none" dirty="0">
-                <a:solidFill>
-                  <a:srgbClr val="FF9900"/>
-                </a:solidFill>
-                <a:latin typeface="Courier New"/>
-                <a:ea typeface="Courier New"/>
-                <a:cs typeface="Courier New"/>
-                <a:sym typeface="Courier New"/>
-              </a:rPr>
-              <a:t>        </a:t>
-            </a:r>
-            <a:r>
-              <a:rPr lang="en-US" sz="3000" b="0" i="0" u="none" strike="noStrike" cap="none" dirty="0" err="1">
-                <a:solidFill>
-                  <a:srgbClr val="FF9900"/>
-                </a:solidFill>
-                <a:latin typeface="Courier New"/>
-                <a:ea typeface="Courier New"/>
-                <a:cs typeface="Courier New"/>
-                <a:sym typeface="Courier New"/>
-              </a:rPr>
-              <a:t>bigcount</a:t>
-            </a:r>
-            <a:r>
-              <a:rPr lang="en-US" sz="3000" b="0" i="0" u="none" strike="noStrike" cap="none" dirty="0">
-                <a:solidFill>
-                  <a:srgbClr val="FF9900"/>
-                </a:solidFill>
-                <a:latin typeface="Courier New"/>
-                <a:ea typeface="Courier New"/>
-                <a:cs typeface="Courier New"/>
-                <a:sym typeface="Courier New"/>
-              </a:rPr>
-              <a:t> = count</a:t>
-            </a:r>
-          </a:p>
-          <a:p>
-            <a:pPr marL="0" marR="0" lvl="0" indent="0" algn="l" rtl="0">
-              <a:lnSpc>
-                <a:spcPct val="100000"/>
-              </a:lnSpc>
-              <a:spcBef>
-                <a:spcPts val="0"/>
-              </a:spcBef>
-              <a:spcAft>
-                <a:spcPts val="0"/>
-              </a:spcAft>
-              <a:buClr>
-                <a:srgbClr val="00FF00"/>
-              </a:buClr>
-              <a:buFont typeface="Cabin"/>
-              <a:buNone/>
-            </a:pPr>
-            <a:endParaRPr sz="3000" dirty="0">
-              <a:solidFill>
-                <a:srgbClr val="00FF00"/>
-              </a:solidFill>
-              <a:latin typeface="Courier New"/>
-              <a:ea typeface="Courier New"/>
-              <a:cs typeface="Courier New"/>
-              <a:sym typeface="Courier New"/>
-            </a:endParaRPr>
-          </a:p>
-          <a:p>
-            <a:pPr marL="0" marR="0" lvl="0" indent="0" algn="l" rtl="0">
-              <a:lnSpc>
-                <a:spcPct val="100000"/>
-              </a:lnSpc>
-              <a:spcBef>
-                <a:spcPts val="0"/>
-              </a:spcBef>
-              <a:spcAft>
-                <a:spcPts val="0"/>
-              </a:spcAft>
-              <a:buClr>
-                <a:srgbClr val="00FF00"/>
-              </a:buClr>
-              <a:buSzPct val="25000"/>
-              <a:buFont typeface="Cabin"/>
-              <a:buNone/>
-            </a:pPr>
-            <a:r>
-              <a:rPr lang="en-US" sz="3000" b="0" i="0" u="none" strike="noStrike" cap="none" dirty="0">
-                <a:solidFill>
-                  <a:srgbClr val="00FF00"/>
-                </a:solidFill>
-                <a:latin typeface="Courier New"/>
-                <a:ea typeface="Courier New"/>
-                <a:cs typeface="Courier New"/>
-                <a:sym typeface="Courier New"/>
-              </a:rPr>
-              <a:t>print </a:t>
-            </a:r>
-            <a:r>
-              <a:rPr lang="en-US" sz="3000" dirty="0">
-                <a:solidFill>
-                  <a:srgbClr val="00FF00"/>
-                </a:solidFill>
-                <a:latin typeface="Courier New"/>
-                <a:ea typeface="Courier New"/>
-                <a:cs typeface="Courier New"/>
-                <a:sym typeface="Courier New"/>
-              </a:rPr>
-              <a:t>(</a:t>
-            </a:r>
-            <a:r>
-              <a:rPr lang="en-US" sz="3000" b="0" i="0" u="none" strike="noStrike" cap="none" dirty="0" err="1" smtClean="0">
-                <a:solidFill>
-                  <a:srgbClr val="00FF00"/>
-                </a:solidFill>
-                <a:latin typeface="Courier New"/>
-                <a:ea typeface="Courier New"/>
-                <a:cs typeface="Courier New"/>
-                <a:sym typeface="Courier New"/>
-              </a:rPr>
-              <a:t>bigword</a:t>
-            </a:r>
-            <a:r>
-              <a:rPr lang="en-US" sz="3000" b="0" i="0" u="none" strike="noStrike" cap="none" dirty="0">
-                <a:solidFill>
-                  <a:srgbClr val="00FF00"/>
-                </a:solidFill>
-                <a:latin typeface="Courier New"/>
-                <a:ea typeface="Courier New"/>
-                <a:cs typeface="Courier New"/>
-                <a:sym typeface="Courier New"/>
-              </a:rPr>
-              <a:t>, </a:t>
-            </a:r>
-            <a:r>
-              <a:rPr lang="en-US" sz="3000" b="0" i="0" u="none" strike="noStrike" cap="none" dirty="0" err="1" smtClean="0">
-                <a:solidFill>
-                  <a:srgbClr val="00FF00"/>
-                </a:solidFill>
-                <a:latin typeface="Courier New"/>
-                <a:ea typeface="Courier New"/>
-                <a:cs typeface="Courier New"/>
-                <a:sym typeface="Courier New"/>
-              </a:rPr>
-              <a:t>bigcount</a:t>
-            </a:r>
-            <a:r>
-              <a:rPr lang="en-US" sz="3000" b="0" i="0" u="none" strike="noStrike" cap="none" smtClean="0">
-                <a:solidFill>
-                  <a:srgbClr val="00FF00"/>
-                </a:solidFill>
-                <a:latin typeface="Courier New"/>
-                <a:ea typeface="Courier New"/>
-                <a:cs typeface="Courier New"/>
-                <a:sym typeface="Courier New"/>
-              </a:rPr>
-              <a:t>)</a:t>
-            </a:r>
-            <a:endParaRPr lang="en-US" sz="3000" b="0" i="0" u="none" strike="noStrike" cap="none" dirty="0">
-              <a:solidFill>
-                <a:srgbClr val="00FF00"/>
-              </a:solidFill>
-              <a:latin typeface="Courier New"/>
-              <a:ea typeface="Courier New"/>
-              <a:cs typeface="Courier New"/>
-              <a:sym typeface="Courier New"/>
-            </a:endParaRPr>
-          </a:p>
-        </p:txBody>
-      </p:sp>
-      <p:sp>
-        <p:nvSpPr>
           <p:cNvPr id="632" name="Shape 632"/>
           <p:cNvSpPr txBox="1"/>
           <p:nvPr/>
@@ -30481,39 +29631,903 @@
       </p:cxnSp>
       <p:sp>
         <p:nvSpPr>
-          <p:cNvPr id="2" name="Title 1"/>
-          <p:cNvSpPr>
-            <a:spLocks noGrp="1"/>
-          </p:cNvSpPr>
-          <p:nvPr>
-            <p:ph type="title"/>
-          </p:nvPr>
+          <p:cNvPr id="9" name="Shape 625"/>
+          <p:cNvSpPr txBox="1"/>
+          <p:nvPr/>
         </p:nvSpPr>
-        <p:spPr/>
+        <p:spPr>
+          <a:xfrm>
+            <a:off x="998325" y="778213"/>
+            <a:ext cx="10035299" cy="7548664"/>
+          </a:xfrm>
+          <a:prstGeom prst="rect">
+            <a:avLst/>
+          </a:prstGeom>
+          <a:noFill/>
+          <a:ln>
+            <a:noFill/>
+          </a:ln>
+        </p:spPr>
         <p:txBody>
-          <a:bodyPr/>
+          <a:bodyPr lIns="0" tIns="0" rIns="0" bIns="0" anchor="ctr" anchorCtr="0">
+            <a:noAutofit/>
+          </a:bodyPr>
           <a:lstStyle/>
           <a:p>
-            <a:endParaRPr lang="en-US"/>
-          </a:p>
-        </p:txBody>
-      </p:sp>
-      <p:sp>
-        <p:nvSpPr>
-          <p:cNvPr id="3" name="Text Placeholder 2"/>
-          <p:cNvSpPr>
-            <a:spLocks noGrp="1"/>
-          </p:cNvSpPr>
-          <p:nvPr>
-            <p:ph type="body" idx="1"/>
-          </p:nvPr>
-        </p:nvSpPr>
-        <p:spPr/>
-        <p:txBody>
-          <a:bodyPr/>
-          <a:lstStyle/>
-          <a:p>
-            <a:endParaRPr lang="en-US"/>
+            <a:pPr marL="0" marR="0" lvl="0" indent="0" algn="l" rtl="0">
+              <a:lnSpc>
+                <a:spcPct val="100000"/>
+              </a:lnSpc>
+              <a:spcBef>
+                <a:spcPts val="0"/>
+              </a:spcBef>
+              <a:spcAft>
+                <a:spcPts val="0"/>
+              </a:spcAft>
+              <a:buClr>
+                <a:srgbClr val="00FF00"/>
+              </a:buClr>
+              <a:buSzPct val="25000"/>
+              <a:buFont typeface="Cabin"/>
+              <a:buNone/>
+            </a:pPr>
+            <a:r>
+              <a:rPr lang="en-US" sz="2800" b="1" i="0" u="none" strike="noStrike" cap="none" dirty="0">
+                <a:solidFill>
+                  <a:srgbClr val="FFFF00"/>
+                </a:solidFill>
+                <a:latin typeface="Courier New"/>
+                <a:ea typeface="Courier New"/>
+                <a:cs typeface="Courier New"/>
+                <a:sym typeface="Courier New"/>
+              </a:rPr>
+              <a:t>name = </a:t>
+            </a:r>
+            <a:r>
+              <a:rPr lang="en-US" sz="2800" b="1" i="0" u="none" strike="noStrike" cap="none" dirty="0" smtClean="0">
+                <a:solidFill>
+                  <a:schemeClr val="bg1"/>
+                </a:solidFill>
+                <a:latin typeface="Courier New"/>
+                <a:ea typeface="Courier New"/>
+                <a:cs typeface="Courier New"/>
+                <a:sym typeface="Courier New"/>
+              </a:rPr>
+              <a:t>input</a:t>
+            </a:r>
+            <a:r>
+              <a:rPr lang="en-US" sz="2800" b="1" i="0" u="none" strike="noStrike" cap="none" dirty="0">
+                <a:solidFill>
+                  <a:srgbClr val="FFFF00"/>
+                </a:solidFill>
+                <a:latin typeface="Courier New"/>
+                <a:ea typeface="Courier New"/>
+                <a:cs typeface="Courier New"/>
+                <a:sym typeface="Courier New"/>
+              </a:rPr>
+              <a:t>('Enter file:')</a:t>
+            </a:r>
+          </a:p>
+          <a:p>
+            <a:pPr marL="0" marR="0" lvl="0" indent="0" algn="l" rtl="0">
+              <a:lnSpc>
+                <a:spcPct val="100000"/>
+              </a:lnSpc>
+              <a:spcBef>
+                <a:spcPts val="0"/>
+              </a:spcBef>
+              <a:spcAft>
+                <a:spcPts val="0"/>
+              </a:spcAft>
+              <a:buClr>
+                <a:srgbClr val="00FF00"/>
+              </a:buClr>
+              <a:buSzPct val="25000"/>
+              <a:buFont typeface="Cabin"/>
+              <a:buNone/>
+            </a:pPr>
+            <a:r>
+              <a:rPr lang="en-US" sz="2800" b="1" i="0" u="none" strike="noStrike" cap="none" dirty="0">
+                <a:solidFill>
+                  <a:srgbClr val="FFFF00"/>
+                </a:solidFill>
+                <a:latin typeface="Courier New"/>
+                <a:ea typeface="Courier New"/>
+                <a:cs typeface="Courier New"/>
+                <a:sym typeface="Courier New"/>
+              </a:rPr>
+              <a:t>handle = open(name, 'r')</a:t>
+            </a:r>
+          </a:p>
+          <a:p>
+            <a:pPr marL="0" marR="0" lvl="0" indent="0" algn="l" rtl="0">
+              <a:lnSpc>
+                <a:spcPct val="100000"/>
+              </a:lnSpc>
+              <a:spcBef>
+                <a:spcPts val="0"/>
+              </a:spcBef>
+              <a:spcAft>
+                <a:spcPts val="0"/>
+              </a:spcAft>
+              <a:buClr>
+                <a:srgbClr val="00FF00"/>
+              </a:buClr>
+              <a:buSzPct val="25000"/>
+              <a:buFont typeface="Cabin"/>
+              <a:buNone/>
+            </a:pPr>
+            <a:r>
+              <a:rPr lang="en-US" sz="2800" b="1" i="0" u="none" strike="noStrike" cap="none" dirty="0">
+                <a:solidFill>
+                  <a:srgbClr val="FFFF00"/>
+                </a:solidFill>
+                <a:latin typeface="Courier New"/>
+                <a:ea typeface="Courier New"/>
+                <a:cs typeface="Courier New"/>
+                <a:sym typeface="Courier New"/>
+              </a:rPr>
+              <a:t>text = </a:t>
+            </a:r>
+            <a:r>
+              <a:rPr lang="en-US" sz="2800" b="1" i="0" u="none" strike="noStrike" cap="none" dirty="0" err="1">
+                <a:solidFill>
+                  <a:srgbClr val="FFFF00"/>
+                </a:solidFill>
+                <a:latin typeface="Courier New"/>
+                <a:ea typeface="Courier New"/>
+                <a:cs typeface="Courier New"/>
+                <a:sym typeface="Courier New"/>
+              </a:rPr>
+              <a:t>handle.read</a:t>
+            </a:r>
+            <a:r>
+              <a:rPr lang="en-US" sz="2800" b="1" i="0" u="none" strike="noStrike" cap="none" dirty="0">
+                <a:solidFill>
+                  <a:srgbClr val="FFFF00"/>
+                </a:solidFill>
+                <a:latin typeface="Courier New"/>
+                <a:ea typeface="Courier New"/>
+                <a:cs typeface="Courier New"/>
+                <a:sym typeface="Courier New"/>
+              </a:rPr>
+              <a:t>()</a:t>
+            </a:r>
+          </a:p>
+          <a:p>
+            <a:pPr marL="0" marR="0" lvl="0" indent="0" algn="l" rtl="0">
+              <a:lnSpc>
+                <a:spcPct val="100000"/>
+              </a:lnSpc>
+              <a:spcBef>
+                <a:spcPts val="0"/>
+              </a:spcBef>
+              <a:spcAft>
+                <a:spcPts val="0"/>
+              </a:spcAft>
+              <a:buClr>
+                <a:srgbClr val="00FF00"/>
+              </a:buClr>
+              <a:buSzPct val="25000"/>
+              <a:buFont typeface="Cabin"/>
+              <a:buNone/>
+            </a:pPr>
+            <a:r>
+              <a:rPr lang="en-US" sz="2800" b="1" i="0" u="none" strike="noStrike" cap="none" dirty="0">
+                <a:solidFill>
+                  <a:srgbClr val="FFFF00"/>
+                </a:solidFill>
+                <a:latin typeface="Courier New"/>
+                <a:ea typeface="Courier New"/>
+                <a:cs typeface="Courier New"/>
+                <a:sym typeface="Courier New"/>
+              </a:rPr>
+              <a:t>words = </a:t>
+            </a:r>
+            <a:r>
+              <a:rPr lang="en-US" sz="2800" b="1" i="0" u="none" strike="noStrike" cap="none" dirty="0" err="1">
+                <a:solidFill>
+                  <a:srgbClr val="FFFF00"/>
+                </a:solidFill>
+                <a:latin typeface="Courier New"/>
+                <a:ea typeface="Courier New"/>
+                <a:cs typeface="Courier New"/>
+                <a:sym typeface="Courier New"/>
+              </a:rPr>
+              <a:t>text.split</a:t>
+            </a:r>
+            <a:r>
+              <a:rPr lang="en-US" sz="2800" b="1" i="0" u="none" strike="noStrike" cap="none" dirty="0">
+                <a:solidFill>
+                  <a:srgbClr val="FFFF00"/>
+                </a:solidFill>
+                <a:latin typeface="Courier New"/>
+                <a:ea typeface="Courier New"/>
+                <a:cs typeface="Courier New"/>
+                <a:sym typeface="Courier New"/>
+              </a:rPr>
+              <a:t>()</a:t>
+            </a:r>
+          </a:p>
+          <a:p>
+            <a:pPr marL="0" marR="0" lvl="0" indent="0" algn="ctr" rtl="0">
+              <a:lnSpc>
+                <a:spcPct val="100000"/>
+              </a:lnSpc>
+              <a:spcBef>
+                <a:spcPts val="0"/>
+              </a:spcBef>
+              <a:spcAft>
+                <a:spcPts val="0"/>
+              </a:spcAft>
+              <a:buNone/>
+            </a:pPr>
+            <a:endParaRPr sz="2800" b="1" i="0" u="none" strike="noStrike" cap="none" dirty="0">
+              <a:solidFill>
+                <a:srgbClr val="00FF00"/>
+              </a:solidFill>
+              <a:latin typeface="Courier New"/>
+              <a:ea typeface="Courier New"/>
+              <a:cs typeface="Courier New"/>
+              <a:sym typeface="Courier New"/>
+            </a:endParaRPr>
+          </a:p>
+          <a:p>
+            <a:pPr marL="0" marR="0" lvl="0" indent="0" algn="l" rtl="0">
+              <a:lnSpc>
+                <a:spcPct val="100000"/>
+              </a:lnSpc>
+              <a:spcBef>
+                <a:spcPts val="0"/>
+              </a:spcBef>
+              <a:spcAft>
+                <a:spcPts val="0"/>
+              </a:spcAft>
+              <a:buClr>
+                <a:srgbClr val="00FF00"/>
+              </a:buClr>
+              <a:buSzPct val="25000"/>
+              <a:buFont typeface="Cabin"/>
+              <a:buNone/>
+            </a:pPr>
+            <a:r>
+              <a:rPr lang="en-US" sz="2800" b="1" i="0" u="none" strike="noStrike" cap="none" dirty="0">
+                <a:solidFill>
+                  <a:srgbClr val="FFFF00"/>
+                </a:solidFill>
+                <a:latin typeface="Courier New"/>
+                <a:ea typeface="Courier New"/>
+                <a:cs typeface="Courier New"/>
+                <a:sym typeface="Courier New"/>
+              </a:rPr>
+              <a:t>counts = </a:t>
+            </a:r>
+            <a:r>
+              <a:rPr lang="en-US" sz="2800" b="1" i="0" u="none" strike="noStrike" cap="none" dirty="0" err="1">
+                <a:solidFill>
+                  <a:srgbClr val="FFFF00"/>
+                </a:solidFill>
+                <a:latin typeface="Courier New"/>
+                <a:ea typeface="Courier New"/>
+                <a:cs typeface="Courier New"/>
+                <a:sym typeface="Courier New"/>
+              </a:rPr>
+              <a:t>dict</a:t>
+            </a:r>
+            <a:r>
+              <a:rPr lang="en-US" sz="2800" b="1" i="0" u="none" strike="noStrike" cap="none" dirty="0">
+                <a:solidFill>
+                  <a:srgbClr val="FFFF00"/>
+                </a:solidFill>
+                <a:latin typeface="Courier New"/>
+                <a:ea typeface="Courier New"/>
+                <a:cs typeface="Courier New"/>
+                <a:sym typeface="Courier New"/>
+              </a:rPr>
+              <a:t>()</a:t>
+            </a:r>
+          </a:p>
+          <a:p>
+            <a:pPr marL="0" marR="0" lvl="0" indent="0" algn="l" rtl="0">
+              <a:lnSpc>
+                <a:spcPct val="100000"/>
+              </a:lnSpc>
+              <a:spcBef>
+                <a:spcPts val="0"/>
+              </a:spcBef>
+              <a:spcAft>
+                <a:spcPts val="0"/>
+              </a:spcAft>
+              <a:buClr>
+                <a:srgbClr val="00FF00"/>
+              </a:buClr>
+              <a:buSzPct val="25000"/>
+              <a:buFont typeface="Cabin"/>
+              <a:buNone/>
+            </a:pPr>
+            <a:r>
+              <a:rPr lang="en-US" sz="2800" b="1" i="0" u="none" strike="noStrike" cap="none" dirty="0">
+                <a:solidFill>
+                  <a:srgbClr val="00FF00"/>
+                </a:solidFill>
+                <a:latin typeface="Courier New"/>
+                <a:ea typeface="Courier New"/>
+                <a:cs typeface="Courier New"/>
+                <a:sym typeface="Courier New"/>
+              </a:rPr>
+              <a:t>for word in words:</a:t>
+            </a:r>
+          </a:p>
+          <a:p>
+            <a:pPr marL="0" marR="0" lvl="0" indent="0" algn="l" rtl="0">
+              <a:lnSpc>
+                <a:spcPct val="100000"/>
+              </a:lnSpc>
+              <a:spcBef>
+                <a:spcPts val="0"/>
+              </a:spcBef>
+              <a:spcAft>
+                <a:spcPts val="0"/>
+              </a:spcAft>
+              <a:buClr>
+                <a:srgbClr val="00FF00"/>
+              </a:buClr>
+              <a:buSzPct val="25000"/>
+              <a:buFont typeface="Cabin"/>
+              <a:buNone/>
+            </a:pPr>
+            <a:r>
+              <a:rPr lang="en-US" sz="2800" b="1" i="0" u="none" strike="noStrike" cap="none" dirty="0">
+                <a:solidFill>
+                  <a:srgbClr val="00FF00"/>
+                </a:solidFill>
+                <a:latin typeface="Courier New"/>
+                <a:ea typeface="Courier New"/>
+                <a:cs typeface="Courier New"/>
+                <a:sym typeface="Courier New"/>
+              </a:rPr>
+              <a:t>   counts[word] = </a:t>
+            </a:r>
+            <a:r>
+              <a:rPr lang="en-US" sz="2800" b="1" i="0" u="none" strike="noStrike" cap="none" dirty="0" err="1">
+                <a:solidFill>
+                  <a:srgbClr val="00FF00"/>
+                </a:solidFill>
+                <a:latin typeface="Courier New"/>
+                <a:ea typeface="Courier New"/>
+                <a:cs typeface="Courier New"/>
+                <a:sym typeface="Courier New"/>
+              </a:rPr>
+              <a:t>counts.get</a:t>
+            </a:r>
+            <a:r>
+              <a:rPr lang="en-US" sz="2800" b="1" i="0" u="none" strike="noStrike" cap="none" dirty="0">
+                <a:solidFill>
+                  <a:srgbClr val="00FF00"/>
+                </a:solidFill>
+                <a:latin typeface="Courier New"/>
+                <a:ea typeface="Courier New"/>
+                <a:cs typeface="Courier New"/>
+                <a:sym typeface="Courier New"/>
+              </a:rPr>
+              <a:t>(word,0) + 1</a:t>
+            </a:r>
+          </a:p>
+          <a:p>
+            <a:pPr marL="0" marR="0" lvl="0" indent="0" algn="l" rtl="0">
+              <a:lnSpc>
+                <a:spcPct val="100000"/>
+              </a:lnSpc>
+              <a:spcBef>
+                <a:spcPts val="0"/>
+              </a:spcBef>
+              <a:spcAft>
+                <a:spcPts val="0"/>
+              </a:spcAft>
+              <a:buClr>
+                <a:srgbClr val="00FF00"/>
+              </a:buClr>
+              <a:buSzPct val="25000"/>
+              <a:buFont typeface="Cabin"/>
+              <a:buNone/>
+            </a:pPr>
+            <a:r>
+              <a:rPr lang="en-US" sz="2800" b="1" i="0" u="none" strike="noStrike" cap="none" dirty="0" err="1">
+                <a:solidFill>
+                  <a:srgbClr val="FFFF00"/>
+                </a:solidFill>
+                <a:latin typeface="Courier New"/>
+                <a:ea typeface="Courier New"/>
+                <a:cs typeface="Courier New"/>
+                <a:sym typeface="Courier New"/>
+              </a:rPr>
+              <a:t>bigcount</a:t>
+            </a:r>
+            <a:r>
+              <a:rPr lang="en-US" sz="2800" b="1" i="0" u="none" strike="noStrike" cap="none" dirty="0">
+                <a:solidFill>
+                  <a:srgbClr val="FFFF00"/>
+                </a:solidFill>
+                <a:latin typeface="Courier New"/>
+                <a:ea typeface="Courier New"/>
+                <a:cs typeface="Courier New"/>
+                <a:sym typeface="Courier New"/>
+              </a:rPr>
+              <a:t> = None</a:t>
+            </a:r>
+          </a:p>
+          <a:p>
+            <a:pPr marL="0" marR="0" lvl="0" indent="0" algn="l" rtl="0">
+              <a:lnSpc>
+                <a:spcPct val="100000"/>
+              </a:lnSpc>
+              <a:spcBef>
+                <a:spcPts val="0"/>
+              </a:spcBef>
+              <a:spcAft>
+                <a:spcPts val="0"/>
+              </a:spcAft>
+              <a:buClr>
+                <a:srgbClr val="00FF00"/>
+              </a:buClr>
+              <a:buSzPct val="25000"/>
+              <a:buFont typeface="Cabin"/>
+              <a:buNone/>
+            </a:pPr>
+            <a:r>
+              <a:rPr lang="en-US" sz="2800" b="1" i="0" u="none" strike="noStrike" cap="none" dirty="0" err="1">
+                <a:solidFill>
+                  <a:srgbClr val="FFFF00"/>
+                </a:solidFill>
+                <a:latin typeface="Courier New"/>
+                <a:ea typeface="Courier New"/>
+                <a:cs typeface="Courier New"/>
+                <a:sym typeface="Courier New"/>
+              </a:rPr>
+              <a:t>bigword</a:t>
+            </a:r>
+            <a:r>
+              <a:rPr lang="en-US" sz="2800" b="1" i="0" u="none" strike="noStrike" cap="none" dirty="0">
+                <a:solidFill>
+                  <a:srgbClr val="FFFF00"/>
+                </a:solidFill>
+                <a:latin typeface="Courier New"/>
+                <a:ea typeface="Courier New"/>
+                <a:cs typeface="Courier New"/>
+                <a:sym typeface="Courier New"/>
+              </a:rPr>
+              <a:t> = None</a:t>
+            </a:r>
+          </a:p>
+          <a:p>
+            <a:pPr marL="0" marR="0" lvl="0" indent="0" algn="ctr" rtl="0">
+              <a:lnSpc>
+                <a:spcPct val="100000"/>
+              </a:lnSpc>
+              <a:spcBef>
+                <a:spcPts val="0"/>
+              </a:spcBef>
+              <a:spcAft>
+                <a:spcPts val="0"/>
+              </a:spcAft>
+              <a:buNone/>
+            </a:pPr>
+            <a:endParaRPr sz="2800" b="1" i="0" u="none" strike="noStrike" cap="none" dirty="0">
+              <a:solidFill>
+                <a:srgbClr val="00FF00"/>
+              </a:solidFill>
+              <a:latin typeface="Courier New"/>
+              <a:ea typeface="Courier New"/>
+              <a:cs typeface="Courier New"/>
+              <a:sym typeface="Courier New"/>
+            </a:endParaRPr>
+          </a:p>
+          <a:p>
+            <a:pPr marL="0" marR="0" lvl="0" indent="0" algn="l" rtl="0">
+              <a:lnSpc>
+                <a:spcPct val="100000"/>
+              </a:lnSpc>
+              <a:spcBef>
+                <a:spcPts val="0"/>
+              </a:spcBef>
+              <a:spcAft>
+                <a:spcPts val="0"/>
+              </a:spcAft>
+              <a:buClr>
+                <a:srgbClr val="00FF00"/>
+              </a:buClr>
+              <a:buSzPct val="25000"/>
+              <a:buFont typeface="Cabin"/>
+              <a:buNone/>
+            </a:pPr>
+            <a:r>
+              <a:rPr lang="en-US" sz="2800" b="1" i="0" u="none" strike="noStrike" cap="none" dirty="0">
+                <a:solidFill>
+                  <a:srgbClr val="00FF00"/>
+                </a:solidFill>
+                <a:latin typeface="Courier New"/>
+                <a:ea typeface="Courier New"/>
+                <a:cs typeface="Courier New"/>
+                <a:sym typeface="Courier New"/>
+              </a:rPr>
+              <a:t>for </a:t>
+            </a:r>
+            <a:r>
+              <a:rPr lang="en-US" sz="2800" b="1" i="0" u="none" strike="noStrike" cap="none" dirty="0" err="1">
+                <a:solidFill>
+                  <a:srgbClr val="00FF00"/>
+                </a:solidFill>
+                <a:latin typeface="Courier New"/>
+                <a:ea typeface="Courier New"/>
+                <a:cs typeface="Courier New"/>
+                <a:sym typeface="Courier New"/>
+              </a:rPr>
+              <a:t>word,count</a:t>
+            </a:r>
+            <a:r>
+              <a:rPr lang="en-US" sz="2800" b="1" i="0" u="none" strike="noStrike" cap="none" dirty="0">
+                <a:solidFill>
+                  <a:srgbClr val="00FF00"/>
+                </a:solidFill>
+                <a:latin typeface="Courier New"/>
+                <a:ea typeface="Courier New"/>
+                <a:cs typeface="Courier New"/>
+                <a:sym typeface="Courier New"/>
+              </a:rPr>
+              <a:t> in </a:t>
+            </a:r>
+            <a:r>
+              <a:rPr lang="en-US" sz="2800" b="1" i="0" u="none" strike="noStrike" cap="none" dirty="0" err="1">
+                <a:solidFill>
+                  <a:srgbClr val="00FF00"/>
+                </a:solidFill>
+                <a:latin typeface="Courier New"/>
+                <a:ea typeface="Courier New"/>
+                <a:cs typeface="Courier New"/>
+                <a:sym typeface="Courier New"/>
+              </a:rPr>
+              <a:t>counts.items</a:t>
+            </a:r>
+            <a:r>
+              <a:rPr lang="en-US" sz="2800" b="1" i="0" u="none" strike="noStrike" cap="none" dirty="0">
+                <a:solidFill>
+                  <a:srgbClr val="00FF00"/>
+                </a:solidFill>
+                <a:latin typeface="Courier New"/>
+                <a:ea typeface="Courier New"/>
+                <a:cs typeface="Courier New"/>
+                <a:sym typeface="Courier New"/>
+              </a:rPr>
+              <a:t>():</a:t>
+            </a:r>
+          </a:p>
+          <a:p>
+            <a:pPr marL="0" marR="0" lvl="0" indent="0" algn="l" rtl="0">
+              <a:lnSpc>
+                <a:spcPct val="100000"/>
+              </a:lnSpc>
+              <a:spcBef>
+                <a:spcPts val="0"/>
+              </a:spcBef>
+              <a:spcAft>
+                <a:spcPts val="0"/>
+              </a:spcAft>
+              <a:buClr>
+                <a:srgbClr val="00FF00"/>
+              </a:buClr>
+              <a:buSzPct val="25000"/>
+              <a:buFont typeface="Cabin"/>
+              <a:buNone/>
+            </a:pPr>
+            <a:r>
+              <a:rPr lang="en-US" sz="2800" b="1" i="0" u="none" strike="noStrike" cap="none" dirty="0">
+                <a:solidFill>
+                  <a:srgbClr val="FF00FF"/>
+                </a:solidFill>
+                <a:latin typeface="Courier New"/>
+                <a:ea typeface="Courier New"/>
+                <a:cs typeface="Courier New"/>
+                <a:sym typeface="Courier New"/>
+              </a:rPr>
+              <a:t>  </a:t>
+            </a:r>
+            <a:r>
+              <a:rPr lang="en-US" sz="2800" b="1" i="0" u="none" strike="noStrike" cap="none" dirty="0">
+                <a:solidFill>
+                  <a:srgbClr val="FF7F00"/>
+                </a:solidFill>
+                <a:latin typeface="Courier New"/>
+                <a:ea typeface="Courier New"/>
+                <a:cs typeface="Courier New"/>
+                <a:sym typeface="Courier New"/>
+              </a:rPr>
+              <a:t>  </a:t>
+            </a:r>
+            <a:r>
+              <a:rPr lang="en-US" sz="2800" b="1" i="0" u="none" strike="noStrike" cap="none" dirty="0">
+                <a:solidFill>
+                  <a:srgbClr val="FF9900"/>
+                </a:solidFill>
+                <a:latin typeface="Courier New"/>
+                <a:ea typeface="Courier New"/>
+                <a:cs typeface="Courier New"/>
+                <a:sym typeface="Courier New"/>
+              </a:rPr>
+              <a:t>if </a:t>
+            </a:r>
+            <a:r>
+              <a:rPr lang="en-US" sz="2800" b="1" i="0" u="none" strike="noStrike" cap="none" dirty="0" err="1">
+                <a:solidFill>
+                  <a:srgbClr val="FF9900"/>
+                </a:solidFill>
+                <a:latin typeface="Courier New"/>
+                <a:ea typeface="Courier New"/>
+                <a:cs typeface="Courier New"/>
+                <a:sym typeface="Courier New"/>
+              </a:rPr>
+              <a:t>bigcount</a:t>
+            </a:r>
+            <a:r>
+              <a:rPr lang="en-US" sz="2800" b="1" i="0" u="none" strike="noStrike" cap="none" dirty="0">
+                <a:solidFill>
+                  <a:srgbClr val="FF9900"/>
+                </a:solidFill>
+                <a:latin typeface="Courier New"/>
+                <a:ea typeface="Courier New"/>
+                <a:cs typeface="Courier New"/>
+                <a:sym typeface="Courier New"/>
+              </a:rPr>
+              <a:t> is None or count &gt; </a:t>
+            </a:r>
+            <a:r>
+              <a:rPr lang="en-US" sz="2800" b="1" i="0" u="none" strike="noStrike" cap="none" dirty="0" err="1">
+                <a:solidFill>
+                  <a:srgbClr val="FF9900"/>
+                </a:solidFill>
+                <a:latin typeface="Courier New"/>
+                <a:ea typeface="Courier New"/>
+                <a:cs typeface="Courier New"/>
+                <a:sym typeface="Courier New"/>
+              </a:rPr>
+              <a:t>bigcount</a:t>
+            </a:r>
+            <a:r>
+              <a:rPr lang="en-US" sz="2800" b="1" i="0" u="none" strike="noStrike" cap="none" dirty="0">
+                <a:solidFill>
+                  <a:srgbClr val="FF9900"/>
+                </a:solidFill>
+                <a:latin typeface="Courier New"/>
+                <a:ea typeface="Courier New"/>
+                <a:cs typeface="Courier New"/>
+                <a:sym typeface="Courier New"/>
+              </a:rPr>
+              <a:t>:</a:t>
+            </a:r>
+          </a:p>
+          <a:p>
+            <a:pPr marL="0" marR="0" lvl="0" indent="0" algn="l" rtl="0">
+              <a:lnSpc>
+                <a:spcPct val="100000"/>
+              </a:lnSpc>
+              <a:spcBef>
+                <a:spcPts val="0"/>
+              </a:spcBef>
+              <a:spcAft>
+                <a:spcPts val="0"/>
+              </a:spcAft>
+              <a:buClr>
+                <a:srgbClr val="00FF00"/>
+              </a:buClr>
+              <a:buSzPct val="25000"/>
+              <a:buFont typeface="Cabin"/>
+              <a:buNone/>
+            </a:pPr>
+            <a:r>
+              <a:rPr lang="en-US" sz="2800" b="1" i="0" u="none" strike="noStrike" cap="none" dirty="0">
+                <a:solidFill>
+                  <a:srgbClr val="FF9900"/>
+                </a:solidFill>
+                <a:latin typeface="Courier New"/>
+                <a:ea typeface="Courier New"/>
+                <a:cs typeface="Courier New"/>
+                <a:sym typeface="Courier New"/>
+              </a:rPr>
+              <a:t>        </a:t>
+            </a:r>
+            <a:r>
+              <a:rPr lang="en-US" sz="2800" b="1" i="0" u="none" strike="noStrike" cap="none" dirty="0" err="1">
+                <a:solidFill>
+                  <a:srgbClr val="FF9900"/>
+                </a:solidFill>
+                <a:latin typeface="Courier New"/>
+                <a:ea typeface="Courier New"/>
+                <a:cs typeface="Courier New"/>
+                <a:sym typeface="Courier New"/>
+              </a:rPr>
+              <a:t>bigword</a:t>
+            </a:r>
+            <a:r>
+              <a:rPr lang="en-US" sz="2800" b="1" i="0" u="none" strike="noStrike" cap="none" dirty="0">
+                <a:solidFill>
+                  <a:srgbClr val="FF9900"/>
+                </a:solidFill>
+                <a:latin typeface="Courier New"/>
+                <a:ea typeface="Courier New"/>
+                <a:cs typeface="Courier New"/>
+                <a:sym typeface="Courier New"/>
+              </a:rPr>
+              <a:t> = word</a:t>
+            </a:r>
+          </a:p>
+          <a:p>
+            <a:pPr marL="0" marR="0" lvl="0" indent="0" algn="l" rtl="0">
+              <a:lnSpc>
+                <a:spcPct val="100000"/>
+              </a:lnSpc>
+              <a:spcBef>
+                <a:spcPts val="0"/>
+              </a:spcBef>
+              <a:spcAft>
+                <a:spcPts val="0"/>
+              </a:spcAft>
+              <a:buClr>
+                <a:srgbClr val="00FF00"/>
+              </a:buClr>
+              <a:buSzPct val="25000"/>
+              <a:buFont typeface="Cabin"/>
+              <a:buNone/>
+            </a:pPr>
+            <a:r>
+              <a:rPr lang="en-US" sz="2800" b="1" i="0" u="none" strike="noStrike" cap="none" dirty="0">
+                <a:solidFill>
+                  <a:srgbClr val="FF9900"/>
+                </a:solidFill>
+                <a:latin typeface="Courier New"/>
+                <a:ea typeface="Courier New"/>
+                <a:cs typeface="Courier New"/>
+                <a:sym typeface="Courier New"/>
+              </a:rPr>
+              <a:t>        </a:t>
+            </a:r>
+            <a:r>
+              <a:rPr lang="en-US" sz="2800" b="1" i="0" u="none" strike="noStrike" cap="none" dirty="0" err="1">
+                <a:solidFill>
+                  <a:srgbClr val="FF9900"/>
+                </a:solidFill>
+                <a:latin typeface="Courier New"/>
+                <a:ea typeface="Courier New"/>
+                <a:cs typeface="Courier New"/>
+                <a:sym typeface="Courier New"/>
+              </a:rPr>
+              <a:t>bigcount</a:t>
+            </a:r>
+            <a:r>
+              <a:rPr lang="en-US" sz="2800" b="1" i="0" u="none" strike="noStrike" cap="none" dirty="0">
+                <a:solidFill>
+                  <a:srgbClr val="FF9900"/>
+                </a:solidFill>
+                <a:latin typeface="Courier New"/>
+                <a:ea typeface="Courier New"/>
+                <a:cs typeface="Courier New"/>
+                <a:sym typeface="Courier New"/>
+              </a:rPr>
+              <a:t> = count</a:t>
+            </a:r>
+          </a:p>
+          <a:p>
+            <a:pPr marL="0" marR="0" lvl="0" indent="0" algn="l" rtl="0">
+              <a:lnSpc>
+                <a:spcPct val="100000"/>
+              </a:lnSpc>
+              <a:spcBef>
+                <a:spcPts val="0"/>
+              </a:spcBef>
+              <a:spcAft>
+                <a:spcPts val="0"/>
+              </a:spcAft>
+              <a:buClr>
+                <a:srgbClr val="00FF00"/>
+              </a:buClr>
+              <a:buFont typeface="Cabin"/>
+              <a:buNone/>
+            </a:pPr>
+            <a:endParaRPr sz="2800" b="1" dirty="0">
+              <a:solidFill>
+                <a:srgbClr val="00FF00"/>
+              </a:solidFill>
+              <a:latin typeface="Courier New"/>
+              <a:ea typeface="Courier New"/>
+              <a:cs typeface="Courier New"/>
+              <a:sym typeface="Courier New"/>
+            </a:endParaRPr>
+          </a:p>
+          <a:p>
+            <a:pPr marL="0" marR="0" lvl="0" indent="0" algn="l" rtl="0">
+              <a:lnSpc>
+                <a:spcPct val="100000"/>
+              </a:lnSpc>
+              <a:spcBef>
+                <a:spcPts val="0"/>
+              </a:spcBef>
+              <a:spcAft>
+                <a:spcPts val="0"/>
+              </a:spcAft>
+              <a:buClr>
+                <a:srgbClr val="00FF00"/>
+              </a:buClr>
+              <a:buSzPct val="25000"/>
+              <a:buFont typeface="Cabin"/>
+              <a:buNone/>
+            </a:pPr>
+            <a:r>
+              <a:rPr lang="en-US" sz="2800" b="1" i="0" u="none" strike="noStrike" cap="none" dirty="0" smtClean="0">
+                <a:solidFill>
+                  <a:srgbClr val="FFFF00"/>
+                </a:solidFill>
+                <a:latin typeface="Courier New"/>
+                <a:ea typeface="Courier New"/>
+                <a:cs typeface="Courier New"/>
+                <a:sym typeface="Courier New"/>
+              </a:rPr>
+              <a:t>print(</a:t>
+            </a:r>
+            <a:r>
+              <a:rPr lang="en-US" sz="2800" b="1" i="0" u="none" strike="noStrike" cap="none" dirty="0" err="1" smtClean="0">
+                <a:solidFill>
+                  <a:srgbClr val="FFFF00"/>
+                </a:solidFill>
+                <a:latin typeface="Courier New"/>
+                <a:ea typeface="Courier New"/>
+                <a:cs typeface="Courier New"/>
+                <a:sym typeface="Courier New"/>
+              </a:rPr>
+              <a:t>bigword</a:t>
+            </a:r>
+            <a:r>
+              <a:rPr lang="en-US" sz="2800" b="1" i="0" u="none" strike="noStrike" cap="none" dirty="0">
+                <a:solidFill>
+                  <a:srgbClr val="FFFF00"/>
+                </a:solidFill>
+                <a:latin typeface="Courier New"/>
+                <a:ea typeface="Courier New"/>
+                <a:cs typeface="Courier New"/>
+                <a:sym typeface="Courier New"/>
+              </a:rPr>
+              <a:t>, </a:t>
+            </a:r>
+            <a:r>
+              <a:rPr lang="en-US" sz="2800" b="1" i="0" u="none" strike="noStrike" cap="none" dirty="0" err="1" smtClean="0">
+                <a:solidFill>
+                  <a:srgbClr val="FFFF00"/>
+                </a:solidFill>
+                <a:latin typeface="Courier New"/>
+                <a:ea typeface="Courier New"/>
+                <a:cs typeface="Courier New"/>
+                <a:sym typeface="Courier New"/>
+              </a:rPr>
+              <a:t>bigcount</a:t>
+            </a:r>
+            <a:r>
+              <a:rPr lang="en-US" sz="2800" b="1" i="0" u="none" strike="noStrike" cap="none" dirty="0" smtClean="0">
+                <a:solidFill>
+                  <a:srgbClr val="FFFF00"/>
+                </a:solidFill>
+                <a:latin typeface="Courier New"/>
+                <a:ea typeface="Courier New"/>
+                <a:cs typeface="Courier New"/>
+                <a:sym typeface="Courier New"/>
+              </a:rPr>
+              <a:t>)</a:t>
+            </a:r>
+            <a:endParaRPr lang="en-US" sz="2800" b="1" i="0" u="none" strike="noStrike" cap="none" dirty="0">
+              <a:solidFill>
+                <a:srgbClr val="FFFF00"/>
+              </a:solidFill>
+              <a:latin typeface="Courier New"/>
+              <a:ea typeface="Courier New"/>
+              <a:cs typeface="Courier New"/>
+              <a:sym typeface="Courier New"/>
+            </a:endParaRPr>
           </a:p>
         </p:txBody>
       </p:sp>
@@ -30525,7 +30539,7 @@
 </p:sld>
 </file>
 
-<file path=ppt/slides/slide45.xml><?xml version="1.0" encoding="utf-8"?>
+<file path=ppt/slides/slide44.xml><?xml version="1.0" encoding="utf-8"?>
 <p:sld xmlns:a="http://schemas.openxmlformats.org/drawingml/2006/main" xmlns:r="http://schemas.openxmlformats.org/officeDocument/2006/relationships" xmlns:p="http://schemas.openxmlformats.org/presentationml/2006/main">
   <p:cSld>
     <p:spTree>
@@ -30738,7 +30752,7 @@
 </p:sld>
 </file>
 
-<file path=ppt/slides/slide46.xml><?xml version="1.0" encoding="utf-8"?>
+<file path=ppt/slides/slide45.xml><?xml version="1.0" encoding="utf-8"?>
 <p:sld xmlns:a="http://schemas.openxmlformats.org/drawingml/2006/main" xmlns:r="http://schemas.openxmlformats.org/officeDocument/2006/relationships" xmlns:p="http://schemas.openxmlformats.org/presentationml/2006/main">
   <p:cSld>
     <p:spTree>
@@ -30783,32 +30797,13 @@
               <a:buNone/>
             </a:pPr>
             <a:r>
-              <a:rPr lang="en-US" sz="3600">
+              <a:rPr lang="en-US" sz="3600" dirty="0">
                 <a:solidFill>
                   <a:srgbClr val="FFFF00"/>
                 </a:solidFill>
               </a:rPr>
               <a:t>Acknowledgements / Contributions</a:t>
             </a:r>
-          </a:p>
-        </p:txBody>
-      </p:sp>
-      <p:sp>
-        <p:nvSpPr>
-          <p:cNvPr id="2" name="Text Placeholder 1"/>
-          <p:cNvSpPr>
-            <a:spLocks noGrp="1"/>
-          </p:cNvSpPr>
-          <p:nvPr>
-            <p:ph type="body" idx="1"/>
-          </p:nvPr>
-        </p:nvSpPr>
-        <p:spPr/>
-        <p:txBody>
-          <a:bodyPr/>
-          <a:lstStyle/>
-          <a:p>
-            <a:endParaRPr lang="en-US"/>
           </a:p>
         </p:txBody>
       </p:sp>
@@ -30820,8 +30815,8 @@
         </p:nvSpPr>
         <p:spPr>
           <a:xfrm>
-            <a:off x="1206100" y="1381725"/>
-            <a:ext cx="6797699" cy="7082699"/>
+            <a:off x="1206100" y="2198849"/>
+            <a:ext cx="6797699" cy="5914020"/>
           </a:xfrm>
           <a:prstGeom prst="rect">
             <a:avLst/>
@@ -30844,7 +30839,7 @@
               <a:buNone/>
             </a:pPr>
             <a:r>
-              <a:rPr lang="en-US" sz="1800">
+              <a:rPr lang="en-US" sz="1800" dirty="0">
                 <a:solidFill>
                   <a:srgbClr val="FFFFFF"/>
                 </a:solidFill>
@@ -30852,7 +30847,7 @@
               <a:t>These slides are Copyright 2010-  Charles R. Severance (</a:t>
             </a:r>
             <a:r>
-              <a:rPr lang="en-US" sz="1800" u="sng">
+              <a:rPr lang="en-US" sz="1800" u="sng" dirty="0">
                 <a:solidFill>
                   <a:srgbClr val="FFFF00"/>
                 </a:solidFill>
@@ -30861,7 +30856,7 @@
               <a:t>www.dr-chuck.com</a:t>
             </a:r>
             <a:r>
-              <a:rPr lang="en-US" sz="1800">
+              <a:rPr lang="en-US" sz="1800" dirty="0">
                 <a:solidFill>
                   <a:srgbClr val="FFFFFF"/>
                 </a:solidFill>
@@ -30869,7 +30864,7 @@
               <a:t>) of the University of Michigan School of Information and </a:t>
             </a:r>
             <a:r>
-              <a:rPr lang="en-US" sz="1800" u="sng">
+              <a:rPr lang="en-US" sz="1800" u="sng" dirty="0">
                 <a:solidFill>
                   <a:srgbClr val="FFFF00"/>
                 </a:solidFill>
@@ -30878,7 +30873,7 @@
               <a:t>open.umich.edu</a:t>
             </a:r>
             <a:r>
-              <a:rPr lang="en-US" sz="1800">
+              <a:rPr lang="en-US" sz="1800" dirty="0">
                 <a:solidFill>
                   <a:srgbClr val="FFFF00"/>
                 </a:solidFill>
@@ -30886,7 +30881,7 @@
               <a:t> </a:t>
             </a:r>
             <a:r>
-              <a:rPr lang="en-US" sz="1800">
+              <a:rPr lang="en-US" sz="1800" dirty="0">
                 <a:solidFill>
                   <a:srgbClr val="FFFFFF"/>
                 </a:solidFill>
@@ -30901,7 +30896,7 @@
               </a:spcBef>
               <a:buNone/>
             </a:pPr>
-            <a:endParaRPr sz="1800">
+            <a:endParaRPr sz="1800" dirty="0">
               <a:solidFill>
                 <a:srgbClr val="FFFFFF"/>
               </a:solidFill>
@@ -30915,7 +30910,7 @@
               <a:buNone/>
             </a:pPr>
             <a:r>
-              <a:rPr lang="en-US" sz="1800">
+              <a:rPr lang="en-US" sz="1800" dirty="0">
                 <a:solidFill>
                   <a:srgbClr val="FFFFFF"/>
                 </a:solidFill>
@@ -30930,7 +30925,7 @@
               </a:spcBef>
               <a:buNone/>
             </a:pPr>
-            <a:endParaRPr sz="1800">
+            <a:endParaRPr sz="1800" dirty="0">
               <a:solidFill>
                 <a:srgbClr val="FFFFFF"/>
               </a:solidFill>
@@ -30949,7 +30944,7 @@
               <a:buNone/>
             </a:pPr>
             <a:r>
-              <a:rPr lang="en-US" sz="1800">
+              <a:rPr lang="en-US" sz="1800" dirty="0">
                 <a:solidFill>
                   <a:schemeClr val="lt1"/>
                 </a:solidFill>
@@ -30964,7 +30959,7 @@
               </a:spcBef>
               <a:buNone/>
             </a:pPr>
-            <a:endParaRPr sz="1800">
+            <a:endParaRPr sz="1800" dirty="0">
               <a:solidFill>
                 <a:srgbClr val="FFFFFF"/>
               </a:solidFill>
@@ -30974,7 +30969,7 @@
       </p:sp>
       <p:pic>
         <p:nvPicPr>
-          <p:cNvPr id="648" name="Shape 648"/>
+          <p:cNvPr id="649" name="Shape 649"/>
           <p:cNvPicPr preferRelativeResize="0"/>
           <p:nvPr/>
         </p:nvPicPr>
@@ -30987,34 +30982,7 @@
         </p:blipFill>
         <p:spPr>
           <a:xfrm>
-            <a:off x="437900" y="134650"/>
-            <a:ext cx="1024800" cy="1024800"/>
-          </a:xfrm>
-          <a:prstGeom prst="rect">
-            <a:avLst/>
-          </a:prstGeom>
-          <a:noFill/>
-          <a:ln>
-            <a:noFill/>
-          </a:ln>
-        </p:spPr>
-      </p:pic>
-      <p:pic>
-        <p:nvPicPr>
-          <p:cNvPr id="649" name="Shape 649"/>
-          <p:cNvPicPr preferRelativeResize="0"/>
-          <p:nvPr/>
-        </p:nvPicPr>
-        <p:blipFill rotWithShape="1">
-          <a:blip r:embed="rId6">
-            <a:alphaModFix/>
-          </a:blip>
-          <a:srcRect/>
-          <a:stretch/>
-        </p:blipFill>
-        <p:spPr>
-          <a:xfrm>
-            <a:off x="13897687" y="312850"/>
+            <a:off x="13897687" y="1129973"/>
             <a:ext cx="1968599" cy="668400"/>
           </a:xfrm>
           <a:prstGeom prst="rect">
@@ -31034,8 +31002,8 @@
         </p:nvSpPr>
         <p:spPr>
           <a:xfrm>
-            <a:off x="8704400" y="1512200"/>
-            <a:ext cx="6797699" cy="7082699"/>
+            <a:off x="8704400" y="2329324"/>
+            <a:ext cx="6797699" cy="5783546"/>
           </a:xfrm>
           <a:prstGeom prst="rect">
             <a:avLst/>
@@ -31058,13 +31026,26 @@
               <a:buNone/>
             </a:pPr>
             <a:r>
-              <a:rPr lang="en-US" sz="1800">
+              <a:rPr lang="en-US" sz="1800" dirty="0" smtClean="0">
                 <a:solidFill>
                   <a:srgbClr val="FFFFFF"/>
                 </a:solidFill>
               </a:rPr>
-              <a:t>...</a:t>
-            </a:r>
+              <a:t>Continue</a:t>
+            </a:r>
+            <a:r>
+              <a:rPr lang="is-IS" sz="1800" smtClean="0">
+                <a:solidFill>
+                  <a:srgbClr val="FFFFFF"/>
+                </a:solidFill>
+              </a:rPr>
+              <a:t>…</a:t>
+            </a:r>
+            <a:endParaRPr lang="en-US" sz="1800">
+              <a:solidFill>
+                <a:srgbClr val="FFFFFF"/>
+              </a:solidFill>
+            </a:endParaRPr>
           </a:p>
         </p:txBody>
       </p:sp>

--- a/lectures3/Pythonlearn-01-Intro.pptx
+++ b/lectures3/Pythonlearn-01-Intro.pptx
@@ -8410,16 +8410,6 @@
               </a:rPr>
               <a:t>https://www.youtube.com/watch?v=XiBYM6g8Tck</a:t>
             </a:r>
-            <a:endParaRPr lang="en-US" sz="3200" u="sng" dirty="0">
-              <a:solidFill>
-                <a:srgbClr val="FFFF00"/>
-              </a:solidFill>
-              <a:latin typeface="Arial" charset="0"/>
-              <a:ea typeface="Arial" charset="0"/>
-              <a:cs typeface="Arial" charset="0"/>
-              <a:sym typeface="Cabin"/>
-              <a:hlinkClick r:id="rId4"/>
-            </a:endParaRPr>
           </a:p>
         </p:txBody>
       </p:sp>
@@ -9176,16 +9166,6 @@
               </a:rPr>
               <a:t>https://www.youtube.com/watch?v=XiBYM6g8Tck</a:t>
             </a:r>
-            <a:endParaRPr lang="en-US" sz="3200" u="sng" dirty="0">
-              <a:solidFill>
-                <a:srgbClr val="FFFF00"/>
-              </a:solidFill>
-              <a:latin typeface="Arial" charset="0"/>
-              <a:ea typeface="Arial" charset="0"/>
-              <a:cs typeface="Arial" charset="0"/>
-              <a:sym typeface="Cabin"/>
-              <a:hlinkClick r:id="rId4"/>
-            </a:endParaRPr>
           </a:p>
         </p:txBody>
       </p:sp>
@@ -22166,25 +22146,14 @@
             </a:r>
           </a:p>
           <a:p>
-            <a:pPr marL="0" marR="0" lvl="0" indent="0" algn="l" rtl="0">
-              <a:lnSpc>
-                <a:spcPct val="100000"/>
-              </a:lnSpc>
-              <a:spcBef>
-                <a:spcPts val="0"/>
-              </a:spcBef>
-              <a:spcAft>
-                <a:spcPts val="0"/>
-              </a:spcAft>
+            <a:pPr>
               <a:buClr>
                 <a:srgbClr val="FFFF00"/>
               </a:buClr>
               <a:buSzPct val="25000"/>
-              <a:buFont typeface="Cabin"/>
-              <a:buNone/>
-            </a:pPr>
-            <a:r>
-              <a:rPr lang="en-US" sz="4800" b="1" i="0" u="none" strike="noStrike" cap="none" dirty="0">
+            </a:pPr>
+            <a:r>
+              <a:rPr lang="en-US" sz="4800" b="1" dirty="0">
                 <a:solidFill>
                   <a:srgbClr val="FFFF00"/>
                 </a:solidFill>
@@ -22193,32 +22162,41 @@
                 <a:cs typeface="Courier New"/>
                 <a:sym typeface="Courier New"/>
               </a:rPr>
-              <a:t>print</a:t>
-            </a:r>
-            <a:r>
-              <a:rPr lang="en-US" sz="4800" b="1" i="0" u="none" strike="noStrike" cap="none" dirty="0">
-                <a:solidFill>
-                  <a:srgbClr val="FF7F00"/>
+              <a:t>print(</a:t>
+            </a:r>
+            <a:r>
+              <a:rPr lang="en-US" sz="4800" b="1" dirty="0">
+                <a:solidFill>
+                  <a:srgbClr val="FF9900"/>
                 </a:solidFill>
                 <a:latin typeface="Courier New"/>
                 <a:ea typeface="Courier New"/>
                 <a:cs typeface="Courier New"/>
                 <a:sym typeface="Courier New"/>
               </a:rPr>
-              <a:t> </a:t>
-            </a:r>
-            <a:r>
-              <a:rPr lang="en-US" sz="4800" b="1" i="0" u="none" strike="noStrike" cap="none" dirty="0">
-                <a:solidFill>
-                  <a:srgbClr val="FF9900"/>
+              <a:t>x</a:t>
+            </a:r>
+            <a:r>
+              <a:rPr lang="en-US" sz="4800" b="1" dirty="0" smtClean="0">
+                <a:solidFill>
+                  <a:srgbClr val="FFFF00"/>
                 </a:solidFill>
                 <a:latin typeface="Courier New"/>
                 <a:ea typeface="Courier New"/>
                 <a:cs typeface="Courier New"/>
                 <a:sym typeface="Courier New"/>
               </a:rPr>
-              <a:t>x</a:t>
-            </a:r>
+              <a:t>)</a:t>
+            </a:r>
+            <a:endParaRPr lang="en-US" sz="4800" b="1" dirty="0">
+              <a:solidFill>
+                <a:srgbClr val="FFFF00"/>
+              </a:solidFill>
+              <a:latin typeface="Courier New"/>
+              <a:ea typeface="Courier New"/>
+              <a:cs typeface="Courier New"/>
+              <a:sym typeface="Courier New"/>
+            </a:endParaRPr>
           </a:p>
         </p:txBody>
       </p:sp>
@@ -22458,8 +22436,8 @@
         </p:nvSpPr>
         <p:spPr>
           <a:xfrm>
-            <a:off x="7213600" y="2717800"/>
-            <a:ext cx="8466000" cy="4038599"/>
+            <a:off x="7213599" y="2717800"/>
+            <a:ext cx="8875949" cy="4038599"/>
           </a:xfrm>
           <a:prstGeom prst="rect">
             <a:avLst/>
@@ -22548,7 +22526,7 @@
               <a:buNone/>
             </a:pPr>
             <a:r>
-              <a:rPr lang="en-US" sz="5400" u="none" strike="noStrike" cap="none">
+              <a:rPr lang="en-US" sz="5400" u="none" strike="noStrike" cap="none" dirty="0">
                 <a:solidFill>
                   <a:schemeClr val="lt1"/>
                 </a:solidFill>
@@ -22579,7 +22557,7 @@
               <a:buNone/>
             </a:pPr>
             <a:r>
-              <a:rPr lang="en-US" sz="5400" u="none" strike="noStrike" cap="none">
+              <a:rPr lang="en-US" sz="5400" u="none" strike="noStrike" cap="none" dirty="0">
                 <a:solidFill>
                   <a:schemeClr val="lt1"/>
                 </a:solidFill>
@@ -23748,8 +23726,8 @@
         </p:nvSpPr>
         <p:spPr>
           <a:xfrm>
-            <a:off x="6859571" y="2742665"/>
-            <a:ext cx="2177699" cy="3268799"/>
+            <a:off x="6582116" y="2826310"/>
+            <a:ext cx="3244646" cy="3268799"/>
           </a:xfrm>
           <a:prstGeom prst="rect">
             <a:avLst/>
@@ -23783,7 +23761,7 @@
               <a:buNone/>
             </a:pPr>
             <a:r>
-              <a:rPr lang="en-US" sz="3600" u="none" strike="noStrike" cap="none">
+              <a:rPr lang="en-US" sz="3600" u="none" strike="noStrike" cap="none" dirty="0">
                 <a:solidFill>
                   <a:schemeClr val="lt1"/>
                 </a:solidFill>
@@ -23808,7 +23786,7 @@
               </a:spcAft>
               <a:buNone/>
             </a:pPr>
-            <a:endParaRPr sz="3600" u="none" strike="noStrike" cap="none">
+            <a:endParaRPr sz="3600" u="none" strike="noStrike" cap="none" dirty="0">
               <a:solidFill>
                 <a:srgbClr val="FF7F00"/>
               </a:solidFill>
@@ -23837,19 +23815,72 @@
               <a:buNone/>
             </a:pPr>
             <a:r>
-              <a:rPr lang="en-US" sz="3600" u="none" strike="noStrike" cap="none">
+              <a:rPr lang="en-US" sz="3600" u="none" strike="noStrike" cap="none" dirty="0">
                 <a:solidFill>
                   <a:srgbClr val="00FF00"/>
                 </a:solidFill>
-                <a:latin typeface="Arial" charset="0"/>
-                <a:ea typeface="Arial" charset="0"/>
-                <a:cs typeface="Arial" charset="0"/>
+                <a:latin typeface="Courier" charset="0"/>
+                <a:ea typeface="Courier" charset="0"/>
+                <a:cs typeface="Courier" charset="0"/>
                 <a:sym typeface="Cabin"/>
               </a:rPr>
               <a:t>x = 2</a:t>
             </a:r>
           </a:p>
           <a:p>
+            <a:pPr lvl="0">
+              <a:buClr>
+                <a:srgbClr val="FFFF00"/>
+              </a:buClr>
+              <a:buSzPct val="25000"/>
+            </a:pPr>
+            <a:r>
+              <a:rPr lang="en-US" sz="3600" u="none" strike="noStrike" cap="none" dirty="0" smtClean="0">
+                <a:solidFill>
+                  <a:srgbClr val="FFFF00"/>
+                </a:solidFill>
+                <a:latin typeface="Courier" charset="0"/>
+                <a:ea typeface="Courier" charset="0"/>
+                <a:cs typeface="Courier" charset="0"/>
+                <a:sym typeface="Cabin"/>
+              </a:rPr>
+              <a:t>print(</a:t>
+            </a:r>
+            <a:r>
+              <a:rPr lang="en-US" sz="3600" u="none" strike="noStrike" cap="none" dirty="0" smtClean="0">
+                <a:solidFill>
+                  <a:srgbClr val="00FF00"/>
+                </a:solidFill>
+                <a:latin typeface="Courier" charset="0"/>
+                <a:ea typeface="Courier" charset="0"/>
+                <a:cs typeface="Courier" charset="0"/>
+                <a:sym typeface="Cabin"/>
+              </a:rPr>
+              <a:t>x</a:t>
+            </a:r>
+            <a:r>
+              <a:rPr lang="en-US" sz="3600" dirty="0">
+                <a:solidFill>
+                  <a:srgbClr val="FFFF00"/>
+                </a:solidFill>
+                <a:latin typeface="Courier" charset="0"/>
+                <a:ea typeface="Courier" charset="0"/>
+                <a:cs typeface="Courier" charset="0"/>
+                <a:sym typeface="Cabin"/>
+              </a:rPr>
+              <a:t>)</a:t>
+            </a:r>
+            <a:endParaRPr lang="en-US" sz="3600" u="none" strike="noStrike" cap="none" dirty="0">
+              <a:solidFill>
+                <a:srgbClr val="00FF00"/>
+              </a:solidFill>
+              <a:latin typeface="Courier" charset="0"/>
+              <a:ea typeface="Courier" charset="0"/>
+              <a:cs typeface="Courier" charset="0"/>
+              <a:sym typeface="Cabin"/>
+            </a:endParaRPr>
+          </a:p>
+          <a:p>
             <a:pPr marL="0" marR="0" lvl="0" indent="0" algn="l" rtl="0">
               <a:lnSpc>
                 <a:spcPct val="100000"/>
@@ -23861,134 +23892,77 @@
                 <a:spcPts val="0"/>
               </a:spcAft>
               <a:buClr>
+                <a:srgbClr val="FF7F00"/>
+              </a:buClr>
+              <a:buSzPct val="25000"/>
+              <a:buFont typeface="Cabin"/>
+              <a:buNone/>
+            </a:pPr>
+            <a:r>
+              <a:rPr lang="en-US" sz="3600" u="none" strike="noStrike" cap="none" dirty="0">
+                <a:solidFill>
+                  <a:srgbClr val="00FF00"/>
+                </a:solidFill>
+                <a:latin typeface="Courier" charset="0"/>
+                <a:ea typeface="Courier" charset="0"/>
+                <a:cs typeface="Courier" charset="0"/>
+                <a:sym typeface="Cabin"/>
+              </a:rPr>
+              <a:t>x = x + 2</a:t>
+            </a:r>
+          </a:p>
+          <a:p>
+            <a:pPr lvl="0">
+              <a:buClr>
                 <a:srgbClr val="FFFF00"/>
               </a:buClr>
               <a:buSzPct val="25000"/>
-              <a:buFont typeface="Cabin"/>
-              <a:buNone/>
-            </a:pPr>
-            <a:r>
-              <a:rPr lang="en-US" sz="3600" u="none" strike="noStrike" cap="none">
+            </a:pPr>
+            <a:r>
+              <a:rPr lang="en-US" sz="3600" u="none" strike="noStrike" cap="none" dirty="0" smtClean="0">
                 <a:solidFill>
                   <a:srgbClr val="FFFF00"/>
                 </a:solidFill>
-                <a:latin typeface="Arial" charset="0"/>
-                <a:ea typeface="Arial" charset="0"/>
-                <a:cs typeface="Arial" charset="0"/>
-                <a:sym typeface="Cabin"/>
-              </a:rPr>
-              <a:t>print</a:t>
-            </a:r>
-            <a:r>
-              <a:rPr lang="en-US" sz="3600" u="none" strike="noStrike" cap="none">
-                <a:solidFill>
-                  <a:srgbClr val="FF7F00"/>
-                </a:solidFill>
-                <a:latin typeface="Arial" charset="0"/>
-                <a:ea typeface="Arial" charset="0"/>
-                <a:cs typeface="Arial" charset="0"/>
-                <a:sym typeface="Cabin"/>
-              </a:rPr>
-              <a:t> </a:t>
-            </a:r>
-            <a:r>
-              <a:rPr lang="en-US" sz="3600" u="none" strike="noStrike" cap="none">
+                <a:latin typeface="Courier" charset="0"/>
+                <a:ea typeface="Courier" charset="0"/>
+                <a:cs typeface="Courier" charset="0"/>
+                <a:sym typeface="Cabin"/>
+              </a:rPr>
+              <a:t>print(</a:t>
+            </a:r>
+            <a:r>
+              <a:rPr lang="en-US" sz="3600" u="none" strike="noStrike" cap="none" dirty="0" smtClean="0">
                 <a:solidFill>
                   <a:srgbClr val="00FF00"/>
                 </a:solidFill>
-                <a:latin typeface="Arial" charset="0"/>
-                <a:ea typeface="Arial" charset="0"/>
-                <a:cs typeface="Arial" charset="0"/>
+                <a:latin typeface="Courier" charset="0"/>
+                <a:ea typeface="Courier" charset="0"/>
+                <a:cs typeface="Courier" charset="0"/>
                 <a:sym typeface="Cabin"/>
               </a:rPr>
               <a:t>x</a:t>
             </a:r>
-          </a:p>
-          <a:p>
-            <a:pPr marL="0" marR="0" lvl="0" indent="0" algn="l" rtl="0">
-              <a:lnSpc>
-                <a:spcPct val="100000"/>
-              </a:lnSpc>
-              <a:spcBef>
-                <a:spcPts val="0"/>
-              </a:spcBef>
-              <a:spcAft>
-                <a:spcPts val="0"/>
-              </a:spcAft>
-              <a:buClr>
-                <a:srgbClr val="FF7F00"/>
-              </a:buClr>
-              <a:buSzPct val="25000"/>
-              <a:buFont typeface="Cabin"/>
-              <a:buNone/>
-            </a:pPr>
-            <a:r>
-              <a:rPr lang="en-US" sz="3600" u="none" strike="noStrike" cap="none">
-                <a:solidFill>
-                  <a:srgbClr val="00FF00"/>
-                </a:solidFill>
-                <a:latin typeface="Arial" charset="0"/>
-                <a:ea typeface="Arial" charset="0"/>
-                <a:cs typeface="Arial" charset="0"/>
-                <a:sym typeface="Cabin"/>
-              </a:rPr>
-              <a:t>x = x + 2</a:t>
-            </a:r>
-          </a:p>
-          <a:p>
-            <a:pPr marL="0" marR="0" lvl="0" indent="0" algn="l" rtl="0">
-              <a:lnSpc>
-                <a:spcPct val="100000"/>
-              </a:lnSpc>
-              <a:spcBef>
-                <a:spcPts val="0"/>
-              </a:spcBef>
-              <a:spcAft>
-                <a:spcPts val="0"/>
-              </a:spcAft>
-              <a:buClr>
-                <a:srgbClr val="FFFF00"/>
-              </a:buClr>
-              <a:buSzPct val="25000"/>
-              <a:buFont typeface="Cabin"/>
-              <a:buNone/>
-            </a:pPr>
-            <a:r>
-              <a:rPr lang="en-US" sz="3600" u="none" strike="noStrike" cap="none">
+            <a:r>
+              <a:rPr lang="en-US" sz="3600" dirty="0">
                 <a:solidFill>
                   <a:srgbClr val="FFFF00"/>
                 </a:solidFill>
-                <a:latin typeface="Arial" charset="0"/>
-                <a:ea typeface="Arial" charset="0"/>
-                <a:cs typeface="Arial" charset="0"/>
-                <a:sym typeface="Cabin"/>
-              </a:rPr>
-              <a:t>print</a:t>
-            </a:r>
-            <a:r>
-              <a:rPr lang="en-US" sz="3600" u="none" strike="noStrike" cap="none">
-                <a:solidFill>
-                  <a:srgbClr val="FF7F00"/>
-                </a:solidFill>
-                <a:latin typeface="Arial" charset="0"/>
-                <a:ea typeface="Arial" charset="0"/>
-                <a:cs typeface="Arial" charset="0"/>
-                <a:sym typeface="Cabin"/>
-              </a:rPr>
-              <a:t> </a:t>
-            </a:r>
-            <a:r>
-              <a:rPr lang="en-US" sz="3600" u="none" strike="noStrike" cap="none">
-                <a:solidFill>
-                  <a:srgbClr val="00FF00"/>
-                </a:solidFill>
-                <a:latin typeface="Arial" charset="0"/>
-                <a:ea typeface="Arial" charset="0"/>
-                <a:cs typeface="Arial" charset="0"/>
-                <a:sym typeface="Cabin"/>
-              </a:rPr>
-              <a:t>x</a:t>
-            </a:r>
+                <a:latin typeface="Courier" charset="0"/>
+                <a:ea typeface="Courier" charset="0"/>
+                <a:cs typeface="Courier" charset="0"/>
+                <a:sym typeface="Cabin"/>
+              </a:rPr>
+              <a:t>)</a:t>
+            </a:r>
+            <a:endParaRPr lang="en-US" sz="3600" u="none" strike="noStrike" cap="none" dirty="0">
+              <a:solidFill>
+                <a:srgbClr val="00FF00"/>
+              </a:solidFill>
+              <a:latin typeface="Courier" charset="0"/>
+              <a:ea typeface="Courier" charset="0"/>
+              <a:cs typeface="Courier" charset="0"/>
+              <a:sym typeface="Cabin"/>
+            </a:endParaRPr>
           </a:p>
         </p:txBody>
       </p:sp>
@@ -24246,7 +24220,7 @@
               <a:buNone/>
             </a:pPr>
             <a:r>
-              <a:rPr lang="en-US" sz="3500" u="none" strike="noStrike" cap="none">
+              <a:rPr lang="en-US" sz="3500" u="none" strike="noStrike" cap="none" dirty="0" smtClean="0">
                 <a:solidFill>
                   <a:schemeClr val="lt1"/>
                 </a:solidFill>
@@ -24255,8 +24229,17 @@
                 <a:cs typeface="Arial" charset="0"/>
                 <a:sym typeface="Cabin"/>
               </a:rPr>
-              <a:t>print x</a:t>
-            </a:r>
+              <a:t>print(x)</a:t>
+            </a:r>
+            <a:endParaRPr lang="en-US" sz="3500" u="none" strike="noStrike" cap="none" dirty="0">
+              <a:solidFill>
+                <a:schemeClr val="lt1"/>
+              </a:solidFill>
+              <a:latin typeface="Arial" charset="0"/>
+              <a:ea typeface="Arial" charset="0"/>
+              <a:cs typeface="Arial" charset="0"/>
+              <a:sym typeface="Cabin"/>
+            </a:endParaRPr>
           </a:p>
         </p:txBody>
       </p:sp>
@@ -24424,7 +24407,7 @@
               <a:buNone/>
             </a:pPr>
             <a:r>
-              <a:rPr lang="en-US" sz="3500" u="none" strike="noStrike" cap="none">
+              <a:rPr lang="en-US" sz="3500" u="none" strike="noStrike" cap="none" dirty="0" smtClean="0">
                 <a:solidFill>
                   <a:schemeClr val="lt1"/>
                 </a:solidFill>
@@ -24433,8 +24416,17 @@
                 <a:cs typeface="Arial" charset="0"/>
                 <a:sym typeface="Cabin"/>
               </a:rPr>
-              <a:t>print x</a:t>
-            </a:r>
+              <a:t>print(x)</a:t>
+            </a:r>
+            <a:endParaRPr lang="en-US" sz="3500" u="none" strike="noStrike" cap="none" dirty="0">
+              <a:solidFill>
+                <a:schemeClr val="lt1"/>
+              </a:solidFill>
+              <a:latin typeface="Arial" charset="0"/>
+              <a:ea typeface="Arial" charset="0"/>
+              <a:cs typeface="Arial" charset="0"/>
+              <a:sym typeface="Cabin"/>
+            </a:endParaRPr>
           </a:p>
         </p:txBody>
       </p:sp>
@@ -24471,9 +24463,9 @@
           <p:nvPr/>
         </p:nvCxnSpPr>
         <p:spPr>
-          <a:xfrm rot="10800000">
-            <a:off x="8515349" y="4661789"/>
-            <a:ext cx="3190200" cy="59100"/>
+          <a:xfrm flipH="1">
+            <a:off x="8774349" y="4669277"/>
+            <a:ext cx="2762656" cy="245088"/>
           </a:xfrm>
           <a:prstGeom prst="straightConnector1">
             <a:avLst/>
@@ -24498,8 +24490,8 @@
         </p:nvCxnSpPr>
         <p:spPr>
           <a:xfrm flipH="1">
-            <a:off x="8450400" y="5278965"/>
-            <a:ext cx="3326699" cy="475199"/>
+            <a:off x="8774349" y="5278965"/>
+            <a:ext cx="3002751" cy="557631"/>
           </a:xfrm>
           <a:prstGeom prst="straightConnector1">
             <a:avLst/>
@@ -25091,7 +25083,7 @@
         </p:nvSpPr>
         <p:spPr>
           <a:xfrm>
-            <a:off x="13314362" y="3562350"/>
+            <a:off x="13684013" y="3562350"/>
             <a:ext cx="1581150" cy="2184399"/>
           </a:xfrm>
           <a:prstGeom prst="rect">
@@ -25234,7 +25226,7 @@
         <p:spPr>
           <a:xfrm>
             <a:off x="7799386" y="2873375"/>
-            <a:ext cx="3757614" cy="4984749"/>
+            <a:ext cx="4535286" cy="4984749"/>
           </a:xfrm>
           <a:prstGeom prst="rect">
             <a:avLst/>
@@ -25268,7 +25260,7 @@
               <a:buNone/>
             </a:pPr>
             <a:r>
-              <a:rPr lang="en-US" sz="3600" u="none" strike="noStrike" cap="none">
+              <a:rPr lang="en-US" sz="3600" u="none" strike="noStrike" cap="none" dirty="0">
                 <a:solidFill>
                   <a:schemeClr val="lt1"/>
                 </a:solidFill>
@@ -25322,13 +25314,13 @@
               <a:buNone/>
             </a:pPr>
             <a:r>
-              <a:rPr lang="en-US" sz="3600" u="none" strike="noStrike" cap="none" dirty="0">
+              <a:rPr lang="en-US" sz="2800" u="none" strike="noStrike" cap="none" dirty="0">
                 <a:solidFill>
                   <a:srgbClr val="00FF00"/>
                 </a:solidFill>
-                <a:latin typeface="Arial" charset="0"/>
-                <a:ea typeface="Arial" charset="0"/>
-                <a:cs typeface="Arial" charset="0"/>
+                <a:latin typeface="Courier" charset="0"/>
+                <a:ea typeface="Courier" charset="0"/>
+                <a:cs typeface="Courier" charset="0"/>
                 <a:sym typeface="Cabin"/>
               </a:rPr>
               <a:t>x = 5</a:t>
@@ -25353,251 +25345,104 @@
               <a:buNone/>
             </a:pPr>
             <a:r>
-              <a:rPr lang="en-US" sz="3600" u="none" strike="noStrike" cap="none" dirty="0">
+              <a:rPr lang="en-US" sz="2800" u="none" strike="noStrike" cap="none" dirty="0">
                 <a:solidFill>
                   <a:srgbClr val="FFFF00"/>
                 </a:solidFill>
-                <a:latin typeface="Arial" charset="0"/>
-                <a:ea typeface="Arial" charset="0"/>
-                <a:cs typeface="Arial" charset="0"/>
+                <a:latin typeface="Courier" charset="0"/>
+                <a:ea typeface="Courier" charset="0"/>
+                <a:cs typeface="Courier" charset="0"/>
                 <a:sym typeface="Cabin"/>
               </a:rPr>
               <a:t>if</a:t>
             </a:r>
             <a:r>
-              <a:rPr lang="en-US" sz="3600" u="none" strike="noStrike" cap="none" dirty="0">
+              <a:rPr lang="en-US" sz="2800" u="none" strike="noStrike" cap="none" dirty="0">
                 <a:solidFill>
                   <a:srgbClr val="FF7F00"/>
                 </a:solidFill>
-                <a:latin typeface="Arial" charset="0"/>
-                <a:ea typeface="Arial" charset="0"/>
-                <a:cs typeface="Arial" charset="0"/>
+                <a:latin typeface="Courier" charset="0"/>
+                <a:ea typeface="Courier" charset="0"/>
+                <a:cs typeface="Courier" charset="0"/>
                 <a:sym typeface="Cabin"/>
               </a:rPr>
               <a:t> </a:t>
             </a:r>
             <a:r>
-              <a:rPr lang="en-US" sz="3600" u="none" strike="noStrike" cap="none" dirty="0">
+              <a:rPr lang="en-US" sz="2800" u="none" strike="noStrike" cap="none" dirty="0">
                 <a:solidFill>
                   <a:srgbClr val="00FF00"/>
                 </a:solidFill>
-                <a:latin typeface="Arial" charset="0"/>
-                <a:ea typeface="Arial" charset="0"/>
-                <a:cs typeface="Arial" charset="0"/>
+                <a:latin typeface="Courier" charset="0"/>
+                <a:ea typeface="Courier" charset="0"/>
+                <a:cs typeface="Courier" charset="0"/>
                 <a:sym typeface="Cabin"/>
               </a:rPr>
               <a:t>x &lt; 10:</a:t>
             </a:r>
           </a:p>
           <a:p>
-            <a:pPr marL="0" marR="0" lvl="0" indent="0" algn="l" rtl="0">
-              <a:lnSpc>
-                <a:spcPct val="100000"/>
-              </a:lnSpc>
-              <a:spcBef>
-                <a:spcPts val="0"/>
-              </a:spcBef>
-              <a:spcAft>
-                <a:spcPts val="0"/>
-              </a:spcAft>
+            <a:pPr lvl="0">
               <a:buClr>
                 <a:srgbClr val="FF7F00"/>
               </a:buClr>
               <a:buSzPct val="25000"/>
-              <a:buFont typeface="Cabin"/>
-              <a:buNone/>
-            </a:pPr>
-            <a:r>
-              <a:rPr lang="en-US" sz="3600" u="none" strike="noStrike" cap="none" dirty="0">
+            </a:pPr>
+            <a:r>
+              <a:rPr lang="en-US" sz="2800" u="none" strike="noStrike" cap="none" dirty="0">
                 <a:solidFill>
                   <a:srgbClr val="FF7F00"/>
                 </a:solidFill>
-                <a:latin typeface="Arial" charset="0"/>
-                <a:ea typeface="Arial" charset="0"/>
-                <a:cs typeface="Arial" charset="0"/>
+                <a:latin typeface="Courier" charset="0"/>
+                <a:ea typeface="Courier" charset="0"/>
+                <a:cs typeface="Courier" charset="0"/>
                 <a:sym typeface="Cabin"/>
               </a:rPr>
               <a:t>    </a:t>
             </a:r>
             <a:r>
-              <a:rPr lang="en-US" sz="3600" u="none" strike="noStrike" cap="none" dirty="0">
+              <a:rPr lang="en-US" sz="2800" u="none" strike="noStrike" cap="none" dirty="0" smtClean="0">
                 <a:solidFill>
                   <a:srgbClr val="FFFF00"/>
                 </a:solidFill>
-                <a:latin typeface="Arial" charset="0"/>
-                <a:ea typeface="Arial" charset="0"/>
-                <a:cs typeface="Arial" charset="0"/>
-                <a:sym typeface="Cabin"/>
-              </a:rPr>
-              <a:t>print</a:t>
-            </a:r>
-            <a:r>
-              <a:rPr lang="en-US" sz="3600" u="none" strike="noStrike" cap="none" dirty="0">
-                <a:solidFill>
-                  <a:srgbClr val="FF7F00"/>
-                </a:solidFill>
-                <a:latin typeface="Arial" charset="0"/>
-                <a:ea typeface="Arial" charset="0"/>
-                <a:cs typeface="Arial" charset="0"/>
-                <a:sym typeface="Cabin"/>
-              </a:rPr>
-              <a:t> </a:t>
-            </a:r>
-            <a:r>
-              <a:rPr lang="en-US" sz="3600" u="none" strike="noStrike" cap="none" dirty="0">
+                <a:latin typeface="Courier" charset="0"/>
+                <a:ea typeface="Courier" charset="0"/>
+                <a:cs typeface="Courier" charset="0"/>
+                <a:sym typeface="Cabin"/>
+              </a:rPr>
+              <a:t>print(</a:t>
+            </a:r>
+            <a:r>
+              <a:rPr lang="en-US" sz="2800" u="none" strike="noStrike" cap="none" dirty="0" smtClean="0">
                 <a:solidFill>
                   <a:srgbClr val="00FF00"/>
                 </a:solidFill>
-                <a:latin typeface="Arial" charset="0"/>
-                <a:ea typeface="Arial" charset="0"/>
-                <a:cs typeface="Arial" charset="0"/>
+                <a:latin typeface="Courier" charset="0"/>
+                <a:ea typeface="Courier" charset="0"/>
+                <a:cs typeface="Courier" charset="0"/>
                 <a:sym typeface="Cabin"/>
               </a:rPr>
               <a:t>'Smaller’</a:t>
             </a:r>
-          </a:p>
-          <a:p>
-            <a:pPr marL="0" marR="0" lvl="0" indent="0" algn="l" rtl="0">
-              <a:lnSpc>
-                <a:spcPct val="100000"/>
-              </a:lnSpc>
-              <a:spcBef>
-                <a:spcPts val="0"/>
-              </a:spcBef>
-              <a:spcAft>
-                <a:spcPts val="0"/>
-              </a:spcAft>
-              <a:buClr>
-                <a:srgbClr val="FFFF00"/>
-              </a:buClr>
-              <a:buSzPct val="25000"/>
-              <a:buFont typeface="Cabin"/>
-              <a:buNone/>
-            </a:pPr>
-            <a:r>
-              <a:rPr lang="en-US" sz="3600" u="none" strike="noStrike" cap="none" dirty="0">
+            <a:r>
+              <a:rPr lang="en-US" sz="2800" dirty="0" smtClean="0">
                 <a:solidFill>
                   <a:srgbClr val="FFFF00"/>
                 </a:solidFill>
-                <a:latin typeface="Arial" charset="0"/>
-                <a:ea typeface="Arial" charset="0"/>
-                <a:cs typeface="Arial" charset="0"/>
-                <a:sym typeface="Cabin"/>
-              </a:rPr>
-              <a:t>if</a:t>
-            </a:r>
-            <a:r>
-              <a:rPr lang="en-US" sz="3600" u="none" strike="noStrike" cap="none" dirty="0">
-                <a:solidFill>
-                  <a:srgbClr val="FF7F00"/>
-                </a:solidFill>
-                <a:latin typeface="Arial" charset="0"/>
-                <a:ea typeface="Arial" charset="0"/>
-                <a:cs typeface="Arial" charset="0"/>
-                <a:sym typeface="Cabin"/>
-              </a:rPr>
-              <a:t> </a:t>
-            </a:r>
-            <a:r>
-              <a:rPr lang="en-US" sz="3600" u="none" strike="noStrike" cap="none" dirty="0">
-                <a:solidFill>
-                  <a:srgbClr val="00FF00"/>
-                </a:solidFill>
-                <a:latin typeface="Arial" charset="0"/>
-                <a:ea typeface="Arial" charset="0"/>
-                <a:cs typeface="Arial" charset="0"/>
-                <a:sym typeface="Cabin"/>
-              </a:rPr>
-              <a:t>x &gt; 20:</a:t>
-            </a:r>
-          </a:p>
-          <a:p>
-            <a:pPr marL="0" marR="0" lvl="0" indent="0" algn="l" rtl="0">
-              <a:lnSpc>
-                <a:spcPct val="100000"/>
-              </a:lnSpc>
-              <a:spcBef>
-                <a:spcPts val="0"/>
-              </a:spcBef>
-              <a:spcAft>
-                <a:spcPts val="0"/>
-              </a:spcAft>
-              <a:buClr>
-                <a:srgbClr val="FF7F00"/>
-              </a:buClr>
-              <a:buSzPct val="25000"/>
-              <a:buFont typeface="Cabin"/>
-              <a:buNone/>
-            </a:pPr>
-            <a:r>
-              <a:rPr lang="en-US" sz="3600" u="none" strike="noStrike" cap="none" dirty="0">
-                <a:solidFill>
-                  <a:srgbClr val="FF7F00"/>
-                </a:solidFill>
-                <a:latin typeface="Arial" charset="0"/>
-                <a:ea typeface="Arial" charset="0"/>
-                <a:cs typeface="Arial" charset="0"/>
-                <a:sym typeface="Cabin"/>
-              </a:rPr>
-              <a:t>     </a:t>
-            </a:r>
-            <a:r>
-              <a:rPr lang="en-US" sz="3600" u="none" strike="noStrike" cap="none" dirty="0">
-                <a:solidFill>
-                  <a:srgbClr val="FFFF00"/>
-                </a:solidFill>
-                <a:latin typeface="Arial" charset="0"/>
-                <a:ea typeface="Arial" charset="0"/>
-                <a:cs typeface="Arial" charset="0"/>
-                <a:sym typeface="Cabin"/>
-              </a:rPr>
-              <a:t>print</a:t>
-            </a:r>
-            <a:r>
-              <a:rPr lang="en-US" sz="3600" u="none" strike="noStrike" cap="none" dirty="0">
-                <a:solidFill>
-                  <a:srgbClr val="FF7F00"/>
-                </a:solidFill>
-                <a:latin typeface="Arial" charset="0"/>
-                <a:ea typeface="Arial" charset="0"/>
-                <a:cs typeface="Arial" charset="0"/>
-                <a:sym typeface="Cabin"/>
-              </a:rPr>
-              <a:t> </a:t>
-            </a:r>
-            <a:r>
-              <a:rPr lang="en-US" sz="3600" u="none" strike="noStrike" cap="none" dirty="0">
-                <a:solidFill>
-                  <a:srgbClr val="00FF00"/>
-                </a:solidFill>
-                <a:latin typeface="Arial" charset="0"/>
-                <a:ea typeface="Arial" charset="0"/>
-                <a:cs typeface="Arial" charset="0"/>
-                <a:sym typeface="Cabin"/>
-              </a:rPr>
-              <a:t>'Bigger'</a:t>
-            </a:r>
-          </a:p>
-          <a:p>
-            <a:pPr marL="0" marR="0" lvl="0" indent="0" algn="ctr" rtl="0">
-              <a:lnSpc>
-                <a:spcPct val="100000"/>
-              </a:lnSpc>
-              <a:spcBef>
-                <a:spcPts val="0"/>
-              </a:spcBef>
-              <a:spcAft>
-                <a:spcPts val="0"/>
-              </a:spcAft>
-              <a:buNone/>
-            </a:pPr>
-            <a:endParaRPr sz="3600" u="none" strike="noStrike" cap="none" dirty="0">
+                <a:latin typeface="Courier" charset="0"/>
+                <a:ea typeface="Courier" charset="0"/>
+                <a:cs typeface="Courier" charset="0"/>
+                <a:sym typeface="Cabin"/>
+              </a:rPr>
+              <a:t>)</a:t>
+            </a:r>
+            <a:endParaRPr lang="en-US" sz="2800" u="none" strike="noStrike" cap="none" dirty="0">
               <a:solidFill>
                 <a:srgbClr val="00FF00"/>
               </a:solidFill>
-              <a:latin typeface="Arial" charset="0"/>
-              <a:ea typeface="Arial" charset="0"/>
-              <a:cs typeface="Arial" charset="0"/>
+              <a:latin typeface="Courier" charset="0"/>
+              <a:ea typeface="Courier" charset="0"/>
+              <a:cs typeface="Courier" charset="0"/>
               <a:sym typeface="Cabin"/>
             </a:endParaRPr>
           </a:p>
@@ -25620,41 +25465,206 @@
               <a:buNone/>
             </a:pPr>
             <a:r>
-              <a:rPr lang="en-US" sz="3600" u="none" strike="noStrike" cap="none" dirty="0">
+              <a:rPr lang="en-US" sz="2800" u="none" strike="noStrike" cap="none" dirty="0">
                 <a:solidFill>
                   <a:srgbClr val="FFFF00"/>
                 </a:solidFill>
-                <a:latin typeface="Arial" charset="0"/>
-                <a:ea typeface="Arial" charset="0"/>
-                <a:cs typeface="Arial" charset="0"/>
-                <a:sym typeface="Cabin"/>
-              </a:rPr>
-              <a:t>print</a:t>
-            </a:r>
-            <a:r>
-              <a:rPr lang="en-US" sz="3600" u="none" strike="noStrike" cap="none" dirty="0">
+                <a:latin typeface="Courier" charset="0"/>
+                <a:ea typeface="Courier" charset="0"/>
+                <a:cs typeface="Courier" charset="0"/>
+                <a:sym typeface="Cabin"/>
+              </a:rPr>
+              <a:t>if</a:t>
+            </a:r>
+            <a:r>
+              <a:rPr lang="en-US" sz="2800" u="none" strike="noStrike" cap="none" dirty="0">
                 <a:solidFill>
                   <a:srgbClr val="FF7F00"/>
                 </a:solidFill>
-                <a:latin typeface="Arial" charset="0"/>
-                <a:ea typeface="Arial" charset="0"/>
-                <a:cs typeface="Arial" charset="0"/>
+                <a:latin typeface="Courier" charset="0"/>
+                <a:ea typeface="Courier" charset="0"/>
+                <a:cs typeface="Courier" charset="0"/>
                 <a:sym typeface="Cabin"/>
               </a:rPr>
               <a:t> </a:t>
             </a:r>
             <a:r>
-              <a:rPr lang="en-US" sz="3600" u="none" strike="noStrike" cap="none" dirty="0">
+              <a:rPr lang="en-US" sz="2800" u="none" strike="noStrike" cap="none" dirty="0">
                 <a:solidFill>
                   <a:srgbClr val="00FF00"/>
                 </a:solidFill>
-                <a:latin typeface="Arial" charset="0"/>
-                <a:ea typeface="Arial" charset="0"/>
-                <a:cs typeface="Arial" charset="0"/>
-                <a:sym typeface="Cabin"/>
-              </a:rPr>
-              <a:t>'Finis'</a:t>
-            </a:r>
+                <a:latin typeface="Courier" charset="0"/>
+                <a:ea typeface="Courier" charset="0"/>
+                <a:cs typeface="Courier" charset="0"/>
+                <a:sym typeface="Cabin"/>
+              </a:rPr>
+              <a:t>x &gt; 20:</a:t>
+            </a:r>
+          </a:p>
+          <a:p>
+            <a:pPr lvl="0">
+              <a:buClr>
+                <a:srgbClr val="FF7F00"/>
+              </a:buClr>
+              <a:buSzPct val="25000"/>
+            </a:pPr>
+            <a:r>
+              <a:rPr lang="en-US" sz="2800" u="none" strike="noStrike" cap="none" dirty="0">
+                <a:solidFill>
+                  <a:srgbClr val="FF7F00"/>
+                </a:solidFill>
+                <a:latin typeface="Courier" charset="0"/>
+                <a:ea typeface="Courier" charset="0"/>
+                <a:cs typeface="Courier" charset="0"/>
+                <a:sym typeface="Cabin"/>
+              </a:rPr>
+              <a:t>     </a:t>
+            </a:r>
+            <a:r>
+              <a:rPr lang="en-US" sz="2800" u="none" strike="noStrike" cap="none" dirty="0" smtClean="0">
+                <a:solidFill>
+                  <a:srgbClr val="FFFF00"/>
+                </a:solidFill>
+                <a:latin typeface="Courier" charset="0"/>
+                <a:ea typeface="Courier" charset="0"/>
+                <a:cs typeface="Courier" charset="0"/>
+                <a:sym typeface="Cabin"/>
+              </a:rPr>
+              <a:t>print(</a:t>
+            </a:r>
+            <a:r>
+              <a:rPr lang="en-US" sz="2800" u="none" strike="noStrike" cap="none" dirty="0" smtClean="0">
+                <a:solidFill>
+                  <a:srgbClr val="00FF00"/>
+                </a:solidFill>
+                <a:latin typeface="Courier" charset="0"/>
+                <a:ea typeface="Courier" charset="0"/>
+                <a:cs typeface="Courier" charset="0"/>
+                <a:sym typeface="Cabin"/>
+              </a:rPr>
+              <a:t>'Bigger’</a:t>
+            </a:r>
+            <a:r>
+              <a:rPr lang="en-US" sz="2800" dirty="0" smtClean="0">
+                <a:solidFill>
+                  <a:srgbClr val="FFFF00"/>
+                </a:solidFill>
+                <a:latin typeface="Courier" charset="0"/>
+                <a:ea typeface="Courier" charset="0"/>
+                <a:cs typeface="Courier" charset="0"/>
+                <a:sym typeface="Cabin"/>
+              </a:rPr>
+              <a:t>)</a:t>
+            </a:r>
+            <a:endParaRPr lang="en-US" sz="2800" u="none" strike="noStrike" cap="none" dirty="0">
+              <a:solidFill>
+                <a:srgbClr val="00FF00"/>
+              </a:solidFill>
+              <a:latin typeface="Courier" charset="0"/>
+              <a:ea typeface="Courier" charset="0"/>
+              <a:cs typeface="Courier" charset="0"/>
+              <a:sym typeface="Cabin"/>
+            </a:endParaRPr>
+          </a:p>
+          <a:p>
+            <a:pPr marL="0" marR="0" lvl="0" indent="0" algn="ctr" rtl="0">
+              <a:lnSpc>
+                <a:spcPct val="100000"/>
+              </a:lnSpc>
+              <a:spcBef>
+                <a:spcPts val="0"/>
+              </a:spcBef>
+              <a:spcAft>
+                <a:spcPts val="0"/>
+              </a:spcAft>
+              <a:buNone/>
+            </a:pPr>
+            <a:endParaRPr sz="2800" u="none" strike="noStrike" cap="none" dirty="0">
+              <a:solidFill>
+                <a:srgbClr val="00FF00"/>
+              </a:solidFill>
+              <a:latin typeface="Courier" charset="0"/>
+              <a:ea typeface="Courier" charset="0"/>
+              <a:cs typeface="Courier" charset="0"/>
+              <a:sym typeface="Cabin"/>
+            </a:endParaRPr>
+          </a:p>
+          <a:p>
+            <a:pPr lvl="0">
+              <a:buClr>
+                <a:srgbClr val="FFFF00"/>
+              </a:buClr>
+              <a:buSzPct val="25000"/>
+            </a:pPr>
+            <a:r>
+              <a:rPr lang="en-US" sz="2800" u="none" strike="noStrike" cap="none" dirty="0" smtClean="0">
+                <a:solidFill>
+                  <a:srgbClr val="FFFF00"/>
+                </a:solidFill>
+                <a:latin typeface="Courier" charset="0"/>
+                <a:ea typeface="Courier" charset="0"/>
+                <a:cs typeface="Courier" charset="0"/>
+                <a:sym typeface="Cabin"/>
+              </a:rPr>
+              <a:t>print(</a:t>
+            </a:r>
+            <a:r>
+              <a:rPr lang="en-US" sz="2800" u="none" strike="noStrike" cap="none" dirty="0" smtClean="0">
+                <a:solidFill>
+                  <a:srgbClr val="FF7F00"/>
+                </a:solidFill>
+                <a:latin typeface="Courier" charset="0"/>
+                <a:ea typeface="Courier" charset="0"/>
+                <a:cs typeface="Courier" charset="0"/>
+                <a:sym typeface="Cabin"/>
+              </a:rPr>
+              <a:t> </a:t>
+            </a:r>
+            <a:r>
+              <a:rPr lang="en-US" sz="2800" u="none" strike="noStrike" cap="none" dirty="0">
+                <a:solidFill>
+                  <a:srgbClr val="00FF00"/>
+                </a:solidFill>
+                <a:latin typeface="Courier" charset="0"/>
+                <a:ea typeface="Courier" charset="0"/>
+                <a:cs typeface="Courier" charset="0"/>
+                <a:sym typeface="Cabin"/>
+              </a:rPr>
+              <a:t>'Finis</a:t>
+            </a:r>
+            <a:r>
+              <a:rPr lang="en-US" sz="2800" u="none" strike="noStrike" cap="none" dirty="0" smtClean="0">
+                <a:solidFill>
+                  <a:srgbClr val="00FF00"/>
+                </a:solidFill>
+                <a:latin typeface="Courier" charset="0"/>
+                <a:ea typeface="Courier" charset="0"/>
+                <a:cs typeface="Courier" charset="0"/>
+                <a:sym typeface="Cabin"/>
+              </a:rPr>
+              <a:t>'</a:t>
+            </a:r>
+            <a:r>
+              <a:rPr lang="en-US" sz="2800" dirty="0" smtClean="0">
+                <a:solidFill>
+                  <a:srgbClr val="FFFF00"/>
+                </a:solidFill>
+                <a:latin typeface="Courier" charset="0"/>
+                <a:ea typeface="Courier" charset="0"/>
+                <a:cs typeface="Courier" charset="0"/>
+                <a:sym typeface="Cabin"/>
+              </a:rPr>
+              <a:t>)</a:t>
+            </a:r>
+            <a:endParaRPr lang="en-US" sz="2800" u="none" strike="noStrike" cap="none" dirty="0">
+              <a:solidFill>
+                <a:srgbClr val="00FF00"/>
+              </a:solidFill>
+              <a:latin typeface="Courier" charset="0"/>
+              <a:ea typeface="Courier" charset="0"/>
+              <a:cs typeface="Courier" charset="0"/>
+              <a:sym typeface="Cabin"/>
+            </a:endParaRPr>
           </a:p>
         </p:txBody>
       </p:sp>
@@ -25757,8 +25767,8 @@
         </p:nvCxnSpPr>
         <p:spPr>
           <a:xfrm flipH="1">
-            <a:off x="11557000" y="4941849"/>
-            <a:ext cx="1558786" cy="423901"/>
+            <a:off x="12334672" y="4948237"/>
+            <a:ext cx="1206230" cy="417513"/>
           </a:xfrm>
           <a:prstGeom prst="straightConnector1">
             <a:avLst/>
@@ -25925,7 +25935,7 @@
               <a:buNone/>
             </a:pPr>
             <a:r>
-              <a:rPr lang="en-US" sz="3000" u="none" strike="noStrike" cap="none">
+              <a:rPr lang="en-US" sz="3000" u="none" strike="noStrike" cap="none" dirty="0" smtClean="0">
                 <a:solidFill>
                   <a:schemeClr val="lt1"/>
                 </a:solidFill>
@@ -25934,8 +25944,17 @@
                 <a:cs typeface="Arial" charset="0"/>
                 <a:sym typeface="Cabin"/>
               </a:rPr>
-              <a:t>print 'Smaller'</a:t>
-            </a:r>
+              <a:t>print('Smaller’)</a:t>
+            </a:r>
+            <a:endParaRPr lang="en-US" sz="3000" u="none" strike="noStrike" cap="none" dirty="0">
+              <a:solidFill>
+                <a:schemeClr val="lt1"/>
+              </a:solidFill>
+              <a:latin typeface="Arial" charset="0"/>
+              <a:ea typeface="Arial" charset="0"/>
+              <a:cs typeface="Arial" charset="0"/>
+              <a:sym typeface="Cabin"/>
+            </a:endParaRPr>
           </a:p>
         </p:txBody>
       </p:sp>
@@ -26193,7 +26212,7 @@
               <a:buNone/>
             </a:pPr>
             <a:r>
-              <a:rPr lang="en-US" sz="3000" u="none" strike="noStrike" cap="none">
+              <a:rPr lang="en-US" sz="3000" u="none" strike="noStrike" cap="none" dirty="0" smtClean="0">
                 <a:solidFill>
                   <a:schemeClr val="lt1"/>
                 </a:solidFill>
@@ -26202,8 +26221,17 @@
                 <a:cs typeface="Arial" charset="0"/>
                 <a:sym typeface="Cabin"/>
               </a:rPr>
-              <a:t>print 'Bigger'</a:t>
-            </a:r>
+              <a:t>print('Bigger’)</a:t>
+            </a:r>
+            <a:endParaRPr lang="en-US" sz="3000" u="none" strike="noStrike" cap="none" dirty="0">
+              <a:solidFill>
+                <a:schemeClr val="lt1"/>
+              </a:solidFill>
+              <a:latin typeface="Arial" charset="0"/>
+              <a:ea typeface="Arial" charset="0"/>
+              <a:cs typeface="Arial" charset="0"/>
+              <a:sym typeface="Cabin"/>
+            </a:endParaRPr>
           </a:p>
         </p:txBody>
       </p:sp>
@@ -26319,8 +26347,8 @@
         </p:nvCxnSpPr>
         <p:spPr>
           <a:xfrm flipH="1">
-            <a:off x="10185400" y="5492750"/>
-            <a:ext cx="3006724" cy="2051050"/>
+            <a:off x="11431588" y="5508625"/>
+            <a:ext cx="2109314" cy="1654175"/>
           </a:xfrm>
           <a:prstGeom prst="straightConnector1">
             <a:avLst/>
@@ -26386,7 +26414,7 @@
               <a:buNone/>
             </a:pPr>
             <a:r>
-              <a:rPr lang="en-US" sz="3000" u="none" strike="noStrike" cap="none">
+              <a:rPr lang="en-US" sz="3000" u="none" strike="noStrike" cap="none" dirty="0" smtClean="0">
                 <a:solidFill>
                   <a:schemeClr val="lt1"/>
                 </a:solidFill>
@@ -26395,8 +26423,17 @@
                 <a:cs typeface="Arial" charset="0"/>
                 <a:sym typeface="Cabin"/>
               </a:rPr>
-              <a:t>print 'Finis'</a:t>
-            </a:r>
+              <a:t>print('Finis’)</a:t>
+            </a:r>
+            <a:endParaRPr lang="en-US" sz="3000" u="none" strike="noStrike" cap="none" dirty="0">
+              <a:solidFill>
+                <a:schemeClr val="lt1"/>
+              </a:solidFill>
+              <a:latin typeface="Arial" charset="0"/>
+              <a:ea typeface="Arial" charset="0"/>
+              <a:cs typeface="Arial" charset="0"/>
+              <a:sym typeface="Cabin"/>
+            </a:endParaRPr>
           </a:p>
         </p:txBody>
       </p:sp>
@@ -29316,13 +29353,915 @@
       </p:grpSpPr>
       <p:sp>
         <p:nvSpPr>
+          <p:cNvPr id="9" name="Shape 625"/>
+          <p:cNvSpPr txBox="1"/>
+          <p:nvPr/>
+        </p:nvSpPr>
+        <p:spPr>
+          <a:xfrm>
+            <a:off x="998325" y="778213"/>
+            <a:ext cx="10035299" cy="7548664"/>
+          </a:xfrm>
+          <a:prstGeom prst="rect">
+            <a:avLst/>
+          </a:prstGeom>
+          <a:noFill/>
+          <a:ln>
+            <a:noFill/>
+          </a:ln>
+        </p:spPr>
+        <p:txBody>
+          <a:bodyPr lIns="0" tIns="0" rIns="0" bIns="0" anchor="ctr" anchorCtr="0">
+            <a:noAutofit/>
+          </a:bodyPr>
+          <a:lstStyle/>
+          <a:p>
+            <a:pPr marL="0" marR="0" lvl="0" indent="0" algn="l" rtl="0">
+              <a:lnSpc>
+                <a:spcPct val="100000"/>
+              </a:lnSpc>
+              <a:spcBef>
+                <a:spcPts val="0"/>
+              </a:spcBef>
+              <a:spcAft>
+                <a:spcPts val="0"/>
+              </a:spcAft>
+              <a:buClr>
+                <a:srgbClr val="00FF00"/>
+              </a:buClr>
+              <a:buSzPct val="25000"/>
+              <a:buFont typeface="Cabin"/>
+              <a:buNone/>
+            </a:pPr>
+            <a:r>
+              <a:rPr lang="en-US" sz="2800" b="1" i="0" u="none" strike="noStrike" cap="none" dirty="0">
+                <a:solidFill>
+                  <a:srgbClr val="FFFF00"/>
+                </a:solidFill>
+                <a:latin typeface="Courier New"/>
+                <a:ea typeface="Courier New"/>
+                <a:cs typeface="Courier New"/>
+                <a:sym typeface="Courier New"/>
+              </a:rPr>
+              <a:t>name = </a:t>
+            </a:r>
+            <a:r>
+              <a:rPr lang="en-US" sz="2800" b="1" i="0" u="none" strike="noStrike" cap="none" dirty="0" smtClean="0">
+                <a:solidFill>
+                  <a:schemeClr val="bg1"/>
+                </a:solidFill>
+                <a:latin typeface="Courier New"/>
+                <a:ea typeface="Courier New"/>
+                <a:cs typeface="Courier New"/>
+                <a:sym typeface="Courier New"/>
+              </a:rPr>
+              <a:t>input</a:t>
+            </a:r>
+            <a:r>
+              <a:rPr lang="en-US" sz="2800" b="1" i="0" u="none" strike="noStrike" cap="none" dirty="0">
+                <a:solidFill>
+                  <a:srgbClr val="FFFF00"/>
+                </a:solidFill>
+                <a:latin typeface="Courier New"/>
+                <a:ea typeface="Courier New"/>
+                <a:cs typeface="Courier New"/>
+                <a:sym typeface="Courier New"/>
+              </a:rPr>
+              <a:t>('Enter file:')</a:t>
+            </a:r>
+          </a:p>
+          <a:p>
+            <a:pPr marL="0" marR="0" lvl="0" indent="0" algn="l" rtl="0">
+              <a:lnSpc>
+                <a:spcPct val="100000"/>
+              </a:lnSpc>
+              <a:spcBef>
+                <a:spcPts val="0"/>
+              </a:spcBef>
+              <a:spcAft>
+                <a:spcPts val="0"/>
+              </a:spcAft>
+              <a:buClr>
+                <a:srgbClr val="00FF00"/>
+              </a:buClr>
+              <a:buSzPct val="25000"/>
+              <a:buFont typeface="Cabin"/>
+              <a:buNone/>
+            </a:pPr>
+            <a:r>
+              <a:rPr lang="en-US" sz="2800" b="1" i="0" u="none" strike="noStrike" cap="none" dirty="0">
+                <a:solidFill>
+                  <a:srgbClr val="FFFF00"/>
+                </a:solidFill>
+                <a:latin typeface="Courier New"/>
+                <a:ea typeface="Courier New"/>
+                <a:cs typeface="Courier New"/>
+                <a:sym typeface="Courier New"/>
+              </a:rPr>
+              <a:t>handle = open(name, 'r')</a:t>
+            </a:r>
+          </a:p>
+          <a:p>
+            <a:pPr marL="0" marR="0" lvl="0" indent="0" algn="l" rtl="0">
+              <a:lnSpc>
+                <a:spcPct val="100000"/>
+              </a:lnSpc>
+              <a:spcBef>
+                <a:spcPts val="0"/>
+              </a:spcBef>
+              <a:spcAft>
+                <a:spcPts val="0"/>
+              </a:spcAft>
+              <a:buClr>
+                <a:srgbClr val="00FF00"/>
+              </a:buClr>
+              <a:buSzPct val="25000"/>
+              <a:buFont typeface="Cabin"/>
+              <a:buNone/>
+            </a:pPr>
+            <a:r>
+              <a:rPr lang="en-US" sz="2800" b="1" i="0" u="none" strike="noStrike" cap="none" dirty="0">
+                <a:solidFill>
+                  <a:srgbClr val="FFFF00"/>
+                </a:solidFill>
+                <a:latin typeface="Courier New"/>
+                <a:ea typeface="Courier New"/>
+                <a:cs typeface="Courier New"/>
+                <a:sym typeface="Courier New"/>
+              </a:rPr>
+              <a:t>text = </a:t>
+            </a:r>
+            <a:r>
+              <a:rPr lang="en-US" sz="2800" b="1" i="0" u="none" strike="noStrike" cap="none" dirty="0" err="1">
+                <a:solidFill>
+                  <a:srgbClr val="FFFF00"/>
+                </a:solidFill>
+                <a:latin typeface="Courier New"/>
+                <a:ea typeface="Courier New"/>
+                <a:cs typeface="Courier New"/>
+                <a:sym typeface="Courier New"/>
+              </a:rPr>
+              <a:t>handle.read</a:t>
+            </a:r>
+            <a:r>
+              <a:rPr lang="en-US" sz="2800" b="1" i="0" u="none" strike="noStrike" cap="none" dirty="0">
+                <a:solidFill>
+                  <a:srgbClr val="FFFF00"/>
+                </a:solidFill>
+                <a:latin typeface="Courier New"/>
+                <a:ea typeface="Courier New"/>
+                <a:cs typeface="Courier New"/>
+                <a:sym typeface="Courier New"/>
+              </a:rPr>
+              <a:t>()</a:t>
+            </a:r>
+          </a:p>
+          <a:p>
+            <a:pPr marL="0" marR="0" lvl="0" indent="0" algn="l" rtl="0">
+              <a:lnSpc>
+                <a:spcPct val="100000"/>
+              </a:lnSpc>
+              <a:spcBef>
+                <a:spcPts val="0"/>
+              </a:spcBef>
+              <a:spcAft>
+                <a:spcPts val="0"/>
+              </a:spcAft>
+              <a:buClr>
+                <a:srgbClr val="00FF00"/>
+              </a:buClr>
+              <a:buSzPct val="25000"/>
+              <a:buFont typeface="Cabin"/>
+              <a:buNone/>
+            </a:pPr>
+            <a:r>
+              <a:rPr lang="en-US" sz="2800" b="1" i="0" u="none" strike="noStrike" cap="none" dirty="0">
+                <a:solidFill>
+                  <a:srgbClr val="FFFF00"/>
+                </a:solidFill>
+                <a:latin typeface="Courier New"/>
+                <a:ea typeface="Courier New"/>
+                <a:cs typeface="Courier New"/>
+                <a:sym typeface="Courier New"/>
+              </a:rPr>
+              <a:t>words = </a:t>
+            </a:r>
+            <a:r>
+              <a:rPr lang="en-US" sz="2800" b="1" i="0" u="none" strike="noStrike" cap="none" dirty="0" err="1">
+                <a:solidFill>
+                  <a:srgbClr val="FFFF00"/>
+                </a:solidFill>
+                <a:latin typeface="Courier New"/>
+                <a:ea typeface="Courier New"/>
+                <a:cs typeface="Courier New"/>
+                <a:sym typeface="Courier New"/>
+              </a:rPr>
+              <a:t>text.split</a:t>
+            </a:r>
+            <a:r>
+              <a:rPr lang="en-US" sz="2800" b="1" i="0" u="none" strike="noStrike" cap="none" dirty="0">
+                <a:solidFill>
+                  <a:srgbClr val="FFFF00"/>
+                </a:solidFill>
+                <a:latin typeface="Courier New"/>
+                <a:ea typeface="Courier New"/>
+                <a:cs typeface="Courier New"/>
+                <a:sym typeface="Courier New"/>
+              </a:rPr>
+              <a:t>()</a:t>
+            </a:r>
+          </a:p>
+          <a:p>
+            <a:pPr marL="0" marR="0" lvl="0" indent="0" algn="ctr" rtl="0">
+              <a:lnSpc>
+                <a:spcPct val="100000"/>
+              </a:lnSpc>
+              <a:spcBef>
+                <a:spcPts val="0"/>
+              </a:spcBef>
+              <a:spcAft>
+                <a:spcPts val="0"/>
+              </a:spcAft>
+              <a:buNone/>
+            </a:pPr>
+            <a:endParaRPr sz="2800" b="1" i="0" u="none" strike="noStrike" cap="none" dirty="0">
+              <a:solidFill>
+                <a:srgbClr val="00FF00"/>
+              </a:solidFill>
+              <a:latin typeface="Courier New"/>
+              <a:ea typeface="Courier New"/>
+              <a:cs typeface="Courier New"/>
+              <a:sym typeface="Courier New"/>
+            </a:endParaRPr>
+          </a:p>
+          <a:p>
+            <a:pPr marL="0" marR="0" lvl="0" indent="0" algn="l" rtl="0">
+              <a:lnSpc>
+                <a:spcPct val="100000"/>
+              </a:lnSpc>
+              <a:spcBef>
+                <a:spcPts val="0"/>
+              </a:spcBef>
+              <a:spcAft>
+                <a:spcPts val="0"/>
+              </a:spcAft>
+              <a:buClr>
+                <a:srgbClr val="00FF00"/>
+              </a:buClr>
+              <a:buSzPct val="25000"/>
+              <a:buFont typeface="Cabin"/>
+              <a:buNone/>
+            </a:pPr>
+            <a:r>
+              <a:rPr lang="en-US" sz="2800" b="1" i="0" u="none" strike="noStrike" cap="none" dirty="0">
+                <a:solidFill>
+                  <a:srgbClr val="FFFF00"/>
+                </a:solidFill>
+                <a:latin typeface="Courier New"/>
+                <a:ea typeface="Courier New"/>
+                <a:cs typeface="Courier New"/>
+                <a:sym typeface="Courier New"/>
+              </a:rPr>
+              <a:t>counts = </a:t>
+            </a:r>
+            <a:r>
+              <a:rPr lang="en-US" sz="2800" b="1" i="0" u="none" strike="noStrike" cap="none" dirty="0" err="1">
+                <a:solidFill>
+                  <a:srgbClr val="FFFF00"/>
+                </a:solidFill>
+                <a:latin typeface="Courier New"/>
+                <a:ea typeface="Courier New"/>
+                <a:cs typeface="Courier New"/>
+                <a:sym typeface="Courier New"/>
+              </a:rPr>
+              <a:t>dict</a:t>
+            </a:r>
+            <a:r>
+              <a:rPr lang="en-US" sz="2800" b="1" i="0" u="none" strike="noStrike" cap="none" dirty="0">
+                <a:solidFill>
+                  <a:srgbClr val="FFFF00"/>
+                </a:solidFill>
+                <a:latin typeface="Courier New"/>
+                <a:ea typeface="Courier New"/>
+                <a:cs typeface="Courier New"/>
+                <a:sym typeface="Courier New"/>
+              </a:rPr>
+              <a:t>()</a:t>
+            </a:r>
+          </a:p>
+          <a:p>
+            <a:pPr marL="0" marR="0" lvl="0" indent="0" algn="l" rtl="0">
+              <a:lnSpc>
+                <a:spcPct val="100000"/>
+              </a:lnSpc>
+              <a:spcBef>
+                <a:spcPts val="0"/>
+              </a:spcBef>
+              <a:spcAft>
+                <a:spcPts val="0"/>
+              </a:spcAft>
+              <a:buClr>
+                <a:srgbClr val="00FF00"/>
+              </a:buClr>
+              <a:buSzPct val="25000"/>
+              <a:buFont typeface="Cabin"/>
+              <a:buNone/>
+            </a:pPr>
+            <a:r>
+              <a:rPr lang="en-US" sz="2800" b="1" i="0" u="none" strike="noStrike" cap="none" dirty="0">
+                <a:solidFill>
+                  <a:srgbClr val="00FF00"/>
+                </a:solidFill>
+                <a:latin typeface="Courier New"/>
+                <a:ea typeface="Courier New"/>
+                <a:cs typeface="Courier New"/>
+                <a:sym typeface="Courier New"/>
+              </a:rPr>
+              <a:t>for word in words:</a:t>
+            </a:r>
+          </a:p>
+          <a:p>
+            <a:pPr marL="0" marR="0" lvl="0" indent="0" algn="l" rtl="0">
+              <a:lnSpc>
+                <a:spcPct val="100000"/>
+              </a:lnSpc>
+              <a:spcBef>
+                <a:spcPts val="0"/>
+              </a:spcBef>
+              <a:spcAft>
+                <a:spcPts val="0"/>
+              </a:spcAft>
+              <a:buClr>
+                <a:srgbClr val="00FF00"/>
+              </a:buClr>
+              <a:buSzPct val="25000"/>
+              <a:buFont typeface="Cabin"/>
+              <a:buNone/>
+            </a:pPr>
+            <a:r>
+              <a:rPr lang="en-US" sz="2800" b="1" i="0" u="none" strike="noStrike" cap="none" dirty="0">
+                <a:solidFill>
+                  <a:srgbClr val="00FF00"/>
+                </a:solidFill>
+                <a:latin typeface="Courier New"/>
+                <a:ea typeface="Courier New"/>
+                <a:cs typeface="Courier New"/>
+                <a:sym typeface="Courier New"/>
+              </a:rPr>
+              <a:t>   counts[word] = </a:t>
+            </a:r>
+            <a:r>
+              <a:rPr lang="en-US" sz="2800" b="1" i="0" u="none" strike="noStrike" cap="none" dirty="0" err="1">
+                <a:solidFill>
+                  <a:srgbClr val="00FF00"/>
+                </a:solidFill>
+                <a:latin typeface="Courier New"/>
+                <a:ea typeface="Courier New"/>
+                <a:cs typeface="Courier New"/>
+                <a:sym typeface="Courier New"/>
+              </a:rPr>
+              <a:t>counts.get</a:t>
+            </a:r>
+            <a:r>
+              <a:rPr lang="en-US" sz="2800" b="1" i="0" u="none" strike="noStrike" cap="none" dirty="0">
+                <a:solidFill>
+                  <a:srgbClr val="00FF00"/>
+                </a:solidFill>
+                <a:latin typeface="Courier New"/>
+                <a:ea typeface="Courier New"/>
+                <a:cs typeface="Courier New"/>
+                <a:sym typeface="Courier New"/>
+              </a:rPr>
+              <a:t>(word,0) + 1</a:t>
+            </a:r>
+          </a:p>
+          <a:p>
+            <a:pPr marL="0" marR="0" lvl="0" indent="0" algn="l" rtl="0">
+              <a:lnSpc>
+                <a:spcPct val="100000"/>
+              </a:lnSpc>
+              <a:spcBef>
+                <a:spcPts val="0"/>
+              </a:spcBef>
+              <a:spcAft>
+                <a:spcPts val="0"/>
+              </a:spcAft>
+              <a:buClr>
+                <a:srgbClr val="00FF00"/>
+              </a:buClr>
+              <a:buSzPct val="25000"/>
+              <a:buFont typeface="Cabin"/>
+              <a:buNone/>
+            </a:pPr>
+            <a:r>
+              <a:rPr lang="en-US" sz="2800" b="1" i="0" u="none" strike="noStrike" cap="none" dirty="0" err="1">
+                <a:solidFill>
+                  <a:srgbClr val="FFFF00"/>
+                </a:solidFill>
+                <a:latin typeface="Courier New"/>
+                <a:ea typeface="Courier New"/>
+                <a:cs typeface="Courier New"/>
+                <a:sym typeface="Courier New"/>
+              </a:rPr>
+              <a:t>bigcount</a:t>
+            </a:r>
+            <a:r>
+              <a:rPr lang="en-US" sz="2800" b="1" i="0" u="none" strike="noStrike" cap="none" dirty="0">
+                <a:solidFill>
+                  <a:srgbClr val="FFFF00"/>
+                </a:solidFill>
+                <a:latin typeface="Courier New"/>
+                <a:ea typeface="Courier New"/>
+                <a:cs typeface="Courier New"/>
+                <a:sym typeface="Courier New"/>
+              </a:rPr>
+              <a:t> = None</a:t>
+            </a:r>
+          </a:p>
+          <a:p>
+            <a:pPr marL="0" marR="0" lvl="0" indent="0" algn="l" rtl="0">
+              <a:lnSpc>
+                <a:spcPct val="100000"/>
+              </a:lnSpc>
+              <a:spcBef>
+                <a:spcPts val="0"/>
+              </a:spcBef>
+              <a:spcAft>
+                <a:spcPts val="0"/>
+              </a:spcAft>
+              <a:buClr>
+                <a:srgbClr val="00FF00"/>
+              </a:buClr>
+              <a:buSzPct val="25000"/>
+              <a:buFont typeface="Cabin"/>
+              <a:buNone/>
+            </a:pPr>
+            <a:r>
+              <a:rPr lang="en-US" sz="2800" b="1" i="0" u="none" strike="noStrike" cap="none" dirty="0" err="1">
+                <a:solidFill>
+                  <a:srgbClr val="FFFF00"/>
+                </a:solidFill>
+                <a:latin typeface="Courier New"/>
+                <a:ea typeface="Courier New"/>
+                <a:cs typeface="Courier New"/>
+                <a:sym typeface="Courier New"/>
+              </a:rPr>
+              <a:t>bigword</a:t>
+            </a:r>
+            <a:r>
+              <a:rPr lang="en-US" sz="2800" b="1" i="0" u="none" strike="noStrike" cap="none" dirty="0">
+                <a:solidFill>
+                  <a:srgbClr val="FFFF00"/>
+                </a:solidFill>
+                <a:latin typeface="Courier New"/>
+                <a:ea typeface="Courier New"/>
+                <a:cs typeface="Courier New"/>
+                <a:sym typeface="Courier New"/>
+              </a:rPr>
+              <a:t> = None</a:t>
+            </a:r>
+          </a:p>
+          <a:p>
+            <a:pPr marL="0" marR="0" lvl="0" indent="0" algn="ctr" rtl="0">
+              <a:lnSpc>
+                <a:spcPct val="100000"/>
+              </a:lnSpc>
+              <a:spcBef>
+                <a:spcPts val="0"/>
+              </a:spcBef>
+              <a:spcAft>
+                <a:spcPts val="0"/>
+              </a:spcAft>
+              <a:buNone/>
+            </a:pPr>
+            <a:endParaRPr sz="2800" b="1" i="0" u="none" strike="noStrike" cap="none" dirty="0">
+              <a:solidFill>
+                <a:srgbClr val="00FF00"/>
+              </a:solidFill>
+              <a:latin typeface="Courier New"/>
+              <a:ea typeface="Courier New"/>
+              <a:cs typeface="Courier New"/>
+              <a:sym typeface="Courier New"/>
+            </a:endParaRPr>
+          </a:p>
+          <a:p>
+            <a:pPr marL="0" marR="0" lvl="0" indent="0" algn="l" rtl="0">
+              <a:lnSpc>
+                <a:spcPct val="100000"/>
+              </a:lnSpc>
+              <a:spcBef>
+                <a:spcPts val="0"/>
+              </a:spcBef>
+              <a:spcAft>
+                <a:spcPts val="0"/>
+              </a:spcAft>
+              <a:buClr>
+                <a:srgbClr val="00FF00"/>
+              </a:buClr>
+              <a:buSzPct val="25000"/>
+              <a:buFont typeface="Cabin"/>
+              <a:buNone/>
+            </a:pPr>
+            <a:r>
+              <a:rPr lang="en-US" sz="2800" b="1" i="0" u="none" strike="noStrike" cap="none" dirty="0">
+                <a:solidFill>
+                  <a:srgbClr val="00FF00"/>
+                </a:solidFill>
+                <a:latin typeface="Courier New"/>
+                <a:ea typeface="Courier New"/>
+                <a:cs typeface="Courier New"/>
+                <a:sym typeface="Courier New"/>
+              </a:rPr>
+              <a:t>for </a:t>
+            </a:r>
+            <a:r>
+              <a:rPr lang="en-US" sz="2800" b="1" i="0" u="none" strike="noStrike" cap="none" dirty="0" err="1">
+                <a:solidFill>
+                  <a:srgbClr val="00FF00"/>
+                </a:solidFill>
+                <a:latin typeface="Courier New"/>
+                <a:ea typeface="Courier New"/>
+                <a:cs typeface="Courier New"/>
+                <a:sym typeface="Courier New"/>
+              </a:rPr>
+              <a:t>word,count</a:t>
+            </a:r>
+            <a:r>
+              <a:rPr lang="en-US" sz="2800" b="1" i="0" u="none" strike="noStrike" cap="none" dirty="0">
+                <a:solidFill>
+                  <a:srgbClr val="00FF00"/>
+                </a:solidFill>
+                <a:latin typeface="Courier New"/>
+                <a:ea typeface="Courier New"/>
+                <a:cs typeface="Courier New"/>
+                <a:sym typeface="Courier New"/>
+              </a:rPr>
+              <a:t> in </a:t>
+            </a:r>
+            <a:r>
+              <a:rPr lang="en-US" sz="2800" b="1" i="0" u="none" strike="noStrike" cap="none" dirty="0" err="1">
+                <a:solidFill>
+                  <a:srgbClr val="00FF00"/>
+                </a:solidFill>
+                <a:latin typeface="Courier New"/>
+                <a:ea typeface="Courier New"/>
+                <a:cs typeface="Courier New"/>
+                <a:sym typeface="Courier New"/>
+              </a:rPr>
+              <a:t>counts.items</a:t>
+            </a:r>
+            <a:r>
+              <a:rPr lang="en-US" sz="2800" b="1" i="0" u="none" strike="noStrike" cap="none" dirty="0">
+                <a:solidFill>
+                  <a:srgbClr val="00FF00"/>
+                </a:solidFill>
+                <a:latin typeface="Courier New"/>
+                <a:ea typeface="Courier New"/>
+                <a:cs typeface="Courier New"/>
+                <a:sym typeface="Courier New"/>
+              </a:rPr>
+              <a:t>():</a:t>
+            </a:r>
+          </a:p>
+          <a:p>
+            <a:pPr marL="0" marR="0" lvl="0" indent="0" algn="l" rtl="0">
+              <a:lnSpc>
+                <a:spcPct val="100000"/>
+              </a:lnSpc>
+              <a:spcBef>
+                <a:spcPts val="0"/>
+              </a:spcBef>
+              <a:spcAft>
+                <a:spcPts val="0"/>
+              </a:spcAft>
+              <a:buClr>
+                <a:srgbClr val="00FF00"/>
+              </a:buClr>
+              <a:buSzPct val="25000"/>
+              <a:buFont typeface="Cabin"/>
+              <a:buNone/>
+            </a:pPr>
+            <a:r>
+              <a:rPr lang="en-US" sz="2800" b="1" i="0" u="none" strike="noStrike" cap="none" dirty="0">
+                <a:solidFill>
+                  <a:srgbClr val="FF00FF"/>
+                </a:solidFill>
+                <a:latin typeface="Courier New"/>
+                <a:ea typeface="Courier New"/>
+                <a:cs typeface="Courier New"/>
+                <a:sym typeface="Courier New"/>
+              </a:rPr>
+              <a:t>  </a:t>
+            </a:r>
+            <a:r>
+              <a:rPr lang="en-US" sz="2800" b="1" i="0" u="none" strike="noStrike" cap="none" dirty="0">
+                <a:solidFill>
+                  <a:srgbClr val="FF7F00"/>
+                </a:solidFill>
+                <a:latin typeface="Courier New"/>
+                <a:ea typeface="Courier New"/>
+                <a:cs typeface="Courier New"/>
+                <a:sym typeface="Courier New"/>
+              </a:rPr>
+              <a:t>  </a:t>
+            </a:r>
+            <a:r>
+              <a:rPr lang="en-US" sz="2800" b="1" i="0" u="none" strike="noStrike" cap="none" dirty="0">
+                <a:solidFill>
+                  <a:srgbClr val="FF9900"/>
+                </a:solidFill>
+                <a:latin typeface="Courier New"/>
+                <a:ea typeface="Courier New"/>
+                <a:cs typeface="Courier New"/>
+                <a:sym typeface="Courier New"/>
+              </a:rPr>
+              <a:t>if </a:t>
+            </a:r>
+            <a:r>
+              <a:rPr lang="en-US" sz="2800" b="1" i="0" u="none" strike="noStrike" cap="none" dirty="0" err="1">
+                <a:solidFill>
+                  <a:srgbClr val="FF9900"/>
+                </a:solidFill>
+                <a:latin typeface="Courier New"/>
+                <a:ea typeface="Courier New"/>
+                <a:cs typeface="Courier New"/>
+                <a:sym typeface="Courier New"/>
+              </a:rPr>
+              <a:t>bigcount</a:t>
+            </a:r>
+            <a:r>
+              <a:rPr lang="en-US" sz="2800" b="1" i="0" u="none" strike="noStrike" cap="none" dirty="0">
+                <a:solidFill>
+                  <a:srgbClr val="FF9900"/>
+                </a:solidFill>
+                <a:latin typeface="Courier New"/>
+                <a:ea typeface="Courier New"/>
+                <a:cs typeface="Courier New"/>
+                <a:sym typeface="Courier New"/>
+              </a:rPr>
+              <a:t> is None or count &gt; </a:t>
+            </a:r>
+            <a:r>
+              <a:rPr lang="en-US" sz="2800" b="1" i="0" u="none" strike="noStrike" cap="none" dirty="0" err="1">
+                <a:solidFill>
+                  <a:srgbClr val="FF9900"/>
+                </a:solidFill>
+                <a:latin typeface="Courier New"/>
+                <a:ea typeface="Courier New"/>
+                <a:cs typeface="Courier New"/>
+                <a:sym typeface="Courier New"/>
+              </a:rPr>
+              <a:t>bigcount</a:t>
+            </a:r>
+            <a:r>
+              <a:rPr lang="en-US" sz="2800" b="1" i="0" u="none" strike="noStrike" cap="none" dirty="0">
+                <a:solidFill>
+                  <a:srgbClr val="FF9900"/>
+                </a:solidFill>
+                <a:latin typeface="Courier New"/>
+                <a:ea typeface="Courier New"/>
+                <a:cs typeface="Courier New"/>
+                <a:sym typeface="Courier New"/>
+              </a:rPr>
+              <a:t>:</a:t>
+            </a:r>
+          </a:p>
+          <a:p>
+            <a:pPr marL="0" marR="0" lvl="0" indent="0" algn="l" rtl="0">
+              <a:lnSpc>
+                <a:spcPct val="100000"/>
+              </a:lnSpc>
+              <a:spcBef>
+                <a:spcPts val="0"/>
+              </a:spcBef>
+              <a:spcAft>
+                <a:spcPts val="0"/>
+              </a:spcAft>
+              <a:buClr>
+                <a:srgbClr val="00FF00"/>
+              </a:buClr>
+              <a:buSzPct val="25000"/>
+              <a:buFont typeface="Cabin"/>
+              <a:buNone/>
+            </a:pPr>
+            <a:r>
+              <a:rPr lang="en-US" sz="2800" b="1" i="0" u="none" strike="noStrike" cap="none" dirty="0">
+                <a:solidFill>
+                  <a:srgbClr val="FF9900"/>
+                </a:solidFill>
+                <a:latin typeface="Courier New"/>
+                <a:ea typeface="Courier New"/>
+                <a:cs typeface="Courier New"/>
+                <a:sym typeface="Courier New"/>
+              </a:rPr>
+              <a:t>        </a:t>
+            </a:r>
+            <a:r>
+              <a:rPr lang="en-US" sz="2800" b="1" i="0" u="none" strike="noStrike" cap="none" dirty="0" err="1">
+                <a:solidFill>
+                  <a:srgbClr val="FF9900"/>
+                </a:solidFill>
+                <a:latin typeface="Courier New"/>
+                <a:ea typeface="Courier New"/>
+                <a:cs typeface="Courier New"/>
+                <a:sym typeface="Courier New"/>
+              </a:rPr>
+              <a:t>bigword</a:t>
+            </a:r>
+            <a:r>
+              <a:rPr lang="en-US" sz="2800" b="1" i="0" u="none" strike="noStrike" cap="none" dirty="0">
+                <a:solidFill>
+                  <a:srgbClr val="FF9900"/>
+                </a:solidFill>
+                <a:latin typeface="Courier New"/>
+                <a:ea typeface="Courier New"/>
+                <a:cs typeface="Courier New"/>
+                <a:sym typeface="Courier New"/>
+              </a:rPr>
+              <a:t> = word</a:t>
+            </a:r>
+          </a:p>
+          <a:p>
+            <a:pPr marL="0" marR="0" lvl="0" indent="0" algn="l" rtl="0">
+              <a:lnSpc>
+                <a:spcPct val="100000"/>
+              </a:lnSpc>
+              <a:spcBef>
+                <a:spcPts val="0"/>
+              </a:spcBef>
+              <a:spcAft>
+                <a:spcPts val="0"/>
+              </a:spcAft>
+              <a:buClr>
+                <a:srgbClr val="00FF00"/>
+              </a:buClr>
+              <a:buSzPct val="25000"/>
+              <a:buFont typeface="Cabin"/>
+              <a:buNone/>
+            </a:pPr>
+            <a:r>
+              <a:rPr lang="en-US" sz="2800" b="1" i="0" u="none" strike="noStrike" cap="none" dirty="0">
+                <a:solidFill>
+                  <a:srgbClr val="FF9900"/>
+                </a:solidFill>
+                <a:latin typeface="Courier New"/>
+                <a:ea typeface="Courier New"/>
+                <a:cs typeface="Courier New"/>
+                <a:sym typeface="Courier New"/>
+              </a:rPr>
+              <a:t>        </a:t>
+            </a:r>
+            <a:r>
+              <a:rPr lang="en-US" sz="2800" b="1" i="0" u="none" strike="noStrike" cap="none" dirty="0" err="1">
+                <a:solidFill>
+                  <a:srgbClr val="FF9900"/>
+                </a:solidFill>
+                <a:latin typeface="Courier New"/>
+                <a:ea typeface="Courier New"/>
+                <a:cs typeface="Courier New"/>
+                <a:sym typeface="Courier New"/>
+              </a:rPr>
+              <a:t>bigcount</a:t>
+            </a:r>
+            <a:r>
+              <a:rPr lang="en-US" sz="2800" b="1" i="0" u="none" strike="noStrike" cap="none" dirty="0">
+                <a:solidFill>
+                  <a:srgbClr val="FF9900"/>
+                </a:solidFill>
+                <a:latin typeface="Courier New"/>
+                <a:ea typeface="Courier New"/>
+                <a:cs typeface="Courier New"/>
+                <a:sym typeface="Courier New"/>
+              </a:rPr>
+              <a:t> = count</a:t>
+            </a:r>
+          </a:p>
+          <a:p>
+            <a:pPr marL="0" marR="0" lvl="0" indent="0" algn="l" rtl="0">
+              <a:lnSpc>
+                <a:spcPct val="100000"/>
+              </a:lnSpc>
+              <a:spcBef>
+                <a:spcPts val="0"/>
+              </a:spcBef>
+              <a:spcAft>
+                <a:spcPts val="0"/>
+              </a:spcAft>
+              <a:buClr>
+                <a:srgbClr val="00FF00"/>
+              </a:buClr>
+              <a:buFont typeface="Cabin"/>
+              <a:buNone/>
+            </a:pPr>
+            <a:endParaRPr sz="2800" b="1" dirty="0">
+              <a:solidFill>
+                <a:srgbClr val="00FF00"/>
+              </a:solidFill>
+              <a:latin typeface="Courier New"/>
+              <a:ea typeface="Courier New"/>
+              <a:cs typeface="Courier New"/>
+              <a:sym typeface="Courier New"/>
+            </a:endParaRPr>
+          </a:p>
+          <a:p>
+            <a:pPr marL="0" marR="0" lvl="0" indent="0" algn="l" rtl="0">
+              <a:lnSpc>
+                <a:spcPct val="100000"/>
+              </a:lnSpc>
+              <a:spcBef>
+                <a:spcPts val="0"/>
+              </a:spcBef>
+              <a:spcAft>
+                <a:spcPts val="0"/>
+              </a:spcAft>
+              <a:buClr>
+                <a:srgbClr val="00FF00"/>
+              </a:buClr>
+              <a:buSzPct val="25000"/>
+              <a:buFont typeface="Cabin"/>
+              <a:buNone/>
+            </a:pPr>
+            <a:r>
+              <a:rPr lang="en-US" sz="2800" b="1" i="0" u="none" strike="noStrike" cap="none" dirty="0" smtClean="0">
+                <a:solidFill>
+                  <a:srgbClr val="FFFF00"/>
+                </a:solidFill>
+                <a:latin typeface="Courier New"/>
+                <a:ea typeface="Courier New"/>
+                <a:cs typeface="Courier New"/>
+                <a:sym typeface="Courier New"/>
+              </a:rPr>
+              <a:t>print(</a:t>
+            </a:r>
+            <a:r>
+              <a:rPr lang="en-US" sz="2800" b="1" i="0" u="none" strike="noStrike" cap="none" dirty="0" err="1" smtClean="0">
+                <a:solidFill>
+                  <a:srgbClr val="FFFF00"/>
+                </a:solidFill>
+                <a:latin typeface="Courier New"/>
+                <a:ea typeface="Courier New"/>
+                <a:cs typeface="Courier New"/>
+                <a:sym typeface="Courier New"/>
+              </a:rPr>
+              <a:t>bigword</a:t>
+            </a:r>
+            <a:r>
+              <a:rPr lang="en-US" sz="2800" b="1" i="0" u="none" strike="noStrike" cap="none" dirty="0">
+                <a:solidFill>
+                  <a:srgbClr val="FFFF00"/>
+                </a:solidFill>
+                <a:latin typeface="Courier New"/>
+                <a:ea typeface="Courier New"/>
+                <a:cs typeface="Courier New"/>
+                <a:sym typeface="Courier New"/>
+              </a:rPr>
+              <a:t>, </a:t>
+            </a:r>
+            <a:r>
+              <a:rPr lang="en-US" sz="2800" b="1" i="0" u="none" strike="noStrike" cap="none" dirty="0" err="1" smtClean="0">
+                <a:solidFill>
+                  <a:srgbClr val="FFFF00"/>
+                </a:solidFill>
+                <a:latin typeface="Courier New"/>
+                <a:ea typeface="Courier New"/>
+                <a:cs typeface="Courier New"/>
+                <a:sym typeface="Courier New"/>
+              </a:rPr>
+              <a:t>bigcount</a:t>
+            </a:r>
+            <a:r>
+              <a:rPr lang="en-US" sz="2800" b="1" i="0" u="none" strike="noStrike" cap="none" dirty="0" smtClean="0">
+                <a:solidFill>
+                  <a:srgbClr val="FFFF00"/>
+                </a:solidFill>
+                <a:latin typeface="Courier New"/>
+                <a:ea typeface="Courier New"/>
+                <a:cs typeface="Courier New"/>
+                <a:sym typeface="Courier New"/>
+              </a:rPr>
+              <a:t>)</a:t>
+            </a:r>
+            <a:endParaRPr lang="en-US" sz="2800" b="1" i="0" u="none" strike="noStrike" cap="none" dirty="0">
+              <a:solidFill>
+                <a:srgbClr val="FFFF00"/>
+              </a:solidFill>
+              <a:latin typeface="Courier New"/>
+              <a:ea typeface="Courier New"/>
+              <a:cs typeface="Courier New"/>
+              <a:sym typeface="Courier New"/>
+            </a:endParaRPr>
+          </a:p>
+        </p:txBody>
+      </p:sp>
+      <p:sp>
+        <p:nvSpPr>
           <p:cNvPr id="632" name="Shape 632"/>
           <p:cNvSpPr txBox="1"/>
           <p:nvPr/>
         </p:nvSpPr>
         <p:spPr>
           <a:xfrm>
-            <a:off x="11244375" y="734950"/>
+            <a:off x="12003133" y="712245"/>
             <a:ext cx="3996000" cy="7680599"/>
           </a:xfrm>
           <a:prstGeom prst="rect">
@@ -29560,7 +30499,7 @@
         <p:spPr>
           <a:xfrm>
             <a:off x="6986588" y="1100138"/>
-            <a:ext cx="4011411" cy="2020087"/>
+            <a:ext cx="5172986" cy="2323998"/>
           </a:xfrm>
           <a:prstGeom prst="straightConnector1">
             <a:avLst/>
@@ -29585,8 +30524,8 @@
         </p:nvCxnSpPr>
         <p:spPr>
           <a:xfrm>
-            <a:off x="9972675" y="3971925"/>
-            <a:ext cx="1633575" cy="1094274"/>
+            <a:off x="9786026" y="4202349"/>
+            <a:ext cx="2373548" cy="972766"/>
           </a:xfrm>
           <a:prstGeom prst="straightConnector1">
             <a:avLst/>
@@ -29611,8 +30550,8 @@
         </p:nvCxnSpPr>
         <p:spPr>
           <a:xfrm>
-            <a:off x="7558088" y="6643688"/>
-            <a:ext cx="3629037" cy="314161"/>
+            <a:off x="10214043" y="6887183"/>
+            <a:ext cx="1789090" cy="680936"/>
           </a:xfrm>
           <a:prstGeom prst="straightConnector1">
             <a:avLst/>
@@ -29629,908 +30568,6 @@
           </a:ln>
         </p:spPr>
       </p:cxnSp>
-      <p:sp>
-        <p:nvSpPr>
-          <p:cNvPr id="9" name="Shape 625"/>
-          <p:cNvSpPr txBox="1"/>
-          <p:nvPr/>
-        </p:nvSpPr>
-        <p:spPr>
-          <a:xfrm>
-            <a:off x="998325" y="778213"/>
-            <a:ext cx="10035299" cy="7548664"/>
-          </a:xfrm>
-          <a:prstGeom prst="rect">
-            <a:avLst/>
-          </a:prstGeom>
-          <a:noFill/>
-          <a:ln>
-            <a:noFill/>
-          </a:ln>
-        </p:spPr>
-        <p:txBody>
-          <a:bodyPr lIns="0" tIns="0" rIns="0" bIns="0" anchor="ctr" anchorCtr="0">
-            <a:noAutofit/>
-          </a:bodyPr>
-          <a:lstStyle/>
-          <a:p>
-            <a:pPr marL="0" marR="0" lvl="0" indent="0" algn="l" rtl="0">
-              <a:lnSpc>
-                <a:spcPct val="100000"/>
-              </a:lnSpc>
-              <a:spcBef>
-                <a:spcPts val="0"/>
-              </a:spcBef>
-              <a:spcAft>
-                <a:spcPts val="0"/>
-              </a:spcAft>
-              <a:buClr>
-                <a:srgbClr val="00FF00"/>
-              </a:buClr>
-              <a:buSzPct val="25000"/>
-              <a:buFont typeface="Cabin"/>
-              <a:buNone/>
-            </a:pPr>
-            <a:r>
-              <a:rPr lang="en-US" sz="2800" b="1" i="0" u="none" strike="noStrike" cap="none" dirty="0">
-                <a:solidFill>
-                  <a:srgbClr val="FFFF00"/>
-                </a:solidFill>
-                <a:latin typeface="Courier New"/>
-                <a:ea typeface="Courier New"/>
-                <a:cs typeface="Courier New"/>
-                <a:sym typeface="Courier New"/>
-              </a:rPr>
-              <a:t>name = </a:t>
-            </a:r>
-            <a:r>
-              <a:rPr lang="en-US" sz="2800" b="1" i="0" u="none" strike="noStrike" cap="none" dirty="0" smtClean="0">
-                <a:solidFill>
-                  <a:schemeClr val="bg1"/>
-                </a:solidFill>
-                <a:latin typeface="Courier New"/>
-                <a:ea typeface="Courier New"/>
-                <a:cs typeface="Courier New"/>
-                <a:sym typeface="Courier New"/>
-              </a:rPr>
-              <a:t>input</a:t>
-            </a:r>
-            <a:r>
-              <a:rPr lang="en-US" sz="2800" b="1" i="0" u="none" strike="noStrike" cap="none" dirty="0">
-                <a:solidFill>
-                  <a:srgbClr val="FFFF00"/>
-                </a:solidFill>
-                <a:latin typeface="Courier New"/>
-                <a:ea typeface="Courier New"/>
-                <a:cs typeface="Courier New"/>
-                <a:sym typeface="Courier New"/>
-              </a:rPr>
-              <a:t>('Enter file:')</a:t>
-            </a:r>
-          </a:p>
-          <a:p>
-            <a:pPr marL="0" marR="0" lvl="0" indent="0" algn="l" rtl="0">
-              <a:lnSpc>
-                <a:spcPct val="100000"/>
-              </a:lnSpc>
-              <a:spcBef>
-                <a:spcPts val="0"/>
-              </a:spcBef>
-              <a:spcAft>
-                <a:spcPts val="0"/>
-              </a:spcAft>
-              <a:buClr>
-                <a:srgbClr val="00FF00"/>
-              </a:buClr>
-              <a:buSzPct val="25000"/>
-              <a:buFont typeface="Cabin"/>
-              <a:buNone/>
-            </a:pPr>
-            <a:r>
-              <a:rPr lang="en-US" sz="2800" b="1" i="0" u="none" strike="noStrike" cap="none" dirty="0">
-                <a:solidFill>
-                  <a:srgbClr val="FFFF00"/>
-                </a:solidFill>
-                <a:latin typeface="Courier New"/>
-                <a:ea typeface="Courier New"/>
-                <a:cs typeface="Courier New"/>
-                <a:sym typeface="Courier New"/>
-              </a:rPr>
-              <a:t>handle = open(name, 'r')</a:t>
-            </a:r>
-          </a:p>
-          <a:p>
-            <a:pPr marL="0" marR="0" lvl="0" indent="0" algn="l" rtl="0">
-              <a:lnSpc>
-                <a:spcPct val="100000"/>
-              </a:lnSpc>
-              <a:spcBef>
-                <a:spcPts val="0"/>
-              </a:spcBef>
-              <a:spcAft>
-                <a:spcPts val="0"/>
-              </a:spcAft>
-              <a:buClr>
-                <a:srgbClr val="00FF00"/>
-              </a:buClr>
-              <a:buSzPct val="25000"/>
-              <a:buFont typeface="Cabin"/>
-              <a:buNone/>
-            </a:pPr>
-            <a:r>
-              <a:rPr lang="en-US" sz="2800" b="1" i="0" u="none" strike="noStrike" cap="none" dirty="0">
-                <a:solidFill>
-                  <a:srgbClr val="FFFF00"/>
-                </a:solidFill>
-                <a:latin typeface="Courier New"/>
-                <a:ea typeface="Courier New"/>
-                <a:cs typeface="Courier New"/>
-                <a:sym typeface="Courier New"/>
-              </a:rPr>
-              <a:t>text = </a:t>
-            </a:r>
-            <a:r>
-              <a:rPr lang="en-US" sz="2800" b="1" i="0" u="none" strike="noStrike" cap="none" dirty="0" err="1">
-                <a:solidFill>
-                  <a:srgbClr val="FFFF00"/>
-                </a:solidFill>
-                <a:latin typeface="Courier New"/>
-                <a:ea typeface="Courier New"/>
-                <a:cs typeface="Courier New"/>
-                <a:sym typeface="Courier New"/>
-              </a:rPr>
-              <a:t>handle.read</a:t>
-            </a:r>
-            <a:r>
-              <a:rPr lang="en-US" sz="2800" b="1" i="0" u="none" strike="noStrike" cap="none" dirty="0">
-                <a:solidFill>
-                  <a:srgbClr val="FFFF00"/>
-                </a:solidFill>
-                <a:latin typeface="Courier New"/>
-                <a:ea typeface="Courier New"/>
-                <a:cs typeface="Courier New"/>
-                <a:sym typeface="Courier New"/>
-              </a:rPr>
-              <a:t>()</a:t>
-            </a:r>
-          </a:p>
-          <a:p>
-            <a:pPr marL="0" marR="0" lvl="0" indent="0" algn="l" rtl="0">
-              <a:lnSpc>
-                <a:spcPct val="100000"/>
-              </a:lnSpc>
-              <a:spcBef>
-                <a:spcPts val="0"/>
-              </a:spcBef>
-              <a:spcAft>
-                <a:spcPts val="0"/>
-              </a:spcAft>
-              <a:buClr>
-                <a:srgbClr val="00FF00"/>
-              </a:buClr>
-              <a:buSzPct val="25000"/>
-              <a:buFont typeface="Cabin"/>
-              <a:buNone/>
-            </a:pPr>
-            <a:r>
-              <a:rPr lang="en-US" sz="2800" b="1" i="0" u="none" strike="noStrike" cap="none" dirty="0">
-                <a:solidFill>
-                  <a:srgbClr val="FFFF00"/>
-                </a:solidFill>
-                <a:latin typeface="Courier New"/>
-                <a:ea typeface="Courier New"/>
-                <a:cs typeface="Courier New"/>
-                <a:sym typeface="Courier New"/>
-              </a:rPr>
-              <a:t>words = </a:t>
-            </a:r>
-            <a:r>
-              <a:rPr lang="en-US" sz="2800" b="1" i="0" u="none" strike="noStrike" cap="none" dirty="0" err="1">
-                <a:solidFill>
-                  <a:srgbClr val="FFFF00"/>
-                </a:solidFill>
-                <a:latin typeface="Courier New"/>
-                <a:ea typeface="Courier New"/>
-                <a:cs typeface="Courier New"/>
-                <a:sym typeface="Courier New"/>
-              </a:rPr>
-              <a:t>text.split</a:t>
-            </a:r>
-            <a:r>
-              <a:rPr lang="en-US" sz="2800" b="1" i="0" u="none" strike="noStrike" cap="none" dirty="0">
-                <a:solidFill>
-                  <a:srgbClr val="FFFF00"/>
-                </a:solidFill>
-                <a:latin typeface="Courier New"/>
-                <a:ea typeface="Courier New"/>
-                <a:cs typeface="Courier New"/>
-                <a:sym typeface="Courier New"/>
-              </a:rPr>
-              <a:t>()</a:t>
-            </a:r>
-          </a:p>
-          <a:p>
-            <a:pPr marL="0" marR="0" lvl="0" indent="0" algn="ctr" rtl="0">
-              <a:lnSpc>
-                <a:spcPct val="100000"/>
-              </a:lnSpc>
-              <a:spcBef>
-                <a:spcPts val="0"/>
-              </a:spcBef>
-              <a:spcAft>
-                <a:spcPts val="0"/>
-              </a:spcAft>
-              <a:buNone/>
-            </a:pPr>
-            <a:endParaRPr sz="2800" b="1" i="0" u="none" strike="noStrike" cap="none" dirty="0">
-              <a:solidFill>
-                <a:srgbClr val="00FF00"/>
-              </a:solidFill>
-              <a:latin typeface="Courier New"/>
-              <a:ea typeface="Courier New"/>
-              <a:cs typeface="Courier New"/>
-              <a:sym typeface="Courier New"/>
-            </a:endParaRPr>
-          </a:p>
-          <a:p>
-            <a:pPr marL="0" marR="0" lvl="0" indent="0" algn="l" rtl="0">
-              <a:lnSpc>
-                <a:spcPct val="100000"/>
-              </a:lnSpc>
-              <a:spcBef>
-                <a:spcPts val="0"/>
-              </a:spcBef>
-              <a:spcAft>
-                <a:spcPts val="0"/>
-              </a:spcAft>
-              <a:buClr>
-                <a:srgbClr val="00FF00"/>
-              </a:buClr>
-              <a:buSzPct val="25000"/>
-              <a:buFont typeface="Cabin"/>
-              <a:buNone/>
-            </a:pPr>
-            <a:r>
-              <a:rPr lang="en-US" sz="2800" b="1" i="0" u="none" strike="noStrike" cap="none" dirty="0">
-                <a:solidFill>
-                  <a:srgbClr val="FFFF00"/>
-                </a:solidFill>
-                <a:latin typeface="Courier New"/>
-                <a:ea typeface="Courier New"/>
-                <a:cs typeface="Courier New"/>
-                <a:sym typeface="Courier New"/>
-              </a:rPr>
-              <a:t>counts = </a:t>
-            </a:r>
-            <a:r>
-              <a:rPr lang="en-US" sz="2800" b="1" i="0" u="none" strike="noStrike" cap="none" dirty="0" err="1">
-                <a:solidFill>
-                  <a:srgbClr val="FFFF00"/>
-                </a:solidFill>
-                <a:latin typeface="Courier New"/>
-                <a:ea typeface="Courier New"/>
-                <a:cs typeface="Courier New"/>
-                <a:sym typeface="Courier New"/>
-              </a:rPr>
-              <a:t>dict</a:t>
-            </a:r>
-            <a:r>
-              <a:rPr lang="en-US" sz="2800" b="1" i="0" u="none" strike="noStrike" cap="none" dirty="0">
-                <a:solidFill>
-                  <a:srgbClr val="FFFF00"/>
-                </a:solidFill>
-                <a:latin typeface="Courier New"/>
-                <a:ea typeface="Courier New"/>
-                <a:cs typeface="Courier New"/>
-                <a:sym typeface="Courier New"/>
-              </a:rPr>
-              <a:t>()</a:t>
-            </a:r>
-          </a:p>
-          <a:p>
-            <a:pPr marL="0" marR="0" lvl="0" indent="0" algn="l" rtl="0">
-              <a:lnSpc>
-                <a:spcPct val="100000"/>
-              </a:lnSpc>
-              <a:spcBef>
-                <a:spcPts val="0"/>
-              </a:spcBef>
-              <a:spcAft>
-                <a:spcPts val="0"/>
-              </a:spcAft>
-              <a:buClr>
-                <a:srgbClr val="00FF00"/>
-              </a:buClr>
-              <a:buSzPct val="25000"/>
-              <a:buFont typeface="Cabin"/>
-              <a:buNone/>
-            </a:pPr>
-            <a:r>
-              <a:rPr lang="en-US" sz="2800" b="1" i="0" u="none" strike="noStrike" cap="none" dirty="0">
-                <a:solidFill>
-                  <a:srgbClr val="00FF00"/>
-                </a:solidFill>
-                <a:latin typeface="Courier New"/>
-                <a:ea typeface="Courier New"/>
-                <a:cs typeface="Courier New"/>
-                <a:sym typeface="Courier New"/>
-              </a:rPr>
-              <a:t>for word in words:</a:t>
-            </a:r>
-          </a:p>
-          <a:p>
-            <a:pPr marL="0" marR="0" lvl="0" indent="0" algn="l" rtl="0">
-              <a:lnSpc>
-                <a:spcPct val="100000"/>
-              </a:lnSpc>
-              <a:spcBef>
-                <a:spcPts val="0"/>
-              </a:spcBef>
-              <a:spcAft>
-                <a:spcPts val="0"/>
-              </a:spcAft>
-              <a:buClr>
-                <a:srgbClr val="00FF00"/>
-              </a:buClr>
-              <a:buSzPct val="25000"/>
-              <a:buFont typeface="Cabin"/>
-              <a:buNone/>
-            </a:pPr>
-            <a:r>
-              <a:rPr lang="en-US" sz="2800" b="1" i="0" u="none" strike="noStrike" cap="none" dirty="0">
-                <a:solidFill>
-                  <a:srgbClr val="00FF00"/>
-                </a:solidFill>
-                <a:latin typeface="Courier New"/>
-                <a:ea typeface="Courier New"/>
-                <a:cs typeface="Courier New"/>
-                <a:sym typeface="Courier New"/>
-              </a:rPr>
-              <a:t>   counts[word] = </a:t>
-            </a:r>
-            <a:r>
-              <a:rPr lang="en-US" sz="2800" b="1" i="0" u="none" strike="noStrike" cap="none" dirty="0" err="1">
-                <a:solidFill>
-                  <a:srgbClr val="00FF00"/>
-                </a:solidFill>
-                <a:latin typeface="Courier New"/>
-                <a:ea typeface="Courier New"/>
-                <a:cs typeface="Courier New"/>
-                <a:sym typeface="Courier New"/>
-              </a:rPr>
-              <a:t>counts.get</a:t>
-            </a:r>
-            <a:r>
-              <a:rPr lang="en-US" sz="2800" b="1" i="0" u="none" strike="noStrike" cap="none" dirty="0">
-                <a:solidFill>
-                  <a:srgbClr val="00FF00"/>
-                </a:solidFill>
-                <a:latin typeface="Courier New"/>
-                <a:ea typeface="Courier New"/>
-                <a:cs typeface="Courier New"/>
-                <a:sym typeface="Courier New"/>
-              </a:rPr>
-              <a:t>(word,0) + 1</a:t>
-            </a:r>
-          </a:p>
-          <a:p>
-            <a:pPr marL="0" marR="0" lvl="0" indent="0" algn="l" rtl="0">
-              <a:lnSpc>
-                <a:spcPct val="100000"/>
-              </a:lnSpc>
-              <a:spcBef>
-                <a:spcPts val="0"/>
-              </a:spcBef>
-              <a:spcAft>
-                <a:spcPts val="0"/>
-              </a:spcAft>
-              <a:buClr>
-                <a:srgbClr val="00FF00"/>
-              </a:buClr>
-              <a:buSzPct val="25000"/>
-              <a:buFont typeface="Cabin"/>
-              <a:buNone/>
-            </a:pPr>
-            <a:r>
-              <a:rPr lang="en-US" sz="2800" b="1" i="0" u="none" strike="noStrike" cap="none" dirty="0" err="1">
-                <a:solidFill>
-                  <a:srgbClr val="FFFF00"/>
-                </a:solidFill>
-                <a:latin typeface="Courier New"/>
-                <a:ea typeface="Courier New"/>
-                <a:cs typeface="Courier New"/>
-                <a:sym typeface="Courier New"/>
-              </a:rPr>
-              <a:t>bigcount</a:t>
-            </a:r>
-            <a:r>
-              <a:rPr lang="en-US" sz="2800" b="1" i="0" u="none" strike="noStrike" cap="none" dirty="0">
-                <a:solidFill>
-                  <a:srgbClr val="FFFF00"/>
-                </a:solidFill>
-                <a:latin typeface="Courier New"/>
-                <a:ea typeface="Courier New"/>
-                <a:cs typeface="Courier New"/>
-                <a:sym typeface="Courier New"/>
-              </a:rPr>
-              <a:t> = None</a:t>
-            </a:r>
-          </a:p>
-          <a:p>
-            <a:pPr marL="0" marR="0" lvl="0" indent="0" algn="l" rtl="0">
-              <a:lnSpc>
-                <a:spcPct val="100000"/>
-              </a:lnSpc>
-              <a:spcBef>
-                <a:spcPts val="0"/>
-              </a:spcBef>
-              <a:spcAft>
-                <a:spcPts val="0"/>
-              </a:spcAft>
-              <a:buClr>
-                <a:srgbClr val="00FF00"/>
-              </a:buClr>
-              <a:buSzPct val="25000"/>
-              <a:buFont typeface="Cabin"/>
-              <a:buNone/>
-            </a:pPr>
-            <a:r>
-              <a:rPr lang="en-US" sz="2800" b="1" i="0" u="none" strike="noStrike" cap="none" dirty="0" err="1">
-                <a:solidFill>
-                  <a:srgbClr val="FFFF00"/>
-                </a:solidFill>
-                <a:latin typeface="Courier New"/>
-                <a:ea typeface="Courier New"/>
-                <a:cs typeface="Courier New"/>
-                <a:sym typeface="Courier New"/>
-              </a:rPr>
-              <a:t>bigword</a:t>
-            </a:r>
-            <a:r>
-              <a:rPr lang="en-US" sz="2800" b="1" i="0" u="none" strike="noStrike" cap="none" dirty="0">
-                <a:solidFill>
-                  <a:srgbClr val="FFFF00"/>
-                </a:solidFill>
-                <a:latin typeface="Courier New"/>
-                <a:ea typeface="Courier New"/>
-                <a:cs typeface="Courier New"/>
-                <a:sym typeface="Courier New"/>
-              </a:rPr>
-              <a:t> = None</a:t>
-            </a:r>
-          </a:p>
-          <a:p>
-            <a:pPr marL="0" marR="0" lvl="0" indent="0" algn="ctr" rtl="0">
-              <a:lnSpc>
-                <a:spcPct val="100000"/>
-              </a:lnSpc>
-              <a:spcBef>
-                <a:spcPts val="0"/>
-              </a:spcBef>
-              <a:spcAft>
-                <a:spcPts val="0"/>
-              </a:spcAft>
-              <a:buNone/>
-            </a:pPr>
-            <a:endParaRPr sz="2800" b="1" i="0" u="none" strike="noStrike" cap="none" dirty="0">
-              <a:solidFill>
-                <a:srgbClr val="00FF00"/>
-              </a:solidFill>
-              <a:latin typeface="Courier New"/>
-              <a:ea typeface="Courier New"/>
-              <a:cs typeface="Courier New"/>
-              <a:sym typeface="Courier New"/>
-            </a:endParaRPr>
-          </a:p>
-          <a:p>
-            <a:pPr marL="0" marR="0" lvl="0" indent="0" algn="l" rtl="0">
-              <a:lnSpc>
-                <a:spcPct val="100000"/>
-              </a:lnSpc>
-              <a:spcBef>
-                <a:spcPts val="0"/>
-              </a:spcBef>
-              <a:spcAft>
-                <a:spcPts val="0"/>
-              </a:spcAft>
-              <a:buClr>
-                <a:srgbClr val="00FF00"/>
-              </a:buClr>
-              <a:buSzPct val="25000"/>
-              <a:buFont typeface="Cabin"/>
-              <a:buNone/>
-            </a:pPr>
-            <a:r>
-              <a:rPr lang="en-US" sz="2800" b="1" i="0" u="none" strike="noStrike" cap="none" dirty="0">
-                <a:solidFill>
-                  <a:srgbClr val="00FF00"/>
-                </a:solidFill>
-                <a:latin typeface="Courier New"/>
-                <a:ea typeface="Courier New"/>
-                <a:cs typeface="Courier New"/>
-                <a:sym typeface="Courier New"/>
-              </a:rPr>
-              <a:t>for </a:t>
-            </a:r>
-            <a:r>
-              <a:rPr lang="en-US" sz="2800" b="1" i="0" u="none" strike="noStrike" cap="none" dirty="0" err="1">
-                <a:solidFill>
-                  <a:srgbClr val="00FF00"/>
-                </a:solidFill>
-                <a:latin typeface="Courier New"/>
-                <a:ea typeface="Courier New"/>
-                <a:cs typeface="Courier New"/>
-                <a:sym typeface="Courier New"/>
-              </a:rPr>
-              <a:t>word,count</a:t>
-            </a:r>
-            <a:r>
-              <a:rPr lang="en-US" sz="2800" b="1" i="0" u="none" strike="noStrike" cap="none" dirty="0">
-                <a:solidFill>
-                  <a:srgbClr val="00FF00"/>
-                </a:solidFill>
-                <a:latin typeface="Courier New"/>
-                <a:ea typeface="Courier New"/>
-                <a:cs typeface="Courier New"/>
-                <a:sym typeface="Courier New"/>
-              </a:rPr>
-              <a:t> in </a:t>
-            </a:r>
-            <a:r>
-              <a:rPr lang="en-US" sz="2800" b="1" i="0" u="none" strike="noStrike" cap="none" dirty="0" err="1">
-                <a:solidFill>
-                  <a:srgbClr val="00FF00"/>
-                </a:solidFill>
-                <a:latin typeface="Courier New"/>
-                <a:ea typeface="Courier New"/>
-                <a:cs typeface="Courier New"/>
-                <a:sym typeface="Courier New"/>
-              </a:rPr>
-              <a:t>counts.items</a:t>
-            </a:r>
-            <a:r>
-              <a:rPr lang="en-US" sz="2800" b="1" i="0" u="none" strike="noStrike" cap="none" dirty="0">
-                <a:solidFill>
-                  <a:srgbClr val="00FF00"/>
-                </a:solidFill>
-                <a:latin typeface="Courier New"/>
-                <a:ea typeface="Courier New"/>
-                <a:cs typeface="Courier New"/>
-                <a:sym typeface="Courier New"/>
-              </a:rPr>
-              <a:t>():</a:t>
-            </a:r>
-          </a:p>
-          <a:p>
-            <a:pPr marL="0" marR="0" lvl="0" indent="0" algn="l" rtl="0">
-              <a:lnSpc>
-                <a:spcPct val="100000"/>
-              </a:lnSpc>
-              <a:spcBef>
-                <a:spcPts val="0"/>
-              </a:spcBef>
-              <a:spcAft>
-                <a:spcPts val="0"/>
-              </a:spcAft>
-              <a:buClr>
-                <a:srgbClr val="00FF00"/>
-              </a:buClr>
-              <a:buSzPct val="25000"/>
-              <a:buFont typeface="Cabin"/>
-              <a:buNone/>
-            </a:pPr>
-            <a:r>
-              <a:rPr lang="en-US" sz="2800" b="1" i="0" u="none" strike="noStrike" cap="none" dirty="0">
-                <a:solidFill>
-                  <a:srgbClr val="FF00FF"/>
-                </a:solidFill>
-                <a:latin typeface="Courier New"/>
-                <a:ea typeface="Courier New"/>
-                <a:cs typeface="Courier New"/>
-                <a:sym typeface="Courier New"/>
-              </a:rPr>
-              <a:t>  </a:t>
-            </a:r>
-            <a:r>
-              <a:rPr lang="en-US" sz="2800" b="1" i="0" u="none" strike="noStrike" cap="none" dirty="0">
-                <a:solidFill>
-                  <a:srgbClr val="FF7F00"/>
-                </a:solidFill>
-                <a:latin typeface="Courier New"/>
-                <a:ea typeface="Courier New"/>
-                <a:cs typeface="Courier New"/>
-                <a:sym typeface="Courier New"/>
-              </a:rPr>
-              <a:t>  </a:t>
-            </a:r>
-            <a:r>
-              <a:rPr lang="en-US" sz="2800" b="1" i="0" u="none" strike="noStrike" cap="none" dirty="0">
-                <a:solidFill>
-                  <a:srgbClr val="FF9900"/>
-                </a:solidFill>
-                <a:latin typeface="Courier New"/>
-                <a:ea typeface="Courier New"/>
-                <a:cs typeface="Courier New"/>
-                <a:sym typeface="Courier New"/>
-              </a:rPr>
-              <a:t>if </a:t>
-            </a:r>
-            <a:r>
-              <a:rPr lang="en-US" sz="2800" b="1" i="0" u="none" strike="noStrike" cap="none" dirty="0" err="1">
-                <a:solidFill>
-                  <a:srgbClr val="FF9900"/>
-                </a:solidFill>
-                <a:latin typeface="Courier New"/>
-                <a:ea typeface="Courier New"/>
-                <a:cs typeface="Courier New"/>
-                <a:sym typeface="Courier New"/>
-              </a:rPr>
-              <a:t>bigcount</a:t>
-            </a:r>
-            <a:r>
-              <a:rPr lang="en-US" sz="2800" b="1" i="0" u="none" strike="noStrike" cap="none" dirty="0">
-                <a:solidFill>
-                  <a:srgbClr val="FF9900"/>
-                </a:solidFill>
-                <a:latin typeface="Courier New"/>
-                <a:ea typeface="Courier New"/>
-                <a:cs typeface="Courier New"/>
-                <a:sym typeface="Courier New"/>
-              </a:rPr>
-              <a:t> is None or count &gt; </a:t>
-            </a:r>
-            <a:r>
-              <a:rPr lang="en-US" sz="2800" b="1" i="0" u="none" strike="noStrike" cap="none" dirty="0" err="1">
-                <a:solidFill>
-                  <a:srgbClr val="FF9900"/>
-                </a:solidFill>
-                <a:latin typeface="Courier New"/>
-                <a:ea typeface="Courier New"/>
-                <a:cs typeface="Courier New"/>
-                <a:sym typeface="Courier New"/>
-              </a:rPr>
-              <a:t>bigcount</a:t>
-            </a:r>
-            <a:r>
-              <a:rPr lang="en-US" sz="2800" b="1" i="0" u="none" strike="noStrike" cap="none" dirty="0">
-                <a:solidFill>
-                  <a:srgbClr val="FF9900"/>
-                </a:solidFill>
-                <a:latin typeface="Courier New"/>
-                <a:ea typeface="Courier New"/>
-                <a:cs typeface="Courier New"/>
-                <a:sym typeface="Courier New"/>
-              </a:rPr>
-              <a:t>:</a:t>
-            </a:r>
-          </a:p>
-          <a:p>
-            <a:pPr marL="0" marR="0" lvl="0" indent="0" algn="l" rtl="0">
-              <a:lnSpc>
-                <a:spcPct val="100000"/>
-              </a:lnSpc>
-              <a:spcBef>
-                <a:spcPts val="0"/>
-              </a:spcBef>
-              <a:spcAft>
-                <a:spcPts val="0"/>
-              </a:spcAft>
-              <a:buClr>
-                <a:srgbClr val="00FF00"/>
-              </a:buClr>
-              <a:buSzPct val="25000"/>
-              <a:buFont typeface="Cabin"/>
-              <a:buNone/>
-            </a:pPr>
-            <a:r>
-              <a:rPr lang="en-US" sz="2800" b="1" i="0" u="none" strike="noStrike" cap="none" dirty="0">
-                <a:solidFill>
-                  <a:srgbClr val="FF9900"/>
-                </a:solidFill>
-                <a:latin typeface="Courier New"/>
-                <a:ea typeface="Courier New"/>
-                <a:cs typeface="Courier New"/>
-                <a:sym typeface="Courier New"/>
-              </a:rPr>
-              <a:t>        </a:t>
-            </a:r>
-            <a:r>
-              <a:rPr lang="en-US" sz="2800" b="1" i="0" u="none" strike="noStrike" cap="none" dirty="0" err="1">
-                <a:solidFill>
-                  <a:srgbClr val="FF9900"/>
-                </a:solidFill>
-                <a:latin typeface="Courier New"/>
-                <a:ea typeface="Courier New"/>
-                <a:cs typeface="Courier New"/>
-                <a:sym typeface="Courier New"/>
-              </a:rPr>
-              <a:t>bigword</a:t>
-            </a:r>
-            <a:r>
-              <a:rPr lang="en-US" sz="2800" b="1" i="0" u="none" strike="noStrike" cap="none" dirty="0">
-                <a:solidFill>
-                  <a:srgbClr val="FF9900"/>
-                </a:solidFill>
-                <a:latin typeface="Courier New"/>
-                <a:ea typeface="Courier New"/>
-                <a:cs typeface="Courier New"/>
-                <a:sym typeface="Courier New"/>
-              </a:rPr>
-              <a:t> = word</a:t>
-            </a:r>
-          </a:p>
-          <a:p>
-            <a:pPr marL="0" marR="0" lvl="0" indent="0" algn="l" rtl="0">
-              <a:lnSpc>
-                <a:spcPct val="100000"/>
-              </a:lnSpc>
-              <a:spcBef>
-                <a:spcPts val="0"/>
-              </a:spcBef>
-              <a:spcAft>
-                <a:spcPts val="0"/>
-              </a:spcAft>
-              <a:buClr>
-                <a:srgbClr val="00FF00"/>
-              </a:buClr>
-              <a:buSzPct val="25000"/>
-              <a:buFont typeface="Cabin"/>
-              <a:buNone/>
-            </a:pPr>
-            <a:r>
-              <a:rPr lang="en-US" sz="2800" b="1" i="0" u="none" strike="noStrike" cap="none" dirty="0">
-                <a:solidFill>
-                  <a:srgbClr val="FF9900"/>
-                </a:solidFill>
-                <a:latin typeface="Courier New"/>
-                <a:ea typeface="Courier New"/>
-                <a:cs typeface="Courier New"/>
-                <a:sym typeface="Courier New"/>
-              </a:rPr>
-              <a:t>        </a:t>
-            </a:r>
-            <a:r>
-              <a:rPr lang="en-US" sz="2800" b="1" i="0" u="none" strike="noStrike" cap="none" dirty="0" err="1">
-                <a:solidFill>
-                  <a:srgbClr val="FF9900"/>
-                </a:solidFill>
-                <a:latin typeface="Courier New"/>
-                <a:ea typeface="Courier New"/>
-                <a:cs typeface="Courier New"/>
-                <a:sym typeface="Courier New"/>
-              </a:rPr>
-              <a:t>bigcount</a:t>
-            </a:r>
-            <a:r>
-              <a:rPr lang="en-US" sz="2800" b="1" i="0" u="none" strike="noStrike" cap="none" dirty="0">
-                <a:solidFill>
-                  <a:srgbClr val="FF9900"/>
-                </a:solidFill>
-                <a:latin typeface="Courier New"/>
-                <a:ea typeface="Courier New"/>
-                <a:cs typeface="Courier New"/>
-                <a:sym typeface="Courier New"/>
-              </a:rPr>
-              <a:t> = count</a:t>
-            </a:r>
-          </a:p>
-          <a:p>
-            <a:pPr marL="0" marR="0" lvl="0" indent="0" algn="l" rtl="0">
-              <a:lnSpc>
-                <a:spcPct val="100000"/>
-              </a:lnSpc>
-              <a:spcBef>
-                <a:spcPts val="0"/>
-              </a:spcBef>
-              <a:spcAft>
-                <a:spcPts val="0"/>
-              </a:spcAft>
-              <a:buClr>
-                <a:srgbClr val="00FF00"/>
-              </a:buClr>
-              <a:buFont typeface="Cabin"/>
-              <a:buNone/>
-            </a:pPr>
-            <a:endParaRPr sz="2800" b="1" dirty="0">
-              <a:solidFill>
-                <a:srgbClr val="00FF00"/>
-              </a:solidFill>
-              <a:latin typeface="Courier New"/>
-              <a:ea typeface="Courier New"/>
-              <a:cs typeface="Courier New"/>
-              <a:sym typeface="Courier New"/>
-            </a:endParaRPr>
-          </a:p>
-          <a:p>
-            <a:pPr marL="0" marR="0" lvl="0" indent="0" algn="l" rtl="0">
-              <a:lnSpc>
-                <a:spcPct val="100000"/>
-              </a:lnSpc>
-              <a:spcBef>
-                <a:spcPts val="0"/>
-              </a:spcBef>
-              <a:spcAft>
-                <a:spcPts val="0"/>
-              </a:spcAft>
-              <a:buClr>
-                <a:srgbClr val="00FF00"/>
-              </a:buClr>
-              <a:buSzPct val="25000"/>
-              <a:buFont typeface="Cabin"/>
-              <a:buNone/>
-            </a:pPr>
-            <a:r>
-              <a:rPr lang="en-US" sz="2800" b="1" i="0" u="none" strike="noStrike" cap="none" dirty="0" smtClean="0">
-                <a:solidFill>
-                  <a:srgbClr val="FFFF00"/>
-                </a:solidFill>
-                <a:latin typeface="Courier New"/>
-                <a:ea typeface="Courier New"/>
-                <a:cs typeface="Courier New"/>
-                <a:sym typeface="Courier New"/>
-              </a:rPr>
-              <a:t>print(</a:t>
-            </a:r>
-            <a:r>
-              <a:rPr lang="en-US" sz="2800" b="1" i="0" u="none" strike="noStrike" cap="none" dirty="0" err="1" smtClean="0">
-                <a:solidFill>
-                  <a:srgbClr val="FFFF00"/>
-                </a:solidFill>
-                <a:latin typeface="Courier New"/>
-                <a:ea typeface="Courier New"/>
-                <a:cs typeface="Courier New"/>
-                <a:sym typeface="Courier New"/>
-              </a:rPr>
-              <a:t>bigword</a:t>
-            </a:r>
-            <a:r>
-              <a:rPr lang="en-US" sz="2800" b="1" i="0" u="none" strike="noStrike" cap="none" dirty="0">
-                <a:solidFill>
-                  <a:srgbClr val="FFFF00"/>
-                </a:solidFill>
-                <a:latin typeface="Courier New"/>
-                <a:ea typeface="Courier New"/>
-                <a:cs typeface="Courier New"/>
-                <a:sym typeface="Courier New"/>
-              </a:rPr>
-              <a:t>, </a:t>
-            </a:r>
-            <a:r>
-              <a:rPr lang="en-US" sz="2800" b="1" i="0" u="none" strike="noStrike" cap="none" dirty="0" err="1" smtClean="0">
-                <a:solidFill>
-                  <a:srgbClr val="FFFF00"/>
-                </a:solidFill>
-                <a:latin typeface="Courier New"/>
-                <a:ea typeface="Courier New"/>
-                <a:cs typeface="Courier New"/>
-                <a:sym typeface="Courier New"/>
-              </a:rPr>
-              <a:t>bigcount</a:t>
-            </a:r>
-            <a:r>
-              <a:rPr lang="en-US" sz="2800" b="1" i="0" u="none" strike="noStrike" cap="none" dirty="0" smtClean="0">
-                <a:solidFill>
-                  <a:srgbClr val="FFFF00"/>
-                </a:solidFill>
-                <a:latin typeface="Courier New"/>
-                <a:ea typeface="Courier New"/>
-                <a:cs typeface="Courier New"/>
-                <a:sym typeface="Courier New"/>
-              </a:rPr>
-              <a:t>)</a:t>
-            </a:r>
-            <a:endParaRPr lang="en-US" sz="2800" b="1" i="0" u="none" strike="noStrike" cap="none" dirty="0">
-              <a:solidFill>
-                <a:srgbClr val="FFFF00"/>
-              </a:solidFill>
-              <a:latin typeface="Courier New"/>
-              <a:ea typeface="Courier New"/>
-              <a:cs typeface="Courier New"/>
-              <a:sym typeface="Courier New"/>
-            </a:endParaRPr>
-          </a:p>
-        </p:txBody>
-      </p:sp>
     </p:spTree>
   </p:cSld>
   <p:clrMapOvr>
@@ -30861,32 +30898,31 @@
                   <a:srgbClr val="FFFFFF"/>
                 </a:solidFill>
               </a:rPr>
-              <a:t>) of the University of Michigan School of Information and </a:t>
-            </a:r>
-            <a:r>
-              <a:rPr lang="en-US" sz="1800" u="sng" dirty="0">
-                <a:solidFill>
-                  <a:srgbClr val="FFFF00"/>
-                </a:solidFill>
-                <a:hlinkClick r:id="rId4"/>
-              </a:rPr>
-              <a:t>open.umich.edu</a:t>
+              <a:t>) of the University of Michigan School of </a:t>
+            </a:r>
+            <a:r>
+              <a:rPr lang="en-US" sz="1800">
+                <a:solidFill>
+                  <a:srgbClr val="FFFFFF"/>
+                </a:solidFill>
+              </a:rPr>
+              <a:t>Information </a:t>
+            </a:r>
+            <a:r>
+              <a:rPr lang="en-US" sz="1800" smtClean="0">
+                <a:solidFill>
+                  <a:srgbClr val="FFFFFF"/>
+                </a:solidFill>
+              </a:rPr>
+              <a:t>and </a:t>
             </a:r>
             <a:r>
               <a:rPr lang="en-US" sz="1800" dirty="0">
                 <a:solidFill>
-                  <a:srgbClr val="FFFF00"/>
-                </a:solidFill>
-              </a:rPr>
-              <a:t> </a:t>
-            </a:r>
-            <a:r>
-              <a:rPr lang="en-US" sz="1800" dirty="0">
-                <a:solidFill>
                   <a:srgbClr val="FFFFFF"/>
                 </a:solidFill>
               </a:rPr>
-              <a:t>and made available under a Creative Commons Attribution 4.0 License.  Please maintain this last slide in all copies of the document to comply with the attribution requirements of the license.  If you make a change, feel free to add your name and organization to the list of contributors on this page as you republish the materials.</a:t>
+              <a:t>made available under a Creative Commons Attribution 4.0 License.  Please maintain this last slide in all copies of the document to comply with the attribution requirements of the license.  If you make a change, feel free to add your name and organization to the list of contributors on this page as you republish the materials.</a:t>
             </a:r>
           </a:p>
           <a:p>
@@ -30974,7 +31010,7 @@
           <p:nvPr/>
         </p:nvPicPr>
         <p:blipFill rotWithShape="1">
-          <a:blip r:embed="rId5">
+          <a:blip r:embed="rId4">
             <a:alphaModFix/>
           </a:blip>
           <a:srcRect/>
@@ -32519,16 +32555,6 @@
               </a:rPr>
               <a:t>https://www.youtube.com/watch?v=XiBYM6g8Tck</a:t>
             </a:r>
-            <a:endParaRPr lang="en-US" sz="3200" u="sng" dirty="0">
-              <a:solidFill>
-                <a:srgbClr val="FFFF00"/>
-              </a:solidFill>
-              <a:latin typeface="Arial" charset="0"/>
-              <a:ea typeface="Arial" charset="0"/>
-              <a:cs typeface="Arial" charset="0"/>
-              <a:sym typeface="Cabin"/>
-              <a:hlinkClick r:id="rId3"/>
-            </a:endParaRPr>
           </a:p>
         </p:txBody>
       </p:sp>
@@ -33234,16 +33260,6 @@
               </a:rPr>
               <a:t>https://www.youtube.com/watch?v=XiBYM6g8Tck</a:t>
             </a:r>
-            <a:endParaRPr lang="en-US" sz="3200" u="sng" dirty="0">
-              <a:solidFill>
-                <a:srgbClr val="FFFF00"/>
-              </a:solidFill>
-              <a:latin typeface="Arial" charset="0"/>
-              <a:ea typeface="Arial" charset="0"/>
-              <a:cs typeface="Arial" charset="0"/>
-              <a:sym typeface="Cabin"/>
-              <a:hlinkClick r:id="rId4"/>
-            </a:endParaRPr>
           </a:p>
         </p:txBody>
       </p:sp>

--- a/lectures3/Pythonlearn-01-Intro.pptx
+++ b/lectures3/Pythonlearn-01-Intro.pptx
@@ -6656,9 +6656,7 @@
             <a:avLst/>
           </a:prstGeom>
           <a:solidFill>
-            <a:schemeClr val="tx1">
-              <a:lumMod val="75000"/>
-            </a:schemeClr>
+            <a:schemeClr val="bg2"/>
           </a:solidFill>
           <a:ln>
             <a:noFill/>
@@ -6813,9 +6811,7 @@
             <a:avLst/>
           </a:prstGeom>
           <a:solidFill>
-            <a:schemeClr val="tx1">
-              <a:lumMod val="75000"/>
-            </a:schemeClr>
+            <a:schemeClr val="bg2"/>
           </a:solidFill>
           <a:ln>
             <a:noFill/>

--- a/lectures3/Pythonlearn-01-Intro.pptx
+++ b/lectures3/Pythonlearn-01-Intro.pptx
@@ -8414,6 +8414,13 @@
   <p:clrMapOvr>
     <a:masterClrMapping/>
   </p:clrMapOvr>
+  <p:timing>
+    <p:tnLst>
+      <p:par>
+        <p:cTn id="1" dur="indefinite" restart="never" nodeType="tmRoot"/>
+      </p:par>
+    </p:tnLst>
+  </p:timing>
 </p:sld>
 </file>
 
@@ -11309,6 +11316,13 @@
   <p:clrMapOvr>
     <a:masterClrMapping/>
   </p:clrMapOvr>
+  <p:timing>
+    <p:tnLst>
+      <p:par>
+        <p:cTn id="1" dur="indefinite" restart="never" nodeType="tmRoot"/>
+      </p:par>
+    </p:tnLst>
+  </p:timing>
 </p:sld>
 </file>
 
@@ -11432,6 +11446,13 @@
   <p:clrMapOvr>
     <a:masterClrMapping/>
   </p:clrMapOvr>
+  <p:timing>
+    <p:tnLst>
+      <p:par>
+        <p:cTn id="1" dur="indefinite" restart="never" nodeType="tmRoot"/>
+      </p:par>
+    </p:tnLst>
+  </p:timing>
 </p:sld>
 </file>
 
@@ -12284,6 +12305,13 @@
   <p:clrMapOvr>
     <a:masterClrMapping/>
   </p:clrMapOvr>
+  <p:timing>
+    <p:tnLst>
+      <p:par>
+        <p:cTn id="1" dur="indefinite" restart="never" nodeType="tmRoot"/>
+      </p:par>
+    </p:tnLst>
+  </p:timing>
 </p:sld>
 </file>
 
@@ -12824,6 +12852,13 @@
   <p:clrMapOvr>
     <a:masterClrMapping/>
   </p:clrMapOvr>
+  <p:timing>
+    <p:tnLst>
+      <p:par>
+        <p:cTn id="1" dur="indefinite" restart="never" nodeType="tmRoot"/>
+      </p:par>
+    </p:tnLst>
+  </p:timing>
 </p:sld>
 </file>
 
@@ -13761,6 +13796,13 @@
   <p:clrMapOvr>
     <a:masterClrMapping/>
   </p:clrMapOvr>
+  <p:timing>
+    <p:tnLst>
+      <p:par>
+        <p:cTn id="1" dur="indefinite" restart="never" nodeType="tmRoot"/>
+      </p:par>
+    </p:tnLst>
+  </p:timing>
 </p:sld>
 </file>
 
@@ -15804,6 +15846,13 @@
   <p:clrMapOvr>
     <a:masterClrMapping/>
   </p:clrMapOvr>
+  <p:timing>
+    <p:tnLst>
+      <p:par>
+        <p:cTn id="1" dur="indefinite" restart="never" nodeType="tmRoot"/>
+      </p:par>
+    </p:tnLst>
+  </p:timing>
 </p:sld>
 </file>
 
@@ -16067,6 +16116,13 @@
   <p:clrMapOvr>
     <a:masterClrMapping/>
   </p:clrMapOvr>
+  <p:timing>
+    <p:tnLst>
+      <p:par>
+        <p:cTn id="1" dur="indefinite" restart="never" nodeType="tmRoot"/>
+      </p:par>
+    </p:tnLst>
+  </p:timing>
 </p:sld>
 </file>
 
@@ -16234,6 +16290,13 @@
   <p:clrMapOvr>
     <a:masterClrMapping/>
   </p:clrMapOvr>
+  <p:timing>
+    <p:tnLst>
+      <p:par>
+        <p:cTn id="1" dur="indefinite" restart="never" nodeType="tmRoot"/>
+      </p:par>
+    </p:tnLst>
+  </p:timing>
 </p:sld>
 </file>
 
@@ -16335,6 +16398,13 @@
   <p:clrMapOvr>
     <a:masterClrMapping/>
   </p:clrMapOvr>
+  <p:timing>
+    <p:tnLst>
+      <p:par>
+        <p:cTn id="1" dur="indefinite" restart="never" nodeType="tmRoot"/>
+      </p:par>
+    </p:tnLst>
+  </p:timing>
 </p:sld>
 </file>
 
@@ -17826,6 +17896,13 @@
   <p:clrMapOvr>
     <a:masterClrMapping/>
   </p:clrMapOvr>
+  <p:timing>
+    <p:tnLst>
+      <p:par>
+        <p:cTn id="1" dur="indefinite" restart="never" nodeType="tmRoot"/>
+      </p:par>
+    </p:tnLst>
+  </p:timing>
 </p:sld>
 </file>
 
@@ -18353,6 +18430,13 @@
   <p:clrMapOvr>
     <a:masterClrMapping/>
   </p:clrMapOvr>
+  <p:timing>
+    <p:tnLst>
+      <p:par>
+        <p:cTn id="1" dur="indefinite" restart="never" nodeType="tmRoot"/>
+      </p:par>
+    </p:tnLst>
+  </p:timing>
 </p:sld>
 </file>
 
@@ -19385,6 +19469,13 @@
   <p:clrMapOvr>
     <a:masterClrMapping/>
   </p:clrMapOvr>
+  <p:timing>
+    <p:tnLst>
+      <p:par>
+        <p:cTn id="1" dur="indefinite" restart="never" nodeType="tmRoot"/>
+      </p:par>
+    </p:tnLst>
+  </p:timing>
 </p:sld>
 </file>
 
@@ -19534,6 +19625,13 @@
   <p:clrMapOvr>
     <a:masterClrMapping/>
   </p:clrMapOvr>
+  <p:timing>
+    <p:tnLst>
+      <p:par>
+        <p:cTn id="1" dur="indefinite" restart="never" nodeType="tmRoot"/>
+      </p:par>
+    </p:tnLst>
+  </p:timing>
 </p:sld>
 </file>
 
@@ -19771,6 +19869,13 @@
   <p:clrMapOvr>
     <a:masterClrMapping/>
   </p:clrMapOvr>
+  <p:timing>
+    <p:tnLst>
+      <p:par>
+        <p:cTn id="1" dur="indefinite" restart="never" nodeType="tmRoot"/>
+      </p:par>
+    </p:tnLst>
+  </p:timing>
 </p:sld>
 </file>
 
@@ -20913,6 +21018,13 @@
   <p:clrMapOvr>
     <a:masterClrMapping/>
   </p:clrMapOvr>
+  <p:timing>
+    <p:tnLst>
+      <p:par>
+        <p:cTn id="1" dur="indefinite" restart="never" nodeType="tmRoot"/>
+      </p:par>
+    </p:tnLst>
+  </p:timing>
 </p:sld>
 </file>
 
@@ -21834,6 +21946,13 @@
   <p:clrMapOvr>
     <a:masterClrMapping/>
   </p:clrMapOvr>
+  <p:timing>
+    <p:tnLst>
+      <p:par>
+        <p:cTn id="1" dur="indefinite" restart="never" nodeType="tmRoot"/>
+      </p:par>
+    </p:tnLst>
+  </p:timing>
 </p:sld>
 </file>
 
@@ -22650,6 +22769,13 @@
   <p:clrMapOvr>
     <a:masterClrMapping/>
   </p:clrMapOvr>
+  <p:timing>
+    <p:tnLst>
+      <p:par>
+        <p:cTn id="1" dur="indefinite" restart="never" nodeType="tmRoot"/>
+      </p:par>
+    </p:tnLst>
+  </p:timing>
 </p:sld>
 </file>
 
@@ -22751,6 +22877,13 @@
   <p:clrMapOvr>
     <a:masterClrMapping/>
   </p:clrMapOvr>
+  <p:timing>
+    <p:tnLst>
+      <p:par>
+        <p:cTn id="1" dur="indefinite" restart="never" nodeType="tmRoot"/>
+      </p:par>
+    </p:tnLst>
+  </p:timing>
 </p:sld>
 </file>
 
@@ -23103,6 +23236,13 @@
   <p:clrMapOvr>
     <a:masterClrMapping/>
   </p:clrMapOvr>
+  <p:timing>
+    <p:tnLst>
+      <p:par>
+        <p:cTn id="1" dur="indefinite" restart="never" nodeType="tmRoot"/>
+      </p:par>
+    </p:tnLst>
+  </p:timing>
 </p:sld>
 </file>
 
@@ -23333,6 +23473,13 @@
   <p:clrMapOvr>
     <a:masterClrMapping/>
   </p:clrMapOvr>
+  <p:timing>
+    <p:tnLst>
+      <p:par>
+        <p:cTn id="1" dur="indefinite" restart="never" nodeType="tmRoot"/>
+      </p:par>
+    </p:tnLst>
+  </p:timing>
 </p:sld>
 </file>
 
@@ -23637,6 +23784,13 @@
   <p:clrMapOvr>
     <a:masterClrMapping/>
   </p:clrMapOvr>
+  <p:timing>
+    <p:tnLst>
+      <p:par>
+        <p:cTn id="1" dur="indefinite" restart="never" nodeType="tmRoot"/>
+      </p:par>
+    </p:tnLst>
+  </p:timing>
 </p:sld>
 </file>
 
@@ -24638,6 +24792,13 @@
   <p:clrMapOvr>
     <a:masterClrMapping/>
   </p:clrMapOvr>
+  <p:timing>
+    <p:tnLst>
+      <p:par>
+        <p:cTn id="1" dur="indefinite" restart="never" nodeType="tmRoot"/>
+      </p:par>
+    </p:tnLst>
+  </p:timing>
 </p:sld>
 </file>
 
@@ -24990,6 +25151,13 @@
   <p:clrMapOvr>
     <a:masterClrMapping/>
   </p:clrMapOvr>
+  <p:timing>
+    <p:tnLst>
+      <p:par>
+        <p:cTn id="1" dur="indefinite" restart="never" nodeType="tmRoot"/>
+      </p:par>
+    </p:tnLst>
+  </p:timing>
 </p:sld>
 </file>
 
@@ -25505,7 +25673,7 @@
               <a:buSzPct val="25000"/>
             </a:pPr>
             <a:r>
-              <a:rPr lang="en-US" sz="2800" u="none" strike="noStrike" cap="none" dirty="0">
+              <a:rPr lang="en-US" sz="2800" u="none" strike="noStrike" cap="none">
                 <a:solidFill>
                   <a:srgbClr val="FF7F00"/>
                 </a:solidFill>
@@ -25514,10 +25682,10 @@
                 <a:cs typeface="Courier" charset="0"/>
                 <a:sym typeface="Cabin"/>
               </a:rPr>
-              <a:t>     </a:t>
-            </a:r>
-            <a:r>
-              <a:rPr lang="en-US" sz="2800" u="none" strike="noStrike" cap="none" dirty="0" smtClean="0">
+              <a:t>    </a:t>
+            </a:r>
+            <a:r>
+              <a:rPr lang="en-US" sz="2800" u="none" strike="noStrike" cap="none" smtClean="0">
                 <a:solidFill>
                   <a:srgbClr val="FFFF00"/>
                 </a:solidFill>
@@ -25526,7 +25694,19 @@
                 <a:cs typeface="Courier" charset="0"/>
                 <a:sym typeface="Cabin"/>
               </a:rPr>
-              <a:t>print(</a:t>
+              <a:t>print</a:t>
+            </a:r>
+            <a:r>
+              <a:rPr lang="en-US" sz="2800" u="none" strike="noStrike" cap="none" dirty="0" smtClean="0">
+                <a:solidFill>
+                  <a:srgbClr val="FFFF00"/>
+                </a:solidFill>
+                <a:latin typeface="Courier" charset="0"/>
+                <a:ea typeface="Courier" charset="0"/>
+                <a:cs typeface="Courier" charset="0"/>
+                <a:sym typeface="Cabin"/>
+              </a:rPr>
+              <a:t>(</a:t>
             </a:r>
             <a:r>
               <a:rPr lang="en-US" sz="2800" u="none" strike="noStrike" cap="none" dirty="0" smtClean="0">
@@ -26595,6 +26775,13 @@
   <p:clrMapOvr>
     <a:masterClrMapping/>
   </p:clrMapOvr>
+  <p:timing>
+    <p:tnLst>
+      <p:par>
+        <p:cTn id="1" dur="indefinite" restart="never" nodeType="tmRoot"/>
+      </p:par>
+    </p:tnLst>
+  </p:timing>
 </p:sld>
 </file>
 
@@ -28281,6 +28468,13 @@
   <p:clrMapOvr>
     <a:masterClrMapping/>
   </p:clrMapOvr>
+  <p:timing>
+    <p:tnLst>
+      <p:par>
+        <p:cTn id="1" dur="indefinite" restart="never" nodeType="tmRoot"/>
+      </p:par>
+    </p:tnLst>
+  </p:timing>
 </p:sld>
 </file>
 
@@ -31382,6 +31576,13 @@
   <p:clrMapOvr>
     <a:masterClrMapping/>
   </p:clrMapOvr>
+  <p:timing>
+    <p:tnLst>
+      <p:par>
+        <p:cTn id="1" dur="indefinite" restart="never" nodeType="tmRoot"/>
+      </p:par>
+    </p:tnLst>
+  </p:timing>
 </p:sld>
 </file>
 
@@ -32164,6 +32365,13 @@
   <p:clrMapOvr>
     <a:masterClrMapping/>
   </p:clrMapOvr>
+  <p:timing>
+    <p:tnLst>
+      <p:par>
+        <p:cTn id="1" dur="indefinite" restart="never" nodeType="tmRoot"/>
+      </p:par>
+    </p:tnLst>
+  </p:timing>
 </p:sld>
 </file>
 
@@ -32430,6 +32638,13 @@
   <p:clrMapOvr>
     <a:masterClrMapping/>
   </p:clrMapOvr>
+  <p:timing>
+    <p:tnLst>
+      <p:par>
+        <p:cTn id="1" dur="indefinite" restart="never" nodeType="tmRoot"/>
+      </p:par>
+    </p:tnLst>
+  </p:timing>
 </p:sld>
 </file>
 
@@ -32586,6 +32801,13 @@
   <p:clrMapOvr>
     <a:masterClrMapping/>
   </p:clrMapOvr>
+  <p:timing>
+    <p:tnLst>
+      <p:par>
+        <p:cTn id="1" dur="indefinite" restart="never" nodeType="tmRoot"/>
+      </p:par>
+    </p:tnLst>
+  </p:timing>
 </p:sld>
 </file>
 
@@ -33264,6 +33486,13 @@
   <p:clrMapOvr>
     <a:masterClrMapping/>
   </p:clrMapOvr>
+  <p:timing>
+    <p:tnLst>
+      <p:par>
+        <p:cTn id="1" dur="indefinite" restart="never" nodeType="tmRoot"/>
+      </p:par>
+    </p:tnLst>
+  </p:timing>
 </p:sld>
 </file>
 

--- a/lectures3/Pythonlearn-01-Intro.pptx
+++ b/lectures3/Pythonlearn-01-Intro.pptx
@@ -7576,7 +7576,7 @@
               <a:buNone/>
             </a:pPr>
             <a:r>
-              <a:rPr lang="en-US" sz="3200" u="none" strike="noStrike" cap="none">
+              <a:rPr lang="en-US" sz="3200" u="none" strike="noStrike" cap="none" dirty="0" smtClean="0">
                 <a:solidFill>
                   <a:srgbClr val="FFFF00"/>
                 </a:solidFill>
@@ -7585,8 +7585,17 @@
                 <a:cs typeface="Arial" charset="0"/>
                 <a:sym typeface="Cabin"/>
               </a:rPr>
-              <a:t>Python for Informatics: Exploring Information</a:t>
-            </a:r>
+              <a:t>Python for Everybody</a:t>
+            </a:r>
+            <a:endParaRPr lang="en-US" sz="3200" u="none" strike="noStrike" cap="none" dirty="0">
+              <a:solidFill>
+                <a:srgbClr val="FFFF00"/>
+              </a:solidFill>
+              <a:latin typeface="Arial" charset="0"/>
+              <a:ea typeface="Arial" charset="0"/>
+              <a:cs typeface="Arial" charset="0"/>
+              <a:sym typeface="Cabin"/>
+            </a:endParaRPr>
           </a:p>
           <a:p>
             <a:pPr marL="0" marR="0" lvl="0" indent="0" algn="ctr" rtl="0">
@@ -7607,7 +7616,7 @@
               <a:buNone/>
             </a:pPr>
             <a:r>
-              <a:rPr lang="en-US" sz="3200" u="sng" strike="noStrike" cap="none">
+              <a:rPr lang="en-US" sz="3200" u="sng" strike="noStrike" cap="none" smtClean="0">
                 <a:solidFill>
                   <a:srgbClr val="FFFF00"/>
                 </a:solidFill>
@@ -7617,8 +7626,18 @@
                 <a:sym typeface="Cabin"/>
                 <a:hlinkClick r:id="rId3"/>
               </a:rPr>
-              <a:t>www.pythonlearn.com</a:t>
-            </a:r>
+              <a:t>www.py4e.com</a:t>
+            </a:r>
+            <a:endParaRPr lang="en-US" sz="3200" u="sng" strike="noStrike" cap="none" dirty="0">
+              <a:solidFill>
+                <a:srgbClr val="FFFF00"/>
+              </a:solidFill>
+              <a:latin typeface="Arial" charset="0"/>
+              <a:ea typeface="Arial" charset="0"/>
+              <a:cs typeface="Arial" charset="0"/>
+              <a:sym typeface="Cabin"/>
+              <a:hlinkClick r:id="rId3"/>
+            </a:endParaRPr>
           </a:p>
         </p:txBody>
       </p:sp>

--- a/lectures3/Pythonlearn-01-Intro.pptx
+++ b/lectures3/Pythonlearn-01-Intro.pptx
@@ -10045,7 +10045,7 @@
         </p:nvSpPr>
         <p:spPr>
           <a:xfrm>
-            <a:off x="930550" y="719847"/>
+            <a:off x="574950" y="719847"/>
             <a:ext cx="9772499" cy="7529208"/>
           </a:xfrm>
           <a:prstGeom prst="rect">
@@ -10062,25 +10062,14 @@
           </a:bodyPr>
           <a:lstStyle/>
           <a:p>
-            <a:pPr marL="0" marR="0" lvl="0" indent="0" algn="l" rtl="0">
-              <a:lnSpc>
-                <a:spcPct val="100000"/>
-              </a:lnSpc>
-              <a:spcBef>
-                <a:spcPts val="0"/>
-              </a:spcBef>
-              <a:spcAft>
-                <a:spcPts val="0"/>
-              </a:spcAft>
+            <a:pPr lvl="0">
               <a:buClr>
                 <a:srgbClr val="00FF00"/>
               </a:buClr>
               <a:buSzPct val="25000"/>
-              <a:buFont typeface="Cabin"/>
-              <a:buNone/>
-            </a:pPr>
-            <a:r>
-              <a:rPr lang="en-US" sz="2800" b="1" i="0" u="none" strike="noStrike" cap="none" dirty="0">
+            </a:pPr>
+            <a:r>
+              <a:rPr lang="en-US" sz="2800" b="1" dirty="0">
                 <a:solidFill>
                   <a:srgbClr val="00FF00"/>
                 </a:solidFill>
@@ -10092,7 +10081,7 @@
               <a:t>name = </a:t>
             </a:r>
             <a:r>
-              <a:rPr lang="en-US" sz="2800" b="1" i="0" u="none" strike="noStrike" cap="none" dirty="0" err="1">
+              <a:rPr lang="en-US" sz="2800" b="1" dirty="0" err="1">
                 <a:solidFill>
                   <a:srgbClr val="00FF00"/>
                 </a:solidFill>
@@ -10104,7 +10093,7 @@
               <a:t>raw_input</a:t>
             </a:r>
             <a:r>
-              <a:rPr lang="en-US" sz="2800" b="1" i="0" u="none" strike="noStrike" cap="none" dirty="0">
+              <a:rPr lang="en-US" sz="2800" b="1" dirty="0">
                 <a:solidFill>
                   <a:srgbClr val="00FF00"/>
                 </a:solidFill>
@@ -10117,25 +10106,14 @@
             </a:r>
           </a:p>
           <a:p>
-            <a:pPr marL="0" marR="0" lvl="0" indent="0" algn="l" rtl="0">
-              <a:lnSpc>
-                <a:spcPct val="100000"/>
-              </a:lnSpc>
-              <a:spcBef>
-                <a:spcPts val="0"/>
-              </a:spcBef>
-              <a:spcAft>
-                <a:spcPts val="0"/>
-              </a:spcAft>
+            <a:pPr lvl="0">
               <a:buClr>
                 <a:srgbClr val="00FF00"/>
               </a:buClr>
               <a:buSzPct val="25000"/>
-              <a:buFont typeface="Cabin"/>
-              <a:buNone/>
-            </a:pPr>
-            <a:r>
-              <a:rPr lang="en-US" sz="2800" b="1" i="0" u="none" strike="noStrike" cap="none" dirty="0">
+            </a:pPr>
+            <a:r>
+              <a:rPr lang="en-US" sz="2800" b="1" dirty="0">
                 <a:solidFill>
                   <a:srgbClr val="00FF00"/>
                 </a:solidFill>
@@ -10144,133 +10122,12 @@
                 <a:cs typeface="Courier New"/>
                 <a:sym typeface="Courier New"/>
               </a:rPr>
-              <a:t>handle = open(name, 'r')</a:t>
-            </a:r>
-          </a:p>
-          <a:p>
-            <a:pPr marL="0" marR="0" lvl="0" indent="0" algn="l" rtl="0">
-              <a:lnSpc>
-                <a:spcPct val="100000"/>
-              </a:lnSpc>
-              <a:spcBef>
-                <a:spcPts val="0"/>
-              </a:spcBef>
-              <a:spcAft>
-                <a:spcPts val="0"/>
-              </a:spcAft>
-              <a:buClr>
-                <a:srgbClr val="00FF00"/>
-              </a:buClr>
-              <a:buSzPct val="25000"/>
-              <a:buFont typeface="Cabin"/>
-              <a:buNone/>
-            </a:pPr>
-            <a:r>
-              <a:rPr lang="en-US" sz="2800" b="1" i="0" u="none" strike="noStrike" cap="none" dirty="0">
-                <a:solidFill>
-                  <a:srgbClr val="00FF00"/>
-                </a:solidFill>
-                <a:latin typeface="Courier New"/>
-                <a:ea typeface="Courier New"/>
-                <a:cs typeface="Courier New"/>
-                <a:sym typeface="Courier New"/>
-              </a:rPr>
-              <a:t>text = </a:t>
-            </a:r>
-            <a:r>
-              <a:rPr lang="en-US" sz="2800" b="1" i="0" u="none" strike="noStrike" cap="none" dirty="0" err="1">
-                <a:solidFill>
-                  <a:srgbClr val="00FF00"/>
-                </a:solidFill>
-                <a:latin typeface="Courier New"/>
-                <a:ea typeface="Courier New"/>
-                <a:cs typeface="Courier New"/>
-                <a:sym typeface="Courier New"/>
-              </a:rPr>
-              <a:t>handle.read</a:t>
-            </a:r>
-            <a:r>
-              <a:rPr lang="en-US" sz="2800" b="1" i="0" u="none" strike="noStrike" cap="none" dirty="0">
-                <a:solidFill>
-                  <a:srgbClr val="00FF00"/>
-                </a:solidFill>
-                <a:latin typeface="Courier New"/>
-                <a:ea typeface="Courier New"/>
-                <a:cs typeface="Courier New"/>
-                <a:sym typeface="Courier New"/>
-              </a:rPr>
-              <a:t>()</a:t>
-            </a:r>
-          </a:p>
-          <a:p>
-            <a:pPr marL="0" marR="0" lvl="0" indent="0" algn="l" rtl="0">
-              <a:lnSpc>
-                <a:spcPct val="100000"/>
-              </a:lnSpc>
-              <a:spcBef>
-                <a:spcPts val="0"/>
-              </a:spcBef>
-              <a:spcAft>
-                <a:spcPts val="0"/>
-              </a:spcAft>
-              <a:buClr>
-                <a:srgbClr val="00FF00"/>
-              </a:buClr>
-              <a:buSzPct val="25000"/>
-              <a:buFont typeface="Cabin"/>
-              <a:buNone/>
-            </a:pPr>
-            <a:r>
-              <a:rPr lang="en-US" sz="2800" b="1" i="0" u="none" strike="noStrike" cap="none" dirty="0">
-                <a:solidFill>
-                  <a:srgbClr val="00FF00"/>
-                </a:solidFill>
-                <a:latin typeface="Courier New"/>
-                <a:ea typeface="Courier New"/>
-                <a:cs typeface="Courier New"/>
-                <a:sym typeface="Courier New"/>
-              </a:rPr>
-              <a:t>words = </a:t>
-            </a:r>
-            <a:r>
-              <a:rPr lang="en-US" sz="2800" b="1" i="0" u="none" strike="noStrike" cap="none" dirty="0" err="1">
-                <a:solidFill>
-                  <a:srgbClr val="00FF00"/>
-                </a:solidFill>
-                <a:latin typeface="Courier New"/>
-                <a:ea typeface="Courier New"/>
-                <a:cs typeface="Courier New"/>
-                <a:sym typeface="Courier New"/>
-              </a:rPr>
-              <a:t>text.split</a:t>
-            </a:r>
-            <a:r>
-              <a:rPr lang="en-US" sz="2800" b="1" i="0" u="none" strike="noStrike" cap="none" dirty="0">
-                <a:solidFill>
-                  <a:srgbClr val="00FF00"/>
-                </a:solidFill>
-                <a:latin typeface="Courier New"/>
-                <a:ea typeface="Courier New"/>
-                <a:cs typeface="Courier New"/>
-                <a:sym typeface="Courier New"/>
-              </a:rPr>
-              <a:t>()</a:t>
-            </a:r>
-          </a:p>
-          <a:p>
-            <a:pPr marL="0" marR="0" lvl="0" indent="0" algn="ctr" rtl="0">
-              <a:lnSpc>
-                <a:spcPct val="100000"/>
-              </a:lnSpc>
-              <a:spcBef>
-                <a:spcPts val="0"/>
-              </a:spcBef>
-              <a:spcAft>
-                <a:spcPts val="0"/>
-              </a:spcAft>
-              <a:buNone/>
-            </a:pPr>
-            <a:endParaRPr sz="2800" b="1" i="0" u="none" strike="noStrike" cap="none" dirty="0">
+              <a:t>handle = open(name)</a:t>
+            </a:r>
+          </a:p>
+          <a:p>
+            <a:pPr lvl="0" algn="ctr"/>
+            <a:endParaRPr lang="en-US" sz="2800" b="1" dirty="0">
               <a:solidFill>
                 <a:srgbClr val="00FF00"/>
               </a:solidFill>
@@ -10281,27 +10138,16 @@
             </a:endParaRPr>
           </a:p>
           <a:p>
-            <a:pPr marL="0" marR="0" lvl="0" indent="0" algn="l" rtl="0">
-              <a:lnSpc>
-                <a:spcPct val="100000"/>
-              </a:lnSpc>
-              <a:spcBef>
-                <a:spcPts val="0"/>
-              </a:spcBef>
-              <a:spcAft>
-                <a:spcPts val="0"/>
-              </a:spcAft>
+            <a:pPr lvl="0">
               <a:buClr>
                 <a:srgbClr val="00FF00"/>
               </a:buClr>
               <a:buSzPct val="25000"/>
-              <a:buFont typeface="Cabin"/>
-              <a:buNone/>
-            </a:pPr>
-            <a:r>
-              <a:rPr lang="en-US" sz="2800" b="1" i="0" u="none" strike="noStrike" cap="none" dirty="0">
-                <a:solidFill>
-                  <a:srgbClr val="00FF00"/>
+            </a:pPr>
+            <a:r>
+              <a:rPr lang="en-US" sz="2800" b="1" dirty="0">
+                <a:solidFill>
+                  <a:srgbClr val="FF00FF"/>
                 </a:solidFill>
                 <a:latin typeface="Courier New"/>
                 <a:ea typeface="Courier New"/>
@@ -10311,9 +10157,9 @@
               <a:t>counts = </a:t>
             </a:r>
             <a:r>
-              <a:rPr lang="en-US" sz="2800" b="1" i="0" u="none" strike="noStrike" cap="none" dirty="0" err="1">
-                <a:solidFill>
-                  <a:srgbClr val="00FF00"/>
+              <a:rPr lang="en-US" sz="2800" b="1" dirty="0" err="1">
+                <a:solidFill>
+                  <a:srgbClr val="FF00FF"/>
                 </a:solidFill>
                 <a:latin typeface="Courier New"/>
                 <a:ea typeface="Courier New"/>
@@ -10323,9 +10169,9 @@
               <a:t>dict</a:t>
             </a:r>
             <a:r>
-              <a:rPr lang="en-US" sz="2800" b="1" i="0" u="none" strike="noStrike" cap="none" dirty="0">
-                <a:solidFill>
-                  <a:srgbClr val="00FF00"/>
+              <a:rPr lang="en-US" sz="2800" b="1" dirty="0">
+                <a:solidFill>
+                  <a:srgbClr val="FF00FF"/>
                 </a:solidFill>
                 <a:latin typeface="Courier New"/>
                 <a:ea typeface="Courier New"/>
@@ -10336,191 +10182,140 @@
             </a:r>
           </a:p>
           <a:p>
-            <a:pPr marL="0" marR="0" lvl="0" indent="0" algn="l" rtl="0">
-              <a:lnSpc>
-                <a:spcPct val="100000"/>
-              </a:lnSpc>
-              <a:spcBef>
-                <a:spcPts val="0"/>
-              </a:spcBef>
-              <a:spcAft>
-                <a:spcPts val="0"/>
-              </a:spcAft>
+            <a:pPr lvl="0">
               <a:buClr>
                 <a:srgbClr val="00FF00"/>
               </a:buClr>
               <a:buSzPct val="25000"/>
-              <a:buFont typeface="Cabin"/>
-              <a:buNone/>
-            </a:pPr>
-            <a:r>
-              <a:rPr lang="en-US" sz="2800" b="1" i="0" u="none" strike="noStrike" cap="none" dirty="0">
-                <a:solidFill>
-                  <a:srgbClr val="00FF00"/>
+            </a:pPr>
+            <a:r>
+              <a:rPr lang="en-US" sz="2800" b="1" dirty="0">
+                <a:solidFill>
+                  <a:srgbClr val="FF00FF"/>
                 </a:solidFill>
                 <a:latin typeface="Courier New"/>
                 <a:ea typeface="Courier New"/>
                 <a:cs typeface="Courier New"/>
                 <a:sym typeface="Courier New"/>
               </a:rPr>
-              <a:t>for word in words:</a:t>
-            </a:r>
-          </a:p>
-          <a:p>
-            <a:pPr marL="0" marR="0" lvl="0" indent="0" algn="l" rtl="0">
-              <a:lnSpc>
-                <a:spcPct val="100000"/>
-              </a:lnSpc>
-              <a:spcBef>
-                <a:spcPts val="0"/>
-              </a:spcBef>
-              <a:spcAft>
-                <a:spcPts val="0"/>
-              </a:spcAft>
+              <a:t>for line in handle:</a:t>
+            </a:r>
+          </a:p>
+          <a:p>
+            <a:pPr lvl="0">
               <a:buClr>
                 <a:srgbClr val="00FF00"/>
               </a:buClr>
               <a:buSzPct val="25000"/>
-              <a:buFont typeface="Cabin"/>
-              <a:buNone/>
-            </a:pPr>
-            <a:r>
-              <a:rPr lang="en-US" sz="2800" b="1" i="0" u="none" strike="noStrike" cap="none" dirty="0">
-                <a:solidFill>
-                  <a:srgbClr val="00FF00"/>
+            </a:pPr>
+            <a:r>
+              <a:rPr lang="en-US" sz="2800" b="1" dirty="0">
+                <a:solidFill>
+                  <a:srgbClr val="FF00FF"/>
                 </a:solidFill>
                 <a:latin typeface="Courier New"/>
                 <a:ea typeface="Courier New"/>
                 <a:cs typeface="Courier New"/>
                 <a:sym typeface="Courier New"/>
               </a:rPr>
-              <a:t>   counts[word] = </a:t>
-            </a:r>
-            <a:r>
-              <a:rPr lang="en-US" sz="2800" b="1" i="0" u="none" strike="noStrike" cap="none" dirty="0" err="1">
-                <a:solidFill>
-                  <a:srgbClr val="00FF00"/>
+              <a:t>    words = </a:t>
+            </a:r>
+            <a:r>
+              <a:rPr lang="en-US" sz="2800" b="1" dirty="0" err="1">
+                <a:solidFill>
+                  <a:srgbClr val="FF00FF"/>
                 </a:solidFill>
                 <a:latin typeface="Courier New"/>
                 <a:ea typeface="Courier New"/>
                 <a:cs typeface="Courier New"/>
                 <a:sym typeface="Courier New"/>
               </a:rPr>
-              <a:t>counts.get</a:t>
-            </a:r>
-            <a:r>
-              <a:rPr lang="en-US" sz="2800" b="1" i="0" u="none" strike="noStrike" cap="none" dirty="0">
-                <a:solidFill>
-                  <a:srgbClr val="00FF00"/>
+              <a:t>line.split</a:t>
+            </a:r>
+            <a:r>
+              <a:rPr lang="en-US" sz="2800" b="1" dirty="0">
+                <a:solidFill>
+                  <a:srgbClr val="FF00FF"/>
                 </a:solidFill>
                 <a:latin typeface="Courier New"/>
                 <a:ea typeface="Courier New"/>
                 <a:cs typeface="Courier New"/>
                 <a:sym typeface="Courier New"/>
               </a:rPr>
-              <a:t>(word,0) + 1</a:t>
-            </a:r>
-          </a:p>
-          <a:p>
-            <a:pPr marL="0" marR="0" lvl="0" indent="0" algn="l" rtl="0">
-              <a:lnSpc>
-                <a:spcPct val="100000"/>
-              </a:lnSpc>
-              <a:spcBef>
-                <a:spcPts val="0"/>
-              </a:spcBef>
-              <a:spcAft>
-                <a:spcPts val="0"/>
-              </a:spcAft>
+              <a:t>()</a:t>
+            </a:r>
+          </a:p>
+          <a:p>
+            <a:pPr lvl="0">
               <a:buClr>
                 <a:srgbClr val="00FF00"/>
               </a:buClr>
               <a:buSzPct val="25000"/>
-              <a:buFont typeface="Cabin"/>
-              <a:buNone/>
-            </a:pPr>
-            <a:r>
-              <a:rPr lang="en-US" sz="2800" b="1" i="0" u="none" strike="noStrike" cap="none" dirty="0" err="1">
-                <a:solidFill>
-                  <a:srgbClr val="00FF00"/>
+            </a:pPr>
+            <a:r>
+              <a:rPr lang="en-US" sz="2800" b="1" dirty="0">
+                <a:solidFill>
+                  <a:srgbClr val="FF00FF"/>
                 </a:solidFill>
                 <a:latin typeface="Courier New"/>
                 <a:ea typeface="Courier New"/>
                 <a:cs typeface="Courier New"/>
                 <a:sym typeface="Courier New"/>
               </a:rPr>
-              <a:t>bigcount</a:t>
-            </a:r>
-            <a:r>
-              <a:rPr lang="en-US" sz="2800" b="1" i="0" u="none" strike="noStrike" cap="none" dirty="0">
-                <a:solidFill>
-                  <a:srgbClr val="00FF00"/>
+              <a:t>    for word in words:</a:t>
+            </a:r>
+          </a:p>
+          <a:p>
+            <a:pPr lvl="0">
+              <a:buClr>
+                <a:srgbClr val="00FF00"/>
+              </a:buClr>
+              <a:buSzPct val="25000"/>
+            </a:pPr>
+            <a:r>
+              <a:rPr lang="en-US" sz="2800" b="1" dirty="0">
+                <a:solidFill>
+                  <a:srgbClr val="FF00FF"/>
                 </a:solidFill>
                 <a:latin typeface="Courier New"/>
                 <a:ea typeface="Courier New"/>
                 <a:cs typeface="Courier New"/>
                 <a:sym typeface="Courier New"/>
               </a:rPr>
-              <a:t> = None</a:t>
-            </a:r>
-          </a:p>
-          <a:p>
-            <a:pPr marL="0" marR="0" lvl="0" indent="0" algn="l" rtl="0">
-              <a:lnSpc>
-                <a:spcPct val="100000"/>
-              </a:lnSpc>
-              <a:spcBef>
-                <a:spcPts val="0"/>
-              </a:spcBef>
-              <a:spcAft>
-                <a:spcPts val="0"/>
-              </a:spcAft>
-              <a:buClr>
-                <a:srgbClr val="00FF00"/>
-              </a:buClr>
-              <a:buSzPct val="25000"/>
-              <a:buFont typeface="Cabin"/>
-              <a:buNone/>
-            </a:pPr>
-            <a:r>
-              <a:rPr lang="en-US" sz="2800" b="1" i="0" u="none" strike="noStrike" cap="none" dirty="0" err="1">
-                <a:solidFill>
-                  <a:srgbClr val="00FF00"/>
+              <a:t>        counts[word] = </a:t>
+            </a:r>
+            <a:r>
+              <a:rPr lang="en-US" sz="2800" b="1" dirty="0" err="1">
+                <a:solidFill>
+                  <a:srgbClr val="FF00FF"/>
                 </a:solidFill>
                 <a:latin typeface="Courier New"/>
                 <a:ea typeface="Courier New"/>
                 <a:cs typeface="Courier New"/>
                 <a:sym typeface="Courier New"/>
               </a:rPr>
-              <a:t>bigword</a:t>
-            </a:r>
-            <a:r>
-              <a:rPr lang="en-US" sz="2800" b="1" i="0" u="none" strike="noStrike" cap="none" dirty="0">
-                <a:solidFill>
-                  <a:srgbClr val="00FF00"/>
+              <a:t>counts.get</a:t>
+            </a:r>
+            <a:r>
+              <a:rPr lang="en-US" sz="2800" b="1" dirty="0">
+                <a:solidFill>
+                  <a:srgbClr val="FF00FF"/>
                 </a:solidFill>
                 <a:latin typeface="Courier New"/>
                 <a:ea typeface="Courier New"/>
                 <a:cs typeface="Courier New"/>
                 <a:sym typeface="Courier New"/>
               </a:rPr>
-              <a:t> = None</a:t>
-            </a:r>
-          </a:p>
-          <a:p>
-            <a:pPr marL="0" marR="0" lvl="0" indent="0" algn="ctr" rtl="0">
-              <a:lnSpc>
-                <a:spcPct val="100000"/>
-              </a:lnSpc>
-              <a:spcBef>
-                <a:spcPts val="0"/>
-              </a:spcBef>
-              <a:spcAft>
-                <a:spcPts val="0"/>
-              </a:spcAft>
-              <a:buNone/>
-            </a:pPr>
-            <a:endParaRPr sz="2800" b="1" i="0" u="none" strike="noStrike" cap="none" dirty="0">
+              <a:t>(word,0) + 1</a:t>
+            </a:r>
+          </a:p>
+          <a:p>
+            <a:pPr lvl="0">
+              <a:buClr>
+                <a:srgbClr val="00FF00"/>
+              </a:buClr>
+            </a:pPr>
+            <a:endParaRPr lang="en-US" sz="2800" b="1" dirty="0">
               <a:solidFill>
                 <a:srgbClr val="00FF00"/>
               </a:solidFill>
@@ -10531,342 +10326,379 @@
             </a:endParaRPr>
           </a:p>
           <a:p>
-            <a:pPr marL="0" marR="0" lvl="0" indent="0" algn="l" rtl="0">
-              <a:lnSpc>
-                <a:spcPct val="100000"/>
-              </a:lnSpc>
-              <a:spcBef>
-                <a:spcPts val="0"/>
-              </a:spcBef>
-              <a:spcAft>
-                <a:spcPts val="0"/>
-              </a:spcAft>
+            <a:pPr lvl="0">
               <a:buClr>
                 <a:srgbClr val="00FF00"/>
               </a:buClr>
               <a:buSzPct val="25000"/>
-              <a:buFont typeface="Cabin"/>
-              <a:buNone/>
-            </a:pPr>
-            <a:r>
-              <a:rPr lang="en-US" sz="2800" b="1" i="0" u="none" strike="noStrike" cap="none" dirty="0">
-                <a:solidFill>
-                  <a:srgbClr val="00FF00"/>
+            </a:pPr>
+            <a:r>
+              <a:rPr lang="en-US" sz="2800" b="1" dirty="0" err="1">
+                <a:solidFill>
+                  <a:srgbClr val="00FFFF"/>
                 </a:solidFill>
                 <a:latin typeface="Courier New"/>
                 <a:ea typeface="Courier New"/>
                 <a:cs typeface="Courier New"/>
                 <a:sym typeface="Courier New"/>
               </a:rPr>
-              <a:t>for </a:t>
-            </a:r>
-            <a:r>
-              <a:rPr lang="en-US" sz="2800" b="1" i="0" u="none" strike="noStrike" cap="none" dirty="0" err="1">
-                <a:solidFill>
-                  <a:srgbClr val="00FF00"/>
+              <a:t>bigcount</a:t>
+            </a:r>
+            <a:r>
+              <a:rPr lang="en-US" sz="2800" b="1" dirty="0">
+                <a:solidFill>
+                  <a:srgbClr val="00FFFF"/>
                 </a:solidFill>
                 <a:latin typeface="Courier New"/>
                 <a:ea typeface="Courier New"/>
                 <a:cs typeface="Courier New"/>
                 <a:sym typeface="Courier New"/>
               </a:rPr>
-              <a:t>word,count</a:t>
-            </a:r>
-            <a:r>
-              <a:rPr lang="en-US" sz="2800" b="1" i="0" u="none" strike="noStrike" cap="none" dirty="0">
-                <a:solidFill>
-                  <a:srgbClr val="00FF00"/>
+              <a:t> = None</a:t>
+            </a:r>
+          </a:p>
+          <a:p>
+            <a:pPr lvl="0">
+              <a:buClr>
+                <a:srgbClr val="00FF00"/>
+              </a:buClr>
+              <a:buSzPct val="25000"/>
+            </a:pPr>
+            <a:r>
+              <a:rPr lang="en-US" sz="2800" b="1" dirty="0" err="1">
+                <a:solidFill>
+                  <a:srgbClr val="00FFFF"/>
                 </a:solidFill>
                 <a:latin typeface="Courier New"/>
                 <a:ea typeface="Courier New"/>
                 <a:cs typeface="Courier New"/>
                 <a:sym typeface="Courier New"/>
               </a:rPr>
-              <a:t> in </a:t>
-            </a:r>
-            <a:r>
-              <a:rPr lang="en-US" sz="2800" b="1" i="0" u="none" strike="noStrike" cap="none" dirty="0" err="1">
-                <a:solidFill>
-                  <a:srgbClr val="00FF00"/>
+              <a:t>bigword</a:t>
+            </a:r>
+            <a:r>
+              <a:rPr lang="en-US" sz="2800" b="1" dirty="0">
+                <a:solidFill>
+                  <a:srgbClr val="00FFFF"/>
                 </a:solidFill>
                 <a:latin typeface="Courier New"/>
                 <a:ea typeface="Courier New"/>
                 <a:cs typeface="Courier New"/>
                 <a:sym typeface="Courier New"/>
               </a:rPr>
-              <a:t>counts.items</a:t>
-            </a:r>
-            <a:r>
-              <a:rPr lang="en-US" sz="2800" b="1" i="0" u="none" strike="noStrike" cap="none" dirty="0">
-                <a:solidFill>
-                  <a:srgbClr val="00FF00"/>
+              <a:t> = None</a:t>
+            </a:r>
+          </a:p>
+          <a:p>
+            <a:pPr lvl="0">
+              <a:buClr>
+                <a:srgbClr val="00FF00"/>
+              </a:buClr>
+              <a:buSzPct val="25000"/>
+            </a:pPr>
+            <a:r>
+              <a:rPr lang="en-US" sz="2800" b="1" dirty="0">
+                <a:solidFill>
+                  <a:srgbClr val="00FFFF"/>
                 </a:solidFill>
                 <a:latin typeface="Courier New"/>
                 <a:ea typeface="Courier New"/>
                 <a:cs typeface="Courier New"/>
                 <a:sym typeface="Courier New"/>
               </a:rPr>
-              <a:t>():</a:t>
-            </a:r>
-          </a:p>
-          <a:p>
-            <a:pPr marL="0" marR="0" lvl="0" indent="0" algn="l" rtl="0">
-              <a:lnSpc>
-                <a:spcPct val="100000"/>
-              </a:lnSpc>
-              <a:spcBef>
-                <a:spcPts val="0"/>
-              </a:spcBef>
-              <a:spcAft>
-                <a:spcPts val="0"/>
-              </a:spcAft>
-              <a:buClr>
-                <a:srgbClr val="00FF00"/>
-              </a:buClr>
-              <a:buSzPct val="25000"/>
-              <a:buFont typeface="Cabin"/>
-              <a:buNone/>
-            </a:pPr>
-            <a:r>
-              <a:rPr lang="en-US" sz="2800" b="1" i="0" u="none" strike="noStrike" cap="none" dirty="0">
-                <a:solidFill>
-                  <a:srgbClr val="00FF00"/>
+              <a:t>for </a:t>
+            </a:r>
+            <a:r>
+              <a:rPr lang="en-US" sz="2800" b="1" dirty="0" err="1">
+                <a:solidFill>
+                  <a:srgbClr val="00FFFF"/>
                 </a:solidFill>
                 <a:latin typeface="Courier New"/>
                 <a:ea typeface="Courier New"/>
                 <a:cs typeface="Courier New"/>
                 <a:sym typeface="Courier New"/>
               </a:rPr>
-              <a:t>    if </a:t>
-            </a:r>
-            <a:r>
-              <a:rPr lang="en-US" sz="2800" b="1" i="0" u="none" strike="noStrike" cap="none" dirty="0" err="1">
-                <a:solidFill>
-                  <a:srgbClr val="00FF00"/>
+              <a:t>word,count</a:t>
+            </a:r>
+            <a:r>
+              <a:rPr lang="en-US" sz="2800" b="1" dirty="0">
+                <a:solidFill>
+                  <a:srgbClr val="00FFFF"/>
                 </a:solidFill>
                 <a:latin typeface="Courier New"/>
                 <a:ea typeface="Courier New"/>
                 <a:cs typeface="Courier New"/>
                 <a:sym typeface="Courier New"/>
               </a:rPr>
-              <a:t>bigcount</a:t>
-            </a:r>
-            <a:r>
-              <a:rPr lang="en-US" sz="2800" b="1" i="0" u="none" strike="noStrike" cap="none" dirty="0">
-                <a:solidFill>
-                  <a:srgbClr val="00FF00"/>
+              <a:t> in </a:t>
+            </a:r>
+            <a:r>
+              <a:rPr lang="en-US" sz="2800" b="1" dirty="0" err="1">
+                <a:solidFill>
+                  <a:srgbClr val="00FFFF"/>
                 </a:solidFill>
                 <a:latin typeface="Courier New"/>
                 <a:ea typeface="Courier New"/>
                 <a:cs typeface="Courier New"/>
                 <a:sym typeface="Courier New"/>
               </a:rPr>
-              <a:t> is None or count &gt; </a:t>
-            </a:r>
-            <a:r>
-              <a:rPr lang="en-US" sz="2800" b="1" i="0" u="none" strike="noStrike" cap="none" dirty="0" err="1">
-                <a:solidFill>
-                  <a:srgbClr val="00FF00"/>
+              <a:t>counts.items</a:t>
+            </a:r>
+            <a:r>
+              <a:rPr lang="en-US" sz="2800" b="1" dirty="0">
+                <a:solidFill>
+                  <a:srgbClr val="00FFFF"/>
                 </a:solidFill>
                 <a:latin typeface="Courier New"/>
                 <a:ea typeface="Courier New"/>
                 <a:cs typeface="Courier New"/>
                 <a:sym typeface="Courier New"/>
               </a:rPr>
-              <a:t>bigcount</a:t>
-            </a:r>
-            <a:r>
-              <a:rPr lang="en-US" sz="2800" b="1" i="0" u="none" strike="noStrike" cap="none" dirty="0">
-                <a:solidFill>
-                  <a:srgbClr val="00FF00"/>
+              <a:t>():</a:t>
+            </a:r>
+          </a:p>
+          <a:p>
+            <a:pPr lvl="0">
+              <a:buClr>
+                <a:srgbClr val="00FF00"/>
+              </a:buClr>
+              <a:buSzPct val="25000"/>
+            </a:pPr>
+            <a:r>
+              <a:rPr lang="en-US" sz="2800" b="1" dirty="0">
+                <a:solidFill>
+                  <a:srgbClr val="00FFFF"/>
                 </a:solidFill>
                 <a:latin typeface="Courier New"/>
                 <a:ea typeface="Courier New"/>
                 <a:cs typeface="Courier New"/>
                 <a:sym typeface="Courier New"/>
               </a:rPr>
-              <a:t>:</a:t>
-            </a:r>
-          </a:p>
-          <a:p>
-            <a:pPr marL="0" marR="0" lvl="0" indent="0" algn="l" rtl="0">
-              <a:lnSpc>
-                <a:spcPct val="100000"/>
-              </a:lnSpc>
-              <a:spcBef>
-                <a:spcPts val="0"/>
-              </a:spcBef>
-              <a:spcAft>
-                <a:spcPts val="0"/>
-              </a:spcAft>
-              <a:buClr>
-                <a:srgbClr val="00FF00"/>
-              </a:buClr>
-              <a:buSzPct val="25000"/>
-              <a:buFont typeface="Cabin"/>
-              <a:buNone/>
-            </a:pPr>
-            <a:r>
-              <a:rPr lang="en-US" sz="2800" b="1" i="0" u="none" strike="noStrike" cap="none" dirty="0">
-                <a:solidFill>
-                  <a:srgbClr val="00FF00"/>
+              <a:t>    if </a:t>
+            </a:r>
+            <a:r>
+              <a:rPr lang="en-US" sz="2800" b="1" dirty="0" err="1">
+                <a:solidFill>
+                  <a:srgbClr val="00FFFF"/>
                 </a:solidFill>
                 <a:latin typeface="Courier New"/>
                 <a:ea typeface="Courier New"/>
                 <a:cs typeface="Courier New"/>
                 <a:sym typeface="Courier New"/>
               </a:rPr>
-              <a:t>        </a:t>
-            </a:r>
-            <a:r>
-              <a:rPr lang="en-US" sz="2800" b="1" i="0" u="none" strike="noStrike" cap="none" dirty="0" err="1">
-                <a:solidFill>
-                  <a:srgbClr val="00FF00"/>
+              <a:t>bigcount</a:t>
+            </a:r>
+            <a:r>
+              <a:rPr lang="en-US" sz="2800" b="1" dirty="0">
+                <a:solidFill>
+                  <a:srgbClr val="00FFFF"/>
                 </a:solidFill>
                 <a:latin typeface="Courier New"/>
                 <a:ea typeface="Courier New"/>
                 <a:cs typeface="Courier New"/>
                 <a:sym typeface="Courier New"/>
               </a:rPr>
-              <a:t>bigword</a:t>
-            </a:r>
-            <a:r>
-              <a:rPr lang="en-US" sz="2800" b="1" i="0" u="none" strike="noStrike" cap="none" dirty="0">
-                <a:solidFill>
-                  <a:srgbClr val="00FF00"/>
+              <a:t> is None or count &gt; </a:t>
+            </a:r>
+            <a:r>
+              <a:rPr lang="en-US" sz="2800" b="1" dirty="0" err="1">
+                <a:solidFill>
+                  <a:srgbClr val="00FFFF"/>
                 </a:solidFill>
                 <a:latin typeface="Courier New"/>
                 <a:ea typeface="Courier New"/>
                 <a:cs typeface="Courier New"/>
                 <a:sym typeface="Courier New"/>
               </a:rPr>
-              <a:t> = word</a:t>
-            </a:r>
-          </a:p>
-          <a:p>
-            <a:pPr marL="0" marR="0" lvl="0" indent="0" algn="l" rtl="0">
-              <a:lnSpc>
-                <a:spcPct val="100000"/>
-              </a:lnSpc>
-              <a:spcBef>
-                <a:spcPts val="0"/>
-              </a:spcBef>
-              <a:spcAft>
-                <a:spcPts val="0"/>
-              </a:spcAft>
-              <a:buClr>
-                <a:srgbClr val="00FF00"/>
-              </a:buClr>
-              <a:buSzPct val="25000"/>
-              <a:buFont typeface="Cabin"/>
-              <a:buNone/>
-            </a:pPr>
-            <a:r>
-              <a:rPr lang="en-US" sz="2800" b="1" i="0" u="none" strike="noStrike" cap="none" dirty="0">
-                <a:solidFill>
-                  <a:srgbClr val="00FF00"/>
+              <a:t>bigcount</a:t>
+            </a:r>
+            <a:r>
+              <a:rPr lang="en-US" sz="2800" b="1" dirty="0">
+                <a:solidFill>
+                  <a:srgbClr val="00FFFF"/>
                 </a:solidFill>
                 <a:latin typeface="Courier New"/>
                 <a:ea typeface="Courier New"/>
                 <a:cs typeface="Courier New"/>
                 <a:sym typeface="Courier New"/>
               </a:rPr>
-              <a:t>        </a:t>
-            </a:r>
-            <a:r>
-              <a:rPr lang="en-US" sz="2800" b="1" i="0" u="none" strike="noStrike" cap="none" dirty="0" err="1">
-                <a:solidFill>
-                  <a:srgbClr val="00FF00"/>
+              <a:t>:</a:t>
+            </a:r>
+          </a:p>
+          <a:p>
+            <a:pPr lvl="0">
+              <a:buClr>
+                <a:srgbClr val="00FF00"/>
+              </a:buClr>
+              <a:buSzPct val="25000"/>
+            </a:pPr>
+            <a:r>
+              <a:rPr lang="en-US" sz="2800" b="1" dirty="0">
+                <a:solidFill>
+                  <a:srgbClr val="00FFFF"/>
                 </a:solidFill>
                 <a:latin typeface="Courier New"/>
                 <a:ea typeface="Courier New"/>
                 <a:cs typeface="Courier New"/>
                 <a:sym typeface="Courier New"/>
               </a:rPr>
-              <a:t>bigcount</a:t>
-            </a:r>
-            <a:r>
-              <a:rPr lang="en-US" sz="2800" b="1" i="0" u="none" strike="noStrike" cap="none" dirty="0">
-                <a:solidFill>
-                  <a:srgbClr val="00FF00"/>
+              <a:t>        </a:t>
+            </a:r>
+            <a:r>
+              <a:rPr lang="en-US" sz="2800" b="1" dirty="0" err="1">
+                <a:solidFill>
+                  <a:srgbClr val="00FFFF"/>
                 </a:solidFill>
                 <a:latin typeface="Courier New"/>
                 <a:ea typeface="Courier New"/>
                 <a:cs typeface="Courier New"/>
                 <a:sym typeface="Courier New"/>
               </a:rPr>
-              <a:t> = count</a:t>
-            </a:r>
-          </a:p>
-          <a:p>
-            <a:pPr marL="0" marR="0" lvl="0" indent="0" algn="l" rtl="0">
-              <a:lnSpc>
-                <a:spcPct val="100000"/>
-              </a:lnSpc>
-              <a:spcBef>
-                <a:spcPts val="0"/>
-              </a:spcBef>
-              <a:spcAft>
-                <a:spcPts val="0"/>
-              </a:spcAft>
-              <a:buClr>
-                <a:srgbClr val="00FF00"/>
-              </a:buClr>
-              <a:buSzPct val="25000"/>
-              <a:buFont typeface="Cabin"/>
-              <a:buNone/>
-            </a:pPr>
-            <a:r>
-              <a:rPr lang="en-US" sz="2800" b="1" i="0" u="none" strike="noStrike" cap="none" dirty="0">
-                <a:solidFill>
-                  <a:srgbClr val="00FF00"/>
+              <a:t>bigword</a:t>
+            </a:r>
+            <a:r>
+              <a:rPr lang="en-US" sz="2800" b="1" dirty="0">
+                <a:solidFill>
+                  <a:srgbClr val="00FFFF"/>
                 </a:solidFill>
                 <a:latin typeface="Courier New"/>
                 <a:ea typeface="Courier New"/>
                 <a:cs typeface="Courier New"/>
                 <a:sym typeface="Courier New"/>
               </a:rPr>
-              <a:t>print </a:t>
-            </a:r>
-            <a:r>
-              <a:rPr lang="en-US" sz="2800" b="1" i="0" u="none" strike="noStrike" cap="none" dirty="0" err="1">
-                <a:solidFill>
-                  <a:srgbClr val="00FF00"/>
+              <a:t> = word</a:t>
+            </a:r>
+          </a:p>
+          <a:p>
+            <a:pPr lvl="0">
+              <a:buClr>
+                <a:srgbClr val="00FF00"/>
+              </a:buClr>
+              <a:buSzPct val="25000"/>
+            </a:pPr>
+            <a:r>
+              <a:rPr lang="en-US" sz="2800" b="1" dirty="0">
+                <a:solidFill>
+                  <a:srgbClr val="00FFFF"/>
                 </a:solidFill>
                 <a:latin typeface="Courier New"/>
                 <a:ea typeface="Courier New"/>
                 <a:cs typeface="Courier New"/>
                 <a:sym typeface="Courier New"/>
               </a:rPr>
-              <a:t>bigword</a:t>
-            </a:r>
-            <a:r>
-              <a:rPr lang="en-US" sz="2800" b="1" i="0" u="none" strike="noStrike" cap="none" dirty="0">
-                <a:solidFill>
-                  <a:srgbClr val="00FF00"/>
+              <a:t>        </a:t>
+            </a:r>
+            <a:r>
+              <a:rPr lang="en-US" sz="2800" b="1" dirty="0" err="1">
+                <a:solidFill>
+                  <a:srgbClr val="00FFFF"/>
                 </a:solidFill>
                 <a:latin typeface="Courier New"/>
                 <a:ea typeface="Courier New"/>
                 <a:cs typeface="Courier New"/>
                 <a:sym typeface="Courier New"/>
               </a:rPr>
-              <a:t>, </a:t>
-            </a:r>
-            <a:r>
-              <a:rPr lang="en-US" sz="2800" b="1" i="0" u="none" strike="noStrike" cap="none" dirty="0" err="1">
-                <a:solidFill>
-                  <a:srgbClr val="00FF00"/>
+              <a:t>bigcount</a:t>
+            </a:r>
+            <a:r>
+              <a:rPr lang="en-US" sz="2800" b="1" dirty="0">
+                <a:solidFill>
+                  <a:srgbClr val="00FFFF"/>
                 </a:solidFill>
                 <a:latin typeface="Courier New"/>
                 <a:ea typeface="Courier New"/>
                 <a:cs typeface="Courier New"/>
                 <a:sym typeface="Courier New"/>
               </a:rPr>
-              <a:t>bigcount</a:t>
-            </a:r>
-            <a:endParaRPr lang="en-US" sz="2800" b="1" i="0" u="none" strike="noStrike" cap="none" dirty="0">
+              <a:t> = count</a:t>
+            </a:r>
+          </a:p>
+          <a:p>
+            <a:pPr lvl="0">
+              <a:buClr>
+                <a:srgbClr val="00FF00"/>
+              </a:buClr>
+            </a:pPr>
+            <a:endParaRPr lang="en-US" sz="2800" b="1" dirty="0">
               <a:solidFill>
                 <a:srgbClr val="00FF00"/>
+              </a:solidFill>
+              <a:latin typeface="Courier New"/>
+              <a:ea typeface="Courier New"/>
+              <a:cs typeface="Courier New"/>
+              <a:sym typeface="Courier New"/>
+            </a:endParaRPr>
+          </a:p>
+          <a:p>
+            <a:pPr lvl="0">
+              <a:buClr>
+                <a:srgbClr val="00FF00"/>
+              </a:buClr>
+              <a:buSzPct val="25000"/>
+            </a:pPr>
+            <a:r>
+              <a:rPr lang="en-US" sz="2800" b="1" dirty="0">
+                <a:solidFill>
+                  <a:srgbClr val="FF7F00"/>
+                </a:solidFill>
+                <a:latin typeface="Courier New"/>
+                <a:ea typeface="Courier New"/>
+                <a:cs typeface="Courier New"/>
+                <a:sym typeface="Courier New"/>
+              </a:rPr>
+              <a:t>print(</a:t>
+            </a:r>
+            <a:r>
+              <a:rPr lang="en-US" sz="2800" b="1" dirty="0" err="1">
+                <a:solidFill>
+                  <a:srgbClr val="FF7F00"/>
+                </a:solidFill>
+                <a:latin typeface="Courier New"/>
+                <a:ea typeface="Courier New"/>
+                <a:cs typeface="Courier New"/>
+                <a:sym typeface="Courier New"/>
+              </a:rPr>
+              <a:t>bigword</a:t>
+            </a:r>
+            <a:r>
+              <a:rPr lang="en-US" sz="2800" b="1" dirty="0">
+                <a:solidFill>
+                  <a:srgbClr val="FF7F00"/>
+                </a:solidFill>
+                <a:latin typeface="Courier New"/>
+                <a:ea typeface="Courier New"/>
+                <a:cs typeface="Courier New"/>
+                <a:sym typeface="Courier New"/>
+              </a:rPr>
+              <a:t>, </a:t>
+            </a:r>
+            <a:r>
+              <a:rPr lang="en-US" sz="2800" b="1" dirty="0" err="1">
+                <a:solidFill>
+                  <a:srgbClr val="FF7F00"/>
+                </a:solidFill>
+                <a:latin typeface="Courier New"/>
+                <a:ea typeface="Courier New"/>
+                <a:cs typeface="Courier New"/>
+                <a:sym typeface="Courier New"/>
+              </a:rPr>
+              <a:t>bigcount</a:t>
+            </a:r>
+            <a:r>
+              <a:rPr lang="en-US" sz="2800" b="1" dirty="0">
+                <a:solidFill>
+                  <a:srgbClr val="FF7F00"/>
+                </a:solidFill>
+                <a:latin typeface="Courier New"/>
+                <a:ea typeface="Courier New"/>
+                <a:cs typeface="Courier New"/>
+                <a:sym typeface="Courier New"/>
+              </a:rPr>
+              <a:t>)</a:t>
+            </a:r>
+            <a:endParaRPr lang="en-US" sz="2800" b="1" dirty="0">
+              <a:solidFill>
+                <a:srgbClr val="FF7F00"/>
               </a:solidFill>
               <a:latin typeface="Courier New"/>
               <a:ea typeface="Courier New"/>
@@ -19923,8 +19755,8 @@
         </p:nvSpPr>
         <p:spPr>
           <a:xfrm>
-            <a:off x="693525" y="719847"/>
-            <a:ext cx="9221999" cy="7568120"/>
+            <a:off x="419418" y="736781"/>
+            <a:ext cx="9839008" cy="7568120"/>
           </a:xfrm>
           <a:prstGeom prst="rect">
             <a:avLst/>
@@ -19940,25 +19772,14 @@
           </a:bodyPr>
           <a:lstStyle/>
           <a:p>
-            <a:pPr marL="0" marR="0" lvl="0" indent="0" algn="l" rtl="0">
-              <a:lnSpc>
-                <a:spcPct val="100000"/>
-              </a:lnSpc>
-              <a:spcBef>
-                <a:spcPts val="0"/>
-              </a:spcBef>
-              <a:spcAft>
-                <a:spcPts val="0"/>
-              </a:spcAft>
+            <a:pPr lvl="0">
               <a:buClr>
                 <a:srgbClr val="00FF00"/>
               </a:buClr>
               <a:buSzPct val="25000"/>
-              <a:buFont typeface="Cabin"/>
-              <a:buNone/>
-            </a:pPr>
-            <a:r>
-              <a:rPr lang="en-US" sz="2800" b="1" i="0" u="none" strike="noStrike" cap="none" dirty="0">
+            </a:pPr>
+            <a:r>
+              <a:rPr lang="en-US" sz="2800" b="1" dirty="0">
                 <a:solidFill>
                   <a:srgbClr val="00FF00"/>
                 </a:solidFill>
@@ -19970,7 +19791,7 @@
               <a:t>name = </a:t>
             </a:r>
             <a:r>
-              <a:rPr lang="en-US" sz="2800" b="1" i="0" u="none" strike="noStrike" cap="none" dirty="0" err="1">
+              <a:rPr lang="en-US" sz="2800" b="1" dirty="0" err="1">
                 <a:solidFill>
                   <a:srgbClr val="00FF00"/>
                 </a:solidFill>
@@ -19982,7 +19803,7 @@
               <a:t>raw_input</a:t>
             </a:r>
             <a:r>
-              <a:rPr lang="en-US" sz="2800" b="1" i="0" u="none" strike="noStrike" cap="none" dirty="0">
+              <a:rPr lang="en-US" sz="2800" b="1" dirty="0">
                 <a:solidFill>
                   <a:srgbClr val="00FF00"/>
                 </a:solidFill>
@@ -19995,25 +19816,14 @@
             </a:r>
           </a:p>
           <a:p>
-            <a:pPr marL="0" marR="0" lvl="0" indent="0" algn="l" rtl="0">
-              <a:lnSpc>
-                <a:spcPct val="100000"/>
-              </a:lnSpc>
-              <a:spcBef>
-                <a:spcPts val="0"/>
-              </a:spcBef>
-              <a:spcAft>
-                <a:spcPts val="0"/>
-              </a:spcAft>
+            <a:pPr lvl="0">
               <a:buClr>
                 <a:srgbClr val="00FF00"/>
               </a:buClr>
               <a:buSzPct val="25000"/>
-              <a:buFont typeface="Cabin"/>
-              <a:buNone/>
-            </a:pPr>
-            <a:r>
-              <a:rPr lang="en-US" sz="2800" b="1" i="0" u="none" strike="noStrike" cap="none" dirty="0">
+            </a:pPr>
+            <a:r>
+              <a:rPr lang="en-US" sz="2800" b="1" dirty="0">
                 <a:solidFill>
                   <a:srgbClr val="00FF00"/>
                 </a:solidFill>
@@ -20022,133 +19832,12 @@
                 <a:cs typeface="Courier New"/>
                 <a:sym typeface="Courier New"/>
               </a:rPr>
-              <a:t>handle = open(name, 'r')</a:t>
-            </a:r>
-          </a:p>
-          <a:p>
-            <a:pPr marL="0" marR="0" lvl="0" indent="0" algn="l" rtl="0">
-              <a:lnSpc>
-                <a:spcPct val="100000"/>
-              </a:lnSpc>
-              <a:spcBef>
-                <a:spcPts val="0"/>
-              </a:spcBef>
-              <a:spcAft>
-                <a:spcPts val="0"/>
-              </a:spcAft>
-              <a:buClr>
-                <a:srgbClr val="00FF00"/>
-              </a:buClr>
-              <a:buSzPct val="25000"/>
-              <a:buFont typeface="Cabin"/>
-              <a:buNone/>
-            </a:pPr>
-            <a:r>
-              <a:rPr lang="en-US" sz="2800" b="1" i="0" u="none" strike="noStrike" cap="none" dirty="0">
-                <a:solidFill>
-                  <a:srgbClr val="00FF00"/>
-                </a:solidFill>
-                <a:latin typeface="Courier New"/>
-                <a:ea typeface="Courier New"/>
-                <a:cs typeface="Courier New"/>
-                <a:sym typeface="Courier New"/>
-              </a:rPr>
-              <a:t>text = </a:t>
-            </a:r>
-            <a:r>
-              <a:rPr lang="en-US" sz="2800" b="1" i="0" u="none" strike="noStrike" cap="none" dirty="0" err="1">
-                <a:solidFill>
-                  <a:srgbClr val="00FF00"/>
-                </a:solidFill>
-                <a:latin typeface="Courier New"/>
-                <a:ea typeface="Courier New"/>
-                <a:cs typeface="Courier New"/>
-                <a:sym typeface="Courier New"/>
-              </a:rPr>
-              <a:t>handle.read</a:t>
-            </a:r>
-            <a:r>
-              <a:rPr lang="en-US" sz="2800" b="1" i="0" u="none" strike="noStrike" cap="none" dirty="0">
-                <a:solidFill>
-                  <a:srgbClr val="00FF00"/>
-                </a:solidFill>
-                <a:latin typeface="Courier New"/>
-                <a:ea typeface="Courier New"/>
-                <a:cs typeface="Courier New"/>
-                <a:sym typeface="Courier New"/>
-              </a:rPr>
-              <a:t>()</a:t>
-            </a:r>
-          </a:p>
-          <a:p>
-            <a:pPr marL="0" marR="0" lvl="0" indent="0" algn="l" rtl="0">
-              <a:lnSpc>
-                <a:spcPct val="100000"/>
-              </a:lnSpc>
-              <a:spcBef>
-                <a:spcPts val="0"/>
-              </a:spcBef>
-              <a:spcAft>
-                <a:spcPts val="0"/>
-              </a:spcAft>
-              <a:buClr>
-                <a:srgbClr val="00FF00"/>
-              </a:buClr>
-              <a:buSzPct val="25000"/>
-              <a:buFont typeface="Cabin"/>
-              <a:buNone/>
-            </a:pPr>
-            <a:r>
-              <a:rPr lang="en-US" sz="2800" b="1" i="0" u="none" strike="noStrike" cap="none" dirty="0">
-                <a:solidFill>
-                  <a:srgbClr val="00FF00"/>
-                </a:solidFill>
-                <a:latin typeface="Courier New"/>
-                <a:ea typeface="Courier New"/>
-                <a:cs typeface="Courier New"/>
-                <a:sym typeface="Courier New"/>
-              </a:rPr>
-              <a:t>words = </a:t>
-            </a:r>
-            <a:r>
-              <a:rPr lang="en-US" sz="2800" b="1" i="0" u="none" strike="noStrike" cap="none" dirty="0" err="1">
-                <a:solidFill>
-                  <a:srgbClr val="00FF00"/>
-                </a:solidFill>
-                <a:latin typeface="Courier New"/>
-                <a:ea typeface="Courier New"/>
-                <a:cs typeface="Courier New"/>
-                <a:sym typeface="Courier New"/>
-              </a:rPr>
-              <a:t>text.split</a:t>
-            </a:r>
-            <a:r>
-              <a:rPr lang="en-US" sz="2800" b="1" i="0" u="none" strike="noStrike" cap="none" dirty="0">
-                <a:solidFill>
-                  <a:srgbClr val="00FF00"/>
-                </a:solidFill>
-                <a:latin typeface="Courier New"/>
-                <a:ea typeface="Courier New"/>
-                <a:cs typeface="Courier New"/>
-                <a:sym typeface="Courier New"/>
-              </a:rPr>
-              <a:t>()</a:t>
-            </a:r>
-          </a:p>
-          <a:p>
-            <a:pPr marL="0" marR="0" lvl="0" indent="0" algn="ctr" rtl="0">
-              <a:lnSpc>
-                <a:spcPct val="100000"/>
-              </a:lnSpc>
-              <a:spcBef>
-                <a:spcPts val="0"/>
-              </a:spcBef>
-              <a:spcAft>
-                <a:spcPts val="0"/>
-              </a:spcAft>
-              <a:buNone/>
-            </a:pPr>
-            <a:endParaRPr sz="2800" b="1" i="0" u="none" strike="noStrike" cap="none" dirty="0">
+              <a:t>handle = open(name)</a:t>
+            </a:r>
+          </a:p>
+          <a:p>
+            <a:pPr lvl="0" algn="ctr"/>
+            <a:endParaRPr lang="en-US" sz="2800" b="1" dirty="0">
               <a:solidFill>
                 <a:srgbClr val="00FF00"/>
               </a:solidFill>
@@ -20159,27 +19848,16 @@
             </a:endParaRPr>
           </a:p>
           <a:p>
-            <a:pPr marL="0" marR="0" lvl="0" indent="0" algn="l" rtl="0">
-              <a:lnSpc>
-                <a:spcPct val="100000"/>
-              </a:lnSpc>
-              <a:spcBef>
-                <a:spcPts val="0"/>
-              </a:spcBef>
-              <a:spcAft>
-                <a:spcPts val="0"/>
-              </a:spcAft>
+            <a:pPr lvl="0">
               <a:buClr>
                 <a:srgbClr val="00FF00"/>
               </a:buClr>
               <a:buSzPct val="25000"/>
-              <a:buFont typeface="Cabin"/>
-              <a:buNone/>
-            </a:pPr>
-            <a:r>
-              <a:rPr lang="en-US" sz="2800" b="1" i="0" u="none" strike="noStrike" cap="none" dirty="0">
-                <a:solidFill>
-                  <a:srgbClr val="00FF00"/>
+            </a:pPr>
+            <a:r>
+              <a:rPr lang="en-US" sz="2800" b="1" dirty="0">
+                <a:solidFill>
+                  <a:srgbClr val="FF00FF"/>
                 </a:solidFill>
                 <a:latin typeface="Courier New"/>
                 <a:ea typeface="Courier New"/>
@@ -20189,9 +19867,9 @@
               <a:t>counts = </a:t>
             </a:r>
             <a:r>
-              <a:rPr lang="en-US" sz="2800" b="1" i="0" u="none" strike="noStrike" cap="none" dirty="0" err="1">
-                <a:solidFill>
-                  <a:srgbClr val="00FF00"/>
+              <a:rPr lang="en-US" sz="2800" b="1" dirty="0" err="1">
+                <a:solidFill>
+                  <a:srgbClr val="FF00FF"/>
                 </a:solidFill>
                 <a:latin typeface="Courier New"/>
                 <a:ea typeface="Courier New"/>
@@ -20201,9 +19879,9 @@
               <a:t>dict</a:t>
             </a:r>
             <a:r>
-              <a:rPr lang="en-US" sz="2800" b="1" i="0" u="none" strike="noStrike" cap="none" dirty="0">
-                <a:solidFill>
-                  <a:srgbClr val="00FF00"/>
+              <a:rPr lang="en-US" sz="2800" b="1" dirty="0">
+                <a:solidFill>
+                  <a:srgbClr val="FF00FF"/>
                 </a:solidFill>
                 <a:latin typeface="Courier New"/>
                 <a:ea typeface="Courier New"/>
@@ -20214,191 +19892,140 @@
             </a:r>
           </a:p>
           <a:p>
-            <a:pPr marL="0" marR="0" lvl="0" indent="0" algn="l" rtl="0">
-              <a:lnSpc>
-                <a:spcPct val="100000"/>
-              </a:lnSpc>
-              <a:spcBef>
-                <a:spcPts val="0"/>
-              </a:spcBef>
-              <a:spcAft>
-                <a:spcPts val="0"/>
-              </a:spcAft>
+            <a:pPr lvl="0">
               <a:buClr>
                 <a:srgbClr val="00FF00"/>
               </a:buClr>
               <a:buSzPct val="25000"/>
-              <a:buFont typeface="Cabin"/>
-              <a:buNone/>
-            </a:pPr>
-            <a:r>
-              <a:rPr lang="en-US" sz="2800" b="1" i="0" u="none" strike="noStrike" cap="none" dirty="0">
-                <a:solidFill>
-                  <a:srgbClr val="00FF00"/>
+            </a:pPr>
+            <a:r>
+              <a:rPr lang="en-US" sz="2800" b="1" dirty="0">
+                <a:solidFill>
+                  <a:srgbClr val="FF00FF"/>
                 </a:solidFill>
                 <a:latin typeface="Courier New"/>
                 <a:ea typeface="Courier New"/>
                 <a:cs typeface="Courier New"/>
                 <a:sym typeface="Courier New"/>
               </a:rPr>
-              <a:t>for word in words:</a:t>
-            </a:r>
-          </a:p>
-          <a:p>
-            <a:pPr marL="0" marR="0" lvl="0" indent="0" algn="l" rtl="0">
-              <a:lnSpc>
-                <a:spcPct val="100000"/>
-              </a:lnSpc>
-              <a:spcBef>
-                <a:spcPts val="0"/>
-              </a:spcBef>
-              <a:spcAft>
-                <a:spcPts val="0"/>
-              </a:spcAft>
+              <a:t>for line in handle:</a:t>
+            </a:r>
+          </a:p>
+          <a:p>
+            <a:pPr lvl="0">
               <a:buClr>
                 <a:srgbClr val="00FF00"/>
               </a:buClr>
               <a:buSzPct val="25000"/>
-              <a:buFont typeface="Cabin"/>
-              <a:buNone/>
-            </a:pPr>
-            <a:r>
-              <a:rPr lang="en-US" sz="2800" b="1" i="0" u="none" strike="noStrike" cap="none" dirty="0">
-                <a:solidFill>
-                  <a:srgbClr val="00FF00"/>
+            </a:pPr>
+            <a:r>
+              <a:rPr lang="en-US" sz="2800" b="1" dirty="0">
+                <a:solidFill>
+                  <a:srgbClr val="FF00FF"/>
                 </a:solidFill>
                 <a:latin typeface="Courier New"/>
                 <a:ea typeface="Courier New"/>
                 <a:cs typeface="Courier New"/>
                 <a:sym typeface="Courier New"/>
               </a:rPr>
-              <a:t>   counts[word] = </a:t>
-            </a:r>
-            <a:r>
-              <a:rPr lang="en-US" sz="2800" b="1" i="0" u="none" strike="noStrike" cap="none" dirty="0" err="1">
-                <a:solidFill>
-                  <a:srgbClr val="00FF00"/>
+              <a:t>    words = </a:t>
+            </a:r>
+            <a:r>
+              <a:rPr lang="en-US" sz="2800" b="1" dirty="0" err="1">
+                <a:solidFill>
+                  <a:srgbClr val="FF00FF"/>
                 </a:solidFill>
                 <a:latin typeface="Courier New"/>
                 <a:ea typeface="Courier New"/>
                 <a:cs typeface="Courier New"/>
                 <a:sym typeface="Courier New"/>
               </a:rPr>
-              <a:t>counts.get</a:t>
-            </a:r>
-            <a:r>
-              <a:rPr lang="en-US" sz="2800" b="1" i="0" u="none" strike="noStrike" cap="none" dirty="0">
-                <a:solidFill>
-                  <a:srgbClr val="00FF00"/>
+              <a:t>line.split</a:t>
+            </a:r>
+            <a:r>
+              <a:rPr lang="en-US" sz="2800" b="1" dirty="0">
+                <a:solidFill>
+                  <a:srgbClr val="FF00FF"/>
                 </a:solidFill>
                 <a:latin typeface="Courier New"/>
                 <a:ea typeface="Courier New"/>
                 <a:cs typeface="Courier New"/>
                 <a:sym typeface="Courier New"/>
               </a:rPr>
-              <a:t>(word,0) + 1</a:t>
-            </a:r>
-          </a:p>
-          <a:p>
-            <a:pPr marL="0" marR="0" lvl="0" indent="0" algn="l" rtl="0">
-              <a:lnSpc>
-                <a:spcPct val="100000"/>
-              </a:lnSpc>
-              <a:spcBef>
-                <a:spcPts val="0"/>
-              </a:spcBef>
-              <a:spcAft>
-                <a:spcPts val="0"/>
-              </a:spcAft>
+              <a:t>()</a:t>
+            </a:r>
+          </a:p>
+          <a:p>
+            <a:pPr lvl="0">
               <a:buClr>
                 <a:srgbClr val="00FF00"/>
               </a:buClr>
               <a:buSzPct val="25000"/>
-              <a:buFont typeface="Cabin"/>
-              <a:buNone/>
-            </a:pPr>
-            <a:r>
-              <a:rPr lang="en-US" sz="2800" b="1" i="0" u="none" strike="noStrike" cap="none" dirty="0" err="1">
-                <a:solidFill>
-                  <a:srgbClr val="00FF00"/>
+            </a:pPr>
+            <a:r>
+              <a:rPr lang="en-US" sz="2800" b="1" dirty="0">
+                <a:solidFill>
+                  <a:srgbClr val="FF00FF"/>
                 </a:solidFill>
                 <a:latin typeface="Courier New"/>
                 <a:ea typeface="Courier New"/>
                 <a:cs typeface="Courier New"/>
                 <a:sym typeface="Courier New"/>
               </a:rPr>
-              <a:t>bigcount</a:t>
-            </a:r>
-            <a:r>
-              <a:rPr lang="en-US" sz="2800" b="1" i="0" u="none" strike="noStrike" cap="none" dirty="0">
-                <a:solidFill>
-                  <a:srgbClr val="00FF00"/>
+              <a:t>    for word in words:</a:t>
+            </a:r>
+          </a:p>
+          <a:p>
+            <a:pPr lvl="0">
+              <a:buClr>
+                <a:srgbClr val="00FF00"/>
+              </a:buClr>
+              <a:buSzPct val="25000"/>
+            </a:pPr>
+            <a:r>
+              <a:rPr lang="en-US" sz="2800" b="1" dirty="0">
+                <a:solidFill>
+                  <a:srgbClr val="FF00FF"/>
                 </a:solidFill>
                 <a:latin typeface="Courier New"/>
                 <a:ea typeface="Courier New"/>
                 <a:cs typeface="Courier New"/>
                 <a:sym typeface="Courier New"/>
               </a:rPr>
-              <a:t> = None</a:t>
-            </a:r>
-          </a:p>
-          <a:p>
-            <a:pPr marL="0" marR="0" lvl="0" indent="0" algn="l" rtl="0">
-              <a:lnSpc>
-                <a:spcPct val="100000"/>
-              </a:lnSpc>
-              <a:spcBef>
-                <a:spcPts val="0"/>
-              </a:spcBef>
-              <a:spcAft>
-                <a:spcPts val="0"/>
-              </a:spcAft>
-              <a:buClr>
-                <a:srgbClr val="00FF00"/>
-              </a:buClr>
-              <a:buSzPct val="25000"/>
-              <a:buFont typeface="Cabin"/>
-              <a:buNone/>
-            </a:pPr>
-            <a:r>
-              <a:rPr lang="en-US" sz="2800" b="1" i="0" u="none" strike="noStrike" cap="none" dirty="0" err="1">
-                <a:solidFill>
-                  <a:srgbClr val="00FF00"/>
+              <a:t>        counts[word] = </a:t>
+            </a:r>
+            <a:r>
+              <a:rPr lang="en-US" sz="2800" b="1" dirty="0" err="1">
+                <a:solidFill>
+                  <a:srgbClr val="FF00FF"/>
                 </a:solidFill>
                 <a:latin typeface="Courier New"/>
                 <a:ea typeface="Courier New"/>
                 <a:cs typeface="Courier New"/>
                 <a:sym typeface="Courier New"/>
               </a:rPr>
-              <a:t>bigword</a:t>
-            </a:r>
-            <a:r>
-              <a:rPr lang="en-US" sz="2800" b="1" i="0" u="none" strike="noStrike" cap="none" dirty="0">
-                <a:solidFill>
-                  <a:srgbClr val="00FF00"/>
+              <a:t>counts.get</a:t>
+            </a:r>
+            <a:r>
+              <a:rPr lang="en-US" sz="2800" b="1" dirty="0">
+                <a:solidFill>
+                  <a:srgbClr val="FF00FF"/>
                 </a:solidFill>
                 <a:latin typeface="Courier New"/>
                 <a:ea typeface="Courier New"/>
                 <a:cs typeface="Courier New"/>
                 <a:sym typeface="Courier New"/>
               </a:rPr>
-              <a:t> = None</a:t>
-            </a:r>
-          </a:p>
-          <a:p>
-            <a:pPr marL="0" marR="0" lvl="0" indent="0" algn="ctr" rtl="0">
-              <a:lnSpc>
-                <a:spcPct val="100000"/>
-              </a:lnSpc>
-              <a:spcBef>
-                <a:spcPts val="0"/>
-              </a:spcBef>
-              <a:spcAft>
-                <a:spcPts val="0"/>
-              </a:spcAft>
-              <a:buNone/>
-            </a:pPr>
-            <a:endParaRPr sz="2800" b="1" i="0" u="none" strike="noStrike" cap="none" dirty="0">
+              <a:t>(word,0) + 1</a:t>
+            </a:r>
+          </a:p>
+          <a:p>
+            <a:pPr lvl="0">
+              <a:buClr>
+                <a:srgbClr val="00FF00"/>
+              </a:buClr>
+            </a:pPr>
+            <a:endParaRPr lang="en-US" sz="2800" b="1" dirty="0">
               <a:solidFill>
                 <a:srgbClr val="00FF00"/>
               </a:solidFill>
@@ -20409,342 +20036,379 @@
             </a:endParaRPr>
           </a:p>
           <a:p>
-            <a:pPr marL="0" marR="0" lvl="0" indent="0" algn="l" rtl="0">
-              <a:lnSpc>
-                <a:spcPct val="100000"/>
-              </a:lnSpc>
-              <a:spcBef>
-                <a:spcPts val="0"/>
-              </a:spcBef>
-              <a:spcAft>
-                <a:spcPts val="0"/>
-              </a:spcAft>
+            <a:pPr lvl="0">
               <a:buClr>
                 <a:srgbClr val="00FF00"/>
               </a:buClr>
               <a:buSzPct val="25000"/>
-              <a:buFont typeface="Cabin"/>
-              <a:buNone/>
-            </a:pPr>
-            <a:r>
-              <a:rPr lang="en-US" sz="2800" b="1" i="0" u="none" strike="noStrike" cap="none" dirty="0">
-                <a:solidFill>
-                  <a:srgbClr val="00FF00"/>
+            </a:pPr>
+            <a:r>
+              <a:rPr lang="en-US" sz="2800" b="1" dirty="0" err="1">
+                <a:solidFill>
+                  <a:srgbClr val="00FFFF"/>
                 </a:solidFill>
                 <a:latin typeface="Courier New"/>
                 <a:ea typeface="Courier New"/>
                 <a:cs typeface="Courier New"/>
                 <a:sym typeface="Courier New"/>
               </a:rPr>
-              <a:t>for </a:t>
-            </a:r>
-            <a:r>
-              <a:rPr lang="en-US" sz="2800" b="1" i="0" u="none" strike="noStrike" cap="none" dirty="0" err="1">
-                <a:solidFill>
-                  <a:srgbClr val="00FF00"/>
+              <a:t>bigcount</a:t>
+            </a:r>
+            <a:r>
+              <a:rPr lang="en-US" sz="2800" b="1" dirty="0">
+                <a:solidFill>
+                  <a:srgbClr val="00FFFF"/>
                 </a:solidFill>
                 <a:latin typeface="Courier New"/>
                 <a:ea typeface="Courier New"/>
                 <a:cs typeface="Courier New"/>
                 <a:sym typeface="Courier New"/>
               </a:rPr>
-              <a:t>word,count</a:t>
-            </a:r>
-            <a:r>
-              <a:rPr lang="en-US" sz="2800" b="1" i="0" u="none" strike="noStrike" cap="none" dirty="0">
-                <a:solidFill>
-                  <a:srgbClr val="00FF00"/>
+              <a:t> = None</a:t>
+            </a:r>
+          </a:p>
+          <a:p>
+            <a:pPr lvl="0">
+              <a:buClr>
+                <a:srgbClr val="00FF00"/>
+              </a:buClr>
+              <a:buSzPct val="25000"/>
+            </a:pPr>
+            <a:r>
+              <a:rPr lang="en-US" sz="2800" b="1" dirty="0" err="1">
+                <a:solidFill>
+                  <a:srgbClr val="00FFFF"/>
                 </a:solidFill>
                 <a:latin typeface="Courier New"/>
                 <a:ea typeface="Courier New"/>
                 <a:cs typeface="Courier New"/>
                 <a:sym typeface="Courier New"/>
               </a:rPr>
-              <a:t> in </a:t>
-            </a:r>
-            <a:r>
-              <a:rPr lang="en-US" sz="2800" b="1" i="0" u="none" strike="noStrike" cap="none" dirty="0" err="1">
-                <a:solidFill>
-                  <a:srgbClr val="00FF00"/>
+              <a:t>bigword</a:t>
+            </a:r>
+            <a:r>
+              <a:rPr lang="en-US" sz="2800" b="1" dirty="0">
+                <a:solidFill>
+                  <a:srgbClr val="00FFFF"/>
                 </a:solidFill>
                 <a:latin typeface="Courier New"/>
                 <a:ea typeface="Courier New"/>
                 <a:cs typeface="Courier New"/>
                 <a:sym typeface="Courier New"/>
               </a:rPr>
-              <a:t>counts.items</a:t>
-            </a:r>
-            <a:r>
-              <a:rPr lang="en-US" sz="2800" b="1" i="0" u="none" strike="noStrike" cap="none" dirty="0">
-                <a:solidFill>
-                  <a:srgbClr val="00FF00"/>
+              <a:t> = None</a:t>
+            </a:r>
+          </a:p>
+          <a:p>
+            <a:pPr lvl="0">
+              <a:buClr>
+                <a:srgbClr val="00FF00"/>
+              </a:buClr>
+              <a:buSzPct val="25000"/>
+            </a:pPr>
+            <a:r>
+              <a:rPr lang="en-US" sz="2800" b="1" dirty="0">
+                <a:solidFill>
+                  <a:srgbClr val="00FFFF"/>
                 </a:solidFill>
                 <a:latin typeface="Courier New"/>
                 <a:ea typeface="Courier New"/>
                 <a:cs typeface="Courier New"/>
                 <a:sym typeface="Courier New"/>
               </a:rPr>
-              <a:t>():</a:t>
-            </a:r>
-          </a:p>
-          <a:p>
-            <a:pPr marL="0" marR="0" lvl="0" indent="0" algn="l" rtl="0">
-              <a:lnSpc>
-                <a:spcPct val="100000"/>
-              </a:lnSpc>
-              <a:spcBef>
-                <a:spcPts val="0"/>
-              </a:spcBef>
-              <a:spcAft>
-                <a:spcPts val="0"/>
-              </a:spcAft>
-              <a:buClr>
-                <a:srgbClr val="00FF00"/>
-              </a:buClr>
-              <a:buSzPct val="25000"/>
-              <a:buFont typeface="Cabin"/>
-              <a:buNone/>
-            </a:pPr>
-            <a:r>
-              <a:rPr lang="en-US" sz="2800" b="1" i="0" u="none" strike="noStrike" cap="none" dirty="0">
-                <a:solidFill>
-                  <a:srgbClr val="00FF00"/>
+              <a:t>for </a:t>
+            </a:r>
+            <a:r>
+              <a:rPr lang="en-US" sz="2800" b="1" dirty="0" err="1">
+                <a:solidFill>
+                  <a:srgbClr val="00FFFF"/>
                 </a:solidFill>
                 <a:latin typeface="Courier New"/>
                 <a:ea typeface="Courier New"/>
                 <a:cs typeface="Courier New"/>
                 <a:sym typeface="Courier New"/>
               </a:rPr>
-              <a:t>    if </a:t>
-            </a:r>
-            <a:r>
-              <a:rPr lang="en-US" sz="2800" b="1" i="0" u="none" strike="noStrike" cap="none" dirty="0" err="1">
-                <a:solidFill>
-                  <a:srgbClr val="00FF00"/>
+              <a:t>word,count</a:t>
+            </a:r>
+            <a:r>
+              <a:rPr lang="en-US" sz="2800" b="1" dirty="0">
+                <a:solidFill>
+                  <a:srgbClr val="00FFFF"/>
                 </a:solidFill>
                 <a:latin typeface="Courier New"/>
                 <a:ea typeface="Courier New"/>
                 <a:cs typeface="Courier New"/>
                 <a:sym typeface="Courier New"/>
               </a:rPr>
-              <a:t>bigcount</a:t>
-            </a:r>
-            <a:r>
-              <a:rPr lang="en-US" sz="2800" b="1" i="0" u="none" strike="noStrike" cap="none" dirty="0">
-                <a:solidFill>
-                  <a:srgbClr val="00FF00"/>
+              <a:t> in </a:t>
+            </a:r>
+            <a:r>
+              <a:rPr lang="en-US" sz="2800" b="1" dirty="0" err="1">
+                <a:solidFill>
+                  <a:srgbClr val="00FFFF"/>
                 </a:solidFill>
                 <a:latin typeface="Courier New"/>
                 <a:ea typeface="Courier New"/>
                 <a:cs typeface="Courier New"/>
                 <a:sym typeface="Courier New"/>
               </a:rPr>
-              <a:t> is None or count &gt; </a:t>
-            </a:r>
-            <a:r>
-              <a:rPr lang="en-US" sz="2800" b="1" i="0" u="none" strike="noStrike" cap="none" dirty="0" err="1">
-                <a:solidFill>
-                  <a:srgbClr val="00FF00"/>
+              <a:t>counts.items</a:t>
+            </a:r>
+            <a:r>
+              <a:rPr lang="en-US" sz="2800" b="1" dirty="0">
+                <a:solidFill>
+                  <a:srgbClr val="00FFFF"/>
                 </a:solidFill>
                 <a:latin typeface="Courier New"/>
                 <a:ea typeface="Courier New"/>
                 <a:cs typeface="Courier New"/>
                 <a:sym typeface="Courier New"/>
               </a:rPr>
-              <a:t>bigcount</a:t>
-            </a:r>
-            <a:r>
-              <a:rPr lang="en-US" sz="2800" b="1" i="0" u="none" strike="noStrike" cap="none" dirty="0">
-                <a:solidFill>
-                  <a:srgbClr val="00FF00"/>
+              <a:t>():</a:t>
+            </a:r>
+          </a:p>
+          <a:p>
+            <a:pPr lvl="0">
+              <a:buClr>
+                <a:srgbClr val="00FF00"/>
+              </a:buClr>
+              <a:buSzPct val="25000"/>
+            </a:pPr>
+            <a:r>
+              <a:rPr lang="en-US" sz="2800" b="1" dirty="0">
+                <a:solidFill>
+                  <a:srgbClr val="00FFFF"/>
                 </a:solidFill>
                 <a:latin typeface="Courier New"/>
                 <a:ea typeface="Courier New"/>
                 <a:cs typeface="Courier New"/>
                 <a:sym typeface="Courier New"/>
               </a:rPr>
-              <a:t>:</a:t>
-            </a:r>
-          </a:p>
-          <a:p>
-            <a:pPr marL="0" marR="0" lvl="0" indent="0" algn="l" rtl="0">
-              <a:lnSpc>
-                <a:spcPct val="100000"/>
-              </a:lnSpc>
-              <a:spcBef>
-                <a:spcPts val="0"/>
-              </a:spcBef>
-              <a:spcAft>
-                <a:spcPts val="0"/>
-              </a:spcAft>
-              <a:buClr>
-                <a:srgbClr val="00FF00"/>
-              </a:buClr>
-              <a:buSzPct val="25000"/>
-              <a:buFont typeface="Cabin"/>
-              <a:buNone/>
-            </a:pPr>
-            <a:r>
-              <a:rPr lang="en-US" sz="2800" b="1" i="0" u="none" strike="noStrike" cap="none" dirty="0">
-                <a:solidFill>
-                  <a:srgbClr val="00FF00"/>
+              <a:t>    if </a:t>
+            </a:r>
+            <a:r>
+              <a:rPr lang="en-US" sz="2800" b="1" dirty="0" err="1">
+                <a:solidFill>
+                  <a:srgbClr val="00FFFF"/>
                 </a:solidFill>
                 <a:latin typeface="Courier New"/>
                 <a:ea typeface="Courier New"/>
                 <a:cs typeface="Courier New"/>
                 <a:sym typeface="Courier New"/>
               </a:rPr>
-              <a:t>        </a:t>
-            </a:r>
-            <a:r>
-              <a:rPr lang="en-US" sz="2800" b="1" i="0" u="none" strike="noStrike" cap="none" dirty="0" err="1">
-                <a:solidFill>
-                  <a:srgbClr val="00FF00"/>
+              <a:t>bigcount</a:t>
+            </a:r>
+            <a:r>
+              <a:rPr lang="en-US" sz="2800" b="1" dirty="0">
+                <a:solidFill>
+                  <a:srgbClr val="00FFFF"/>
                 </a:solidFill>
                 <a:latin typeface="Courier New"/>
                 <a:ea typeface="Courier New"/>
                 <a:cs typeface="Courier New"/>
                 <a:sym typeface="Courier New"/>
               </a:rPr>
-              <a:t>bigword</a:t>
-            </a:r>
-            <a:r>
-              <a:rPr lang="en-US" sz="2800" b="1" i="0" u="none" strike="noStrike" cap="none" dirty="0">
-                <a:solidFill>
-                  <a:srgbClr val="00FF00"/>
+              <a:t> is None or count &gt; </a:t>
+            </a:r>
+            <a:r>
+              <a:rPr lang="en-US" sz="2800" b="1" dirty="0" err="1">
+                <a:solidFill>
+                  <a:srgbClr val="00FFFF"/>
                 </a:solidFill>
                 <a:latin typeface="Courier New"/>
                 <a:ea typeface="Courier New"/>
                 <a:cs typeface="Courier New"/>
                 <a:sym typeface="Courier New"/>
               </a:rPr>
-              <a:t> = word</a:t>
-            </a:r>
-          </a:p>
-          <a:p>
-            <a:pPr marL="0" marR="0" lvl="0" indent="0" algn="l" rtl="0">
-              <a:lnSpc>
-                <a:spcPct val="100000"/>
-              </a:lnSpc>
-              <a:spcBef>
-                <a:spcPts val="0"/>
-              </a:spcBef>
-              <a:spcAft>
-                <a:spcPts val="0"/>
-              </a:spcAft>
-              <a:buClr>
-                <a:srgbClr val="00FF00"/>
-              </a:buClr>
-              <a:buSzPct val="25000"/>
-              <a:buFont typeface="Cabin"/>
-              <a:buNone/>
-            </a:pPr>
-            <a:r>
-              <a:rPr lang="en-US" sz="2800" b="1" i="0" u="none" strike="noStrike" cap="none" dirty="0">
-                <a:solidFill>
-                  <a:srgbClr val="00FF00"/>
+              <a:t>bigcount</a:t>
+            </a:r>
+            <a:r>
+              <a:rPr lang="en-US" sz="2800" b="1" dirty="0">
+                <a:solidFill>
+                  <a:srgbClr val="00FFFF"/>
                 </a:solidFill>
                 <a:latin typeface="Courier New"/>
                 <a:ea typeface="Courier New"/>
                 <a:cs typeface="Courier New"/>
                 <a:sym typeface="Courier New"/>
               </a:rPr>
-              <a:t>        </a:t>
-            </a:r>
-            <a:r>
-              <a:rPr lang="en-US" sz="2800" b="1" i="0" u="none" strike="noStrike" cap="none" dirty="0" err="1">
-                <a:solidFill>
-                  <a:srgbClr val="00FF00"/>
+              <a:t>:</a:t>
+            </a:r>
+          </a:p>
+          <a:p>
+            <a:pPr lvl="0">
+              <a:buClr>
+                <a:srgbClr val="00FF00"/>
+              </a:buClr>
+              <a:buSzPct val="25000"/>
+            </a:pPr>
+            <a:r>
+              <a:rPr lang="en-US" sz="2800" b="1" dirty="0">
+                <a:solidFill>
+                  <a:srgbClr val="00FFFF"/>
                 </a:solidFill>
                 <a:latin typeface="Courier New"/>
                 <a:ea typeface="Courier New"/>
                 <a:cs typeface="Courier New"/>
                 <a:sym typeface="Courier New"/>
               </a:rPr>
-              <a:t>bigcount</a:t>
-            </a:r>
-            <a:r>
-              <a:rPr lang="en-US" sz="2800" b="1" i="0" u="none" strike="noStrike" cap="none" dirty="0">
-                <a:solidFill>
-                  <a:srgbClr val="00FF00"/>
+              <a:t>        </a:t>
+            </a:r>
+            <a:r>
+              <a:rPr lang="en-US" sz="2800" b="1" dirty="0" err="1">
+                <a:solidFill>
+                  <a:srgbClr val="00FFFF"/>
                 </a:solidFill>
                 <a:latin typeface="Courier New"/>
                 <a:ea typeface="Courier New"/>
                 <a:cs typeface="Courier New"/>
                 <a:sym typeface="Courier New"/>
               </a:rPr>
-              <a:t> = count</a:t>
-            </a:r>
-          </a:p>
-          <a:p>
-            <a:pPr marL="0" marR="0" lvl="0" indent="0" algn="l" rtl="0">
-              <a:lnSpc>
-                <a:spcPct val="100000"/>
-              </a:lnSpc>
-              <a:spcBef>
-                <a:spcPts val="0"/>
-              </a:spcBef>
-              <a:spcAft>
-                <a:spcPts val="0"/>
-              </a:spcAft>
-              <a:buClr>
-                <a:srgbClr val="00FF00"/>
-              </a:buClr>
-              <a:buSzPct val="25000"/>
-              <a:buFont typeface="Cabin"/>
-              <a:buNone/>
-            </a:pPr>
-            <a:r>
-              <a:rPr lang="en-US" sz="2800" b="1" i="0" u="none" strike="noStrike" cap="none" dirty="0">
-                <a:solidFill>
-                  <a:srgbClr val="00FF00"/>
+              <a:t>bigword</a:t>
+            </a:r>
+            <a:r>
+              <a:rPr lang="en-US" sz="2800" b="1" dirty="0">
+                <a:solidFill>
+                  <a:srgbClr val="00FFFF"/>
                 </a:solidFill>
                 <a:latin typeface="Courier New"/>
                 <a:ea typeface="Courier New"/>
                 <a:cs typeface="Courier New"/>
                 <a:sym typeface="Courier New"/>
               </a:rPr>
-              <a:t>print </a:t>
-            </a:r>
-            <a:r>
-              <a:rPr lang="en-US" sz="2800" b="1" i="0" u="none" strike="noStrike" cap="none" dirty="0" err="1">
-                <a:solidFill>
-                  <a:srgbClr val="00FF00"/>
+              <a:t> = word</a:t>
+            </a:r>
+          </a:p>
+          <a:p>
+            <a:pPr lvl="0">
+              <a:buClr>
+                <a:srgbClr val="00FF00"/>
+              </a:buClr>
+              <a:buSzPct val="25000"/>
+            </a:pPr>
+            <a:r>
+              <a:rPr lang="en-US" sz="2800" b="1" dirty="0">
+                <a:solidFill>
+                  <a:srgbClr val="00FFFF"/>
                 </a:solidFill>
                 <a:latin typeface="Courier New"/>
                 <a:ea typeface="Courier New"/>
                 <a:cs typeface="Courier New"/>
                 <a:sym typeface="Courier New"/>
               </a:rPr>
-              <a:t>bigword</a:t>
-            </a:r>
-            <a:r>
-              <a:rPr lang="en-US" sz="2800" b="1" i="0" u="none" strike="noStrike" cap="none" dirty="0">
-                <a:solidFill>
-                  <a:srgbClr val="00FF00"/>
+              <a:t>        </a:t>
+            </a:r>
+            <a:r>
+              <a:rPr lang="en-US" sz="2800" b="1" dirty="0" err="1">
+                <a:solidFill>
+                  <a:srgbClr val="00FFFF"/>
                 </a:solidFill>
                 <a:latin typeface="Courier New"/>
                 <a:ea typeface="Courier New"/>
                 <a:cs typeface="Courier New"/>
                 <a:sym typeface="Courier New"/>
               </a:rPr>
-              <a:t>, </a:t>
-            </a:r>
-            <a:r>
-              <a:rPr lang="en-US" sz="2800" b="1" i="0" u="none" strike="noStrike" cap="none" dirty="0" err="1">
-                <a:solidFill>
-                  <a:srgbClr val="00FF00"/>
+              <a:t>bigcount</a:t>
+            </a:r>
+            <a:r>
+              <a:rPr lang="en-US" sz="2800" b="1" dirty="0">
+                <a:solidFill>
+                  <a:srgbClr val="00FFFF"/>
                 </a:solidFill>
                 <a:latin typeface="Courier New"/>
                 <a:ea typeface="Courier New"/>
                 <a:cs typeface="Courier New"/>
                 <a:sym typeface="Courier New"/>
               </a:rPr>
-              <a:t>bigcount</a:t>
-            </a:r>
-            <a:endParaRPr lang="en-US" sz="2800" b="1" i="0" u="none" strike="noStrike" cap="none" dirty="0">
+              <a:t> = count</a:t>
+            </a:r>
+          </a:p>
+          <a:p>
+            <a:pPr lvl="0">
+              <a:buClr>
+                <a:srgbClr val="00FF00"/>
+              </a:buClr>
+            </a:pPr>
+            <a:endParaRPr lang="en-US" sz="2800" b="1" dirty="0">
               <a:solidFill>
                 <a:srgbClr val="00FF00"/>
+              </a:solidFill>
+              <a:latin typeface="Courier New"/>
+              <a:ea typeface="Courier New"/>
+              <a:cs typeface="Courier New"/>
+              <a:sym typeface="Courier New"/>
+            </a:endParaRPr>
+          </a:p>
+          <a:p>
+            <a:pPr lvl="0">
+              <a:buClr>
+                <a:srgbClr val="00FF00"/>
+              </a:buClr>
+              <a:buSzPct val="25000"/>
+            </a:pPr>
+            <a:r>
+              <a:rPr lang="en-US" sz="2800" b="1" dirty="0">
+                <a:solidFill>
+                  <a:srgbClr val="FF7F00"/>
+                </a:solidFill>
+                <a:latin typeface="Courier New"/>
+                <a:ea typeface="Courier New"/>
+                <a:cs typeface="Courier New"/>
+                <a:sym typeface="Courier New"/>
+              </a:rPr>
+              <a:t>print(</a:t>
+            </a:r>
+            <a:r>
+              <a:rPr lang="en-US" sz="2800" b="1" dirty="0" err="1">
+                <a:solidFill>
+                  <a:srgbClr val="FF7F00"/>
+                </a:solidFill>
+                <a:latin typeface="Courier New"/>
+                <a:ea typeface="Courier New"/>
+                <a:cs typeface="Courier New"/>
+                <a:sym typeface="Courier New"/>
+              </a:rPr>
+              <a:t>bigword</a:t>
+            </a:r>
+            <a:r>
+              <a:rPr lang="en-US" sz="2800" b="1" dirty="0">
+                <a:solidFill>
+                  <a:srgbClr val="FF7F00"/>
+                </a:solidFill>
+                <a:latin typeface="Courier New"/>
+                <a:ea typeface="Courier New"/>
+                <a:cs typeface="Courier New"/>
+                <a:sym typeface="Courier New"/>
+              </a:rPr>
+              <a:t>, </a:t>
+            </a:r>
+            <a:r>
+              <a:rPr lang="en-US" sz="2800" b="1" dirty="0" err="1">
+                <a:solidFill>
+                  <a:srgbClr val="FF7F00"/>
+                </a:solidFill>
+                <a:latin typeface="Courier New"/>
+                <a:ea typeface="Courier New"/>
+                <a:cs typeface="Courier New"/>
+                <a:sym typeface="Courier New"/>
+              </a:rPr>
+              <a:t>bigcount</a:t>
+            </a:r>
+            <a:r>
+              <a:rPr lang="en-US" sz="2800" b="1" dirty="0">
+                <a:solidFill>
+                  <a:srgbClr val="FF7F00"/>
+                </a:solidFill>
+                <a:latin typeface="Courier New"/>
+                <a:ea typeface="Courier New"/>
+                <a:cs typeface="Courier New"/>
+                <a:sym typeface="Courier New"/>
+              </a:rPr>
+              <a:t>)</a:t>
+            </a:r>
+            <a:endParaRPr lang="en-US" sz="2800" b="1" dirty="0">
+              <a:solidFill>
+                <a:srgbClr val="FF7F00"/>
               </a:solidFill>
               <a:latin typeface="Courier New"/>
               <a:ea typeface="Courier New"/>
@@ -28539,25 +28203,14 @@
           </a:bodyPr>
           <a:lstStyle/>
           <a:p>
-            <a:pPr marL="0" marR="0" lvl="0" indent="0" algn="l" rtl="0">
-              <a:lnSpc>
-                <a:spcPct val="100000"/>
-              </a:lnSpc>
-              <a:spcBef>
-                <a:spcPts val="0"/>
-              </a:spcBef>
-              <a:spcAft>
-                <a:spcPts val="0"/>
-              </a:spcAft>
+            <a:pPr lvl="0">
               <a:buClr>
                 <a:srgbClr val="00FF00"/>
               </a:buClr>
               <a:buSzPct val="25000"/>
-              <a:buFont typeface="Cabin"/>
-              <a:buNone/>
-            </a:pPr>
-            <a:r>
-              <a:rPr lang="en-US" sz="2800" b="1" i="0" u="none" strike="noStrike" cap="none" dirty="0">
+            </a:pPr>
+            <a:r>
+              <a:rPr lang="en-US" sz="2800" b="1" dirty="0">
                 <a:solidFill>
                   <a:srgbClr val="FFFF00"/>
                 </a:solidFill>
@@ -28569,19 +28222,19 @@
               <a:t>name = </a:t>
             </a:r>
             <a:r>
-              <a:rPr lang="en-US" sz="2800" b="1" i="0" u="none" strike="noStrike" cap="none" dirty="0" smtClean="0">
-                <a:solidFill>
-                  <a:schemeClr val="bg1"/>
+              <a:rPr lang="en-US" sz="2800" b="1" dirty="0" err="1">
+                <a:solidFill>
+                  <a:srgbClr val="FFFF00"/>
                 </a:solidFill>
                 <a:latin typeface="Courier New"/>
                 <a:ea typeface="Courier New"/>
                 <a:cs typeface="Courier New"/>
                 <a:sym typeface="Courier New"/>
               </a:rPr>
-              <a:t>input</a:t>
-            </a:r>
-            <a:r>
-              <a:rPr lang="en-US" sz="2800" b="1" i="0" u="none" strike="noStrike" cap="none" dirty="0">
+              <a:t>raw_input</a:t>
+            </a:r>
+            <a:r>
+              <a:rPr lang="en-US" sz="2800" b="1" dirty="0">
                 <a:solidFill>
                   <a:srgbClr val="FFFF00"/>
                 </a:solidFill>
@@ -28594,25 +28247,14 @@
             </a:r>
           </a:p>
           <a:p>
-            <a:pPr marL="0" marR="0" lvl="0" indent="0" algn="l" rtl="0">
-              <a:lnSpc>
-                <a:spcPct val="100000"/>
-              </a:lnSpc>
-              <a:spcBef>
-                <a:spcPts val="0"/>
-              </a:spcBef>
-              <a:spcAft>
-                <a:spcPts val="0"/>
-              </a:spcAft>
+            <a:pPr lvl="0">
               <a:buClr>
                 <a:srgbClr val="00FF00"/>
               </a:buClr>
               <a:buSzPct val="25000"/>
-              <a:buFont typeface="Cabin"/>
-              <a:buNone/>
-            </a:pPr>
-            <a:r>
-              <a:rPr lang="en-US" sz="2800" b="1" i="0" u="none" strike="noStrike" cap="none" dirty="0">
+            </a:pPr>
+            <a:r>
+              <a:rPr lang="en-US" sz="2800" b="1" dirty="0">
                 <a:solidFill>
                   <a:srgbClr val="FFFF00"/>
                 </a:solidFill>
@@ -28621,133 +28263,12 @@
                 <a:cs typeface="Courier New"/>
                 <a:sym typeface="Courier New"/>
               </a:rPr>
-              <a:t>handle = open(name, 'r')</a:t>
-            </a:r>
-          </a:p>
-          <a:p>
-            <a:pPr marL="0" marR="0" lvl="0" indent="0" algn="l" rtl="0">
-              <a:lnSpc>
-                <a:spcPct val="100000"/>
-              </a:lnSpc>
-              <a:spcBef>
-                <a:spcPts val="0"/>
-              </a:spcBef>
-              <a:spcAft>
-                <a:spcPts val="0"/>
-              </a:spcAft>
-              <a:buClr>
-                <a:srgbClr val="00FF00"/>
-              </a:buClr>
-              <a:buSzPct val="25000"/>
-              <a:buFont typeface="Cabin"/>
-              <a:buNone/>
-            </a:pPr>
-            <a:r>
-              <a:rPr lang="en-US" sz="2800" b="1" i="0" u="none" strike="noStrike" cap="none" dirty="0">
-                <a:solidFill>
-                  <a:srgbClr val="FFFF00"/>
-                </a:solidFill>
-                <a:latin typeface="Courier New"/>
-                <a:ea typeface="Courier New"/>
-                <a:cs typeface="Courier New"/>
-                <a:sym typeface="Courier New"/>
-              </a:rPr>
-              <a:t>text = </a:t>
-            </a:r>
-            <a:r>
-              <a:rPr lang="en-US" sz="2800" b="1" i="0" u="none" strike="noStrike" cap="none" dirty="0" err="1">
-                <a:solidFill>
-                  <a:srgbClr val="FFFF00"/>
-                </a:solidFill>
-                <a:latin typeface="Courier New"/>
-                <a:ea typeface="Courier New"/>
-                <a:cs typeface="Courier New"/>
-                <a:sym typeface="Courier New"/>
-              </a:rPr>
-              <a:t>handle.read</a:t>
-            </a:r>
-            <a:r>
-              <a:rPr lang="en-US" sz="2800" b="1" i="0" u="none" strike="noStrike" cap="none" dirty="0">
-                <a:solidFill>
-                  <a:srgbClr val="FFFF00"/>
-                </a:solidFill>
-                <a:latin typeface="Courier New"/>
-                <a:ea typeface="Courier New"/>
-                <a:cs typeface="Courier New"/>
-                <a:sym typeface="Courier New"/>
-              </a:rPr>
-              <a:t>()</a:t>
-            </a:r>
-          </a:p>
-          <a:p>
-            <a:pPr marL="0" marR="0" lvl="0" indent="0" algn="l" rtl="0">
-              <a:lnSpc>
-                <a:spcPct val="100000"/>
-              </a:lnSpc>
-              <a:spcBef>
-                <a:spcPts val="0"/>
-              </a:spcBef>
-              <a:spcAft>
-                <a:spcPts val="0"/>
-              </a:spcAft>
-              <a:buClr>
-                <a:srgbClr val="00FF00"/>
-              </a:buClr>
-              <a:buSzPct val="25000"/>
-              <a:buFont typeface="Cabin"/>
-              <a:buNone/>
-            </a:pPr>
-            <a:r>
-              <a:rPr lang="en-US" sz="2800" b="1" i="0" u="none" strike="noStrike" cap="none" dirty="0">
-                <a:solidFill>
-                  <a:srgbClr val="FFFF00"/>
-                </a:solidFill>
-                <a:latin typeface="Courier New"/>
-                <a:ea typeface="Courier New"/>
-                <a:cs typeface="Courier New"/>
-                <a:sym typeface="Courier New"/>
-              </a:rPr>
-              <a:t>words = </a:t>
-            </a:r>
-            <a:r>
-              <a:rPr lang="en-US" sz="2800" b="1" i="0" u="none" strike="noStrike" cap="none" dirty="0" err="1">
-                <a:solidFill>
-                  <a:srgbClr val="FFFF00"/>
-                </a:solidFill>
-                <a:latin typeface="Courier New"/>
-                <a:ea typeface="Courier New"/>
-                <a:cs typeface="Courier New"/>
-                <a:sym typeface="Courier New"/>
-              </a:rPr>
-              <a:t>text.split</a:t>
-            </a:r>
-            <a:r>
-              <a:rPr lang="en-US" sz="2800" b="1" i="0" u="none" strike="noStrike" cap="none" dirty="0">
-                <a:solidFill>
-                  <a:srgbClr val="FFFF00"/>
-                </a:solidFill>
-                <a:latin typeface="Courier New"/>
-                <a:ea typeface="Courier New"/>
-                <a:cs typeface="Courier New"/>
-                <a:sym typeface="Courier New"/>
-              </a:rPr>
-              <a:t>()</a:t>
-            </a:r>
-          </a:p>
-          <a:p>
-            <a:pPr marL="0" marR="0" lvl="0" indent="0" algn="ctr" rtl="0">
-              <a:lnSpc>
-                <a:spcPct val="100000"/>
-              </a:lnSpc>
-              <a:spcBef>
-                <a:spcPts val="0"/>
-              </a:spcBef>
-              <a:spcAft>
-                <a:spcPts val="0"/>
-              </a:spcAft>
-              <a:buNone/>
-            </a:pPr>
-            <a:endParaRPr sz="2800" b="1" i="0" u="none" strike="noStrike" cap="none" dirty="0">
+              <a:t>handle = open(name)</a:t>
+            </a:r>
+          </a:p>
+          <a:p>
+            <a:pPr lvl="0" algn="ctr"/>
+            <a:endParaRPr lang="en-US" sz="2800" b="1" dirty="0">
               <a:solidFill>
                 <a:srgbClr val="00FF00"/>
               </a:solidFill>
@@ -28758,25 +28279,14 @@
             </a:endParaRPr>
           </a:p>
           <a:p>
-            <a:pPr marL="0" marR="0" lvl="0" indent="0" algn="l" rtl="0">
-              <a:lnSpc>
-                <a:spcPct val="100000"/>
-              </a:lnSpc>
-              <a:spcBef>
-                <a:spcPts val="0"/>
-              </a:spcBef>
-              <a:spcAft>
-                <a:spcPts val="0"/>
-              </a:spcAft>
+            <a:pPr lvl="0">
               <a:buClr>
                 <a:srgbClr val="00FF00"/>
               </a:buClr>
               <a:buSzPct val="25000"/>
-              <a:buFont typeface="Cabin"/>
-              <a:buNone/>
-            </a:pPr>
-            <a:r>
-              <a:rPr lang="en-US" sz="2800" b="1" i="0" u="none" strike="noStrike" cap="none" dirty="0">
+            </a:pPr>
+            <a:r>
+              <a:rPr lang="en-US" sz="2800" b="1" dirty="0">
                 <a:solidFill>
                   <a:srgbClr val="FFFF00"/>
                 </a:solidFill>
@@ -28788,7 +28298,7 @@
               <a:t>counts = </a:t>
             </a:r>
             <a:r>
-              <a:rPr lang="en-US" sz="2800" b="1" i="0" u="none" strike="noStrike" cap="none" dirty="0" err="1">
+              <a:rPr lang="en-US" sz="2800" b="1" dirty="0" err="1">
                 <a:solidFill>
                   <a:srgbClr val="FFFF00"/>
                 </a:solidFill>
@@ -28800,7 +28310,7 @@
               <a:t>dict</a:t>
             </a:r>
             <a:r>
-              <a:rPr lang="en-US" sz="2800" b="1" i="0" u="none" strike="noStrike" cap="none" dirty="0">
+              <a:rPr lang="en-US" sz="2800" b="1" dirty="0">
                 <a:solidFill>
                   <a:srgbClr val="FFFF00"/>
                 </a:solidFill>
@@ -28813,191 +28323,140 @@
             </a:r>
           </a:p>
           <a:p>
-            <a:pPr marL="0" marR="0" lvl="0" indent="0" algn="l" rtl="0">
-              <a:lnSpc>
-                <a:spcPct val="100000"/>
-              </a:lnSpc>
-              <a:spcBef>
-                <a:spcPts val="0"/>
-              </a:spcBef>
-              <a:spcAft>
-                <a:spcPts val="0"/>
-              </a:spcAft>
+            <a:pPr lvl="0">
               <a:buClr>
                 <a:srgbClr val="00FF00"/>
               </a:buClr>
               <a:buSzPct val="25000"/>
-              <a:buFont typeface="Cabin"/>
-              <a:buNone/>
-            </a:pPr>
-            <a:r>
-              <a:rPr lang="en-US" sz="2800" b="1" i="0" u="none" strike="noStrike" cap="none" dirty="0">
-                <a:solidFill>
-                  <a:srgbClr val="00FF00"/>
+            </a:pPr>
+            <a:r>
+              <a:rPr lang="en-US" sz="2800" b="1" dirty="0">
+                <a:solidFill>
+                  <a:srgbClr val="00FA00"/>
                 </a:solidFill>
                 <a:latin typeface="Courier New"/>
                 <a:ea typeface="Courier New"/>
                 <a:cs typeface="Courier New"/>
                 <a:sym typeface="Courier New"/>
               </a:rPr>
-              <a:t>for word in words:</a:t>
-            </a:r>
-          </a:p>
-          <a:p>
-            <a:pPr marL="0" marR="0" lvl="0" indent="0" algn="l" rtl="0">
-              <a:lnSpc>
-                <a:spcPct val="100000"/>
-              </a:lnSpc>
-              <a:spcBef>
-                <a:spcPts val="0"/>
-              </a:spcBef>
-              <a:spcAft>
-                <a:spcPts val="0"/>
-              </a:spcAft>
+              <a:t>for line in handle:</a:t>
+            </a:r>
+          </a:p>
+          <a:p>
+            <a:pPr lvl="0">
               <a:buClr>
                 <a:srgbClr val="00FF00"/>
               </a:buClr>
               <a:buSzPct val="25000"/>
-              <a:buFont typeface="Cabin"/>
-              <a:buNone/>
-            </a:pPr>
-            <a:r>
-              <a:rPr lang="en-US" sz="2800" b="1" i="0" u="none" strike="noStrike" cap="none" dirty="0">
-                <a:solidFill>
-                  <a:srgbClr val="00FF00"/>
+            </a:pPr>
+            <a:r>
+              <a:rPr lang="en-US" sz="2800" b="1" dirty="0">
+                <a:solidFill>
+                  <a:srgbClr val="00FA00"/>
                 </a:solidFill>
                 <a:latin typeface="Courier New"/>
                 <a:ea typeface="Courier New"/>
                 <a:cs typeface="Courier New"/>
                 <a:sym typeface="Courier New"/>
               </a:rPr>
-              <a:t>   counts[word] = </a:t>
-            </a:r>
-            <a:r>
-              <a:rPr lang="en-US" sz="2800" b="1" i="0" u="none" strike="noStrike" cap="none" dirty="0" err="1">
-                <a:solidFill>
-                  <a:srgbClr val="00FF00"/>
+              <a:t>    words = </a:t>
+            </a:r>
+            <a:r>
+              <a:rPr lang="en-US" sz="2800" b="1" dirty="0" err="1">
+                <a:solidFill>
+                  <a:srgbClr val="00FA00"/>
                 </a:solidFill>
                 <a:latin typeface="Courier New"/>
                 <a:ea typeface="Courier New"/>
                 <a:cs typeface="Courier New"/>
                 <a:sym typeface="Courier New"/>
               </a:rPr>
-              <a:t>counts.get</a:t>
-            </a:r>
-            <a:r>
-              <a:rPr lang="en-US" sz="2800" b="1" i="0" u="none" strike="noStrike" cap="none" dirty="0">
-                <a:solidFill>
-                  <a:srgbClr val="00FF00"/>
+              <a:t>line.split</a:t>
+            </a:r>
+            <a:r>
+              <a:rPr lang="en-US" sz="2800" b="1" dirty="0">
+                <a:solidFill>
+                  <a:srgbClr val="00FA00"/>
                 </a:solidFill>
                 <a:latin typeface="Courier New"/>
                 <a:ea typeface="Courier New"/>
                 <a:cs typeface="Courier New"/>
                 <a:sym typeface="Courier New"/>
               </a:rPr>
-              <a:t>(word,0) + 1</a:t>
-            </a:r>
-          </a:p>
-          <a:p>
-            <a:pPr marL="0" marR="0" lvl="0" indent="0" algn="l" rtl="0">
-              <a:lnSpc>
-                <a:spcPct val="100000"/>
-              </a:lnSpc>
-              <a:spcBef>
-                <a:spcPts val="0"/>
-              </a:spcBef>
-              <a:spcAft>
-                <a:spcPts val="0"/>
-              </a:spcAft>
+              <a:t>()</a:t>
+            </a:r>
+          </a:p>
+          <a:p>
+            <a:pPr lvl="0">
               <a:buClr>
                 <a:srgbClr val="00FF00"/>
               </a:buClr>
               <a:buSzPct val="25000"/>
-              <a:buFont typeface="Cabin"/>
-              <a:buNone/>
-            </a:pPr>
-            <a:r>
-              <a:rPr lang="en-US" sz="2800" b="1" i="0" u="none" strike="noStrike" cap="none" dirty="0" err="1">
-                <a:solidFill>
-                  <a:srgbClr val="FFFF00"/>
+            </a:pPr>
+            <a:r>
+              <a:rPr lang="en-US" sz="2800" b="1" dirty="0">
+                <a:solidFill>
+                  <a:srgbClr val="00FA00"/>
                 </a:solidFill>
                 <a:latin typeface="Courier New"/>
                 <a:ea typeface="Courier New"/>
                 <a:cs typeface="Courier New"/>
                 <a:sym typeface="Courier New"/>
               </a:rPr>
-              <a:t>bigcount</a:t>
-            </a:r>
-            <a:r>
-              <a:rPr lang="en-US" sz="2800" b="1" i="0" u="none" strike="noStrike" cap="none" dirty="0">
-                <a:solidFill>
-                  <a:srgbClr val="FFFF00"/>
+              <a:t>    for word in words:</a:t>
+            </a:r>
+          </a:p>
+          <a:p>
+            <a:pPr lvl="0">
+              <a:buClr>
+                <a:srgbClr val="00FF00"/>
+              </a:buClr>
+              <a:buSzPct val="25000"/>
+            </a:pPr>
+            <a:r>
+              <a:rPr lang="en-US" sz="2800" b="1" dirty="0">
+                <a:solidFill>
+                  <a:srgbClr val="00FA00"/>
                 </a:solidFill>
                 <a:latin typeface="Courier New"/>
                 <a:ea typeface="Courier New"/>
                 <a:cs typeface="Courier New"/>
                 <a:sym typeface="Courier New"/>
               </a:rPr>
-              <a:t> = None</a:t>
-            </a:r>
-          </a:p>
-          <a:p>
-            <a:pPr marL="0" marR="0" lvl="0" indent="0" algn="l" rtl="0">
-              <a:lnSpc>
-                <a:spcPct val="100000"/>
-              </a:lnSpc>
-              <a:spcBef>
-                <a:spcPts val="0"/>
-              </a:spcBef>
-              <a:spcAft>
-                <a:spcPts val="0"/>
-              </a:spcAft>
-              <a:buClr>
-                <a:srgbClr val="00FF00"/>
-              </a:buClr>
-              <a:buSzPct val="25000"/>
-              <a:buFont typeface="Cabin"/>
-              <a:buNone/>
-            </a:pPr>
-            <a:r>
-              <a:rPr lang="en-US" sz="2800" b="1" i="0" u="none" strike="noStrike" cap="none" dirty="0" err="1">
-                <a:solidFill>
-                  <a:srgbClr val="FFFF00"/>
+              <a:t>        counts[word] = </a:t>
+            </a:r>
+            <a:r>
+              <a:rPr lang="en-US" sz="2800" b="1" dirty="0" err="1">
+                <a:solidFill>
+                  <a:srgbClr val="00FA00"/>
                 </a:solidFill>
                 <a:latin typeface="Courier New"/>
                 <a:ea typeface="Courier New"/>
                 <a:cs typeface="Courier New"/>
                 <a:sym typeface="Courier New"/>
               </a:rPr>
-              <a:t>bigword</a:t>
-            </a:r>
-            <a:r>
-              <a:rPr lang="en-US" sz="2800" b="1" i="0" u="none" strike="noStrike" cap="none" dirty="0">
-                <a:solidFill>
-                  <a:srgbClr val="FFFF00"/>
+              <a:t>counts.get</a:t>
+            </a:r>
+            <a:r>
+              <a:rPr lang="en-US" sz="2800" b="1" dirty="0">
+                <a:solidFill>
+                  <a:srgbClr val="00FA00"/>
                 </a:solidFill>
                 <a:latin typeface="Courier New"/>
                 <a:ea typeface="Courier New"/>
                 <a:cs typeface="Courier New"/>
                 <a:sym typeface="Courier New"/>
               </a:rPr>
-              <a:t> = None</a:t>
-            </a:r>
-          </a:p>
-          <a:p>
-            <a:pPr marL="0" marR="0" lvl="0" indent="0" algn="ctr" rtl="0">
-              <a:lnSpc>
-                <a:spcPct val="100000"/>
-              </a:lnSpc>
-              <a:spcBef>
-                <a:spcPts val="0"/>
-              </a:spcBef>
-              <a:spcAft>
-                <a:spcPts val="0"/>
-              </a:spcAft>
-              <a:buNone/>
-            </a:pPr>
-            <a:endParaRPr sz="2800" b="1" i="0" u="none" strike="noStrike" cap="none" dirty="0">
+              <a:t>(word,0) + 1</a:t>
+            </a:r>
+          </a:p>
+          <a:p>
+            <a:pPr lvl="0">
+              <a:buClr>
+                <a:srgbClr val="00FF00"/>
+              </a:buClr>
+            </a:pPr>
+            <a:endParaRPr lang="en-US" sz="2800" b="1" dirty="0">
               <a:solidFill>
                 <a:srgbClr val="00FF00"/>
               </a:solidFill>
@@ -29008,166 +28467,160 @@
             </a:endParaRPr>
           </a:p>
           <a:p>
-            <a:pPr marL="0" marR="0" lvl="0" indent="0" algn="l" rtl="0">
-              <a:lnSpc>
-                <a:spcPct val="100000"/>
-              </a:lnSpc>
-              <a:spcBef>
-                <a:spcPts val="0"/>
-              </a:spcBef>
-              <a:spcAft>
-                <a:spcPts val="0"/>
-              </a:spcAft>
+            <a:pPr lvl="0">
               <a:buClr>
                 <a:srgbClr val="00FF00"/>
               </a:buClr>
               <a:buSzPct val="25000"/>
-              <a:buFont typeface="Cabin"/>
-              <a:buNone/>
-            </a:pPr>
-            <a:r>
-              <a:rPr lang="en-US" sz="2800" b="1" i="0" u="none" strike="noStrike" cap="none" dirty="0">
-                <a:solidFill>
-                  <a:srgbClr val="00FF00"/>
+            </a:pPr>
+            <a:r>
+              <a:rPr lang="en-US" sz="2800" b="1" dirty="0" err="1">
+                <a:solidFill>
+                  <a:srgbClr val="FFFF00"/>
                 </a:solidFill>
                 <a:latin typeface="Courier New"/>
                 <a:ea typeface="Courier New"/>
                 <a:cs typeface="Courier New"/>
                 <a:sym typeface="Courier New"/>
               </a:rPr>
-              <a:t>for </a:t>
-            </a:r>
-            <a:r>
-              <a:rPr lang="en-US" sz="2800" b="1" i="0" u="none" strike="noStrike" cap="none" dirty="0" err="1">
-                <a:solidFill>
-                  <a:srgbClr val="00FF00"/>
+              <a:t>bigcount</a:t>
+            </a:r>
+            <a:r>
+              <a:rPr lang="en-US" sz="2800" b="1" dirty="0">
+                <a:solidFill>
+                  <a:srgbClr val="FFFF00"/>
                 </a:solidFill>
                 <a:latin typeface="Courier New"/>
                 <a:ea typeface="Courier New"/>
                 <a:cs typeface="Courier New"/>
                 <a:sym typeface="Courier New"/>
               </a:rPr>
-              <a:t>word,count</a:t>
-            </a:r>
-            <a:r>
-              <a:rPr lang="en-US" sz="2800" b="1" i="0" u="none" strike="noStrike" cap="none" dirty="0">
-                <a:solidFill>
-                  <a:srgbClr val="00FF00"/>
+              <a:t> = None</a:t>
+            </a:r>
+          </a:p>
+          <a:p>
+            <a:pPr lvl="0">
+              <a:buClr>
+                <a:srgbClr val="00FF00"/>
+              </a:buClr>
+              <a:buSzPct val="25000"/>
+            </a:pPr>
+            <a:r>
+              <a:rPr lang="en-US" sz="2800" b="1" dirty="0" err="1">
+                <a:solidFill>
+                  <a:srgbClr val="FFFF00"/>
                 </a:solidFill>
                 <a:latin typeface="Courier New"/>
                 <a:ea typeface="Courier New"/>
                 <a:cs typeface="Courier New"/>
                 <a:sym typeface="Courier New"/>
               </a:rPr>
-              <a:t> in </a:t>
-            </a:r>
-            <a:r>
-              <a:rPr lang="en-US" sz="2800" b="1" i="0" u="none" strike="noStrike" cap="none" dirty="0" err="1">
-                <a:solidFill>
-                  <a:srgbClr val="00FF00"/>
+              <a:t>bigword</a:t>
+            </a:r>
+            <a:r>
+              <a:rPr lang="en-US" sz="2800" b="1" dirty="0">
+                <a:solidFill>
+                  <a:srgbClr val="FFFF00"/>
                 </a:solidFill>
                 <a:latin typeface="Courier New"/>
                 <a:ea typeface="Courier New"/>
                 <a:cs typeface="Courier New"/>
                 <a:sym typeface="Courier New"/>
               </a:rPr>
-              <a:t>counts.items</a:t>
-            </a:r>
-            <a:r>
-              <a:rPr lang="en-US" sz="2800" b="1" i="0" u="none" strike="noStrike" cap="none" dirty="0">
-                <a:solidFill>
-                  <a:srgbClr val="00FF00"/>
+              <a:t> = None</a:t>
+            </a:r>
+          </a:p>
+          <a:p>
+            <a:pPr lvl="0">
+              <a:buClr>
+                <a:srgbClr val="00FF00"/>
+              </a:buClr>
+              <a:buSzPct val="25000"/>
+            </a:pPr>
+            <a:r>
+              <a:rPr lang="en-US" sz="2800" b="1" dirty="0">
+                <a:solidFill>
+                  <a:srgbClr val="00FA00"/>
                 </a:solidFill>
                 <a:latin typeface="Courier New"/>
                 <a:ea typeface="Courier New"/>
                 <a:cs typeface="Courier New"/>
                 <a:sym typeface="Courier New"/>
               </a:rPr>
-              <a:t>():</a:t>
-            </a:r>
-          </a:p>
-          <a:p>
-            <a:pPr marL="0" marR="0" lvl="0" indent="0" algn="l" rtl="0">
-              <a:lnSpc>
-                <a:spcPct val="100000"/>
-              </a:lnSpc>
-              <a:spcBef>
-                <a:spcPts val="0"/>
-              </a:spcBef>
-              <a:spcAft>
-                <a:spcPts val="0"/>
-              </a:spcAft>
-              <a:buClr>
-                <a:srgbClr val="00FF00"/>
-              </a:buClr>
-              <a:buSzPct val="25000"/>
-              <a:buFont typeface="Cabin"/>
-              <a:buNone/>
-            </a:pPr>
-            <a:r>
-              <a:rPr lang="en-US" sz="2800" b="1" i="0" u="none" strike="noStrike" cap="none" dirty="0">
-                <a:solidFill>
-                  <a:srgbClr val="FF00FF"/>
+              <a:t>for </a:t>
+            </a:r>
+            <a:r>
+              <a:rPr lang="en-US" sz="2800" b="1" dirty="0" err="1">
+                <a:solidFill>
+                  <a:srgbClr val="00FA00"/>
                 </a:solidFill>
                 <a:latin typeface="Courier New"/>
                 <a:ea typeface="Courier New"/>
                 <a:cs typeface="Courier New"/>
                 <a:sym typeface="Courier New"/>
               </a:rPr>
-              <a:t>  </a:t>
-            </a:r>
-            <a:r>
-              <a:rPr lang="en-US" sz="2800" b="1" i="0" u="none" strike="noStrike" cap="none" dirty="0">
-                <a:solidFill>
-                  <a:srgbClr val="FF7F00"/>
+              <a:t>word,count</a:t>
+            </a:r>
+            <a:r>
+              <a:rPr lang="en-US" sz="2800" b="1" dirty="0">
+                <a:solidFill>
+                  <a:srgbClr val="00FA00"/>
                 </a:solidFill>
                 <a:latin typeface="Courier New"/>
                 <a:ea typeface="Courier New"/>
                 <a:cs typeface="Courier New"/>
                 <a:sym typeface="Courier New"/>
               </a:rPr>
-              <a:t>  </a:t>
-            </a:r>
-            <a:r>
-              <a:rPr lang="en-US" sz="2800" b="1" i="0" u="none" strike="noStrike" cap="none" dirty="0">
-                <a:solidFill>
-                  <a:srgbClr val="FF9900"/>
+              <a:t> in </a:t>
+            </a:r>
+            <a:r>
+              <a:rPr lang="en-US" sz="2800" b="1" dirty="0" err="1">
+                <a:solidFill>
+                  <a:srgbClr val="00FA00"/>
                 </a:solidFill>
                 <a:latin typeface="Courier New"/>
                 <a:ea typeface="Courier New"/>
                 <a:cs typeface="Courier New"/>
                 <a:sym typeface="Courier New"/>
               </a:rPr>
-              <a:t>if </a:t>
-            </a:r>
-            <a:r>
-              <a:rPr lang="en-US" sz="2800" b="1" i="0" u="none" strike="noStrike" cap="none" dirty="0" err="1">
-                <a:solidFill>
-                  <a:srgbClr val="FF9900"/>
+              <a:t>counts.items</a:t>
+            </a:r>
+            <a:r>
+              <a:rPr lang="en-US" sz="2800" b="1" dirty="0">
+                <a:solidFill>
+                  <a:srgbClr val="00FA00"/>
                 </a:solidFill>
                 <a:latin typeface="Courier New"/>
                 <a:ea typeface="Courier New"/>
                 <a:cs typeface="Courier New"/>
                 <a:sym typeface="Courier New"/>
               </a:rPr>
-              <a:t>bigcount</a:t>
-            </a:r>
-            <a:r>
-              <a:rPr lang="en-US" sz="2800" b="1" i="0" u="none" strike="noStrike" cap="none" dirty="0">
-                <a:solidFill>
-                  <a:srgbClr val="FF9900"/>
+              <a:t>():</a:t>
+            </a:r>
+          </a:p>
+          <a:p>
+            <a:pPr lvl="0">
+              <a:buClr>
+                <a:srgbClr val="00FF00"/>
+              </a:buClr>
+              <a:buSzPct val="25000"/>
+            </a:pPr>
+            <a:r>
+              <a:rPr lang="en-US" sz="2800" b="1" dirty="0">
+                <a:solidFill>
+                  <a:srgbClr val="FF9300"/>
                 </a:solidFill>
                 <a:latin typeface="Courier New"/>
                 <a:ea typeface="Courier New"/>
                 <a:cs typeface="Courier New"/>
                 <a:sym typeface="Courier New"/>
               </a:rPr>
-              <a:t> is None or count &gt; </a:t>
-            </a:r>
-            <a:r>
-              <a:rPr lang="en-US" sz="2800" b="1" i="0" u="none" strike="noStrike" cap="none" dirty="0" err="1">
-                <a:solidFill>
-                  <a:srgbClr val="FF9900"/>
+              <a:t>    if </a:t>
+            </a:r>
+            <a:r>
+              <a:rPr lang="en-US" sz="2800" b="1" dirty="0" err="1">
+                <a:solidFill>
+                  <a:srgbClr val="FF9300"/>
                 </a:solidFill>
                 <a:latin typeface="Courier New"/>
                 <a:ea typeface="Courier New"/>
@@ -29177,146 +28630,137 @@
               <a:t>bigcount</a:t>
             </a:r>
             <a:r>
-              <a:rPr lang="en-US" sz="2800" b="1" i="0" u="none" strike="noStrike" cap="none" dirty="0">
-                <a:solidFill>
-                  <a:srgbClr val="FF9900"/>
+              <a:rPr lang="en-US" sz="2800" b="1" dirty="0">
+                <a:solidFill>
+                  <a:srgbClr val="FF9300"/>
                 </a:solidFill>
                 <a:latin typeface="Courier New"/>
                 <a:ea typeface="Courier New"/>
                 <a:cs typeface="Courier New"/>
                 <a:sym typeface="Courier New"/>
               </a:rPr>
-              <a:t>:</a:t>
-            </a:r>
-          </a:p>
-          <a:p>
-            <a:pPr marL="0" marR="0" lvl="0" indent="0" algn="l" rtl="0">
-              <a:lnSpc>
-                <a:spcPct val="100000"/>
-              </a:lnSpc>
-              <a:spcBef>
-                <a:spcPts val="0"/>
-              </a:spcBef>
-              <a:spcAft>
-                <a:spcPts val="0"/>
-              </a:spcAft>
-              <a:buClr>
-                <a:srgbClr val="00FF00"/>
-              </a:buClr>
-              <a:buSzPct val="25000"/>
-              <a:buFont typeface="Cabin"/>
-              <a:buNone/>
-            </a:pPr>
-            <a:r>
-              <a:rPr lang="en-US" sz="2800" b="1" i="0" u="none" strike="noStrike" cap="none" dirty="0">
-                <a:solidFill>
-                  <a:srgbClr val="FF9900"/>
+              <a:t> is None or count &gt; </a:t>
+            </a:r>
+            <a:r>
+              <a:rPr lang="en-US" sz="2800" b="1" dirty="0" err="1">
+                <a:solidFill>
+                  <a:srgbClr val="FF9300"/>
                 </a:solidFill>
                 <a:latin typeface="Courier New"/>
                 <a:ea typeface="Courier New"/>
                 <a:cs typeface="Courier New"/>
                 <a:sym typeface="Courier New"/>
               </a:rPr>
-              <a:t>        </a:t>
-            </a:r>
-            <a:r>
-              <a:rPr lang="en-US" sz="2800" b="1" i="0" u="none" strike="noStrike" cap="none" dirty="0" err="1">
-                <a:solidFill>
-                  <a:srgbClr val="FF9900"/>
+              <a:t>bigcount</a:t>
+            </a:r>
+            <a:r>
+              <a:rPr lang="en-US" sz="2800" b="1" dirty="0">
+                <a:solidFill>
+                  <a:srgbClr val="FF9300"/>
                 </a:solidFill>
                 <a:latin typeface="Courier New"/>
                 <a:ea typeface="Courier New"/>
                 <a:cs typeface="Courier New"/>
                 <a:sym typeface="Courier New"/>
               </a:rPr>
-              <a:t>bigword</a:t>
-            </a:r>
-            <a:r>
-              <a:rPr lang="en-US" sz="2800" b="1" i="0" u="none" strike="noStrike" cap="none" dirty="0">
-                <a:solidFill>
-                  <a:srgbClr val="FF9900"/>
+              <a:t>:</a:t>
+            </a:r>
+          </a:p>
+          <a:p>
+            <a:pPr lvl="0">
+              <a:buClr>
+                <a:srgbClr val="00FF00"/>
+              </a:buClr>
+              <a:buSzPct val="25000"/>
+            </a:pPr>
+            <a:r>
+              <a:rPr lang="en-US" sz="2800" b="1" dirty="0">
+                <a:solidFill>
+                  <a:srgbClr val="FF9300"/>
                 </a:solidFill>
                 <a:latin typeface="Courier New"/>
                 <a:ea typeface="Courier New"/>
                 <a:cs typeface="Courier New"/>
                 <a:sym typeface="Courier New"/>
               </a:rPr>
-              <a:t> = word</a:t>
-            </a:r>
-          </a:p>
-          <a:p>
-            <a:pPr marL="0" marR="0" lvl="0" indent="0" algn="l" rtl="0">
-              <a:lnSpc>
-                <a:spcPct val="100000"/>
-              </a:lnSpc>
-              <a:spcBef>
-                <a:spcPts val="0"/>
-              </a:spcBef>
-              <a:spcAft>
-                <a:spcPts val="0"/>
-              </a:spcAft>
-              <a:buClr>
-                <a:srgbClr val="00FF00"/>
-              </a:buClr>
-              <a:buSzPct val="25000"/>
-              <a:buFont typeface="Cabin"/>
-              <a:buNone/>
-            </a:pPr>
-            <a:r>
-              <a:rPr lang="en-US" sz="2800" b="1" i="0" u="none" strike="noStrike" cap="none" dirty="0">
-                <a:solidFill>
-                  <a:srgbClr val="FF9900"/>
+              <a:t>        </a:t>
+            </a:r>
+            <a:r>
+              <a:rPr lang="en-US" sz="2800" b="1" dirty="0" err="1">
+                <a:solidFill>
+                  <a:srgbClr val="FF9300"/>
                 </a:solidFill>
                 <a:latin typeface="Courier New"/>
                 <a:ea typeface="Courier New"/>
                 <a:cs typeface="Courier New"/>
                 <a:sym typeface="Courier New"/>
               </a:rPr>
-              <a:t>        </a:t>
-            </a:r>
-            <a:r>
-              <a:rPr lang="en-US" sz="2800" b="1" i="0" u="none" strike="noStrike" cap="none" dirty="0" err="1">
-                <a:solidFill>
-                  <a:srgbClr val="FF9900"/>
+              <a:t>bigword</a:t>
+            </a:r>
+            <a:r>
+              <a:rPr lang="en-US" sz="2800" b="1" dirty="0">
+                <a:solidFill>
+                  <a:srgbClr val="FF9300"/>
                 </a:solidFill>
                 <a:latin typeface="Courier New"/>
                 <a:ea typeface="Courier New"/>
                 <a:cs typeface="Courier New"/>
                 <a:sym typeface="Courier New"/>
               </a:rPr>
-              <a:t>bigcount</a:t>
-            </a:r>
-            <a:r>
-              <a:rPr lang="en-US" sz="2800" b="1" i="0" u="none" strike="noStrike" cap="none" dirty="0">
-                <a:solidFill>
-                  <a:srgbClr val="FF9900"/>
+              <a:t> = word</a:t>
+            </a:r>
+          </a:p>
+          <a:p>
+            <a:pPr lvl="0">
+              <a:buClr>
+                <a:srgbClr val="00FF00"/>
+              </a:buClr>
+              <a:buSzPct val="25000"/>
+            </a:pPr>
+            <a:r>
+              <a:rPr lang="en-US" sz="2800" b="1" dirty="0">
+                <a:solidFill>
+                  <a:srgbClr val="FF9300"/>
                 </a:solidFill>
                 <a:latin typeface="Courier New"/>
                 <a:ea typeface="Courier New"/>
                 <a:cs typeface="Courier New"/>
                 <a:sym typeface="Courier New"/>
               </a:rPr>
+              <a:t>        </a:t>
+            </a:r>
+            <a:r>
+              <a:rPr lang="en-US" sz="2800" b="1" dirty="0" err="1">
+                <a:solidFill>
+                  <a:srgbClr val="FF9300"/>
+                </a:solidFill>
+                <a:latin typeface="Courier New"/>
+                <a:ea typeface="Courier New"/>
+                <a:cs typeface="Courier New"/>
+                <a:sym typeface="Courier New"/>
+              </a:rPr>
+              <a:t>bigcount</a:t>
+            </a:r>
+            <a:r>
+              <a:rPr lang="en-US" sz="2800" b="1" dirty="0">
+                <a:solidFill>
+                  <a:srgbClr val="FF9300"/>
+                </a:solidFill>
+                <a:latin typeface="Courier New"/>
+                <a:ea typeface="Courier New"/>
+                <a:cs typeface="Courier New"/>
+                <a:sym typeface="Courier New"/>
+              </a:rPr>
               <a:t> = count</a:t>
             </a:r>
           </a:p>
           <a:p>
-            <a:pPr marL="0" marR="0" lvl="0" indent="0" algn="l" rtl="0">
-              <a:lnSpc>
-                <a:spcPct val="100000"/>
-              </a:lnSpc>
-              <a:spcBef>
-                <a:spcPts val="0"/>
-              </a:spcBef>
-              <a:spcAft>
-                <a:spcPts val="0"/>
-              </a:spcAft>
+            <a:pPr lvl="0">
               <a:buClr>
                 <a:srgbClr val="00FF00"/>
               </a:buClr>
-              <a:buFont typeface="Cabin"/>
-              <a:buNone/>
-            </a:pPr>
-            <a:endParaRPr sz="2800" b="1" dirty="0">
+            </a:pPr>
+            <a:endParaRPr lang="en-US" sz="2800" b="1" dirty="0">
               <a:solidFill>
                 <a:srgbClr val="00FF00"/>
               </a:solidFill>
@@ -29327,25 +28771,14 @@
             </a:endParaRPr>
           </a:p>
           <a:p>
-            <a:pPr marL="0" marR="0" lvl="0" indent="0" algn="l" rtl="0">
-              <a:lnSpc>
-                <a:spcPct val="100000"/>
-              </a:lnSpc>
-              <a:spcBef>
-                <a:spcPts val="0"/>
-              </a:spcBef>
-              <a:spcAft>
-                <a:spcPts val="0"/>
-              </a:spcAft>
+            <a:pPr lvl="0">
               <a:buClr>
                 <a:srgbClr val="00FF00"/>
               </a:buClr>
               <a:buSzPct val="25000"/>
-              <a:buFont typeface="Cabin"/>
-              <a:buNone/>
-            </a:pPr>
-            <a:r>
-              <a:rPr lang="en-US" sz="2800" b="1" i="0" u="none" strike="noStrike" cap="none" dirty="0" smtClean="0">
+            </a:pPr>
+            <a:r>
+              <a:rPr lang="en-US" sz="2800" b="1" dirty="0">
                 <a:solidFill>
                   <a:srgbClr val="FFFF00"/>
                 </a:solidFill>
@@ -29357,7 +28790,7 @@
               <a:t>print(</a:t>
             </a:r>
             <a:r>
-              <a:rPr lang="en-US" sz="2800" b="1" i="0" u="none" strike="noStrike" cap="none" dirty="0" err="1" smtClean="0">
+              <a:rPr lang="en-US" sz="2800" b="1" dirty="0" err="1">
                 <a:solidFill>
                   <a:srgbClr val="FFFF00"/>
                 </a:solidFill>
@@ -29369,7 +28802,7 @@
               <a:t>bigword</a:t>
             </a:r>
             <a:r>
-              <a:rPr lang="en-US" sz="2800" b="1" i="0" u="none" strike="noStrike" cap="none" dirty="0">
+              <a:rPr lang="en-US" sz="2800" b="1" dirty="0">
                 <a:solidFill>
                   <a:srgbClr val="FFFF00"/>
                 </a:solidFill>
@@ -29381,7 +28814,7 @@
               <a:t>, </a:t>
             </a:r>
             <a:r>
-              <a:rPr lang="en-US" sz="2800" b="1" i="0" u="none" strike="noStrike" cap="none" dirty="0" err="1" smtClean="0">
+              <a:rPr lang="en-US" sz="2800" b="1" dirty="0" err="1">
                 <a:solidFill>
                   <a:srgbClr val="FFFF00"/>
                 </a:solidFill>
@@ -29393,7 +28826,7 @@
               <a:t>bigcount</a:t>
             </a:r>
             <a:r>
-              <a:rPr lang="en-US" sz="2800" b="1" i="0" u="none" strike="noStrike" cap="none" dirty="0" smtClean="0">
+              <a:rPr lang="en-US" sz="2800" b="1" dirty="0">
                 <a:solidFill>
                   <a:srgbClr val="FFFF00"/>
                 </a:solidFill>
@@ -29404,7 +28837,7 @@
               </a:rPr>
               <a:t>)</a:t>
             </a:r>
-            <a:endParaRPr lang="en-US" sz="2800" b="1" i="0" u="none" strike="noStrike" cap="none" dirty="0">
+            <a:endParaRPr lang="en-US" sz="2800" b="1" dirty="0">
               <a:solidFill>
                 <a:srgbClr val="FFFF00"/>
               </a:solidFill>
@@ -29671,116 +29104,6 @@
             </a:r>
           </a:p>
           <a:p>
-            <a:pPr marL="0" marR="0" lvl="0" indent="0" algn="l" rtl="0">
-              <a:lnSpc>
-                <a:spcPct val="100000"/>
-              </a:lnSpc>
-              <a:spcBef>
-                <a:spcPts val="0"/>
-              </a:spcBef>
-              <a:spcAft>
-                <a:spcPts val="0"/>
-              </a:spcAft>
-              <a:buClr>
-                <a:srgbClr val="00FF00"/>
-              </a:buClr>
-              <a:buSzPct val="25000"/>
-              <a:buFont typeface="Cabin"/>
-              <a:buNone/>
-            </a:pPr>
-            <a:r>
-              <a:rPr lang="en-US" sz="2800" b="1" i="0" u="none" strike="noStrike" cap="none" dirty="0">
-                <a:solidFill>
-                  <a:srgbClr val="FFFF00"/>
-                </a:solidFill>
-                <a:latin typeface="Courier New"/>
-                <a:ea typeface="Courier New"/>
-                <a:cs typeface="Courier New"/>
-                <a:sym typeface="Courier New"/>
-              </a:rPr>
-              <a:t>text = </a:t>
-            </a:r>
-            <a:r>
-              <a:rPr lang="en-US" sz="2800" b="1" i="0" u="none" strike="noStrike" cap="none" dirty="0" err="1">
-                <a:solidFill>
-                  <a:srgbClr val="FFFF00"/>
-                </a:solidFill>
-                <a:latin typeface="Courier New"/>
-                <a:ea typeface="Courier New"/>
-                <a:cs typeface="Courier New"/>
-                <a:sym typeface="Courier New"/>
-              </a:rPr>
-              <a:t>handle.read</a:t>
-            </a:r>
-            <a:r>
-              <a:rPr lang="en-US" sz="2800" b="1" i="0" u="none" strike="noStrike" cap="none" dirty="0">
-                <a:solidFill>
-                  <a:srgbClr val="FFFF00"/>
-                </a:solidFill>
-                <a:latin typeface="Courier New"/>
-                <a:ea typeface="Courier New"/>
-                <a:cs typeface="Courier New"/>
-                <a:sym typeface="Courier New"/>
-              </a:rPr>
-              <a:t>()</a:t>
-            </a:r>
-          </a:p>
-          <a:p>
-            <a:pPr marL="0" marR="0" lvl="0" indent="0" algn="l" rtl="0">
-              <a:lnSpc>
-                <a:spcPct val="100000"/>
-              </a:lnSpc>
-              <a:spcBef>
-                <a:spcPts val="0"/>
-              </a:spcBef>
-              <a:spcAft>
-                <a:spcPts val="0"/>
-              </a:spcAft>
-              <a:buClr>
-                <a:srgbClr val="00FF00"/>
-              </a:buClr>
-              <a:buSzPct val="25000"/>
-              <a:buFont typeface="Cabin"/>
-              <a:buNone/>
-            </a:pPr>
-            <a:r>
-              <a:rPr lang="en-US" sz="2800" b="1" i="0" u="none" strike="noStrike" cap="none" dirty="0">
-                <a:solidFill>
-                  <a:srgbClr val="FFFF00"/>
-                </a:solidFill>
-                <a:latin typeface="Courier New"/>
-                <a:ea typeface="Courier New"/>
-                <a:cs typeface="Courier New"/>
-                <a:sym typeface="Courier New"/>
-              </a:rPr>
-              <a:t>words = </a:t>
-            </a:r>
-            <a:r>
-              <a:rPr lang="en-US" sz="2800" b="1" i="0" u="none" strike="noStrike" cap="none" dirty="0" err="1">
-                <a:solidFill>
-                  <a:srgbClr val="FFFF00"/>
-                </a:solidFill>
-                <a:latin typeface="Courier New"/>
-                <a:ea typeface="Courier New"/>
-                <a:cs typeface="Courier New"/>
-                <a:sym typeface="Courier New"/>
-              </a:rPr>
-              <a:t>text.split</a:t>
-            </a:r>
-            <a:r>
-              <a:rPr lang="en-US" sz="2800" b="1" i="0" u="none" strike="noStrike" cap="none" dirty="0">
-                <a:solidFill>
-                  <a:srgbClr val="FFFF00"/>
-                </a:solidFill>
-                <a:latin typeface="Courier New"/>
-                <a:ea typeface="Courier New"/>
-                <a:cs typeface="Courier New"/>
-                <a:sym typeface="Courier New"/>
-              </a:rPr>
-              <a:t>()</a:t>
-            </a:r>
-          </a:p>
-          <a:p>
             <a:pPr marL="0" marR="0" lvl="0" indent="0" algn="ctr" rtl="0">
               <a:lnSpc>
                 <a:spcPct val="100000"/>
@@ -29859,6 +29182,134 @@
             </a:r>
           </a:p>
           <a:p>
+            <a:pPr lvl="0">
+              <a:buClr>
+                <a:srgbClr val="00FF00"/>
+              </a:buClr>
+              <a:buSzPct val="25000"/>
+            </a:pPr>
+            <a:r>
+              <a:rPr lang="en-US" sz="2800" b="1" dirty="0">
+                <a:solidFill>
+                  <a:srgbClr val="00FF00"/>
+                </a:solidFill>
+                <a:latin typeface="Courier New"/>
+                <a:ea typeface="Courier New"/>
+                <a:cs typeface="Courier New"/>
+                <a:sym typeface="Courier New"/>
+              </a:rPr>
+              <a:t>for line in handle:</a:t>
+            </a:r>
+          </a:p>
+          <a:p>
+            <a:pPr lvl="0">
+              <a:buClr>
+                <a:srgbClr val="00FF00"/>
+              </a:buClr>
+              <a:buSzPct val="25000"/>
+            </a:pPr>
+            <a:r>
+              <a:rPr lang="en-US" sz="2800" b="1" dirty="0">
+                <a:solidFill>
+                  <a:srgbClr val="00FF00"/>
+                </a:solidFill>
+                <a:latin typeface="Courier New"/>
+                <a:ea typeface="Courier New"/>
+                <a:cs typeface="Courier New"/>
+                <a:sym typeface="Courier New"/>
+              </a:rPr>
+              <a:t>    words = </a:t>
+            </a:r>
+            <a:r>
+              <a:rPr lang="en-US" sz="2800" b="1" dirty="0" err="1">
+                <a:solidFill>
+                  <a:srgbClr val="00FF00"/>
+                </a:solidFill>
+                <a:latin typeface="Courier New"/>
+                <a:ea typeface="Courier New"/>
+                <a:cs typeface="Courier New"/>
+                <a:sym typeface="Courier New"/>
+              </a:rPr>
+              <a:t>line.split</a:t>
+            </a:r>
+            <a:r>
+              <a:rPr lang="en-US" sz="2800" b="1" dirty="0">
+                <a:solidFill>
+                  <a:srgbClr val="00FF00"/>
+                </a:solidFill>
+                <a:latin typeface="Courier New"/>
+                <a:ea typeface="Courier New"/>
+                <a:cs typeface="Courier New"/>
+                <a:sym typeface="Courier New"/>
+              </a:rPr>
+              <a:t>()</a:t>
+            </a:r>
+          </a:p>
+          <a:p>
+            <a:pPr lvl="0">
+              <a:buClr>
+                <a:srgbClr val="00FF00"/>
+              </a:buClr>
+              <a:buSzPct val="25000"/>
+            </a:pPr>
+            <a:r>
+              <a:rPr lang="en-US" sz="2800" b="1" dirty="0">
+                <a:solidFill>
+                  <a:srgbClr val="00FF00"/>
+                </a:solidFill>
+                <a:latin typeface="Courier New"/>
+                <a:ea typeface="Courier New"/>
+                <a:cs typeface="Courier New"/>
+                <a:sym typeface="Courier New"/>
+              </a:rPr>
+              <a:t>    for word in words:</a:t>
+            </a:r>
+          </a:p>
+          <a:p>
+            <a:pPr lvl="0">
+              <a:buClr>
+                <a:srgbClr val="00FF00"/>
+              </a:buClr>
+              <a:buSzPct val="25000"/>
+            </a:pPr>
+            <a:r>
+              <a:rPr lang="en-US" sz="2800" b="1" dirty="0">
+                <a:solidFill>
+                  <a:srgbClr val="00FF00"/>
+                </a:solidFill>
+                <a:latin typeface="Courier New"/>
+                <a:ea typeface="Courier New"/>
+                <a:cs typeface="Courier New"/>
+                <a:sym typeface="Courier New"/>
+              </a:rPr>
+              <a:t>        counts[word] = </a:t>
+            </a:r>
+            <a:r>
+              <a:rPr lang="en-US" sz="2800" b="1" dirty="0" err="1">
+                <a:solidFill>
+                  <a:srgbClr val="00FF00"/>
+                </a:solidFill>
+                <a:latin typeface="Courier New"/>
+                <a:ea typeface="Courier New"/>
+                <a:cs typeface="Courier New"/>
+                <a:sym typeface="Courier New"/>
+              </a:rPr>
+              <a:t>counts.get</a:t>
+            </a:r>
+            <a:r>
+              <a:rPr lang="en-US" sz="2800" b="1" dirty="0">
+                <a:solidFill>
+                  <a:srgbClr val="00FF00"/>
+                </a:solidFill>
+                <a:latin typeface="Courier New"/>
+                <a:ea typeface="Courier New"/>
+                <a:cs typeface="Courier New"/>
+                <a:sym typeface="Courier New"/>
+              </a:rPr>
+              <a:t>(word,0) + 1</a:t>
+            </a:r>
+          </a:p>
+          <a:p>
             <a:pPr marL="0" marR="0" lvl="0" indent="0" algn="l" rtl="0">
               <a:lnSpc>
                 <a:spcPct val="100000"/>
@@ -29876,174 +29327,7 @@
               <a:buFont typeface="Cabin"/>
               <a:buNone/>
             </a:pPr>
-            <a:r>
-              <a:rPr lang="en-US" sz="2800" b="1" i="0" u="none" strike="noStrike" cap="none" dirty="0">
-                <a:solidFill>
-                  <a:srgbClr val="00FF00"/>
-                </a:solidFill>
-                <a:latin typeface="Courier New"/>
-                <a:ea typeface="Courier New"/>
-                <a:cs typeface="Courier New"/>
-                <a:sym typeface="Courier New"/>
-              </a:rPr>
-              <a:t>for word in words:</a:t>
-            </a:r>
-          </a:p>
-          <a:p>
-            <a:pPr marL="0" marR="0" lvl="0" indent="0" algn="l" rtl="0">
-              <a:lnSpc>
-                <a:spcPct val="100000"/>
-              </a:lnSpc>
-              <a:spcBef>
-                <a:spcPts val="0"/>
-              </a:spcBef>
-              <a:spcAft>
-                <a:spcPts val="0"/>
-              </a:spcAft>
-              <a:buClr>
-                <a:srgbClr val="00FF00"/>
-              </a:buClr>
-              <a:buSzPct val="25000"/>
-              <a:buFont typeface="Cabin"/>
-              <a:buNone/>
-            </a:pPr>
-            <a:r>
-              <a:rPr lang="en-US" sz="2800" b="1" i="0" u="none" strike="noStrike" cap="none" dirty="0">
-                <a:solidFill>
-                  <a:srgbClr val="00FF00"/>
-                </a:solidFill>
-                <a:latin typeface="Courier New"/>
-                <a:ea typeface="Courier New"/>
-                <a:cs typeface="Courier New"/>
-                <a:sym typeface="Courier New"/>
-              </a:rPr>
-              <a:t>   counts[word] = </a:t>
-            </a:r>
-            <a:r>
-              <a:rPr lang="en-US" sz="2800" b="1" i="0" u="none" strike="noStrike" cap="none" dirty="0" err="1">
-                <a:solidFill>
-                  <a:srgbClr val="00FF00"/>
-                </a:solidFill>
-                <a:latin typeface="Courier New"/>
-                <a:ea typeface="Courier New"/>
-                <a:cs typeface="Courier New"/>
-                <a:sym typeface="Courier New"/>
-              </a:rPr>
-              <a:t>counts.get</a:t>
-            </a:r>
-            <a:r>
-              <a:rPr lang="en-US" sz="2800" b="1" i="0" u="none" strike="noStrike" cap="none" dirty="0">
-                <a:solidFill>
-                  <a:srgbClr val="00FF00"/>
-                </a:solidFill>
-                <a:latin typeface="Courier New"/>
-                <a:ea typeface="Courier New"/>
-                <a:cs typeface="Courier New"/>
-                <a:sym typeface="Courier New"/>
-              </a:rPr>
-              <a:t>(word,0) + 1</a:t>
-            </a:r>
-          </a:p>
-          <a:p>
-            <a:pPr marL="0" marR="0" lvl="0" indent="0" algn="l" rtl="0">
-              <a:lnSpc>
-                <a:spcPct val="100000"/>
-              </a:lnSpc>
-              <a:spcBef>
-                <a:spcPts val="0"/>
-              </a:spcBef>
-              <a:spcAft>
-                <a:spcPts val="0"/>
-              </a:spcAft>
-              <a:buClr>
-                <a:srgbClr val="00FF00"/>
-              </a:buClr>
-              <a:buSzPct val="25000"/>
-              <a:buFont typeface="Cabin"/>
-              <a:buNone/>
-            </a:pPr>
-            <a:r>
-              <a:rPr lang="en-US" sz="2800" b="1" i="0" u="none" strike="noStrike" cap="none" dirty="0" err="1">
-                <a:solidFill>
-                  <a:srgbClr val="FFFF00"/>
-                </a:solidFill>
-                <a:latin typeface="Courier New"/>
-                <a:ea typeface="Courier New"/>
-                <a:cs typeface="Courier New"/>
-                <a:sym typeface="Courier New"/>
-              </a:rPr>
-              <a:t>bigcount</a:t>
-            </a:r>
-            <a:r>
-              <a:rPr lang="en-US" sz="2800" b="1" i="0" u="none" strike="noStrike" cap="none" dirty="0">
-                <a:solidFill>
-                  <a:srgbClr val="FFFF00"/>
-                </a:solidFill>
-                <a:latin typeface="Courier New"/>
-                <a:ea typeface="Courier New"/>
-                <a:cs typeface="Courier New"/>
-                <a:sym typeface="Courier New"/>
-              </a:rPr>
-              <a:t> = None</a:t>
-            </a:r>
-          </a:p>
-          <a:p>
-            <a:pPr marL="0" marR="0" lvl="0" indent="0" algn="l" rtl="0">
-              <a:lnSpc>
-                <a:spcPct val="100000"/>
-              </a:lnSpc>
-              <a:spcBef>
-                <a:spcPts val="0"/>
-              </a:spcBef>
-              <a:spcAft>
-                <a:spcPts val="0"/>
-              </a:spcAft>
-              <a:buClr>
-                <a:srgbClr val="00FF00"/>
-              </a:buClr>
-              <a:buSzPct val="25000"/>
-              <a:buFont typeface="Cabin"/>
-              <a:buNone/>
-            </a:pPr>
-            <a:r>
-              <a:rPr lang="en-US" sz="2800" b="1" i="0" u="none" strike="noStrike" cap="none" dirty="0" err="1">
-                <a:solidFill>
-                  <a:srgbClr val="FFFF00"/>
-                </a:solidFill>
-                <a:latin typeface="Courier New"/>
-                <a:ea typeface="Courier New"/>
-                <a:cs typeface="Courier New"/>
-                <a:sym typeface="Courier New"/>
-              </a:rPr>
-              <a:t>bigword</a:t>
-            </a:r>
-            <a:r>
-              <a:rPr lang="en-US" sz="2800" b="1" i="0" u="none" strike="noStrike" cap="none" dirty="0">
-                <a:solidFill>
-                  <a:srgbClr val="FFFF00"/>
-                </a:solidFill>
-                <a:latin typeface="Courier New"/>
-                <a:ea typeface="Courier New"/>
-                <a:cs typeface="Courier New"/>
-                <a:sym typeface="Courier New"/>
-              </a:rPr>
-              <a:t> = None</a:t>
-            </a:r>
-          </a:p>
-          <a:p>
-            <a:pPr marL="0" marR="0" lvl="0" indent="0" algn="ctr" rtl="0">
-              <a:lnSpc>
-                <a:spcPct val="100000"/>
-              </a:lnSpc>
-              <a:spcBef>
-                <a:spcPts val="0"/>
-              </a:spcBef>
-              <a:spcAft>
-                <a:spcPts val="0"/>
-              </a:spcAft>
-              <a:buNone/>
-            </a:pPr>
-            <a:endParaRPr sz="2800" b="1" i="0" u="none" strike="noStrike" cap="none" dirty="0">
+            <a:endParaRPr lang="en-US" sz="2800" b="1" i="0" u="none" strike="noStrike" cap="none" dirty="0">
               <a:solidFill>
                 <a:srgbClr val="00FF00"/>
               </a:solidFill>
@@ -30072,7 +29356,93 @@
               <a:buNone/>
             </a:pPr>
             <a:r>
+              <a:rPr lang="en-US" sz="2800" b="1" i="0" u="none" strike="noStrike" cap="none" dirty="0" err="1">
+                <a:solidFill>
+                  <a:srgbClr val="FFFF00"/>
+                </a:solidFill>
+                <a:latin typeface="Courier New"/>
+                <a:ea typeface="Courier New"/>
+                <a:cs typeface="Courier New"/>
+                <a:sym typeface="Courier New"/>
+              </a:rPr>
+              <a:t>bigcount</a:t>
+            </a:r>
+            <a:r>
               <a:rPr lang="en-US" sz="2800" b="1" i="0" u="none" strike="noStrike" cap="none" dirty="0">
+                <a:solidFill>
+                  <a:srgbClr val="FFFF00"/>
+                </a:solidFill>
+                <a:latin typeface="Courier New"/>
+                <a:ea typeface="Courier New"/>
+                <a:cs typeface="Courier New"/>
+                <a:sym typeface="Courier New"/>
+              </a:rPr>
+              <a:t> = None</a:t>
+            </a:r>
+          </a:p>
+          <a:p>
+            <a:pPr marL="0" marR="0" lvl="0" indent="0" algn="l" rtl="0">
+              <a:lnSpc>
+                <a:spcPct val="100000"/>
+              </a:lnSpc>
+              <a:spcBef>
+                <a:spcPts val="0"/>
+              </a:spcBef>
+              <a:spcAft>
+                <a:spcPts val="0"/>
+              </a:spcAft>
+              <a:buClr>
+                <a:srgbClr val="00FF00"/>
+              </a:buClr>
+              <a:buSzPct val="25000"/>
+              <a:buFont typeface="Cabin"/>
+              <a:buNone/>
+            </a:pPr>
+            <a:r>
+              <a:rPr lang="en-US" sz="2800" b="1" i="0" u="none" strike="noStrike" cap="none" dirty="0" err="1">
+                <a:solidFill>
+                  <a:srgbClr val="FFFF00"/>
+                </a:solidFill>
+                <a:latin typeface="Courier New"/>
+                <a:ea typeface="Courier New"/>
+                <a:cs typeface="Courier New"/>
+                <a:sym typeface="Courier New"/>
+              </a:rPr>
+              <a:t>bigword</a:t>
+            </a:r>
+            <a:r>
+              <a:rPr lang="en-US" sz="2800" b="1" i="0" u="none" strike="noStrike" cap="none" dirty="0">
+                <a:solidFill>
+                  <a:srgbClr val="FFFF00"/>
+                </a:solidFill>
+                <a:latin typeface="Courier New"/>
+                <a:ea typeface="Courier New"/>
+                <a:cs typeface="Courier New"/>
+                <a:sym typeface="Courier New"/>
+              </a:rPr>
+              <a:t> = None</a:t>
+            </a:r>
+          </a:p>
+          <a:p>
+            <a:pPr marL="0" marR="0" lvl="0" indent="0" algn="l" rtl="0">
+              <a:lnSpc>
+                <a:spcPct val="100000"/>
+              </a:lnSpc>
+              <a:spcBef>
+                <a:spcPts val="0"/>
+              </a:spcBef>
+              <a:spcAft>
+                <a:spcPts val="0"/>
+              </a:spcAft>
+              <a:buClr>
+                <a:srgbClr val="00FF00"/>
+              </a:buClr>
+              <a:buSzPct val="25000"/>
+              <a:buFont typeface="Cabin"/>
+              <a:buNone/>
+            </a:pPr>
+            <a:r>
+              <a:rPr lang="en-US" sz="2800" b="1" i="0" u="none" strike="noStrike" cap="none" dirty="0" smtClean="0">
                 <a:solidFill>
                   <a:srgbClr val="00FF00"/>
                 </a:solidFill>
@@ -30511,9 +29881,9 @@
               <a:buNone/>
             </a:pPr>
             <a:r>
-              <a:rPr lang="en-US" sz="3000">
-                <a:solidFill>
-                  <a:srgbClr val="00FF00"/>
+              <a:rPr lang="en-US" sz="3000" dirty="0">
+                <a:solidFill>
+                  <a:srgbClr val="FFFF00"/>
                 </a:solidFill>
                 <a:latin typeface="Arial" charset="0"/>
                 <a:ea typeface="Arial" charset="0"/>
@@ -30540,7 +29910,7 @@
               <a:buFont typeface="Cabin"/>
               <a:buNone/>
             </a:pPr>
-            <a:endParaRPr sz="3000">
+            <a:endParaRPr sz="3000" dirty="0">
               <a:solidFill>
                 <a:srgbClr val="00FF00"/>
               </a:solidFill>
@@ -30569,7 +29939,7 @@
               <a:buNone/>
             </a:pPr>
             <a:r>
-              <a:rPr lang="en-US" sz="3000">
+              <a:rPr lang="en-US" sz="3000" dirty="0">
                 <a:solidFill>
                   <a:srgbClr val="FFFFFF"/>
                 </a:solidFill>
@@ -30598,7 +29968,7 @@
               <a:buFont typeface="Cabin"/>
               <a:buNone/>
             </a:pPr>
-            <a:endParaRPr sz="3000">
+            <a:endParaRPr sz="3000" dirty="0">
               <a:solidFill>
                 <a:srgbClr val="00FFFF"/>
               </a:solidFill>
@@ -30627,9 +29997,9 @@
               <a:buNone/>
             </a:pPr>
             <a:r>
-              <a:rPr lang="en-US" sz="3000">
-                <a:solidFill>
-                  <a:srgbClr val="FFFF00"/>
+              <a:rPr lang="en-US" sz="3000" dirty="0">
+                <a:solidFill>
+                  <a:srgbClr val="00FA00"/>
                 </a:solidFill>
                 <a:latin typeface="Arial" charset="0"/>
                 <a:ea typeface="Arial" charset="0"/>
@@ -30656,7 +30026,7 @@
               <a:buFont typeface="Cabin"/>
               <a:buNone/>
             </a:pPr>
-            <a:endParaRPr sz="3000">
+            <a:endParaRPr sz="3000" dirty="0">
               <a:solidFill>
                 <a:srgbClr val="FF00FF"/>
               </a:solidFill>
@@ -30685,7 +30055,7 @@
               <a:buNone/>
             </a:pPr>
             <a:r>
-              <a:rPr lang="en-US" sz="3000">
+              <a:rPr lang="en-US" sz="3000" dirty="0">
                 <a:solidFill>
                   <a:srgbClr val="FF9900"/>
                 </a:solidFill>
@@ -30733,8 +30103,8 @@
         </p:nvCxnSpPr>
         <p:spPr>
           <a:xfrm>
-            <a:off x="9786026" y="4202349"/>
-            <a:ext cx="2373548" cy="972766"/>
+            <a:off x="9753600" y="4318000"/>
+            <a:ext cx="2405974" cy="857115"/>
           </a:xfrm>
           <a:prstGeom prst="straightConnector1">
             <a:avLst/>

--- a/lectures3/Pythonlearn-01-Intro.pptx
+++ b/lectures3/Pythonlearn-01-Intro.pptx
@@ -260,7 +260,7 @@
   </p:defaultTextStyle>
   <p:extLst>
     <p:ext uri="{EFAFB233-063F-42B5-8137-9DF3F51BA10A}">
-      <p15:sldGuideLst xmlns:p15="http://schemas.microsoft.com/office/powerpoint/2012/main"/>
+      <p15:sldGuideLst xmlns="" xmlns:p15="http://schemas.microsoft.com/office/powerpoint/2012/main"/>
     </p:ext>
   </p:extLst>
 </p:presentation>
@@ -7703,7 +7703,7 @@
   <p:timing>
     <p:tnLst>
       <p:par>
-        <p:cTn id="1" dur="indefinite" restart="never" nodeType="tmRoot"/>
+        <p:cTn xmlns:p14="http://schemas.microsoft.com/office/powerpoint/2010/main" id="1" dur="indefinite" restart="never" nodeType="tmRoot"/>
       </p:par>
     </p:tnLst>
   </p:timing>
@@ -8436,7 +8436,7 @@
   <p:timing>
     <p:tnLst>
       <p:par>
-        <p:cTn id="1" dur="indefinite" restart="never" nodeType="tmRoot"/>
+        <p:cTn xmlns:p14="http://schemas.microsoft.com/office/powerpoint/2010/main" id="1" dur="indefinite" restart="never" nodeType="tmRoot"/>
       </p:par>
     </p:tnLst>
   </p:timing>
@@ -8968,7 +8968,7 @@
             <a:r>
               <a:rPr lang="en-US" sz="2400" u="none" strike="noStrike" cap="none" dirty="0" smtClean="0">
                 <a:solidFill>
-                  <a:schemeClr val="lt1"/>
+                  <a:srgbClr val="00FA00"/>
                 </a:solidFill>
                 <a:latin typeface="Arial" charset="0"/>
                 <a:ea typeface="Arial" charset="0"/>
@@ -8979,7 +8979,7 @@
             </a:r>
             <a:endParaRPr lang="en-US" sz="2400" u="none" strike="noStrike" cap="none" dirty="0">
               <a:solidFill>
-                <a:schemeClr val="lt1"/>
+                <a:srgbClr val="00FA00"/>
               </a:solidFill>
               <a:latin typeface="Arial" charset="0"/>
               <a:ea typeface="Arial" charset="0"/>
@@ -9199,7 +9199,7 @@
   <p:timing>
     <p:tnLst>
       <p:par>
-        <p:cTn id="1" dur="indefinite" restart="never" nodeType="tmRoot"/>
+        <p:cTn xmlns:p14="http://schemas.microsoft.com/office/powerpoint/2010/main" id="1" dur="indefinite" restart="never" nodeType="tmRoot"/>
       </p:par>
     </p:tnLst>
   </p:timing>
@@ -9375,7 +9375,7 @@
         </p:nvSpPr>
         <p:spPr>
           <a:xfrm>
-            <a:off x="369651" y="7665396"/>
+            <a:off x="659936" y="7665396"/>
             <a:ext cx="10437473" cy="338554"/>
           </a:xfrm>
           <a:prstGeom prst="rect">
@@ -9466,7 +9466,7 @@
   <p:timing>
     <p:tnLst>
       <p:par>
-        <p:cTn id="1" dur="indefinite" restart="never" nodeType="tmRoot">
+        <p:cTn xmlns:p14="http://schemas.microsoft.com/office/powerpoint/2010/main" id="1" dur="indefinite" restart="never" nodeType="tmRoot">
           <p:childTnLst>
             <p:seq concurrent="1" nextAc="seek">
               <p:cTn id="2" dur="indefinite" nodeType="mainSeq">
@@ -9840,13 +9840,13 @@
       </p:pic>
       <p:sp>
         <p:nvSpPr>
-          <p:cNvPr id="6" name="TextBox 5"/>
+          <p:cNvPr id="7" name="TextBox 6"/>
           <p:cNvSpPr txBox="1"/>
           <p:nvPr/>
         </p:nvSpPr>
         <p:spPr>
           <a:xfrm>
-            <a:off x="369651" y="7665396"/>
+            <a:off x="659936" y="7665396"/>
             <a:ext cx="10437473" cy="338554"/>
           </a:xfrm>
           <a:prstGeom prst="rect">
@@ -9937,7 +9937,7 @@
   <p:timing>
     <p:tnLst>
       <p:par>
-        <p:cTn id="1" dur="indefinite" restart="never" nodeType="tmRoot">
+        <p:cTn xmlns:p14="http://schemas.microsoft.com/office/powerpoint/2010/main" id="1" dur="indefinite" restart="never" nodeType="tmRoot">
           <p:childTnLst>
             <p:seq concurrent="1" nextAc="seek">
               <p:cTn id="2" dur="indefinite" nodeType="mainSeq">
@@ -10069,7 +10069,7 @@
               <a:buSzPct val="25000"/>
             </a:pPr>
             <a:r>
-              <a:rPr lang="en-US" sz="2800" b="1" dirty="0">
+              <a:rPr lang="en-US" sz="2800" dirty="0">
                 <a:solidFill>
                   <a:srgbClr val="00FF00"/>
                 </a:solidFill>
@@ -10081,7 +10081,7 @@
               <a:t>name = </a:t>
             </a:r>
             <a:r>
-              <a:rPr lang="en-US" sz="2800" b="1" dirty="0" err="1">
+              <a:rPr lang="en-US" sz="2800" dirty="0" err="1">
                 <a:solidFill>
                   <a:srgbClr val="00FF00"/>
                 </a:solidFill>
@@ -10093,7 +10093,7 @@
               <a:t>raw_input</a:t>
             </a:r>
             <a:r>
-              <a:rPr lang="en-US" sz="2800" b="1" dirty="0">
+              <a:rPr lang="en-US" sz="2800" dirty="0">
                 <a:solidFill>
                   <a:srgbClr val="00FF00"/>
                 </a:solidFill>
@@ -10113,7 +10113,7 @@
               <a:buSzPct val="25000"/>
             </a:pPr>
             <a:r>
-              <a:rPr lang="en-US" sz="2800" b="1" dirty="0">
+              <a:rPr lang="en-US" sz="2800" dirty="0">
                 <a:solidFill>
                   <a:srgbClr val="00FF00"/>
                 </a:solidFill>
@@ -10127,7 +10127,7 @@
           </a:p>
           <a:p>
             <a:pPr lvl="0" algn="ctr"/>
-            <a:endParaRPr lang="en-US" sz="2800" b="1" dirty="0">
+            <a:endParaRPr lang="en-US" sz="2800" dirty="0">
               <a:solidFill>
                 <a:srgbClr val="00FF00"/>
               </a:solidFill>
@@ -10145,7 +10145,7 @@
               <a:buSzPct val="25000"/>
             </a:pPr>
             <a:r>
-              <a:rPr lang="en-US" sz="2800" b="1" dirty="0">
+              <a:rPr lang="en-US" sz="2800" dirty="0">
                 <a:solidFill>
                   <a:srgbClr val="FF00FF"/>
                 </a:solidFill>
@@ -10157,7 +10157,7 @@
               <a:t>counts = </a:t>
             </a:r>
             <a:r>
-              <a:rPr lang="en-US" sz="2800" b="1" dirty="0" err="1">
+              <a:rPr lang="en-US" sz="2800" dirty="0" err="1">
                 <a:solidFill>
                   <a:srgbClr val="FF00FF"/>
                 </a:solidFill>
@@ -10169,7 +10169,7 @@
               <a:t>dict</a:t>
             </a:r>
             <a:r>
-              <a:rPr lang="en-US" sz="2800" b="1" dirty="0">
+              <a:rPr lang="en-US" sz="2800" dirty="0">
                 <a:solidFill>
                   <a:srgbClr val="FF00FF"/>
                 </a:solidFill>
@@ -10189,7 +10189,7 @@
               <a:buSzPct val="25000"/>
             </a:pPr>
             <a:r>
-              <a:rPr lang="en-US" sz="2800" b="1" dirty="0">
+              <a:rPr lang="en-US" sz="2800" dirty="0">
                 <a:solidFill>
                   <a:srgbClr val="FF00FF"/>
                 </a:solidFill>
@@ -10209,7 +10209,7 @@
               <a:buSzPct val="25000"/>
             </a:pPr>
             <a:r>
-              <a:rPr lang="en-US" sz="2800" b="1" dirty="0">
+              <a:rPr lang="en-US" sz="2800" dirty="0">
                 <a:solidFill>
                   <a:srgbClr val="FF00FF"/>
                 </a:solidFill>
@@ -10221,7 +10221,7 @@
               <a:t>    words = </a:t>
             </a:r>
             <a:r>
-              <a:rPr lang="en-US" sz="2800" b="1" dirty="0" err="1">
+              <a:rPr lang="en-US" sz="2800" dirty="0" err="1">
                 <a:solidFill>
                   <a:srgbClr val="FF00FF"/>
                 </a:solidFill>
@@ -10233,7 +10233,7 @@
               <a:t>line.split</a:t>
             </a:r>
             <a:r>
-              <a:rPr lang="en-US" sz="2800" b="1" dirty="0">
+              <a:rPr lang="en-US" sz="2800" dirty="0">
                 <a:solidFill>
                   <a:srgbClr val="FF00FF"/>
                 </a:solidFill>
@@ -10253,7 +10253,7 @@
               <a:buSzPct val="25000"/>
             </a:pPr>
             <a:r>
-              <a:rPr lang="en-US" sz="2800" b="1" dirty="0">
+              <a:rPr lang="en-US" sz="2800" dirty="0">
                 <a:solidFill>
                   <a:srgbClr val="FF00FF"/>
                 </a:solidFill>
@@ -10273,7 +10273,7 @@
               <a:buSzPct val="25000"/>
             </a:pPr>
             <a:r>
-              <a:rPr lang="en-US" sz="2800" b="1" dirty="0">
+              <a:rPr lang="en-US" sz="2800" dirty="0">
                 <a:solidFill>
                   <a:srgbClr val="FF00FF"/>
                 </a:solidFill>
@@ -10285,7 +10285,7 @@
               <a:t>        counts[word] = </a:t>
             </a:r>
             <a:r>
-              <a:rPr lang="en-US" sz="2800" b="1" dirty="0" err="1">
+              <a:rPr lang="en-US" sz="2800" dirty="0" err="1">
                 <a:solidFill>
                   <a:srgbClr val="FF00FF"/>
                 </a:solidFill>
@@ -10297,7 +10297,7 @@
               <a:t>counts.get</a:t>
             </a:r>
             <a:r>
-              <a:rPr lang="en-US" sz="2800" b="1" dirty="0">
+              <a:rPr lang="en-US" sz="2800" dirty="0">
                 <a:solidFill>
                   <a:srgbClr val="FF00FF"/>
                 </a:solidFill>
@@ -10315,7 +10315,7 @@
                 <a:srgbClr val="00FF00"/>
               </a:buClr>
             </a:pPr>
-            <a:endParaRPr lang="en-US" sz="2800" b="1" dirty="0">
+            <a:endParaRPr lang="en-US" sz="2800" dirty="0">
               <a:solidFill>
                 <a:srgbClr val="00FF00"/>
               </a:solidFill>
@@ -10333,7 +10333,7 @@
               <a:buSzPct val="25000"/>
             </a:pPr>
             <a:r>
-              <a:rPr lang="en-US" sz="2800" b="1" dirty="0" err="1">
+              <a:rPr lang="en-US" sz="2800" dirty="0" err="1">
                 <a:solidFill>
                   <a:srgbClr val="00FFFF"/>
                 </a:solidFill>
@@ -10345,7 +10345,7 @@
               <a:t>bigcount</a:t>
             </a:r>
             <a:r>
-              <a:rPr lang="en-US" sz="2800" b="1" dirty="0">
+              <a:rPr lang="en-US" sz="2800" dirty="0">
                 <a:solidFill>
                   <a:srgbClr val="00FFFF"/>
                 </a:solidFill>
@@ -10365,7 +10365,7 @@
               <a:buSzPct val="25000"/>
             </a:pPr>
             <a:r>
-              <a:rPr lang="en-US" sz="2800" b="1" dirty="0" err="1">
+              <a:rPr lang="en-US" sz="2800" dirty="0" err="1">
                 <a:solidFill>
                   <a:srgbClr val="00FFFF"/>
                 </a:solidFill>
@@ -10377,7 +10377,7 @@
               <a:t>bigword</a:t>
             </a:r>
             <a:r>
-              <a:rPr lang="en-US" sz="2800" b="1" dirty="0">
+              <a:rPr lang="en-US" sz="2800" dirty="0">
                 <a:solidFill>
                   <a:srgbClr val="00FFFF"/>
                 </a:solidFill>
@@ -10397,7 +10397,7 @@
               <a:buSzPct val="25000"/>
             </a:pPr>
             <a:r>
-              <a:rPr lang="en-US" sz="2800" b="1" dirty="0">
+              <a:rPr lang="en-US" sz="2800" dirty="0">
                 <a:solidFill>
                   <a:srgbClr val="00FFFF"/>
                 </a:solidFill>
@@ -10409,7 +10409,7 @@
               <a:t>for </a:t>
             </a:r>
             <a:r>
-              <a:rPr lang="en-US" sz="2800" b="1" dirty="0" err="1">
+              <a:rPr lang="en-US" sz="2800" dirty="0" err="1">
                 <a:solidFill>
                   <a:srgbClr val="00FFFF"/>
                 </a:solidFill>
@@ -10421,7 +10421,7 @@
               <a:t>word,count</a:t>
             </a:r>
             <a:r>
-              <a:rPr lang="en-US" sz="2800" b="1" dirty="0">
+              <a:rPr lang="en-US" sz="2800" dirty="0">
                 <a:solidFill>
                   <a:srgbClr val="00FFFF"/>
                 </a:solidFill>
@@ -10433,7 +10433,7 @@
               <a:t> in </a:t>
             </a:r>
             <a:r>
-              <a:rPr lang="en-US" sz="2800" b="1" dirty="0" err="1">
+              <a:rPr lang="en-US" sz="2800" dirty="0" err="1">
                 <a:solidFill>
                   <a:srgbClr val="00FFFF"/>
                 </a:solidFill>
@@ -10445,7 +10445,7 @@
               <a:t>counts.items</a:t>
             </a:r>
             <a:r>
-              <a:rPr lang="en-US" sz="2800" b="1" dirty="0">
+              <a:rPr lang="en-US" sz="2800" dirty="0">
                 <a:solidFill>
                   <a:srgbClr val="00FFFF"/>
                 </a:solidFill>
@@ -10465,7 +10465,7 @@
               <a:buSzPct val="25000"/>
             </a:pPr>
             <a:r>
-              <a:rPr lang="en-US" sz="2800" b="1" dirty="0">
+              <a:rPr lang="en-US" sz="2800" dirty="0">
                 <a:solidFill>
                   <a:srgbClr val="00FFFF"/>
                 </a:solidFill>
@@ -10477,7 +10477,7 @@
               <a:t>    if </a:t>
             </a:r>
             <a:r>
-              <a:rPr lang="en-US" sz="2800" b="1" dirty="0" err="1">
+              <a:rPr lang="en-US" sz="2800" dirty="0" err="1">
                 <a:solidFill>
                   <a:srgbClr val="00FFFF"/>
                 </a:solidFill>
@@ -10489,7 +10489,7 @@
               <a:t>bigcount</a:t>
             </a:r>
             <a:r>
-              <a:rPr lang="en-US" sz="2800" b="1" dirty="0">
+              <a:rPr lang="en-US" sz="2800" dirty="0">
                 <a:solidFill>
                   <a:srgbClr val="00FFFF"/>
                 </a:solidFill>
@@ -10501,7 +10501,7 @@
               <a:t> is None or count &gt; </a:t>
             </a:r>
             <a:r>
-              <a:rPr lang="en-US" sz="2800" b="1" dirty="0" err="1">
+              <a:rPr lang="en-US" sz="2800" dirty="0" err="1">
                 <a:solidFill>
                   <a:srgbClr val="00FFFF"/>
                 </a:solidFill>
@@ -10513,7 +10513,7 @@
               <a:t>bigcount</a:t>
             </a:r>
             <a:r>
-              <a:rPr lang="en-US" sz="2800" b="1" dirty="0">
+              <a:rPr lang="en-US" sz="2800" dirty="0">
                 <a:solidFill>
                   <a:srgbClr val="00FFFF"/>
                 </a:solidFill>
@@ -10533,7 +10533,7 @@
               <a:buSzPct val="25000"/>
             </a:pPr>
             <a:r>
-              <a:rPr lang="en-US" sz="2800" b="1" dirty="0">
+              <a:rPr lang="en-US" sz="2800" dirty="0">
                 <a:solidFill>
                   <a:srgbClr val="00FFFF"/>
                 </a:solidFill>
@@ -10545,7 +10545,7 @@
               <a:t>        </a:t>
             </a:r>
             <a:r>
-              <a:rPr lang="en-US" sz="2800" b="1" dirty="0" err="1">
+              <a:rPr lang="en-US" sz="2800" dirty="0" err="1">
                 <a:solidFill>
                   <a:srgbClr val="00FFFF"/>
                 </a:solidFill>
@@ -10557,7 +10557,7 @@
               <a:t>bigword</a:t>
             </a:r>
             <a:r>
-              <a:rPr lang="en-US" sz="2800" b="1" dirty="0">
+              <a:rPr lang="en-US" sz="2800" dirty="0">
                 <a:solidFill>
                   <a:srgbClr val="00FFFF"/>
                 </a:solidFill>
@@ -10577,7 +10577,7 @@
               <a:buSzPct val="25000"/>
             </a:pPr>
             <a:r>
-              <a:rPr lang="en-US" sz="2800" b="1" dirty="0">
+              <a:rPr lang="en-US" sz="2800" dirty="0">
                 <a:solidFill>
                   <a:srgbClr val="00FFFF"/>
                 </a:solidFill>
@@ -10589,7 +10589,7 @@
               <a:t>        </a:t>
             </a:r>
             <a:r>
-              <a:rPr lang="en-US" sz="2800" b="1" dirty="0" err="1">
+              <a:rPr lang="en-US" sz="2800" dirty="0" err="1">
                 <a:solidFill>
                   <a:srgbClr val="00FFFF"/>
                 </a:solidFill>
@@ -10601,7 +10601,7 @@
               <a:t>bigcount</a:t>
             </a:r>
             <a:r>
-              <a:rPr lang="en-US" sz="2800" b="1" dirty="0">
+              <a:rPr lang="en-US" sz="2800" dirty="0">
                 <a:solidFill>
                   <a:srgbClr val="00FFFF"/>
                 </a:solidFill>
@@ -10619,7 +10619,7 @@
                 <a:srgbClr val="00FF00"/>
               </a:buClr>
             </a:pPr>
-            <a:endParaRPr lang="en-US" sz="2800" b="1" dirty="0">
+            <a:endParaRPr lang="en-US" sz="2800" dirty="0">
               <a:solidFill>
                 <a:srgbClr val="00FF00"/>
               </a:solidFill>
@@ -10637,7 +10637,7 @@
               <a:buSzPct val="25000"/>
             </a:pPr>
             <a:r>
-              <a:rPr lang="en-US" sz="2800" b="1" dirty="0">
+              <a:rPr lang="en-US" sz="2800" dirty="0">
                 <a:solidFill>
                   <a:srgbClr val="FF7F00"/>
                 </a:solidFill>
@@ -10649,7 +10649,7 @@
               <a:t>print(</a:t>
             </a:r>
             <a:r>
-              <a:rPr lang="en-US" sz="2800" b="1" dirty="0" err="1">
+              <a:rPr lang="en-US" sz="2800" dirty="0" err="1">
                 <a:solidFill>
                   <a:srgbClr val="FF7F00"/>
                 </a:solidFill>
@@ -10661,7 +10661,7 @@
               <a:t>bigword</a:t>
             </a:r>
             <a:r>
-              <a:rPr lang="en-US" sz="2800" b="1" dirty="0">
+              <a:rPr lang="en-US" sz="2800" dirty="0">
                 <a:solidFill>
                   <a:srgbClr val="FF7F00"/>
                 </a:solidFill>
@@ -10673,7 +10673,7 @@
               <a:t>, </a:t>
             </a:r>
             <a:r>
-              <a:rPr lang="en-US" sz="2800" b="1" dirty="0" err="1">
+              <a:rPr lang="en-US" sz="2800" dirty="0" err="1">
                 <a:solidFill>
                   <a:srgbClr val="FF7F00"/>
                 </a:solidFill>
@@ -10685,7 +10685,7 @@
               <a:t>bigcount</a:t>
             </a:r>
             <a:r>
-              <a:rPr lang="en-US" sz="2800" b="1" dirty="0">
+              <a:rPr lang="en-US" sz="2800" dirty="0">
                 <a:solidFill>
                   <a:srgbClr val="FF7F00"/>
                 </a:solidFill>
@@ -10696,15 +10696,6 @@
               </a:rPr>
               <a:t>)</a:t>
             </a:r>
-            <a:endParaRPr lang="en-US" sz="2800" b="1" dirty="0">
-              <a:solidFill>
-                <a:srgbClr val="FF7F00"/>
-              </a:solidFill>
-              <a:latin typeface="Courier New"/>
-              <a:ea typeface="Courier New"/>
-              <a:cs typeface="Courier New"/>
-              <a:sym typeface="Courier New"/>
-            </a:endParaRPr>
           </a:p>
         </p:txBody>
       </p:sp>
@@ -11062,7 +11053,7 @@
   <p:timing>
     <p:tnLst>
       <p:par>
-        <p:cTn id="1" dur="indefinite" restart="never" nodeType="tmRoot"/>
+        <p:cTn xmlns:p14="http://schemas.microsoft.com/office/powerpoint/2010/main" id="1" dur="indefinite" restart="never" nodeType="tmRoot"/>
       </p:par>
     </p:tnLst>
   </p:timing>
@@ -11143,25 +11134,6 @@
           </a:p>
         </p:txBody>
       </p:sp>
-      <p:sp>
-        <p:nvSpPr>
-          <p:cNvPr id="3" name="Text Placeholder 2"/>
-          <p:cNvSpPr>
-            <a:spLocks noGrp="1"/>
-          </p:cNvSpPr>
-          <p:nvPr>
-            <p:ph type="body" idx="1"/>
-          </p:nvPr>
-        </p:nvSpPr>
-        <p:spPr/>
-        <p:txBody>
-          <a:bodyPr/>
-          <a:lstStyle/>
-          <a:p>
-            <a:endParaRPr lang="en-US"/>
-          </a:p>
-        </p:txBody>
-      </p:sp>
     </p:spTree>
   </p:cSld>
   <p:clrMapOvr>
@@ -11170,7 +11142,7 @@
   <p:timing>
     <p:tnLst>
       <p:par>
-        <p:cTn id="1" dur="indefinite" restart="never" nodeType="tmRoot"/>
+        <p:cTn xmlns:p14="http://schemas.microsoft.com/office/powerpoint/2010/main" id="1" dur="indefinite" restart="never" nodeType="tmRoot"/>
       </p:par>
     </p:tnLst>
   </p:timing>
@@ -11300,7 +11272,7 @@
   <p:timing>
     <p:tnLst>
       <p:par>
-        <p:cTn id="1" dur="indefinite" restart="never" nodeType="tmRoot"/>
+        <p:cTn xmlns:p14="http://schemas.microsoft.com/office/powerpoint/2010/main" id="1" dur="indefinite" restart="never" nodeType="tmRoot"/>
       </p:par>
     </p:tnLst>
   </p:timing>
@@ -12159,7 +12131,7 @@
   <p:timing>
     <p:tnLst>
       <p:par>
-        <p:cTn id="1" dur="indefinite" restart="never" nodeType="tmRoot"/>
+        <p:cTn xmlns:p14="http://schemas.microsoft.com/office/powerpoint/2010/main" id="1" dur="indefinite" restart="never" nodeType="tmRoot"/>
       </p:par>
     </p:tnLst>
   </p:timing>
@@ -12283,7 +12255,7 @@
               <a:buChar char="•"/>
             </a:pPr>
             <a:r>
-              <a:rPr lang="en-US" sz="3000" u="none" strike="noStrike" cap="none">
+              <a:rPr lang="en-US" sz="3000" u="none" strike="noStrike" cap="none" dirty="0">
                 <a:solidFill>
                   <a:srgbClr val="FFFF00"/>
                 </a:solidFill>
@@ -12295,7 +12267,7 @@
               <a:t>Central Processing Unit:</a:t>
             </a:r>
             <a:r>
-              <a:rPr lang="en-US" sz="3000" u="none" strike="noStrike" cap="none">
+              <a:rPr lang="en-US" sz="3000" u="none" strike="noStrike" cap="none" dirty="0">
                 <a:solidFill>
                   <a:srgbClr val="FFFFFF"/>
                 </a:solidFill>
@@ -12307,7 +12279,7 @@
               <a:t>  Runs the Program - The CPU is </a:t>
             </a:r>
             <a:br>
-              <a:rPr lang="en-US" sz="3000" u="none" strike="noStrike" cap="none">
+              <a:rPr lang="en-US" sz="3000" u="none" strike="noStrike" cap="none" dirty="0">
                 <a:solidFill>
                   <a:srgbClr val="FFFFFF"/>
                 </a:solidFill>
@@ -12318,7 +12290,7 @@
               </a:rPr>
             </a:br>
             <a:r>
-              <a:rPr lang="en-US" sz="3000" u="none" strike="noStrike" cap="none">
+              <a:rPr lang="en-US" sz="3000" u="none" strike="noStrike" cap="none" dirty="0">
                 <a:solidFill>
                   <a:srgbClr val="FFFFFF"/>
                 </a:solidFill>
@@ -12330,7 +12302,7 @@
               <a:t>always wondering </a:t>
             </a:r>
             <a:r>
-              <a:rPr lang="en-US" sz="3000" b="0" i="0" u="none" strike="noStrike" cap="none">
+              <a:rPr lang="en-US" sz="3000" b="0" i="0" u="none" strike="noStrike" cap="none" dirty="0">
                 <a:solidFill>
                   <a:srgbClr val="FFFFFF"/>
                 </a:solidFill>
@@ -12342,7 +12314,7 @@
               <a:t>“</a:t>
             </a:r>
             <a:r>
-              <a:rPr lang="en-US" sz="3000" u="none" strike="noStrike" cap="none">
+              <a:rPr lang="en-US" sz="3000" u="none" strike="noStrike" cap="none" dirty="0">
                 <a:solidFill>
                   <a:srgbClr val="FFFFFF"/>
                 </a:solidFill>
@@ -12354,7 +12326,7 @@
               <a:t>what to do next</a:t>
             </a:r>
             <a:r>
-              <a:rPr lang="en-US" sz="3000" b="0" i="0" u="none" strike="noStrike" cap="none">
+              <a:rPr lang="en-US" sz="3000" b="0" i="0" u="none" strike="noStrike" cap="none" dirty="0" smtClean="0">
                 <a:solidFill>
                   <a:srgbClr val="FFFFFF"/>
                 </a:solidFill>
@@ -12366,7 +12338,7 @@
               <a:t>”</a:t>
             </a:r>
             <a:r>
-              <a:rPr lang="en-US" sz="3000" u="none" strike="noStrike" cap="none">
+              <a:rPr lang="en-US" sz="3000" dirty="0">
                 <a:solidFill>
                   <a:srgbClr val="FFFFFF"/>
                 </a:solidFill>
@@ -12375,10 +12347,34 @@
                 <a:cs typeface="Arial" charset="0"/>
                 <a:sym typeface="Cabin"/>
               </a:rPr>
-              <a:t>?  Not the brains </a:t>
+              <a:t>.</a:t>
+            </a:r>
+            <a:r>
+              <a:rPr lang="en-US" sz="3000" u="none" strike="noStrike" cap="none" dirty="0" smtClean="0">
+                <a:solidFill>
+                  <a:srgbClr val="FFFFFF"/>
+                </a:solidFill>
+                <a:latin typeface="Arial" charset="0"/>
+                <a:ea typeface="Arial" charset="0"/>
+                <a:cs typeface="Arial" charset="0"/>
+                <a:sym typeface="Cabin"/>
+              </a:rPr>
+              <a:t>  </a:t>
+            </a:r>
+            <a:r>
+              <a:rPr lang="en-US" sz="3000" u="none" strike="noStrike" cap="none" dirty="0">
+                <a:solidFill>
+                  <a:srgbClr val="FFFFFF"/>
+                </a:solidFill>
+                <a:latin typeface="Arial" charset="0"/>
+                <a:ea typeface="Arial" charset="0"/>
+                <a:cs typeface="Arial" charset="0"/>
+                <a:sym typeface="Cabin"/>
+              </a:rPr>
+              <a:t>Not the brains </a:t>
             </a:r>
             <a:br>
-              <a:rPr lang="en-US" sz="3000" u="none" strike="noStrike" cap="none">
+              <a:rPr lang="en-US" sz="3000" u="none" strike="noStrike" cap="none" dirty="0">
                 <a:solidFill>
                   <a:srgbClr val="FFFFFF"/>
                 </a:solidFill>
@@ -12389,7 +12385,7 @@
               </a:rPr>
             </a:br>
             <a:r>
-              <a:rPr lang="en-US" sz="3000" u="none" strike="noStrike" cap="none">
+              <a:rPr lang="en-US" sz="3000" u="none" strike="noStrike" cap="none" dirty="0">
                 <a:solidFill>
                   <a:srgbClr val="FFFFFF"/>
                 </a:solidFill>
@@ -12420,7 +12416,7 @@
               <a:buChar char="•"/>
             </a:pPr>
             <a:r>
-              <a:rPr lang="en-US" sz="3000" u="none" strike="noStrike" cap="none">
+              <a:rPr lang="en-US" sz="3000" u="none" strike="noStrike" cap="none" dirty="0">
                 <a:solidFill>
                   <a:srgbClr val="FFFF00"/>
                 </a:solidFill>
@@ -12432,7 +12428,7 @@
               <a:t>Input Devices:</a:t>
             </a:r>
             <a:r>
-              <a:rPr lang="en-US" sz="3000" u="none" strike="noStrike" cap="none">
+              <a:rPr lang="en-US" sz="3000" u="none" strike="noStrike" cap="none" dirty="0">
                 <a:solidFill>
                   <a:srgbClr val="FFFFFF"/>
                 </a:solidFill>
@@ -12463,7 +12459,7 @@
               <a:buChar char="•"/>
             </a:pPr>
             <a:r>
-              <a:rPr lang="en-US" sz="3000" u="none" strike="noStrike" cap="none">
+              <a:rPr lang="en-US" sz="3000" u="none" strike="noStrike" cap="none" dirty="0">
                 <a:solidFill>
                   <a:srgbClr val="FFFF00"/>
                 </a:solidFill>
@@ -12475,7 +12471,7 @@
               <a:t>Output Devices: </a:t>
             </a:r>
             <a:r>
-              <a:rPr lang="en-US" sz="3000" u="none" strike="noStrike" cap="none">
+              <a:rPr lang="en-US" sz="3000" u="none" strike="noStrike" cap="none" dirty="0">
                 <a:solidFill>
                   <a:srgbClr val="FFFFFF"/>
                 </a:solidFill>
@@ -12506,7 +12502,7 @@
               <a:buChar char="•"/>
             </a:pPr>
             <a:r>
-              <a:rPr lang="en-US" sz="3000" u="none" strike="noStrike" cap="none">
+              <a:rPr lang="en-US" sz="3000" u="none" strike="noStrike" cap="none" dirty="0">
                 <a:solidFill>
                   <a:srgbClr val="FFFF00"/>
                 </a:solidFill>
@@ -12518,7 +12514,7 @@
               <a:t>Main Memory: </a:t>
             </a:r>
             <a:r>
-              <a:rPr lang="en-US" sz="3000" u="none" strike="noStrike" cap="none">
+              <a:rPr lang="en-US" sz="3000" u="none" strike="noStrike" cap="none" dirty="0">
                 <a:solidFill>
                   <a:srgbClr val="FFFFFF"/>
                 </a:solidFill>
@@ -12549,7 +12545,7 @@
               <a:buChar char="•"/>
             </a:pPr>
             <a:r>
-              <a:rPr lang="en-US" sz="3000" u="none" strike="noStrike" cap="none">
+              <a:rPr lang="en-US" sz="3000" u="none" strike="noStrike" cap="none" dirty="0">
                 <a:solidFill>
                   <a:srgbClr val="FFFF00"/>
                 </a:solidFill>
@@ -12561,7 +12557,7 @@
               <a:t>Secondary Memory:</a:t>
             </a:r>
             <a:r>
-              <a:rPr lang="en-US" sz="3000" u="none" strike="noStrike" cap="none">
+              <a:rPr lang="en-US" sz="3000" u="none" strike="noStrike" cap="none" dirty="0">
                 <a:solidFill>
                   <a:srgbClr val="FFFFFF"/>
                 </a:solidFill>
@@ -12706,7 +12702,7 @@
   <p:timing>
     <p:tnLst>
       <p:par>
-        <p:cTn id="1" dur="indefinite" restart="never" nodeType="tmRoot"/>
+        <p:cTn xmlns:p14="http://schemas.microsoft.com/office/powerpoint/2010/main" id="1" dur="indefinite" restart="never" nodeType="tmRoot"/>
       </p:par>
     </p:tnLst>
   </p:timing>
@@ -13628,7 +13624,7 @@
               <a:buNone/>
             </a:pPr>
             <a:r>
-              <a:rPr lang="en-US" sz="2600" u="none" strike="noStrike" cap="none">
+              <a:rPr lang="en-US" sz="2600" u="none" strike="noStrike" cap="none" dirty="0">
                 <a:solidFill>
                   <a:srgbClr val="00FF00"/>
                 </a:solidFill>
@@ -13650,7 +13646,7 @@
   <p:timing>
     <p:tnLst>
       <p:par>
-        <p:cTn id="1" dur="indefinite" restart="never" nodeType="tmRoot"/>
+        <p:cTn xmlns:p14="http://schemas.microsoft.com/office/powerpoint/2010/main" id="1" dur="indefinite" restart="never" nodeType="tmRoot"/>
       </p:par>
     </p:tnLst>
   </p:timing>
@@ -13849,7 +13845,31 @@
                 <a:cs typeface="Arial" charset="0"/>
                 <a:sym typeface="Cabin"/>
               </a:rPr>
-              <a:t>Users have it easy - someone already put many different programs (instructions) into the computer and users just pick the ones we want to use</a:t>
+              <a:t>Users have it easy - someone already put many different programs (instructions) into the computer and users just pick the ones </a:t>
+            </a:r>
+            <a:r>
+              <a:rPr lang="en-US" sz="3200" u="none" strike="noStrike" cap="none" dirty="0" smtClean="0">
+                <a:solidFill>
+                  <a:schemeClr val="lt1"/>
+                </a:solidFill>
+                <a:latin typeface="Arial" charset="0"/>
+                <a:ea typeface="Arial" charset="0"/>
+                <a:cs typeface="Arial" charset="0"/>
+                <a:sym typeface="Cabin"/>
+              </a:rPr>
+              <a:t>they </a:t>
+            </a:r>
+            <a:r>
+              <a:rPr lang="en-US" sz="3200" u="none" strike="noStrike" cap="none" dirty="0">
+                <a:solidFill>
+                  <a:schemeClr val="lt1"/>
+                </a:solidFill>
+                <a:latin typeface="Arial" charset="0"/>
+                <a:ea typeface="Arial" charset="0"/>
+                <a:cs typeface="Arial" charset="0"/>
+                <a:sym typeface="Cabin"/>
+              </a:rPr>
+              <a:t>want to use</a:t>
             </a:r>
           </a:p>
         </p:txBody>
@@ -14632,7 +14652,7 @@
   <p:timing>
     <p:tnLst>
       <p:par>
-        <p:cTn id="1" dur="indefinite" restart="never" nodeType="tmRoot"/>
+        <p:cTn xmlns:p14="http://schemas.microsoft.com/office/powerpoint/2010/main" id="1" dur="indefinite" restart="never" nodeType="tmRoot"/>
       </p:par>
     </p:tnLst>
   </p:timing>
@@ -15700,7 +15720,7 @@
   <p:timing>
     <p:tnLst>
       <p:par>
-        <p:cTn id="1" dur="indefinite" restart="never" nodeType="tmRoot"/>
+        <p:cTn xmlns:p14="http://schemas.microsoft.com/office/powerpoint/2010/main" id="1" dur="indefinite" restart="never" nodeType="tmRoot"/>
       </p:par>
     </p:tnLst>
   </p:timing>
@@ -15970,7 +15990,7 @@
   <p:timing>
     <p:tnLst>
       <p:par>
-        <p:cTn id="1" dur="indefinite" restart="never" nodeType="tmRoot"/>
+        <p:cTn xmlns:p14="http://schemas.microsoft.com/office/powerpoint/2010/main" id="1" dur="indefinite" restart="never" nodeType="tmRoot"/>
       </p:par>
     </p:tnLst>
   </p:timing>
@@ -16144,7 +16164,7 @@
   <p:timing>
     <p:tnLst>
       <p:par>
-        <p:cTn id="1" dur="indefinite" restart="never" nodeType="tmRoot"/>
+        <p:cTn xmlns:p14="http://schemas.microsoft.com/office/powerpoint/2010/main" id="1" dur="indefinite" restart="never" nodeType="tmRoot"/>
       </p:par>
     </p:tnLst>
   </p:timing>
@@ -16225,25 +16245,6 @@
           </a:p>
         </p:txBody>
       </p:sp>
-      <p:sp>
-        <p:nvSpPr>
-          <p:cNvPr id="3" name="Text Placeholder 2"/>
-          <p:cNvSpPr>
-            <a:spLocks noGrp="1"/>
-          </p:cNvSpPr>
-          <p:nvPr>
-            <p:ph type="body" idx="1"/>
-          </p:nvPr>
-        </p:nvSpPr>
-        <p:spPr/>
-        <p:txBody>
-          <a:bodyPr/>
-          <a:lstStyle/>
-          <a:p>
-            <a:endParaRPr lang="en-US"/>
-          </a:p>
-        </p:txBody>
-      </p:sp>
     </p:spTree>
   </p:cSld>
   <p:clrMapOvr>
@@ -16252,7 +16253,7 @@
   <p:timing>
     <p:tnLst>
       <p:par>
-        <p:cTn id="1" dur="indefinite" restart="never" nodeType="tmRoot"/>
+        <p:cTn xmlns:p14="http://schemas.microsoft.com/office/powerpoint/2010/main" id="1" dur="indefinite" restart="never" nodeType="tmRoot"/>
       </p:par>
     </p:tnLst>
   </p:timing>
@@ -16377,7 +16378,7 @@
               <a:buNone/>
             </a:pPr>
             <a:r>
-              <a:rPr lang="en-US" sz="4200" u="none" strike="noStrike" cap="none">
+              <a:rPr lang="en-US" sz="4200" u="none" strike="noStrike" cap="none" dirty="0" err="1">
                 <a:solidFill>
                   <a:srgbClr val="FFFF00"/>
                 </a:solidFill>
@@ -16386,10 +16387,22 @@
                 <a:cs typeface="Arial" charset="0"/>
                 <a:sym typeface="Cabin"/>
               </a:rPr>
-              <a:t>Parseltongue </a:t>
-            </a:r>
-            <a:r>
-              <a:rPr lang="en-US" sz="4200" u="none" strike="noStrike" cap="none">
+              <a:t>Parseltongue</a:t>
+            </a:r>
+            <a:r>
+              <a:rPr lang="en-US" sz="4200" u="none" strike="noStrike" cap="none" dirty="0">
+                <a:solidFill>
+                  <a:srgbClr val="FFFF00"/>
+                </a:solidFill>
+                <a:latin typeface="Arial" charset="0"/>
+                <a:ea typeface="Arial" charset="0"/>
+                <a:cs typeface="Arial" charset="0"/>
+                <a:sym typeface="Cabin"/>
+              </a:rPr>
+              <a:t> </a:t>
+            </a:r>
+            <a:r>
+              <a:rPr lang="en-US" sz="4200" u="none" strike="noStrike" cap="none" dirty="0">
                 <a:solidFill>
                   <a:srgbClr val="FFFFFF"/>
                 </a:solidFill>
@@ -16401,7 +16414,7 @@
               <a:t>is the language of serpents and those who can converse with them.  An individual who can speak </a:t>
             </a:r>
             <a:r>
-              <a:rPr lang="en-US" sz="4200" u="none" strike="noStrike" cap="none">
+              <a:rPr lang="en-US" sz="4200" u="none" strike="noStrike" cap="none" dirty="0" err="1">
                 <a:solidFill>
                   <a:srgbClr val="FFFF00"/>
                 </a:solidFill>
@@ -16410,10 +16423,22 @@
                 <a:cs typeface="Arial" charset="0"/>
                 <a:sym typeface="Cabin"/>
               </a:rPr>
-              <a:t>Parseltongue </a:t>
-            </a:r>
-            <a:r>
-              <a:rPr lang="en-US" sz="4200" u="none" strike="noStrike" cap="none">
+              <a:t>Parseltongue</a:t>
+            </a:r>
+            <a:r>
+              <a:rPr lang="en-US" sz="4200" u="none" strike="noStrike" cap="none" dirty="0">
+                <a:solidFill>
+                  <a:srgbClr val="FFFF00"/>
+                </a:solidFill>
+                <a:latin typeface="Arial" charset="0"/>
+                <a:ea typeface="Arial" charset="0"/>
+                <a:cs typeface="Arial" charset="0"/>
+                <a:sym typeface="Cabin"/>
+              </a:rPr>
+              <a:t> </a:t>
+            </a:r>
+            <a:r>
+              <a:rPr lang="en-US" sz="4200" u="none" strike="noStrike" cap="none" dirty="0">
                 <a:solidFill>
                   <a:srgbClr val="F3F3F3"/>
                 </a:solidFill>
@@ -16425,7 +16450,7 @@
               <a:t>is known as a</a:t>
             </a:r>
             <a:r>
-              <a:rPr lang="en-US" sz="4200" u="none" strike="noStrike" cap="none">
+              <a:rPr lang="en-US" sz="4200" u="none" strike="noStrike" cap="none" dirty="0">
                 <a:solidFill>
                   <a:srgbClr val="FFFF00"/>
                 </a:solidFill>
@@ -16437,7 +16462,7 @@
               <a:t> </a:t>
             </a:r>
             <a:r>
-              <a:rPr lang="en-US" sz="4200" u="none" strike="noStrike" cap="none">
+              <a:rPr lang="en-US" sz="4200" u="none" strike="noStrike" cap="none" dirty="0" err="1">
                 <a:solidFill>
                   <a:srgbClr val="00FF00"/>
                 </a:solidFill>
@@ -16449,7 +16474,7 @@
               <a:t>Parselmouth</a:t>
             </a:r>
             <a:r>
-              <a:rPr lang="en-US" sz="4200" u="none" strike="noStrike" cap="none">
+              <a:rPr lang="en-US" sz="4200" u="none" strike="noStrike" cap="none" dirty="0">
                 <a:solidFill>
                   <a:srgbClr val="FFFFFF"/>
                 </a:solidFill>
@@ -16461,7 +16486,7 @@
               <a:t>. It is a very uncommon skill, and may be hereditary. Nearly all known</a:t>
             </a:r>
             <a:r>
-              <a:rPr lang="en-US" sz="4200" u="none" strike="noStrike" cap="none">
+              <a:rPr lang="en-US" sz="4200" u="none" strike="noStrike" cap="none" dirty="0">
                 <a:solidFill>
                   <a:srgbClr val="FFFF00"/>
                 </a:solidFill>
@@ -16473,7 +16498,7 @@
               <a:t> </a:t>
             </a:r>
             <a:r>
-              <a:rPr lang="en-US" sz="4200" u="none" strike="noStrike" cap="none">
+              <a:rPr lang="en-US" sz="4200" u="none" strike="noStrike" cap="none" dirty="0" err="1">
                 <a:solidFill>
                   <a:srgbClr val="00FF00"/>
                 </a:solidFill>
@@ -16485,7 +16510,7 @@
               <a:t>Parselmouths</a:t>
             </a:r>
             <a:r>
-              <a:rPr lang="en-US" sz="4200" u="none" strike="noStrike" cap="none">
+              <a:rPr lang="en-US" sz="4200" u="none" strike="noStrike" cap="none" dirty="0">
                 <a:solidFill>
                   <a:srgbClr val="FFFFFF"/>
                 </a:solidFill>
@@ -16497,7 +16522,7 @@
               <a:t> are descended from</a:t>
             </a:r>
             <a:r>
-              <a:rPr lang="en-US" sz="4200" u="none" strike="noStrike" cap="none">
+              <a:rPr lang="en-US" sz="4200" u="none" strike="noStrike" cap="none" dirty="0">
                 <a:solidFill>
                   <a:srgbClr val="FFFF00"/>
                 </a:solidFill>
@@ -16509,7 +16534,7 @@
               <a:t> </a:t>
             </a:r>
             <a:r>
-              <a:rPr lang="en-US" sz="4200" u="sng" strike="noStrike" cap="none">
+              <a:rPr lang="en-US" sz="4200" u="sng" strike="noStrike" cap="none" dirty="0">
                 <a:solidFill>
                   <a:srgbClr val="F6B26B"/>
                 </a:solidFill>
@@ -16522,9 +16547,9 @@
               <a:t>Salazar Slytherin</a:t>
             </a:r>
             <a:r>
-              <a:rPr lang="en-US" sz="4200" u="none" strike="noStrike" cap="none">
-                <a:solidFill>
-                  <a:srgbClr val="F6B26B"/>
+              <a:rPr lang="en-US" sz="4200" u="none" strike="noStrike" cap="none" dirty="0">
+                <a:solidFill>
+                  <a:schemeClr val="bg1"/>
                 </a:solidFill>
                 <a:latin typeface="Arial" charset="0"/>
                 <a:ea typeface="Arial" charset="0"/>
@@ -16571,7 +16596,7 @@
   <p:timing>
     <p:tnLst>
       <p:par>
-        <p:cTn id="1" dur="indefinite" restart="never" nodeType="tmRoot"/>
+        <p:cTn xmlns:p14="http://schemas.microsoft.com/office/powerpoint/2010/main" id="1" dur="indefinite" restart="never" nodeType="tmRoot"/>
       </p:par>
     </p:tnLst>
   </p:timing>
@@ -16767,7 +16792,19 @@
                 <a:cs typeface="Arial" charset="0"/>
                 <a:sym typeface="Cabin"/>
               </a:rPr>
-              <a:t>Guido van Rossum.</a:t>
+              <a:t>Guido van Rossum</a:t>
+            </a:r>
+            <a:r>
+              <a:rPr lang="en-US" sz="4200" u="none" strike="noStrike" cap="none" dirty="0">
+                <a:solidFill>
+                  <a:schemeClr val="bg1"/>
+                </a:solidFill>
+                <a:latin typeface="Arial" charset="0"/>
+                <a:ea typeface="Arial" charset="0"/>
+                <a:cs typeface="Arial" charset="0"/>
+                <a:sym typeface="Cabin"/>
+              </a:rPr>
+              <a:t>.</a:t>
             </a:r>
           </a:p>
         </p:txBody>
@@ -16861,7 +16898,7 @@
   <p:timing>
     <p:tnLst>
       <p:par>
-        <p:cTn id="1" dur="indefinite" restart="never" nodeType="tmRoot"/>
+        <p:cTn xmlns:p14="http://schemas.microsoft.com/office/powerpoint/2010/main" id="1" dur="indefinite" restart="never" nodeType="tmRoot"/>
       </p:par>
     </p:tnLst>
   </p:timing>
@@ -17345,7 +17382,7 @@
   <p:timing>
     <p:tnLst>
       <p:par>
-        <p:cTn id="1" dur="indefinite" restart="never" nodeType="tmRoot"/>
+        <p:cTn xmlns:p14="http://schemas.microsoft.com/office/powerpoint/2010/main" id="1" dur="indefinite" restart="never" nodeType="tmRoot"/>
       </p:par>
     </p:tnLst>
   </p:timing>
@@ -17426,25 +17463,6 @@
           </a:p>
         </p:txBody>
       </p:sp>
-      <p:sp>
-        <p:nvSpPr>
-          <p:cNvPr id="3" name="Text Placeholder 2"/>
-          <p:cNvSpPr>
-            <a:spLocks noGrp="1"/>
-          </p:cNvSpPr>
-          <p:nvPr>
-            <p:ph type="body" idx="1"/>
-          </p:nvPr>
-        </p:nvSpPr>
-        <p:spPr/>
-        <p:txBody>
-          <a:bodyPr/>
-          <a:lstStyle/>
-          <a:p>
-            <a:endParaRPr lang="en-US"/>
-          </a:p>
-        </p:txBody>
-      </p:sp>
     </p:spTree>
   </p:cSld>
   <p:clrMapOvr>
@@ -17453,7 +17471,7 @@
   <p:timing>
     <p:tnLst>
       <p:par>
-        <p:cTn id="1" dur="indefinite" restart="never" nodeType="tmRoot"/>
+        <p:cTn xmlns:p14="http://schemas.microsoft.com/office/powerpoint/2010/main" id="1" dur="indefinite" restart="never" nodeType="tmRoot"/>
       </p:par>
     </p:tnLst>
   </p:timing>
@@ -17750,7 +17768,7 @@
   <p:timing>
     <p:tnLst>
       <p:par>
-        <p:cTn id="1" dur="indefinite" restart="never" nodeType="tmRoot"/>
+        <p:cTn xmlns:p14="http://schemas.microsoft.com/office/powerpoint/2010/main" id="1" dur="indefinite" restart="never" nodeType="tmRoot"/>
       </p:par>
     </p:tnLst>
   </p:timing>
@@ -17999,8 +18017,29 @@
                 <a:cs typeface="Arial" charset="0"/>
                 <a:sym typeface="Cabin"/>
               </a:rPr>
-              <a:t>print x</a:t>
-            </a:r>
+              <a:t>print </a:t>
+            </a:r>
+            <a:r>
+              <a:rPr lang="en-US" sz="3600" u="none" strike="noStrike" cap="none" dirty="0" smtClean="0">
+                <a:solidFill>
+                  <a:srgbClr val="FFFF00"/>
+                </a:solidFill>
+                <a:latin typeface="Arial" charset="0"/>
+                <a:ea typeface="Arial" charset="0"/>
+                <a:cs typeface="Arial" charset="0"/>
+                <a:sym typeface="Cabin"/>
+              </a:rPr>
+              <a:t>(x)</a:t>
+            </a:r>
+            <a:endParaRPr lang="en-US" sz="3600" u="none" strike="noStrike" cap="none" dirty="0">
+              <a:solidFill>
+                <a:srgbClr val="FFFF00"/>
+              </a:solidFill>
+              <a:latin typeface="Arial" charset="0"/>
+              <a:ea typeface="Arial" charset="0"/>
+              <a:cs typeface="Arial" charset="0"/>
+              <a:sym typeface="Cabin"/>
+            </a:endParaRPr>
           </a:p>
           <a:p>
             <a:pPr marL="0" marR="0" lvl="0" indent="0" algn="l" rtl="0">
@@ -18128,8 +18167,29 @@
                 <a:cs typeface="Arial" charset="0"/>
                 <a:sym typeface="Cabin"/>
               </a:rPr>
-              <a:t>print x</a:t>
-            </a:r>
+              <a:t>print </a:t>
+            </a:r>
+            <a:r>
+              <a:rPr lang="en-US" sz="3600" u="none" strike="noStrike" cap="none" dirty="0" smtClean="0">
+                <a:solidFill>
+                  <a:srgbClr val="FFFF00"/>
+                </a:solidFill>
+                <a:latin typeface="Arial" charset="0"/>
+                <a:ea typeface="Arial" charset="0"/>
+                <a:cs typeface="Arial" charset="0"/>
+                <a:sym typeface="Cabin"/>
+              </a:rPr>
+              <a:t>(x)</a:t>
+            </a:r>
+            <a:endParaRPr lang="en-US" sz="3600" u="none" strike="noStrike" cap="none" dirty="0">
+              <a:solidFill>
+                <a:srgbClr val="FFFF00"/>
+              </a:solidFill>
+              <a:latin typeface="Arial" charset="0"/>
+              <a:ea typeface="Arial" charset="0"/>
+              <a:cs typeface="Arial" charset="0"/>
+              <a:sym typeface="Cabin"/>
+            </a:endParaRPr>
           </a:p>
           <a:p>
             <a:pPr marL="0" marR="0" lvl="0" indent="0" algn="l" rtl="0">
@@ -18215,7 +18275,7 @@
         </p:nvSpPr>
         <p:spPr>
           <a:xfrm>
-            <a:off x="6284068" y="5516418"/>
+            <a:off x="5618835" y="5505312"/>
             <a:ext cx="9536024" cy="1663800"/>
           </a:xfrm>
           <a:prstGeom prst="rect">
@@ -18250,7 +18310,7 @@
               <a:buNone/>
             </a:pPr>
             <a:r>
-              <a:rPr lang="en-US" sz="3600" u="none" strike="noStrike" cap="none">
+              <a:rPr lang="en-US" sz="3600" u="none" strike="noStrike" cap="none" dirty="0">
                 <a:solidFill>
                   <a:srgbClr val="FFFF00"/>
                 </a:solidFill>
@@ -18259,19 +18319,7 @@
                 <a:cs typeface="Arial" charset="0"/>
                 <a:sym typeface="Cabin"/>
               </a:rPr>
-              <a:t>This is a good test to make sure that you have Python correctly installed.  </a:t>
-            </a:r>
-            <a:r>
-              <a:rPr lang="en-US" sz="3600" u="none" strike="noStrike" cap="none" dirty="0">
-                <a:solidFill>
-                  <a:srgbClr val="FFFF00"/>
-                </a:solidFill>
-                <a:latin typeface="Arial" charset="0"/>
-                <a:ea typeface="Arial" charset="0"/>
-                <a:cs typeface="Arial" charset="0"/>
-                <a:sym typeface="Cabin"/>
-              </a:rPr>
-              <a:t>Note that quit() also works to end the interactive session.</a:t>
+              <a:t>This is a good test to make sure that you have Python correctly installed.  Note that quit() also works to end the interactive session.</a:t>
             </a:r>
           </a:p>
         </p:txBody>
@@ -18284,7 +18332,7 @@
   <p:timing>
     <p:tnLst>
       <p:par>
-        <p:cTn id="1" dur="indefinite" restart="never" nodeType="tmRoot"/>
+        <p:cTn xmlns:p14="http://schemas.microsoft.com/office/powerpoint/2010/main" id="1" dur="indefinite" restart="never" nodeType="tmRoot"/>
       </p:par>
     </p:tnLst>
   </p:timing>
@@ -18319,6 +18367,10 @@
           </p:nvPr>
         </p:nvSpPr>
         <p:spPr>
+          <a:xfrm>
+            <a:off x="812800" y="768096"/>
+            <a:ext cx="12585700" cy="1365504"/>
+          </a:xfrm>
           <a:prstGeom prst="rect">
             <a:avLst/>
           </a:prstGeom>
@@ -18351,7 +18403,7 @@
               <a:buNone/>
             </a:pPr>
             <a:r>
-              <a:rPr lang="en-US" sz="7200" u="none" strike="noStrike" cap="none">
+              <a:rPr lang="en-US" sz="7200" u="none" strike="noStrike" cap="none" dirty="0">
                 <a:solidFill>
                   <a:srgbClr val="FFFF00"/>
                 </a:solidFill>
@@ -19298,7 +19350,7 @@
         <p:spPr>
           <a:xfrm>
             <a:off x="12376150" y="3783012"/>
-            <a:ext cx="609599" cy="3194049"/>
+            <a:ext cx="628650" cy="3290888"/>
           </a:xfrm>
           <a:prstGeom prst="straightConnector1">
             <a:avLst/>
@@ -19323,7 +19375,7 @@
   <p:timing>
     <p:tnLst>
       <p:par>
-        <p:cTn id="1" dur="indefinite" restart="never" nodeType="tmRoot"/>
+        <p:cTn xmlns:p14="http://schemas.microsoft.com/office/powerpoint/2010/main" id="1" dur="indefinite" restart="never" nodeType="tmRoot"/>
       </p:par>
     </p:tnLst>
   </p:timing>
@@ -19452,25 +19504,6 @@
           </a:p>
         </p:txBody>
       </p:sp>
-      <p:sp>
-        <p:nvSpPr>
-          <p:cNvPr id="3" name="Text Placeholder 2"/>
-          <p:cNvSpPr>
-            <a:spLocks noGrp="1"/>
-          </p:cNvSpPr>
-          <p:nvPr>
-            <p:ph type="body" idx="1"/>
-          </p:nvPr>
-        </p:nvSpPr>
-        <p:spPr/>
-        <p:txBody>
-          <a:bodyPr/>
-          <a:lstStyle/>
-          <a:p>
-            <a:endParaRPr lang="en-US"/>
-          </a:p>
-        </p:txBody>
-      </p:sp>
     </p:spTree>
   </p:cSld>
   <p:clrMapOvr>
@@ -19479,7 +19512,7 @@
   <p:timing>
     <p:tnLst>
       <p:par>
-        <p:cTn id="1" dur="indefinite" restart="never" nodeType="tmRoot"/>
+        <p:cTn xmlns:p14="http://schemas.microsoft.com/office/powerpoint/2010/main" id="1" dur="indefinite" restart="never" nodeType="tmRoot"/>
       </p:par>
     </p:tnLst>
   </p:timing>
@@ -19723,7 +19756,7 @@
   <p:timing>
     <p:tnLst>
       <p:par>
-        <p:cTn id="1" dur="indefinite" restart="never" nodeType="tmRoot"/>
+        <p:cTn xmlns:p14="http://schemas.microsoft.com/office/powerpoint/2010/main" id="1" dur="indefinite" restart="never" nodeType="tmRoot"/>
       </p:par>
     </p:tnLst>
   </p:timing>
@@ -19779,7 +19812,7 @@
               <a:buSzPct val="25000"/>
             </a:pPr>
             <a:r>
-              <a:rPr lang="en-US" sz="2800" b="1" dirty="0">
+              <a:rPr lang="en-US" sz="2800" dirty="0">
                 <a:solidFill>
                   <a:srgbClr val="00FF00"/>
                 </a:solidFill>
@@ -19791,7 +19824,7 @@
               <a:t>name = </a:t>
             </a:r>
             <a:r>
-              <a:rPr lang="en-US" sz="2800" b="1" dirty="0" err="1">
+              <a:rPr lang="en-US" sz="2800" dirty="0" err="1">
                 <a:solidFill>
                   <a:srgbClr val="00FF00"/>
                 </a:solidFill>
@@ -19803,7 +19836,7 @@
               <a:t>raw_input</a:t>
             </a:r>
             <a:r>
-              <a:rPr lang="en-US" sz="2800" b="1" dirty="0">
+              <a:rPr lang="en-US" sz="2800" dirty="0">
                 <a:solidFill>
                   <a:srgbClr val="00FF00"/>
                 </a:solidFill>
@@ -19823,7 +19856,7 @@
               <a:buSzPct val="25000"/>
             </a:pPr>
             <a:r>
-              <a:rPr lang="en-US" sz="2800" b="1" dirty="0">
+              <a:rPr lang="en-US" sz="2800" dirty="0">
                 <a:solidFill>
                   <a:srgbClr val="00FF00"/>
                 </a:solidFill>
@@ -19837,7 +19870,7 @@
           </a:p>
           <a:p>
             <a:pPr lvl="0" algn="ctr"/>
-            <a:endParaRPr lang="en-US" sz="2800" b="1" dirty="0">
+            <a:endParaRPr lang="en-US" sz="2800" dirty="0">
               <a:solidFill>
                 <a:srgbClr val="00FF00"/>
               </a:solidFill>
@@ -19855,7 +19888,7 @@
               <a:buSzPct val="25000"/>
             </a:pPr>
             <a:r>
-              <a:rPr lang="en-US" sz="2800" b="1" dirty="0">
+              <a:rPr lang="en-US" sz="2800" dirty="0">
                 <a:solidFill>
                   <a:srgbClr val="FF00FF"/>
                 </a:solidFill>
@@ -19867,7 +19900,7 @@
               <a:t>counts = </a:t>
             </a:r>
             <a:r>
-              <a:rPr lang="en-US" sz="2800" b="1" dirty="0" err="1">
+              <a:rPr lang="en-US" sz="2800" dirty="0" err="1">
                 <a:solidFill>
                   <a:srgbClr val="FF00FF"/>
                 </a:solidFill>
@@ -19879,7 +19912,7 @@
               <a:t>dict</a:t>
             </a:r>
             <a:r>
-              <a:rPr lang="en-US" sz="2800" b="1" dirty="0">
+              <a:rPr lang="en-US" sz="2800" dirty="0">
                 <a:solidFill>
                   <a:srgbClr val="FF00FF"/>
                 </a:solidFill>
@@ -19899,7 +19932,7 @@
               <a:buSzPct val="25000"/>
             </a:pPr>
             <a:r>
-              <a:rPr lang="en-US" sz="2800" b="1" dirty="0">
+              <a:rPr lang="en-US" sz="2800" dirty="0">
                 <a:solidFill>
                   <a:srgbClr val="FF00FF"/>
                 </a:solidFill>
@@ -19919,7 +19952,7 @@
               <a:buSzPct val="25000"/>
             </a:pPr>
             <a:r>
-              <a:rPr lang="en-US" sz="2800" b="1" dirty="0">
+              <a:rPr lang="en-US" sz="2800" dirty="0">
                 <a:solidFill>
                   <a:srgbClr val="FF00FF"/>
                 </a:solidFill>
@@ -19931,7 +19964,7 @@
               <a:t>    words = </a:t>
             </a:r>
             <a:r>
-              <a:rPr lang="en-US" sz="2800" b="1" dirty="0" err="1">
+              <a:rPr lang="en-US" sz="2800" dirty="0" err="1">
                 <a:solidFill>
                   <a:srgbClr val="FF00FF"/>
                 </a:solidFill>
@@ -19943,7 +19976,7 @@
               <a:t>line.split</a:t>
             </a:r>
             <a:r>
-              <a:rPr lang="en-US" sz="2800" b="1" dirty="0">
+              <a:rPr lang="en-US" sz="2800" dirty="0">
                 <a:solidFill>
                   <a:srgbClr val="FF00FF"/>
                 </a:solidFill>
@@ -19963,7 +19996,7 @@
               <a:buSzPct val="25000"/>
             </a:pPr>
             <a:r>
-              <a:rPr lang="en-US" sz="2800" b="1" dirty="0">
+              <a:rPr lang="en-US" sz="2800" dirty="0">
                 <a:solidFill>
                   <a:srgbClr val="FF00FF"/>
                 </a:solidFill>
@@ -19983,7 +20016,7 @@
               <a:buSzPct val="25000"/>
             </a:pPr>
             <a:r>
-              <a:rPr lang="en-US" sz="2800" b="1" dirty="0">
+              <a:rPr lang="en-US" sz="2800" dirty="0">
                 <a:solidFill>
                   <a:srgbClr val="FF00FF"/>
                 </a:solidFill>
@@ -19995,7 +20028,7 @@
               <a:t>        counts[word] = </a:t>
             </a:r>
             <a:r>
-              <a:rPr lang="en-US" sz="2800" b="1" dirty="0" err="1">
+              <a:rPr lang="en-US" sz="2800" dirty="0" err="1">
                 <a:solidFill>
                   <a:srgbClr val="FF00FF"/>
                 </a:solidFill>
@@ -20007,7 +20040,7 @@
               <a:t>counts.get</a:t>
             </a:r>
             <a:r>
-              <a:rPr lang="en-US" sz="2800" b="1" dirty="0">
+              <a:rPr lang="en-US" sz="2800" dirty="0">
                 <a:solidFill>
                   <a:srgbClr val="FF00FF"/>
                 </a:solidFill>
@@ -20025,7 +20058,7 @@
                 <a:srgbClr val="00FF00"/>
               </a:buClr>
             </a:pPr>
-            <a:endParaRPr lang="en-US" sz="2800" b="1" dirty="0">
+            <a:endParaRPr lang="en-US" sz="2800" dirty="0">
               <a:solidFill>
                 <a:srgbClr val="00FF00"/>
               </a:solidFill>
@@ -20043,7 +20076,7 @@
               <a:buSzPct val="25000"/>
             </a:pPr>
             <a:r>
-              <a:rPr lang="en-US" sz="2800" b="1" dirty="0" err="1">
+              <a:rPr lang="en-US" sz="2800" dirty="0" err="1">
                 <a:solidFill>
                   <a:srgbClr val="00FFFF"/>
                 </a:solidFill>
@@ -20055,7 +20088,7 @@
               <a:t>bigcount</a:t>
             </a:r>
             <a:r>
-              <a:rPr lang="en-US" sz="2800" b="1" dirty="0">
+              <a:rPr lang="en-US" sz="2800" dirty="0">
                 <a:solidFill>
                   <a:srgbClr val="00FFFF"/>
                 </a:solidFill>
@@ -20075,7 +20108,7 @@
               <a:buSzPct val="25000"/>
             </a:pPr>
             <a:r>
-              <a:rPr lang="en-US" sz="2800" b="1" dirty="0" err="1">
+              <a:rPr lang="en-US" sz="2800" dirty="0" err="1">
                 <a:solidFill>
                   <a:srgbClr val="00FFFF"/>
                 </a:solidFill>
@@ -20087,7 +20120,7 @@
               <a:t>bigword</a:t>
             </a:r>
             <a:r>
-              <a:rPr lang="en-US" sz="2800" b="1" dirty="0">
+              <a:rPr lang="en-US" sz="2800" dirty="0">
                 <a:solidFill>
                   <a:srgbClr val="00FFFF"/>
                 </a:solidFill>
@@ -20107,7 +20140,7 @@
               <a:buSzPct val="25000"/>
             </a:pPr>
             <a:r>
-              <a:rPr lang="en-US" sz="2800" b="1" dirty="0">
+              <a:rPr lang="en-US" sz="2800" dirty="0">
                 <a:solidFill>
                   <a:srgbClr val="00FFFF"/>
                 </a:solidFill>
@@ -20119,7 +20152,7 @@
               <a:t>for </a:t>
             </a:r>
             <a:r>
-              <a:rPr lang="en-US" sz="2800" b="1" dirty="0" err="1">
+              <a:rPr lang="en-US" sz="2800" dirty="0" err="1">
                 <a:solidFill>
                   <a:srgbClr val="00FFFF"/>
                 </a:solidFill>
@@ -20131,7 +20164,7 @@
               <a:t>word,count</a:t>
             </a:r>
             <a:r>
-              <a:rPr lang="en-US" sz="2800" b="1" dirty="0">
+              <a:rPr lang="en-US" sz="2800" dirty="0">
                 <a:solidFill>
                   <a:srgbClr val="00FFFF"/>
                 </a:solidFill>
@@ -20143,7 +20176,7 @@
               <a:t> in </a:t>
             </a:r>
             <a:r>
-              <a:rPr lang="en-US" sz="2800" b="1" dirty="0" err="1">
+              <a:rPr lang="en-US" sz="2800" dirty="0" err="1">
                 <a:solidFill>
                   <a:srgbClr val="00FFFF"/>
                 </a:solidFill>
@@ -20155,7 +20188,7 @@
               <a:t>counts.items</a:t>
             </a:r>
             <a:r>
-              <a:rPr lang="en-US" sz="2800" b="1" dirty="0">
+              <a:rPr lang="en-US" sz="2800" dirty="0">
                 <a:solidFill>
                   <a:srgbClr val="00FFFF"/>
                 </a:solidFill>
@@ -20175,7 +20208,7 @@
               <a:buSzPct val="25000"/>
             </a:pPr>
             <a:r>
-              <a:rPr lang="en-US" sz="2800" b="1" dirty="0">
+              <a:rPr lang="en-US" sz="2800" dirty="0">
                 <a:solidFill>
                   <a:srgbClr val="00FFFF"/>
                 </a:solidFill>
@@ -20187,7 +20220,7 @@
               <a:t>    if </a:t>
             </a:r>
             <a:r>
-              <a:rPr lang="en-US" sz="2800" b="1" dirty="0" err="1">
+              <a:rPr lang="en-US" sz="2800" dirty="0" err="1">
                 <a:solidFill>
                   <a:srgbClr val="00FFFF"/>
                 </a:solidFill>
@@ -20199,7 +20232,7 @@
               <a:t>bigcount</a:t>
             </a:r>
             <a:r>
-              <a:rPr lang="en-US" sz="2800" b="1" dirty="0">
+              <a:rPr lang="en-US" sz="2800" dirty="0">
                 <a:solidFill>
                   <a:srgbClr val="00FFFF"/>
                 </a:solidFill>
@@ -20211,7 +20244,7 @@
               <a:t> is None or count &gt; </a:t>
             </a:r>
             <a:r>
-              <a:rPr lang="en-US" sz="2800" b="1" dirty="0" err="1">
+              <a:rPr lang="en-US" sz="2800" dirty="0" err="1">
                 <a:solidFill>
                   <a:srgbClr val="00FFFF"/>
                 </a:solidFill>
@@ -20223,7 +20256,7 @@
               <a:t>bigcount</a:t>
             </a:r>
             <a:r>
-              <a:rPr lang="en-US" sz="2800" b="1" dirty="0">
+              <a:rPr lang="en-US" sz="2800" dirty="0">
                 <a:solidFill>
                   <a:srgbClr val="00FFFF"/>
                 </a:solidFill>
@@ -20243,7 +20276,7 @@
               <a:buSzPct val="25000"/>
             </a:pPr>
             <a:r>
-              <a:rPr lang="en-US" sz="2800" b="1" dirty="0">
+              <a:rPr lang="en-US" sz="2800" dirty="0">
                 <a:solidFill>
                   <a:srgbClr val="00FFFF"/>
                 </a:solidFill>
@@ -20255,7 +20288,7 @@
               <a:t>        </a:t>
             </a:r>
             <a:r>
-              <a:rPr lang="en-US" sz="2800" b="1" dirty="0" err="1">
+              <a:rPr lang="en-US" sz="2800" dirty="0" err="1">
                 <a:solidFill>
                   <a:srgbClr val="00FFFF"/>
                 </a:solidFill>
@@ -20267,7 +20300,7 @@
               <a:t>bigword</a:t>
             </a:r>
             <a:r>
-              <a:rPr lang="en-US" sz="2800" b="1" dirty="0">
+              <a:rPr lang="en-US" sz="2800" dirty="0">
                 <a:solidFill>
                   <a:srgbClr val="00FFFF"/>
                 </a:solidFill>
@@ -20287,7 +20320,7 @@
               <a:buSzPct val="25000"/>
             </a:pPr>
             <a:r>
-              <a:rPr lang="en-US" sz="2800" b="1" dirty="0">
+              <a:rPr lang="en-US" sz="2800" dirty="0">
                 <a:solidFill>
                   <a:srgbClr val="00FFFF"/>
                 </a:solidFill>
@@ -20299,7 +20332,7 @@
               <a:t>        </a:t>
             </a:r>
             <a:r>
-              <a:rPr lang="en-US" sz="2800" b="1" dirty="0" err="1">
+              <a:rPr lang="en-US" sz="2800" dirty="0" err="1">
                 <a:solidFill>
                   <a:srgbClr val="00FFFF"/>
                 </a:solidFill>
@@ -20311,7 +20344,7 @@
               <a:t>bigcount</a:t>
             </a:r>
             <a:r>
-              <a:rPr lang="en-US" sz="2800" b="1" dirty="0">
+              <a:rPr lang="en-US" sz="2800" dirty="0">
                 <a:solidFill>
                   <a:srgbClr val="00FFFF"/>
                 </a:solidFill>
@@ -20329,7 +20362,7 @@
                 <a:srgbClr val="00FF00"/>
               </a:buClr>
             </a:pPr>
-            <a:endParaRPr lang="en-US" sz="2800" b="1" dirty="0">
+            <a:endParaRPr lang="en-US" sz="2800" dirty="0">
               <a:solidFill>
                 <a:srgbClr val="00FF00"/>
               </a:solidFill>
@@ -20347,7 +20380,7 @@
               <a:buSzPct val="25000"/>
             </a:pPr>
             <a:r>
-              <a:rPr lang="en-US" sz="2800" b="1" dirty="0">
+              <a:rPr lang="en-US" sz="2800" dirty="0">
                 <a:solidFill>
                   <a:srgbClr val="FF7F00"/>
                 </a:solidFill>
@@ -20359,7 +20392,7 @@
               <a:t>print(</a:t>
             </a:r>
             <a:r>
-              <a:rPr lang="en-US" sz="2800" b="1" dirty="0" err="1">
+              <a:rPr lang="en-US" sz="2800" dirty="0" err="1">
                 <a:solidFill>
                   <a:srgbClr val="FF7F00"/>
                 </a:solidFill>
@@ -20371,7 +20404,7 @@
               <a:t>bigword</a:t>
             </a:r>
             <a:r>
-              <a:rPr lang="en-US" sz="2800" b="1" dirty="0">
+              <a:rPr lang="en-US" sz="2800" dirty="0">
                 <a:solidFill>
                   <a:srgbClr val="FF7F00"/>
                 </a:solidFill>
@@ -20383,7 +20416,7 @@
               <a:t>, </a:t>
             </a:r>
             <a:r>
-              <a:rPr lang="en-US" sz="2800" b="1" dirty="0" err="1">
+              <a:rPr lang="en-US" sz="2800" dirty="0" err="1">
                 <a:solidFill>
                   <a:srgbClr val="FF7F00"/>
                 </a:solidFill>
@@ -20395,7 +20428,7 @@
               <a:t>bigcount</a:t>
             </a:r>
             <a:r>
-              <a:rPr lang="en-US" sz="2800" b="1" dirty="0">
+              <a:rPr lang="en-US" sz="2800" dirty="0">
                 <a:solidFill>
                   <a:srgbClr val="FF7F00"/>
                 </a:solidFill>
@@ -20406,15 +20439,6 @@
               </a:rPr>
               <a:t>)</a:t>
             </a:r>
-            <a:endParaRPr lang="en-US" sz="2800" b="1" dirty="0">
-              <a:solidFill>
-                <a:srgbClr val="FF7F00"/>
-              </a:solidFill>
-              <a:latin typeface="Courier New"/>
-              <a:ea typeface="Courier New"/>
-              <a:cs typeface="Courier New"/>
-              <a:sym typeface="Courier New"/>
-            </a:endParaRPr>
           </a:p>
         </p:txBody>
       </p:sp>
@@ -20704,7 +20728,7 @@
   <p:timing>
     <p:tnLst>
       <p:par>
-        <p:cTn id="1" dur="indefinite" restart="never" nodeType="tmRoot"/>
+        <p:cTn xmlns:p14="http://schemas.microsoft.com/office/powerpoint/2010/main" id="1" dur="indefinite" restart="never" nodeType="tmRoot"/>
       </p:par>
     </p:tnLst>
   </p:timing>
@@ -20950,7 +20974,7 @@
               <a:buSzPct val="25000"/>
             </a:pPr>
             <a:r>
-              <a:rPr lang="de-DE" sz="3200" b="1" dirty="0" err="1" smtClean="0">
+              <a:rPr lang="de-DE" sz="3200" dirty="0" err="1" smtClean="0">
                 <a:solidFill>
                   <a:srgbClr val="FFFF00"/>
                 </a:solidFill>
@@ -20962,7 +20986,7 @@
               <a:t>False</a:t>
             </a:r>
             <a:r>
-              <a:rPr lang="de-DE" sz="3200" b="1" dirty="0" smtClean="0">
+              <a:rPr lang="de-DE" sz="3200" dirty="0" smtClean="0">
                 <a:solidFill>
                   <a:srgbClr val="FFFF00"/>
                 </a:solidFill>
@@ -20974,7 +20998,7 @@
               <a:t> 	</a:t>
             </a:r>
             <a:r>
-              <a:rPr lang="de-DE" sz="3200" b="1" dirty="0" err="1" smtClean="0">
+              <a:rPr lang="de-DE" sz="3200" dirty="0" err="1" smtClean="0">
                 <a:solidFill>
                   <a:srgbClr val="FFFF00"/>
                 </a:solidFill>
@@ -20986,7 +21010,7 @@
               <a:t>class</a:t>
             </a:r>
             <a:r>
-              <a:rPr lang="de-DE" sz="3200" b="1" dirty="0" smtClean="0">
+              <a:rPr lang="de-DE" sz="3200" dirty="0" smtClean="0">
                 <a:solidFill>
                   <a:srgbClr val="FFFF00"/>
                 </a:solidFill>
@@ -20998,7 +21022,7 @@
               <a:t> 	</a:t>
             </a:r>
             <a:r>
-              <a:rPr lang="de-DE" sz="3200" b="1" dirty="0" err="1" smtClean="0">
+              <a:rPr lang="de-DE" sz="3200" dirty="0" err="1" smtClean="0">
                 <a:solidFill>
                   <a:srgbClr val="FFFF00"/>
                 </a:solidFill>
@@ -21010,7 +21034,7 @@
               <a:t>return</a:t>
             </a:r>
             <a:r>
-              <a:rPr lang="de-DE" sz="3200" b="1" dirty="0" smtClean="0">
+              <a:rPr lang="de-DE" sz="3200" dirty="0" smtClean="0">
                 <a:solidFill>
                   <a:srgbClr val="FFFF00"/>
                 </a:solidFill>
@@ -21022,7 +21046,7 @@
               <a:t>	</a:t>
             </a:r>
             <a:r>
-              <a:rPr lang="de-DE" sz="3200" b="1" dirty="0" err="1" smtClean="0">
+              <a:rPr lang="de-DE" sz="3200" dirty="0" err="1" smtClean="0">
                 <a:solidFill>
                   <a:srgbClr val="FFFF00"/>
                 </a:solidFill>
@@ -21034,7 +21058,7 @@
               <a:t>is</a:t>
             </a:r>
             <a:r>
-              <a:rPr lang="de-DE" sz="3200" b="1" dirty="0" smtClean="0">
+              <a:rPr lang="de-DE" sz="3200" dirty="0" smtClean="0">
                 <a:solidFill>
                   <a:srgbClr val="FFFF00"/>
                 </a:solidFill>
@@ -21046,7 +21070,7 @@
               <a:t> 		</a:t>
             </a:r>
             <a:r>
-              <a:rPr lang="de-DE" sz="3200" b="1" dirty="0" err="1" smtClean="0">
+              <a:rPr lang="de-DE" sz="3200" dirty="0" err="1" smtClean="0">
                 <a:solidFill>
                   <a:srgbClr val="FFFF00"/>
                 </a:solidFill>
@@ -21058,7 +21082,7 @@
               <a:t>finally</a:t>
             </a:r>
             <a:r>
-              <a:rPr lang="de-DE" sz="3200" b="1" dirty="0" smtClean="0">
+              <a:rPr lang="de-DE" sz="3200" dirty="0" smtClean="0">
                 <a:solidFill>
                   <a:srgbClr val="FFFF00"/>
                 </a:solidFill>
@@ -21078,7 +21102,7 @@
               <a:buSzPct val="25000"/>
             </a:pPr>
             <a:r>
-              <a:rPr lang="de-DE" sz="3200" b="1" dirty="0" smtClean="0">
+              <a:rPr lang="de-DE" sz="3200" dirty="0" smtClean="0">
                 <a:solidFill>
                   <a:srgbClr val="FFFF00"/>
                 </a:solidFill>
@@ -21090,7 +21114,7 @@
               <a:t>None 	</a:t>
             </a:r>
             <a:r>
-              <a:rPr lang="de-DE" sz="3200" b="1" dirty="0" err="1" smtClean="0">
+              <a:rPr lang="de-DE" sz="3200" dirty="0" err="1" smtClean="0">
                 <a:solidFill>
                   <a:srgbClr val="FFFF00"/>
                 </a:solidFill>
@@ -21102,7 +21126,7 @@
               <a:t>if</a:t>
             </a:r>
             <a:r>
-              <a:rPr lang="de-DE" sz="3200" b="1" dirty="0" smtClean="0">
+              <a:rPr lang="de-DE" sz="3200" dirty="0" smtClean="0">
                 <a:solidFill>
                   <a:srgbClr val="FFFF00"/>
                 </a:solidFill>
@@ -21114,7 +21138,7 @@
               <a:t>		</a:t>
             </a:r>
             <a:r>
-              <a:rPr lang="de-DE" sz="3200" b="1" dirty="0" err="1" smtClean="0">
+              <a:rPr lang="de-DE" sz="3200" dirty="0" err="1" smtClean="0">
                 <a:solidFill>
                   <a:srgbClr val="FFFF00"/>
                 </a:solidFill>
@@ -21126,7 +21150,7 @@
               <a:t>for</a:t>
             </a:r>
             <a:r>
-              <a:rPr lang="de-DE" sz="3200" b="1" dirty="0" smtClean="0">
+              <a:rPr lang="de-DE" sz="3200" dirty="0" smtClean="0">
                 <a:solidFill>
                   <a:srgbClr val="FFFF00"/>
                 </a:solidFill>
@@ -21138,7 +21162,7 @@
               <a:t> 	</a:t>
             </a:r>
             <a:r>
-              <a:rPr lang="de-DE" sz="3200" b="1" dirty="0" err="1" smtClean="0">
+              <a:rPr lang="de-DE" sz="3200" dirty="0" err="1" smtClean="0">
                 <a:solidFill>
                   <a:srgbClr val="FFFF00"/>
                 </a:solidFill>
@@ -21150,7 +21174,7 @@
               <a:t>lambda</a:t>
             </a:r>
             <a:r>
-              <a:rPr lang="de-DE" sz="3200" b="1" dirty="0" smtClean="0">
+              <a:rPr lang="de-DE" sz="3200" dirty="0" smtClean="0">
                 <a:solidFill>
                   <a:srgbClr val="FFFF00"/>
                 </a:solidFill>
@@ -21162,7 +21186,7 @@
               <a:t> 	</a:t>
             </a:r>
             <a:r>
-              <a:rPr lang="de-DE" sz="3200" b="1" dirty="0" err="1" smtClean="0">
+              <a:rPr lang="de-DE" sz="3200" dirty="0" err="1" smtClean="0">
                 <a:solidFill>
                   <a:srgbClr val="FFFF00"/>
                 </a:solidFill>
@@ -21174,7 +21198,7 @@
               <a:t>continue</a:t>
             </a:r>
             <a:r>
-              <a:rPr lang="de-DE" sz="3200" b="1" dirty="0" smtClean="0">
+              <a:rPr lang="de-DE" sz="3200" dirty="0" smtClean="0">
                 <a:solidFill>
                   <a:srgbClr val="FFFF00"/>
                 </a:solidFill>
@@ -21194,7 +21218,7 @@
               <a:buSzPct val="25000"/>
             </a:pPr>
             <a:r>
-              <a:rPr lang="de-DE" sz="3200" b="1" dirty="0" smtClean="0">
+              <a:rPr lang="de-DE" sz="3200" dirty="0" smtClean="0">
                 <a:solidFill>
                   <a:srgbClr val="FFFF00"/>
                 </a:solidFill>
@@ -21206,7 +21230,7 @@
               <a:t>True 	</a:t>
             </a:r>
             <a:r>
-              <a:rPr lang="de-DE" sz="3200" b="1" dirty="0" err="1" smtClean="0">
+              <a:rPr lang="de-DE" sz="3200" dirty="0" err="1" smtClean="0">
                 <a:solidFill>
                   <a:srgbClr val="FFFF00"/>
                 </a:solidFill>
@@ -21218,7 +21242,7 @@
               <a:t>def</a:t>
             </a:r>
             <a:r>
-              <a:rPr lang="de-DE" sz="3200" b="1" dirty="0" smtClean="0">
+              <a:rPr lang="de-DE" sz="3200" dirty="0" smtClean="0">
                 <a:solidFill>
                   <a:srgbClr val="FFFF00"/>
                 </a:solidFill>
@@ -21230,7 +21254,7 @@
               <a:t> 	</a:t>
             </a:r>
             <a:r>
-              <a:rPr lang="de-DE" sz="3200" b="1" dirty="0" err="1" smtClean="0">
+              <a:rPr lang="de-DE" sz="3200" dirty="0" err="1" smtClean="0">
                 <a:solidFill>
                   <a:srgbClr val="FFFF00"/>
                 </a:solidFill>
@@ -21242,7 +21266,7 @@
               <a:t>from</a:t>
             </a:r>
             <a:r>
-              <a:rPr lang="de-DE" sz="3200" b="1" dirty="0" smtClean="0">
+              <a:rPr lang="de-DE" sz="3200" dirty="0" smtClean="0">
                 <a:solidFill>
                   <a:srgbClr val="FFFF00"/>
                 </a:solidFill>
@@ -21254,7 +21278,7 @@
               <a:t> 	</a:t>
             </a:r>
             <a:r>
-              <a:rPr lang="de-DE" sz="3200" b="1" dirty="0" err="1" smtClean="0">
+              <a:rPr lang="de-DE" sz="3200" dirty="0" err="1" smtClean="0">
                 <a:solidFill>
                   <a:srgbClr val="FFFF00"/>
                 </a:solidFill>
@@ -21266,7 +21290,7 @@
               <a:t>while</a:t>
             </a:r>
             <a:r>
-              <a:rPr lang="de-DE" sz="3200" b="1" dirty="0" smtClean="0">
+              <a:rPr lang="de-DE" sz="3200" dirty="0" smtClean="0">
                 <a:solidFill>
                   <a:srgbClr val="FFFF00"/>
                 </a:solidFill>
@@ -21278,7 +21302,7 @@
               <a:t>	</a:t>
             </a:r>
             <a:r>
-              <a:rPr lang="de-DE" sz="3200" b="1" dirty="0" err="1" smtClean="0">
+              <a:rPr lang="de-DE" sz="3200" dirty="0" err="1" smtClean="0">
                 <a:solidFill>
                   <a:srgbClr val="FFFF00"/>
                 </a:solidFill>
@@ -21289,7 +21313,7 @@
               </a:rPr>
               <a:t>nonlocal</a:t>
             </a:r>
-            <a:endParaRPr lang="de-DE" sz="3200" b="1" dirty="0" smtClean="0">
+            <a:endParaRPr lang="de-DE" sz="3200" dirty="0" smtClean="0">
               <a:solidFill>
                 <a:srgbClr val="FFFF00"/>
               </a:solidFill>
@@ -21307,7 +21331,7 @@
               <a:buSzPct val="25000"/>
             </a:pPr>
             <a:r>
-              <a:rPr lang="de-DE" sz="3200" b="1" dirty="0" err="1" smtClean="0">
+              <a:rPr lang="de-DE" sz="3200" dirty="0" err="1" smtClean="0">
                 <a:solidFill>
                   <a:srgbClr val="FFFF00"/>
                 </a:solidFill>
@@ -21319,7 +21343,7 @@
               <a:t>and</a:t>
             </a:r>
             <a:r>
-              <a:rPr lang="de-DE" sz="3200" b="1" dirty="0" smtClean="0">
+              <a:rPr lang="de-DE" sz="3200" dirty="0" smtClean="0">
                 <a:solidFill>
                   <a:srgbClr val="FFFF00"/>
                 </a:solidFill>
@@ -21331,7 +21355,7 @@
               <a:t> 	del 	global 	not 	</a:t>
             </a:r>
             <a:r>
-              <a:rPr lang="de-DE" sz="3200" b="1" dirty="0" err="1" smtClean="0">
+              <a:rPr lang="de-DE" sz="3200" dirty="0" err="1" smtClean="0">
                 <a:solidFill>
                   <a:srgbClr val="FFFF00"/>
                 </a:solidFill>
@@ -21342,7 +21366,7 @@
               </a:rPr>
               <a:t>with</a:t>
             </a:r>
-            <a:endParaRPr lang="de-DE" sz="3200" b="1" dirty="0" smtClean="0">
+            <a:endParaRPr lang="de-DE" sz="3200" dirty="0" smtClean="0">
               <a:solidFill>
                 <a:srgbClr val="FFFF00"/>
               </a:solidFill>
@@ -21360,7 +21384,7 @@
               <a:buSzPct val="25000"/>
             </a:pPr>
             <a:r>
-              <a:rPr lang="de-DE" sz="3200" b="1" dirty="0" err="1" smtClean="0">
+              <a:rPr lang="de-DE" sz="3200" dirty="0" err="1" smtClean="0">
                 <a:solidFill>
                   <a:srgbClr val="FFFF00"/>
                 </a:solidFill>
@@ -21372,7 +21396,7 @@
               <a:t>as</a:t>
             </a:r>
             <a:r>
-              <a:rPr lang="de-DE" sz="3200" b="1" dirty="0" smtClean="0">
+              <a:rPr lang="de-DE" sz="3200" dirty="0" smtClean="0">
                 <a:solidFill>
                   <a:srgbClr val="FFFF00"/>
                 </a:solidFill>
@@ -21384,7 +21408,7 @@
               <a:t>  	</a:t>
             </a:r>
             <a:r>
-              <a:rPr lang="de-DE" sz="3200" b="1" dirty="0" err="1" smtClean="0">
+              <a:rPr lang="de-DE" sz="3200" dirty="0" err="1" smtClean="0">
                 <a:solidFill>
                   <a:srgbClr val="FFFF00"/>
                 </a:solidFill>
@@ -21396,7 +21420,7 @@
               <a:t>elif</a:t>
             </a:r>
             <a:r>
-              <a:rPr lang="de-DE" sz="3200" b="1" dirty="0" smtClean="0">
+              <a:rPr lang="de-DE" sz="3200" dirty="0" smtClean="0">
                 <a:solidFill>
                   <a:srgbClr val="FFFF00"/>
                 </a:solidFill>
@@ -21408,7 +21432,7 @@
               <a:t> 	</a:t>
             </a:r>
             <a:r>
-              <a:rPr lang="de-DE" sz="3200" b="1" dirty="0" err="1" smtClean="0">
+              <a:rPr lang="de-DE" sz="3200" dirty="0" err="1" smtClean="0">
                 <a:solidFill>
                   <a:srgbClr val="FFFF00"/>
                 </a:solidFill>
@@ -21420,7 +21444,7 @@
               <a:t>try</a:t>
             </a:r>
             <a:r>
-              <a:rPr lang="de-DE" sz="3200" b="1" dirty="0" smtClean="0">
+              <a:rPr lang="de-DE" sz="3200" dirty="0" smtClean="0">
                 <a:solidFill>
                   <a:srgbClr val="FFFF00"/>
                 </a:solidFill>
@@ -21432,7 +21456,7 @@
               <a:t>		</a:t>
             </a:r>
             <a:r>
-              <a:rPr lang="de-DE" sz="3200" b="1" dirty="0" err="1" smtClean="0">
+              <a:rPr lang="de-DE" sz="3200" dirty="0" err="1" smtClean="0">
                 <a:solidFill>
                   <a:srgbClr val="FFFF00"/>
                 </a:solidFill>
@@ -21444,7 +21468,7 @@
               <a:t>or</a:t>
             </a:r>
             <a:r>
-              <a:rPr lang="de-DE" sz="3200" b="1" dirty="0" smtClean="0">
+              <a:rPr lang="de-DE" sz="3200" dirty="0" smtClean="0">
                 <a:solidFill>
                   <a:srgbClr val="FFFF00"/>
                 </a:solidFill>
@@ -21456,7 +21480,7 @@
               <a:t> 		</a:t>
             </a:r>
             <a:r>
-              <a:rPr lang="de-DE" sz="3200" b="1" dirty="0" err="1" smtClean="0">
+              <a:rPr lang="de-DE" sz="3200" dirty="0" err="1" smtClean="0">
                 <a:solidFill>
                   <a:srgbClr val="FFFF00"/>
                 </a:solidFill>
@@ -21467,7 +21491,7 @@
               </a:rPr>
               <a:t>yield</a:t>
             </a:r>
-            <a:endParaRPr lang="de-DE" sz="3200" b="1" dirty="0" smtClean="0">
+            <a:endParaRPr lang="de-DE" sz="3200" dirty="0" smtClean="0">
               <a:solidFill>
                 <a:srgbClr val="FFFF00"/>
               </a:solidFill>
@@ -21485,7 +21509,7 @@
               <a:buSzPct val="25000"/>
             </a:pPr>
             <a:r>
-              <a:rPr lang="de-DE" sz="3200" b="1" dirty="0" err="1" smtClean="0">
+              <a:rPr lang="de-DE" sz="3200" dirty="0" err="1" smtClean="0">
                 <a:solidFill>
                   <a:srgbClr val="FFFF00"/>
                 </a:solidFill>
@@ -21497,7 +21521,7 @@
               <a:t>assert</a:t>
             </a:r>
             <a:r>
-              <a:rPr lang="de-DE" sz="3200" b="1" dirty="0" smtClean="0">
+              <a:rPr lang="de-DE" sz="3200" dirty="0" smtClean="0">
                 <a:solidFill>
                   <a:srgbClr val="FFFF00"/>
                 </a:solidFill>
@@ -21509,7 +21533,7 @@
               <a:t> 	</a:t>
             </a:r>
             <a:r>
-              <a:rPr lang="de-DE" sz="3200" b="1" dirty="0" err="1" smtClean="0">
+              <a:rPr lang="de-DE" sz="3200" dirty="0" err="1" smtClean="0">
                 <a:solidFill>
                   <a:srgbClr val="FFFF00"/>
                 </a:solidFill>
@@ -21521,7 +21545,7 @@
               <a:t>else</a:t>
             </a:r>
             <a:r>
-              <a:rPr lang="de-DE" sz="3200" b="1" dirty="0" smtClean="0">
+              <a:rPr lang="de-DE" sz="3200" dirty="0" smtClean="0">
                 <a:solidFill>
                   <a:srgbClr val="FFFF00"/>
                 </a:solidFill>
@@ -21533,7 +21557,7 @@
               <a:t> 	</a:t>
             </a:r>
             <a:r>
-              <a:rPr lang="de-DE" sz="3200" b="1" dirty="0" err="1" smtClean="0">
+              <a:rPr lang="de-DE" sz="3200" dirty="0" err="1" smtClean="0">
                 <a:solidFill>
                   <a:srgbClr val="FFFF00"/>
                 </a:solidFill>
@@ -21545,7 +21569,7 @@
               <a:t>import</a:t>
             </a:r>
             <a:r>
-              <a:rPr lang="de-DE" sz="3200" b="1" dirty="0" smtClean="0">
+              <a:rPr lang="de-DE" sz="3200" dirty="0" smtClean="0">
                 <a:solidFill>
                   <a:srgbClr val="FFFF00"/>
                 </a:solidFill>
@@ -21565,7 +21589,7 @@
               <a:buSzPct val="25000"/>
             </a:pPr>
             <a:r>
-              <a:rPr lang="de-DE" sz="3200" b="1" dirty="0" smtClean="0">
+              <a:rPr lang="de-DE" sz="3200" dirty="0" smtClean="0">
                 <a:solidFill>
                   <a:srgbClr val="FFFF00"/>
                 </a:solidFill>
@@ -21577,7 +21601,7 @@
               <a:t>break 	</a:t>
             </a:r>
             <a:r>
-              <a:rPr lang="de-DE" sz="3200" b="1" dirty="0" err="1" smtClean="0">
+              <a:rPr lang="de-DE" sz="3200" dirty="0" err="1" smtClean="0">
                 <a:solidFill>
                   <a:srgbClr val="FFFF00"/>
                 </a:solidFill>
@@ -21589,7 +21613,7 @@
               <a:t>except</a:t>
             </a:r>
             <a:r>
-              <a:rPr lang="de-DE" sz="3200" b="1" dirty="0" smtClean="0">
+              <a:rPr lang="de-DE" sz="3200" dirty="0" smtClean="0">
                 <a:solidFill>
                   <a:srgbClr val="FFFF00"/>
                 </a:solidFill>
@@ -21601,7 +21625,7 @@
               <a:t> 	in 		</a:t>
             </a:r>
             <a:r>
-              <a:rPr lang="de-DE" sz="3200" b="1" dirty="0" err="1" smtClean="0">
+              <a:rPr lang="de-DE" sz="3200" dirty="0" err="1" smtClean="0">
                 <a:solidFill>
                   <a:srgbClr val="FFFF00"/>
                 </a:solidFill>
@@ -21612,7 +21636,7 @@
               </a:rPr>
               <a:t>raise</a:t>
             </a:r>
-            <a:endParaRPr lang="en-US" sz="3200" b="1" u="none" strike="noStrike" cap="none" dirty="0">
+            <a:endParaRPr lang="en-US" sz="3200" u="none" strike="noStrike" cap="none" dirty="0">
               <a:solidFill>
                 <a:srgbClr val="FFFF00"/>
               </a:solidFill>
@@ -21632,7 +21656,7 @@
   <p:timing>
     <p:tnLst>
       <p:par>
-        <p:cTn id="1" dur="indefinite" restart="never" nodeType="tmRoot"/>
+        <p:cTn xmlns:p14="http://schemas.microsoft.com/office/powerpoint/2010/main" id="1" dur="indefinite" restart="never" nodeType="tmRoot"/>
       </p:par>
     </p:tnLst>
   </p:timing>
@@ -21699,7 +21723,7 @@
               <a:buNone/>
             </a:pPr>
             <a:r>
-              <a:rPr lang="en-US" sz="7600" u="none" strike="noStrike" cap="none">
+              <a:rPr lang="en-US" sz="7600" u="none" strike="noStrike" cap="none" dirty="0">
                 <a:solidFill>
                   <a:srgbClr val="FFFF00"/>
                 </a:solidFill>
@@ -21756,7 +21780,7 @@
               <a:buNone/>
             </a:pPr>
             <a:r>
-              <a:rPr lang="en-US" sz="4800" b="1" i="0" u="none" strike="noStrike" cap="none" dirty="0">
+              <a:rPr lang="en-US" sz="4800" i="0" u="none" strike="noStrike" cap="none" dirty="0">
                 <a:solidFill>
                   <a:srgbClr val="FF9900"/>
                 </a:solidFill>
@@ -21768,7 +21792,7 @@
               <a:t>x</a:t>
             </a:r>
             <a:r>
-              <a:rPr lang="en-US" sz="4800" b="1" i="0" u="none" strike="noStrike" cap="none" dirty="0">
+              <a:rPr lang="en-US" sz="4800" i="0" u="none" strike="noStrike" cap="none" dirty="0">
                 <a:solidFill>
                   <a:srgbClr val="FF7F00"/>
                 </a:solidFill>
@@ -21780,7 +21804,7 @@
               <a:t> </a:t>
             </a:r>
             <a:r>
-              <a:rPr lang="en-US" sz="4800" b="1" i="0" u="none" strike="noStrike" cap="none" dirty="0">
+              <a:rPr lang="en-US" sz="4800" i="0" u="none" strike="noStrike" cap="none" dirty="0">
                 <a:solidFill>
                   <a:srgbClr val="FFFFFF"/>
                 </a:solidFill>
@@ -21792,7 +21816,7 @@
               <a:t>=</a:t>
             </a:r>
             <a:r>
-              <a:rPr lang="en-US" sz="4800" b="1" i="0" u="none" strike="noStrike" cap="none" dirty="0">
+              <a:rPr lang="en-US" sz="4800" i="0" u="none" strike="noStrike" cap="none" dirty="0">
                 <a:solidFill>
                   <a:srgbClr val="FF7F00"/>
                 </a:solidFill>
@@ -21804,7 +21828,7 @@
               <a:t> </a:t>
             </a:r>
             <a:r>
-              <a:rPr lang="en-US" sz="4800" b="1" i="0" u="none" strike="noStrike" cap="none" dirty="0">
+              <a:rPr lang="en-US" sz="4800" i="0" u="none" strike="noStrike" cap="none" dirty="0">
                 <a:solidFill>
                   <a:srgbClr val="00FFFF"/>
                 </a:solidFill>
@@ -21835,7 +21859,7 @@
               <a:buNone/>
             </a:pPr>
             <a:r>
-              <a:rPr lang="en-US" sz="4800" b="1" i="0" u="none" strike="noStrike" cap="none" dirty="0">
+              <a:rPr lang="en-US" sz="4800" i="0" u="none" strike="noStrike" cap="none" dirty="0">
                 <a:solidFill>
                   <a:srgbClr val="FF9900"/>
                 </a:solidFill>
@@ -21847,7 +21871,7 @@
               <a:t>x</a:t>
             </a:r>
             <a:r>
-              <a:rPr lang="en-US" sz="4800" b="1" i="0" u="none" strike="noStrike" cap="none" dirty="0">
+              <a:rPr lang="en-US" sz="4800" i="0" u="none" strike="noStrike" cap="none" dirty="0">
                 <a:solidFill>
                   <a:srgbClr val="FF7F00"/>
                 </a:solidFill>
@@ -21859,7 +21883,7 @@
               <a:t> </a:t>
             </a:r>
             <a:r>
-              <a:rPr lang="en-US" sz="4800" b="1" i="0" u="none" strike="noStrike" cap="none" dirty="0">
+              <a:rPr lang="en-US" sz="4800" i="0" u="none" strike="noStrike" cap="none" dirty="0">
                 <a:solidFill>
                   <a:srgbClr val="FFFFFF"/>
                 </a:solidFill>
@@ -21871,7 +21895,7 @@
               <a:t>=</a:t>
             </a:r>
             <a:r>
-              <a:rPr lang="en-US" sz="4800" b="1" i="0" u="none" strike="noStrike" cap="none" dirty="0">
+              <a:rPr lang="en-US" sz="4800" i="0" u="none" strike="noStrike" cap="none" dirty="0">
                 <a:solidFill>
                   <a:srgbClr val="FF7F00"/>
                 </a:solidFill>
@@ -21883,7 +21907,7 @@
               <a:t> </a:t>
             </a:r>
             <a:r>
-              <a:rPr lang="en-US" sz="4800" b="1" i="0" u="none" strike="noStrike" cap="none" dirty="0">
+              <a:rPr lang="en-US" sz="4800" i="0" u="none" strike="noStrike" cap="none" dirty="0">
                 <a:solidFill>
                   <a:srgbClr val="FF9900"/>
                 </a:solidFill>
@@ -21895,7 +21919,7 @@
               <a:t>x</a:t>
             </a:r>
             <a:r>
-              <a:rPr lang="en-US" sz="4800" b="1" i="0" u="none" strike="noStrike" cap="none" dirty="0">
+              <a:rPr lang="en-US" sz="4800" i="0" u="none" strike="noStrike" cap="none" dirty="0">
                 <a:solidFill>
                   <a:srgbClr val="FF7F00"/>
                 </a:solidFill>
@@ -21907,7 +21931,7 @@
               <a:t> </a:t>
             </a:r>
             <a:r>
-              <a:rPr lang="en-US" sz="4800" b="1" i="0" u="none" strike="noStrike" cap="none" dirty="0">
+              <a:rPr lang="en-US" sz="4800" i="0" u="none" strike="noStrike" cap="none" dirty="0">
                 <a:solidFill>
                   <a:srgbClr val="FFFFFF"/>
                 </a:solidFill>
@@ -21919,7 +21943,7 @@
               <a:t>+</a:t>
             </a:r>
             <a:r>
-              <a:rPr lang="en-US" sz="4800" b="1" i="0" u="none" strike="noStrike" cap="none" dirty="0">
+              <a:rPr lang="en-US" sz="4800" i="0" u="none" strike="noStrike" cap="none" dirty="0">
                 <a:solidFill>
                   <a:srgbClr val="FF7F00"/>
                 </a:solidFill>
@@ -21931,7 +21955,7 @@
               <a:t> </a:t>
             </a:r>
             <a:r>
-              <a:rPr lang="en-US" sz="4800" b="1" i="0" u="none" strike="noStrike" cap="none" dirty="0">
+              <a:rPr lang="en-US" sz="4800" i="0" u="none" strike="noStrike" cap="none" dirty="0">
                 <a:solidFill>
                   <a:srgbClr val="00FFFF"/>
                 </a:solidFill>
@@ -21951,7 +21975,7 @@
               <a:buSzPct val="25000"/>
             </a:pPr>
             <a:r>
-              <a:rPr lang="en-US" sz="4800" b="1" dirty="0">
+              <a:rPr lang="en-US" sz="4800" dirty="0">
                 <a:solidFill>
                   <a:srgbClr val="FFFF00"/>
                 </a:solidFill>
@@ -21963,7 +21987,7 @@
               <a:t>print(</a:t>
             </a:r>
             <a:r>
-              <a:rPr lang="en-US" sz="4800" b="1" dirty="0">
+              <a:rPr lang="en-US" sz="4800" dirty="0">
                 <a:solidFill>
                   <a:srgbClr val="FF9900"/>
                 </a:solidFill>
@@ -21975,7 +21999,7 @@
               <a:t>x</a:t>
             </a:r>
             <a:r>
-              <a:rPr lang="en-US" sz="4800" b="1" dirty="0" smtClean="0">
+              <a:rPr lang="en-US" sz="4800" dirty="0" smtClean="0">
                 <a:solidFill>
                   <a:srgbClr val="FFFF00"/>
                 </a:solidFill>
@@ -21986,7 +22010,7 @@
               </a:rPr>
               <a:t>)</a:t>
             </a:r>
-            <a:endParaRPr lang="en-US" sz="4800" b="1" dirty="0">
+            <a:endParaRPr lang="en-US" sz="4800" dirty="0">
               <a:solidFill>
                 <a:srgbClr val="FFFF00"/>
               </a:solidFill>
@@ -22269,7 +22293,7 @@
               <a:buNone/>
             </a:pPr>
             <a:r>
-              <a:rPr lang="en-US" sz="5400" u="none" strike="noStrike" cap="none">
+              <a:rPr lang="en-US" sz="5400" u="none" strike="noStrike" cap="none" dirty="0">
                 <a:solidFill>
                   <a:schemeClr val="lt1"/>
                 </a:solidFill>
@@ -22281,7 +22305,7 @@
               <a:t>Assignment </a:t>
             </a:r>
             <a:r>
-              <a:rPr lang="en-US" sz="5400">
+              <a:rPr lang="en-US" sz="5400" dirty="0">
                 <a:solidFill>
                   <a:schemeClr val="lt1"/>
                 </a:solidFill>
@@ -22293,7 +22317,7 @@
               <a:t>s</a:t>
             </a:r>
             <a:r>
-              <a:rPr lang="en-US" sz="5400" u="none" strike="noStrike" cap="none">
+              <a:rPr lang="en-US" sz="5400" u="none" strike="noStrike" cap="none" dirty="0">
                 <a:solidFill>
                   <a:schemeClr val="lt1"/>
                 </a:solidFill>
@@ -22455,7 +22479,7 @@
   <p:timing>
     <p:tnLst>
       <p:par>
-        <p:cTn id="1" dur="indefinite" restart="never" nodeType="tmRoot"/>
+        <p:cTn xmlns:p14="http://schemas.microsoft.com/office/powerpoint/2010/main" id="1" dur="indefinite" restart="never" nodeType="tmRoot"/>
       </p:par>
     </p:tnLst>
   </p:timing>
@@ -22536,25 +22560,6 @@
           </a:p>
         </p:txBody>
       </p:sp>
-      <p:sp>
-        <p:nvSpPr>
-          <p:cNvPr id="3" name="Text Placeholder 2"/>
-          <p:cNvSpPr>
-            <a:spLocks noGrp="1"/>
-          </p:cNvSpPr>
-          <p:nvPr>
-            <p:ph type="body" idx="1"/>
-          </p:nvPr>
-        </p:nvSpPr>
-        <p:spPr/>
-        <p:txBody>
-          <a:bodyPr/>
-          <a:lstStyle/>
-          <a:p>
-            <a:endParaRPr lang="en-US"/>
-          </a:p>
-        </p:txBody>
-      </p:sp>
     </p:spTree>
   </p:cSld>
   <p:clrMapOvr>
@@ -22563,7 +22568,7 @@
   <p:timing>
     <p:tnLst>
       <p:par>
-        <p:cTn id="1" dur="indefinite" restart="never" nodeType="tmRoot"/>
+        <p:cTn xmlns:p14="http://schemas.microsoft.com/office/powerpoint/2010/main" id="1" dur="indefinite" restart="never" nodeType="tmRoot"/>
       </p:par>
     </p:tnLst>
   </p:timing>
@@ -22922,7 +22927,7 @@
   <p:timing>
     <p:tnLst>
       <p:par>
-        <p:cTn id="1" dur="indefinite" restart="never" nodeType="tmRoot"/>
+        <p:cTn xmlns:p14="http://schemas.microsoft.com/office/powerpoint/2010/main" id="1" dur="indefinite" restart="never" nodeType="tmRoot"/>
       </p:par>
     </p:tnLst>
   </p:timing>
@@ -23159,7 +23164,7 @@
   <p:timing>
     <p:tnLst>
       <p:par>
-        <p:cTn id="1" dur="indefinite" restart="never" nodeType="tmRoot"/>
+        <p:cTn xmlns:p14="http://schemas.microsoft.com/office/powerpoint/2010/main" id="1" dur="indefinite" restart="never" nodeType="tmRoot"/>
       </p:par>
     </p:tnLst>
   </p:timing>
@@ -23283,7 +23288,7 @@
               <a:buChar char="•"/>
             </a:pPr>
             <a:r>
-              <a:rPr lang="en-US" sz="3600" u="none" strike="noStrike" cap="none">
+              <a:rPr lang="en-US" sz="3600" u="none" strike="noStrike" cap="none" dirty="0">
                 <a:solidFill>
                   <a:schemeClr val="lt1"/>
                 </a:solidFill>
@@ -23295,7 +23300,7 @@
               <a:t>Like a recipe or installation instructions, a program is a </a:t>
             </a:r>
             <a:r>
-              <a:rPr lang="en-US" sz="3600" u="none" strike="noStrike" cap="none">
+              <a:rPr lang="en-US" sz="3600" u="none" strike="noStrike" cap="none" dirty="0">
                 <a:solidFill>
                   <a:srgbClr val="FFFF00"/>
                 </a:solidFill>
@@ -23307,7 +23312,7 @@
               <a:t>sequence</a:t>
             </a:r>
             <a:r>
-              <a:rPr lang="en-US" sz="3600" u="none" strike="noStrike" cap="none">
+              <a:rPr lang="en-US" sz="3600" u="none" strike="noStrike" cap="none" dirty="0">
                 <a:solidFill>
                   <a:schemeClr val="lt1"/>
                 </a:solidFill>
@@ -23338,7 +23343,7 @@
               <a:buChar char="•"/>
             </a:pPr>
             <a:r>
-              <a:rPr lang="en-US" sz="3600" u="none" strike="noStrike" cap="none">
+              <a:rPr lang="en-US" sz="3600" u="none" strike="noStrike" cap="none" dirty="0">
                 <a:solidFill>
                   <a:schemeClr val="lt1"/>
                 </a:solidFill>
@@ -23350,7 +23355,7 @@
               <a:t>Some steps are </a:t>
             </a:r>
             <a:r>
-              <a:rPr lang="en-US" sz="3600" u="none" strike="noStrike" cap="none">
+              <a:rPr lang="en-US" sz="3600" u="none" strike="noStrike" cap="none" dirty="0">
                 <a:solidFill>
                   <a:srgbClr val="FFFF00"/>
                 </a:solidFill>
@@ -23362,7 +23367,7 @@
               <a:t>conditional</a:t>
             </a:r>
             <a:r>
-              <a:rPr lang="en-US" sz="3600" u="none" strike="noStrike" cap="none">
+              <a:rPr lang="en-US" sz="3600" u="none" strike="noStrike" cap="none" dirty="0">
                 <a:solidFill>
                   <a:schemeClr val="lt1"/>
                 </a:solidFill>
@@ -23393,7 +23398,7 @@
               <a:buChar char="•"/>
             </a:pPr>
             <a:r>
-              <a:rPr lang="en-US" sz="3600" u="none" strike="noStrike" cap="none">
+              <a:rPr lang="en-US" sz="3600" u="none" strike="noStrike" cap="none" dirty="0">
                 <a:solidFill>
                   <a:schemeClr val="lt1"/>
                 </a:solidFill>
@@ -23402,10 +23407,34 @@
                 <a:cs typeface="Arial" charset="0"/>
                 <a:sym typeface="Cabin"/>
               </a:rPr>
-              <a:t>Sometimes a step or group of steps are to be </a:t>
-            </a:r>
-            <a:r>
-              <a:rPr lang="en-US" sz="3600" u="none" strike="noStrike" cap="none">
+              <a:t>Sometimes a step or group of steps </a:t>
+            </a:r>
+            <a:r>
+              <a:rPr lang="en-US" sz="3600" u="none" strike="noStrike" cap="none" dirty="0" smtClean="0">
+                <a:solidFill>
+                  <a:schemeClr val="lt1"/>
+                </a:solidFill>
+                <a:latin typeface="Arial" charset="0"/>
+                <a:ea typeface="Arial" charset="0"/>
+                <a:cs typeface="Arial" charset="0"/>
+                <a:sym typeface="Cabin"/>
+              </a:rPr>
+              <a:t>is </a:t>
+            </a:r>
+            <a:r>
+              <a:rPr lang="en-US" sz="3600" u="none" strike="noStrike" cap="none" dirty="0">
+                <a:solidFill>
+                  <a:schemeClr val="lt1"/>
+                </a:solidFill>
+                <a:latin typeface="Arial" charset="0"/>
+                <a:ea typeface="Arial" charset="0"/>
+                <a:cs typeface="Arial" charset="0"/>
+                <a:sym typeface="Cabin"/>
+              </a:rPr>
+              <a:t>to be </a:t>
+            </a:r>
+            <a:r>
+              <a:rPr lang="en-US" sz="3600" u="none" strike="noStrike" cap="none" dirty="0">
                 <a:solidFill>
                   <a:srgbClr val="FFFF00"/>
                 </a:solidFill>
@@ -23417,7 +23446,7 @@
               <a:t>repeated</a:t>
             </a:r>
             <a:r>
-              <a:rPr lang="en-US" sz="3600" u="none" strike="noStrike" cap="none">
+              <a:rPr lang="en-US" sz="3600" u="none" strike="noStrike" cap="none" dirty="0">
                 <a:solidFill>
                   <a:schemeClr val="lt1"/>
                 </a:solidFill>
@@ -23448,7 +23477,7 @@
               <a:buChar char="•"/>
             </a:pPr>
             <a:r>
-              <a:rPr lang="en-US" sz="3600" u="none" strike="noStrike" cap="none">
+              <a:rPr lang="en-US" sz="3600" u="none" strike="noStrike" cap="none" dirty="0">
                 <a:solidFill>
                   <a:schemeClr val="lt1"/>
                 </a:solidFill>
@@ -23470,7 +23499,7 @@
   <p:timing>
     <p:tnLst>
       <p:par>
-        <p:cTn id="1" dur="indefinite" restart="never" nodeType="tmRoot"/>
+        <p:cTn xmlns:p14="http://schemas.microsoft.com/office/powerpoint/2010/main" id="1" dur="indefinite" restart="never" nodeType="tmRoot"/>
       </p:par>
     </p:tnLst>
   </p:timing>
@@ -23808,7 +23837,7 @@
         <p:spPr>
           <a:xfrm>
             <a:off x="11812570" y="3325265"/>
-            <a:ext cx="1993800" cy="2132099"/>
+            <a:ext cx="1734097" cy="2132099"/>
           </a:xfrm>
           <a:prstGeom prst="rect">
             <a:avLst/>
@@ -23842,7 +23871,7 @@
               <a:buNone/>
             </a:pPr>
             <a:r>
-              <a:rPr lang="en-US" sz="3600" u="none" strike="noStrike" cap="none">
+              <a:rPr lang="en-US" sz="3600" u="none" strike="noStrike" cap="none" dirty="0">
                 <a:solidFill>
                   <a:schemeClr val="lt1"/>
                 </a:solidFill>
@@ -23867,7 +23896,7 @@
               </a:spcAft>
               <a:buNone/>
             </a:pPr>
-            <a:endParaRPr sz="3600" u="none" strike="noStrike" cap="none">
+            <a:endParaRPr sz="3600" u="none" strike="noStrike" cap="none" dirty="0">
               <a:solidFill>
                 <a:schemeClr val="lt1"/>
               </a:solidFill>
@@ -23896,7 +23925,7 @@
               <a:buNone/>
             </a:pPr>
             <a:r>
-              <a:rPr lang="en-US" sz="3600" u="none" strike="noStrike" cap="none">
+              <a:rPr lang="en-US" sz="3600" u="none" strike="noStrike" cap="none" dirty="0" smtClean="0">
                 <a:solidFill>
                   <a:srgbClr val="FFFF00"/>
                 </a:solidFill>
@@ -23905,8 +23934,17 @@
                 <a:cs typeface="Arial" charset="0"/>
                 <a:sym typeface="Cabin"/>
               </a:rPr>
-              <a:t>2</a:t>
-            </a:r>
+              <a:t>  2</a:t>
+            </a:r>
+            <a:endParaRPr lang="en-US" sz="3600" u="none" strike="noStrike" cap="none" dirty="0">
+              <a:solidFill>
+                <a:srgbClr val="FFFF00"/>
+              </a:solidFill>
+              <a:latin typeface="Arial" charset="0"/>
+              <a:ea typeface="Arial" charset="0"/>
+              <a:cs typeface="Arial" charset="0"/>
+              <a:sym typeface="Cabin"/>
+            </a:endParaRPr>
           </a:p>
           <a:p>
             <a:pPr marL="0" marR="0" lvl="0" indent="0" algn="l" rtl="0">
@@ -23927,7 +23965,7 @@
               <a:buNone/>
             </a:pPr>
             <a:r>
-              <a:rPr lang="en-US" sz="3600" u="none" strike="noStrike" cap="none">
+              <a:rPr lang="en-US" sz="3600" u="none" strike="noStrike" cap="none" dirty="0" smtClean="0">
                 <a:solidFill>
                   <a:srgbClr val="FFFF00"/>
                 </a:solidFill>
@@ -23936,8 +23974,17 @@
                 <a:cs typeface="Arial" charset="0"/>
                 <a:sym typeface="Cabin"/>
               </a:rPr>
-              <a:t>4</a:t>
-            </a:r>
+              <a:t>  4</a:t>
+            </a:r>
+            <a:endParaRPr lang="en-US" sz="3600" u="none" strike="noStrike" cap="none" dirty="0">
+              <a:solidFill>
+                <a:srgbClr val="FFFF00"/>
+              </a:solidFill>
+              <a:latin typeface="Arial" charset="0"/>
+              <a:ea typeface="Arial" charset="0"/>
+              <a:cs typeface="Arial" charset="0"/>
+              <a:sym typeface="Cabin"/>
+            </a:endParaRPr>
           </a:p>
         </p:txBody>
       </p:sp>
@@ -24323,7 +24370,7 @@
         </p:nvCxnSpPr>
         <p:spPr>
           <a:xfrm flipH="1">
-            <a:off x="8774349" y="5278965"/>
+            <a:off x="8554783" y="5278965"/>
             <a:ext cx="3002751" cy="557631"/>
           </a:xfrm>
           <a:prstGeom prst="straightConnector1">
@@ -24478,7 +24525,7 @@
   <p:timing>
     <p:tnLst>
       <p:par>
-        <p:cTn id="1" dur="indefinite" restart="never" nodeType="tmRoot"/>
+        <p:cTn xmlns:p14="http://schemas.microsoft.com/office/powerpoint/2010/main" id="1" dur="indefinite" restart="never" nodeType="tmRoot"/>
       </p:par>
     </p:tnLst>
   </p:timing>
@@ -24626,7 +24673,7 @@
               <a:buChar char="•"/>
             </a:pPr>
             <a:r>
-              <a:rPr lang="en-US" sz="3200" u="none" strike="noStrike" cap="none">
+              <a:rPr lang="en-US" sz="3200" u="none" strike="noStrike" cap="none" dirty="0">
                 <a:solidFill>
                   <a:schemeClr val="lt1"/>
                 </a:solidFill>
@@ -24635,7 +24682,31 @@
                 <a:cs typeface="Arial" charset="0"/>
                 <a:sym typeface="Cabin"/>
               </a:rPr>
-              <a:t>Users see computers as a set of tools - word processor, spreadsheet, map, todo list, etc.</a:t>
+              <a:t>Users see computers as a set of tools - word processor, spreadsheet, map, </a:t>
+            </a:r>
+            <a:r>
+              <a:rPr lang="en-US" sz="3200" u="none" strike="noStrike" cap="none" dirty="0" smtClean="0">
+                <a:solidFill>
+                  <a:schemeClr val="lt1"/>
+                </a:solidFill>
+                <a:latin typeface="Arial" charset="0"/>
+                <a:ea typeface="Arial" charset="0"/>
+                <a:cs typeface="Arial" charset="0"/>
+                <a:sym typeface="Cabin"/>
+              </a:rPr>
+              <a:t>to-do </a:t>
+            </a:r>
+            <a:r>
+              <a:rPr lang="en-US" sz="3200" u="none" strike="noStrike" cap="none" dirty="0">
+                <a:solidFill>
+                  <a:schemeClr val="lt1"/>
+                </a:solidFill>
+                <a:latin typeface="Arial" charset="0"/>
+                <a:ea typeface="Arial" charset="0"/>
+                <a:cs typeface="Arial" charset="0"/>
+                <a:sym typeface="Cabin"/>
+              </a:rPr>
+              <a:t>list, etc.</a:t>
             </a:r>
           </a:p>
           <a:p>
@@ -24657,7 +24728,7 @@
               <a:buChar char="•"/>
             </a:pPr>
             <a:r>
-              <a:rPr lang="en-US" sz="3200" u="none" strike="noStrike" cap="none">
+              <a:rPr lang="en-US" sz="3200" u="none" strike="noStrike" cap="none" dirty="0">
                 <a:solidFill>
                   <a:schemeClr val="lt1"/>
                 </a:solidFill>
@@ -24669,7 +24740,7 @@
               <a:t>Programmers learn the computer </a:t>
             </a:r>
             <a:r>
-              <a:rPr lang="en-US" sz="3200" b="0" i="0" u="none" strike="noStrike" cap="none">
+              <a:rPr lang="en-US" sz="3200" b="0" i="0" u="none" strike="noStrike" cap="none" dirty="0">
                 <a:solidFill>
                   <a:schemeClr val="lt1"/>
                 </a:solidFill>
@@ -24681,7 +24752,7 @@
               <a:t>“</a:t>
             </a:r>
             <a:r>
-              <a:rPr lang="en-US" sz="3200" u="none" strike="noStrike" cap="none">
+              <a:rPr lang="en-US" sz="3200" u="none" strike="noStrike" cap="none" dirty="0">
                 <a:solidFill>
                   <a:schemeClr val="lt1"/>
                 </a:solidFill>
@@ -24693,7 +24764,7 @@
               <a:t>ways</a:t>
             </a:r>
             <a:r>
-              <a:rPr lang="en-US" sz="3200" b="0" i="0" u="none" strike="noStrike" cap="none">
+              <a:rPr lang="en-US" sz="3200" b="0" i="0" u="none" strike="noStrike" cap="none" dirty="0">
                 <a:solidFill>
                   <a:schemeClr val="lt1"/>
                 </a:solidFill>
@@ -24705,7 +24776,7 @@
               <a:t>”</a:t>
             </a:r>
             <a:r>
-              <a:rPr lang="en-US" sz="3200" u="none" strike="noStrike" cap="none">
+              <a:rPr lang="en-US" sz="3200" u="none" strike="noStrike" cap="none" dirty="0">
                 <a:solidFill>
                   <a:schemeClr val="lt1"/>
                 </a:solidFill>
@@ -24736,7 +24807,7 @@
               <a:buChar char="•"/>
             </a:pPr>
             <a:r>
-              <a:rPr lang="en-US" sz="3200" u="none" strike="noStrike" cap="none">
+              <a:rPr lang="en-US" sz="3200" u="none" strike="noStrike" cap="none" dirty="0">
                 <a:solidFill>
                   <a:schemeClr val="lt1"/>
                 </a:solidFill>
@@ -24767,7 +24838,7 @@
               <a:buChar char="•"/>
             </a:pPr>
             <a:r>
-              <a:rPr lang="en-US" sz="3200" u="none" strike="noStrike" cap="none">
+              <a:rPr lang="en-US" sz="3200" u="none" strike="noStrike" cap="none" dirty="0">
                 <a:solidFill>
                   <a:schemeClr val="lt1"/>
                 </a:solidFill>
@@ -24779,7 +24850,7 @@
               <a:t>Programmers sometimes write tools for lots of users and sometimes programmers write little </a:t>
             </a:r>
             <a:r>
-              <a:rPr lang="en-US" sz="3200" b="0" i="0" u="none" strike="noStrike" cap="none">
+              <a:rPr lang="en-US" sz="3200" b="0" i="0" u="none" strike="noStrike" cap="none" dirty="0">
                 <a:solidFill>
                   <a:schemeClr val="lt1"/>
                 </a:solidFill>
@@ -24791,7 +24862,7 @@
               <a:t>“</a:t>
             </a:r>
             <a:r>
-              <a:rPr lang="en-US" sz="3200" u="none" strike="noStrike" cap="none">
+              <a:rPr lang="en-US" sz="3200" u="none" strike="noStrike" cap="none" dirty="0">
                 <a:solidFill>
                   <a:schemeClr val="lt1"/>
                 </a:solidFill>
@@ -24803,7 +24874,7 @@
               <a:t>helpers</a:t>
             </a:r>
             <a:r>
-              <a:rPr lang="en-US" sz="3200" b="0" i="0" u="none" strike="noStrike" cap="none">
+              <a:rPr lang="en-US" sz="3200" b="0" i="0" u="none" strike="noStrike" cap="none" dirty="0">
                 <a:solidFill>
                   <a:schemeClr val="lt1"/>
                 </a:solidFill>
@@ -24815,7 +24886,7 @@
               <a:t>”</a:t>
             </a:r>
             <a:r>
-              <a:rPr lang="en-US" sz="3200" u="none" strike="noStrike" cap="none">
+              <a:rPr lang="en-US" sz="3200" u="none" strike="noStrike" cap="none" dirty="0">
                 <a:solidFill>
                   <a:schemeClr val="lt1"/>
                 </a:solidFill>
@@ -24837,7 +24908,7 @@
   <p:timing>
     <p:tnLst>
       <p:par>
-        <p:cTn id="1" dur="indefinite" restart="never" nodeType="tmRoot"/>
+        <p:cTn xmlns:p14="http://schemas.microsoft.com/office/powerpoint/2010/main" id="1" dur="indefinite" restart="never" nodeType="tmRoot"/>
       </p:par>
     </p:tnLst>
   </p:timing>
@@ -24965,7 +25036,7 @@
               <a:buNone/>
             </a:pPr>
             <a:r>
-              <a:rPr lang="en-US" sz="3600" u="none" strike="noStrike" cap="none">
+              <a:rPr lang="en-US" sz="3600" u="none" strike="noStrike" cap="none" dirty="0">
                 <a:solidFill>
                   <a:schemeClr val="lt1"/>
                 </a:solidFill>
@@ -24990,7 +25061,7 @@
               </a:spcAft>
               <a:buNone/>
             </a:pPr>
-            <a:endParaRPr sz="3600" u="none" strike="noStrike" cap="none">
+            <a:endParaRPr sz="3600" u="none" strike="noStrike" cap="none" dirty="0">
               <a:solidFill>
                 <a:schemeClr val="lt1"/>
               </a:solidFill>
@@ -25019,7 +25090,7 @@
               <a:buNone/>
             </a:pPr>
             <a:r>
-              <a:rPr lang="en-US" sz="3600" u="none" strike="noStrike" cap="none">
+              <a:rPr lang="en-US" sz="3600" u="none" strike="noStrike" cap="none" dirty="0" smtClean="0">
                 <a:solidFill>
                   <a:srgbClr val="FFFF00"/>
                 </a:solidFill>
@@ -25030,6 +25101,15 @@
               </a:rPr>
               <a:t>Smaller</a:t>
             </a:r>
+            <a:endParaRPr lang="en-US" sz="3600" u="none" strike="noStrike" cap="none" dirty="0">
+              <a:solidFill>
+                <a:srgbClr val="FFFF00"/>
+              </a:solidFill>
+              <a:latin typeface="Arial" charset="0"/>
+              <a:ea typeface="Arial" charset="0"/>
+              <a:cs typeface="Arial" charset="0"/>
+              <a:sym typeface="Cabin"/>
+            </a:endParaRPr>
           </a:p>
           <a:p>
             <a:pPr marL="0" marR="0" lvl="0" indent="0" algn="l" rtl="0">
@@ -25050,7 +25130,7 @@
               <a:buNone/>
             </a:pPr>
             <a:r>
-              <a:rPr lang="en-US" sz="3600" u="none" strike="noStrike" cap="none">
+              <a:rPr lang="en-US" sz="3600" u="none" strike="noStrike" cap="none" dirty="0" smtClean="0">
                 <a:solidFill>
                   <a:srgbClr val="FFFF00"/>
                 </a:solidFill>
@@ -25059,8 +25139,17 @@
                 <a:cs typeface="Arial" charset="0"/>
                 <a:sym typeface="Cabin"/>
               </a:rPr>
-              <a:t>Finis</a:t>
-            </a:r>
+              <a:t>Finis </a:t>
+            </a:r>
+            <a:endParaRPr lang="en-US" sz="3600" u="none" strike="noStrike" cap="none" dirty="0">
+              <a:solidFill>
+                <a:srgbClr val="FFFF00"/>
+              </a:solidFill>
+              <a:latin typeface="Arial" charset="0"/>
+              <a:ea typeface="Arial" charset="0"/>
+              <a:cs typeface="Arial" charset="0"/>
+              <a:sym typeface="Cabin"/>
+            </a:endParaRPr>
           </a:p>
         </p:txBody>
       </p:sp>
@@ -25269,7 +25358,19 @@
                 <a:cs typeface="Courier" charset="0"/>
                 <a:sym typeface="Cabin"/>
               </a:rPr>
-              <a:t>'Smaller’</a:t>
+              <a:t>'</a:t>
+            </a:r>
+            <a:r>
+              <a:rPr lang="en-US" sz="2800" dirty="0">
+                <a:solidFill>
+                  <a:srgbClr val="00FF00"/>
+                </a:solidFill>
+                <a:latin typeface="Courier" charset="0"/>
+                <a:ea typeface="Courier" charset="0"/>
+                <a:cs typeface="Courier" charset="0"/>
+                <a:sym typeface="Cabin"/>
+              </a:rPr>
+              <a:t>Smaller'</a:t>
             </a:r>
             <a:r>
               <a:rPr lang="en-US" sz="2800" dirty="0" smtClean="0">
@@ -25356,7 +25457,7 @@
               <a:buSzPct val="25000"/>
             </a:pPr>
             <a:r>
-              <a:rPr lang="en-US" sz="2800" u="none" strike="noStrike" cap="none">
+              <a:rPr lang="en-US" sz="2800" u="none" strike="noStrike" cap="none" dirty="0">
                 <a:solidFill>
                   <a:srgbClr val="FF7F00"/>
                 </a:solidFill>
@@ -25368,7 +25469,7 @@
               <a:t>    </a:t>
             </a:r>
             <a:r>
-              <a:rPr lang="en-US" sz="2800" u="none" strike="noStrike" cap="none" smtClean="0">
+              <a:rPr lang="en-US" sz="2800" u="none" strike="noStrike" cap="none" dirty="0" smtClean="0">
                 <a:solidFill>
                   <a:srgbClr val="FFFF00"/>
                 </a:solidFill>
@@ -25377,22 +25478,22 @@
                 <a:cs typeface="Courier" charset="0"/>
                 <a:sym typeface="Cabin"/>
               </a:rPr>
-              <a:t>print</a:t>
+              <a:t>print(</a:t>
             </a:r>
             <a:r>
               <a:rPr lang="en-US" sz="2800" u="none" strike="noStrike" cap="none" dirty="0" smtClean="0">
                 <a:solidFill>
-                  <a:srgbClr val="FFFF00"/>
+                  <a:srgbClr val="00FF00"/>
                 </a:solidFill>
                 <a:latin typeface="Courier" charset="0"/>
                 <a:ea typeface="Courier" charset="0"/>
                 <a:cs typeface="Courier" charset="0"/>
                 <a:sym typeface="Cabin"/>
               </a:rPr>
-              <a:t>(</a:t>
-            </a:r>
-            <a:r>
-              <a:rPr lang="en-US" sz="2800" u="none" strike="noStrike" cap="none" dirty="0" smtClean="0">
+              <a:t>'</a:t>
+            </a:r>
+            <a:r>
+              <a:rPr lang="en-US" sz="2800" dirty="0">
                 <a:solidFill>
                   <a:srgbClr val="00FF00"/>
                 </a:solidFill>
@@ -25401,7 +25502,7 @@
                 <a:cs typeface="Courier" charset="0"/>
                 <a:sym typeface="Cabin"/>
               </a:rPr>
-              <a:t>'Bigger’</a:t>
+              <a:t>Bigger'</a:t>
             </a:r>
             <a:r>
               <a:rPr lang="en-US" sz="2800" dirty="0" smtClean="0">
@@ -25465,19 +25566,19 @@
                 <a:cs typeface="Courier" charset="0"/>
                 <a:sym typeface="Cabin"/>
               </a:rPr>
-              <a:t>print(</a:t>
+              <a:t>Print(</a:t>
             </a:r>
             <a:r>
               <a:rPr lang="en-US" sz="2800" u="none" strike="noStrike" cap="none" dirty="0" smtClean="0">
                 <a:solidFill>
-                  <a:srgbClr val="FF7F00"/>
+                  <a:srgbClr val="00FF00"/>
                 </a:solidFill>
                 <a:latin typeface="Courier" charset="0"/>
                 <a:ea typeface="Courier" charset="0"/>
                 <a:cs typeface="Courier" charset="0"/>
                 <a:sym typeface="Cabin"/>
               </a:rPr>
-              <a:t> </a:t>
+              <a:t>'</a:t>
             </a:r>
             <a:r>
               <a:rPr lang="en-US" sz="2800" u="none" strike="noStrike" cap="none" dirty="0">
@@ -25489,7 +25590,7 @@
                 <a:cs typeface="Courier" charset="0"/>
                 <a:sym typeface="Cabin"/>
               </a:rPr>
-              <a:t>'Finis</a:t>
+              <a:t>Finis</a:t>
             </a:r>
             <a:r>
               <a:rPr lang="en-US" sz="2800" u="none" strike="noStrike" cap="none" dirty="0" smtClean="0">
@@ -25776,22 +25877,11 @@
           </a:bodyPr>
           <a:lstStyle/>
           <a:p>
-            <a:pPr marL="0" marR="0" lvl="0" indent="0" algn="ctr" rtl="0">
-              <a:lnSpc>
-                <a:spcPct val="100000"/>
-              </a:lnSpc>
-              <a:spcBef>
-                <a:spcPts val="0"/>
-              </a:spcBef>
-              <a:spcAft>
-                <a:spcPts val="0"/>
-              </a:spcAft>
+            <a:pPr lvl="0" algn="ctr">
               <a:buClr>
                 <a:schemeClr val="lt1"/>
               </a:buClr>
               <a:buSzPct val="25000"/>
-              <a:buFont typeface="Cabin"/>
-              <a:buNone/>
             </a:pPr>
             <a:r>
               <a:rPr lang="en-US" sz="3000" u="none" strike="noStrike" cap="none" dirty="0" smtClean="0">
@@ -25803,7 +25893,19 @@
                 <a:cs typeface="Arial" charset="0"/>
                 <a:sym typeface="Cabin"/>
               </a:rPr>
-              <a:t>print('Smaller’)</a:t>
+              <a:t>print('</a:t>
+            </a:r>
+            <a:r>
+              <a:rPr lang="en-US" sz="3000" dirty="0">
+                <a:solidFill>
+                  <a:schemeClr val="lt1"/>
+                </a:solidFill>
+                <a:latin typeface="Arial" charset="0"/>
+                <a:ea typeface="Arial" charset="0"/>
+                <a:cs typeface="Arial" charset="0"/>
+                <a:sym typeface="Cabin"/>
+              </a:rPr>
+              <a:t>Smaller')</a:t>
             </a:r>
             <a:endParaRPr lang="en-US" sz="3000" u="none" strike="noStrike" cap="none" dirty="0">
               <a:solidFill>
@@ -26053,22 +26155,11 @@
           </a:bodyPr>
           <a:lstStyle/>
           <a:p>
-            <a:pPr marL="0" marR="0" lvl="0" indent="0" algn="ctr" rtl="0">
-              <a:lnSpc>
-                <a:spcPct val="100000"/>
-              </a:lnSpc>
-              <a:spcBef>
-                <a:spcPts val="0"/>
-              </a:spcBef>
-              <a:spcAft>
-                <a:spcPts val="0"/>
-              </a:spcAft>
+            <a:pPr lvl="0" algn="ctr">
               <a:buClr>
                 <a:schemeClr val="lt1"/>
               </a:buClr>
               <a:buSzPct val="25000"/>
-              <a:buFont typeface="Cabin"/>
-              <a:buNone/>
             </a:pPr>
             <a:r>
               <a:rPr lang="en-US" sz="3000" u="none" strike="noStrike" cap="none" dirty="0" smtClean="0">
@@ -26080,7 +26171,19 @@
                 <a:cs typeface="Arial" charset="0"/>
                 <a:sym typeface="Cabin"/>
               </a:rPr>
-              <a:t>print('Bigger’)</a:t>
+              <a:t>print('</a:t>
+            </a:r>
+            <a:r>
+              <a:rPr lang="en-US" sz="3000" dirty="0">
+                <a:solidFill>
+                  <a:schemeClr val="lt1"/>
+                </a:solidFill>
+                <a:latin typeface="Arial" charset="0"/>
+                <a:ea typeface="Arial" charset="0"/>
+                <a:cs typeface="Arial" charset="0"/>
+                <a:sym typeface="Cabin"/>
+              </a:rPr>
+              <a:t>Bigger')</a:t>
             </a:r>
             <a:endParaRPr lang="en-US" sz="3000" u="none" strike="noStrike" cap="none" dirty="0">
               <a:solidFill>
@@ -26255,22 +26358,11 @@
           </a:bodyPr>
           <a:lstStyle/>
           <a:p>
-            <a:pPr marL="0" marR="0" lvl="0" indent="0" algn="ctr" rtl="0">
-              <a:lnSpc>
-                <a:spcPct val="100000"/>
-              </a:lnSpc>
-              <a:spcBef>
-                <a:spcPts val="0"/>
-              </a:spcBef>
-              <a:spcAft>
-                <a:spcPts val="0"/>
-              </a:spcAft>
+            <a:pPr lvl="0" algn="ctr">
               <a:buClr>
                 <a:schemeClr val="lt1"/>
               </a:buClr>
               <a:buSzPct val="25000"/>
-              <a:buFont typeface="Cabin"/>
-              <a:buNone/>
             </a:pPr>
             <a:r>
               <a:rPr lang="en-US" sz="3000" u="none" strike="noStrike" cap="none" dirty="0" smtClean="0">
@@ -26282,7 +26374,19 @@
                 <a:cs typeface="Arial" charset="0"/>
                 <a:sym typeface="Cabin"/>
               </a:rPr>
-              <a:t>print('Finis’)</a:t>
+              <a:t>print('</a:t>
+            </a:r>
+            <a:r>
+              <a:rPr lang="en-US" sz="3000" dirty="0">
+                <a:solidFill>
+                  <a:schemeClr val="lt1"/>
+                </a:solidFill>
+                <a:latin typeface="Arial" charset="0"/>
+                <a:ea typeface="Arial" charset="0"/>
+                <a:cs typeface="Arial" charset="0"/>
+                <a:sym typeface="Cabin"/>
+              </a:rPr>
+              <a:t>Finis')</a:t>
             </a:r>
             <a:endParaRPr lang="en-US" sz="3000" u="none" strike="noStrike" cap="none" dirty="0">
               <a:solidFill>
@@ -26461,7 +26565,7 @@
   <p:timing>
     <p:tnLst>
       <p:par>
-        <p:cTn id="1" dur="indefinite" restart="never" nodeType="tmRoot"/>
+        <p:cTn xmlns:p14="http://schemas.microsoft.com/office/powerpoint/2010/main" id="1" dur="indefinite" restart="never" nodeType="tmRoot"/>
       </p:par>
     </p:tnLst>
   </p:timing>
@@ -26820,8 +26924,8 @@
         </p:nvSpPr>
         <p:spPr>
           <a:xfrm>
-            <a:off x="7486442" y="2601631"/>
-            <a:ext cx="3900696" cy="3876599"/>
+            <a:off x="7491961" y="2611795"/>
+            <a:ext cx="3895178" cy="3876599"/>
           </a:xfrm>
           <a:prstGeom prst="rect">
             <a:avLst/>
@@ -26909,7 +27013,7 @@
               <a:buNone/>
             </a:pPr>
             <a:r>
-              <a:rPr lang="en-US" sz="2800" b="1" u="none" strike="noStrike" cap="none" dirty="0">
+              <a:rPr lang="en-US" sz="2800" u="none" strike="noStrike" cap="none" dirty="0">
                 <a:solidFill>
                   <a:srgbClr val="00FF00"/>
                 </a:solidFill>
@@ -26940,7 +27044,7 @@
               <a:buNone/>
             </a:pPr>
             <a:r>
-              <a:rPr lang="en-US" sz="2800" b="1" u="none" strike="noStrike" cap="none" dirty="0">
+              <a:rPr lang="en-US" sz="2800" u="none" strike="noStrike" cap="none" dirty="0">
                 <a:solidFill>
                   <a:srgbClr val="FFFF00"/>
                 </a:solidFill>
@@ -26952,7 +27056,7 @@
               <a:t>while</a:t>
             </a:r>
             <a:r>
-              <a:rPr lang="en-US" sz="2800" b="1" u="none" strike="noStrike" cap="none" dirty="0">
+              <a:rPr lang="en-US" sz="2800" u="none" strike="noStrike" cap="none" dirty="0">
                 <a:solidFill>
                   <a:srgbClr val="00FF00"/>
                 </a:solidFill>
@@ -26964,7 +27068,7 @@
               <a:t> n &gt; 0</a:t>
             </a:r>
             <a:r>
-              <a:rPr lang="en-US" sz="2800" b="1" u="none" strike="noStrike" cap="none" dirty="0">
+              <a:rPr lang="en-US" sz="2800" u="none" strike="noStrike" cap="none" dirty="0">
                 <a:solidFill>
                   <a:srgbClr val="FFFF00"/>
                 </a:solidFill>
@@ -26995,7 +27099,7 @@
               <a:buNone/>
             </a:pPr>
             <a:r>
-              <a:rPr lang="en-US" sz="2800" b="1" u="none" strike="noStrike" cap="none" dirty="0">
+              <a:rPr lang="en-US" sz="2800" u="none" strike="noStrike" cap="none" dirty="0">
                 <a:solidFill>
                   <a:srgbClr val="FFFF00"/>
                 </a:solidFill>
@@ -27007,7 +27111,7 @@
               <a:t>    </a:t>
             </a:r>
             <a:r>
-              <a:rPr lang="en-US" sz="2800" b="1" u="none" strike="noStrike" cap="none" dirty="0" smtClean="0">
+              <a:rPr lang="en-US" sz="2800" u="none" strike="noStrike" cap="none" dirty="0" smtClean="0">
                 <a:solidFill>
                   <a:srgbClr val="FFFF00"/>
                 </a:solidFill>
@@ -27019,7 +27123,7 @@
               <a:t>print(</a:t>
             </a:r>
             <a:r>
-              <a:rPr lang="en-US" sz="2800" b="1" u="none" strike="noStrike" cap="none" dirty="0" smtClean="0">
+              <a:rPr lang="en-US" sz="2800" u="none" strike="noStrike" cap="none" dirty="0" smtClean="0">
                 <a:solidFill>
                   <a:srgbClr val="00FF00"/>
                 </a:solidFill>
@@ -27031,7 +27135,7 @@
               <a:t>n</a:t>
             </a:r>
             <a:r>
-              <a:rPr lang="en-US" sz="2800" b="1" u="none" strike="noStrike" cap="none" dirty="0" smtClean="0">
+              <a:rPr lang="en-US" sz="2800" u="none" strike="noStrike" cap="none" dirty="0" smtClean="0">
                 <a:solidFill>
                   <a:srgbClr val="FFFF00"/>
                 </a:solidFill>
@@ -27042,7 +27146,7 @@
               </a:rPr>
               <a:t>)</a:t>
             </a:r>
-            <a:endParaRPr lang="en-US" sz="2800" b="1" u="none" strike="noStrike" cap="none" dirty="0">
+            <a:endParaRPr lang="en-US" sz="2800" u="none" strike="noStrike" cap="none" dirty="0">
               <a:solidFill>
                 <a:srgbClr val="FFFF00"/>
               </a:solidFill>
@@ -27071,7 +27175,7 @@
               <a:buNone/>
             </a:pPr>
             <a:r>
-              <a:rPr lang="en-US" sz="2800" b="1" u="none" strike="noStrike" cap="none" dirty="0">
+              <a:rPr lang="en-US" sz="2800" u="none" strike="noStrike" cap="none" dirty="0">
                 <a:solidFill>
                   <a:srgbClr val="FFFF00"/>
                 </a:solidFill>
@@ -27083,7 +27187,7 @@
               <a:t>    </a:t>
             </a:r>
             <a:r>
-              <a:rPr lang="en-US" sz="2800" b="1" u="none" strike="noStrike" cap="none" dirty="0">
+              <a:rPr lang="en-US" sz="2800" u="none" strike="noStrike" cap="none" dirty="0">
                 <a:solidFill>
                   <a:srgbClr val="00FF00"/>
                 </a:solidFill>
@@ -27096,25 +27200,14 @@
             </a:r>
           </a:p>
           <a:p>
-            <a:pPr marL="0" marR="0" lvl="0" indent="0" algn="l" rtl="0">
-              <a:lnSpc>
-                <a:spcPct val="100000"/>
-              </a:lnSpc>
-              <a:spcBef>
-                <a:spcPts val="0"/>
-              </a:spcBef>
-              <a:spcAft>
-                <a:spcPts val="0"/>
-              </a:spcAft>
+            <a:pPr lvl="0">
               <a:buClr>
                 <a:srgbClr val="FFFF00"/>
               </a:buClr>
               <a:buSzPct val="25000"/>
-              <a:buFont typeface="Cabin"/>
-              <a:buNone/>
-            </a:pPr>
-            <a:r>
-              <a:rPr lang="en-US" sz="2800" b="1" dirty="0">
+            </a:pPr>
+            <a:r>
+              <a:rPr lang="en-US" sz="2800" dirty="0">
                 <a:solidFill>
                   <a:srgbClr val="FFFF00"/>
                 </a:solidFill>
@@ -27126,7 +27219,7 @@
               <a:t>p</a:t>
             </a:r>
             <a:r>
-              <a:rPr lang="en-US" sz="2800" b="1" u="none" strike="noStrike" cap="none" dirty="0" smtClean="0">
+              <a:rPr lang="en-US" sz="2800" u="none" strike="noStrike" cap="none" dirty="0" smtClean="0">
                 <a:solidFill>
                   <a:srgbClr val="FFFF00"/>
                 </a:solidFill>
@@ -27138,7 +27231,7 @@
               <a:t>rint(</a:t>
             </a:r>
             <a:r>
-              <a:rPr lang="en-US" sz="2800" b="1" u="none" strike="noStrike" cap="none" dirty="0" smtClean="0">
+              <a:rPr lang="en-US" sz="2800" u="none" strike="noStrike" cap="none" dirty="0" smtClean="0">
                 <a:solidFill>
                   <a:srgbClr val="00FF00"/>
                 </a:solidFill>
@@ -27147,21 +27240,33 @@
                 <a:cs typeface="Courier" charset="0"/>
                 <a:sym typeface="Cabin"/>
               </a:rPr>
-              <a:t>'Blastoff!’</a:t>
-            </a:r>
-            <a:r>
-              <a:rPr lang="en-US" sz="2800" b="1" u="none" strike="noStrike" cap="none" dirty="0" smtClean="0">
-                <a:solidFill>
-                  <a:srgbClr val="FFFF00"/>
+              <a:t>'Blastoff</a:t>
+            </a:r>
+            <a:r>
+              <a:rPr lang="en-US" sz="2800" dirty="0" smtClean="0">
+                <a:solidFill>
+                  <a:srgbClr val="00FF00"/>
                 </a:solidFill>
                 <a:latin typeface="Courier" charset="0"/>
                 <a:ea typeface="Courier" charset="0"/>
                 <a:cs typeface="Courier" charset="0"/>
                 <a:sym typeface="Cabin"/>
               </a:rPr>
+              <a:t>!'</a:t>
+            </a:r>
+            <a:r>
+              <a:rPr lang="en-US" sz="2800" u="none" strike="noStrike" cap="none" dirty="0" smtClean="0">
+                <a:solidFill>
+                  <a:srgbClr val="FFFF00"/>
+                </a:solidFill>
+                <a:latin typeface="Courier" charset="0"/>
+                <a:ea typeface="Courier" charset="0"/>
+                <a:cs typeface="Courier" charset="0"/>
+                <a:sym typeface="Cabin"/>
+              </a:rPr>
               <a:t>)</a:t>
             </a:r>
-            <a:endParaRPr lang="en-US" sz="2800" b="1" u="none" strike="noStrike" cap="none" dirty="0">
+            <a:endParaRPr lang="en-US" sz="2800" u="none" strike="noStrike" cap="none" dirty="0">
               <a:solidFill>
                 <a:srgbClr val="FFFF00"/>
               </a:solidFill>
@@ -27531,9 +27636,9 @@
           <p:nvPr/>
         </p:nvCxnSpPr>
         <p:spPr>
-          <a:xfrm rot="10800000">
-            <a:off x="10490199" y="6235432"/>
-            <a:ext cx="2589212" cy="215899"/>
+          <a:xfrm flipH="1" flipV="1">
+            <a:off x="11387138" y="6115316"/>
+            <a:ext cx="1692273" cy="336016"/>
           </a:xfrm>
           <a:prstGeom prst="straightConnector1">
             <a:avLst/>
@@ -27768,25 +27873,14 @@
           </a:bodyPr>
           <a:lstStyle/>
           <a:p>
-            <a:pPr marL="0" marR="0" lvl="0" indent="0" algn="ctr" rtl="0">
-              <a:lnSpc>
-                <a:spcPct val="100000"/>
-              </a:lnSpc>
-              <a:spcBef>
-                <a:spcPts val="0"/>
-              </a:spcBef>
-              <a:spcAft>
-                <a:spcPts val="0"/>
-              </a:spcAft>
+            <a:pPr lvl="0" algn="ctr">
               <a:buClr>
                 <a:schemeClr val="lt1"/>
               </a:buClr>
               <a:buSzPct val="25000"/>
-              <a:buFont typeface="Cabin"/>
-              <a:buNone/>
-            </a:pPr>
-            <a:r>
-              <a:rPr lang="en-US" sz="3500" u="none" strike="noStrike" cap="none" smtClean="0">
+            </a:pPr>
+            <a:r>
+              <a:rPr lang="en-US" sz="3500" u="none" strike="noStrike" cap="none" dirty="0" smtClean="0">
                 <a:solidFill>
                   <a:schemeClr val="lt1"/>
                 </a:solidFill>
@@ -27795,9 +27889,21 @@
                 <a:cs typeface="Arial" charset="0"/>
                 <a:sym typeface="Cabin"/>
               </a:rPr>
-              <a:t>print('Blastoff’)</a:t>
-            </a:r>
-            <a:endParaRPr lang="en-US" sz="3500" u="none" strike="noStrike" cap="none">
+              <a:t>print('</a:t>
+            </a:r>
+            <a:r>
+              <a:rPr lang="en-US" sz="3500" dirty="0">
+                <a:solidFill>
+                  <a:schemeClr val="lt1"/>
+                </a:solidFill>
+                <a:latin typeface="Arial" charset="0"/>
+                <a:ea typeface="Arial" charset="0"/>
+                <a:cs typeface="Arial" charset="0"/>
+                <a:sym typeface="Cabin"/>
+              </a:rPr>
+              <a:t>Blastoff')</a:t>
+            </a:r>
+            <a:endParaRPr lang="en-US" sz="3500" u="none" strike="noStrike" cap="none" dirty="0">
               <a:solidFill>
                 <a:schemeClr val="lt1"/>
               </a:solidFill>
@@ -28154,7 +28260,7 @@
   <p:timing>
     <p:tnLst>
       <p:par>
-        <p:cTn id="1" dur="indefinite" restart="never" nodeType="tmRoot"/>
+        <p:cTn xmlns:p14="http://schemas.microsoft.com/office/powerpoint/2010/main" id="1" dur="indefinite" restart="never" nodeType="tmRoot"/>
       </p:par>
     </p:tnLst>
   </p:timing>
@@ -28210,7 +28316,7 @@
               <a:buSzPct val="25000"/>
             </a:pPr>
             <a:r>
-              <a:rPr lang="en-US" sz="2800" b="1" dirty="0">
+              <a:rPr lang="en-US" sz="2800" dirty="0">
                 <a:solidFill>
                   <a:srgbClr val="FFFF00"/>
                 </a:solidFill>
@@ -28222,7 +28328,7 @@
               <a:t>name = </a:t>
             </a:r>
             <a:r>
-              <a:rPr lang="en-US" sz="2800" b="1" dirty="0" err="1">
+              <a:rPr lang="en-US" sz="2800" dirty="0" err="1">
                 <a:solidFill>
                   <a:srgbClr val="FFFF00"/>
                 </a:solidFill>
@@ -28234,7 +28340,7 @@
               <a:t>raw_input</a:t>
             </a:r>
             <a:r>
-              <a:rPr lang="en-US" sz="2800" b="1" dirty="0">
+              <a:rPr lang="en-US" sz="2800" dirty="0">
                 <a:solidFill>
                   <a:srgbClr val="FFFF00"/>
                 </a:solidFill>
@@ -28254,7 +28360,7 @@
               <a:buSzPct val="25000"/>
             </a:pPr>
             <a:r>
-              <a:rPr lang="en-US" sz="2800" b="1" dirty="0">
+              <a:rPr lang="en-US" sz="2800" dirty="0">
                 <a:solidFill>
                   <a:srgbClr val="FFFF00"/>
                 </a:solidFill>
@@ -28268,7 +28374,7 @@
           </a:p>
           <a:p>
             <a:pPr lvl="0" algn="ctr"/>
-            <a:endParaRPr lang="en-US" sz="2800" b="1" dirty="0">
+            <a:endParaRPr lang="en-US" sz="2800" dirty="0">
               <a:solidFill>
                 <a:srgbClr val="00FF00"/>
               </a:solidFill>
@@ -28286,7 +28392,7 @@
               <a:buSzPct val="25000"/>
             </a:pPr>
             <a:r>
-              <a:rPr lang="en-US" sz="2800" b="1" dirty="0">
+              <a:rPr lang="en-US" sz="2800" dirty="0">
                 <a:solidFill>
                   <a:srgbClr val="FFFF00"/>
                 </a:solidFill>
@@ -28298,7 +28404,7 @@
               <a:t>counts = </a:t>
             </a:r>
             <a:r>
-              <a:rPr lang="en-US" sz="2800" b="1" dirty="0" err="1">
+              <a:rPr lang="en-US" sz="2800" dirty="0" err="1">
                 <a:solidFill>
                   <a:srgbClr val="FFFF00"/>
                 </a:solidFill>
@@ -28310,7 +28416,7 @@
               <a:t>dict</a:t>
             </a:r>
             <a:r>
-              <a:rPr lang="en-US" sz="2800" b="1" dirty="0">
+              <a:rPr lang="en-US" sz="2800" dirty="0">
                 <a:solidFill>
                   <a:srgbClr val="FFFF00"/>
                 </a:solidFill>
@@ -28330,7 +28436,7 @@
               <a:buSzPct val="25000"/>
             </a:pPr>
             <a:r>
-              <a:rPr lang="en-US" sz="2800" b="1" dirty="0">
+              <a:rPr lang="en-US" sz="2800" dirty="0">
                 <a:solidFill>
                   <a:srgbClr val="00FA00"/>
                 </a:solidFill>
@@ -28350,7 +28456,7 @@
               <a:buSzPct val="25000"/>
             </a:pPr>
             <a:r>
-              <a:rPr lang="en-US" sz="2800" b="1" dirty="0">
+              <a:rPr lang="en-US" sz="2800" dirty="0">
                 <a:solidFill>
                   <a:srgbClr val="00FA00"/>
                 </a:solidFill>
@@ -28362,7 +28468,7 @@
               <a:t>    words = </a:t>
             </a:r>
             <a:r>
-              <a:rPr lang="en-US" sz="2800" b="1" dirty="0" err="1">
+              <a:rPr lang="en-US" sz="2800" dirty="0" err="1">
                 <a:solidFill>
                   <a:srgbClr val="00FA00"/>
                 </a:solidFill>
@@ -28374,7 +28480,7 @@
               <a:t>line.split</a:t>
             </a:r>
             <a:r>
-              <a:rPr lang="en-US" sz="2800" b="1" dirty="0">
+              <a:rPr lang="en-US" sz="2800" dirty="0">
                 <a:solidFill>
                   <a:srgbClr val="00FA00"/>
                 </a:solidFill>
@@ -28394,7 +28500,7 @@
               <a:buSzPct val="25000"/>
             </a:pPr>
             <a:r>
-              <a:rPr lang="en-US" sz="2800" b="1" dirty="0">
+              <a:rPr lang="en-US" sz="2800" dirty="0">
                 <a:solidFill>
                   <a:srgbClr val="00FA00"/>
                 </a:solidFill>
@@ -28414,7 +28520,7 @@
               <a:buSzPct val="25000"/>
             </a:pPr>
             <a:r>
-              <a:rPr lang="en-US" sz="2800" b="1" dirty="0">
+              <a:rPr lang="en-US" sz="2800" dirty="0">
                 <a:solidFill>
                   <a:srgbClr val="00FA00"/>
                 </a:solidFill>
@@ -28426,7 +28532,7 @@
               <a:t>        counts[word] = </a:t>
             </a:r>
             <a:r>
-              <a:rPr lang="en-US" sz="2800" b="1" dirty="0" err="1">
+              <a:rPr lang="en-US" sz="2800" dirty="0" err="1">
                 <a:solidFill>
                   <a:srgbClr val="00FA00"/>
                 </a:solidFill>
@@ -28438,7 +28544,7 @@
               <a:t>counts.get</a:t>
             </a:r>
             <a:r>
-              <a:rPr lang="en-US" sz="2800" b="1" dirty="0">
+              <a:rPr lang="en-US" sz="2800" dirty="0">
                 <a:solidFill>
                   <a:srgbClr val="00FA00"/>
                 </a:solidFill>
@@ -28456,7 +28562,7 @@
                 <a:srgbClr val="00FF00"/>
               </a:buClr>
             </a:pPr>
-            <a:endParaRPr lang="en-US" sz="2800" b="1" dirty="0">
+            <a:endParaRPr lang="en-US" sz="2800" dirty="0">
               <a:solidFill>
                 <a:srgbClr val="00FF00"/>
               </a:solidFill>
@@ -28474,7 +28580,7 @@
               <a:buSzPct val="25000"/>
             </a:pPr>
             <a:r>
-              <a:rPr lang="en-US" sz="2800" b="1" dirty="0" err="1">
+              <a:rPr lang="en-US" sz="2800" dirty="0" err="1">
                 <a:solidFill>
                   <a:srgbClr val="FFFF00"/>
                 </a:solidFill>
@@ -28486,7 +28592,7 @@
               <a:t>bigcount</a:t>
             </a:r>
             <a:r>
-              <a:rPr lang="en-US" sz="2800" b="1" dirty="0">
+              <a:rPr lang="en-US" sz="2800" dirty="0">
                 <a:solidFill>
                   <a:srgbClr val="FFFF00"/>
                 </a:solidFill>
@@ -28506,7 +28612,7 @@
               <a:buSzPct val="25000"/>
             </a:pPr>
             <a:r>
-              <a:rPr lang="en-US" sz="2800" b="1" dirty="0" err="1">
+              <a:rPr lang="en-US" sz="2800" dirty="0" err="1">
                 <a:solidFill>
                   <a:srgbClr val="FFFF00"/>
                 </a:solidFill>
@@ -28518,7 +28624,7 @@
               <a:t>bigword</a:t>
             </a:r>
             <a:r>
-              <a:rPr lang="en-US" sz="2800" b="1" dirty="0">
+              <a:rPr lang="en-US" sz="2800" dirty="0">
                 <a:solidFill>
                   <a:srgbClr val="FFFF00"/>
                 </a:solidFill>
@@ -28538,7 +28644,7 @@
               <a:buSzPct val="25000"/>
             </a:pPr>
             <a:r>
-              <a:rPr lang="en-US" sz="2800" b="1" dirty="0">
+              <a:rPr lang="en-US" sz="2800" dirty="0">
                 <a:solidFill>
                   <a:srgbClr val="00FA00"/>
                 </a:solidFill>
@@ -28550,7 +28656,7 @@
               <a:t>for </a:t>
             </a:r>
             <a:r>
-              <a:rPr lang="en-US" sz="2800" b="1" dirty="0" err="1">
+              <a:rPr lang="en-US" sz="2800" dirty="0" err="1">
                 <a:solidFill>
                   <a:srgbClr val="00FA00"/>
                 </a:solidFill>
@@ -28562,7 +28668,7 @@
               <a:t>word,count</a:t>
             </a:r>
             <a:r>
-              <a:rPr lang="en-US" sz="2800" b="1" dirty="0">
+              <a:rPr lang="en-US" sz="2800" dirty="0">
                 <a:solidFill>
                   <a:srgbClr val="00FA00"/>
                 </a:solidFill>
@@ -28574,7 +28680,7 @@
               <a:t> in </a:t>
             </a:r>
             <a:r>
-              <a:rPr lang="en-US" sz="2800" b="1" dirty="0" err="1">
+              <a:rPr lang="en-US" sz="2800" dirty="0" err="1">
                 <a:solidFill>
                   <a:srgbClr val="00FA00"/>
                 </a:solidFill>
@@ -28586,7 +28692,7 @@
               <a:t>counts.items</a:t>
             </a:r>
             <a:r>
-              <a:rPr lang="en-US" sz="2800" b="1" dirty="0">
+              <a:rPr lang="en-US" sz="2800" dirty="0">
                 <a:solidFill>
                   <a:srgbClr val="00FA00"/>
                 </a:solidFill>
@@ -28606,7 +28712,7 @@
               <a:buSzPct val="25000"/>
             </a:pPr>
             <a:r>
-              <a:rPr lang="en-US" sz="2800" b="1" dirty="0">
+              <a:rPr lang="en-US" sz="2800" dirty="0">
                 <a:solidFill>
                   <a:srgbClr val="FF9300"/>
                 </a:solidFill>
@@ -28618,7 +28724,7 @@
               <a:t>    if </a:t>
             </a:r>
             <a:r>
-              <a:rPr lang="en-US" sz="2800" b="1" dirty="0" err="1">
+              <a:rPr lang="en-US" sz="2800" dirty="0" err="1">
                 <a:solidFill>
                   <a:srgbClr val="FF9300"/>
                 </a:solidFill>
@@ -28630,7 +28736,7 @@
               <a:t>bigcount</a:t>
             </a:r>
             <a:r>
-              <a:rPr lang="en-US" sz="2800" b="1" dirty="0">
+              <a:rPr lang="en-US" sz="2800" dirty="0">
                 <a:solidFill>
                   <a:srgbClr val="FF9300"/>
                 </a:solidFill>
@@ -28642,7 +28748,7 @@
               <a:t> is None or count &gt; </a:t>
             </a:r>
             <a:r>
-              <a:rPr lang="en-US" sz="2800" b="1" dirty="0" err="1">
+              <a:rPr lang="en-US" sz="2800" dirty="0" err="1">
                 <a:solidFill>
                   <a:srgbClr val="FF9300"/>
                 </a:solidFill>
@@ -28654,7 +28760,7 @@
               <a:t>bigcount</a:t>
             </a:r>
             <a:r>
-              <a:rPr lang="en-US" sz="2800" b="1" dirty="0">
+              <a:rPr lang="en-US" sz="2800" dirty="0">
                 <a:solidFill>
                   <a:srgbClr val="FF9300"/>
                 </a:solidFill>
@@ -28674,7 +28780,7 @@
               <a:buSzPct val="25000"/>
             </a:pPr>
             <a:r>
-              <a:rPr lang="en-US" sz="2800" b="1" dirty="0">
+              <a:rPr lang="en-US" sz="2800" dirty="0">
                 <a:solidFill>
                   <a:srgbClr val="FF9300"/>
                 </a:solidFill>
@@ -28686,7 +28792,7 @@
               <a:t>        </a:t>
             </a:r>
             <a:r>
-              <a:rPr lang="en-US" sz="2800" b="1" dirty="0" err="1">
+              <a:rPr lang="en-US" sz="2800" dirty="0" err="1">
                 <a:solidFill>
                   <a:srgbClr val="FF9300"/>
                 </a:solidFill>
@@ -28698,7 +28804,7 @@
               <a:t>bigword</a:t>
             </a:r>
             <a:r>
-              <a:rPr lang="en-US" sz="2800" b="1" dirty="0">
+              <a:rPr lang="en-US" sz="2800" dirty="0">
                 <a:solidFill>
                   <a:srgbClr val="FF9300"/>
                 </a:solidFill>
@@ -28718,7 +28824,7 @@
               <a:buSzPct val="25000"/>
             </a:pPr>
             <a:r>
-              <a:rPr lang="en-US" sz="2800" b="1" dirty="0">
+              <a:rPr lang="en-US" sz="2800" dirty="0">
                 <a:solidFill>
                   <a:srgbClr val="FF9300"/>
                 </a:solidFill>
@@ -28730,7 +28836,7 @@
               <a:t>        </a:t>
             </a:r>
             <a:r>
-              <a:rPr lang="en-US" sz="2800" b="1" dirty="0" err="1">
+              <a:rPr lang="en-US" sz="2800" dirty="0" err="1">
                 <a:solidFill>
                   <a:srgbClr val="FF9300"/>
                 </a:solidFill>
@@ -28742,7 +28848,7 @@
               <a:t>bigcount</a:t>
             </a:r>
             <a:r>
-              <a:rPr lang="en-US" sz="2800" b="1" dirty="0">
+              <a:rPr lang="en-US" sz="2800" dirty="0">
                 <a:solidFill>
                   <a:srgbClr val="FF9300"/>
                 </a:solidFill>
@@ -28760,7 +28866,7 @@
                 <a:srgbClr val="00FF00"/>
               </a:buClr>
             </a:pPr>
-            <a:endParaRPr lang="en-US" sz="2800" b="1" dirty="0">
+            <a:endParaRPr lang="en-US" sz="2800" dirty="0">
               <a:solidFill>
                 <a:srgbClr val="00FF00"/>
               </a:solidFill>
@@ -28778,7 +28884,7 @@
               <a:buSzPct val="25000"/>
             </a:pPr>
             <a:r>
-              <a:rPr lang="en-US" sz="2800" b="1" dirty="0">
+              <a:rPr lang="en-US" sz="2800" dirty="0">
                 <a:solidFill>
                   <a:srgbClr val="FFFF00"/>
                 </a:solidFill>
@@ -28790,7 +28896,7 @@
               <a:t>print(</a:t>
             </a:r>
             <a:r>
-              <a:rPr lang="en-US" sz="2800" b="1" dirty="0" err="1">
+              <a:rPr lang="en-US" sz="2800" dirty="0" err="1">
                 <a:solidFill>
                   <a:srgbClr val="FFFF00"/>
                 </a:solidFill>
@@ -28802,7 +28908,7 @@
               <a:t>bigword</a:t>
             </a:r>
             <a:r>
-              <a:rPr lang="en-US" sz="2800" b="1" dirty="0">
+              <a:rPr lang="en-US" sz="2800" dirty="0">
                 <a:solidFill>
                   <a:srgbClr val="FFFF00"/>
                 </a:solidFill>
@@ -28814,7 +28920,7 @@
               <a:t>, </a:t>
             </a:r>
             <a:r>
-              <a:rPr lang="en-US" sz="2800" b="1" dirty="0" err="1">
+              <a:rPr lang="en-US" sz="2800" dirty="0" err="1">
                 <a:solidFill>
                   <a:srgbClr val="FFFF00"/>
                 </a:solidFill>
@@ -28826,7 +28932,7 @@
               <a:t>bigcount</a:t>
             </a:r>
             <a:r>
-              <a:rPr lang="en-US" sz="2800" b="1" dirty="0">
+              <a:rPr lang="en-US" sz="2800" dirty="0">
                 <a:solidFill>
                   <a:srgbClr val="FFFF00"/>
                 </a:solidFill>
@@ -28837,15 +28943,6 @@
               </a:rPr>
               <a:t>)</a:t>
             </a:r>
-            <a:endParaRPr lang="en-US" sz="2800" b="1" dirty="0">
-              <a:solidFill>
-                <a:srgbClr val="FFFF00"/>
-              </a:solidFill>
-              <a:latin typeface="Courier New"/>
-              <a:ea typeface="Courier New"/>
-              <a:cs typeface="Courier New"/>
-              <a:sym typeface="Courier New"/>
-            </a:endParaRPr>
           </a:p>
         </p:txBody>
       </p:sp>
@@ -29036,7 +29133,7 @@
               <a:buNone/>
             </a:pPr>
             <a:r>
-              <a:rPr lang="en-US" sz="2800" b="1" i="0" u="none" strike="noStrike" cap="none" dirty="0">
+              <a:rPr lang="en-US" sz="2800" i="0" u="none" strike="noStrike" cap="none" dirty="0">
                 <a:solidFill>
                   <a:srgbClr val="FFFF00"/>
                 </a:solidFill>
@@ -29048,7 +29145,7 @@
               <a:t>name = </a:t>
             </a:r>
             <a:r>
-              <a:rPr lang="en-US" sz="2800" b="1" i="0" u="none" strike="noStrike" cap="none" dirty="0" smtClean="0">
+              <a:rPr lang="en-US" sz="2800" i="0" u="none" strike="noStrike" cap="none" dirty="0" smtClean="0">
                 <a:solidFill>
                   <a:schemeClr val="bg1"/>
                 </a:solidFill>
@@ -29060,7 +29157,7 @@
               <a:t>input</a:t>
             </a:r>
             <a:r>
-              <a:rPr lang="en-US" sz="2800" b="1" i="0" u="none" strike="noStrike" cap="none" dirty="0">
+              <a:rPr lang="en-US" sz="2800" i="0" u="none" strike="noStrike" cap="none" dirty="0">
                 <a:solidFill>
                   <a:srgbClr val="FFFF00"/>
                 </a:solidFill>
@@ -29091,7 +29188,7 @@
               <a:buNone/>
             </a:pPr>
             <a:r>
-              <a:rPr lang="en-US" sz="2800" b="1" i="0" u="none" strike="noStrike" cap="none" dirty="0">
+              <a:rPr lang="en-US" sz="2800" i="0" u="none" strike="noStrike" cap="none" dirty="0">
                 <a:solidFill>
                   <a:srgbClr val="FFFF00"/>
                 </a:solidFill>
@@ -29116,7 +29213,7 @@
               </a:spcAft>
               <a:buNone/>
             </a:pPr>
-            <a:endParaRPr sz="2800" b="1" i="0" u="none" strike="noStrike" cap="none" dirty="0">
+            <a:endParaRPr sz="2800" i="0" u="none" strike="noStrike" cap="none" dirty="0">
               <a:solidFill>
                 <a:srgbClr val="00FF00"/>
               </a:solidFill>
@@ -29145,7 +29242,7 @@
               <a:buNone/>
             </a:pPr>
             <a:r>
-              <a:rPr lang="en-US" sz="2800" b="1" i="0" u="none" strike="noStrike" cap="none" dirty="0">
+              <a:rPr lang="en-US" sz="2800" i="0" u="none" strike="noStrike" cap="none" dirty="0">
                 <a:solidFill>
                   <a:srgbClr val="FFFF00"/>
                 </a:solidFill>
@@ -29157,7 +29254,7 @@
               <a:t>counts = </a:t>
             </a:r>
             <a:r>
-              <a:rPr lang="en-US" sz="2800" b="1" i="0" u="none" strike="noStrike" cap="none" dirty="0" err="1">
+              <a:rPr lang="en-US" sz="2800" i="0" u="none" strike="noStrike" cap="none" dirty="0" err="1">
                 <a:solidFill>
                   <a:srgbClr val="FFFF00"/>
                 </a:solidFill>
@@ -29169,7 +29266,7 @@
               <a:t>dict</a:t>
             </a:r>
             <a:r>
-              <a:rPr lang="en-US" sz="2800" b="1" i="0" u="none" strike="noStrike" cap="none" dirty="0">
+              <a:rPr lang="en-US" sz="2800" i="0" u="none" strike="noStrike" cap="none" dirty="0">
                 <a:solidFill>
                   <a:srgbClr val="FFFF00"/>
                 </a:solidFill>
@@ -29189,7 +29286,7 @@
               <a:buSzPct val="25000"/>
             </a:pPr>
             <a:r>
-              <a:rPr lang="en-US" sz="2800" b="1" dirty="0">
+              <a:rPr lang="en-US" sz="2800" dirty="0">
                 <a:solidFill>
                   <a:srgbClr val="00FF00"/>
                 </a:solidFill>
@@ -29209,7 +29306,7 @@
               <a:buSzPct val="25000"/>
             </a:pPr>
             <a:r>
-              <a:rPr lang="en-US" sz="2800" b="1" dirty="0">
+              <a:rPr lang="en-US" sz="2800" dirty="0">
                 <a:solidFill>
                   <a:srgbClr val="00FF00"/>
                 </a:solidFill>
@@ -29221,7 +29318,7 @@
               <a:t>    words = </a:t>
             </a:r>
             <a:r>
-              <a:rPr lang="en-US" sz="2800" b="1" dirty="0" err="1">
+              <a:rPr lang="en-US" sz="2800" dirty="0" err="1">
                 <a:solidFill>
                   <a:srgbClr val="00FF00"/>
                 </a:solidFill>
@@ -29233,7 +29330,7 @@
               <a:t>line.split</a:t>
             </a:r>
             <a:r>
-              <a:rPr lang="en-US" sz="2800" b="1" dirty="0">
+              <a:rPr lang="en-US" sz="2800" dirty="0">
                 <a:solidFill>
                   <a:srgbClr val="00FF00"/>
                 </a:solidFill>
@@ -29253,7 +29350,7 @@
               <a:buSzPct val="25000"/>
             </a:pPr>
             <a:r>
-              <a:rPr lang="en-US" sz="2800" b="1" dirty="0">
+              <a:rPr lang="en-US" sz="2800" dirty="0">
                 <a:solidFill>
                   <a:srgbClr val="00FF00"/>
                 </a:solidFill>
@@ -29273,7 +29370,7 @@
               <a:buSzPct val="25000"/>
             </a:pPr>
             <a:r>
-              <a:rPr lang="en-US" sz="2800" b="1" dirty="0">
+              <a:rPr lang="en-US" sz="2800" dirty="0">
                 <a:solidFill>
                   <a:srgbClr val="00FF00"/>
                 </a:solidFill>
@@ -29285,7 +29382,7 @@
               <a:t>        counts[word] = </a:t>
             </a:r>
             <a:r>
-              <a:rPr lang="en-US" sz="2800" b="1" dirty="0" err="1">
+              <a:rPr lang="en-US" sz="2800" dirty="0" err="1">
                 <a:solidFill>
                   <a:srgbClr val="00FF00"/>
                 </a:solidFill>
@@ -29297,7 +29394,7 @@
               <a:t>counts.get</a:t>
             </a:r>
             <a:r>
-              <a:rPr lang="en-US" sz="2800" b="1" dirty="0">
+              <a:rPr lang="en-US" sz="2800" dirty="0">
                 <a:solidFill>
                   <a:srgbClr val="00FF00"/>
                 </a:solidFill>
@@ -29327,7 +29424,7 @@
               <a:buFont typeface="Cabin"/>
               <a:buNone/>
             </a:pPr>
-            <a:endParaRPr lang="en-US" sz="2800" b="1" i="0" u="none" strike="noStrike" cap="none" dirty="0">
+            <a:endParaRPr lang="en-US" sz="2800" i="0" u="none" strike="noStrike" cap="none" dirty="0">
               <a:solidFill>
                 <a:srgbClr val="00FF00"/>
               </a:solidFill>
@@ -29356,7 +29453,7 @@
               <a:buNone/>
             </a:pPr>
             <a:r>
-              <a:rPr lang="en-US" sz="2800" b="1" i="0" u="none" strike="noStrike" cap="none" dirty="0" err="1">
+              <a:rPr lang="en-US" sz="2800" i="0" u="none" strike="noStrike" cap="none" dirty="0" err="1">
                 <a:solidFill>
                   <a:srgbClr val="FFFF00"/>
                 </a:solidFill>
@@ -29368,7 +29465,7 @@
               <a:t>bigcount</a:t>
             </a:r>
             <a:r>
-              <a:rPr lang="en-US" sz="2800" b="1" i="0" u="none" strike="noStrike" cap="none" dirty="0">
+              <a:rPr lang="en-US" sz="2800" i="0" u="none" strike="noStrike" cap="none" dirty="0">
                 <a:solidFill>
                   <a:srgbClr val="FFFF00"/>
                 </a:solidFill>
@@ -29399,7 +29496,7 @@
               <a:buNone/>
             </a:pPr>
             <a:r>
-              <a:rPr lang="en-US" sz="2800" b="1" i="0" u="none" strike="noStrike" cap="none" dirty="0" err="1">
+              <a:rPr lang="en-US" sz="2800" i="0" u="none" strike="noStrike" cap="none" dirty="0" err="1">
                 <a:solidFill>
                   <a:srgbClr val="FFFF00"/>
                 </a:solidFill>
@@ -29411,7 +29508,7 @@
               <a:t>bigword</a:t>
             </a:r>
             <a:r>
-              <a:rPr lang="en-US" sz="2800" b="1" i="0" u="none" strike="noStrike" cap="none" dirty="0">
+              <a:rPr lang="en-US" sz="2800" i="0" u="none" strike="noStrike" cap="none" dirty="0">
                 <a:solidFill>
                   <a:srgbClr val="FFFF00"/>
                 </a:solidFill>
@@ -29442,7 +29539,7 @@
               <a:buNone/>
             </a:pPr>
             <a:r>
-              <a:rPr lang="en-US" sz="2800" b="1" i="0" u="none" strike="noStrike" cap="none" dirty="0" smtClean="0">
+              <a:rPr lang="en-US" sz="2800" i="0" u="none" strike="noStrike" cap="none" dirty="0" smtClean="0">
                 <a:solidFill>
                   <a:srgbClr val="00FF00"/>
                 </a:solidFill>
@@ -29454,7 +29551,7 @@
               <a:t>for </a:t>
             </a:r>
             <a:r>
-              <a:rPr lang="en-US" sz="2800" b="1" i="0" u="none" strike="noStrike" cap="none" dirty="0" err="1">
+              <a:rPr lang="en-US" sz="2800" i="0" u="none" strike="noStrike" cap="none" dirty="0" err="1">
                 <a:solidFill>
                   <a:srgbClr val="00FF00"/>
                 </a:solidFill>
@@ -29466,7 +29563,7 @@
               <a:t>word,count</a:t>
             </a:r>
             <a:r>
-              <a:rPr lang="en-US" sz="2800" b="1" i="0" u="none" strike="noStrike" cap="none" dirty="0">
+              <a:rPr lang="en-US" sz="2800" i="0" u="none" strike="noStrike" cap="none" dirty="0">
                 <a:solidFill>
                   <a:srgbClr val="00FF00"/>
                 </a:solidFill>
@@ -29478,7 +29575,7 @@
               <a:t> in </a:t>
             </a:r>
             <a:r>
-              <a:rPr lang="en-US" sz="2800" b="1" i="0" u="none" strike="noStrike" cap="none" dirty="0" err="1">
+              <a:rPr lang="en-US" sz="2800" i="0" u="none" strike="noStrike" cap="none" dirty="0" err="1">
                 <a:solidFill>
                   <a:srgbClr val="00FF00"/>
                 </a:solidFill>
@@ -29490,7 +29587,7 @@
               <a:t>counts.items</a:t>
             </a:r>
             <a:r>
-              <a:rPr lang="en-US" sz="2800" b="1" i="0" u="none" strike="noStrike" cap="none" dirty="0">
+              <a:rPr lang="en-US" sz="2800" i="0" u="none" strike="noStrike" cap="none" dirty="0">
                 <a:solidFill>
                   <a:srgbClr val="00FF00"/>
                 </a:solidFill>
@@ -29521,7 +29618,7 @@
               <a:buNone/>
             </a:pPr>
             <a:r>
-              <a:rPr lang="en-US" sz="2800" b="1" i="0" u="none" strike="noStrike" cap="none" dirty="0">
+              <a:rPr lang="en-US" sz="2800" i="0" u="none" strike="noStrike" cap="none" dirty="0">
                 <a:solidFill>
                   <a:srgbClr val="FF00FF"/>
                 </a:solidFill>
@@ -29533,7 +29630,7 @@
               <a:t>  </a:t>
             </a:r>
             <a:r>
-              <a:rPr lang="en-US" sz="2800" b="1" i="0" u="none" strike="noStrike" cap="none" dirty="0">
+              <a:rPr lang="en-US" sz="2800" i="0" u="none" strike="noStrike" cap="none" dirty="0">
                 <a:solidFill>
                   <a:srgbClr val="FF7F00"/>
                 </a:solidFill>
@@ -29545,7 +29642,7 @@
               <a:t>  </a:t>
             </a:r>
             <a:r>
-              <a:rPr lang="en-US" sz="2800" b="1" i="0" u="none" strike="noStrike" cap="none" dirty="0">
+              <a:rPr lang="en-US" sz="2800" i="0" u="none" strike="noStrike" cap="none" dirty="0">
                 <a:solidFill>
                   <a:srgbClr val="FF9900"/>
                 </a:solidFill>
@@ -29557,7 +29654,7 @@
               <a:t>if </a:t>
             </a:r>
             <a:r>
-              <a:rPr lang="en-US" sz="2800" b="1" i="0" u="none" strike="noStrike" cap="none" dirty="0" err="1">
+              <a:rPr lang="en-US" sz="2800" i="0" u="none" strike="noStrike" cap="none" dirty="0" err="1">
                 <a:solidFill>
                   <a:srgbClr val="FF9900"/>
                 </a:solidFill>
@@ -29569,7 +29666,7 @@
               <a:t>bigcount</a:t>
             </a:r>
             <a:r>
-              <a:rPr lang="en-US" sz="2800" b="1" i="0" u="none" strike="noStrike" cap="none" dirty="0">
+              <a:rPr lang="en-US" sz="2800" i="0" u="none" strike="noStrike" cap="none" dirty="0">
                 <a:solidFill>
                   <a:srgbClr val="FF9900"/>
                 </a:solidFill>
@@ -29581,7 +29678,7 @@
               <a:t> is None or count &gt; </a:t>
             </a:r>
             <a:r>
-              <a:rPr lang="en-US" sz="2800" b="1" i="0" u="none" strike="noStrike" cap="none" dirty="0" err="1">
+              <a:rPr lang="en-US" sz="2800" i="0" u="none" strike="noStrike" cap="none" dirty="0" err="1">
                 <a:solidFill>
                   <a:srgbClr val="FF9900"/>
                 </a:solidFill>
@@ -29593,7 +29690,7 @@
               <a:t>bigcount</a:t>
             </a:r>
             <a:r>
-              <a:rPr lang="en-US" sz="2800" b="1" i="0" u="none" strike="noStrike" cap="none" dirty="0">
+              <a:rPr lang="en-US" sz="2800" i="0" u="none" strike="noStrike" cap="none" dirty="0">
                 <a:solidFill>
                   <a:srgbClr val="FF9900"/>
                 </a:solidFill>
@@ -29624,7 +29721,7 @@
               <a:buNone/>
             </a:pPr>
             <a:r>
-              <a:rPr lang="en-US" sz="2800" b="1" i="0" u="none" strike="noStrike" cap="none" dirty="0">
+              <a:rPr lang="en-US" sz="2800" i="0" u="none" strike="noStrike" cap="none" dirty="0">
                 <a:solidFill>
                   <a:srgbClr val="FF9900"/>
                 </a:solidFill>
@@ -29636,7 +29733,7 @@
               <a:t>        </a:t>
             </a:r>
             <a:r>
-              <a:rPr lang="en-US" sz="2800" b="1" i="0" u="none" strike="noStrike" cap="none" dirty="0" err="1">
+              <a:rPr lang="en-US" sz="2800" i="0" u="none" strike="noStrike" cap="none" dirty="0" err="1">
                 <a:solidFill>
                   <a:srgbClr val="FF9900"/>
                 </a:solidFill>
@@ -29648,7 +29745,7 @@
               <a:t>bigword</a:t>
             </a:r>
             <a:r>
-              <a:rPr lang="en-US" sz="2800" b="1" i="0" u="none" strike="noStrike" cap="none" dirty="0">
+              <a:rPr lang="en-US" sz="2800" i="0" u="none" strike="noStrike" cap="none" dirty="0">
                 <a:solidFill>
                   <a:srgbClr val="FF9900"/>
                 </a:solidFill>
@@ -29679,7 +29776,7 @@
               <a:buNone/>
             </a:pPr>
             <a:r>
-              <a:rPr lang="en-US" sz="2800" b="1" i="0" u="none" strike="noStrike" cap="none" dirty="0">
+              <a:rPr lang="en-US" sz="2800" i="0" u="none" strike="noStrike" cap="none" dirty="0">
                 <a:solidFill>
                   <a:srgbClr val="FF9900"/>
                 </a:solidFill>
@@ -29691,7 +29788,7 @@
               <a:t>        </a:t>
             </a:r>
             <a:r>
-              <a:rPr lang="en-US" sz="2800" b="1" i="0" u="none" strike="noStrike" cap="none" dirty="0" err="1">
+              <a:rPr lang="en-US" sz="2800" i="0" u="none" strike="noStrike" cap="none" dirty="0" err="1">
                 <a:solidFill>
                   <a:srgbClr val="FF9900"/>
                 </a:solidFill>
@@ -29703,7 +29800,7 @@
               <a:t>bigcount</a:t>
             </a:r>
             <a:r>
-              <a:rPr lang="en-US" sz="2800" b="1" i="0" u="none" strike="noStrike" cap="none" dirty="0">
+              <a:rPr lang="en-US" sz="2800" i="0" u="none" strike="noStrike" cap="none" dirty="0">
                 <a:solidFill>
                   <a:srgbClr val="FF9900"/>
                 </a:solidFill>
@@ -29732,7 +29829,7 @@
               <a:buFont typeface="Cabin"/>
               <a:buNone/>
             </a:pPr>
-            <a:endParaRPr sz="2800" b="1" dirty="0">
+            <a:endParaRPr sz="2800" dirty="0">
               <a:solidFill>
                 <a:srgbClr val="00FF00"/>
               </a:solidFill>
@@ -29761,7 +29858,7 @@
               <a:buNone/>
             </a:pPr>
             <a:r>
-              <a:rPr lang="en-US" sz="2800" b="1" i="0" u="none" strike="noStrike" cap="none" dirty="0" smtClean="0">
+              <a:rPr lang="en-US" sz="2800" i="0" u="none" strike="noStrike" cap="none" dirty="0" smtClean="0">
                 <a:solidFill>
                   <a:srgbClr val="FFFF00"/>
                 </a:solidFill>
@@ -29773,7 +29870,7 @@
               <a:t>print(</a:t>
             </a:r>
             <a:r>
-              <a:rPr lang="en-US" sz="2800" b="1" i="0" u="none" strike="noStrike" cap="none" dirty="0" err="1" smtClean="0">
+              <a:rPr lang="en-US" sz="2800" i="0" u="none" strike="noStrike" cap="none" dirty="0" err="1" smtClean="0">
                 <a:solidFill>
                   <a:srgbClr val="FFFF00"/>
                 </a:solidFill>
@@ -29785,7 +29882,7 @@
               <a:t>bigword</a:t>
             </a:r>
             <a:r>
-              <a:rPr lang="en-US" sz="2800" b="1" i="0" u="none" strike="noStrike" cap="none" dirty="0">
+              <a:rPr lang="en-US" sz="2800" i="0" u="none" strike="noStrike" cap="none" dirty="0">
                 <a:solidFill>
                   <a:srgbClr val="FFFF00"/>
                 </a:solidFill>
@@ -29797,7 +29894,7 @@
               <a:t>, </a:t>
             </a:r>
             <a:r>
-              <a:rPr lang="en-US" sz="2800" b="1" i="0" u="none" strike="noStrike" cap="none" dirty="0" err="1" smtClean="0">
+              <a:rPr lang="en-US" sz="2800" i="0" u="none" strike="noStrike" cap="none" dirty="0" err="1" smtClean="0">
                 <a:solidFill>
                   <a:srgbClr val="FFFF00"/>
                 </a:solidFill>
@@ -29809,7 +29906,7 @@
               <a:t>bigcount</a:t>
             </a:r>
             <a:r>
-              <a:rPr lang="en-US" sz="2800" b="1" i="0" u="none" strike="noStrike" cap="none" dirty="0" smtClean="0">
+              <a:rPr lang="en-US" sz="2800" i="0" u="none" strike="noStrike" cap="none" dirty="0" smtClean="0">
                 <a:solidFill>
                   <a:srgbClr val="FFFF00"/>
                 </a:solidFill>
@@ -29820,7 +29917,7 @@
               </a:rPr>
               <a:t>)</a:t>
             </a:r>
-            <a:endParaRPr lang="en-US" sz="2800" b="1" i="0" u="none" strike="noStrike" cap="none" dirty="0">
+            <a:endParaRPr lang="en-US" sz="2800" i="0" u="none" strike="noStrike" cap="none" dirty="0">
               <a:solidFill>
                 <a:srgbClr val="FFFF00"/>
               </a:solidFill>
@@ -30477,18 +30574,10 @@
                   <a:srgbClr val="FFFFFF"/>
                 </a:solidFill>
               </a:rPr>
-              <a:t>) of the University of Michigan School of </a:t>
-            </a:r>
-            <a:r>
-              <a:rPr lang="en-US" sz="1800">
-                <a:solidFill>
-                  <a:srgbClr val="FFFFFF"/>
-                </a:solidFill>
-              </a:rPr>
-              <a:t>Information </a:t>
-            </a:r>
-            <a:r>
-              <a:rPr lang="en-US" sz="1800" smtClean="0">
+              <a:t>) of the University of Michigan School of Information </a:t>
+            </a:r>
+            <a:r>
+              <a:rPr lang="en-US" sz="1800" dirty="0" smtClean="0">
                 <a:solidFill>
                   <a:srgbClr val="FFFFFF"/>
                 </a:solidFill>
@@ -30649,14 +30738,14 @@
               <a:t>Continue</a:t>
             </a:r>
             <a:r>
-              <a:rPr lang="is-IS" sz="1800" smtClean="0">
+              <a:rPr lang="is-IS" sz="1800" dirty="0" smtClean="0">
                 <a:solidFill>
                   <a:srgbClr val="FFFFFF"/>
                 </a:solidFill>
               </a:rPr>
               <a:t>…</a:t>
             </a:r>
-            <a:endParaRPr lang="en-US" sz="1800">
+            <a:endParaRPr lang="en-US" sz="1800" dirty="0">
               <a:solidFill>
                 <a:srgbClr val="FFFFFF"/>
               </a:solidFill>
@@ -30732,7 +30821,7 @@
               <a:buNone/>
             </a:pPr>
             <a:r>
-              <a:rPr lang="en-US" sz="7600" u="none" strike="noStrike" cap="none">
+              <a:rPr lang="en-US" sz="7600" u="none" strike="noStrike" cap="none" dirty="0">
                 <a:solidFill>
                   <a:srgbClr val="FFFF00"/>
                 </a:solidFill>
@@ -30789,7 +30878,7 @@
               <a:buChar char="•"/>
             </a:pPr>
             <a:r>
-              <a:rPr lang="en-US" sz="3600" u="none" strike="noStrike" cap="none">
+              <a:rPr lang="en-US" sz="3600" u="none" strike="noStrike" cap="none" dirty="0">
                 <a:solidFill>
                   <a:srgbClr val="FFFF00"/>
                 </a:solidFill>
@@ -30819,7 +30908,7 @@
               <a:buFont typeface="Cabin"/>
             </a:pPr>
             <a:r>
-              <a:rPr lang="en-US" sz="3600">
+              <a:rPr lang="en-US" sz="3600" dirty="0">
                 <a:solidFill>
                   <a:schemeClr val="lt1"/>
                 </a:solidFill>
@@ -30831,7 +30920,7 @@
               <a:t> </a:t>
             </a:r>
             <a:r>
-              <a:rPr lang="en-US" sz="3600" u="none" strike="noStrike" cap="none">
+              <a:rPr lang="en-US" sz="3600" u="none" strike="noStrike" cap="none" dirty="0">
                 <a:solidFill>
                   <a:schemeClr val="lt1"/>
                 </a:solidFill>
@@ -30862,7 +30951,7 @@
               <a:buChar char="•"/>
             </a:pPr>
             <a:r>
-              <a:rPr lang="en-US" sz="3600" u="none" strike="noStrike" cap="none">
+              <a:rPr lang="en-US" sz="3600" u="none" strike="noStrike" cap="none" dirty="0">
                 <a:solidFill>
                   <a:srgbClr val="FFFF00"/>
                 </a:solidFill>
@@ -30892,7 +30981,7 @@
               <a:buFont typeface="Cabin"/>
             </a:pPr>
             <a:r>
-              <a:rPr lang="en-US" sz="3600">
+              <a:rPr lang="en-US" sz="3600" dirty="0">
                 <a:solidFill>
                   <a:schemeClr val="lt1"/>
                 </a:solidFill>
@@ -30904,7 +30993,7 @@
               <a:t> </a:t>
             </a:r>
             <a:r>
-              <a:rPr lang="en-US" sz="3600" u="none" strike="noStrike" cap="none">
+              <a:rPr lang="en-US" sz="3600" u="none" strike="noStrike" cap="none" dirty="0">
                 <a:solidFill>
                   <a:schemeClr val="lt1"/>
                 </a:solidFill>
@@ -30934,7 +31023,7 @@
               <a:buFont typeface="Cabin"/>
             </a:pPr>
             <a:r>
-              <a:rPr lang="en-US" sz="3600">
+              <a:rPr lang="en-US" sz="3600" dirty="0">
                 <a:solidFill>
                   <a:schemeClr val="lt1"/>
                 </a:solidFill>
@@ -30946,7 +31035,7 @@
               <a:t> </a:t>
             </a:r>
             <a:r>
-              <a:rPr lang="en-US" sz="3600" u="none" strike="noStrike" cap="none">
+              <a:rPr lang="en-US" sz="3600" u="none" strike="noStrike" cap="none" dirty="0">
                 <a:solidFill>
                   <a:schemeClr val="lt1"/>
                 </a:solidFill>
@@ -30968,7 +31057,7 @@
   <p:timing>
     <p:tnLst>
       <p:par>
-        <p:cTn id="1" dur="indefinite" restart="never" nodeType="tmRoot"/>
+        <p:cTn xmlns:p14="http://schemas.microsoft.com/office/powerpoint/2010/main" id="1" dur="indefinite" restart="never" nodeType="tmRoot"/>
       </p:par>
     </p:tnLst>
   </p:timing>
@@ -31278,8 +31367,8 @@
         </p:nvSpPr>
         <p:spPr>
           <a:xfrm>
-            <a:off x="9283270" y="5237008"/>
-            <a:ext cx="474975" cy="527750"/>
+            <a:off x="9155292" y="5237008"/>
+            <a:ext cx="774898" cy="527750"/>
           </a:xfrm>
           <a:prstGeom prst="rect">
             <a:avLst/>
@@ -31313,7 +31402,7 @@
               <a:buNone/>
             </a:pPr>
             <a:r>
-              <a:rPr lang="en-US" sz="3800" b="0" i="0" u="none" strike="noStrike" cap="none">
+              <a:rPr lang="en-US" sz="3800" b="0" i="0" u="none" strike="noStrike" cap="none" dirty="0">
                 <a:solidFill>
                   <a:schemeClr val="lt1"/>
                 </a:solidFill>
@@ -31389,8 +31478,8 @@
         </p:nvSpPr>
         <p:spPr>
           <a:xfrm>
-            <a:off x="3363235" y="6360735"/>
-            <a:ext cx="9890036" cy="1752130"/>
+            <a:off x="2830286" y="6469592"/>
+            <a:ext cx="11248571" cy="2057551"/>
           </a:xfrm>
           <a:prstGeom prst="rect">
             <a:avLst/>
@@ -31424,7 +31513,7 @@
               <a:buNone/>
             </a:pPr>
             <a:r>
-              <a:rPr lang="en-US" sz="2400" u="none" strike="noStrike" cap="none" dirty="0">
+              <a:rPr lang="en-US" sz="2800" u="none" strike="noStrike" cap="none" dirty="0">
                 <a:solidFill>
                   <a:schemeClr val="lt1"/>
                 </a:solidFill>
@@ -31446,7 +31535,79 @@
         </p:nvSpPr>
         <p:spPr>
           <a:xfrm>
-            <a:off x="6569317" y="4853071"/>
+            <a:off x="6251891" y="4843856"/>
+            <a:ext cx="2667232" cy="1139939"/>
+          </a:xfrm>
+          <a:prstGeom prst="roundRect">
+            <a:avLst>
+              <a:gd name="adj" fmla="val 3000"/>
+            </a:avLst>
+          </a:prstGeom>
+          <a:blipFill rotWithShape="1">
+            <a:blip r:embed="rId4">
+              <a:alphaModFix/>
+            </a:blip>
+            <a:stretch>
+              <a:fillRect/>
+            </a:stretch>
+          </a:blipFill>
+          <a:ln w="25400" cap="rnd" cmpd="sng">
+            <a:solidFill>
+              <a:srgbClr val="000000"/>
+            </a:solidFill>
+            <a:prstDash val="solid"/>
+            <a:miter/>
+            <a:headEnd type="none" w="med" len="med"/>
+            <a:tailEnd type="none" w="med" len="med"/>
+          </a:ln>
+        </p:spPr>
+        <p:txBody>
+          <a:bodyPr lIns="38100" tIns="38100" rIns="38100" bIns="38100" anchor="ctr" anchorCtr="0">
+            <a:noAutofit/>
+          </a:bodyPr>
+          <a:lstStyle/>
+          <a:p>
+            <a:pPr marL="0" marR="0" lvl="0" indent="0" algn="ctr" rtl="0">
+              <a:lnSpc>
+                <a:spcPct val="100000"/>
+              </a:lnSpc>
+              <a:spcBef>
+                <a:spcPts val="0"/>
+              </a:spcBef>
+              <a:spcAft>
+                <a:spcPts val="0"/>
+              </a:spcAft>
+              <a:buClr>
+                <a:schemeClr val="lt1"/>
+              </a:buClr>
+              <a:buSzPct val="25000"/>
+              <a:buFont typeface="Ovo"/>
+              <a:buNone/>
+            </a:pPr>
+            <a:r>
+              <a:rPr lang="en-US" sz="3800" b="0" i="0" u="none" strike="noStrike" cap="none" dirty="0">
+                <a:solidFill>
+                  <a:schemeClr val="lt1"/>
+                </a:solidFill>
+                <a:latin typeface="Ovo"/>
+                <a:ea typeface="Ovo"/>
+                <a:cs typeface="Ovo"/>
+                <a:sym typeface="Ovo"/>
+              </a:rPr>
+              <a:t>Information</a:t>
+            </a:r>
+          </a:p>
+        </p:txBody>
+      </p:sp>
+      <p:sp>
+        <p:nvSpPr>
+          <p:cNvPr id="271" name="Shape 271"/>
+          <p:cNvSpPr/>
+          <p:nvPr/>
+        </p:nvSpPr>
+        <p:spPr>
+          <a:xfrm>
+            <a:off x="3363235" y="4843856"/>
             <a:ext cx="2417095" cy="1139939"/>
           </a:xfrm>
           <a:prstGeom prst="roundRect">
@@ -31505,78 +31666,6 @@
                 <a:cs typeface="Ovo"/>
                 <a:sym typeface="Ovo"/>
               </a:rPr>
-              <a:t>Information</a:t>
-            </a:r>
-          </a:p>
-        </p:txBody>
-      </p:sp>
-      <p:sp>
-        <p:nvSpPr>
-          <p:cNvPr id="271" name="Shape 271"/>
-          <p:cNvSpPr/>
-          <p:nvPr/>
-        </p:nvSpPr>
-        <p:spPr>
-          <a:xfrm>
-            <a:off x="3825016" y="4853071"/>
-            <a:ext cx="2417095" cy="1139939"/>
-          </a:xfrm>
-          <a:prstGeom prst="roundRect">
-            <a:avLst>
-              <a:gd name="adj" fmla="val 3000"/>
-            </a:avLst>
-          </a:prstGeom>
-          <a:blipFill rotWithShape="1">
-            <a:blip r:embed="rId4">
-              <a:alphaModFix/>
-            </a:blip>
-            <a:stretch>
-              <a:fillRect/>
-            </a:stretch>
-          </a:blipFill>
-          <a:ln w="25400" cap="rnd" cmpd="sng">
-            <a:solidFill>
-              <a:srgbClr val="000000"/>
-            </a:solidFill>
-            <a:prstDash val="solid"/>
-            <a:miter/>
-            <a:headEnd type="none" w="med" len="med"/>
-            <a:tailEnd type="none" w="med" len="med"/>
-          </a:ln>
-        </p:spPr>
-        <p:txBody>
-          <a:bodyPr lIns="38100" tIns="38100" rIns="38100" bIns="38100" anchor="ctr" anchorCtr="0">
-            <a:noAutofit/>
-          </a:bodyPr>
-          <a:lstStyle/>
-          <a:p>
-            <a:pPr marL="0" marR="0" lvl="0" indent="0" algn="ctr" rtl="0">
-              <a:lnSpc>
-                <a:spcPct val="100000"/>
-              </a:lnSpc>
-              <a:spcBef>
-                <a:spcPts val="0"/>
-              </a:spcBef>
-              <a:spcAft>
-                <a:spcPts val="0"/>
-              </a:spcAft>
-              <a:buClr>
-                <a:schemeClr val="lt1"/>
-              </a:buClr>
-              <a:buSzPct val="25000"/>
-              <a:buFont typeface="Ovo"/>
-              <a:buNone/>
-            </a:pPr>
-            <a:r>
-              <a:rPr lang="en-US" sz="3800" b="0" i="0" u="none" strike="noStrike" cap="none">
-                <a:solidFill>
-                  <a:schemeClr val="lt1"/>
-                </a:solidFill>
-                <a:latin typeface="Ovo"/>
-                <a:ea typeface="Ovo"/>
-                <a:cs typeface="Ovo"/>
-                <a:sym typeface="Ovo"/>
-              </a:rPr>
               <a:t>Data</a:t>
             </a:r>
           </a:p>
@@ -31757,7 +31846,7 @@
   <p:timing>
     <p:tnLst>
       <p:par>
-        <p:cTn id="1" dur="indefinite" restart="never" nodeType="tmRoot"/>
+        <p:cTn xmlns:p14="http://schemas.microsoft.com/office/powerpoint/2010/main" id="1" dur="indefinite" restart="never" nodeType="tmRoot"/>
       </p:par>
     </p:tnLst>
   </p:timing>
@@ -31965,6 +32054,18 @@
               <a:buFont typeface="Cabin"/>
             </a:pPr>
             <a:r>
+              <a:rPr lang="en-US" sz="3200" u="none" strike="noStrike" cap="none" dirty="0" smtClean="0">
+                <a:solidFill>
+                  <a:schemeClr val="lt1"/>
+                </a:solidFill>
+                <a:latin typeface="Arial" charset="0"/>
+                <a:ea typeface="Arial" charset="0"/>
+                <a:cs typeface="Arial" charset="0"/>
+                <a:sym typeface="Cabin"/>
+              </a:rPr>
+              <a:t>We figure </a:t>
+            </a:r>
+            <a:r>
               <a:rPr lang="en-US" sz="3200" u="none" strike="noStrike" cap="none" dirty="0">
                 <a:solidFill>
                   <a:schemeClr val="lt1"/>
@@ -31974,7 +32075,7 @@
                 <a:cs typeface="Arial" charset="0"/>
                 <a:sym typeface="Cabin"/>
               </a:rPr>
-              <a:t>It is a little piece of our intelligence we can give to others - we figure something out and then we encode it and then give it to someone else to save them the time and energy of figuring it out</a:t>
+              <a:t>something out and then we encode it and then give it to someone else to save them the time and energy of figuring it out</a:t>
             </a:r>
           </a:p>
           <a:p>
@@ -32030,7 +32131,7 @@
   <p:timing>
     <p:tnLst>
       <p:par>
-        <p:cTn id="1" dur="indefinite" restart="never" nodeType="tmRoot"/>
+        <p:cTn xmlns:p14="http://schemas.microsoft.com/office/powerpoint/2010/main" id="1" dur="indefinite" restart="never" nodeType="tmRoot"/>
       </p:par>
     </p:tnLst>
   </p:timing>
@@ -32193,7 +32294,7 @@
   <p:timing>
     <p:tnLst>
       <p:par>
-        <p:cTn id="1" dur="indefinite" restart="never" nodeType="tmRoot"/>
+        <p:cTn xmlns:p14="http://schemas.microsoft.com/office/powerpoint/2010/main" id="1" dur="indefinite" restart="never" nodeType="tmRoot"/>
       </p:par>
     </p:tnLst>
   </p:timing>
@@ -32878,7 +32979,7 @@
   <p:timing>
     <p:tnLst>
       <p:par>
-        <p:cTn id="1" dur="indefinite" restart="never" nodeType="tmRoot"/>
+        <p:cTn xmlns:p14="http://schemas.microsoft.com/office/powerpoint/2010/main" id="1" dur="indefinite" restart="never" nodeType="tmRoot"/>
       </p:par>
     </p:tnLst>
   </p:timing>

--- a/lectures3/Pythonlearn-01-Intro.pptx
+++ b/lectures3/Pythonlearn-01-Intro.pptx
@@ -260,7 +260,18 @@
   </p:defaultTextStyle>
   <p:extLst>
     <p:ext uri="{EFAFB233-063F-42B5-8137-9DF3F51BA10A}">
-      <p15:sldGuideLst xmlns="" xmlns:p15="http://schemas.microsoft.com/office/powerpoint/2012/main"/>
+      <p15:sldGuideLst xmlns:p15="http://schemas.microsoft.com/office/powerpoint/2012/main">
+        <p15:guide id="1" orient="horz" pos="2880">
+          <p15:clr>
+            <a:srgbClr val="A4A3A4"/>
+          </p15:clr>
+        </p15:guide>
+        <p15:guide id="2" pos="5120">
+          <p15:clr>
+            <a:srgbClr val="A4A3A4"/>
+          </p15:clr>
+        </p15:guide>
+      </p15:sldGuideLst>
     </p:ext>
   </p:extLst>
 </p:presentation>
@@ -940,13 +951,42 @@
               <a:buNone/>
             </a:pPr>
             <a:r>
-              <a:rPr lang="en-US">
+              <a:rPr lang="en-US" dirty="0">
                 <a:solidFill>
                   <a:schemeClr val="dk2"/>
                 </a:solidFill>
               </a:rPr>
-              <a:t>Note from Chuck.  If you are using these materials, you can remove the UM logo and replace it with your own, but please retain the CC-BY logo on the first page as well as retain the entire last page.</a:t>
-            </a:r>
+              <a:t>Note from Chuck.  If you are using these materials, you can remove the UM logo and replace it with your own, but please retain the CC-BY logo on the first page as well as retain the </a:t>
+            </a:r>
+            <a:r>
+              <a:rPr lang="en-US" dirty="0" smtClean="0">
+                <a:solidFill>
+                  <a:schemeClr val="dk2"/>
+                </a:solidFill>
+              </a:rPr>
+              <a:t>acknowledgements</a:t>
+            </a:r>
+            <a:r>
+              <a:rPr lang="en-US" baseline="0" dirty="0" smtClean="0">
+                <a:solidFill>
+                  <a:schemeClr val="dk2"/>
+                </a:solidFill>
+              </a:rPr>
+              <a:t> page(s)</a:t>
+            </a:r>
+            <a:r>
+              <a:rPr lang="en-US" dirty="0" smtClean="0">
+                <a:solidFill>
+                  <a:schemeClr val="dk2"/>
+                </a:solidFill>
+              </a:rPr>
+              <a:t>.</a:t>
+            </a:r>
+            <a:endParaRPr lang="en-US" dirty="0">
+              <a:solidFill>
+                <a:schemeClr val="dk2"/>
+              </a:solidFill>
+            </a:endParaRPr>
           </a:p>
         </p:txBody>
       </p:sp>
@@ -7703,7 +7743,7 @@
   <p:timing>
     <p:tnLst>
       <p:par>
-        <p:cTn xmlns:p14="http://schemas.microsoft.com/office/powerpoint/2010/main" id="1" dur="indefinite" restart="never" nodeType="tmRoot"/>
+        <p:cTn id="1" dur="indefinite" restart="never" nodeType="tmRoot"/>
       </p:par>
     </p:tnLst>
   </p:timing>
@@ -8436,7 +8476,7 @@
   <p:timing>
     <p:tnLst>
       <p:par>
-        <p:cTn xmlns:p14="http://schemas.microsoft.com/office/powerpoint/2010/main" id="1" dur="indefinite" restart="never" nodeType="tmRoot"/>
+        <p:cTn id="1" dur="indefinite" restart="never" nodeType="tmRoot"/>
       </p:par>
     </p:tnLst>
   </p:timing>
@@ -9199,7 +9239,7 @@
   <p:timing>
     <p:tnLst>
       <p:par>
-        <p:cTn xmlns:p14="http://schemas.microsoft.com/office/powerpoint/2010/main" id="1" dur="indefinite" restart="never" nodeType="tmRoot"/>
+        <p:cTn id="1" dur="indefinite" restart="never" nodeType="tmRoot"/>
       </p:par>
     </p:tnLst>
   </p:timing>
@@ -9466,7 +9506,7 @@
   <p:timing>
     <p:tnLst>
       <p:par>
-        <p:cTn xmlns:p14="http://schemas.microsoft.com/office/powerpoint/2010/main" id="1" dur="indefinite" restart="never" nodeType="tmRoot">
+        <p:cTn id="1" dur="indefinite" restart="never" nodeType="tmRoot">
           <p:childTnLst>
             <p:seq concurrent="1" nextAc="seek">
               <p:cTn id="2" dur="indefinite" nodeType="mainSeq">
@@ -9937,7 +9977,7 @@
   <p:timing>
     <p:tnLst>
       <p:par>
-        <p:cTn xmlns:p14="http://schemas.microsoft.com/office/powerpoint/2010/main" id="1" dur="indefinite" restart="never" nodeType="tmRoot">
+        <p:cTn id="1" dur="indefinite" restart="never" nodeType="tmRoot">
           <p:childTnLst>
             <p:seq concurrent="1" nextAc="seek">
               <p:cTn id="2" dur="indefinite" nodeType="mainSeq">
@@ -10069,7 +10109,7 @@
               <a:buSzPct val="25000"/>
             </a:pPr>
             <a:r>
-              <a:rPr lang="en-US" sz="2800" dirty="0">
+              <a:rPr lang="en-US" sz="2800" b="1" dirty="0">
                 <a:solidFill>
                   <a:srgbClr val="00FF00"/>
                 </a:solidFill>
@@ -10081,7 +10121,7 @@
               <a:t>name = </a:t>
             </a:r>
             <a:r>
-              <a:rPr lang="en-US" sz="2800" dirty="0" err="1">
+              <a:rPr lang="en-US" sz="2800" b="1" dirty="0" smtClean="0">
                 <a:solidFill>
                   <a:srgbClr val="00FF00"/>
                 </a:solidFill>
@@ -10090,10 +10130,10 @@
                 <a:cs typeface="Courier New"/>
                 <a:sym typeface="Courier New"/>
               </a:rPr>
-              <a:t>raw_input</a:t>
-            </a:r>
-            <a:r>
-              <a:rPr lang="en-US" sz="2800" dirty="0">
+              <a:t>input(</a:t>
+            </a:r>
+            <a:r>
+              <a:rPr lang="en-US" sz="2800" b="1" dirty="0">
                 <a:solidFill>
                   <a:srgbClr val="00FF00"/>
                 </a:solidFill>
@@ -10102,7 +10142,7 @@
                 <a:cs typeface="Courier New"/>
                 <a:sym typeface="Courier New"/>
               </a:rPr>
-              <a:t>('Enter file:')</a:t>
+              <a:t>'Enter file:')</a:t>
             </a:r>
           </a:p>
           <a:p>
@@ -10113,7 +10153,7 @@
               <a:buSzPct val="25000"/>
             </a:pPr>
             <a:r>
-              <a:rPr lang="en-US" sz="2800" dirty="0">
+              <a:rPr lang="en-US" sz="2800" b="1" dirty="0">
                 <a:solidFill>
                   <a:srgbClr val="00FF00"/>
                 </a:solidFill>
@@ -10127,7 +10167,7 @@
           </a:p>
           <a:p>
             <a:pPr lvl="0" algn="ctr"/>
-            <a:endParaRPr lang="en-US" sz="2800" dirty="0">
+            <a:endParaRPr lang="en-US" sz="2800" b="1" dirty="0">
               <a:solidFill>
                 <a:srgbClr val="00FF00"/>
               </a:solidFill>
@@ -10145,7 +10185,7 @@
               <a:buSzPct val="25000"/>
             </a:pPr>
             <a:r>
-              <a:rPr lang="en-US" sz="2800" dirty="0">
+              <a:rPr lang="en-US" sz="2800" b="1" dirty="0">
                 <a:solidFill>
                   <a:srgbClr val="FF00FF"/>
                 </a:solidFill>
@@ -10157,7 +10197,7 @@
               <a:t>counts = </a:t>
             </a:r>
             <a:r>
-              <a:rPr lang="en-US" sz="2800" dirty="0" err="1">
+              <a:rPr lang="en-US" sz="2800" b="1" dirty="0" err="1">
                 <a:solidFill>
                   <a:srgbClr val="FF00FF"/>
                 </a:solidFill>
@@ -10169,7 +10209,7 @@
               <a:t>dict</a:t>
             </a:r>
             <a:r>
-              <a:rPr lang="en-US" sz="2800" dirty="0">
+              <a:rPr lang="en-US" sz="2800" b="1" dirty="0">
                 <a:solidFill>
                   <a:srgbClr val="FF00FF"/>
                 </a:solidFill>
@@ -10189,7 +10229,7 @@
               <a:buSzPct val="25000"/>
             </a:pPr>
             <a:r>
-              <a:rPr lang="en-US" sz="2800" dirty="0">
+              <a:rPr lang="en-US" sz="2800" b="1" dirty="0">
                 <a:solidFill>
                   <a:srgbClr val="FF00FF"/>
                 </a:solidFill>
@@ -10209,7 +10249,7 @@
               <a:buSzPct val="25000"/>
             </a:pPr>
             <a:r>
-              <a:rPr lang="en-US" sz="2800" dirty="0">
+              <a:rPr lang="en-US" sz="2800" b="1" dirty="0">
                 <a:solidFill>
                   <a:srgbClr val="FF00FF"/>
                 </a:solidFill>
@@ -10221,7 +10261,7 @@
               <a:t>    words = </a:t>
             </a:r>
             <a:r>
-              <a:rPr lang="en-US" sz="2800" dirty="0" err="1">
+              <a:rPr lang="en-US" sz="2800" b="1" dirty="0" err="1">
                 <a:solidFill>
                   <a:srgbClr val="FF00FF"/>
                 </a:solidFill>
@@ -10233,7 +10273,7 @@
               <a:t>line.split</a:t>
             </a:r>
             <a:r>
-              <a:rPr lang="en-US" sz="2800" dirty="0">
+              <a:rPr lang="en-US" sz="2800" b="1" dirty="0">
                 <a:solidFill>
                   <a:srgbClr val="FF00FF"/>
                 </a:solidFill>
@@ -10253,7 +10293,7 @@
               <a:buSzPct val="25000"/>
             </a:pPr>
             <a:r>
-              <a:rPr lang="en-US" sz="2800" dirty="0">
+              <a:rPr lang="en-US" sz="2800" b="1" dirty="0">
                 <a:solidFill>
                   <a:srgbClr val="FF00FF"/>
                 </a:solidFill>
@@ -10273,7 +10313,7 @@
               <a:buSzPct val="25000"/>
             </a:pPr>
             <a:r>
-              <a:rPr lang="en-US" sz="2800" dirty="0">
+              <a:rPr lang="en-US" sz="2800" b="1" dirty="0">
                 <a:solidFill>
                   <a:srgbClr val="FF00FF"/>
                 </a:solidFill>
@@ -10285,7 +10325,7 @@
               <a:t>        counts[word] = </a:t>
             </a:r>
             <a:r>
-              <a:rPr lang="en-US" sz="2800" dirty="0" err="1">
+              <a:rPr lang="en-US" sz="2800" b="1" dirty="0" err="1">
                 <a:solidFill>
                   <a:srgbClr val="FF00FF"/>
                 </a:solidFill>
@@ -10297,7 +10337,7 @@
               <a:t>counts.get</a:t>
             </a:r>
             <a:r>
-              <a:rPr lang="en-US" sz="2800" dirty="0">
+              <a:rPr lang="en-US" sz="2800" b="1" dirty="0">
                 <a:solidFill>
                   <a:srgbClr val="FF00FF"/>
                 </a:solidFill>
@@ -10315,7 +10355,7 @@
                 <a:srgbClr val="00FF00"/>
               </a:buClr>
             </a:pPr>
-            <a:endParaRPr lang="en-US" sz="2800" dirty="0">
+            <a:endParaRPr lang="en-US" sz="2800" b="1" dirty="0">
               <a:solidFill>
                 <a:srgbClr val="00FF00"/>
               </a:solidFill>
@@ -10333,7 +10373,7 @@
               <a:buSzPct val="25000"/>
             </a:pPr>
             <a:r>
-              <a:rPr lang="en-US" sz="2800" dirty="0" err="1">
+              <a:rPr lang="en-US" sz="2800" b="1" dirty="0" err="1">
                 <a:solidFill>
                   <a:srgbClr val="00FFFF"/>
                 </a:solidFill>
@@ -10345,7 +10385,7 @@
               <a:t>bigcount</a:t>
             </a:r>
             <a:r>
-              <a:rPr lang="en-US" sz="2800" dirty="0">
+              <a:rPr lang="en-US" sz="2800" b="1" dirty="0">
                 <a:solidFill>
                   <a:srgbClr val="00FFFF"/>
                 </a:solidFill>
@@ -10365,7 +10405,7 @@
               <a:buSzPct val="25000"/>
             </a:pPr>
             <a:r>
-              <a:rPr lang="en-US" sz="2800" dirty="0" err="1">
+              <a:rPr lang="en-US" sz="2800" b="1" dirty="0" err="1">
                 <a:solidFill>
                   <a:srgbClr val="00FFFF"/>
                 </a:solidFill>
@@ -10377,7 +10417,7 @@
               <a:t>bigword</a:t>
             </a:r>
             <a:r>
-              <a:rPr lang="en-US" sz="2800" dirty="0">
+              <a:rPr lang="en-US" sz="2800" b="1" dirty="0">
                 <a:solidFill>
                   <a:srgbClr val="00FFFF"/>
                 </a:solidFill>
@@ -10397,7 +10437,7 @@
               <a:buSzPct val="25000"/>
             </a:pPr>
             <a:r>
-              <a:rPr lang="en-US" sz="2800" dirty="0">
+              <a:rPr lang="en-US" sz="2800" b="1" dirty="0">
                 <a:solidFill>
                   <a:srgbClr val="00FFFF"/>
                 </a:solidFill>
@@ -10409,7 +10449,7 @@
               <a:t>for </a:t>
             </a:r>
             <a:r>
-              <a:rPr lang="en-US" sz="2800" dirty="0" err="1">
+              <a:rPr lang="en-US" sz="2800" b="1" dirty="0" err="1">
                 <a:solidFill>
                   <a:srgbClr val="00FFFF"/>
                 </a:solidFill>
@@ -10421,7 +10461,7 @@
               <a:t>word,count</a:t>
             </a:r>
             <a:r>
-              <a:rPr lang="en-US" sz="2800" dirty="0">
+              <a:rPr lang="en-US" sz="2800" b="1" dirty="0">
                 <a:solidFill>
                   <a:srgbClr val="00FFFF"/>
                 </a:solidFill>
@@ -10433,7 +10473,7 @@
               <a:t> in </a:t>
             </a:r>
             <a:r>
-              <a:rPr lang="en-US" sz="2800" dirty="0" err="1">
+              <a:rPr lang="en-US" sz="2800" b="1" dirty="0" err="1">
                 <a:solidFill>
                   <a:srgbClr val="00FFFF"/>
                 </a:solidFill>
@@ -10445,7 +10485,7 @@
               <a:t>counts.items</a:t>
             </a:r>
             <a:r>
-              <a:rPr lang="en-US" sz="2800" dirty="0">
+              <a:rPr lang="en-US" sz="2800" b="1" dirty="0">
                 <a:solidFill>
                   <a:srgbClr val="00FFFF"/>
                 </a:solidFill>
@@ -10465,7 +10505,7 @@
               <a:buSzPct val="25000"/>
             </a:pPr>
             <a:r>
-              <a:rPr lang="en-US" sz="2800" dirty="0">
+              <a:rPr lang="en-US" sz="2800" b="1" dirty="0">
                 <a:solidFill>
                   <a:srgbClr val="00FFFF"/>
                 </a:solidFill>
@@ -10477,7 +10517,7 @@
               <a:t>    if </a:t>
             </a:r>
             <a:r>
-              <a:rPr lang="en-US" sz="2800" dirty="0" err="1">
+              <a:rPr lang="en-US" sz="2800" b="1" dirty="0" err="1">
                 <a:solidFill>
                   <a:srgbClr val="00FFFF"/>
                 </a:solidFill>
@@ -10489,7 +10529,7 @@
               <a:t>bigcount</a:t>
             </a:r>
             <a:r>
-              <a:rPr lang="en-US" sz="2800" dirty="0">
+              <a:rPr lang="en-US" sz="2800" b="1" dirty="0">
                 <a:solidFill>
                   <a:srgbClr val="00FFFF"/>
                 </a:solidFill>
@@ -10501,7 +10541,7 @@
               <a:t> is None or count &gt; </a:t>
             </a:r>
             <a:r>
-              <a:rPr lang="en-US" sz="2800" dirty="0" err="1">
+              <a:rPr lang="en-US" sz="2800" b="1" dirty="0" err="1">
                 <a:solidFill>
                   <a:srgbClr val="00FFFF"/>
                 </a:solidFill>
@@ -10513,7 +10553,7 @@
               <a:t>bigcount</a:t>
             </a:r>
             <a:r>
-              <a:rPr lang="en-US" sz="2800" dirty="0">
+              <a:rPr lang="en-US" sz="2800" b="1" dirty="0">
                 <a:solidFill>
                   <a:srgbClr val="00FFFF"/>
                 </a:solidFill>
@@ -10533,7 +10573,7 @@
               <a:buSzPct val="25000"/>
             </a:pPr>
             <a:r>
-              <a:rPr lang="en-US" sz="2800" dirty="0">
+              <a:rPr lang="en-US" sz="2800" b="1" dirty="0">
                 <a:solidFill>
                   <a:srgbClr val="00FFFF"/>
                 </a:solidFill>
@@ -10545,7 +10585,7 @@
               <a:t>        </a:t>
             </a:r>
             <a:r>
-              <a:rPr lang="en-US" sz="2800" dirty="0" err="1">
+              <a:rPr lang="en-US" sz="2800" b="1" dirty="0" err="1">
                 <a:solidFill>
                   <a:srgbClr val="00FFFF"/>
                 </a:solidFill>
@@ -10557,7 +10597,7 @@
               <a:t>bigword</a:t>
             </a:r>
             <a:r>
-              <a:rPr lang="en-US" sz="2800" dirty="0">
+              <a:rPr lang="en-US" sz="2800" b="1" dirty="0">
                 <a:solidFill>
                   <a:srgbClr val="00FFFF"/>
                 </a:solidFill>
@@ -10577,7 +10617,7 @@
               <a:buSzPct val="25000"/>
             </a:pPr>
             <a:r>
-              <a:rPr lang="en-US" sz="2800" dirty="0">
+              <a:rPr lang="en-US" sz="2800" b="1" dirty="0">
                 <a:solidFill>
                   <a:srgbClr val="00FFFF"/>
                 </a:solidFill>
@@ -10589,7 +10629,7 @@
               <a:t>        </a:t>
             </a:r>
             <a:r>
-              <a:rPr lang="en-US" sz="2800" dirty="0" err="1">
+              <a:rPr lang="en-US" sz="2800" b="1" dirty="0" err="1">
                 <a:solidFill>
                   <a:srgbClr val="00FFFF"/>
                 </a:solidFill>
@@ -10601,7 +10641,7 @@
               <a:t>bigcount</a:t>
             </a:r>
             <a:r>
-              <a:rPr lang="en-US" sz="2800" dirty="0">
+              <a:rPr lang="en-US" sz="2800" b="1" dirty="0">
                 <a:solidFill>
                   <a:srgbClr val="00FFFF"/>
                 </a:solidFill>
@@ -10619,7 +10659,7 @@
                 <a:srgbClr val="00FF00"/>
               </a:buClr>
             </a:pPr>
-            <a:endParaRPr lang="en-US" sz="2800" dirty="0">
+            <a:endParaRPr lang="en-US" sz="2800" b="1" dirty="0">
               <a:solidFill>
                 <a:srgbClr val="00FF00"/>
               </a:solidFill>
@@ -10637,7 +10677,7 @@
               <a:buSzPct val="25000"/>
             </a:pPr>
             <a:r>
-              <a:rPr lang="en-US" sz="2800" dirty="0">
+              <a:rPr lang="en-US" sz="2800" b="1" dirty="0">
                 <a:solidFill>
                   <a:srgbClr val="FF7F00"/>
                 </a:solidFill>
@@ -10649,7 +10689,7 @@
               <a:t>print(</a:t>
             </a:r>
             <a:r>
-              <a:rPr lang="en-US" sz="2800" dirty="0" err="1">
+              <a:rPr lang="en-US" sz="2800" b="1" dirty="0" err="1">
                 <a:solidFill>
                   <a:srgbClr val="FF7F00"/>
                 </a:solidFill>
@@ -10661,7 +10701,7 @@
               <a:t>bigword</a:t>
             </a:r>
             <a:r>
-              <a:rPr lang="en-US" sz="2800" dirty="0">
+              <a:rPr lang="en-US" sz="2800" b="1" dirty="0">
                 <a:solidFill>
                   <a:srgbClr val="FF7F00"/>
                 </a:solidFill>
@@ -10673,7 +10713,7 @@
               <a:t>, </a:t>
             </a:r>
             <a:r>
-              <a:rPr lang="en-US" sz="2800" dirty="0" err="1">
+              <a:rPr lang="en-US" sz="2800" b="1" dirty="0" err="1">
                 <a:solidFill>
                   <a:srgbClr val="FF7F00"/>
                 </a:solidFill>
@@ -10685,7 +10725,7 @@
               <a:t>bigcount</a:t>
             </a:r>
             <a:r>
-              <a:rPr lang="en-US" sz="2800" dirty="0">
+              <a:rPr lang="en-US" sz="2800" b="1" dirty="0">
                 <a:solidFill>
                   <a:srgbClr val="FF7F00"/>
                 </a:solidFill>
@@ -11053,7 +11093,7 @@
   <p:timing>
     <p:tnLst>
       <p:par>
-        <p:cTn xmlns:p14="http://schemas.microsoft.com/office/powerpoint/2010/main" id="1" dur="indefinite" restart="never" nodeType="tmRoot"/>
+        <p:cTn id="1" dur="indefinite" restart="never" nodeType="tmRoot"/>
       </p:par>
     </p:tnLst>
   </p:timing>
@@ -11142,7 +11182,7 @@
   <p:timing>
     <p:tnLst>
       <p:par>
-        <p:cTn xmlns:p14="http://schemas.microsoft.com/office/powerpoint/2010/main" id="1" dur="indefinite" restart="never" nodeType="tmRoot"/>
+        <p:cTn id="1" dur="indefinite" restart="never" nodeType="tmRoot"/>
       </p:par>
     </p:tnLst>
   </p:timing>
@@ -11272,7 +11312,7 @@
   <p:timing>
     <p:tnLst>
       <p:par>
-        <p:cTn xmlns:p14="http://schemas.microsoft.com/office/powerpoint/2010/main" id="1" dur="indefinite" restart="never" nodeType="tmRoot"/>
+        <p:cTn id="1" dur="indefinite" restart="never" nodeType="tmRoot"/>
       </p:par>
     </p:tnLst>
   </p:timing>
@@ -12131,7 +12171,7 @@
   <p:timing>
     <p:tnLst>
       <p:par>
-        <p:cTn xmlns:p14="http://schemas.microsoft.com/office/powerpoint/2010/main" id="1" dur="indefinite" restart="never" nodeType="tmRoot"/>
+        <p:cTn id="1" dur="indefinite" restart="never" nodeType="tmRoot"/>
       </p:par>
     </p:tnLst>
   </p:timing>
@@ -12702,7 +12742,7 @@
   <p:timing>
     <p:tnLst>
       <p:par>
-        <p:cTn xmlns:p14="http://schemas.microsoft.com/office/powerpoint/2010/main" id="1" dur="indefinite" restart="never" nodeType="tmRoot"/>
+        <p:cTn id="1" dur="indefinite" restart="never" nodeType="tmRoot"/>
       </p:par>
     </p:tnLst>
   </p:timing>
@@ -13646,7 +13686,7 @@
   <p:timing>
     <p:tnLst>
       <p:par>
-        <p:cTn xmlns:p14="http://schemas.microsoft.com/office/powerpoint/2010/main" id="1" dur="indefinite" restart="never" nodeType="tmRoot"/>
+        <p:cTn id="1" dur="indefinite" restart="never" nodeType="tmRoot"/>
       </p:par>
     </p:tnLst>
   </p:timing>
@@ -14652,7 +14692,7 @@
   <p:timing>
     <p:tnLst>
       <p:par>
-        <p:cTn xmlns:p14="http://schemas.microsoft.com/office/powerpoint/2010/main" id="1" dur="indefinite" restart="never" nodeType="tmRoot"/>
+        <p:cTn id="1" dur="indefinite" restart="never" nodeType="tmRoot"/>
       </p:par>
     </p:tnLst>
   </p:timing>
@@ -15720,7 +15760,7 @@
   <p:timing>
     <p:tnLst>
       <p:par>
-        <p:cTn xmlns:p14="http://schemas.microsoft.com/office/powerpoint/2010/main" id="1" dur="indefinite" restart="never" nodeType="tmRoot"/>
+        <p:cTn id="1" dur="indefinite" restart="never" nodeType="tmRoot"/>
       </p:par>
     </p:tnLst>
   </p:timing>
@@ -15990,7 +16030,7 @@
   <p:timing>
     <p:tnLst>
       <p:par>
-        <p:cTn xmlns:p14="http://schemas.microsoft.com/office/powerpoint/2010/main" id="1" dur="indefinite" restart="never" nodeType="tmRoot"/>
+        <p:cTn id="1" dur="indefinite" restart="never" nodeType="tmRoot"/>
       </p:par>
     </p:tnLst>
   </p:timing>
@@ -16164,7 +16204,7 @@
   <p:timing>
     <p:tnLst>
       <p:par>
-        <p:cTn xmlns:p14="http://schemas.microsoft.com/office/powerpoint/2010/main" id="1" dur="indefinite" restart="never" nodeType="tmRoot"/>
+        <p:cTn id="1" dur="indefinite" restart="never" nodeType="tmRoot"/>
       </p:par>
     </p:tnLst>
   </p:timing>
@@ -16253,7 +16293,7 @@
   <p:timing>
     <p:tnLst>
       <p:par>
-        <p:cTn xmlns:p14="http://schemas.microsoft.com/office/powerpoint/2010/main" id="1" dur="indefinite" restart="never" nodeType="tmRoot"/>
+        <p:cTn id="1" dur="indefinite" restart="never" nodeType="tmRoot"/>
       </p:par>
     </p:tnLst>
   </p:timing>
@@ -16596,7 +16636,7 @@
   <p:timing>
     <p:tnLst>
       <p:par>
-        <p:cTn xmlns:p14="http://schemas.microsoft.com/office/powerpoint/2010/main" id="1" dur="indefinite" restart="never" nodeType="tmRoot"/>
+        <p:cTn id="1" dur="indefinite" restart="never" nodeType="tmRoot"/>
       </p:par>
     </p:tnLst>
   </p:timing>
@@ -16898,7 +16938,7 @@
   <p:timing>
     <p:tnLst>
       <p:par>
-        <p:cTn xmlns:p14="http://schemas.microsoft.com/office/powerpoint/2010/main" id="1" dur="indefinite" restart="never" nodeType="tmRoot"/>
+        <p:cTn id="1" dur="indefinite" restart="never" nodeType="tmRoot"/>
       </p:par>
     </p:tnLst>
   </p:timing>
@@ -17382,7 +17422,7 @@
   <p:timing>
     <p:tnLst>
       <p:par>
-        <p:cTn xmlns:p14="http://schemas.microsoft.com/office/powerpoint/2010/main" id="1" dur="indefinite" restart="never" nodeType="tmRoot"/>
+        <p:cTn id="1" dur="indefinite" restart="never" nodeType="tmRoot"/>
       </p:par>
     </p:tnLst>
   </p:timing>
@@ -17471,7 +17511,7 @@
   <p:timing>
     <p:tnLst>
       <p:par>
-        <p:cTn xmlns:p14="http://schemas.microsoft.com/office/powerpoint/2010/main" id="1" dur="indefinite" restart="never" nodeType="tmRoot"/>
+        <p:cTn id="1" dur="indefinite" restart="never" nodeType="tmRoot"/>
       </p:par>
     </p:tnLst>
   </p:timing>
@@ -17768,7 +17808,7 @@
   <p:timing>
     <p:tnLst>
       <p:par>
-        <p:cTn xmlns:p14="http://schemas.microsoft.com/office/powerpoint/2010/main" id="1" dur="indefinite" restart="never" nodeType="tmRoot"/>
+        <p:cTn id="1" dur="indefinite" restart="never" nodeType="tmRoot"/>
       </p:par>
     </p:tnLst>
   </p:timing>
@@ -18332,7 +18372,7 @@
   <p:timing>
     <p:tnLst>
       <p:par>
-        <p:cTn xmlns:p14="http://schemas.microsoft.com/office/powerpoint/2010/main" id="1" dur="indefinite" restart="never" nodeType="tmRoot"/>
+        <p:cTn id="1" dur="indefinite" restart="never" nodeType="tmRoot"/>
       </p:par>
     </p:tnLst>
   </p:timing>
@@ -19375,7 +19415,7 @@
   <p:timing>
     <p:tnLst>
       <p:par>
-        <p:cTn xmlns:p14="http://schemas.microsoft.com/office/powerpoint/2010/main" id="1" dur="indefinite" restart="never" nodeType="tmRoot"/>
+        <p:cTn id="1" dur="indefinite" restart="never" nodeType="tmRoot"/>
       </p:par>
     </p:tnLst>
   </p:timing>
@@ -19512,7 +19552,7 @@
   <p:timing>
     <p:tnLst>
       <p:par>
-        <p:cTn xmlns:p14="http://schemas.microsoft.com/office/powerpoint/2010/main" id="1" dur="indefinite" restart="never" nodeType="tmRoot"/>
+        <p:cTn id="1" dur="indefinite" restart="never" nodeType="tmRoot"/>
       </p:par>
     </p:tnLst>
   </p:timing>
@@ -19756,7 +19796,7 @@
   <p:timing>
     <p:tnLst>
       <p:par>
-        <p:cTn xmlns:p14="http://schemas.microsoft.com/office/powerpoint/2010/main" id="1" dur="indefinite" restart="never" nodeType="tmRoot"/>
+        <p:cTn id="1" dur="indefinite" restart="never" nodeType="tmRoot"/>
       </p:par>
     </p:tnLst>
   </p:timing>
@@ -19812,7 +19852,7 @@
               <a:buSzPct val="25000"/>
             </a:pPr>
             <a:r>
-              <a:rPr lang="en-US" sz="2800" dirty="0">
+              <a:rPr lang="en-US" sz="2800" b="1" dirty="0">
                 <a:solidFill>
                   <a:srgbClr val="00FF00"/>
                 </a:solidFill>
@@ -19824,7 +19864,7 @@
               <a:t>name = </a:t>
             </a:r>
             <a:r>
-              <a:rPr lang="en-US" sz="2800" dirty="0" err="1">
+              <a:rPr lang="en-US" sz="2800" b="1" dirty="0" smtClean="0">
                 <a:solidFill>
                   <a:srgbClr val="00FF00"/>
                 </a:solidFill>
@@ -19833,10 +19873,10 @@
                 <a:cs typeface="Courier New"/>
                 <a:sym typeface="Courier New"/>
               </a:rPr>
-              <a:t>raw_input</a:t>
-            </a:r>
-            <a:r>
-              <a:rPr lang="en-US" sz="2800" dirty="0">
+              <a:t>input(</a:t>
+            </a:r>
+            <a:r>
+              <a:rPr lang="en-US" sz="2800" b="1" dirty="0">
                 <a:solidFill>
                   <a:srgbClr val="00FF00"/>
                 </a:solidFill>
@@ -19845,7 +19885,7 @@
                 <a:cs typeface="Courier New"/>
                 <a:sym typeface="Courier New"/>
               </a:rPr>
-              <a:t>('Enter file:')</a:t>
+              <a:t>'Enter file:')</a:t>
             </a:r>
           </a:p>
           <a:p>
@@ -19856,7 +19896,7 @@
               <a:buSzPct val="25000"/>
             </a:pPr>
             <a:r>
-              <a:rPr lang="en-US" sz="2800" dirty="0">
+              <a:rPr lang="en-US" sz="2800" b="1" dirty="0">
                 <a:solidFill>
                   <a:srgbClr val="00FF00"/>
                 </a:solidFill>
@@ -19870,7 +19910,7 @@
           </a:p>
           <a:p>
             <a:pPr lvl="0" algn="ctr"/>
-            <a:endParaRPr lang="en-US" sz="2800" dirty="0">
+            <a:endParaRPr lang="en-US" sz="2800" b="1" dirty="0">
               <a:solidFill>
                 <a:srgbClr val="00FF00"/>
               </a:solidFill>
@@ -19888,7 +19928,7 @@
               <a:buSzPct val="25000"/>
             </a:pPr>
             <a:r>
-              <a:rPr lang="en-US" sz="2800" dirty="0">
+              <a:rPr lang="en-US" sz="2800" b="1" dirty="0">
                 <a:solidFill>
                   <a:srgbClr val="FF00FF"/>
                 </a:solidFill>
@@ -19900,7 +19940,7 @@
               <a:t>counts = </a:t>
             </a:r>
             <a:r>
-              <a:rPr lang="en-US" sz="2800" dirty="0" err="1">
+              <a:rPr lang="en-US" sz="2800" b="1" dirty="0" err="1">
                 <a:solidFill>
                   <a:srgbClr val="FF00FF"/>
                 </a:solidFill>
@@ -19912,7 +19952,7 @@
               <a:t>dict</a:t>
             </a:r>
             <a:r>
-              <a:rPr lang="en-US" sz="2800" dirty="0">
+              <a:rPr lang="en-US" sz="2800" b="1" dirty="0">
                 <a:solidFill>
                   <a:srgbClr val="FF00FF"/>
                 </a:solidFill>
@@ -19932,7 +19972,7 @@
               <a:buSzPct val="25000"/>
             </a:pPr>
             <a:r>
-              <a:rPr lang="en-US" sz="2800" dirty="0">
+              <a:rPr lang="en-US" sz="2800" b="1" dirty="0">
                 <a:solidFill>
                   <a:srgbClr val="FF00FF"/>
                 </a:solidFill>
@@ -19952,7 +19992,7 @@
               <a:buSzPct val="25000"/>
             </a:pPr>
             <a:r>
-              <a:rPr lang="en-US" sz="2800" dirty="0">
+              <a:rPr lang="en-US" sz="2800" b="1" dirty="0">
                 <a:solidFill>
                   <a:srgbClr val="FF00FF"/>
                 </a:solidFill>
@@ -19964,7 +20004,7 @@
               <a:t>    words = </a:t>
             </a:r>
             <a:r>
-              <a:rPr lang="en-US" sz="2800" dirty="0" err="1">
+              <a:rPr lang="en-US" sz="2800" b="1" dirty="0" err="1">
                 <a:solidFill>
                   <a:srgbClr val="FF00FF"/>
                 </a:solidFill>
@@ -19976,7 +20016,7 @@
               <a:t>line.split</a:t>
             </a:r>
             <a:r>
-              <a:rPr lang="en-US" sz="2800" dirty="0">
+              <a:rPr lang="en-US" sz="2800" b="1" dirty="0">
                 <a:solidFill>
                   <a:srgbClr val="FF00FF"/>
                 </a:solidFill>
@@ -19996,7 +20036,7 @@
               <a:buSzPct val="25000"/>
             </a:pPr>
             <a:r>
-              <a:rPr lang="en-US" sz="2800" dirty="0">
+              <a:rPr lang="en-US" sz="2800" b="1" dirty="0">
                 <a:solidFill>
                   <a:srgbClr val="FF00FF"/>
                 </a:solidFill>
@@ -20016,7 +20056,7 @@
               <a:buSzPct val="25000"/>
             </a:pPr>
             <a:r>
-              <a:rPr lang="en-US" sz="2800" dirty="0">
+              <a:rPr lang="en-US" sz="2800" b="1" dirty="0">
                 <a:solidFill>
                   <a:srgbClr val="FF00FF"/>
                 </a:solidFill>
@@ -20028,7 +20068,7 @@
               <a:t>        counts[word] = </a:t>
             </a:r>
             <a:r>
-              <a:rPr lang="en-US" sz="2800" dirty="0" err="1">
+              <a:rPr lang="en-US" sz="2800" b="1" dirty="0" err="1">
                 <a:solidFill>
                   <a:srgbClr val="FF00FF"/>
                 </a:solidFill>
@@ -20040,7 +20080,7 @@
               <a:t>counts.get</a:t>
             </a:r>
             <a:r>
-              <a:rPr lang="en-US" sz="2800" dirty="0">
+              <a:rPr lang="en-US" sz="2800" b="1" dirty="0">
                 <a:solidFill>
                   <a:srgbClr val="FF00FF"/>
                 </a:solidFill>
@@ -20058,7 +20098,7 @@
                 <a:srgbClr val="00FF00"/>
               </a:buClr>
             </a:pPr>
-            <a:endParaRPr lang="en-US" sz="2800" dirty="0">
+            <a:endParaRPr lang="en-US" sz="2800" b="1" dirty="0">
               <a:solidFill>
                 <a:srgbClr val="00FF00"/>
               </a:solidFill>
@@ -20076,7 +20116,7 @@
               <a:buSzPct val="25000"/>
             </a:pPr>
             <a:r>
-              <a:rPr lang="en-US" sz="2800" dirty="0" err="1">
+              <a:rPr lang="en-US" sz="2800" b="1" dirty="0" err="1">
                 <a:solidFill>
                   <a:srgbClr val="00FFFF"/>
                 </a:solidFill>
@@ -20088,7 +20128,7 @@
               <a:t>bigcount</a:t>
             </a:r>
             <a:r>
-              <a:rPr lang="en-US" sz="2800" dirty="0">
+              <a:rPr lang="en-US" sz="2800" b="1" dirty="0">
                 <a:solidFill>
                   <a:srgbClr val="00FFFF"/>
                 </a:solidFill>
@@ -20108,7 +20148,7 @@
               <a:buSzPct val="25000"/>
             </a:pPr>
             <a:r>
-              <a:rPr lang="en-US" sz="2800" dirty="0" err="1">
+              <a:rPr lang="en-US" sz="2800" b="1" dirty="0" err="1">
                 <a:solidFill>
                   <a:srgbClr val="00FFFF"/>
                 </a:solidFill>
@@ -20120,7 +20160,7 @@
               <a:t>bigword</a:t>
             </a:r>
             <a:r>
-              <a:rPr lang="en-US" sz="2800" dirty="0">
+              <a:rPr lang="en-US" sz="2800" b="1" dirty="0">
                 <a:solidFill>
                   <a:srgbClr val="00FFFF"/>
                 </a:solidFill>
@@ -20140,7 +20180,7 @@
               <a:buSzPct val="25000"/>
             </a:pPr>
             <a:r>
-              <a:rPr lang="en-US" sz="2800" dirty="0">
+              <a:rPr lang="en-US" sz="2800" b="1" dirty="0">
                 <a:solidFill>
                   <a:srgbClr val="00FFFF"/>
                 </a:solidFill>
@@ -20152,7 +20192,7 @@
               <a:t>for </a:t>
             </a:r>
             <a:r>
-              <a:rPr lang="en-US" sz="2800" dirty="0" err="1">
+              <a:rPr lang="en-US" sz="2800" b="1" dirty="0" err="1">
                 <a:solidFill>
                   <a:srgbClr val="00FFFF"/>
                 </a:solidFill>
@@ -20164,7 +20204,7 @@
               <a:t>word,count</a:t>
             </a:r>
             <a:r>
-              <a:rPr lang="en-US" sz="2800" dirty="0">
+              <a:rPr lang="en-US" sz="2800" b="1" dirty="0">
                 <a:solidFill>
                   <a:srgbClr val="00FFFF"/>
                 </a:solidFill>
@@ -20176,7 +20216,7 @@
               <a:t> in </a:t>
             </a:r>
             <a:r>
-              <a:rPr lang="en-US" sz="2800" dirty="0" err="1">
+              <a:rPr lang="en-US" sz="2800" b="1" dirty="0" err="1">
                 <a:solidFill>
                   <a:srgbClr val="00FFFF"/>
                 </a:solidFill>
@@ -20188,7 +20228,7 @@
               <a:t>counts.items</a:t>
             </a:r>
             <a:r>
-              <a:rPr lang="en-US" sz="2800" dirty="0">
+              <a:rPr lang="en-US" sz="2800" b="1" dirty="0">
                 <a:solidFill>
                   <a:srgbClr val="00FFFF"/>
                 </a:solidFill>
@@ -20208,7 +20248,7 @@
               <a:buSzPct val="25000"/>
             </a:pPr>
             <a:r>
-              <a:rPr lang="en-US" sz="2800" dirty="0">
+              <a:rPr lang="en-US" sz="2800" b="1" dirty="0">
                 <a:solidFill>
                   <a:srgbClr val="00FFFF"/>
                 </a:solidFill>
@@ -20220,7 +20260,7 @@
               <a:t>    if </a:t>
             </a:r>
             <a:r>
-              <a:rPr lang="en-US" sz="2800" dirty="0" err="1">
+              <a:rPr lang="en-US" sz="2800" b="1" dirty="0" err="1">
                 <a:solidFill>
                   <a:srgbClr val="00FFFF"/>
                 </a:solidFill>
@@ -20232,7 +20272,7 @@
               <a:t>bigcount</a:t>
             </a:r>
             <a:r>
-              <a:rPr lang="en-US" sz="2800" dirty="0">
+              <a:rPr lang="en-US" sz="2800" b="1" dirty="0">
                 <a:solidFill>
                   <a:srgbClr val="00FFFF"/>
                 </a:solidFill>
@@ -20244,7 +20284,7 @@
               <a:t> is None or count &gt; </a:t>
             </a:r>
             <a:r>
-              <a:rPr lang="en-US" sz="2800" dirty="0" err="1">
+              <a:rPr lang="en-US" sz="2800" b="1" dirty="0" err="1">
                 <a:solidFill>
                   <a:srgbClr val="00FFFF"/>
                 </a:solidFill>
@@ -20256,7 +20296,7 @@
               <a:t>bigcount</a:t>
             </a:r>
             <a:r>
-              <a:rPr lang="en-US" sz="2800" dirty="0">
+              <a:rPr lang="en-US" sz="2800" b="1" dirty="0">
                 <a:solidFill>
                   <a:srgbClr val="00FFFF"/>
                 </a:solidFill>
@@ -20276,7 +20316,7 @@
               <a:buSzPct val="25000"/>
             </a:pPr>
             <a:r>
-              <a:rPr lang="en-US" sz="2800" dirty="0">
+              <a:rPr lang="en-US" sz="2800" b="1" dirty="0">
                 <a:solidFill>
                   <a:srgbClr val="00FFFF"/>
                 </a:solidFill>
@@ -20288,7 +20328,7 @@
               <a:t>        </a:t>
             </a:r>
             <a:r>
-              <a:rPr lang="en-US" sz="2800" dirty="0" err="1">
+              <a:rPr lang="en-US" sz="2800" b="1" dirty="0" err="1">
                 <a:solidFill>
                   <a:srgbClr val="00FFFF"/>
                 </a:solidFill>
@@ -20300,7 +20340,7 @@
               <a:t>bigword</a:t>
             </a:r>
             <a:r>
-              <a:rPr lang="en-US" sz="2800" dirty="0">
+              <a:rPr lang="en-US" sz="2800" b="1" dirty="0">
                 <a:solidFill>
                   <a:srgbClr val="00FFFF"/>
                 </a:solidFill>
@@ -20320,7 +20360,7 @@
               <a:buSzPct val="25000"/>
             </a:pPr>
             <a:r>
-              <a:rPr lang="en-US" sz="2800" dirty="0">
+              <a:rPr lang="en-US" sz="2800" b="1" dirty="0">
                 <a:solidFill>
                   <a:srgbClr val="00FFFF"/>
                 </a:solidFill>
@@ -20332,7 +20372,7 @@
               <a:t>        </a:t>
             </a:r>
             <a:r>
-              <a:rPr lang="en-US" sz="2800" dirty="0" err="1">
+              <a:rPr lang="en-US" sz="2800" b="1" dirty="0" err="1">
                 <a:solidFill>
                   <a:srgbClr val="00FFFF"/>
                 </a:solidFill>
@@ -20344,7 +20384,7 @@
               <a:t>bigcount</a:t>
             </a:r>
             <a:r>
-              <a:rPr lang="en-US" sz="2800" dirty="0">
+              <a:rPr lang="en-US" sz="2800" b="1" dirty="0">
                 <a:solidFill>
                   <a:srgbClr val="00FFFF"/>
                 </a:solidFill>
@@ -20362,7 +20402,7 @@
                 <a:srgbClr val="00FF00"/>
               </a:buClr>
             </a:pPr>
-            <a:endParaRPr lang="en-US" sz="2800" dirty="0">
+            <a:endParaRPr lang="en-US" sz="2800" b="1" dirty="0">
               <a:solidFill>
                 <a:srgbClr val="00FF00"/>
               </a:solidFill>
@@ -20380,7 +20420,7 @@
               <a:buSzPct val="25000"/>
             </a:pPr>
             <a:r>
-              <a:rPr lang="en-US" sz="2800" dirty="0">
+              <a:rPr lang="en-US" sz="2800" b="1" dirty="0">
                 <a:solidFill>
                   <a:srgbClr val="FF7F00"/>
                 </a:solidFill>
@@ -20392,7 +20432,7 @@
               <a:t>print(</a:t>
             </a:r>
             <a:r>
-              <a:rPr lang="en-US" sz="2800" dirty="0" err="1">
+              <a:rPr lang="en-US" sz="2800" b="1" dirty="0" err="1">
                 <a:solidFill>
                   <a:srgbClr val="FF7F00"/>
                 </a:solidFill>
@@ -20404,7 +20444,7 @@
               <a:t>bigword</a:t>
             </a:r>
             <a:r>
-              <a:rPr lang="en-US" sz="2800" dirty="0">
+              <a:rPr lang="en-US" sz="2800" b="1" dirty="0">
                 <a:solidFill>
                   <a:srgbClr val="FF7F00"/>
                 </a:solidFill>
@@ -20416,7 +20456,7 @@
               <a:t>, </a:t>
             </a:r>
             <a:r>
-              <a:rPr lang="en-US" sz="2800" dirty="0" err="1">
+              <a:rPr lang="en-US" sz="2800" b="1" dirty="0" err="1">
                 <a:solidFill>
                   <a:srgbClr val="FF7F00"/>
                 </a:solidFill>
@@ -20428,7 +20468,7 @@
               <a:t>bigcount</a:t>
             </a:r>
             <a:r>
-              <a:rPr lang="en-US" sz="2800" dirty="0">
+              <a:rPr lang="en-US" sz="2800" b="1" dirty="0">
                 <a:solidFill>
                   <a:srgbClr val="FF7F00"/>
                 </a:solidFill>
@@ -20728,7 +20768,7 @@
   <p:timing>
     <p:tnLst>
       <p:par>
-        <p:cTn xmlns:p14="http://schemas.microsoft.com/office/powerpoint/2010/main" id="1" dur="indefinite" restart="never" nodeType="tmRoot"/>
+        <p:cTn id="1" dur="indefinite" restart="never" nodeType="tmRoot"/>
       </p:par>
     </p:tnLst>
   </p:timing>
@@ -21656,7 +21696,7 @@
   <p:timing>
     <p:tnLst>
       <p:par>
-        <p:cTn xmlns:p14="http://schemas.microsoft.com/office/powerpoint/2010/main" id="1" dur="indefinite" restart="never" nodeType="tmRoot"/>
+        <p:cTn id="1" dur="indefinite" restart="never" nodeType="tmRoot"/>
       </p:par>
     </p:tnLst>
   </p:timing>
@@ -21780,7 +21820,7 @@
               <a:buNone/>
             </a:pPr>
             <a:r>
-              <a:rPr lang="en-US" sz="4800" i="0" u="none" strike="noStrike" cap="none" dirty="0">
+              <a:rPr lang="en-US" sz="4800" b="1" i="0" u="none" strike="noStrike" cap="none" dirty="0">
                 <a:solidFill>
                   <a:srgbClr val="FF9900"/>
                 </a:solidFill>
@@ -21792,7 +21832,7 @@
               <a:t>x</a:t>
             </a:r>
             <a:r>
-              <a:rPr lang="en-US" sz="4800" i="0" u="none" strike="noStrike" cap="none" dirty="0">
+              <a:rPr lang="en-US" sz="4800" b="1" i="0" u="none" strike="noStrike" cap="none" dirty="0">
                 <a:solidFill>
                   <a:srgbClr val="FF7F00"/>
                 </a:solidFill>
@@ -21804,7 +21844,7 @@
               <a:t> </a:t>
             </a:r>
             <a:r>
-              <a:rPr lang="en-US" sz="4800" i="0" u="none" strike="noStrike" cap="none" dirty="0">
+              <a:rPr lang="en-US" sz="4800" b="1" i="0" u="none" strike="noStrike" cap="none" dirty="0">
                 <a:solidFill>
                   <a:srgbClr val="FFFFFF"/>
                 </a:solidFill>
@@ -21816,7 +21856,7 @@
               <a:t>=</a:t>
             </a:r>
             <a:r>
-              <a:rPr lang="en-US" sz="4800" i="0" u="none" strike="noStrike" cap="none" dirty="0">
+              <a:rPr lang="en-US" sz="4800" b="1" i="0" u="none" strike="noStrike" cap="none" dirty="0">
                 <a:solidFill>
                   <a:srgbClr val="FF7F00"/>
                 </a:solidFill>
@@ -21828,7 +21868,7 @@
               <a:t> </a:t>
             </a:r>
             <a:r>
-              <a:rPr lang="en-US" sz="4800" i="0" u="none" strike="noStrike" cap="none" dirty="0">
+              <a:rPr lang="en-US" sz="4800" b="1" i="0" u="none" strike="noStrike" cap="none" dirty="0">
                 <a:solidFill>
                   <a:srgbClr val="00FFFF"/>
                 </a:solidFill>
@@ -21859,7 +21899,7 @@
               <a:buNone/>
             </a:pPr>
             <a:r>
-              <a:rPr lang="en-US" sz="4800" i="0" u="none" strike="noStrike" cap="none" dirty="0">
+              <a:rPr lang="en-US" sz="4800" b="1" i="0" u="none" strike="noStrike" cap="none" dirty="0">
                 <a:solidFill>
                   <a:srgbClr val="FF9900"/>
                 </a:solidFill>
@@ -21871,7 +21911,7 @@
               <a:t>x</a:t>
             </a:r>
             <a:r>
-              <a:rPr lang="en-US" sz="4800" i="0" u="none" strike="noStrike" cap="none" dirty="0">
+              <a:rPr lang="en-US" sz="4800" b="1" i="0" u="none" strike="noStrike" cap="none" dirty="0">
                 <a:solidFill>
                   <a:srgbClr val="FF7F00"/>
                 </a:solidFill>
@@ -21883,7 +21923,7 @@
               <a:t> </a:t>
             </a:r>
             <a:r>
-              <a:rPr lang="en-US" sz="4800" i="0" u="none" strike="noStrike" cap="none" dirty="0">
+              <a:rPr lang="en-US" sz="4800" b="1" i="0" u="none" strike="noStrike" cap="none" dirty="0">
                 <a:solidFill>
                   <a:srgbClr val="FFFFFF"/>
                 </a:solidFill>
@@ -21895,7 +21935,7 @@
               <a:t>=</a:t>
             </a:r>
             <a:r>
-              <a:rPr lang="en-US" sz="4800" i="0" u="none" strike="noStrike" cap="none" dirty="0">
+              <a:rPr lang="en-US" sz="4800" b="1" i="0" u="none" strike="noStrike" cap="none" dirty="0">
                 <a:solidFill>
                   <a:srgbClr val="FF7F00"/>
                 </a:solidFill>
@@ -21907,7 +21947,7 @@
               <a:t> </a:t>
             </a:r>
             <a:r>
-              <a:rPr lang="en-US" sz="4800" i="0" u="none" strike="noStrike" cap="none" dirty="0">
+              <a:rPr lang="en-US" sz="4800" b="1" i="0" u="none" strike="noStrike" cap="none" dirty="0">
                 <a:solidFill>
                   <a:srgbClr val="FF9900"/>
                 </a:solidFill>
@@ -21919,7 +21959,7 @@
               <a:t>x</a:t>
             </a:r>
             <a:r>
-              <a:rPr lang="en-US" sz="4800" i="0" u="none" strike="noStrike" cap="none" dirty="0">
+              <a:rPr lang="en-US" sz="4800" b="1" i="0" u="none" strike="noStrike" cap="none" dirty="0">
                 <a:solidFill>
                   <a:srgbClr val="FF7F00"/>
                 </a:solidFill>
@@ -21931,7 +21971,7 @@
               <a:t> </a:t>
             </a:r>
             <a:r>
-              <a:rPr lang="en-US" sz="4800" i="0" u="none" strike="noStrike" cap="none" dirty="0">
+              <a:rPr lang="en-US" sz="4800" b="1" i="0" u="none" strike="noStrike" cap="none" dirty="0">
                 <a:solidFill>
                   <a:srgbClr val="FFFFFF"/>
                 </a:solidFill>
@@ -21943,7 +21983,7 @@
               <a:t>+</a:t>
             </a:r>
             <a:r>
-              <a:rPr lang="en-US" sz="4800" i="0" u="none" strike="noStrike" cap="none" dirty="0">
+              <a:rPr lang="en-US" sz="4800" b="1" i="0" u="none" strike="noStrike" cap="none" dirty="0">
                 <a:solidFill>
                   <a:srgbClr val="FF7F00"/>
                 </a:solidFill>
@@ -21955,7 +21995,7 @@
               <a:t> </a:t>
             </a:r>
             <a:r>
-              <a:rPr lang="en-US" sz="4800" i="0" u="none" strike="noStrike" cap="none" dirty="0">
+              <a:rPr lang="en-US" sz="4800" b="1" i="0" u="none" strike="noStrike" cap="none" dirty="0">
                 <a:solidFill>
                   <a:srgbClr val="00FFFF"/>
                 </a:solidFill>
@@ -21975,7 +22015,7 @@
               <a:buSzPct val="25000"/>
             </a:pPr>
             <a:r>
-              <a:rPr lang="en-US" sz="4800" dirty="0">
+              <a:rPr lang="en-US" sz="4800" b="1" dirty="0">
                 <a:solidFill>
                   <a:srgbClr val="FFFF00"/>
                 </a:solidFill>
@@ -21987,7 +22027,7 @@
               <a:t>print(</a:t>
             </a:r>
             <a:r>
-              <a:rPr lang="en-US" sz="4800" dirty="0">
+              <a:rPr lang="en-US" sz="4800" b="1" dirty="0">
                 <a:solidFill>
                   <a:srgbClr val="FF9900"/>
                 </a:solidFill>
@@ -21999,7 +22039,7 @@
               <a:t>x</a:t>
             </a:r>
             <a:r>
-              <a:rPr lang="en-US" sz="4800" dirty="0" smtClean="0">
+              <a:rPr lang="en-US" sz="4800" b="1" dirty="0" smtClean="0">
                 <a:solidFill>
                   <a:srgbClr val="FFFF00"/>
                 </a:solidFill>
@@ -22010,7 +22050,7 @@
               </a:rPr>
               <a:t>)</a:t>
             </a:r>
-            <a:endParaRPr lang="en-US" sz="4800" dirty="0">
+            <a:endParaRPr lang="en-US" sz="4800" b="1" dirty="0">
               <a:solidFill>
                 <a:srgbClr val="FFFF00"/>
               </a:solidFill>
@@ -22479,7 +22519,7 @@
   <p:timing>
     <p:tnLst>
       <p:par>
-        <p:cTn xmlns:p14="http://schemas.microsoft.com/office/powerpoint/2010/main" id="1" dur="indefinite" restart="never" nodeType="tmRoot"/>
+        <p:cTn id="1" dur="indefinite" restart="never" nodeType="tmRoot"/>
       </p:par>
     </p:tnLst>
   </p:timing>
@@ -22568,7 +22608,7 @@
   <p:timing>
     <p:tnLst>
       <p:par>
-        <p:cTn xmlns:p14="http://schemas.microsoft.com/office/powerpoint/2010/main" id="1" dur="indefinite" restart="never" nodeType="tmRoot"/>
+        <p:cTn id="1" dur="indefinite" restart="never" nodeType="tmRoot"/>
       </p:par>
     </p:tnLst>
   </p:timing>
@@ -22927,7 +22967,7 @@
   <p:timing>
     <p:tnLst>
       <p:par>
-        <p:cTn xmlns:p14="http://schemas.microsoft.com/office/powerpoint/2010/main" id="1" dur="indefinite" restart="never" nodeType="tmRoot"/>
+        <p:cTn id="1" dur="indefinite" restart="never" nodeType="tmRoot"/>
       </p:par>
     </p:tnLst>
   </p:timing>
@@ -23164,7 +23204,7 @@
   <p:timing>
     <p:tnLst>
       <p:par>
-        <p:cTn xmlns:p14="http://schemas.microsoft.com/office/powerpoint/2010/main" id="1" dur="indefinite" restart="never" nodeType="tmRoot"/>
+        <p:cTn id="1" dur="indefinite" restart="never" nodeType="tmRoot"/>
       </p:par>
     </p:tnLst>
   </p:timing>
@@ -23499,7 +23539,7 @@
   <p:timing>
     <p:tnLst>
       <p:par>
-        <p:cTn xmlns:p14="http://schemas.microsoft.com/office/powerpoint/2010/main" id="1" dur="indefinite" restart="never" nodeType="tmRoot"/>
+        <p:cTn id="1" dur="indefinite" restart="never" nodeType="tmRoot"/>
       </p:par>
     </p:tnLst>
   </p:timing>
@@ -23677,7 +23717,7 @@
               <a:buNone/>
             </a:pPr>
             <a:r>
-              <a:rPr lang="en-US" sz="3600" u="none" strike="noStrike" cap="none" dirty="0">
+              <a:rPr lang="en-US" sz="3600" b="1" u="none" strike="noStrike" cap="none" dirty="0">
                 <a:solidFill>
                   <a:srgbClr val="00FF00"/>
                 </a:solidFill>
@@ -23697,7 +23737,7 @@
               <a:buSzPct val="25000"/>
             </a:pPr>
             <a:r>
-              <a:rPr lang="en-US" sz="3600" u="none" strike="noStrike" cap="none" dirty="0" smtClean="0">
+              <a:rPr lang="en-US" sz="3600" b="1" u="none" strike="noStrike" cap="none" dirty="0" smtClean="0">
                 <a:solidFill>
                   <a:srgbClr val="FFFF00"/>
                 </a:solidFill>
@@ -23709,7 +23749,7 @@
               <a:t>print(</a:t>
             </a:r>
             <a:r>
-              <a:rPr lang="en-US" sz="3600" u="none" strike="noStrike" cap="none" dirty="0" smtClean="0">
+              <a:rPr lang="en-US" sz="3600" b="1" u="none" strike="noStrike" cap="none" dirty="0" smtClean="0">
                 <a:solidFill>
                   <a:srgbClr val="00FF00"/>
                 </a:solidFill>
@@ -23721,7 +23761,7 @@
               <a:t>x</a:t>
             </a:r>
             <a:r>
-              <a:rPr lang="en-US" sz="3600" dirty="0">
+              <a:rPr lang="en-US" sz="3600" b="1" dirty="0">
                 <a:solidFill>
                   <a:srgbClr val="FFFF00"/>
                 </a:solidFill>
@@ -23732,7 +23772,7 @@
               </a:rPr>
               <a:t>)</a:t>
             </a:r>
-            <a:endParaRPr lang="en-US" sz="3600" u="none" strike="noStrike" cap="none" dirty="0">
+            <a:endParaRPr lang="en-US" sz="3600" b="1" u="none" strike="noStrike" cap="none" dirty="0">
               <a:solidFill>
                 <a:srgbClr val="00FF00"/>
               </a:solidFill>
@@ -23761,7 +23801,7 @@
               <a:buNone/>
             </a:pPr>
             <a:r>
-              <a:rPr lang="en-US" sz="3600" u="none" strike="noStrike" cap="none" dirty="0">
+              <a:rPr lang="en-US" sz="3600" b="1" u="none" strike="noStrike" cap="none" dirty="0">
                 <a:solidFill>
                   <a:srgbClr val="00FF00"/>
                 </a:solidFill>
@@ -23781,7 +23821,7 @@
               <a:buSzPct val="25000"/>
             </a:pPr>
             <a:r>
-              <a:rPr lang="en-US" sz="3600" u="none" strike="noStrike" cap="none" dirty="0" smtClean="0">
+              <a:rPr lang="en-US" sz="3600" b="1" u="none" strike="noStrike" cap="none" dirty="0" smtClean="0">
                 <a:solidFill>
                   <a:srgbClr val="FFFF00"/>
                 </a:solidFill>
@@ -23793,7 +23833,7 @@
               <a:t>print(</a:t>
             </a:r>
             <a:r>
-              <a:rPr lang="en-US" sz="3600" u="none" strike="noStrike" cap="none" dirty="0" smtClean="0">
+              <a:rPr lang="en-US" sz="3600" b="1" u="none" strike="noStrike" cap="none" dirty="0" smtClean="0">
                 <a:solidFill>
                   <a:srgbClr val="00FF00"/>
                 </a:solidFill>
@@ -23805,7 +23845,7 @@
               <a:t>x</a:t>
             </a:r>
             <a:r>
-              <a:rPr lang="en-US" sz="3600" dirty="0">
+              <a:rPr lang="en-US" sz="3600" b="1" dirty="0">
                 <a:solidFill>
                   <a:srgbClr val="FFFF00"/>
                 </a:solidFill>
@@ -23816,7 +23856,7 @@
               </a:rPr>
               <a:t>)</a:t>
             </a:r>
-            <a:endParaRPr lang="en-US" sz="3600" u="none" strike="noStrike" cap="none" dirty="0">
+            <a:endParaRPr lang="en-US" sz="3600" b="1" u="none" strike="noStrike" cap="none" dirty="0">
               <a:solidFill>
                 <a:srgbClr val="00FF00"/>
               </a:solidFill>
@@ -24345,7 +24385,7 @@
         <p:spPr>
           <a:xfrm flipH="1">
             <a:off x="8774349" y="4669277"/>
-            <a:ext cx="2762656" cy="245088"/>
+            <a:ext cx="2762656" cy="72056"/>
           </a:xfrm>
           <a:prstGeom prst="straightConnector1">
             <a:avLst/>
@@ -24370,8 +24410,8 @@
         </p:nvCxnSpPr>
         <p:spPr>
           <a:xfrm flipH="1">
-            <a:off x="8554783" y="5278965"/>
-            <a:ext cx="3002751" cy="557631"/>
+            <a:off x="8774349" y="5278965"/>
+            <a:ext cx="2783186" cy="613835"/>
           </a:xfrm>
           <a:prstGeom prst="straightConnector1">
             <a:avLst/>
@@ -24525,7 +24565,7 @@
   <p:timing>
     <p:tnLst>
       <p:par>
-        <p:cTn xmlns:p14="http://schemas.microsoft.com/office/powerpoint/2010/main" id="1" dur="indefinite" restart="never" nodeType="tmRoot"/>
+        <p:cTn id="1" dur="indefinite" restart="never" nodeType="tmRoot"/>
       </p:par>
     </p:tnLst>
   </p:timing>
@@ -24908,7 +24948,7 @@
   <p:timing>
     <p:tnLst>
       <p:par>
-        <p:cTn xmlns:p14="http://schemas.microsoft.com/office/powerpoint/2010/main" id="1" dur="indefinite" restart="never" nodeType="tmRoot"/>
+        <p:cTn id="1" dur="indefinite" restart="never" nodeType="tmRoot"/>
       </p:par>
     </p:tnLst>
   </p:timing>
@@ -25196,7 +25236,7 @@
               <a:buNone/>
             </a:pPr>
             <a:r>
-              <a:rPr lang="en-US" sz="3600" u="none" strike="noStrike" cap="none" dirty="0">
+              <a:rPr lang="en-US" sz="3600" u="none" strike="noStrike" cap="none" dirty="0" smtClean="0">
                 <a:solidFill>
                   <a:schemeClr val="lt1"/>
                 </a:solidFill>
@@ -25221,7 +25261,7 @@
               </a:spcAft>
               <a:buNone/>
             </a:pPr>
-            <a:endParaRPr sz="3600" u="none" strike="noStrike" cap="none" dirty="0">
+            <a:endParaRPr sz="3600" b="1" u="none" strike="noStrike" cap="none" dirty="0" smtClean="0">
               <a:solidFill>
                 <a:srgbClr val="FF7F00"/>
               </a:solidFill>
@@ -25250,7 +25290,7 @@
               <a:buNone/>
             </a:pPr>
             <a:r>
-              <a:rPr lang="en-US" sz="2800" u="none" strike="noStrike" cap="none" dirty="0">
+              <a:rPr lang="en-US" sz="2800" b="1" u="none" strike="noStrike" cap="none" dirty="0" smtClean="0">
                 <a:solidFill>
                   <a:srgbClr val="00FF00"/>
                 </a:solidFill>
@@ -25281,7 +25321,7 @@
               <a:buNone/>
             </a:pPr>
             <a:r>
-              <a:rPr lang="en-US" sz="2800" u="none" strike="noStrike" cap="none" dirty="0">
+              <a:rPr lang="en-US" sz="2800" b="1" u="none" strike="noStrike" cap="none" dirty="0" smtClean="0">
                 <a:solidFill>
                   <a:srgbClr val="FFFF00"/>
                 </a:solidFill>
@@ -25293,7 +25333,7 @@
               <a:t>if</a:t>
             </a:r>
             <a:r>
-              <a:rPr lang="en-US" sz="2800" u="none" strike="noStrike" cap="none" dirty="0">
+              <a:rPr lang="en-US" sz="2800" b="1" u="none" strike="noStrike" cap="none" dirty="0" smtClean="0">
                 <a:solidFill>
                   <a:srgbClr val="FF7F00"/>
                 </a:solidFill>
@@ -25305,7 +25345,7 @@
               <a:t> </a:t>
             </a:r>
             <a:r>
-              <a:rPr lang="en-US" sz="2800" u="none" strike="noStrike" cap="none" dirty="0">
+              <a:rPr lang="en-US" sz="2800" b="1" u="none" strike="noStrike" cap="none" dirty="0" smtClean="0">
                 <a:solidFill>
                   <a:srgbClr val="00FF00"/>
                 </a:solidFill>
@@ -25325,7 +25365,7 @@
               <a:buSzPct val="25000"/>
             </a:pPr>
             <a:r>
-              <a:rPr lang="en-US" sz="2800" u="none" strike="noStrike" cap="none" dirty="0">
+              <a:rPr lang="en-US" sz="2800" b="1" u="none" strike="noStrike" cap="none" dirty="0" smtClean="0">
                 <a:solidFill>
                   <a:srgbClr val="FF7F00"/>
                 </a:solidFill>
@@ -25337,7 +25377,7 @@
               <a:t>    </a:t>
             </a:r>
             <a:r>
-              <a:rPr lang="en-US" sz="2800" u="none" strike="noStrike" cap="none" dirty="0" smtClean="0">
+              <a:rPr lang="en-US" sz="2800" b="1" u="none" strike="noStrike" cap="none" dirty="0" smtClean="0">
                 <a:solidFill>
                   <a:srgbClr val="FFFF00"/>
                 </a:solidFill>
@@ -25349,7 +25389,7 @@
               <a:t>print(</a:t>
             </a:r>
             <a:r>
-              <a:rPr lang="en-US" sz="2800" u="none" strike="noStrike" cap="none" dirty="0" smtClean="0">
+              <a:rPr lang="en-US" sz="2800" b="1" u="none" strike="noStrike" cap="none" dirty="0" smtClean="0">
                 <a:solidFill>
                   <a:srgbClr val="00FF00"/>
                 </a:solidFill>
@@ -25361,7 +25401,7 @@
               <a:t>'</a:t>
             </a:r>
             <a:r>
-              <a:rPr lang="en-US" sz="2800" dirty="0">
+              <a:rPr lang="en-US" sz="2800" b="1" dirty="0" smtClean="0">
                 <a:solidFill>
                   <a:srgbClr val="00FF00"/>
                 </a:solidFill>
@@ -25373,7 +25413,7 @@
               <a:t>Smaller'</a:t>
             </a:r>
             <a:r>
-              <a:rPr lang="en-US" sz="2800" dirty="0" smtClean="0">
+              <a:rPr lang="en-US" sz="2800" b="1" dirty="0" smtClean="0">
                 <a:solidFill>
                   <a:srgbClr val="FFFF00"/>
                 </a:solidFill>
@@ -25384,7 +25424,7 @@
               </a:rPr>
               <a:t>)</a:t>
             </a:r>
-            <a:endParaRPr lang="en-US" sz="2800" u="none" strike="noStrike" cap="none" dirty="0">
+            <a:endParaRPr lang="en-US" sz="2800" b="1" u="none" strike="noStrike" cap="none" dirty="0" smtClean="0">
               <a:solidFill>
                 <a:srgbClr val="00FF00"/>
               </a:solidFill>
@@ -25413,7 +25453,7 @@
               <a:buNone/>
             </a:pPr>
             <a:r>
-              <a:rPr lang="en-US" sz="2800" u="none" strike="noStrike" cap="none" dirty="0">
+              <a:rPr lang="en-US" sz="2800" b="1" u="none" strike="noStrike" cap="none" dirty="0" smtClean="0">
                 <a:solidFill>
                   <a:srgbClr val="FFFF00"/>
                 </a:solidFill>
@@ -25425,7 +25465,7 @@
               <a:t>if</a:t>
             </a:r>
             <a:r>
-              <a:rPr lang="en-US" sz="2800" u="none" strike="noStrike" cap="none" dirty="0">
+              <a:rPr lang="en-US" sz="2800" b="1" u="none" strike="noStrike" cap="none" dirty="0" smtClean="0">
                 <a:solidFill>
                   <a:srgbClr val="FF7F00"/>
                 </a:solidFill>
@@ -25437,7 +25477,7 @@
               <a:t> </a:t>
             </a:r>
             <a:r>
-              <a:rPr lang="en-US" sz="2800" u="none" strike="noStrike" cap="none" dirty="0">
+              <a:rPr lang="en-US" sz="2800" b="1" u="none" strike="noStrike" cap="none" dirty="0" smtClean="0">
                 <a:solidFill>
                   <a:srgbClr val="00FF00"/>
                 </a:solidFill>
@@ -25457,7 +25497,7 @@
               <a:buSzPct val="25000"/>
             </a:pPr>
             <a:r>
-              <a:rPr lang="en-US" sz="2800" u="none" strike="noStrike" cap="none" dirty="0">
+              <a:rPr lang="en-US" sz="2800" b="1" u="none" strike="noStrike" cap="none" dirty="0" smtClean="0">
                 <a:solidFill>
                   <a:srgbClr val="FF7F00"/>
                 </a:solidFill>
@@ -25469,7 +25509,7 @@
               <a:t>    </a:t>
             </a:r>
             <a:r>
-              <a:rPr lang="en-US" sz="2800" u="none" strike="noStrike" cap="none" dirty="0" smtClean="0">
+              <a:rPr lang="en-US" sz="2800" b="1" u="none" strike="noStrike" cap="none" dirty="0" smtClean="0">
                 <a:solidFill>
                   <a:srgbClr val="FFFF00"/>
                 </a:solidFill>
@@ -25481,7 +25521,7 @@
               <a:t>print(</a:t>
             </a:r>
             <a:r>
-              <a:rPr lang="en-US" sz="2800" u="none" strike="noStrike" cap="none" dirty="0" smtClean="0">
+              <a:rPr lang="en-US" sz="2800" b="1" u="none" strike="noStrike" cap="none" dirty="0" smtClean="0">
                 <a:solidFill>
                   <a:srgbClr val="00FF00"/>
                 </a:solidFill>
@@ -25493,7 +25533,7 @@
               <a:t>'</a:t>
             </a:r>
             <a:r>
-              <a:rPr lang="en-US" sz="2800" dirty="0">
+              <a:rPr lang="en-US" sz="2800" b="1" dirty="0" smtClean="0">
                 <a:solidFill>
                   <a:srgbClr val="00FF00"/>
                 </a:solidFill>
@@ -25505,7 +25545,7 @@
               <a:t>Bigger'</a:t>
             </a:r>
             <a:r>
-              <a:rPr lang="en-US" sz="2800" dirty="0" smtClean="0">
+              <a:rPr lang="en-US" sz="2800" b="1" dirty="0" smtClean="0">
                 <a:solidFill>
                   <a:srgbClr val="FFFF00"/>
                 </a:solidFill>
@@ -25516,7 +25556,7 @@
               </a:rPr>
               <a:t>)</a:t>
             </a:r>
-            <a:endParaRPr lang="en-US" sz="2800" u="none" strike="noStrike" cap="none" dirty="0">
+            <a:endParaRPr lang="en-US" sz="2800" b="1" u="none" strike="noStrike" cap="none" dirty="0" smtClean="0">
               <a:solidFill>
                 <a:srgbClr val="00FF00"/>
               </a:solidFill>
@@ -25539,7 +25579,7 @@
               </a:spcAft>
               <a:buNone/>
             </a:pPr>
-            <a:endParaRPr sz="2800" u="none" strike="noStrike" cap="none" dirty="0">
+            <a:endParaRPr sz="2800" b="1" u="none" strike="noStrike" cap="none" dirty="0" smtClean="0">
               <a:solidFill>
                 <a:srgbClr val="00FF00"/>
               </a:solidFill>
@@ -25557,7 +25597,7 @@
               <a:buSzPct val="25000"/>
             </a:pPr>
             <a:r>
-              <a:rPr lang="en-US" sz="2800" u="none" strike="noStrike" cap="none" dirty="0" smtClean="0">
+              <a:rPr lang="en-US" sz="2800" b="1" u="none" strike="noStrike" cap="none" dirty="0" smtClean="0">
                 <a:solidFill>
                   <a:srgbClr val="FFFF00"/>
                 </a:solidFill>
@@ -25566,22 +25606,22 @@
                 <a:cs typeface="Courier" charset="0"/>
                 <a:sym typeface="Cabin"/>
               </a:rPr>
-              <a:t>Print(</a:t>
-            </a:r>
-            <a:r>
-              <a:rPr lang="en-US" sz="2800" u="none" strike="noStrike" cap="none" dirty="0" smtClean="0">
-                <a:solidFill>
-                  <a:srgbClr val="00FF00"/>
+              <a:t>print</a:t>
+            </a:r>
+            <a:r>
+              <a:rPr lang="en-US" sz="2800" b="1" u="none" strike="noStrike" cap="none" dirty="0" smtClean="0">
+                <a:solidFill>
+                  <a:srgbClr val="FFFF00"/>
                 </a:solidFill>
                 <a:latin typeface="Courier" charset="0"/>
                 <a:ea typeface="Courier" charset="0"/>
                 <a:cs typeface="Courier" charset="0"/>
                 <a:sym typeface="Cabin"/>
               </a:rPr>
-              <a:t>'</a:t>
-            </a:r>
-            <a:r>
-              <a:rPr lang="en-US" sz="2800" u="none" strike="noStrike" cap="none" dirty="0">
+              <a:t>(</a:t>
+            </a:r>
+            <a:r>
+              <a:rPr lang="en-US" sz="2800" b="1" u="none" strike="noStrike" cap="none" dirty="0" smtClean="0">
                 <a:solidFill>
                   <a:srgbClr val="00FF00"/>
                 </a:solidFill>
@@ -25590,33 +25630,21 @@
                 <a:cs typeface="Courier" charset="0"/>
                 <a:sym typeface="Cabin"/>
               </a:rPr>
-              <a:t>Finis</a:t>
-            </a:r>
-            <a:r>
-              <a:rPr lang="en-US" sz="2800" u="none" strike="noStrike" cap="none" dirty="0" smtClean="0">
-                <a:solidFill>
-                  <a:srgbClr val="00FF00"/>
+              <a:t>'Finis'</a:t>
+            </a:r>
+            <a:r>
+              <a:rPr lang="en-US" sz="2800" b="1" dirty="0" smtClean="0">
+                <a:solidFill>
+                  <a:srgbClr val="FFFF00"/>
                 </a:solidFill>
                 <a:latin typeface="Courier" charset="0"/>
                 <a:ea typeface="Courier" charset="0"/>
                 <a:cs typeface="Courier" charset="0"/>
                 <a:sym typeface="Cabin"/>
               </a:rPr>
-              <a:t>'</a:t>
-            </a:r>
-            <a:r>
-              <a:rPr lang="en-US" sz="2800" dirty="0" smtClean="0">
-                <a:solidFill>
-                  <a:srgbClr val="FFFF00"/>
-                </a:solidFill>
-                <a:latin typeface="Courier" charset="0"/>
-                <a:ea typeface="Courier" charset="0"/>
-                <a:cs typeface="Courier" charset="0"/>
-                <a:sym typeface="Cabin"/>
-              </a:rPr>
               <a:t>)</a:t>
             </a:r>
-            <a:endParaRPr lang="en-US" sz="2800" u="none" strike="noStrike" cap="none" dirty="0">
+            <a:endParaRPr lang="en-US" sz="2800" b="1" u="none" strike="noStrike" cap="none" dirty="0">
               <a:solidFill>
                 <a:srgbClr val="00FF00"/>
               </a:solidFill>
@@ -26565,7 +26593,7 @@
   <p:timing>
     <p:tnLst>
       <p:par>
-        <p:cTn xmlns:p14="http://schemas.microsoft.com/office/powerpoint/2010/main" id="1" dur="indefinite" restart="never" nodeType="tmRoot"/>
+        <p:cTn id="1" dur="indefinite" restart="never" nodeType="tmRoot"/>
       </p:par>
     </p:tnLst>
   </p:timing>
@@ -27013,7 +27041,7 @@
               <a:buNone/>
             </a:pPr>
             <a:r>
-              <a:rPr lang="en-US" sz="2800" u="none" strike="noStrike" cap="none" dirty="0">
+              <a:rPr lang="en-US" sz="2800" b="1" u="none" strike="noStrike" cap="none" dirty="0">
                 <a:solidFill>
                   <a:srgbClr val="00FF00"/>
                 </a:solidFill>
@@ -27044,7 +27072,7 @@
               <a:buNone/>
             </a:pPr>
             <a:r>
-              <a:rPr lang="en-US" sz="2800" u="none" strike="noStrike" cap="none" dirty="0">
+              <a:rPr lang="en-US" sz="2800" b="1" u="none" strike="noStrike" cap="none" dirty="0">
                 <a:solidFill>
                   <a:srgbClr val="FFFF00"/>
                 </a:solidFill>
@@ -27056,7 +27084,7 @@
               <a:t>while</a:t>
             </a:r>
             <a:r>
-              <a:rPr lang="en-US" sz="2800" u="none" strike="noStrike" cap="none" dirty="0">
+              <a:rPr lang="en-US" sz="2800" b="1" u="none" strike="noStrike" cap="none" dirty="0">
                 <a:solidFill>
                   <a:srgbClr val="00FF00"/>
                 </a:solidFill>
@@ -27068,7 +27096,7 @@
               <a:t> n &gt; 0</a:t>
             </a:r>
             <a:r>
-              <a:rPr lang="en-US" sz="2800" u="none" strike="noStrike" cap="none" dirty="0">
+              <a:rPr lang="en-US" sz="2800" b="1" u="none" strike="noStrike" cap="none" dirty="0">
                 <a:solidFill>
                   <a:srgbClr val="FFFF00"/>
                 </a:solidFill>
@@ -27099,7 +27127,7 @@
               <a:buNone/>
             </a:pPr>
             <a:r>
-              <a:rPr lang="en-US" sz="2800" u="none" strike="noStrike" cap="none" dirty="0">
+              <a:rPr lang="en-US" sz="2800" b="1" u="none" strike="noStrike" cap="none" dirty="0">
                 <a:solidFill>
                   <a:srgbClr val="FFFF00"/>
                 </a:solidFill>
@@ -27111,7 +27139,7 @@
               <a:t>    </a:t>
             </a:r>
             <a:r>
-              <a:rPr lang="en-US" sz="2800" u="none" strike="noStrike" cap="none" dirty="0" smtClean="0">
+              <a:rPr lang="en-US" sz="2800" b="1" u="none" strike="noStrike" cap="none" dirty="0" smtClean="0">
                 <a:solidFill>
                   <a:srgbClr val="FFFF00"/>
                 </a:solidFill>
@@ -27123,7 +27151,7 @@
               <a:t>print(</a:t>
             </a:r>
             <a:r>
-              <a:rPr lang="en-US" sz="2800" u="none" strike="noStrike" cap="none" dirty="0" smtClean="0">
+              <a:rPr lang="en-US" sz="2800" b="1" u="none" strike="noStrike" cap="none" dirty="0" smtClean="0">
                 <a:solidFill>
                   <a:srgbClr val="00FF00"/>
                 </a:solidFill>
@@ -27135,7 +27163,7 @@
               <a:t>n</a:t>
             </a:r>
             <a:r>
-              <a:rPr lang="en-US" sz="2800" u="none" strike="noStrike" cap="none" dirty="0" smtClean="0">
+              <a:rPr lang="en-US" sz="2800" b="1" u="none" strike="noStrike" cap="none" dirty="0" smtClean="0">
                 <a:solidFill>
                   <a:srgbClr val="FFFF00"/>
                 </a:solidFill>
@@ -27146,7 +27174,7 @@
               </a:rPr>
               <a:t>)</a:t>
             </a:r>
-            <a:endParaRPr lang="en-US" sz="2800" u="none" strike="noStrike" cap="none" dirty="0">
+            <a:endParaRPr lang="en-US" sz="2800" b="1" u="none" strike="noStrike" cap="none" dirty="0">
               <a:solidFill>
                 <a:srgbClr val="FFFF00"/>
               </a:solidFill>
@@ -27175,7 +27203,7 @@
               <a:buNone/>
             </a:pPr>
             <a:r>
-              <a:rPr lang="en-US" sz="2800" u="none" strike="noStrike" cap="none" dirty="0">
+              <a:rPr lang="en-US" sz="2800" b="1" u="none" strike="noStrike" cap="none" dirty="0">
                 <a:solidFill>
                   <a:srgbClr val="FFFF00"/>
                 </a:solidFill>
@@ -27187,7 +27215,7 @@
               <a:t>    </a:t>
             </a:r>
             <a:r>
-              <a:rPr lang="en-US" sz="2800" u="none" strike="noStrike" cap="none" dirty="0">
+              <a:rPr lang="en-US" sz="2800" b="1" u="none" strike="noStrike" cap="none" dirty="0">
                 <a:solidFill>
                   <a:srgbClr val="00FF00"/>
                 </a:solidFill>
@@ -27207,7 +27235,7 @@
               <a:buSzPct val="25000"/>
             </a:pPr>
             <a:r>
-              <a:rPr lang="en-US" sz="2800" dirty="0">
+              <a:rPr lang="en-US" sz="2800" b="1" dirty="0">
                 <a:solidFill>
                   <a:srgbClr val="FFFF00"/>
                 </a:solidFill>
@@ -27219,7 +27247,7 @@
               <a:t>p</a:t>
             </a:r>
             <a:r>
-              <a:rPr lang="en-US" sz="2800" u="none" strike="noStrike" cap="none" dirty="0" smtClean="0">
+              <a:rPr lang="en-US" sz="2800" b="1" u="none" strike="noStrike" cap="none" dirty="0" smtClean="0">
                 <a:solidFill>
                   <a:srgbClr val="FFFF00"/>
                 </a:solidFill>
@@ -27231,7 +27259,7 @@
               <a:t>rint(</a:t>
             </a:r>
             <a:r>
-              <a:rPr lang="en-US" sz="2800" u="none" strike="noStrike" cap="none" dirty="0" smtClean="0">
+              <a:rPr lang="en-US" sz="2800" b="1" u="none" strike="noStrike" cap="none" dirty="0" smtClean="0">
                 <a:solidFill>
                   <a:srgbClr val="00FF00"/>
                 </a:solidFill>
@@ -27243,7 +27271,7 @@
               <a:t>'Blastoff</a:t>
             </a:r>
             <a:r>
-              <a:rPr lang="en-US" sz="2800" dirty="0" smtClean="0">
+              <a:rPr lang="en-US" sz="2800" b="1" dirty="0" smtClean="0">
                 <a:solidFill>
                   <a:srgbClr val="00FF00"/>
                 </a:solidFill>
@@ -27255,7 +27283,7 @@
               <a:t>!'</a:t>
             </a:r>
             <a:r>
-              <a:rPr lang="en-US" sz="2800" u="none" strike="noStrike" cap="none" dirty="0" smtClean="0">
+              <a:rPr lang="en-US" sz="2800" b="1" u="none" strike="noStrike" cap="none" dirty="0" smtClean="0">
                 <a:solidFill>
                   <a:srgbClr val="FFFF00"/>
                 </a:solidFill>
@@ -27266,7 +27294,7 @@
               </a:rPr>
               <a:t>)</a:t>
             </a:r>
-            <a:endParaRPr lang="en-US" sz="2800" u="none" strike="noStrike" cap="none" dirty="0">
+            <a:endParaRPr lang="en-US" sz="2800" b="1" u="none" strike="noStrike" cap="none" dirty="0">
               <a:solidFill>
                 <a:srgbClr val="FFFF00"/>
               </a:solidFill>
@@ -28260,7 +28288,7 @@
   <p:timing>
     <p:tnLst>
       <p:par>
-        <p:cTn xmlns:p14="http://schemas.microsoft.com/office/powerpoint/2010/main" id="1" dur="indefinite" restart="never" nodeType="tmRoot"/>
+        <p:cTn id="1" dur="indefinite" restart="never" nodeType="tmRoot"/>
       </p:par>
     </p:tnLst>
   </p:timing>
@@ -28316,7 +28344,7 @@
               <a:buSzPct val="25000"/>
             </a:pPr>
             <a:r>
-              <a:rPr lang="en-US" sz="2800" dirty="0">
+              <a:rPr lang="en-US" sz="2800" b="1" dirty="0">
                 <a:solidFill>
                   <a:srgbClr val="FFFF00"/>
                 </a:solidFill>
@@ -28328,19 +28356,19 @@
               <a:t>name = </a:t>
             </a:r>
             <a:r>
-              <a:rPr lang="en-US" sz="2800" dirty="0" err="1">
-                <a:solidFill>
-                  <a:srgbClr val="FFFF00"/>
+              <a:rPr lang="en-US" sz="2800" b="1" dirty="0">
+                <a:solidFill>
+                  <a:schemeClr val="bg1"/>
                 </a:solidFill>
                 <a:latin typeface="Courier New"/>
                 <a:ea typeface="Courier New"/>
                 <a:cs typeface="Courier New"/>
                 <a:sym typeface="Courier New"/>
               </a:rPr>
-              <a:t>raw_input</a:t>
-            </a:r>
-            <a:r>
-              <a:rPr lang="en-US" sz="2800" dirty="0">
+              <a:t>input</a:t>
+            </a:r>
+            <a:r>
+              <a:rPr lang="en-US" sz="2800" b="1" dirty="0" smtClean="0">
                 <a:solidFill>
                   <a:srgbClr val="FFFF00"/>
                 </a:solidFill>
@@ -28349,18 +28377,10 @@
                 <a:cs typeface="Courier New"/>
                 <a:sym typeface="Courier New"/>
               </a:rPr>
-              <a:t>('Enter file:')</a:t>
-            </a:r>
-          </a:p>
-          <a:p>
-            <a:pPr lvl="0">
-              <a:buClr>
-                <a:srgbClr val="00FF00"/>
-              </a:buClr>
-              <a:buSzPct val="25000"/>
-            </a:pPr>
-            <a:r>
-              <a:rPr lang="en-US" sz="2800" dirty="0">
+              <a:t>(</a:t>
+            </a:r>
+            <a:r>
+              <a:rPr lang="en-US" sz="2800" b="1" dirty="0">
                 <a:solidFill>
                   <a:srgbClr val="FFFF00"/>
                 </a:solidFill>
@@ -28369,12 +28389,53 @@
                 <a:cs typeface="Courier New"/>
                 <a:sym typeface="Courier New"/>
               </a:rPr>
-              <a:t>handle = open(name)</a:t>
-            </a:r>
+              <a:t>'Enter file:')</a:t>
+            </a:r>
+          </a:p>
+          <a:p>
+            <a:pPr lvl="0">
+              <a:buClr>
+                <a:srgbClr val="00FF00"/>
+              </a:buClr>
+              <a:buSzPct val="25000"/>
+            </a:pPr>
+            <a:r>
+              <a:rPr lang="en-US" sz="2800" b="1" dirty="0">
+                <a:solidFill>
+                  <a:srgbClr val="FFFF00"/>
+                </a:solidFill>
+                <a:latin typeface="Courier New"/>
+                <a:ea typeface="Courier New"/>
+                <a:cs typeface="Courier New"/>
+                <a:sym typeface="Courier New"/>
+              </a:rPr>
+              <a:t>handle = </a:t>
+            </a:r>
+            <a:r>
+              <a:rPr lang="en-US" sz="2800" b="1" dirty="0" smtClean="0">
+                <a:solidFill>
+                  <a:srgbClr val="FFFF00"/>
+                </a:solidFill>
+                <a:latin typeface="Courier New"/>
+                <a:ea typeface="Courier New"/>
+                <a:cs typeface="Courier New"/>
+                <a:sym typeface="Courier New"/>
+              </a:rPr>
+              <a:t>open(name, 'r')</a:t>
+            </a:r>
+            <a:endParaRPr lang="en-US" sz="2800" b="1" dirty="0">
+              <a:solidFill>
+                <a:srgbClr val="FFFF00"/>
+              </a:solidFill>
+              <a:latin typeface="Courier New"/>
+              <a:ea typeface="Courier New"/>
+              <a:cs typeface="Courier New"/>
+              <a:sym typeface="Courier New"/>
+            </a:endParaRPr>
           </a:p>
           <a:p>
             <a:pPr lvl="0" algn="ctr"/>
-            <a:endParaRPr lang="en-US" sz="2800" dirty="0">
+            <a:endParaRPr lang="en-US" sz="2800" b="1" dirty="0">
               <a:solidFill>
                 <a:srgbClr val="00FF00"/>
               </a:solidFill>
@@ -28392,7 +28453,7 @@
               <a:buSzPct val="25000"/>
             </a:pPr>
             <a:r>
-              <a:rPr lang="en-US" sz="2800" dirty="0">
+              <a:rPr lang="en-US" sz="2800" b="1" dirty="0">
                 <a:solidFill>
                   <a:srgbClr val="FFFF00"/>
                 </a:solidFill>
@@ -28404,7 +28465,7 @@
               <a:t>counts = </a:t>
             </a:r>
             <a:r>
-              <a:rPr lang="en-US" sz="2800" dirty="0" err="1">
+              <a:rPr lang="en-US" sz="2800" b="1" dirty="0" err="1">
                 <a:solidFill>
                   <a:srgbClr val="FFFF00"/>
                 </a:solidFill>
@@ -28416,7 +28477,7 @@
               <a:t>dict</a:t>
             </a:r>
             <a:r>
-              <a:rPr lang="en-US" sz="2800" dirty="0">
+              <a:rPr lang="en-US" sz="2800" b="1" dirty="0">
                 <a:solidFill>
                   <a:srgbClr val="FFFF00"/>
                 </a:solidFill>
@@ -28436,7 +28497,7 @@
               <a:buSzPct val="25000"/>
             </a:pPr>
             <a:r>
-              <a:rPr lang="en-US" sz="2800" dirty="0">
+              <a:rPr lang="en-US" sz="2800" b="1" dirty="0">
                 <a:solidFill>
                   <a:srgbClr val="00FA00"/>
                 </a:solidFill>
@@ -28456,7 +28517,7 @@
               <a:buSzPct val="25000"/>
             </a:pPr>
             <a:r>
-              <a:rPr lang="en-US" sz="2800" dirty="0">
+              <a:rPr lang="en-US" sz="2800" b="1" dirty="0">
                 <a:solidFill>
                   <a:srgbClr val="00FA00"/>
                 </a:solidFill>
@@ -28468,7 +28529,7 @@
               <a:t>    words = </a:t>
             </a:r>
             <a:r>
-              <a:rPr lang="en-US" sz="2800" dirty="0" err="1">
+              <a:rPr lang="en-US" sz="2800" b="1" dirty="0" err="1">
                 <a:solidFill>
                   <a:srgbClr val="00FA00"/>
                 </a:solidFill>
@@ -28480,7 +28541,7 @@
               <a:t>line.split</a:t>
             </a:r>
             <a:r>
-              <a:rPr lang="en-US" sz="2800" dirty="0">
+              <a:rPr lang="en-US" sz="2800" b="1" dirty="0">
                 <a:solidFill>
                   <a:srgbClr val="00FA00"/>
                 </a:solidFill>
@@ -28500,7 +28561,7 @@
               <a:buSzPct val="25000"/>
             </a:pPr>
             <a:r>
-              <a:rPr lang="en-US" sz="2800" dirty="0">
+              <a:rPr lang="en-US" sz="2800" b="1" dirty="0">
                 <a:solidFill>
                   <a:srgbClr val="00FA00"/>
                 </a:solidFill>
@@ -28520,7 +28581,7 @@
               <a:buSzPct val="25000"/>
             </a:pPr>
             <a:r>
-              <a:rPr lang="en-US" sz="2800" dirty="0">
+              <a:rPr lang="en-US" sz="2800" b="1" dirty="0">
                 <a:solidFill>
                   <a:srgbClr val="00FA00"/>
                 </a:solidFill>
@@ -28532,7 +28593,7 @@
               <a:t>        counts[word] = </a:t>
             </a:r>
             <a:r>
-              <a:rPr lang="en-US" sz="2800" dirty="0" err="1">
+              <a:rPr lang="en-US" sz="2800" b="1" dirty="0" err="1">
                 <a:solidFill>
                   <a:srgbClr val="00FA00"/>
                 </a:solidFill>
@@ -28544,7 +28605,7 @@
               <a:t>counts.get</a:t>
             </a:r>
             <a:r>
-              <a:rPr lang="en-US" sz="2800" dirty="0">
+              <a:rPr lang="en-US" sz="2800" b="1" dirty="0">
                 <a:solidFill>
                   <a:srgbClr val="00FA00"/>
                 </a:solidFill>
@@ -28562,7 +28623,7 @@
                 <a:srgbClr val="00FF00"/>
               </a:buClr>
             </a:pPr>
-            <a:endParaRPr lang="en-US" sz="2800" dirty="0">
+            <a:endParaRPr lang="en-US" sz="2800" b="1" dirty="0">
               <a:solidFill>
                 <a:srgbClr val="00FF00"/>
               </a:solidFill>
@@ -28580,7 +28641,7 @@
               <a:buSzPct val="25000"/>
             </a:pPr>
             <a:r>
-              <a:rPr lang="en-US" sz="2800" dirty="0" err="1">
+              <a:rPr lang="en-US" sz="2800" b="1" dirty="0" err="1">
                 <a:solidFill>
                   <a:srgbClr val="FFFF00"/>
                 </a:solidFill>
@@ -28592,7 +28653,7 @@
               <a:t>bigcount</a:t>
             </a:r>
             <a:r>
-              <a:rPr lang="en-US" sz="2800" dirty="0">
+              <a:rPr lang="en-US" sz="2800" b="1" dirty="0">
                 <a:solidFill>
                   <a:srgbClr val="FFFF00"/>
                 </a:solidFill>
@@ -28612,7 +28673,7 @@
               <a:buSzPct val="25000"/>
             </a:pPr>
             <a:r>
-              <a:rPr lang="en-US" sz="2800" dirty="0" err="1">
+              <a:rPr lang="en-US" sz="2800" b="1" dirty="0" err="1">
                 <a:solidFill>
                   <a:srgbClr val="FFFF00"/>
                 </a:solidFill>
@@ -28624,7 +28685,7 @@
               <a:t>bigword</a:t>
             </a:r>
             <a:r>
-              <a:rPr lang="en-US" sz="2800" dirty="0">
+              <a:rPr lang="en-US" sz="2800" b="1" dirty="0">
                 <a:solidFill>
                   <a:srgbClr val="FFFF00"/>
                 </a:solidFill>
@@ -28644,7 +28705,7 @@
               <a:buSzPct val="25000"/>
             </a:pPr>
             <a:r>
-              <a:rPr lang="en-US" sz="2800" dirty="0">
+              <a:rPr lang="en-US" sz="2800" b="1" dirty="0">
                 <a:solidFill>
                   <a:srgbClr val="00FA00"/>
                 </a:solidFill>
@@ -28656,7 +28717,7 @@
               <a:t>for </a:t>
             </a:r>
             <a:r>
-              <a:rPr lang="en-US" sz="2800" dirty="0" err="1">
+              <a:rPr lang="en-US" sz="2800" b="1" dirty="0" err="1">
                 <a:solidFill>
                   <a:srgbClr val="00FA00"/>
                 </a:solidFill>
@@ -28668,7 +28729,7 @@
               <a:t>word,count</a:t>
             </a:r>
             <a:r>
-              <a:rPr lang="en-US" sz="2800" dirty="0">
+              <a:rPr lang="en-US" sz="2800" b="1" dirty="0">
                 <a:solidFill>
                   <a:srgbClr val="00FA00"/>
                 </a:solidFill>
@@ -28680,7 +28741,7 @@
               <a:t> in </a:t>
             </a:r>
             <a:r>
-              <a:rPr lang="en-US" sz="2800" dirty="0" err="1">
+              <a:rPr lang="en-US" sz="2800" b="1" dirty="0" err="1">
                 <a:solidFill>
                   <a:srgbClr val="00FA00"/>
                 </a:solidFill>
@@ -28692,7 +28753,7 @@
               <a:t>counts.items</a:t>
             </a:r>
             <a:r>
-              <a:rPr lang="en-US" sz="2800" dirty="0">
+              <a:rPr lang="en-US" sz="2800" b="1" dirty="0">
                 <a:solidFill>
                   <a:srgbClr val="00FA00"/>
                 </a:solidFill>
@@ -28712,7 +28773,7 @@
               <a:buSzPct val="25000"/>
             </a:pPr>
             <a:r>
-              <a:rPr lang="en-US" sz="2800" dirty="0">
+              <a:rPr lang="en-US" sz="2800" b="1" dirty="0">
                 <a:solidFill>
                   <a:srgbClr val="FF9300"/>
                 </a:solidFill>
@@ -28724,7 +28785,7 @@
               <a:t>    if </a:t>
             </a:r>
             <a:r>
-              <a:rPr lang="en-US" sz="2800" dirty="0" err="1">
+              <a:rPr lang="en-US" sz="2800" b="1" dirty="0" err="1">
                 <a:solidFill>
                   <a:srgbClr val="FF9300"/>
                 </a:solidFill>
@@ -28736,7 +28797,7 @@
               <a:t>bigcount</a:t>
             </a:r>
             <a:r>
-              <a:rPr lang="en-US" sz="2800" dirty="0">
+              <a:rPr lang="en-US" sz="2800" b="1" dirty="0">
                 <a:solidFill>
                   <a:srgbClr val="FF9300"/>
                 </a:solidFill>
@@ -28748,7 +28809,7 @@
               <a:t> is None or count &gt; </a:t>
             </a:r>
             <a:r>
-              <a:rPr lang="en-US" sz="2800" dirty="0" err="1">
+              <a:rPr lang="en-US" sz="2800" b="1" dirty="0" err="1">
                 <a:solidFill>
                   <a:srgbClr val="FF9300"/>
                 </a:solidFill>
@@ -28760,7 +28821,7 @@
               <a:t>bigcount</a:t>
             </a:r>
             <a:r>
-              <a:rPr lang="en-US" sz="2800" dirty="0">
+              <a:rPr lang="en-US" sz="2800" b="1" dirty="0">
                 <a:solidFill>
                   <a:srgbClr val="FF9300"/>
                 </a:solidFill>
@@ -28780,7 +28841,7 @@
               <a:buSzPct val="25000"/>
             </a:pPr>
             <a:r>
-              <a:rPr lang="en-US" sz="2800" dirty="0">
+              <a:rPr lang="en-US" sz="2800" b="1" dirty="0">
                 <a:solidFill>
                   <a:srgbClr val="FF9300"/>
                 </a:solidFill>
@@ -28792,7 +28853,7 @@
               <a:t>        </a:t>
             </a:r>
             <a:r>
-              <a:rPr lang="en-US" sz="2800" dirty="0" err="1">
+              <a:rPr lang="en-US" sz="2800" b="1" dirty="0" err="1">
                 <a:solidFill>
                   <a:srgbClr val="FF9300"/>
                 </a:solidFill>
@@ -28804,7 +28865,7 @@
               <a:t>bigword</a:t>
             </a:r>
             <a:r>
-              <a:rPr lang="en-US" sz="2800" dirty="0">
+              <a:rPr lang="en-US" sz="2800" b="1" dirty="0">
                 <a:solidFill>
                   <a:srgbClr val="FF9300"/>
                 </a:solidFill>
@@ -28824,7 +28885,7 @@
               <a:buSzPct val="25000"/>
             </a:pPr>
             <a:r>
-              <a:rPr lang="en-US" sz="2800" dirty="0">
+              <a:rPr lang="en-US" sz="2800" b="1" dirty="0">
                 <a:solidFill>
                   <a:srgbClr val="FF9300"/>
                 </a:solidFill>
@@ -28836,7 +28897,7 @@
               <a:t>        </a:t>
             </a:r>
             <a:r>
-              <a:rPr lang="en-US" sz="2800" dirty="0" err="1">
+              <a:rPr lang="en-US" sz="2800" b="1" dirty="0" err="1">
                 <a:solidFill>
                   <a:srgbClr val="FF9300"/>
                 </a:solidFill>
@@ -28848,7 +28909,7 @@
               <a:t>bigcount</a:t>
             </a:r>
             <a:r>
-              <a:rPr lang="en-US" sz="2800" dirty="0">
+              <a:rPr lang="en-US" sz="2800" b="1" dirty="0">
                 <a:solidFill>
                   <a:srgbClr val="FF9300"/>
                 </a:solidFill>
@@ -28866,7 +28927,7 @@
                 <a:srgbClr val="00FF00"/>
               </a:buClr>
             </a:pPr>
-            <a:endParaRPr lang="en-US" sz="2800" dirty="0">
+            <a:endParaRPr lang="en-US" sz="2800" b="1" dirty="0">
               <a:solidFill>
                 <a:srgbClr val="00FF00"/>
               </a:solidFill>
@@ -28884,7 +28945,7 @@
               <a:buSzPct val="25000"/>
             </a:pPr>
             <a:r>
-              <a:rPr lang="en-US" sz="2800" dirty="0">
+              <a:rPr lang="en-US" sz="2800" b="1" dirty="0">
                 <a:solidFill>
                   <a:srgbClr val="FFFF00"/>
                 </a:solidFill>
@@ -28896,7 +28957,7 @@
               <a:t>print(</a:t>
             </a:r>
             <a:r>
-              <a:rPr lang="en-US" sz="2800" dirty="0" err="1">
+              <a:rPr lang="en-US" sz="2800" b="1" dirty="0" err="1">
                 <a:solidFill>
                   <a:srgbClr val="FFFF00"/>
                 </a:solidFill>
@@ -28908,7 +28969,7 @@
               <a:t>bigword</a:t>
             </a:r>
             <a:r>
-              <a:rPr lang="en-US" sz="2800" dirty="0">
+              <a:rPr lang="en-US" sz="2800" b="1" dirty="0">
                 <a:solidFill>
                   <a:srgbClr val="FFFF00"/>
                 </a:solidFill>
@@ -28920,7 +28981,7 @@
               <a:t>, </a:t>
             </a:r>
             <a:r>
-              <a:rPr lang="en-US" sz="2800" dirty="0" err="1">
+              <a:rPr lang="en-US" sz="2800" b="1" dirty="0" err="1">
                 <a:solidFill>
                   <a:srgbClr val="FFFF00"/>
                 </a:solidFill>
@@ -28932,7 +28993,7 @@
               <a:t>bigcount</a:t>
             </a:r>
             <a:r>
-              <a:rPr lang="en-US" sz="2800" dirty="0">
+              <a:rPr lang="en-US" sz="2800" b="1" dirty="0">
                 <a:solidFill>
                   <a:srgbClr val="FFFF00"/>
                 </a:solidFill>
@@ -29070,6 +29131,13 @@
   <p:clrMapOvr>
     <a:masterClrMapping/>
   </p:clrMapOvr>
+  <p:timing>
+    <p:tnLst>
+      <p:par>
+        <p:cTn id="1" dur="indefinite" restart="never" nodeType="tmRoot"/>
+      </p:par>
+    </p:tnLst>
+  </p:timing>
 </p:sld>
 </file>
 
@@ -29133,7 +29201,7 @@
               <a:buNone/>
             </a:pPr>
             <a:r>
-              <a:rPr lang="en-US" sz="2800" i="0" u="none" strike="noStrike" cap="none" dirty="0">
+              <a:rPr lang="en-US" sz="2800" b="1" i="0" u="none" strike="noStrike" cap="none" dirty="0">
                 <a:solidFill>
                   <a:srgbClr val="FFFF00"/>
                 </a:solidFill>
@@ -29145,7 +29213,7 @@
               <a:t>name = </a:t>
             </a:r>
             <a:r>
-              <a:rPr lang="en-US" sz="2800" i="0" u="none" strike="noStrike" cap="none" dirty="0" smtClean="0">
+              <a:rPr lang="en-US" sz="2800" b="1" i="0" u="none" strike="noStrike" cap="none" dirty="0" smtClean="0">
                 <a:solidFill>
                   <a:schemeClr val="bg1"/>
                 </a:solidFill>
@@ -29157,7 +29225,7 @@
               <a:t>input</a:t>
             </a:r>
             <a:r>
-              <a:rPr lang="en-US" sz="2800" i="0" u="none" strike="noStrike" cap="none" dirty="0">
+              <a:rPr lang="en-US" sz="2800" b="1" i="0" u="none" strike="noStrike" cap="none" dirty="0">
                 <a:solidFill>
                   <a:srgbClr val="FFFF00"/>
                 </a:solidFill>
@@ -29188,7 +29256,7 @@
               <a:buNone/>
             </a:pPr>
             <a:r>
-              <a:rPr lang="en-US" sz="2800" i="0" u="none" strike="noStrike" cap="none" dirty="0">
+              <a:rPr lang="en-US" sz="2800" b="1" i="0" u="none" strike="noStrike" cap="none" dirty="0">
                 <a:solidFill>
                   <a:srgbClr val="FFFF00"/>
                 </a:solidFill>
@@ -29213,7 +29281,7 @@
               </a:spcAft>
               <a:buNone/>
             </a:pPr>
-            <a:endParaRPr sz="2800" i="0" u="none" strike="noStrike" cap="none" dirty="0">
+            <a:endParaRPr sz="2800" b="1" i="0" u="none" strike="noStrike" cap="none" dirty="0">
               <a:solidFill>
                 <a:srgbClr val="00FF00"/>
               </a:solidFill>
@@ -29242,7 +29310,7 @@
               <a:buNone/>
             </a:pPr>
             <a:r>
-              <a:rPr lang="en-US" sz="2800" i="0" u="none" strike="noStrike" cap="none" dirty="0">
+              <a:rPr lang="en-US" sz="2800" b="1" i="0" u="none" strike="noStrike" cap="none" dirty="0">
                 <a:solidFill>
                   <a:srgbClr val="FFFF00"/>
                 </a:solidFill>
@@ -29254,7 +29322,7 @@
               <a:t>counts = </a:t>
             </a:r>
             <a:r>
-              <a:rPr lang="en-US" sz="2800" i="0" u="none" strike="noStrike" cap="none" dirty="0" err="1">
+              <a:rPr lang="en-US" sz="2800" b="1" i="0" u="none" strike="noStrike" cap="none" dirty="0" err="1">
                 <a:solidFill>
                   <a:srgbClr val="FFFF00"/>
                 </a:solidFill>
@@ -29266,7 +29334,7 @@
               <a:t>dict</a:t>
             </a:r>
             <a:r>
-              <a:rPr lang="en-US" sz="2800" i="0" u="none" strike="noStrike" cap="none" dirty="0">
+              <a:rPr lang="en-US" sz="2800" b="1" i="0" u="none" strike="noStrike" cap="none" dirty="0">
                 <a:solidFill>
                   <a:srgbClr val="FFFF00"/>
                 </a:solidFill>
@@ -29286,7 +29354,7 @@
               <a:buSzPct val="25000"/>
             </a:pPr>
             <a:r>
-              <a:rPr lang="en-US" sz="2800" dirty="0">
+              <a:rPr lang="en-US" sz="2800" b="1" dirty="0">
                 <a:solidFill>
                   <a:srgbClr val="00FF00"/>
                 </a:solidFill>
@@ -29306,7 +29374,7 @@
               <a:buSzPct val="25000"/>
             </a:pPr>
             <a:r>
-              <a:rPr lang="en-US" sz="2800" dirty="0">
+              <a:rPr lang="en-US" sz="2800" b="1" dirty="0">
                 <a:solidFill>
                   <a:srgbClr val="00FF00"/>
                 </a:solidFill>
@@ -29318,7 +29386,7 @@
               <a:t>    words = </a:t>
             </a:r>
             <a:r>
-              <a:rPr lang="en-US" sz="2800" dirty="0" err="1">
+              <a:rPr lang="en-US" sz="2800" b="1" dirty="0" err="1">
                 <a:solidFill>
                   <a:srgbClr val="00FF00"/>
                 </a:solidFill>
@@ -29330,7 +29398,7 @@
               <a:t>line.split</a:t>
             </a:r>
             <a:r>
-              <a:rPr lang="en-US" sz="2800" dirty="0">
+              <a:rPr lang="en-US" sz="2800" b="1" dirty="0">
                 <a:solidFill>
                   <a:srgbClr val="00FF00"/>
                 </a:solidFill>
@@ -29350,7 +29418,7 @@
               <a:buSzPct val="25000"/>
             </a:pPr>
             <a:r>
-              <a:rPr lang="en-US" sz="2800" dirty="0">
+              <a:rPr lang="en-US" sz="2800" b="1" dirty="0">
                 <a:solidFill>
                   <a:srgbClr val="00FF00"/>
                 </a:solidFill>
@@ -29370,7 +29438,7 @@
               <a:buSzPct val="25000"/>
             </a:pPr>
             <a:r>
-              <a:rPr lang="en-US" sz="2800" dirty="0">
+              <a:rPr lang="en-US" sz="2800" b="1" dirty="0">
                 <a:solidFill>
                   <a:srgbClr val="00FF00"/>
                 </a:solidFill>
@@ -29382,7 +29450,7 @@
               <a:t>        counts[word] = </a:t>
             </a:r>
             <a:r>
-              <a:rPr lang="en-US" sz="2800" dirty="0" err="1">
+              <a:rPr lang="en-US" sz="2800" b="1" dirty="0" err="1">
                 <a:solidFill>
                   <a:srgbClr val="00FF00"/>
                 </a:solidFill>
@@ -29394,7 +29462,7 @@
               <a:t>counts.get</a:t>
             </a:r>
             <a:r>
-              <a:rPr lang="en-US" sz="2800" dirty="0">
+              <a:rPr lang="en-US" sz="2800" b="1" dirty="0">
                 <a:solidFill>
                   <a:srgbClr val="00FF00"/>
                 </a:solidFill>
@@ -29424,7 +29492,7 @@
               <a:buFont typeface="Cabin"/>
               <a:buNone/>
             </a:pPr>
-            <a:endParaRPr lang="en-US" sz="2800" i="0" u="none" strike="noStrike" cap="none" dirty="0">
+            <a:endParaRPr lang="en-US" sz="2800" b="1" i="0" u="none" strike="noStrike" cap="none" dirty="0">
               <a:solidFill>
                 <a:srgbClr val="00FF00"/>
               </a:solidFill>
@@ -29453,7 +29521,7 @@
               <a:buNone/>
             </a:pPr>
             <a:r>
-              <a:rPr lang="en-US" sz="2800" i="0" u="none" strike="noStrike" cap="none" dirty="0" err="1">
+              <a:rPr lang="en-US" sz="2800" b="1" i="0" u="none" strike="noStrike" cap="none" dirty="0" err="1">
                 <a:solidFill>
                   <a:srgbClr val="FFFF00"/>
                 </a:solidFill>
@@ -29465,7 +29533,7 @@
               <a:t>bigcount</a:t>
             </a:r>
             <a:r>
-              <a:rPr lang="en-US" sz="2800" i="0" u="none" strike="noStrike" cap="none" dirty="0">
+              <a:rPr lang="en-US" sz="2800" b="1" i="0" u="none" strike="noStrike" cap="none" dirty="0">
                 <a:solidFill>
                   <a:srgbClr val="FFFF00"/>
                 </a:solidFill>
@@ -29496,7 +29564,7 @@
               <a:buNone/>
             </a:pPr>
             <a:r>
-              <a:rPr lang="en-US" sz="2800" i="0" u="none" strike="noStrike" cap="none" dirty="0" err="1">
+              <a:rPr lang="en-US" sz="2800" b="1" i="0" u="none" strike="noStrike" cap="none" dirty="0" err="1">
                 <a:solidFill>
                   <a:srgbClr val="FFFF00"/>
                 </a:solidFill>
@@ -29508,7 +29576,7 @@
               <a:t>bigword</a:t>
             </a:r>
             <a:r>
-              <a:rPr lang="en-US" sz="2800" i="0" u="none" strike="noStrike" cap="none" dirty="0">
+              <a:rPr lang="en-US" sz="2800" b="1" i="0" u="none" strike="noStrike" cap="none" dirty="0">
                 <a:solidFill>
                   <a:srgbClr val="FFFF00"/>
                 </a:solidFill>
@@ -29539,7 +29607,7 @@
               <a:buNone/>
             </a:pPr>
             <a:r>
-              <a:rPr lang="en-US" sz="2800" i="0" u="none" strike="noStrike" cap="none" dirty="0" smtClean="0">
+              <a:rPr lang="en-US" sz="2800" b="1" i="0" u="none" strike="noStrike" cap="none" dirty="0" smtClean="0">
                 <a:solidFill>
                   <a:srgbClr val="00FF00"/>
                 </a:solidFill>
@@ -29551,7 +29619,7 @@
               <a:t>for </a:t>
             </a:r>
             <a:r>
-              <a:rPr lang="en-US" sz="2800" i="0" u="none" strike="noStrike" cap="none" dirty="0" err="1">
+              <a:rPr lang="en-US" sz="2800" b="1" i="0" u="none" strike="noStrike" cap="none" dirty="0" err="1">
                 <a:solidFill>
                   <a:srgbClr val="00FF00"/>
                 </a:solidFill>
@@ -29563,7 +29631,7 @@
               <a:t>word,count</a:t>
             </a:r>
             <a:r>
-              <a:rPr lang="en-US" sz="2800" i="0" u="none" strike="noStrike" cap="none" dirty="0">
+              <a:rPr lang="en-US" sz="2800" b="1" i="0" u="none" strike="noStrike" cap="none" dirty="0">
                 <a:solidFill>
                   <a:srgbClr val="00FF00"/>
                 </a:solidFill>
@@ -29575,7 +29643,7 @@
               <a:t> in </a:t>
             </a:r>
             <a:r>
-              <a:rPr lang="en-US" sz="2800" i="0" u="none" strike="noStrike" cap="none" dirty="0" err="1">
+              <a:rPr lang="en-US" sz="2800" b="1" i="0" u="none" strike="noStrike" cap="none" dirty="0" err="1">
                 <a:solidFill>
                   <a:srgbClr val="00FF00"/>
                 </a:solidFill>
@@ -29587,7 +29655,7 @@
               <a:t>counts.items</a:t>
             </a:r>
             <a:r>
-              <a:rPr lang="en-US" sz="2800" i="0" u="none" strike="noStrike" cap="none" dirty="0">
+              <a:rPr lang="en-US" sz="2800" b="1" i="0" u="none" strike="noStrike" cap="none" dirty="0">
                 <a:solidFill>
                   <a:srgbClr val="00FF00"/>
                 </a:solidFill>
@@ -29618,7 +29686,7 @@
               <a:buNone/>
             </a:pPr>
             <a:r>
-              <a:rPr lang="en-US" sz="2800" i="0" u="none" strike="noStrike" cap="none" dirty="0">
+              <a:rPr lang="en-US" sz="2800" b="1" i="0" u="none" strike="noStrike" cap="none" dirty="0">
                 <a:solidFill>
                   <a:srgbClr val="FF00FF"/>
                 </a:solidFill>
@@ -29630,7 +29698,7 @@
               <a:t>  </a:t>
             </a:r>
             <a:r>
-              <a:rPr lang="en-US" sz="2800" i="0" u="none" strike="noStrike" cap="none" dirty="0">
+              <a:rPr lang="en-US" sz="2800" b="1" i="0" u="none" strike="noStrike" cap="none" dirty="0">
                 <a:solidFill>
                   <a:srgbClr val="FF7F00"/>
                 </a:solidFill>
@@ -29642,7 +29710,7 @@
               <a:t>  </a:t>
             </a:r>
             <a:r>
-              <a:rPr lang="en-US" sz="2800" i="0" u="none" strike="noStrike" cap="none" dirty="0">
+              <a:rPr lang="en-US" sz="2800" b="1" i="0" u="none" strike="noStrike" cap="none" dirty="0">
                 <a:solidFill>
                   <a:srgbClr val="FF9900"/>
                 </a:solidFill>
@@ -29654,7 +29722,7 @@
               <a:t>if </a:t>
             </a:r>
             <a:r>
-              <a:rPr lang="en-US" sz="2800" i="0" u="none" strike="noStrike" cap="none" dirty="0" err="1">
+              <a:rPr lang="en-US" sz="2800" b="1" i="0" u="none" strike="noStrike" cap="none" dirty="0" err="1">
                 <a:solidFill>
                   <a:srgbClr val="FF9900"/>
                 </a:solidFill>
@@ -29666,7 +29734,7 @@
               <a:t>bigcount</a:t>
             </a:r>
             <a:r>
-              <a:rPr lang="en-US" sz="2800" i="0" u="none" strike="noStrike" cap="none" dirty="0">
+              <a:rPr lang="en-US" sz="2800" b="1" i="0" u="none" strike="noStrike" cap="none" dirty="0">
                 <a:solidFill>
                   <a:srgbClr val="FF9900"/>
                 </a:solidFill>
@@ -29678,7 +29746,7 @@
               <a:t> is None or count &gt; </a:t>
             </a:r>
             <a:r>
-              <a:rPr lang="en-US" sz="2800" i="0" u="none" strike="noStrike" cap="none" dirty="0" err="1">
+              <a:rPr lang="en-US" sz="2800" b="1" i="0" u="none" strike="noStrike" cap="none" dirty="0" err="1">
                 <a:solidFill>
                   <a:srgbClr val="FF9900"/>
                 </a:solidFill>
@@ -29690,7 +29758,7 @@
               <a:t>bigcount</a:t>
             </a:r>
             <a:r>
-              <a:rPr lang="en-US" sz="2800" i="0" u="none" strike="noStrike" cap="none" dirty="0">
+              <a:rPr lang="en-US" sz="2800" b="1" i="0" u="none" strike="noStrike" cap="none" dirty="0">
                 <a:solidFill>
                   <a:srgbClr val="FF9900"/>
                 </a:solidFill>
@@ -29721,7 +29789,7 @@
               <a:buNone/>
             </a:pPr>
             <a:r>
-              <a:rPr lang="en-US" sz="2800" i="0" u="none" strike="noStrike" cap="none" dirty="0">
+              <a:rPr lang="en-US" sz="2800" b="1" i="0" u="none" strike="noStrike" cap="none" dirty="0">
                 <a:solidFill>
                   <a:srgbClr val="FF9900"/>
                 </a:solidFill>
@@ -29733,7 +29801,7 @@
               <a:t>        </a:t>
             </a:r>
             <a:r>
-              <a:rPr lang="en-US" sz="2800" i="0" u="none" strike="noStrike" cap="none" dirty="0" err="1">
+              <a:rPr lang="en-US" sz="2800" b="1" i="0" u="none" strike="noStrike" cap="none" dirty="0" err="1">
                 <a:solidFill>
                   <a:srgbClr val="FF9900"/>
                 </a:solidFill>
@@ -29745,7 +29813,7 @@
               <a:t>bigword</a:t>
             </a:r>
             <a:r>
-              <a:rPr lang="en-US" sz="2800" i="0" u="none" strike="noStrike" cap="none" dirty="0">
+              <a:rPr lang="en-US" sz="2800" b="1" i="0" u="none" strike="noStrike" cap="none" dirty="0">
                 <a:solidFill>
                   <a:srgbClr val="FF9900"/>
                 </a:solidFill>
@@ -29776,7 +29844,7 @@
               <a:buNone/>
             </a:pPr>
             <a:r>
-              <a:rPr lang="en-US" sz="2800" i="0" u="none" strike="noStrike" cap="none" dirty="0">
+              <a:rPr lang="en-US" sz="2800" b="1" i="0" u="none" strike="noStrike" cap="none" dirty="0">
                 <a:solidFill>
                   <a:srgbClr val="FF9900"/>
                 </a:solidFill>
@@ -29788,7 +29856,7 @@
               <a:t>        </a:t>
             </a:r>
             <a:r>
-              <a:rPr lang="en-US" sz="2800" i="0" u="none" strike="noStrike" cap="none" dirty="0" err="1">
+              <a:rPr lang="en-US" sz="2800" b="1" i="0" u="none" strike="noStrike" cap="none" dirty="0" err="1">
                 <a:solidFill>
                   <a:srgbClr val="FF9900"/>
                 </a:solidFill>
@@ -29800,7 +29868,7 @@
               <a:t>bigcount</a:t>
             </a:r>
             <a:r>
-              <a:rPr lang="en-US" sz="2800" i="0" u="none" strike="noStrike" cap="none" dirty="0">
+              <a:rPr lang="en-US" sz="2800" b="1" i="0" u="none" strike="noStrike" cap="none" dirty="0">
                 <a:solidFill>
                   <a:srgbClr val="FF9900"/>
                 </a:solidFill>
@@ -29829,7 +29897,7 @@
               <a:buFont typeface="Cabin"/>
               <a:buNone/>
             </a:pPr>
-            <a:endParaRPr sz="2800" dirty="0">
+            <a:endParaRPr sz="2800" b="1" dirty="0">
               <a:solidFill>
                 <a:srgbClr val="00FF00"/>
               </a:solidFill>
@@ -29858,7 +29926,7 @@
               <a:buNone/>
             </a:pPr>
             <a:r>
-              <a:rPr lang="en-US" sz="2800" i="0" u="none" strike="noStrike" cap="none" dirty="0" smtClean="0">
+              <a:rPr lang="en-US" sz="2800" b="1" i="0" u="none" strike="noStrike" cap="none" dirty="0" smtClean="0">
                 <a:solidFill>
                   <a:srgbClr val="FFFF00"/>
                 </a:solidFill>
@@ -29870,7 +29938,7 @@
               <a:t>print(</a:t>
             </a:r>
             <a:r>
-              <a:rPr lang="en-US" sz="2800" i="0" u="none" strike="noStrike" cap="none" dirty="0" err="1" smtClean="0">
+              <a:rPr lang="en-US" sz="2800" b="1" i="0" u="none" strike="noStrike" cap="none" dirty="0" err="1" smtClean="0">
                 <a:solidFill>
                   <a:srgbClr val="FFFF00"/>
                 </a:solidFill>
@@ -29882,7 +29950,7 @@
               <a:t>bigword</a:t>
             </a:r>
             <a:r>
-              <a:rPr lang="en-US" sz="2800" i="0" u="none" strike="noStrike" cap="none" dirty="0">
+              <a:rPr lang="en-US" sz="2800" b="1" i="0" u="none" strike="noStrike" cap="none" dirty="0">
                 <a:solidFill>
                   <a:srgbClr val="FFFF00"/>
                 </a:solidFill>
@@ -29894,7 +29962,7 @@
               <a:t>, </a:t>
             </a:r>
             <a:r>
-              <a:rPr lang="en-US" sz="2800" i="0" u="none" strike="noStrike" cap="none" dirty="0" err="1" smtClean="0">
+              <a:rPr lang="en-US" sz="2800" b="1" i="0" u="none" strike="noStrike" cap="none" dirty="0" err="1" smtClean="0">
                 <a:solidFill>
                   <a:srgbClr val="FFFF00"/>
                 </a:solidFill>
@@ -29906,7 +29974,7 @@
               <a:t>bigcount</a:t>
             </a:r>
             <a:r>
-              <a:rPr lang="en-US" sz="2800" i="0" u="none" strike="noStrike" cap="none" dirty="0" smtClean="0">
+              <a:rPr lang="en-US" sz="2800" b="1" i="0" u="none" strike="noStrike" cap="none" dirty="0" smtClean="0">
                 <a:solidFill>
                   <a:srgbClr val="FFFF00"/>
                 </a:solidFill>
@@ -29917,7 +29985,7 @@
               </a:rPr>
               <a:t>)</a:t>
             </a:r>
-            <a:endParaRPr lang="en-US" sz="2800" i="0" u="none" strike="noStrike" cap="none" dirty="0">
+            <a:endParaRPr lang="en-US" sz="2800" b="1" i="0" u="none" strike="noStrike" cap="none" dirty="0">
               <a:solidFill>
                 <a:srgbClr val="FFFF00"/>
               </a:solidFill>
@@ -30249,6 +30317,13 @@
   <p:clrMapOvr>
     <a:masterClrMapping/>
   </p:clrMapOvr>
+  <p:timing>
+    <p:tnLst>
+      <p:par>
+        <p:cTn id="1" dur="indefinite" restart="never" nodeType="tmRoot"/>
+      </p:par>
+    </p:tnLst>
+  </p:timing>
 </p:sld>
 </file>
 
@@ -30462,6 +30537,13 @@
   <p:clrMapOvr>
     <a:masterClrMapping/>
   </p:clrMapOvr>
+  <p:timing>
+    <p:tnLst>
+      <p:par>
+        <p:cTn id="1" dur="indefinite" restart="never" nodeType="tmRoot"/>
+      </p:par>
+    </p:tnLst>
+  </p:timing>
 </p:sld>
 </file>
 
@@ -30758,6 +30840,13 @@
   <p:clrMapOvr>
     <a:masterClrMapping/>
   </p:clrMapOvr>
+  <p:timing>
+    <p:tnLst>
+      <p:par>
+        <p:cTn id="1" dur="indefinite" restart="never" nodeType="tmRoot"/>
+      </p:par>
+    </p:tnLst>
+  </p:timing>
 </p:sld>
 </file>
 
@@ -31057,7 +31146,7 @@
   <p:timing>
     <p:tnLst>
       <p:par>
-        <p:cTn xmlns:p14="http://schemas.microsoft.com/office/powerpoint/2010/main" id="1" dur="indefinite" restart="never" nodeType="tmRoot"/>
+        <p:cTn id="1" dur="indefinite" restart="never" nodeType="tmRoot"/>
       </p:par>
     </p:tnLst>
   </p:timing>
@@ -31846,7 +31935,7 @@
   <p:timing>
     <p:tnLst>
       <p:par>
-        <p:cTn xmlns:p14="http://schemas.microsoft.com/office/powerpoint/2010/main" id="1" dur="indefinite" restart="never" nodeType="tmRoot"/>
+        <p:cTn id="1" dur="indefinite" restart="never" nodeType="tmRoot"/>
       </p:par>
     </p:tnLst>
   </p:timing>
@@ -32131,7 +32220,7 @@
   <p:timing>
     <p:tnLst>
       <p:par>
-        <p:cTn xmlns:p14="http://schemas.microsoft.com/office/powerpoint/2010/main" id="1" dur="indefinite" restart="never" nodeType="tmRoot"/>
+        <p:cTn id="1" dur="indefinite" restart="never" nodeType="tmRoot"/>
       </p:par>
     </p:tnLst>
   </p:timing>
@@ -32294,7 +32383,7 @@
   <p:timing>
     <p:tnLst>
       <p:par>
-        <p:cTn xmlns:p14="http://schemas.microsoft.com/office/powerpoint/2010/main" id="1" dur="indefinite" restart="never" nodeType="tmRoot"/>
+        <p:cTn id="1" dur="indefinite" restart="never" nodeType="tmRoot"/>
       </p:par>
     </p:tnLst>
   </p:timing>
@@ -32979,7 +33068,7 @@
   <p:timing>
     <p:tnLst>
       <p:par>
-        <p:cTn xmlns:p14="http://schemas.microsoft.com/office/powerpoint/2010/main" id="1" dur="indefinite" restart="never" nodeType="tmRoot"/>
+        <p:cTn id="1" dur="indefinite" restart="never" nodeType="tmRoot"/>
       </p:par>
     </p:tnLst>
   </p:timing>

--- a/lectures3/Pythonlearn-01-Intro.pptx
+++ b/lectures3/Pythonlearn-01-Intro.pptx
@@ -22276,7 +22276,7 @@
               <a:buNone/>
             </a:pPr>
             <a:r>
-              <a:rPr lang="en-US" sz="4200" u="none" strike="noStrike" cap="none">
+              <a:rPr lang="en-US" sz="4200" u="none" strike="noStrike" cap="none" smtClean="0">
                 <a:solidFill>
                   <a:srgbClr val="FFFF00"/>
                 </a:solidFill>
@@ -22285,8 +22285,17 @@
                 <a:cs typeface="Arial" charset="0"/>
                 <a:sym typeface="Cabin"/>
               </a:rPr>
-              <a:t>Reserved Word</a:t>
-            </a:r>
+              <a:t>Function</a:t>
+            </a:r>
+            <a:endParaRPr lang="en-US" sz="4200" u="none" strike="noStrike" cap="none" dirty="0">
+              <a:solidFill>
+                <a:srgbClr val="FFFF00"/>
+              </a:solidFill>
+              <a:latin typeface="Arial" charset="0"/>
+              <a:ea typeface="Arial" charset="0"/>
+              <a:cs typeface="Arial" charset="0"/>
+              <a:sym typeface="Cabin"/>
+            </a:endParaRPr>
           </a:p>
         </p:txBody>
       </p:sp>
@@ -25606,19 +25615,7 @@
                 <a:cs typeface="Courier" charset="0"/>
                 <a:sym typeface="Cabin"/>
               </a:rPr>
-              <a:t>print</a:t>
-            </a:r>
-            <a:r>
-              <a:rPr lang="en-US" sz="2800" b="1" u="none" strike="noStrike" cap="none" dirty="0" smtClean="0">
-                <a:solidFill>
-                  <a:srgbClr val="FFFF00"/>
-                </a:solidFill>
-                <a:latin typeface="Courier" charset="0"/>
-                <a:ea typeface="Courier" charset="0"/>
-                <a:cs typeface="Courier" charset="0"/>
-                <a:sym typeface="Cabin"/>
-              </a:rPr>
-              <a:t>(</a:t>
+              <a:t>print(</a:t>
             </a:r>
             <a:r>
               <a:rPr lang="en-US" sz="2800" b="1" u="none" strike="noStrike" cap="none" dirty="0" smtClean="0">

--- a/lectures3/Pythonlearn-01-Intro.pptx
+++ b/lectures3/Pythonlearn-01-Intro.pptx
@@ -15827,7 +15827,7 @@
               <a:buNone/>
             </a:pPr>
             <a:r>
-              <a:rPr lang="en-US" sz="7400" u="none" strike="noStrike" cap="none">
+              <a:rPr lang="en-US" u="none" strike="noStrike" cap="none" dirty="0" smtClean="0">
                 <a:solidFill>
                   <a:srgbClr val="FFFF00"/>
                 </a:solidFill>
@@ -15836,8 +15836,17 @@
                 <a:cs typeface="Arial" charset="0"/>
                 <a:sym typeface="Cabin"/>
               </a:rPr>
-              <a:t>Totally Hot CPU</a:t>
-            </a:r>
+              <a:t>What Happens When a CPU Cooler is Removed?</a:t>
+            </a:r>
+            <a:endParaRPr lang="en-US" u="none" strike="noStrike" cap="none" dirty="0">
+              <a:solidFill>
+                <a:srgbClr val="FFFF00"/>
+              </a:solidFill>
+              <a:latin typeface="Arial" charset="0"/>
+              <a:ea typeface="Arial" charset="0"/>
+              <a:cs typeface="Arial" charset="0"/>
+              <a:sym typeface="Cabin"/>
+            </a:endParaRPr>
           </a:p>
         </p:txBody>
       </p:sp>
@@ -15884,7 +15893,7 @@
               <a:buNone/>
             </a:pPr>
             <a:r>
-              <a:rPr lang="en-US" sz="3000" u="sng" strike="noStrike" cap="none">
+              <a:rPr lang="en-US" sz="3000" u="sng" strike="noStrike" cap="none" dirty="0">
                 <a:solidFill>
                   <a:srgbClr val="FFFF00"/>
                 </a:solidFill>
@@ -16097,7 +16106,7 @@
               <a:buNone/>
             </a:pPr>
             <a:r>
-              <a:rPr lang="en-US" sz="7400" u="none" strike="noStrike" cap="none">
+              <a:rPr lang="en-US" sz="7400" u="none" strike="noStrike" cap="none" dirty="0" smtClean="0">
                 <a:solidFill>
                   <a:srgbClr val="FFFF00"/>
                 </a:solidFill>
@@ -16106,8 +16115,17 @@
                 <a:cs typeface="Arial" charset="0"/>
                 <a:sym typeface="Cabin"/>
               </a:rPr>
-              <a:t>Hard Disk in Action</a:t>
-            </a:r>
+              <a:t>Inside of a Hard Drive</a:t>
+            </a:r>
+            <a:endParaRPr lang="en-US" sz="7400" u="none" strike="noStrike" cap="none" dirty="0">
+              <a:solidFill>
+                <a:srgbClr val="FFFF00"/>
+              </a:solidFill>
+              <a:latin typeface="Arial" charset="0"/>
+              <a:ea typeface="Arial" charset="0"/>
+              <a:cs typeface="Arial" charset="0"/>
+              <a:sym typeface="Cabin"/>
+            </a:endParaRPr>
           </a:p>
         </p:txBody>
       </p:sp>

--- a/lectures3/Pythonlearn-01-Intro.pptx
+++ b/lectures3/Pythonlearn-01-Intro.pptx
@@ -18066,7 +18066,7 @@
               <a:t>&gt;&gt;&gt; </a:t>
             </a:r>
             <a:r>
-              <a:rPr lang="en-US" sz="3600" u="none" strike="noStrike" cap="none" dirty="0">
+              <a:rPr lang="en-US" sz="3600" u="none" strike="noStrike" cap="none" dirty="0" smtClean="0">
                 <a:solidFill>
                   <a:srgbClr val="FFFF00"/>
                 </a:solidFill>
@@ -18075,7 +18075,7 @@
                 <a:cs typeface="Arial" charset="0"/>
                 <a:sym typeface="Cabin"/>
               </a:rPr>
-              <a:t>print </a:t>
+              <a:t>print(x</a:t>
             </a:r>
             <a:r>
               <a:rPr lang="en-US" sz="3600" u="none" strike="noStrike" cap="none" dirty="0" smtClean="0">
@@ -18087,7 +18087,7 @@
                 <a:cs typeface="Arial" charset="0"/>
                 <a:sym typeface="Cabin"/>
               </a:rPr>
-              <a:t>(x)</a:t>
+              <a:t>)</a:t>
             </a:r>
             <a:endParaRPr lang="en-US" sz="3600" u="none" strike="noStrike" cap="none" dirty="0">
               <a:solidFill>
@@ -18216,7 +18216,7 @@
               <a:t> </a:t>
             </a:r>
             <a:r>
-              <a:rPr lang="en-US" sz="3600" u="none" strike="noStrike" cap="none" dirty="0">
+              <a:rPr lang="en-US" sz="3600" u="none" strike="noStrike" cap="none" dirty="0" smtClean="0">
                 <a:solidFill>
                   <a:srgbClr val="FFFF00"/>
                 </a:solidFill>
@@ -18225,7 +18225,7 @@
                 <a:cs typeface="Arial" charset="0"/>
                 <a:sym typeface="Cabin"/>
               </a:rPr>
-              <a:t>print </a:t>
+              <a:t>print(x</a:t>
             </a:r>
             <a:r>
               <a:rPr lang="en-US" sz="3600" u="none" strike="noStrike" cap="none" dirty="0" smtClean="0">
@@ -18237,7 +18237,7 @@
                 <a:cs typeface="Arial" charset="0"/>
                 <a:sym typeface="Cabin"/>
               </a:rPr>
-              <a:t>(x)</a:t>
+              <a:t>)</a:t>
             </a:r>
             <a:endParaRPr lang="en-US" sz="3600" u="none" strike="noStrike" cap="none" dirty="0">
               <a:solidFill>

--- a/lectures3/Pythonlearn-01-Intro.pptx
+++ b/lectures3/Pythonlearn-01-Intro.pptx
@@ -18075,19 +18075,7 @@
                 <a:cs typeface="Arial" charset="0"/>
                 <a:sym typeface="Cabin"/>
               </a:rPr>
-              <a:t>print(x</a:t>
-            </a:r>
-            <a:r>
-              <a:rPr lang="en-US" sz="3600" u="none" strike="noStrike" cap="none" dirty="0" smtClean="0">
-                <a:solidFill>
-                  <a:srgbClr val="FFFF00"/>
-                </a:solidFill>
-                <a:latin typeface="Arial" charset="0"/>
-                <a:ea typeface="Arial" charset="0"/>
-                <a:cs typeface="Arial" charset="0"/>
-                <a:sym typeface="Cabin"/>
-              </a:rPr>
-              <a:t>)</a:t>
+              <a:t>print(x)</a:t>
             </a:r>
             <a:endParaRPr lang="en-US" sz="3600" u="none" strike="noStrike" cap="none" dirty="0">
               <a:solidFill>
@@ -18225,19 +18213,7 @@
                 <a:cs typeface="Arial" charset="0"/>
                 <a:sym typeface="Cabin"/>
               </a:rPr>
-              <a:t>print(x</a:t>
-            </a:r>
-            <a:r>
-              <a:rPr lang="en-US" sz="3600" u="none" strike="noStrike" cap="none" dirty="0" smtClean="0">
-                <a:solidFill>
-                  <a:srgbClr val="FFFF00"/>
-                </a:solidFill>
-                <a:latin typeface="Arial" charset="0"/>
-                <a:ea typeface="Arial" charset="0"/>
-                <a:cs typeface="Arial" charset="0"/>
-                <a:sym typeface="Cabin"/>
-              </a:rPr>
-              <a:t>)</a:t>
+              <a:t>print(x)</a:t>
             </a:r>
             <a:endParaRPr lang="en-US" sz="3600" u="none" strike="noStrike" cap="none" dirty="0">
               <a:solidFill>
@@ -28368,19 +28344,7 @@
                 <a:cs typeface="Courier New"/>
                 <a:sym typeface="Courier New"/>
               </a:rPr>
-              <a:t>name = </a:t>
-            </a:r>
-            <a:r>
-              <a:rPr lang="en-US" sz="2800" b="1" dirty="0">
-                <a:solidFill>
-                  <a:schemeClr val="bg1"/>
-                </a:solidFill>
-                <a:latin typeface="Courier New"/>
-                <a:ea typeface="Courier New"/>
-                <a:cs typeface="Courier New"/>
-                <a:sym typeface="Courier New"/>
-              </a:rPr>
-              <a:t>input</a:t>
+              <a:t>name = input</a:t>
             </a:r>
             <a:r>
               <a:rPr lang="en-US" sz="2800" b="1" dirty="0" smtClean="0">
@@ -29230,7 +29194,7 @@
             <a:r>
               <a:rPr lang="en-US" sz="2800" b="1" i="0" u="none" strike="noStrike" cap="none" dirty="0" smtClean="0">
                 <a:solidFill>
-                  <a:schemeClr val="bg1"/>
+                  <a:srgbClr val="FFFF00"/>
                 </a:solidFill>
                 <a:latin typeface="Courier New"/>
                 <a:ea typeface="Courier New"/>

--- a/lectures3/Pythonlearn-01-Intro.pptx
+++ b/lectures3/Pythonlearn-01-Intro.pptx
@@ -260,7 +260,7 @@
   </p:defaultTextStyle>
   <p:extLst>
     <p:ext uri="{EFAFB233-063F-42B5-8137-9DF3F51BA10A}">
-      <p15:sldGuideLst xmlns:p15="http://schemas.microsoft.com/office/powerpoint/2012/main">
+      <p15:sldGuideLst xmlns="" xmlns:p15="http://schemas.microsoft.com/office/powerpoint/2012/main">
         <p15:guide id="1" orient="horz" pos="2880">
           <p15:clr>
             <a:srgbClr val="A4A3A4"/>
@@ -7743,7 +7743,7 @@
   <p:timing>
     <p:tnLst>
       <p:par>
-        <p:cTn id="1" dur="indefinite" restart="never" nodeType="tmRoot"/>
+        <p:cTn xmlns:p14="http://schemas.microsoft.com/office/powerpoint/2010/main" id="1" dur="indefinite" restart="never" nodeType="tmRoot"/>
       </p:par>
     </p:tnLst>
   </p:timing>
@@ -8476,7 +8476,7 @@
   <p:timing>
     <p:tnLst>
       <p:par>
-        <p:cTn id="1" dur="indefinite" restart="never" nodeType="tmRoot"/>
+        <p:cTn xmlns:p14="http://schemas.microsoft.com/office/powerpoint/2010/main" id="1" dur="indefinite" restart="never" nodeType="tmRoot"/>
       </p:par>
     </p:tnLst>
   </p:timing>
@@ -9239,7 +9239,7 @@
   <p:timing>
     <p:tnLst>
       <p:par>
-        <p:cTn id="1" dur="indefinite" restart="never" nodeType="tmRoot"/>
+        <p:cTn xmlns:p14="http://schemas.microsoft.com/office/powerpoint/2010/main" id="1" dur="indefinite" restart="never" nodeType="tmRoot"/>
       </p:par>
     </p:tnLst>
   </p:timing>
@@ -9506,7 +9506,7 @@
   <p:timing>
     <p:tnLst>
       <p:par>
-        <p:cTn id="1" dur="indefinite" restart="never" nodeType="tmRoot">
+        <p:cTn xmlns:p14="http://schemas.microsoft.com/office/powerpoint/2010/main" id="1" dur="indefinite" restart="never" nodeType="tmRoot">
           <p:childTnLst>
             <p:seq concurrent="1" nextAc="seek">
               <p:cTn id="2" dur="indefinite" nodeType="mainSeq">
@@ -9977,7 +9977,7 @@
   <p:timing>
     <p:tnLst>
       <p:par>
-        <p:cTn id="1" dur="indefinite" restart="never" nodeType="tmRoot">
+        <p:cTn xmlns:p14="http://schemas.microsoft.com/office/powerpoint/2010/main" id="1" dur="indefinite" restart="never" nodeType="tmRoot">
           <p:childTnLst>
             <p:seq concurrent="1" nextAc="seek">
               <p:cTn id="2" dur="indefinite" nodeType="mainSeq">
@@ -10109,37 +10109,37 @@
               <a:buSzPct val="25000"/>
             </a:pPr>
             <a:r>
-              <a:rPr lang="en-US" sz="2800" b="1" dirty="0">
+              <a:rPr lang="en-US" sz="2800" dirty="0">
                 <a:solidFill>
                   <a:srgbClr val="00FF00"/>
                 </a:solidFill>
-                <a:latin typeface="Courier New"/>
-                <a:ea typeface="Courier New"/>
-                <a:cs typeface="Courier New"/>
+                <a:latin typeface="Courier"/>
+                <a:ea typeface="Courier"/>
+                <a:cs typeface="Courier"/>
                 <a:sym typeface="Courier New"/>
               </a:rPr>
               <a:t>name = </a:t>
             </a:r>
             <a:r>
-              <a:rPr lang="en-US" sz="2800" b="1" dirty="0" smtClean="0">
+              <a:rPr lang="en-US" sz="2800" dirty="0" smtClean="0">
                 <a:solidFill>
                   <a:srgbClr val="00FF00"/>
                 </a:solidFill>
-                <a:latin typeface="Courier New"/>
-                <a:ea typeface="Courier New"/>
-                <a:cs typeface="Courier New"/>
+                <a:latin typeface="Courier"/>
+                <a:ea typeface="Courier"/>
+                <a:cs typeface="Courier"/>
                 <a:sym typeface="Courier New"/>
               </a:rPr>
               <a:t>input(</a:t>
             </a:r>
             <a:r>
-              <a:rPr lang="en-US" sz="2800" b="1" dirty="0">
+              <a:rPr lang="en-US" sz="2800" dirty="0">
                 <a:solidFill>
                   <a:srgbClr val="00FF00"/>
                 </a:solidFill>
-                <a:latin typeface="Courier New"/>
-                <a:ea typeface="Courier New"/>
-                <a:cs typeface="Courier New"/>
+                <a:latin typeface="Courier"/>
+                <a:ea typeface="Courier"/>
+                <a:cs typeface="Courier"/>
                 <a:sym typeface="Courier New"/>
               </a:rPr>
               <a:t>'Enter file:')</a:t>
@@ -10153,13 +10153,13 @@
               <a:buSzPct val="25000"/>
             </a:pPr>
             <a:r>
-              <a:rPr lang="en-US" sz="2800" b="1" dirty="0">
+              <a:rPr lang="en-US" sz="2800" dirty="0">
                 <a:solidFill>
                   <a:srgbClr val="00FF00"/>
                 </a:solidFill>
-                <a:latin typeface="Courier New"/>
-                <a:ea typeface="Courier New"/>
-                <a:cs typeface="Courier New"/>
+                <a:latin typeface="Courier"/>
+                <a:ea typeface="Courier"/>
+                <a:cs typeface="Courier"/>
                 <a:sym typeface="Courier New"/>
               </a:rPr>
               <a:t>handle = open(name)</a:t>
@@ -10167,13 +10167,13 @@
           </a:p>
           <a:p>
             <a:pPr lvl="0" algn="ctr"/>
-            <a:endParaRPr lang="en-US" sz="2800" b="1" dirty="0">
+            <a:endParaRPr lang="en-US" sz="2800" dirty="0">
               <a:solidFill>
                 <a:srgbClr val="00FF00"/>
               </a:solidFill>
-              <a:latin typeface="Courier New"/>
-              <a:ea typeface="Courier New"/>
-              <a:cs typeface="Courier New"/>
+              <a:latin typeface="Courier"/>
+              <a:ea typeface="Courier"/>
+              <a:cs typeface="Courier"/>
               <a:sym typeface="Courier New"/>
             </a:endParaRPr>
           </a:p>
@@ -10185,37 +10185,37 @@
               <a:buSzPct val="25000"/>
             </a:pPr>
             <a:r>
-              <a:rPr lang="en-US" sz="2800" b="1" dirty="0">
+              <a:rPr lang="en-US" sz="2800" dirty="0">
                 <a:solidFill>
                   <a:srgbClr val="FF00FF"/>
                 </a:solidFill>
-                <a:latin typeface="Courier New"/>
-                <a:ea typeface="Courier New"/>
-                <a:cs typeface="Courier New"/>
+                <a:latin typeface="Courier"/>
+                <a:ea typeface="Courier"/>
+                <a:cs typeface="Courier"/>
                 <a:sym typeface="Courier New"/>
               </a:rPr>
               <a:t>counts = </a:t>
             </a:r>
             <a:r>
-              <a:rPr lang="en-US" sz="2800" b="1" dirty="0" err="1">
+              <a:rPr lang="en-US" sz="2800" dirty="0" err="1">
                 <a:solidFill>
                   <a:srgbClr val="FF00FF"/>
                 </a:solidFill>
-                <a:latin typeface="Courier New"/>
-                <a:ea typeface="Courier New"/>
-                <a:cs typeface="Courier New"/>
+                <a:latin typeface="Courier"/>
+                <a:ea typeface="Courier"/>
+                <a:cs typeface="Courier"/>
                 <a:sym typeface="Courier New"/>
               </a:rPr>
               <a:t>dict</a:t>
             </a:r>
             <a:r>
-              <a:rPr lang="en-US" sz="2800" b="1" dirty="0">
+              <a:rPr lang="en-US" sz="2800" dirty="0">
                 <a:solidFill>
                   <a:srgbClr val="FF00FF"/>
                 </a:solidFill>
-                <a:latin typeface="Courier New"/>
-                <a:ea typeface="Courier New"/>
-                <a:cs typeface="Courier New"/>
+                <a:latin typeface="Courier"/>
+                <a:ea typeface="Courier"/>
+                <a:cs typeface="Courier"/>
                 <a:sym typeface="Courier New"/>
               </a:rPr>
               <a:t>()</a:t>
@@ -10229,13 +10229,13 @@
               <a:buSzPct val="25000"/>
             </a:pPr>
             <a:r>
-              <a:rPr lang="en-US" sz="2800" b="1" dirty="0">
+              <a:rPr lang="en-US" sz="2800" dirty="0">
                 <a:solidFill>
                   <a:srgbClr val="FF00FF"/>
                 </a:solidFill>
-                <a:latin typeface="Courier New"/>
-                <a:ea typeface="Courier New"/>
-                <a:cs typeface="Courier New"/>
+                <a:latin typeface="Courier"/>
+                <a:ea typeface="Courier"/>
+                <a:cs typeface="Courier"/>
                 <a:sym typeface="Courier New"/>
               </a:rPr>
               <a:t>for line in handle:</a:t>
@@ -10249,37 +10249,37 @@
               <a:buSzPct val="25000"/>
             </a:pPr>
             <a:r>
-              <a:rPr lang="en-US" sz="2800" b="1" dirty="0">
+              <a:rPr lang="en-US" sz="2800" dirty="0">
                 <a:solidFill>
                   <a:srgbClr val="FF00FF"/>
                 </a:solidFill>
-                <a:latin typeface="Courier New"/>
-                <a:ea typeface="Courier New"/>
-                <a:cs typeface="Courier New"/>
+                <a:latin typeface="Courier"/>
+                <a:ea typeface="Courier"/>
+                <a:cs typeface="Courier"/>
                 <a:sym typeface="Courier New"/>
               </a:rPr>
               <a:t>    words = </a:t>
             </a:r>
             <a:r>
-              <a:rPr lang="en-US" sz="2800" b="1" dirty="0" err="1">
+              <a:rPr lang="en-US" sz="2800" dirty="0" err="1">
                 <a:solidFill>
                   <a:srgbClr val="FF00FF"/>
                 </a:solidFill>
-                <a:latin typeface="Courier New"/>
-                <a:ea typeface="Courier New"/>
-                <a:cs typeface="Courier New"/>
+                <a:latin typeface="Courier"/>
+                <a:ea typeface="Courier"/>
+                <a:cs typeface="Courier"/>
                 <a:sym typeface="Courier New"/>
               </a:rPr>
               <a:t>line.split</a:t>
             </a:r>
             <a:r>
-              <a:rPr lang="en-US" sz="2800" b="1" dirty="0">
+              <a:rPr lang="en-US" sz="2800" dirty="0">
                 <a:solidFill>
                   <a:srgbClr val="FF00FF"/>
                 </a:solidFill>
-                <a:latin typeface="Courier New"/>
-                <a:ea typeface="Courier New"/>
-                <a:cs typeface="Courier New"/>
+                <a:latin typeface="Courier"/>
+                <a:ea typeface="Courier"/>
+                <a:cs typeface="Courier"/>
                 <a:sym typeface="Courier New"/>
               </a:rPr>
               <a:t>()</a:t>
@@ -10293,13 +10293,13 @@
               <a:buSzPct val="25000"/>
             </a:pPr>
             <a:r>
-              <a:rPr lang="en-US" sz="2800" b="1" dirty="0">
+              <a:rPr lang="en-US" sz="2800" dirty="0">
                 <a:solidFill>
                   <a:srgbClr val="FF00FF"/>
                 </a:solidFill>
-                <a:latin typeface="Courier New"/>
-                <a:ea typeface="Courier New"/>
-                <a:cs typeface="Courier New"/>
+                <a:latin typeface="Courier"/>
+                <a:ea typeface="Courier"/>
+                <a:cs typeface="Courier"/>
                 <a:sym typeface="Courier New"/>
               </a:rPr>
               <a:t>    for word in words:</a:t>
@@ -10313,37 +10313,37 @@
               <a:buSzPct val="25000"/>
             </a:pPr>
             <a:r>
-              <a:rPr lang="en-US" sz="2800" b="1" dirty="0">
+              <a:rPr lang="en-US" sz="2800" dirty="0">
                 <a:solidFill>
                   <a:srgbClr val="FF00FF"/>
                 </a:solidFill>
-                <a:latin typeface="Courier New"/>
-                <a:ea typeface="Courier New"/>
-                <a:cs typeface="Courier New"/>
+                <a:latin typeface="Courier"/>
+                <a:ea typeface="Courier"/>
+                <a:cs typeface="Courier"/>
                 <a:sym typeface="Courier New"/>
               </a:rPr>
               <a:t>        counts[word] = </a:t>
             </a:r>
             <a:r>
-              <a:rPr lang="en-US" sz="2800" b="1" dirty="0" err="1">
+              <a:rPr lang="en-US" sz="2800" dirty="0" err="1">
                 <a:solidFill>
                   <a:srgbClr val="FF00FF"/>
                 </a:solidFill>
-                <a:latin typeface="Courier New"/>
-                <a:ea typeface="Courier New"/>
-                <a:cs typeface="Courier New"/>
+                <a:latin typeface="Courier"/>
+                <a:ea typeface="Courier"/>
+                <a:cs typeface="Courier"/>
                 <a:sym typeface="Courier New"/>
               </a:rPr>
               <a:t>counts.get</a:t>
             </a:r>
             <a:r>
-              <a:rPr lang="en-US" sz="2800" b="1" dirty="0">
+              <a:rPr lang="en-US" sz="2800" dirty="0">
                 <a:solidFill>
                   <a:srgbClr val="FF00FF"/>
                 </a:solidFill>
-                <a:latin typeface="Courier New"/>
-                <a:ea typeface="Courier New"/>
-                <a:cs typeface="Courier New"/>
+                <a:latin typeface="Courier"/>
+                <a:ea typeface="Courier"/>
+                <a:cs typeface="Courier"/>
                 <a:sym typeface="Courier New"/>
               </a:rPr>
               <a:t>(word,0) + 1</a:t>
@@ -10355,13 +10355,13 @@
                 <a:srgbClr val="00FF00"/>
               </a:buClr>
             </a:pPr>
-            <a:endParaRPr lang="en-US" sz="2800" b="1" dirty="0">
+            <a:endParaRPr lang="en-US" sz="2800" dirty="0">
               <a:solidFill>
                 <a:srgbClr val="00FF00"/>
               </a:solidFill>
-              <a:latin typeface="Courier New"/>
-              <a:ea typeface="Courier New"/>
-              <a:cs typeface="Courier New"/>
+              <a:latin typeface="Courier"/>
+              <a:ea typeface="Courier"/>
+              <a:cs typeface="Courier"/>
               <a:sym typeface="Courier New"/>
             </a:endParaRPr>
           </a:p>
@@ -10373,25 +10373,25 @@
               <a:buSzPct val="25000"/>
             </a:pPr>
             <a:r>
-              <a:rPr lang="en-US" sz="2800" b="1" dirty="0" err="1">
+              <a:rPr lang="en-US" sz="2800" dirty="0" err="1">
                 <a:solidFill>
                   <a:srgbClr val="00FFFF"/>
                 </a:solidFill>
-                <a:latin typeface="Courier New"/>
-                <a:ea typeface="Courier New"/>
-                <a:cs typeface="Courier New"/>
+                <a:latin typeface="Courier"/>
+                <a:ea typeface="Courier"/>
+                <a:cs typeface="Courier"/>
                 <a:sym typeface="Courier New"/>
               </a:rPr>
               <a:t>bigcount</a:t>
             </a:r>
             <a:r>
-              <a:rPr lang="en-US" sz="2800" b="1" dirty="0">
+              <a:rPr lang="en-US" sz="2800" dirty="0">
                 <a:solidFill>
                   <a:srgbClr val="00FFFF"/>
                 </a:solidFill>
-                <a:latin typeface="Courier New"/>
-                <a:ea typeface="Courier New"/>
-                <a:cs typeface="Courier New"/>
+                <a:latin typeface="Courier"/>
+                <a:ea typeface="Courier"/>
+                <a:cs typeface="Courier"/>
                 <a:sym typeface="Courier New"/>
               </a:rPr>
               <a:t> = None</a:t>
@@ -10405,25 +10405,25 @@
               <a:buSzPct val="25000"/>
             </a:pPr>
             <a:r>
-              <a:rPr lang="en-US" sz="2800" b="1" dirty="0" err="1">
+              <a:rPr lang="en-US" sz="2800" dirty="0" err="1">
                 <a:solidFill>
                   <a:srgbClr val="00FFFF"/>
                 </a:solidFill>
-                <a:latin typeface="Courier New"/>
-                <a:ea typeface="Courier New"/>
-                <a:cs typeface="Courier New"/>
+                <a:latin typeface="Courier"/>
+                <a:ea typeface="Courier"/>
+                <a:cs typeface="Courier"/>
                 <a:sym typeface="Courier New"/>
               </a:rPr>
               <a:t>bigword</a:t>
             </a:r>
             <a:r>
-              <a:rPr lang="en-US" sz="2800" b="1" dirty="0">
+              <a:rPr lang="en-US" sz="2800" dirty="0">
                 <a:solidFill>
                   <a:srgbClr val="00FFFF"/>
                 </a:solidFill>
-                <a:latin typeface="Courier New"/>
-                <a:ea typeface="Courier New"/>
-                <a:cs typeface="Courier New"/>
+                <a:latin typeface="Courier"/>
+                <a:ea typeface="Courier"/>
+                <a:cs typeface="Courier"/>
                 <a:sym typeface="Courier New"/>
               </a:rPr>
               <a:t> = None</a:t>
@@ -10437,61 +10437,61 @@
               <a:buSzPct val="25000"/>
             </a:pPr>
             <a:r>
-              <a:rPr lang="en-US" sz="2800" b="1" dirty="0">
+              <a:rPr lang="en-US" sz="2800" dirty="0">
                 <a:solidFill>
                   <a:srgbClr val="00FFFF"/>
                 </a:solidFill>
-                <a:latin typeface="Courier New"/>
-                <a:ea typeface="Courier New"/>
-                <a:cs typeface="Courier New"/>
+                <a:latin typeface="Courier"/>
+                <a:ea typeface="Courier"/>
+                <a:cs typeface="Courier"/>
                 <a:sym typeface="Courier New"/>
               </a:rPr>
               <a:t>for </a:t>
             </a:r>
             <a:r>
-              <a:rPr lang="en-US" sz="2800" b="1" dirty="0" err="1">
+              <a:rPr lang="en-US" sz="2800" dirty="0" err="1">
                 <a:solidFill>
                   <a:srgbClr val="00FFFF"/>
                 </a:solidFill>
-                <a:latin typeface="Courier New"/>
-                <a:ea typeface="Courier New"/>
-                <a:cs typeface="Courier New"/>
+                <a:latin typeface="Courier"/>
+                <a:ea typeface="Courier"/>
+                <a:cs typeface="Courier"/>
                 <a:sym typeface="Courier New"/>
               </a:rPr>
               <a:t>word,count</a:t>
             </a:r>
             <a:r>
-              <a:rPr lang="en-US" sz="2800" b="1" dirty="0">
+              <a:rPr lang="en-US" sz="2800" dirty="0">
                 <a:solidFill>
                   <a:srgbClr val="00FFFF"/>
                 </a:solidFill>
-                <a:latin typeface="Courier New"/>
-                <a:ea typeface="Courier New"/>
-                <a:cs typeface="Courier New"/>
+                <a:latin typeface="Courier"/>
+                <a:ea typeface="Courier"/>
+                <a:cs typeface="Courier"/>
                 <a:sym typeface="Courier New"/>
               </a:rPr>
               <a:t> in </a:t>
             </a:r>
             <a:r>
-              <a:rPr lang="en-US" sz="2800" b="1" dirty="0" err="1">
+              <a:rPr lang="en-US" sz="2800" dirty="0" err="1">
                 <a:solidFill>
                   <a:srgbClr val="00FFFF"/>
                 </a:solidFill>
-                <a:latin typeface="Courier New"/>
-                <a:ea typeface="Courier New"/>
-                <a:cs typeface="Courier New"/>
+                <a:latin typeface="Courier"/>
+                <a:ea typeface="Courier"/>
+                <a:cs typeface="Courier"/>
                 <a:sym typeface="Courier New"/>
               </a:rPr>
               <a:t>counts.items</a:t>
             </a:r>
             <a:r>
-              <a:rPr lang="en-US" sz="2800" b="1" dirty="0">
+              <a:rPr lang="en-US" sz="2800" dirty="0">
                 <a:solidFill>
                   <a:srgbClr val="00FFFF"/>
                 </a:solidFill>
-                <a:latin typeface="Courier New"/>
-                <a:ea typeface="Courier New"/>
-                <a:cs typeface="Courier New"/>
+                <a:latin typeface="Courier"/>
+                <a:ea typeface="Courier"/>
+                <a:cs typeface="Courier"/>
                 <a:sym typeface="Courier New"/>
               </a:rPr>
               <a:t>():</a:t>
@@ -10505,61 +10505,61 @@
               <a:buSzPct val="25000"/>
             </a:pPr>
             <a:r>
-              <a:rPr lang="en-US" sz="2800" b="1" dirty="0">
+              <a:rPr lang="en-US" sz="2800" dirty="0">
                 <a:solidFill>
                   <a:srgbClr val="00FFFF"/>
                 </a:solidFill>
-                <a:latin typeface="Courier New"/>
-                <a:ea typeface="Courier New"/>
-                <a:cs typeface="Courier New"/>
+                <a:latin typeface="Courier"/>
+                <a:ea typeface="Courier"/>
+                <a:cs typeface="Courier"/>
                 <a:sym typeface="Courier New"/>
               </a:rPr>
               <a:t>    if </a:t>
             </a:r>
             <a:r>
-              <a:rPr lang="en-US" sz="2800" b="1" dirty="0" err="1">
+              <a:rPr lang="en-US" sz="2800" dirty="0" err="1">
                 <a:solidFill>
                   <a:srgbClr val="00FFFF"/>
                 </a:solidFill>
-                <a:latin typeface="Courier New"/>
-                <a:ea typeface="Courier New"/>
-                <a:cs typeface="Courier New"/>
+                <a:latin typeface="Courier"/>
+                <a:ea typeface="Courier"/>
+                <a:cs typeface="Courier"/>
                 <a:sym typeface="Courier New"/>
               </a:rPr>
               <a:t>bigcount</a:t>
             </a:r>
             <a:r>
-              <a:rPr lang="en-US" sz="2800" b="1" dirty="0">
+              <a:rPr lang="en-US" sz="2800" dirty="0">
                 <a:solidFill>
                   <a:srgbClr val="00FFFF"/>
                 </a:solidFill>
-                <a:latin typeface="Courier New"/>
-                <a:ea typeface="Courier New"/>
-                <a:cs typeface="Courier New"/>
+                <a:latin typeface="Courier"/>
+                <a:ea typeface="Courier"/>
+                <a:cs typeface="Courier"/>
                 <a:sym typeface="Courier New"/>
               </a:rPr>
               <a:t> is None or count &gt; </a:t>
             </a:r>
             <a:r>
-              <a:rPr lang="en-US" sz="2800" b="1" dirty="0" err="1">
+              <a:rPr lang="en-US" sz="2800" dirty="0" err="1">
                 <a:solidFill>
                   <a:srgbClr val="00FFFF"/>
                 </a:solidFill>
-                <a:latin typeface="Courier New"/>
-                <a:ea typeface="Courier New"/>
-                <a:cs typeface="Courier New"/>
+                <a:latin typeface="Courier"/>
+                <a:ea typeface="Courier"/>
+                <a:cs typeface="Courier"/>
                 <a:sym typeface="Courier New"/>
               </a:rPr>
               <a:t>bigcount</a:t>
             </a:r>
             <a:r>
-              <a:rPr lang="en-US" sz="2800" b="1" dirty="0">
+              <a:rPr lang="en-US" sz="2800" dirty="0">
                 <a:solidFill>
                   <a:srgbClr val="00FFFF"/>
                 </a:solidFill>
-                <a:latin typeface="Courier New"/>
-                <a:ea typeface="Courier New"/>
-                <a:cs typeface="Courier New"/>
+                <a:latin typeface="Courier"/>
+                <a:ea typeface="Courier"/>
+                <a:cs typeface="Courier"/>
                 <a:sym typeface="Courier New"/>
               </a:rPr>
               <a:t>:</a:t>
@@ -10573,37 +10573,37 @@
               <a:buSzPct val="25000"/>
             </a:pPr>
             <a:r>
-              <a:rPr lang="en-US" sz="2800" b="1" dirty="0">
+              <a:rPr lang="en-US" sz="2800" dirty="0">
                 <a:solidFill>
                   <a:srgbClr val="00FFFF"/>
                 </a:solidFill>
-                <a:latin typeface="Courier New"/>
-                <a:ea typeface="Courier New"/>
-                <a:cs typeface="Courier New"/>
+                <a:latin typeface="Courier"/>
+                <a:ea typeface="Courier"/>
+                <a:cs typeface="Courier"/>
                 <a:sym typeface="Courier New"/>
               </a:rPr>
               <a:t>        </a:t>
             </a:r>
             <a:r>
-              <a:rPr lang="en-US" sz="2800" b="1" dirty="0" err="1">
+              <a:rPr lang="en-US" sz="2800" dirty="0" err="1">
                 <a:solidFill>
                   <a:srgbClr val="00FFFF"/>
                 </a:solidFill>
-                <a:latin typeface="Courier New"/>
-                <a:ea typeface="Courier New"/>
-                <a:cs typeface="Courier New"/>
+                <a:latin typeface="Courier"/>
+                <a:ea typeface="Courier"/>
+                <a:cs typeface="Courier"/>
                 <a:sym typeface="Courier New"/>
               </a:rPr>
               <a:t>bigword</a:t>
             </a:r>
             <a:r>
-              <a:rPr lang="en-US" sz="2800" b="1" dirty="0">
+              <a:rPr lang="en-US" sz="2800" dirty="0">
                 <a:solidFill>
                   <a:srgbClr val="00FFFF"/>
                 </a:solidFill>
-                <a:latin typeface="Courier New"/>
-                <a:ea typeface="Courier New"/>
-                <a:cs typeface="Courier New"/>
+                <a:latin typeface="Courier"/>
+                <a:ea typeface="Courier"/>
+                <a:cs typeface="Courier"/>
                 <a:sym typeface="Courier New"/>
               </a:rPr>
               <a:t> = word</a:t>
@@ -10617,37 +10617,37 @@
               <a:buSzPct val="25000"/>
             </a:pPr>
             <a:r>
-              <a:rPr lang="en-US" sz="2800" b="1" dirty="0">
+              <a:rPr lang="en-US" sz="2800" dirty="0">
                 <a:solidFill>
                   <a:srgbClr val="00FFFF"/>
                 </a:solidFill>
-                <a:latin typeface="Courier New"/>
-                <a:ea typeface="Courier New"/>
-                <a:cs typeface="Courier New"/>
+                <a:latin typeface="Courier"/>
+                <a:ea typeface="Courier"/>
+                <a:cs typeface="Courier"/>
                 <a:sym typeface="Courier New"/>
               </a:rPr>
               <a:t>        </a:t>
             </a:r>
             <a:r>
-              <a:rPr lang="en-US" sz="2800" b="1" dirty="0" err="1">
+              <a:rPr lang="en-US" sz="2800" dirty="0" err="1">
                 <a:solidFill>
                   <a:srgbClr val="00FFFF"/>
                 </a:solidFill>
-                <a:latin typeface="Courier New"/>
-                <a:ea typeface="Courier New"/>
-                <a:cs typeface="Courier New"/>
+                <a:latin typeface="Courier"/>
+                <a:ea typeface="Courier"/>
+                <a:cs typeface="Courier"/>
                 <a:sym typeface="Courier New"/>
               </a:rPr>
               <a:t>bigcount</a:t>
             </a:r>
             <a:r>
-              <a:rPr lang="en-US" sz="2800" b="1" dirty="0">
+              <a:rPr lang="en-US" sz="2800" dirty="0">
                 <a:solidFill>
                   <a:srgbClr val="00FFFF"/>
                 </a:solidFill>
-                <a:latin typeface="Courier New"/>
-                <a:ea typeface="Courier New"/>
-                <a:cs typeface="Courier New"/>
+                <a:latin typeface="Courier"/>
+                <a:ea typeface="Courier"/>
+                <a:cs typeface="Courier"/>
                 <a:sym typeface="Courier New"/>
               </a:rPr>
               <a:t> = count</a:t>
@@ -10659,13 +10659,13 @@
                 <a:srgbClr val="00FF00"/>
               </a:buClr>
             </a:pPr>
-            <a:endParaRPr lang="en-US" sz="2800" b="1" dirty="0">
+            <a:endParaRPr lang="en-US" sz="2800" dirty="0">
               <a:solidFill>
                 <a:srgbClr val="00FF00"/>
               </a:solidFill>
-              <a:latin typeface="Courier New"/>
-              <a:ea typeface="Courier New"/>
-              <a:cs typeface="Courier New"/>
+              <a:latin typeface="Courier"/>
+              <a:ea typeface="Courier"/>
+              <a:cs typeface="Courier"/>
               <a:sym typeface="Courier New"/>
             </a:endParaRPr>
           </a:p>
@@ -10677,61 +10677,61 @@
               <a:buSzPct val="25000"/>
             </a:pPr>
             <a:r>
-              <a:rPr lang="en-US" sz="2800" b="1" dirty="0">
+              <a:rPr lang="en-US" sz="2800" dirty="0">
                 <a:solidFill>
                   <a:srgbClr val="FF7F00"/>
                 </a:solidFill>
-                <a:latin typeface="Courier New"/>
-                <a:ea typeface="Courier New"/>
-                <a:cs typeface="Courier New"/>
+                <a:latin typeface="Courier"/>
+                <a:ea typeface="Courier"/>
+                <a:cs typeface="Courier"/>
                 <a:sym typeface="Courier New"/>
               </a:rPr>
               <a:t>print(</a:t>
             </a:r>
             <a:r>
-              <a:rPr lang="en-US" sz="2800" b="1" dirty="0" err="1">
+              <a:rPr lang="en-US" sz="2800" dirty="0" err="1">
                 <a:solidFill>
                   <a:srgbClr val="FF7F00"/>
                 </a:solidFill>
-                <a:latin typeface="Courier New"/>
-                <a:ea typeface="Courier New"/>
-                <a:cs typeface="Courier New"/>
+                <a:latin typeface="Courier"/>
+                <a:ea typeface="Courier"/>
+                <a:cs typeface="Courier"/>
                 <a:sym typeface="Courier New"/>
               </a:rPr>
               <a:t>bigword</a:t>
             </a:r>
             <a:r>
-              <a:rPr lang="en-US" sz="2800" b="1" dirty="0">
+              <a:rPr lang="en-US" sz="2800" dirty="0">
                 <a:solidFill>
                   <a:srgbClr val="FF7F00"/>
                 </a:solidFill>
-                <a:latin typeface="Courier New"/>
-                <a:ea typeface="Courier New"/>
-                <a:cs typeface="Courier New"/>
+                <a:latin typeface="Courier"/>
+                <a:ea typeface="Courier"/>
+                <a:cs typeface="Courier"/>
                 <a:sym typeface="Courier New"/>
               </a:rPr>
               <a:t>, </a:t>
             </a:r>
             <a:r>
-              <a:rPr lang="en-US" sz="2800" b="1" dirty="0" err="1">
+              <a:rPr lang="en-US" sz="2800" dirty="0" err="1">
                 <a:solidFill>
                   <a:srgbClr val="FF7F00"/>
                 </a:solidFill>
-                <a:latin typeface="Courier New"/>
-                <a:ea typeface="Courier New"/>
-                <a:cs typeface="Courier New"/>
+                <a:latin typeface="Courier"/>
+                <a:ea typeface="Courier"/>
+                <a:cs typeface="Courier"/>
                 <a:sym typeface="Courier New"/>
               </a:rPr>
               <a:t>bigcount</a:t>
             </a:r>
             <a:r>
-              <a:rPr lang="en-US" sz="2800" b="1" dirty="0">
+              <a:rPr lang="en-US" sz="2800" dirty="0">
                 <a:solidFill>
                   <a:srgbClr val="FF7F00"/>
                 </a:solidFill>
-                <a:latin typeface="Courier New"/>
-                <a:ea typeface="Courier New"/>
-                <a:cs typeface="Courier New"/>
+                <a:latin typeface="Courier"/>
+                <a:ea typeface="Courier"/>
+                <a:cs typeface="Courier"/>
                 <a:sym typeface="Courier New"/>
               </a:rPr>
               <a:t>)</a:t>
@@ -11093,7 +11093,7 @@
   <p:timing>
     <p:tnLst>
       <p:par>
-        <p:cTn id="1" dur="indefinite" restart="never" nodeType="tmRoot"/>
+        <p:cTn xmlns:p14="http://schemas.microsoft.com/office/powerpoint/2010/main" id="1" dur="indefinite" restart="never" nodeType="tmRoot"/>
       </p:par>
     </p:tnLst>
   </p:timing>
@@ -11182,7 +11182,7 @@
   <p:timing>
     <p:tnLst>
       <p:par>
-        <p:cTn id="1" dur="indefinite" restart="never" nodeType="tmRoot"/>
+        <p:cTn xmlns:p14="http://schemas.microsoft.com/office/powerpoint/2010/main" id="1" dur="indefinite" restart="never" nodeType="tmRoot"/>
       </p:par>
     </p:tnLst>
   </p:timing>
@@ -11312,7 +11312,7 @@
   <p:timing>
     <p:tnLst>
       <p:par>
-        <p:cTn id="1" dur="indefinite" restart="never" nodeType="tmRoot"/>
+        <p:cTn xmlns:p14="http://schemas.microsoft.com/office/powerpoint/2010/main" id="1" dur="indefinite" restart="never" nodeType="tmRoot"/>
       </p:par>
     </p:tnLst>
   </p:timing>
@@ -12171,7 +12171,7 @@
   <p:timing>
     <p:tnLst>
       <p:par>
-        <p:cTn id="1" dur="indefinite" restart="never" nodeType="tmRoot"/>
+        <p:cTn xmlns:p14="http://schemas.microsoft.com/office/powerpoint/2010/main" id="1" dur="indefinite" restart="never" nodeType="tmRoot"/>
       </p:par>
     </p:tnLst>
   </p:timing>
@@ -12742,7 +12742,7 @@
   <p:timing>
     <p:tnLst>
       <p:par>
-        <p:cTn id="1" dur="indefinite" restart="never" nodeType="tmRoot"/>
+        <p:cTn xmlns:p14="http://schemas.microsoft.com/office/powerpoint/2010/main" id="1" dur="indefinite" restart="never" nodeType="tmRoot"/>
       </p:par>
     </p:tnLst>
   </p:timing>
@@ -13686,7 +13686,7 @@
   <p:timing>
     <p:tnLst>
       <p:par>
-        <p:cTn id="1" dur="indefinite" restart="never" nodeType="tmRoot"/>
+        <p:cTn xmlns:p14="http://schemas.microsoft.com/office/powerpoint/2010/main" id="1" dur="indefinite" restart="never" nodeType="tmRoot"/>
       </p:par>
     </p:tnLst>
   </p:timing>
@@ -14692,7 +14692,7 @@
   <p:timing>
     <p:tnLst>
       <p:par>
-        <p:cTn id="1" dur="indefinite" restart="never" nodeType="tmRoot"/>
+        <p:cTn xmlns:p14="http://schemas.microsoft.com/office/powerpoint/2010/main" id="1" dur="indefinite" restart="never" nodeType="tmRoot"/>
       </p:par>
     </p:tnLst>
   </p:timing>
@@ -15706,9 +15706,9 @@
                 <a:solidFill>
                   <a:schemeClr val="accent4"/>
                 </a:solidFill>
-                <a:latin typeface="Courier New"/>
-                <a:ea typeface="Courier New"/>
-                <a:cs typeface="Courier New"/>
+                <a:latin typeface="Courier"/>
+                <a:ea typeface="Courier"/>
+                <a:cs typeface="Courier"/>
                 <a:sym typeface="Courier New"/>
               </a:rPr>
               <a:t>01001001</a:t>
@@ -15737,9 +15737,9 @@
                 <a:solidFill>
                   <a:schemeClr val="accent4"/>
                 </a:solidFill>
-                <a:latin typeface="Courier New"/>
-                <a:ea typeface="Courier New"/>
-                <a:cs typeface="Courier New"/>
+                <a:latin typeface="Courier"/>
+                <a:ea typeface="Courier"/>
+                <a:cs typeface="Courier"/>
                 <a:sym typeface="Courier New"/>
               </a:rPr>
               <a:t>00111001</a:t>
@@ -15760,7 +15760,7 @@
   <p:timing>
     <p:tnLst>
       <p:par>
-        <p:cTn id="1" dur="indefinite" restart="never" nodeType="tmRoot"/>
+        <p:cTn xmlns:p14="http://schemas.microsoft.com/office/powerpoint/2010/main" id="1" dur="indefinite" restart="never" nodeType="tmRoot"/>
       </p:par>
     </p:tnLst>
   </p:timing>
@@ -15827,7 +15827,7 @@
               <a:buNone/>
             </a:pPr>
             <a:r>
-              <a:rPr lang="en-US" u="none" strike="noStrike" cap="none" dirty="0" smtClean="0">
+              <a:rPr lang="en-US" sz="7200" u="none" strike="noStrike" cap="none" dirty="0" smtClean="0">
                 <a:solidFill>
                   <a:srgbClr val="FFFF00"/>
                 </a:solidFill>
@@ -15836,9 +15836,9 @@
                 <a:cs typeface="Arial" charset="0"/>
                 <a:sym typeface="Cabin"/>
               </a:rPr>
-              <a:t>What Happens When a CPU Cooler is Removed?</a:t>
-            </a:r>
-            <a:endParaRPr lang="en-US" u="none" strike="noStrike" cap="none" dirty="0">
+              <a:t>Totally Hot CPU</a:t>
+            </a:r>
+            <a:endParaRPr lang="en-US" sz="7200" u="none" strike="noStrike" cap="none" dirty="0">
               <a:solidFill>
                 <a:srgbClr val="FFFF00"/>
               </a:solidFill>
@@ -16039,7 +16039,7 @@
   <p:timing>
     <p:tnLst>
       <p:par>
-        <p:cTn id="1" dur="indefinite" restart="never" nodeType="tmRoot"/>
+        <p:cTn xmlns:p14="http://schemas.microsoft.com/office/powerpoint/2010/main" id="1" dur="indefinite" restart="never" nodeType="tmRoot"/>
       </p:par>
     </p:tnLst>
   </p:timing>
@@ -16106,7 +16106,7 @@
               <a:buNone/>
             </a:pPr>
             <a:r>
-              <a:rPr lang="en-US" sz="7400" u="none" strike="noStrike" cap="none" dirty="0" smtClean="0">
+              <a:rPr lang="en-US" sz="7200" u="none" strike="noStrike" cap="none" dirty="0" smtClean="0">
                 <a:solidFill>
                   <a:srgbClr val="FFFF00"/>
                 </a:solidFill>
@@ -16115,9 +16115,9 @@
                 <a:cs typeface="Arial" charset="0"/>
                 <a:sym typeface="Cabin"/>
               </a:rPr>
-              <a:t>Inside of a Hard Drive</a:t>
-            </a:r>
-            <a:endParaRPr lang="en-US" sz="7400" u="none" strike="noStrike" cap="none" dirty="0">
+              <a:t>Hard Disk in Action</a:t>
+            </a:r>
+            <a:endParaRPr lang="en-US" sz="7200" u="none" strike="noStrike" cap="none" dirty="0">
               <a:solidFill>
                 <a:srgbClr val="FFFF00"/>
               </a:solidFill>
@@ -16222,7 +16222,7 @@
   <p:timing>
     <p:tnLst>
       <p:par>
-        <p:cTn id="1" dur="indefinite" restart="never" nodeType="tmRoot"/>
+        <p:cTn xmlns:p14="http://schemas.microsoft.com/office/powerpoint/2010/main" id="1" dur="indefinite" restart="never" nodeType="tmRoot"/>
       </p:par>
     </p:tnLst>
   </p:timing>
@@ -16311,7 +16311,7 @@
   <p:timing>
     <p:tnLst>
       <p:par>
-        <p:cTn id="1" dur="indefinite" restart="never" nodeType="tmRoot"/>
+        <p:cTn xmlns:p14="http://schemas.microsoft.com/office/powerpoint/2010/main" id="1" dur="indefinite" restart="never" nodeType="tmRoot"/>
       </p:par>
     </p:tnLst>
   </p:timing>
@@ -16654,7 +16654,7 @@
   <p:timing>
     <p:tnLst>
       <p:par>
-        <p:cTn id="1" dur="indefinite" restart="never" nodeType="tmRoot"/>
+        <p:cTn xmlns:p14="http://schemas.microsoft.com/office/powerpoint/2010/main" id="1" dur="indefinite" restart="never" nodeType="tmRoot"/>
       </p:par>
     </p:tnLst>
   </p:timing>
@@ -16956,7 +16956,7 @@
   <p:timing>
     <p:tnLst>
       <p:par>
-        <p:cTn id="1" dur="indefinite" restart="never" nodeType="tmRoot"/>
+        <p:cTn xmlns:p14="http://schemas.microsoft.com/office/powerpoint/2010/main" id="1" dur="indefinite" restart="never" nodeType="tmRoot"/>
       </p:par>
     </p:tnLst>
   </p:timing>
@@ -17440,7 +17440,7 @@
   <p:timing>
     <p:tnLst>
       <p:par>
-        <p:cTn id="1" dur="indefinite" restart="never" nodeType="tmRoot"/>
+        <p:cTn xmlns:p14="http://schemas.microsoft.com/office/powerpoint/2010/main" id="1" dur="indefinite" restart="never" nodeType="tmRoot"/>
       </p:par>
     </p:tnLst>
   </p:timing>
@@ -17529,7 +17529,7 @@
   <p:timing>
     <p:tnLst>
       <p:par>
-        <p:cTn id="1" dur="indefinite" restart="never" nodeType="tmRoot"/>
+        <p:cTn xmlns:p14="http://schemas.microsoft.com/office/powerpoint/2010/main" id="1" dur="indefinite" restart="never" nodeType="tmRoot"/>
       </p:par>
     </p:tnLst>
   </p:timing>
@@ -17826,7 +17826,7 @@
   <p:timing>
     <p:tnLst>
       <p:par>
-        <p:cTn id="1" dur="indefinite" restart="never" nodeType="tmRoot"/>
+        <p:cTn xmlns:p14="http://schemas.microsoft.com/office/powerpoint/2010/main" id="1" dur="indefinite" restart="never" nodeType="tmRoot"/>
       </p:par>
     </p:tnLst>
   </p:timing>
@@ -18366,7 +18366,7 @@
   <p:timing>
     <p:tnLst>
       <p:par>
-        <p:cTn id="1" dur="indefinite" restart="never" nodeType="tmRoot"/>
+        <p:cTn xmlns:p14="http://schemas.microsoft.com/office/powerpoint/2010/main" id="1" dur="indefinite" restart="never" nodeType="tmRoot"/>
       </p:par>
     </p:tnLst>
   </p:timing>
@@ -18507,7 +18507,7 @@
                 <a:cs typeface="Arial" charset="0"/>
                 <a:sym typeface="Cabin"/>
               </a:rPr>
-              <a:t>iPhone Applications are a market</a:t>
+              <a:t>iPhone applications are a market</a:t>
             </a:r>
           </a:p>
           <a:p>
@@ -18538,7 +18538,7 @@
                 <a:cs typeface="Arial" charset="0"/>
                 <a:sym typeface="Cabin"/>
               </a:rPr>
-              <a:t>iPhone Applications have over 3 Billion downloads</a:t>
+              <a:t>iPhone applications have over 3 billion downloads</a:t>
             </a:r>
           </a:p>
           <a:p>
@@ -19409,7 +19409,7 @@
   <p:timing>
     <p:tnLst>
       <p:par>
-        <p:cTn id="1" dur="indefinite" restart="never" nodeType="tmRoot"/>
+        <p:cTn xmlns:p14="http://schemas.microsoft.com/office/powerpoint/2010/main" id="1" dur="indefinite" restart="never" nodeType="tmRoot"/>
       </p:par>
     </p:tnLst>
   </p:timing>
@@ -19546,7 +19546,7 @@
   <p:timing>
     <p:tnLst>
       <p:par>
-        <p:cTn id="1" dur="indefinite" restart="never" nodeType="tmRoot"/>
+        <p:cTn xmlns:p14="http://schemas.microsoft.com/office/powerpoint/2010/main" id="1" dur="indefinite" restart="never" nodeType="tmRoot"/>
       </p:par>
     </p:tnLst>
   </p:timing>
@@ -19638,6 +19638,10 @@
           </p:nvPr>
         </p:nvSpPr>
         <p:spPr>
+          <a:xfrm>
+            <a:off x="812800" y="2133600"/>
+            <a:ext cx="14630400" cy="4374893"/>
+          </a:xfrm>
           <a:prstGeom prst="rect">
             <a:avLst/>
           </a:prstGeom>
@@ -19652,7 +19656,7 @@
           </a:bodyPr>
           <a:lstStyle/>
           <a:p>
-            <a:pPr marL="749300" marR="0" lvl="0" indent="-533400" algn="l" rtl="0">
+            <a:pPr marL="787400" marR="0" lvl="0" indent="-571500" algn="l" rtl="0">
               <a:lnSpc>
                 <a:spcPct val="100000"/>
               </a:lnSpc>
@@ -19666,7 +19670,7 @@
                 <a:schemeClr val="lt1"/>
               </a:buClr>
               <a:buSzPct val="171000"/>
-              <a:buFont typeface="Cabin"/>
+              <a:buFont typeface="Arial"/>
               <a:buChar char="•"/>
             </a:pPr>
             <a:r>
@@ -19790,7 +19794,7 @@
   <p:timing>
     <p:tnLst>
       <p:par>
-        <p:cTn id="1" dur="indefinite" restart="never" nodeType="tmRoot"/>
+        <p:cTn xmlns:p14="http://schemas.microsoft.com/office/powerpoint/2010/main" id="1" dur="indefinite" restart="never" nodeType="tmRoot"/>
       </p:par>
     </p:tnLst>
   </p:timing>
@@ -19846,37 +19850,37 @@
               <a:buSzPct val="25000"/>
             </a:pPr>
             <a:r>
-              <a:rPr lang="en-US" sz="2800" b="1" dirty="0">
+              <a:rPr lang="en-US" sz="2800" dirty="0">
                 <a:solidFill>
                   <a:srgbClr val="00FF00"/>
                 </a:solidFill>
-                <a:latin typeface="Courier New"/>
-                <a:ea typeface="Courier New"/>
-                <a:cs typeface="Courier New"/>
+                <a:latin typeface="Courier"/>
+                <a:ea typeface="Courier"/>
+                <a:cs typeface="Courier"/>
                 <a:sym typeface="Courier New"/>
               </a:rPr>
               <a:t>name = </a:t>
             </a:r>
             <a:r>
-              <a:rPr lang="en-US" sz="2800" b="1" dirty="0" smtClean="0">
+              <a:rPr lang="en-US" sz="2800" dirty="0" smtClean="0">
                 <a:solidFill>
                   <a:srgbClr val="00FF00"/>
                 </a:solidFill>
-                <a:latin typeface="Courier New"/>
-                <a:ea typeface="Courier New"/>
-                <a:cs typeface="Courier New"/>
+                <a:latin typeface="Courier"/>
+                <a:ea typeface="Courier"/>
+                <a:cs typeface="Courier"/>
                 <a:sym typeface="Courier New"/>
               </a:rPr>
               <a:t>input(</a:t>
             </a:r>
             <a:r>
-              <a:rPr lang="en-US" sz="2800" b="1" dirty="0">
+              <a:rPr lang="en-US" sz="2800" dirty="0">
                 <a:solidFill>
                   <a:srgbClr val="00FF00"/>
                 </a:solidFill>
-                <a:latin typeface="Courier New"/>
-                <a:ea typeface="Courier New"/>
-                <a:cs typeface="Courier New"/>
+                <a:latin typeface="Courier"/>
+                <a:ea typeface="Courier"/>
+                <a:cs typeface="Courier"/>
                 <a:sym typeface="Courier New"/>
               </a:rPr>
               <a:t>'Enter file:')</a:t>
@@ -19890,13 +19894,13 @@
               <a:buSzPct val="25000"/>
             </a:pPr>
             <a:r>
-              <a:rPr lang="en-US" sz="2800" b="1" dirty="0">
+              <a:rPr lang="en-US" sz="2800" dirty="0">
                 <a:solidFill>
                   <a:srgbClr val="00FF00"/>
                 </a:solidFill>
-                <a:latin typeface="Courier New"/>
-                <a:ea typeface="Courier New"/>
-                <a:cs typeface="Courier New"/>
+                <a:latin typeface="Courier"/>
+                <a:ea typeface="Courier"/>
+                <a:cs typeface="Courier"/>
                 <a:sym typeface="Courier New"/>
               </a:rPr>
               <a:t>handle = open(name)</a:t>
@@ -19904,13 +19908,13 @@
           </a:p>
           <a:p>
             <a:pPr lvl="0" algn="ctr"/>
-            <a:endParaRPr lang="en-US" sz="2800" b="1" dirty="0">
+            <a:endParaRPr lang="en-US" sz="2800" dirty="0">
               <a:solidFill>
                 <a:srgbClr val="00FF00"/>
               </a:solidFill>
-              <a:latin typeface="Courier New"/>
-              <a:ea typeface="Courier New"/>
-              <a:cs typeface="Courier New"/>
+              <a:latin typeface="Courier"/>
+              <a:ea typeface="Courier"/>
+              <a:cs typeface="Courier"/>
               <a:sym typeface="Courier New"/>
             </a:endParaRPr>
           </a:p>
@@ -19922,37 +19926,37 @@
               <a:buSzPct val="25000"/>
             </a:pPr>
             <a:r>
-              <a:rPr lang="en-US" sz="2800" b="1" dirty="0">
+              <a:rPr lang="en-US" sz="2800" dirty="0">
                 <a:solidFill>
                   <a:srgbClr val="FF00FF"/>
                 </a:solidFill>
-                <a:latin typeface="Courier New"/>
-                <a:ea typeface="Courier New"/>
-                <a:cs typeface="Courier New"/>
+                <a:latin typeface="Courier"/>
+                <a:ea typeface="Courier"/>
+                <a:cs typeface="Courier"/>
                 <a:sym typeface="Courier New"/>
               </a:rPr>
               <a:t>counts = </a:t>
             </a:r>
             <a:r>
-              <a:rPr lang="en-US" sz="2800" b="1" dirty="0" err="1">
+              <a:rPr lang="en-US" sz="2800" dirty="0" err="1">
                 <a:solidFill>
                   <a:srgbClr val="FF00FF"/>
                 </a:solidFill>
-                <a:latin typeface="Courier New"/>
-                <a:ea typeface="Courier New"/>
-                <a:cs typeface="Courier New"/>
+                <a:latin typeface="Courier"/>
+                <a:ea typeface="Courier"/>
+                <a:cs typeface="Courier"/>
                 <a:sym typeface="Courier New"/>
               </a:rPr>
               <a:t>dict</a:t>
             </a:r>
             <a:r>
-              <a:rPr lang="en-US" sz="2800" b="1" dirty="0">
+              <a:rPr lang="en-US" sz="2800" dirty="0">
                 <a:solidFill>
                   <a:srgbClr val="FF00FF"/>
                 </a:solidFill>
-                <a:latin typeface="Courier New"/>
-                <a:ea typeface="Courier New"/>
-                <a:cs typeface="Courier New"/>
+                <a:latin typeface="Courier"/>
+                <a:ea typeface="Courier"/>
+                <a:cs typeface="Courier"/>
                 <a:sym typeface="Courier New"/>
               </a:rPr>
               <a:t>()</a:t>
@@ -19966,13 +19970,13 @@
               <a:buSzPct val="25000"/>
             </a:pPr>
             <a:r>
-              <a:rPr lang="en-US" sz="2800" b="1" dirty="0">
+              <a:rPr lang="en-US" sz="2800" dirty="0">
                 <a:solidFill>
                   <a:srgbClr val="FF00FF"/>
                 </a:solidFill>
-                <a:latin typeface="Courier New"/>
-                <a:ea typeface="Courier New"/>
-                <a:cs typeface="Courier New"/>
+                <a:latin typeface="Courier"/>
+                <a:ea typeface="Courier"/>
+                <a:cs typeface="Courier"/>
                 <a:sym typeface="Courier New"/>
               </a:rPr>
               <a:t>for line in handle:</a:t>
@@ -19986,37 +19990,37 @@
               <a:buSzPct val="25000"/>
             </a:pPr>
             <a:r>
-              <a:rPr lang="en-US" sz="2800" b="1" dirty="0">
+              <a:rPr lang="en-US" sz="2800" dirty="0">
                 <a:solidFill>
                   <a:srgbClr val="FF00FF"/>
                 </a:solidFill>
-                <a:latin typeface="Courier New"/>
-                <a:ea typeface="Courier New"/>
-                <a:cs typeface="Courier New"/>
+                <a:latin typeface="Courier"/>
+                <a:ea typeface="Courier"/>
+                <a:cs typeface="Courier"/>
                 <a:sym typeface="Courier New"/>
               </a:rPr>
               <a:t>    words = </a:t>
             </a:r>
             <a:r>
-              <a:rPr lang="en-US" sz="2800" b="1" dirty="0" err="1">
+              <a:rPr lang="en-US" sz="2800" dirty="0" err="1">
                 <a:solidFill>
                   <a:srgbClr val="FF00FF"/>
                 </a:solidFill>
-                <a:latin typeface="Courier New"/>
-                <a:ea typeface="Courier New"/>
-                <a:cs typeface="Courier New"/>
+                <a:latin typeface="Courier"/>
+                <a:ea typeface="Courier"/>
+                <a:cs typeface="Courier"/>
                 <a:sym typeface="Courier New"/>
               </a:rPr>
               <a:t>line.split</a:t>
             </a:r>
             <a:r>
-              <a:rPr lang="en-US" sz="2800" b="1" dirty="0">
+              <a:rPr lang="en-US" sz="2800" dirty="0">
                 <a:solidFill>
                   <a:srgbClr val="FF00FF"/>
                 </a:solidFill>
-                <a:latin typeface="Courier New"/>
-                <a:ea typeface="Courier New"/>
-                <a:cs typeface="Courier New"/>
+                <a:latin typeface="Courier"/>
+                <a:ea typeface="Courier"/>
+                <a:cs typeface="Courier"/>
                 <a:sym typeface="Courier New"/>
               </a:rPr>
               <a:t>()</a:t>
@@ -20030,13 +20034,13 @@
               <a:buSzPct val="25000"/>
             </a:pPr>
             <a:r>
-              <a:rPr lang="en-US" sz="2800" b="1" dirty="0">
+              <a:rPr lang="en-US" sz="2800" dirty="0">
                 <a:solidFill>
                   <a:srgbClr val="FF00FF"/>
                 </a:solidFill>
-                <a:latin typeface="Courier New"/>
-                <a:ea typeface="Courier New"/>
-                <a:cs typeface="Courier New"/>
+                <a:latin typeface="Courier"/>
+                <a:ea typeface="Courier"/>
+                <a:cs typeface="Courier"/>
                 <a:sym typeface="Courier New"/>
               </a:rPr>
               <a:t>    for word in words:</a:t>
@@ -20050,37 +20054,37 @@
               <a:buSzPct val="25000"/>
             </a:pPr>
             <a:r>
-              <a:rPr lang="en-US" sz="2800" b="1" dirty="0">
+              <a:rPr lang="en-US" sz="2800" dirty="0">
                 <a:solidFill>
                   <a:srgbClr val="FF00FF"/>
                 </a:solidFill>
-                <a:latin typeface="Courier New"/>
-                <a:ea typeface="Courier New"/>
-                <a:cs typeface="Courier New"/>
+                <a:latin typeface="Courier"/>
+                <a:ea typeface="Courier"/>
+                <a:cs typeface="Courier"/>
                 <a:sym typeface="Courier New"/>
               </a:rPr>
               <a:t>        counts[word] = </a:t>
             </a:r>
             <a:r>
-              <a:rPr lang="en-US" sz="2800" b="1" dirty="0" err="1">
+              <a:rPr lang="en-US" sz="2800" dirty="0" err="1">
                 <a:solidFill>
                   <a:srgbClr val="FF00FF"/>
                 </a:solidFill>
-                <a:latin typeface="Courier New"/>
-                <a:ea typeface="Courier New"/>
-                <a:cs typeface="Courier New"/>
+                <a:latin typeface="Courier"/>
+                <a:ea typeface="Courier"/>
+                <a:cs typeface="Courier"/>
                 <a:sym typeface="Courier New"/>
               </a:rPr>
               <a:t>counts.get</a:t>
             </a:r>
             <a:r>
-              <a:rPr lang="en-US" sz="2800" b="1" dirty="0">
+              <a:rPr lang="en-US" sz="2800" dirty="0">
                 <a:solidFill>
                   <a:srgbClr val="FF00FF"/>
                 </a:solidFill>
-                <a:latin typeface="Courier New"/>
-                <a:ea typeface="Courier New"/>
-                <a:cs typeface="Courier New"/>
+                <a:latin typeface="Courier"/>
+                <a:ea typeface="Courier"/>
+                <a:cs typeface="Courier"/>
                 <a:sym typeface="Courier New"/>
               </a:rPr>
               <a:t>(word,0) + 1</a:t>
@@ -20092,13 +20096,13 @@
                 <a:srgbClr val="00FF00"/>
               </a:buClr>
             </a:pPr>
-            <a:endParaRPr lang="en-US" sz="2800" b="1" dirty="0">
+            <a:endParaRPr lang="en-US" sz="2800" dirty="0">
               <a:solidFill>
                 <a:srgbClr val="00FF00"/>
               </a:solidFill>
-              <a:latin typeface="Courier New"/>
-              <a:ea typeface="Courier New"/>
-              <a:cs typeface="Courier New"/>
+              <a:latin typeface="Courier"/>
+              <a:ea typeface="Courier"/>
+              <a:cs typeface="Courier"/>
               <a:sym typeface="Courier New"/>
             </a:endParaRPr>
           </a:p>
@@ -20110,25 +20114,25 @@
               <a:buSzPct val="25000"/>
             </a:pPr>
             <a:r>
-              <a:rPr lang="en-US" sz="2800" b="1" dirty="0" err="1">
+              <a:rPr lang="en-US" sz="2800" dirty="0" err="1">
                 <a:solidFill>
                   <a:srgbClr val="00FFFF"/>
                 </a:solidFill>
-                <a:latin typeface="Courier New"/>
-                <a:ea typeface="Courier New"/>
-                <a:cs typeface="Courier New"/>
+                <a:latin typeface="Courier"/>
+                <a:ea typeface="Courier"/>
+                <a:cs typeface="Courier"/>
                 <a:sym typeface="Courier New"/>
               </a:rPr>
               <a:t>bigcount</a:t>
             </a:r>
             <a:r>
-              <a:rPr lang="en-US" sz="2800" b="1" dirty="0">
+              <a:rPr lang="en-US" sz="2800" dirty="0">
                 <a:solidFill>
                   <a:srgbClr val="00FFFF"/>
                 </a:solidFill>
-                <a:latin typeface="Courier New"/>
-                <a:ea typeface="Courier New"/>
-                <a:cs typeface="Courier New"/>
+                <a:latin typeface="Courier"/>
+                <a:ea typeface="Courier"/>
+                <a:cs typeface="Courier"/>
                 <a:sym typeface="Courier New"/>
               </a:rPr>
               <a:t> = None</a:t>
@@ -20142,25 +20146,25 @@
               <a:buSzPct val="25000"/>
             </a:pPr>
             <a:r>
-              <a:rPr lang="en-US" sz="2800" b="1" dirty="0" err="1">
+              <a:rPr lang="en-US" sz="2800" dirty="0" err="1">
                 <a:solidFill>
                   <a:srgbClr val="00FFFF"/>
                 </a:solidFill>
-                <a:latin typeface="Courier New"/>
-                <a:ea typeface="Courier New"/>
-                <a:cs typeface="Courier New"/>
+                <a:latin typeface="Courier"/>
+                <a:ea typeface="Courier"/>
+                <a:cs typeface="Courier"/>
                 <a:sym typeface="Courier New"/>
               </a:rPr>
               <a:t>bigword</a:t>
             </a:r>
             <a:r>
-              <a:rPr lang="en-US" sz="2800" b="1" dirty="0">
+              <a:rPr lang="en-US" sz="2800" dirty="0">
                 <a:solidFill>
                   <a:srgbClr val="00FFFF"/>
                 </a:solidFill>
-                <a:latin typeface="Courier New"/>
-                <a:ea typeface="Courier New"/>
-                <a:cs typeface="Courier New"/>
+                <a:latin typeface="Courier"/>
+                <a:ea typeface="Courier"/>
+                <a:cs typeface="Courier"/>
                 <a:sym typeface="Courier New"/>
               </a:rPr>
               <a:t> = None</a:t>
@@ -20174,61 +20178,61 @@
               <a:buSzPct val="25000"/>
             </a:pPr>
             <a:r>
-              <a:rPr lang="en-US" sz="2800" b="1" dirty="0">
+              <a:rPr lang="en-US" sz="2800" dirty="0">
                 <a:solidFill>
                   <a:srgbClr val="00FFFF"/>
                 </a:solidFill>
-                <a:latin typeface="Courier New"/>
-                <a:ea typeface="Courier New"/>
-                <a:cs typeface="Courier New"/>
+                <a:latin typeface="Courier"/>
+                <a:ea typeface="Courier"/>
+                <a:cs typeface="Courier"/>
                 <a:sym typeface="Courier New"/>
               </a:rPr>
               <a:t>for </a:t>
             </a:r>
             <a:r>
-              <a:rPr lang="en-US" sz="2800" b="1" dirty="0" err="1">
+              <a:rPr lang="en-US" sz="2800" dirty="0" err="1">
                 <a:solidFill>
                   <a:srgbClr val="00FFFF"/>
                 </a:solidFill>
-                <a:latin typeface="Courier New"/>
-                <a:ea typeface="Courier New"/>
-                <a:cs typeface="Courier New"/>
+                <a:latin typeface="Courier"/>
+                <a:ea typeface="Courier"/>
+                <a:cs typeface="Courier"/>
                 <a:sym typeface="Courier New"/>
               </a:rPr>
               <a:t>word,count</a:t>
             </a:r>
             <a:r>
-              <a:rPr lang="en-US" sz="2800" b="1" dirty="0">
+              <a:rPr lang="en-US" sz="2800" dirty="0">
                 <a:solidFill>
                   <a:srgbClr val="00FFFF"/>
                 </a:solidFill>
-                <a:latin typeface="Courier New"/>
-                <a:ea typeface="Courier New"/>
-                <a:cs typeface="Courier New"/>
+                <a:latin typeface="Courier"/>
+                <a:ea typeface="Courier"/>
+                <a:cs typeface="Courier"/>
                 <a:sym typeface="Courier New"/>
               </a:rPr>
               <a:t> in </a:t>
             </a:r>
             <a:r>
-              <a:rPr lang="en-US" sz="2800" b="1" dirty="0" err="1">
+              <a:rPr lang="en-US" sz="2800" dirty="0" err="1">
                 <a:solidFill>
                   <a:srgbClr val="00FFFF"/>
                 </a:solidFill>
-                <a:latin typeface="Courier New"/>
-                <a:ea typeface="Courier New"/>
-                <a:cs typeface="Courier New"/>
+                <a:latin typeface="Courier"/>
+                <a:ea typeface="Courier"/>
+                <a:cs typeface="Courier"/>
                 <a:sym typeface="Courier New"/>
               </a:rPr>
               <a:t>counts.items</a:t>
             </a:r>
             <a:r>
-              <a:rPr lang="en-US" sz="2800" b="1" dirty="0">
+              <a:rPr lang="en-US" sz="2800" dirty="0">
                 <a:solidFill>
                   <a:srgbClr val="00FFFF"/>
                 </a:solidFill>
-                <a:latin typeface="Courier New"/>
-                <a:ea typeface="Courier New"/>
-                <a:cs typeface="Courier New"/>
+                <a:latin typeface="Courier"/>
+                <a:ea typeface="Courier"/>
+                <a:cs typeface="Courier"/>
                 <a:sym typeface="Courier New"/>
               </a:rPr>
               <a:t>():</a:t>
@@ -20242,61 +20246,61 @@
               <a:buSzPct val="25000"/>
             </a:pPr>
             <a:r>
-              <a:rPr lang="en-US" sz="2800" b="1" dirty="0">
+              <a:rPr lang="en-US" sz="2800" dirty="0">
                 <a:solidFill>
                   <a:srgbClr val="00FFFF"/>
                 </a:solidFill>
-                <a:latin typeface="Courier New"/>
-                <a:ea typeface="Courier New"/>
-                <a:cs typeface="Courier New"/>
+                <a:latin typeface="Courier"/>
+                <a:ea typeface="Courier"/>
+                <a:cs typeface="Courier"/>
                 <a:sym typeface="Courier New"/>
               </a:rPr>
               <a:t>    if </a:t>
             </a:r>
             <a:r>
-              <a:rPr lang="en-US" sz="2800" b="1" dirty="0" err="1">
+              <a:rPr lang="en-US" sz="2800" dirty="0" err="1">
                 <a:solidFill>
                   <a:srgbClr val="00FFFF"/>
                 </a:solidFill>
-                <a:latin typeface="Courier New"/>
-                <a:ea typeface="Courier New"/>
-                <a:cs typeface="Courier New"/>
+                <a:latin typeface="Courier"/>
+                <a:ea typeface="Courier"/>
+                <a:cs typeface="Courier"/>
                 <a:sym typeface="Courier New"/>
               </a:rPr>
               <a:t>bigcount</a:t>
             </a:r>
             <a:r>
-              <a:rPr lang="en-US" sz="2800" b="1" dirty="0">
+              <a:rPr lang="en-US" sz="2800" dirty="0">
                 <a:solidFill>
                   <a:srgbClr val="00FFFF"/>
                 </a:solidFill>
-                <a:latin typeface="Courier New"/>
-                <a:ea typeface="Courier New"/>
-                <a:cs typeface="Courier New"/>
+                <a:latin typeface="Courier"/>
+                <a:ea typeface="Courier"/>
+                <a:cs typeface="Courier"/>
                 <a:sym typeface="Courier New"/>
               </a:rPr>
               <a:t> is None or count &gt; </a:t>
             </a:r>
             <a:r>
-              <a:rPr lang="en-US" sz="2800" b="1" dirty="0" err="1">
+              <a:rPr lang="en-US" sz="2800" dirty="0" err="1">
                 <a:solidFill>
                   <a:srgbClr val="00FFFF"/>
                 </a:solidFill>
-                <a:latin typeface="Courier New"/>
-                <a:ea typeface="Courier New"/>
-                <a:cs typeface="Courier New"/>
+                <a:latin typeface="Courier"/>
+                <a:ea typeface="Courier"/>
+                <a:cs typeface="Courier"/>
                 <a:sym typeface="Courier New"/>
               </a:rPr>
               <a:t>bigcount</a:t>
             </a:r>
             <a:r>
-              <a:rPr lang="en-US" sz="2800" b="1" dirty="0">
+              <a:rPr lang="en-US" sz="2800" dirty="0">
                 <a:solidFill>
                   <a:srgbClr val="00FFFF"/>
                 </a:solidFill>
-                <a:latin typeface="Courier New"/>
-                <a:ea typeface="Courier New"/>
-                <a:cs typeface="Courier New"/>
+                <a:latin typeface="Courier"/>
+                <a:ea typeface="Courier"/>
+                <a:cs typeface="Courier"/>
                 <a:sym typeface="Courier New"/>
               </a:rPr>
               <a:t>:</a:t>
@@ -20310,37 +20314,37 @@
               <a:buSzPct val="25000"/>
             </a:pPr>
             <a:r>
-              <a:rPr lang="en-US" sz="2800" b="1" dirty="0">
+              <a:rPr lang="en-US" sz="2800" dirty="0">
                 <a:solidFill>
                   <a:srgbClr val="00FFFF"/>
                 </a:solidFill>
-                <a:latin typeface="Courier New"/>
-                <a:ea typeface="Courier New"/>
-                <a:cs typeface="Courier New"/>
+                <a:latin typeface="Courier"/>
+                <a:ea typeface="Courier"/>
+                <a:cs typeface="Courier"/>
                 <a:sym typeface="Courier New"/>
               </a:rPr>
               <a:t>        </a:t>
             </a:r>
             <a:r>
-              <a:rPr lang="en-US" sz="2800" b="1" dirty="0" err="1">
+              <a:rPr lang="en-US" sz="2800" dirty="0" err="1">
                 <a:solidFill>
                   <a:srgbClr val="00FFFF"/>
                 </a:solidFill>
-                <a:latin typeface="Courier New"/>
-                <a:ea typeface="Courier New"/>
-                <a:cs typeface="Courier New"/>
+                <a:latin typeface="Courier"/>
+                <a:ea typeface="Courier"/>
+                <a:cs typeface="Courier"/>
                 <a:sym typeface="Courier New"/>
               </a:rPr>
               <a:t>bigword</a:t>
             </a:r>
             <a:r>
-              <a:rPr lang="en-US" sz="2800" b="1" dirty="0">
+              <a:rPr lang="en-US" sz="2800" dirty="0">
                 <a:solidFill>
                   <a:srgbClr val="00FFFF"/>
                 </a:solidFill>
-                <a:latin typeface="Courier New"/>
-                <a:ea typeface="Courier New"/>
-                <a:cs typeface="Courier New"/>
+                <a:latin typeface="Courier"/>
+                <a:ea typeface="Courier"/>
+                <a:cs typeface="Courier"/>
                 <a:sym typeface="Courier New"/>
               </a:rPr>
               <a:t> = word</a:t>
@@ -20354,37 +20358,37 @@
               <a:buSzPct val="25000"/>
             </a:pPr>
             <a:r>
-              <a:rPr lang="en-US" sz="2800" b="1" dirty="0">
+              <a:rPr lang="en-US" sz="2800" dirty="0">
                 <a:solidFill>
                   <a:srgbClr val="00FFFF"/>
                 </a:solidFill>
-                <a:latin typeface="Courier New"/>
-                <a:ea typeface="Courier New"/>
-                <a:cs typeface="Courier New"/>
+                <a:latin typeface="Courier"/>
+                <a:ea typeface="Courier"/>
+                <a:cs typeface="Courier"/>
                 <a:sym typeface="Courier New"/>
               </a:rPr>
               <a:t>        </a:t>
             </a:r>
             <a:r>
-              <a:rPr lang="en-US" sz="2800" b="1" dirty="0" err="1">
+              <a:rPr lang="en-US" sz="2800" dirty="0" err="1">
                 <a:solidFill>
                   <a:srgbClr val="00FFFF"/>
                 </a:solidFill>
-                <a:latin typeface="Courier New"/>
-                <a:ea typeface="Courier New"/>
-                <a:cs typeface="Courier New"/>
+                <a:latin typeface="Courier"/>
+                <a:ea typeface="Courier"/>
+                <a:cs typeface="Courier"/>
                 <a:sym typeface="Courier New"/>
               </a:rPr>
               <a:t>bigcount</a:t>
             </a:r>
             <a:r>
-              <a:rPr lang="en-US" sz="2800" b="1" dirty="0">
+              <a:rPr lang="en-US" sz="2800" dirty="0">
                 <a:solidFill>
                   <a:srgbClr val="00FFFF"/>
                 </a:solidFill>
-                <a:latin typeface="Courier New"/>
-                <a:ea typeface="Courier New"/>
-                <a:cs typeface="Courier New"/>
+                <a:latin typeface="Courier"/>
+                <a:ea typeface="Courier"/>
+                <a:cs typeface="Courier"/>
                 <a:sym typeface="Courier New"/>
               </a:rPr>
               <a:t> = count</a:t>
@@ -20396,13 +20400,13 @@
                 <a:srgbClr val="00FF00"/>
               </a:buClr>
             </a:pPr>
-            <a:endParaRPr lang="en-US" sz="2800" b="1" dirty="0">
+            <a:endParaRPr lang="en-US" sz="2800" dirty="0">
               <a:solidFill>
                 <a:srgbClr val="00FF00"/>
               </a:solidFill>
-              <a:latin typeface="Courier New"/>
-              <a:ea typeface="Courier New"/>
-              <a:cs typeface="Courier New"/>
+              <a:latin typeface="Courier"/>
+              <a:ea typeface="Courier"/>
+              <a:cs typeface="Courier"/>
               <a:sym typeface="Courier New"/>
             </a:endParaRPr>
           </a:p>
@@ -20414,61 +20418,61 @@
               <a:buSzPct val="25000"/>
             </a:pPr>
             <a:r>
-              <a:rPr lang="en-US" sz="2800" b="1" dirty="0">
+              <a:rPr lang="en-US" sz="2800" dirty="0">
                 <a:solidFill>
                   <a:srgbClr val="FF7F00"/>
                 </a:solidFill>
-                <a:latin typeface="Courier New"/>
-                <a:ea typeface="Courier New"/>
-                <a:cs typeface="Courier New"/>
+                <a:latin typeface="Courier"/>
+                <a:ea typeface="Courier"/>
+                <a:cs typeface="Courier"/>
                 <a:sym typeface="Courier New"/>
               </a:rPr>
               <a:t>print(</a:t>
             </a:r>
             <a:r>
-              <a:rPr lang="en-US" sz="2800" b="1" dirty="0" err="1">
+              <a:rPr lang="en-US" sz="2800" dirty="0" err="1">
                 <a:solidFill>
                   <a:srgbClr val="FF7F00"/>
                 </a:solidFill>
-                <a:latin typeface="Courier New"/>
-                <a:ea typeface="Courier New"/>
-                <a:cs typeface="Courier New"/>
+                <a:latin typeface="Courier"/>
+                <a:ea typeface="Courier"/>
+                <a:cs typeface="Courier"/>
                 <a:sym typeface="Courier New"/>
               </a:rPr>
               <a:t>bigword</a:t>
             </a:r>
             <a:r>
-              <a:rPr lang="en-US" sz="2800" b="1" dirty="0">
+              <a:rPr lang="en-US" sz="2800" dirty="0">
                 <a:solidFill>
                   <a:srgbClr val="FF7F00"/>
                 </a:solidFill>
-                <a:latin typeface="Courier New"/>
-                <a:ea typeface="Courier New"/>
-                <a:cs typeface="Courier New"/>
+                <a:latin typeface="Courier"/>
+                <a:ea typeface="Courier"/>
+                <a:cs typeface="Courier"/>
                 <a:sym typeface="Courier New"/>
               </a:rPr>
               <a:t>, </a:t>
             </a:r>
             <a:r>
-              <a:rPr lang="en-US" sz="2800" b="1" dirty="0" err="1">
+              <a:rPr lang="en-US" sz="2800" dirty="0" err="1">
                 <a:solidFill>
                   <a:srgbClr val="FF7F00"/>
                 </a:solidFill>
-                <a:latin typeface="Courier New"/>
-                <a:ea typeface="Courier New"/>
-                <a:cs typeface="Courier New"/>
+                <a:latin typeface="Courier"/>
+                <a:ea typeface="Courier"/>
+                <a:cs typeface="Courier"/>
                 <a:sym typeface="Courier New"/>
               </a:rPr>
               <a:t>bigcount</a:t>
             </a:r>
             <a:r>
-              <a:rPr lang="en-US" sz="2800" b="1" dirty="0">
+              <a:rPr lang="en-US" sz="2800" dirty="0">
                 <a:solidFill>
                   <a:srgbClr val="FF7F00"/>
                 </a:solidFill>
-                <a:latin typeface="Courier New"/>
-                <a:ea typeface="Courier New"/>
-                <a:cs typeface="Courier New"/>
+                <a:latin typeface="Courier"/>
+                <a:ea typeface="Courier"/>
+                <a:cs typeface="Courier"/>
                 <a:sym typeface="Courier New"/>
               </a:rPr>
               <a:t>)</a:t>
@@ -20762,7 +20766,7 @@
   <p:timing>
     <p:tnLst>
       <p:par>
-        <p:cTn id="1" dur="indefinite" restart="never" nodeType="tmRoot"/>
+        <p:cTn xmlns:p14="http://schemas.microsoft.com/office/powerpoint/2010/main" id="1" dur="indefinite" restart="never" nodeType="tmRoot"/>
       </p:par>
     </p:tnLst>
   </p:timing>
@@ -20855,8 +20859,8 @@
         </p:nvSpPr>
         <p:spPr>
           <a:xfrm>
-            <a:off x="812800" y="2529191"/>
-            <a:ext cx="14630400" cy="1186775"/>
+            <a:off x="1298892" y="2529191"/>
+            <a:ext cx="14144308" cy="1186775"/>
           </a:xfrm>
           <a:prstGeom prst="rect">
             <a:avLst/>
@@ -20872,7 +20876,7 @@
           </a:bodyPr>
           <a:lstStyle/>
           <a:p>
-            <a:pPr marL="749300" marR="0" lvl="0" indent="-533400" algn="l" rtl="0">
+            <a:pPr marL="215900" marR="0" lvl="0" indent="0" algn="l" rtl="0">
               <a:lnSpc>
                 <a:spcPct val="100000"/>
               </a:lnSpc>
@@ -20886,8 +20890,7 @@
                 <a:schemeClr val="lt1"/>
               </a:buClr>
               <a:buSzPct val="171000"/>
-              <a:buFont typeface="Cabin"/>
-              <a:buChar char="•"/>
+              <a:buNone/>
             </a:pPr>
             <a:r>
               <a:rPr lang="en-US" sz="3600" u="none" strike="noStrike" cap="none">
@@ -21690,7 +21693,7 @@
   <p:timing>
     <p:tnLst>
       <p:par>
-        <p:cTn id="1" dur="indefinite" restart="never" nodeType="tmRoot"/>
+        <p:cTn xmlns:p14="http://schemas.microsoft.com/office/powerpoint/2010/main" id="1" dur="indefinite" restart="never" nodeType="tmRoot"/>
       </p:par>
     </p:tnLst>
   </p:timing>
@@ -21814,61 +21817,61 @@
               <a:buNone/>
             </a:pPr>
             <a:r>
-              <a:rPr lang="en-US" sz="4800" b="1" i="0" u="none" strike="noStrike" cap="none" dirty="0">
+              <a:rPr lang="en-US" sz="4800" i="0" u="none" strike="noStrike" cap="none" dirty="0">
                 <a:solidFill>
                   <a:srgbClr val="FF9900"/>
                 </a:solidFill>
-                <a:latin typeface="Courier New"/>
-                <a:ea typeface="Courier New"/>
-                <a:cs typeface="Courier New"/>
+                <a:latin typeface="Courier"/>
+                <a:ea typeface="Courier"/>
+                <a:cs typeface="Courier"/>
                 <a:sym typeface="Courier New"/>
               </a:rPr>
               <a:t>x</a:t>
             </a:r>
             <a:r>
-              <a:rPr lang="en-US" sz="4800" b="1" i="0" u="none" strike="noStrike" cap="none" dirty="0">
+              <a:rPr lang="en-US" sz="4800" i="0" u="none" strike="noStrike" cap="none" dirty="0">
                 <a:solidFill>
                   <a:srgbClr val="FF7F00"/>
                 </a:solidFill>
-                <a:latin typeface="Courier New"/>
-                <a:ea typeface="Courier New"/>
-                <a:cs typeface="Courier New"/>
+                <a:latin typeface="Courier"/>
+                <a:ea typeface="Courier"/>
+                <a:cs typeface="Courier"/>
                 <a:sym typeface="Courier New"/>
               </a:rPr>
               <a:t> </a:t>
             </a:r>
             <a:r>
-              <a:rPr lang="en-US" sz="4800" b="1" i="0" u="none" strike="noStrike" cap="none" dirty="0">
+              <a:rPr lang="en-US" sz="4800" i="0" u="none" strike="noStrike" cap="none" dirty="0">
                 <a:solidFill>
                   <a:srgbClr val="FFFFFF"/>
                 </a:solidFill>
-                <a:latin typeface="Courier New"/>
-                <a:ea typeface="Courier New"/>
-                <a:cs typeface="Courier New"/>
+                <a:latin typeface="Courier"/>
+                <a:ea typeface="Courier"/>
+                <a:cs typeface="Courier"/>
                 <a:sym typeface="Courier New"/>
               </a:rPr>
               <a:t>=</a:t>
             </a:r>
             <a:r>
-              <a:rPr lang="en-US" sz="4800" b="1" i="0" u="none" strike="noStrike" cap="none" dirty="0">
+              <a:rPr lang="en-US" sz="4800" i="0" u="none" strike="noStrike" cap="none" dirty="0">
                 <a:solidFill>
                   <a:srgbClr val="FF7F00"/>
                 </a:solidFill>
-                <a:latin typeface="Courier New"/>
-                <a:ea typeface="Courier New"/>
-                <a:cs typeface="Courier New"/>
+                <a:latin typeface="Courier"/>
+                <a:ea typeface="Courier"/>
+                <a:cs typeface="Courier"/>
                 <a:sym typeface="Courier New"/>
               </a:rPr>
               <a:t> </a:t>
             </a:r>
             <a:r>
-              <a:rPr lang="en-US" sz="4800" b="1" i="0" u="none" strike="noStrike" cap="none" dirty="0">
+              <a:rPr lang="en-US" sz="4800" i="0" u="none" strike="noStrike" cap="none" dirty="0">
                 <a:solidFill>
                   <a:srgbClr val="00FFFF"/>
                 </a:solidFill>
-                <a:latin typeface="Courier New"/>
-                <a:ea typeface="Courier New"/>
-                <a:cs typeface="Courier New"/>
+                <a:latin typeface="Courier"/>
+                <a:ea typeface="Courier"/>
+                <a:cs typeface="Courier"/>
                 <a:sym typeface="Courier New"/>
               </a:rPr>
               <a:t>2</a:t>
@@ -21893,109 +21896,109 @@
               <a:buNone/>
             </a:pPr>
             <a:r>
-              <a:rPr lang="en-US" sz="4800" b="1" i="0" u="none" strike="noStrike" cap="none" dirty="0">
+              <a:rPr lang="en-US" sz="4800" i="0" u="none" strike="noStrike" cap="none" dirty="0">
                 <a:solidFill>
                   <a:srgbClr val="FF9900"/>
                 </a:solidFill>
-                <a:latin typeface="Courier New"/>
-                <a:ea typeface="Courier New"/>
-                <a:cs typeface="Courier New"/>
+                <a:latin typeface="Courier"/>
+                <a:ea typeface="Courier"/>
+                <a:cs typeface="Courier"/>
                 <a:sym typeface="Courier New"/>
               </a:rPr>
               <a:t>x</a:t>
             </a:r>
             <a:r>
-              <a:rPr lang="en-US" sz="4800" b="1" i="0" u="none" strike="noStrike" cap="none" dirty="0">
+              <a:rPr lang="en-US" sz="4800" i="0" u="none" strike="noStrike" cap="none" dirty="0">
                 <a:solidFill>
                   <a:srgbClr val="FF7F00"/>
                 </a:solidFill>
-                <a:latin typeface="Courier New"/>
-                <a:ea typeface="Courier New"/>
-                <a:cs typeface="Courier New"/>
+                <a:latin typeface="Courier"/>
+                <a:ea typeface="Courier"/>
+                <a:cs typeface="Courier"/>
                 <a:sym typeface="Courier New"/>
               </a:rPr>
               <a:t> </a:t>
             </a:r>
             <a:r>
-              <a:rPr lang="en-US" sz="4800" b="1" i="0" u="none" strike="noStrike" cap="none" dirty="0">
+              <a:rPr lang="en-US" sz="4800" i="0" u="none" strike="noStrike" cap="none" dirty="0">
                 <a:solidFill>
                   <a:srgbClr val="FFFFFF"/>
                 </a:solidFill>
-                <a:latin typeface="Courier New"/>
-                <a:ea typeface="Courier New"/>
-                <a:cs typeface="Courier New"/>
+                <a:latin typeface="Courier"/>
+                <a:ea typeface="Courier"/>
+                <a:cs typeface="Courier"/>
                 <a:sym typeface="Courier New"/>
               </a:rPr>
               <a:t>=</a:t>
             </a:r>
             <a:r>
-              <a:rPr lang="en-US" sz="4800" b="1" i="0" u="none" strike="noStrike" cap="none" dirty="0">
+              <a:rPr lang="en-US" sz="4800" i="0" u="none" strike="noStrike" cap="none" dirty="0">
                 <a:solidFill>
                   <a:srgbClr val="FF7F00"/>
                 </a:solidFill>
-                <a:latin typeface="Courier New"/>
-                <a:ea typeface="Courier New"/>
-                <a:cs typeface="Courier New"/>
+                <a:latin typeface="Courier"/>
+                <a:ea typeface="Courier"/>
+                <a:cs typeface="Courier"/>
                 <a:sym typeface="Courier New"/>
               </a:rPr>
               <a:t> </a:t>
             </a:r>
             <a:r>
-              <a:rPr lang="en-US" sz="4800" b="1" i="0" u="none" strike="noStrike" cap="none" dirty="0">
+              <a:rPr lang="en-US" sz="4800" i="0" u="none" strike="noStrike" cap="none" dirty="0">
                 <a:solidFill>
                   <a:srgbClr val="FF9900"/>
                 </a:solidFill>
-                <a:latin typeface="Courier New"/>
-                <a:ea typeface="Courier New"/>
-                <a:cs typeface="Courier New"/>
+                <a:latin typeface="Courier"/>
+                <a:ea typeface="Courier"/>
+                <a:cs typeface="Courier"/>
                 <a:sym typeface="Courier New"/>
               </a:rPr>
               <a:t>x</a:t>
             </a:r>
             <a:r>
-              <a:rPr lang="en-US" sz="4800" b="1" i="0" u="none" strike="noStrike" cap="none" dirty="0">
+              <a:rPr lang="en-US" sz="4800" i="0" u="none" strike="noStrike" cap="none" dirty="0">
                 <a:solidFill>
                   <a:srgbClr val="FF7F00"/>
                 </a:solidFill>
-                <a:latin typeface="Courier New"/>
-                <a:ea typeface="Courier New"/>
-                <a:cs typeface="Courier New"/>
+                <a:latin typeface="Courier"/>
+                <a:ea typeface="Courier"/>
+                <a:cs typeface="Courier"/>
                 <a:sym typeface="Courier New"/>
               </a:rPr>
               <a:t> </a:t>
             </a:r>
             <a:r>
-              <a:rPr lang="en-US" sz="4800" b="1" i="0" u="none" strike="noStrike" cap="none" dirty="0">
+              <a:rPr lang="en-US" sz="4800" i="0" u="none" strike="noStrike" cap="none" dirty="0">
                 <a:solidFill>
                   <a:srgbClr val="FFFFFF"/>
                 </a:solidFill>
-                <a:latin typeface="Courier New"/>
-                <a:ea typeface="Courier New"/>
-                <a:cs typeface="Courier New"/>
+                <a:latin typeface="Courier"/>
+                <a:ea typeface="Courier"/>
+                <a:cs typeface="Courier"/>
                 <a:sym typeface="Courier New"/>
               </a:rPr>
               <a:t>+</a:t>
             </a:r>
             <a:r>
-              <a:rPr lang="en-US" sz="4800" b="1" i="0" u="none" strike="noStrike" cap="none" dirty="0">
+              <a:rPr lang="en-US" sz="4800" i="0" u="none" strike="noStrike" cap="none" dirty="0">
                 <a:solidFill>
                   <a:srgbClr val="FF7F00"/>
                 </a:solidFill>
-                <a:latin typeface="Courier New"/>
-                <a:ea typeface="Courier New"/>
-                <a:cs typeface="Courier New"/>
+                <a:latin typeface="Courier"/>
+                <a:ea typeface="Courier"/>
+                <a:cs typeface="Courier"/>
                 <a:sym typeface="Courier New"/>
               </a:rPr>
               <a:t> </a:t>
             </a:r>
             <a:r>
-              <a:rPr lang="en-US" sz="4800" b="1" i="0" u="none" strike="noStrike" cap="none" dirty="0">
+              <a:rPr lang="en-US" sz="4800" i="0" u="none" strike="noStrike" cap="none" dirty="0">
                 <a:solidFill>
                   <a:srgbClr val="00FFFF"/>
                 </a:solidFill>
-                <a:latin typeface="Courier New"/>
-                <a:ea typeface="Courier New"/>
-                <a:cs typeface="Courier New"/>
+                <a:latin typeface="Courier"/>
+                <a:ea typeface="Courier"/>
+                <a:cs typeface="Courier"/>
                 <a:sym typeface="Courier New"/>
               </a:rPr>
               <a:t>2</a:t>
@@ -22009,48 +22012,48 @@
               <a:buSzPct val="25000"/>
             </a:pPr>
             <a:r>
-              <a:rPr lang="en-US" sz="4800" b="1" dirty="0">
+              <a:rPr lang="en-US" sz="4800" dirty="0">
                 <a:solidFill>
                   <a:srgbClr val="FFFF00"/>
                 </a:solidFill>
-                <a:latin typeface="Courier New"/>
-                <a:ea typeface="Courier New"/>
-                <a:cs typeface="Courier New"/>
+                <a:latin typeface="Courier"/>
+                <a:ea typeface="Courier"/>
+                <a:cs typeface="Courier"/>
                 <a:sym typeface="Courier New"/>
               </a:rPr>
               <a:t>print(</a:t>
             </a:r>
             <a:r>
-              <a:rPr lang="en-US" sz="4800" b="1" dirty="0">
+              <a:rPr lang="en-US" sz="4800" dirty="0">
                 <a:solidFill>
                   <a:srgbClr val="FF9900"/>
                 </a:solidFill>
-                <a:latin typeface="Courier New"/>
-                <a:ea typeface="Courier New"/>
-                <a:cs typeface="Courier New"/>
+                <a:latin typeface="Courier"/>
+                <a:ea typeface="Courier"/>
+                <a:cs typeface="Courier"/>
                 <a:sym typeface="Courier New"/>
               </a:rPr>
               <a:t>x</a:t>
             </a:r>
             <a:r>
-              <a:rPr lang="en-US" sz="4800" b="1" dirty="0" smtClean="0">
+              <a:rPr lang="en-US" sz="4800" dirty="0" smtClean="0">
                 <a:solidFill>
                   <a:srgbClr val="FFFF00"/>
                 </a:solidFill>
-                <a:latin typeface="Courier New"/>
-                <a:ea typeface="Courier New"/>
-                <a:cs typeface="Courier New"/>
+                <a:latin typeface="Courier"/>
+                <a:ea typeface="Courier"/>
+                <a:cs typeface="Courier"/>
                 <a:sym typeface="Courier New"/>
               </a:rPr>
               <a:t>)</a:t>
             </a:r>
-            <a:endParaRPr lang="en-US" sz="4800" b="1" dirty="0">
+            <a:endParaRPr lang="en-US" sz="4800" dirty="0">
               <a:solidFill>
                 <a:srgbClr val="FFFF00"/>
               </a:solidFill>
-              <a:latin typeface="Courier New"/>
-              <a:ea typeface="Courier New"/>
-              <a:cs typeface="Courier New"/>
+              <a:latin typeface="Courier"/>
+              <a:ea typeface="Courier"/>
+              <a:cs typeface="Courier"/>
               <a:sym typeface="Courier New"/>
             </a:endParaRPr>
           </a:p>
@@ -22522,7 +22525,7 @@
   <p:timing>
     <p:tnLst>
       <p:par>
-        <p:cTn id="1" dur="indefinite" restart="never" nodeType="tmRoot"/>
+        <p:cTn xmlns:p14="http://schemas.microsoft.com/office/powerpoint/2010/main" id="1" dur="indefinite" restart="never" nodeType="tmRoot"/>
       </p:par>
     </p:tnLst>
   </p:timing>
@@ -22611,7 +22614,7 @@
   <p:timing>
     <p:tnLst>
       <p:par>
-        <p:cTn id="1" dur="indefinite" restart="never" nodeType="tmRoot"/>
+        <p:cTn xmlns:p14="http://schemas.microsoft.com/office/powerpoint/2010/main" id="1" dur="indefinite" restart="never" nodeType="tmRoot"/>
       </p:par>
     </p:tnLst>
   </p:timing>
@@ -22970,7 +22973,7 @@
   <p:timing>
     <p:tnLst>
       <p:par>
-        <p:cTn id="1" dur="indefinite" restart="never" nodeType="tmRoot"/>
+        <p:cTn xmlns:p14="http://schemas.microsoft.com/office/powerpoint/2010/main" id="1" dur="indefinite" restart="never" nodeType="tmRoot"/>
       </p:par>
     </p:tnLst>
   </p:timing>
@@ -23107,7 +23110,7 @@
             </a:r>
           </a:p>
           <a:p>
-            <a:pPr marL="1041400" marR="0" lvl="1" indent="-533400" algn="l" rtl="0">
+            <a:pPr marL="508000" marR="0" lvl="1" indent="0" algn="l" rtl="0">
               <a:lnSpc>
                 <a:spcPct val="100000"/>
               </a:lnSpc>
@@ -23121,7 +23124,7 @@
                 <a:schemeClr val="lt1"/>
               </a:buClr>
               <a:buSzPct val="171000"/>
-              <a:buFont typeface="Cabin"/>
+              <a:buNone/>
             </a:pPr>
             <a:r>
               <a:rPr lang="en-US" sz="3400" u="none" strike="noStrike" cap="none">
@@ -23133,7 +23136,7 @@
                 <a:cs typeface="Arial" charset="0"/>
                 <a:sym typeface="Cabin"/>
               </a:rPr>
-              <a:t>You type directly to Python one line at a time and it responds</a:t>
+              <a:t> -  You type directly to Python one line at a time and it responds</a:t>
             </a:r>
           </a:p>
           <a:p>
@@ -23168,7 +23171,7 @@
             </a:r>
           </a:p>
           <a:p>
-            <a:pPr marL="1041400" marR="0" lvl="1" indent="-533400" algn="l" rtl="0">
+            <a:pPr marL="508000" marR="0" lvl="1" indent="0" algn="l" rtl="0">
               <a:lnSpc>
                 <a:spcPct val="100000"/>
               </a:lnSpc>
@@ -23182,7 +23185,7 @@
                 <a:schemeClr val="lt1"/>
               </a:buClr>
               <a:buSzPct val="171000"/>
-              <a:buFont typeface="Cabin"/>
+              <a:buNone/>
             </a:pPr>
             <a:r>
               <a:rPr lang="en-US" sz="3400" u="none" strike="noStrike" cap="none">
@@ -23194,7 +23197,7 @@
                 <a:cs typeface="Arial" charset="0"/>
                 <a:sym typeface="Cabin"/>
               </a:rPr>
-              <a:t>You enter a sequence of statements (lines) into a file using a text editor and tell Python to execute the statements in the file</a:t>
+              <a:t> -  You enter a sequence of statements (lines) into a file using a text  editor and tell Python to execute the statements in the file</a:t>
             </a:r>
           </a:p>
         </p:txBody>
@@ -23207,7 +23210,7 @@
   <p:timing>
     <p:tnLst>
       <p:par>
-        <p:cTn id="1" dur="indefinite" restart="never" nodeType="tmRoot"/>
+        <p:cTn xmlns:p14="http://schemas.microsoft.com/office/powerpoint/2010/main" id="1" dur="indefinite" restart="never" nodeType="tmRoot"/>
       </p:par>
     </p:tnLst>
   </p:timing>
@@ -23542,7 +23545,7 @@
   <p:timing>
     <p:tnLst>
       <p:par>
-        <p:cTn id="1" dur="indefinite" restart="never" nodeType="tmRoot"/>
+        <p:cTn xmlns:p14="http://schemas.microsoft.com/office/powerpoint/2010/main" id="1" dur="indefinite" restart="never" nodeType="tmRoot"/>
       </p:par>
     </p:tnLst>
   </p:timing>
@@ -23720,7 +23723,7 @@
               <a:buNone/>
             </a:pPr>
             <a:r>
-              <a:rPr lang="en-US" sz="3600" b="1" u="none" strike="noStrike" cap="none" dirty="0">
+              <a:rPr lang="en-US" sz="3600" u="none" strike="noStrike" cap="none" dirty="0">
                 <a:solidFill>
                   <a:srgbClr val="00FF00"/>
                 </a:solidFill>
@@ -23740,7 +23743,7 @@
               <a:buSzPct val="25000"/>
             </a:pPr>
             <a:r>
-              <a:rPr lang="en-US" sz="3600" b="1" u="none" strike="noStrike" cap="none" dirty="0" smtClean="0">
+              <a:rPr lang="en-US" sz="3600" u="none" strike="noStrike" cap="none" dirty="0" smtClean="0">
                 <a:solidFill>
                   <a:srgbClr val="FFFF00"/>
                 </a:solidFill>
@@ -23752,7 +23755,7 @@
               <a:t>print(</a:t>
             </a:r>
             <a:r>
-              <a:rPr lang="en-US" sz="3600" b="1" u="none" strike="noStrike" cap="none" dirty="0" smtClean="0">
+              <a:rPr lang="en-US" sz="3600" u="none" strike="noStrike" cap="none" dirty="0" smtClean="0">
                 <a:solidFill>
                   <a:srgbClr val="00FF00"/>
                 </a:solidFill>
@@ -23764,7 +23767,7 @@
               <a:t>x</a:t>
             </a:r>
             <a:r>
-              <a:rPr lang="en-US" sz="3600" b="1" dirty="0">
+              <a:rPr lang="en-US" sz="3600" dirty="0">
                 <a:solidFill>
                   <a:srgbClr val="FFFF00"/>
                 </a:solidFill>
@@ -23775,7 +23778,7 @@
               </a:rPr>
               <a:t>)</a:t>
             </a:r>
-            <a:endParaRPr lang="en-US" sz="3600" b="1" u="none" strike="noStrike" cap="none" dirty="0">
+            <a:endParaRPr lang="en-US" sz="3600" u="none" strike="noStrike" cap="none" dirty="0">
               <a:solidFill>
                 <a:srgbClr val="00FF00"/>
               </a:solidFill>
@@ -23804,7 +23807,7 @@
               <a:buNone/>
             </a:pPr>
             <a:r>
-              <a:rPr lang="en-US" sz="3600" b="1" u="none" strike="noStrike" cap="none" dirty="0">
+              <a:rPr lang="en-US" sz="3600" u="none" strike="noStrike" cap="none" dirty="0">
                 <a:solidFill>
                   <a:srgbClr val="00FF00"/>
                 </a:solidFill>
@@ -23824,7 +23827,7 @@
               <a:buSzPct val="25000"/>
             </a:pPr>
             <a:r>
-              <a:rPr lang="en-US" sz="3600" b="1" u="none" strike="noStrike" cap="none" dirty="0" smtClean="0">
+              <a:rPr lang="en-US" sz="3600" u="none" strike="noStrike" cap="none" dirty="0" smtClean="0">
                 <a:solidFill>
                   <a:srgbClr val="FFFF00"/>
                 </a:solidFill>
@@ -23836,7 +23839,7 @@
               <a:t>print(</a:t>
             </a:r>
             <a:r>
-              <a:rPr lang="en-US" sz="3600" b="1" u="none" strike="noStrike" cap="none" dirty="0" smtClean="0">
+              <a:rPr lang="en-US" sz="3600" u="none" strike="noStrike" cap="none" dirty="0" smtClean="0">
                 <a:solidFill>
                   <a:srgbClr val="00FF00"/>
                 </a:solidFill>
@@ -23848,7 +23851,7 @@
               <a:t>x</a:t>
             </a:r>
             <a:r>
-              <a:rPr lang="en-US" sz="3600" b="1" dirty="0">
+              <a:rPr lang="en-US" sz="3600" dirty="0">
                 <a:solidFill>
                   <a:srgbClr val="FFFF00"/>
                 </a:solidFill>
@@ -23859,7 +23862,7 @@
               </a:rPr>
               <a:t>)</a:t>
             </a:r>
-            <a:endParaRPr lang="en-US" sz="3600" b="1" u="none" strike="noStrike" cap="none" dirty="0">
+            <a:endParaRPr lang="en-US" sz="3600" u="none" strike="noStrike" cap="none" dirty="0">
               <a:solidFill>
                 <a:srgbClr val="00FF00"/>
               </a:solidFill>
@@ -24174,7 +24177,7 @@
         </p:nvCxnSpPr>
         <p:spPr>
           <a:xfrm rot="10800000">
-            <a:off x="2940049" y="3325276"/>
+            <a:off x="2940049" y="3339707"/>
             <a:ext cx="14287" cy="566736"/>
           </a:xfrm>
           <a:prstGeom prst="straightConnector1">
@@ -24200,7 +24203,7 @@
         </p:nvSpPr>
         <p:spPr>
           <a:xfrm>
-            <a:off x="1587500" y="4914365"/>
+            <a:off x="1587500" y="4928796"/>
             <a:ext cx="2743199" cy="596900"/>
           </a:xfrm>
           <a:prstGeom prst="rect">
@@ -24263,7 +24266,7 @@
         </p:nvCxnSpPr>
         <p:spPr>
           <a:xfrm rot="10800000">
-            <a:off x="2940049" y="4392076"/>
+            <a:off x="2940049" y="4436813"/>
             <a:ext cx="14287" cy="566736"/>
           </a:xfrm>
           <a:prstGeom prst="straightConnector1">
@@ -24361,7 +24364,7 @@
         </p:nvCxnSpPr>
         <p:spPr>
           <a:xfrm rot="10800000">
-            <a:off x="2940049" y="5509676"/>
+            <a:off x="2940049" y="5525551"/>
             <a:ext cx="14287" cy="566736"/>
           </a:xfrm>
           <a:prstGeom prst="straightConnector1">
@@ -24568,7 +24571,7 @@
   <p:timing>
     <p:tnLst>
       <p:par>
-        <p:cTn id="1" dur="indefinite" restart="never" nodeType="tmRoot"/>
+        <p:cTn xmlns:p14="http://schemas.microsoft.com/office/powerpoint/2010/main" id="1" dur="indefinite" restart="never" nodeType="tmRoot"/>
       </p:par>
     </p:tnLst>
   </p:timing>
@@ -24951,7 +24954,7 @@
   <p:timing>
     <p:tnLst>
       <p:par>
-        <p:cTn id="1" dur="indefinite" restart="never" nodeType="tmRoot"/>
+        <p:cTn xmlns:p14="http://schemas.microsoft.com/office/powerpoint/2010/main" id="1" dur="indefinite" restart="never" nodeType="tmRoot"/>
       </p:par>
     </p:tnLst>
   </p:timing>
@@ -25264,7 +25267,7 @@
               </a:spcAft>
               <a:buNone/>
             </a:pPr>
-            <a:endParaRPr sz="3600" b="1" u="none" strike="noStrike" cap="none" dirty="0" smtClean="0">
+            <a:endParaRPr sz="3600" u="none" strike="noStrike" cap="none" dirty="0" smtClean="0">
               <a:solidFill>
                 <a:srgbClr val="FF7F00"/>
               </a:solidFill>
@@ -25293,7 +25296,7 @@
               <a:buNone/>
             </a:pPr>
             <a:r>
-              <a:rPr lang="en-US" sz="2800" b="1" u="none" strike="noStrike" cap="none" dirty="0" smtClean="0">
+              <a:rPr lang="en-US" sz="2800" u="none" strike="noStrike" cap="none" dirty="0" smtClean="0">
                 <a:solidFill>
                   <a:srgbClr val="00FF00"/>
                 </a:solidFill>
@@ -25324,7 +25327,7 @@
               <a:buNone/>
             </a:pPr>
             <a:r>
-              <a:rPr lang="en-US" sz="2800" b="1" u="none" strike="noStrike" cap="none" dirty="0" smtClean="0">
+              <a:rPr lang="en-US" sz="2800" u="none" strike="noStrike" cap="none" dirty="0" smtClean="0">
                 <a:solidFill>
                   <a:srgbClr val="FFFF00"/>
                 </a:solidFill>
@@ -25336,7 +25339,7 @@
               <a:t>if</a:t>
             </a:r>
             <a:r>
-              <a:rPr lang="en-US" sz="2800" b="1" u="none" strike="noStrike" cap="none" dirty="0" smtClean="0">
+              <a:rPr lang="en-US" sz="2800" u="none" strike="noStrike" cap="none" dirty="0" smtClean="0">
                 <a:solidFill>
                   <a:srgbClr val="FF7F00"/>
                 </a:solidFill>
@@ -25348,7 +25351,7 @@
               <a:t> </a:t>
             </a:r>
             <a:r>
-              <a:rPr lang="en-US" sz="2800" b="1" u="none" strike="noStrike" cap="none" dirty="0" smtClean="0">
+              <a:rPr lang="en-US" sz="2800" u="none" strike="noStrike" cap="none" dirty="0" smtClean="0">
                 <a:solidFill>
                   <a:srgbClr val="00FF00"/>
                 </a:solidFill>
@@ -25368,7 +25371,7 @@
               <a:buSzPct val="25000"/>
             </a:pPr>
             <a:r>
-              <a:rPr lang="en-US" sz="2800" b="1" u="none" strike="noStrike" cap="none" dirty="0" smtClean="0">
+              <a:rPr lang="en-US" sz="2800" u="none" strike="noStrike" cap="none" dirty="0" smtClean="0">
                 <a:solidFill>
                   <a:srgbClr val="FF7F00"/>
                 </a:solidFill>
@@ -25380,7 +25383,7 @@
               <a:t>    </a:t>
             </a:r>
             <a:r>
-              <a:rPr lang="en-US" sz="2800" b="1" u="none" strike="noStrike" cap="none" dirty="0" smtClean="0">
+              <a:rPr lang="en-US" sz="2800" u="none" strike="noStrike" cap="none" dirty="0" smtClean="0">
                 <a:solidFill>
                   <a:srgbClr val="FFFF00"/>
                 </a:solidFill>
@@ -25392,7 +25395,7 @@
               <a:t>print(</a:t>
             </a:r>
             <a:r>
-              <a:rPr lang="en-US" sz="2800" b="1" u="none" strike="noStrike" cap="none" dirty="0" smtClean="0">
+              <a:rPr lang="en-US" sz="2800" u="none" strike="noStrike" cap="none" dirty="0" smtClean="0">
                 <a:solidFill>
                   <a:srgbClr val="00FF00"/>
                 </a:solidFill>
@@ -25404,7 +25407,7 @@
               <a:t>'</a:t>
             </a:r>
             <a:r>
-              <a:rPr lang="en-US" sz="2800" b="1" dirty="0" smtClean="0">
+              <a:rPr lang="en-US" sz="2800" dirty="0" smtClean="0">
                 <a:solidFill>
                   <a:srgbClr val="00FF00"/>
                 </a:solidFill>
@@ -25416,7 +25419,7 @@
               <a:t>Smaller'</a:t>
             </a:r>
             <a:r>
-              <a:rPr lang="en-US" sz="2800" b="1" dirty="0" smtClean="0">
+              <a:rPr lang="en-US" sz="2800" dirty="0" smtClean="0">
                 <a:solidFill>
                   <a:srgbClr val="FFFF00"/>
                 </a:solidFill>
@@ -25427,7 +25430,7 @@
               </a:rPr>
               <a:t>)</a:t>
             </a:r>
-            <a:endParaRPr lang="en-US" sz="2800" b="1" u="none" strike="noStrike" cap="none" dirty="0" smtClean="0">
+            <a:endParaRPr lang="en-US" sz="2800" u="none" strike="noStrike" cap="none" dirty="0" smtClean="0">
               <a:solidFill>
                 <a:srgbClr val="00FF00"/>
               </a:solidFill>
@@ -25456,7 +25459,7 @@
               <a:buNone/>
             </a:pPr>
             <a:r>
-              <a:rPr lang="en-US" sz="2800" b="1" u="none" strike="noStrike" cap="none" dirty="0" smtClean="0">
+              <a:rPr lang="en-US" sz="2800" u="none" strike="noStrike" cap="none" dirty="0" smtClean="0">
                 <a:solidFill>
                   <a:srgbClr val="FFFF00"/>
                 </a:solidFill>
@@ -25468,7 +25471,7 @@
               <a:t>if</a:t>
             </a:r>
             <a:r>
-              <a:rPr lang="en-US" sz="2800" b="1" u="none" strike="noStrike" cap="none" dirty="0" smtClean="0">
+              <a:rPr lang="en-US" sz="2800" u="none" strike="noStrike" cap="none" dirty="0" smtClean="0">
                 <a:solidFill>
                   <a:srgbClr val="FF7F00"/>
                 </a:solidFill>
@@ -25480,7 +25483,7 @@
               <a:t> </a:t>
             </a:r>
             <a:r>
-              <a:rPr lang="en-US" sz="2800" b="1" u="none" strike="noStrike" cap="none" dirty="0" smtClean="0">
+              <a:rPr lang="en-US" sz="2800" u="none" strike="noStrike" cap="none" dirty="0" smtClean="0">
                 <a:solidFill>
                   <a:srgbClr val="00FF00"/>
                 </a:solidFill>
@@ -25500,7 +25503,7 @@
               <a:buSzPct val="25000"/>
             </a:pPr>
             <a:r>
-              <a:rPr lang="en-US" sz="2800" b="1" u="none" strike="noStrike" cap="none" dirty="0" smtClean="0">
+              <a:rPr lang="en-US" sz="2800" u="none" strike="noStrike" cap="none" dirty="0" smtClean="0">
                 <a:solidFill>
                   <a:srgbClr val="FF7F00"/>
                 </a:solidFill>
@@ -25512,7 +25515,7 @@
               <a:t>    </a:t>
             </a:r>
             <a:r>
-              <a:rPr lang="en-US" sz="2800" b="1" u="none" strike="noStrike" cap="none" dirty="0" smtClean="0">
+              <a:rPr lang="en-US" sz="2800" u="none" strike="noStrike" cap="none" dirty="0" smtClean="0">
                 <a:solidFill>
                   <a:srgbClr val="FFFF00"/>
                 </a:solidFill>
@@ -25524,7 +25527,7 @@
               <a:t>print(</a:t>
             </a:r>
             <a:r>
-              <a:rPr lang="en-US" sz="2800" b="1" u="none" strike="noStrike" cap="none" dirty="0" smtClean="0">
+              <a:rPr lang="en-US" sz="2800" u="none" strike="noStrike" cap="none" dirty="0" smtClean="0">
                 <a:solidFill>
                   <a:srgbClr val="00FF00"/>
                 </a:solidFill>
@@ -25536,7 +25539,7 @@
               <a:t>'</a:t>
             </a:r>
             <a:r>
-              <a:rPr lang="en-US" sz="2800" b="1" dirty="0" smtClean="0">
+              <a:rPr lang="en-US" sz="2800" dirty="0" smtClean="0">
                 <a:solidFill>
                   <a:srgbClr val="00FF00"/>
                 </a:solidFill>
@@ -25548,7 +25551,7 @@
               <a:t>Bigger'</a:t>
             </a:r>
             <a:r>
-              <a:rPr lang="en-US" sz="2800" b="1" dirty="0" smtClean="0">
+              <a:rPr lang="en-US" sz="2800" dirty="0" smtClean="0">
                 <a:solidFill>
                   <a:srgbClr val="FFFF00"/>
                 </a:solidFill>
@@ -25559,7 +25562,7 @@
               </a:rPr>
               <a:t>)</a:t>
             </a:r>
-            <a:endParaRPr lang="en-US" sz="2800" b="1" u="none" strike="noStrike" cap="none" dirty="0" smtClean="0">
+            <a:endParaRPr lang="en-US" sz="2800" u="none" strike="noStrike" cap="none" dirty="0" smtClean="0">
               <a:solidFill>
                 <a:srgbClr val="00FF00"/>
               </a:solidFill>
@@ -25582,7 +25585,7 @@
               </a:spcAft>
               <a:buNone/>
             </a:pPr>
-            <a:endParaRPr sz="2800" b="1" u="none" strike="noStrike" cap="none" dirty="0" smtClean="0">
+            <a:endParaRPr sz="2800" u="none" strike="noStrike" cap="none" dirty="0" smtClean="0">
               <a:solidFill>
                 <a:srgbClr val="00FF00"/>
               </a:solidFill>
@@ -25600,7 +25603,7 @@
               <a:buSzPct val="25000"/>
             </a:pPr>
             <a:r>
-              <a:rPr lang="en-US" sz="2800" b="1" u="none" strike="noStrike" cap="none" dirty="0" smtClean="0">
+              <a:rPr lang="en-US" sz="2800" u="none" strike="noStrike" cap="none" dirty="0" smtClean="0">
                 <a:solidFill>
                   <a:srgbClr val="FFFF00"/>
                 </a:solidFill>
@@ -25612,7 +25615,7 @@
               <a:t>print(</a:t>
             </a:r>
             <a:r>
-              <a:rPr lang="en-US" sz="2800" b="1" u="none" strike="noStrike" cap="none" dirty="0" smtClean="0">
+              <a:rPr lang="en-US" sz="2800" u="none" strike="noStrike" cap="none" dirty="0" smtClean="0">
                 <a:solidFill>
                   <a:srgbClr val="00FF00"/>
                 </a:solidFill>
@@ -25624,7 +25627,7 @@
               <a:t>'Finis'</a:t>
             </a:r>
             <a:r>
-              <a:rPr lang="en-US" sz="2800" b="1" dirty="0" smtClean="0">
+              <a:rPr lang="en-US" sz="2800" dirty="0" smtClean="0">
                 <a:solidFill>
                   <a:srgbClr val="FFFF00"/>
                 </a:solidFill>
@@ -25635,7 +25638,7 @@
               </a:rPr>
               <a:t>)</a:t>
             </a:r>
-            <a:endParaRPr lang="en-US" sz="2800" b="1" u="none" strike="noStrike" cap="none" dirty="0">
+            <a:endParaRPr lang="en-US" sz="2800" u="none" strike="noStrike" cap="none" dirty="0">
               <a:solidFill>
                 <a:srgbClr val="00FF00"/>
               </a:solidFill>
@@ -25718,7 +25721,7 @@
         </p:nvCxnSpPr>
         <p:spPr>
           <a:xfrm rot="10800000">
-            <a:off x="2597149" y="1560512"/>
+            <a:off x="2597149" y="1576387"/>
             <a:ext cx="14287" cy="566736"/>
           </a:xfrm>
           <a:prstGeom prst="straightConnector1">
@@ -26125,7 +26128,7 @@
         </p:nvCxnSpPr>
         <p:spPr>
           <a:xfrm rot="10800000">
-            <a:off x="2597150" y="6081711"/>
+            <a:off x="2597150" y="6097586"/>
             <a:ext cx="19049" cy="1609725"/>
           </a:xfrm>
           <a:prstGeom prst="straightConnector1">
@@ -26523,7 +26526,7 @@
         </p:nvSpPr>
         <p:spPr>
           <a:xfrm>
-            <a:off x="1438137" y="5987275"/>
+            <a:off x="1652280" y="3609265"/>
             <a:ext cx="725399" cy="622199"/>
           </a:xfrm>
           <a:prstGeom prst="rect">
@@ -26576,6 +26579,128 @@
           </a:p>
         </p:txBody>
       </p:sp>
+      <p:sp>
+        <p:nvSpPr>
+          <p:cNvPr id="28" name="Shape 591"/>
+          <p:cNvSpPr txBox="1"/>
+          <p:nvPr/>
+        </p:nvSpPr>
+        <p:spPr>
+          <a:xfrm>
+            <a:off x="1663560" y="6285823"/>
+            <a:ext cx="725399" cy="622199"/>
+          </a:xfrm>
+          <a:prstGeom prst="rect">
+            <a:avLst/>
+          </a:prstGeom>
+          <a:noFill/>
+          <a:ln w="9525" cap="flat" cmpd="sng">
+            <a:noFill/>
+            <a:prstDash val="solid"/>
+            <a:round/>
+            <a:headEnd type="none" w="med" len="med"/>
+            <a:tailEnd type="none" w="med" len="med"/>
+          </a:ln>
+        </p:spPr>
+        <p:txBody>
+          <a:bodyPr lIns="0" tIns="0" rIns="0" bIns="0" anchor="ctr" anchorCtr="0">
+            <a:noAutofit/>
+          </a:bodyPr>
+          <a:lstStyle/>
+          <a:p>
+            <a:pPr marL="0" marR="0" lvl="0" indent="0" algn="ctr" rtl="0">
+              <a:lnSpc>
+                <a:spcPct val="100000"/>
+              </a:lnSpc>
+              <a:spcBef>
+                <a:spcPts val="0"/>
+              </a:spcBef>
+              <a:spcAft>
+                <a:spcPts val="0"/>
+              </a:spcAft>
+              <a:buClr>
+                <a:schemeClr val="lt1"/>
+              </a:buClr>
+              <a:buSzPct val="25000"/>
+              <a:buFont typeface="Cabin"/>
+              <a:buNone/>
+            </a:pPr>
+            <a:r>
+              <a:rPr lang="en-US" sz="3000">
+                <a:solidFill>
+                  <a:srgbClr val="FFFFFF"/>
+                </a:solidFill>
+                <a:latin typeface="Arial" charset="0"/>
+                <a:ea typeface="Arial" charset="0"/>
+                <a:cs typeface="Arial" charset="0"/>
+                <a:sym typeface="Cabin"/>
+              </a:rPr>
+              <a:t>No</a:t>
+            </a:r>
+          </a:p>
+        </p:txBody>
+      </p:sp>
+      <p:sp>
+        <p:nvSpPr>
+          <p:cNvPr id="29" name="Shape 589"/>
+          <p:cNvSpPr txBox="1"/>
+          <p:nvPr/>
+        </p:nvSpPr>
+        <p:spPr>
+          <a:xfrm>
+            <a:off x="4414837" y="4802660"/>
+            <a:ext cx="725486" cy="622299"/>
+          </a:xfrm>
+          <a:prstGeom prst="rect">
+            <a:avLst/>
+          </a:prstGeom>
+          <a:noFill/>
+          <a:ln w="9525" cap="flat" cmpd="sng">
+            <a:noFill/>
+            <a:prstDash val="solid"/>
+            <a:round/>
+            <a:headEnd type="none" w="med" len="med"/>
+            <a:tailEnd type="none" w="med" len="med"/>
+          </a:ln>
+        </p:spPr>
+        <p:txBody>
+          <a:bodyPr lIns="0" tIns="0" rIns="0" bIns="0" anchor="ctr" anchorCtr="0">
+            <a:noAutofit/>
+          </a:bodyPr>
+          <a:lstStyle/>
+          <a:p>
+            <a:pPr marL="0" marR="0" lvl="0" indent="0" algn="ctr" rtl="0">
+              <a:lnSpc>
+                <a:spcPct val="100000"/>
+              </a:lnSpc>
+              <a:spcBef>
+                <a:spcPts val="0"/>
+              </a:spcBef>
+              <a:spcAft>
+                <a:spcPts val="0"/>
+              </a:spcAft>
+              <a:buClr>
+                <a:schemeClr val="lt1"/>
+              </a:buClr>
+              <a:buSzPct val="25000"/>
+              <a:buFont typeface="Cabin"/>
+              <a:buNone/>
+            </a:pPr>
+            <a:r>
+              <a:rPr lang="en-US" sz="3000" u="none" strike="noStrike" cap="none" dirty="0">
+                <a:solidFill>
+                  <a:srgbClr val="FFFFFF"/>
+                </a:solidFill>
+                <a:latin typeface="Arial" charset="0"/>
+                <a:ea typeface="Arial" charset="0"/>
+                <a:cs typeface="Arial" charset="0"/>
+                <a:sym typeface="Cabin"/>
+              </a:rPr>
+              <a:t>Yes</a:t>
+            </a:r>
+          </a:p>
+        </p:txBody>
+      </p:sp>
     </p:spTree>
   </p:cSld>
   <p:clrMapOvr>
@@ -26584,7 +26709,7 @@
   <p:timing>
     <p:tnLst>
       <p:par>
-        <p:cTn id="1" dur="indefinite" restart="never" nodeType="tmRoot"/>
+        <p:cTn xmlns:p14="http://schemas.microsoft.com/office/powerpoint/2010/main" id="1" dur="indefinite" restart="never" nodeType="tmRoot"/>
       </p:par>
     </p:tnLst>
   </p:timing>
@@ -27032,7 +27157,7 @@
               <a:buNone/>
             </a:pPr>
             <a:r>
-              <a:rPr lang="en-US" sz="2800" b="1" u="none" strike="noStrike" cap="none" dirty="0">
+              <a:rPr lang="en-US" sz="2800" u="none" strike="noStrike" cap="none" dirty="0">
                 <a:solidFill>
                   <a:srgbClr val="00FF00"/>
                 </a:solidFill>
@@ -27063,7 +27188,7 @@
               <a:buNone/>
             </a:pPr>
             <a:r>
-              <a:rPr lang="en-US" sz="2800" b="1" u="none" strike="noStrike" cap="none" dirty="0">
+              <a:rPr lang="en-US" sz="2800" u="none" strike="noStrike" cap="none" dirty="0">
                 <a:solidFill>
                   <a:srgbClr val="FFFF00"/>
                 </a:solidFill>
@@ -27075,7 +27200,7 @@
               <a:t>while</a:t>
             </a:r>
             <a:r>
-              <a:rPr lang="en-US" sz="2800" b="1" u="none" strike="noStrike" cap="none" dirty="0">
+              <a:rPr lang="en-US" sz="2800" u="none" strike="noStrike" cap="none" dirty="0">
                 <a:solidFill>
                   <a:srgbClr val="00FF00"/>
                 </a:solidFill>
@@ -27087,7 +27212,7 @@
               <a:t> n &gt; 0</a:t>
             </a:r>
             <a:r>
-              <a:rPr lang="en-US" sz="2800" b="1" u="none" strike="noStrike" cap="none" dirty="0">
+              <a:rPr lang="en-US" sz="2800" u="none" strike="noStrike" cap="none" dirty="0">
                 <a:solidFill>
                   <a:srgbClr val="FFFF00"/>
                 </a:solidFill>
@@ -27118,7 +27243,7 @@
               <a:buNone/>
             </a:pPr>
             <a:r>
-              <a:rPr lang="en-US" sz="2800" b="1" u="none" strike="noStrike" cap="none" dirty="0">
+              <a:rPr lang="en-US" sz="2800" u="none" strike="noStrike" cap="none" dirty="0">
                 <a:solidFill>
                   <a:srgbClr val="FFFF00"/>
                 </a:solidFill>
@@ -27130,7 +27255,7 @@
               <a:t>    </a:t>
             </a:r>
             <a:r>
-              <a:rPr lang="en-US" sz="2800" b="1" u="none" strike="noStrike" cap="none" dirty="0" smtClean="0">
+              <a:rPr lang="en-US" sz="2800" u="none" strike="noStrike" cap="none" dirty="0" smtClean="0">
                 <a:solidFill>
                   <a:srgbClr val="FFFF00"/>
                 </a:solidFill>
@@ -27142,7 +27267,7 @@
               <a:t>print(</a:t>
             </a:r>
             <a:r>
-              <a:rPr lang="en-US" sz="2800" b="1" u="none" strike="noStrike" cap="none" dirty="0" smtClean="0">
+              <a:rPr lang="en-US" sz="2800" u="none" strike="noStrike" cap="none" dirty="0" smtClean="0">
                 <a:solidFill>
                   <a:srgbClr val="00FF00"/>
                 </a:solidFill>
@@ -27152,6 +27277,126 @@
                 <a:sym typeface="Cabin"/>
               </a:rPr>
               <a:t>n</a:t>
+            </a:r>
+            <a:r>
+              <a:rPr lang="en-US" sz="2800" u="none" strike="noStrike" cap="none" dirty="0" smtClean="0">
+                <a:solidFill>
+                  <a:srgbClr val="FFFF00"/>
+                </a:solidFill>
+                <a:latin typeface="Courier" charset="0"/>
+                <a:ea typeface="Courier" charset="0"/>
+                <a:cs typeface="Courier" charset="0"/>
+                <a:sym typeface="Cabin"/>
+              </a:rPr>
+              <a:t>)</a:t>
+            </a:r>
+            <a:endParaRPr lang="en-US" sz="2800" u="none" strike="noStrike" cap="none" dirty="0">
+              <a:solidFill>
+                <a:srgbClr val="FFFF00"/>
+              </a:solidFill>
+              <a:latin typeface="Courier" charset="0"/>
+              <a:ea typeface="Courier" charset="0"/>
+              <a:cs typeface="Courier" charset="0"/>
+              <a:sym typeface="Cabin"/>
+            </a:endParaRPr>
+          </a:p>
+          <a:p>
+            <a:pPr marL="0" marR="0" lvl="0" indent="0" algn="l" rtl="0">
+              <a:lnSpc>
+                <a:spcPct val="100000"/>
+              </a:lnSpc>
+              <a:spcBef>
+                <a:spcPts val="0"/>
+              </a:spcBef>
+              <a:spcAft>
+                <a:spcPts val="0"/>
+              </a:spcAft>
+              <a:buClr>
+                <a:srgbClr val="FFFF00"/>
+              </a:buClr>
+              <a:buSzPct val="25000"/>
+              <a:buFont typeface="Cabin"/>
+              <a:buNone/>
+            </a:pPr>
+            <a:r>
+              <a:rPr lang="en-US" sz="2800" u="none" strike="noStrike" cap="none" dirty="0">
+                <a:solidFill>
+                  <a:srgbClr val="FFFF00"/>
+                </a:solidFill>
+                <a:latin typeface="Courier" charset="0"/>
+                <a:ea typeface="Courier" charset="0"/>
+                <a:cs typeface="Courier" charset="0"/>
+                <a:sym typeface="Cabin"/>
+              </a:rPr>
+              <a:t>    </a:t>
+            </a:r>
+            <a:r>
+              <a:rPr lang="en-US" sz="2800" u="none" strike="noStrike" cap="none" dirty="0">
+                <a:solidFill>
+                  <a:srgbClr val="00FF00"/>
+                </a:solidFill>
+                <a:latin typeface="Courier" charset="0"/>
+                <a:ea typeface="Courier" charset="0"/>
+                <a:cs typeface="Courier" charset="0"/>
+                <a:sym typeface="Cabin"/>
+              </a:rPr>
+              <a:t>n = n – 1</a:t>
+            </a:r>
+          </a:p>
+          <a:p>
+            <a:pPr lvl="0">
+              <a:buClr>
+                <a:srgbClr val="FFFF00"/>
+              </a:buClr>
+              <a:buSzPct val="25000"/>
+            </a:pPr>
+            <a:r>
+              <a:rPr lang="en-US" sz="2800" dirty="0">
+                <a:solidFill>
+                  <a:srgbClr val="FFFF00"/>
+                </a:solidFill>
+                <a:latin typeface="Courier" charset="0"/>
+                <a:ea typeface="Courier" charset="0"/>
+                <a:cs typeface="Courier" charset="0"/>
+                <a:sym typeface="Cabin"/>
+              </a:rPr>
+              <a:t>p</a:t>
+            </a:r>
+            <a:r>
+              <a:rPr lang="en-US" sz="2800" u="none" strike="noStrike" cap="none" dirty="0" smtClean="0">
+                <a:solidFill>
+                  <a:srgbClr val="FFFF00"/>
+                </a:solidFill>
+                <a:latin typeface="Courier" charset="0"/>
+                <a:ea typeface="Courier" charset="0"/>
+                <a:cs typeface="Courier" charset="0"/>
+                <a:sym typeface="Cabin"/>
+              </a:rPr>
+              <a:t>rint(</a:t>
+            </a:r>
+            <a:r>
+              <a:rPr lang="en-US" sz="2800" u="none" strike="noStrike" cap="none" dirty="0" smtClean="0">
+                <a:solidFill>
+                  <a:srgbClr val="00FF00"/>
+                </a:solidFill>
+                <a:latin typeface="Courier" charset="0"/>
+                <a:ea typeface="Courier" charset="0"/>
+                <a:cs typeface="Courier" charset="0"/>
+                <a:sym typeface="Cabin"/>
+              </a:rPr>
+              <a:t>'Blastoff</a:t>
+            </a:r>
+            <a:r>
+              <a:rPr lang="en-US" sz="2800" dirty="0" smtClean="0">
+                <a:solidFill>
+                  <a:srgbClr val="00FF00"/>
+                </a:solidFill>
+                <a:latin typeface="Courier" charset="0"/>
+                <a:ea typeface="Courier" charset="0"/>
+                <a:cs typeface="Courier" charset="0"/>
+                <a:sym typeface="Cabin"/>
+              </a:rPr>
+              <a:t>!'</a:t>
             </a:r>
             <a:r>
               <a:rPr lang="en-US" sz="2800" b="1" u="none" strike="noStrike" cap="none" dirty="0" smtClean="0">
@@ -27175,126 +27420,6 @@
               <a:sym typeface="Cabin"/>
             </a:endParaRPr>
           </a:p>
-          <a:p>
-            <a:pPr marL="0" marR="0" lvl="0" indent="0" algn="l" rtl="0">
-              <a:lnSpc>
-                <a:spcPct val="100000"/>
-              </a:lnSpc>
-              <a:spcBef>
-                <a:spcPts val="0"/>
-              </a:spcBef>
-              <a:spcAft>
-                <a:spcPts val="0"/>
-              </a:spcAft>
-              <a:buClr>
-                <a:srgbClr val="FFFF00"/>
-              </a:buClr>
-              <a:buSzPct val="25000"/>
-              <a:buFont typeface="Cabin"/>
-              <a:buNone/>
-            </a:pPr>
-            <a:r>
-              <a:rPr lang="en-US" sz="2800" b="1" u="none" strike="noStrike" cap="none" dirty="0">
-                <a:solidFill>
-                  <a:srgbClr val="FFFF00"/>
-                </a:solidFill>
-                <a:latin typeface="Courier" charset="0"/>
-                <a:ea typeface="Courier" charset="0"/>
-                <a:cs typeface="Courier" charset="0"/>
-                <a:sym typeface="Cabin"/>
-              </a:rPr>
-              <a:t>    </a:t>
-            </a:r>
-            <a:r>
-              <a:rPr lang="en-US" sz="2800" b="1" u="none" strike="noStrike" cap="none" dirty="0">
-                <a:solidFill>
-                  <a:srgbClr val="00FF00"/>
-                </a:solidFill>
-                <a:latin typeface="Courier" charset="0"/>
-                <a:ea typeface="Courier" charset="0"/>
-                <a:cs typeface="Courier" charset="0"/>
-                <a:sym typeface="Cabin"/>
-              </a:rPr>
-              <a:t>n = n – 1</a:t>
-            </a:r>
-          </a:p>
-          <a:p>
-            <a:pPr lvl="0">
-              <a:buClr>
-                <a:srgbClr val="FFFF00"/>
-              </a:buClr>
-              <a:buSzPct val="25000"/>
-            </a:pPr>
-            <a:r>
-              <a:rPr lang="en-US" sz="2800" b="1" dirty="0">
-                <a:solidFill>
-                  <a:srgbClr val="FFFF00"/>
-                </a:solidFill>
-                <a:latin typeface="Courier" charset="0"/>
-                <a:ea typeface="Courier" charset="0"/>
-                <a:cs typeface="Courier" charset="0"/>
-                <a:sym typeface="Cabin"/>
-              </a:rPr>
-              <a:t>p</a:t>
-            </a:r>
-            <a:r>
-              <a:rPr lang="en-US" sz="2800" b="1" u="none" strike="noStrike" cap="none" dirty="0" smtClean="0">
-                <a:solidFill>
-                  <a:srgbClr val="FFFF00"/>
-                </a:solidFill>
-                <a:latin typeface="Courier" charset="0"/>
-                <a:ea typeface="Courier" charset="0"/>
-                <a:cs typeface="Courier" charset="0"/>
-                <a:sym typeface="Cabin"/>
-              </a:rPr>
-              <a:t>rint(</a:t>
-            </a:r>
-            <a:r>
-              <a:rPr lang="en-US" sz="2800" b="1" u="none" strike="noStrike" cap="none" dirty="0" smtClean="0">
-                <a:solidFill>
-                  <a:srgbClr val="00FF00"/>
-                </a:solidFill>
-                <a:latin typeface="Courier" charset="0"/>
-                <a:ea typeface="Courier" charset="0"/>
-                <a:cs typeface="Courier" charset="0"/>
-                <a:sym typeface="Cabin"/>
-              </a:rPr>
-              <a:t>'Blastoff</a:t>
-            </a:r>
-            <a:r>
-              <a:rPr lang="en-US" sz="2800" b="1" dirty="0" smtClean="0">
-                <a:solidFill>
-                  <a:srgbClr val="00FF00"/>
-                </a:solidFill>
-                <a:latin typeface="Courier" charset="0"/>
-                <a:ea typeface="Courier" charset="0"/>
-                <a:cs typeface="Courier" charset="0"/>
-                <a:sym typeface="Cabin"/>
-              </a:rPr>
-              <a:t>!'</a:t>
-            </a:r>
-            <a:r>
-              <a:rPr lang="en-US" sz="2800" b="1" u="none" strike="noStrike" cap="none" dirty="0" smtClean="0">
-                <a:solidFill>
-                  <a:srgbClr val="FFFF00"/>
-                </a:solidFill>
-                <a:latin typeface="Courier" charset="0"/>
-                <a:ea typeface="Courier" charset="0"/>
-                <a:cs typeface="Courier" charset="0"/>
-                <a:sym typeface="Cabin"/>
-              </a:rPr>
-              <a:t>)</a:t>
-            </a:r>
-            <a:endParaRPr lang="en-US" sz="2800" b="1" u="none" strike="noStrike" cap="none" dirty="0">
-              <a:solidFill>
-                <a:srgbClr val="FFFF00"/>
-              </a:solidFill>
-              <a:latin typeface="Courier" charset="0"/>
-              <a:ea typeface="Courier" charset="0"/>
-              <a:cs typeface="Courier" charset="0"/>
-              <a:sym typeface="Cabin"/>
-            </a:endParaRPr>
-          </a:p>
         </p:txBody>
       </p:sp>
       <p:cxnSp>
@@ -27305,7 +27430,7 @@
         </p:nvCxnSpPr>
         <p:spPr>
           <a:xfrm rot="10800000">
-            <a:off x="2838336" y="1967216"/>
+            <a:off x="2838336" y="1981647"/>
             <a:ext cx="14400" cy="566699"/>
           </a:xfrm>
           <a:prstGeom prst="straightConnector1">
@@ -27603,9 +27728,9 @@
           <p:nvPr/>
         </p:nvCxnSpPr>
         <p:spPr>
-          <a:xfrm rot="10800000">
-            <a:off x="1063625" y="3143517"/>
-            <a:ext cx="36512" cy="3433761"/>
+          <a:xfrm flipV="1">
+            <a:off x="1100137" y="3156217"/>
+            <a:ext cx="1" cy="3478786"/>
           </a:xfrm>
           <a:prstGeom prst="straightConnector1">
             <a:avLst/>
@@ -28247,14 +28372,15 @@
         <p:nvCxnSpPr>
           <p:cNvPr id="620" name="Shape 620"/>
           <p:cNvCxnSpPr>
+            <a:stCxn id="606" idx="0"/>
             <a:endCxn id="618" idx="2"/>
           </p:cNvCxnSpPr>
           <p:nvPr/>
         </p:nvCxnSpPr>
         <p:spPr>
-          <a:xfrm rot="10800000" flipH="1">
-            <a:off x="5011349" y="4559666"/>
-            <a:ext cx="30600" cy="473700"/>
+          <a:xfrm flipV="1">
+            <a:off x="5029250" y="4559666"/>
+            <a:ext cx="12700" cy="469801"/>
           </a:xfrm>
           <a:prstGeom prst="straightConnector1">
             <a:avLst/>
@@ -28279,7 +28405,7 @@
   <p:timing>
     <p:tnLst>
       <p:par>
-        <p:cTn id="1" dur="indefinite" restart="never" nodeType="tmRoot"/>
+        <p:cTn xmlns:p14="http://schemas.microsoft.com/office/powerpoint/2010/main" id="1" dur="indefinite" restart="never" nodeType="tmRoot"/>
       </p:par>
     </p:tnLst>
   </p:timing>
@@ -28335,37 +28461,49 @@
               <a:buSzPct val="25000"/>
             </a:pPr>
             <a:r>
-              <a:rPr lang="en-US" sz="2800" b="1" dirty="0">
+              <a:rPr lang="en-US" sz="2800" dirty="0">
                 <a:solidFill>
                   <a:srgbClr val="FFFF00"/>
                 </a:solidFill>
-                <a:latin typeface="Courier New"/>
-                <a:ea typeface="Courier New"/>
-                <a:cs typeface="Courier New"/>
+                <a:latin typeface="Courier"/>
+                <a:ea typeface="Courier"/>
+                <a:cs typeface="Courier"/>
                 <a:sym typeface="Courier New"/>
               </a:rPr>
-              <a:t>name = input</a:t>
-            </a:r>
-            <a:r>
-              <a:rPr lang="en-US" sz="2800" b="1" dirty="0" smtClean="0">
+              <a:t>name = </a:t>
+            </a:r>
+            <a:r>
+              <a:rPr lang="en-US" sz="2800" dirty="0">
+                <a:solidFill>
+                  <a:schemeClr val="bg1"/>
+                </a:solidFill>
+                <a:latin typeface="Courier"/>
+                <a:ea typeface="Courier"/>
+                <a:cs typeface="Courier"/>
+                <a:sym typeface="Courier New"/>
+              </a:rPr>
+              <a:t>input</a:t>
+            </a:r>
+            <a:r>
+              <a:rPr lang="en-US" sz="2800" dirty="0" smtClean="0">
                 <a:solidFill>
                   <a:srgbClr val="FFFF00"/>
                 </a:solidFill>
-                <a:latin typeface="Courier New"/>
-                <a:ea typeface="Courier New"/>
-                <a:cs typeface="Courier New"/>
+                <a:latin typeface="Courier"/>
+                <a:ea typeface="Courier"/>
+                <a:cs typeface="Courier"/>
                 <a:sym typeface="Courier New"/>
               </a:rPr>
               <a:t>(</a:t>
             </a:r>
             <a:r>
-              <a:rPr lang="en-US" sz="2800" b="1" dirty="0">
+              <a:rPr lang="en-US" sz="2800" dirty="0">
                 <a:solidFill>
                   <a:srgbClr val="FFFF00"/>
                 </a:solidFill>
-                <a:latin typeface="Courier New"/>
-                <a:ea typeface="Courier New"/>
-                <a:cs typeface="Courier New"/>
+                <a:latin typeface="Courier"/>
+                <a:ea typeface="Courier"/>
+                <a:cs typeface="Courier"/>
                 <a:sym typeface="Courier New"/>
               </a:rPr>
               <a:t>'Enter file:')</a:t>
@@ -28379,48 +28517,48 @@
               <a:buSzPct val="25000"/>
             </a:pPr>
             <a:r>
-              <a:rPr lang="en-US" sz="2800" b="1" dirty="0">
+              <a:rPr lang="en-US" sz="2800" dirty="0">
                 <a:solidFill>
                   <a:srgbClr val="FFFF00"/>
                 </a:solidFill>
-                <a:latin typeface="Courier New"/>
-                <a:ea typeface="Courier New"/>
-                <a:cs typeface="Courier New"/>
+                <a:latin typeface="Courier"/>
+                <a:ea typeface="Courier"/>
+                <a:cs typeface="Courier"/>
                 <a:sym typeface="Courier New"/>
               </a:rPr>
               <a:t>handle = </a:t>
             </a:r>
             <a:r>
-              <a:rPr lang="en-US" sz="2800" b="1" dirty="0" smtClean="0">
+              <a:rPr lang="en-US" sz="2800" dirty="0" smtClean="0">
                 <a:solidFill>
                   <a:srgbClr val="FFFF00"/>
                 </a:solidFill>
-                <a:latin typeface="Courier New"/>
-                <a:ea typeface="Courier New"/>
-                <a:cs typeface="Courier New"/>
+                <a:latin typeface="Courier"/>
+                <a:ea typeface="Courier"/>
+                <a:cs typeface="Courier"/>
                 <a:sym typeface="Courier New"/>
               </a:rPr>
               <a:t>open(name, 'r')</a:t>
             </a:r>
-            <a:endParaRPr lang="en-US" sz="2800" b="1" dirty="0">
+            <a:endParaRPr lang="en-US" sz="2800" dirty="0">
               <a:solidFill>
                 <a:srgbClr val="FFFF00"/>
               </a:solidFill>
-              <a:latin typeface="Courier New"/>
-              <a:ea typeface="Courier New"/>
-              <a:cs typeface="Courier New"/>
+              <a:latin typeface="Courier"/>
+              <a:ea typeface="Courier"/>
+              <a:cs typeface="Courier"/>
               <a:sym typeface="Courier New"/>
             </a:endParaRPr>
           </a:p>
           <a:p>
             <a:pPr lvl="0" algn="ctr"/>
-            <a:endParaRPr lang="en-US" sz="2800" b="1" dirty="0">
+            <a:endParaRPr lang="en-US" sz="2800" dirty="0">
               <a:solidFill>
                 <a:srgbClr val="00FF00"/>
               </a:solidFill>
-              <a:latin typeface="Courier New"/>
-              <a:ea typeface="Courier New"/>
-              <a:cs typeface="Courier New"/>
+              <a:latin typeface="Courier"/>
+              <a:ea typeface="Courier"/>
+              <a:cs typeface="Courier"/>
               <a:sym typeface="Courier New"/>
             </a:endParaRPr>
           </a:p>
@@ -28432,37 +28570,37 @@
               <a:buSzPct val="25000"/>
             </a:pPr>
             <a:r>
-              <a:rPr lang="en-US" sz="2800" b="1" dirty="0">
+              <a:rPr lang="en-US" sz="2800" dirty="0">
                 <a:solidFill>
                   <a:srgbClr val="FFFF00"/>
                 </a:solidFill>
-                <a:latin typeface="Courier New"/>
-                <a:ea typeface="Courier New"/>
-                <a:cs typeface="Courier New"/>
+                <a:latin typeface="Courier"/>
+                <a:ea typeface="Courier"/>
+                <a:cs typeface="Courier"/>
                 <a:sym typeface="Courier New"/>
               </a:rPr>
               <a:t>counts = </a:t>
             </a:r>
             <a:r>
-              <a:rPr lang="en-US" sz="2800" b="1" dirty="0" err="1">
+              <a:rPr lang="en-US" sz="2800" dirty="0" err="1">
                 <a:solidFill>
                   <a:srgbClr val="FFFF00"/>
                 </a:solidFill>
-                <a:latin typeface="Courier New"/>
-                <a:ea typeface="Courier New"/>
-                <a:cs typeface="Courier New"/>
+                <a:latin typeface="Courier"/>
+                <a:ea typeface="Courier"/>
+                <a:cs typeface="Courier"/>
                 <a:sym typeface="Courier New"/>
               </a:rPr>
               <a:t>dict</a:t>
             </a:r>
             <a:r>
-              <a:rPr lang="en-US" sz="2800" b="1" dirty="0">
+              <a:rPr lang="en-US" sz="2800" dirty="0">
                 <a:solidFill>
                   <a:srgbClr val="FFFF00"/>
                 </a:solidFill>
-                <a:latin typeface="Courier New"/>
-                <a:ea typeface="Courier New"/>
-                <a:cs typeface="Courier New"/>
+                <a:latin typeface="Courier"/>
+                <a:ea typeface="Courier"/>
+                <a:cs typeface="Courier"/>
                 <a:sym typeface="Courier New"/>
               </a:rPr>
               <a:t>()</a:t>
@@ -28476,13 +28614,13 @@
               <a:buSzPct val="25000"/>
             </a:pPr>
             <a:r>
-              <a:rPr lang="en-US" sz="2800" b="1" dirty="0">
+              <a:rPr lang="en-US" sz="2800" dirty="0">
                 <a:solidFill>
                   <a:srgbClr val="00FA00"/>
                 </a:solidFill>
-                <a:latin typeface="Courier New"/>
-                <a:ea typeface="Courier New"/>
-                <a:cs typeface="Courier New"/>
+                <a:latin typeface="Courier"/>
+                <a:ea typeface="Courier"/>
+                <a:cs typeface="Courier"/>
                 <a:sym typeface="Courier New"/>
               </a:rPr>
               <a:t>for line in handle:</a:t>
@@ -28496,37 +28634,37 @@
               <a:buSzPct val="25000"/>
             </a:pPr>
             <a:r>
-              <a:rPr lang="en-US" sz="2800" b="1" dirty="0">
+              <a:rPr lang="en-US" sz="2800" dirty="0">
                 <a:solidFill>
                   <a:srgbClr val="00FA00"/>
                 </a:solidFill>
-                <a:latin typeface="Courier New"/>
-                <a:ea typeface="Courier New"/>
-                <a:cs typeface="Courier New"/>
+                <a:latin typeface="Courier"/>
+                <a:ea typeface="Courier"/>
+                <a:cs typeface="Courier"/>
                 <a:sym typeface="Courier New"/>
               </a:rPr>
               <a:t>    words = </a:t>
             </a:r>
             <a:r>
-              <a:rPr lang="en-US" sz="2800" b="1" dirty="0" err="1">
+              <a:rPr lang="en-US" sz="2800" dirty="0" err="1">
                 <a:solidFill>
                   <a:srgbClr val="00FA00"/>
                 </a:solidFill>
-                <a:latin typeface="Courier New"/>
-                <a:ea typeface="Courier New"/>
-                <a:cs typeface="Courier New"/>
+                <a:latin typeface="Courier"/>
+                <a:ea typeface="Courier"/>
+                <a:cs typeface="Courier"/>
                 <a:sym typeface="Courier New"/>
               </a:rPr>
               <a:t>line.split</a:t>
             </a:r>
             <a:r>
-              <a:rPr lang="en-US" sz="2800" b="1" dirty="0">
+              <a:rPr lang="en-US" sz="2800" dirty="0">
                 <a:solidFill>
                   <a:srgbClr val="00FA00"/>
                 </a:solidFill>
-                <a:latin typeface="Courier New"/>
-                <a:ea typeface="Courier New"/>
-                <a:cs typeface="Courier New"/>
+                <a:latin typeface="Courier"/>
+                <a:ea typeface="Courier"/>
+                <a:cs typeface="Courier"/>
                 <a:sym typeface="Courier New"/>
               </a:rPr>
               <a:t>()</a:t>
@@ -28540,13 +28678,13 @@
               <a:buSzPct val="25000"/>
             </a:pPr>
             <a:r>
-              <a:rPr lang="en-US" sz="2800" b="1" dirty="0">
+              <a:rPr lang="en-US" sz="2800" dirty="0">
                 <a:solidFill>
                   <a:srgbClr val="00FA00"/>
                 </a:solidFill>
-                <a:latin typeface="Courier New"/>
-                <a:ea typeface="Courier New"/>
-                <a:cs typeface="Courier New"/>
+                <a:latin typeface="Courier"/>
+                <a:ea typeface="Courier"/>
+                <a:cs typeface="Courier"/>
                 <a:sym typeface="Courier New"/>
               </a:rPr>
               <a:t>    for word in words:</a:t>
@@ -28560,37 +28698,37 @@
               <a:buSzPct val="25000"/>
             </a:pPr>
             <a:r>
-              <a:rPr lang="en-US" sz="2800" b="1" dirty="0">
+              <a:rPr lang="en-US" sz="2800" dirty="0">
                 <a:solidFill>
                   <a:srgbClr val="00FA00"/>
                 </a:solidFill>
-                <a:latin typeface="Courier New"/>
-                <a:ea typeface="Courier New"/>
-                <a:cs typeface="Courier New"/>
+                <a:latin typeface="Courier"/>
+                <a:ea typeface="Courier"/>
+                <a:cs typeface="Courier"/>
                 <a:sym typeface="Courier New"/>
               </a:rPr>
               <a:t>        counts[word] = </a:t>
             </a:r>
             <a:r>
-              <a:rPr lang="en-US" sz="2800" b="1" dirty="0" err="1">
+              <a:rPr lang="en-US" sz="2800" dirty="0" err="1">
                 <a:solidFill>
                   <a:srgbClr val="00FA00"/>
                 </a:solidFill>
-                <a:latin typeface="Courier New"/>
-                <a:ea typeface="Courier New"/>
-                <a:cs typeface="Courier New"/>
+                <a:latin typeface="Courier"/>
+                <a:ea typeface="Courier"/>
+                <a:cs typeface="Courier"/>
                 <a:sym typeface="Courier New"/>
               </a:rPr>
               <a:t>counts.get</a:t>
             </a:r>
             <a:r>
-              <a:rPr lang="en-US" sz="2800" b="1" dirty="0">
+              <a:rPr lang="en-US" sz="2800" dirty="0">
                 <a:solidFill>
                   <a:srgbClr val="00FA00"/>
                 </a:solidFill>
-                <a:latin typeface="Courier New"/>
-                <a:ea typeface="Courier New"/>
-                <a:cs typeface="Courier New"/>
+                <a:latin typeface="Courier"/>
+                <a:ea typeface="Courier"/>
+                <a:cs typeface="Courier"/>
                 <a:sym typeface="Courier New"/>
               </a:rPr>
               <a:t>(word,0) + 1</a:t>
@@ -28602,13 +28740,13 @@
                 <a:srgbClr val="00FF00"/>
               </a:buClr>
             </a:pPr>
-            <a:endParaRPr lang="en-US" sz="2800" b="1" dirty="0">
+            <a:endParaRPr lang="en-US" sz="2800" dirty="0">
               <a:solidFill>
                 <a:srgbClr val="00FF00"/>
               </a:solidFill>
-              <a:latin typeface="Courier New"/>
-              <a:ea typeface="Courier New"/>
-              <a:cs typeface="Courier New"/>
+              <a:latin typeface="Courier"/>
+              <a:ea typeface="Courier"/>
+              <a:cs typeface="Courier"/>
               <a:sym typeface="Courier New"/>
             </a:endParaRPr>
           </a:p>
@@ -28620,25 +28758,25 @@
               <a:buSzPct val="25000"/>
             </a:pPr>
             <a:r>
-              <a:rPr lang="en-US" sz="2800" b="1" dirty="0" err="1">
+              <a:rPr lang="en-US" sz="2800" dirty="0" err="1">
                 <a:solidFill>
                   <a:srgbClr val="FFFF00"/>
                 </a:solidFill>
-                <a:latin typeface="Courier New"/>
-                <a:ea typeface="Courier New"/>
-                <a:cs typeface="Courier New"/>
+                <a:latin typeface="Courier"/>
+                <a:ea typeface="Courier"/>
+                <a:cs typeface="Courier"/>
                 <a:sym typeface="Courier New"/>
               </a:rPr>
               <a:t>bigcount</a:t>
             </a:r>
             <a:r>
-              <a:rPr lang="en-US" sz="2800" b="1" dirty="0">
+              <a:rPr lang="en-US" sz="2800" dirty="0">
                 <a:solidFill>
                   <a:srgbClr val="FFFF00"/>
                 </a:solidFill>
-                <a:latin typeface="Courier New"/>
-                <a:ea typeface="Courier New"/>
-                <a:cs typeface="Courier New"/>
+                <a:latin typeface="Courier"/>
+                <a:ea typeface="Courier"/>
+                <a:cs typeface="Courier"/>
                 <a:sym typeface="Courier New"/>
               </a:rPr>
               <a:t> = None</a:t>
@@ -28652,25 +28790,25 @@
               <a:buSzPct val="25000"/>
             </a:pPr>
             <a:r>
-              <a:rPr lang="en-US" sz="2800" b="1" dirty="0" err="1">
+              <a:rPr lang="en-US" sz="2800" dirty="0" err="1">
                 <a:solidFill>
                   <a:srgbClr val="FFFF00"/>
                 </a:solidFill>
-                <a:latin typeface="Courier New"/>
-                <a:ea typeface="Courier New"/>
-                <a:cs typeface="Courier New"/>
+                <a:latin typeface="Courier"/>
+                <a:ea typeface="Courier"/>
+                <a:cs typeface="Courier"/>
                 <a:sym typeface="Courier New"/>
               </a:rPr>
               <a:t>bigword</a:t>
             </a:r>
             <a:r>
-              <a:rPr lang="en-US" sz="2800" b="1" dirty="0">
+              <a:rPr lang="en-US" sz="2800" dirty="0">
                 <a:solidFill>
                   <a:srgbClr val="FFFF00"/>
                 </a:solidFill>
-                <a:latin typeface="Courier New"/>
-                <a:ea typeface="Courier New"/>
-                <a:cs typeface="Courier New"/>
+                <a:latin typeface="Courier"/>
+                <a:ea typeface="Courier"/>
+                <a:cs typeface="Courier"/>
                 <a:sym typeface="Courier New"/>
               </a:rPr>
               <a:t> = None</a:t>
@@ -28684,61 +28822,61 @@
               <a:buSzPct val="25000"/>
             </a:pPr>
             <a:r>
-              <a:rPr lang="en-US" sz="2800" b="1" dirty="0">
+              <a:rPr lang="en-US" sz="2800" dirty="0">
                 <a:solidFill>
                   <a:srgbClr val="00FA00"/>
                 </a:solidFill>
-                <a:latin typeface="Courier New"/>
-                <a:ea typeface="Courier New"/>
-                <a:cs typeface="Courier New"/>
+                <a:latin typeface="Courier"/>
+                <a:ea typeface="Courier"/>
+                <a:cs typeface="Courier"/>
                 <a:sym typeface="Courier New"/>
               </a:rPr>
               <a:t>for </a:t>
             </a:r>
             <a:r>
-              <a:rPr lang="en-US" sz="2800" b="1" dirty="0" err="1">
+              <a:rPr lang="en-US" sz="2800" dirty="0" err="1">
                 <a:solidFill>
                   <a:srgbClr val="00FA00"/>
                 </a:solidFill>
-                <a:latin typeface="Courier New"/>
-                <a:ea typeface="Courier New"/>
-                <a:cs typeface="Courier New"/>
+                <a:latin typeface="Courier"/>
+                <a:ea typeface="Courier"/>
+                <a:cs typeface="Courier"/>
                 <a:sym typeface="Courier New"/>
               </a:rPr>
               <a:t>word,count</a:t>
             </a:r>
             <a:r>
-              <a:rPr lang="en-US" sz="2800" b="1" dirty="0">
+              <a:rPr lang="en-US" sz="2800" dirty="0">
                 <a:solidFill>
                   <a:srgbClr val="00FA00"/>
                 </a:solidFill>
-                <a:latin typeface="Courier New"/>
-                <a:ea typeface="Courier New"/>
-                <a:cs typeface="Courier New"/>
+                <a:latin typeface="Courier"/>
+                <a:ea typeface="Courier"/>
+                <a:cs typeface="Courier"/>
                 <a:sym typeface="Courier New"/>
               </a:rPr>
               <a:t> in </a:t>
             </a:r>
             <a:r>
-              <a:rPr lang="en-US" sz="2800" b="1" dirty="0" err="1">
+              <a:rPr lang="en-US" sz="2800" dirty="0" err="1">
                 <a:solidFill>
                   <a:srgbClr val="00FA00"/>
                 </a:solidFill>
-                <a:latin typeface="Courier New"/>
-                <a:ea typeface="Courier New"/>
-                <a:cs typeface="Courier New"/>
+                <a:latin typeface="Courier"/>
+                <a:ea typeface="Courier"/>
+                <a:cs typeface="Courier"/>
                 <a:sym typeface="Courier New"/>
               </a:rPr>
               <a:t>counts.items</a:t>
             </a:r>
             <a:r>
-              <a:rPr lang="en-US" sz="2800" b="1" dirty="0">
+              <a:rPr lang="en-US" sz="2800" dirty="0">
                 <a:solidFill>
                   <a:srgbClr val="00FA00"/>
                 </a:solidFill>
-                <a:latin typeface="Courier New"/>
-                <a:ea typeface="Courier New"/>
-                <a:cs typeface="Courier New"/>
+                <a:latin typeface="Courier"/>
+                <a:ea typeface="Courier"/>
+                <a:cs typeface="Courier"/>
                 <a:sym typeface="Courier New"/>
               </a:rPr>
               <a:t>():</a:t>
@@ -28752,61 +28890,61 @@
               <a:buSzPct val="25000"/>
             </a:pPr>
             <a:r>
-              <a:rPr lang="en-US" sz="2800" b="1" dirty="0">
+              <a:rPr lang="en-US" sz="2800" dirty="0">
                 <a:solidFill>
                   <a:srgbClr val="FF9300"/>
                 </a:solidFill>
-                <a:latin typeface="Courier New"/>
-                <a:ea typeface="Courier New"/>
-                <a:cs typeface="Courier New"/>
+                <a:latin typeface="Courier"/>
+                <a:ea typeface="Courier"/>
+                <a:cs typeface="Courier"/>
                 <a:sym typeface="Courier New"/>
               </a:rPr>
               <a:t>    if </a:t>
             </a:r>
             <a:r>
-              <a:rPr lang="en-US" sz="2800" b="1" dirty="0" err="1">
+              <a:rPr lang="en-US" sz="2800" dirty="0" err="1">
                 <a:solidFill>
                   <a:srgbClr val="FF9300"/>
                 </a:solidFill>
-                <a:latin typeface="Courier New"/>
-                <a:ea typeface="Courier New"/>
-                <a:cs typeface="Courier New"/>
+                <a:latin typeface="Courier"/>
+                <a:ea typeface="Courier"/>
+                <a:cs typeface="Courier"/>
                 <a:sym typeface="Courier New"/>
               </a:rPr>
               <a:t>bigcount</a:t>
             </a:r>
             <a:r>
-              <a:rPr lang="en-US" sz="2800" b="1" dirty="0">
+              <a:rPr lang="en-US" sz="2800" dirty="0">
                 <a:solidFill>
                   <a:srgbClr val="FF9300"/>
                 </a:solidFill>
-                <a:latin typeface="Courier New"/>
-                <a:ea typeface="Courier New"/>
-                <a:cs typeface="Courier New"/>
+                <a:latin typeface="Courier"/>
+                <a:ea typeface="Courier"/>
+                <a:cs typeface="Courier"/>
                 <a:sym typeface="Courier New"/>
               </a:rPr>
               <a:t> is None or count &gt; </a:t>
             </a:r>
             <a:r>
-              <a:rPr lang="en-US" sz="2800" b="1" dirty="0" err="1">
+              <a:rPr lang="en-US" sz="2800" dirty="0" err="1">
                 <a:solidFill>
                   <a:srgbClr val="FF9300"/>
                 </a:solidFill>
-                <a:latin typeface="Courier New"/>
-                <a:ea typeface="Courier New"/>
-                <a:cs typeface="Courier New"/>
+                <a:latin typeface="Courier"/>
+                <a:ea typeface="Courier"/>
+                <a:cs typeface="Courier"/>
                 <a:sym typeface="Courier New"/>
               </a:rPr>
               <a:t>bigcount</a:t>
             </a:r>
             <a:r>
-              <a:rPr lang="en-US" sz="2800" b="1" dirty="0">
+              <a:rPr lang="en-US" sz="2800" dirty="0">
                 <a:solidFill>
                   <a:srgbClr val="FF9300"/>
                 </a:solidFill>
-                <a:latin typeface="Courier New"/>
-                <a:ea typeface="Courier New"/>
-                <a:cs typeface="Courier New"/>
+                <a:latin typeface="Courier"/>
+                <a:ea typeface="Courier"/>
+                <a:cs typeface="Courier"/>
                 <a:sym typeface="Courier New"/>
               </a:rPr>
               <a:t>:</a:t>
@@ -28820,37 +28958,37 @@
               <a:buSzPct val="25000"/>
             </a:pPr>
             <a:r>
-              <a:rPr lang="en-US" sz="2800" b="1" dirty="0">
+              <a:rPr lang="en-US" sz="2800" dirty="0">
                 <a:solidFill>
                   <a:srgbClr val="FF9300"/>
                 </a:solidFill>
-                <a:latin typeface="Courier New"/>
-                <a:ea typeface="Courier New"/>
-                <a:cs typeface="Courier New"/>
+                <a:latin typeface="Courier"/>
+                <a:ea typeface="Courier"/>
+                <a:cs typeface="Courier"/>
                 <a:sym typeface="Courier New"/>
               </a:rPr>
               <a:t>        </a:t>
             </a:r>
             <a:r>
-              <a:rPr lang="en-US" sz="2800" b="1" dirty="0" err="1">
+              <a:rPr lang="en-US" sz="2800" dirty="0" err="1">
                 <a:solidFill>
                   <a:srgbClr val="FF9300"/>
                 </a:solidFill>
-                <a:latin typeface="Courier New"/>
-                <a:ea typeface="Courier New"/>
-                <a:cs typeface="Courier New"/>
+                <a:latin typeface="Courier"/>
+                <a:ea typeface="Courier"/>
+                <a:cs typeface="Courier"/>
                 <a:sym typeface="Courier New"/>
               </a:rPr>
               <a:t>bigword</a:t>
             </a:r>
             <a:r>
-              <a:rPr lang="en-US" sz="2800" b="1" dirty="0">
+              <a:rPr lang="en-US" sz="2800" dirty="0">
                 <a:solidFill>
                   <a:srgbClr val="FF9300"/>
                 </a:solidFill>
-                <a:latin typeface="Courier New"/>
-                <a:ea typeface="Courier New"/>
-                <a:cs typeface="Courier New"/>
+                <a:latin typeface="Courier"/>
+                <a:ea typeface="Courier"/>
+                <a:cs typeface="Courier"/>
                 <a:sym typeface="Courier New"/>
               </a:rPr>
               <a:t> = word</a:t>
@@ -28864,37 +29002,37 @@
               <a:buSzPct val="25000"/>
             </a:pPr>
             <a:r>
-              <a:rPr lang="en-US" sz="2800" b="1" dirty="0">
+              <a:rPr lang="en-US" sz="2800" dirty="0">
                 <a:solidFill>
                   <a:srgbClr val="FF9300"/>
                 </a:solidFill>
-                <a:latin typeface="Courier New"/>
-                <a:ea typeface="Courier New"/>
-                <a:cs typeface="Courier New"/>
+                <a:latin typeface="Courier"/>
+                <a:ea typeface="Courier"/>
+                <a:cs typeface="Courier"/>
                 <a:sym typeface="Courier New"/>
               </a:rPr>
               <a:t>        </a:t>
             </a:r>
             <a:r>
-              <a:rPr lang="en-US" sz="2800" b="1" dirty="0" err="1">
+              <a:rPr lang="en-US" sz="2800" dirty="0" err="1">
                 <a:solidFill>
                   <a:srgbClr val="FF9300"/>
                 </a:solidFill>
-                <a:latin typeface="Courier New"/>
-                <a:ea typeface="Courier New"/>
-                <a:cs typeface="Courier New"/>
+                <a:latin typeface="Courier"/>
+                <a:ea typeface="Courier"/>
+                <a:cs typeface="Courier"/>
                 <a:sym typeface="Courier New"/>
               </a:rPr>
               <a:t>bigcount</a:t>
             </a:r>
             <a:r>
-              <a:rPr lang="en-US" sz="2800" b="1" dirty="0">
+              <a:rPr lang="en-US" sz="2800" dirty="0">
                 <a:solidFill>
                   <a:srgbClr val="FF9300"/>
                 </a:solidFill>
-                <a:latin typeface="Courier New"/>
-                <a:ea typeface="Courier New"/>
-                <a:cs typeface="Courier New"/>
+                <a:latin typeface="Courier"/>
+                <a:ea typeface="Courier"/>
+                <a:cs typeface="Courier"/>
                 <a:sym typeface="Courier New"/>
               </a:rPr>
               <a:t> = count</a:t>
@@ -28906,13 +29044,13 @@
                 <a:srgbClr val="00FF00"/>
               </a:buClr>
             </a:pPr>
-            <a:endParaRPr lang="en-US" sz="2800" b="1" dirty="0">
+            <a:endParaRPr lang="en-US" sz="2800" dirty="0">
               <a:solidFill>
                 <a:srgbClr val="00FF00"/>
               </a:solidFill>
-              <a:latin typeface="Courier New"/>
-              <a:ea typeface="Courier New"/>
-              <a:cs typeface="Courier New"/>
+              <a:latin typeface="Courier"/>
+              <a:ea typeface="Courier"/>
+              <a:cs typeface="Courier"/>
               <a:sym typeface="Courier New"/>
             </a:endParaRPr>
           </a:p>
@@ -28924,61 +29062,61 @@
               <a:buSzPct val="25000"/>
             </a:pPr>
             <a:r>
-              <a:rPr lang="en-US" sz="2800" b="1" dirty="0">
+              <a:rPr lang="en-US" sz="2800" dirty="0">
                 <a:solidFill>
                   <a:srgbClr val="FFFF00"/>
                 </a:solidFill>
-                <a:latin typeface="Courier New"/>
-                <a:ea typeface="Courier New"/>
-                <a:cs typeface="Courier New"/>
+                <a:latin typeface="Courier"/>
+                <a:ea typeface="Courier"/>
+                <a:cs typeface="Courier"/>
                 <a:sym typeface="Courier New"/>
               </a:rPr>
               <a:t>print(</a:t>
             </a:r>
             <a:r>
-              <a:rPr lang="en-US" sz="2800" b="1" dirty="0" err="1">
+              <a:rPr lang="en-US" sz="2800" dirty="0" err="1">
                 <a:solidFill>
                   <a:srgbClr val="FFFF00"/>
                 </a:solidFill>
-                <a:latin typeface="Courier New"/>
-                <a:ea typeface="Courier New"/>
-                <a:cs typeface="Courier New"/>
+                <a:latin typeface="Courier"/>
+                <a:ea typeface="Courier"/>
+                <a:cs typeface="Courier"/>
                 <a:sym typeface="Courier New"/>
               </a:rPr>
               <a:t>bigword</a:t>
             </a:r>
             <a:r>
-              <a:rPr lang="en-US" sz="2800" b="1" dirty="0">
+              <a:rPr lang="en-US" sz="2800" dirty="0">
                 <a:solidFill>
                   <a:srgbClr val="FFFF00"/>
                 </a:solidFill>
-                <a:latin typeface="Courier New"/>
-                <a:ea typeface="Courier New"/>
-                <a:cs typeface="Courier New"/>
+                <a:latin typeface="Courier"/>
+                <a:ea typeface="Courier"/>
+                <a:cs typeface="Courier"/>
                 <a:sym typeface="Courier New"/>
               </a:rPr>
               <a:t>, </a:t>
             </a:r>
             <a:r>
-              <a:rPr lang="en-US" sz="2800" b="1" dirty="0" err="1">
+              <a:rPr lang="en-US" sz="2800" dirty="0" err="1">
                 <a:solidFill>
                   <a:srgbClr val="FFFF00"/>
                 </a:solidFill>
-                <a:latin typeface="Courier New"/>
-                <a:ea typeface="Courier New"/>
-                <a:cs typeface="Courier New"/>
+                <a:latin typeface="Courier"/>
+                <a:ea typeface="Courier"/>
+                <a:cs typeface="Courier"/>
                 <a:sym typeface="Courier New"/>
               </a:rPr>
               <a:t>bigcount</a:t>
             </a:r>
             <a:r>
-              <a:rPr lang="en-US" sz="2800" b="1" dirty="0">
+              <a:rPr lang="en-US" sz="2800" dirty="0">
                 <a:solidFill>
                   <a:srgbClr val="FFFF00"/>
                 </a:solidFill>
-                <a:latin typeface="Courier New"/>
-                <a:ea typeface="Courier New"/>
-                <a:cs typeface="Courier New"/>
+                <a:latin typeface="Courier"/>
+                <a:ea typeface="Courier"/>
+                <a:cs typeface="Courier"/>
                 <a:sym typeface="Courier New"/>
               </a:rPr>
               <a:t>)</a:t>
@@ -29113,7 +29251,7 @@
   <p:timing>
     <p:tnLst>
       <p:par>
-        <p:cTn id="1" dur="indefinite" restart="never" nodeType="tmRoot"/>
+        <p:cTn xmlns:p14="http://schemas.microsoft.com/office/powerpoint/2010/main" id="1" dur="indefinite" restart="never" nodeType="tmRoot"/>
       </p:par>
     </p:tnLst>
   </p:timing>
@@ -29180,37 +29318,37 @@
               <a:buNone/>
             </a:pPr>
             <a:r>
-              <a:rPr lang="en-US" sz="2800" b="1" i="0" u="none" strike="noStrike" cap="none" dirty="0">
+              <a:rPr lang="en-US" sz="2800" i="0" u="none" strike="noStrike" cap="none" dirty="0">
                 <a:solidFill>
                   <a:srgbClr val="FFFF00"/>
                 </a:solidFill>
-                <a:latin typeface="Courier New"/>
-                <a:ea typeface="Courier New"/>
-                <a:cs typeface="Courier New"/>
+                <a:latin typeface="Courier"/>
+                <a:ea typeface="Courier"/>
+                <a:cs typeface="Courier"/>
                 <a:sym typeface="Courier New"/>
               </a:rPr>
               <a:t>name = </a:t>
             </a:r>
             <a:r>
-              <a:rPr lang="en-US" sz="2800" b="1" i="0" u="none" strike="noStrike" cap="none" dirty="0" smtClean="0">
+              <a:rPr lang="en-US" sz="2800" i="0" u="none" strike="noStrike" cap="none" dirty="0" smtClean="0">
+                <a:solidFill>
+                  <a:schemeClr val="bg1"/>
+                </a:solidFill>
+                <a:latin typeface="Courier"/>
+                <a:ea typeface="Courier"/>
+                <a:cs typeface="Courier"/>
+                <a:sym typeface="Courier New"/>
+              </a:rPr>
+              <a:t>input</a:t>
+            </a:r>
+            <a:r>
+              <a:rPr lang="en-US" sz="2800" i="0" u="none" strike="noStrike" cap="none" dirty="0">
                 <a:solidFill>
                   <a:srgbClr val="FFFF00"/>
                 </a:solidFill>
-                <a:latin typeface="Courier New"/>
-                <a:ea typeface="Courier New"/>
-                <a:cs typeface="Courier New"/>
-                <a:sym typeface="Courier New"/>
-              </a:rPr>
-              <a:t>input</a:t>
-            </a:r>
-            <a:r>
-              <a:rPr lang="en-US" sz="2800" b="1" i="0" u="none" strike="noStrike" cap="none" dirty="0">
-                <a:solidFill>
-                  <a:srgbClr val="FFFF00"/>
-                </a:solidFill>
-                <a:latin typeface="Courier New"/>
-                <a:ea typeface="Courier New"/>
-                <a:cs typeface="Courier New"/>
+                <a:latin typeface="Courier"/>
+                <a:ea typeface="Courier"/>
+                <a:cs typeface="Courier"/>
                 <a:sym typeface="Courier New"/>
               </a:rPr>
               <a:t>('Enter file:')</a:t>
@@ -29235,13 +29373,13 @@
               <a:buNone/>
             </a:pPr>
             <a:r>
-              <a:rPr lang="en-US" sz="2800" b="1" i="0" u="none" strike="noStrike" cap="none" dirty="0">
+              <a:rPr lang="en-US" sz="2800" i="0" u="none" strike="noStrike" cap="none" dirty="0">
                 <a:solidFill>
                   <a:srgbClr val="FFFF00"/>
                 </a:solidFill>
-                <a:latin typeface="Courier New"/>
-                <a:ea typeface="Courier New"/>
-                <a:cs typeface="Courier New"/>
+                <a:latin typeface="Courier"/>
+                <a:ea typeface="Courier"/>
+                <a:cs typeface="Courier"/>
                 <a:sym typeface="Courier New"/>
               </a:rPr>
               <a:t>handle = open(name, 'r')</a:t>
@@ -29260,13 +29398,13 @@
               </a:spcAft>
               <a:buNone/>
             </a:pPr>
-            <a:endParaRPr sz="2800" b="1" i="0" u="none" strike="noStrike" cap="none" dirty="0">
+            <a:endParaRPr sz="2800" i="0" u="none" strike="noStrike" cap="none" dirty="0">
               <a:solidFill>
                 <a:srgbClr val="00FF00"/>
               </a:solidFill>
-              <a:latin typeface="Courier New"/>
-              <a:ea typeface="Courier New"/>
-              <a:cs typeface="Courier New"/>
+              <a:latin typeface="Courier"/>
+              <a:ea typeface="Courier"/>
+              <a:cs typeface="Courier"/>
               <a:sym typeface="Courier New"/>
             </a:endParaRPr>
           </a:p>
@@ -29289,37 +29427,37 @@
               <a:buNone/>
             </a:pPr>
             <a:r>
-              <a:rPr lang="en-US" sz="2800" b="1" i="0" u="none" strike="noStrike" cap="none" dirty="0">
+              <a:rPr lang="en-US" sz="2800" i="0" u="none" strike="noStrike" cap="none" dirty="0">
                 <a:solidFill>
                   <a:srgbClr val="FFFF00"/>
                 </a:solidFill>
-                <a:latin typeface="Courier New"/>
-                <a:ea typeface="Courier New"/>
-                <a:cs typeface="Courier New"/>
+                <a:latin typeface="Courier"/>
+                <a:ea typeface="Courier"/>
+                <a:cs typeface="Courier"/>
                 <a:sym typeface="Courier New"/>
               </a:rPr>
               <a:t>counts = </a:t>
             </a:r>
             <a:r>
-              <a:rPr lang="en-US" sz="2800" b="1" i="0" u="none" strike="noStrike" cap="none" dirty="0" err="1">
+              <a:rPr lang="en-US" sz="2800" i="0" u="none" strike="noStrike" cap="none" dirty="0" err="1">
                 <a:solidFill>
                   <a:srgbClr val="FFFF00"/>
                 </a:solidFill>
-                <a:latin typeface="Courier New"/>
-                <a:ea typeface="Courier New"/>
-                <a:cs typeface="Courier New"/>
+                <a:latin typeface="Courier"/>
+                <a:ea typeface="Courier"/>
+                <a:cs typeface="Courier"/>
                 <a:sym typeface="Courier New"/>
               </a:rPr>
               <a:t>dict</a:t>
             </a:r>
             <a:r>
-              <a:rPr lang="en-US" sz="2800" b="1" i="0" u="none" strike="noStrike" cap="none" dirty="0">
+              <a:rPr lang="en-US" sz="2800" i="0" u="none" strike="noStrike" cap="none" dirty="0">
                 <a:solidFill>
                   <a:srgbClr val="FFFF00"/>
                 </a:solidFill>
-                <a:latin typeface="Courier New"/>
-                <a:ea typeface="Courier New"/>
-                <a:cs typeface="Courier New"/>
+                <a:latin typeface="Courier"/>
+                <a:ea typeface="Courier"/>
+                <a:cs typeface="Courier"/>
                 <a:sym typeface="Courier New"/>
               </a:rPr>
               <a:t>()</a:t>
@@ -29333,13 +29471,13 @@
               <a:buSzPct val="25000"/>
             </a:pPr>
             <a:r>
-              <a:rPr lang="en-US" sz="2800" b="1" dirty="0">
+              <a:rPr lang="en-US" sz="2800" dirty="0">
                 <a:solidFill>
                   <a:srgbClr val="00FF00"/>
                 </a:solidFill>
-                <a:latin typeface="Courier New"/>
-                <a:ea typeface="Courier New"/>
-                <a:cs typeface="Courier New"/>
+                <a:latin typeface="Courier"/>
+                <a:ea typeface="Courier"/>
+                <a:cs typeface="Courier"/>
                 <a:sym typeface="Courier New"/>
               </a:rPr>
               <a:t>for line in handle:</a:t>
@@ -29353,37 +29491,37 @@
               <a:buSzPct val="25000"/>
             </a:pPr>
             <a:r>
-              <a:rPr lang="en-US" sz="2800" b="1" dirty="0">
+              <a:rPr lang="en-US" sz="2800" dirty="0">
                 <a:solidFill>
                   <a:srgbClr val="00FF00"/>
                 </a:solidFill>
-                <a:latin typeface="Courier New"/>
-                <a:ea typeface="Courier New"/>
-                <a:cs typeface="Courier New"/>
+                <a:latin typeface="Courier"/>
+                <a:ea typeface="Courier"/>
+                <a:cs typeface="Courier"/>
                 <a:sym typeface="Courier New"/>
               </a:rPr>
               <a:t>    words = </a:t>
             </a:r>
             <a:r>
-              <a:rPr lang="en-US" sz="2800" b="1" dirty="0" err="1">
+              <a:rPr lang="en-US" sz="2800" dirty="0" err="1">
                 <a:solidFill>
                   <a:srgbClr val="00FF00"/>
                 </a:solidFill>
-                <a:latin typeface="Courier New"/>
-                <a:ea typeface="Courier New"/>
-                <a:cs typeface="Courier New"/>
+                <a:latin typeface="Courier"/>
+                <a:ea typeface="Courier"/>
+                <a:cs typeface="Courier"/>
                 <a:sym typeface="Courier New"/>
               </a:rPr>
               <a:t>line.split</a:t>
             </a:r>
             <a:r>
-              <a:rPr lang="en-US" sz="2800" b="1" dirty="0">
+              <a:rPr lang="en-US" sz="2800" dirty="0">
                 <a:solidFill>
                   <a:srgbClr val="00FF00"/>
                 </a:solidFill>
-                <a:latin typeface="Courier New"/>
-                <a:ea typeface="Courier New"/>
-                <a:cs typeface="Courier New"/>
+                <a:latin typeface="Courier"/>
+                <a:ea typeface="Courier"/>
+                <a:cs typeface="Courier"/>
                 <a:sym typeface="Courier New"/>
               </a:rPr>
               <a:t>()</a:t>
@@ -29397,13 +29535,13 @@
               <a:buSzPct val="25000"/>
             </a:pPr>
             <a:r>
-              <a:rPr lang="en-US" sz="2800" b="1" dirty="0">
+              <a:rPr lang="en-US" sz="2800" dirty="0">
                 <a:solidFill>
                   <a:srgbClr val="00FF00"/>
                 </a:solidFill>
-                <a:latin typeface="Courier New"/>
-                <a:ea typeface="Courier New"/>
-                <a:cs typeface="Courier New"/>
+                <a:latin typeface="Courier"/>
+                <a:ea typeface="Courier"/>
+                <a:cs typeface="Courier"/>
                 <a:sym typeface="Courier New"/>
               </a:rPr>
               <a:t>    for word in words:</a:t>
@@ -29417,37 +29555,37 @@
               <a:buSzPct val="25000"/>
             </a:pPr>
             <a:r>
-              <a:rPr lang="en-US" sz="2800" b="1" dirty="0">
+              <a:rPr lang="en-US" sz="2800" dirty="0">
                 <a:solidFill>
                   <a:srgbClr val="00FF00"/>
                 </a:solidFill>
-                <a:latin typeface="Courier New"/>
-                <a:ea typeface="Courier New"/>
-                <a:cs typeface="Courier New"/>
+                <a:latin typeface="Courier"/>
+                <a:ea typeface="Courier"/>
+                <a:cs typeface="Courier"/>
                 <a:sym typeface="Courier New"/>
               </a:rPr>
               <a:t>        counts[word] = </a:t>
             </a:r>
             <a:r>
-              <a:rPr lang="en-US" sz="2800" b="1" dirty="0" err="1">
+              <a:rPr lang="en-US" sz="2800" dirty="0" err="1">
                 <a:solidFill>
                   <a:srgbClr val="00FF00"/>
                 </a:solidFill>
-                <a:latin typeface="Courier New"/>
-                <a:ea typeface="Courier New"/>
-                <a:cs typeface="Courier New"/>
+                <a:latin typeface="Courier"/>
+                <a:ea typeface="Courier"/>
+                <a:cs typeface="Courier"/>
                 <a:sym typeface="Courier New"/>
               </a:rPr>
               <a:t>counts.get</a:t>
             </a:r>
             <a:r>
-              <a:rPr lang="en-US" sz="2800" b="1" dirty="0">
+              <a:rPr lang="en-US" sz="2800" dirty="0">
                 <a:solidFill>
                   <a:srgbClr val="00FF00"/>
                 </a:solidFill>
-                <a:latin typeface="Courier New"/>
-                <a:ea typeface="Courier New"/>
-                <a:cs typeface="Courier New"/>
+                <a:latin typeface="Courier"/>
+                <a:ea typeface="Courier"/>
+                <a:cs typeface="Courier"/>
                 <a:sym typeface="Courier New"/>
               </a:rPr>
               <a:t>(word,0) + 1</a:t>
@@ -29471,13 +29609,13 @@
               <a:buFont typeface="Cabin"/>
               <a:buNone/>
             </a:pPr>
-            <a:endParaRPr lang="en-US" sz="2800" b="1" i="0" u="none" strike="noStrike" cap="none" dirty="0">
+            <a:endParaRPr lang="en-US" sz="2800" i="0" u="none" strike="noStrike" cap="none" dirty="0">
               <a:solidFill>
                 <a:srgbClr val="00FF00"/>
               </a:solidFill>
-              <a:latin typeface="Courier New"/>
-              <a:ea typeface="Courier New"/>
-              <a:cs typeface="Courier New"/>
+              <a:latin typeface="Courier"/>
+              <a:ea typeface="Courier"/>
+              <a:cs typeface="Courier"/>
               <a:sym typeface="Courier New"/>
             </a:endParaRPr>
           </a:p>
@@ -29500,25 +29638,25 @@
               <a:buNone/>
             </a:pPr>
             <a:r>
-              <a:rPr lang="en-US" sz="2800" b="1" i="0" u="none" strike="noStrike" cap="none" dirty="0" err="1">
+              <a:rPr lang="en-US" sz="2800" i="0" u="none" strike="noStrike" cap="none" dirty="0" err="1">
                 <a:solidFill>
                   <a:srgbClr val="FFFF00"/>
                 </a:solidFill>
-                <a:latin typeface="Courier New"/>
-                <a:ea typeface="Courier New"/>
-                <a:cs typeface="Courier New"/>
+                <a:latin typeface="Courier"/>
+                <a:ea typeface="Courier"/>
+                <a:cs typeface="Courier"/>
                 <a:sym typeface="Courier New"/>
               </a:rPr>
               <a:t>bigcount</a:t>
             </a:r>
             <a:r>
-              <a:rPr lang="en-US" sz="2800" b="1" i="0" u="none" strike="noStrike" cap="none" dirty="0">
+              <a:rPr lang="en-US" sz="2800" i="0" u="none" strike="noStrike" cap="none" dirty="0">
                 <a:solidFill>
                   <a:srgbClr val="FFFF00"/>
                 </a:solidFill>
-                <a:latin typeface="Courier New"/>
-                <a:ea typeface="Courier New"/>
-                <a:cs typeface="Courier New"/>
+                <a:latin typeface="Courier"/>
+                <a:ea typeface="Courier"/>
+                <a:cs typeface="Courier"/>
                 <a:sym typeface="Courier New"/>
               </a:rPr>
               <a:t> = None</a:t>
@@ -29543,25 +29681,25 @@
               <a:buNone/>
             </a:pPr>
             <a:r>
-              <a:rPr lang="en-US" sz="2800" b="1" i="0" u="none" strike="noStrike" cap="none" dirty="0" err="1">
+              <a:rPr lang="en-US" sz="2800" i="0" u="none" strike="noStrike" cap="none" dirty="0" err="1">
                 <a:solidFill>
                   <a:srgbClr val="FFFF00"/>
                 </a:solidFill>
-                <a:latin typeface="Courier New"/>
-                <a:ea typeface="Courier New"/>
-                <a:cs typeface="Courier New"/>
+                <a:latin typeface="Courier"/>
+                <a:ea typeface="Courier"/>
+                <a:cs typeface="Courier"/>
                 <a:sym typeface="Courier New"/>
               </a:rPr>
               <a:t>bigword</a:t>
             </a:r>
             <a:r>
-              <a:rPr lang="en-US" sz="2800" b="1" i="0" u="none" strike="noStrike" cap="none" dirty="0">
+              <a:rPr lang="en-US" sz="2800" i="0" u="none" strike="noStrike" cap="none" dirty="0">
                 <a:solidFill>
                   <a:srgbClr val="FFFF00"/>
                 </a:solidFill>
-                <a:latin typeface="Courier New"/>
-                <a:ea typeface="Courier New"/>
-                <a:cs typeface="Courier New"/>
+                <a:latin typeface="Courier"/>
+                <a:ea typeface="Courier"/>
+                <a:cs typeface="Courier"/>
                 <a:sym typeface="Courier New"/>
               </a:rPr>
               <a:t> = None</a:t>
@@ -29586,61 +29724,61 @@
               <a:buNone/>
             </a:pPr>
             <a:r>
-              <a:rPr lang="en-US" sz="2800" b="1" i="0" u="none" strike="noStrike" cap="none" dirty="0" smtClean="0">
+              <a:rPr lang="en-US" sz="2800" i="0" u="none" strike="noStrike" cap="none" dirty="0" smtClean="0">
                 <a:solidFill>
                   <a:srgbClr val="00FF00"/>
                 </a:solidFill>
-                <a:latin typeface="Courier New"/>
-                <a:ea typeface="Courier New"/>
-                <a:cs typeface="Courier New"/>
+                <a:latin typeface="Courier"/>
+                <a:ea typeface="Courier"/>
+                <a:cs typeface="Courier"/>
                 <a:sym typeface="Courier New"/>
               </a:rPr>
               <a:t>for </a:t>
             </a:r>
             <a:r>
-              <a:rPr lang="en-US" sz="2800" b="1" i="0" u="none" strike="noStrike" cap="none" dirty="0" err="1">
+              <a:rPr lang="en-US" sz="2800" i="0" u="none" strike="noStrike" cap="none" dirty="0" err="1">
                 <a:solidFill>
                   <a:srgbClr val="00FF00"/>
                 </a:solidFill>
-                <a:latin typeface="Courier New"/>
-                <a:ea typeface="Courier New"/>
-                <a:cs typeface="Courier New"/>
+                <a:latin typeface="Courier"/>
+                <a:ea typeface="Courier"/>
+                <a:cs typeface="Courier"/>
                 <a:sym typeface="Courier New"/>
               </a:rPr>
               <a:t>word,count</a:t>
             </a:r>
             <a:r>
-              <a:rPr lang="en-US" sz="2800" b="1" i="0" u="none" strike="noStrike" cap="none" dirty="0">
+              <a:rPr lang="en-US" sz="2800" i="0" u="none" strike="noStrike" cap="none" dirty="0">
                 <a:solidFill>
                   <a:srgbClr val="00FF00"/>
                 </a:solidFill>
-                <a:latin typeface="Courier New"/>
-                <a:ea typeface="Courier New"/>
-                <a:cs typeface="Courier New"/>
+                <a:latin typeface="Courier"/>
+                <a:ea typeface="Courier"/>
+                <a:cs typeface="Courier"/>
                 <a:sym typeface="Courier New"/>
               </a:rPr>
               <a:t> in </a:t>
             </a:r>
             <a:r>
-              <a:rPr lang="en-US" sz="2800" b="1" i="0" u="none" strike="noStrike" cap="none" dirty="0" err="1">
+              <a:rPr lang="en-US" sz="2800" i="0" u="none" strike="noStrike" cap="none" dirty="0" err="1">
                 <a:solidFill>
                   <a:srgbClr val="00FF00"/>
                 </a:solidFill>
-                <a:latin typeface="Courier New"/>
-                <a:ea typeface="Courier New"/>
-                <a:cs typeface="Courier New"/>
+                <a:latin typeface="Courier"/>
+                <a:ea typeface="Courier"/>
+                <a:cs typeface="Courier"/>
                 <a:sym typeface="Courier New"/>
               </a:rPr>
               <a:t>counts.items</a:t>
             </a:r>
             <a:r>
-              <a:rPr lang="en-US" sz="2800" b="1" i="0" u="none" strike="noStrike" cap="none" dirty="0">
+              <a:rPr lang="en-US" sz="2800" i="0" u="none" strike="noStrike" cap="none" dirty="0">
                 <a:solidFill>
                   <a:srgbClr val="00FF00"/>
                 </a:solidFill>
-                <a:latin typeface="Courier New"/>
-                <a:ea typeface="Courier New"/>
-                <a:cs typeface="Courier New"/>
+                <a:latin typeface="Courier"/>
+                <a:ea typeface="Courier"/>
+                <a:cs typeface="Courier"/>
                 <a:sym typeface="Courier New"/>
               </a:rPr>
               <a:t>():</a:t>
@@ -29665,85 +29803,85 @@
               <a:buNone/>
             </a:pPr>
             <a:r>
-              <a:rPr lang="en-US" sz="2800" b="1" i="0" u="none" strike="noStrike" cap="none" dirty="0">
+              <a:rPr lang="en-US" sz="2800" i="0" u="none" strike="noStrike" cap="none" dirty="0">
                 <a:solidFill>
                   <a:srgbClr val="FF00FF"/>
                 </a:solidFill>
-                <a:latin typeface="Courier New"/>
-                <a:ea typeface="Courier New"/>
-                <a:cs typeface="Courier New"/>
+                <a:latin typeface="Courier"/>
+                <a:ea typeface="Courier"/>
+                <a:cs typeface="Courier"/>
                 <a:sym typeface="Courier New"/>
               </a:rPr>
               <a:t>  </a:t>
             </a:r>
             <a:r>
-              <a:rPr lang="en-US" sz="2800" b="1" i="0" u="none" strike="noStrike" cap="none" dirty="0">
+              <a:rPr lang="en-US" sz="2800" i="0" u="none" strike="noStrike" cap="none" dirty="0">
                 <a:solidFill>
                   <a:srgbClr val="FF7F00"/>
                 </a:solidFill>
-                <a:latin typeface="Courier New"/>
-                <a:ea typeface="Courier New"/>
-                <a:cs typeface="Courier New"/>
+                <a:latin typeface="Courier"/>
+                <a:ea typeface="Courier"/>
+                <a:cs typeface="Courier"/>
                 <a:sym typeface="Courier New"/>
               </a:rPr>
               <a:t>  </a:t>
             </a:r>
             <a:r>
-              <a:rPr lang="en-US" sz="2800" b="1" i="0" u="none" strike="noStrike" cap="none" dirty="0">
+              <a:rPr lang="en-US" sz="2800" i="0" u="none" strike="noStrike" cap="none" dirty="0">
                 <a:solidFill>
                   <a:srgbClr val="FF9900"/>
                 </a:solidFill>
-                <a:latin typeface="Courier New"/>
-                <a:ea typeface="Courier New"/>
-                <a:cs typeface="Courier New"/>
+                <a:latin typeface="Courier"/>
+                <a:ea typeface="Courier"/>
+                <a:cs typeface="Courier"/>
                 <a:sym typeface="Courier New"/>
               </a:rPr>
               <a:t>if </a:t>
             </a:r>
             <a:r>
-              <a:rPr lang="en-US" sz="2800" b="1" i="0" u="none" strike="noStrike" cap="none" dirty="0" err="1">
+              <a:rPr lang="en-US" sz="2800" i="0" u="none" strike="noStrike" cap="none" dirty="0" err="1">
                 <a:solidFill>
                   <a:srgbClr val="FF9900"/>
                 </a:solidFill>
-                <a:latin typeface="Courier New"/>
-                <a:ea typeface="Courier New"/>
-                <a:cs typeface="Courier New"/>
+                <a:latin typeface="Courier"/>
+                <a:ea typeface="Courier"/>
+                <a:cs typeface="Courier"/>
                 <a:sym typeface="Courier New"/>
               </a:rPr>
               <a:t>bigcount</a:t>
             </a:r>
             <a:r>
-              <a:rPr lang="en-US" sz="2800" b="1" i="0" u="none" strike="noStrike" cap="none" dirty="0">
+              <a:rPr lang="en-US" sz="2800" i="0" u="none" strike="noStrike" cap="none" dirty="0">
                 <a:solidFill>
                   <a:srgbClr val="FF9900"/>
                 </a:solidFill>
-                <a:latin typeface="Courier New"/>
-                <a:ea typeface="Courier New"/>
-                <a:cs typeface="Courier New"/>
+                <a:latin typeface="Courier"/>
+                <a:ea typeface="Courier"/>
+                <a:cs typeface="Courier"/>
                 <a:sym typeface="Courier New"/>
               </a:rPr>
               <a:t> is None or count &gt; </a:t>
             </a:r>
             <a:r>
-              <a:rPr lang="en-US" sz="2800" b="1" i="0" u="none" strike="noStrike" cap="none" dirty="0" err="1">
+              <a:rPr lang="en-US" sz="2800" i="0" u="none" strike="noStrike" cap="none" dirty="0" err="1">
                 <a:solidFill>
                   <a:srgbClr val="FF9900"/>
                 </a:solidFill>
-                <a:latin typeface="Courier New"/>
-                <a:ea typeface="Courier New"/>
-                <a:cs typeface="Courier New"/>
+                <a:latin typeface="Courier"/>
+                <a:ea typeface="Courier"/>
+                <a:cs typeface="Courier"/>
                 <a:sym typeface="Courier New"/>
               </a:rPr>
               <a:t>bigcount</a:t>
             </a:r>
             <a:r>
-              <a:rPr lang="en-US" sz="2800" b="1" i="0" u="none" strike="noStrike" cap="none" dirty="0">
+              <a:rPr lang="en-US" sz="2800" i="0" u="none" strike="noStrike" cap="none" dirty="0">
                 <a:solidFill>
                   <a:srgbClr val="FF9900"/>
                 </a:solidFill>
-                <a:latin typeface="Courier New"/>
-                <a:ea typeface="Courier New"/>
-                <a:cs typeface="Courier New"/>
+                <a:latin typeface="Courier"/>
+                <a:ea typeface="Courier"/>
+                <a:cs typeface="Courier"/>
                 <a:sym typeface="Courier New"/>
               </a:rPr>
               <a:t>:</a:t>
@@ -29768,37 +29906,37 @@
               <a:buNone/>
             </a:pPr>
             <a:r>
-              <a:rPr lang="en-US" sz="2800" b="1" i="0" u="none" strike="noStrike" cap="none" dirty="0">
+              <a:rPr lang="en-US" sz="2800" i="0" u="none" strike="noStrike" cap="none" dirty="0">
                 <a:solidFill>
                   <a:srgbClr val="FF9900"/>
                 </a:solidFill>
-                <a:latin typeface="Courier New"/>
-                <a:ea typeface="Courier New"/>
-                <a:cs typeface="Courier New"/>
+                <a:latin typeface="Courier"/>
+                <a:ea typeface="Courier"/>
+                <a:cs typeface="Courier"/>
                 <a:sym typeface="Courier New"/>
               </a:rPr>
               <a:t>        </a:t>
             </a:r>
             <a:r>
-              <a:rPr lang="en-US" sz="2800" b="1" i="0" u="none" strike="noStrike" cap="none" dirty="0" err="1">
+              <a:rPr lang="en-US" sz="2800" i="0" u="none" strike="noStrike" cap="none" dirty="0" err="1">
                 <a:solidFill>
                   <a:srgbClr val="FF9900"/>
                 </a:solidFill>
-                <a:latin typeface="Courier New"/>
-                <a:ea typeface="Courier New"/>
-                <a:cs typeface="Courier New"/>
+                <a:latin typeface="Courier"/>
+                <a:ea typeface="Courier"/>
+                <a:cs typeface="Courier"/>
                 <a:sym typeface="Courier New"/>
               </a:rPr>
               <a:t>bigword</a:t>
             </a:r>
             <a:r>
-              <a:rPr lang="en-US" sz="2800" b="1" i="0" u="none" strike="noStrike" cap="none" dirty="0">
+              <a:rPr lang="en-US" sz="2800" i="0" u="none" strike="noStrike" cap="none" dirty="0">
                 <a:solidFill>
                   <a:srgbClr val="FF9900"/>
                 </a:solidFill>
-                <a:latin typeface="Courier New"/>
-                <a:ea typeface="Courier New"/>
-                <a:cs typeface="Courier New"/>
+                <a:latin typeface="Courier"/>
+                <a:ea typeface="Courier"/>
+                <a:cs typeface="Courier"/>
                 <a:sym typeface="Courier New"/>
               </a:rPr>
               <a:t> = word</a:t>
@@ -29823,37 +29961,37 @@
               <a:buNone/>
             </a:pPr>
             <a:r>
-              <a:rPr lang="en-US" sz="2800" b="1" i="0" u="none" strike="noStrike" cap="none" dirty="0">
+              <a:rPr lang="en-US" sz="2800" i="0" u="none" strike="noStrike" cap="none" dirty="0">
                 <a:solidFill>
                   <a:srgbClr val="FF9900"/>
                 </a:solidFill>
-                <a:latin typeface="Courier New"/>
-                <a:ea typeface="Courier New"/>
-                <a:cs typeface="Courier New"/>
+                <a:latin typeface="Courier"/>
+                <a:ea typeface="Courier"/>
+                <a:cs typeface="Courier"/>
                 <a:sym typeface="Courier New"/>
               </a:rPr>
               <a:t>        </a:t>
             </a:r>
             <a:r>
-              <a:rPr lang="en-US" sz="2800" b="1" i="0" u="none" strike="noStrike" cap="none" dirty="0" err="1">
+              <a:rPr lang="en-US" sz="2800" i="0" u="none" strike="noStrike" cap="none" dirty="0" err="1">
                 <a:solidFill>
                   <a:srgbClr val="FF9900"/>
                 </a:solidFill>
-                <a:latin typeface="Courier New"/>
-                <a:ea typeface="Courier New"/>
-                <a:cs typeface="Courier New"/>
+                <a:latin typeface="Courier"/>
+                <a:ea typeface="Courier"/>
+                <a:cs typeface="Courier"/>
                 <a:sym typeface="Courier New"/>
               </a:rPr>
               <a:t>bigcount</a:t>
             </a:r>
             <a:r>
-              <a:rPr lang="en-US" sz="2800" b="1" i="0" u="none" strike="noStrike" cap="none" dirty="0">
+              <a:rPr lang="en-US" sz="2800" i="0" u="none" strike="noStrike" cap="none" dirty="0">
                 <a:solidFill>
                   <a:srgbClr val="FF9900"/>
                 </a:solidFill>
-                <a:latin typeface="Courier New"/>
-                <a:ea typeface="Courier New"/>
-                <a:cs typeface="Courier New"/>
+                <a:latin typeface="Courier"/>
+                <a:ea typeface="Courier"/>
+                <a:cs typeface="Courier"/>
                 <a:sym typeface="Courier New"/>
               </a:rPr>
               <a:t> = count</a:t>
@@ -29876,13 +30014,13 @@
               <a:buFont typeface="Cabin"/>
               <a:buNone/>
             </a:pPr>
-            <a:endParaRPr sz="2800" b="1" dirty="0">
+            <a:endParaRPr sz="2800" dirty="0">
               <a:solidFill>
                 <a:srgbClr val="00FF00"/>
               </a:solidFill>
-              <a:latin typeface="Courier New"/>
-              <a:ea typeface="Courier New"/>
-              <a:cs typeface="Courier New"/>
+              <a:latin typeface="Courier"/>
+              <a:ea typeface="Courier"/>
+              <a:cs typeface="Courier"/>
               <a:sym typeface="Courier New"/>
             </a:endParaRPr>
           </a:p>
@@ -29905,72 +30043,72 @@
               <a:buNone/>
             </a:pPr>
             <a:r>
-              <a:rPr lang="en-US" sz="2800" b="1" i="0" u="none" strike="noStrike" cap="none" dirty="0" smtClean="0">
+              <a:rPr lang="en-US" sz="2800" i="0" u="none" strike="noStrike" cap="none" dirty="0" smtClean="0">
                 <a:solidFill>
                   <a:srgbClr val="FFFF00"/>
                 </a:solidFill>
-                <a:latin typeface="Courier New"/>
-                <a:ea typeface="Courier New"/>
-                <a:cs typeface="Courier New"/>
+                <a:latin typeface="Courier"/>
+                <a:ea typeface="Courier"/>
+                <a:cs typeface="Courier"/>
                 <a:sym typeface="Courier New"/>
               </a:rPr>
               <a:t>print(</a:t>
             </a:r>
             <a:r>
-              <a:rPr lang="en-US" sz="2800" b="1" i="0" u="none" strike="noStrike" cap="none" dirty="0" err="1" smtClean="0">
+              <a:rPr lang="en-US" sz="2800" i="0" u="none" strike="noStrike" cap="none" dirty="0" err="1" smtClean="0">
                 <a:solidFill>
                   <a:srgbClr val="FFFF00"/>
                 </a:solidFill>
-                <a:latin typeface="Courier New"/>
-                <a:ea typeface="Courier New"/>
-                <a:cs typeface="Courier New"/>
+                <a:latin typeface="Courier"/>
+                <a:ea typeface="Courier"/>
+                <a:cs typeface="Courier"/>
                 <a:sym typeface="Courier New"/>
               </a:rPr>
               <a:t>bigword</a:t>
             </a:r>
             <a:r>
-              <a:rPr lang="en-US" sz="2800" b="1" i="0" u="none" strike="noStrike" cap="none" dirty="0">
+              <a:rPr lang="en-US" sz="2800" i="0" u="none" strike="noStrike" cap="none" dirty="0">
                 <a:solidFill>
                   <a:srgbClr val="FFFF00"/>
                 </a:solidFill>
-                <a:latin typeface="Courier New"/>
-                <a:ea typeface="Courier New"/>
-                <a:cs typeface="Courier New"/>
+                <a:latin typeface="Courier"/>
+                <a:ea typeface="Courier"/>
+                <a:cs typeface="Courier"/>
                 <a:sym typeface="Courier New"/>
               </a:rPr>
               <a:t>, </a:t>
             </a:r>
             <a:r>
-              <a:rPr lang="en-US" sz="2800" b="1" i="0" u="none" strike="noStrike" cap="none" dirty="0" err="1" smtClean="0">
+              <a:rPr lang="en-US" sz="2800" i="0" u="none" strike="noStrike" cap="none" dirty="0" err="1" smtClean="0">
                 <a:solidFill>
                   <a:srgbClr val="FFFF00"/>
                 </a:solidFill>
-                <a:latin typeface="Courier New"/>
-                <a:ea typeface="Courier New"/>
-                <a:cs typeface="Courier New"/>
+                <a:latin typeface="Courier"/>
+                <a:ea typeface="Courier"/>
+                <a:cs typeface="Courier"/>
                 <a:sym typeface="Courier New"/>
               </a:rPr>
               <a:t>bigcount</a:t>
             </a:r>
             <a:r>
-              <a:rPr lang="en-US" sz="2800" b="1" i="0" u="none" strike="noStrike" cap="none" dirty="0" smtClean="0">
+              <a:rPr lang="en-US" sz="2800" i="0" u="none" strike="noStrike" cap="none" dirty="0" smtClean="0">
                 <a:solidFill>
                   <a:srgbClr val="FFFF00"/>
                 </a:solidFill>
-                <a:latin typeface="Courier New"/>
-                <a:ea typeface="Courier New"/>
-                <a:cs typeface="Courier New"/>
+                <a:latin typeface="Courier"/>
+                <a:ea typeface="Courier"/>
+                <a:cs typeface="Courier"/>
                 <a:sym typeface="Courier New"/>
               </a:rPr>
               <a:t>)</a:t>
             </a:r>
-            <a:endParaRPr lang="en-US" sz="2800" b="1" i="0" u="none" strike="noStrike" cap="none" dirty="0">
+            <a:endParaRPr lang="en-US" sz="2800" i="0" u="none" strike="noStrike" cap="none" dirty="0">
               <a:solidFill>
                 <a:srgbClr val="FFFF00"/>
               </a:solidFill>
-              <a:latin typeface="Courier New"/>
-              <a:ea typeface="Courier New"/>
-              <a:cs typeface="Courier New"/>
+              <a:latin typeface="Courier"/>
+              <a:ea typeface="Courier"/>
+              <a:cs typeface="Courier"/>
               <a:sym typeface="Courier New"/>
             </a:endParaRPr>
           </a:p>
@@ -30221,7 +30359,7 @@
         </p:nvCxnSpPr>
         <p:spPr>
           <a:xfrm>
-            <a:off x="6986588" y="1100138"/>
+            <a:off x="6986588" y="1211263"/>
             <a:ext cx="5172986" cy="2323998"/>
           </a:xfrm>
           <a:prstGeom prst="straightConnector1">
@@ -30247,8 +30385,8 @@
         </p:nvCxnSpPr>
         <p:spPr>
           <a:xfrm>
-            <a:off x="9753600" y="4318000"/>
-            <a:ext cx="2405974" cy="857115"/>
+            <a:off x="9890125" y="4349750"/>
+            <a:ext cx="2269449" cy="857115"/>
           </a:xfrm>
           <a:prstGeom prst="straightConnector1">
             <a:avLst/>
@@ -30299,7 +30437,7 @@
   <p:timing>
     <p:tnLst>
       <p:par>
-        <p:cTn id="1" dur="indefinite" restart="never" nodeType="tmRoot"/>
+        <p:cTn xmlns:p14="http://schemas.microsoft.com/office/powerpoint/2010/main" id="1" dur="indefinite" restart="never" nodeType="tmRoot"/>
       </p:par>
     </p:tnLst>
   </p:timing>
@@ -30519,7 +30657,7 @@
   <p:timing>
     <p:tnLst>
       <p:par>
-        <p:cTn id="1" dur="indefinite" restart="never" nodeType="tmRoot"/>
+        <p:cTn xmlns:p14="http://schemas.microsoft.com/office/powerpoint/2010/main" id="1" dur="indefinite" restart="never" nodeType="tmRoot"/>
       </p:par>
     </p:tnLst>
   </p:timing>
@@ -30822,7 +30960,7 @@
   <p:timing>
     <p:tnLst>
       <p:par>
-        <p:cTn id="1" dur="indefinite" restart="never" nodeType="tmRoot"/>
+        <p:cTn xmlns:p14="http://schemas.microsoft.com/office/powerpoint/2010/main" id="1" dur="indefinite" restart="never" nodeType="tmRoot"/>
       </p:par>
     </p:tnLst>
   </p:timing>
@@ -30898,7 +31036,7 @@
                 <a:cs typeface="Arial" charset="0"/>
                 <a:sym typeface="Cabin"/>
               </a:rPr>
-              <a:t>Why be a programmer?</a:t>
+              <a:t>Why be a Programmer?</a:t>
             </a:r>
           </a:p>
         </p:txBody>
@@ -30959,7 +31097,7 @@
             </a:r>
           </a:p>
           <a:p>
-            <a:pPr marL="1041400" marR="0" lvl="1" indent="-371094" algn="l" rtl="0">
+            <a:pPr marL="670306" marR="0" lvl="1" indent="0" algn="l" rtl="0">
               <a:lnSpc>
                 <a:spcPct val="100000"/>
               </a:lnSpc>
@@ -30973,7 +31111,7 @@
                 <a:schemeClr val="lt1"/>
               </a:buClr>
               <a:buSzPct val="100000"/>
-              <a:buFont typeface="Cabin"/>
+              <a:buNone/>
             </a:pPr>
             <a:r>
               <a:rPr lang="en-US" sz="3600" dirty="0">
@@ -30985,7 +31123,7 @@
                 <a:cs typeface="Arial" charset="0"/>
                 <a:sym typeface="Cabin"/>
               </a:rPr>
-              <a:t> </a:t>
+              <a:t> -  </a:t>
             </a:r>
             <a:r>
               <a:rPr lang="en-US" sz="3600" u="none" strike="noStrike" cap="none" dirty="0">
@@ -31032,7 +31170,7 @@
             </a:r>
           </a:p>
           <a:p>
-            <a:pPr marL="1041400" marR="0" lvl="1" indent="-371094" algn="l" rtl="0">
+            <a:pPr marL="670306" marR="0" lvl="1" indent="0" algn="l" rtl="0">
               <a:lnSpc>
                 <a:spcPct val="100000"/>
               </a:lnSpc>
@@ -31046,7 +31184,7 @@
                 <a:schemeClr val="lt1"/>
               </a:buClr>
               <a:buSzPct val="100000"/>
-              <a:buFont typeface="Cabin"/>
+              <a:buNone/>
             </a:pPr>
             <a:r>
               <a:rPr lang="en-US" sz="3600" dirty="0">
@@ -31058,7 +31196,7 @@
                 <a:cs typeface="Arial" charset="0"/>
                 <a:sym typeface="Cabin"/>
               </a:rPr>
-              <a:t> </a:t>
+              <a:t> -  </a:t>
             </a:r>
             <a:r>
               <a:rPr lang="en-US" sz="3600" u="none" strike="noStrike" cap="none" dirty="0">
@@ -31074,7 +31212,7 @@
             </a:r>
           </a:p>
           <a:p>
-            <a:pPr marL="1041400" marR="0" lvl="1" indent="-371094" algn="l" rtl="0">
+            <a:pPr marL="670306" marR="0" lvl="1" indent="0" algn="l" rtl="0">
               <a:lnSpc>
                 <a:spcPct val="100000"/>
               </a:lnSpc>
@@ -31088,7 +31226,7 @@
                 <a:schemeClr val="lt1"/>
               </a:buClr>
               <a:buSzPct val="100000"/>
-              <a:buFont typeface="Cabin"/>
+              <a:buNone/>
             </a:pPr>
             <a:r>
               <a:rPr lang="en-US" sz="3600" dirty="0">
@@ -31100,7 +31238,7 @@
                 <a:cs typeface="Arial" charset="0"/>
                 <a:sym typeface="Cabin"/>
               </a:rPr>
-              <a:t> </a:t>
+              <a:t> -  </a:t>
             </a:r>
             <a:r>
               <a:rPr lang="en-US" sz="3600" u="none" strike="noStrike" cap="none" dirty="0">
@@ -31112,7 +31250,7 @@
                 <a:cs typeface="Arial" charset="0"/>
                 <a:sym typeface="Cabin"/>
               </a:rPr>
-              <a:t>Add  guestbook to a web site</a:t>
+              <a:t>Add a guestbook to a web site</a:t>
             </a:r>
           </a:p>
         </p:txBody>
@@ -31125,7 +31263,7 @@
   <p:timing>
     <p:tnLst>
       <p:par>
-        <p:cTn id="1" dur="indefinite" restart="never" nodeType="tmRoot"/>
+        <p:cTn xmlns:p14="http://schemas.microsoft.com/office/powerpoint/2010/main" id="1" dur="indefinite" restart="never" nodeType="tmRoot"/>
       </p:par>
     </p:tnLst>
   </p:timing>
@@ -31914,7 +32052,7 @@
   <p:timing>
     <p:tnLst>
       <p:par>
-        <p:cTn id="1" dur="indefinite" restart="never" nodeType="tmRoot"/>
+        <p:cTn xmlns:p14="http://schemas.microsoft.com/office/powerpoint/2010/main" id="1" dur="indefinite" restart="never" nodeType="tmRoot"/>
       </p:par>
     </p:tnLst>
   </p:timing>
@@ -32075,7 +32213,7 @@
             </a:r>
           </a:p>
           <a:p>
-            <a:pPr marL="1041400" marR="0" lvl="1" indent="-345694" algn="l" rtl="0">
+            <a:pPr marL="695706" marR="0" lvl="1" indent="0" algn="l" rtl="0">
               <a:lnSpc>
                 <a:spcPct val="100000"/>
               </a:lnSpc>
@@ -32089,7 +32227,7 @@
                 <a:schemeClr val="lt1"/>
               </a:buClr>
               <a:buSzPct val="100000"/>
-              <a:buFont typeface="Cabin"/>
+              <a:buNone/>
             </a:pPr>
             <a:r>
               <a:rPr lang="en-US" sz="3200" u="none" strike="noStrike" cap="none" dirty="0">
@@ -32101,11 +32239,11 @@
                 <a:cs typeface="Arial" charset="0"/>
                 <a:sym typeface="Cabin"/>
               </a:rPr>
-              <a:t>It is a little piece of our intelligence in the computer</a:t>
-            </a:r>
-          </a:p>
-          <a:p>
-            <a:pPr marL="1041400" marR="0" lvl="1" indent="-345694" algn="l" rtl="0">
+              <a:t>-  It is a little piece of our intelligence in the computer</a:t>
+            </a:r>
+          </a:p>
+          <a:p>
+            <a:pPr marL="695706" marR="0" lvl="1" indent="0" algn="l" rtl="0">
               <a:lnSpc>
                 <a:spcPct val="100000"/>
               </a:lnSpc>
@@ -32119,7 +32257,7 @@
                 <a:schemeClr val="lt1"/>
               </a:buClr>
               <a:buSzPct val="100000"/>
-              <a:buFont typeface="Cabin"/>
+              <a:buNone/>
             </a:pPr>
             <a:r>
               <a:rPr lang="en-US" sz="3200" u="none" strike="noStrike" cap="none" dirty="0" smtClean="0">
@@ -32131,7 +32269,7 @@
                 <a:cs typeface="Arial" charset="0"/>
                 <a:sym typeface="Cabin"/>
               </a:rPr>
-              <a:t>We figure </a:t>
+              <a:t>-  We figure </a:t>
             </a:r>
             <a:r>
               <a:rPr lang="en-US" sz="3200" u="none" strike="noStrike" cap="none" dirty="0">
@@ -32199,7 +32337,7 @@
   <p:timing>
     <p:tnLst>
       <p:par>
-        <p:cTn id="1" dur="indefinite" restart="never" nodeType="tmRoot"/>
+        <p:cTn xmlns:p14="http://schemas.microsoft.com/office/powerpoint/2010/main" id="1" dur="indefinite" restart="never" nodeType="tmRoot"/>
       </p:par>
     </p:tnLst>
   </p:timing>
@@ -32362,7 +32500,7 @@
   <p:timing>
     <p:tnLst>
       <p:par>
-        <p:cTn id="1" dur="indefinite" restart="never" nodeType="tmRoot"/>
+        <p:cTn xmlns:p14="http://schemas.microsoft.com/office/powerpoint/2010/main" id="1" dur="indefinite" restart="never" nodeType="tmRoot"/>
       </p:par>
     </p:tnLst>
   </p:timing>
@@ -33047,7 +33185,7 @@
   <p:timing>
     <p:tnLst>
       <p:par>
-        <p:cTn id="1" dur="indefinite" restart="never" nodeType="tmRoot"/>
+        <p:cTn xmlns:p14="http://schemas.microsoft.com/office/powerpoint/2010/main" id="1" dur="indefinite" restart="never" nodeType="tmRoot"/>
       </p:par>
     </p:tnLst>
   </p:timing>

--- a/lectures3/Pythonlearn-01-Intro.pptx
+++ b/lectures3/Pythonlearn-01-Intro.pptx
@@ -7504,7 +7504,7 @@
             <a:r>
               <a:rPr lang="en-US" sz="7600">
                 <a:solidFill>
-                  <a:srgbClr val="FFFF00"/>
+                  <a:srgbClr val="FFD966"/>
                 </a:solidFill>
                 <a:latin typeface="Arial" charset="0"/>
                 <a:ea typeface="Arial" charset="0"/>
@@ -7812,7 +7812,7 @@
             <a:r>
               <a:rPr lang="en-US" sz="7600" u="none" strike="noStrike" cap="none">
                 <a:solidFill>
-                  <a:srgbClr val="FFFF00"/>
+                  <a:srgbClr val="FFD966"/>
                 </a:solidFill>
                 <a:latin typeface="Arial" charset="0"/>
                 <a:ea typeface="Arial" charset="0"/>
@@ -8545,7 +8545,7 @@
             <a:r>
               <a:rPr lang="en-US" sz="7600" u="none" strike="noStrike" cap="none">
                 <a:solidFill>
-                  <a:srgbClr val="FFFF00"/>
+                  <a:srgbClr val="FFD966"/>
                 </a:solidFill>
                 <a:latin typeface="Arial" charset="0"/>
                 <a:ea typeface="Arial" charset="0"/>
@@ -9365,7 +9365,7 @@
             <a:r>
               <a:rPr lang="en-US" sz="7600" u="none" strike="noStrike" cap="none">
                 <a:solidFill>
-                  <a:srgbClr val="FFFF00"/>
+                  <a:srgbClr val="FFD966"/>
                 </a:solidFill>
                 <a:latin typeface="Arial" charset="0"/>
                 <a:ea typeface="Arial" charset="0"/>
@@ -9836,7 +9836,7 @@
             <a:r>
               <a:rPr lang="en-US" sz="7600" u="none" strike="noStrike" cap="none">
                 <a:solidFill>
-                  <a:srgbClr val="FFFF00"/>
+                  <a:srgbClr val="FFD966"/>
                 </a:solidFill>
                 <a:latin typeface="Arial" charset="0"/>
                 <a:ea typeface="Arial" charset="0"/>
@@ -11128,6 +11128,10 @@
           </p:nvPr>
         </p:nvSpPr>
         <p:spPr>
+          <a:xfrm>
+            <a:off x="1155700" y="2594429"/>
+            <a:ext cx="13931900" cy="2409370"/>
+          </a:xfrm>
           <a:prstGeom prst="rect">
             <a:avLst/>
           </a:prstGeom>
@@ -11160,9 +11164,9 @@
               <a:buNone/>
             </a:pPr>
             <a:r>
-              <a:rPr lang="en-US" sz="7600" u="none" strike="noStrike" cap="none">
-                <a:solidFill>
-                  <a:srgbClr val="FFFF00"/>
+              <a:rPr lang="en-US" sz="7200" u="none" strike="noStrike" cap="none">
+                <a:solidFill>
+                  <a:srgbClr val="FFD966"/>
                 </a:solidFill>
                 <a:latin typeface="Arial" charset="0"/>
                 <a:ea typeface="Arial" charset="0"/>
@@ -12240,7 +12244,7 @@
             <a:r>
               <a:rPr lang="en-US" sz="7400" u="none" strike="noStrike" cap="none">
                 <a:solidFill>
-                  <a:srgbClr val="FFFF00"/>
+                  <a:srgbClr val="FFD966"/>
                 </a:solidFill>
                 <a:latin typeface="Arial" charset="0"/>
                 <a:ea typeface="Arial" charset="0"/>
@@ -13755,14 +13759,14 @@
             <a:r>
               <a:rPr lang="en-US" sz="7600" u="none" strike="noStrike" cap="none">
                 <a:solidFill>
-                  <a:srgbClr val="FFFF00"/>
-                </a:solidFill>
-                <a:latin typeface="Arial" charset="0"/>
-                <a:ea typeface="Arial" charset="0"/>
-                <a:cs typeface="Arial" charset="0"/>
-                <a:sym typeface="Cabin"/>
-              </a:rPr>
-              <a:t>Computers want to be helpful...</a:t>
+                  <a:srgbClr val="FFD966"/>
+                </a:solidFill>
+                <a:latin typeface="Arial" charset="0"/>
+                <a:ea typeface="Arial" charset="0"/>
+                <a:cs typeface="Arial" charset="0"/>
+                <a:sym typeface="Cabin"/>
+              </a:rPr>
+              <a:t>Computers Want to be Helpful...</a:t>
             </a:r>
           </a:p>
         </p:txBody>
@@ -15829,7 +15833,7 @@
             <a:r>
               <a:rPr lang="en-US" sz="7200" u="none" strike="noStrike" cap="none" dirty="0" smtClean="0">
                 <a:solidFill>
-                  <a:srgbClr val="FFFF00"/>
+                  <a:srgbClr val="FFD966"/>
                 </a:solidFill>
                 <a:latin typeface="Arial" charset="0"/>
                 <a:ea typeface="Arial" charset="0"/>
@@ -15840,7 +15844,7 @@
             </a:r>
             <a:endParaRPr lang="en-US" sz="7200" u="none" strike="noStrike" cap="none" dirty="0">
               <a:solidFill>
-                <a:srgbClr val="FFFF00"/>
+                <a:srgbClr val="FFD966"/>
               </a:solidFill>
               <a:latin typeface="Arial" charset="0"/>
               <a:ea typeface="Arial" charset="0"/>
@@ -16108,7 +16112,7 @@
             <a:r>
               <a:rPr lang="en-US" sz="7200" u="none" strike="noStrike" cap="none" dirty="0" smtClean="0">
                 <a:solidFill>
-                  <a:srgbClr val="FFFF00"/>
+                  <a:srgbClr val="FFD966"/>
                 </a:solidFill>
                 <a:latin typeface="Arial" charset="0"/>
                 <a:ea typeface="Arial" charset="0"/>
@@ -16119,7 +16123,7 @@
             </a:r>
             <a:endParaRPr lang="en-US" sz="7200" u="none" strike="noStrike" cap="none" dirty="0">
               <a:solidFill>
-                <a:srgbClr val="FFFF00"/>
+                <a:srgbClr val="FFD966"/>
               </a:solidFill>
               <a:latin typeface="Arial" charset="0"/>
               <a:ea typeface="Arial" charset="0"/>
@@ -16289,9 +16293,9 @@
               <a:buNone/>
             </a:pPr>
             <a:r>
-              <a:rPr lang="en-US" sz="7600" u="none" strike="noStrike" cap="none">
-                <a:solidFill>
-                  <a:srgbClr val="FFFF00"/>
+              <a:rPr lang="en-US" sz="7200" u="none" strike="noStrike" cap="none">
+                <a:solidFill>
+                  <a:srgbClr val="FFD966"/>
                 </a:solidFill>
                 <a:latin typeface="Arial" charset="0"/>
                 <a:ea typeface="Arial" charset="0"/>
@@ -17475,6 +17479,10 @@
           </p:nvPr>
         </p:nvSpPr>
         <p:spPr>
+          <a:xfrm>
+            <a:off x="1155700" y="2667000"/>
+            <a:ext cx="13931900" cy="2500084"/>
+          </a:xfrm>
           <a:prstGeom prst="rect">
             <a:avLst/>
           </a:prstGeom>
@@ -17507,9 +17515,9 @@
               <a:buNone/>
             </a:pPr>
             <a:r>
-              <a:rPr lang="en-US" sz="7600" u="none" strike="noStrike" cap="none">
-                <a:solidFill>
-                  <a:srgbClr val="FFFF00"/>
+              <a:rPr lang="en-US" sz="7200" u="none" strike="noStrike" cap="none">
+                <a:solidFill>
+                  <a:srgbClr val="FFD966"/>
                 </a:solidFill>
                 <a:latin typeface="Arial" charset="0"/>
                 <a:ea typeface="Arial" charset="0"/>
@@ -18439,7 +18447,7 @@
             <a:r>
               <a:rPr lang="en-US" sz="7200" u="none" strike="noStrike" cap="none" dirty="0">
                 <a:solidFill>
-                  <a:srgbClr val="FFFF00"/>
+                  <a:srgbClr val="FFD966"/>
                 </a:solidFill>
                 <a:latin typeface="Arial" charset="0"/>
                 <a:ea typeface="Arial" charset="0"/>
@@ -19476,9 +19484,9 @@
               <a:buNone/>
             </a:pPr>
             <a:r>
-              <a:rPr lang="en-US" sz="7600" u="none" strike="noStrike" cap="none">
-                <a:solidFill>
-                  <a:srgbClr val="FFFF00"/>
+              <a:rPr lang="en-US" sz="7200" u="none" strike="noStrike" cap="none">
+                <a:solidFill>
+                  <a:srgbClr val="FFD966"/>
                 </a:solidFill>
                 <a:latin typeface="Arial" charset="0"/>
                 <a:ea typeface="Arial" charset="0"/>
@@ -19488,9 +19496,9 @@
               <a:t>What </a:t>
             </a:r>
             <a:r>
-              <a:rPr lang="en-US" sz="7600">
-                <a:solidFill>
-                  <a:srgbClr val="FFFF00"/>
+              <a:rPr lang="en-US" sz="7200">
+                <a:solidFill>
+                  <a:srgbClr val="FFD966"/>
                 </a:solidFill>
                 <a:latin typeface="Arial" charset="0"/>
                 <a:ea typeface="Arial" charset="0"/>
@@ -19500,9 +19508,9 @@
               <a:t>D</a:t>
             </a:r>
             <a:r>
-              <a:rPr lang="en-US" sz="7600" u="none" strike="noStrike" cap="none">
-                <a:solidFill>
-                  <a:srgbClr val="FFFF00"/>
+              <a:rPr lang="en-US" sz="7200" u="none" strike="noStrike" cap="none">
+                <a:solidFill>
+                  <a:srgbClr val="FFD966"/>
                 </a:solidFill>
                 <a:latin typeface="Arial" charset="0"/>
                 <a:ea typeface="Arial" charset="0"/>
@@ -19512,9 +19520,9 @@
               <a:t>o </a:t>
             </a:r>
             <a:r>
-              <a:rPr lang="en-US" sz="7600">
-                <a:solidFill>
-                  <a:srgbClr val="FFFF00"/>
+              <a:rPr lang="en-US" sz="7200">
+                <a:solidFill>
+                  <a:srgbClr val="FFD966"/>
                 </a:solidFill>
                 <a:latin typeface="Arial" charset="0"/>
                 <a:ea typeface="Arial" charset="0"/>
@@ -19524,9 +19532,9 @@
               <a:t>W</a:t>
             </a:r>
             <a:r>
-              <a:rPr lang="en-US" sz="7600" u="none" strike="noStrike" cap="none">
-                <a:solidFill>
-                  <a:srgbClr val="FFFF00"/>
+              <a:rPr lang="en-US" sz="7200" u="none" strike="noStrike" cap="none">
+                <a:solidFill>
+                  <a:srgbClr val="FFD966"/>
                 </a:solidFill>
                 <a:latin typeface="Arial" charset="0"/>
                 <a:ea typeface="Arial" charset="0"/>
@@ -19615,7 +19623,7 @@
             <a:r>
               <a:rPr lang="en-US" sz="7600" u="none" strike="noStrike" cap="none">
                 <a:solidFill>
-                  <a:srgbClr val="FFFF00"/>
+                  <a:srgbClr val="FFD966"/>
                 </a:solidFill>
                 <a:latin typeface="Arial" charset="0"/>
                 <a:ea typeface="Arial" charset="0"/>
@@ -20835,7 +20843,7 @@
             <a:r>
               <a:rPr lang="en-US" sz="7600" u="none" strike="noStrike" cap="none">
                 <a:solidFill>
-                  <a:srgbClr val="FFFF00"/>
+                  <a:srgbClr val="FFD966"/>
                 </a:solidFill>
                 <a:latin typeface="Arial" charset="0"/>
                 <a:ea typeface="Arial" charset="0"/>
@@ -21762,7 +21770,7 @@
             <a:r>
               <a:rPr lang="en-US" sz="7600" u="none" strike="noStrike" cap="none" dirty="0">
                 <a:solidFill>
-                  <a:srgbClr val="FFFF00"/>
+                  <a:srgbClr val="FFD966"/>
                 </a:solidFill>
                 <a:latin typeface="Arial" charset="0"/>
                 <a:ea typeface="Arial" charset="0"/>
@@ -22560,6 +22568,10 @@
           </p:nvPr>
         </p:nvSpPr>
         <p:spPr>
+          <a:xfrm>
+            <a:off x="1155700" y="2685144"/>
+            <a:ext cx="13931900" cy="2536370"/>
+          </a:xfrm>
           <a:prstGeom prst="rect">
             <a:avLst/>
           </a:prstGeom>
@@ -22592,9 +22604,9 @@
               <a:buNone/>
             </a:pPr>
             <a:r>
-              <a:rPr lang="en-US" sz="7600" u="none" strike="noStrike" cap="none">
-                <a:solidFill>
-                  <a:srgbClr val="FFFF00"/>
+              <a:rPr lang="en-US" sz="7200" u="none" strike="noStrike" cap="none">
+                <a:solidFill>
+                  <a:srgbClr val="FFD966"/>
                 </a:solidFill>
                 <a:latin typeface="Arial" charset="0"/>
                 <a:ea typeface="Arial" charset="0"/>
@@ -22683,7 +22695,7 @@
             <a:r>
               <a:rPr lang="en-US" sz="7400" u="none" strike="noStrike" cap="none">
                 <a:solidFill>
-                  <a:srgbClr val="FFFF00"/>
+                  <a:srgbClr val="FFD966"/>
                 </a:solidFill>
                 <a:latin typeface="Arial" charset="0"/>
                 <a:ea typeface="Arial" charset="0"/>
@@ -23042,7 +23054,7 @@
             <a:r>
               <a:rPr lang="en-US" sz="7400" u="none" strike="noStrike" cap="none">
                 <a:solidFill>
-                  <a:srgbClr val="FFFF00"/>
+                  <a:srgbClr val="FFD966"/>
                 </a:solidFill>
                 <a:latin typeface="Arial" charset="0"/>
                 <a:ea typeface="Arial" charset="0"/>
@@ -23279,7 +23291,7 @@
             <a:r>
               <a:rPr lang="en-US" sz="7600" u="none" strike="noStrike" cap="none">
                 <a:solidFill>
-                  <a:srgbClr val="FFFF00"/>
+                  <a:srgbClr val="FFD966"/>
                 </a:solidFill>
                 <a:latin typeface="Arial" charset="0"/>
                 <a:ea typeface="Arial" charset="0"/>
@@ -23614,7 +23626,7 @@
             <a:r>
               <a:rPr lang="en-US" sz="7600" u="none" strike="noStrike" cap="none">
                 <a:solidFill>
-                  <a:srgbClr val="FFFF00"/>
+                  <a:srgbClr val="FFD966"/>
                 </a:solidFill>
                 <a:latin typeface="Arial" charset="0"/>
                 <a:ea typeface="Arial" charset="0"/>
@@ -24640,7 +24652,7 @@
             <a:r>
               <a:rPr lang="en-US" sz="7600" u="none" strike="noStrike" cap="none">
                 <a:solidFill>
-                  <a:srgbClr val="FFFF00"/>
+                  <a:srgbClr val="FFD966"/>
                 </a:solidFill>
                 <a:latin typeface="Arial" charset="0"/>
                 <a:ea typeface="Arial" charset="0"/>
@@ -24652,7 +24664,7 @@
             <a:r>
               <a:rPr lang="en-US" sz="7600">
                 <a:solidFill>
-                  <a:srgbClr val="FFFF00"/>
+                  <a:srgbClr val="FFD966"/>
                 </a:solidFill>
                 <a:latin typeface="Arial" charset="0"/>
                 <a:ea typeface="Arial" charset="0"/>
@@ -24664,7 +24676,7 @@
             <a:r>
               <a:rPr lang="en-US" sz="7600" u="none" strike="noStrike" cap="none">
                 <a:solidFill>
-                  <a:srgbClr val="FFFF00"/>
+                  <a:srgbClr val="FFD966"/>
                 </a:solidFill>
                 <a:latin typeface="Arial" charset="0"/>
                 <a:ea typeface="Arial" charset="0"/>
@@ -25027,7 +25039,7 @@
             <a:r>
               <a:rPr lang="en-US" sz="7600" u="none" strike="noStrike" cap="none">
                 <a:solidFill>
-                  <a:srgbClr val="FFFF00"/>
+                  <a:srgbClr val="FFD966"/>
                 </a:solidFill>
                 <a:latin typeface="Arial" charset="0"/>
                 <a:ea typeface="Arial" charset="0"/>
@@ -26782,7 +26794,7 @@
             <a:r>
               <a:rPr lang="en-US" sz="7600" u="none" strike="noStrike" cap="none">
                 <a:solidFill>
-                  <a:srgbClr val="FFFF00"/>
+                  <a:srgbClr val="FFD966"/>
                 </a:solidFill>
                 <a:latin typeface="Arial" charset="0"/>
                 <a:ea typeface="Arial" charset="0"/>
@@ -30506,7 +30518,7 @@
             <a:r>
               <a:rPr lang="en-US" sz="7600" u="none" strike="noStrike" cap="none">
                 <a:solidFill>
-                  <a:srgbClr val="FFFF00"/>
+                  <a:srgbClr val="FFD966"/>
                 </a:solidFill>
                 <a:latin typeface="Arial" charset="0"/>
                 <a:ea typeface="Arial" charset="0"/>
@@ -30529,6 +30541,10 @@
           </p:nvPr>
         </p:nvSpPr>
         <p:spPr>
+          <a:xfrm>
+            <a:off x="812800" y="2138869"/>
+            <a:ext cx="14630400" cy="5109732"/>
+          </a:xfrm>
           <a:prstGeom prst="rect">
             <a:avLst/>
           </a:prstGeom>
@@ -31029,7 +31045,7 @@
             <a:r>
               <a:rPr lang="en-US" sz="7600" u="none" strike="noStrike" cap="none" dirty="0">
                 <a:solidFill>
-                  <a:srgbClr val="FFFF00"/>
+                  <a:srgbClr val="FFD966"/>
                 </a:solidFill>
                 <a:latin typeface="Arial" charset="0"/>
                 <a:ea typeface="Arial" charset="0"/>
@@ -32121,7 +32137,7 @@
             <a:r>
               <a:rPr lang="en-US" sz="6000" u="none" strike="noStrike" cap="none" dirty="0">
                 <a:solidFill>
-                  <a:srgbClr val="FFFF00"/>
+                  <a:srgbClr val="FFD966"/>
                 </a:solidFill>
                 <a:latin typeface="Arial" charset="0"/>
                 <a:ea typeface="Arial" charset="0"/>
@@ -32133,7 +32149,7 @@
             <a:r>
               <a:rPr lang="en-US" sz="6000" u="none" strike="noStrike" cap="none" dirty="0" smtClean="0">
                 <a:solidFill>
-                  <a:srgbClr val="FFFF00"/>
+                  <a:srgbClr val="FFD966"/>
                 </a:solidFill>
                 <a:latin typeface="Arial" charset="0"/>
                 <a:ea typeface="Arial" charset="0"/>
@@ -32145,7 +32161,7 @@
             <a:r>
               <a:rPr lang="en-US" sz="6000" u="none" strike="noStrike" cap="none" dirty="0">
                 <a:solidFill>
-                  <a:srgbClr val="FFFF00"/>
+                  <a:srgbClr val="FFD966"/>
                 </a:solidFill>
                 <a:latin typeface="Arial" charset="0"/>
                 <a:ea typeface="Arial" charset="0"/>
@@ -32406,7 +32422,7 @@
             <a:r>
               <a:rPr lang="en-US" sz="7600" u="none" strike="noStrike" cap="none">
                 <a:solidFill>
-                  <a:srgbClr val="FFFF00"/>
+                  <a:srgbClr val="FFD966"/>
                 </a:solidFill>
                 <a:latin typeface="Arial" charset="0"/>
                 <a:ea typeface="Arial" charset="0"/>
@@ -32569,7 +32585,7 @@
             <a:r>
               <a:rPr lang="en-US" sz="7600" u="none" strike="noStrike" cap="none">
                 <a:solidFill>
-                  <a:srgbClr val="FFFF00"/>
+                  <a:srgbClr val="FFD966"/>
                 </a:solidFill>
                 <a:latin typeface="Arial" charset="0"/>
                 <a:ea typeface="Arial" charset="0"/>

--- a/lectures3/Pythonlearn-01-Intro.pptx
+++ b/lectures3/Pythonlearn-01-Intro.pptx
@@ -260,7 +260,7 @@
   </p:defaultTextStyle>
   <p:extLst>
     <p:ext uri="{EFAFB233-063F-42B5-8137-9DF3F51BA10A}">
-      <p15:sldGuideLst xmlns="" xmlns:p15="http://schemas.microsoft.com/office/powerpoint/2012/main">
+      <p15:sldGuideLst xmlns:p15="http://schemas.microsoft.com/office/powerpoint/2012/main">
         <p15:guide id="1" orient="horz" pos="2880">
           <p15:clr>
             <a:srgbClr val="A4A3A4"/>
@@ -956,37 +956,24 @@
                   <a:schemeClr val="dk2"/>
                 </a:solidFill>
               </a:rPr>
-              <a:t>Note from Chuck.  If you are using these materials, you can remove the UM logo and replace it with your own, but please retain the CC-BY logo on the first page as well as retain the </a:t>
-            </a:r>
-            <a:r>
-              <a:rPr lang="en-US" dirty="0" smtClean="0">
+              <a:t>Note from Chuck.  If you are using these materials, you can remove the UM logo and replace it with your own, but please retain the CC-BY logo on the first page as well as retain the acknowledgements</a:t>
+            </a:r>
+            <a:r>
+              <a:rPr lang="en-US" baseline="0" dirty="0">
                 <a:solidFill>
                   <a:schemeClr val="dk2"/>
                 </a:solidFill>
               </a:rPr>
-              <a:t>acknowledgements</a:t>
-            </a:r>
-            <a:r>
-              <a:rPr lang="en-US" baseline="0" dirty="0" smtClean="0">
+              <a:t> page(s)</a:t>
+            </a:r>
+            <a:r>
+              <a:rPr lang="en-US" dirty="0">
                 <a:solidFill>
                   <a:schemeClr val="dk2"/>
                 </a:solidFill>
               </a:rPr>
-              <a:t> page(s)</a:t>
-            </a:r>
-            <a:r>
-              <a:rPr lang="en-US" dirty="0" smtClean="0">
-                <a:solidFill>
-                  <a:schemeClr val="dk2"/>
-                </a:solidFill>
-              </a:rPr>
               <a:t>.</a:t>
             </a:r>
-            <a:endParaRPr lang="en-US" dirty="0">
-              <a:solidFill>
-                <a:schemeClr val="dk2"/>
-              </a:solidFill>
-            </a:endParaRPr>
           </a:p>
         </p:txBody>
       </p:sp>
@@ -3742,7 +3729,7 @@
               </a:spcBef>
               <a:buNone/>
             </a:pPr>
-            <a:endParaRPr/>
+            <a:endParaRPr dirty="0"/>
           </a:p>
         </p:txBody>
       </p:sp>
@@ -6701,7 +6688,6 @@
           <a:ln>
             <a:noFill/>
           </a:ln>
-          <a:extLst/>
         </p:spPr>
         <p:txBody>
           <a:bodyPr/>
@@ -6825,7 +6811,7 @@
             <a:pPr eaLnBrk="1" hangingPunct="1">
               <a:defRPr/>
             </a:pPr>
-            <a:endParaRPr lang="en-US" altLang="en-US" sz="3600" smtClean="0">
+            <a:endParaRPr lang="en-US" altLang="en-US" sz="3600">
               <a:solidFill>
                 <a:schemeClr val="bg1"/>
               </a:solidFill>
@@ -6856,7 +6842,6 @@
           <a:ln>
             <a:noFill/>
           </a:ln>
-          <a:extLst/>
         </p:spPr>
         <p:txBody>
           <a:bodyPr/>
@@ -6980,7 +6965,7 @@
             <a:pPr eaLnBrk="1" hangingPunct="1">
               <a:defRPr/>
             </a:pPr>
-            <a:endParaRPr lang="en-US" altLang="en-US" sz="3600" smtClean="0">
+            <a:endParaRPr lang="en-US" altLang="en-US" sz="3600">
               <a:solidFill>
                 <a:schemeClr val="bg1"/>
               </a:solidFill>
@@ -7616,7 +7601,7 @@
               <a:buNone/>
             </a:pPr>
             <a:r>
-              <a:rPr lang="en-US" sz="3200" u="none" strike="noStrike" cap="none" dirty="0" smtClean="0">
+              <a:rPr lang="en-US" sz="3200" u="none" strike="noStrike" cap="none" dirty="0">
                 <a:solidFill>
                   <a:srgbClr val="FFFF00"/>
                 </a:solidFill>
@@ -7627,36 +7612,27 @@
               </a:rPr>
               <a:t>Python for Everybody</a:t>
             </a:r>
-            <a:endParaRPr lang="en-US" sz="3200" u="none" strike="noStrike" cap="none" dirty="0">
-              <a:solidFill>
+          </a:p>
+          <a:p>
+            <a:pPr marL="0" marR="0" lvl="0" indent="0" algn="ctr" rtl="0">
+              <a:lnSpc>
+                <a:spcPct val="100000"/>
+              </a:lnSpc>
+              <a:spcBef>
+                <a:spcPts val="0"/>
+              </a:spcBef>
+              <a:spcAft>
+                <a:spcPts val="0"/>
+              </a:spcAft>
+              <a:buClr>
                 <a:srgbClr val="FFFF00"/>
-              </a:solidFill>
-              <a:latin typeface="Arial" charset="0"/>
-              <a:ea typeface="Arial" charset="0"/>
-              <a:cs typeface="Arial" charset="0"/>
-              <a:sym typeface="Cabin"/>
-            </a:endParaRPr>
-          </a:p>
-          <a:p>
-            <a:pPr marL="0" marR="0" lvl="0" indent="0" algn="ctr" rtl="0">
-              <a:lnSpc>
-                <a:spcPct val="100000"/>
-              </a:lnSpc>
-              <a:spcBef>
-                <a:spcPts val="0"/>
-              </a:spcBef>
-              <a:spcAft>
-                <a:spcPts val="0"/>
-              </a:spcAft>
-              <a:buClr>
-                <a:srgbClr val="FFFF00"/>
               </a:buClr>
               <a:buSzPct val="25000"/>
               <a:buFont typeface="Cabin"/>
               <a:buNone/>
             </a:pPr>
             <a:r>
-              <a:rPr lang="en-US" sz="3200" u="sng" strike="noStrike" cap="none" smtClean="0">
+              <a:rPr lang="en-US" sz="3200" u="sng" strike="noStrike" cap="none">
                 <a:solidFill>
                   <a:srgbClr val="FFFF00"/>
                 </a:solidFill>
@@ -7740,13 +7716,6 @@
   <p:clrMapOvr>
     <a:masterClrMapping/>
   </p:clrMapOvr>
-  <p:timing>
-    <p:tnLst>
-      <p:par>
-        <p:cTn xmlns:p14="http://schemas.microsoft.com/office/powerpoint/2010/main" id="1" dur="indefinite" restart="never" nodeType="tmRoot"/>
-      </p:par>
-    </p:tnLst>
-  </p:timing>
 </p:sld>
 </file>
 
@@ -8473,13 +8442,6 @@
   <p:clrMapOvr>
     <a:masterClrMapping/>
   </p:clrMapOvr>
-  <p:timing>
-    <p:tnLst>
-      <p:par>
-        <p:cTn xmlns:p14="http://schemas.microsoft.com/office/powerpoint/2010/main" id="1" dur="indefinite" restart="never" nodeType="tmRoot"/>
-      </p:par>
-    </p:tnLst>
-  </p:timing>
 </p:sld>
 </file>
 
@@ -8887,7 +8849,7 @@
               <a:t>Right </a:t>
             </a:r>
             <a:r>
-              <a:rPr lang="en-US" sz="2400" u="none" strike="noStrike" cap="none" dirty="0" smtClean="0">
+              <a:rPr lang="en-US" sz="2400" u="none" strike="noStrike" cap="none" dirty="0">
                 <a:solidFill>
                   <a:srgbClr val="00FA00"/>
                 </a:solidFill>
@@ -8899,7 +8861,7 @@
               <a:t>hand </a:t>
             </a:r>
             <a:r>
-              <a:rPr lang="en-US" sz="2400" u="none" strike="noStrike" cap="none" dirty="0" smtClean="0">
+              <a:rPr lang="en-US" sz="2400" u="none" strike="noStrike" cap="none" dirty="0">
                 <a:solidFill>
                   <a:schemeClr val="lt1"/>
                 </a:solidFill>
@@ -8908,8 +8870,27 @@
                 <a:cs typeface="Arial" charset="0"/>
                 <a:sym typeface="Cabin"/>
               </a:rPr>
-              <a:t>to </a:t>
-            </a:r>
+              <a:t>to back of head</a:t>
+            </a:r>
+          </a:p>
+          <a:p>
+            <a:pPr marL="685800" marR="0" lvl="2" indent="0" algn="l" rtl="0">
+              <a:lnSpc>
+                <a:spcPct val="100000"/>
+              </a:lnSpc>
+              <a:spcBef>
+                <a:spcPts val="0"/>
+              </a:spcBef>
+              <a:spcAft>
+                <a:spcPts val="0"/>
+              </a:spcAft>
+              <a:buClr>
+                <a:schemeClr val="lt1"/>
+              </a:buClr>
+              <a:buSzPct val="25000"/>
+              <a:buFont typeface="Cabin"/>
+              <a:buNone/>
+            </a:pPr>
             <a:r>
               <a:rPr lang="en-US" sz="2400" u="none" strike="noStrike" cap="none" dirty="0">
                 <a:solidFill>
@@ -8920,7 +8901,19 @@
                 <a:cs typeface="Arial" charset="0"/>
                 <a:sym typeface="Cabin"/>
               </a:rPr>
-              <a:t>back of head</a:t>
+              <a:t>Left hand to right </a:t>
+            </a:r>
+            <a:r>
+              <a:rPr lang="en-US" sz="2400" u="none" strike="noStrike" cap="none" dirty="0">
+                <a:solidFill>
+                  <a:srgbClr val="00FA00"/>
+                </a:solidFill>
+                <a:latin typeface="Arial" charset="0"/>
+                <a:ea typeface="Arial" charset="0"/>
+                <a:cs typeface="Arial" charset="0"/>
+                <a:sym typeface="Cabin"/>
+              </a:rPr>
+              <a:t>hip</a:t>
             </a:r>
           </a:p>
           <a:p>
@@ -8951,10 +8944,10 @@
                 <a:cs typeface="Arial" charset="0"/>
                 <a:sym typeface="Cabin"/>
               </a:rPr>
-              <a:t>Left hand to right </a:t>
-            </a:r>
-            <a:r>
-              <a:rPr lang="en-US" sz="2400" u="none" strike="noStrike" cap="none" dirty="0" smtClean="0">
+              <a:t>Right hand to left </a:t>
+            </a:r>
+            <a:r>
+              <a:rPr lang="en-US" sz="2400" u="none" strike="noStrike" cap="none" dirty="0">
                 <a:solidFill>
                   <a:srgbClr val="00FA00"/>
                 </a:solidFill>
@@ -8965,67 +8958,6 @@
               </a:rPr>
               <a:t>hip</a:t>
             </a:r>
-            <a:endParaRPr lang="en-US" sz="2400" u="none" strike="noStrike" cap="none" dirty="0">
-              <a:solidFill>
-                <a:srgbClr val="00FA00"/>
-              </a:solidFill>
-              <a:latin typeface="Arial" charset="0"/>
-              <a:ea typeface="Arial" charset="0"/>
-              <a:cs typeface="Arial" charset="0"/>
-              <a:sym typeface="Cabin"/>
-            </a:endParaRPr>
-          </a:p>
-          <a:p>
-            <a:pPr marL="685800" marR="0" lvl="2" indent="0" algn="l" rtl="0">
-              <a:lnSpc>
-                <a:spcPct val="100000"/>
-              </a:lnSpc>
-              <a:spcBef>
-                <a:spcPts val="0"/>
-              </a:spcBef>
-              <a:spcAft>
-                <a:spcPts val="0"/>
-              </a:spcAft>
-              <a:buClr>
-                <a:schemeClr val="lt1"/>
-              </a:buClr>
-              <a:buSzPct val="25000"/>
-              <a:buFont typeface="Cabin"/>
-              <a:buNone/>
-            </a:pPr>
-            <a:r>
-              <a:rPr lang="en-US" sz="2400" u="none" strike="noStrike" cap="none" dirty="0">
-                <a:solidFill>
-                  <a:schemeClr val="lt1"/>
-                </a:solidFill>
-                <a:latin typeface="Arial" charset="0"/>
-                <a:ea typeface="Arial" charset="0"/>
-                <a:cs typeface="Arial" charset="0"/>
-                <a:sym typeface="Cabin"/>
-              </a:rPr>
-              <a:t>Right hand to left </a:t>
-            </a:r>
-            <a:r>
-              <a:rPr lang="en-US" sz="2400" u="none" strike="noStrike" cap="none" dirty="0" smtClean="0">
-                <a:solidFill>
-                  <a:srgbClr val="00FA00"/>
-                </a:solidFill>
-                <a:latin typeface="Arial" charset="0"/>
-                <a:ea typeface="Arial" charset="0"/>
-                <a:cs typeface="Arial" charset="0"/>
-                <a:sym typeface="Cabin"/>
-              </a:rPr>
-              <a:t>hip</a:t>
-            </a:r>
-            <a:endParaRPr lang="en-US" sz="2400" u="none" strike="noStrike" cap="none" dirty="0">
-              <a:solidFill>
-                <a:srgbClr val="00FA00"/>
-              </a:solidFill>
-              <a:latin typeface="Arial" charset="0"/>
-              <a:ea typeface="Arial" charset="0"/>
-              <a:cs typeface="Arial" charset="0"/>
-              <a:sym typeface="Cabin"/>
-            </a:endParaRPr>
           </a:p>
           <a:p>
             <a:pPr marL="685800" marR="0" lvl="2" indent="0" algn="l" rtl="0">
@@ -9236,13 +9168,6 @@
   <p:clrMapOvr>
     <a:masterClrMapping/>
   </p:clrMapOvr>
-  <p:timing>
-    <p:tnLst>
-      <p:par>
-        <p:cTn xmlns:p14="http://schemas.microsoft.com/office/powerpoint/2010/main" id="1" dur="indefinite" restart="never" nodeType="tmRoot"/>
-      </p:par>
-    </p:tnLst>
-  </p:timing>
 </p:sld>
 </file>
 
@@ -9430,70 +9355,45 @@
           <a:lstStyle/>
           <a:p>
             <a:r>
-              <a:rPr lang="en-US" sz="1600" dirty="0" smtClean="0">
+              <a:rPr lang="en-US" sz="1600" dirty="0">
                 <a:solidFill>
                   <a:schemeClr val="bg1"/>
                 </a:solidFill>
               </a:rPr>
-              <a:t>Image</a:t>
+              <a:t>Image: </a:t>
             </a:r>
             <a:r>
               <a:rPr lang="en-US" sz="1600" dirty="0">
                 <a:solidFill>
                   <a:schemeClr val="bg1"/>
                 </a:solidFill>
-              </a:rPr>
-              <a:t>: </a:t>
+                <a:hlinkClick r:id="rId4"/>
+              </a:rPr>
+              <a:t>https://www.flickr.com/photos/allan_harris/4908070612/</a:t>
             </a:r>
             <a:r>
               <a:rPr lang="en-US" sz="1600" dirty="0">
                 <a:solidFill>
                   <a:schemeClr val="bg1"/>
                 </a:solidFill>
-                <a:hlinkClick r:id="rId4"/>
-              </a:rPr>
-              <a:t>https://www.flickr.com/photos/allan_harris/4908070612</a:t>
-            </a:r>
-            <a:r>
-              <a:rPr lang="en-US" sz="1600" dirty="0" smtClean="0">
+              </a:rPr>
+              <a:t> Attribution-</a:t>
+            </a:r>
+            <a:r>
+              <a:rPr lang="en-US" sz="1600" dirty="0" err="1">
                 <a:solidFill>
                   <a:schemeClr val="bg1"/>
                 </a:solidFill>
-                <a:hlinkClick r:id="rId4"/>
-              </a:rPr>
-              <a:t>/</a:t>
-            </a:r>
-            <a:r>
-              <a:rPr lang="en-US" sz="1600" dirty="0" smtClean="0">
+              </a:rPr>
+              <a:t>NoDerivs</a:t>
+            </a:r>
+            <a:r>
+              <a:rPr lang="en-US" sz="1600" dirty="0">
                 <a:solidFill>
                   <a:schemeClr val="bg1"/>
                 </a:solidFill>
               </a:rPr>
-              <a:t> Attribution-</a:t>
-            </a:r>
-            <a:r>
-              <a:rPr lang="en-US" sz="1600" dirty="0" err="1" smtClean="0">
-                <a:solidFill>
-                  <a:schemeClr val="bg1"/>
-                </a:solidFill>
-              </a:rPr>
-              <a:t>NoDerivs</a:t>
-            </a:r>
-            <a:r>
-              <a:rPr lang="en-US" sz="1600" dirty="0" smtClean="0">
-                <a:solidFill>
-                  <a:schemeClr val="bg1"/>
-                </a:solidFill>
-              </a:rPr>
-              <a:t> </a:t>
-            </a:r>
-            <a:r>
-              <a:rPr lang="en-US" sz="1600" dirty="0">
-                <a:solidFill>
-                  <a:schemeClr val="bg1"/>
-                </a:solidFill>
-              </a:rPr>
-              <a:t>2.0 Generic (CC BY-ND 2.0)</a:t>
+              <a:t> 2.0 Generic (CC BY-ND 2.0)</a:t>
             </a:r>
           </a:p>
         </p:txBody>
@@ -9506,7 +9406,7 @@
   <p:timing>
     <p:tnLst>
       <p:par>
-        <p:cTn xmlns:p14="http://schemas.microsoft.com/office/powerpoint/2010/main" id="1" dur="indefinite" restart="never" nodeType="tmRoot">
+        <p:cTn id="1" dur="indefinite" restart="never" nodeType="tmRoot">
           <p:childTnLst>
             <p:seq concurrent="1" nextAc="seek">
               <p:cTn id="2" dur="indefinite" nodeType="mainSeq">
@@ -9901,70 +9801,45 @@
           <a:lstStyle/>
           <a:p>
             <a:r>
-              <a:rPr lang="en-US" sz="1600" dirty="0" smtClean="0">
+              <a:rPr lang="en-US" sz="1600" dirty="0">
                 <a:solidFill>
                   <a:schemeClr val="bg1"/>
                 </a:solidFill>
               </a:rPr>
-              <a:t>Image</a:t>
+              <a:t>Image: </a:t>
             </a:r>
             <a:r>
               <a:rPr lang="en-US" sz="1600" dirty="0">
                 <a:solidFill>
                   <a:schemeClr val="bg1"/>
                 </a:solidFill>
-              </a:rPr>
-              <a:t>: </a:t>
+                <a:hlinkClick r:id="rId4"/>
+              </a:rPr>
+              <a:t>https://www.flickr.com/photos/allan_harris/4908070612/</a:t>
             </a:r>
             <a:r>
               <a:rPr lang="en-US" sz="1600" dirty="0">
                 <a:solidFill>
                   <a:schemeClr val="bg1"/>
                 </a:solidFill>
-                <a:hlinkClick r:id="rId4"/>
-              </a:rPr>
-              <a:t>https://www.flickr.com/photos/allan_harris/4908070612</a:t>
-            </a:r>
-            <a:r>
-              <a:rPr lang="en-US" sz="1600" dirty="0" smtClean="0">
+              </a:rPr>
+              <a:t> Attribution-</a:t>
+            </a:r>
+            <a:r>
+              <a:rPr lang="en-US" sz="1600" dirty="0" err="1">
                 <a:solidFill>
                   <a:schemeClr val="bg1"/>
                 </a:solidFill>
-                <a:hlinkClick r:id="rId4"/>
-              </a:rPr>
-              <a:t>/</a:t>
-            </a:r>
-            <a:r>
-              <a:rPr lang="en-US" sz="1600" dirty="0" smtClean="0">
+              </a:rPr>
+              <a:t>NoDerivs</a:t>
+            </a:r>
+            <a:r>
+              <a:rPr lang="en-US" sz="1600" dirty="0">
                 <a:solidFill>
                   <a:schemeClr val="bg1"/>
                 </a:solidFill>
               </a:rPr>
-              <a:t> Attribution-</a:t>
-            </a:r>
-            <a:r>
-              <a:rPr lang="en-US" sz="1600" dirty="0" err="1" smtClean="0">
-                <a:solidFill>
-                  <a:schemeClr val="bg1"/>
-                </a:solidFill>
-              </a:rPr>
-              <a:t>NoDerivs</a:t>
-            </a:r>
-            <a:r>
-              <a:rPr lang="en-US" sz="1600" dirty="0" smtClean="0">
-                <a:solidFill>
-                  <a:schemeClr val="bg1"/>
-                </a:solidFill>
-              </a:rPr>
-              <a:t> </a:t>
-            </a:r>
-            <a:r>
-              <a:rPr lang="en-US" sz="1600" dirty="0">
-                <a:solidFill>
-                  <a:schemeClr val="bg1"/>
-                </a:solidFill>
-              </a:rPr>
-              <a:t>2.0 Generic (CC BY-ND 2.0)</a:t>
+              <a:t> 2.0 Generic (CC BY-ND 2.0)</a:t>
             </a:r>
           </a:p>
         </p:txBody>
@@ -9977,7 +9852,7 @@
   <p:timing>
     <p:tnLst>
       <p:par>
-        <p:cTn xmlns:p14="http://schemas.microsoft.com/office/powerpoint/2010/main" id="1" dur="indefinite" restart="never" nodeType="tmRoot">
+        <p:cTn id="1" dur="indefinite" restart="never" nodeType="tmRoot">
           <p:childTnLst>
             <p:seq concurrent="1" nextAc="seek">
               <p:cTn id="2" dur="indefinite" nodeType="mainSeq">
@@ -10118,31 +9993,7 @@
                 <a:cs typeface="Courier"/>
                 <a:sym typeface="Courier New"/>
               </a:rPr>
-              <a:t>name = </a:t>
-            </a:r>
-            <a:r>
-              <a:rPr lang="en-US" sz="2800" dirty="0" smtClean="0">
-                <a:solidFill>
-                  <a:srgbClr val="00FF00"/>
-                </a:solidFill>
-                <a:latin typeface="Courier"/>
-                <a:ea typeface="Courier"/>
-                <a:cs typeface="Courier"/>
-                <a:sym typeface="Courier New"/>
-              </a:rPr>
-              <a:t>input(</a:t>
-            </a:r>
-            <a:r>
-              <a:rPr lang="en-US" sz="2800" dirty="0">
-                <a:solidFill>
-                  <a:srgbClr val="00FF00"/>
-                </a:solidFill>
-                <a:latin typeface="Courier"/>
-                <a:ea typeface="Courier"/>
-                <a:cs typeface="Courier"/>
-                <a:sym typeface="Courier New"/>
-              </a:rPr>
-              <a:t>'Enter file:')</a:t>
+              <a:t>name = input('Enter file:')</a:t>
             </a:r>
           </a:p>
           <a:p>
@@ -11090,13 +10941,6 @@
   <p:clrMapOvr>
     <a:masterClrMapping/>
   </p:clrMapOvr>
-  <p:timing>
-    <p:tnLst>
-      <p:par>
-        <p:cTn xmlns:p14="http://schemas.microsoft.com/office/powerpoint/2010/main" id="1" dur="indefinite" restart="never" nodeType="tmRoot"/>
-      </p:par>
-    </p:tnLst>
-  </p:timing>
 </p:sld>
 </file>
 
@@ -11183,13 +11027,6 @@
   <p:clrMapOvr>
     <a:masterClrMapping/>
   </p:clrMapOvr>
-  <p:timing>
-    <p:tnLst>
-      <p:par>
-        <p:cTn xmlns:p14="http://schemas.microsoft.com/office/powerpoint/2010/main" id="1" dur="indefinite" restart="never" nodeType="tmRoot"/>
-      </p:par>
-    </p:tnLst>
-  </p:timing>
 </p:sld>
 </file>
 
@@ -11313,13 +11150,6 @@
   <p:clrMapOvr>
     <a:masterClrMapping/>
   </p:clrMapOvr>
-  <p:timing>
-    <p:tnLst>
-      <p:par>
-        <p:cTn xmlns:p14="http://schemas.microsoft.com/office/powerpoint/2010/main" id="1" dur="indefinite" restart="never" nodeType="tmRoot"/>
-      </p:par>
-    </p:tnLst>
-  </p:timing>
 </p:sld>
 </file>
 
@@ -12172,13 +12002,6 @@
   <p:clrMapOvr>
     <a:masterClrMapping/>
   </p:clrMapOvr>
-  <p:timing>
-    <p:tnLst>
-      <p:par>
-        <p:cTn xmlns:p14="http://schemas.microsoft.com/office/powerpoint/2010/main" id="1" dur="indefinite" restart="never" nodeType="tmRoot"/>
-      </p:par>
-    </p:tnLst>
-  </p:timing>
 </p:sld>
 </file>
 
@@ -12370,7 +12193,7 @@
               <a:t>what to do next</a:t>
             </a:r>
             <a:r>
-              <a:rPr lang="en-US" sz="3000" b="0" i="0" u="none" strike="noStrike" cap="none" dirty="0" smtClean="0">
+              <a:rPr lang="en-US" sz="3000" b="0" i="0" u="none" strike="noStrike" cap="none" dirty="0">
                 <a:solidFill>
                   <a:srgbClr val="FFFFFF"/>
                 </a:solidFill>
@@ -12394,7 +12217,7 @@
               <a:t>.</a:t>
             </a:r>
             <a:r>
-              <a:rPr lang="en-US" sz="3000" u="none" strike="noStrike" cap="none" dirty="0" smtClean="0">
+              <a:rPr lang="en-US" sz="3000" u="none" strike="noStrike" cap="none" dirty="0">
                 <a:solidFill>
                   <a:srgbClr val="FFFFFF"/>
                 </a:solidFill>
@@ -12403,19 +12226,7 @@
                 <a:cs typeface="Arial" charset="0"/>
                 <a:sym typeface="Cabin"/>
               </a:rPr>
-              <a:t>  </a:t>
-            </a:r>
-            <a:r>
-              <a:rPr lang="en-US" sz="3000" u="none" strike="noStrike" cap="none" dirty="0">
-                <a:solidFill>
-                  <a:srgbClr val="FFFFFF"/>
-                </a:solidFill>
-                <a:latin typeface="Arial" charset="0"/>
-                <a:ea typeface="Arial" charset="0"/>
-                <a:cs typeface="Arial" charset="0"/>
-                <a:sym typeface="Cabin"/>
-              </a:rPr>
-              <a:t>Not the brains </a:t>
+              <a:t>  Not the brains </a:t>
             </a:r>
             <a:br>
               <a:rPr lang="en-US" sz="3000" u="none" strike="noStrike" cap="none" dirty="0">
@@ -12743,13 +12554,6 @@
   <p:clrMapOvr>
     <a:masterClrMapping/>
   </p:clrMapOvr>
-  <p:timing>
-    <p:tnLst>
-      <p:par>
-        <p:cTn xmlns:p14="http://schemas.microsoft.com/office/powerpoint/2010/main" id="1" dur="indefinite" restart="never" nodeType="tmRoot"/>
-      </p:par>
-    </p:tnLst>
-  </p:timing>
 </p:sld>
 </file>
 
@@ -13687,13 +13491,6 @@
   <p:clrMapOvr>
     <a:masterClrMapping/>
   </p:clrMapOvr>
-  <p:timing>
-    <p:tnLst>
-      <p:par>
-        <p:cTn xmlns:p14="http://schemas.microsoft.com/office/powerpoint/2010/main" id="1" dur="indefinite" restart="never" nodeType="tmRoot"/>
-      </p:par>
-    </p:tnLst>
-  </p:timing>
 </p:sld>
 </file>
 
@@ -13889,31 +13686,7 @@
                 <a:cs typeface="Arial" charset="0"/>
                 <a:sym typeface="Cabin"/>
               </a:rPr>
-              <a:t>Users have it easy - someone already put many different programs (instructions) into the computer and users just pick the ones </a:t>
-            </a:r>
-            <a:r>
-              <a:rPr lang="en-US" sz="3200" u="none" strike="noStrike" cap="none" dirty="0" smtClean="0">
-                <a:solidFill>
-                  <a:schemeClr val="lt1"/>
-                </a:solidFill>
-                <a:latin typeface="Arial" charset="0"/>
-                <a:ea typeface="Arial" charset="0"/>
-                <a:cs typeface="Arial" charset="0"/>
-                <a:sym typeface="Cabin"/>
-              </a:rPr>
-              <a:t>they </a:t>
-            </a:r>
-            <a:r>
-              <a:rPr lang="en-US" sz="3200" u="none" strike="noStrike" cap="none" dirty="0">
-                <a:solidFill>
-                  <a:schemeClr val="lt1"/>
-                </a:solidFill>
-                <a:latin typeface="Arial" charset="0"/>
-                <a:ea typeface="Arial" charset="0"/>
-                <a:cs typeface="Arial" charset="0"/>
-                <a:sym typeface="Cabin"/>
-              </a:rPr>
-              <a:t>want to use</a:t>
+              <a:t>Users have it easy - someone already put many different programs (instructions) into the computer and users just pick the ones they want to use</a:t>
             </a:r>
           </a:p>
         </p:txBody>
@@ -14693,13 +14466,6 @@
   <p:clrMapOvr>
     <a:masterClrMapping/>
   </p:clrMapOvr>
-  <p:timing>
-    <p:tnLst>
-      <p:par>
-        <p:cTn xmlns:p14="http://schemas.microsoft.com/office/powerpoint/2010/main" id="1" dur="indefinite" restart="never" nodeType="tmRoot"/>
-      </p:par>
-    </p:tnLst>
-  </p:timing>
 </p:sld>
 </file>
 
@@ -15761,13 +15527,6 @@
   <p:clrMapOvr>
     <a:masterClrMapping/>
   </p:clrMapOvr>
-  <p:timing>
-    <p:tnLst>
-      <p:par>
-        <p:cTn xmlns:p14="http://schemas.microsoft.com/office/powerpoint/2010/main" id="1" dur="indefinite" restart="never" nodeType="tmRoot"/>
-      </p:par>
-    </p:tnLst>
-  </p:timing>
 </p:sld>
 </file>
 
@@ -15831,7 +15590,7 @@
               <a:buNone/>
             </a:pPr>
             <a:r>
-              <a:rPr lang="en-US" sz="7200" u="none" strike="noStrike" cap="none" dirty="0" smtClean="0">
+              <a:rPr lang="en-US" sz="7200" u="none" strike="noStrike" cap="none" dirty="0">
                 <a:solidFill>
                   <a:srgbClr val="FFD966"/>
                 </a:solidFill>
@@ -15842,15 +15601,6 @@
               </a:rPr>
               <a:t>Totally Hot CPU</a:t>
             </a:r>
-            <a:endParaRPr lang="en-US" sz="7200" u="none" strike="noStrike" cap="none" dirty="0">
-              <a:solidFill>
-                <a:srgbClr val="FFD966"/>
-              </a:solidFill>
-              <a:latin typeface="Arial" charset="0"/>
-              <a:ea typeface="Arial" charset="0"/>
-              <a:cs typeface="Arial" charset="0"/>
-              <a:sym typeface="Cabin"/>
-            </a:endParaRPr>
           </a:p>
         </p:txBody>
       </p:sp>
@@ -16040,13 +15790,6 @@
   <p:clrMapOvr>
     <a:masterClrMapping/>
   </p:clrMapOvr>
-  <p:timing>
-    <p:tnLst>
-      <p:par>
-        <p:cTn xmlns:p14="http://schemas.microsoft.com/office/powerpoint/2010/main" id="1" dur="indefinite" restart="never" nodeType="tmRoot"/>
-      </p:par>
-    </p:tnLst>
-  </p:timing>
 </p:sld>
 </file>
 
@@ -16110,7 +15853,7 @@
               <a:buNone/>
             </a:pPr>
             <a:r>
-              <a:rPr lang="en-US" sz="7200" u="none" strike="noStrike" cap="none" dirty="0" smtClean="0">
+              <a:rPr lang="en-US" sz="7200" u="none" strike="noStrike" cap="none" dirty="0">
                 <a:solidFill>
                   <a:srgbClr val="FFD966"/>
                 </a:solidFill>
@@ -16121,15 +15864,6 @@
               </a:rPr>
               <a:t>Hard Disk in Action</a:t>
             </a:r>
-            <a:endParaRPr lang="en-US" sz="7200" u="none" strike="noStrike" cap="none" dirty="0">
-              <a:solidFill>
-                <a:srgbClr val="FFD966"/>
-              </a:solidFill>
-              <a:latin typeface="Arial" charset="0"/>
-              <a:ea typeface="Arial" charset="0"/>
-              <a:cs typeface="Arial" charset="0"/>
-              <a:sym typeface="Cabin"/>
-            </a:endParaRPr>
           </a:p>
         </p:txBody>
       </p:sp>
@@ -16223,13 +15957,6 @@
   <p:clrMapOvr>
     <a:masterClrMapping/>
   </p:clrMapOvr>
-  <p:timing>
-    <p:tnLst>
-      <p:par>
-        <p:cTn xmlns:p14="http://schemas.microsoft.com/office/powerpoint/2010/main" id="1" dur="indefinite" restart="never" nodeType="tmRoot"/>
-      </p:par>
-    </p:tnLst>
-  </p:timing>
 </p:sld>
 </file>
 
@@ -16312,13 +16039,6 @@
   <p:clrMapOvr>
     <a:masterClrMapping/>
   </p:clrMapOvr>
-  <p:timing>
-    <p:tnLst>
-      <p:par>
-        <p:cTn xmlns:p14="http://schemas.microsoft.com/office/powerpoint/2010/main" id="1" dur="indefinite" restart="never" nodeType="tmRoot"/>
-      </p:par>
-    </p:tnLst>
-  </p:timing>
 </p:sld>
 </file>
 
@@ -16655,13 +16375,6 @@
   <p:clrMapOvr>
     <a:masterClrMapping/>
   </p:clrMapOvr>
-  <p:timing>
-    <p:tnLst>
-      <p:par>
-        <p:cTn xmlns:p14="http://schemas.microsoft.com/office/powerpoint/2010/main" id="1" dur="indefinite" restart="never" nodeType="tmRoot"/>
-      </p:par>
-    </p:tnLst>
-  </p:timing>
 </p:sld>
 </file>
 
@@ -16957,13 +16670,6 @@
   <p:clrMapOvr>
     <a:masterClrMapping/>
   </p:clrMapOvr>
-  <p:timing>
-    <p:tnLst>
-      <p:par>
-        <p:cTn xmlns:p14="http://schemas.microsoft.com/office/powerpoint/2010/main" id="1" dur="indefinite" restart="never" nodeType="tmRoot"/>
-      </p:par>
-    </p:tnLst>
-  </p:timing>
 </p:sld>
 </file>
 
@@ -17441,13 +17147,6 @@
   <p:clrMapOvr>
     <a:masterClrMapping/>
   </p:clrMapOvr>
-  <p:timing>
-    <p:tnLst>
-      <p:par>
-        <p:cTn xmlns:p14="http://schemas.microsoft.com/office/powerpoint/2010/main" id="1" dur="indefinite" restart="never" nodeType="tmRoot"/>
-      </p:par>
-    </p:tnLst>
-  </p:timing>
 </p:sld>
 </file>
 
@@ -17534,13 +17233,6 @@
   <p:clrMapOvr>
     <a:masterClrMapping/>
   </p:clrMapOvr>
-  <p:timing>
-    <p:tnLst>
-      <p:par>
-        <p:cTn xmlns:p14="http://schemas.microsoft.com/office/powerpoint/2010/main" id="1" dur="indefinite" restart="never" nodeType="tmRoot"/>
-      </p:par>
-    </p:tnLst>
-  </p:timing>
 </p:sld>
 </file>
 
@@ -17593,7 +17285,7 @@
               <a:buSzPct val="25000"/>
             </a:pPr>
             <a:r>
-              <a:rPr lang="en-US" sz="3600" u="none" strike="noStrike" cap="none" dirty="0" err="1" smtClean="0">
+              <a:rPr lang="en-US" sz="3600" u="none" strike="noStrike" cap="none" dirty="0" err="1">
                 <a:solidFill>
                   <a:schemeClr val="lt1"/>
                 </a:solidFill>
@@ -17605,7 +17297,7 @@
               <a:t>csev</a:t>
             </a:r>
             <a:r>
-              <a:rPr lang="en-US" sz="3600" u="none" strike="noStrike" cap="none" dirty="0" smtClean="0">
+              <a:rPr lang="en-US" sz="3600" u="none" strike="noStrike" cap="none" dirty="0">
                 <a:solidFill>
                   <a:schemeClr val="lt1"/>
                 </a:solidFill>
@@ -17617,7 +17309,7 @@
               <a:t>$ </a:t>
             </a:r>
             <a:r>
-              <a:rPr lang="en-US" sz="3600" dirty="0" smtClean="0">
+              <a:rPr lang="en-US" sz="3600" dirty="0">
                 <a:solidFill>
                   <a:srgbClr val="FFFF00"/>
                 </a:solidFill>
@@ -17637,7 +17329,7 @@
               <a:buSzPct val="25000"/>
             </a:pPr>
             <a:r>
-              <a:rPr lang="en-US" sz="3600" dirty="0" smtClean="0">
+              <a:rPr lang="en-US" sz="3600" dirty="0">
                 <a:solidFill>
                   <a:schemeClr val="bg1"/>
                 </a:solidFill>
@@ -17646,7 +17338,19 @@
                 <a:cs typeface="Arial" charset="0"/>
                 <a:sym typeface="Cabin"/>
               </a:rPr>
-              <a:t>Python </a:t>
+              <a:t>Python 3.5.1 (v3.5.1:37a07cee5969, Dec  5 2015, 21:12:44) [GCC 4.2.1 (Apple Inc. build 5666) (dot 3)] on </a:t>
+            </a:r>
+            <a:r>
+              <a:rPr lang="en-US" sz="3600" dirty="0" err="1">
+                <a:solidFill>
+                  <a:schemeClr val="bg1"/>
+                </a:solidFill>
+                <a:latin typeface="Arial" charset="0"/>
+                <a:ea typeface="Arial" charset="0"/>
+                <a:cs typeface="Arial" charset="0"/>
+                <a:sym typeface="Cabin"/>
+              </a:rPr>
+              <a:t>darwinType</a:t>
             </a:r>
             <a:r>
               <a:rPr lang="en-US" sz="3600" dirty="0">
@@ -17658,54 +17362,18 @@
                 <a:cs typeface="Arial" charset="0"/>
                 <a:sym typeface="Cabin"/>
               </a:rPr>
-              <a:t>3.5.1 (v3.5.1:37a07cee5969, Dec  5 2015, 21:12:44) [GCC 4.2.1 (Apple Inc. build 5666) (dot 3)] on </a:t>
-            </a:r>
-            <a:r>
-              <a:rPr lang="en-US" sz="3600" dirty="0" err="1">
-                <a:solidFill>
-                  <a:schemeClr val="bg1"/>
-                </a:solidFill>
-                <a:latin typeface="Arial" charset="0"/>
-                <a:ea typeface="Arial" charset="0"/>
-                <a:cs typeface="Arial" charset="0"/>
-                <a:sym typeface="Cabin"/>
-              </a:rPr>
-              <a:t>darwinType</a:t>
-            </a:r>
+              <a:t> "help", "copyright", "credits" or "license" for more information.</a:t>
+            </a:r>
+          </a:p>
+          <a:p>
+            <a:pPr lvl="0">
+              <a:buClr>
+                <a:schemeClr val="lt1"/>
+              </a:buClr>
+              <a:buSzPct val="25000"/>
+            </a:pPr>
             <a:r>
               <a:rPr lang="en-US" sz="3600" dirty="0">
-                <a:solidFill>
-                  <a:schemeClr val="bg1"/>
-                </a:solidFill>
-                <a:latin typeface="Arial" charset="0"/>
-                <a:ea typeface="Arial" charset="0"/>
-                <a:cs typeface="Arial" charset="0"/>
-                <a:sym typeface="Cabin"/>
-              </a:rPr>
-              <a:t> "help", "copyright", "credits" or "license" for more information</a:t>
-            </a:r>
-            <a:r>
-              <a:rPr lang="en-US" sz="3600" dirty="0" smtClean="0">
-                <a:solidFill>
-                  <a:schemeClr val="bg1"/>
-                </a:solidFill>
-                <a:latin typeface="Arial" charset="0"/>
-                <a:ea typeface="Arial" charset="0"/>
-                <a:cs typeface="Arial" charset="0"/>
-                <a:sym typeface="Cabin"/>
-              </a:rPr>
-              <a:t>.</a:t>
-            </a:r>
-          </a:p>
-          <a:p>
-            <a:pPr lvl="0">
-              <a:buClr>
-                <a:schemeClr val="lt1"/>
-              </a:buClr>
-              <a:buSzPct val="25000"/>
-            </a:pPr>
-            <a:r>
-              <a:rPr lang="en-US" sz="3600" dirty="0" smtClean="0">
                 <a:solidFill>
                   <a:schemeClr val="bg1"/>
                 </a:solidFill>
@@ -17831,13 +17499,6 @@
   <p:clrMapOvr>
     <a:masterClrMapping/>
   </p:clrMapOvr>
-  <p:timing>
-    <p:tnLst>
-      <p:par>
-        <p:cTn xmlns:p14="http://schemas.microsoft.com/office/powerpoint/2010/main" id="1" dur="indefinite" restart="never" nodeType="tmRoot"/>
-      </p:par>
-    </p:tnLst>
-  </p:timing>
 </p:sld>
 </file>
 
@@ -17890,7 +17551,7 @@
               <a:buSzPct val="25000"/>
             </a:pPr>
             <a:r>
-              <a:rPr lang="en-US" sz="3600" u="none" strike="noStrike" cap="none" dirty="0" err="1" smtClean="0">
+              <a:rPr lang="en-US" sz="3600" u="none" strike="noStrike" cap="none" dirty="0" err="1">
                 <a:solidFill>
                   <a:schemeClr val="lt1"/>
                 </a:solidFill>
@@ -17902,7 +17563,7 @@
               <a:t>csev</a:t>
             </a:r>
             <a:r>
-              <a:rPr lang="en-US" sz="3600" u="none" strike="noStrike" cap="none" dirty="0" smtClean="0">
+              <a:rPr lang="en-US" sz="3600" u="none" strike="noStrike" cap="none" dirty="0">
                 <a:solidFill>
                   <a:schemeClr val="lt1"/>
                 </a:solidFill>
@@ -17914,7 +17575,7 @@
               <a:t>$ </a:t>
             </a:r>
             <a:r>
-              <a:rPr lang="en-US" sz="3600" dirty="0" smtClean="0">
+              <a:rPr lang="en-US" sz="3600" dirty="0">
                 <a:solidFill>
                   <a:srgbClr val="FFFF00"/>
                 </a:solidFill>
@@ -17925,15 +17586,6 @@
               </a:rPr>
               <a:t>python3</a:t>
             </a:r>
-            <a:endParaRPr lang="en-US" sz="3600" dirty="0">
-              <a:solidFill>
-                <a:srgbClr val="FFFF00"/>
-              </a:solidFill>
-              <a:latin typeface="Arial" charset="0"/>
-              <a:ea typeface="Arial" charset="0"/>
-              <a:cs typeface="Arial" charset="0"/>
-              <a:sym typeface="Cabin"/>
-            </a:endParaRPr>
           </a:p>
           <a:p>
             <a:pPr lvl="0">
@@ -17976,19 +17628,7 @@
                 <a:cs typeface="Arial" charset="0"/>
                 <a:sym typeface="Cabin"/>
               </a:rPr>
-              <a:t> "help", "copyright", "credits" or "license" for more information</a:t>
-            </a:r>
-            <a:r>
-              <a:rPr lang="en-US" sz="3600" dirty="0" smtClean="0">
-                <a:solidFill>
-                  <a:schemeClr val="bg1"/>
-                </a:solidFill>
-                <a:latin typeface="Arial" charset="0"/>
-                <a:ea typeface="Arial" charset="0"/>
-                <a:cs typeface="Arial" charset="0"/>
-                <a:sym typeface="Cabin"/>
-              </a:rPr>
-              <a:t>.</a:t>
+              <a:t> "help", "copyright", "credits" or "license" for more information.</a:t>
             </a:r>
             <a:endParaRPr lang="en-US" sz="3600" u="none" strike="noStrike" cap="none" dirty="0">
               <a:solidFill>
@@ -18074,7 +17714,7 @@
               <a:t>&gt;&gt;&gt; </a:t>
             </a:r>
             <a:r>
-              <a:rPr lang="en-US" sz="3600" u="none" strike="noStrike" cap="none" dirty="0" smtClean="0">
+              <a:rPr lang="en-US" sz="3600" u="none" strike="noStrike" cap="none" dirty="0">
                 <a:solidFill>
                   <a:srgbClr val="FFFF00"/>
                 </a:solidFill>
@@ -18085,15 +17725,6 @@
               </a:rPr>
               <a:t>print(x)</a:t>
             </a:r>
-            <a:endParaRPr lang="en-US" sz="3600" u="none" strike="noStrike" cap="none" dirty="0">
-              <a:solidFill>
-                <a:srgbClr val="FFFF00"/>
-              </a:solidFill>
-              <a:latin typeface="Arial" charset="0"/>
-              <a:ea typeface="Arial" charset="0"/>
-              <a:cs typeface="Arial" charset="0"/>
-              <a:sym typeface="Cabin"/>
-            </a:endParaRPr>
           </a:p>
           <a:p>
             <a:pPr marL="0" marR="0" lvl="0" indent="0" algn="l" rtl="0">
@@ -18212,7 +17843,7 @@
               <a:t> </a:t>
             </a:r>
             <a:r>
-              <a:rPr lang="en-US" sz="3600" u="none" strike="noStrike" cap="none" dirty="0" smtClean="0">
+              <a:rPr lang="en-US" sz="3600" u="none" strike="noStrike" cap="none" dirty="0">
                 <a:solidFill>
                   <a:srgbClr val="FFFF00"/>
                 </a:solidFill>
@@ -18223,15 +17854,6 @@
               </a:rPr>
               <a:t>print(x)</a:t>
             </a:r>
-            <a:endParaRPr lang="en-US" sz="3600" u="none" strike="noStrike" cap="none" dirty="0">
-              <a:solidFill>
-                <a:srgbClr val="FFFF00"/>
-              </a:solidFill>
-              <a:latin typeface="Arial" charset="0"/>
-              <a:ea typeface="Arial" charset="0"/>
-              <a:cs typeface="Arial" charset="0"/>
-              <a:sym typeface="Cabin"/>
-            </a:endParaRPr>
           </a:p>
           <a:p>
             <a:pPr marL="0" marR="0" lvl="0" indent="0" algn="l" rtl="0">
@@ -18371,13 +17993,6 @@
   <p:clrMapOvr>
     <a:masterClrMapping/>
   </p:clrMapOvr>
-  <p:timing>
-    <p:tnLst>
-      <p:par>
-        <p:cTn xmlns:p14="http://schemas.microsoft.com/office/powerpoint/2010/main" id="1" dur="indefinite" restart="never" nodeType="tmRoot"/>
-      </p:par>
-    </p:tnLst>
-  </p:timing>
 </p:sld>
 </file>
 
@@ -19414,13 +19029,6 @@
   <p:clrMapOvr>
     <a:masterClrMapping/>
   </p:clrMapOvr>
-  <p:timing>
-    <p:tnLst>
-      <p:par>
-        <p:cTn xmlns:p14="http://schemas.microsoft.com/office/powerpoint/2010/main" id="1" dur="indefinite" restart="never" nodeType="tmRoot"/>
-      </p:par>
-    </p:tnLst>
-  </p:timing>
 </p:sld>
 </file>
 
@@ -19551,13 +19159,6 @@
   <p:clrMapOvr>
     <a:masterClrMapping/>
   </p:clrMapOvr>
-  <p:timing>
-    <p:tnLst>
-      <p:par>
-        <p:cTn xmlns:p14="http://schemas.microsoft.com/office/powerpoint/2010/main" id="1" dur="indefinite" restart="never" nodeType="tmRoot"/>
-      </p:par>
-    </p:tnLst>
-  </p:timing>
 </p:sld>
 </file>
 
@@ -19799,13 +19400,6 @@
   <p:clrMapOvr>
     <a:masterClrMapping/>
   </p:clrMapOvr>
-  <p:timing>
-    <p:tnLst>
-      <p:par>
-        <p:cTn xmlns:p14="http://schemas.microsoft.com/office/powerpoint/2010/main" id="1" dur="indefinite" restart="never" nodeType="tmRoot"/>
-      </p:par>
-    </p:tnLst>
-  </p:timing>
 </p:sld>
 </file>
 
@@ -19867,31 +19461,7 @@
                 <a:cs typeface="Courier"/>
                 <a:sym typeface="Courier New"/>
               </a:rPr>
-              <a:t>name = </a:t>
-            </a:r>
-            <a:r>
-              <a:rPr lang="en-US" sz="2800" dirty="0" smtClean="0">
-                <a:solidFill>
-                  <a:srgbClr val="00FF00"/>
-                </a:solidFill>
-                <a:latin typeface="Courier"/>
-                <a:ea typeface="Courier"/>
-                <a:cs typeface="Courier"/>
-                <a:sym typeface="Courier New"/>
-              </a:rPr>
-              <a:t>input(</a:t>
-            </a:r>
-            <a:r>
-              <a:rPr lang="en-US" sz="2800" dirty="0">
-                <a:solidFill>
-                  <a:srgbClr val="00FF00"/>
-                </a:solidFill>
-                <a:latin typeface="Courier"/>
-                <a:ea typeface="Courier"/>
-                <a:cs typeface="Courier"/>
-                <a:sym typeface="Courier New"/>
-              </a:rPr>
-              <a:t>'Enter file:')</a:t>
+              <a:t>name = input('Enter file:')</a:t>
             </a:r>
           </a:p>
           <a:p>
@@ -20771,13 +20341,6 @@
   <p:clrMapOvr>
     <a:masterClrMapping/>
   </p:clrMapOvr>
-  <p:timing>
-    <p:tnLst>
-      <p:par>
-        <p:cTn xmlns:p14="http://schemas.microsoft.com/office/powerpoint/2010/main" id="1" dur="indefinite" restart="never" nodeType="tmRoot"/>
-      </p:par>
-    </p:tnLst>
-  </p:timing>
 </p:sld>
 </file>
 
@@ -20995,8 +20558,8 @@
         </p:nvSpPr>
         <p:spPr>
           <a:xfrm>
-            <a:off x="3346315" y="3482501"/>
-            <a:ext cx="10369686" cy="4182269"/>
+            <a:off x="1617527" y="3336900"/>
+            <a:ext cx="14144308" cy="4182269"/>
           </a:xfrm>
           <a:prstGeom prst="rect">
             <a:avLst/>
@@ -21019,7 +20582,7 @@
               <a:buSzPct val="25000"/>
             </a:pPr>
             <a:r>
-              <a:rPr lang="de-DE" sz="3200" dirty="0" err="1" smtClean="0">
+              <a:rPr lang="de-DE" sz="3200" dirty="0" err="1">
                 <a:solidFill>
                   <a:srgbClr val="FFFF00"/>
                 </a:solidFill>
@@ -21031,7 +20594,7 @@
               <a:t>False</a:t>
             </a:r>
             <a:r>
-              <a:rPr lang="de-DE" sz="3200" dirty="0" smtClean="0">
+              <a:rPr lang="de-DE" sz="3200" dirty="0">
                 <a:solidFill>
                   <a:srgbClr val="FFFF00"/>
                 </a:solidFill>
@@ -21040,10 +20603,10 @@
                 <a:cs typeface="Courier" charset="0"/>
                 <a:sym typeface="Cabin"/>
               </a:rPr>
-              <a:t> 	</a:t>
-            </a:r>
-            <a:r>
-              <a:rPr lang="de-DE" sz="3200" dirty="0" err="1" smtClean="0">
+              <a:t>      </a:t>
+            </a:r>
+            <a:r>
+              <a:rPr lang="de-DE" sz="3200" dirty="0" err="1">
                 <a:solidFill>
                   <a:srgbClr val="FFFF00"/>
                 </a:solidFill>
@@ -21052,10 +20615,10 @@
                 <a:cs typeface="Courier" charset="0"/>
                 <a:sym typeface="Cabin"/>
               </a:rPr>
-              <a:t>class</a:t>
-            </a:r>
-            <a:r>
-              <a:rPr lang="de-DE" sz="3200" dirty="0" smtClean="0">
+              <a:t>await</a:t>
+            </a:r>
+            <a:r>
+              <a:rPr lang="de-DE" sz="3200" dirty="0">
                 <a:solidFill>
                   <a:srgbClr val="FFFF00"/>
                 </a:solidFill>
@@ -21064,10 +20627,10 @@
                 <a:cs typeface="Courier" charset="0"/>
                 <a:sym typeface="Cabin"/>
               </a:rPr>
-              <a:t> 	</a:t>
-            </a:r>
-            <a:r>
-              <a:rPr lang="de-DE" sz="3200" dirty="0" err="1" smtClean="0">
+              <a:t>      </a:t>
+            </a:r>
+            <a:r>
+              <a:rPr lang="de-DE" sz="3200" dirty="0" err="1">
                 <a:solidFill>
                   <a:srgbClr val="FFFF00"/>
                 </a:solidFill>
@@ -21076,10 +20639,10 @@
                 <a:cs typeface="Courier" charset="0"/>
                 <a:sym typeface="Cabin"/>
               </a:rPr>
-              <a:t>return</a:t>
-            </a:r>
-            <a:r>
-              <a:rPr lang="de-DE" sz="3200" dirty="0" smtClean="0">
+              <a:t>else</a:t>
+            </a:r>
+            <a:r>
+              <a:rPr lang="de-DE" sz="3200" dirty="0">
                 <a:solidFill>
                   <a:srgbClr val="FFFF00"/>
                 </a:solidFill>
@@ -21088,10 +20651,10 @@
                 <a:cs typeface="Courier" charset="0"/>
                 <a:sym typeface="Cabin"/>
               </a:rPr>
-              <a:t>	</a:t>
-            </a:r>
-            <a:r>
-              <a:rPr lang="de-DE" sz="3200" dirty="0" err="1" smtClean="0">
+              <a:t>       </a:t>
+            </a:r>
+            <a:r>
+              <a:rPr lang="de-DE" sz="3200" dirty="0" err="1">
                 <a:solidFill>
                   <a:srgbClr val="FFFF00"/>
                 </a:solidFill>
@@ -21100,10 +20663,10 @@
                 <a:cs typeface="Courier" charset="0"/>
                 <a:sym typeface="Cabin"/>
               </a:rPr>
-              <a:t>is</a:t>
-            </a:r>
-            <a:r>
-              <a:rPr lang="de-DE" sz="3200" dirty="0" smtClean="0">
+              <a:t>import</a:t>
+            </a:r>
+            <a:r>
+              <a:rPr lang="de-DE" sz="3200" dirty="0">
                 <a:solidFill>
                   <a:srgbClr val="FFFF00"/>
                 </a:solidFill>
@@ -21112,10 +20675,18 @@
                 <a:cs typeface="Courier" charset="0"/>
                 <a:sym typeface="Cabin"/>
               </a:rPr>
-              <a:t> 		</a:t>
-            </a:r>
-            <a:r>
-              <a:rPr lang="de-DE" sz="3200" dirty="0" err="1" smtClean="0">
+              <a:t>     pass</a:t>
+            </a:r>
+          </a:p>
+          <a:p>
+            <a:pPr lvl="0">
+              <a:buClr>
+                <a:srgbClr val="FFFF00"/>
+              </a:buClr>
+              <a:buSzPct val="25000"/>
+            </a:pPr>
+            <a:r>
+              <a:rPr lang="de-DE" sz="3200" dirty="0">
                 <a:solidFill>
                   <a:srgbClr val="FFFF00"/>
                 </a:solidFill>
@@ -21124,10 +20695,10 @@
                 <a:cs typeface="Courier" charset="0"/>
                 <a:sym typeface="Cabin"/>
               </a:rPr>
-              <a:t>finally</a:t>
-            </a:r>
-            <a:r>
-              <a:rPr lang="de-DE" sz="3200" dirty="0" smtClean="0">
+              <a:t>None       break      </a:t>
+            </a:r>
+            <a:r>
+              <a:rPr lang="de-DE" sz="3200" dirty="0" err="1">
                 <a:solidFill>
                   <a:srgbClr val="FFFF00"/>
                 </a:solidFill>
@@ -21136,18 +20707,10 @@
                 <a:cs typeface="Courier" charset="0"/>
                 <a:sym typeface="Cabin"/>
               </a:rPr>
-              <a:t> </a:t>
-            </a:r>
-          </a:p>
-          <a:p>
-            <a:pPr lvl="0">
-              <a:buClr>
-                <a:srgbClr val="FFFF00"/>
-              </a:buClr>
-              <a:buSzPct val="25000"/>
-            </a:pPr>
-            <a:r>
-              <a:rPr lang="de-DE" sz="3200" dirty="0" smtClean="0">
+              <a:t>except</a:t>
+            </a:r>
+            <a:r>
+              <a:rPr lang="de-DE" sz="3200" dirty="0">
                 <a:solidFill>
                   <a:srgbClr val="FFFF00"/>
                 </a:solidFill>
@@ -21156,10 +20719,10 @@
                 <a:cs typeface="Courier" charset="0"/>
                 <a:sym typeface="Cabin"/>
               </a:rPr>
-              <a:t>None 	</a:t>
-            </a:r>
-            <a:r>
-              <a:rPr lang="de-DE" sz="3200" dirty="0" err="1" smtClean="0">
+              <a:t>     in         </a:t>
+            </a:r>
+            <a:r>
+              <a:rPr lang="de-DE" sz="3200" dirty="0" err="1">
                 <a:solidFill>
                   <a:srgbClr val="FFFF00"/>
                 </a:solidFill>
@@ -21168,197 +20731,9 @@
                 <a:cs typeface="Courier" charset="0"/>
                 <a:sym typeface="Cabin"/>
               </a:rPr>
-              <a:t>if</a:t>
-            </a:r>
-            <a:r>
-              <a:rPr lang="de-DE" sz="3200" dirty="0" smtClean="0">
-                <a:solidFill>
-                  <a:srgbClr val="FFFF00"/>
-                </a:solidFill>
-                <a:latin typeface="Courier" charset="0"/>
-                <a:ea typeface="Courier" charset="0"/>
-                <a:cs typeface="Courier" charset="0"/>
-                <a:sym typeface="Cabin"/>
-              </a:rPr>
-              <a:t>		</a:t>
-            </a:r>
-            <a:r>
-              <a:rPr lang="de-DE" sz="3200" dirty="0" err="1" smtClean="0">
-                <a:solidFill>
-                  <a:srgbClr val="FFFF00"/>
-                </a:solidFill>
-                <a:latin typeface="Courier" charset="0"/>
-                <a:ea typeface="Courier" charset="0"/>
-                <a:cs typeface="Courier" charset="0"/>
-                <a:sym typeface="Cabin"/>
-              </a:rPr>
-              <a:t>for</a:t>
-            </a:r>
-            <a:r>
-              <a:rPr lang="de-DE" sz="3200" dirty="0" smtClean="0">
-                <a:solidFill>
-                  <a:srgbClr val="FFFF00"/>
-                </a:solidFill>
-                <a:latin typeface="Courier" charset="0"/>
-                <a:ea typeface="Courier" charset="0"/>
-                <a:cs typeface="Courier" charset="0"/>
-                <a:sym typeface="Cabin"/>
-              </a:rPr>
-              <a:t> 	</a:t>
-            </a:r>
-            <a:r>
-              <a:rPr lang="de-DE" sz="3200" dirty="0" err="1" smtClean="0">
-                <a:solidFill>
-                  <a:srgbClr val="FFFF00"/>
-                </a:solidFill>
-                <a:latin typeface="Courier" charset="0"/>
-                <a:ea typeface="Courier" charset="0"/>
-                <a:cs typeface="Courier" charset="0"/>
-                <a:sym typeface="Cabin"/>
-              </a:rPr>
-              <a:t>lambda</a:t>
-            </a:r>
-            <a:r>
-              <a:rPr lang="de-DE" sz="3200" dirty="0" smtClean="0">
-                <a:solidFill>
-                  <a:srgbClr val="FFFF00"/>
-                </a:solidFill>
-                <a:latin typeface="Courier" charset="0"/>
-                <a:ea typeface="Courier" charset="0"/>
-                <a:cs typeface="Courier" charset="0"/>
-                <a:sym typeface="Cabin"/>
-              </a:rPr>
-              <a:t> 	</a:t>
-            </a:r>
-            <a:r>
-              <a:rPr lang="de-DE" sz="3200" dirty="0" err="1" smtClean="0">
-                <a:solidFill>
-                  <a:srgbClr val="FFFF00"/>
-                </a:solidFill>
-                <a:latin typeface="Courier" charset="0"/>
-                <a:ea typeface="Courier" charset="0"/>
-                <a:cs typeface="Courier" charset="0"/>
-                <a:sym typeface="Cabin"/>
-              </a:rPr>
-              <a:t>continue</a:t>
-            </a:r>
-            <a:r>
-              <a:rPr lang="de-DE" sz="3200" dirty="0" smtClean="0">
-                <a:solidFill>
-                  <a:srgbClr val="FFFF00"/>
-                </a:solidFill>
-                <a:latin typeface="Courier" charset="0"/>
-                <a:ea typeface="Courier" charset="0"/>
-                <a:cs typeface="Courier" charset="0"/>
-                <a:sym typeface="Cabin"/>
-              </a:rPr>
-              <a:t> </a:t>
-            </a:r>
-          </a:p>
-          <a:p>
-            <a:pPr lvl="0">
-              <a:buClr>
-                <a:srgbClr val="FFFF00"/>
-              </a:buClr>
-              <a:buSzPct val="25000"/>
-            </a:pPr>
-            <a:r>
-              <a:rPr lang="de-DE" sz="3200" dirty="0" smtClean="0">
-                <a:solidFill>
-                  <a:srgbClr val="FFFF00"/>
-                </a:solidFill>
-                <a:latin typeface="Courier" charset="0"/>
-                <a:ea typeface="Courier" charset="0"/>
-                <a:cs typeface="Courier" charset="0"/>
-                <a:sym typeface="Cabin"/>
-              </a:rPr>
-              <a:t>True 	</a:t>
-            </a:r>
-            <a:r>
-              <a:rPr lang="de-DE" sz="3200" dirty="0" err="1" smtClean="0">
-                <a:solidFill>
-                  <a:srgbClr val="FFFF00"/>
-                </a:solidFill>
-                <a:latin typeface="Courier" charset="0"/>
-                <a:ea typeface="Courier" charset="0"/>
-                <a:cs typeface="Courier" charset="0"/>
-                <a:sym typeface="Cabin"/>
-              </a:rPr>
-              <a:t>def</a:t>
-            </a:r>
-            <a:r>
-              <a:rPr lang="de-DE" sz="3200" dirty="0" smtClean="0">
-                <a:solidFill>
-                  <a:srgbClr val="FFFF00"/>
-                </a:solidFill>
-                <a:latin typeface="Courier" charset="0"/>
-                <a:ea typeface="Courier" charset="0"/>
-                <a:cs typeface="Courier" charset="0"/>
-                <a:sym typeface="Cabin"/>
-              </a:rPr>
-              <a:t> 	</a:t>
-            </a:r>
-            <a:r>
-              <a:rPr lang="de-DE" sz="3200" dirty="0" err="1" smtClean="0">
-                <a:solidFill>
-                  <a:srgbClr val="FFFF00"/>
-                </a:solidFill>
-                <a:latin typeface="Courier" charset="0"/>
-                <a:ea typeface="Courier" charset="0"/>
-                <a:cs typeface="Courier" charset="0"/>
-                <a:sym typeface="Cabin"/>
-              </a:rPr>
-              <a:t>from</a:t>
-            </a:r>
-            <a:r>
-              <a:rPr lang="de-DE" sz="3200" dirty="0" smtClean="0">
-                <a:solidFill>
-                  <a:srgbClr val="FFFF00"/>
-                </a:solidFill>
-                <a:latin typeface="Courier" charset="0"/>
-                <a:ea typeface="Courier" charset="0"/>
-                <a:cs typeface="Courier" charset="0"/>
-                <a:sym typeface="Cabin"/>
-              </a:rPr>
-              <a:t> 	</a:t>
-            </a:r>
-            <a:r>
-              <a:rPr lang="de-DE" sz="3200" dirty="0" err="1" smtClean="0">
-                <a:solidFill>
-                  <a:srgbClr val="FFFF00"/>
-                </a:solidFill>
-                <a:latin typeface="Courier" charset="0"/>
-                <a:ea typeface="Courier" charset="0"/>
-                <a:cs typeface="Courier" charset="0"/>
-                <a:sym typeface="Cabin"/>
-              </a:rPr>
-              <a:t>while</a:t>
-            </a:r>
-            <a:r>
-              <a:rPr lang="de-DE" sz="3200" dirty="0" smtClean="0">
-                <a:solidFill>
-                  <a:srgbClr val="FFFF00"/>
-                </a:solidFill>
-                <a:latin typeface="Courier" charset="0"/>
-                <a:ea typeface="Courier" charset="0"/>
-                <a:cs typeface="Courier" charset="0"/>
-                <a:sym typeface="Cabin"/>
-              </a:rPr>
-              <a:t>	</a:t>
-            </a:r>
-            <a:r>
-              <a:rPr lang="de-DE" sz="3200" dirty="0" err="1" smtClean="0">
-                <a:solidFill>
-                  <a:srgbClr val="FFFF00"/>
-                </a:solidFill>
-                <a:latin typeface="Courier" charset="0"/>
-                <a:ea typeface="Courier" charset="0"/>
-                <a:cs typeface="Courier" charset="0"/>
-                <a:sym typeface="Cabin"/>
-              </a:rPr>
-              <a:t>nonlocal</a:t>
-            </a:r>
-            <a:endParaRPr lang="de-DE" sz="3200" dirty="0" smtClean="0">
+              <a:t>raise</a:t>
+            </a:r>
+            <a:endParaRPr lang="de-DE" sz="3200" dirty="0">
               <a:solidFill>
                 <a:srgbClr val="FFFF00"/>
               </a:solidFill>
@@ -21376,7 +20751,7 @@
               <a:buSzPct val="25000"/>
             </a:pPr>
             <a:r>
-              <a:rPr lang="de-DE" sz="3200" dirty="0" err="1" smtClean="0">
+              <a:rPr lang="de-DE" sz="3200" dirty="0">
                 <a:solidFill>
                   <a:srgbClr val="FFFF00"/>
                 </a:solidFill>
@@ -21385,10 +20760,10 @@
                 <a:cs typeface="Courier" charset="0"/>
                 <a:sym typeface="Cabin"/>
               </a:rPr>
-              <a:t>and</a:t>
-            </a:r>
-            <a:r>
-              <a:rPr lang="de-DE" sz="3200" dirty="0" smtClean="0">
+              <a:t>True       </a:t>
+            </a:r>
+            <a:r>
+              <a:rPr lang="de-DE" sz="3200" dirty="0" err="1">
                 <a:solidFill>
                   <a:srgbClr val="FFFF00"/>
                 </a:solidFill>
@@ -21397,10 +20772,10 @@
                 <a:cs typeface="Courier" charset="0"/>
                 <a:sym typeface="Cabin"/>
               </a:rPr>
-              <a:t> 	del 	global 	not 	</a:t>
-            </a:r>
-            <a:r>
-              <a:rPr lang="de-DE" sz="3200" dirty="0" err="1" smtClean="0">
+              <a:t>class</a:t>
+            </a:r>
+            <a:r>
+              <a:rPr lang="de-DE" sz="3200" dirty="0">
                 <a:solidFill>
                   <a:srgbClr val="FFFF00"/>
                 </a:solidFill>
@@ -21409,9 +20784,69 @@
                 <a:cs typeface="Courier" charset="0"/>
                 <a:sym typeface="Cabin"/>
               </a:rPr>
-              <a:t>with</a:t>
-            </a:r>
-            <a:endParaRPr lang="de-DE" sz="3200" dirty="0" smtClean="0">
+              <a:t>      </a:t>
+            </a:r>
+            <a:r>
+              <a:rPr lang="de-DE" sz="3200" dirty="0" err="1">
+                <a:solidFill>
+                  <a:srgbClr val="FFFF00"/>
+                </a:solidFill>
+                <a:latin typeface="Courier" charset="0"/>
+                <a:ea typeface="Courier" charset="0"/>
+                <a:cs typeface="Courier" charset="0"/>
+                <a:sym typeface="Cabin"/>
+              </a:rPr>
+              <a:t>finally</a:t>
+            </a:r>
+            <a:r>
+              <a:rPr lang="de-DE" sz="3200" dirty="0">
+                <a:solidFill>
+                  <a:srgbClr val="FFFF00"/>
+                </a:solidFill>
+                <a:latin typeface="Courier" charset="0"/>
+                <a:ea typeface="Courier" charset="0"/>
+                <a:cs typeface="Courier" charset="0"/>
+                <a:sym typeface="Cabin"/>
+              </a:rPr>
+              <a:t>    </a:t>
+            </a:r>
+            <a:r>
+              <a:rPr lang="de-DE" sz="3200" dirty="0" err="1">
+                <a:solidFill>
+                  <a:srgbClr val="FFFF00"/>
+                </a:solidFill>
+                <a:latin typeface="Courier" charset="0"/>
+                <a:ea typeface="Courier" charset="0"/>
+                <a:cs typeface="Courier" charset="0"/>
+                <a:sym typeface="Cabin"/>
+              </a:rPr>
+              <a:t>is</a:t>
+            </a:r>
+            <a:r>
+              <a:rPr lang="de-DE" sz="3200" dirty="0">
+                <a:solidFill>
+                  <a:srgbClr val="FFFF00"/>
+                </a:solidFill>
+                <a:latin typeface="Courier" charset="0"/>
+                <a:ea typeface="Courier" charset="0"/>
+                <a:cs typeface="Courier" charset="0"/>
+                <a:sym typeface="Cabin"/>
+              </a:rPr>
+              <a:t>         </a:t>
+            </a:r>
+            <a:r>
+              <a:rPr lang="de-DE" sz="3200" dirty="0" err="1">
+                <a:solidFill>
+                  <a:srgbClr val="FFFF00"/>
+                </a:solidFill>
+                <a:latin typeface="Courier" charset="0"/>
+                <a:ea typeface="Courier" charset="0"/>
+                <a:cs typeface="Courier" charset="0"/>
+                <a:sym typeface="Cabin"/>
+              </a:rPr>
+              <a:t>return</a:t>
+            </a:r>
+            <a:endParaRPr lang="de-DE" sz="3200" dirty="0">
               <a:solidFill>
                 <a:srgbClr val="FFFF00"/>
               </a:solidFill>
@@ -21429,7 +20864,7 @@
               <a:buSzPct val="25000"/>
             </a:pPr>
             <a:r>
-              <a:rPr lang="de-DE" sz="3200" dirty="0" err="1" smtClean="0">
+              <a:rPr lang="de-DE" sz="3200" dirty="0">
                 <a:solidFill>
                   <a:srgbClr val="FFFF00"/>
                 </a:solidFill>
@@ -21438,10 +20873,10 @@
                 <a:cs typeface="Courier" charset="0"/>
                 <a:sym typeface="Cabin"/>
               </a:rPr>
-              <a:t>as</a:t>
-            </a:r>
-            <a:r>
-              <a:rPr lang="de-DE" sz="3200" dirty="0" smtClean="0">
+              <a:t>and        </a:t>
+            </a:r>
+            <a:r>
+              <a:rPr lang="de-DE" sz="3200" dirty="0" err="1">
                 <a:solidFill>
                   <a:srgbClr val="FFFF00"/>
                 </a:solidFill>
@@ -21450,10 +20885,10 @@
                 <a:cs typeface="Courier" charset="0"/>
                 <a:sym typeface="Cabin"/>
               </a:rPr>
-              <a:t>  	</a:t>
-            </a:r>
-            <a:r>
-              <a:rPr lang="de-DE" sz="3200" dirty="0" err="1" smtClean="0">
+              <a:t>continue</a:t>
+            </a:r>
+            <a:r>
+              <a:rPr lang="de-DE" sz="3200" dirty="0">
                 <a:solidFill>
                   <a:srgbClr val="FFFF00"/>
                 </a:solidFill>
@@ -21462,10 +20897,10 @@
                 <a:cs typeface="Courier" charset="0"/>
                 <a:sym typeface="Cabin"/>
               </a:rPr>
-              <a:t>elif</a:t>
-            </a:r>
-            <a:r>
-              <a:rPr lang="de-DE" sz="3200" dirty="0" smtClean="0">
+              <a:t>   </a:t>
+            </a:r>
+            <a:r>
+              <a:rPr lang="de-DE" sz="3200" dirty="0" err="1">
                 <a:solidFill>
                   <a:srgbClr val="FFFF00"/>
                 </a:solidFill>
@@ -21474,10 +20909,10 @@
                 <a:cs typeface="Courier" charset="0"/>
                 <a:sym typeface="Cabin"/>
               </a:rPr>
-              <a:t> 	</a:t>
-            </a:r>
-            <a:r>
-              <a:rPr lang="de-DE" sz="3200" dirty="0" err="1" smtClean="0">
+              <a:t>for</a:t>
+            </a:r>
+            <a:r>
+              <a:rPr lang="de-DE" sz="3200" dirty="0">
                 <a:solidFill>
                   <a:srgbClr val="FFFF00"/>
                 </a:solidFill>
@@ -21486,10 +20921,10 @@
                 <a:cs typeface="Courier" charset="0"/>
                 <a:sym typeface="Cabin"/>
               </a:rPr>
-              <a:t>try</a:t>
-            </a:r>
-            <a:r>
-              <a:rPr lang="de-DE" sz="3200" dirty="0" smtClean="0">
+              <a:t>        </a:t>
+            </a:r>
+            <a:r>
+              <a:rPr lang="de-DE" sz="3200" dirty="0" err="1">
                 <a:solidFill>
                   <a:srgbClr val="FFFF00"/>
                 </a:solidFill>
@@ -21498,10 +20933,10 @@
                 <a:cs typeface="Courier" charset="0"/>
                 <a:sym typeface="Cabin"/>
               </a:rPr>
-              <a:t>		</a:t>
-            </a:r>
-            <a:r>
-              <a:rPr lang="de-DE" sz="3200" dirty="0" err="1" smtClean="0">
+              <a:t>lambda</a:t>
+            </a:r>
+            <a:r>
+              <a:rPr lang="de-DE" sz="3200" dirty="0">
                 <a:solidFill>
                   <a:srgbClr val="FFFF00"/>
                 </a:solidFill>
@@ -21510,10 +20945,10 @@
                 <a:cs typeface="Courier" charset="0"/>
                 <a:sym typeface="Cabin"/>
               </a:rPr>
-              <a:t>or</a:t>
-            </a:r>
-            <a:r>
-              <a:rPr lang="de-DE" sz="3200" dirty="0" smtClean="0">
+              <a:t>     </a:t>
+            </a:r>
+            <a:r>
+              <a:rPr lang="de-DE" sz="3200" dirty="0" err="1">
                 <a:solidFill>
                   <a:srgbClr val="FFFF00"/>
                 </a:solidFill>
@@ -21522,21 +20957,9 @@
                 <a:cs typeface="Courier" charset="0"/>
                 <a:sym typeface="Cabin"/>
               </a:rPr>
-              <a:t> 		</a:t>
-            </a:r>
-            <a:r>
-              <a:rPr lang="de-DE" sz="3200" dirty="0" err="1" smtClean="0">
-                <a:solidFill>
-                  <a:srgbClr val="FFFF00"/>
-                </a:solidFill>
-                <a:latin typeface="Courier" charset="0"/>
-                <a:ea typeface="Courier" charset="0"/>
-                <a:cs typeface="Courier" charset="0"/>
-                <a:sym typeface="Cabin"/>
-              </a:rPr>
-              <a:t>yield</a:t>
-            </a:r>
-            <a:endParaRPr lang="de-DE" sz="3200" dirty="0" smtClean="0">
+              <a:t>try</a:t>
+            </a:r>
+            <a:endParaRPr lang="de-DE" sz="3200" dirty="0">
               <a:solidFill>
                 <a:srgbClr val="FFFF00"/>
               </a:solidFill>
@@ -21554,7 +20977,7 @@
               <a:buSzPct val="25000"/>
             </a:pPr>
             <a:r>
-              <a:rPr lang="de-DE" sz="3200" dirty="0" err="1" smtClean="0">
+              <a:rPr lang="de-DE" sz="3200" dirty="0" err="1">
                 <a:solidFill>
                   <a:srgbClr val="FFFF00"/>
                 </a:solidFill>
@@ -21563,10 +20986,10 @@
                 <a:cs typeface="Courier" charset="0"/>
                 <a:sym typeface="Cabin"/>
               </a:rPr>
-              <a:t>assert</a:t>
-            </a:r>
-            <a:r>
-              <a:rPr lang="de-DE" sz="3200" dirty="0" smtClean="0">
+              <a:t>as</a:t>
+            </a:r>
+            <a:r>
+              <a:rPr lang="de-DE" sz="3200" dirty="0">
                 <a:solidFill>
                   <a:srgbClr val="FFFF00"/>
                 </a:solidFill>
@@ -21575,10 +20998,10 @@
                 <a:cs typeface="Courier" charset="0"/>
                 <a:sym typeface="Cabin"/>
               </a:rPr>
-              <a:t> 	</a:t>
-            </a:r>
-            <a:r>
-              <a:rPr lang="de-DE" sz="3200" dirty="0" err="1" smtClean="0">
+              <a:t>         </a:t>
+            </a:r>
+            <a:r>
+              <a:rPr lang="de-DE" sz="3200" dirty="0" err="1">
                 <a:solidFill>
                   <a:srgbClr val="FFFF00"/>
                 </a:solidFill>
@@ -21587,10 +21010,10 @@
                 <a:cs typeface="Courier" charset="0"/>
                 <a:sym typeface="Cabin"/>
               </a:rPr>
-              <a:t>else</a:t>
-            </a:r>
-            <a:r>
-              <a:rPr lang="de-DE" sz="3200" dirty="0" smtClean="0">
+              <a:t>def</a:t>
+            </a:r>
+            <a:r>
+              <a:rPr lang="de-DE" sz="3200" dirty="0">
                 <a:solidFill>
                   <a:srgbClr val="FFFF00"/>
                 </a:solidFill>
@@ -21599,10 +21022,10 @@
                 <a:cs typeface="Courier" charset="0"/>
                 <a:sym typeface="Cabin"/>
               </a:rPr>
-              <a:t> 	</a:t>
-            </a:r>
-            <a:r>
-              <a:rPr lang="de-DE" sz="3200" dirty="0" err="1" smtClean="0">
+              <a:t>        </a:t>
+            </a:r>
+            <a:r>
+              <a:rPr lang="de-DE" sz="3200" dirty="0" err="1">
                 <a:solidFill>
                   <a:srgbClr val="FFFF00"/>
                 </a:solidFill>
@@ -21611,10 +21034,10 @@
                 <a:cs typeface="Courier" charset="0"/>
                 <a:sym typeface="Cabin"/>
               </a:rPr>
-              <a:t>import</a:t>
-            </a:r>
-            <a:r>
-              <a:rPr lang="de-DE" sz="3200" dirty="0" smtClean="0">
+              <a:t>from</a:t>
+            </a:r>
+            <a:r>
+              <a:rPr lang="de-DE" sz="3200" dirty="0">
                 <a:solidFill>
                   <a:srgbClr val="FFFF00"/>
                 </a:solidFill>
@@ -21623,18 +21046,10 @@
                 <a:cs typeface="Courier" charset="0"/>
                 <a:sym typeface="Cabin"/>
               </a:rPr>
-              <a:t> 	pass</a:t>
-            </a:r>
-          </a:p>
-          <a:p>
-            <a:pPr lvl="0">
-              <a:buClr>
-                <a:srgbClr val="FFFF00"/>
-              </a:buClr>
-              <a:buSzPct val="25000"/>
-            </a:pPr>
-            <a:r>
-              <a:rPr lang="de-DE" sz="3200" dirty="0" smtClean="0">
+              <a:t>       </a:t>
+            </a:r>
+            <a:r>
+              <a:rPr lang="de-DE" sz="3200" dirty="0" err="1">
                 <a:solidFill>
                   <a:srgbClr val="FFFF00"/>
                 </a:solidFill>
@@ -21643,10 +21058,10 @@
                 <a:cs typeface="Courier" charset="0"/>
                 <a:sym typeface="Cabin"/>
               </a:rPr>
-              <a:t>break 	</a:t>
-            </a:r>
-            <a:r>
-              <a:rPr lang="de-DE" sz="3200" dirty="0" err="1" smtClean="0">
+              <a:t>nonlocal</a:t>
+            </a:r>
+            <a:r>
+              <a:rPr lang="de-DE" sz="3200" dirty="0">
                 <a:solidFill>
                   <a:srgbClr val="FFFF00"/>
                 </a:solidFill>
@@ -21655,10 +21070,10 @@
                 <a:cs typeface="Courier" charset="0"/>
                 <a:sym typeface="Cabin"/>
               </a:rPr>
-              <a:t>except</a:t>
-            </a:r>
-            <a:r>
-              <a:rPr lang="de-DE" sz="3200" dirty="0" smtClean="0">
+              <a:t>   </a:t>
+            </a:r>
+            <a:r>
+              <a:rPr lang="de-DE" sz="3200" dirty="0" err="1">
                 <a:solidFill>
                   <a:srgbClr val="FFFF00"/>
                 </a:solidFill>
@@ -21667,10 +21082,27 @@
                 <a:cs typeface="Courier" charset="0"/>
                 <a:sym typeface="Cabin"/>
               </a:rPr>
-              <a:t> 	in 		</a:t>
-            </a:r>
-            <a:r>
-              <a:rPr lang="de-DE" sz="3200" dirty="0" err="1" smtClean="0">
+              <a:t>while</a:t>
+            </a:r>
+            <a:endParaRPr lang="de-DE" sz="3200" dirty="0">
+              <a:solidFill>
+                <a:srgbClr val="FFFF00"/>
+              </a:solidFill>
+              <a:latin typeface="Courier" charset="0"/>
+              <a:ea typeface="Courier" charset="0"/>
+              <a:cs typeface="Courier" charset="0"/>
+              <a:sym typeface="Cabin"/>
+            </a:endParaRPr>
+          </a:p>
+          <a:p>
+            <a:pPr lvl="0">
+              <a:buClr>
+                <a:srgbClr val="FFFF00"/>
+              </a:buClr>
+              <a:buSzPct val="25000"/>
+            </a:pPr>
+            <a:r>
+              <a:rPr lang="de-DE" sz="3200" dirty="0" err="1">
                 <a:solidFill>
                   <a:srgbClr val="FFFF00"/>
                 </a:solidFill>
@@ -21679,7 +21111,156 @@
                 <a:cs typeface="Courier" charset="0"/>
                 <a:sym typeface="Cabin"/>
               </a:rPr>
-              <a:t>raise</a:t>
+              <a:t>assert</a:t>
+            </a:r>
+            <a:r>
+              <a:rPr lang="de-DE" sz="3200" dirty="0">
+                <a:solidFill>
+                  <a:srgbClr val="FFFF00"/>
+                </a:solidFill>
+                <a:latin typeface="Courier" charset="0"/>
+                <a:ea typeface="Courier" charset="0"/>
+                <a:cs typeface="Courier" charset="0"/>
+                <a:sym typeface="Cabin"/>
+              </a:rPr>
+              <a:t>     del        global     not        </a:t>
+            </a:r>
+            <a:r>
+              <a:rPr lang="de-DE" sz="3200" dirty="0" err="1">
+                <a:solidFill>
+                  <a:srgbClr val="FFFF00"/>
+                </a:solidFill>
+                <a:latin typeface="Courier" charset="0"/>
+                <a:ea typeface="Courier" charset="0"/>
+                <a:cs typeface="Courier" charset="0"/>
+                <a:sym typeface="Cabin"/>
+              </a:rPr>
+              <a:t>with</a:t>
+            </a:r>
+            <a:endParaRPr lang="de-DE" sz="3200" dirty="0">
+              <a:solidFill>
+                <a:srgbClr val="FFFF00"/>
+              </a:solidFill>
+              <a:latin typeface="Courier" charset="0"/>
+              <a:ea typeface="Courier" charset="0"/>
+              <a:cs typeface="Courier" charset="0"/>
+              <a:sym typeface="Cabin"/>
+            </a:endParaRPr>
+          </a:p>
+          <a:p>
+            <a:pPr lvl="0">
+              <a:buClr>
+                <a:srgbClr val="FFFF00"/>
+              </a:buClr>
+              <a:buSzPct val="25000"/>
+            </a:pPr>
+            <a:r>
+              <a:rPr lang="de-DE" sz="3200" dirty="0" err="1">
+                <a:solidFill>
+                  <a:srgbClr val="FFFF00"/>
+                </a:solidFill>
+                <a:latin typeface="Courier" charset="0"/>
+                <a:ea typeface="Courier" charset="0"/>
+                <a:cs typeface="Courier" charset="0"/>
+                <a:sym typeface="Cabin"/>
+              </a:rPr>
+              <a:t>async</a:t>
+            </a:r>
+            <a:r>
+              <a:rPr lang="de-DE" sz="3200" dirty="0">
+                <a:solidFill>
+                  <a:srgbClr val="FFFF00"/>
+                </a:solidFill>
+                <a:latin typeface="Courier" charset="0"/>
+                <a:ea typeface="Courier" charset="0"/>
+                <a:cs typeface="Courier" charset="0"/>
+                <a:sym typeface="Cabin"/>
+              </a:rPr>
+              <a:t>      </a:t>
+            </a:r>
+            <a:r>
+              <a:rPr lang="de-DE" sz="3200" dirty="0" err="1">
+                <a:solidFill>
+                  <a:srgbClr val="FFFF00"/>
+                </a:solidFill>
+                <a:latin typeface="Courier" charset="0"/>
+                <a:ea typeface="Courier" charset="0"/>
+                <a:cs typeface="Courier" charset="0"/>
+                <a:sym typeface="Cabin"/>
+              </a:rPr>
+              <a:t>elif</a:t>
+            </a:r>
+            <a:r>
+              <a:rPr lang="de-DE" sz="3200" dirty="0">
+                <a:solidFill>
+                  <a:srgbClr val="FFFF00"/>
+                </a:solidFill>
+                <a:latin typeface="Courier" charset="0"/>
+                <a:ea typeface="Courier" charset="0"/>
+                <a:cs typeface="Courier" charset="0"/>
+                <a:sym typeface="Cabin"/>
+              </a:rPr>
+              <a:t>       </a:t>
+            </a:r>
+            <a:r>
+              <a:rPr lang="de-DE" sz="3200" dirty="0" err="1">
+                <a:solidFill>
+                  <a:srgbClr val="FFFF00"/>
+                </a:solidFill>
+                <a:latin typeface="Courier" charset="0"/>
+                <a:ea typeface="Courier" charset="0"/>
+                <a:cs typeface="Courier" charset="0"/>
+                <a:sym typeface="Cabin"/>
+              </a:rPr>
+              <a:t>if</a:t>
+            </a:r>
+            <a:r>
+              <a:rPr lang="de-DE" sz="3200" dirty="0">
+                <a:solidFill>
+                  <a:srgbClr val="FFFF00"/>
+                </a:solidFill>
+                <a:latin typeface="Courier" charset="0"/>
+                <a:ea typeface="Courier" charset="0"/>
+                <a:cs typeface="Courier" charset="0"/>
+                <a:sym typeface="Cabin"/>
+              </a:rPr>
+              <a:t>         </a:t>
+            </a:r>
+            <a:r>
+              <a:rPr lang="de-DE" sz="3200" dirty="0" err="1">
+                <a:solidFill>
+                  <a:srgbClr val="FFFF00"/>
+                </a:solidFill>
+                <a:latin typeface="Courier" charset="0"/>
+                <a:ea typeface="Courier" charset="0"/>
+                <a:cs typeface="Courier" charset="0"/>
+                <a:sym typeface="Cabin"/>
+              </a:rPr>
+              <a:t>or</a:t>
+            </a:r>
+            <a:r>
+              <a:rPr lang="de-DE" sz="3200" dirty="0">
+                <a:solidFill>
+                  <a:srgbClr val="FFFF00"/>
+                </a:solidFill>
+                <a:latin typeface="Courier" charset="0"/>
+                <a:ea typeface="Courier" charset="0"/>
+                <a:cs typeface="Courier" charset="0"/>
+                <a:sym typeface="Cabin"/>
+              </a:rPr>
+              <a:t>         </a:t>
+            </a:r>
+            <a:r>
+              <a:rPr lang="de-DE" sz="3200" dirty="0" err="1">
+                <a:solidFill>
+                  <a:srgbClr val="FFFF00"/>
+                </a:solidFill>
+                <a:latin typeface="Courier" charset="0"/>
+                <a:ea typeface="Courier" charset="0"/>
+                <a:cs typeface="Courier" charset="0"/>
+                <a:sym typeface="Cabin"/>
+              </a:rPr>
+              <a:t>yield</a:t>
             </a:r>
             <a:endParaRPr lang="en-US" sz="3200" u="none" strike="noStrike" cap="none" dirty="0">
               <a:solidFill>
@@ -21698,13 +21279,6 @@
   <p:clrMapOvr>
     <a:masterClrMapping/>
   </p:clrMapOvr>
-  <p:timing>
-    <p:tnLst>
-      <p:par>
-        <p:cTn xmlns:p14="http://schemas.microsoft.com/office/powerpoint/2010/main" id="1" dur="indefinite" restart="never" nodeType="tmRoot"/>
-      </p:par>
-    </p:tnLst>
-  </p:timing>
 </p:sld>
 </file>
 
@@ -22044,7 +21618,7 @@
               <a:t>x</a:t>
             </a:r>
             <a:r>
-              <a:rPr lang="en-US" sz="4800" dirty="0" smtClean="0">
+              <a:rPr lang="en-US" sz="4800" dirty="0">
                 <a:solidFill>
                   <a:srgbClr val="FFFF00"/>
                 </a:solidFill>
@@ -22055,15 +21629,6 @@
               </a:rPr>
               <a:t>)</a:t>
             </a:r>
-            <a:endParaRPr lang="en-US" sz="4800" dirty="0">
-              <a:solidFill>
-                <a:srgbClr val="FFFF00"/>
-              </a:solidFill>
-              <a:latin typeface="Courier"/>
-              <a:ea typeface="Courier"/>
-              <a:cs typeface="Courier"/>
-              <a:sym typeface="Courier New"/>
-            </a:endParaRPr>
           </a:p>
         </p:txBody>
       </p:sp>
@@ -22281,7 +21846,7 @@
               <a:buNone/>
             </a:pPr>
             <a:r>
-              <a:rPr lang="en-US" sz="4200" u="none" strike="noStrike" cap="none" smtClean="0">
+              <a:rPr lang="en-US" sz="4200" u="none" strike="noStrike" cap="none">
                 <a:solidFill>
                   <a:srgbClr val="FFFF00"/>
                 </a:solidFill>
@@ -22530,13 +22095,6 @@
   <p:clrMapOvr>
     <a:masterClrMapping/>
   </p:clrMapOvr>
-  <p:timing>
-    <p:tnLst>
-      <p:par>
-        <p:cTn xmlns:p14="http://schemas.microsoft.com/office/powerpoint/2010/main" id="1" dur="indefinite" restart="never" nodeType="tmRoot"/>
-      </p:par>
-    </p:tnLst>
-  </p:timing>
 </p:sld>
 </file>
 
@@ -22623,13 +22181,6 @@
   <p:clrMapOvr>
     <a:masterClrMapping/>
   </p:clrMapOvr>
-  <p:timing>
-    <p:tnLst>
-      <p:par>
-        <p:cTn xmlns:p14="http://schemas.microsoft.com/office/powerpoint/2010/main" id="1" dur="indefinite" restart="never" nodeType="tmRoot"/>
-      </p:par>
-    </p:tnLst>
-  </p:timing>
 </p:sld>
 </file>
 
@@ -22982,13 +22533,6 @@
   <p:clrMapOvr>
     <a:masterClrMapping/>
   </p:clrMapOvr>
-  <p:timing>
-    <p:tnLst>
-      <p:par>
-        <p:cTn xmlns:p14="http://schemas.microsoft.com/office/powerpoint/2010/main" id="1" dur="indefinite" restart="never" nodeType="tmRoot"/>
-      </p:par>
-    </p:tnLst>
-  </p:timing>
 </p:sld>
 </file>
 
@@ -23219,13 +22763,6 @@
   <p:clrMapOvr>
     <a:masterClrMapping/>
   </p:clrMapOvr>
-  <p:timing>
-    <p:tnLst>
-      <p:par>
-        <p:cTn xmlns:p14="http://schemas.microsoft.com/office/powerpoint/2010/main" id="1" dur="indefinite" restart="never" nodeType="tmRoot"/>
-      </p:par>
-    </p:tnLst>
-  </p:timing>
 </p:sld>
 </file>
 
@@ -23465,31 +23002,7 @@
                 <a:cs typeface="Arial" charset="0"/>
                 <a:sym typeface="Cabin"/>
               </a:rPr>
-              <a:t>Sometimes a step or group of steps </a:t>
-            </a:r>
-            <a:r>
-              <a:rPr lang="en-US" sz="3600" u="none" strike="noStrike" cap="none" dirty="0" smtClean="0">
-                <a:solidFill>
-                  <a:schemeClr val="lt1"/>
-                </a:solidFill>
-                <a:latin typeface="Arial" charset="0"/>
-                <a:ea typeface="Arial" charset="0"/>
-                <a:cs typeface="Arial" charset="0"/>
-                <a:sym typeface="Cabin"/>
-              </a:rPr>
-              <a:t>is </a:t>
-            </a:r>
-            <a:r>
-              <a:rPr lang="en-US" sz="3600" u="none" strike="noStrike" cap="none" dirty="0">
-                <a:solidFill>
-                  <a:schemeClr val="lt1"/>
-                </a:solidFill>
-                <a:latin typeface="Arial" charset="0"/>
-                <a:ea typeface="Arial" charset="0"/>
-                <a:cs typeface="Arial" charset="0"/>
-                <a:sym typeface="Cabin"/>
-              </a:rPr>
-              <a:t>to be </a:t>
+              <a:t>Sometimes a step or group of steps is to be </a:t>
             </a:r>
             <a:r>
               <a:rPr lang="en-US" sz="3600" u="none" strike="noStrike" cap="none" dirty="0">
@@ -23554,13 +23067,6 @@
   <p:clrMapOvr>
     <a:masterClrMapping/>
   </p:clrMapOvr>
-  <p:timing>
-    <p:tnLst>
-      <p:par>
-        <p:cTn xmlns:p14="http://schemas.microsoft.com/office/powerpoint/2010/main" id="1" dur="indefinite" restart="never" nodeType="tmRoot"/>
-      </p:par>
-    </p:tnLst>
-  </p:timing>
 </p:sld>
 </file>
 
@@ -23755,7 +23261,7 @@
               <a:buSzPct val="25000"/>
             </a:pPr>
             <a:r>
-              <a:rPr lang="en-US" sz="3600" u="none" strike="noStrike" cap="none" dirty="0" smtClean="0">
+              <a:rPr lang="en-US" sz="3600" u="none" strike="noStrike" cap="none" dirty="0">
                 <a:solidFill>
                   <a:srgbClr val="FFFF00"/>
                 </a:solidFill>
@@ -23767,7 +23273,7 @@
               <a:t>print(</a:t>
             </a:r>
             <a:r>
-              <a:rPr lang="en-US" sz="3600" u="none" strike="noStrike" cap="none" dirty="0" smtClean="0">
+              <a:rPr lang="en-US" sz="3600" u="none" strike="noStrike" cap="none" dirty="0">
                 <a:solidFill>
                   <a:srgbClr val="00FF00"/>
                 </a:solidFill>
@@ -23839,7 +23345,7 @@
               <a:buSzPct val="25000"/>
             </a:pPr>
             <a:r>
-              <a:rPr lang="en-US" sz="3600" u="none" strike="noStrike" cap="none" dirty="0" smtClean="0">
+              <a:rPr lang="en-US" sz="3600" u="none" strike="noStrike" cap="none" dirty="0">
                 <a:solidFill>
                   <a:srgbClr val="FFFF00"/>
                 </a:solidFill>
@@ -23851,7 +23357,7 @@
               <a:t>print(</a:t>
             </a:r>
             <a:r>
-              <a:rPr lang="en-US" sz="3600" u="none" strike="noStrike" cap="none" dirty="0" smtClean="0">
+              <a:rPr lang="en-US" sz="3600" u="none" strike="noStrike" cap="none" dirty="0">
                 <a:solidFill>
                   <a:srgbClr val="00FF00"/>
                 </a:solidFill>
@@ -23983,7 +23489,7 @@
               <a:buNone/>
             </a:pPr>
             <a:r>
-              <a:rPr lang="en-US" sz="3600" u="none" strike="noStrike" cap="none" dirty="0" smtClean="0">
+              <a:rPr lang="en-US" sz="3600" u="none" strike="noStrike" cap="none" dirty="0">
                 <a:solidFill>
                   <a:srgbClr val="FFFF00"/>
                 </a:solidFill>
@@ -23994,15 +23500,6 @@
               </a:rPr>
               <a:t>  2</a:t>
             </a:r>
-            <a:endParaRPr lang="en-US" sz="3600" u="none" strike="noStrike" cap="none" dirty="0">
-              <a:solidFill>
-                <a:srgbClr val="FFFF00"/>
-              </a:solidFill>
-              <a:latin typeface="Arial" charset="0"/>
-              <a:ea typeface="Arial" charset="0"/>
-              <a:cs typeface="Arial" charset="0"/>
-              <a:sym typeface="Cabin"/>
-            </a:endParaRPr>
           </a:p>
           <a:p>
             <a:pPr marL="0" marR="0" lvl="0" indent="0" algn="l" rtl="0">
@@ -24023,7 +23520,7 @@
               <a:buNone/>
             </a:pPr>
             <a:r>
-              <a:rPr lang="en-US" sz="3600" u="none" strike="noStrike" cap="none" dirty="0" smtClean="0">
+              <a:rPr lang="en-US" sz="3600" u="none" strike="noStrike" cap="none" dirty="0">
                 <a:solidFill>
                   <a:srgbClr val="FFFF00"/>
                 </a:solidFill>
@@ -24034,15 +23531,6 @@
               </a:rPr>
               <a:t>  4</a:t>
             </a:r>
-            <a:endParaRPr lang="en-US" sz="3600" u="none" strike="noStrike" cap="none" dirty="0">
-              <a:solidFill>
-                <a:srgbClr val="FFFF00"/>
-              </a:solidFill>
-              <a:latin typeface="Arial" charset="0"/>
-              <a:ea typeface="Arial" charset="0"/>
-              <a:cs typeface="Arial" charset="0"/>
-              <a:sym typeface="Cabin"/>
-            </a:endParaRPr>
           </a:p>
         </p:txBody>
       </p:sp>
@@ -24158,7 +23646,7 @@
               <a:buNone/>
             </a:pPr>
             <a:r>
-              <a:rPr lang="en-US" sz="3500" u="none" strike="noStrike" cap="none" dirty="0" smtClean="0">
+              <a:rPr lang="en-US" sz="3500" u="none" strike="noStrike" cap="none" dirty="0">
                 <a:solidFill>
                   <a:schemeClr val="lt1"/>
                 </a:solidFill>
@@ -24169,15 +23657,6 @@
               </a:rPr>
               <a:t>print(x)</a:t>
             </a:r>
-            <a:endParaRPr lang="en-US" sz="3500" u="none" strike="noStrike" cap="none" dirty="0">
-              <a:solidFill>
-                <a:schemeClr val="lt1"/>
-              </a:solidFill>
-              <a:latin typeface="Arial" charset="0"/>
-              <a:ea typeface="Arial" charset="0"/>
-              <a:cs typeface="Arial" charset="0"/>
-              <a:sym typeface="Cabin"/>
-            </a:endParaRPr>
           </a:p>
         </p:txBody>
       </p:sp>
@@ -24345,7 +23824,7 @@
               <a:buNone/>
             </a:pPr>
             <a:r>
-              <a:rPr lang="en-US" sz="3500" u="none" strike="noStrike" cap="none" dirty="0" smtClean="0">
+              <a:rPr lang="en-US" sz="3500" u="none" strike="noStrike" cap="none" dirty="0">
                 <a:solidFill>
                   <a:schemeClr val="lt1"/>
                 </a:solidFill>
@@ -24356,15 +23835,6 @@
               </a:rPr>
               <a:t>print(x)</a:t>
             </a:r>
-            <a:endParaRPr lang="en-US" sz="3500" u="none" strike="noStrike" cap="none" dirty="0">
-              <a:solidFill>
-                <a:schemeClr val="lt1"/>
-              </a:solidFill>
-              <a:latin typeface="Arial" charset="0"/>
-              <a:ea typeface="Arial" charset="0"/>
-              <a:cs typeface="Arial" charset="0"/>
-              <a:sym typeface="Cabin"/>
-            </a:endParaRPr>
           </a:p>
         </p:txBody>
       </p:sp>
@@ -24580,13 +24050,6 @@
   <p:clrMapOvr>
     <a:masterClrMapping/>
   </p:clrMapOvr>
-  <p:timing>
-    <p:tnLst>
-      <p:par>
-        <p:cTn xmlns:p14="http://schemas.microsoft.com/office/powerpoint/2010/main" id="1" dur="indefinite" restart="never" nodeType="tmRoot"/>
-      </p:par>
-    </p:tnLst>
-  </p:timing>
 </p:sld>
 </file>
 
@@ -24740,31 +24203,7 @@
                 <a:cs typeface="Arial" charset="0"/>
                 <a:sym typeface="Cabin"/>
               </a:rPr>
-              <a:t>Users see computers as a set of tools - word processor, spreadsheet, map, </a:t>
-            </a:r>
-            <a:r>
-              <a:rPr lang="en-US" sz="3200" u="none" strike="noStrike" cap="none" dirty="0" smtClean="0">
-                <a:solidFill>
-                  <a:schemeClr val="lt1"/>
-                </a:solidFill>
-                <a:latin typeface="Arial" charset="0"/>
-                <a:ea typeface="Arial" charset="0"/>
-                <a:cs typeface="Arial" charset="0"/>
-                <a:sym typeface="Cabin"/>
-              </a:rPr>
-              <a:t>to-do </a:t>
-            </a:r>
-            <a:r>
-              <a:rPr lang="en-US" sz="3200" u="none" strike="noStrike" cap="none" dirty="0">
-                <a:solidFill>
-                  <a:schemeClr val="lt1"/>
-                </a:solidFill>
-                <a:latin typeface="Arial" charset="0"/>
-                <a:ea typeface="Arial" charset="0"/>
-                <a:cs typeface="Arial" charset="0"/>
-                <a:sym typeface="Cabin"/>
-              </a:rPr>
-              <a:t>list, etc.</a:t>
+              <a:t>Users see computers as a set of tools - word processor, spreadsheet, map, to-do list, etc.</a:t>
             </a:r>
           </a:p>
           <a:p>
@@ -24963,13 +24402,6 @@
   <p:clrMapOvr>
     <a:masterClrMapping/>
   </p:clrMapOvr>
-  <p:timing>
-    <p:tnLst>
-      <p:par>
-        <p:cTn xmlns:p14="http://schemas.microsoft.com/office/powerpoint/2010/main" id="1" dur="indefinite" restart="never" nodeType="tmRoot"/>
-      </p:par>
-    </p:tnLst>
-  </p:timing>
 </p:sld>
 </file>
 
@@ -25148,7 +24580,7 @@
               <a:buNone/>
             </a:pPr>
             <a:r>
-              <a:rPr lang="en-US" sz="3600" u="none" strike="noStrike" cap="none" dirty="0" smtClean="0">
+              <a:rPr lang="en-US" sz="3600" u="none" strike="noStrike" cap="none" dirty="0">
                 <a:solidFill>
                   <a:srgbClr val="FFFF00"/>
                 </a:solidFill>
@@ -25159,15 +24591,6 @@
               </a:rPr>
               <a:t>Smaller</a:t>
             </a:r>
-            <a:endParaRPr lang="en-US" sz="3600" u="none" strike="noStrike" cap="none" dirty="0">
-              <a:solidFill>
-                <a:srgbClr val="FFFF00"/>
-              </a:solidFill>
-              <a:latin typeface="Arial" charset="0"/>
-              <a:ea typeface="Arial" charset="0"/>
-              <a:cs typeface="Arial" charset="0"/>
-              <a:sym typeface="Cabin"/>
-            </a:endParaRPr>
           </a:p>
           <a:p>
             <a:pPr marL="0" marR="0" lvl="0" indent="0" algn="l" rtl="0">
@@ -25188,7 +24611,7 @@
               <a:buNone/>
             </a:pPr>
             <a:r>
-              <a:rPr lang="en-US" sz="3600" u="none" strike="noStrike" cap="none" dirty="0" smtClean="0">
+              <a:rPr lang="en-US" sz="3600" u="none" strike="noStrike" cap="none" dirty="0">
                 <a:solidFill>
                   <a:srgbClr val="FFFF00"/>
                 </a:solidFill>
@@ -25199,15 +24622,6 @@
               </a:rPr>
               <a:t>Finis </a:t>
             </a:r>
-            <a:endParaRPr lang="en-US" sz="3600" u="none" strike="noStrike" cap="none" dirty="0">
-              <a:solidFill>
-                <a:srgbClr val="FFFF00"/>
-              </a:solidFill>
-              <a:latin typeface="Arial" charset="0"/>
-              <a:ea typeface="Arial" charset="0"/>
-              <a:cs typeface="Arial" charset="0"/>
-              <a:sym typeface="Cabin"/>
-            </a:endParaRPr>
           </a:p>
         </p:txBody>
       </p:sp>
@@ -25254,7 +24668,7 @@
               <a:buNone/>
             </a:pPr>
             <a:r>
-              <a:rPr lang="en-US" sz="3600" u="none" strike="noStrike" cap="none" dirty="0" smtClean="0">
+              <a:rPr lang="en-US" sz="3600" u="none" strike="noStrike" cap="none" dirty="0">
                 <a:solidFill>
                   <a:schemeClr val="lt1"/>
                 </a:solidFill>
@@ -25279,7 +24693,7 @@
               </a:spcAft>
               <a:buNone/>
             </a:pPr>
-            <a:endParaRPr sz="3600" u="none" strike="noStrike" cap="none" dirty="0" smtClean="0">
+            <a:endParaRPr sz="3600" u="none" strike="noStrike" cap="none" dirty="0">
               <a:solidFill>
                 <a:srgbClr val="FF7F00"/>
               </a:solidFill>
@@ -25308,7 +24722,7 @@
               <a:buNone/>
             </a:pPr>
             <a:r>
-              <a:rPr lang="en-US" sz="2800" u="none" strike="noStrike" cap="none" dirty="0" smtClean="0">
+              <a:rPr lang="en-US" sz="2800" u="none" strike="noStrike" cap="none" dirty="0">
                 <a:solidFill>
                   <a:srgbClr val="00FF00"/>
                 </a:solidFill>
@@ -25339,7 +24753,7 @@
               <a:buNone/>
             </a:pPr>
             <a:r>
-              <a:rPr lang="en-US" sz="2800" u="none" strike="noStrike" cap="none" dirty="0" smtClean="0">
+              <a:rPr lang="en-US" sz="2800" u="none" strike="noStrike" cap="none" dirty="0">
                 <a:solidFill>
                   <a:srgbClr val="FFFF00"/>
                 </a:solidFill>
@@ -25351,7 +24765,7 @@
               <a:t>if</a:t>
             </a:r>
             <a:r>
-              <a:rPr lang="en-US" sz="2800" u="none" strike="noStrike" cap="none" dirty="0" smtClean="0">
+              <a:rPr lang="en-US" sz="2800" u="none" strike="noStrike" cap="none" dirty="0">
                 <a:solidFill>
                   <a:srgbClr val="FF7F00"/>
                 </a:solidFill>
@@ -25363,7 +24777,7 @@
               <a:t> </a:t>
             </a:r>
             <a:r>
-              <a:rPr lang="en-US" sz="2800" u="none" strike="noStrike" cap="none" dirty="0" smtClean="0">
+              <a:rPr lang="en-US" sz="2800" u="none" strike="noStrike" cap="none" dirty="0">
                 <a:solidFill>
                   <a:srgbClr val="00FF00"/>
                 </a:solidFill>
@@ -25383,7 +24797,7 @@
               <a:buSzPct val="25000"/>
             </a:pPr>
             <a:r>
-              <a:rPr lang="en-US" sz="2800" u="none" strike="noStrike" cap="none" dirty="0" smtClean="0">
+              <a:rPr lang="en-US" sz="2800" u="none" strike="noStrike" cap="none" dirty="0">
                 <a:solidFill>
                   <a:srgbClr val="FF7F00"/>
                 </a:solidFill>
@@ -25395,7 +24809,7 @@
               <a:t>    </a:t>
             </a:r>
             <a:r>
-              <a:rPr lang="en-US" sz="2800" u="none" strike="noStrike" cap="none" dirty="0" smtClean="0">
+              <a:rPr lang="en-US" sz="2800" u="none" strike="noStrike" cap="none" dirty="0">
                 <a:solidFill>
                   <a:srgbClr val="FFFF00"/>
                 </a:solidFill>
@@ -25407,7 +24821,7 @@
               <a:t>print(</a:t>
             </a:r>
             <a:r>
-              <a:rPr lang="en-US" sz="2800" u="none" strike="noStrike" cap="none" dirty="0" smtClean="0">
+              <a:rPr lang="en-US" sz="2800" u="none" strike="noStrike" cap="none" dirty="0">
                 <a:solidFill>
                   <a:srgbClr val="00FF00"/>
                 </a:solidFill>
@@ -25419,7 +24833,7 @@
               <a:t>'</a:t>
             </a:r>
             <a:r>
-              <a:rPr lang="en-US" sz="2800" dirty="0" smtClean="0">
+              <a:rPr lang="en-US" sz="2800" dirty="0">
                 <a:solidFill>
                   <a:srgbClr val="00FF00"/>
                 </a:solidFill>
@@ -25431,7 +24845,7 @@
               <a:t>Smaller'</a:t>
             </a:r>
             <a:r>
-              <a:rPr lang="en-US" sz="2800" dirty="0" smtClean="0">
+              <a:rPr lang="en-US" sz="2800" dirty="0">
                 <a:solidFill>
                   <a:srgbClr val="FFFF00"/>
                 </a:solidFill>
@@ -25442,7 +24856,7 @@
               </a:rPr>
               <a:t>)</a:t>
             </a:r>
-            <a:endParaRPr lang="en-US" sz="2800" u="none" strike="noStrike" cap="none" dirty="0" smtClean="0">
+            <a:endParaRPr lang="en-US" sz="2800" u="none" strike="noStrike" cap="none" dirty="0">
               <a:solidFill>
                 <a:srgbClr val="00FF00"/>
               </a:solidFill>
@@ -25471,7 +24885,7 @@
               <a:buNone/>
             </a:pPr>
             <a:r>
-              <a:rPr lang="en-US" sz="2800" u="none" strike="noStrike" cap="none" dirty="0" smtClean="0">
+              <a:rPr lang="en-US" sz="2800" u="none" strike="noStrike" cap="none" dirty="0">
                 <a:solidFill>
                   <a:srgbClr val="FFFF00"/>
                 </a:solidFill>
@@ -25483,7 +24897,7 @@
               <a:t>if</a:t>
             </a:r>
             <a:r>
-              <a:rPr lang="en-US" sz="2800" u="none" strike="noStrike" cap="none" dirty="0" smtClean="0">
+              <a:rPr lang="en-US" sz="2800" u="none" strike="noStrike" cap="none" dirty="0">
                 <a:solidFill>
                   <a:srgbClr val="FF7F00"/>
                 </a:solidFill>
@@ -25495,7 +24909,7 @@
               <a:t> </a:t>
             </a:r>
             <a:r>
-              <a:rPr lang="en-US" sz="2800" u="none" strike="noStrike" cap="none" dirty="0" smtClean="0">
+              <a:rPr lang="en-US" sz="2800" u="none" strike="noStrike" cap="none" dirty="0">
                 <a:solidFill>
                   <a:srgbClr val="00FF00"/>
                 </a:solidFill>
@@ -25515,7 +24929,7 @@
               <a:buSzPct val="25000"/>
             </a:pPr>
             <a:r>
-              <a:rPr lang="en-US" sz="2800" u="none" strike="noStrike" cap="none" dirty="0" smtClean="0">
+              <a:rPr lang="en-US" sz="2800" u="none" strike="noStrike" cap="none" dirty="0">
                 <a:solidFill>
                   <a:srgbClr val="FF7F00"/>
                 </a:solidFill>
@@ -25527,7 +24941,7 @@
               <a:t>    </a:t>
             </a:r>
             <a:r>
-              <a:rPr lang="en-US" sz="2800" u="none" strike="noStrike" cap="none" dirty="0" smtClean="0">
+              <a:rPr lang="en-US" sz="2800" u="none" strike="noStrike" cap="none" dirty="0">
                 <a:solidFill>
                   <a:srgbClr val="FFFF00"/>
                 </a:solidFill>
@@ -25539,7 +24953,7 @@
               <a:t>print(</a:t>
             </a:r>
             <a:r>
-              <a:rPr lang="en-US" sz="2800" u="none" strike="noStrike" cap="none" dirty="0" smtClean="0">
+              <a:rPr lang="en-US" sz="2800" u="none" strike="noStrike" cap="none" dirty="0">
                 <a:solidFill>
                   <a:srgbClr val="00FF00"/>
                 </a:solidFill>
@@ -25551,7 +24965,7 @@
               <a:t>'</a:t>
             </a:r>
             <a:r>
-              <a:rPr lang="en-US" sz="2800" dirty="0" smtClean="0">
+              <a:rPr lang="en-US" sz="2800" dirty="0">
                 <a:solidFill>
                   <a:srgbClr val="00FF00"/>
                 </a:solidFill>
@@ -25563,7 +24977,7 @@
               <a:t>Bigger'</a:t>
             </a:r>
             <a:r>
-              <a:rPr lang="en-US" sz="2800" dirty="0" smtClean="0">
+              <a:rPr lang="en-US" sz="2800" dirty="0">
                 <a:solidFill>
                   <a:srgbClr val="FFFF00"/>
                 </a:solidFill>
@@ -25574,7 +24988,7 @@
               </a:rPr>
               <a:t>)</a:t>
             </a:r>
-            <a:endParaRPr lang="en-US" sz="2800" u="none" strike="noStrike" cap="none" dirty="0" smtClean="0">
+            <a:endParaRPr lang="en-US" sz="2800" u="none" strike="noStrike" cap="none" dirty="0">
               <a:solidFill>
                 <a:srgbClr val="00FF00"/>
               </a:solidFill>
@@ -25597,7 +25011,7 @@
               </a:spcAft>
               <a:buNone/>
             </a:pPr>
-            <a:endParaRPr sz="2800" u="none" strike="noStrike" cap="none" dirty="0" smtClean="0">
+            <a:endParaRPr sz="2800" u="none" strike="noStrike" cap="none" dirty="0">
               <a:solidFill>
                 <a:srgbClr val="00FF00"/>
               </a:solidFill>
@@ -25615,7 +25029,7 @@
               <a:buSzPct val="25000"/>
             </a:pPr>
             <a:r>
-              <a:rPr lang="en-US" sz="2800" u="none" strike="noStrike" cap="none" dirty="0" smtClean="0">
+              <a:rPr lang="en-US" sz="2800" u="none" strike="noStrike" cap="none" dirty="0">
                 <a:solidFill>
                   <a:srgbClr val="FFFF00"/>
                 </a:solidFill>
@@ -25627,7 +25041,7 @@
               <a:t>print(</a:t>
             </a:r>
             <a:r>
-              <a:rPr lang="en-US" sz="2800" u="none" strike="noStrike" cap="none" dirty="0" smtClean="0">
+              <a:rPr lang="en-US" sz="2800" u="none" strike="noStrike" cap="none" dirty="0">
                 <a:solidFill>
                   <a:srgbClr val="00FF00"/>
                 </a:solidFill>
@@ -25639,7 +25053,7 @@
               <a:t>'Finis'</a:t>
             </a:r>
             <a:r>
-              <a:rPr lang="en-US" sz="2800" dirty="0" smtClean="0">
+              <a:rPr lang="en-US" sz="2800" dirty="0">
                 <a:solidFill>
                   <a:srgbClr val="FFFF00"/>
                 </a:solidFill>
@@ -25918,7 +25332,7 @@
               <a:buSzPct val="25000"/>
             </a:pPr>
             <a:r>
-              <a:rPr lang="en-US" sz="3000" u="none" strike="noStrike" cap="none" dirty="0" smtClean="0">
+              <a:rPr lang="en-US" sz="3000" u="none" strike="noStrike" cap="none" dirty="0">
                 <a:solidFill>
                   <a:schemeClr val="lt1"/>
                 </a:solidFill>
@@ -26196,7 +25610,7 @@
               <a:buSzPct val="25000"/>
             </a:pPr>
             <a:r>
-              <a:rPr lang="en-US" sz="3000" u="none" strike="noStrike" cap="none" dirty="0" smtClean="0">
+              <a:rPr lang="en-US" sz="3000" u="none" strike="noStrike" cap="none" dirty="0">
                 <a:solidFill>
                   <a:schemeClr val="lt1"/>
                 </a:solidFill>
@@ -26399,7 +25813,7 @@
               <a:buSzPct val="25000"/>
             </a:pPr>
             <a:r>
-              <a:rPr lang="en-US" sz="3000" u="none" strike="noStrike" cap="none" dirty="0" smtClean="0">
+              <a:rPr lang="en-US" sz="3000" u="none" strike="noStrike" cap="none" dirty="0">
                 <a:solidFill>
                   <a:schemeClr val="lt1"/>
                 </a:solidFill>
@@ -26718,13 +26132,6 @@
   <p:clrMapOvr>
     <a:masterClrMapping/>
   </p:clrMapOvr>
-  <p:timing>
-    <p:tnLst>
-      <p:par>
-        <p:cTn xmlns:p14="http://schemas.microsoft.com/office/powerpoint/2010/main" id="1" dur="indefinite" restart="never" nodeType="tmRoot"/>
-      </p:par>
-    </p:tnLst>
-  </p:timing>
 </p:sld>
 </file>
 
@@ -27264,34 +26671,53 @@
                 <a:cs typeface="Courier" charset="0"/>
                 <a:sym typeface="Cabin"/>
               </a:rPr>
-              <a:t>    </a:t>
-            </a:r>
-            <a:r>
-              <a:rPr lang="en-US" sz="2800" u="none" strike="noStrike" cap="none" dirty="0" smtClean="0">
-                <a:solidFill>
-                  <a:srgbClr val="FFFF00"/>
+              <a:t>    print(</a:t>
+            </a:r>
+            <a:r>
+              <a:rPr lang="en-US" sz="2800" u="none" strike="noStrike" cap="none" dirty="0">
+                <a:solidFill>
+                  <a:srgbClr val="00FF00"/>
                 </a:solidFill>
                 <a:latin typeface="Courier" charset="0"/>
                 <a:ea typeface="Courier" charset="0"/>
                 <a:cs typeface="Courier" charset="0"/>
                 <a:sym typeface="Cabin"/>
               </a:rPr>
-              <a:t>print(</a:t>
-            </a:r>
-            <a:r>
-              <a:rPr lang="en-US" sz="2800" u="none" strike="noStrike" cap="none" dirty="0" smtClean="0">
-                <a:solidFill>
-                  <a:srgbClr val="00FF00"/>
+              <a:t>n</a:t>
+            </a:r>
+            <a:r>
+              <a:rPr lang="en-US" sz="2800" u="none" strike="noStrike" cap="none" dirty="0">
+                <a:solidFill>
+                  <a:srgbClr val="FFFF00"/>
                 </a:solidFill>
                 <a:latin typeface="Courier" charset="0"/>
                 <a:ea typeface="Courier" charset="0"/>
                 <a:cs typeface="Courier" charset="0"/>
                 <a:sym typeface="Cabin"/>
               </a:rPr>
-              <a:t>n</a:t>
-            </a:r>
-            <a:r>
-              <a:rPr lang="en-US" sz="2800" u="none" strike="noStrike" cap="none" dirty="0" smtClean="0">
+              <a:t>)</a:t>
+            </a:r>
+          </a:p>
+          <a:p>
+            <a:pPr marL="0" marR="0" lvl="0" indent="0" algn="l" rtl="0">
+              <a:lnSpc>
+                <a:spcPct val="100000"/>
+              </a:lnSpc>
+              <a:spcBef>
+                <a:spcPts val="0"/>
+              </a:spcBef>
+              <a:spcAft>
+                <a:spcPts val="0"/>
+              </a:spcAft>
+              <a:buClr>
+                <a:srgbClr val="FFFF00"/>
+              </a:buClr>
+              <a:buSzPct val="25000"/>
+              <a:buFont typeface="Cabin"/>
+              <a:buNone/>
+            </a:pPr>
+            <a:r>
+              <a:rPr lang="en-US" sz="2800" u="none" strike="noStrike" cap="none" dirty="0">
                 <a:solidFill>
                   <a:srgbClr val="FFFF00"/>
                 </a:solidFill>
@@ -27300,70 +26726,42 @@
                 <a:cs typeface="Courier" charset="0"/>
                 <a:sym typeface="Cabin"/>
               </a:rPr>
-              <a:t>)</a:t>
-            </a:r>
-            <a:endParaRPr lang="en-US" sz="2800" u="none" strike="noStrike" cap="none" dirty="0">
-              <a:solidFill>
-                <a:srgbClr val="FFFF00"/>
-              </a:solidFill>
-              <a:latin typeface="Courier" charset="0"/>
-              <a:ea typeface="Courier" charset="0"/>
-              <a:cs typeface="Courier" charset="0"/>
-              <a:sym typeface="Cabin"/>
-            </a:endParaRPr>
-          </a:p>
-          <a:p>
-            <a:pPr marL="0" marR="0" lvl="0" indent="0" algn="l" rtl="0">
-              <a:lnSpc>
-                <a:spcPct val="100000"/>
-              </a:lnSpc>
-              <a:spcBef>
-                <a:spcPts val="0"/>
-              </a:spcBef>
-              <a:spcAft>
-                <a:spcPts val="0"/>
-              </a:spcAft>
-              <a:buClr>
-                <a:srgbClr val="FFFF00"/>
-              </a:buClr>
-              <a:buSzPct val="25000"/>
-              <a:buFont typeface="Cabin"/>
-              <a:buNone/>
-            </a:pPr>
+              <a:t>    </a:t>
+            </a:r>
             <a:r>
               <a:rPr lang="en-US" sz="2800" u="none" strike="noStrike" cap="none" dirty="0">
                 <a:solidFill>
-                  <a:srgbClr val="FFFF00"/>
+                  <a:srgbClr val="00FF00"/>
                 </a:solidFill>
                 <a:latin typeface="Courier" charset="0"/>
                 <a:ea typeface="Courier" charset="0"/>
                 <a:cs typeface="Courier" charset="0"/>
                 <a:sym typeface="Cabin"/>
               </a:rPr>
-              <a:t>    </a:t>
-            </a:r>
-            <a:r>
-              <a:rPr lang="en-US" sz="2800" u="none" strike="noStrike" cap="none" dirty="0">
-                <a:solidFill>
-                  <a:srgbClr val="00FF00"/>
+              <a:t>n = n – 1</a:t>
+            </a:r>
+          </a:p>
+          <a:p>
+            <a:pPr lvl="0">
+              <a:buClr>
+                <a:srgbClr val="FFFF00"/>
+              </a:buClr>
+              <a:buSzPct val="25000"/>
+            </a:pPr>
+            <a:r>
+              <a:rPr lang="en-US" sz="2800" dirty="0">
+                <a:solidFill>
+                  <a:srgbClr val="FFFF00"/>
                 </a:solidFill>
                 <a:latin typeface="Courier" charset="0"/>
                 <a:ea typeface="Courier" charset="0"/>
                 <a:cs typeface="Courier" charset="0"/>
                 <a:sym typeface="Cabin"/>
               </a:rPr>
-              <a:t>n = n – 1</a:t>
-            </a:r>
-          </a:p>
-          <a:p>
-            <a:pPr lvl="0">
-              <a:buClr>
-                <a:srgbClr val="FFFF00"/>
-              </a:buClr>
-              <a:buSzPct val="25000"/>
-            </a:pPr>
-            <a:r>
-              <a:rPr lang="en-US" sz="2800" dirty="0">
+              <a:t>p</a:t>
+            </a:r>
+            <a:r>
+              <a:rPr lang="en-US" sz="2800" u="none" strike="noStrike" cap="none" dirty="0">
                 <a:solidFill>
                   <a:srgbClr val="FFFF00"/>
                 </a:solidFill>
@@ -27372,22 +26770,22 @@
                 <a:cs typeface="Courier" charset="0"/>
                 <a:sym typeface="Cabin"/>
               </a:rPr>
-              <a:t>p</a:t>
-            </a:r>
-            <a:r>
-              <a:rPr lang="en-US" sz="2800" u="none" strike="noStrike" cap="none" dirty="0" smtClean="0">
-                <a:solidFill>
-                  <a:srgbClr val="FFFF00"/>
+              <a:t>rint(</a:t>
+            </a:r>
+            <a:r>
+              <a:rPr lang="en-US" sz="2800" u="none" strike="noStrike" cap="none" dirty="0">
+                <a:solidFill>
+                  <a:srgbClr val="00FF00"/>
                 </a:solidFill>
                 <a:latin typeface="Courier" charset="0"/>
                 <a:ea typeface="Courier" charset="0"/>
                 <a:cs typeface="Courier" charset="0"/>
                 <a:sym typeface="Cabin"/>
               </a:rPr>
-              <a:t>rint(</a:t>
-            </a:r>
-            <a:r>
-              <a:rPr lang="en-US" sz="2800" u="none" strike="noStrike" cap="none" dirty="0" smtClean="0">
+              <a:t>'Blastoff</a:t>
+            </a:r>
+            <a:r>
+              <a:rPr lang="en-US" sz="2800" dirty="0">
                 <a:solidFill>
                   <a:srgbClr val="00FF00"/>
                 </a:solidFill>
@@ -27396,41 +26794,20 @@
                 <a:cs typeface="Courier" charset="0"/>
                 <a:sym typeface="Cabin"/>
               </a:rPr>
-              <a:t>'Blastoff</a:t>
-            </a:r>
-            <a:r>
-              <a:rPr lang="en-US" sz="2800" dirty="0" smtClean="0">
-                <a:solidFill>
-                  <a:srgbClr val="00FF00"/>
+              <a:t>!'</a:t>
+            </a:r>
+            <a:r>
+              <a:rPr lang="en-US" sz="2800" b="1" u="none" strike="noStrike" cap="none" dirty="0">
+                <a:solidFill>
+                  <a:srgbClr val="FFFF00"/>
                 </a:solidFill>
                 <a:latin typeface="Courier" charset="0"/>
                 <a:ea typeface="Courier" charset="0"/>
                 <a:cs typeface="Courier" charset="0"/>
                 <a:sym typeface="Cabin"/>
               </a:rPr>
-              <a:t>!'</a:t>
-            </a:r>
-            <a:r>
-              <a:rPr lang="en-US" sz="2800" b="1" u="none" strike="noStrike" cap="none" dirty="0" smtClean="0">
-                <a:solidFill>
-                  <a:srgbClr val="FFFF00"/>
-                </a:solidFill>
-                <a:latin typeface="Courier" charset="0"/>
-                <a:ea typeface="Courier" charset="0"/>
-                <a:cs typeface="Courier" charset="0"/>
-                <a:sym typeface="Cabin"/>
-              </a:rPr>
               <a:t>)</a:t>
             </a:r>
-            <a:endParaRPr lang="en-US" sz="2800" b="1" u="none" strike="noStrike" cap="none" dirty="0">
-              <a:solidFill>
-                <a:srgbClr val="FFFF00"/>
-              </a:solidFill>
-              <a:latin typeface="Courier" charset="0"/>
-              <a:ea typeface="Courier" charset="0"/>
-              <a:cs typeface="Courier" charset="0"/>
-              <a:sym typeface="Cabin"/>
-            </a:endParaRPr>
           </a:p>
         </p:txBody>
       </p:sp>
@@ -27911,19 +27288,7 @@
                 <a:cs typeface="Arial" charset="0"/>
                 <a:sym typeface="Cabin"/>
               </a:rPr>
-              <a:t>a </a:t>
-            </a:r>
-            <a:r>
-              <a:rPr lang="en-US" sz="3200" u="none" strike="noStrike" cap="none" smtClean="0">
-                <a:solidFill>
-                  <a:schemeClr val="lt1"/>
-                </a:solidFill>
-                <a:latin typeface="Arial" charset="0"/>
-                <a:ea typeface="Arial" charset="0"/>
-                <a:cs typeface="Arial" charset="0"/>
-                <a:sym typeface="Cabin"/>
-              </a:rPr>
-              <a:t>loop.</a:t>
+              <a:t>a loop.</a:t>
             </a:r>
             <a:endParaRPr lang="en-US" sz="3200" u="none" strike="noStrike" cap="none" dirty="0">
               <a:solidFill>
@@ -28036,7 +27401,7 @@
               <a:buSzPct val="25000"/>
             </a:pPr>
             <a:r>
-              <a:rPr lang="en-US" sz="3500" u="none" strike="noStrike" cap="none" dirty="0" smtClean="0">
+              <a:rPr lang="en-US" sz="3500" u="none" strike="noStrike" cap="none" dirty="0">
                 <a:solidFill>
                   <a:schemeClr val="lt1"/>
                 </a:solidFill>
@@ -28244,7 +27609,7 @@
               <a:buNone/>
             </a:pPr>
             <a:r>
-              <a:rPr lang="en-US" sz="3500" u="none" strike="noStrike" cap="none" dirty="0" smtClean="0">
+              <a:rPr lang="en-US" sz="3500" u="none" strike="noStrike" cap="none" dirty="0">
                 <a:solidFill>
                   <a:schemeClr val="lt1"/>
                 </a:solidFill>
@@ -28256,7 +27621,7 @@
               <a:t>print(</a:t>
             </a:r>
             <a:r>
-              <a:rPr lang="en-US" sz="3500" u="none" strike="noStrike" cap="none" dirty="0" smtClean="0">
+              <a:rPr lang="en-US" sz="3500" u="none" strike="noStrike" cap="none" dirty="0">
                 <a:solidFill>
                   <a:srgbClr val="FFFFFF"/>
                 </a:solidFill>
@@ -28267,15 +27632,6 @@
               </a:rPr>
               <a:t>n)</a:t>
             </a:r>
-            <a:endParaRPr lang="en-US" sz="3500" u="none" strike="noStrike" cap="none" dirty="0">
-              <a:solidFill>
-                <a:srgbClr val="FFFFFF"/>
-              </a:solidFill>
-              <a:latin typeface="Arial" charset="0"/>
-              <a:ea typeface="Arial" charset="0"/>
-              <a:cs typeface="Arial" charset="0"/>
-              <a:sym typeface="Cabin"/>
-            </a:endParaRPr>
           </a:p>
         </p:txBody>
       </p:sp>
@@ -28414,13 +27770,6 @@
   <p:clrMapOvr>
     <a:masterClrMapping/>
   </p:clrMapOvr>
-  <p:timing>
-    <p:tnLst>
-      <p:par>
-        <p:cTn xmlns:p14="http://schemas.microsoft.com/office/powerpoint/2010/main" id="1" dur="indefinite" restart="never" nodeType="tmRoot"/>
-      </p:par>
-    </p:tnLst>
-  </p:timing>
 </p:sld>
 </file>
 
@@ -28497,7 +27846,7 @@
               <a:t>input</a:t>
             </a:r>
             <a:r>
-              <a:rPr lang="en-US" sz="2800" dirty="0" smtClean="0">
+              <a:rPr lang="en-US" sz="2800" dirty="0">
                 <a:solidFill>
                   <a:srgbClr val="FFFF00"/>
                 </a:solidFill>
@@ -28506,8 +27855,16 @@
                 <a:cs typeface="Courier"/>
                 <a:sym typeface="Courier New"/>
               </a:rPr>
-              <a:t>(</a:t>
-            </a:r>
+              <a:t>('Enter file:')</a:t>
+            </a:r>
+          </a:p>
+          <a:p>
+            <a:pPr lvl="0">
+              <a:buClr>
+                <a:srgbClr val="00FF00"/>
+              </a:buClr>
+              <a:buSzPct val="25000"/>
+            </a:pPr>
             <a:r>
               <a:rPr lang="en-US" sz="2800" dirty="0">
                 <a:solidFill>
@@ -28518,49 +27875,8 @@
                 <a:cs typeface="Courier"/>
                 <a:sym typeface="Courier New"/>
               </a:rPr>
-              <a:t>'Enter file:')</a:t>
-            </a:r>
-          </a:p>
-          <a:p>
-            <a:pPr lvl="0">
-              <a:buClr>
-                <a:srgbClr val="00FF00"/>
-              </a:buClr>
-              <a:buSzPct val="25000"/>
-            </a:pPr>
-            <a:r>
-              <a:rPr lang="en-US" sz="2800" dirty="0">
-                <a:solidFill>
-                  <a:srgbClr val="FFFF00"/>
-                </a:solidFill>
-                <a:latin typeface="Courier"/>
-                <a:ea typeface="Courier"/>
-                <a:cs typeface="Courier"/>
-                <a:sym typeface="Courier New"/>
-              </a:rPr>
-              <a:t>handle = </a:t>
-            </a:r>
-            <a:r>
-              <a:rPr lang="en-US" sz="2800" dirty="0" smtClean="0">
-                <a:solidFill>
-                  <a:srgbClr val="FFFF00"/>
-                </a:solidFill>
-                <a:latin typeface="Courier"/>
-                <a:ea typeface="Courier"/>
-                <a:cs typeface="Courier"/>
-                <a:sym typeface="Courier New"/>
-              </a:rPr>
-              <a:t>open(name, 'r')</a:t>
-            </a:r>
-            <a:endParaRPr lang="en-US" sz="2800" dirty="0">
-              <a:solidFill>
-                <a:srgbClr val="FFFF00"/>
-              </a:solidFill>
-              <a:latin typeface="Courier"/>
-              <a:ea typeface="Courier"/>
-              <a:cs typeface="Courier"/>
-              <a:sym typeface="Courier New"/>
-            </a:endParaRPr>
+              <a:t>handle = open(name, 'r')</a:t>
+            </a:r>
           </a:p>
           <a:p>
             <a:pPr lvl="0" algn="ctr"/>
@@ -29260,13 +28576,6 @@
   <p:clrMapOvr>
     <a:masterClrMapping/>
   </p:clrMapOvr>
-  <p:timing>
-    <p:tnLst>
-      <p:par>
-        <p:cTn xmlns:p14="http://schemas.microsoft.com/office/powerpoint/2010/main" id="1" dur="indefinite" restart="never" nodeType="tmRoot"/>
-      </p:par>
-    </p:tnLst>
-  </p:timing>
 </p:sld>
 </file>
 
@@ -29342,7 +28651,7 @@
               <a:t>name = </a:t>
             </a:r>
             <a:r>
-              <a:rPr lang="en-US" sz="2800" i="0" u="none" strike="noStrike" cap="none" dirty="0" smtClean="0">
+              <a:rPr lang="en-US" sz="2800" i="0" u="none" strike="noStrike" cap="none" dirty="0">
                 <a:solidFill>
                   <a:schemeClr val="bg1"/>
                 </a:solidFill>
@@ -29736,7 +29045,7 @@
               <a:buNone/>
             </a:pPr>
             <a:r>
-              <a:rPr lang="en-US" sz="2800" i="0" u="none" strike="noStrike" cap="none" dirty="0" smtClean="0">
+              <a:rPr lang="en-US" sz="2800" i="0" u="none" strike="noStrike" cap="none" dirty="0">
                 <a:solidFill>
                   <a:srgbClr val="00FF00"/>
                 </a:solidFill>
@@ -30055,7 +29364,7 @@
               <a:buNone/>
             </a:pPr>
             <a:r>
-              <a:rPr lang="en-US" sz="2800" i="0" u="none" strike="noStrike" cap="none" dirty="0" smtClean="0">
+              <a:rPr lang="en-US" sz="2800" i="0" u="none" strike="noStrike" cap="none" dirty="0">
                 <a:solidFill>
                   <a:srgbClr val="FFFF00"/>
                 </a:solidFill>
@@ -30067,7 +29376,7 @@
               <a:t>print(</a:t>
             </a:r>
             <a:r>
-              <a:rPr lang="en-US" sz="2800" i="0" u="none" strike="noStrike" cap="none" dirty="0" err="1" smtClean="0">
+              <a:rPr lang="en-US" sz="2800" i="0" u="none" strike="noStrike" cap="none" dirty="0" err="1">
                 <a:solidFill>
                   <a:srgbClr val="FFFF00"/>
                 </a:solidFill>
@@ -30091,7 +29400,7 @@
               <a:t>, </a:t>
             </a:r>
             <a:r>
-              <a:rPr lang="en-US" sz="2800" i="0" u="none" strike="noStrike" cap="none" dirty="0" err="1" smtClean="0">
+              <a:rPr lang="en-US" sz="2800" i="0" u="none" strike="noStrike" cap="none" dirty="0" err="1">
                 <a:solidFill>
                   <a:srgbClr val="FFFF00"/>
                 </a:solidFill>
@@ -30103,7 +29412,7 @@
               <a:t>bigcount</a:t>
             </a:r>
             <a:r>
-              <a:rPr lang="en-US" sz="2800" i="0" u="none" strike="noStrike" cap="none" dirty="0" smtClean="0">
+              <a:rPr lang="en-US" sz="2800" i="0" u="none" strike="noStrike" cap="none" dirty="0">
                 <a:solidFill>
                   <a:srgbClr val="FFFF00"/>
                 </a:solidFill>
@@ -30114,15 +29423,6 @@
               </a:rPr>
               <a:t>)</a:t>
             </a:r>
-            <a:endParaRPr lang="en-US" sz="2800" i="0" u="none" strike="noStrike" cap="none" dirty="0">
-              <a:solidFill>
-                <a:srgbClr val="FFFF00"/>
-              </a:solidFill>
-              <a:latin typeface="Courier"/>
-              <a:ea typeface="Courier"/>
-              <a:cs typeface="Courier"/>
-              <a:sym typeface="Courier New"/>
-            </a:endParaRPr>
           </a:p>
         </p:txBody>
       </p:sp>
@@ -30446,13 +29746,6 @@
   <p:clrMapOvr>
     <a:masterClrMapping/>
   </p:clrMapOvr>
-  <p:timing>
-    <p:tnLst>
-      <p:par>
-        <p:cTn xmlns:p14="http://schemas.microsoft.com/office/powerpoint/2010/main" id="1" dur="indefinite" restart="never" nodeType="tmRoot"/>
-      </p:par>
-    </p:tnLst>
-  </p:timing>
 </p:sld>
 </file>
 
@@ -30670,13 +29963,6 @@
   <p:clrMapOvr>
     <a:masterClrMapping/>
   </p:clrMapOvr>
-  <p:timing>
-    <p:tnLst>
-      <p:par>
-        <p:cTn xmlns:p14="http://schemas.microsoft.com/office/powerpoint/2010/main" id="1" dur="indefinite" restart="never" nodeType="tmRoot"/>
-      </p:par>
-    </p:tnLst>
-  </p:timing>
 </p:sld>
 </file>
 
@@ -30789,23 +30075,7 @@
                   <a:srgbClr val="FFFFFF"/>
                 </a:solidFill>
               </a:rPr>
-              <a:t>) of the University of Michigan School of Information </a:t>
-            </a:r>
-            <a:r>
-              <a:rPr lang="en-US" sz="1800" dirty="0" smtClean="0">
-                <a:solidFill>
-                  <a:srgbClr val="FFFFFF"/>
-                </a:solidFill>
-              </a:rPr>
-              <a:t>and </a:t>
-            </a:r>
-            <a:r>
-              <a:rPr lang="en-US" sz="1800" dirty="0">
-                <a:solidFill>
-                  <a:srgbClr val="FFFFFF"/>
-                </a:solidFill>
-              </a:rPr>
-              <a:t>made available under a Creative Commons Attribution 4.0 License.  Please maintain this last slide in all copies of the document to comply with the attribution requirements of the license.  If you make a change, feel free to add your name and organization to the list of contributors on this page as you republish the materials.</a:t>
+              <a:t>) of the University of Michigan School of Information and made available under a Creative Commons Attribution 4.0 License.  Please maintain this last slide in all copies of the document to comply with the attribution requirements of the license.  If you make a change, feel free to add your name and organization to the list of contributors on this page as you republish the materials.</a:t>
             </a:r>
           </a:p>
           <a:p>
@@ -30945,7 +30215,7 @@
               <a:buNone/>
             </a:pPr>
             <a:r>
-              <a:rPr lang="en-US" sz="1800" dirty="0" smtClean="0">
+              <a:rPr lang="en-US" sz="1800" dirty="0">
                 <a:solidFill>
                   <a:srgbClr val="FFFFFF"/>
                 </a:solidFill>
@@ -30953,7 +30223,7 @@
               <a:t>Continue</a:t>
             </a:r>
             <a:r>
-              <a:rPr lang="is-IS" sz="1800" dirty="0" smtClean="0">
+              <a:rPr lang="is-IS" sz="1800" dirty="0">
                 <a:solidFill>
                   <a:srgbClr val="FFFFFF"/>
                 </a:solidFill>
@@ -30973,13 +30243,6 @@
   <p:clrMapOvr>
     <a:masterClrMapping/>
   </p:clrMapOvr>
-  <p:timing>
-    <p:tnLst>
-      <p:par>
-        <p:cTn xmlns:p14="http://schemas.microsoft.com/office/powerpoint/2010/main" id="1" dur="indefinite" restart="never" nodeType="tmRoot"/>
-      </p:par>
-    </p:tnLst>
-  </p:timing>
 </p:sld>
 </file>
 
@@ -31276,13 +30539,6 @@
   <p:clrMapOvr>
     <a:masterClrMapping/>
   </p:clrMapOvr>
-  <p:timing>
-    <p:tnLst>
-      <p:par>
-        <p:cTn xmlns:p14="http://schemas.microsoft.com/office/powerpoint/2010/main" id="1" dur="indefinite" restart="never" nodeType="tmRoot"/>
-      </p:par>
-    </p:tnLst>
-  </p:timing>
 </p:sld>
 </file>
 
@@ -32065,13 +31321,6 @@
   <p:clrMapOvr>
     <a:masterClrMapping/>
   </p:clrMapOvr>
-  <p:timing>
-    <p:tnLst>
-      <p:par>
-        <p:cTn xmlns:p14="http://schemas.microsoft.com/office/powerpoint/2010/main" id="1" dur="indefinite" restart="never" nodeType="tmRoot"/>
-      </p:par>
-    </p:tnLst>
-  </p:timing>
 </p:sld>
 </file>
 
@@ -32144,31 +31393,7 @@
                 <a:cs typeface="Arial" charset="0"/>
                 <a:sym typeface="Cabin"/>
               </a:rPr>
-              <a:t>What is Code?  Software? </a:t>
-            </a:r>
-            <a:r>
-              <a:rPr lang="en-US" sz="6000" u="none" strike="noStrike" cap="none" dirty="0" smtClean="0">
-                <a:solidFill>
-                  <a:srgbClr val="FFD966"/>
-                </a:solidFill>
-                <a:latin typeface="Arial" charset="0"/>
-                <a:ea typeface="Arial" charset="0"/>
-                <a:cs typeface="Arial" charset="0"/>
-                <a:sym typeface="Cabin"/>
-              </a:rPr>
-              <a:t>A </a:t>
-            </a:r>
-            <a:r>
-              <a:rPr lang="en-US" sz="6000" u="none" strike="noStrike" cap="none" dirty="0">
-                <a:solidFill>
-                  <a:srgbClr val="FFD966"/>
-                </a:solidFill>
-                <a:latin typeface="Arial" charset="0"/>
-                <a:ea typeface="Arial" charset="0"/>
-                <a:cs typeface="Arial" charset="0"/>
-                <a:sym typeface="Cabin"/>
-              </a:rPr>
-              <a:t>Program?</a:t>
+              <a:t>What is Code?  Software? A Program?</a:t>
             </a:r>
           </a:p>
         </p:txBody>
@@ -32276,7 +31501,7 @@
               <a:buNone/>
             </a:pPr>
             <a:r>
-              <a:rPr lang="en-US" sz="3200" u="none" strike="noStrike" cap="none" dirty="0" smtClean="0">
+              <a:rPr lang="en-US" sz="3200" u="none" strike="noStrike" cap="none" dirty="0">
                 <a:solidFill>
                   <a:schemeClr val="lt1"/>
                 </a:solidFill>
@@ -32285,19 +31510,7 @@
                 <a:cs typeface="Arial" charset="0"/>
                 <a:sym typeface="Cabin"/>
               </a:rPr>
-              <a:t>-  We figure </a:t>
-            </a:r>
-            <a:r>
-              <a:rPr lang="en-US" sz="3200" u="none" strike="noStrike" cap="none" dirty="0">
-                <a:solidFill>
-                  <a:schemeClr val="lt1"/>
-                </a:solidFill>
-                <a:latin typeface="Arial" charset="0"/>
-                <a:ea typeface="Arial" charset="0"/>
-                <a:cs typeface="Arial" charset="0"/>
-                <a:sym typeface="Cabin"/>
-              </a:rPr>
-              <a:t>something out and then we encode it and then give it to someone else to save them the time and energy of figuring it out</a:t>
+              <a:t>-  We figure something out and then we encode it and then give it to someone else to save them the time and energy of figuring it out</a:t>
             </a:r>
           </a:p>
           <a:p>
@@ -32350,13 +31563,6 @@
   <p:clrMapOvr>
     <a:masterClrMapping/>
   </p:clrMapOvr>
-  <p:timing>
-    <p:tnLst>
-      <p:par>
-        <p:cTn xmlns:p14="http://schemas.microsoft.com/office/powerpoint/2010/main" id="1" dur="indefinite" restart="never" nodeType="tmRoot"/>
-      </p:par>
-    </p:tnLst>
-  </p:timing>
 </p:sld>
 </file>
 
@@ -32513,13 +31719,6 @@
   <p:clrMapOvr>
     <a:masterClrMapping/>
   </p:clrMapOvr>
-  <p:timing>
-    <p:tnLst>
-      <p:par>
-        <p:cTn xmlns:p14="http://schemas.microsoft.com/office/powerpoint/2010/main" id="1" dur="indefinite" restart="never" nodeType="tmRoot"/>
-      </p:par>
-    </p:tnLst>
-  </p:timing>
 </p:sld>
 </file>
 
@@ -33198,13 +32397,6 @@
   <p:clrMapOvr>
     <a:masterClrMapping/>
   </p:clrMapOvr>
-  <p:timing>
-    <p:tnLst>
-      <p:par>
-        <p:cTn xmlns:p14="http://schemas.microsoft.com/office/powerpoint/2010/main" id="1" dur="indefinite" restart="never" nodeType="tmRoot"/>
-      </p:par>
-    </p:tnLst>
-  </p:timing>
 </p:sld>
 </file>
 

--- a/lectures3/Pythonlearn-01-Intro.pptx
+++ b/lectures3/Pythonlearn-01-Intro.pptx
@@ -23187,7 +23187,7 @@
               <a:buNone/>
             </a:pPr>
             <a:r>
-              <a:rPr lang="en-US" sz="3600" u="none" strike="noStrike" cap="none" dirty="0">
+              <a:rPr lang="en-US" sz="3600" b="1" u="none" strike="noStrike" cap="none" dirty="0">
                 <a:solidFill>
                   <a:schemeClr val="lt1"/>
                 </a:solidFill>
@@ -23212,7 +23212,7 @@
               </a:spcAft>
               <a:buNone/>
             </a:pPr>
-            <a:endParaRPr sz="3600" u="none" strike="noStrike" cap="none" dirty="0">
+            <a:endParaRPr sz="3600" b="1" u="none" strike="noStrike" cap="none" dirty="0">
               <a:solidFill>
                 <a:srgbClr val="FF7F00"/>
               </a:solidFill>
@@ -23241,7 +23241,7 @@
               <a:buNone/>
             </a:pPr>
             <a:r>
-              <a:rPr lang="en-US" sz="3600" u="none" strike="noStrike" cap="none" dirty="0">
+              <a:rPr lang="en-US" sz="3600" b="1" u="none" strike="noStrike" cap="none" dirty="0">
                 <a:solidFill>
                   <a:srgbClr val="00FF00"/>
                 </a:solidFill>
@@ -23261,7 +23261,7 @@
               <a:buSzPct val="25000"/>
             </a:pPr>
             <a:r>
-              <a:rPr lang="en-US" sz="3600" u="none" strike="noStrike" cap="none" dirty="0">
+              <a:rPr lang="en-US" sz="3600" b="1" u="none" strike="noStrike" cap="none" dirty="0">
                 <a:solidFill>
                   <a:srgbClr val="FFFF00"/>
                 </a:solidFill>
@@ -23273,7 +23273,7 @@
               <a:t>print(</a:t>
             </a:r>
             <a:r>
-              <a:rPr lang="en-US" sz="3600" u="none" strike="noStrike" cap="none" dirty="0">
+              <a:rPr lang="en-US" sz="3600" b="1" u="none" strike="noStrike" cap="none" dirty="0">
                 <a:solidFill>
                   <a:srgbClr val="00FF00"/>
                 </a:solidFill>
@@ -23285,7 +23285,7 @@
               <a:t>x</a:t>
             </a:r>
             <a:r>
-              <a:rPr lang="en-US" sz="3600" dirty="0">
+              <a:rPr lang="en-US" sz="3600" b="1" dirty="0">
                 <a:solidFill>
                   <a:srgbClr val="FFFF00"/>
                 </a:solidFill>
@@ -23296,7 +23296,7 @@
               </a:rPr>
               <a:t>)</a:t>
             </a:r>
-            <a:endParaRPr lang="en-US" sz="3600" u="none" strike="noStrike" cap="none" dirty="0">
+            <a:endParaRPr lang="en-US" sz="3600" b="1" u="none" strike="noStrike" cap="none" dirty="0">
               <a:solidFill>
                 <a:srgbClr val="00FF00"/>
               </a:solidFill>
@@ -23325,7 +23325,7 @@
               <a:buNone/>
             </a:pPr>
             <a:r>
-              <a:rPr lang="en-US" sz="3600" u="none" strike="noStrike" cap="none" dirty="0">
+              <a:rPr lang="en-US" sz="3600" b="1" u="none" strike="noStrike" cap="none" dirty="0">
                 <a:solidFill>
                   <a:srgbClr val="00FF00"/>
                 </a:solidFill>
@@ -23345,7 +23345,7 @@
               <a:buSzPct val="25000"/>
             </a:pPr>
             <a:r>
-              <a:rPr lang="en-US" sz="3600" u="none" strike="noStrike" cap="none" dirty="0">
+              <a:rPr lang="en-US" sz="3600" b="1" u="none" strike="noStrike" cap="none" dirty="0">
                 <a:solidFill>
                   <a:srgbClr val="FFFF00"/>
                 </a:solidFill>
@@ -23357,7 +23357,7 @@
               <a:t>print(</a:t>
             </a:r>
             <a:r>
-              <a:rPr lang="en-US" sz="3600" u="none" strike="noStrike" cap="none" dirty="0">
+              <a:rPr lang="en-US" sz="3600" b="1" u="none" strike="noStrike" cap="none" dirty="0">
                 <a:solidFill>
                   <a:srgbClr val="00FF00"/>
                 </a:solidFill>
@@ -23369,7 +23369,7 @@
               <a:t>x</a:t>
             </a:r>
             <a:r>
-              <a:rPr lang="en-US" sz="3600" dirty="0">
+              <a:rPr lang="en-US" sz="3600" b="1" dirty="0">
                 <a:solidFill>
                   <a:srgbClr val="FFFF00"/>
                 </a:solidFill>
@@ -23380,7 +23380,7 @@
               </a:rPr>
               <a:t>)</a:t>
             </a:r>
-            <a:endParaRPr lang="en-US" sz="3600" u="none" strike="noStrike" cap="none" dirty="0">
+            <a:endParaRPr lang="en-US" sz="3600" b="1" u="none" strike="noStrike" cap="none" dirty="0">
               <a:solidFill>
                 <a:srgbClr val="00FF00"/>
               </a:solidFill>
@@ -24668,7 +24668,7 @@
               <a:buNone/>
             </a:pPr>
             <a:r>
-              <a:rPr lang="en-US" sz="3600" u="none" strike="noStrike" cap="none" dirty="0">
+              <a:rPr lang="en-US" sz="3600" b="1" u="none" strike="noStrike" cap="none" dirty="0">
                 <a:solidFill>
                   <a:schemeClr val="lt1"/>
                 </a:solidFill>
@@ -24693,7 +24693,7 @@
               </a:spcAft>
               <a:buNone/>
             </a:pPr>
-            <a:endParaRPr sz="3600" u="none" strike="noStrike" cap="none" dirty="0">
+            <a:endParaRPr sz="3600" b="1" u="none" strike="noStrike" cap="none" dirty="0">
               <a:solidFill>
                 <a:srgbClr val="FF7F00"/>
               </a:solidFill>
@@ -24722,7 +24722,7 @@
               <a:buNone/>
             </a:pPr>
             <a:r>
-              <a:rPr lang="en-US" sz="2800" u="none" strike="noStrike" cap="none" dirty="0">
+              <a:rPr lang="en-US" sz="2800" b="1" u="none" strike="noStrike" cap="none" dirty="0">
                 <a:solidFill>
                   <a:srgbClr val="00FF00"/>
                 </a:solidFill>
@@ -24753,7 +24753,7 @@
               <a:buNone/>
             </a:pPr>
             <a:r>
-              <a:rPr lang="en-US" sz="2800" u="none" strike="noStrike" cap="none" dirty="0">
+              <a:rPr lang="en-US" sz="2800" b="1" u="none" strike="noStrike" cap="none" dirty="0">
                 <a:solidFill>
                   <a:srgbClr val="FFFF00"/>
                 </a:solidFill>
@@ -24765,7 +24765,7 @@
               <a:t>if</a:t>
             </a:r>
             <a:r>
-              <a:rPr lang="en-US" sz="2800" u="none" strike="noStrike" cap="none" dirty="0">
+              <a:rPr lang="en-US" sz="2800" b="1" u="none" strike="noStrike" cap="none" dirty="0">
                 <a:solidFill>
                   <a:srgbClr val="FF7F00"/>
                 </a:solidFill>
@@ -24777,7 +24777,7 @@
               <a:t> </a:t>
             </a:r>
             <a:r>
-              <a:rPr lang="en-US" sz="2800" u="none" strike="noStrike" cap="none" dirty="0">
+              <a:rPr lang="en-US" sz="2800" b="1" u="none" strike="noStrike" cap="none" dirty="0">
                 <a:solidFill>
                   <a:srgbClr val="00FF00"/>
                 </a:solidFill>
@@ -24797,7 +24797,7 @@
               <a:buSzPct val="25000"/>
             </a:pPr>
             <a:r>
-              <a:rPr lang="en-US" sz="2800" u="none" strike="noStrike" cap="none" dirty="0">
+              <a:rPr lang="en-US" sz="2800" b="1" u="none" strike="noStrike" cap="none" dirty="0">
                 <a:solidFill>
                   <a:srgbClr val="FF7F00"/>
                 </a:solidFill>
@@ -24809,7 +24809,7 @@
               <a:t>    </a:t>
             </a:r>
             <a:r>
-              <a:rPr lang="en-US" sz="2800" u="none" strike="noStrike" cap="none" dirty="0">
+              <a:rPr lang="en-US" sz="2800" b="1" u="none" strike="noStrike" cap="none" dirty="0">
                 <a:solidFill>
                   <a:srgbClr val="FFFF00"/>
                 </a:solidFill>
@@ -24821,7 +24821,7 @@
               <a:t>print(</a:t>
             </a:r>
             <a:r>
-              <a:rPr lang="en-US" sz="2800" u="none" strike="noStrike" cap="none" dirty="0">
+              <a:rPr lang="en-US" sz="2800" b="1" u="none" strike="noStrike" cap="none" dirty="0">
                 <a:solidFill>
                   <a:srgbClr val="00FF00"/>
                 </a:solidFill>
@@ -24833,7 +24833,7 @@
               <a:t>'</a:t>
             </a:r>
             <a:r>
-              <a:rPr lang="en-US" sz="2800" dirty="0">
+              <a:rPr lang="en-US" sz="2800" b="1" dirty="0">
                 <a:solidFill>
                   <a:srgbClr val="00FF00"/>
                 </a:solidFill>
@@ -24845,7 +24845,7 @@
               <a:t>Smaller'</a:t>
             </a:r>
             <a:r>
-              <a:rPr lang="en-US" sz="2800" dirty="0">
+              <a:rPr lang="en-US" sz="2800" b="1" dirty="0">
                 <a:solidFill>
                   <a:srgbClr val="FFFF00"/>
                 </a:solidFill>
@@ -24856,7 +24856,7 @@
               </a:rPr>
               <a:t>)</a:t>
             </a:r>
-            <a:endParaRPr lang="en-US" sz="2800" u="none" strike="noStrike" cap="none" dirty="0">
+            <a:endParaRPr lang="en-US" sz="2800" b="1" u="none" strike="noStrike" cap="none" dirty="0">
               <a:solidFill>
                 <a:srgbClr val="00FF00"/>
               </a:solidFill>
@@ -24885,7 +24885,7 @@
               <a:buNone/>
             </a:pPr>
             <a:r>
-              <a:rPr lang="en-US" sz="2800" u="none" strike="noStrike" cap="none" dirty="0">
+              <a:rPr lang="en-US" sz="2800" b="1" u="none" strike="noStrike" cap="none" dirty="0">
                 <a:solidFill>
                   <a:srgbClr val="FFFF00"/>
                 </a:solidFill>
@@ -24897,7 +24897,7 @@
               <a:t>if</a:t>
             </a:r>
             <a:r>
-              <a:rPr lang="en-US" sz="2800" u="none" strike="noStrike" cap="none" dirty="0">
+              <a:rPr lang="en-US" sz="2800" b="1" u="none" strike="noStrike" cap="none" dirty="0">
                 <a:solidFill>
                   <a:srgbClr val="FF7F00"/>
                 </a:solidFill>
@@ -24909,7 +24909,7 @@
               <a:t> </a:t>
             </a:r>
             <a:r>
-              <a:rPr lang="en-US" sz="2800" u="none" strike="noStrike" cap="none" dirty="0">
+              <a:rPr lang="en-US" sz="2800" b="1" u="none" strike="noStrike" cap="none" dirty="0">
                 <a:solidFill>
                   <a:srgbClr val="00FF00"/>
                 </a:solidFill>
@@ -24929,7 +24929,7 @@
               <a:buSzPct val="25000"/>
             </a:pPr>
             <a:r>
-              <a:rPr lang="en-US" sz="2800" u="none" strike="noStrike" cap="none" dirty="0">
+              <a:rPr lang="en-US" sz="2800" b="1" u="none" strike="noStrike" cap="none" dirty="0">
                 <a:solidFill>
                   <a:srgbClr val="FF7F00"/>
                 </a:solidFill>
@@ -24941,7 +24941,7 @@
               <a:t>    </a:t>
             </a:r>
             <a:r>
-              <a:rPr lang="en-US" sz="2800" u="none" strike="noStrike" cap="none" dirty="0">
+              <a:rPr lang="en-US" sz="2800" b="1" u="none" strike="noStrike" cap="none" dirty="0">
                 <a:solidFill>
                   <a:srgbClr val="FFFF00"/>
                 </a:solidFill>
@@ -24953,7 +24953,7 @@
               <a:t>print(</a:t>
             </a:r>
             <a:r>
-              <a:rPr lang="en-US" sz="2800" u="none" strike="noStrike" cap="none" dirty="0">
+              <a:rPr lang="en-US" sz="2800" b="1" u="none" strike="noStrike" cap="none" dirty="0">
                 <a:solidFill>
                   <a:srgbClr val="00FF00"/>
                 </a:solidFill>
@@ -24965,7 +24965,7 @@
               <a:t>'</a:t>
             </a:r>
             <a:r>
-              <a:rPr lang="en-US" sz="2800" dirty="0">
+              <a:rPr lang="en-US" sz="2800" b="1" dirty="0">
                 <a:solidFill>
                   <a:srgbClr val="00FF00"/>
                 </a:solidFill>
@@ -24977,7 +24977,7 @@
               <a:t>Bigger'</a:t>
             </a:r>
             <a:r>
-              <a:rPr lang="en-US" sz="2800" dirty="0">
+              <a:rPr lang="en-US" sz="2800" b="1" dirty="0">
                 <a:solidFill>
                   <a:srgbClr val="FFFF00"/>
                 </a:solidFill>
@@ -24988,7 +24988,7 @@
               </a:rPr>
               <a:t>)</a:t>
             </a:r>
-            <a:endParaRPr lang="en-US" sz="2800" u="none" strike="noStrike" cap="none" dirty="0">
+            <a:endParaRPr lang="en-US" sz="2800" b="1" u="none" strike="noStrike" cap="none" dirty="0">
               <a:solidFill>
                 <a:srgbClr val="00FF00"/>
               </a:solidFill>
@@ -25011,7 +25011,7 @@
               </a:spcAft>
               <a:buNone/>
             </a:pPr>
-            <a:endParaRPr sz="2800" u="none" strike="noStrike" cap="none" dirty="0">
+            <a:endParaRPr sz="2800" b="1" u="none" strike="noStrike" cap="none" dirty="0">
               <a:solidFill>
                 <a:srgbClr val="00FF00"/>
               </a:solidFill>
@@ -25029,7 +25029,7 @@
               <a:buSzPct val="25000"/>
             </a:pPr>
             <a:r>
-              <a:rPr lang="en-US" sz="2800" u="none" strike="noStrike" cap="none" dirty="0">
+              <a:rPr lang="en-US" sz="2800" b="1" u="none" strike="noStrike" cap="none" dirty="0">
                 <a:solidFill>
                   <a:srgbClr val="FFFF00"/>
                 </a:solidFill>
@@ -25041,7 +25041,7 @@
               <a:t>print(</a:t>
             </a:r>
             <a:r>
-              <a:rPr lang="en-US" sz="2800" u="none" strike="noStrike" cap="none" dirty="0">
+              <a:rPr lang="en-US" sz="2800" b="1" u="none" strike="noStrike" cap="none" dirty="0">
                 <a:solidFill>
                   <a:srgbClr val="00FF00"/>
                 </a:solidFill>
@@ -25053,7 +25053,7 @@
               <a:t>'Finis'</a:t>
             </a:r>
             <a:r>
-              <a:rPr lang="en-US" sz="2800" dirty="0">
+              <a:rPr lang="en-US" sz="2800" b="1" dirty="0">
                 <a:solidFill>
                   <a:srgbClr val="FFFF00"/>
                 </a:solidFill>
@@ -25064,7 +25064,7 @@
               </a:rPr>
               <a:t>)</a:t>
             </a:r>
-            <a:endParaRPr lang="en-US" sz="2800" u="none" strike="noStrike" cap="none" dirty="0">
+            <a:endParaRPr lang="en-US" sz="2800" b="1" u="none" strike="noStrike" cap="none" dirty="0">
               <a:solidFill>
                 <a:srgbClr val="00FF00"/>
               </a:solidFill>
@@ -26522,7 +26522,7 @@
               <a:buNone/>
             </a:pPr>
             <a:r>
-              <a:rPr lang="en-US" sz="3600" u="none" strike="noStrike" cap="none" dirty="0">
+              <a:rPr lang="en-US" sz="3600" b="1" u="none" strike="noStrike" cap="none" dirty="0">
                 <a:solidFill>
                   <a:schemeClr val="lt1"/>
                 </a:solidFill>
@@ -26547,7 +26547,7 @@
               </a:spcAft>
               <a:buNone/>
             </a:pPr>
-            <a:endParaRPr sz="3600" u="none" strike="noStrike" cap="none" dirty="0">
+            <a:endParaRPr sz="3600" b="1" u="none" strike="noStrike" cap="none" dirty="0">
               <a:solidFill>
                 <a:srgbClr val="FF7F00"/>
               </a:solidFill>
@@ -26576,7 +26576,7 @@
               <a:buNone/>
             </a:pPr>
             <a:r>
-              <a:rPr lang="en-US" sz="2800" u="none" strike="noStrike" cap="none" dirty="0">
+              <a:rPr lang="en-US" sz="2800" b="1" u="none" strike="noStrike" cap="none" dirty="0">
                 <a:solidFill>
                   <a:srgbClr val="00FF00"/>
                 </a:solidFill>
@@ -26607,7 +26607,7 @@
               <a:buNone/>
             </a:pPr>
             <a:r>
-              <a:rPr lang="en-US" sz="2800" u="none" strike="noStrike" cap="none" dirty="0">
+              <a:rPr lang="en-US" sz="2800" b="1" u="none" strike="noStrike" cap="none" dirty="0">
                 <a:solidFill>
                   <a:srgbClr val="FFFF00"/>
                 </a:solidFill>
@@ -26619,7 +26619,7 @@
               <a:t>while</a:t>
             </a:r>
             <a:r>
-              <a:rPr lang="en-US" sz="2800" u="none" strike="noStrike" cap="none" dirty="0">
+              <a:rPr lang="en-US" sz="2800" b="1" u="none" strike="noStrike" cap="none" dirty="0">
                 <a:solidFill>
                   <a:srgbClr val="00FF00"/>
                 </a:solidFill>
@@ -26631,7 +26631,7 @@
               <a:t> n &gt; 0</a:t>
             </a:r>
             <a:r>
-              <a:rPr lang="en-US" sz="2800" u="none" strike="noStrike" cap="none" dirty="0">
+              <a:rPr lang="en-US" sz="2800" b="1" u="none" strike="noStrike" cap="none" dirty="0">
                 <a:solidFill>
                   <a:srgbClr val="FFFF00"/>
                 </a:solidFill>
@@ -26662,7 +26662,7 @@
               <a:buNone/>
             </a:pPr>
             <a:r>
-              <a:rPr lang="en-US" sz="2800" u="none" strike="noStrike" cap="none" dirty="0">
+              <a:rPr lang="en-US" sz="2800" b="1" u="none" strike="noStrike" cap="none" dirty="0">
                 <a:solidFill>
                   <a:srgbClr val="FFFF00"/>
                 </a:solidFill>
@@ -26674,7 +26674,7 @@
               <a:t>    print(</a:t>
             </a:r>
             <a:r>
-              <a:rPr lang="en-US" sz="2800" u="none" strike="noStrike" cap="none" dirty="0">
+              <a:rPr lang="en-US" sz="2800" b="1" u="none" strike="noStrike" cap="none" dirty="0">
                 <a:solidFill>
                   <a:srgbClr val="00FF00"/>
                 </a:solidFill>
@@ -26686,7 +26686,7 @@
               <a:t>n</a:t>
             </a:r>
             <a:r>
-              <a:rPr lang="en-US" sz="2800" u="none" strike="noStrike" cap="none" dirty="0">
+              <a:rPr lang="en-US" sz="2800" b="1" u="none" strike="noStrike" cap="none" dirty="0">
                 <a:solidFill>
                   <a:srgbClr val="FFFF00"/>
                 </a:solidFill>
@@ -26717,7 +26717,7 @@
               <a:buNone/>
             </a:pPr>
             <a:r>
-              <a:rPr lang="en-US" sz="2800" u="none" strike="noStrike" cap="none" dirty="0">
+              <a:rPr lang="en-US" sz="2800" b="1" u="none" strike="noStrike" cap="none" dirty="0">
                 <a:solidFill>
                   <a:srgbClr val="FFFF00"/>
                 </a:solidFill>
@@ -26729,7 +26729,7 @@
               <a:t>    </a:t>
             </a:r>
             <a:r>
-              <a:rPr lang="en-US" sz="2800" u="none" strike="noStrike" cap="none" dirty="0">
+              <a:rPr lang="en-US" sz="2800" b="1" u="none" strike="noStrike" cap="none" dirty="0">
                 <a:solidFill>
                   <a:srgbClr val="00FF00"/>
                 </a:solidFill>
@@ -26749,7 +26749,7 @@
               <a:buSzPct val="25000"/>
             </a:pPr>
             <a:r>
-              <a:rPr lang="en-US" sz="2800" dirty="0">
+              <a:rPr lang="en-US" sz="2800" b="1" dirty="0">
                 <a:solidFill>
                   <a:srgbClr val="FFFF00"/>
                 </a:solidFill>
@@ -26761,7 +26761,7 @@
               <a:t>p</a:t>
             </a:r>
             <a:r>
-              <a:rPr lang="en-US" sz="2800" u="none" strike="noStrike" cap="none" dirty="0">
+              <a:rPr lang="en-US" sz="2800" b="1" u="none" strike="noStrike" cap="none" dirty="0">
                 <a:solidFill>
                   <a:srgbClr val="FFFF00"/>
                 </a:solidFill>
@@ -26773,7 +26773,7 @@
               <a:t>rint(</a:t>
             </a:r>
             <a:r>
-              <a:rPr lang="en-US" sz="2800" u="none" strike="noStrike" cap="none" dirty="0">
+              <a:rPr lang="en-US" sz="2800" b="1" u="none" strike="noStrike" cap="none" dirty="0">
                 <a:solidFill>
                   <a:srgbClr val="00FF00"/>
                 </a:solidFill>
@@ -26785,7 +26785,7 @@
               <a:t>'Blastoff</a:t>
             </a:r>
             <a:r>
-              <a:rPr lang="en-US" sz="2800" dirty="0">
+              <a:rPr lang="en-US" sz="2800" b="1" dirty="0">
                 <a:solidFill>
                   <a:srgbClr val="00FF00"/>
                 </a:solidFill>
@@ -27822,7 +27822,7 @@
               <a:buSzPct val="25000"/>
             </a:pPr>
             <a:r>
-              <a:rPr lang="en-US" sz="2800" dirty="0">
+              <a:rPr lang="en-US" sz="2800" b="1" dirty="0">
                 <a:solidFill>
                   <a:srgbClr val="FFFF00"/>
                 </a:solidFill>
@@ -27834,7 +27834,7 @@
               <a:t>name = </a:t>
             </a:r>
             <a:r>
-              <a:rPr lang="en-US" sz="2800" dirty="0">
+              <a:rPr lang="en-US" sz="2800" b="1" dirty="0">
                 <a:solidFill>
                   <a:schemeClr val="bg1"/>
                 </a:solidFill>
@@ -27846,7 +27846,7 @@
               <a:t>input</a:t>
             </a:r>
             <a:r>
-              <a:rPr lang="en-US" sz="2800" dirty="0">
+              <a:rPr lang="en-US" sz="2800" b="1" dirty="0">
                 <a:solidFill>
                   <a:srgbClr val="FFFF00"/>
                 </a:solidFill>
@@ -27866,7 +27866,7 @@
               <a:buSzPct val="25000"/>
             </a:pPr>
             <a:r>
-              <a:rPr lang="en-US" sz="2800" dirty="0">
+              <a:rPr lang="en-US" sz="2800" b="1" dirty="0">
                 <a:solidFill>
                   <a:srgbClr val="FFFF00"/>
                 </a:solidFill>
@@ -27880,7 +27880,7 @@
           </a:p>
           <a:p>
             <a:pPr lvl="0" algn="ctr"/>
-            <a:endParaRPr lang="en-US" sz="2800" dirty="0">
+            <a:endParaRPr lang="en-US" sz="2800" b="1" dirty="0">
               <a:solidFill>
                 <a:srgbClr val="00FF00"/>
               </a:solidFill>
@@ -27898,7 +27898,7 @@
               <a:buSzPct val="25000"/>
             </a:pPr>
             <a:r>
-              <a:rPr lang="en-US" sz="2800" dirty="0">
+              <a:rPr lang="en-US" sz="2800" b="1" dirty="0">
                 <a:solidFill>
                   <a:srgbClr val="FFFF00"/>
                 </a:solidFill>
@@ -27910,7 +27910,7 @@
               <a:t>counts = </a:t>
             </a:r>
             <a:r>
-              <a:rPr lang="en-US" sz="2800" dirty="0" err="1">
+              <a:rPr lang="en-US" sz="2800" b="1" dirty="0" err="1">
                 <a:solidFill>
                   <a:srgbClr val="FFFF00"/>
                 </a:solidFill>
@@ -27922,7 +27922,7 @@
               <a:t>dict</a:t>
             </a:r>
             <a:r>
-              <a:rPr lang="en-US" sz="2800" dirty="0">
+              <a:rPr lang="en-US" sz="2800" b="1" dirty="0">
                 <a:solidFill>
                   <a:srgbClr val="FFFF00"/>
                 </a:solidFill>
@@ -27942,7 +27942,7 @@
               <a:buSzPct val="25000"/>
             </a:pPr>
             <a:r>
-              <a:rPr lang="en-US" sz="2800" dirty="0">
+              <a:rPr lang="en-US" sz="2800" b="1" dirty="0">
                 <a:solidFill>
                   <a:srgbClr val="00FA00"/>
                 </a:solidFill>
@@ -27962,7 +27962,7 @@
               <a:buSzPct val="25000"/>
             </a:pPr>
             <a:r>
-              <a:rPr lang="en-US" sz="2800" dirty="0">
+              <a:rPr lang="en-US" sz="2800" b="1" dirty="0">
                 <a:solidFill>
                   <a:srgbClr val="00FA00"/>
                 </a:solidFill>
@@ -27974,7 +27974,7 @@
               <a:t>    words = </a:t>
             </a:r>
             <a:r>
-              <a:rPr lang="en-US" sz="2800" dirty="0" err="1">
+              <a:rPr lang="en-US" sz="2800" b="1" dirty="0" err="1">
                 <a:solidFill>
                   <a:srgbClr val="00FA00"/>
                 </a:solidFill>
@@ -27986,7 +27986,7 @@
               <a:t>line.split</a:t>
             </a:r>
             <a:r>
-              <a:rPr lang="en-US" sz="2800" dirty="0">
+              <a:rPr lang="en-US" sz="2800" b="1" dirty="0">
                 <a:solidFill>
                   <a:srgbClr val="00FA00"/>
                 </a:solidFill>
@@ -28006,7 +28006,7 @@
               <a:buSzPct val="25000"/>
             </a:pPr>
             <a:r>
-              <a:rPr lang="en-US" sz="2800" dirty="0">
+              <a:rPr lang="en-US" sz="2800" b="1" dirty="0">
                 <a:solidFill>
                   <a:srgbClr val="00FA00"/>
                 </a:solidFill>
@@ -28026,7 +28026,7 @@
               <a:buSzPct val="25000"/>
             </a:pPr>
             <a:r>
-              <a:rPr lang="en-US" sz="2800" dirty="0">
+              <a:rPr lang="en-US" sz="2800" b="1" dirty="0">
                 <a:solidFill>
                   <a:srgbClr val="00FA00"/>
                 </a:solidFill>
@@ -28038,7 +28038,7 @@
               <a:t>        counts[word] = </a:t>
             </a:r>
             <a:r>
-              <a:rPr lang="en-US" sz="2800" dirty="0" err="1">
+              <a:rPr lang="en-US" sz="2800" b="1" dirty="0" err="1">
                 <a:solidFill>
                   <a:srgbClr val="00FA00"/>
                 </a:solidFill>
@@ -28050,7 +28050,7 @@
               <a:t>counts.get</a:t>
             </a:r>
             <a:r>
-              <a:rPr lang="en-US" sz="2800" dirty="0">
+              <a:rPr lang="en-US" sz="2800" b="1" dirty="0">
                 <a:solidFill>
                   <a:srgbClr val="00FA00"/>
                 </a:solidFill>
@@ -28068,7 +28068,7 @@
                 <a:srgbClr val="00FF00"/>
               </a:buClr>
             </a:pPr>
-            <a:endParaRPr lang="en-US" sz="2800" dirty="0">
+            <a:endParaRPr lang="en-US" sz="2800" b="1" dirty="0">
               <a:solidFill>
                 <a:srgbClr val="00FF00"/>
               </a:solidFill>
@@ -28086,7 +28086,7 @@
               <a:buSzPct val="25000"/>
             </a:pPr>
             <a:r>
-              <a:rPr lang="en-US" sz="2800" dirty="0" err="1">
+              <a:rPr lang="en-US" sz="2800" b="1" dirty="0" err="1">
                 <a:solidFill>
                   <a:srgbClr val="FFFF00"/>
                 </a:solidFill>
@@ -28098,7 +28098,7 @@
               <a:t>bigcount</a:t>
             </a:r>
             <a:r>
-              <a:rPr lang="en-US" sz="2800" dirty="0">
+              <a:rPr lang="en-US" sz="2800" b="1" dirty="0">
                 <a:solidFill>
                   <a:srgbClr val="FFFF00"/>
                 </a:solidFill>
@@ -28118,7 +28118,7 @@
               <a:buSzPct val="25000"/>
             </a:pPr>
             <a:r>
-              <a:rPr lang="en-US" sz="2800" dirty="0" err="1">
+              <a:rPr lang="en-US" sz="2800" b="1" dirty="0" err="1">
                 <a:solidFill>
                   <a:srgbClr val="FFFF00"/>
                 </a:solidFill>
@@ -28130,7 +28130,7 @@
               <a:t>bigword</a:t>
             </a:r>
             <a:r>
-              <a:rPr lang="en-US" sz="2800" dirty="0">
+              <a:rPr lang="en-US" sz="2800" b="1" dirty="0">
                 <a:solidFill>
                   <a:srgbClr val="FFFF00"/>
                 </a:solidFill>
@@ -28150,7 +28150,7 @@
               <a:buSzPct val="25000"/>
             </a:pPr>
             <a:r>
-              <a:rPr lang="en-US" sz="2800" dirty="0">
+              <a:rPr lang="en-US" sz="2800" b="1" dirty="0">
                 <a:solidFill>
                   <a:srgbClr val="00FA00"/>
                 </a:solidFill>
@@ -28162,7 +28162,7 @@
               <a:t>for </a:t>
             </a:r>
             <a:r>
-              <a:rPr lang="en-US" sz="2800" dirty="0" err="1">
+              <a:rPr lang="en-US" sz="2800" b="1" dirty="0" err="1">
                 <a:solidFill>
                   <a:srgbClr val="00FA00"/>
                 </a:solidFill>
@@ -28174,7 +28174,7 @@
               <a:t>word,count</a:t>
             </a:r>
             <a:r>
-              <a:rPr lang="en-US" sz="2800" dirty="0">
+              <a:rPr lang="en-US" sz="2800" b="1" dirty="0">
                 <a:solidFill>
                   <a:srgbClr val="00FA00"/>
                 </a:solidFill>
@@ -28186,7 +28186,7 @@
               <a:t> in </a:t>
             </a:r>
             <a:r>
-              <a:rPr lang="en-US" sz="2800" dirty="0" err="1">
+              <a:rPr lang="en-US" sz="2800" b="1" dirty="0" err="1">
                 <a:solidFill>
                   <a:srgbClr val="00FA00"/>
                 </a:solidFill>
@@ -28198,7 +28198,7 @@
               <a:t>counts.items</a:t>
             </a:r>
             <a:r>
-              <a:rPr lang="en-US" sz="2800" dirty="0">
+              <a:rPr lang="en-US" sz="2800" b="1" dirty="0">
                 <a:solidFill>
                   <a:srgbClr val="00FA00"/>
                 </a:solidFill>
@@ -28218,7 +28218,7 @@
               <a:buSzPct val="25000"/>
             </a:pPr>
             <a:r>
-              <a:rPr lang="en-US" sz="2800" dirty="0">
+              <a:rPr lang="en-US" sz="2800" b="1" dirty="0">
                 <a:solidFill>
                   <a:srgbClr val="FF9300"/>
                 </a:solidFill>
@@ -28230,7 +28230,7 @@
               <a:t>    if </a:t>
             </a:r>
             <a:r>
-              <a:rPr lang="en-US" sz="2800" dirty="0" err="1">
+              <a:rPr lang="en-US" sz="2800" b="1" dirty="0" err="1">
                 <a:solidFill>
                   <a:srgbClr val="FF9300"/>
                 </a:solidFill>
@@ -28242,7 +28242,7 @@
               <a:t>bigcount</a:t>
             </a:r>
             <a:r>
-              <a:rPr lang="en-US" sz="2800" dirty="0">
+              <a:rPr lang="en-US" sz="2800" b="1" dirty="0">
                 <a:solidFill>
                   <a:srgbClr val="FF9300"/>
                 </a:solidFill>
@@ -28254,7 +28254,7 @@
               <a:t> is None or count &gt; </a:t>
             </a:r>
             <a:r>
-              <a:rPr lang="en-US" sz="2800" dirty="0" err="1">
+              <a:rPr lang="en-US" sz="2800" b="1" dirty="0" err="1">
                 <a:solidFill>
                   <a:srgbClr val="FF9300"/>
                 </a:solidFill>
@@ -28266,7 +28266,7 @@
               <a:t>bigcount</a:t>
             </a:r>
             <a:r>
-              <a:rPr lang="en-US" sz="2800" dirty="0">
+              <a:rPr lang="en-US" sz="2800" b="1" dirty="0">
                 <a:solidFill>
                   <a:srgbClr val="FF9300"/>
                 </a:solidFill>
@@ -28286,7 +28286,7 @@
               <a:buSzPct val="25000"/>
             </a:pPr>
             <a:r>
-              <a:rPr lang="en-US" sz="2800" dirty="0">
+              <a:rPr lang="en-US" sz="2800" b="1" dirty="0">
                 <a:solidFill>
                   <a:srgbClr val="FF9300"/>
                 </a:solidFill>
@@ -28298,7 +28298,7 @@
               <a:t>        </a:t>
             </a:r>
             <a:r>
-              <a:rPr lang="en-US" sz="2800" dirty="0" err="1">
+              <a:rPr lang="en-US" sz="2800" b="1" dirty="0" err="1">
                 <a:solidFill>
                   <a:srgbClr val="FF9300"/>
                 </a:solidFill>
@@ -28310,7 +28310,7 @@
               <a:t>bigword</a:t>
             </a:r>
             <a:r>
-              <a:rPr lang="en-US" sz="2800" dirty="0">
+              <a:rPr lang="en-US" sz="2800" b="1" dirty="0">
                 <a:solidFill>
                   <a:srgbClr val="FF9300"/>
                 </a:solidFill>
@@ -28330,7 +28330,7 @@
               <a:buSzPct val="25000"/>
             </a:pPr>
             <a:r>
-              <a:rPr lang="en-US" sz="2800" dirty="0">
+              <a:rPr lang="en-US" sz="2800" b="1" dirty="0">
                 <a:solidFill>
                   <a:srgbClr val="FF9300"/>
                 </a:solidFill>
@@ -28342,7 +28342,7 @@
               <a:t>        </a:t>
             </a:r>
             <a:r>
-              <a:rPr lang="en-US" sz="2800" dirty="0" err="1">
+              <a:rPr lang="en-US" sz="2800" b="1" dirty="0" err="1">
                 <a:solidFill>
                   <a:srgbClr val="FF9300"/>
                 </a:solidFill>
@@ -28354,7 +28354,7 @@
               <a:t>bigcount</a:t>
             </a:r>
             <a:r>
-              <a:rPr lang="en-US" sz="2800" dirty="0">
+              <a:rPr lang="en-US" sz="2800" b="1" dirty="0">
                 <a:solidFill>
                   <a:srgbClr val="FF9300"/>
                 </a:solidFill>
@@ -28372,7 +28372,7 @@
                 <a:srgbClr val="00FF00"/>
               </a:buClr>
             </a:pPr>
-            <a:endParaRPr lang="en-US" sz="2800" dirty="0">
+            <a:endParaRPr lang="en-US" sz="2800" b="1" dirty="0">
               <a:solidFill>
                 <a:srgbClr val="00FF00"/>
               </a:solidFill>
@@ -28390,7 +28390,7 @@
               <a:buSzPct val="25000"/>
             </a:pPr>
             <a:r>
-              <a:rPr lang="en-US" sz="2800" dirty="0">
+              <a:rPr lang="en-US" sz="2800" b="1" dirty="0">
                 <a:solidFill>
                   <a:srgbClr val="FFFF00"/>
                 </a:solidFill>
@@ -28402,7 +28402,7 @@
               <a:t>print(</a:t>
             </a:r>
             <a:r>
-              <a:rPr lang="en-US" sz="2800" dirty="0" err="1">
+              <a:rPr lang="en-US" sz="2800" b="1" dirty="0" err="1">
                 <a:solidFill>
                   <a:srgbClr val="FFFF00"/>
                 </a:solidFill>
@@ -28414,7 +28414,7 @@
               <a:t>bigword</a:t>
             </a:r>
             <a:r>
-              <a:rPr lang="en-US" sz="2800" dirty="0">
+              <a:rPr lang="en-US" sz="2800" b="1" dirty="0">
                 <a:solidFill>
                   <a:srgbClr val="FFFF00"/>
                 </a:solidFill>
@@ -28426,7 +28426,7 @@
               <a:t>, </a:t>
             </a:r>
             <a:r>
-              <a:rPr lang="en-US" sz="2800" dirty="0" err="1">
+              <a:rPr lang="en-US" sz="2800" b="1" dirty="0" err="1">
                 <a:solidFill>
                   <a:srgbClr val="FFFF00"/>
                 </a:solidFill>
@@ -28438,7 +28438,7 @@
               <a:t>bigcount</a:t>
             </a:r>
             <a:r>
-              <a:rPr lang="en-US" sz="2800" dirty="0">
+              <a:rPr lang="en-US" sz="2800" b="1" dirty="0">
                 <a:solidFill>
                   <a:srgbClr val="FFFF00"/>
                 </a:solidFill>
@@ -28639,7 +28639,7 @@
               <a:buNone/>
             </a:pPr>
             <a:r>
-              <a:rPr lang="en-US" sz="2800" i="0" u="none" strike="noStrike" cap="none" dirty="0">
+              <a:rPr lang="en-US" sz="2800" b="1" i="0" u="none" strike="noStrike" cap="none" dirty="0">
                 <a:solidFill>
                   <a:srgbClr val="FFFF00"/>
                 </a:solidFill>
@@ -28651,7 +28651,7 @@
               <a:t>name = </a:t>
             </a:r>
             <a:r>
-              <a:rPr lang="en-US" sz="2800" i="0" u="none" strike="noStrike" cap="none" dirty="0">
+              <a:rPr lang="en-US" sz="2800" b="1" i="0" u="none" strike="noStrike" cap="none" dirty="0">
                 <a:solidFill>
                   <a:schemeClr val="bg1"/>
                 </a:solidFill>
@@ -28663,7 +28663,7 @@
               <a:t>input</a:t>
             </a:r>
             <a:r>
-              <a:rPr lang="en-US" sz="2800" i="0" u="none" strike="noStrike" cap="none" dirty="0">
+              <a:rPr lang="en-US" sz="2800" b="1" i="0" u="none" strike="noStrike" cap="none" dirty="0">
                 <a:solidFill>
                   <a:srgbClr val="FFFF00"/>
                 </a:solidFill>
@@ -28694,7 +28694,7 @@
               <a:buNone/>
             </a:pPr>
             <a:r>
-              <a:rPr lang="en-US" sz="2800" i="0" u="none" strike="noStrike" cap="none" dirty="0">
+              <a:rPr lang="en-US" sz="2800" b="1" i="0" u="none" strike="noStrike" cap="none" dirty="0">
                 <a:solidFill>
                   <a:srgbClr val="FFFF00"/>
                 </a:solidFill>
@@ -28719,7 +28719,7 @@
               </a:spcAft>
               <a:buNone/>
             </a:pPr>
-            <a:endParaRPr sz="2800" i="0" u="none" strike="noStrike" cap="none" dirty="0">
+            <a:endParaRPr sz="2800" b="1" i="0" u="none" strike="noStrike" cap="none" dirty="0">
               <a:solidFill>
                 <a:srgbClr val="00FF00"/>
               </a:solidFill>
@@ -28748,7 +28748,7 @@
               <a:buNone/>
             </a:pPr>
             <a:r>
-              <a:rPr lang="en-US" sz="2800" i="0" u="none" strike="noStrike" cap="none" dirty="0">
+              <a:rPr lang="en-US" sz="2800" b="1" i="0" u="none" strike="noStrike" cap="none" dirty="0">
                 <a:solidFill>
                   <a:srgbClr val="FFFF00"/>
                 </a:solidFill>
@@ -28760,7 +28760,7 @@
               <a:t>counts = </a:t>
             </a:r>
             <a:r>
-              <a:rPr lang="en-US" sz="2800" i="0" u="none" strike="noStrike" cap="none" dirty="0" err="1">
+              <a:rPr lang="en-US" sz="2800" b="1" i="0" u="none" strike="noStrike" cap="none" dirty="0" err="1">
                 <a:solidFill>
                   <a:srgbClr val="FFFF00"/>
                 </a:solidFill>
@@ -28772,7 +28772,7 @@
               <a:t>dict</a:t>
             </a:r>
             <a:r>
-              <a:rPr lang="en-US" sz="2800" i="0" u="none" strike="noStrike" cap="none" dirty="0">
+              <a:rPr lang="en-US" sz="2800" b="1" i="0" u="none" strike="noStrike" cap="none" dirty="0">
                 <a:solidFill>
                   <a:srgbClr val="FFFF00"/>
                 </a:solidFill>
@@ -28792,7 +28792,7 @@
               <a:buSzPct val="25000"/>
             </a:pPr>
             <a:r>
-              <a:rPr lang="en-US" sz="2800" dirty="0">
+              <a:rPr lang="en-US" sz="2800" b="1" dirty="0">
                 <a:solidFill>
                   <a:srgbClr val="00FF00"/>
                 </a:solidFill>
@@ -28812,7 +28812,7 @@
               <a:buSzPct val="25000"/>
             </a:pPr>
             <a:r>
-              <a:rPr lang="en-US" sz="2800" dirty="0">
+              <a:rPr lang="en-US" sz="2800" b="1" dirty="0">
                 <a:solidFill>
                   <a:srgbClr val="00FF00"/>
                 </a:solidFill>
@@ -28824,7 +28824,7 @@
               <a:t>    words = </a:t>
             </a:r>
             <a:r>
-              <a:rPr lang="en-US" sz="2800" dirty="0" err="1">
+              <a:rPr lang="en-US" sz="2800" b="1" dirty="0" err="1">
                 <a:solidFill>
                   <a:srgbClr val="00FF00"/>
                 </a:solidFill>
@@ -28836,7 +28836,7 @@
               <a:t>line.split</a:t>
             </a:r>
             <a:r>
-              <a:rPr lang="en-US" sz="2800" dirty="0">
+              <a:rPr lang="en-US" sz="2800" b="1" dirty="0">
                 <a:solidFill>
                   <a:srgbClr val="00FF00"/>
                 </a:solidFill>
@@ -28856,7 +28856,7 @@
               <a:buSzPct val="25000"/>
             </a:pPr>
             <a:r>
-              <a:rPr lang="en-US" sz="2800" dirty="0">
+              <a:rPr lang="en-US" sz="2800" b="1" dirty="0">
                 <a:solidFill>
                   <a:srgbClr val="00FF00"/>
                 </a:solidFill>
@@ -28876,7 +28876,7 @@
               <a:buSzPct val="25000"/>
             </a:pPr>
             <a:r>
-              <a:rPr lang="en-US" sz="2800" dirty="0">
+              <a:rPr lang="en-US" sz="2800" b="1" dirty="0">
                 <a:solidFill>
                   <a:srgbClr val="00FF00"/>
                 </a:solidFill>
@@ -28888,7 +28888,7 @@
               <a:t>        counts[word] = </a:t>
             </a:r>
             <a:r>
-              <a:rPr lang="en-US" sz="2800" dirty="0" err="1">
+              <a:rPr lang="en-US" sz="2800" b="1" dirty="0" err="1">
                 <a:solidFill>
                   <a:srgbClr val="00FF00"/>
                 </a:solidFill>
@@ -28900,7 +28900,7 @@
               <a:t>counts.get</a:t>
             </a:r>
             <a:r>
-              <a:rPr lang="en-US" sz="2800" dirty="0">
+              <a:rPr lang="en-US" sz="2800" b="1" dirty="0">
                 <a:solidFill>
                   <a:srgbClr val="00FF00"/>
                 </a:solidFill>
@@ -28930,7 +28930,7 @@
               <a:buFont typeface="Cabin"/>
               <a:buNone/>
             </a:pPr>
-            <a:endParaRPr lang="en-US" sz="2800" i="0" u="none" strike="noStrike" cap="none" dirty="0">
+            <a:endParaRPr lang="en-US" sz="2800" b="1" i="0" u="none" strike="noStrike" cap="none" dirty="0">
               <a:solidFill>
                 <a:srgbClr val="00FF00"/>
               </a:solidFill>
@@ -28959,7 +28959,7 @@
               <a:buNone/>
             </a:pPr>
             <a:r>
-              <a:rPr lang="en-US" sz="2800" i="0" u="none" strike="noStrike" cap="none" dirty="0" err="1">
+              <a:rPr lang="en-US" sz="2800" b="1" i="0" u="none" strike="noStrike" cap="none" dirty="0" err="1">
                 <a:solidFill>
                   <a:srgbClr val="FFFF00"/>
                 </a:solidFill>
@@ -28971,7 +28971,7 @@
               <a:t>bigcount</a:t>
             </a:r>
             <a:r>
-              <a:rPr lang="en-US" sz="2800" i="0" u="none" strike="noStrike" cap="none" dirty="0">
+              <a:rPr lang="en-US" sz="2800" b="1" i="0" u="none" strike="noStrike" cap="none" dirty="0">
                 <a:solidFill>
                   <a:srgbClr val="FFFF00"/>
                 </a:solidFill>
@@ -29002,7 +29002,7 @@
               <a:buNone/>
             </a:pPr>
             <a:r>
-              <a:rPr lang="en-US" sz="2800" i="0" u="none" strike="noStrike" cap="none" dirty="0" err="1">
+              <a:rPr lang="en-US" sz="2800" b="1" i="0" u="none" strike="noStrike" cap="none" dirty="0" err="1">
                 <a:solidFill>
                   <a:srgbClr val="FFFF00"/>
                 </a:solidFill>
@@ -29014,7 +29014,7 @@
               <a:t>bigword</a:t>
             </a:r>
             <a:r>
-              <a:rPr lang="en-US" sz="2800" i="0" u="none" strike="noStrike" cap="none" dirty="0">
+              <a:rPr lang="en-US" sz="2800" b="1" i="0" u="none" strike="noStrike" cap="none" dirty="0">
                 <a:solidFill>
                   <a:srgbClr val="FFFF00"/>
                 </a:solidFill>
@@ -29045,7 +29045,7 @@
               <a:buNone/>
             </a:pPr>
             <a:r>
-              <a:rPr lang="en-US" sz="2800" i="0" u="none" strike="noStrike" cap="none" dirty="0">
+              <a:rPr lang="en-US" sz="2800" b="1" i="0" u="none" strike="noStrike" cap="none" dirty="0">
                 <a:solidFill>
                   <a:srgbClr val="00FF00"/>
                 </a:solidFill>
@@ -29057,7 +29057,7 @@
               <a:t>for </a:t>
             </a:r>
             <a:r>
-              <a:rPr lang="en-US" sz="2800" i="0" u="none" strike="noStrike" cap="none" dirty="0" err="1">
+              <a:rPr lang="en-US" sz="2800" b="1" i="0" u="none" strike="noStrike" cap="none" dirty="0" err="1">
                 <a:solidFill>
                   <a:srgbClr val="00FF00"/>
                 </a:solidFill>
@@ -29069,7 +29069,7 @@
               <a:t>word,count</a:t>
             </a:r>
             <a:r>
-              <a:rPr lang="en-US" sz="2800" i="0" u="none" strike="noStrike" cap="none" dirty="0">
+              <a:rPr lang="en-US" sz="2800" b="1" i="0" u="none" strike="noStrike" cap="none" dirty="0">
                 <a:solidFill>
                   <a:srgbClr val="00FF00"/>
                 </a:solidFill>
@@ -29081,7 +29081,7 @@
               <a:t> in </a:t>
             </a:r>
             <a:r>
-              <a:rPr lang="en-US" sz="2800" i="0" u="none" strike="noStrike" cap="none" dirty="0" err="1">
+              <a:rPr lang="en-US" sz="2800" b="1" i="0" u="none" strike="noStrike" cap="none" dirty="0" err="1">
                 <a:solidFill>
                   <a:srgbClr val="00FF00"/>
                 </a:solidFill>
@@ -29093,7 +29093,7 @@
               <a:t>counts.items</a:t>
             </a:r>
             <a:r>
-              <a:rPr lang="en-US" sz="2800" i="0" u="none" strike="noStrike" cap="none" dirty="0">
+              <a:rPr lang="en-US" sz="2800" b="1" i="0" u="none" strike="noStrike" cap="none" dirty="0">
                 <a:solidFill>
                   <a:srgbClr val="00FF00"/>
                 </a:solidFill>
@@ -29124,7 +29124,7 @@
               <a:buNone/>
             </a:pPr>
             <a:r>
-              <a:rPr lang="en-US" sz="2800" i="0" u="none" strike="noStrike" cap="none" dirty="0">
+              <a:rPr lang="en-US" sz="2800" b="1" i="0" u="none" strike="noStrike" cap="none" dirty="0">
                 <a:solidFill>
                   <a:srgbClr val="FF00FF"/>
                 </a:solidFill>
@@ -29136,7 +29136,7 @@
               <a:t>  </a:t>
             </a:r>
             <a:r>
-              <a:rPr lang="en-US" sz="2800" i="0" u="none" strike="noStrike" cap="none" dirty="0">
+              <a:rPr lang="en-US" sz="2800" b="1" i="0" u="none" strike="noStrike" cap="none" dirty="0">
                 <a:solidFill>
                   <a:srgbClr val="FF7F00"/>
                 </a:solidFill>
@@ -29148,7 +29148,7 @@
               <a:t>  </a:t>
             </a:r>
             <a:r>
-              <a:rPr lang="en-US" sz="2800" i="0" u="none" strike="noStrike" cap="none" dirty="0">
+              <a:rPr lang="en-US" sz="2800" b="1" i="0" u="none" strike="noStrike" cap="none" dirty="0">
                 <a:solidFill>
                   <a:srgbClr val="FF9900"/>
                 </a:solidFill>
@@ -29160,7 +29160,7 @@
               <a:t>if </a:t>
             </a:r>
             <a:r>
-              <a:rPr lang="en-US" sz="2800" i="0" u="none" strike="noStrike" cap="none" dirty="0" err="1">
+              <a:rPr lang="en-US" sz="2800" b="1" i="0" u="none" strike="noStrike" cap="none" dirty="0" err="1">
                 <a:solidFill>
                   <a:srgbClr val="FF9900"/>
                 </a:solidFill>
@@ -29172,7 +29172,7 @@
               <a:t>bigcount</a:t>
             </a:r>
             <a:r>
-              <a:rPr lang="en-US" sz="2800" i="0" u="none" strike="noStrike" cap="none" dirty="0">
+              <a:rPr lang="en-US" sz="2800" b="1" i="0" u="none" strike="noStrike" cap="none" dirty="0">
                 <a:solidFill>
                   <a:srgbClr val="FF9900"/>
                 </a:solidFill>
@@ -29184,7 +29184,7 @@
               <a:t> is None or count &gt; </a:t>
             </a:r>
             <a:r>
-              <a:rPr lang="en-US" sz="2800" i="0" u="none" strike="noStrike" cap="none" dirty="0" err="1">
+              <a:rPr lang="en-US" sz="2800" b="1" i="0" u="none" strike="noStrike" cap="none" dirty="0" err="1">
                 <a:solidFill>
                   <a:srgbClr val="FF9900"/>
                 </a:solidFill>
@@ -29196,7 +29196,7 @@
               <a:t>bigcount</a:t>
             </a:r>
             <a:r>
-              <a:rPr lang="en-US" sz="2800" i="0" u="none" strike="noStrike" cap="none" dirty="0">
+              <a:rPr lang="en-US" sz="2800" b="1" i="0" u="none" strike="noStrike" cap="none" dirty="0">
                 <a:solidFill>
                   <a:srgbClr val="FF9900"/>
                 </a:solidFill>
@@ -29227,7 +29227,7 @@
               <a:buNone/>
             </a:pPr>
             <a:r>
-              <a:rPr lang="en-US" sz="2800" i="0" u="none" strike="noStrike" cap="none" dirty="0">
+              <a:rPr lang="en-US" sz="2800" b="1" i="0" u="none" strike="noStrike" cap="none" dirty="0">
                 <a:solidFill>
                   <a:srgbClr val="FF9900"/>
                 </a:solidFill>
@@ -29239,7 +29239,7 @@
               <a:t>        </a:t>
             </a:r>
             <a:r>
-              <a:rPr lang="en-US" sz="2800" i="0" u="none" strike="noStrike" cap="none" dirty="0" err="1">
+              <a:rPr lang="en-US" sz="2800" b="1" i="0" u="none" strike="noStrike" cap="none" dirty="0" err="1">
                 <a:solidFill>
                   <a:srgbClr val="FF9900"/>
                 </a:solidFill>
@@ -29251,7 +29251,7 @@
               <a:t>bigword</a:t>
             </a:r>
             <a:r>
-              <a:rPr lang="en-US" sz="2800" i="0" u="none" strike="noStrike" cap="none" dirty="0">
+              <a:rPr lang="en-US" sz="2800" b="1" i="0" u="none" strike="noStrike" cap="none" dirty="0">
                 <a:solidFill>
                   <a:srgbClr val="FF9900"/>
                 </a:solidFill>
@@ -29282,7 +29282,7 @@
               <a:buNone/>
             </a:pPr>
             <a:r>
-              <a:rPr lang="en-US" sz="2800" i="0" u="none" strike="noStrike" cap="none" dirty="0">
+              <a:rPr lang="en-US" sz="2800" b="1" i="0" u="none" strike="noStrike" cap="none" dirty="0">
                 <a:solidFill>
                   <a:srgbClr val="FF9900"/>
                 </a:solidFill>
@@ -29294,7 +29294,7 @@
               <a:t>        </a:t>
             </a:r>
             <a:r>
-              <a:rPr lang="en-US" sz="2800" i="0" u="none" strike="noStrike" cap="none" dirty="0" err="1">
+              <a:rPr lang="en-US" sz="2800" b="1" i="0" u="none" strike="noStrike" cap="none" dirty="0" err="1">
                 <a:solidFill>
                   <a:srgbClr val="FF9900"/>
                 </a:solidFill>
@@ -29306,7 +29306,7 @@
               <a:t>bigcount</a:t>
             </a:r>
             <a:r>
-              <a:rPr lang="en-US" sz="2800" i="0" u="none" strike="noStrike" cap="none" dirty="0">
+              <a:rPr lang="en-US" sz="2800" b="1" i="0" u="none" strike="noStrike" cap="none" dirty="0">
                 <a:solidFill>
                   <a:srgbClr val="FF9900"/>
                 </a:solidFill>
@@ -29335,7 +29335,7 @@
               <a:buFont typeface="Cabin"/>
               <a:buNone/>
             </a:pPr>
-            <a:endParaRPr sz="2800" dirty="0">
+            <a:endParaRPr sz="2800" b="1" dirty="0">
               <a:solidFill>
                 <a:srgbClr val="00FF00"/>
               </a:solidFill>
@@ -29364,7 +29364,7 @@
               <a:buNone/>
             </a:pPr>
             <a:r>
-              <a:rPr lang="en-US" sz="2800" i="0" u="none" strike="noStrike" cap="none" dirty="0">
+              <a:rPr lang="en-US" sz="2800" b="1" i="0" u="none" strike="noStrike" cap="none" dirty="0">
                 <a:solidFill>
                   <a:srgbClr val="FFFF00"/>
                 </a:solidFill>
@@ -29376,7 +29376,7 @@
               <a:t>print(</a:t>
             </a:r>
             <a:r>
-              <a:rPr lang="en-US" sz="2800" i="0" u="none" strike="noStrike" cap="none" dirty="0" err="1">
+              <a:rPr lang="en-US" sz="2800" b="1" i="0" u="none" strike="noStrike" cap="none" dirty="0" err="1">
                 <a:solidFill>
                   <a:srgbClr val="FFFF00"/>
                 </a:solidFill>
@@ -29388,7 +29388,7 @@
               <a:t>bigword</a:t>
             </a:r>
             <a:r>
-              <a:rPr lang="en-US" sz="2800" i="0" u="none" strike="noStrike" cap="none" dirty="0">
+              <a:rPr lang="en-US" sz="2800" b="1" i="0" u="none" strike="noStrike" cap="none" dirty="0">
                 <a:solidFill>
                   <a:srgbClr val="FFFF00"/>
                 </a:solidFill>
@@ -29400,7 +29400,7 @@
               <a:t>, </a:t>
             </a:r>
             <a:r>
-              <a:rPr lang="en-US" sz="2800" i="0" u="none" strike="noStrike" cap="none" dirty="0" err="1">
+              <a:rPr lang="en-US" sz="2800" b="1" i="0" u="none" strike="noStrike" cap="none" dirty="0" err="1">
                 <a:solidFill>
                   <a:srgbClr val="FFFF00"/>
                 </a:solidFill>
@@ -29412,7 +29412,7 @@
               <a:t>bigcount</a:t>
             </a:r>
             <a:r>
-              <a:rPr lang="en-US" sz="2800" i="0" u="none" strike="noStrike" cap="none" dirty="0">
+              <a:rPr lang="en-US" sz="2800" b="1" i="0" u="none" strike="noStrike" cap="none" dirty="0">
                 <a:solidFill>
                   <a:srgbClr val="FFFF00"/>
                 </a:solidFill>

--- a/lectures3/Pythonlearn-01-Intro.pptx
+++ b/lectures3/Pythonlearn-01-Intro.pptx
@@ -15481,8 +15481,17 @@
                 <a:cs typeface="Courier"/>
                 <a:sym typeface="Courier New"/>
               </a:rPr>
-              <a:t>01001001</a:t>
-            </a:r>
+              <a:t>1110010</a:t>
+            </a:r>
+            <a:endParaRPr lang="en-US" sz="2600" b="1" dirty="0">
+              <a:solidFill>
+                <a:schemeClr val="accent4"/>
+              </a:solidFill>
+              <a:latin typeface="Courier"/>
+              <a:ea typeface="Courier"/>
+              <a:cs typeface="Courier"/>
+              <a:sym typeface="Courier New"/>
+            </a:endParaRPr>
           </a:p>
           <a:p>
             <a:pPr marL="0" marR="0" lvl="0" indent="0" algn="ctr" rtl="0">
@@ -15512,7 +15521,7 @@
                 <a:cs typeface="Courier"/>
                 <a:sym typeface="Courier New"/>
               </a:rPr>
-              <a:t>00111001</a:t>
+              <a:t>11101000</a:t>
             </a:r>
           </a:p>
         </p:txBody>
